--- a/1st_study.pptx
+++ b/1st_study.pptx
@@ -20,6 +20,9 @@
     <p:sldId id="268" r:id="rId14"/>
     <p:sldId id="270" r:id="rId15"/>
     <p:sldId id="269" r:id="rId16"/>
+    <p:sldId id="271" r:id="rId17"/>
+    <p:sldId id="272" r:id="rId18"/>
+    <p:sldId id="273" r:id="rId19"/>
   </p:sldIdLst>
   <p:sldSz cx="12192000" cy="6858000"/>
   <p:notesSz cx="6858000" cy="9144000"/>
@@ -118,6 +121,11 @@
       </a:defRPr>
     </a:lvl9pPr>
   </p:defaultTextStyle>
+  <p:extLst>
+    <p:ext uri="{EFAFB233-063F-42B5-8137-9DF3F51BA10A}">
+      <p15:sldGuideLst xmlns:p15="http://schemas.microsoft.com/office/powerpoint/2012/main"/>
+    </p:ext>
+  </p:extLst>
 </p:presentation>
 </file>
 
@@ -163,10 +171,9 @@
           </a:lstStyle>
           <a:p>
             <a:r>
-              <a:rPr lang="ko-KR" altLang="en-US" smtClean="0"/>
+              <a:rPr lang="ko-KR" altLang="en-US"/>
               <a:t>마스터 제목 스타일 편집</a:t>
             </a:r>
-            <a:endParaRPr lang="ko-KR" altLang="en-US"/>
           </a:p>
         </p:txBody>
       </p:sp>
@@ -228,10 +235,9 @@
           </a:lstStyle>
           <a:p>
             <a:r>
-              <a:rPr lang="ko-KR" altLang="en-US" smtClean="0"/>
+              <a:rPr lang="ko-KR" altLang="en-US"/>
               <a:t>클릭하여 마스터 부제목 스타일 편집</a:t>
             </a:r>
-            <a:endParaRPr lang="ko-KR" altLang="en-US"/>
           </a:p>
         </p:txBody>
       </p:sp>
@@ -252,7 +258,7 @@
           <a:p>
             <a:fld id="{95EEA876-5273-4CAB-BA26-F236DBAE536A}" type="datetimeFigureOut">
               <a:rPr lang="ko-KR" altLang="en-US" smtClean="0"/>
-              <a:t>2019-11-20</a:t>
+              <a:t>2019-11-21</a:t>
             </a:fld>
             <a:endParaRPr lang="ko-KR" altLang="en-US"/>
           </a:p>
@@ -346,10 +352,9 @@
           <a:lstStyle/>
           <a:p>
             <a:r>
-              <a:rPr lang="ko-KR" altLang="en-US" smtClean="0"/>
+              <a:rPr lang="ko-KR" altLang="en-US"/>
               <a:t>마스터 제목 스타일 편집</a:t>
             </a:r>
-            <a:endParaRPr lang="ko-KR" altLang="en-US"/>
           </a:p>
         </p:txBody>
       </p:sp>
@@ -370,38 +375,37 @@
           <a:p>
             <a:pPr lvl="0"/>
             <a:r>
-              <a:rPr lang="ko-KR" altLang="en-US" smtClean="0"/>
+              <a:rPr lang="ko-KR" altLang="en-US"/>
               <a:t>마스터 텍스트 스타일 편집</a:t>
             </a:r>
           </a:p>
           <a:p>
             <a:pPr lvl="1"/>
             <a:r>
-              <a:rPr lang="ko-KR" altLang="en-US" smtClean="0"/>
+              <a:rPr lang="ko-KR" altLang="en-US"/>
               <a:t>둘째 수준</a:t>
             </a:r>
           </a:p>
           <a:p>
             <a:pPr lvl="2"/>
             <a:r>
-              <a:rPr lang="ko-KR" altLang="en-US" smtClean="0"/>
+              <a:rPr lang="ko-KR" altLang="en-US"/>
               <a:t>셋째 수준</a:t>
             </a:r>
           </a:p>
           <a:p>
             <a:pPr lvl="3"/>
             <a:r>
-              <a:rPr lang="ko-KR" altLang="en-US" smtClean="0"/>
+              <a:rPr lang="ko-KR" altLang="en-US"/>
               <a:t>넷째 수준</a:t>
             </a:r>
           </a:p>
           <a:p>
             <a:pPr lvl="4"/>
             <a:r>
-              <a:rPr lang="ko-KR" altLang="en-US" smtClean="0"/>
+              <a:rPr lang="ko-KR" altLang="en-US"/>
               <a:t>다섯째 수준</a:t>
             </a:r>
-            <a:endParaRPr lang="ko-KR" altLang="en-US"/>
           </a:p>
         </p:txBody>
       </p:sp>
@@ -422,7 +426,7 @@
           <a:p>
             <a:fld id="{95EEA876-5273-4CAB-BA26-F236DBAE536A}" type="datetimeFigureOut">
               <a:rPr lang="ko-KR" altLang="en-US" smtClean="0"/>
-              <a:t>2019-11-20</a:t>
+              <a:t>2019-11-21</a:t>
             </a:fld>
             <a:endParaRPr lang="ko-KR" altLang="en-US"/>
           </a:p>
@@ -521,10 +525,9 @@
           <a:lstStyle/>
           <a:p>
             <a:r>
-              <a:rPr lang="ko-KR" altLang="en-US" smtClean="0"/>
+              <a:rPr lang="ko-KR" altLang="en-US"/>
               <a:t>마스터 제목 스타일 편집</a:t>
             </a:r>
-            <a:endParaRPr lang="ko-KR" altLang="en-US"/>
           </a:p>
         </p:txBody>
       </p:sp>
@@ -550,38 +553,37 @@
           <a:p>
             <a:pPr lvl="0"/>
             <a:r>
-              <a:rPr lang="ko-KR" altLang="en-US" smtClean="0"/>
+              <a:rPr lang="ko-KR" altLang="en-US"/>
               <a:t>마스터 텍스트 스타일 편집</a:t>
             </a:r>
           </a:p>
           <a:p>
             <a:pPr lvl="1"/>
             <a:r>
-              <a:rPr lang="ko-KR" altLang="en-US" smtClean="0"/>
+              <a:rPr lang="ko-KR" altLang="en-US"/>
               <a:t>둘째 수준</a:t>
             </a:r>
           </a:p>
           <a:p>
             <a:pPr lvl="2"/>
             <a:r>
-              <a:rPr lang="ko-KR" altLang="en-US" smtClean="0"/>
+              <a:rPr lang="ko-KR" altLang="en-US"/>
               <a:t>셋째 수준</a:t>
             </a:r>
           </a:p>
           <a:p>
             <a:pPr lvl="3"/>
             <a:r>
-              <a:rPr lang="ko-KR" altLang="en-US" smtClean="0"/>
+              <a:rPr lang="ko-KR" altLang="en-US"/>
               <a:t>넷째 수준</a:t>
             </a:r>
           </a:p>
           <a:p>
             <a:pPr lvl="4"/>
             <a:r>
-              <a:rPr lang="ko-KR" altLang="en-US" smtClean="0"/>
+              <a:rPr lang="ko-KR" altLang="en-US"/>
               <a:t>다섯째 수준</a:t>
             </a:r>
-            <a:endParaRPr lang="ko-KR" altLang="en-US"/>
           </a:p>
         </p:txBody>
       </p:sp>
@@ -602,7 +604,7 @@
           <a:p>
             <a:fld id="{95EEA876-5273-4CAB-BA26-F236DBAE536A}" type="datetimeFigureOut">
               <a:rPr lang="ko-KR" altLang="en-US" smtClean="0"/>
-              <a:t>2019-11-20</a:t>
+              <a:t>2019-11-21</a:t>
             </a:fld>
             <a:endParaRPr lang="ko-KR" altLang="en-US"/>
           </a:p>
@@ -696,10 +698,9 @@
           <a:lstStyle/>
           <a:p>
             <a:r>
-              <a:rPr lang="ko-KR" altLang="en-US" smtClean="0"/>
+              <a:rPr lang="ko-KR" altLang="en-US"/>
               <a:t>마스터 제목 스타일 편집</a:t>
             </a:r>
-            <a:endParaRPr lang="ko-KR" altLang="en-US"/>
           </a:p>
         </p:txBody>
       </p:sp>
@@ -720,38 +721,37 @@
           <a:p>
             <a:pPr lvl="0"/>
             <a:r>
-              <a:rPr lang="ko-KR" altLang="en-US" smtClean="0"/>
+              <a:rPr lang="ko-KR" altLang="en-US"/>
               <a:t>마스터 텍스트 스타일 편집</a:t>
             </a:r>
           </a:p>
           <a:p>
             <a:pPr lvl="1"/>
             <a:r>
-              <a:rPr lang="ko-KR" altLang="en-US" smtClean="0"/>
+              <a:rPr lang="ko-KR" altLang="en-US"/>
               <a:t>둘째 수준</a:t>
             </a:r>
           </a:p>
           <a:p>
             <a:pPr lvl="2"/>
             <a:r>
-              <a:rPr lang="ko-KR" altLang="en-US" smtClean="0"/>
+              <a:rPr lang="ko-KR" altLang="en-US"/>
               <a:t>셋째 수준</a:t>
             </a:r>
           </a:p>
           <a:p>
             <a:pPr lvl="3"/>
             <a:r>
-              <a:rPr lang="ko-KR" altLang="en-US" smtClean="0"/>
+              <a:rPr lang="ko-KR" altLang="en-US"/>
               <a:t>넷째 수준</a:t>
             </a:r>
           </a:p>
           <a:p>
             <a:pPr lvl="4"/>
             <a:r>
-              <a:rPr lang="ko-KR" altLang="en-US" smtClean="0"/>
+              <a:rPr lang="ko-KR" altLang="en-US"/>
               <a:t>다섯째 수준</a:t>
             </a:r>
-            <a:endParaRPr lang="ko-KR" altLang="en-US"/>
           </a:p>
         </p:txBody>
       </p:sp>
@@ -772,7 +772,7 @@
           <a:p>
             <a:fld id="{95EEA876-5273-4CAB-BA26-F236DBAE536A}" type="datetimeFigureOut">
               <a:rPr lang="ko-KR" altLang="en-US" smtClean="0"/>
-              <a:t>2019-11-20</a:t>
+              <a:t>2019-11-21</a:t>
             </a:fld>
             <a:endParaRPr lang="ko-KR" altLang="en-US"/>
           </a:p>
@@ -875,10 +875,9 @@
           </a:lstStyle>
           <a:p>
             <a:r>
-              <a:rPr lang="ko-KR" altLang="en-US" smtClean="0"/>
+              <a:rPr lang="ko-KR" altLang="en-US"/>
               <a:t>마스터 제목 스타일 편집</a:t>
             </a:r>
-            <a:endParaRPr lang="ko-KR" altLang="en-US"/>
           </a:p>
         </p:txBody>
       </p:sp>
@@ -995,7 +994,7 @@
           <a:p>
             <a:pPr lvl="0"/>
             <a:r>
-              <a:rPr lang="ko-KR" altLang="en-US" smtClean="0"/>
+              <a:rPr lang="ko-KR" altLang="en-US"/>
               <a:t>마스터 텍스트 스타일 편집</a:t>
             </a:r>
           </a:p>
@@ -1018,7 +1017,7 @@
           <a:p>
             <a:fld id="{95EEA876-5273-4CAB-BA26-F236DBAE536A}" type="datetimeFigureOut">
               <a:rPr lang="ko-KR" altLang="en-US" smtClean="0"/>
-              <a:t>2019-11-20</a:t>
+              <a:t>2019-11-21</a:t>
             </a:fld>
             <a:endParaRPr lang="ko-KR" altLang="en-US"/>
           </a:p>
@@ -1112,10 +1111,9 @@
           <a:lstStyle/>
           <a:p>
             <a:r>
-              <a:rPr lang="ko-KR" altLang="en-US" smtClean="0"/>
+              <a:rPr lang="ko-KR" altLang="en-US"/>
               <a:t>마스터 제목 스타일 편집</a:t>
             </a:r>
-            <a:endParaRPr lang="ko-KR" altLang="en-US"/>
           </a:p>
         </p:txBody>
       </p:sp>
@@ -1141,38 +1139,37 @@
           <a:p>
             <a:pPr lvl="0"/>
             <a:r>
-              <a:rPr lang="ko-KR" altLang="en-US" smtClean="0"/>
+              <a:rPr lang="ko-KR" altLang="en-US"/>
               <a:t>마스터 텍스트 스타일 편집</a:t>
             </a:r>
           </a:p>
           <a:p>
             <a:pPr lvl="1"/>
             <a:r>
-              <a:rPr lang="ko-KR" altLang="en-US" smtClean="0"/>
+              <a:rPr lang="ko-KR" altLang="en-US"/>
               <a:t>둘째 수준</a:t>
             </a:r>
           </a:p>
           <a:p>
             <a:pPr lvl="2"/>
             <a:r>
-              <a:rPr lang="ko-KR" altLang="en-US" smtClean="0"/>
+              <a:rPr lang="ko-KR" altLang="en-US"/>
               <a:t>셋째 수준</a:t>
             </a:r>
           </a:p>
           <a:p>
             <a:pPr lvl="3"/>
             <a:r>
-              <a:rPr lang="ko-KR" altLang="en-US" smtClean="0"/>
+              <a:rPr lang="ko-KR" altLang="en-US"/>
               <a:t>넷째 수준</a:t>
             </a:r>
           </a:p>
           <a:p>
             <a:pPr lvl="4"/>
             <a:r>
-              <a:rPr lang="ko-KR" altLang="en-US" smtClean="0"/>
+              <a:rPr lang="ko-KR" altLang="en-US"/>
               <a:t>다섯째 수준</a:t>
             </a:r>
-            <a:endParaRPr lang="ko-KR" altLang="en-US"/>
           </a:p>
         </p:txBody>
       </p:sp>
@@ -1198,38 +1195,37 @@
           <a:p>
             <a:pPr lvl="0"/>
             <a:r>
-              <a:rPr lang="ko-KR" altLang="en-US" smtClean="0"/>
+              <a:rPr lang="ko-KR" altLang="en-US"/>
               <a:t>마스터 텍스트 스타일 편집</a:t>
             </a:r>
           </a:p>
           <a:p>
             <a:pPr lvl="1"/>
             <a:r>
-              <a:rPr lang="ko-KR" altLang="en-US" smtClean="0"/>
+              <a:rPr lang="ko-KR" altLang="en-US"/>
               <a:t>둘째 수준</a:t>
             </a:r>
           </a:p>
           <a:p>
             <a:pPr lvl="2"/>
             <a:r>
-              <a:rPr lang="ko-KR" altLang="en-US" smtClean="0"/>
+              <a:rPr lang="ko-KR" altLang="en-US"/>
               <a:t>셋째 수준</a:t>
             </a:r>
           </a:p>
           <a:p>
             <a:pPr lvl="3"/>
             <a:r>
-              <a:rPr lang="ko-KR" altLang="en-US" smtClean="0"/>
+              <a:rPr lang="ko-KR" altLang="en-US"/>
               <a:t>넷째 수준</a:t>
             </a:r>
           </a:p>
           <a:p>
             <a:pPr lvl="4"/>
             <a:r>
-              <a:rPr lang="ko-KR" altLang="en-US" smtClean="0"/>
+              <a:rPr lang="ko-KR" altLang="en-US"/>
               <a:t>다섯째 수준</a:t>
             </a:r>
-            <a:endParaRPr lang="ko-KR" altLang="en-US"/>
           </a:p>
         </p:txBody>
       </p:sp>
@@ -1250,7 +1246,7 @@
           <a:p>
             <a:fld id="{95EEA876-5273-4CAB-BA26-F236DBAE536A}" type="datetimeFigureOut">
               <a:rPr lang="ko-KR" altLang="en-US" smtClean="0"/>
-              <a:t>2019-11-20</a:t>
+              <a:t>2019-11-21</a:t>
             </a:fld>
             <a:endParaRPr lang="ko-KR" altLang="en-US"/>
           </a:p>
@@ -1349,10 +1345,9 @@
           <a:lstStyle/>
           <a:p>
             <a:r>
-              <a:rPr lang="ko-KR" altLang="en-US" smtClean="0"/>
+              <a:rPr lang="ko-KR" altLang="en-US"/>
               <a:t>마스터 제목 스타일 편집</a:t>
             </a:r>
-            <a:endParaRPr lang="ko-KR" altLang="en-US"/>
           </a:p>
         </p:txBody>
       </p:sp>
@@ -1415,7 +1410,7 @@
           <a:p>
             <a:pPr lvl="0"/>
             <a:r>
-              <a:rPr lang="ko-KR" altLang="en-US" smtClean="0"/>
+              <a:rPr lang="ko-KR" altLang="en-US"/>
               <a:t>마스터 텍스트 스타일 편집</a:t>
             </a:r>
           </a:p>
@@ -1443,38 +1438,37 @@
           <a:p>
             <a:pPr lvl="0"/>
             <a:r>
-              <a:rPr lang="ko-KR" altLang="en-US" smtClean="0"/>
+              <a:rPr lang="ko-KR" altLang="en-US"/>
               <a:t>마스터 텍스트 스타일 편집</a:t>
             </a:r>
           </a:p>
           <a:p>
             <a:pPr lvl="1"/>
             <a:r>
-              <a:rPr lang="ko-KR" altLang="en-US" smtClean="0"/>
+              <a:rPr lang="ko-KR" altLang="en-US"/>
               <a:t>둘째 수준</a:t>
             </a:r>
           </a:p>
           <a:p>
             <a:pPr lvl="2"/>
             <a:r>
-              <a:rPr lang="ko-KR" altLang="en-US" smtClean="0"/>
+              <a:rPr lang="ko-KR" altLang="en-US"/>
               <a:t>셋째 수준</a:t>
             </a:r>
           </a:p>
           <a:p>
             <a:pPr lvl="3"/>
             <a:r>
-              <a:rPr lang="ko-KR" altLang="en-US" smtClean="0"/>
+              <a:rPr lang="ko-KR" altLang="en-US"/>
               <a:t>넷째 수준</a:t>
             </a:r>
           </a:p>
           <a:p>
             <a:pPr lvl="4"/>
             <a:r>
-              <a:rPr lang="ko-KR" altLang="en-US" smtClean="0"/>
+              <a:rPr lang="ko-KR" altLang="en-US"/>
               <a:t>다섯째 수준</a:t>
             </a:r>
-            <a:endParaRPr lang="ko-KR" altLang="en-US"/>
           </a:p>
         </p:txBody>
       </p:sp>
@@ -1537,7 +1531,7 @@
           <a:p>
             <a:pPr lvl="0"/>
             <a:r>
-              <a:rPr lang="ko-KR" altLang="en-US" smtClean="0"/>
+              <a:rPr lang="ko-KR" altLang="en-US"/>
               <a:t>마스터 텍스트 스타일 편집</a:t>
             </a:r>
           </a:p>
@@ -1565,38 +1559,37 @@
           <a:p>
             <a:pPr lvl="0"/>
             <a:r>
-              <a:rPr lang="ko-KR" altLang="en-US" smtClean="0"/>
+              <a:rPr lang="ko-KR" altLang="en-US"/>
               <a:t>마스터 텍스트 스타일 편집</a:t>
             </a:r>
           </a:p>
           <a:p>
             <a:pPr lvl="1"/>
             <a:r>
-              <a:rPr lang="ko-KR" altLang="en-US" smtClean="0"/>
+              <a:rPr lang="ko-KR" altLang="en-US"/>
               <a:t>둘째 수준</a:t>
             </a:r>
           </a:p>
           <a:p>
             <a:pPr lvl="2"/>
             <a:r>
-              <a:rPr lang="ko-KR" altLang="en-US" smtClean="0"/>
+              <a:rPr lang="ko-KR" altLang="en-US"/>
               <a:t>셋째 수준</a:t>
             </a:r>
           </a:p>
           <a:p>
             <a:pPr lvl="3"/>
             <a:r>
-              <a:rPr lang="ko-KR" altLang="en-US" smtClean="0"/>
+              <a:rPr lang="ko-KR" altLang="en-US"/>
               <a:t>넷째 수준</a:t>
             </a:r>
           </a:p>
           <a:p>
             <a:pPr lvl="4"/>
             <a:r>
-              <a:rPr lang="ko-KR" altLang="en-US" smtClean="0"/>
+              <a:rPr lang="ko-KR" altLang="en-US"/>
               <a:t>다섯째 수준</a:t>
             </a:r>
-            <a:endParaRPr lang="ko-KR" altLang="en-US"/>
           </a:p>
         </p:txBody>
       </p:sp>
@@ -1617,7 +1610,7 @@
           <a:p>
             <a:fld id="{95EEA876-5273-4CAB-BA26-F236DBAE536A}" type="datetimeFigureOut">
               <a:rPr lang="ko-KR" altLang="en-US" smtClean="0"/>
-              <a:t>2019-11-20</a:t>
+              <a:t>2019-11-21</a:t>
             </a:fld>
             <a:endParaRPr lang="ko-KR" altLang="en-US"/>
           </a:p>
@@ -1711,10 +1704,9 @@
           <a:lstStyle/>
           <a:p>
             <a:r>
-              <a:rPr lang="ko-KR" altLang="en-US" smtClean="0"/>
+              <a:rPr lang="ko-KR" altLang="en-US"/>
               <a:t>마스터 제목 스타일 편집</a:t>
             </a:r>
-            <a:endParaRPr lang="ko-KR" altLang="en-US"/>
           </a:p>
         </p:txBody>
       </p:sp>
@@ -1735,7 +1727,7 @@
           <a:p>
             <a:fld id="{95EEA876-5273-4CAB-BA26-F236DBAE536A}" type="datetimeFigureOut">
               <a:rPr lang="ko-KR" altLang="en-US" smtClean="0"/>
-              <a:t>2019-11-20</a:t>
+              <a:t>2019-11-21</a:t>
             </a:fld>
             <a:endParaRPr lang="ko-KR" altLang="en-US"/>
           </a:p>
@@ -1830,7 +1822,7 @@
           <a:p>
             <a:fld id="{95EEA876-5273-4CAB-BA26-F236DBAE536A}" type="datetimeFigureOut">
               <a:rPr lang="ko-KR" altLang="en-US" smtClean="0"/>
-              <a:t>2019-11-20</a:t>
+              <a:t>2019-11-21</a:t>
             </a:fld>
             <a:endParaRPr lang="ko-KR" altLang="en-US"/>
           </a:p>
@@ -1933,10 +1925,9 @@
           </a:lstStyle>
           <a:p>
             <a:r>
-              <a:rPr lang="ko-KR" altLang="en-US" smtClean="0"/>
+              <a:rPr lang="ko-KR" altLang="en-US"/>
               <a:t>마스터 제목 스타일 편집</a:t>
             </a:r>
-            <a:endParaRPr lang="ko-KR" altLang="en-US"/>
           </a:p>
         </p:txBody>
       </p:sp>
@@ -1990,38 +1981,37 @@
           <a:p>
             <a:pPr lvl="0"/>
             <a:r>
-              <a:rPr lang="ko-KR" altLang="en-US" smtClean="0"/>
+              <a:rPr lang="ko-KR" altLang="en-US"/>
               <a:t>마스터 텍스트 스타일 편집</a:t>
             </a:r>
           </a:p>
           <a:p>
             <a:pPr lvl="1"/>
             <a:r>
-              <a:rPr lang="ko-KR" altLang="en-US" smtClean="0"/>
+              <a:rPr lang="ko-KR" altLang="en-US"/>
               <a:t>둘째 수준</a:t>
             </a:r>
           </a:p>
           <a:p>
             <a:pPr lvl="2"/>
             <a:r>
-              <a:rPr lang="ko-KR" altLang="en-US" smtClean="0"/>
+              <a:rPr lang="ko-KR" altLang="en-US"/>
               <a:t>셋째 수준</a:t>
             </a:r>
           </a:p>
           <a:p>
             <a:pPr lvl="3"/>
             <a:r>
-              <a:rPr lang="ko-KR" altLang="en-US" smtClean="0"/>
+              <a:rPr lang="ko-KR" altLang="en-US"/>
               <a:t>넷째 수준</a:t>
             </a:r>
           </a:p>
           <a:p>
             <a:pPr lvl="4"/>
             <a:r>
-              <a:rPr lang="ko-KR" altLang="en-US" smtClean="0"/>
+              <a:rPr lang="ko-KR" altLang="en-US"/>
               <a:t>다섯째 수준</a:t>
             </a:r>
-            <a:endParaRPr lang="ko-KR" altLang="en-US"/>
           </a:p>
         </p:txBody>
       </p:sp>
@@ -2084,7 +2074,7 @@
           <a:p>
             <a:pPr lvl="0"/>
             <a:r>
-              <a:rPr lang="ko-KR" altLang="en-US" smtClean="0"/>
+              <a:rPr lang="ko-KR" altLang="en-US"/>
               <a:t>마스터 텍스트 스타일 편집</a:t>
             </a:r>
           </a:p>
@@ -2107,7 +2097,7 @@
           <a:p>
             <a:fld id="{95EEA876-5273-4CAB-BA26-F236DBAE536A}" type="datetimeFigureOut">
               <a:rPr lang="ko-KR" altLang="en-US" smtClean="0"/>
-              <a:t>2019-11-20</a:t>
+              <a:t>2019-11-21</a:t>
             </a:fld>
             <a:endParaRPr lang="ko-KR" altLang="en-US"/>
           </a:p>
@@ -2210,10 +2200,9 @@
           </a:lstStyle>
           <a:p>
             <a:r>
-              <a:rPr lang="ko-KR" altLang="en-US" smtClean="0"/>
+              <a:rPr lang="ko-KR" altLang="en-US"/>
               <a:t>마스터 제목 스타일 편집</a:t>
             </a:r>
-            <a:endParaRPr lang="ko-KR" altLang="en-US"/>
           </a:p>
         </p:txBody>
       </p:sp>
@@ -2337,7 +2326,7 @@
           <a:p>
             <a:pPr lvl="0"/>
             <a:r>
-              <a:rPr lang="ko-KR" altLang="en-US" smtClean="0"/>
+              <a:rPr lang="ko-KR" altLang="en-US"/>
               <a:t>마스터 텍스트 스타일 편집</a:t>
             </a:r>
           </a:p>
@@ -2360,7 +2349,7 @@
           <a:p>
             <a:fld id="{95EEA876-5273-4CAB-BA26-F236DBAE536A}" type="datetimeFigureOut">
               <a:rPr lang="ko-KR" altLang="en-US" smtClean="0"/>
-              <a:t>2019-11-20</a:t>
+              <a:t>2019-11-21</a:t>
             </a:fld>
             <a:endParaRPr lang="ko-KR" altLang="en-US"/>
           </a:p>
@@ -2469,10 +2458,9 @@
           <a:lstStyle/>
           <a:p>
             <a:r>
-              <a:rPr lang="ko-KR" altLang="en-US" smtClean="0"/>
+              <a:rPr lang="ko-KR" altLang="en-US"/>
               <a:t>마스터 제목 스타일 편집</a:t>
             </a:r>
-            <a:endParaRPr lang="ko-KR" altLang="en-US"/>
           </a:p>
         </p:txBody>
       </p:sp>
@@ -2503,38 +2491,37 @@
           <a:p>
             <a:pPr lvl="0"/>
             <a:r>
-              <a:rPr lang="ko-KR" altLang="en-US" smtClean="0"/>
+              <a:rPr lang="ko-KR" altLang="en-US"/>
               <a:t>마스터 텍스트 스타일 편집</a:t>
             </a:r>
           </a:p>
           <a:p>
             <a:pPr lvl="1"/>
             <a:r>
-              <a:rPr lang="ko-KR" altLang="en-US" smtClean="0"/>
+              <a:rPr lang="ko-KR" altLang="en-US"/>
               <a:t>둘째 수준</a:t>
             </a:r>
           </a:p>
           <a:p>
             <a:pPr lvl="2"/>
             <a:r>
-              <a:rPr lang="ko-KR" altLang="en-US" smtClean="0"/>
+              <a:rPr lang="ko-KR" altLang="en-US"/>
               <a:t>셋째 수준</a:t>
             </a:r>
           </a:p>
           <a:p>
             <a:pPr lvl="3"/>
             <a:r>
-              <a:rPr lang="ko-KR" altLang="en-US" smtClean="0"/>
+              <a:rPr lang="ko-KR" altLang="en-US"/>
               <a:t>넷째 수준</a:t>
             </a:r>
           </a:p>
           <a:p>
             <a:pPr lvl="4"/>
             <a:r>
-              <a:rPr lang="ko-KR" altLang="en-US" smtClean="0"/>
+              <a:rPr lang="ko-KR" altLang="en-US"/>
               <a:t>다섯째 수준</a:t>
             </a:r>
-            <a:endParaRPr lang="ko-KR" altLang="en-US"/>
           </a:p>
         </p:txBody>
       </p:sp>
@@ -2573,7 +2560,7 @@
           <a:p>
             <a:fld id="{95EEA876-5273-4CAB-BA26-F236DBAE536A}" type="datetimeFigureOut">
               <a:rPr lang="ko-KR" altLang="en-US" smtClean="0"/>
-              <a:t>2019-11-20</a:t>
+              <a:t>2019-11-21</a:t>
             </a:fld>
             <a:endParaRPr lang="ko-KR" altLang="en-US"/>
           </a:p>
@@ -2994,21 +2981,16 @@
           <a:lstStyle/>
           <a:p>
             <a:r>
-              <a:rPr lang="ko-KR" altLang="en-US" sz="4400" dirty="0" smtClean="0"/>
+              <a:rPr lang="ko-KR" altLang="en-US" sz="4400" dirty="0"/>
               <a:t>그림으로 정리하는 </a:t>
             </a:r>
-            <a:r>
-              <a:rPr lang="en-US" altLang="ko-KR" dirty="0" smtClean="0"/>
-              <a:t/>
-            </a:r>
             <a:br>
-              <a:rPr lang="en-US" altLang="ko-KR" dirty="0" smtClean="0"/>
+              <a:rPr lang="en-US" altLang="ko-KR" dirty="0"/>
             </a:br>
             <a:r>
-              <a:rPr lang="ko-KR" altLang="en-US" dirty="0" smtClean="0"/>
+              <a:rPr lang="ko-KR" altLang="en-US" dirty="0"/>
               <a:t>알고리즘과 자료구조</a:t>
             </a:r>
-            <a:endParaRPr lang="ko-KR" altLang="en-US" dirty="0"/>
           </a:p>
         </p:txBody>
       </p:sp>
@@ -3028,10 +3010,9 @@
           <a:lstStyle/>
           <a:p>
             <a:r>
-              <a:rPr lang="ko-KR" altLang="en-US" dirty="0" smtClean="0"/>
+              <a:rPr lang="ko-KR" altLang="en-US" dirty="0"/>
               <a:t>이정우</a:t>
             </a:r>
-            <a:endParaRPr lang="ko-KR" altLang="en-US" dirty="0"/>
           </a:p>
         </p:txBody>
       </p:sp>
@@ -3090,7 +3071,7 @@
           <a:lstStyle/>
           <a:p>
             <a:r>
-              <a:rPr lang="en-US" altLang="ko-KR" dirty="0" smtClean="0"/>
+              <a:rPr lang="en-US" altLang="ko-KR" dirty="0"/>
               <a:t>Study for Turnover</a:t>
             </a:r>
             <a:endParaRPr lang="ko-KR" altLang="en-US" dirty="0"/>
@@ -3143,10 +3124,9 @@
           <a:lstStyle/>
           <a:p>
             <a:r>
-              <a:rPr lang="ko-KR" altLang="en-US" dirty="0" smtClean="0"/>
+              <a:rPr lang="ko-KR" altLang="en-US" dirty="0"/>
               <a:t>알고리즘 정의</a:t>
             </a:r>
-            <a:endParaRPr lang="ko-KR" altLang="en-US" dirty="0"/>
           </a:p>
         </p:txBody>
       </p:sp>
@@ -3171,42 +3151,38 @@
           <a:lstStyle/>
           <a:p>
             <a:r>
-              <a:rPr lang="ko-KR" altLang="en-US" b="1" dirty="0" smtClean="0"/>
+              <a:rPr lang="ko-KR" altLang="en-US" b="1" dirty="0"/>
               <a:t>알고리즘</a:t>
             </a:r>
             <a:r>
-              <a:rPr lang="ko-KR" altLang="en-US" dirty="0" smtClean="0"/>
+              <a:rPr lang="ko-KR" altLang="en-US" dirty="0"/>
               <a:t>은 주어진 문제를 해결하기 위한 절차</a:t>
             </a:r>
-            <a:r>
-              <a:rPr lang="en-US" altLang="ko-KR" dirty="0" smtClean="0"/>
-              <a:t/>
-            </a:r>
             <a:br>
-              <a:rPr lang="en-US" altLang="ko-KR" dirty="0" smtClean="0"/>
+              <a:rPr lang="en-US" altLang="ko-KR" dirty="0"/>
             </a:br>
             <a:r>
-              <a:rPr lang="en-US" altLang="ko-KR" dirty="0" smtClean="0"/>
+              <a:rPr lang="en-US" altLang="ko-KR" dirty="0"/>
               <a:t>(</a:t>
             </a:r>
             <a:r>
-              <a:rPr lang="ko-KR" altLang="en-US" dirty="0" smtClean="0"/>
+              <a:rPr lang="ko-KR" altLang="en-US" dirty="0"/>
               <a:t>무한반복 </a:t>
             </a:r>
             <a:r>
-              <a:rPr lang="en-US" altLang="ko-KR" dirty="0" smtClean="0"/>
+              <a:rPr lang="en-US" altLang="ko-KR" dirty="0"/>
               <a:t>X)</a:t>
             </a:r>
           </a:p>
           <a:p>
-            <a:endParaRPr lang="en-US" altLang="ko-KR" dirty="0" smtClean="0"/>
-          </a:p>
-          <a:p>
-            <a:r>
-              <a:rPr lang="ko-KR" altLang="en-US" dirty="0" smtClean="0"/>
+            <a:endParaRPr lang="en-US" altLang="ko-KR" dirty="0"/>
+          </a:p>
+          <a:p>
+            <a:r>
+              <a:rPr lang="ko-KR" altLang="en-US" dirty="0"/>
               <a:t>알고리즘 종류</a:t>
             </a:r>
-            <a:endParaRPr lang="en-US" altLang="ko-KR" dirty="0" smtClean="0"/>
+            <a:endParaRPr lang="en-US" altLang="ko-KR" dirty="0"/>
           </a:p>
           <a:p>
             <a:pPr marL="914400" lvl="1" indent="-457200">
@@ -3214,10 +3190,10 @@
               <a:buAutoNum type="arabicParenR"/>
             </a:pPr>
             <a:r>
-              <a:rPr lang="ko-KR" altLang="en-US" dirty="0" smtClean="0"/>
+              <a:rPr lang="ko-KR" altLang="en-US" dirty="0"/>
               <a:t>정렬</a:t>
             </a:r>
-            <a:endParaRPr lang="en-US" altLang="ko-KR" dirty="0" smtClean="0"/>
+            <a:endParaRPr lang="en-US" altLang="ko-KR" dirty="0"/>
           </a:p>
           <a:p>
             <a:pPr marL="914400" lvl="1" indent="-457200">
@@ -3225,10 +3201,10 @@
               <a:buAutoNum type="arabicParenR"/>
             </a:pPr>
             <a:r>
-              <a:rPr lang="ko-KR" altLang="en-US" dirty="0" smtClean="0"/>
+              <a:rPr lang="ko-KR" altLang="en-US" dirty="0"/>
               <a:t>검색</a:t>
             </a:r>
-            <a:endParaRPr lang="en-US" altLang="ko-KR" dirty="0" smtClean="0"/>
+            <a:endParaRPr lang="en-US" altLang="ko-KR" dirty="0"/>
           </a:p>
           <a:p>
             <a:pPr marL="914400" lvl="1" indent="-457200">
@@ -3236,10 +3212,10 @@
               <a:buAutoNum type="arabicParenR"/>
             </a:pPr>
             <a:r>
-              <a:rPr lang="ko-KR" altLang="en-US" dirty="0" smtClean="0"/>
+              <a:rPr lang="ko-KR" altLang="en-US" dirty="0"/>
               <a:t>문자열 패턴 매칭</a:t>
             </a:r>
-            <a:endParaRPr lang="en-US" altLang="ko-KR" dirty="0" smtClean="0"/>
+            <a:endParaRPr lang="en-US" altLang="ko-KR" dirty="0"/>
           </a:p>
           <a:p>
             <a:pPr marL="914400" lvl="1" indent="-457200">
@@ -3247,10 +3223,10 @@
               <a:buAutoNum type="arabicParenR"/>
             </a:pPr>
             <a:r>
-              <a:rPr lang="ko-KR" altLang="en-US" dirty="0" smtClean="0"/>
+              <a:rPr lang="ko-KR" altLang="en-US" dirty="0"/>
               <a:t>계산</a:t>
             </a:r>
-            <a:endParaRPr lang="en-US" altLang="ko-KR" dirty="0" smtClean="0"/>
+            <a:endParaRPr lang="en-US" altLang="ko-KR" dirty="0"/>
           </a:p>
         </p:txBody>
       </p:sp>
@@ -3342,7 +3318,7 @@
           <a:p>
             <a:pPr algn="ctr"/>
             <a:r>
-              <a:rPr lang="ko-KR" altLang="en-US" dirty="0" smtClean="0">
+              <a:rPr lang="ko-KR" altLang="en-US" dirty="0">
                 <a:solidFill>
                   <a:schemeClr val="tx1"/>
                 </a:solidFill>
@@ -3350,7 +3326,7 @@
               <a:t>흐름도 </a:t>
             </a:r>
             <a:r>
-              <a:rPr lang="en-US" altLang="ko-KR" dirty="0" smtClean="0">
+              <a:rPr lang="en-US" altLang="ko-KR" dirty="0">
                 <a:solidFill>
                   <a:schemeClr val="tx1"/>
                 </a:solidFill>
@@ -3375,13 +3351,6 @@
   <p:clrMapOvr>
     <a:masterClrMapping/>
   </p:clrMapOvr>
-  <p:timing>
-    <p:tnLst>
-      <p:par>
-        <p:cTn id="1" dur="indefinite" restart="never" nodeType="tmRoot"/>
-      </p:par>
-    </p:tnLst>
-  </p:timing>
 </p:sld>
 </file>
 
@@ -3418,10 +3387,9 @@
           <a:lstStyle/>
           <a:p>
             <a:r>
-              <a:rPr lang="ko-KR" altLang="en-US" dirty="0" smtClean="0"/>
+              <a:rPr lang="ko-KR" altLang="en-US" dirty="0"/>
               <a:t>자료구조</a:t>
             </a:r>
-            <a:endParaRPr lang="ko-KR" altLang="en-US" dirty="0"/>
           </a:p>
         </p:txBody>
       </p:sp>
@@ -3490,10 +3458,9 @@
           <a:lstStyle/>
           <a:p>
             <a:r>
-              <a:rPr lang="ko-KR" altLang="en-US" dirty="0" smtClean="0"/>
+              <a:rPr lang="ko-KR" altLang="en-US" dirty="0"/>
               <a:t>컴퓨터의 데이터 취급 방법</a:t>
             </a:r>
-            <a:endParaRPr lang="ko-KR" altLang="en-US" dirty="0"/>
           </a:p>
         </p:txBody>
       </p:sp>
@@ -3513,89 +3480,89 @@
           <a:lstStyle/>
           <a:p>
             <a:r>
-              <a:rPr lang="ko-KR" altLang="en-US" dirty="0" smtClean="0"/>
+              <a:rPr lang="ko-KR" altLang="en-US" dirty="0"/>
               <a:t>기본 </a:t>
             </a:r>
             <a:r>
-              <a:rPr lang="ko-KR" altLang="en-US" dirty="0" err="1" smtClean="0"/>
+              <a:rPr lang="ko-KR" altLang="en-US" dirty="0" err="1"/>
               <a:t>자료형</a:t>
             </a:r>
-            <a:endParaRPr lang="en-US" altLang="ko-KR" dirty="0" smtClean="0"/>
+            <a:endParaRPr lang="en-US" altLang="ko-KR" dirty="0"/>
           </a:p>
           <a:p>
             <a:pPr lvl="1"/>
             <a:r>
-              <a:rPr lang="ko-KR" altLang="en-US" dirty="0" smtClean="0"/>
+              <a:rPr lang="ko-KR" altLang="en-US" dirty="0"/>
               <a:t>숫자</a:t>
             </a:r>
-            <a:endParaRPr lang="en-US" altLang="ko-KR" dirty="0" smtClean="0"/>
+            <a:endParaRPr lang="en-US" altLang="ko-KR" dirty="0"/>
           </a:p>
           <a:p>
             <a:pPr lvl="1"/>
             <a:r>
-              <a:rPr lang="ko-KR" altLang="en-US" dirty="0" smtClean="0"/>
+              <a:rPr lang="ko-KR" altLang="en-US" dirty="0"/>
               <a:t>문자</a:t>
             </a:r>
-            <a:endParaRPr lang="en-US" altLang="ko-KR" dirty="0" smtClean="0"/>
+            <a:endParaRPr lang="en-US" altLang="ko-KR" dirty="0"/>
           </a:p>
           <a:p>
             <a:pPr lvl="1"/>
             <a:r>
-              <a:rPr lang="ko-KR" altLang="en-US" dirty="0" smtClean="0"/>
+              <a:rPr lang="ko-KR" altLang="en-US" dirty="0"/>
               <a:t>논리값 </a:t>
             </a:r>
             <a:r>
-              <a:rPr lang="en-US" altLang="ko-KR" dirty="0" smtClean="0"/>
+              <a:rPr lang="en-US" altLang="ko-KR" dirty="0"/>
               <a:t>(T/F)</a:t>
             </a:r>
           </a:p>
           <a:p>
             <a:pPr lvl="1"/>
-            <a:endParaRPr lang="en-US" altLang="ko-KR" dirty="0" smtClean="0"/>
-          </a:p>
-          <a:p>
-            <a:r>
-              <a:rPr lang="ko-KR" altLang="en-US" dirty="0" smtClean="0"/>
+            <a:endParaRPr lang="en-US" altLang="ko-KR" dirty="0"/>
+          </a:p>
+          <a:p>
+            <a:r>
+              <a:rPr lang="ko-KR" altLang="en-US" dirty="0"/>
               <a:t>사용자 정의 </a:t>
             </a:r>
             <a:r>
-              <a:rPr lang="ko-KR" altLang="en-US" dirty="0" err="1" smtClean="0"/>
+              <a:rPr lang="ko-KR" altLang="en-US" dirty="0" err="1"/>
               <a:t>자료형</a:t>
             </a:r>
-            <a:endParaRPr lang="en-US" altLang="ko-KR" dirty="0" smtClean="0"/>
+            <a:endParaRPr lang="en-US" altLang="ko-KR" dirty="0"/>
           </a:p>
           <a:p>
             <a:pPr lvl="1"/>
             <a:r>
-              <a:rPr lang="ko-KR" altLang="en-US" dirty="0" smtClean="0"/>
+              <a:rPr lang="ko-KR" altLang="en-US" dirty="0"/>
               <a:t>배열</a:t>
             </a:r>
-            <a:endParaRPr lang="en-US" altLang="ko-KR" dirty="0" smtClean="0"/>
+            <a:endParaRPr lang="en-US" altLang="ko-KR" dirty="0"/>
           </a:p>
           <a:p>
             <a:pPr lvl="1"/>
             <a:r>
-              <a:rPr lang="ko-KR" altLang="en-US" dirty="0" smtClean="0"/>
+              <a:rPr lang="ko-KR" altLang="en-US" dirty="0"/>
               <a:t>구조체</a:t>
             </a:r>
-            <a:endParaRPr lang="en-US" altLang="ko-KR" dirty="0" smtClean="0"/>
+            <a:endParaRPr lang="en-US" altLang="ko-KR" dirty="0"/>
           </a:p>
           <a:p>
             <a:pPr lvl="1"/>
             <a:r>
-              <a:rPr lang="ko-KR" altLang="en-US" dirty="0" smtClean="0"/>
+              <a:rPr lang="ko-KR" altLang="en-US" dirty="0"/>
               <a:t>클래스</a:t>
             </a:r>
-            <a:endParaRPr lang="en-US" altLang="ko-KR" dirty="0" smtClean="0"/>
+            <a:endParaRPr lang="en-US" altLang="ko-KR" dirty="0"/>
           </a:p>
           <a:p>
             <a:pPr lvl="1"/>
             <a:r>
-              <a:rPr lang="ko-KR" altLang="en-US" dirty="0" smtClean="0"/>
+              <a:rPr lang="ko-KR" altLang="en-US" dirty="0"/>
               <a:t>재정의 </a:t>
             </a:r>
             <a:r>
-              <a:rPr lang="ko-KR" altLang="en-US" dirty="0" err="1" smtClean="0"/>
+              <a:rPr lang="ko-KR" altLang="en-US" dirty="0" err="1"/>
               <a:t>자료형</a:t>
             </a:r>
             <a:endParaRPr lang="ko-KR" altLang="en-US" dirty="0"/>
@@ -3648,10 +3615,9 @@
           <a:lstStyle/>
           <a:p>
             <a:r>
-              <a:rPr lang="ko-KR" altLang="en-US" dirty="0" smtClean="0"/>
+              <a:rPr lang="ko-KR" altLang="en-US" dirty="0"/>
               <a:t>자료구조의 정의 및 종류</a:t>
             </a:r>
-            <a:endParaRPr lang="ko-KR" altLang="en-US" dirty="0"/>
           </a:p>
         </p:txBody>
       </p:sp>
@@ -3678,31 +3644,31 @@
               </a:lnSpc>
             </a:pPr>
             <a:r>
-              <a:rPr lang="ko-KR" altLang="en-US" b="1" dirty="0" smtClean="0"/>
+              <a:rPr lang="ko-KR" altLang="en-US" b="1" dirty="0"/>
               <a:t>자료구조</a:t>
             </a:r>
             <a:r>
-              <a:rPr lang="ko-KR" altLang="en-US" dirty="0" smtClean="0"/>
+              <a:rPr lang="ko-KR" altLang="en-US" dirty="0"/>
               <a:t>는 컴퓨터가 다루어야 하는 자료가 많은 경우</a:t>
             </a:r>
             <a:r>
-              <a:rPr lang="en-US" altLang="ko-KR" dirty="0" smtClean="0"/>
+              <a:rPr lang="en-US" altLang="ko-KR" dirty="0"/>
               <a:t>, </a:t>
             </a:r>
             <a:r>
-              <a:rPr lang="ko-KR" altLang="en-US" dirty="0" smtClean="0"/>
+              <a:rPr lang="ko-KR" altLang="en-US" dirty="0"/>
               <a:t>이를 다루는 방법 </a:t>
             </a:r>
             <a:r>
-              <a:rPr lang="en-US" altLang="ko-KR" dirty="0" smtClean="0"/>
+              <a:rPr lang="en-US" altLang="ko-KR" dirty="0"/>
               <a:t>-&gt; </a:t>
             </a:r>
             <a:r>
-              <a:rPr lang="ko-KR" altLang="en-US" dirty="0" smtClean="0"/>
+              <a:rPr lang="ko-KR" altLang="en-US" dirty="0"/>
               <a:t>알고리즘을 구현하는데 사용됨</a:t>
             </a:r>
             <a:r>
-              <a:rPr lang="en-US" altLang="ko-KR" dirty="0" smtClean="0"/>
+              <a:rPr lang="en-US" altLang="ko-KR" dirty="0"/>
               <a:t>.</a:t>
             </a:r>
           </a:p>
@@ -3713,19 +3679,19 @@
               </a:lnSpc>
             </a:pPr>
             <a:r>
-              <a:rPr lang="ko-KR" altLang="en-US" dirty="0" smtClean="0"/>
+              <a:rPr lang="ko-KR" altLang="en-US" dirty="0"/>
               <a:t>자료구조의 </a:t>
             </a:r>
             <a:r>
-              <a:rPr lang="ko-KR" altLang="en-US" b="1" dirty="0" smtClean="0"/>
+              <a:rPr lang="ko-KR" altLang="en-US" b="1" dirty="0"/>
               <a:t>물리적</a:t>
             </a:r>
             <a:r>
-              <a:rPr lang="ko-KR" altLang="en-US" dirty="0" smtClean="0"/>
+              <a:rPr lang="ko-KR" altLang="en-US" dirty="0"/>
               <a:t> 구조 방법은 리스트와 연결 리스트가 있음</a:t>
             </a:r>
             <a:r>
-              <a:rPr lang="en-US" altLang="ko-KR" dirty="0" smtClean="0"/>
+              <a:rPr lang="en-US" altLang="ko-KR" dirty="0"/>
               <a:t>.</a:t>
             </a:r>
           </a:p>
@@ -3736,18 +3702,18 @@
               </a:lnSpc>
             </a:pPr>
             <a:r>
-              <a:rPr lang="ko-KR" altLang="en-US" dirty="0" smtClean="0"/>
+              <a:rPr lang="ko-KR" altLang="en-US" dirty="0"/>
               <a:t>리스트</a:t>
             </a:r>
             <a:r>
-              <a:rPr lang="en-US" altLang="ko-KR" dirty="0" smtClean="0"/>
+              <a:rPr lang="en-US" altLang="ko-KR" dirty="0"/>
               <a:t>: </a:t>
             </a:r>
             <a:r>
-              <a:rPr lang="ko-KR" altLang="en-US" dirty="0" smtClean="0"/>
+              <a:rPr lang="ko-KR" altLang="en-US" dirty="0"/>
               <a:t>각 데이터가 연이어 저장되는 기술</a:t>
             </a:r>
-            <a:endParaRPr lang="en-US" altLang="ko-KR" dirty="0" smtClean="0"/>
+            <a:endParaRPr lang="en-US" altLang="ko-KR" dirty="0"/>
           </a:p>
           <a:p>
             <a:pPr lvl="1">
@@ -3756,18 +3722,18 @@
               </a:lnSpc>
             </a:pPr>
             <a:r>
-              <a:rPr lang="ko-KR" altLang="en-US" dirty="0" smtClean="0"/>
+              <a:rPr lang="ko-KR" altLang="en-US" dirty="0"/>
               <a:t>연결 리스트</a:t>
             </a:r>
             <a:r>
-              <a:rPr lang="en-US" altLang="ko-KR" dirty="0" smtClean="0"/>
+              <a:rPr lang="en-US" altLang="ko-KR" dirty="0"/>
               <a:t>: </a:t>
             </a:r>
             <a:r>
-              <a:rPr lang="ko-KR" altLang="en-US" dirty="0" smtClean="0"/>
+              <a:rPr lang="ko-KR" altLang="en-US" dirty="0"/>
               <a:t>각 데이터가 임의의 위치에 저장하고 서로 연결되는 기술</a:t>
             </a:r>
-            <a:endParaRPr lang="en-US" altLang="ko-KR" dirty="0" smtClean="0"/>
+            <a:endParaRPr lang="en-US" altLang="ko-KR" dirty="0"/>
           </a:p>
           <a:p>
             <a:pPr>
@@ -3776,19 +3742,19 @@
               </a:lnSpc>
             </a:pPr>
             <a:r>
-              <a:rPr lang="ko-KR" altLang="en-US" dirty="0" smtClean="0"/>
+              <a:rPr lang="ko-KR" altLang="en-US" dirty="0"/>
               <a:t>자료구조 대부분은 내부적으로 보면</a:t>
             </a:r>
             <a:r>
-              <a:rPr lang="en-US" altLang="ko-KR" dirty="0" smtClean="0"/>
+              <a:rPr lang="en-US" altLang="ko-KR" dirty="0"/>
               <a:t>, </a:t>
             </a:r>
             <a:r>
-              <a:rPr lang="ko-KR" altLang="en-US" dirty="0" smtClean="0"/>
+              <a:rPr lang="ko-KR" altLang="en-US" dirty="0"/>
               <a:t>리스트 또는 연결 리스트를 이용하여 구현됨</a:t>
             </a:r>
             <a:r>
-              <a:rPr lang="en-US" altLang="ko-KR" dirty="0" smtClean="0"/>
+              <a:rPr lang="en-US" altLang="ko-KR" dirty="0"/>
               <a:t>.</a:t>
             </a:r>
           </a:p>
@@ -3848,10 +3814,9 @@
           <a:lstStyle/>
           <a:p>
             <a:r>
-              <a:rPr lang="ko-KR" altLang="en-US" dirty="0" smtClean="0"/>
+              <a:rPr lang="ko-KR" altLang="en-US" dirty="0"/>
               <a:t>자료구조의 정의 및 종류</a:t>
             </a:r>
-            <a:endParaRPr lang="ko-KR" altLang="en-US" dirty="0"/>
           </a:p>
         </p:txBody>
       </p:sp>
@@ -3903,18 +3868,13 @@
           <a:p>
             <a:pPr algn="ctr"/>
             <a:r>
-              <a:rPr lang="ko-KR" altLang="en-US" dirty="0" smtClean="0">
+              <a:rPr lang="ko-KR" altLang="en-US" dirty="0">
                 <a:solidFill>
                   <a:schemeClr val="tx1"/>
                 </a:solidFill>
               </a:rPr>
               <a:t>리스트</a:t>
             </a:r>
-            <a:endParaRPr lang="ko-KR" altLang="en-US" dirty="0">
-              <a:solidFill>
-                <a:schemeClr val="tx1"/>
-              </a:solidFill>
-            </a:endParaRPr>
           </a:p>
         </p:txBody>
       </p:sp>
@@ -3966,18 +3926,13 @@
           <a:p>
             <a:pPr algn="ctr"/>
             <a:r>
-              <a:rPr lang="ko-KR" altLang="en-US" dirty="0" smtClean="0">
+              <a:rPr lang="ko-KR" altLang="en-US" dirty="0">
                 <a:solidFill>
                   <a:schemeClr val="tx1"/>
                 </a:solidFill>
               </a:rPr>
               <a:t>연결 리스트</a:t>
             </a:r>
-            <a:endParaRPr lang="ko-KR" altLang="en-US" dirty="0">
-              <a:solidFill>
-                <a:schemeClr val="tx1"/>
-              </a:solidFill>
-            </a:endParaRPr>
           </a:p>
         </p:txBody>
       </p:sp>
@@ -4029,7 +3984,7 @@
           <a:p>
             <a:pPr algn="ctr"/>
             <a:r>
-              <a:rPr lang="ko-KR" altLang="en-US" dirty="0" smtClean="0">
+              <a:rPr lang="ko-KR" altLang="en-US" dirty="0">
                 <a:solidFill>
                   <a:schemeClr val="tx1"/>
                 </a:solidFill>
@@ -4037,7 +3992,7 @@
               <a:t>배열</a:t>
             </a:r>
             <a:r>
-              <a:rPr lang="en-US" altLang="ko-KR" dirty="0" smtClean="0">
+              <a:rPr lang="en-US" altLang="ko-KR" dirty="0">
                 <a:solidFill>
                   <a:schemeClr val="tx1"/>
                 </a:solidFill>
@@ -4045,7 +4000,7 @@
               <a:t>, </a:t>
             </a:r>
             <a:r>
-              <a:rPr lang="ko-KR" altLang="en-US" dirty="0" smtClean="0">
+              <a:rPr lang="ko-KR" altLang="en-US" dirty="0">
                 <a:solidFill>
                   <a:schemeClr val="tx1"/>
                 </a:solidFill>
@@ -4053,7 +4008,7 @@
               <a:t>스택</a:t>
             </a:r>
             <a:r>
-              <a:rPr lang="en-US" altLang="ko-KR" dirty="0" smtClean="0">
+              <a:rPr lang="en-US" altLang="ko-KR" dirty="0">
                 <a:solidFill>
                   <a:schemeClr val="tx1"/>
                 </a:solidFill>
@@ -4061,7 +4016,7 @@
               <a:t>, </a:t>
             </a:r>
             <a:r>
-              <a:rPr lang="ko-KR" altLang="en-US" dirty="0" smtClean="0">
+              <a:rPr lang="ko-KR" altLang="en-US" dirty="0">
                 <a:solidFill>
                   <a:schemeClr val="tx1"/>
                 </a:solidFill>
@@ -4069,7 +4024,7 @@
               <a:t>큐</a:t>
             </a:r>
             <a:r>
-              <a:rPr lang="en-US" altLang="ko-KR" dirty="0" smtClean="0">
+              <a:rPr lang="en-US" altLang="ko-KR" dirty="0">
                 <a:solidFill>
                   <a:schemeClr val="tx1"/>
                 </a:solidFill>
@@ -4077,7 +4032,7 @@
               <a:t>, </a:t>
             </a:r>
             <a:r>
-              <a:rPr lang="ko-KR" altLang="en-US" dirty="0" smtClean="0">
+              <a:rPr lang="ko-KR" altLang="en-US" dirty="0">
                 <a:solidFill>
                   <a:schemeClr val="tx1"/>
                 </a:solidFill>
@@ -4085,7 +4040,7 @@
               <a:t>트리</a:t>
             </a:r>
             <a:r>
-              <a:rPr lang="en-US" altLang="ko-KR" dirty="0" smtClean="0">
+              <a:rPr lang="en-US" altLang="ko-KR" dirty="0">
                 <a:solidFill>
                   <a:schemeClr val="tx1"/>
                 </a:solidFill>
@@ -4093,7 +4048,7 @@
               <a:t>/</a:t>
             </a:r>
             <a:r>
-              <a:rPr lang="ko-KR" altLang="en-US" dirty="0" err="1" smtClean="0">
+              <a:rPr lang="ko-KR" altLang="en-US" dirty="0" err="1">
                 <a:solidFill>
                   <a:schemeClr val="tx1"/>
                 </a:solidFill>
@@ -4101,7 +4056,7 @@
               <a:t>힙</a:t>
             </a:r>
             <a:r>
-              <a:rPr lang="en-US" altLang="ko-KR" dirty="0" smtClean="0">
+              <a:rPr lang="en-US" altLang="ko-KR" dirty="0">
                 <a:solidFill>
                   <a:schemeClr val="tx1"/>
                 </a:solidFill>
@@ -4109,18 +4064,13 @@
               <a:t>, </a:t>
             </a:r>
             <a:r>
-              <a:rPr lang="ko-KR" altLang="en-US" dirty="0" smtClean="0">
+              <a:rPr lang="ko-KR" altLang="en-US" dirty="0">
                 <a:solidFill>
                   <a:schemeClr val="tx1"/>
                 </a:solidFill>
               </a:rPr>
               <a:t>그래프</a:t>
             </a:r>
-            <a:endParaRPr lang="ko-KR" altLang="en-US" dirty="0">
-              <a:solidFill>
-                <a:schemeClr val="tx1"/>
-              </a:solidFill>
-            </a:endParaRPr>
           </a:p>
         </p:txBody>
       </p:sp>
@@ -4172,7 +4122,7 @@
           <a:p>
             <a:pPr algn="ctr"/>
             <a:r>
-              <a:rPr lang="ko-KR" altLang="en-US" dirty="0" err="1" smtClean="0">
+              <a:rPr lang="ko-KR" altLang="en-US" dirty="0" err="1">
                 <a:solidFill>
                   <a:schemeClr val="tx1"/>
                 </a:solidFill>
@@ -4288,7 +4238,7 @@
           <a:p>
             <a:pPr algn="ctr"/>
             <a:r>
-              <a:rPr lang="ko-KR" altLang="en-US" b="1" smtClean="0">
+              <a:rPr lang="ko-KR" altLang="en-US" b="1">
                 <a:solidFill>
                   <a:schemeClr val="bg1"/>
                 </a:solidFill>
@@ -4466,10 +4416,9 @@
           <a:lstStyle/>
           <a:p>
             <a:r>
-              <a:rPr lang="ko-KR" altLang="en-US" dirty="0" smtClean="0"/>
+              <a:rPr lang="ko-KR" altLang="en-US" dirty="0"/>
               <a:t>자료구조의 분류</a:t>
             </a:r>
-            <a:endParaRPr lang="ko-KR" altLang="en-US" dirty="0"/>
           </a:p>
         </p:txBody>
       </p:sp>
@@ -4483,12 +4432,521 @@
             <p:ph idx="1"/>
           </p:nvPr>
         </p:nvSpPr>
-        <p:spPr/>
+        <p:spPr>
+          <a:xfrm>
+            <a:off x="838200" y="1825625"/>
+            <a:ext cx="5257800" cy="4351338"/>
+          </a:xfrm>
+        </p:spPr>
         <p:txBody>
-          <a:bodyPr/>
+          <a:bodyPr>
+            <a:normAutofit fontScale="70000" lnSpcReduction="20000"/>
+          </a:bodyPr>
           <a:lstStyle/>
           <a:p>
-            <a:endParaRPr lang="ko-KR" altLang="en-US"/>
+            <a:pPr>
+              <a:lnSpc>
+                <a:spcPct val="120000"/>
+              </a:lnSpc>
+            </a:pPr>
+            <a:r>
+              <a:rPr lang="ko-KR" altLang="en-US" dirty="0"/>
+              <a:t>단순구조</a:t>
+            </a:r>
+            <a:endParaRPr lang="en-US" altLang="ko-KR" dirty="0"/>
+          </a:p>
+          <a:p>
+            <a:pPr lvl="1">
+              <a:lnSpc>
+                <a:spcPct val="120000"/>
+              </a:lnSpc>
+            </a:pPr>
+            <a:r>
+              <a:rPr lang="en-US" altLang="ko-KR" dirty="0"/>
+              <a:t>2</a:t>
+            </a:r>
+            <a:r>
+              <a:rPr lang="ko-KR" altLang="en-US" dirty="0"/>
+              <a:t>진수</a:t>
+            </a:r>
+            <a:endParaRPr lang="en-US" altLang="ko-KR" dirty="0"/>
+          </a:p>
+          <a:p>
+            <a:pPr lvl="1">
+              <a:lnSpc>
+                <a:spcPct val="120000"/>
+              </a:lnSpc>
+            </a:pPr>
+            <a:r>
+              <a:rPr lang="ko-KR" altLang="en-US" dirty="0"/>
+              <a:t>정수</a:t>
+            </a:r>
+            <a:r>
+              <a:rPr lang="en-US" altLang="ko-KR" dirty="0"/>
+              <a:t>, </a:t>
+            </a:r>
+            <a:r>
+              <a:rPr lang="ko-KR" altLang="en-US" dirty="0"/>
+              <a:t>실수</a:t>
+            </a:r>
+            <a:endParaRPr lang="en-US" altLang="ko-KR" dirty="0"/>
+          </a:p>
+          <a:p>
+            <a:pPr lvl="1">
+              <a:lnSpc>
+                <a:spcPct val="120000"/>
+              </a:lnSpc>
+            </a:pPr>
+            <a:r>
+              <a:rPr lang="ko-KR" altLang="en-US" dirty="0"/>
+              <a:t>문자</a:t>
+            </a:r>
+            <a:r>
+              <a:rPr lang="en-US" altLang="ko-KR" dirty="0"/>
+              <a:t>, </a:t>
+            </a:r>
+            <a:r>
+              <a:rPr lang="ko-KR" altLang="en-US" dirty="0"/>
+              <a:t>문자열</a:t>
+            </a:r>
+            <a:endParaRPr lang="en-US" altLang="ko-KR" dirty="0"/>
+          </a:p>
+          <a:p>
+            <a:pPr>
+              <a:lnSpc>
+                <a:spcPct val="120000"/>
+              </a:lnSpc>
+            </a:pPr>
+            <a:r>
+              <a:rPr lang="ko-KR" altLang="en-US" dirty="0"/>
+              <a:t>선형구조</a:t>
+            </a:r>
+            <a:endParaRPr lang="en-US" altLang="ko-KR" dirty="0"/>
+          </a:p>
+          <a:p>
+            <a:pPr lvl="1">
+              <a:lnSpc>
+                <a:spcPct val="120000"/>
+              </a:lnSpc>
+            </a:pPr>
+            <a:r>
+              <a:rPr lang="ko-KR" altLang="en-US" dirty="0"/>
+              <a:t>리스트</a:t>
+            </a:r>
+            <a:endParaRPr lang="en-US" altLang="ko-KR" dirty="0"/>
+          </a:p>
+          <a:p>
+            <a:pPr lvl="1">
+              <a:lnSpc>
+                <a:spcPct val="120000"/>
+              </a:lnSpc>
+            </a:pPr>
+            <a:r>
+              <a:rPr lang="ko-KR" altLang="en-US" dirty="0"/>
+              <a:t>연결리스트</a:t>
+            </a:r>
+            <a:endParaRPr lang="en-US" altLang="ko-KR" dirty="0"/>
+          </a:p>
+          <a:p>
+            <a:pPr lvl="2">
+              <a:lnSpc>
+                <a:spcPct val="120000"/>
+              </a:lnSpc>
+            </a:pPr>
+            <a:r>
+              <a:rPr lang="ko-KR" altLang="en-US" dirty="0"/>
+              <a:t>단순 연결 리스트</a:t>
+            </a:r>
+            <a:endParaRPr lang="en-US" altLang="ko-KR" dirty="0"/>
+          </a:p>
+          <a:p>
+            <a:pPr lvl="2">
+              <a:lnSpc>
+                <a:spcPct val="120000"/>
+              </a:lnSpc>
+            </a:pPr>
+            <a:r>
+              <a:rPr lang="ko-KR" altLang="en-US" dirty="0"/>
+              <a:t>이중 연결 리스트</a:t>
+            </a:r>
+            <a:endParaRPr lang="en-US" altLang="ko-KR" dirty="0"/>
+          </a:p>
+          <a:p>
+            <a:pPr lvl="2">
+              <a:lnSpc>
+                <a:spcPct val="120000"/>
+              </a:lnSpc>
+            </a:pPr>
+            <a:r>
+              <a:rPr lang="ko-KR" altLang="en-US" dirty="0"/>
+              <a:t>원형 연결 리스트</a:t>
+            </a:r>
+            <a:endParaRPr lang="en-US" altLang="ko-KR" dirty="0"/>
+          </a:p>
+          <a:p>
+            <a:pPr lvl="1">
+              <a:lnSpc>
+                <a:spcPct val="120000"/>
+              </a:lnSpc>
+            </a:pPr>
+            <a:r>
+              <a:rPr lang="ko-KR" altLang="en-US" dirty="0" err="1"/>
+              <a:t>테크</a:t>
+            </a:r>
+            <a:endParaRPr lang="en-US" altLang="ko-KR" dirty="0"/>
+          </a:p>
+          <a:p>
+            <a:pPr lvl="1">
+              <a:lnSpc>
+                <a:spcPct val="120000"/>
+              </a:lnSpc>
+            </a:pPr>
+            <a:r>
+              <a:rPr lang="ko-KR" altLang="en-US" dirty="0"/>
+              <a:t>스택</a:t>
+            </a:r>
+            <a:endParaRPr lang="en-US" altLang="ko-KR" dirty="0"/>
+          </a:p>
+          <a:p>
+            <a:pPr lvl="1">
+              <a:lnSpc>
+                <a:spcPct val="120000"/>
+              </a:lnSpc>
+            </a:pPr>
+            <a:r>
+              <a:rPr lang="ko-KR" altLang="en-US" dirty="0"/>
+              <a:t>큐</a:t>
+            </a:r>
+            <a:endParaRPr lang="en-US" altLang="ko-KR" dirty="0"/>
+          </a:p>
+        </p:txBody>
+      </p:sp>
+      <p:sp>
+        <p:nvSpPr>
+          <p:cNvPr id="4" name="내용 개체 틀 2">
+            <a:extLst>
+              <a:ext uri="{FF2B5EF4-FFF2-40B4-BE49-F238E27FC236}">
+                <a16:creationId xmlns:a16="http://schemas.microsoft.com/office/drawing/2014/main" id="{9BB9C517-0919-4B94-8C2E-438C0C354CB4}"/>
+              </a:ext>
+            </a:extLst>
+          </p:cNvPr>
+          <p:cNvSpPr txBox="1">
+            <a:spLocks/>
+          </p:cNvSpPr>
+          <p:nvPr/>
+        </p:nvSpPr>
+        <p:spPr>
+          <a:xfrm>
+            <a:off x="6096000" y="1826932"/>
+            <a:ext cx="5257800" cy="4351338"/>
+          </a:xfrm>
+          <a:prstGeom prst="rect">
+            <a:avLst/>
+          </a:prstGeom>
+        </p:spPr>
+        <p:txBody>
+          <a:bodyPr vert="horz" lIns="91440" tIns="45720" rIns="91440" bIns="45720" rtlCol="0">
+            <a:normAutofit/>
+          </a:bodyPr>
+          <a:lstStyle>
+            <a:lvl1pPr marL="228600" indent="-228600" algn="l" defTabSz="914400" rtl="0" eaLnBrk="1" latinLnBrk="1" hangingPunct="1">
+              <a:lnSpc>
+                <a:spcPct val="90000"/>
+              </a:lnSpc>
+              <a:spcBef>
+                <a:spcPts val="1000"/>
+              </a:spcBef>
+              <a:buFont typeface="Arial" panose="020B0604020202020204" pitchFamily="34" charset="0"/>
+              <a:buChar char="•"/>
+              <a:defRPr sz="2800" kern="1200">
+                <a:solidFill>
+                  <a:schemeClr val="tx1"/>
+                </a:solidFill>
+                <a:latin typeface="+mn-lt"/>
+                <a:ea typeface="+mn-ea"/>
+                <a:cs typeface="+mn-cs"/>
+              </a:defRPr>
+            </a:lvl1pPr>
+            <a:lvl2pPr marL="685800" indent="-228600" algn="l" defTabSz="914400" rtl="0" eaLnBrk="1" latinLnBrk="1" hangingPunct="1">
+              <a:lnSpc>
+                <a:spcPct val="90000"/>
+              </a:lnSpc>
+              <a:spcBef>
+                <a:spcPts val="500"/>
+              </a:spcBef>
+              <a:buFont typeface="Arial" panose="020B0604020202020204" pitchFamily="34" charset="0"/>
+              <a:buChar char="•"/>
+              <a:defRPr sz="2400" kern="1200">
+                <a:solidFill>
+                  <a:schemeClr val="tx1"/>
+                </a:solidFill>
+                <a:latin typeface="+mn-lt"/>
+                <a:ea typeface="+mn-ea"/>
+                <a:cs typeface="+mn-cs"/>
+              </a:defRPr>
+            </a:lvl2pPr>
+            <a:lvl3pPr marL="1143000" indent="-228600" algn="l" defTabSz="914400" rtl="0" eaLnBrk="1" latinLnBrk="1" hangingPunct="1">
+              <a:lnSpc>
+                <a:spcPct val="90000"/>
+              </a:lnSpc>
+              <a:spcBef>
+                <a:spcPts val="500"/>
+              </a:spcBef>
+              <a:buFont typeface="Arial" panose="020B0604020202020204" pitchFamily="34" charset="0"/>
+              <a:buChar char="•"/>
+              <a:defRPr sz="2000" kern="1200">
+                <a:solidFill>
+                  <a:schemeClr val="tx1"/>
+                </a:solidFill>
+                <a:latin typeface="+mn-lt"/>
+                <a:ea typeface="+mn-ea"/>
+                <a:cs typeface="+mn-cs"/>
+              </a:defRPr>
+            </a:lvl3pPr>
+            <a:lvl4pPr marL="1600200" indent="-228600" algn="l" defTabSz="914400" rtl="0" eaLnBrk="1" latinLnBrk="1" hangingPunct="1">
+              <a:lnSpc>
+                <a:spcPct val="90000"/>
+              </a:lnSpc>
+              <a:spcBef>
+                <a:spcPts val="500"/>
+              </a:spcBef>
+              <a:buFont typeface="Arial" panose="020B0604020202020204" pitchFamily="34" charset="0"/>
+              <a:buChar char="•"/>
+              <a:defRPr sz="1800" kern="1200">
+                <a:solidFill>
+                  <a:schemeClr val="tx1"/>
+                </a:solidFill>
+                <a:latin typeface="+mn-lt"/>
+                <a:ea typeface="+mn-ea"/>
+                <a:cs typeface="+mn-cs"/>
+              </a:defRPr>
+            </a:lvl4pPr>
+            <a:lvl5pPr marL="2057400" indent="-228600" algn="l" defTabSz="914400" rtl="0" eaLnBrk="1" latinLnBrk="1" hangingPunct="1">
+              <a:lnSpc>
+                <a:spcPct val="90000"/>
+              </a:lnSpc>
+              <a:spcBef>
+                <a:spcPts val="500"/>
+              </a:spcBef>
+              <a:buFont typeface="Arial" panose="020B0604020202020204" pitchFamily="34" charset="0"/>
+              <a:buChar char="•"/>
+              <a:defRPr sz="1800" kern="1200">
+                <a:solidFill>
+                  <a:schemeClr val="tx1"/>
+                </a:solidFill>
+                <a:latin typeface="+mn-lt"/>
+                <a:ea typeface="+mn-ea"/>
+                <a:cs typeface="+mn-cs"/>
+              </a:defRPr>
+            </a:lvl5pPr>
+            <a:lvl6pPr marL="2514600" indent="-228600" algn="l" defTabSz="914400" rtl="0" eaLnBrk="1" latinLnBrk="1" hangingPunct="1">
+              <a:lnSpc>
+                <a:spcPct val="90000"/>
+              </a:lnSpc>
+              <a:spcBef>
+                <a:spcPts val="500"/>
+              </a:spcBef>
+              <a:buFont typeface="Arial" panose="020B0604020202020204" pitchFamily="34" charset="0"/>
+              <a:buChar char="•"/>
+              <a:defRPr sz="1800" kern="1200">
+                <a:solidFill>
+                  <a:schemeClr val="tx1"/>
+                </a:solidFill>
+                <a:latin typeface="+mn-lt"/>
+                <a:ea typeface="+mn-ea"/>
+                <a:cs typeface="+mn-cs"/>
+              </a:defRPr>
+            </a:lvl6pPr>
+            <a:lvl7pPr marL="2971800" indent="-228600" algn="l" defTabSz="914400" rtl="0" eaLnBrk="1" latinLnBrk="1" hangingPunct="1">
+              <a:lnSpc>
+                <a:spcPct val="90000"/>
+              </a:lnSpc>
+              <a:spcBef>
+                <a:spcPts val="500"/>
+              </a:spcBef>
+              <a:buFont typeface="Arial" panose="020B0604020202020204" pitchFamily="34" charset="0"/>
+              <a:buChar char="•"/>
+              <a:defRPr sz="1800" kern="1200">
+                <a:solidFill>
+                  <a:schemeClr val="tx1"/>
+                </a:solidFill>
+                <a:latin typeface="+mn-lt"/>
+                <a:ea typeface="+mn-ea"/>
+                <a:cs typeface="+mn-cs"/>
+              </a:defRPr>
+            </a:lvl7pPr>
+            <a:lvl8pPr marL="3429000" indent="-228600" algn="l" defTabSz="914400" rtl="0" eaLnBrk="1" latinLnBrk="1" hangingPunct="1">
+              <a:lnSpc>
+                <a:spcPct val="90000"/>
+              </a:lnSpc>
+              <a:spcBef>
+                <a:spcPts val="500"/>
+              </a:spcBef>
+              <a:buFont typeface="Arial" panose="020B0604020202020204" pitchFamily="34" charset="0"/>
+              <a:buChar char="•"/>
+              <a:defRPr sz="1800" kern="1200">
+                <a:solidFill>
+                  <a:schemeClr val="tx1"/>
+                </a:solidFill>
+                <a:latin typeface="+mn-lt"/>
+                <a:ea typeface="+mn-ea"/>
+                <a:cs typeface="+mn-cs"/>
+              </a:defRPr>
+            </a:lvl8pPr>
+            <a:lvl9pPr marL="3886200" indent="-228600" algn="l" defTabSz="914400" rtl="0" eaLnBrk="1" latinLnBrk="1" hangingPunct="1">
+              <a:lnSpc>
+                <a:spcPct val="90000"/>
+              </a:lnSpc>
+              <a:spcBef>
+                <a:spcPts val="500"/>
+              </a:spcBef>
+              <a:buFont typeface="Arial" panose="020B0604020202020204" pitchFamily="34" charset="0"/>
+              <a:buChar char="•"/>
+              <a:defRPr sz="1800" kern="1200">
+                <a:solidFill>
+                  <a:schemeClr val="tx1"/>
+                </a:solidFill>
+                <a:latin typeface="+mn-lt"/>
+                <a:ea typeface="+mn-ea"/>
+                <a:cs typeface="+mn-cs"/>
+              </a:defRPr>
+            </a:lvl9pPr>
+          </a:lstStyle>
+          <a:p>
+            <a:pPr>
+              <a:lnSpc>
+                <a:spcPct val="100000"/>
+              </a:lnSpc>
+            </a:pPr>
+            <a:r>
+              <a:rPr lang="ko-KR" altLang="en-US" sz="2000" dirty="0"/>
+              <a:t>비선형구조</a:t>
+            </a:r>
+            <a:endParaRPr lang="en-US" altLang="ko-KR" sz="2000" dirty="0"/>
+          </a:p>
+          <a:p>
+            <a:pPr lvl="1">
+              <a:lnSpc>
+                <a:spcPct val="100000"/>
+              </a:lnSpc>
+            </a:pPr>
+            <a:r>
+              <a:rPr lang="ko-KR" altLang="en-US" sz="1800" dirty="0"/>
+              <a:t>트리</a:t>
+            </a:r>
+            <a:endParaRPr lang="en-US" altLang="ko-KR" sz="1800" dirty="0"/>
+          </a:p>
+          <a:p>
+            <a:pPr lvl="2">
+              <a:lnSpc>
+                <a:spcPct val="100000"/>
+              </a:lnSpc>
+            </a:pPr>
+            <a:r>
+              <a:rPr lang="ko-KR" altLang="en-US" sz="1600" dirty="0"/>
+              <a:t>일반 트리</a:t>
+            </a:r>
+            <a:endParaRPr lang="en-US" altLang="ko-KR" sz="1600" dirty="0"/>
+          </a:p>
+          <a:p>
+            <a:pPr lvl="2">
+              <a:lnSpc>
+                <a:spcPct val="100000"/>
+              </a:lnSpc>
+            </a:pPr>
+            <a:r>
+              <a:rPr lang="ko-KR" altLang="en-US" sz="1600" dirty="0"/>
+              <a:t>이진 트리</a:t>
+            </a:r>
+            <a:endParaRPr lang="en-US" altLang="ko-KR" sz="1600" dirty="0"/>
+          </a:p>
+          <a:p>
+            <a:pPr lvl="1">
+              <a:lnSpc>
+                <a:spcPct val="100000"/>
+              </a:lnSpc>
+            </a:pPr>
+            <a:r>
+              <a:rPr lang="ko-KR" altLang="en-US" sz="1800" dirty="0"/>
+              <a:t>그래프</a:t>
+            </a:r>
+            <a:endParaRPr lang="en-US" altLang="ko-KR" sz="1800" dirty="0"/>
+          </a:p>
+          <a:p>
+            <a:pPr lvl="2">
+              <a:lnSpc>
+                <a:spcPct val="100000"/>
+              </a:lnSpc>
+            </a:pPr>
+            <a:r>
+              <a:rPr lang="ko-KR" altLang="en-US" sz="1600" dirty="0"/>
+              <a:t>방향 그래프</a:t>
+            </a:r>
+            <a:endParaRPr lang="en-US" altLang="ko-KR" sz="1600" dirty="0"/>
+          </a:p>
+          <a:p>
+            <a:pPr lvl="2">
+              <a:lnSpc>
+                <a:spcPct val="100000"/>
+              </a:lnSpc>
+            </a:pPr>
+            <a:r>
+              <a:rPr lang="ko-KR" altLang="en-US" sz="1600" dirty="0" err="1"/>
+              <a:t>무방향</a:t>
+            </a:r>
+            <a:r>
+              <a:rPr lang="ko-KR" altLang="en-US" sz="1600" dirty="0"/>
+              <a:t> 그래프</a:t>
+            </a:r>
+            <a:endParaRPr lang="en-US" altLang="ko-KR" sz="1600" dirty="0"/>
+          </a:p>
+          <a:p>
+            <a:pPr>
+              <a:lnSpc>
+                <a:spcPct val="100000"/>
+              </a:lnSpc>
+            </a:pPr>
+            <a:r>
+              <a:rPr lang="ko-KR" altLang="en-US" sz="2000" dirty="0"/>
+              <a:t>파일구조</a:t>
+            </a:r>
+            <a:endParaRPr lang="en-US" altLang="ko-KR" sz="2000" dirty="0"/>
+          </a:p>
+          <a:p>
+            <a:pPr lvl="1">
+              <a:lnSpc>
+                <a:spcPct val="100000"/>
+              </a:lnSpc>
+            </a:pPr>
+            <a:r>
+              <a:rPr lang="ko-KR" altLang="en-US" sz="1800" dirty="0"/>
+              <a:t>순차 파일</a:t>
+            </a:r>
+            <a:endParaRPr lang="en-US" altLang="ko-KR" sz="1800" dirty="0"/>
+          </a:p>
+          <a:p>
+            <a:pPr lvl="1">
+              <a:lnSpc>
+                <a:spcPct val="100000"/>
+              </a:lnSpc>
+            </a:pPr>
+            <a:r>
+              <a:rPr lang="ko-KR" altLang="en-US" sz="1800" dirty="0"/>
+              <a:t>색인 파일</a:t>
+            </a:r>
+            <a:endParaRPr lang="en-US" altLang="ko-KR" sz="1800" dirty="0"/>
+          </a:p>
+          <a:p>
+            <a:pPr lvl="1">
+              <a:lnSpc>
+                <a:spcPct val="100000"/>
+              </a:lnSpc>
+            </a:pPr>
+            <a:r>
+              <a:rPr lang="ko-KR" altLang="en-US" sz="1800" dirty="0"/>
+              <a:t>직접 파일</a:t>
+            </a:r>
+            <a:endParaRPr lang="en-US" altLang="ko-KR" sz="1800" dirty="0"/>
           </a:p>
         </p:txBody>
       </p:sp>
@@ -4496,6 +4954,4710 @@
     <p:extLst>
       <p:ext uri="{BB962C8B-B14F-4D97-AF65-F5344CB8AC3E}">
         <p14:creationId xmlns:p14="http://schemas.microsoft.com/office/powerpoint/2010/main" val="2390226377"/>
+      </p:ext>
+    </p:extLst>
+  </p:cSld>
+  <p:clrMapOvr>
+    <a:masterClrMapping/>
+  </p:clrMapOvr>
+</p:sld>
+</file>
+
+<file path=ppt/slides/slide16.xml><?xml version="1.0" encoding="utf-8"?>
+<p:sld xmlns:a="http://schemas.openxmlformats.org/drawingml/2006/main" xmlns:r="http://schemas.openxmlformats.org/officeDocument/2006/relationships" xmlns:p="http://schemas.openxmlformats.org/presentationml/2006/main">
+  <p:cSld>
+    <p:spTree>
+      <p:nvGrpSpPr>
+        <p:cNvPr id="1" name=""/>
+        <p:cNvGrpSpPr/>
+        <p:nvPr/>
+      </p:nvGrpSpPr>
+      <p:grpSpPr>
+        <a:xfrm>
+          <a:off x="0" y="0"/>
+          <a:ext cx="0" cy="0"/>
+          <a:chOff x="0" y="0"/>
+          <a:chExt cx="0" cy="0"/>
+        </a:xfrm>
+      </p:grpSpPr>
+      <p:sp>
+        <p:nvSpPr>
+          <p:cNvPr id="2" name="제목 1">
+            <a:extLst>
+              <a:ext uri="{FF2B5EF4-FFF2-40B4-BE49-F238E27FC236}">
+                <a16:creationId xmlns:a16="http://schemas.microsoft.com/office/drawing/2014/main" id="{7CF744E3-11B8-4827-B82D-8BC6B351B97F}"/>
+              </a:ext>
+            </a:extLst>
+          </p:cNvPr>
+          <p:cNvSpPr>
+            <a:spLocks noGrp="1"/>
+          </p:cNvSpPr>
+          <p:nvPr>
+            <p:ph type="title"/>
+          </p:nvPr>
+        </p:nvSpPr>
+        <p:spPr/>
+        <p:txBody>
+          <a:bodyPr/>
+          <a:lstStyle/>
+          <a:p>
+            <a:r>
+              <a:rPr lang="ko-KR" altLang="en-US" dirty="0"/>
+              <a:t>자료구조의 구현</a:t>
+            </a:r>
+          </a:p>
+        </p:txBody>
+      </p:sp>
+      <p:graphicFrame>
+        <p:nvGraphicFramePr>
+          <p:cNvPr id="4" name="표 4">
+            <a:extLst>
+              <a:ext uri="{FF2B5EF4-FFF2-40B4-BE49-F238E27FC236}">
+                <a16:creationId xmlns:a16="http://schemas.microsoft.com/office/drawing/2014/main" id="{260303AE-5F82-432A-AFE1-96F738EBE501}"/>
+              </a:ext>
+            </a:extLst>
+          </p:cNvPr>
+          <p:cNvGraphicFramePr>
+            <a:graphicFrameLocks noGrp="1"/>
+          </p:cNvGraphicFramePr>
+          <p:nvPr>
+            <p:extLst>
+              <p:ext uri="{D42A27DB-BD31-4B8C-83A1-F6EECF244321}">
+                <p14:modId xmlns:p14="http://schemas.microsoft.com/office/powerpoint/2010/main" val="2879216952"/>
+              </p:ext>
+            </p:extLst>
+          </p:nvPr>
+        </p:nvGraphicFramePr>
+        <p:xfrm>
+          <a:off x="2078317" y="2104713"/>
+          <a:ext cx="791882" cy="4027149"/>
+        </p:xfrm>
+        <a:graphic>
+          <a:graphicData uri="http://schemas.openxmlformats.org/drawingml/2006/table">
+            <a:tbl>
+              <a:tblPr firstRow="1" bandRow="1">
+                <a:tableStyleId>{5C22544A-7EE6-4342-B048-85BDC9FD1C3A}</a:tableStyleId>
+              </a:tblPr>
+              <a:tblGrid>
+                <a:gridCol w="791882">
+                  <a:extLst>
+                    <a:ext uri="{9D8B030D-6E8A-4147-A177-3AD203B41FA5}">
+                      <a16:colId xmlns:a16="http://schemas.microsoft.com/office/drawing/2014/main" val="2051836303"/>
+                    </a:ext>
+                  </a:extLst>
+                </a:gridCol>
+              </a:tblGrid>
+              <a:tr h="575307">
+                <a:tc>
+                  <a:txBody>
+                    <a:bodyPr/>
+                    <a:lstStyle/>
+                    <a:p>
+                      <a:pPr algn="ctr" latinLnBrk="1"/>
+                      <a:r>
+                        <a:rPr lang="ko-KR" altLang="en-US" b="0" dirty="0">
+                          <a:solidFill>
+                            <a:schemeClr val="tx1"/>
+                          </a:solidFill>
+                        </a:rPr>
+                        <a:t>월</a:t>
+                      </a:r>
+                    </a:p>
+                  </a:txBody>
+                  <a:tcPr anchor="ctr">
+                    <a:lnL w="12700" cap="flat" cmpd="sng" algn="ctr">
+                      <a:solidFill>
+                        <a:schemeClr val="tx1"/>
+                      </a:solidFill>
+                      <a:prstDash val="solid"/>
+                      <a:round/>
+                      <a:headEnd type="none" w="med" len="med"/>
+                      <a:tailEnd type="none" w="med" len="med"/>
+                    </a:lnL>
+                    <a:lnR w="12700" cap="flat" cmpd="sng" algn="ctr">
+                      <a:solidFill>
+                        <a:schemeClr val="tx1"/>
+                      </a:solidFill>
+                      <a:prstDash val="solid"/>
+                      <a:round/>
+                      <a:headEnd type="none" w="med" len="med"/>
+                      <a:tailEnd type="none" w="med" len="med"/>
+                    </a:lnR>
+                    <a:lnT w="12700" cap="flat" cmpd="sng" algn="ctr">
+                      <a:solidFill>
+                        <a:schemeClr val="tx1"/>
+                      </a:solidFill>
+                      <a:prstDash val="solid"/>
+                      <a:round/>
+                      <a:headEnd type="none" w="med" len="med"/>
+                      <a:tailEnd type="none" w="med" len="med"/>
+                    </a:lnT>
+                    <a:lnB w="12700" cap="flat" cmpd="sng" algn="ctr">
+                      <a:solidFill>
+                        <a:schemeClr val="tx1"/>
+                      </a:solidFill>
+                      <a:prstDash val="solid"/>
+                      <a:round/>
+                      <a:headEnd type="none" w="med" len="med"/>
+                      <a:tailEnd type="none" w="med" len="med"/>
+                    </a:lnB>
+                    <a:solidFill>
+                      <a:schemeClr val="bg1"/>
+                    </a:solidFill>
+                  </a:tcPr>
+                </a:tc>
+                <a:extLst>
+                  <a:ext uri="{0D108BD9-81ED-4DB2-BD59-A6C34878D82A}">
+                    <a16:rowId xmlns:a16="http://schemas.microsoft.com/office/drawing/2014/main" val="3210536480"/>
+                  </a:ext>
+                </a:extLst>
+              </a:tr>
+              <a:tr h="575307">
+                <a:tc>
+                  <a:txBody>
+                    <a:bodyPr/>
+                    <a:lstStyle/>
+                    <a:p>
+                      <a:pPr algn="ctr" latinLnBrk="1"/>
+                      <a:r>
+                        <a:rPr lang="ko-KR" altLang="en-US" b="0" dirty="0">
+                          <a:solidFill>
+                            <a:schemeClr val="tx1"/>
+                          </a:solidFill>
+                        </a:rPr>
+                        <a:t>화</a:t>
+                      </a:r>
+                    </a:p>
+                  </a:txBody>
+                  <a:tcPr anchor="ctr">
+                    <a:lnL w="12700" cap="flat" cmpd="sng" algn="ctr">
+                      <a:solidFill>
+                        <a:schemeClr val="tx1"/>
+                      </a:solidFill>
+                      <a:prstDash val="solid"/>
+                      <a:round/>
+                      <a:headEnd type="none" w="med" len="med"/>
+                      <a:tailEnd type="none" w="med" len="med"/>
+                    </a:lnL>
+                    <a:lnR w="12700" cap="flat" cmpd="sng" algn="ctr">
+                      <a:solidFill>
+                        <a:schemeClr val="tx1"/>
+                      </a:solidFill>
+                      <a:prstDash val="solid"/>
+                      <a:round/>
+                      <a:headEnd type="none" w="med" len="med"/>
+                      <a:tailEnd type="none" w="med" len="med"/>
+                    </a:lnR>
+                    <a:lnT w="12700" cap="flat" cmpd="sng" algn="ctr">
+                      <a:solidFill>
+                        <a:schemeClr val="tx1"/>
+                      </a:solidFill>
+                      <a:prstDash val="solid"/>
+                      <a:round/>
+                      <a:headEnd type="none" w="med" len="med"/>
+                      <a:tailEnd type="none" w="med" len="med"/>
+                    </a:lnT>
+                    <a:lnB w="12700" cap="flat" cmpd="sng" algn="ctr">
+                      <a:solidFill>
+                        <a:schemeClr val="tx1"/>
+                      </a:solidFill>
+                      <a:prstDash val="solid"/>
+                      <a:round/>
+                      <a:headEnd type="none" w="med" len="med"/>
+                      <a:tailEnd type="none" w="med" len="med"/>
+                    </a:lnB>
+                    <a:solidFill>
+                      <a:schemeClr val="bg1"/>
+                    </a:solidFill>
+                  </a:tcPr>
+                </a:tc>
+                <a:extLst>
+                  <a:ext uri="{0D108BD9-81ED-4DB2-BD59-A6C34878D82A}">
+                    <a16:rowId xmlns:a16="http://schemas.microsoft.com/office/drawing/2014/main" val="3036785839"/>
+                  </a:ext>
+                </a:extLst>
+              </a:tr>
+              <a:tr h="575307">
+                <a:tc>
+                  <a:txBody>
+                    <a:bodyPr/>
+                    <a:lstStyle/>
+                    <a:p>
+                      <a:pPr algn="ctr" latinLnBrk="1"/>
+                      <a:r>
+                        <a:rPr lang="ko-KR" altLang="en-US" b="0" dirty="0">
+                          <a:solidFill>
+                            <a:schemeClr val="tx1"/>
+                          </a:solidFill>
+                        </a:rPr>
+                        <a:t>수</a:t>
+                      </a:r>
+                    </a:p>
+                  </a:txBody>
+                  <a:tcPr anchor="ctr">
+                    <a:lnL w="12700" cap="flat" cmpd="sng" algn="ctr">
+                      <a:solidFill>
+                        <a:schemeClr val="tx1"/>
+                      </a:solidFill>
+                      <a:prstDash val="solid"/>
+                      <a:round/>
+                      <a:headEnd type="none" w="med" len="med"/>
+                      <a:tailEnd type="none" w="med" len="med"/>
+                    </a:lnL>
+                    <a:lnR w="12700" cap="flat" cmpd="sng" algn="ctr">
+                      <a:solidFill>
+                        <a:schemeClr val="tx1"/>
+                      </a:solidFill>
+                      <a:prstDash val="solid"/>
+                      <a:round/>
+                      <a:headEnd type="none" w="med" len="med"/>
+                      <a:tailEnd type="none" w="med" len="med"/>
+                    </a:lnR>
+                    <a:lnT w="12700" cap="flat" cmpd="sng" algn="ctr">
+                      <a:solidFill>
+                        <a:schemeClr val="tx1"/>
+                      </a:solidFill>
+                      <a:prstDash val="solid"/>
+                      <a:round/>
+                      <a:headEnd type="none" w="med" len="med"/>
+                      <a:tailEnd type="none" w="med" len="med"/>
+                    </a:lnT>
+                    <a:lnB w="12700" cap="flat" cmpd="sng" algn="ctr">
+                      <a:solidFill>
+                        <a:schemeClr val="tx1"/>
+                      </a:solidFill>
+                      <a:prstDash val="solid"/>
+                      <a:round/>
+                      <a:headEnd type="none" w="med" len="med"/>
+                      <a:tailEnd type="none" w="med" len="med"/>
+                    </a:lnB>
+                    <a:solidFill>
+                      <a:schemeClr val="bg1"/>
+                    </a:solidFill>
+                  </a:tcPr>
+                </a:tc>
+                <a:extLst>
+                  <a:ext uri="{0D108BD9-81ED-4DB2-BD59-A6C34878D82A}">
+                    <a16:rowId xmlns:a16="http://schemas.microsoft.com/office/drawing/2014/main" val="2075722758"/>
+                  </a:ext>
+                </a:extLst>
+              </a:tr>
+              <a:tr h="575307">
+                <a:tc>
+                  <a:txBody>
+                    <a:bodyPr/>
+                    <a:lstStyle/>
+                    <a:p>
+                      <a:pPr algn="ctr" latinLnBrk="1"/>
+                      <a:r>
+                        <a:rPr lang="ko-KR" altLang="en-US" b="0" dirty="0">
+                          <a:solidFill>
+                            <a:schemeClr val="tx1"/>
+                          </a:solidFill>
+                        </a:rPr>
+                        <a:t>목</a:t>
+                      </a:r>
+                    </a:p>
+                  </a:txBody>
+                  <a:tcPr anchor="ctr">
+                    <a:lnL w="12700" cap="flat" cmpd="sng" algn="ctr">
+                      <a:solidFill>
+                        <a:schemeClr val="tx1"/>
+                      </a:solidFill>
+                      <a:prstDash val="solid"/>
+                      <a:round/>
+                      <a:headEnd type="none" w="med" len="med"/>
+                      <a:tailEnd type="none" w="med" len="med"/>
+                    </a:lnL>
+                    <a:lnR w="12700" cap="flat" cmpd="sng" algn="ctr">
+                      <a:solidFill>
+                        <a:schemeClr val="tx1"/>
+                      </a:solidFill>
+                      <a:prstDash val="solid"/>
+                      <a:round/>
+                      <a:headEnd type="none" w="med" len="med"/>
+                      <a:tailEnd type="none" w="med" len="med"/>
+                    </a:lnR>
+                    <a:lnT w="12700" cap="flat" cmpd="sng" algn="ctr">
+                      <a:solidFill>
+                        <a:schemeClr val="tx1"/>
+                      </a:solidFill>
+                      <a:prstDash val="solid"/>
+                      <a:round/>
+                      <a:headEnd type="none" w="med" len="med"/>
+                      <a:tailEnd type="none" w="med" len="med"/>
+                    </a:lnT>
+                    <a:lnB w="12700" cap="flat" cmpd="sng" algn="ctr">
+                      <a:solidFill>
+                        <a:schemeClr val="tx1"/>
+                      </a:solidFill>
+                      <a:prstDash val="solid"/>
+                      <a:round/>
+                      <a:headEnd type="none" w="med" len="med"/>
+                      <a:tailEnd type="none" w="med" len="med"/>
+                    </a:lnB>
+                    <a:solidFill>
+                      <a:schemeClr val="bg1"/>
+                    </a:solidFill>
+                  </a:tcPr>
+                </a:tc>
+                <a:extLst>
+                  <a:ext uri="{0D108BD9-81ED-4DB2-BD59-A6C34878D82A}">
+                    <a16:rowId xmlns:a16="http://schemas.microsoft.com/office/drawing/2014/main" val="2494852938"/>
+                  </a:ext>
+                </a:extLst>
+              </a:tr>
+              <a:tr h="575307">
+                <a:tc>
+                  <a:txBody>
+                    <a:bodyPr/>
+                    <a:lstStyle/>
+                    <a:p>
+                      <a:pPr algn="ctr" latinLnBrk="1"/>
+                      <a:r>
+                        <a:rPr lang="ko-KR" altLang="en-US" b="0" dirty="0">
+                          <a:solidFill>
+                            <a:schemeClr val="tx1"/>
+                          </a:solidFill>
+                        </a:rPr>
+                        <a:t>금</a:t>
+                      </a:r>
+                    </a:p>
+                  </a:txBody>
+                  <a:tcPr anchor="ctr">
+                    <a:lnL w="12700" cap="flat" cmpd="sng" algn="ctr">
+                      <a:solidFill>
+                        <a:schemeClr val="tx1"/>
+                      </a:solidFill>
+                      <a:prstDash val="solid"/>
+                      <a:round/>
+                      <a:headEnd type="none" w="med" len="med"/>
+                      <a:tailEnd type="none" w="med" len="med"/>
+                    </a:lnL>
+                    <a:lnR w="12700" cap="flat" cmpd="sng" algn="ctr">
+                      <a:solidFill>
+                        <a:schemeClr val="tx1"/>
+                      </a:solidFill>
+                      <a:prstDash val="solid"/>
+                      <a:round/>
+                      <a:headEnd type="none" w="med" len="med"/>
+                      <a:tailEnd type="none" w="med" len="med"/>
+                    </a:lnR>
+                    <a:lnT w="12700" cap="flat" cmpd="sng" algn="ctr">
+                      <a:solidFill>
+                        <a:schemeClr val="tx1"/>
+                      </a:solidFill>
+                      <a:prstDash val="solid"/>
+                      <a:round/>
+                      <a:headEnd type="none" w="med" len="med"/>
+                      <a:tailEnd type="none" w="med" len="med"/>
+                    </a:lnT>
+                    <a:lnB w="12700" cap="flat" cmpd="sng" algn="ctr">
+                      <a:solidFill>
+                        <a:schemeClr val="tx1"/>
+                      </a:solidFill>
+                      <a:prstDash val="solid"/>
+                      <a:round/>
+                      <a:headEnd type="none" w="med" len="med"/>
+                      <a:tailEnd type="none" w="med" len="med"/>
+                    </a:lnB>
+                    <a:solidFill>
+                      <a:schemeClr val="bg1"/>
+                    </a:solidFill>
+                  </a:tcPr>
+                </a:tc>
+                <a:extLst>
+                  <a:ext uri="{0D108BD9-81ED-4DB2-BD59-A6C34878D82A}">
+                    <a16:rowId xmlns:a16="http://schemas.microsoft.com/office/drawing/2014/main" val="1637671158"/>
+                  </a:ext>
+                </a:extLst>
+              </a:tr>
+              <a:tr h="575307">
+                <a:tc>
+                  <a:txBody>
+                    <a:bodyPr/>
+                    <a:lstStyle/>
+                    <a:p>
+                      <a:pPr algn="ctr" latinLnBrk="1"/>
+                      <a:r>
+                        <a:rPr lang="ko-KR" altLang="en-US" b="0" dirty="0">
+                          <a:solidFill>
+                            <a:schemeClr val="tx1"/>
+                          </a:solidFill>
+                        </a:rPr>
+                        <a:t>토</a:t>
+                      </a:r>
+                    </a:p>
+                  </a:txBody>
+                  <a:tcPr anchor="ctr">
+                    <a:lnL w="12700" cap="flat" cmpd="sng" algn="ctr">
+                      <a:solidFill>
+                        <a:schemeClr val="tx1"/>
+                      </a:solidFill>
+                      <a:prstDash val="solid"/>
+                      <a:round/>
+                      <a:headEnd type="none" w="med" len="med"/>
+                      <a:tailEnd type="none" w="med" len="med"/>
+                    </a:lnL>
+                    <a:lnR w="12700" cap="flat" cmpd="sng" algn="ctr">
+                      <a:solidFill>
+                        <a:schemeClr val="tx1"/>
+                      </a:solidFill>
+                      <a:prstDash val="solid"/>
+                      <a:round/>
+                      <a:headEnd type="none" w="med" len="med"/>
+                      <a:tailEnd type="none" w="med" len="med"/>
+                    </a:lnR>
+                    <a:lnT w="12700" cap="flat" cmpd="sng" algn="ctr">
+                      <a:solidFill>
+                        <a:schemeClr val="tx1"/>
+                      </a:solidFill>
+                      <a:prstDash val="solid"/>
+                      <a:round/>
+                      <a:headEnd type="none" w="med" len="med"/>
+                      <a:tailEnd type="none" w="med" len="med"/>
+                    </a:lnT>
+                    <a:lnB w="12700" cap="flat" cmpd="sng" algn="ctr">
+                      <a:solidFill>
+                        <a:schemeClr val="tx1"/>
+                      </a:solidFill>
+                      <a:prstDash val="solid"/>
+                      <a:round/>
+                      <a:headEnd type="none" w="med" len="med"/>
+                      <a:tailEnd type="none" w="med" len="med"/>
+                    </a:lnB>
+                    <a:solidFill>
+                      <a:schemeClr val="bg1"/>
+                    </a:solidFill>
+                  </a:tcPr>
+                </a:tc>
+                <a:extLst>
+                  <a:ext uri="{0D108BD9-81ED-4DB2-BD59-A6C34878D82A}">
+                    <a16:rowId xmlns:a16="http://schemas.microsoft.com/office/drawing/2014/main" val="3240980806"/>
+                  </a:ext>
+                </a:extLst>
+              </a:tr>
+              <a:tr h="575307">
+                <a:tc>
+                  <a:txBody>
+                    <a:bodyPr/>
+                    <a:lstStyle/>
+                    <a:p>
+                      <a:pPr algn="ctr" latinLnBrk="1"/>
+                      <a:r>
+                        <a:rPr lang="ko-KR" altLang="en-US" b="0" dirty="0">
+                          <a:solidFill>
+                            <a:schemeClr val="tx1"/>
+                          </a:solidFill>
+                        </a:rPr>
+                        <a:t>일</a:t>
+                      </a:r>
+                    </a:p>
+                  </a:txBody>
+                  <a:tcPr anchor="ctr">
+                    <a:lnL w="12700" cap="flat" cmpd="sng" algn="ctr">
+                      <a:solidFill>
+                        <a:schemeClr val="tx1"/>
+                      </a:solidFill>
+                      <a:prstDash val="solid"/>
+                      <a:round/>
+                      <a:headEnd type="none" w="med" len="med"/>
+                      <a:tailEnd type="none" w="med" len="med"/>
+                    </a:lnL>
+                    <a:lnR w="12700" cap="flat" cmpd="sng" algn="ctr">
+                      <a:solidFill>
+                        <a:schemeClr val="tx1"/>
+                      </a:solidFill>
+                      <a:prstDash val="solid"/>
+                      <a:round/>
+                      <a:headEnd type="none" w="med" len="med"/>
+                      <a:tailEnd type="none" w="med" len="med"/>
+                    </a:lnR>
+                    <a:lnT w="12700" cap="flat" cmpd="sng" algn="ctr">
+                      <a:solidFill>
+                        <a:schemeClr val="tx1"/>
+                      </a:solidFill>
+                      <a:prstDash val="solid"/>
+                      <a:round/>
+                      <a:headEnd type="none" w="med" len="med"/>
+                      <a:tailEnd type="none" w="med" len="med"/>
+                    </a:lnT>
+                    <a:lnB w="12700" cap="flat" cmpd="sng" algn="ctr">
+                      <a:solidFill>
+                        <a:schemeClr val="tx1"/>
+                      </a:solidFill>
+                      <a:prstDash val="solid"/>
+                      <a:round/>
+                      <a:headEnd type="none" w="med" len="med"/>
+                      <a:tailEnd type="none" w="med" len="med"/>
+                    </a:lnB>
+                    <a:solidFill>
+                      <a:schemeClr val="bg1"/>
+                    </a:solidFill>
+                  </a:tcPr>
+                </a:tc>
+                <a:extLst>
+                  <a:ext uri="{0D108BD9-81ED-4DB2-BD59-A6C34878D82A}">
+                    <a16:rowId xmlns:a16="http://schemas.microsoft.com/office/drawing/2014/main" val="3299560784"/>
+                  </a:ext>
+                </a:extLst>
+              </a:tr>
+            </a:tbl>
+          </a:graphicData>
+        </a:graphic>
+      </p:graphicFrame>
+      <p:grpSp>
+        <p:nvGrpSpPr>
+          <p:cNvPr id="13" name="그룹 12">
+            <a:extLst>
+              <a:ext uri="{FF2B5EF4-FFF2-40B4-BE49-F238E27FC236}">
+                <a16:creationId xmlns:a16="http://schemas.microsoft.com/office/drawing/2014/main" id="{525467F8-EDFA-4709-BA70-EA5CFBBE6D38}"/>
+              </a:ext>
+            </a:extLst>
+          </p:cNvPr>
+          <p:cNvGrpSpPr/>
+          <p:nvPr/>
+        </p:nvGrpSpPr>
+        <p:grpSpPr>
+          <a:xfrm>
+            <a:off x="4652682" y="2104713"/>
+            <a:ext cx="1495550" cy="830367"/>
+            <a:chOff x="5943600" y="2101092"/>
+            <a:chExt cx="1495550" cy="830367"/>
+          </a:xfrm>
+        </p:grpSpPr>
+        <p:sp>
+          <p:nvSpPr>
+            <p:cNvPr id="7" name="직사각형 6">
+              <a:extLst>
+                <a:ext uri="{FF2B5EF4-FFF2-40B4-BE49-F238E27FC236}">
+                  <a16:creationId xmlns:a16="http://schemas.microsoft.com/office/drawing/2014/main" id="{BEC31238-B4EB-461B-AD60-A4BD8225E52A}"/>
+                </a:ext>
+              </a:extLst>
+            </p:cNvPr>
+            <p:cNvSpPr/>
+            <p:nvPr/>
+          </p:nvSpPr>
+          <p:spPr>
+            <a:xfrm>
+              <a:off x="5943600" y="2393577"/>
+              <a:ext cx="1223682" cy="537882"/>
+            </a:xfrm>
+            <a:prstGeom prst="rect">
+              <a:avLst/>
+            </a:prstGeom>
+            <a:solidFill>
+              <a:schemeClr val="bg2"/>
+            </a:solidFill>
+            <a:ln w="28575">
+              <a:solidFill>
+                <a:schemeClr val="tx1">
+                  <a:lumMod val="95000"/>
+                  <a:lumOff val="5000"/>
+                </a:schemeClr>
+              </a:solidFill>
+            </a:ln>
+          </p:spPr>
+          <p:style>
+            <a:lnRef idx="2">
+              <a:schemeClr val="accent1">
+                <a:shade val="50000"/>
+              </a:schemeClr>
+            </a:lnRef>
+            <a:fillRef idx="1">
+              <a:schemeClr val="accent1"/>
+            </a:fillRef>
+            <a:effectRef idx="0">
+              <a:schemeClr val="accent1"/>
+            </a:effectRef>
+            <a:fontRef idx="minor">
+              <a:schemeClr val="lt1"/>
+            </a:fontRef>
+          </p:style>
+          <p:txBody>
+            <a:bodyPr rtlCol="0" anchor="ctr"/>
+            <a:lstStyle/>
+            <a:p>
+              <a:pPr algn="ctr"/>
+              <a:endParaRPr lang="ko-KR" altLang="en-US"/>
+            </a:p>
+          </p:txBody>
+        </p:sp>
+        <p:sp>
+          <p:nvSpPr>
+            <p:cNvPr id="8" name="직사각형 7">
+              <a:extLst>
+                <a:ext uri="{FF2B5EF4-FFF2-40B4-BE49-F238E27FC236}">
+                  <a16:creationId xmlns:a16="http://schemas.microsoft.com/office/drawing/2014/main" id="{1650DFD3-C52A-4714-B10A-DAA8B8B2F5F8}"/>
+                </a:ext>
+              </a:extLst>
+            </p:cNvPr>
+            <p:cNvSpPr/>
+            <p:nvPr/>
+          </p:nvSpPr>
+          <p:spPr>
+            <a:xfrm>
+              <a:off x="6898342" y="2393577"/>
+              <a:ext cx="537882" cy="537882"/>
+            </a:xfrm>
+            <a:prstGeom prst="rect">
+              <a:avLst/>
+            </a:prstGeom>
+            <a:solidFill>
+              <a:schemeClr val="bg2"/>
+            </a:solidFill>
+            <a:ln w="28575">
+              <a:solidFill>
+                <a:schemeClr val="tx1">
+                  <a:lumMod val="95000"/>
+                  <a:lumOff val="5000"/>
+                </a:schemeClr>
+              </a:solidFill>
+            </a:ln>
+          </p:spPr>
+          <p:style>
+            <a:lnRef idx="2">
+              <a:schemeClr val="accent1">
+                <a:shade val="50000"/>
+              </a:schemeClr>
+            </a:lnRef>
+            <a:fillRef idx="1">
+              <a:schemeClr val="accent1"/>
+            </a:fillRef>
+            <a:effectRef idx="0">
+              <a:schemeClr val="accent1"/>
+            </a:effectRef>
+            <a:fontRef idx="minor">
+              <a:schemeClr val="lt1"/>
+            </a:fontRef>
+          </p:style>
+          <p:txBody>
+            <a:bodyPr rtlCol="0" anchor="ctr"/>
+            <a:lstStyle/>
+            <a:p>
+              <a:pPr algn="ctr"/>
+              <a:endParaRPr lang="ko-KR" altLang="en-US"/>
+            </a:p>
+          </p:txBody>
+        </p:sp>
+        <p:sp>
+          <p:nvSpPr>
+            <p:cNvPr id="10" name="TextBox 9">
+              <a:extLst>
+                <a:ext uri="{FF2B5EF4-FFF2-40B4-BE49-F238E27FC236}">
+                  <a16:creationId xmlns:a16="http://schemas.microsoft.com/office/drawing/2014/main" id="{B107C881-92D1-4581-BFF7-C829CCA7821E}"/>
+                </a:ext>
+              </a:extLst>
+            </p:cNvPr>
+            <p:cNvSpPr txBox="1"/>
+            <p:nvPr/>
+          </p:nvSpPr>
+          <p:spPr>
+            <a:xfrm>
+              <a:off x="6213902" y="2477852"/>
+              <a:ext cx="415498" cy="369332"/>
+            </a:xfrm>
+            <a:prstGeom prst="rect">
+              <a:avLst/>
+            </a:prstGeom>
+            <a:noFill/>
+          </p:spPr>
+          <p:txBody>
+            <a:bodyPr wrap="none" rtlCol="0">
+              <a:spAutoFit/>
+            </a:bodyPr>
+            <a:lstStyle/>
+            <a:p>
+              <a:r>
+                <a:rPr lang="ko-KR" altLang="en-US" dirty="0"/>
+                <a:t>월</a:t>
+              </a:r>
+            </a:p>
+          </p:txBody>
+        </p:sp>
+        <p:sp>
+          <p:nvSpPr>
+            <p:cNvPr id="11" name="TextBox 10">
+              <a:extLst>
+                <a:ext uri="{FF2B5EF4-FFF2-40B4-BE49-F238E27FC236}">
+                  <a16:creationId xmlns:a16="http://schemas.microsoft.com/office/drawing/2014/main" id="{A0617C4F-B9A4-4590-BD1E-FF55DF2E2641}"/>
+                </a:ext>
+              </a:extLst>
+            </p:cNvPr>
+            <p:cNvSpPr txBox="1"/>
+            <p:nvPr/>
+          </p:nvSpPr>
+          <p:spPr>
+            <a:xfrm>
+              <a:off x="6052611" y="2101092"/>
+              <a:ext cx="723275" cy="307777"/>
+            </a:xfrm>
+            <a:prstGeom prst="rect">
+              <a:avLst/>
+            </a:prstGeom>
+            <a:noFill/>
+          </p:spPr>
+          <p:txBody>
+            <a:bodyPr wrap="none" rtlCol="0">
+              <a:spAutoFit/>
+            </a:bodyPr>
+            <a:lstStyle/>
+            <a:p>
+              <a:pPr algn="ctr"/>
+              <a:r>
+                <a:rPr lang="ko-KR" altLang="en-US" sz="1400"/>
+                <a:t>데이터</a:t>
+              </a:r>
+              <a:endParaRPr lang="ko-KR" altLang="en-US" sz="1400" dirty="0"/>
+            </a:p>
+          </p:txBody>
+        </p:sp>
+        <p:sp>
+          <p:nvSpPr>
+            <p:cNvPr id="12" name="TextBox 11">
+              <a:extLst>
+                <a:ext uri="{FF2B5EF4-FFF2-40B4-BE49-F238E27FC236}">
+                  <a16:creationId xmlns:a16="http://schemas.microsoft.com/office/drawing/2014/main" id="{CF928A21-2156-48CE-94CB-FDC698A502DA}"/>
+                </a:ext>
+              </a:extLst>
+            </p:cNvPr>
+            <p:cNvSpPr txBox="1"/>
+            <p:nvPr/>
+          </p:nvSpPr>
+          <p:spPr>
+            <a:xfrm>
+              <a:off x="6895411" y="2101092"/>
+              <a:ext cx="543739" cy="307777"/>
+            </a:xfrm>
+            <a:prstGeom prst="rect">
+              <a:avLst/>
+            </a:prstGeom>
+            <a:noFill/>
+          </p:spPr>
+          <p:txBody>
+            <a:bodyPr wrap="none" rtlCol="0">
+              <a:spAutoFit/>
+            </a:bodyPr>
+            <a:lstStyle/>
+            <a:p>
+              <a:pPr algn="ctr"/>
+              <a:r>
+                <a:rPr lang="ko-KR" altLang="en-US" sz="1400" dirty="0"/>
+                <a:t>링크</a:t>
+              </a:r>
+            </a:p>
+          </p:txBody>
+        </p:sp>
+      </p:grpSp>
+      <p:grpSp>
+        <p:nvGrpSpPr>
+          <p:cNvPr id="14" name="그룹 13">
+            <a:extLst>
+              <a:ext uri="{FF2B5EF4-FFF2-40B4-BE49-F238E27FC236}">
+                <a16:creationId xmlns:a16="http://schemas.microsoft.com/office/drawing/2014/main" id="{A035637C-C779-45F7-9342-2244707387F7}"/>
+              </a:ext>
+            </a:extLst>
+          </p:cNvPr>
+          <p:cNvGrpSpPr/>
+          <p:nvPr/>
+        </p:nvGrpSpPr>
+        <p:grpSpPr>
+          <a:xfrm>
+            <a:off x="6831106" y="2106558"/>
+            <a:ext cx="1495550" cy="830367"/>
+            <a:chOff x="5943600" y="2101092"/>
+            <a:chExt cx="1495550" cy="830367"/>
+          </a:xfrm>
+        </p:grpSpPr>
+        <p:sp>
+          <p:nvSpPr>
+            <p:cNvPr id="15" name="직사각형 14">
+              <a:extLst>
+                <a:ext uri="{FF2B5EF4-FFF2-40B4-BE49-F238E27FC236}">
+                  <a16:creationId xmlns:a16="http://schemas.microsoft.com/office/drawing/2014/main" id="{C637C700-DC5A-4DF4-B91D-9699F39CC105}"/>
+                </a:ext>
+              </a:extLst>
+            </p:cNvPr>
+            <p:cNvSpPr/>
+            <p:nvPr/>
+          </p:nvSpPr>
+          <p:spPr>
+            <a:xfrm>
+              <a:off x="5943600" y="2393577"/>
+              <a:ext cx="1223682" cy="537882"/>
+            </a:xfrm>
+            <a:prstGeom prst="rect">
+              <a:avLst/>
+            </a:prstGeom>
+            <a:solidFill>
+              <a:schemeClr val="bg2"/>
+            </a:solidFill>
+            <a:ln w="28575">
+              <a:solidFill>
+                <a:schemeClr val="tx1">
+                  <a:lumMod val="95000"/>
+                  <a:lumOff val="5000"/>
+                </a:schemeClr>
+              </a:solidFill>
+            </a:ln>
+          </p:spPr>
+          <p:style>
+            <a:lnRef idx="2">
+              <a:schemeClr val="accent1">
+                <a:shade val="50000"/>
+              </a:schemeClr>
+            </a:lnRef>
+            <a:fillRef idx="1">
+              <a:schemeClr val="accent1"/>
+            </a:fillRef>
+            <a:effectRef idx="0">
+              <a:schemeClr val="accent1"/>
+            </a:effectRef>
+            <a:fontRef idx="minor">
+              <a:schemeClr val="lt1"/>
+            </a:fontRef>
+          </p:style>
+          <p:txBody>
+            <a:bodyPr rtlCol="0" anchor="ctr"/>
+            <a:lstStyle/>
+            <a:p>
+              <a:pPr algn="ctr"/>
+              <a:endParaRPr lang="ko-KR" altLang="en-US"/>
+            </a:p>
+          </p:txBody>
+        </p:sp>
+        <p:sp>
+          <p:nvSpPr>
+            <p:cNvPr id="16" name="직사각형 15">
+              <a:extLst>
+                <a:ext uri="{FF2B5EF4-FFF2-40B4-BE49-F238E27FC236}">
+                  <a16:creationId xmlns:a16="http://schemas.microsoft.com/office/drawing/2014/main" id="{00CDA304-4B71-4DFF-BD7A-3D9693638B16}"/>
+                </a:ext>
+              </a:extLst>
+            </p:cNvPr>
+            <p:cNvSpPr/>
+            <p:nvPr/>
+          </p:nvSpPr>
+          <p:spPr>
+            <a:xfrm>
+              <a:off x="6898342" y="2393577"/>
+              <a:ext cx="537882" cy="537882"/>
+            </a:xfrm>
+            <a:prstGeom prst="rect">
+              <a:avLst/>
+            </a:prstGeom>
+            <a:solidFill>
+              <a:schemeClr val="bg2"/>
+            </a:solidFill>
+            <a:ln w="28575">
+              <a:solidFill>
+                <a:schemeClr val="tx1">
+                  <a:lumMod val="95000"/>
+                  <a:lumOff val="5000"/>
+                </a:schemeClr>
+              </a:solidFill>
+            </a:ln>
+          </p:spPr>
+          <p:style>
+            <a:lnRef idx="2">
+              <a:schemeClr val="accent1">
+                <a:shade val="50000"/>
+              </a:schemeClr>
+            </a:lnRef>
+            <a:fillRef idx="1">
+              <a:schemeClr val="accent1"/>
+            </a:fillRef>
+            <a:effectRef idx="0">
+              <a:schemeClr val="accent1"/>
+            </a:effectRef>
+            <a:fontRef idx="minor">
+              <a:schemeClr val="lt1"/>
+            </a:fontRef>
+          </p:style>
+          <p:txBody>
+            <a:bodyPr rtlCol="0" anchor="ctr"/>
+            <a:lstStyle/>
+            <a:p>
+              <a:pPr algn="ctr"/>
+              <a:endParaRPr lang="ko-KR" altLang="en-US"/>
+            </a:p>
+          </p:txBody>
+        </p:sp>
+        <p:sp>
+          <p:nvSpPr>
+            <p:cNvPr id="17" name="TextBox 16">
+              <a:extLst>
+                <a:ext uri="{FF2B5EF4-FFF2-40B4-BE49-F238E27FC236}">
+                  <a16:creationId xmlns:a16="http://schemas.microsoft.com/office/drawing/2014/main" id="{802D4E9A-3F0A-4F12-B7DB-625D23B049FF}"/>
+                </a:ext>
+              </a:extLst>
+            </p:cNvPr>
+            <p:cNvSpPr txBox="1"/>
+            <p:nvPr/>
+          </p:nvSpPr>
+          <p:spPr>
+            <a:xfrm>
+              <a:off x="6213902" y="2477852"/>
+              <a:ext cx="415498" cy="369332"/>
+            </a:xfrm>
+            <a:prstGeom prst="rect">
+              <a:avLst/>
+            </a:prstGeom>
+            <a:noFill/>
+          </p:spPr>
+          <p:txBody>
+            <a:bodyPr wrap="none" rtlCol="0">
+              <a:spAutoFit/>
+            </a:bodyPr>
+            <a:lstStyle/>
+            <a:p>
+              <a:r>
+                <a:rPr lang="ko-KR" altLang="en-US" dirty="0"/>
+                <a:t>화</a:t>
+              </a:r>
+            </a:p>
+          </p:txBody>
+        </p:sp>
+        <p:sp>
+          <p:nvSpPr>
+            <p:cNvPr id="18" name="TextBox 17">
+              <a:extLst>
+                <a:ext uri="{FF2B5EF4-FFF2-40B4-BE49-F238E27FC236}">
+                  <a16:creationId xmlns:a16="http://schemas.microsoft.com/office/drawing/2014/main" id="{B772AF12-B3BD-4BEE-BF9C-C0EE41BA9CC1}"/>
+                </a:ext>
+              </a:extLst>
+            </p:cNvPr>
+            <p:cNvSpPr txBox="1"/>
+            <p:nvPr/>
+          </p:nvSpPr>
+          <p:spPr>
+            <a:xfrm>
+              <a:off x="6052611" y="2101092"/>
+              <a:ext cx="723275" cy="307777"/>
+            </a:xfrm>
+            <a:prstGeom prst="rect">
+              <a:avLst/>
+            </a:prstGeom>
+            <a:noFill/>
+          </p:spPr>
+          <p:txBody>
+            <a:bodyPr wrap="none" rtlCol="0">
+              <a:spAutoFit/>
+            </a:bodyPr>
+            <a:lstStyle/>
+            <a:p>
+              <a:pPr algn="ctr"/>
+              <a:r>
+                <a:rPr lang="ko-KR" altLang="en-US" sz="1400"/>
+                <a:t>데이터</a:t>
+              </a:r>
+              <a:endParaRPr lang="ko-KR" altLang="en-US" sz="1400" dirty="0"/>
+            </a:p>
+          </p:txBody>
+        </p:sp>
+        <p:sp>
+          <p:nvSpPr>
+            <p:cNvPr id="19" name="TextBox 18">
+              <a:extLst>
+                <a:ext uri="{FF2B5EF4-FFF2-40B4-BE49-F238E27FC236}">
+                  <a16:creationId xmlns:a16="http://schemas.microsoft.com/office/drawing/2014/main" id="{70B060DC-A28C-4016-BBCC-09D778BD40BB}"/>
+                </a:ext>
+              </a:extLst>
+            </p:cNvPr>
+            <p:cNvSpPr txBox="1"/>
+            <p:nvPr/>
+          </p:nvSpPr>
+          <p:spPr>
+            <a:xfrm>
+              <a:off x="6895411" y="2101092"/>
+              <a:ext cx="543739" cy="307777"/>
+            </a:xfrm>
+            <a:prstGeom prst="rect">
+              <a:avLst/>
+            </a:prstGeom>
+            <a:noFill/>
+          </p:spPr>
+          <p:txBody>
+            <a:bodyPr wrap="none" rtlCol="0">
+              <a:spAutoFit/>
+            </a:bodyPr>
+            <a:lstStyle/>
+            <a:p>
+              <a:pPr algn="ctr"/>
+              <a:r>
+                <a:rPr lang="ko-KR" altLang="en-US" sz="1400" dirty="0"/>
+                <a:t>링크</a:t>
+              </a:r>
+            </a:p>
+          </p:txBody>
+        </p:sp>
+      </p:grpSp>
+      <p:grpSp>
+        <p:nvGrpSpPr>
+          <p:cNvPr id="20" name="그룹 19">
+            <a:extLst>
+              <a:ext uri="{FF2B5EF4-FFF2-40B4-BE49-F238E27FC236}">
+                <a16:creationId xmlns:a16="http://schemas.microsoft.com/office/drawing/2014/main" id="{86DB9A38-3329-48F3-AF62-E4E8840C3C8D}"/>
+              </a:ext>
+            </a:extLst>
+          </p:cNvPr>
+          <p:cNvGrpSpPr/>
+          <p:nvPr/>
+        </p:nvGrpSpPr>
+        <p:grpSpPr>
+          <a:xfrm>
+            <a:off x="9009530" y="2108403"/>
+            <a:ext cx="1495550" cy="830367"/>
+            <a:chOff x="5943600" y="2101092"/>
+            <a:chExt cx="1495550" cy="830367"/>
+          </a:xfrm>
+        </p:grpSpPr>
+        <p:sp>
+          <p:nvSpPr>
+            <p:cNvPr id="21" name="직사각형 20">
+              <a:extLst>
+                <a:ext uri="{FF2B5EF4-FFF2-40B4-BE49-F238E27FC236}">
+                  <a16:creationId xmlns:a16="http://schemas.microsoft.com/office/drawing/2014/main" id="{1A565B51-7BC7-474D-A17F-A4C0076653BE}"/>
+                </a:ext>
+              </a:extLst>
+            </p:cNvPr>
+            <p:cNvSpPr/>
+            <p:nvPr/>
+          </p:nvSpPr>
+          <p:spPr>
+            <a:xfrm>
+              <a:off x="5943600" y="2393577"/>
+              <a:ext cx="1223682" cy="537882"/>
+            </a:xfrm>
+            <a:prstGeom prst="rect">
+              <a:avLst/>
+            </a:prstGeom>
+            <a:solidFill>
+              <a:schemeClr val="bg2"/>
+            </a:solidFill>
+            <a:ln w="28575">
+              <a:solidFill>
+                <a:schemeClr val="tx1">
+                  <a:lumMod val="95000"/>
+                  <a:lumOff val="5000"/>
+                </a:schemeClr>
+              </a:solidFill>
+            </a:ln>
+          </p:spPr>
+          <p:style>
+            <a:lnRef idx="2">
+              <a:schemeClr val="accent1">
+                <a:shade val="50000"/>
+              </a:schemeClr>
+            </a:lnRef>
+            <a:fillRef idx="1">
+              <a:schemeClr val="accent1"/>
+            </a:fillRef>
+            <a:effectRef idx="0">
+              <a:schemeClr val="accent1"/>
+            </a:effectRef>
+            <a:fontRef idx="minor">
+              <a:schemeClr val="lt1"/>
+            </a:fontRef>
+          </p:style>
+          <p:txBody>
+            <a:bodyPr rtlCol="0" anchor="ctr"/>
+            <a:lstStyle/>
+            <a:p>
+              <a:pPr algn="ctr"/>
+              <a:endParaRPr lang="ko-KR" altLang="en-US"/>
+            </a:p>
+          </p:txBody>
+        </p:sp>
+        <p:sp>
+          <p:nvSpPr>
+            <p:cNvPr id="22" name="직사각형 21">
+              <a:extLst>
+                <a:ext uri="{FF2B5EF4-FFF2-40B4-BE49-F238E27FC236}">
+                  <a16:creationId xmlns:a16="http://schemas.microsoft.com/office/drawing/2014/main" id="{94A8614D-D1B2-48CC-9507-A8BDAE72C269}"/>
+                </a:ext>
+              </a:extLst>
+            </p:cNvPr>
+            <p:cNvSpPr/>
+            <p:nvPr/>
+          </p:nvSpPr>
+          <p:spPr>
+            <a:xfrm>
+              <a:off x="6898342" y="2393577"/>
+              <a:ext cx="537882" cy="537882"/>
+            </a:xfrm>
+            <a:prstGeom prst="rect">
+              <a:avLst/>
+            </a:prstGeom>
+            <a:solidFill>
+              <a:schemeClr val="bg2"/>
+            </a:solidFill>
+            <a:ln w="28575">
+              <a:solidFill>
+                <a:schemeClr val="tx1">
+                  <a:lumMod val="95000"/>
+                  <a:lumOff val="5000"/>
+                </a:schemeClr>
+              </a:solidFill>
+            </a:ln>
+          </p:spPr>
+          <p:style>
+            <a:lnRef idx="2">
+              <a:schemeClr val="accent1">
+                <a:shade val="50000"/>
+              </a:schemeClr>
+            </a:lnRef>
+            <a:fillRef idx="1">
+              <a:schemeClr val="accent1"/>
+            </a:fillRef>
+            <a:effectRef idx="0">
+              <a:schemeClr val="accent1"/>
+            </a:effectRef>
+            <a:fontRef idx="minor">
+              <a:schemeClr val="lt1"/>
+            </a:fontRef>
+          </p:style>
+          <p:txBody>
+            <a:bodyPr rtlCol="0" anchor="ctr"/>
+            <a:lstStyle/>
+            <a:p>
+              <a:pPr algn="ctr"/>
+              <a:endParaRPr lang="ko-KR" altLang="en-US"/>
+            </a:p>
+          </p:txBody>
+        </p:sp>
+        <p:sp>
+          <p:nvSpPr>
+            <p:cNvPr id="23" name="TextBox 22">
+              <a:extLst>
+                <a:ext uri="{FF2B5EF4-FFF2-40B4-BE49-F238E27FC236}">
+                  <a16:creationId xmlns:a16="http://schemas.microsoft.com/office/drawing/2014/main" id="{F3B8E55B-B7B9-4F8B-AD42-CA1984E0D807}"/>
+                </a:ext>
+              </a:extLst>
+            </p:cNvPr>
+            <p:cNvSpPr txBox="1"/>
+            <p:nvPr/>
+          </p:nvSpPr>
+          <p:spPr>
+            <a:xfrm>
+              <a:off x="6213902" y="2477852"/>
+              <a:ext cx="415498" cy="369332"/>
+            </a:xfrm>
+            <a:prstGeom prst="rect">
+              <a:avLst/>
+            </a:prstGeom>
+            <a:noFill/>
+          </p:spPr>
+          <p:txBody>
+            <a:bodyPr wrap="none" rtlCol="0">
+              <a:spAutoFit/>
+            </a:bodyPr>
+            <a:lstStyle/>
+            <a:p>
+              <a:r>
+                <a:rPr lang="ko-KR" altLang="en-US" dirty="0"/>
+                <a:t>수</a:t>
+              </a:r>
+            </a:p>
+          </p:txBody>
+        </p:sp>
+        <p:sp>
+          <p:nvSpPr>
+            <p:cNvPr id="24" name="TextBox 23">
+              <a:extLst>
+                <a:ext uri="{FF2B5EF4-FFF2-40B4-BE49-F238E27FC236}">
+                  <a16:creationId xmlns:a16="http://schemas.microsoft.com/office/drawing/2014/main" id="{82430228-ADE4-40EE-9CD4-0B070DD276C5}"/>
+                </a:ext>
+              </a:extLst>
+            </p:cNvPr>
+            <p:cNvSpPr txBox="1"/>
+            <p:nvPr/>
+          </p:nvSpPr>
+          <p:spPr>
+            <a:xfrm>
+              <a:off x="6052611" y="2101092"/>
+              <a:ext cx="723275" cy="307777"/>
+            </a:xfrm>
+            <a:prstGeom prst="rect">
+              <a:avLst/>
+            </a:prstGeom>
+            <a:noFill/>
+          </p:spPr>
+          <p:txBody>
+            <a:bodyPr wrap="none" rtlCol="0">
+              <a:spAutoFit/>
+            </a:bodyPr>
+            <a:lstStyle/>
+            <a:p>
+              <a:pPr algn="ctr"/>
+              <a:r>
+                <a:rPr lang="ko-KR" altLang="en-US" sz="1400"/>
+                <a:t>데이터</a:t>
+              </a:r>
+              <a:endParaRPr lang="ko-KR" altLang="en-US" sz="1400" dirty="0"/>
+            </a:p>
+          </p:txBody>
+        </p:sp>
+        <p:sp>
+          <p:nvSpPr>
+            <p:cNvPr id="25" name="TextBox 24">
+              <a:extLst>
+                <a:ext uri="{FF2B5EF4-FFF2-40B4-BE49-F238E27FC236}">
+                  <a16:creationId xmlns:a16="http://schemas.microsoft.com/office/drawing/2014/main" id="{B0DC403B-6380-495A-AFD2-A0A57D0EABDA}"/>
+                </a:ext>
+              </a:extLst>
+            </p:cNvPr>
+            <p:cNvSpPr txBox="1"/>
+            <p:nvPr/>
+          </p:nvSpPr>
+          <p:spPr>
+            <a:xfrm>
+              <a:off x="6895411" y="2101092"/>
+              <a:ext cx="543739" cy="307777"/>
+            </a:xfrm>
+            <a:prstGeom prst="rect">
+              <a:avLst/>
+            </a:prstGeom>
+            <a:noFill/>
+          </p:spPr>
+          <p:txBody>
+            <a:bodyPr wrap="none" rtlCol="0">
+              <a:spAutoFit/>
+            </a:bodyPr>
+            <a:lstStyle/>
+            <a:p>
+              <a:pPr algn="ctr"/>
+              <a:r>
+                <a:rPr lang="ko-KR" altLang="en-US" sz="1400" dirty="0"/>
+                <a:t>링크</a:t>
+              </a:r>
+            </a:p>
+          </p:txBody>
+        </p:sp>
+      </p:grpSp>
+      <p:grpSp>
+        <p:nvGrpSpPr>
+          <p:cNvPr id="26" name="그룹 25">
+            <a:extLst>
+              <a:ext uri="{FF2B5EF4-FFF2-40B4-BE49-F238E27FC236}">
+                <a16:creationId xmlns:a16="http://schemas.microsoft.com/office/drawing/2014/main" id="{DD76409C-D406-4575-8DAC-CE85204EF101}"/>
+              </a:ext>
+            </a:extLst>
+          </p:cNvPr>
+          <p:cNvGrpSpPr/>
+          <p:nvPr/>
+        </p:nvGrpSpPr>
+        <p:grpSpPr>
+          <a:xfrm>
+            <a:off x="4652682" y="3603376"/>
+            <a:ext cx="1495550" cy="830367"/>
+            <a:chOff x="5943600" y="2101092"/>
+            <a:chExt cx="1495550" cy="830367"/>
+          </a:xfrm>
+        </p:grpSpPr>
+        <p:sp>
+          <p:nvSpPr>
+            <p:cNvPr id="27" name="직사각형 26">
+              <a:extLst>
+                <a:ext uri="{FF2B5EF4-FFF2-40B4-BE49-F238E27FC236}">
+                  <a16:creationId xmlns:a16="http://schemas.microsoft.com/office/drawing/2014/main" id="{7F4AD81D-CE82-4253-A236-3058885EF413}"/>
+                </a:ext>
+              </a:extLst>
+            </p:cNvPr>
+            <p:cNvSpPr/>
+            <p:nvPr/>
+          </p:nvSpPr>
+          <p:spPr>
+            <a:xfrm>
+              <a:off x="5943600" y="2393577"/>
+              <a:ext cx="1223682" cy="537882"/>
+            </a:xfrm>
+            <a:prstGeom prst="rect">
+              <a:avLst/>
+            </a:prstGeom>
+            <a:solidFill>
+              <a:schemeClr val="bg2"/>
+            </a:solidFill>
+            <a:ln w="28575">
+              <a:solidFill>
+                <a:schemeClr val="tx1">
+                  <a:lumMod val="95000"/>
+                  <a:lumOff val="5000"/>
+                </a:schemeClr>
+              </a:solidFill>
+            </a:ln>
+          </p:spPr>
+          <p:style>
+            <a:lnRef idx="2">
+              <a:schemeClr val="accent1">
+                <a:shade val="50000"/>
+              </a:schemeClr>
+            </a:lnRef>
+            <a:fillRef idx="1">
+              <a:schemeClr val="accent1"/>
+            </a:fillRef>
+            <a:effectRef idx="0">
+              <a:schemeClr val="accent1"/>
+            </a:effectRef>
+            <a:fontRef idx="minor">
+              <a:schemeClr val="lt1"/>
+            </a:fontRef>
+          </p:style>
+          <p:txBody>
+            <a:bodyPr rtlCol="0" anchor="ctr"/>
+            <a:lstStyle/>
+            <a:p>
+              <a:pPr algn="ctr"/>
+              <a:endParaRPr lang="ko-KR" altLang="en-US"/>
+            </a:p>
+          </p:txBody>
+        </p:sp>
+        <p:sp>
+          <p:nvSpPr>
+            <p:cNvPr id="28" name="직사각형 27">
+              <a:extLst>
+                <a:ext uri="{FF2B5EF4-FFF2-40B4-BE49-F238E27FC236}">
+                  <a16:creationId xmlns:a16="http://schemas.microsoft.com/office/drawing/2014/main" id="{17809C90-8625-4F37-9A61-A31EB8F08E35}"/>
+                </a:ext>
+              </a:extLst>
+            </p:cNvPr>
+            <p:cNvSpPr/>
+            <p:nvPr/>
+          </p:nvSpPr>
+          <p:spPr>
+            <a:xfrm>
+              <a:off x="6898342" y="2393577"/>
+              <a:ext cx="537882" cy="537882"/>
+            </a:xfrm>
+            <a:prstGeom prst="rect">
+              <a:avLst/>
+            </a:prstGeom>
+            <a:solidFill>
+              <a:schemeClr val="bg2"/>
+            </a:solidFill>
+            <a:ln w="28575">
+              <a:solidFill>
+                <a:schemeClr val="tx1">
+                  <a:lumMod val="95000"/>
+                  <a:lumOff val="5000"/>
+                </a:schemeClr>
+              </a:solidFill>
+            </a:ln>
+          </p:spPr>
+          <p:style>
+            <a:lnRef idx="2">
+              <a:schemeClr val="accent1">
+                <a:shade val="50000"/>
+              </a:schemeClr>
+            </a:lnRef>
+            <a:fillRef idx="1">
+              <a:schemeClr val="accent1"/>
+            </a:fillRef>
+            <a:effectRef idx="0">
+              <a:schemeClr val="accent1"/>
+            </a:effectRef>
+            <a:fontRef idx="minor">
+              <a:schemeClr val="lt1"/>
+            </a:fontRef>
+          </p:style>
+          <p:txBody>
+            <a:bodyPr rtlCol="0" anchor="ctr"/>
+            <a:lstStyle/>
+            <a:p>
+              <a:pPr algn="ctr"/>
+              <a:endParaRPr lang="ko-KR" altLang="en-US"/>
+            </a:p>
+          </p:txBody>
+        </p:sp>
+        <p:sp>
+          <p:nvSpPr>
+            <p:cNvPr id="29" name="TextBox 28">
+              <a:extLst>
+                <a:ext uri="{FF2B5EF4-FFF2-40B4-BE49-F238E27FC236}">
+                  <a16:creationId xmlns:a16="http://schemas.microsoft.com/office/drawing/2014/main" id="{23CF47F0-16C2-4A3D-B4B8-1BF854B53D72}"/>
+                </a:ext>
+              </a:extLst>
+            </p:cNvPr>
+            <p:cNvSpPr txBox="1"/>
+            <p:nvPr/>
+          </p:nvSpPr>
+          <p:spPr>
+            <a:xfrm>
+              <a:off x="6213902" y="2477852"/>
+              <a:ext cx="415498" cy="369332"/>
+            </a:xfrm>
+            <a:prstGeom prst="rect">
+              <a:avLst/>
+            </a:prstGeom>
+            <a:noFill/>
+          </p:spPr>
+          <p:txBody>
+            <a:bodyPr wrap="none" rtlCol="0">
+              <a:spAutoFit/>
+            </a:bodyPr>
+            <a:lstStyle/>
+            <a:p>
+              <a:r>
+                <a:rPr lang="ko-KR" altLang="en-US" dirty="0"/>
+                <a:t>목</a:t>
+              </a:r>
+            </a:p>
+          </p:txBody>
+        </p:sp>
+        <p:sp>
+          <p:nvSpPr>
+            <p:cNvPr id="30" name="TextBox 29">
+              <a:extLst>
+                <a:ext uri="{FF2B5EF4-FFF2-40B4-BE49-F238E27FC236}">
+                  <a16:creationId xmlns:a16="http://schemas.microsoft.com/office/drawing/2014/main" id="{A812A142-367C-4A11-B52D-92E26AB67EEC}"/>
+                </a:ext>
+              </a:extLst>
+            </p:cNvPr>
+            <p:cNvSpPr txBox="1"/>
+            <p:nvPr/>
+          </p:nvSpPr>
+          <p:spPr>
+            <a:xfrm>
+              <a:off x="6052611" y="2101092"/>
+              <a:ext cx="723275" cy="307777"/>
+            </a:xfrm>
+            <a:prstGeom prst="rect">
+              <a:avLst/>
+            </a:prstGeom>
+            <a:noFill/>
+          </p:spPr>
+          <p:txBody>
+            <a:bodyPr wrap="none" rtlCol="0">
+              <a:spAutoFit/>
+            </a:bodyPr>
+            <a:lstStyle/>
+            <a:p>
+              <a:pPr algn="ctr"/>
+              <a:r>
+                <a:rPr lang="ko-KR" altLang="en-US" sz="1400"/>
+                <a:t>데이터</a:t>
+              </a:r>
+              <a:endParaRPr lang="ko-KR" altLang="en-US" sz="1400" dirty="0"/>
+            </a:p>
+          </p:txBody>
+        </p:sp>
+        <p:sp>
+          <p:nvSpPr>
+            <p:cNvPr id="31" name="TextBox 30">
+              <a:extLst>
+                <a:ext uri="{FF2B5EF4-FFF2-40B4-BE49-F238E27FC236}">
+                  <a16:creationId xmlns:a16="http://schemas.microsoft.com/office/drawing/2014/main" id="{317881E1-E5CC-44A5-AE8E-16C19DCFCCCA}"/>
+                </a:ext>
+              </a:extLst>
+            </p:cNvPr>
+            <p:cNvSpPr txBox="1"/>
+            <p:nvPr/>
+          </p:nvSpPr>
+          <p:spPr>
+            <a:xfrm>
+              <a:off x="6895411" y="2101092"/>
+              <a:ext cx="543739" cy="307777"/>
+            </a:xfrm>
+            <a:prstGeom prst="rect">
+              <a:avLst/>
+            </a:prstGeom>
+            <a:noFill/>
+          </p:spPr>
+          <p:txBody>
+            <a:bodyPr wrap="none" rtlCol="0">
+              <a:spAutoFit/>
+            </a:bodyPr>
+            <a:lstStyle/>
+            <a:p>
+              <a:pPr algn="ctr"/>
+              <a:r>
+                <a:rPr lang="ko-KR" altLang="en-US" sz="1400" dirty="0"/>
+                <a:t>링크</a:t>
+              </a:r>
+            </a:p>
+          </p:txBody>
+        </p:sp>
+      </p:grpSp>
+      <p:grpSp>
+        <p:nvGrpSpPr>
+          <p:cNvPr id="32" name="그룹 31">
+            <a:extLst>
+              <a:ext uri="{FF2B5EF4-FFF2-40B4-BE49-F238E27FC236}">
+                <a16:creationId xmlns:a16="http://schemas.microsoft.com/office/drawing/2014/main" id="{FE77BAC9-FBE8-4B5A-BB3D-57EA4C90D043}"/>
+              </a:ext>
+            </a:extLst>
+          </p:cNvPr>
+          <p:cNvGrpSpPr/>
+          <p:nvPr/>
+        </p:nvGrpSpPr>
+        <p:grpSpPr>
+          <a:xfrm>
+            <a:off x="6831106" y="3605221"/>
+            <a:ext cx="1495550" cy="830367"/>
+            <a:chOff x="5943600" y="2101092"/>
+            <a:chExt cx="1495550" cy="830367"/>
+          </a:xfrm>
+        </p:grpSpPr>
+        <p:sp>
+          <p:nvSpPr>
+            <p:cNvPr id="33" name="직사각형 32">
+              <a:extLst>
+                <a:ext uri="{FF2B5EF4-FFF2-40B4-BE49-F238E27FC236}">
+                  <a16:creationId xmlns:a16="http://schemas.microsoft.com/office/drawing/2014/main" id="{3C8F043C-C450-47D8-A79D-946F1CC0AE3D}"/>
+                </a:ext>
+              </a:extLst>
+            </p:cNvPr>
+            <p:cNvSpPr/>
+            <p:nvPr/>
+          </p:nvSpPr>
+          <p:spPr>
+            <a:xfrm>
+              <a:off x="5943600" y="2393577"/>
+              <a:ext cx="1223682" cy="537882"/>
+            </a:xfrm>
+            <a:prstGeom prst="rect">
+              <a:avLst/>
+            </a:prstGeom>
+            <a:solidFill>
+              <a:schemeClr val="bg2"/>
+            </a:solidFill>
+            <a:ln w="28575">
+              <a:solidFill>
+                <a:schemeClr val="tx1">
+                  <a:lumMod val="95000"/>
+                  <a:lumOff val="5000"/>
+                </a:schemeClr>
+              </a:solidFill>
+            </a:ln>
+          </p:spPr>
+          <p:style>
+            <a:lnRef idx="2">
+              <a:schemeClr val="accent1">
+                <a:shade val="50000"/>
+              </a:schemeClr>
+            </a:lnRef>
+            <a:fillRef idx="1">
+              <a:schemeClr val="accent1"/>
+            </a:fillRef>
+            <a:effectRef idx="0">
+              <a:schemeClr val="accent1"/>
+            </a:effectRef>
+            <a:fontRef idx="minor">
+              <a:schemeClr val="lt1"/>
+            </a:fontRef>
+          </p:style>
+          <p:txBody>
+            <a:bodyPr rtlCol="0" anchor="ctr"/>
+            <a:lstStyle/>
+            <a:p>
+              <a:pPr algn="ctr"/>
+              <a:endParaRPr lang="ko-KR" altLang="en-US"/>
+            </a:p>
+          </p:txBody>
+        </p:sp>
+        <p:sp>
+          <p:nvSpPr>
+            <p:cNvPr id="34" name="직사각형 33">
+              <a:extLst>
+                <a:ext uri="{FF2B5EF4-FFF2-40B4-BE49-F238E27FC236}">
+                  <a16:creationId xmlns:a16="http://schemas.microsoft.com/office/drawing/2014/main" id="{A8DA7E6A-6BDE-4449-B043-B973D20C1BAC}"/>
+                </a:ext>
+              </a:extLst>
+            </p:cNvPr>
+            <p:cNvSpPr/>
+            <p:nvPr/>
+          </p:nvSpPr>
+          <p:spPr>
+            <a:xfrm>
+              <a:off x="6898342" y="2393577"/>
+              <a:ext cx="537882" cy="537882"/>
+            </a:xfrm>
+            <a:prstGeom prst="rect">
+              <a:avLst/>
+            </a:prstGeom>
+            <a:solidFill>
+              <a:schemeClr val="bg2"/>
+            </a:solidFill>
+            <a:ln w="28575">
+              <a:solidFill>
+                <a:schemeClr val="tx1">
+                  <a:lumMod val="95000"/>
+                  <a:lumOff val="5000"/>
+                </a:schemeClr>
+              </a:solidFill>
+            </a:ln>
+          </p:spPr>
+          <p:style>
+            <a:lnRef idx="2">
+              <a:schemeClr val="accent1">
+                <a:shade val="50000"/>
+              </a:schemeClr>
+            </a:lnRef>
+            <a:fillRef idx="1">
+              <a:schemeClr val="accent1"/>
+            </a:fillRef>
+            <a:effectRef idx="0">
+              <a:schemeClr val="accent1"/>
+            </a:effectRef>
+            <a:fontRef idx="minor">
+              <a:schemeClr val="lt1"/>
+            </a:fontRef>
+          </p:style>
+          <p:txBody>
+            <a:bodyPr rtlCol="0" anchor="ctr"/>
+            <a:lstStyle/>
+            <a:p>
+              <a:pPr algn="ctr"/>
+              <a:endParaRPr lang="ko-KR" altLang="en-US"/>
+            </a:p>
+          </p:txBody>
+        </p:sp>
+        <p:sp>
+          <p:nvSpPr>
+            <p:cNvPr id="35" name="TextBox 34">
+              <a:extLst>
+                <a:ext uri="{FF2B5EF4-FFF2-40B4-BE49-F238E27FC236}">
+                  <a16:creationId xmlns:a16="http://schemas.microsoft.com/office/drawing/2014/main" id="{D2BD38CD-DA72-4914-9E7E-47E32790A1B9}"/>
+                </a:ext>
+              </a:extLst>
+            </p:cNvPr>
+            <p:cNvSpPr txBox="1"/>
+            <p:nvPr/>
+          </p:nvSpPr>
+          <p:spPr>
+            <a:xfrm>
+              <a:off x="6213902" y="2477852"/>
+              <a:ext cx="415498" cy="369332"/>
+            </a:xfrm>
+            <a:prstGeom prst="rect">
+              <a:avLst/>
+            </a:prstGeom>
+            <a:noFill/>
+          </p:spPr>
+          <p:txBody>
+            <a:bodyPr wrap="none" rtlCol="0">
+              <a:spAutoFit/>
+            </a:bodyPr>
+            <a:lstStyle/>
+            <a:p>
+              <a:r>
+                <a:rPr lang="ko-KR" altLang="en-US" dirty="0"/>
+                <a:t>금</a:t>
+              </a:r>
+            </a:p>
+          </p:txBody>
+        </p:sp>
+        <p:sp>
+          <p:nvSpPr>
+            <p:cNvPr id="36" name="TextBox 35">
+              <a:extLst>
+                <a:ext uri="{FF2B5EF4-FFF2-40B4-BE49-F238E27FC236}">
+                  <a16:creationId xmlns:a16="http://schemas.microsoft.com/office/drawing/2014/main" id="{4ABB27FB-A4C7-46F4-85F8-A7922ABF1CFE}"/>
+                </a:ext>
+              </a:extLst>
+            </p:cNvPr>
+            <p:cNvSpPr txBox="1"/>
+            <p:nvPr/>
+          </p:nvSpPr>
+          <p:spPr>
+            <a:xfrm>
+              <a:off x="6052611" y="2101092"/>
+              <a:ext cx="723275" cy="307777"/>
+            </a:xfrm>
+            <a:prstGeom prst="rect">
+              <a:avLst/>
+            </a:prstGeom>
+            <a:noFill/>
+          </p:spPr>
+          <p:txBody>
+            <a:bodyPr wrap="none" rtlCol="0">
+              <a:spAutoFit/>
+            </a:bodyPr>
+            <a:lstStyle/>
+            <a:p>
+              <a:pPr algn="ctr"/>
+              <a:r>
+                <a:rPr lang="ko-KR" altLang="en-US" sz="1400"/>
+                <a:t>데이터</a:t>
+              </a:r>
+              <a:endParaRPr lang="ko-KR" altLang="en-US" sz="1400" dirty="0"/>
+            </a:p>
+          </p:txBody>
+        </p:sp>
+        <p:sp>
+          <p:nvSpPr>
+            <p:cNvPr id="37" name="TextBox 36">
+              <a:extLst>
+                <a:ext uri="{FF2B5EF4-FFF2-40B4-BE49-F238E27FC236}">
+                  <a16:creationId xmlns:a16="http://schemas.microsoft.com/office/drawing/2014/main" id="{DAD9C8A4-087B-4108-892F-138779107B96}"/>
+                </a:ext>
+              </a:extLst>
+            </p:cNvPr>
+            <p:cNvSpPr txBox="1"/>
+            <p:nvPr/>
+          </p:nvSpPr>
+          <p:spPr>
+            <a:xfrm>
+              <a:off x="6895411" y="2101092"/>
+              <a:ext cx="543739" cy="307777"/>
+            </a:xfrm>
+            <a:prstGeom prst="rect">
+              <a:avLst/>
+            </a:prstGeom>
+            <a:noFill/>
+          </p:spPr>
+          <p:txBody>
+            <a:bodyPr wrap="none" rtlCol="0">
+              <a:spAutoFit/>
+            </a:bodyPr>
+            <a:lstStyle/>
+            <a:p>
+              <a:pPr algn="ctr"/>
+              <a:r>
+                <a:rPr lang="ko-KR" altLang="en-US" sz="1400" dirty="0"/>
+                <a:t>링크</a:t>
+              </a:r>
+            </a:p>
+          </p:txBody>
+        </p:sp>
+      </p:grpSp>
+      <p:grpSp>
+        <p:nvGrpSpPr>
+          <p:cNvPr id="38" name="그룹 37">
+            <a:extLst>
+              <a:ext uri="{FF2B5EF4-FFF2-40B4-BE49-F238E27FC236}">
+                <a16:creationId xmlns:a16="http://schemas.microsoft.com/office/drawing/2014/main" id="{E98D60D4-7059-467F-96BC-048503ABC886}"/>
+              </a:ext>
+            </a:extLst>
+          </p:cNvPr>
+          <p:cNvGrpSpPr/>
+          <p:nvPr/>
+        </p:nvGrpSpPr>
+        <p:grpSpPr>
+          <a:xfrm>
+            <a:off x="9009530" y="3607066"/>
+            <a:ext cx="1495550" cy="830367"/>
+            <a:chOff x="5943600" y="2101092"/>
+            <a:chExt cx="1495550" cy="830367"/>
+          </a:xfrm>
+        </p:grpSpPr>
+        <p:sp>
+          <p:nvSpPr>
+            <p:cNvPr id="39" name="직사각형 38">
+              <a:extLst>
+                <a:ext uri="{FF2B5EF4-FFF2-40B4-BE49-F238E27FC236}">
+                  <a16:creationId xmlns:a16="http://schemas.microsoft.com/office/drawing/2014/main" id="{ED7E0B4F-5601-40C6-ACE3-E7C91CE3CE64}"/>
+                </a:ext>
+              </a:extLst>
+            </p:cNvPr>
+            <p:cNvSpPr/>
+            <p:nvPr/>
+          </p:nvSpPr>
+          <p:spPr>
+            <a:xfrm>
+              <a:off x="5943600" y="2393577"/>
+              <a:ext cx="1223682" cy="537882"/>
+            </a:xfrm>
+            <a:prstGeom prst="rect">
+              <a:avLst/>
+            </a:prstGeom>
+            <a:solidFill>
+              <a:schemeClr val="bg2"/>
+            </a:solidFill>
+            <a:ln w="28575">
+              <a:solidFill>
+                <a:schemeClr val="tx1">
+                  <a:lumMod val="95000"/>
+                  <a:lumOff val="5000"/>
+                </a:schemeClr>
+              </a:solidFill>
+            </a:ln>
+          </p:spPr>
+          <p:style>
+            <a:lnRef idx="2">
+              <a:schemeClr val="accent1">
+                <a:shade val="50000"/>
+              </a:schemeClr>
+            </a:lnRef>
+            <a:fillRef idx="1">
+              <a:schemeClr val="accent1"/>
+            </a:fillRef>
+            <a:effectRef idx="0">
+              <a:schemeClr val="accent1"/>
+            </a:effectRef>
+            <a:fontRef idx="minor">
+              <a:schemeClr val="lt1"/>
+            </a:fontRef>
+          </p:style>
+          <p:txBody>
+            <a:bodyPr rtlCol="0" anchor="ctr"/>
+            <a:lstStyle/>
+            <a:p>
+              <a:pPr algn="ctr"/>
+              <a:endParaRPr lang="ko-KR" altLang="en-US"/>
+            </a:p>
+          </p:txBody>
+        </p:sp>
+        <p:sp>
+          <p:nvSpPr>
+            <p:cNvPr id="40" name="직사각형 39">
+              <a:extLst>
+                <a:ext uri="{FF2B5EF4-FFF2-40B4-BE49-F238E27FC236}">
+                  <a16:creationId xmlns:a16="http://schemas.microsoft.com/office/drawing/2014/main" id="{34AA947D-9408-400D-AC5D-5342B39ABE1A}"/>
+                </a:ext>
+              </a:extLst>
+            </p:cNvPr>
+            <p:cNvSpPr/>
+            <p:nvPr/>
+          </p:nvSpPr>
+          <p:spPr>
+            <a:xfrm>
+              <a:off x="6898342" y="2393577"/>
+              <a:ext cx="537882" cy="537882"/>
+            </a:xfrm>
+            <a:prstGeom prst="rect">
+              <a:avLst/>
+            </a:prstGeom>
+            <a:solidFill>
+              <a:schemeClr val="bg2"/>
+            </a:solidFill>
+            <a:ln w="28575">
+              <a:solidFill>
+                <a:schemeClr val="tx1">
+                  <a:lumMod val="95000"/>
+                  <a:lumOff val="5000"/>
+                </a:schemeClr>
+              </a:solidFill>
+            </a:ln>
+          </p:spPr>
+          <p:style>
+            <a:lnRef idx="2">
+              <a:schemeClr val="accent1">
+                <a:shade val="50000"/>
+              </a:schemeClr>
+            </a:lnRef>
+            <a:fillRef idx="1">
+              <a:schemeClr val="accent1"/>
+            </a:fillRef>
+            <a:effectRef idx="0">
+              <a:schemeClr val="accent1"/>
+            </a:effectRef>
+            <a:fontRef idx="minor">
+              <a:schemeClr val="lt1"/>
+            </a:fontRef>
+          </p:style>
+          <p:txBody>
+            <a:bodyPr rtlCol="0" anchor="ctr"/>
+            <a:lstStyle/>
+            <a:p>
+              <a:pPr algn="ctr"/>
+              <a:endParaRPr lang="ko-KR" altLang="en-US"/>
+            </a:p>
+          </p:txBody>
+        </p:sp>
+        <p:sp>
+          <p:nvSpPr>
+            <p:cNvPr id="41" name="TextBox 40">
+              <a:extLst>
+                <a:ext uri="{FF2B5EF4-FFF2-40B4-BE49-F238E27FC236}">
+                  <a16:creationId xmlns:a16="http://schemas.microsoft.com/office/drawing/2014/main" id="{A9F0B356-93E4-4AEA-85B6-4C79B9643CCF}"/>
+                </a:ext>
+              </a:extLst>
+            </p:cNvPr>
+            <p:cNvSpPr txBox="1"/>
+            <p:nvPr/>
+          </p:nvSpPr>
+          <p:spPr>
+            <a:xfrm>
+              <a:off x="6213902" y="2477852"/>
+              <a:ext cx="415498" cy="369332"/>
+            </a:xfrm>
+            <a:prstGeom prst="rect">
+              <a:avLst/>
+            </a:prstGeom>
+            <a:noFill/>
+          </p:spPr>
+          <p:txBody>
+            <a:bodyPr wrap="none" rtlCol="0">
+              <a:spAutoFit/>
+            </a:bodyPr>
+            <a:lstStyle/>
+            <a:p>
+              <a:r>
+                <a:rPr lang="ko-KR" altLang="en-US" dirty="0"/>
+                <a:t>토</a:t>
+              </a:r>
+            </a:p>
+          </p:txBody>
+        </p:sp>
+        <p:sp>
+          <p:nvSpPr>
+            <p:cNvPr id="42" name="TextBox 41">
+              <a:extLst>
+                <a:ext uri="{FF2B5EF4-FFF2-40B4-BE49-F238E27FC236}">
+                  <a16:creationId xmlns:a16="http://schemas.microsoft.com/office/drawing/2014/main" id="{28D58E95-8FE9-42E6-846B-ABB2CE8A74E8}"/>
+                </a:ext>
+              </a:extLst>
+            </p:cNvPr>
+            <p:cNvSpPr txBox="1"/>
+            <p:nvPr/>
+          </p:nvSpPr>
+          <p:spPr>
+            <a:xfrm>
+              <a:off x="6052611" y="2101092"/>
+              <a:ext cx="723275" cy="307777"/>
+            </a:xfrm>
+            <a:prstGeom prst="rect">
+              <a:avLst/>
+            </a:prstGeom>
+            <a:noFill/>
+          </p:spPr>
+          <p:txBody>
+            <a:bodyPr wrap="none" rtlCol="0">
+              <a:spAutoFit/>
+            </a:bodyPr>
+            <a:lstStyle/>
+            <a:p>
+              <a:pPr algn="ctr"/>
+              <a:r>
+                <a:rPr lang="ko-KR" altLang="en-US" sz="1400"/>
+                <a:t>데이터</a:t>
+              </a:r>
+              <a:endParaRPr lang="ko-KR" altLang="en-US" sz="1400" dirty="0"/>
+            </a:p>
+          </p:txBody>
+        </p:sp>
+        <p:sp>
+          <p:nvSpPr>
+            <p:cNvPr id="43" name="TextBox 42">
+              <a:extLst>
+                <a:ext uri="{FF2B5EF4-FFF2-40B4-BE49-F238E27FC236}">
+                  <a16:creationId xmlns:a16="http://schemas.microsoft.com/office/drawing/2014/main" id="{0D6C15E8-68F3-4A5D-8A97-3BAE18E7E58B}"/>
+                </a:ext>
+              </a:extLst>
+            </p:cNvPr>
+            <p:cNvSpPr txBox="1"/>
+            <p:nvPr/>
+          </p:nvSpPr>
+          <p:spPr>
+            <a:xfrm>
+              <a:off x="6895411" y="2101092"/>
+              <a:ext cx="543739" cy="307777"/>
+            </a:xfrm>
+            <a:prstGeom prst="rect">
+              <a:avLst/>
+            </a:prstGeom>
+            <a:noFill/>
+          </p:spPr>
+          <p:txBody>
+            <a:bodyPr wrap="none" rtlCol="0">
+              <a:spAutoFit/>
+            </a:bodyPr>
+            <a:lstStyle/>
+            <a:p>
+              <a:pPr algn="ctr"/>
+              <a:r>
+                <a:rPr lang="ko-KR" altLang="en-US" sz="1400" dirty="0"/>
+                <a:t>링크</a:t>
+              </a:r>
+            </a:p>
+          </p:txBody>
+        </p:sp>
+      </p:grpSp>
+      <p:grpSp>
+        <p:nvGrpSpPr>
+          <p:cNvPr id="44" name="그룹 43">
+            <a:extLst>
+              <a:ext uri="{FF2B5EF4-FFF2-40B4-BE49-F238E27FC236}">
+                <a16:creationId xmlns:a16="http://schemas.microsoft.com/office/drawing/2014/main" id="{18D9B4F6-C1F3-46AC-8B50-B147BC98E069}"/>
+              </a:ext>
+            </a:extLst>
+          </p:cNvPr>
+          <p:cNvGrpSpPr/>
+          <p:nvPr/>
+        </p:nvGrpSpPr>
+        <p:grpSpPr>
+          <a:xfrm>
+            <a:off x="4652682" y="5102039"/>
+            <a:ext cx="1495550" cy="830367"/>
+            <a:chOff x="5943600" y="2101092"/>
+            <a:chExt cx="1495550" cy="830367"/>
+          </a:xfrm>
+        </p:grpSpPr>
+        <p:sp>
+          <p:nvSpPr>
+            <p:cNvPr id="45" name="직사각형 44">
+              <a:extLst>
+                <a:ext uri="{FF2B5EF4-FFF2-40B4-BE49-F238E27FC236}">
+                  <a16:creationId xmlns:a16="http://schemas.microsoft.com/office/drawing/2014/main" id="{099099D9-E519-40F9-A197-14FE1106759B}"/>
+                </a:ext>
+              </a:extLst>
+            </p:cNvPr>
+            <p:cNvSpPr/>
+            <p:nvPr/>
+          </p:nvSpPr>
+          <p:spPr>
+            <a:xfrm>
+              <a:off x="5943600" y="2393577"/>
+              <a:ext cx="1223682" cy="537882"/>
+            </a:xfrm>
+            <a:prstGeom prst="rect">
+              <a:avLst/>
+            </a:prstGeom>
+            <a:solidFill>
+              <a:schemeClr val="bg2"/>
+            </a:solidFill>
+            <a:ln w="28575">
+              <a:solidFill>
+                <a:schemeClr val="tx1">
+                  <a:lumMod val="95000"/>
+                  <a:lumOff val="5000"/>
+                </a:schemeClr>
+              </a:solidFill>
+            </a:ln>
+          </p:spPr>
+          <p:style>
+            <a:lnRef idx="2">
+              <a:schemeClr val="accent1">
+                <a:shade val="50000"/>
+              </a:schemeClr>
+            </a:lnRef>
+            <a:fillRef idx="1">
+              <a:schemeClr val="accent1"/>
+            </a:fillRef>
+            <a:effectRef idx="0">
+              <a:schemeClr val="accent1"/>
+            </a:effectRef>
+            <a:fontRef idx="minor">
+              <a:schemeClr val="lt1"/>
+            </a:fontRef>
+          </p:style>
+          <p:txBody>
+            <a:bodyPr rtlCol="0" anchor="ctr"/>
+            <a:lstStyle/>
+            <a:p>
+              <a:pPr algn="ctr"/>
+              <a:endParaRPr lang="ko-KR" altLang="en-US"/>
+            </a:p>
+          </p:txBody>
+        </p:sp>
+        <p:sp>
+          <p:nvSpPr>
+            <p:cNvPr id="46" name="직사각형 45">
+              <a:extLst>
+                <a:ext uri="{FF2B5EF4-FFF2-40B4-BE49-F238E27FC236}">
+                  <a16:creationId xmlns:a16="http://schemas.microsoft.com/office/drawing/2014/main" id="{F0C819CA-EE78-4215-AA5D-D580A6C68AE6}"/>
+                </a:ext>
+              </a:extLst>
+            </p:cNvPr>
+            <p:cNvSpPr/>
+            <p:nvPr/>
+          </p:nvSpPr>
+          <p:spPr>
+            <a:xfrm>
+              <a:off x="6898342" y="2393577"/>
+              <a:ext cx="537882" cy="537882"/>
+            </a:xfrm>
+            <a:prstGeom prst="rect">
+              <a:avLst/>
+            </a:prstGeom>
+            <a:solidFill>
+              <a:schemeClr val="bg2"/>
+            </a:solidFill>
+            <a:ln w="28575">
+              <a:solidFill>
+                <a:schemeClr val="tx1">
+                  <a:lumMod val="95000"/>
+                  <a:lumOff val="5000"/>
+                </a:schemeClr>
+              </a:solidFill>
+            </a:ln>
+          </p:spPr>
+          <p:style>
+            <a:lnRef idx="2">
+              <a:schemeClr val="accent1">
+                <a:shade val="50000"/>
+              </a:schemeClr>
+            </a:lnRef>
+            <a:fillRef idx="1">
+              <a:schemeClr val="accent1"/>
+            </a:fillRef>
+            <a:effectRef idx="0">
+              <a:schemeClr val="accent1"/>
+            </a:effectRef>
+            <a:fontRef idx="minor">
+              <a:schemeClr val="lt1"/>
+            </a:fontRef>
+          </p:style>
+          <p:txBody>
+            <a:bodyPr rtlCol="0" anchor="ctr"/>
+            <a:lstStyle/>
+            <a:p>
+              <a:pPr algn="ctr"/>
+              <a:endParaRPr lang="ko-KR" altLang="en-US"/>
+            </a:p>
+          </p:txBody>
+        </p:sp>
+        <p:sp>
+          <p:nvSpPr>
+            <p:cNvPr id="47" name="TextBox 46">
+              <a:extLst>
+                <a:ext uri="{FF2B5EF4-FFF2-40B4-BE49-F238E27FC236}">
+                  <a16:creationId xmlns:a16="http://schemas.microsoft.com/office/drawing/2014/main" id="{5EF2E083-6F1F-4BCA-A4E0-5534635E6E3C}"/>
+                </a:ext>
+              </a:extLst>
+            </p:cNvPr>
+            <p:cNvSpPr txBox="1"/>
+            <p:nvPr/>
+          </p:nvSpPr>
+          <p:spPr>
+            <a:xfrm>
+              <a:off x="6213902" y="2477852"/>
+              <a:ext cx="415498" cy="369332"/>
+            </a:xfrm>
+            <a:prstGeom prst="rect">
+              <a:avLst/>
+            </a:prstGeom>
+            <a:noFill/>
+          </p:spPr>
+          <p:txBody>
+            <a:bodyPr wrap="none" rtlCol="0">
+              <a:spAutoFit/>
+            </a:bodyPr>
+            <a:lstStyle/>
+            <a:p>
+              <a:r>
+                <a:rPr lang="ko-KR" altLang="en-US" dirty="0"/>
+                <a:t>일</a:t>
+              </a:r>
+            </a:p>
+          </p:txBody>
+        </p:sp>
+        <p:sp>
+          <p:nvSpPr>
+            <p:cNvPr id="48" name="TextBox 47">
+              <a:extLst>
+                <a:ext uri="{FF2B5EF4-FFF2-40B4-BE49-F238E27FC236}">
+                  <a16:creationId xmlns:a16="http://schemas.microsoft.com/office/drawing/2014/main" id="{51754BBB-0BE4-4F32-B382-C4E36C374F3C}"/>
+                </a:ext>
+              </a:extLst>
+            </p:cNvPr>
+            <p:cNvSpPr txBox="1"/>
+            <p:nvPr/>
+          </p:nvSpPr>
+          <p:spPr>
+            <a:xfrm>
+              <a:off x="6052611" y="2101092"/>
+              <a:ext cx="723275" cy="307777"/>
+            </a:xfrm>
+            <a:prstGeom prst="rect">
+              <a:avLst/>
+            </a:prstGeom>
+            <a:noFill/>
+          </p:spPr>
+          <p:txBody>
+            <a:bodyPr wrap="none" rtlCol="0">
+              <a:spAutoFit/>
+            </a:bodyPr>
+            <a:lstStyle/>
+            <a:p>
+              <a:pPr algn="ctr"/>
+              <a:r>
+                <a:rPr lang="ko-KR" altLang="en-US" sz="1400"/>
+                <a:t>데이터</a:t>
+              </a:r>
+              <a:endParaRPr lang="ko-KR" altLang="en-US" sz="1400" dirty="0"/>
+            </a:p>
+          </p:txBody>
+        </p:sp>
+        <p:sp>
+          <p:nvSpPr>
+            <p:cNvPr id="49" name="TextBox 48">
+              <a:extLst>
+                <a:ext uri="{FF2B5EF4-FFF2-40B4-BE49-F238E27FC236}">
+                  <a16:creationId xmlns:a16="http://schemas.microsoft.com/office/drawing/2014/main" id="{C8A6172E-A9AD-45A3-AC6D-09D4ED9A5353}"/>
+                </a:ext>
+              </a:extLst>
+            </p:cNvPr>
+            <p:cNvSpPr txBox="1"/>
+            <p:nvPr/>
+          </p:nvSpPr>
+          <p:spPr>
+            <a:xfrm>
+              <a:off x="6895411" y="2101092"/>
+              <a:ext cx="543739" cy="307777"/>
+            </a:xfrm>
+            <a:prstGeom prst="rect">
+              <a:avLst/>
+            </a:prstGeom>
+            <a:noFill/>
+          </p:spPr>
+          <p:txBody>
+            <a:bodyPr wrap="none" rtlCol="0">
+              <a:spAutoFit/>
+            </a:bodyPr>
+            <a:lstStyle/>
+            <a:p>
+              <a:pPr algn="ctr"/>
+              <a:r>
+                <a:rPr lang="ko-KR" altLang="en-US" sz="1400" dirty="0"/>
+                <a:t>링크</a:t>
+              </a:r>
+            </a:p>
+          </p:txBody>
+        </p:sp>
+      </p:grpSp>
+      <p:cxnSp>
+        <p:nvCxnSpPr>
+          <p:cNvPr id="53" name="직선 화살표 연결선 52">
+            <a:extLst>
+              <a:ext uri="{FF2B5EF4-FFF2-40B4-BE49-F238E27FC236}">
+                <a16:creationId xmlns:a16="http://schemas.microsoft.com/office/drawing/2014/main" id="{8D5732DD-7D28-4B90-863B-01354C68E643}"/>
+              </a:ext>
+            </a:extLst>
+          </p:cNvPr>
+          <p:cNvCxnSpPr>
+            <a:cxnSpLocks/>
+            <a:endCxn id="15" idx="1"/>
+          </p:cNvCxnSpPr>
+          <p:nvPr/>
+        </p:nvCxnSpPr>
+        <p:spPr>
+          <a:xfrm>
+            <a:off x="5876362" y="2667984"/>
+            <a:ext cx="954744" cy="0"/>
+          </a:xfrm>
+          <a:prstGeom prst="straightConnector1">
+            <a:avLst/>
+          </a:prstGeom>
+          <a:ln w="28575">
+            <a:solidFill>
+              <a:schemeClr val="tx1">
+                <a:lumMod val="50000"/>
+                <a:lumOff val="50000"/>
+              </a:schemeClr>
+            </a:solidFill>
+            <a:headEnd type="oval"/>
+            <a:tailEnd type="triangle"/>
+          </a:ln>
+        </p:spPr>
+        <p:style>
+          <a:lnRef idx="1">
+            <a:schemeClr val="accent1"/>
+          </a:lnRef>
+          <a:fillRef idx="0">
+            <a:schemeClr val="accent1"/>
+          </a:fillRef>
+          <a:effectRef idx="0">
+            <a:schemeClr val="accent1"/>
+          </a:effectRef>
+          <a:fontRef idx="minor">
+            <a:schemeClr val="tx1"/>
+          </a:fontRef>
+        </p:style>
+      </p:cxnSp>
+      <p:cxnSp>
+        <p:nvCxnSpPr>
+          <p:cNvPr id="57" name="직선 화살표 연결선 56">
+            <a:extLst>
+              <a:ext uri="{FF2B5EF4-FFF2-40B4-BE49-F238E27FC236}">
+                <a16:creationId xmlns:a16="http://schemas.microsoft.com/office/drawing/2014/main" id="{FB5C8413-F5EE-4962-9F7F-7F29444D80F6}"/>
+              </a:ext>
+            </a:extLst>
+          </p:cNvPr>
+          <p:cNvCxnSpPr>
+            <a:cxnSpLocks/>
+            <a:endCxn id="21" idx="1"/>
+          </p:cNvCxnSpPr>
+          <p:nvPr/>
+        </p:nvCxnSpPr>
+        <p:spPr>
+          <a:xfrm>
+            <a:off x="8054786" y="2666139"/>
+            <a:ext cx="954744" cy="3690"/>
+          </a:xfrm>
+          <a:prstGeom prst="straightConnector1">
+            <a:avLst/>
+          </a:prstGeom>
+          <a:ln w="28575">
+            <a:solidFill>
+              <a:schemeClr val="tx1">
+                <a:lumMod val="50000"/>
+                <a:lumOff val="50000"/>
+              </a:schemeClr>
+            </a:solidFill>
+            <a:headEnd type="oval"/>
+            <a:tailEnd type="triangle"/>
+          </a:ln>
+        </p:spPr>
+        <p:style>
+          <a:lnRef idx="1">
+            <a:schemeClr val="accent1"/>
+          </a:lnRef>
+          <a:fillRef idx="0">
+            <a:schemeClr val="accent1"/>
+          </a:fillRef>
+          <a:effectRef idx="0">
+            <a:schemeClr val="accent1"/>
+          </a:effectRef>
+          <a:fontRef idx="minor">
+            <a:schemeClr val="tx1"/>
+          </a:fontRef>
+        </p:style>
+      </p:cxnSp>
+      <p:cxnSp>
+        <p:nvCxnSpPr>
+          <p:cNvPr id="60" name="연결선: 꺾임 59">
+            <a:extLst>
+              <a:ext uri="{FF2B5EF4-FFF2-40B4-BE49-F238E27FC236}">
+                <a16:creationId xmlns:a16="http://schemas.microsoft.com/office/drawing/2014/main" id="{0FEE224C-B1CF-4378-AB78-C465B1E0A2A1}"/>
+              </a:ext>
+            </a:extLst>
+          </p:cNvPr>
+          <p:cNvCxnSpPr>
+            <a:cxnSpLocks/>
+            <a:stCxn id="21" idx="3"/>
+            <a:endCxn id="27" idx="1"/>
+          </p:cNvCxnSpPr>
+          <p:nvPr/>
+        </p:nvCxnSpPr>
+        <p:spPr>
+          <a:xfrm flipH="1">
+            <a:off x="4652682" y="2669829"/>
+            <a:ext cx="5580530" cy="1494973"/>
+          </a:xfrm>
+          <a:prstGeom prst="bentConnector5">
+            <a:avLst>
+              <a:gd name="adj1" fmla="val -9558"/>
+              <a:gd name="adj2" fmla="val 50000"/>
+              <a:gd name="adj3" fmla="val 104096"/>
+            </a:avLst>
+          </a:prstGeom>
+          <a:ln w="28575">
+            <a:solidFill>
+              <a:schemeClr val="tx1">
+                <a:lumMod val="50000"/>
+                <a:lumOff val="50000"/>
+              </a:schemeClr>
+            </a:solidFill>
+            <a:headEnd type="oval"/>
+            <a:tailEnd type="triangle"/>
+          </a:ln>
+        </p:spPr>
+        <p:style>
+          <a:lnRef idx="1">
+            <a:schemeClr val="accent1"/>
+          </a:lnRef>
+          <a:fillRef idx="0">
+            <a:schemeClr val="accent1"/>
+          </a:fillRef>
+          <a:effectRef idx="0">
+            <a:schemeClr val="accent1"/>
+          </a:effectRef>
+          <a:fontRef idx="minor">
+            <a:schemeClr val="tx1"/>
+          </a:fontRef>
+        </p:style>
+      </p:cxnSp>
+      <p:cxnSp>
+        <p:nvCxnSpPr>
+          <p:cNvPr id="64" name="연결선: 꺾임 63">
+            <a:extLst>
+              <a:ext uri="{FF2B5EF4-FFF2-40B4-BE49-F238E27FC236}">
+                <a16:creationId xmlns:a16="http://schemas.microsoft.com/office/drawing/2014/main" id="{4219ED03-E7ED-4D3D-B536-8F5748E122D8}"/>
+              </a:ext>
+            </a:extLst>
+          </p:cNvPr>
+          <p:cNvCxnSpPr>
+            <a:cxnSpLocks/>
+            <a:stCxn id="39" idx="3"/>
+            <a:endCxn id="45" idx="1"/>
+          </p:cNvCxnSpPr>
+          <p:nvPr/>
+        </p:nvCxnSpPr>
+        <p:spPr>
+          <a:xfrm flipH="1">
+            <a:off x="4652682" y="4168492"/>
+            <a:ext cx="5580530" cy="1494973"/>
+          </a:xfrm>
+          <a:prstGeom prst="bentConnector5">
+            <a:avLst>
+              <a:gd name="adj1" fmla="val -9558"/>
+              <a:gd name="adj2" fmla="val 50000"/>
+              <a:gd name="adj3" fmla="val 104096"/>
+            </a:avLst>
+          </a:prstGeom>
+          <a:ln w="28575">
+            <a:solidFill>
+              <a:schemeClr val="tx1">
+                <a:lumMod val="50000"/>
+                <a:lumOff val="50000"/>
+              </a:schemeClr>
+            </a:solidFill>
+            <a:headEnd type="oval"/>
+            <a:tailEnd type="triangle"/>
+          </a:ln>
+        </p:spPr>
+        <p:style>
+          <a:lnRef idx="1">
+            <a:schemeClr val="accent1"/>
+          </a:lnRef>
+          <a:fillRef idx="0">
+            <a:schemeClr val="accent1"/>
+          </a:fillRef>
+          <a:effectRef idx="0">
+            <a:schemeClr val="accent1"/>
+          </a:effectRef>
+          <a:fontRef idx="minor">
+            <a:schemeClr val="tx1"/>
+          </a:fontRef>
+        </p:style>
+      </p:cxnSp>
+      <p:cxnSp>
+        <p:nvCxnSpPr>
+          <p:cNvPr id="68" name="직선 화살표 연결선 67">
+            <a:extLst>
+              <a:ext uri="{FF2B5EF4-FFF2-40B4-BE49-F238E27FC236}">
+                <a16:creationId xmlns:a16="http://schemas.microsoft.com/office/drawing/2014/main" id="{2F6C66A6-530D-45F3-96DD-12D9045A727A}"/>
+              </a:ext>
+            </a:extLst>
+          </p:cNvPr>
+          <p:cNvCxnSpPr>
+            <a:cxnSpLocks/>
+            <a:endCxn id="33" idx="1"/>
+          </p:cNvCxnSpPr>
+          <p:nvPr/>
+        </p:nvCxnSpPr>
+        <p:spPr>
+          <a:xfrm>
+            <a:off x="5876362" y="4164802"/>
+            <a:ext cx="954744" cy="1845"/>
+          </a:xfrm>
+          <a:prstGeom prst="straightConnector1">
+            <a:avLst/>
+          </a:prstGeom>
+          <a:ln w="28575">
+            <a:solidFill>
+              <a:schemeClr val="tx1">
+                <a:lumMod val="50000"/>
+                <a:lumOff val="50000"/>
+              </a:schemeClr>
+            </a:solidFill>
+            <a:headEnd type="oval"/>
+            <a:tailEnd type="triangle"/>
+          </a:ln>
+        </p:spPr>
+        <p:style>
+          <a:lnRef idx="1">
+            <a:schemeClr val="accent1"/>
+          </a:lnRef>
+          <a:fillRef idx="0">
+            <a:schemeClr val="accent1"/>
+          </a:fillRef>
+          <a:effectRef idx="0">
+            <a:schemeClr val="accent1"/>
+          </a:effectRef>
+          <a:fontRef idx="minor">
+            <a:schemeClr val="tx1"/>
+          </a:fontRef>
+        </p:style>
+      </p:cxnSp>
+      <p:cxnSp>
+        <p:nvCxnSpPr>
+          <p:cNvPr id="70" name="직선 화살표 연결선 69">
+            <a:extLst>
+              <a:ext uri="{FF2B5EF4-FFF2-40B4-BE49-F238E27FC236}">
+                <a16:creationId xmlns:a16="http://schemas.microsoft.com/office/drawing/2014/main" id="{909BDE2A-6E50-4F7A-A7C8-87D56DD44DDA}"/>
+              </a:ext>
+            </a:extLst>
+          </p:cNvPr>
+          <p:cNvCxnSpPr>
+            <a:cxnSpLocks/>
+            <a:endCxn id="39" idx="1"/>
+          </p:cNvCxnSpPr>
+          <p:nvPr/>
+        </p:nvCxnSpPr>
+        <p:spPr>
+          <a:xfrm flipV="1">
+            <a:off x="8051799" y="4168492"/>
+            <a:ext cx="957731" cy="74"/>
+          </a:xfrm>
+          <a:prstGeom prst="straightConnector1">
+            <a:avLst/>
+          </a:prstGeom>
+          <a:ln w="28575">
+            <a:solidFill>
+              <a:schemeClr val="tx1">
+                <a:lumMod val="50000"/>
+                <a:lumOff val="50000"/>
+              </a:schemeClr>
+            </a:solidFill>
+            <a:headEnd type="oval"/>
+            <a:tailEnd type="triangle"/>
+          </a:ln>
+        </p:spPr>
+        <p:style>
+          <a:lnRef idx="1">
+            <a:schemeClr val="accent1"/>
+          </a:lnRef>
+          <a:fillRef idx="0">
+            <a:schemeClr val="accent1"/>
+          </a:fillRef>
+          <a:effectRef idx="0">
+            <a:schemeClr val="accent1"/>
+          </a:effectRef>
+          <a:fontRef idx="minor">
+            <a:schemeClr val="tx1"/>
+          </a:fontRef>
+        </p:style>
+      </p:cxnSp>
+      <p:sp>
+        <p:nvSpPr>
+          <p:cNvPr id="72" name="TextBox 71">
+            <a:extLst>
+              <a:ext uri="{FF2B5EF4-FFF2-40B4-BE49-F238E27FC236}">
+                <a16:creationId xmlns:a16="http://schemas.microsoft.com/office/drawing/2014/main" id="{030F567D-3274-40C6-B6BA-E66696B3AAB0}"/>
+              </a:ext>
+            </a:extLst>
+          </p:cNvPr>
+          <p:cNvSpPr txBox="1"/>
+          <p:nvPr/>
+        </p:nvSpPr>
+        <p:spPr>
+          <a:xfrm>
+            <a:off x="1920259" y="1582277"/>
+            <a:ext cx="1107997" cy="461665"/>
+          </a:xfrm>
+          <a:prstGeom prst="rect">
+            <a:avLst/>
+          </a:prstGeom>
+          <a:noFill/>
+        </p:spPr>
+        <p:txBody>
+          <a:bodyPr wrap="none" rtlCol="0">
+            <a:spAutoFit/>
+          </a:bodyPr>
+          <a:lstStyle/>
+          <a:p>
+            <a:pPr algn="ctr"/>
+            <a:r>
+              <a:rPr lang="ko-KR" altLang="en-US" sz="2400" b="1" dirty="0"/>
+              <a:t>리스트</a:t>
+            </a:r>
+          </a:p>
+        </p:txBody>
+      </p:sp>
+      <p:sp>
+        <p:nvSpPr>
+          <p:cNvPr id="73" name="TextBox 72">
+            <a:extLst>
+              <a:ext uri="{FF2B5EF4-FFF2-40B4-BE49-F238E27FC236}">
+                <a16:creationId xmlns:a16="http://schemas.microsoft.com/office/drawing/2014/main" id="{D878DFB9-4DD4-4686-BE7D-75AE4E59A943}"/>
+              </a:ext>
+            </a:extLst>
+          </p:cNvPr>
+          <p:cNvSpPr txBox="1"/>
+          <p:nvPr/>
+        </p:nvSpPr>
+        <p:spPr>
+          <a:xfrm>
+            <a:off x="6581172" y="1582277"/>
+            <a:ext cx="1723549" cy="461665"/>
+          </a:xfrm>
+          <a:prstGeom prst="rect">
+            <a:avLst/>
+          </a:prstGeom>
+          <a:noFill/>
+        </p:spPr>
+        <p:txBody>
+          <a:bodyPr wrap="none" rtlCol="0">
+            <a:spAutoFit/>
+          </a:bodyPr>
+          <a:lstStyle/>
+          <a:p>
+            <a:pPr algn="ctr"/>
+            <a:r>
+              <a:rPr lang="ko-KR" altLang="en-US" sz="2400" b="1" dirty="0"/>
+              <a:t>연결리스트</a:t>
+            </a:r>
+          </a:p>
+        </p:txBody>
+      </p:sp>
+    </p:spTree>
+    <p:extLst>
+      <p:ext uri="{BB962C8B-B14F-4D97-AF65-F5344CB8AC3E}">
+        <p14:creationId xmlns:p14="http://schemas.microsoft.com/office/powerpoint/2010/main" val="1068706501"/>
+      </p:ext>
+    </p:extLst>
+  </p:cSld>
+  <p:clrMapOvr>
+    <a:masterClrMapping/>
+  </p:clrMapOvr>
+</p:sld>
+</file>
+
+<file path=ppt/slides/slide17.xml><?xml version="1.0" encoding="utf-8"?>
+<p:sld xmlns:a="http://schemas.openxmlformats.org/drawingml/2006/main" xmlns:r="http://schemas.openxmlformats.org/officeDocument/2006/relationships" xmlns:p="http://schemas.openxmlformats.org/presentationml/2006/main">
+  <p:cSld>
+    <p:spTree>
+      <p:nvGrpSpPr>
+        <p:cNvPr id="1" name=""/>
+        <p:cNvGrpSpPr/>
+        <p:nvPr/>
+      </p:nvGrpSpPr>
+      <p:grpSpPr>
+        <a:xfrm>
+          <a:off x="0" y="0"/>
+          <a:ext cx="0" cy="0"/>
+          <a:chOff x="0" y="0"/>
+          <a:chExt cx="0" cy="0"/>
+        </a:xfrm>
+      </p:grpSpPr>
+      <p:sp>
+        <p:nvSpPr>
+          <p:cNvPr id="2" name="제목 1">
+            <a:extLst>
+              <a:ext uri="{FF2B5EF4-FFF2-40B4-BE49-F238E27FC236}">
+                <a16:creationId xmlns:a16="http://schemas.microsoft.com/office/drawing/2014/main" id="{6567B30B-F792-4D65-84A7-2BEF21FFFC7F}"/>
+              </a:ext>
+            </a:extLst>
+          </p:cNvPr>
+          <p:cNvSpPr>
+            <a:spLocks noGrp="1"/>
+          </p:cNvSpPr>
+          <p:nvPr>
+            <p:ph type="title"/>
+          </p:nvPr>
+        </p:nvSpPr>
+        <p:spPr/>
+        <p:txBody>
+          <a:bodyPr/>
+          <a:lstStyle/>
+          <a:p>
+            <a:r>
+              <a:rPr lang="ko-KR" altLang="en-US" dirty="0"/>
+              <a:t>자료구조의 구현 </a:t>
+            </a:r>
+            <a:r>
+              <a:rPr lang="en-US" altLang="ko-KR" dirty="0"/>
+              <a:t>- </a:t>
+            </a:r>
+            <a:r>
+              <a:rPr lang="ko-KR" altLang="en-US" dirty="0"/>
+              <a:t>리스트</a:t>
+            </a:r>
+          </a:p>
+        </p:txBody>
+      </p:sp>
+      <p:sp>
+        <p:nvSpPr>
+          <p:cNvPr id="3" name="내용 개체 틀 2">
+            <a:extLst>
+              <a:ext uri="{FF2B5EF4-FFF2-40B4-BE49-F238E27FC236}">
+                <a16:creationId xmlns:a16="http://schemas.microsoft.com/office/drawing/2014/main" id="{BA06401D-C033-4DE2-A4A3-F88C70822B40}"/>
+              </a:ext>
+            </a:extLst>
+          </p:cNvPr>
+          <p:cNvSpPr>
+            <a:spLocks noGrp="1"/>
+          </p:cNvSpPr>
+          <p:nvPr>
+            <p:ph idx="1"/>
+          </p:nvPr>
+        </p:nvSpPr>
+        <p:spPr/>
+        <p:txBody>
+          <a:bodyPr>
+            <a:normAutofit lnSpcReduction="10000"/>
+          </a:bodyPr>
+          <a:lstStyle/>
+          <a:p>
+            <a:r>
+              <a:rPr lang="ko-KR" altLang="en-US" dirty="0"/>
+              <a:t>리스트형 자료구조는 연속적인 저장 형태를 가짐</a:t>
+            </a:r>
+            <a:endParaRPr lang="en-US" altLang="ko-KR" dirty="0"/>
+          </a:p>
+          <a:p>
+            <a:pPr lvl="1"/>
+            <a:r>
+              <a:rPr lang="ko-KR" altLang="en-US" dirty="0"/>
+              <a:t>배열</a:t>
+            </a:r>
+            <a:r>
+              <a:rPr lang="en-US" altLang="ko-KR" dirty="0"/>
+              <a:t>: </a:t>
+            </a:r>
+            <a:r>
+              <a:rPr lang="ko-KR" altLang="en-US" dirty="0"/>
+              <a:t>크기가 변하지 않는 자료구조</a:t>
+            </a:r>
+            <a:r>
+              <a:rPr lang="en-US" altLang="ko-KR" dirty="0"/>
+              <a:t>; -&gt; </a:t>
+            </a:r>
+            <a:r>
+              <a:rPr lang="ko-KR" altLang="en-US" dirty="0"/>
+              <a:t>중간 값 </a:t>
+            </a:r>
+            <a:r>
+              <a:rPr lang="ko-KR" altLang="en-US" dirty="0" err="1"/>
+              <a:t>삭제시</a:t>
+            </a:r>
+            <a:r>
+              <a:rPr lang="ko-KR" altLang="en-US" dirty="0"/>
+              <a:t> 빈칸</a:t>
+            </a:r>
+            <a:r>
+              <a:rPr lang="en-US" altLang="ko-KR" dirty="0"/>
+              <a:t> </a:t>
+            </a:r>
+          </a:p>
+          <a:p>
+            <a:pPr lvl="1"/>
+            <a:endParaRPr lang="en-US" altLang="ko-KR" dirty="0"/>
+          </a:p>
+          <a:p>
+            <a:pPr lvl="1"/>
+            <a:endParaRPr lang="en-US" altLang="ko-KR" dirty="0"/>
+          </a:p>
+          <a:p>
+            <a:pPr lvl="1"/>
+            <a:r>
+              <a:rPr lang="ko-KR" altLang="en-US" dirty="0"/>
+              <a:t>리스트</a:t>
+            </a:r>
+            <a:r>
+              <a:rPr lang="en-US" altLang="ko-KR" dirty="0"/>
+              <a:t>: </a:t>
+            </a:r>
+            <a:r>
+              <a:rPr lang="ko-KR" altLang="en-US" dirty="0"/>
+              <a:t>크기가 변하는 자료구조</a:t>
+            </a:r>
+            <a:r>
+              <a:rPr lang="en-US" altLang="ko-KR" dirty="0"/>
+              <a:t>; -&gt; </a:t>
+            </a:r>
+            <a:r>
+              <a:rPr lang="ko-KR" altLang="en-US" dirty="0"/>
+              <a:t>중간 값 </a:t>
+            </a:r>
+            <a:r>
+              <a:rPr lang="ko-KR" altLang="en-US" dirty="0" err="1"/>
+              <a:t>삭제시</a:t>
+            </a:r>
+            <a:r>
+              <a:rPr lang="ko-KR" altLang="en-US" dirty="0"/>
+              <a:t> 앞칸 옮김</a:t>
+            </a:r>
+            <a:endParaRPr lang="en-US" altLang="ko-KR" dirty="0"/>
+          </a:p>
+          <a:p>
+            <a:endParaRPr lang="en-US" altLang="ko-KR" dirty="0"/>
+          </a:p>
+          <a:p>
+            <a:endParaRPr lang="en-US" altLang="ko-KR" dirty="0"/>
+          </a:p>
+          <a:p>
+            <a:endParaRPr lang="en-US" altLang="ko-KR" dirty="0"/>
+          </a:p>
+          <a:p>
+            <a:r>
+              <a:rPr lang="ko-KR" altLang="en-US" dirty="0"/>
+              <a:t>메모리의 연속적인 할당이 특징이며 대부분의 언어로 </a:t>
+            </a:r>
+            <a:r>
+              <a:rPr lang="ko-KR" altLang="en-US" dirty="0" err="1"/>
+              <a:t>구현되어있음</a:t>
+            </a:r>
+            <a:r>
+              <a:rPr lang="en-US" altLang="ko-KR" dirty="0"/>
+              <a:t>.</a:t>
+            </a:r>
+            <a:endParaRPr lang="ko-KR" altLang="en-US" dirty="0"/>
+          </a:p>
+        </p:txBody>
+      </p:sp>
+      <p:graphicFrame>
+        <p:nvGraphicFramePr>
+          <p:cNvPr id="5" name="표 5">
+            <a:extLst>
+              <a:ext uri="{FF2B5EF4-FFF2-40B4-BE49-F238E27FC236}">
+                <a16:creationId xmlns:a16="http://schemas.microsoft.com/office/drawing/2014/main" id="{D589A95D-3B96-44B0-9B9A-C6A85E9CBC43}"/>
+              </a:ext>
+            </a:extLst>
+          </p:cNvPr>
+          <p:cNvGraphicFramePr>
+            <a:graphicFrameLocks noGrp="1"/>
+          </p:cNvGraphicFramePr>
+          <p:nvPr>
+            <p:extLst>
+              <p:ext uri="{D42A27DB-BD31-4B8C-83A1-F6EECF244321}">
+                <p14:modId xmlns:p14="http://schemas.microsoft.com/office/powerpoint/2010/main" val="895320500"/>
+              </p:ext>
+            </p:extLst>
+          </p:nvPr>
+        </p:nvGraphicFramePr>
+        <p:xfrm>
+          <a:off x="2032000" y="2723531"/>
+          <a:ext cx="8128000" cy="370840"/>
+        </p:xfrm>
+        <a:graphic>
+          <a:graphicData uri="http://schemas.openxmlformats.org/drawingml/2006/table">
+            <a:tbl>
+              <a:tblPr firstRow="1" bandRow="1">
+                <a:tableStyleId>{5C22544A-7EE6-4342-B048-85BDC9FD1C3A}</a:tableStyleId>
+              </a:tblPr>
+              <a:tblGrid>
+                <a:gridCol w="1016000">
+                  <a:extLst>
+                    <a:ext uri="{9D8B030D-6E8A-4147-A177-3AD203B41FA5}">
+                      <a16:colId xmlns:a16="http://schemas.microsoft.com/office/drawing/2014/main" val="422949941"/>
+                    </a:ext>
+                  </a:extLst>
+                </a:gridCol>
+                <a:gridCol w="1016000">
+                  <a:extLst>
+                    <a:ext uri="{9D8B030D-6E8A-4147-A177-3AD203B41FA5}">
+                      <a16:colId xmlns:a16="http://schemas.microsoft.com/office/drawing/2014/main" val="1888211109"/>
+                    </a:ext>
+                  </a:extLst>
+                </a:gridCol>
+                <a:gridCol w="1016000">
+                  <a:extLst>
+                    <a:ext uri="{9D8B030D-6E8A-4147-A177-3AD203B41FA5}">
+                      <a16:colId xmlns:a16="http://schemas.microsoft.com/office/drawing/2014/main" val="3675358557"/>
+                    </a:ext>
+                  </a:extLst>
+                </a:gridCol>
+                <a:gridCol w="1016000">
+                  <a:extLst>
+                    <a:ext uri="{9D8B030D-6E8A-4147-A177-3AD203B41FA5}">
+                      <a16:colId xmlns:a16="http://schemas.microsoft.com/office/drawing/2014/main" val="2341215234"/>
+                    </a:ext>
+                  </a:extLst>
+                </a:gridCol>
+                <a:gridCol w="1016000">
+                  <a:extLst>
+                    <a:ext uri="{9D8B030D-6E8A-4147-A177-3AD203B41FA5}">
+                      <a16:colId xmlns:a16="http://schemas.microsoft.com/office/drawing/2014/main" val="3718261339"/>
+                    </a:ext>
+                  </a:extLst>
+                </a:gridCol>
+                <a:gridCol w="1016000">
+                  <a:extLst>
+                    <a:ext uri="{9D8B030D-6E8A-4147-A177-3AD203B41FA5}">
+                      <a16:colId xmlns:a16="http://schemas.microsoft.com/office/drawing/2014/main" val="2215473244"/>
+                    </a:ext>
+                  </a:extLst>
+                </a:gridCol>
+                <a:gridCol w="1016000">
+                  <a:extLst>
+                    <a:ext uri="{9D8B030D-6E8A-4147-A177-3AD203B41FA5}">
+                      <a16:colId xmlns:a16="http://schemas.microsoft.com/office/drawing/2014/main" val="4106026957"/>
+                    </a:ext>
+                  </a:extLst>
+                </a:gridCol>
+                <a:gridCol w="1016000">
+                  <a:extLst>
+                    <a:ext uri="{9D8B030D-6E8A-4147-A177-3AD203B41FA5}">
+                      <a16:colId xmlns:a16="http://schemas.microsoft.com/office/drawing/2014/main" val="2810815576"/>
+                    </a:ext>
+                  </a:extLst>
+                </a:gridCol>
+              </a:tblGrid>
+              <a:tr h="370840">
+                <a:tc>
+                  <a:txBody>
+                    <a:bodyPr/>
+                    <a:lstStyle/>
+                    <a:p>
+                      <a:pPr algn="ctr" latinLnBrk="1"/>
+                      <a:r>
+                        <a:rPr lang="en-US" altLang="ko-KR" dirty="0">
+                          <a:solidFill>
+                            <a:sysClr val="windowText" lastClr="000000"/>
+                          </a:solidFill>
+                        </a:rPr>
+                        <a:t>1</a:t>
+                      </a:r>
+                      <a:endParaRPr lang="ko-KR" altLang="en-US" dirty="0">
+                        <a:solidFill>
+                          <a:sysClr val="windowText" lastClr="000000"/>
+                        </a:solidFill>
+                      </a:endParaRPr>
+                    </a:p>
+                  </a:txBody>
+                  <a:tcPr anchor="ctr">
+                    <a:lnL w="12700" cap="flat" cmpd="sng" algn="ctr">
+                      <a:solidFill>
+                        <a:schemeClr val="tx1"/>
+                      </a:solidFill>
+                      <a:prstDash val="solid"/>
+                      <a:round/>
+                      <a:headEnd type="none" w="med" len="med"/>
+                      <a:tailEnd type="none" w="med" len="med"/>
+                    </a:lnL>
+                    <a:lnR w="12700" cap="flat" cmpd="sng" algn="ctr">
+                      <a:solidFill>
+                        <a:schemeClr val="tx1"/>
+                      </a:solidFill>
+                      <a:prstDash val="solid"/>
+                      <a:round/>
+                      <a:headEnd type="none" w="med" len="med"/>
+                      <a:tailEnd type="none" w="med" len="med"/>
+                    </a:lnR>
+                    <a:lnT w="12700" cap="flat" cmpd="sng" algn="ctr">
+                      <a:solidFill>
+                        <a:schemeClr val="tx1"/>
+                      </a:solidFill>
+                      <a:prstDash val="solid"/>
+                      <a:round/>
+                      <a:headEnd type="none" w="med" len="med"/>
+                      <a:tailEnd type="none" w="med" len="med"/>
+                    </a:lnT>
+                    <a:lnB w="12700" cap="flat" cmpd="sng" algn="ctr">
+                      <a:solidFill>
+                        <a:schemeClr val="tx1"/>
+                      </a:solidFill>
+                      <a:prstDash val="solid"/>
+                      <a:round/>
+                      <a:headEnd type="none" w="med" len="med"/>
+                      <a:tailEnd type="none" w="med" len="med"/>
+                    </a:lnB>
+                    <a:solidFill>
+                      <a:schemeClr val="bg1"/>
+                    </a:solidFill>
+                  </a:tcPr>
+                </a:tc>
+                <a:tc>
+                  <a:txBody>
+                    <a:bodyPr/>
+                    <a:lstStyle/>
+                    <a:p>
+                      <a:pPr algn="ctr" latinLnBrk="1"/>
+                      <a:r>
+                        <a:rPr lang="en-US" altLang="ko-KR" dirty="0">
+                          <a:solidFill>
+                            <a:sysClr val="windowText" lastClr="000000"/>
+                          </a:solidFill>
+                        </a:rPr>
+                        <a:t>2</a:t>
+                      </a:r>
+                      <a:endParaRPr lang="ko-KR" altLang="en-US" dirty="0">
+                        <a:solidFill>
+                          <a:sysClr val="windowText" lastClr="000000"/>
+                        </a:solidFill>
+                      </a:endParaRPr>
+                    </a:p>
+                  </a:txBody>
+                  <a:tcPr anchor="ctr">
+                    <a:lnL w="12700" cap="flat" cmpd="sng" algn="ctr">
+                      <a:solidFill>
+                        <a:schemeClr val="tx1"/>
+                      </a:solidFill>
+                      <a:prstDash val="solid"/>
+                      <a:round/>
+                      <a:headEnd type="none" w="med" len="med"/>
+                      <a:tailEnd type="none" w="med" len="med"/>
+                    </a:lnL>
+                    <a:lnR w="12700" cap="flat" cmpd="sng" algn="ctr">
+                      <a:solidFill>
+                        <a:schemeClr val="tx1"/>
+                      </a:solidFill>
+                      <a:prstDash val="solid"/>
+                      <a:round/>
+                      <a:headEnd type="none" w="med" len="med"/>
+                      <a:tailEnd type="none" w="med" len="med"/>
+                    </a:lnR>
+                    <a:lnT w="12700" cap="flat" cmpd="sng" algn="ctr">
+                      <a:solidFill>
+                        <a:schemeClr val="tx1"/>
+                      </a:solidFill>
+                      <a:prstDash val="solid"/>
+                      <a:round/>
+                      <a:headEnd type="none" w="med" len="med"/>
+                      <a:tailEnd type="none" w="med" len="med"/>
+                    </a:lnT>
+                    <a:lnB w="12700" cap="flat" cmpd="sng" algn="ctr">
+                      <a:solidFill>
+                        <a:schemeClr val="tx1"/>
+                      </a:solidFill>
+                      <a:prstDash val="solid"/>
+                      <a:round/>
+                      <a:headEnd type="none" w="med" len="med"/>
+                      <a:tailEnd type="none" w="med" len="med"/>
+                    </a:lnB>
+                    <a:solidFill>
+                      <a:schemeClr val="bg1"/>
+                    </a:solidFill>
+                  </a:tcPr>
+                </a:tc>
+                <a:tc>
+                  <a:txBody>
+                    <a:bodyPr/>
+                    <a:lstStyle/>
+                    <a:p>
+                      <a:pPr algn="ctr" latinLnBrk="1"/>
+                      <a:r>
+                        <a:rPr lang="en-US" altLang="ko-KR" dirty="0">
+                          <a:solidFill>
+                            <a:sysClr val="windowText" lastClr="000000"/>
+                          </a:solidFill>
+                        </a:rPr>
+                        <a:t>3</a:t>
+                      </a:r>
+                      <a:endParaRPr lang="ko-KR" altLang="en-US" dirty="0">
+                        <a:solidFill>
+                          <a:sysClr val="windowText" lastClr="000000"/>
+                        </a:solidFill>
+                      </a:endParaRPr>
+                    </a:p>
+                  </a:txBody>
+                  <a:tcPr anchor="ctr">
+                    <a:lnL w="12700" cap="flat" cmpd="sng" algn="ctr">
+                      <a:solidFill>
+                        <a:schemeClr val="tx1"/>
+                      </a:solidFill>
+                      <a:prstDash val="solid"/>
+                      <a:round/>
+                      <a:headEnd type="none" w="med" len="med"/>
+                      <a:tailEnd type="none" w="med" len="med"/>
+                    </a:lnL>
+                    <a:lnR w="12700" cap="flat" cmpd="sng" algn="ctr">
+                      <a:solidFill>
+                        <a:schemeClr val="tx1"/>
+                      </a:solidFill>
+                      <a:prstDash val="solid"/>
+                      <a:round/>
+                      <a:headEnd type="none" w="med" len="med"/>
+                      <a:tailEnd type="none" w="med" len="med"/>
+                    </a:lnR>
+                    <a:lnT w="12700" cap="flat" cmpd="sng" algn="ctr">
+                      <a:solidFill>
+                        <a:schemeClr val="tx1"/>
+                      </a:solidFill>
+                      <a:prstDash val="solid"/>
+                      <a:round/>
+                      <a:headEnd type="none" w="med" len="med"/>
+                      <a:tailEnd type="none" w="med" len="med"/>
+                    </a:lnT>
+                    <a:lnB w="12700" cap="flat" cmpd="sng" algn="ctr">
+                      <a:solidFill>
+                        <a:schemeClr val="tx1"/>
+                      </a:solidFill>
+                      <a:prstDash val="solid"/>
+                      <a:round/>
+                      <a:headEnd type="none" w="med" len="med"/>
+                      <a:tailEnd type="none" w="med" len="med"/>
+                    </a:lnB>
+                    <a:solidFill>
+                      <a:schemeClr val="bg1"/>
+                    </a:solidFill>
+                  </a:tcPr>
+                </a:tc>
+                <a:tc>
+                  <a:txBody>
+                    <a:bodyPr/>
+                    <a:lstStyle/>
+                    <a:p>
+                      <a:pPr algn="ctr" latinLnBrk="1"/>
+                      <a:r>
+                        <a:rPr lang="en-US" altLang="ko-KR" dirty="0">
+                          <a:solidFill>
+                            <a:sysClr val="windowText" lastClr="000000"/>
+                          </a:solidFill>
+                        </a:rPr>
+                        <a:t>4</a:t>
+                      </a:r>
+                      <a:endParaRPr lang="ko-KR" altLang="en-US" dirty="0">
+                        <a:solidFill>
+                          <a:sysClr val="windowText" lastClr="000000"/>
+                        </a:solidFill>
+                      </a:endParaRPr>
+                    </a:p>
+                  </a:txBody>
+                  <a:tcPr anchor="ctr">
+                    <a:lnL w="12700" cap="flat" cmpd="sng" algn="ctr">
+                      <a:solidFill>
+                        <a:schemeClr val="tx1"/>
+                      </a:solidFill>
+                      <a:prstDash val="solid"/>
+                      <a:round/>
+                      <a:headEnd type="none" w="med" len="med"/>
+                      <a:tailEnd type="none" w="med" len="med"/>
+                    </a:lnL>
+                    <a:lnR w="12700" cap="flat" cmpd="sng" algn="ctr">
+                      <a:solidFill>
+                        <a:schemeClr val="tx1"/>
+                      </a:solidFill>
+                      <a:prstDash val="solid"/>
+                      <a:round/>
+                      <a:headEnd type="none" w="med" len="med"/>
+                      <a:tailEnd type="none" w="med" len="med"/>
+                    </a:lnR>
+                    <a:lnT w="12700" cap="flat" cmpd="sng" algn="ctr">
+                      <a:solidFill>
+                        <a:schemeClr val="tx1"/>
+                      </a:solidFill>
+                      <a:prstDash val="solid"/>
+                      <a:round/>
+                      <a:headEnd type="none" w="med" len="med"/>
+                      <a:tailEnd type="none" w="med" len="med"/>
+                    </a:lnT>
+                    <a:lnB w="12700" cap="flat" cmpd="sng" algn="ctr">
+                      <a:solidFill>
+                        <a:schemeClr val="tx1"/>
+                      </a:solidFill>
+                      <a:prstDash val="solid"/>
+                      <a:round/>
+                      <a:headEnd type="none" w="med" len="med"/>
+                      <a:tailEnd type="none" w="med" len="med"/>
+                    </a:lnB>
+                    <a:solidFill>
+                      <a:schemeClr val="bg1"/>
+                    </a:solidFill>
+                  </a:tcPr>
+                </a:tc>
+                <a:tc>
+                  <a:txBody>
+                    <a:bodyPr/>
+                    <a:lstStyle/>
+                    <a:p>
+                      <a:pPr algn="ctr" latinLnBrk="1"/>
+                      <a:r>
+                        <a:rPr lang="en-US" altLang="ko-KR" dirty="0">
+                          <a:solidFill>
+                            <a:sysClr val="windowText" lastClr="000000"/>
+                          </a:solidFill>
+                        </a:rPr>
+                        <a:t>5</a:t>
+                      </a:r>
+                      <a:endParaRPr lang="ko-KR" altLang="en-US" dirty="0">
+                        <a:solidFill>
+                          <a:sysClr val="windowText" lastClr="000000"/>
+                        </a:solidFill>
+                      </a:endParaRPr>
+                    </a:p>
+                  </a:txBody>
+                  <a:tcPr anchor="ctr">
+                    <a:lnL w="12700" cap="flat" cmpd="sng" algn="ctr">
+                      <a:solidFill>
+                        <a:schemeClr val="tx1"/>
+                      </a:solidFill>
+                      <a:prstDash val="solid"/>
+                      <a:round/>
+                      <a:headEnd type="none" w="med" len="med"/>
+                      <a:tailEnd type="none" w="med" len="med"/>
+                    </a:lnL>
+                    <a:lnR w="12700" cap="flat" cmpd="sng" algn="ctr">
+                      <a:solidFill>
+                        <a:schemeClr val="tx1"/>
+                      </a:solidFill>
+                      <a:prstDash val="solid"/>
+                      <a:round/>
+                      <a:headEnd type="none" w="med" len="med"/>
+                      <a:tailEnd type="none" w="med" len="med"/>
+                    </a:lnR>
+                    <a:lnT w="12700" cap="flat" cmpd="sng" algn="ctr">
+                      <a:solidFill>
+                        <a:schemeClr val="tx1"/>
+                      </a:solidFill>
+                      <a:prstDash val="solid"/>
+                      <a:round/>
+                      <a:headEnd type="none" w="med" len="med"/>
+                      <a:tailEnd type="none" w="med" len="med"/>
+                    </a:lnT>
+                    <a:lnB w="12700" cap="flat" cmpd="sng" algn="ctr">
+                      <a:solidFill>
+                        <a:schemeClr val="tx1"/>
+                      </a:solidFill>
+                      <a:prstDash val="solid"/>
+                      <a:round/>
+                      <a:headEnd type="none" w="med" len="med"/>
+                      <a:tailEnd type="none" w="med" len="med"/>
+                    </a:lnB>
+                    <a:solidFill>
+                      <a:schemeClr val="bg1"/>
+                    </a:solidFill>
+                  </a:tcPr>
+                </a:tc>
+                <a:tc>
+                  <a:txBody>
+                    <a:bodyPr/>
+                    <a:lstStyle/>
+                    <a:p>
+                      <a:pPr algn="ctr" latinLnBrk="1"/>
+                      <a:endParaRPr lang="ko-KR" altLang="en-US" dirty="0">
+                        <a:solidFill>
+                          <a:sysClr val="windowText" lastClr="000000"/>
+                        </a:solidFill>
+                      </a:endParaRPr>
+                    </a:p>
+                  </a:txBody>
+                  <a:tcPr anchor="ctr">
+                    <a:lnL w="12700" cap="flat" cmpd="sng" algn="ctr">
+                      <a:solidFill>
+                        <a:schemeClr val="tx1"/>
+                      </a:solidFill>
+                      <a:prstDash val="solid"/>
+                      <a:round/>
+                      <a:headEnd type="none" w="med" len="med"/>
+                      <a:tailEnd type="none" w="med" len="med"/>
+                    </a:lnL>
+                    <a:lnR w="12700" cap="flat" cmpd="sng" algn="ctr">
+                      <a:solidFill>
+                        <a:schemeClr val="tx1"/>
+                      </a:solidFill>
+                      <a:prstDash val="solid"/>
+                      <a:round/>
+                      <a:headEnd type="none" w="med" len="med"/>
+                      <a:tailEnd type="none" w="med" len="med"/>
+                    </a:lnR>
+                    <a:lnT w="12700" cap="flat" cmpd="sng" algn="ctr">
+                      <a:solidFill>
+                        <a:schemeClr val="tx1"/>
+                      </a:solidFill>
+                      <a:prstDash val="solid"/>
+                      <a:round/>
+                      <a:headEnd type="none" w="med" len="med"/>
+                      <a:tailEnd type="none" w="med" len="med"/>
+                    </a:lnT>
+                    <a:lnB w="12700" cap="flat" cmpd="sng" algn="ctr">
+                      <a:solidFill>
+                        <a:schemeClr val="tx1"/>
+                      </a:solidFill>
+                      <a:prstDash val="solid"/>
+                      <a:round/>
+                      <a:headEnd type="none" w="med" len="med"/>
+                      <a:tailEnd type="none" w="med" len="med"/>
+                    </a:lnB>
+                    <a:solidFill>
+                      <a:schemeClr val="bg1"/>
+                    </a:solidFill>
+                  </a:tcPr>
+                </a:tc>
+                <a:tc>
+                  <a:txBody>
+                    <a:bodyPr/>
+                    <a:lstStyle/>
+                    <a:p>
+                      <a:pPr algn="ctr" latinLnBrk="1"/>
+                      <a:r>
+                        <a:rPr lang="en-US" altLang="ko-KR" dirty="0">
+                          <a:solidFill>
+                            <a:sysClr val="windowText" lastClr="000000"/>
+                          </a:solidFill>
+                        </a:rPr>
+                        <a:t>7</a:t>
+                      </a:r>
+                      <a:endParaRPr lang="ko-KR" altLang="en-US" dirty="0">
+                        <a:solidFill>
+                          <a:sysClr val="windowText" lastClr="000000"/>
+                        </a:solidFill>
+                      </a:endParaRPr>
+                    </a:p>
+                  </a:txBody>
+                  <a:tcPr anchor="ctr">
+                    <a:lnL w="12700" cap="flat" cmpd="sng" algn="ctr">
+                      <a:solidFill>
+                        <a:schemeClr val="tx1"/>
+                      </a:solidFill>
+                      <a:prstDash val="solid"/>
+                      <a:round/>
+                      <a:headEnd type="none" w="med" len="med"/>
+                      <a:tailEnd type="none" w="med" len="med"/>
+                    </a:lnL>
+                    <a:lnR w="12700" cap="flat" cmpd="sng" algn="ctr">
+                      <a:solidFill>
+                        <a:schemeClr val="tx1"/>
+                      </a:solidFill>
+                      <a:prstDash val="solid"/>
+                      <a:round/>
+                      <a:headEnd type="none" w="med" len="med"/>
+                      <a:tailEnd type="none" w="med" len="med"/>
+                    </a:lnR>
+                    <a:lnT w="12700" cap="flat" cmpd="sng" algn="ctr">
+                      <a:solidFill>
+                        <a:schemeClr val="tx1"/>
+                      </a:solidFill>
+                      <a:prstDash val="solid"/>
+                      <a:round/>
+                      <a:headEnd type="none" w="med" len="med"/>
+                      <a:tailEnd type="none" w="med" len="med"/>
+                    </a:lnT>
+                    <a:lnB w="12700" cap="flat" cmpd="sng" algn="ctr">
+                      <a:solidFill>
+                        <a:schemeClr val="tx1"/>
+                      </a:solidFill>
+                      <a:prstDash val="solid"/>
+                      <a:round/>
+                      <a:headEnd type="none" w="med" len="med"/>
+                      <a:tailEnd type="none" w="med" len="med"/>
+                    </a:lnB>
+                    <a:solidFill>
+                      <a:schemeClr val="bg1"/>
+                    </a:solidFill>
+                  </a:tcPr>
+                </a:tc>
+                <a:tc>
+                  <a:txBody>
+                    <a:bodyPr/>
+                    <a:lstStyle/>
+                    <a:p>
+                      <a:pPr algn="ctr" latinLnBrk="1"/>
+                      <a:r>
+                        <a:rPr lang="en-US" altLang="ko-KR" dirty="0">
+                          <a:solidFill>
+                            <a:sysClr val="windowText" lastClr="000000"/>
+                          </a:solidFill>
+                        </a:rPr>
+                        <a:t>8</a:t>
+                      </a:r>
+                      <a:endParaRPr lang="ko-KR" altLang="en-US" dirty="0">
+                        <a:solidFill>
+                          <a:sysClr val="windowText" lastClr="000000"/>
+                        </a:solidFill>
+                      </a:endParaRPr>
+                    </a:p>
+                  </a:txBody>
+                  <a:tcPr anchor="ctr">
+                    <a:lnL w="12700" cap="flat" cmpd="sng" algn="ctr">
+                      <a:solidFill>
+                        <a:schemeClr val="tx1"/>
+                      </a:solidFill>
+                      <a:prstDash val="solid"/>
+                      <a:round/>
+                      <a:headEnd type="none" w="med" len="med"/>
+                      <a:tailEnd type="none" w="med" len="med"/>
+                    </a:lnL>
+                    <a:lnR w="12700" cap="flat" cmpd="sng" algn="ctr">
+                      <a:solidFill>
+                        <a:schemeClr val="tx1"/>
+                      </a:solidFill>
+                      <a:prstDash val="solid"/>
+                      <a:round/>
+                      <a:headEnd type="none" w="med" len="med"/>
+                      <a:tailEnd type="none" w="med" len="med"/>
+                    </a:lnR>
+                    <a:lnT w="12700" cap="flat" cmpd="sng" algn="ctr">
+                      <a:solidFill>
+                        <a:schemeClr val="tx1"/>
+                      </a:solidFill>
+                      <a:prstDash val="solid"/>
+                      <a:round/>
+                      <a:headEnd type="none" w="med" len="med"/>
+                      <a:tailEnd type="none" w="med" len="med"/>
+                    </a:lnT>
+                    <a:lnB w="12700" cap="flat" cmpd="sng" algn="ctr">
+                      <a:solidFill>
+                        <a:schemeClr val="tx1"/>
+                      </a:solidFill>
+                      <a:prstDash val="solid"/>
+                      <a:round/>
+                      <a:headEnd type="none" w="med" len="med"/>
+                      <a:tailEnd type="none" w="med" len="med"/>
+                    </a:lnB>
+                    <a:solidFill>
+                      <a:schemeClr val="bg1"/>
+                    </a:solidFill>
+                  </a:tcPr>
+                </a:tc>
+                <a:extLst>
+                  <a:ext uri="{0D108BD9-81ED-4DB2-BD59-A6C34878D82A}">
+                    <a16:rowId xmlns:a16="http://schemas.microsoft.com/office/drawing/2014/main" val="2318367764"/>
+                  </a:ext>
+                </a:extLst>
+              </a:tr>
+            </a:tbl>
+          </a:graphicData>
+        </a:graphic>
+      </p:graphicFrame>
+      <p:graphicFrame>
+        <p:nvGraphicFramePr>
+          <p:cNvPr id="8" name="표 5">
+            <a:extLst>
+              <a:ext uri="{FF2B5EF4-FFF2-40B4-BE49-F238E27FC236}">
+                <a16:creationId xmlns:a16="http://schemas.microsoft.com/office/drawing/2014/main" id="{3D9414C9-422A-4367-B83D-30BA9896DAE3}"/>
+              </a:ext>
+            </a:extLst>
+          </p:cNvPr>
+          <p:cNvGraphicFramePr>
+            <a:graphicFrameLocks noGrp="1"/>
+          </p:cNvGraphicFramePr>
+          <p:nvPr>
+            <p:extLst>
+              <p:ext uri="{D42A27DB-BD31-4B8C-83A1-F6EECF244321}">
+                <p14:modId xmlns:p14="http://schemas.microsoft.com/office/powerpoint/2010/main" val="257025197"/>
+              </p:ext>
+            </p:extLst>
+          </p:nvPr>
+        </p:nvGraphicFramePr>
+        <p:xfrm>
+          <a:off x="2032000" y="3854990"/>
+          <a:ext cx="8128000" cy="370840"/>
+        </p:xfrm>
+        <a:graphic>
+          <a:graphicData uri="http://schemas.openxmlformats.org/drawingml/2006/table">
+            <a:tbl>
+              <a:tblPr firstRow="1" bandRow="1">
+                <a:tableStyleId>{5C22544A-7EE6-4342-B048-85BDC9FD1C3A}</a:tableStyleId>
+              </a:tblPr>
+              <a:tblGrid>
+                <a:gridCol w="1016000">
+                  <a:extLst>
+                    <a:ext uri="{9D8B030D-6E8A-4147-A177-3AD203B41FA5}">
+                      <a16:colId xmlns:a16="http://schemas.microsoft.com/office/drawing/2014/main" val="422949941"/>
+                    </a:ext>
+                  </a:extLst>
+                </a:gridCol>
+                <a:gridCol w="1016000">
+                  <a:extLst>
+                    <a:ext uri="{9D8B030D-6E8A-4147-A177-3AD203B41FA5}">
+                      <a16:colId xmlns:a16="http://schemas.microsoft.com/office/drawing/2014/main" val="1888211109"/>
+                    </a:ext>
+                  </a:extLst>
+                </a:gridCol>
+                <a:gridCol w="1016000">
+                  <a:extLst>
+                    <a:ext uri="{9D8B030D-6E8A-4147-A177-3AD203B41FA5}">
+                      <a16:colId xmlns:a16="http://schemas.microsoft.com/office/drawing/2014/main" val="3675358557"/>
+                    </a:ext>
+                  </a:extLst>
+                </a:gridCol>
+                <a:gridCol w="1016000">
+                  <a:extLst>
+                    <a:ext uri="{9D8B030D-6E8A-4147-A177-3AD203B41FA5}">
+                      <a16:colId xmlns:a16="http://schemas.microsoft.com/office/drawing/2014/main" val="2341215234"/>
+                    </a:ext>
+                  </a:extLst>
+                </a:gridCol>
+                <a:gridCol w="1016000">
+                  <a:extLst>
+                    <a:ext uri="{9D8B030D-6E8A-4147-A177-3AD203B41FA5}">
+                      <a16:colId xmlns:a16="http://schemas.microsoft.com/office/drawing/2014/main" val="3718261339"/>
+                    </a:ext>
+                  </a:extLst>
+                </a:gridCol>
+                <a:gridCol w="1016000">
+                  <a:extLst>
+                    <a:ext uri="{9D8B030D-6E8A-4147-A177-3AD203B41FA5}">
+                      <a16:colId xmlns:a16="http://schemas.microsoft.com/office/drawing/2014/main" val="2215473244"/>
+                    </a:ext>
+                  </a:extLst>
+                </a:gridCol>
+                <a:gridCol w="1016000">
+                  <a:extLst>
+                    <a:ext uri="{9D8B030D-6E8A-4147-A177-3AD203B41FA5}">
+                      <a16:colId xmlns:a16="http://schemas.microsoft.com/office/drawing/2014/main" val="4106026957"/>
+                    </a:ext>
+                  </a:extLst>
+                </a:gridCol>
+                <a:gridCol w="1016000">
+                  <a:extLst>
+                    <a:ext uri="{9D8B030D-6E8A-4147-A177-3AD203B41FA5}">
+                      <a16:colId xmlns:a16="http://schemas.microsoft.com/office/drawing/2014/main" val="2810815576"/>
+                    </a:ext>
+                  </a:extLst>
+                </a:gridCol>
+              </a:tblGrid>
+              <a:tr h="370840">
+                <a:tc>
+                  <a:txBody>
+                    <a:bodyPr/>
+                    <a:lstStyle/>
+                    <a:p>
+                      <a:pPr algn="ctr" latinLnBrk="1"/>
+                      <a:r>
+                        <a:rPr lang="en-US" altLang="ko-KR" dirty="0">
+                          <a:solidFill>
+                            <a:sysClr val="windowText" lastClr="000000"/>
+                          </a:solidFill>
+                        </a:rPr>
+                        <a:t>1</a:t>
+                      </a:r>
+                      <a:endParaRPr lang="ko-KR" altLang="en-US" dirty="0">
+                        <a:solidFill>
+                          <a:sysClr val="windowText" lastClr="000000"/>
+                        </a:solidFill>
+                      </a:endParaRPr>
+                    </a:p>
+                  </a:txBody>
+                  <a:tcPr anchor="ctr">
+                    <a:lnL w="12700" cap="flat" cmpd="sng" algn="ctr">
+                      <a:solidFill>
+                        <a:schemeClr val="tx1"/>
+                      </a:solidFill>
+                      <a:prstDash val="solid"/>
+                      <a:round/>
+                      <a:headEnd type="none" w="med" len="med"/>
+                      <a:tailEnd type="none" w="med" len="med"/>
+                    </a:lnL>
+                    <a:lnR w="12700" cap="flat" cmpd="sng" algn="ctr">
+                      <a:solidFill>
+                        <a:schemeClr val="tx1"/>
+                      </a:solidFill>
+                      <a:prstDash val="solid"/>
+                      <a:round/>
+                      <a:headEnd type="none" w="med" len="med"/>
+                      <a:tailEnd type="none" w="med" len="med"/>
+                    </a:lnR>
+                    <a:lnT w="12700" cap="flat" cmpd="sng" algn="ctr">
+                      <a:solidFill>
+                        <a:schemeClr val="tx1"/>
+                      </a:solidFill>
+                      <a:prstDash val="solid"/>
+                      <a:round/>
+                      <a:headEnd type="none" w="med" len="med"/>
+                      <a:tailEnd type="none" w="med" len="med"/>
+                    </a:lnT>
+                    <a:lnB w="12700" cap="flat" cmpd="sng" algn="ctr">
+                      <a:solidFill>
+                        <a:schemeClr val="tx1"/>
+                      </a:solidFill>
+                      <a:prstDash val="solid"/>
+                      <a:round/>
+                      <a:headEnd type="none" w="med" len="med"/>
+                      <a:tailEnd type="none" w="med" len="med"/>
+                    </a:lnB>
+                    <a:solidFill>
+                      <a:schemeClr val="bg1"/>
+                    </a:solidFill>
+                  </a:tcPr>
+                </a:tc>
+                <a:tc>
+                  <a:txBody>
+                    <a:bodyPr/>
+                    <a:lstStyle/>
+                    <a:p>
+                      <a:pPr algn="ctr" latinLnBrk="1"/>
+                      <a:r>
+                        <a:rPr lang="en-US" altLang="ko-KR" dirty="0">
+                          <a:solidFill>
+                            <a:sysClr val="windowText" lastClr="000000"/>
+                          </a:solidFill>
+                        </a:rPr>
+                        <a:t>2</a:t>
+                      </a:r>
+                      <a:endParaRPr lang="ko-KR" altLang="en-US" dirty="0">
+                        <a:solidFill>
+                          <a:sysClr val="windowText" lastClr="000000"/>
+                        </a:solidFill>
+                      </a:endParaRPr>
+                    </a:p>
+                  </a:txBody>
+                  <a:tcPr anchor="ctr">
+                    <a:lnL w="12700" cap="flat" cmpd="sng" algn="ctr">
+                      <a:solidFill>
+                        <a:schemeClr val="tx1"/>
+                      </a:solidFill>
+                      <a:prstDash val="solid"/>
+                      <a:round/>
+                      <a:headEnd type="none" w="med" len="med"/>
+                      <a:tailEnd type="none" w="med" len="med"/>
+                    </a:lnL>
+                    <a:lnR w="12700" cap="flat" cmpd="sng" algn="ctr">
+                      <a:solidFill>
+                        <a:schemeClr val="tx1"/>
+                      </a:solidFill>
+                      <a:prstDash val="solid"/>
+                      <a:round/>
+                      <a:headEnd type="none" w="med" len="med"/>
+                      <a:tailEnd type="none" w="med" len="med"/>
+                    </a:lnR>
+                    <a:lnT w="12700" cap="flat" cmpd="sng" algn="ctr">
+                      <a:solidFill>
+                        <a:schemeClr val="tx1"/>
+                      </a:solidFill>
+                      <a:prstDash val="solid"/>
+                      <a:round/>
+                      <a:headEnd type="none" w="med" len="med"/>
+                      <a:tailEnd type="none" w="med" len="med"/>
+                    </a:lnT>
+                    <a:lnB w="12700" cap="flat" cmpd="sng" algn="ctr">
+                      <a:solidFill>
+                        <a:schemeClr val="tx1"/>
+                      </a:solidFill>
+                      <a:prstDash val="solid"/>
+                      <a:round/>
+                      <a:headEnd type="none" w="med" len="med"/>
+                      <a:tailEnd type="none" w="med" len="med"/>
+                    </a:lnB>
+                    <a:solidFill>
+                      <a:schemeClr val="bg1"/>
+                    </a:solidFill>
+                  </a:tcPr>
+                </a:tc>
+                <a:tc>
+                  <a:txBody>
+                    <a:bodyPr/>
+                    <a:lstStyle/>
+                    <a:p>
+                      <a:pPr algn="ctr" latinLnBrk="1"/>
+                      <a:r>
+                        <a:rPr lang="en-US" altLang="ko-KR" dirty="0">
+                          <a:solidFill>
+                            <a:sysClr val="windowText" lastClr="000000"/>
+                          </a:solidFill>
+                        </a:rPr>
+                        <a:t>3</a:t>
+                      </a:r>
+                      <a:endParaRPr lang="ko-KR" altLang="en-US" dirty="0">
+                        <a:solidFill>
+                          <a:sysClr val="windowText" lastClr="000000"/>
+                        </a:solidFill>
+                      </a:endParaRPr>
+                    </a:p>
+                  </a:txBody>
+                  <a:tcPr anchor="ctr">
+                    <a:lnL w="12700" cap="flat" cmpd="sng" algn="ctr">
+                      <a:solidFill>
+                        <a:schemeClr val="tx1"/>
+                      </a:solidFill>
+                      <a:prstDash val="solid"/>
+                      <a:round/>
+                      <a:headEnd type="none" w="med" len="med"/>
+                      <a:tailEnd type="none" w="med" len="med"/>
+                    </a:lnL>
+                    <a:lnR w="12700" cap="flat" cmpd="sng" algn="ctr">
+                      <a:solidFill>
+                        <a:schemeClr val="tx1"/>
+                      </a:solidFill>
+                      <a:prstDash val="solid"/>
+                      <a:round/>
+                      <a:headEnd type="none" w="med" len="med"/>
+                      <a:tailEnd type="none" w="med" len="med"/>
+                    </a:lnR>
+                    <a:lnT w="12700" cap="flat" cmpd="sng" algn="ctr">
+                      <a:solidFill>
+                        <a:schemeClr val="tx1"/>
+                      </a:solidFill>
+                      <a:prstDash val="solid"/>
+                      <a:round/>
+                      <a:headEnd type="none" w="med" len="med"/>
+                      <a:tailEnd type="none" w="med" len="med"/>
+                    </a:lnT>
+                    <a:lnB w="12700" cap="flat" cmpd="sng" algn="ctr">
+                      <a:solidFill>
+                        <a:schemeClr val="tx1"/>
+                      </a:solidFill>
+                      <a:prstDash val="solid"/>
+                      <a:round/>
+                      <a:headEnd type="none" w="med" len="med"/>
+                      <a:tailEnd type="none" w="med" len="med"/>
+                    </a:lnB>
+                    <a:solidFill>
+                      <a:schemeClr val="bg1"/>
+                    </a:solidFill>
+                  </a:tcPr>
+                </a:tc>
+                <a:tc>
+                  <a:txBody>
+                    <a:bodyPr/>
+                    <a:lstStyle/>
+                    <a:p>
+                      <a:pPr algn="ctr" latinLnBrk="1"/>
+                      <a:r>
+                        <a:rPr lang="en-US" altLang="ko-KR" dirty="0">
+                          <a:solidFill>
+                            <a:sysClr val="windowText" lastClr="000000"/>
+                          </a:solidFill>
+                        </a:rPr>
+                        <a:t>4</a:t>
+                      </a:r>
+                      <a:endParaRPr lang="ko-KR" altLang="en-US" dirty="0">
+                        <a:solidFill>
+                          <a:sysClr val="windowText" lastClr="000000"/>
+                        </a:solidFill>
+                      </a:endParaRPr>
+                    </a:p>
+                  </a:txBody>
+                  <a:tcPr anchor="ctr">
+                    <a:lnL w="12700" cap="flat" cmpd="sng" algn="ctr">
+                      <a:solidFill>
+                        <a:schemeClr val="tx1"/>
+                      </a:solidFill>
+                      <a:prstDash val="solid"/>
+                      <a:round/>
+                      <a:headEnd type="none" w="med" len="med"/>
+                      <a:tailEnd type="none" w="med" len="med"/>
+                    </a:lnL>
+                    <a:lnR w="12700" cap="flat" cmpd="sng" algn="ctr">
+                      <a:solidFill>
+                        <a:schemeClr val="tx1"/>
+                      </a:solidFill>
+                      <a:prstDash val="solid"/>
+                      <a:round/>
+                      <a:headEnd type="none" w="med" len="med"/>
+                      <a:tailEnd type="none" w="med" len="med"/>
+                    </a:lnR>
+                    <a:lnT w="12700" cap="flat" cmpd="sng" algn="ctr">
+                      <a:solidFill>
+                        <a:schemeClr val="tx1"/>
+                      </a:solidFill>
+                      <a:prstDash val="solid"/>
+                      <a:round/>
+                      <a:headEnd type="none" w="med" len="med"/>
+                      <a:tailEnd type="none" w="med" len="med"/>
+                    </a:lnT>
+                    <a:lnB w="12700" cap="flat" cmpd="sng" algn="ctr">
+                      <a:solidFill>
+                        <a:schemeClr val="tx1"/>
+                      </a:solidFill>
+                      <a:prstDash val="solid"/>
+                      <a:round/>
+                      <a:headEnd type="none" w="med" len="med"/>
+                      <a:tailEnd type="none" w="med" len="med"/>
+                    </a:lnB>
+                    <a:solidFill>
+                      <a:schemeClr val="bg1"/>
+                    </a:solidFill>
+                  </a:tcPr>
+                </a:tc>
+                <a:tc>
+                  <a:txBody>
+                    <a:bodyPr/>
+                    <a:lstStyle/>
+                    <a:p>
+                      <a:pPr algn="ctr" latinLnBrk="1"/>
+                      <a:r>
+                        <a:rPr lang="en-US" altLang="ko-KR" dirty="0">
+                          <a:solidFill>
+                            <a:sysClr val="windowText" lastClr="000000"/>
+                          </a:solidFill>
+                        </a:rPr>
+                        <a:t>5</a:t>
+                      </a:r>
+                      <a:endParaRPr lang="ko-KR" altLang="en-US" dirty="0">
+                        <a:solidFill>
+                          <a:sysClr val="windowText" lastClr="000000"/>
+                        </a:solidFill>
+                      </a:endParaRPr>
+                    </a:p>
+                  </a:txBody>
+                  <a:tcPr anchor="ctr">
+                    <a:lnL w="12700" cap="flat" cmpd="sng" algn="ctr">
+                      <a:solidFill>
+                        <a:schemeClr val="tx1"/>
+                      </a:solidFill>
+                      <a:prstDash val="solid"/>
+                      <a:round/>
+                      <a:headEnd type="none" w="med" len="med"/>
+                      <a:tailEnd type="none" w="med" len="med"/>
+                    </a:lnL>
+                    <a:lnR w="12700" cap="flat" cmpd="sng" algn="ctr">
+                      <a:solidFill>
+                        <a:schemeClr val="tx1"/>
+                      </a:solidFill>
+                      <a:prstDash val="solid"/>
+                      <a:round/>
+                      <a:headEnd type="none" w="med" len="med"/>
+                      <a:tailEnd type="none" w="med" len="med"/>
+                    </a:lnR>
+                    <a:lnT w="12700" cap="flat" cmpd="sng" algn="ctr">
+                      <a:solidFill>
+                        <a:schemeClr val="tx1"/>
+                      </a:solidFill>
+                      <a:prstDash val="solid"/>
+                      <a:round/>
+                      <a:headEnd type="none" w="med" len="med"/>
+                      <a:tailEnd type="none" w="med" len="med"/>
+                    </a:lnT>
+                    <a:lnB w="12700" cap="flat" cmpd="sng" algn="ctr">
+                      <a:solidFill>
+                        <a:schemeClr val="tx1"/>
+                      </a:solidFill>
+                      <a:prstDash val="solid"/>
+                      <a:round/>
+                      <a:headEnd type="none" w="med" len="med"/>
+                      <a:tailEnd type="none" w="med" len="med"/>
+                    </a:lnB>
+                    <a:solidFill>
+                      <a:schemeClr val="bg1"/>
+                    </a:solidFill>
+                  </a:tcPr>
+                </a:tc>
+                <a:tc>
+                  <a:txBody>
+                    <a:bodyPr/>
+                    <a:lstStyle/>
+                    <a:p>
+                      <a:pPr algn="ctr" latinLnBrk="1"/>
+                      <a:endParaRPr lang="ko-KR" altLang="en-US" dirty="0">
+                        <a:solidFill>
+                          <a:sysClr val="windowText" lastClr="000000"/>
+                        </a:solidFill>
+                      </a:endParaRPr>
+                    </a:p>
+                  </a:txBody>
+                  <a:tcPr anchor="ctr">
+                    <a:lnL w="12700" cap="flat" cmpd="sng" algn="ctr">
+                      <a:solidFill>
+                        <a:schemeClr val="tx1"/>
+                      </a:solidFill>
+                      <a:prstDash val="solid"/>
+                      <a:round/>
+                      <a:headEnd type="none" w="med" len="med"/>
+                      <a:tailEnd type="none" w="med" len="med"/>
+                    </a:lnL>
+                    <a:lnR w="12700" cap="flat" cmpd="sng" algn="ctr">
+                      <a:solidFill>
+                        <a:schemeClr val="tx1"/>
+                      </a:solidFill>
+                      <a:prstDash val="solid"/>
+                      <a:round/>
+                      <a:headEnd type="none" w="med" len="med"/>
+                      <a:tailEnd type="none" w="med" len="med"/>
+                    </a:lnR>
+                    <a:lnT w="12700" cap="flat" cmpd="sng" algn="ctr">
+                      <a:solidFill>
+                        <a:schemeClr val="tx1"/>
+                      </a:solidFill>
+                      <a:prstDash val="solid"/>
+                      <a:round/>
+                      <a:headEnd type="none" w="med" len="med"/>
+                      <a:tailEnd type="none" w="med" len="med"/>
+                    </a:lnT>
+                    <a:lnB w="12700" cap="flat" cmpd="sng" algn="ctr">
+                      <a:solidFill>
+                        <a:schemeClr val="tx1"/>
+                      </a:solidFill>
+                      <a:prstDash val="solid"/>
+                      <a:round/>
+                      <a:headEnd type="none" w="med" len="med"/>
+                      <a:tailEnd type="none" w="med" len="med"/>
+                    </a:lnB>
+                    <a:solidFill>
+                      <a:schemeClr val="bg1"/>
+                    </a:solidFill>
+                  </a:tcPr>
+                </a:tc>
+                <a:tc>
+                  <a:txBody>
+                    <a:bodyPr/>
+                    <a:lstStyle/>
+                    <a:p>
+                      <a:pPr algn="ctr" latinLnBrk="1"/>
+                      <a:r>
+                        <a:rPr lang="en-US" altLang="ko-KR" dirty="0">
+                          <a:solidFill>
+                            <a:sysClr val="windowText" lastClr="000000"/>
+                          </a:solidFill>
+                        </a:rPr>
+                        <a:t>7</a:t>
+                      </a:r>
+                      <a:endParaRPr lang="ko-KR" altLang="en-US" dirty="0">
+                        <a:solidFill>
+                          <a:sysClr val="windowText" lastClr="000000"/>
+                        </a:solidFill>
+                      </a:endParaRPr>
+                    </a:p>
+                  </a:txBody>
+                  <a:tcPr anchor="ctr">
+                    <a:lnL w="12700" cap="flat" cmpd="sng" algn="ctr">
+                      <a:solidFill>
+                        <a:schemeClr val="tx1"/>
+                      </a:solidFill>
+                      <a:prstDash val="solid"/>
+                      <a:round/>
+                      <a:headEnd type="none" w="med" len="med"/>
+                      <a:tailEnd type="none" w="med" len="med"/>
+                    </a:lnL>
+                    <a:lnR w="12700" cap="flat" cmpd="sng" algn="ctr">
+                      <a:solidFill>
+                        <a:schemeClr val="tx1"/>
+                      </a:solidFill>
+                      <a:prstDash val="solid"/>
+                      <a:round/>
+                      <a:headEnd type="none" w="med" len="med"/>
+                      <a:tailEnd type="none" w="med" len="med"/>
+                    </a:lnR>
+                    <a:lnT w="12700" cap="flat" cmpd="sng" algn="ctr">
+                      <a:solidFill>
+                        <a:schemeClr val="tx1"/>
+                      </a:solidFill>
+                      <a:prstDash val="solid"/>
+                      <a:round/>
+                      <a:headEnd type="none" w="med" len="med"/>
+                      <a:tailEnd type="none" w="med" len="med"/>
+                    </a:lnT>
+                    <a:lnB w="12700" cap="flat" cmpd="sng" algn="ctr">
+                      <a:solidFill>
+                        <a:schemeClr val="tx1"/>
+                      </a:solidFill>
+                      <a:prstDash val="solid"/>
+                      <a:round/>
+                      <a:headEnd type="none" w="med" len="med"/>
+                      <a:tailEnd type="none" w="med" len="med"/>
+                    </a:lnB>
+                    <a:solidFill>
+                      <a:schemeClr val="bg1"/>
+                    </a:solidFill>
+                  </a:tcPr>
+                </a:tc>
+                <a:tc>
+                  <a:txBody>
+                    <a:bodyPr/>
+                    <a:lstStyle/>
+                    <a:p>
+                      <a:pPr algn="ctr" latinLnBrk="1"/>
+                      <a:r>
+                        <a:rPr lang="en-US" altLang="ko-KR" dirty="0">
+                          <a:solidFill>
+                            <a:sysClr val="windowText" lastClr="000000"/>
+                          </a:solidFill>
+                        </a:rPr>
+                        <a:t>8</a:t>
+                      </a:r>
+                      <a:endParaRPr lang="ko-KR" altLang="en-US" dirty="0">
+                        <a:solidFill>
+                          <a:sysClr val="windowText" lastClr="000000"/>
+                        </a:solidFill>
+                      </a:endParaRPr>
+                    </a:p>
+                  </a:txBody>
+                  <a:tcPr anchor="ctr">
+                    <a:lnL w="12700" cap="flat" cmpd="sng" algn="ctr">
+                      <a:solidFill>
+                        <a:schemeClr val="tx1"/>
+                      </a:solidFill>
+                      <a:prstDash val="solid"/>
+                      <a:round/>
+                      <a:headEnd type="none" w="med" len="med"/>
+                      <a:tailEnd type="none" w="med" len="med"/>
+                    </a:lnL>
+                    <a:lnR w="12700" cap="flat" cmpd="sng" algn="ctr">
+                      <a:solidFill>
+                        <a:schemeClr val="tx1"/>
+                      </a:solidFill>
+                      <a:prstDash val="solid"/>
+                      <a:round/>
+                      <a:headEnd type="none" w="med" len="med"/>
+                      <a:tailEnd type="none" w="med" len="med"/>
+                    </a:lnR>
+                    <a:lnT w="12700" cap="flat" cmpd="sng" algn="ctr">
+                      <a:solidFill>
+                        <a:schemeClr val="tx1"/>
+                      </a:solidFill>
+                      <a:prstDash val="solid"/>
+                      <a:round/>
+                      <a:headEnd type="none" w="med" len="med"/>
+                      <a:tailEnd type="none" w="med" len="med"/>
+                    </a:lnT>
+                    <a:lnB w="12700" cap="flat" cmpd="sng" algn="ctr">
+                      <a:solidFill>
+                        <a:schemeClr val="tx1"/>
+                      </a:solidFill>
+                      <a:prstDash val="solid"/>
+                      <a:round/>
+                      <a:headEnd type="none" w="med" len="med"/>
+                      <a:tailEnd type="none" w="med" len="med"/>
+                    </a:lnB>
+                    <a:solidFill>
+                      <a:schemeClr val="bg1"/>
+                    </a:solidFill>
+                  </a:tcPr>
+                </a:tc>
+                <a:extLst>
+                  <a:ext uri="{0D108BD9-81ED-4DB2-BD59-A6C34878D82A}">
+                    <a16:rowId xmlns:a16="http://schemas.microsoft.com/office/drawing/2014/main" val="2318367764"/>
+                  </a:ext>
+                </a:extLst>
+              </a:tr>
+            </a:tbl>
+          </a:graphicData>
+        </a:graphic>
+      </p:graphicFrame>
+      <p:graphicFrame>
+        <p:nvGraphicFramePr>
+          <p:cNvPr id="9" name="표 5">
+            <a:extLst>
+              <a:ext uri="{FF2B5EF4-FFF2-40B4-BE49-F238E27FC236}">
+                <a16:creationId xmlns:a16="http://schemas.microsoft.com/office/drawing/2014/main" id="{15D5CCAF-CAB6-493C-9A85-2676F48690AF}"/>
+              </a:ext>
+            </a:extLst>
+          </p:cNvPr>
+          <p:cNvGraphicFramePr>
+            <a:graphicFrameLocks noGrp="1"/>
+          </p:cNvGraphicFramePr>
+          <p:nvPr>
+            <p:extLst>
+              <p:ext uri="{D42A27DB-BD31-4B8C-83A1-F6EECF244321}">
+                <p14:modId xmlns:p14="http://schemas.microsoft.com/office/powerpoint/2010/main" val="3430892353"/>
+              </p:ext>
+            </p:extLst>
+          </p:nvPr>
+        </p:nvGraphicFramePr>
+        <p:xfrm>
+          <a:off x="2032000" y="4565809"/>
+          <a:ext cx="7112000" cy="370840"/>
+        </p:xfrm>
+        <a:graphic>
+          <a:graphicData uri="http://schemas.openxmlformats.org/drawingml/2006/table">
+            <a:tbl>
+              <a:tblPr firstRow="1" bandRow="1">
+                <a:tableStyleId>{5C22544A-7EE6-4342-B048-85BDC9FD1C3A}</a:tableStyleId>
+              </a:tblPr>
+              <a:tblGrid>
+                <a:gridCol w="1016000">
+                  <a:extLst>
+                    <a:ext uri="{9D8B030D-6E8A-4147-A177-3AD203B41FA5}">
+                      <a16:colId xmlns:a16="http://schemas.microsoft.com/office/drawing/2014/main" val="422949941"/>
+                    </a:ext>
+                  </a:extLst>
+                </a:gridCol>
+                <a:gridCol w="1016000">
+                  <a:extLst>
+                    <a:ext uri="{9D8B030D-6E8A-4147-A177-3AD203B41FA5}">
+                      <a16:colId xmlns:a16="http://schemas.microsoft.com/office/drawing/2014/main" val="1888211109"/>
+                    </a:ext>
+                  </a:extLst>
+                </a:gridCol>
+                <a:gridCol w="1016000">
+                  <a:extLst>
+                    <a:ext uri="{9D8B030D-6E8A-4147-A177-3AD203B41FA5}">
+                      <a16:colId xmlns:a16="http://schemas.microsoft.com/office/drawing/2014/main" val="3675358557"/>
+                    </a:ext>
+                  </a:extLst>
+                </a:gridCol>
+                <a:gridCol w="1016000">
+                  <a:extLst>
+                    <a:ext uri="{9D8B030D-6E8A-4147-A177-3AD203B41FA5}">
+                      <a16:colId xmlns:a16="http://schemas.microsoft.com/office/drawing/2014/main" val="2341215234"/>
+                    </a:ext>
+                  </a:extLst>
+                </a:gridCol>
+                <a:gridCol w="1016000">
+                  <a:extLst>
+                    <a:ext uri="{9D8B030D-6E8A-4147-A177-3AD203B41FA5}">
+                      <a16:colId xmlns:a16="http://schemas.microsoft.com/office/drawing/2014/main" val="3718261339"/>
+                    </a:ext>
+                  </a:extLst>
+                </a:gridCol>
+                <a:gridCol w="1016000">
+                  <a:extLst>
+                    <a:ext uri="{9D8B030D-6E8A-4147-A177-3AD203B41FA5}">
+                      <a16:colId xmlns:a16="http://schemas.microsoft.com/office/drawing/2014/main" val="4106026957"/>
+                    </a:ext>
+                  </a:extLst>
+                </a:gridCol>
+                <a:gridCol w="1016000">
+                  <a:extLst>
+                    <a:ext uri="{9D8B030D-6E8A-4147-A177-3AD203B41FA5}">
+                      <a16:colId xmlns:a16="http://schemas.microsoft.com/office/drawing/2014/main" val="2810815576"/>
+                    </a:ext>
+                  </a:extLst>
+                </a:gridCol>
+              </a:tblGrid>
+              <a:tr h="370840">
+                <a:tc>
+                  <a:txBody>
+                    <a:bodyPr/>
+                    <a:lstStyle/>
+                    <a:p>
+                      <a:pPr algn="ctr" latinLnBrk="1"/>
+                      <a:r>
+                        <a:rPr lang="en-US" altLang="ko-KR" dirty="0">
+                          <a:solidFill>
+                            <a:sysClr val="windowText" lastClr="000000"/>
+                          </a:solidFill>
+                        </a:rPr>
+                        <a:t>1</a:t>
+                      </a:r>
+                      <a:endParaRPr lang="ko-KR" altLang="en-US" dirty="0">
+                        <a:solidFill>
+                          <a:sysClr val="windowText" lastClr="000000"/>
+                        </a:solidFill>
+                      </a:endParaRPr>
+                    </a:p>
+                  </a:txBody>
+                  <a:tcPr anchor="ctr">
+                    <a:lnL w="12700" cap="flat" cmpd="sng" algn="ctr">
+                      <a:solidFill>
+                        <a:schemeClr val="tx1"/>
+                      </a:solidFill>
+                      <a:prstDash val="solid"/>
+                      <a:round/>
+                      <a:headEnd type="none" w="med" len="med"/>
+                      <a:tailEnd type="none" w="med" len="med"/>
+                    </a:lnL>
+                    <a:lnR w="12700" cap="flat" cmpd="sng" algn="ctr">
+                      <a:solidFill>
+                        <a:schemeClr val="tx1"/>
+                      </a:solidFill>
+                      <a:prstDash val="solid"/>
+                      <a:round/>
+                      <a:headEnd type="none" w="med" len="med"/>
+                      <a:tailEnd type="none" w="med" len="med"/>
+                    </a:lnR>
+                    <a:lnT w="12700" cap="flat" cmpd="sng" algn="ctr">
+                      <a:solidFill>
+                        <a:schemeClr val="tx1"/>
+                      </a:solidFill>
+                      <a:prstDash val="solid"/>
+                      <a:round/>
+                      <a:headEnd type="none" w="med" len="med"/>
+                      <a:tailEnd type="none" w="med" len="med"/>
+                    </a:lnT>
+                    <a:lnB w="12700" cap="flat" cmpd="sng" algn="ctr">
+                      <a:solidFill>
+                        <a:schemeClr val="tx1"/>
+                      </a:solidFill>
+                      <a:prstDash val="solid"/>
+                      <a:round/>
+                      <a:headEnd type="none" w="med" len="med"/>
+                      <a:tailEnd type="none" w="med" len="med"/>
+                    </a:lnB>
+                    <a:solidFill>
+                      <a:schemeClr val="bg1"/>
+                    </a:solidFill>
+                  </a:tcPr>
+                </a:tc>
+                <a:tc>
+                  <a:txBody>
+                    <a:bodyPr/>
+                    <a:lstStyle/>
+                    <a:p>
+                      <a:pPr algn="ctr" latinLnBrk="1"/>
+                      <a:r>
+                        <a:rPr lang="en-US" altLang="ko-KR" dirty="0">
+                          <a:solidFill>
+                            <a:sysClr val="windowText" lastClr="000000"/>
+                          </a:solidFill>
+                        </a:rPr>
+                        <a:t>2</a:t>
+                      </a:r>
+                      <a:endParaRPr lang="ko-KR" altLang="en-US" dirty="0">
+                        <a:solidFill>
+                          <a:sysClr val="windowText" lastClr="000000"/>
+                        </a:solidFill>
+                      </a:endParaRPr>
+                    </a:p>
+                  </a:txBody>
+                  <a:tcPr anchor="ctr">
+                    <a:lnL w="12700" cap="flat" cmpd="sng" algn="ctr">
+                      <a:solidFill>
+                        <a:schemeClr val="tx1"/>
+                      </a:solidFill>
+                      <a:prstDash val="solid"/>
+                      <a:round/>
+                      <a:headEnd type="none" w="med" len="med"/>
+                      <a:tailEnd type="none" w="med" len="med"/>
+                    </a:lnL>
+                    <a:lnR w="12700" cap="flat" cmpd="sng" algn="ctr">
+                      <a:solidFill>
+                        <a:schemeClr val="tx1"/>
+                      </a:solidFill>
+                      <a:prstDash val="solid"/>
+                      <a:round/>
+                      <a:headEnd type="none" w="med" len="med"/>
+                      <a:tailEnd type="none" w="med" len="med"/>
+                    </a:lnR>
+                    <a:lnT w="12700" cap="flat" cmpd="sng" algn="ctr">
+                      <a:solidFill>
+                        <a:schemeClr val="tx1"/>
+                      </a:solidFill>
+                      <a:prstDash val="solid"/>
+                      <a:round/>
+                      <a:headEnd type="none" w="med" len="med"/>
+                      <a:tailEnd type="none" w="med" len="med"/>
+                    </a:lnT>
+                    <a:lnB w="12700" cap="flat" cmpd="sng" algn="ctr">
+                      <a:solidFill>
+                        <a:schemeClr val="tx1"/>
+                      </a:solidFill>
+                      <a:prstDash val="solid"/>
+                      <a:round/>
+                      <a:headEnd type="none" w="med" len="med"/>
+                      <a:tailEnd type="none" w="med" len="med"/>
+                    </a:lnB>
+                    <a:solidFill>
+                      <a:schemeClr val="bg1"/>
+                    </a:solidFill>
+                  </a:tcPr>
+                </a:tc>
+                <a:tc>
+                  <a:txBody>
+                    <a:bodyPr/>
+                    <a:lstStyle/>
+                    <a:p>
+                      <a:pPr algn="ctr" latinLnBrk="1"/>
+                      <a:r>
+                        <a:rPr lang="en-US" altLang="ko-KR" dirty="0">
+                          <a:solidFill>
+                            <a:sysClr val="windowText" lastClr="000000"/>
+                          </a:solidFill>
+                        </a:rPr>
+                        <a:t>3</a:t>
+                      </a:r>
+                      <a:endParaRPr lang="ko-KR" altLang="en-US" dirty="0">
+                        <a:solidFill>
+                          <a:sysClr val="windowText" lastClr="000000"/>
+                        </a:solidFill>
+                      </a:endParaRPr>
+                    </a:p>
+                  </a:txBody>
+                  <a:tcPr anchor="ctr">
+                    <a:lnL w="12700" cap="flat" cmpd="sng" algn="ctr">
+                      <a:solidFill>
+                        <a:schemeClr val="tx1"/>
+                      </a:solidFill>
+                      <a:prstDash val="solid"/>
+                      <a:round/>
+                      <a:headEnd type="none" w="med" len="med"/>
+                      <a:tailEnd type="none" w="med" len="med"/>
+                    </a:lnL>
+                    <a:lnR w="12700" cap="flat" cmpd="sng" algn="ctr">
+                      <a:solidFill>
+                        <a:schemeClr val="tx1"/>
+                      </a:solidFill>
+                      <a:prstDash val="solid"/>
+                      <a:round/>
+                      <a:headEnd type="none" w="med" len="med"/>
+                      <a:tailEnd type="none" w="med" len="med"/>
+                    </a:lnR>
+                    <a:lnT w="12700" cap="flat" cmpd="sng" algn="ctr">
+                      <a:solidFill>
+                        <a:schemeClr val="tx1"/>
+                      </a:solidFill>
+                      <a:prstDash val="solid"/>
+                      <a:round/>
+                      <a:headEnd type="none" w="med" len="med"/>
+                      <a:tailEnd type="none" w="med" len="med"/>
+                    </a:lnT>
+                    <a:lnB w="12700" cap="flat" cmpd="sng" algn="ctr">
+                      <a:solidFill>
+                        <a:schemeClr val="tx1"/>
+                      </a:solidFill>
+                      <a:prstDash val="solid"/>
+                      <a:round/>
+                      <a:headEnd type="none" w="med" len="med"/>
+                      <a:tailEnd type="none" w="med" len="med"/>
+                    </a:lnB>
+                    <a:solidFill>
+                      <a:schemeClr val="bg1"/>
+                    </a:solidFill>
+                  </a:tcPr>
+                </a:tc>
+                <a:tc>
+                  <a:txBody>
+                    <a:bodyPr/>
+                    <a:lstStyle/>
+                    <a:p>
+                      <a:pPr algn="ctr" latinLnBrk="1"/>
+                      <a:r>
+                        <a:rPr lang="en-US" altLang="ko-KR" dirty="0">
+                          <a:solidFill>
+                            <a:sysClr val="windowText" lastClr="000000"/>
+                          </a:solidFill>
+                        </a:rPr>
+                        <a:t>4</a:t>
+                      </a:r>
+                      <a:endParaRPr lang="ko-KR" altLang="en-US" dirty="0">
+                        <a:solidFill>
+                          <a:sysClr val="windowText" lastClr="000000"/>
+                        </a:solidFill>
+                      </a:endParaRPr>
+                    </a:p>
+                  </a:txBody>
+                  <a:tcPr anchor="ctr">
+                    <a:lnL w="12700" cap="flat" cmpd="sng" algn="ctr">
+                      <a:solidFill>
+                        <a:schemeClr val="tx1"/>
+                      </a:solidFill>
+                      <a:prstDash val="solid"/>
+                      <a:round/>
+                      <a:headEnd type="none" w="med" len="med"/>
+                      <a:tailEnd type="none" w="med" len="med"/>
+                    </a:lnL>
+                    <a:lnR w="12700" cap="flat" cmpd="sng" algn="ctr">
+                      <a:solidFill>
+                        <a:schemeClr val="tx1"/>
+                      </a:solidFill>
+                      <a:prstDash val="solid"/>
+                      <a:round/>
+                      <a:headEnd type="none" w="med" len="med"/>
+                      <a:tailEnd type="none" w="med" len="med"/>
+                    </a:lnR>
+                    <a:lnT w="12700" cap="flat" cmpd="sng" algn="ctr">
+                      <a:solidFill>
+                        <a:schemeClr val="tx1"/>
+                      </a:solidFill>
+                      <a:prstDash val="solid"/>
+                      <a:round/>
+                      <a:headEnd type="none" w="med" len="med"/>
+                      <a:tailEnd type="none" w="med" len="med"/>
+                    </a:lnT>
+                    <a:lnB w="12700" cap="flat" cmpd="sng" algn="ctr">
+                      <a:solidFill>
+                        <a:schemeClr val="tx1"/>
+                      </a:solidFill>
+                      <a:prstDash val="solid"/>
+                      <a:round/>
+                      <a:headEnd type="none" w="med" len="med"/>
+                      <a:tailEnd type="none" w="med" len="med"/>
+                    </a:lnB>
+                    <a:solidFill>
+                      <a:schemeClr val="bg1"/>
+                    </a:solidFill>
+                  </a:tcPr>
+                </a:tc>
+                <a:tc>
+                  <a:txBody>
+                    <a:bodyPr/>
+                    <a:lstStyle/>
+                    <a:p>
+                      <a:pPr algn="ctr" latinLnBrk="1"/>
+                      <a:r>
+                        <a:rPr lang="en-US" altLang="ko-KR" dirty="0">
+                          <a:solidFill>
+                            <a:sysClr val="windowText" lastClr="000000"/>
+                          </a:solidFill>
+                        </a:rPr>
+                        <a:t>5</a:t>
+                      </a:r>
+                      <a:endParaRPr lang="ko-KR" altLang="en-US" dirty="0">
+                        <a:solidFill>
+                          <a:sysClr val="windowText" lastClr="000000"/>
+                        </a:solidFill>
+                      </a:endParaRPr>
+                    </a:p>
+                  </a:txBody>
+                  <a:tcPr anchor="ctr">
+                    <a:lnL w="12700" cap="flat" cmpd="sng" algn="ctr">
+                      <a:solidFill>
+                        <a:schemeClr val="tx1"/>
+                      </a:solidFill>
+                      <a:prstDash val="solid"/>
+                      <a:round/>
+                      <a:headEnd type="none" w="med" len="med"/>
+                      <a:tailEnd type="none" w="med" len="med"/>
+                    </a:lnL>
+                    <a:lnR w="12700" cap="flat" cmpd="sng" algn="ctr">
+                      <a:solidFill>
+                        <a:schemeClr val="tx1"/>
+                      </a:solidFill>
+                      <a:prstDash val="solid"/>
+                      <a:round/>
+                      <a:headEnd type="none" w="med" len="med"/>
+                      <a:tailEnd type="none" w="med" len="med"/>
+                    </a:lnR>
+                    <a:lnT w="12700" cap="flat" cmpd="sng" algn="ctr">
+                      <a:solidFill>
+                        <a:schemeClr val="tx1"/>
+                      </a:solidFill>
+                      <a:prstDash val="solid"/>
+                      <a:round/>
+                      <a:headEnd type="none" w="med" len="med"/>
+                      <a:tailEnd type="none" w="med" len="med"/>
+                    </a:lnT>
+                    <a:lnB w="12700" cap="flat" cmpd="sng" algn="ctr">
+                      <a:solidFill>
+                        <a:schemeClr val="tx1"/>
+                      </a:solidFill>
+                      <a:prstDash val="solid"/>
+                      <a:round/>
+                      <a:headEnd type="none" w="med" len="med"/>
+                      <a:tailEnd type="none" w="med" len="med"/>
+                    </a:lnB>
+                    <a:solidFill>
+                      <a:schemeClr val="bg1"/>
+                    </a:solidFill>
+                  </a:tcPr>
+                </a:tc>
+                <a:tc>
+                  <a:txBody>
+                    <a:bodyPr/>
+                    <a:lstStyle/>
+                    <a:p>
+                      <a:pPr algn="ctr" latinLnBrk="1"/>
+                      <a:r>
+                        <a:rPr lang="en-US" altLang="ko-KR" dirty="0">
+                          <a:solidFill>
+                            <a:sysClr val="windowText" lastClr="000000"/>
+                          </a:solidFill>
+                        </a:rPr>
+                        <a:t>7</a:t>
+                      </a:r>
+                      <a:endParaRPr lang="ko-KR" altLang="en-US" dirty="0">
+                        <a:solidFill>
+                          <a:sysClr val="windowText" lastClr="000000"/>
+                        </a:solidFill>
+                      </a:endParaRPr>
+                    </a:p>
+                  </a:txBody>
+                  <a:tcPr anchor="ctr">
+                    <a:lnL w="12700" cap="flat" cmpd="sng" algn="ctr">
+                      <a:solidFill>
+                        <a:schemeClr val="tx1"/>
+                      </a:solidFill>
+                      <a:prstDash val="solid"/>
+                      <a:round/>
+                      <a:headEnd type="none" w="med" len="med"/>
+                      <a:tailEnd type="none" w="med" len="med"/>
+                    </a:lnL>
+                    <a:lnR w="12700" cap="flat" cmpd="sng" algn="ctr">
+                      <a:solidFill>
+                        <a:schemeClr val="tx1"/>
+                      </a:solidFill>
+                      <a:prstDash val="solid"/>
+                      <a:round/>
+                      <a:headEnd type="none" w="med" len="med"/>
+                      <a:tailEnd type="none" w="med" len="med"/>
+                    </a:lnR>
+                    <a:lnT w="12700" cap="flat" cmpd="sng" algn="ctr">
+                      <a:solidFill>
+                        <a:schemeClr val="tx1"/>
+                      </a:solidFill>
+                      <a:prstDash val="solid"/>
+                      <a:round/>
+                      <a:headEnd type="none" w="med" len="med"/>
+                      <a:tailEnd type="none" w="med" len="med"/>
+                    </a:lnT>
+                    <a:lnB w="12700" cap="flat" cmpd="sng" algn="ctr">
+                      <a:solidFill>
+                        <a:schemeClr val="tx1"/>
+                      </a:solidFill>
+                      <a:prstDash val="solid"/>
+                      <a:round/>
+                      <a:headEnd type="none" w="med" len="med"/>
+                      <a:tailEnd type="none" w="med" len="med"/>
+                    </a:lnB>
+                    <a:solidFill>
+                      <a:schemeClr val="bg1"/>
+                    </a:solidFill>
+                  </a:tcPr>
+                </a:tc>
+                <a:tc>
+                  <a:txBody>
+                    <a:bodyPr/>
+                    <a:lstStyle/>
+                    <a:p>
+                      <a:pPr algn="ctr" latinLnBrk="1"/>
+                      <a:r>
+                        <a:rPr lang="en-US" altLang="ko-KR" dirty="0">
+                          <a:solidFill>
+                            <a:sysClr val="windowText" lastClr="000000"/>
+                          </a:solidFill>
+                        </a:rPr>
+                        <a:t>8</a:t>
+                      </a:r>
+                      <a:endParaRPr lang="ko-KR" altLang="en-US" dirty="0">
+                        <a:solidFill>
+                          <a:sysClr val="windowText" lastClr="000000"/>
+                        </a:solidFill>
+                      </a:endParaRPr>
+                    </a:p>
+                  </a:txBody>
+                  <a:tcPr anchor="ctr">
+                    <a:lnL w="12700" cap="flat" cmpd="sng" algn="ctr">
+                      <a:solidFill>
+                        <a:schemeClr val="tx1"/>
+                      </a:solidFill>
+                      <a:prstDash val="solid"/>
+                      <a:round/>
+                      <a:headEnd type="none" w="med" len="med"/>
+                      <a:tailEnd type="none" w="med" len="med"/>
+                    </a:lnL>
+                    <a:lnR w="12700" cap="flat" cmpd="sng" algn="ctr">
+                      <a:solidFill>
+                        <a:schemeClr val="tx1"/>
+                      </a:solidFill>
+                      <a:prstDash val="solid"/>
+                      <a:round/>
+                      <a:headEnd type="none" w="med" len="med"/>
+                      <a:tailEnd type="none" w="med" len="med"/>
+                    </a:lnR>
+                    <a:lnT w="12700" cap="flat" cmpd="sng" algn="ctr">
+                      <a:solidFill>
+                        <a:schemeClr val="tx1"/>
+                      </a:solidFill>
+                      <a:prstDash val="solid"/>
+                      <a:round/>
+                      <a:headEnd type="none" w="med" len="med"/>
+                      <a:tailEnd type="none" w="med" len="med"/>
+                    </a:lnT>
+                    <a:lnB w="12700" cap="flat" cmpd="sng" algn="ctr">
+                      <a:solidFill>
+                        <a:schemeClr val="tx1"/>
+                      </a:solidFill>
+                      <a:prstDash val="solid"/>
+                      <a:round/>
+                      <a:headEnd type="none" w="med" len="med"/>
+                      <a:tailEnd type="none" w="med" len="med"/>
+                    </a:lnB>
+                    <a:solidFill>
+                      <a:schemeClr val="bg1"/>
+                    </a:solidFill>
+                  </a:tcPr>
+                </a:tc>
+                <a:extLst>
+                  <a:ext uri="{0D108BD9-81ED-4DB2-BD59-A6C34878D82A}">
+                    <a16:rowId xmlns:a16="http://schemas.microsoft.com/office/drawing/2014/main" val="2318367764"/>
+                  </a:ext>
+                </a:extLst>
+              </a:tr>
+            </a:tbl>
+          </a:graphicData>
+        </a:graphic>
+      </p:graphicFrame>
+      <p:sp>
+        <p:nvSpPr>
+          <p:cNvPr id="10" name="화살표: 왼쪽으로 구부러짐 9">
+            <a:extLst>
+              <a:ext uri="{FF2B5EF4-FFF2-40B4-BE49-F238E27FC236}">
+                <a16:creationId xmlns:a16="http://schemas.microsoft.com/office/drawing/2014/main" id="{C91D9D3C-A84D-4E18-9C6C-303B390342DD}"/>
+              </a:ext>
+            </a:extLst>
+          </p:cNvPr>
+          <p:cNvSpPr/>
+          <p:nvPr/>
+        </p:nvSpPr>
+        <p:spPr>
+          <a:xfrm>
+            <a:off x="10296144" y="3943288"/>
+            <a:ext cx="566928" cy="993362"/>
+          </a:xfrm>
+          <a:prstGeom prst="curvedLeftArrow">
+            <a:avLst/>
+          </a:prstGeom>
+          <a:solidFill>
+            <a:schemeClr val="bg1"/>
+          </a:solidFill>
+          <a:ln>
+            <a:solidFill>
+              <a:schemeClr val="tx1">
+                <a:lumMod val="95000"/>
+                <a:lumOff val="5000"/>
+              </a:schemeClr>
+            </a:solidFill>
+          </a:ln>
+        </p:spPr>
+        <p:style>
+          <a:lnRef idx="2">
+            <a:schemeClr val="accent1">
+              <a:shade val="50000"/>
+            </a:schemeClr>
+          </a:lnRef>
+          <a:fillRef idx="1">
+            <a:schemeClr val="accent1"/>
+          </a:fillRef>
+          <a:effectRef idx="0">
+            <a:schemeClr val="accent1"/>
+          </a:effectRef>
+          <a:fontRef idx="minor">
+            <a:schemeClr val="lt1"/>
+          </a:fontRef>
+        </p:style>
+        <p:txBody>
+          <a:bodyPr rtlCol="0" anchor="ctr"/>
+          <a:lstStyle/>
+          <a:p>
+            <a:pPr algn="ctr"/>
+            <a:endParaRPr lang="ko-KR" altLang="en-US">
+              <a:solidFill>
+                <a:schemeClr val="tx1"/>
+              </a:solidFill>
+            </a:endParaRPr>
+          </a:p>
+        </p:txBody>
+      </p:sp>
+    </p:spTree>
+    <p:extLst>
+      <p:ext uri="{BB962C8B-B14F-4D97-AF65-F5344CB8AC3E}">
+        <p14:creationId xmlns:p14="http://schemas.microsoft.com/office/powerpoint/2010/main" val="3528257846"/>
+      </p:ext>
+    </p:extLst>
+  </p:cSld>
+  <p:clrMapOvr>
+    <a:masterClrMapping/>
+  </p:clrMapOvr>
+</p:sld>
+</file>
+
+<file path=ppt/slides/slide18.xml><?xml version="1.0" encoding="utf-8"?>
+<p:sld xmlns:a="http://schemas.openxmlformats.org/drawingml/2006/main" xmlns:r="http://schemas.openxmlformats.org/officeDocument/2006/relationships" xmlns:p="http://schemas.openxmlformats.org/presentationml/2006/main">
+  <p:cSld>
+    <p:spTree>
+      <p:nvGrpSpPr>
+        <p:cNvPr id="1" name=""/>
+        <p:cNvGrpSpPr/>
+        <p:nvPr/>
+      </p:nvGrpSpPr>
+      <p:grpSpPr>
+        <a:xfrm>
+          <a:off x="0" y="0"/>
+          <a:ext cx="0" cy="0"/>
+          <a:chOff x="0" y="0"/>
+          <a:chExt cx="0" cy="0"/>
+        </a:xfrm>
+      </p:grpSpPr>
+      <p:sp>
+        <p:nvSpPr>
+          <p:cNvPr id="2" name="제목 1">
+            <a:extLst>
+              <a:ext uri="{FF2B5EF4-FFF2-40B4-BE49-F238E27FC236}">
+                <a16:creationId xmlns:a16="http://schemas.microsoft.com/office/drawing/2014/main" id="{42C84062-C8B0-4CB3-B461-05F52E791379}"/>
+              </a:ext>
+            </a:extLst>
+          </p:cNvPr>
+          <p:cNvSpPr>
+            <a:spLocks noGrp="1"/>
+          </p:cNvSpPr>
+          <p:nvPr>
+            <p:ph type="title"/>
+          </p:nvPr>
+        </p:nvSpPr>
+        <p:spPr/>
+        <p:txBody>
+          <a:bodyPr/>
+          <a:lstStyle/>
+          <a:p>
+            <a:r>
+              <a:rPr lang="ko-KR" altLang="en-US" dirty="0"/>
+              <a:t>자료구조의 구현 </a:t>
+            </a:r>
+            <a:r>
+              <a:rPr lang="en-US" altLang="ko-KR" dirty="0"/>
+              <a:t>- </a:t>
+            </a:r>
+            <a:r>
+              <a:rPr lang="ko-KR" altLang="en-US" dirty="0"/>
+              <a:t>연결리스트</a:t>
+            </a:r>
+          </a:p>
+        </p:txBody>
+      </p:sp>
+      <p:sp>
+        <p:nvSpPr>
+          <p:cNvPr id="3" name="내용 개체 틀 2">
+            <a:extLst>
+              <a:ext uri="{FF2B5EF4-FFF2-40B4-BE49-F238E27FC236}">
+                <a16:creationId xmlns:a16="http://schemas.microsoft.com/office/drawing/2014/main" id="{FB1F7ECD-1C84-4C2B-B2D0-85C92BB63215}"/>
+              </a:ext>
+            </a:extLst>
+          </p:cNvPr>
+          <p:cNvSpPr>
+            <a:spLocks noGrp="1"/>
+          </p:cNvSpPr>
+          <p:nvPr>
+            <p:ph idx="1"/>
+          </p:nvPr>
+        </p:nvSpPr>
+        <p:spPr/>
+        <p:txBody>
+          <a:bodyPr/>
+          <a:lstStyle/>
+          <a:p>
+            <a:endParaRPr lang="ko-KR" altLang="en-US" dirty="0"/>
+          </a:p>
+        </p:txBody>
+      </p:sp>
+    </p:spTree>
+    <p:extLst>
+      <p:ext uri="{BB962C8B-B14F-4D97-AF65-F5344CB8AC3E}">
+        <p14:creationId xmlns:p14="http://schemas.microsoft.com/office/powerpoint/2010/main" val="877791264"/>
       </p:ext>
     </p:extLst>
   </p:cSld>
@@ -4538,7 +9700,7 @@
           <a:lstStyle/>
           <a:p>
             <a:r>
-              <a:rPr lang="ko-KR" altLang="en-US" dirty="0" err="1" smtClean="0"/>
+              <a:rPr lang="ko-KR" altLang="en-US" dirty="0" err="1"/>
               <a:t>책소개</a:t>
             </a:r>
             <a:endParaRPr lang="ko-KR" altLang="en-US" dirty="0"/>
@@ -4571,18 +9733,18 @@
               </a:lnSpc>
             </a:pPr>
             <a:r>
-              <a:rPr lang="ko-KR" altLang="en-US" dirty="0" smtClean="0"/>
+              <a:rPr lang="ko-KR" altLang="en-US" dirty="0"/>
               <a:t>저자</a:t>
             </a:r>
             <a:r>
-              <a:rPr lang="en-US" altLang="ko-KR" dirty="0" smtClean="0"/>
+              <a:rPr lang="en-US" altLang="ko-KR" dirty="0"/>
               <a:t>: </a:t>
             </a:r>
             <a:r>
-              <a:rPr lang="ko-KR" altLang="en-US" dirty="0" smtClean="0"/>
+              <a:rPr lang="ko-KR" altLang="en-US" dirty="0"/>
               <a:t>조민호</a:t>
             </a:r>
-            <a:endParaRPr lang="en-US" altLang="ko-KR" dirty="0" smtClean="0"/>
+            <a:endParaRPr lang="en-US" altLang="ko-KR" dirty="0"/>
           </a:p>
           <a:p>
             <a:pPr>
@@ -4591,22 +9753,22 @@
               </a:lnSpc>
             </a:pPr>
             <a:r>
-              <a:rPr lang="en-US" altLang="ko-KR" dirty="0" smtClean="0"/>
+              <a:rPr lang="en-US" altLang="ko-KR" dirty="0"/>
               <a:t>2018</a:t>
             </a:r>
             <a:r>
-              <a:rPr lang="ko-KR" altLang="en-US" dirty="0" smtClean="0"/>
+              <a:rPr lang="ko-KR" altLang="en-US" dirty="0"/>
               <a:t>년 </a:t>
             </a:r>
             <a:r>
-              <a:rPr lang="en-US" altLang="ko-KR" dirty="0" smtClean="0"/>
+              <a:rPr lang="en-US" altLang="ko-KR" dirty="0"/>
               <a:t>8</a:t>
             </a:r>
             <a:r>
-              <a:rPr lang="ko-KR" altLang="en-US" dirty="0" smtClean="0"/>
+              <a:rPr lang="ko-KR" altLang="en-US" dirty="0"/>
               <a:t>월 출판</a:t>
             </a:r>
-            <a:endParaRPr lang="en-US" altLang="ko-KR" dirty="0" smtClean="0"/>
+            <a:endParaRPr lang="en-US" altLang="ko-KR" dirty="0"/>
           </a:p>
           <a:p>
             <a:pPr>
@@ -4615,11 +9777,11 @@
               </a:lnSpc>
             </a:pPr>
             <a:r>
-              <a:rPr lang="ko-KR" altLang="en-US" dirty="0" smtClean="0"/>
+              <a:rPr lang="ko-KR" altLang="en-US" dirty="0"/>
               <a:t>쪽수</a:t>
             </a:r>
             <a:r>
-              <a:rPr lang="en-US" altLang="ko-KR" dirty="0" smtClean="0"/>
+              <a:rPr lang="en-US" altLang="ko-KR" dirty="0"/>
               <a:t>: 184 pages</a:t>
             </a:r>
           </a:p>
@@ -4630,11 +9792,11 @@
               </a:lnSpc>
             </a:pPr>
             <a:r>
-              <a:rPr lang="ko-KR" altLang="en-US" dirty="0" smtClean="0"/>
+              <a:rPr lang="ko-KR" altLang="en-US" dirty="0"/>
               <a:t>언어</a:t>
             </a:r>
             <a:r>
-              <a:rPr lang="en-US" altLang="ko-KR" dirty="0" smtClean="0"/>
+              <a:rPr lang="en-US" altLang="ko-KR" dirty="0"/>
               <a:t>: python and Java</a:t>
             </a:r>
           </a:p>
@@ -4645,15 +9807,15 @@
               </a:lnSpc>
             </a:pPr>
             <a:r>
-              <a:rPr lang="ko-KR" altLang="en-US" dirty="0" smtClean="0"/>
+              <a:rPr lang="ko-KR" altLang="en-US" dirty="0"/>
               <a:t>대상자</a:t>
             </a:r>
             <a:r>
-              <a:rPr lang="en-US" altLang="ko-KR" dirty="0" smtClean="0"/>
+              <a:rPr lang="en-US" altLang="ko-KR" dirty="0"/>
               <a:t>: </a:t>
             </a:r>
             <a:r>
-              <a:rPr lang="ko-KR" altLang="en-US" dirty="0" err="1" smtClean="0"/>
+              <a:rPr lang="ko-KR" altLang="en-US" dirty="0" err="1"/>
               <a:t>입문자</a:t>
             </a:r>
             <a:endParaRPr lang="ko-KR" altLang="en-US" dirty="0"/>
@@ -4756,10 +9918,9 @@
           <a:lstStyle/>
           <a:p>
             <a:r>
-              <a:rPr lang="ko-KR" altLang="en-US" dirty="0" smtClean="0"/>
+              <a:rPr lang="ko-KR" altLang="en-US" dirty="0"/>
               <a:t>책 선택 이유</a:t>
             </a:r>
-            <a:endParaRPr lang="ko-KR" altLang="en-US" dirty="0"/>
           </a:p>
         </p:txBody>
       </p:sp>
@@ -4779,18 +9940,18 @@
           <a:lstStyle/>
           <a:p>
             <a:r>
-              <a:rPr lang="ko-KR" altLang="en-US" dirty="0" smtClean="0"/>
+              <a:rPr lang="ko-KR" altLang="en-US" dirty="0"/>
               <a:t>목표</a:t>
             </a:r>
             <a:r>
-              <a:rPr lang="en-US" altLang="ko-KR" dirty="0" smtClean="0"/>
+              <a:rPr lang="en-US" altLang="ko-KR" dirty="0"/>
               <a:t>: </a:t>
             </a:r>
             <a:r>
-              <a:rPr lang="ko-KR" altLang="en-US" dirty="0" smtClean="0"/>
+              <a:rPr lang="ko-KR" altLang="en-US" dirty="0"/>
               <a:t>자료구조와 알고리즘의 입문</a:t>
             </a:r>
-            <a:endParaRPr lang="en-US" altLang="ko-KR" dirty="0" smtClean="0"/>
+            <a:endParaRPr lang="en-US" altLang="ko-KR" dirty="0"/>
           </a:p>
           <a:p>
             <a:endParaRPr lang="ko-KR" altLang="en-US" dirty="0"/>
@@ -4925,11 +10086,11 @@
           <a:lstStyle/>
           <a:p>
             <a:r>
-              <a:rPr lang="ko-KR" altLang="en-US" dirty="0" smtClean="0"/>
+              <a:rPr lang="ko-KR" altLang="en-US" dirty="0"/>
               <a:t>책 구성</a:t>
             </a:r>
             <a:r>
-              <a:rPr lang="en-US" altLang="ko-KR" dirty="0" smtClean="0"/>
+              <a:rPr lang="en-US" altLang="ko-KR" dirty="0"/>
               <a:t>(1/2)</a:t>
             </a:r>
             <a:endParaRPr lang="ko-KR" altLang="en-US" dirty="0"/>
@@ -4956,10 +10117,10 @@
               <a:buAutoNum type="romanUcPeriod"/>
             </a:pPr>
             <a:r>
-              <a:rPr lang="ko-KR" altLang="en-US" dirty="0" smtClean="0"/>
+              <a:rPr lang="ko-KR" altLang="en-US" dirty="0"/>
               <a:t>컴퓨터를 바라보는 관점</a:t>
             </a:r>
-            <a:endParaRPr lang="en-US" altLang="ko-KR" dirty="0" smtClean="0"/>
+            <a:endParaRPr lang="en-US" altLang="ko-KR" dirty="0"/>
           </a:p>
           <a:p>
             <a:pPr marL="571500" indent="-684000">
@@ -4967,15 +10128,15 @@
               <a:buAutoNum type="romanUcPeriod"/>
             </a:pPr>
             <a:r>
-              <a:rPr lang="ko-KR" altLang="en-US" dirty="0" err="1" smtClean="0"/>
+              <a:rPr lang="ko-KR" altLang="en-US" dirty="0" err="1"/>
               <a:t>알고지즘은</a:t>
             </a:r>
             <a:r>
-              <a:rPr lang="ko-KR" altLang="en-US" dirty="0" smtClean="0"/>
+              <a:rPr lang="ko-KR" altLang="en-US" dirty="0"/>
               <a:t> 무엇인가</a:t>
             </a:r>
             <a:r>
-              <a:rPr lang="en-US" altLang="ko-KR" dirty="0" smtClean="0"/>
+              <a:rPr lang="en-US" altLang="ko-KR" dirty="0"/>
               <a:t>?</a:t>
             </a:r>
           </a:p>
@@ -4985,10 +10146,10 @@
               <a:buAutoNum type="romanUcPeriod"/>
             </a:pPr>
             <a:r>
-              <a:rPr lang="ko-KR" altLang="en-US" dirty="0" smtClean="0"/>
+              <a:rPr lang="ko-KR" altLang="en-US" dirty="0"/>
               <a:t>알고리즘의 개발</a:t>
             </a:r>
-            <a:endParaRPr lang="en-US" altLang="ko-KR" dirty="0" smtClean="0"/>
+            <a:endParaRPr lang="en-US" altLang="ko-KR" dirty="0"/>
           </a:p>
           <a:p>
             <a:pPr marL="571500" indent="-684000">
@@ -4996,10 +10157,10 @@
               <a:buAutoNum type="romanUcPeriod"/>
             </a:pPr>
             <a:r>
-              <a:rPr lang="ko-KR" altLang="en-US" dirty="0" smtClean="0"/>
+              <a:rPr lang="ko-KR" altLang="en-US" dirty="0"/>
               <a:t>자료구조</a:t>
             </a:r>
-            <a:endParaRPr lang="en-US" altLang="ko-KR" dirty="0" smtClean="0"/>
+            <a:endParaRPr lang="en-US" altLang="ko-KR" dirty="0"/>
           </a:p>
           <a:p>
             <a:pPr marL="571500" indent="-684000">
@@ -5007,10 +10168,10 @@
               <a:buAutoNum type="romanUcPeriod"/>
             </a:pPr>
             <a:r>
-              <a:rPr lang="ko-KR" altLang="en-US" dirty="0" smtClean="0"/>
+              <a:rPr lang="ko-KR" altLang="en-US" dirty="0"/>
               <a:t>정렬 알고리즘</a:t>
             </a:r>
-            <a:endParaRPr lang="en-US" altLang="ko-KR" dirty="0" smtClean="0"/>
+            <a:endParaRPr lang="en-US" altLang="ko-KR" dirty="0"/>
           </a:p>
           <a:p>
             <a:pPr marL="571500" indent="-684000">
@@ -5018,10 +10179,10 @@
               <a:buAutoNum type="romanUcPeriod"/>
             </a:pPr>
             <a:r>
-              <a:rPr lang="ko-KR" altLang="en-US" dirty="0" smtClean="0"/>
+              <a:rPr lang="ko-KR" altLang="en-US" dirty="0"/>
               <a:t>검색 알고리즘</a:t>
             </a:r>
-            <a:endParaRPr lang="en-US" altLang="ko-KR" dirty="0" smtClean="0"/>
+            <a:endParaRPr lang="en-US" altLang="ko-KR" dirty="0"/>
           </a:p>
           <a:p>
             <a:pPr marL="571500" indent="-684000">
@@ -5029,10 +10190,9 @@
               <a:buAutoNum type="romanUcPeriod"/>
             </a:pPr>
             <a:r>
-              <a:rPr lang="ko-KR" altLang="en-US" dirty="0" smtClean="0"/>
+              <a:rPr lang="ko-KR" altLang="en-US" dirty="0"/>
               <a:t>컴퓨터 역사에 남을 유명한 알고리즘</a:t>
             </a:r>
-            <a:endParaRPr lang="ko-KR" altLang="en-US" dirty="0"/>
           </a:p>
         </p:txBody>
       </p:sp>
@@ -5082,11 +10242,11 @@
           <a:lstStyle/>
           <a:p>
             <a:r>
-              <a:rPr lang="ko-KR" altLang="en-US" dirty="0" smtClean="0"/>
+              <a:rPr lang="ko-KR" altLang="en-US" dirty="0"/>
               <a:t>책 구성</a:t>
             </a:r>
             <a:r>
-              <a:rPr lang="en-US" altLang="ko-KR" dirty="0" smtClean="0"/>
+              <a:rPr lang="en-US" altLang="ko-KR" dirty="0"/>
               <a:t>(2/2)</a:t>
             </a:r>
             <a:endParaRPr lang="ko-KR" altLang="en-US" dirty="0"/>
@@ -5118,18 +10278,18 @@
               <a:buAutoNum type="arabicPeriod"/>
             </a:pPr>
             <a:r>
-              <a:rPr lang="ko-KR" altLang="en-US" dirty="0" smtClean="0"/>
+              <a:rPr lang="ko-KR" altLang="en-US" dirty="0"/>
               <a:t>챕터 개요</a:t>
             </a:r>
             <a:r>
-              <a:rPr lang="en-US" altLang="ko-KR" dirty="0" smtClean="0"/>
+              <a:rPr lang="en-US" altLang="ko-KR" dirty="0"/>
               <a:t>: </a:t>
             </a:r>
             <a:r>
-              <a:rPr lang="ko-KR" altLang="en-US" dirty="0" smtClean="0"/>
+              <a:rPr lang="ko-KR" altLang="en-US" dirty="0"/>
               <a:t>챕터의 전반적인 소개</a:t>
             </a:r>
-            <a:endParaRPr lang="en-US" altLang="ko-KR" dirty="0" smtClean="0"/>
+            <a:endParaRPr lang="en-US" altLang="ko-KR" dirty="0"/>
           </a:p>
           <a:p>
             <a:pPr marL="514350" indent="-514350">
@@ -5140,14 +10300,14 @@
               <a:buAutoNum type="arabicPeriod"/>
             </a:pPr>
             <a:r>
-              <a:rPr lang="ko-KR" altLang="en-US" dirty="0" smtClean="0"/>
+              <a:rPr lang="ko-KR" altLang="en-US" dirty="0"/>
               <a:t>각 </a:t>
             </a:r>
             <a:r>
-              <a:rPr lang="ko-KR" altLang="en-US" dirty="0" err="1" smtClean="0"/>
+              <a:rPr lang="ko-KR" altLang="en-US" dirty="0" err="1"/>
               <a:t>소챕터</a:t>
             </a:r>
-            <a:endParaRPr lang="en-US" altLang="ko-KR" dirty="0" smtClean="0"/>
+            <a:endParaRPr lang="en-US" altLang="ko-KR" dirty="0"/>
           </a:p>
           <a:p>
             <a:pPr marL="914400" lvl="1" indent="-457200">
@@ -5158,10 +10318,10 @@
               <a:buAutoNum type="alphaLcPeriod"/>
             </a:pPr>
             <a:r>
-              <a:rPr lang="ko-KR" altLang="en-US" dirty="0" smtClean="0"/>
+              <a:rPr lang="ko-KR" altLang="en-US" dirty="0"/>
               <a:t>간단한 소개 및 설명</a:t>
             </a:r>
-            <a:endParaRPr lang="en-US" altLang="ko-KR" dirty="0" smtClean="0"/>
+            <a:endParaRPr lang="en-US" altLang="ko-KR" dirty="0"/>
           </a:p>
           <a:p>
             <a:pPr marL="914400" lvl="1" indent="-457200">
@@ -5172,27 +10332,27 @@
               <a:buAutoNum type="alphaLcPeriod"/>
             </a:pPr>
             <a:r>
-              <a:rPr lang="ko-KR" altLang="en-US" dirty="0" smtClean="0"/>
+              <a:rPr lang="ko-KR" altLang="en-US" dirty="0"/>
               <a:t>그림</a:t>
             </a:r>
             <a:r>
-              <a:rPr lang="en-US" altLang="ko-KR" dirty="0" smtClean="0"/>
+              <a:rPr lang="en-US" altLang="ko-KR" dirty="0"/>
               <a:t>(</a:t>
             </a:r>
             <a:r>
-              <a:rPr lang="ko-KR" altLang="en-US" dirty="0" err="1" smtClean="0"/>
+              <a:rPr lang="ko-KR" altLang="en-US" dirty="0" err="1"/>
               <a:t>있을수도</a:t>
             </a:r>
             <a:r>
-              <a:rPr lang="ko-KR" altLang="en-US" dirty="0" smtClean="0"/>
+              <a:rPr lang="ko-KR" altLang="en-US" dirty="0"/>
               <a:t> </a:t>
             </a:r>
             <a:r>
-              <a:rPr lang="ko-KR" altLang="en-US" dirty="0" err="1" smtClean="0"/>
+              <a:rPr lang="ko-KR" altLang="en-US" dirty="0" err="1"/>
               <a:t>없을수도</a:t>
             </a:r>
             <a:r>
-              <a:rPr lang="en-US" altLang="ko-KR" dirty="0" smtClean="0"/>
+              <a:rPr lang="en-US" altLang="ko-KR" dirty="0"/>
               <a:t>)</a:t>
             </a:r>
           </a:p>
@@ -5205,58 +10365,54 @@
               <a:buAutoNum type="alphaLcPeriod"/>
             </a:pPr>
             <a:r>
-              <a:rPr lang="en-US" altLang="ko-KR" dirty="0" smtClean="0"/>
+              <a:rPr lang="en-US" altLang="ko-KR" dirty="0"/>
               <a:t>Python and Java </a:t>
             </a:r>
             <a:r>
-              <a:rPr lang="ko-KR" altLang="en-US" dirty="0" smtClean="0"/>
+              <a:rPr lang="ko-KR" altLang="en-US" dirty="0"/>
               <a:t>코드 </a:t>
             </a:r>
             <a:r>
-              <a:rPr lang="en-US" altLang="ko-KR" dirty="0" smtClean="0"/>
+              <a:rPr lang="en-US" altLang="ko-KR" dirty="0"/>
               <a:t>(</a:t>
             </a:r>
             <a:r>
-              <a:rPr lang="ko-KR" altLang="en-US" dirty="0" smtClean="0"/>
+              <a:rPr lang="ko-KR" altLang="en-US" dirty="0"/>
               <a:t>하나만 </a:t>
             </a:r>
             <a:r>
-              <a:rPr lang="ko-KR" altLang="en-US" dirty="0" err="1" smtClean="0"/>
+              <a:rPr lang="ko-KR" altLang="en-US" dirty="0" err="1"/>
               <a:t>있을수도</a:t>
             </a:r>
             <a:r>
-              <a:rPr lang="ko-KR" altLang="en-US" dirty="0" smtClean="0"/>
+              <a:rPr lang="ko-KR" altLang="en-US" dirty="0"/>
               <a:t> </a:t>
             </a:r>
             <a:r>
-              <a:rPr lang="ko-KR" altLang="en-US" dirty="0" err="1" smtClean="0"/>
+              <a:rPr lang="ko-KR" altLang="en-US" dirty="0" err="1"/>
               <a:t>없을수도</a:t>
             </a:r>
             <a:r>
-              <a:rPr lang="ko-KR" altLang="en-US" dirty="0" smtClean="0"/>
+              <a:rPr lang="ko-KR" altLang="en-US" dirty="0"/>
               <a:t> 있음</a:t>
             </a:r>
             <a:r>
-              <a:rPr lang="en-US" altLang="ko-KR" dirty="0" smtClean="0"/>
+              <a:rPr lang="en-US" altLang="ko-KR" dirty="0"/>
               <a:t>)</a:t>
-            </a:r>
-            <a:r>
-              <a:rPr lang="en-US" altLang="ko-KR" dirty="0"/>
-              <a:t/>
             </a:r>
             <a:br>
               <a:rPr lang="en-US" altLang="ko-KR" dirty="0"/>
             </a:br>
             <a:r>
-              <a:rPr lang="en-US" altLang="ko-KR" dirty="0" smtClean="0"/>
+              <a:rPr lang="en-US" altLang="ko-KR" dirty="0"/>
               <a:t>(python</a:t>
             </a:r>
             <a:r>
-              <a:rPr lang="ko-KR" altLang="en-US" dirty="0" smtClean="0"/>
+              <a:rPr lang="ko-KR" altLang="en-US" dirty="0"/>
               <a:t>만 소개할 예정</a:t>
             </a:r>
             <a:r>
-              <a:rPr lang="en-US" altLang="ko-KR" dirty="0" smtClean="0"/>
+              <a:rPr lang="en-US" altLang="ko-KR" dirty="0"/>
               <a:t>)</a:t>
             </a:r>
           </a:p>
@@ -5269,22 +10425,21 @@
               <a:buAutoNum type="arabicPeriod"/>
             </a:pPr>
             <a:r>
-              <a:rPr lang="ko-KR" altLang="en-US" dirty="0" smtClean="0"/>
+              <a:rPr lang="ko-KR" altLang="en-US" dirty="0"/>
               <a:t>챕터 끝맺음 </a:t>
             </a:r>
             <a:r>
-              <a:rPr lang="en-US" altLang="ko-KR" dirty="0" smtClean="0"/>
+              <a:rPr lang="en-US" altLang="ko-KR" dirty="0"/>
               <a:t>(</a:t>
             </a:r>
             <a:r>
-              <a:rPr lang="ko-KR" altLang="en-US" dirty="0" smtClean="0"/>
+              <a:rPr lang="ko-KR" altLang="en-US" dirty="0"/>
               <a:t>없는 경우도 있음</a:t>
             </a:r>
             <a:r>
-              <a:rPr lang="en-US" altLang="ko-KR" dirty="0" smtClean="0"/>
+              <a:rPr lang="en-US" altLang="ko-KR" dirty="0"/>
               <a:t>)</a:t>
             </a:r>
-            <a:endParaRPr lang="en-US" altLang="ko-KR" dirty="0"/>
           </a:p>
         </p:txBody>
       </p:sp>
@@ -5334,10 +10489,9 @@
           <a:lstStyle/>
           <a:p>
             <a:r>
-              <a:rPr lang="ko-KR" altLang="en-US" dirty="0" smtClean="0"/>
+              <a:rPr lang="ko-KR" altLang="en-US" dirty="0"/>
               <a:t>추후 계획</a:t>
             </a:r>
-            <a:endParaRPr lang="ko-KR" altLang="en-US" dirty="0"/>
           </a:p>
         </p:txBody>
       </p:sp>
@@ -5513,7 +10667,7 @@
           <a:lstStyle/>
           <a:p>
             <a:r>
-              <a:rPr lang="en-US" altLang="ko-KR" sz="1100" dirty="0" smtClean="0">
+              <a:rPr lang="en-US" altLang="ko-KR" sz="1100" dirty="0">
                 <a:hlinkClick r:id="rId5"/>
               </a:rPr>
               <a:t>http://ehpub.co.kr/1-%EC%86%8C%EA%B0%9C-%EC%9E%90%EB%A3%8C%EA%B5%AC%EC%A1%B0%EC%99%80-%EC%95%8C%EA%B3%A0%EB%A6%AC%EC%A6%98-with-c/</a:t>
@@ -5626,10 +10780,9 @@
           <a:lstStyle/>
           <a:p>
             <a:r>
-              <a:rPr lang="ko-KR" altLang="en-US" dirty="0" smtClean="0"/>
+              <a:rPr lang="ko-KR" altLang="en-US" dirty="0"/>
               <a:t>컴퓨터의 발전</a:t>
             </a:r>
-            <a:endParaRPr lang="ko-KR" altLang="en-US" dirty="0"/>
           </a:p>
         </p:txBody>
       </p:sp>
@@ -5681,7 +10834,7 @@
           <a:p>
             <a:pPr algn="ctr"/>
             <a:r>
-              <a:rPr lang="ko-KR" altLang="en-US" sz="2400" b="1" smtClean="0">
+              <a:rPr lang="ko-KR" altLang="en-US" sz="2400" b="1">
                 <a:solidFill>
                   <a:schemeClr val="tx1"/>
                 </a:solidFill>
@@ -5744,18 +10897,13 @@
           <a:p>
             <a:pPr algn="ctr"/>
             <a:r>
-              <a:rPr lang="ko-KR" altLang="en-US" sz="2400" b="1" dirty="0" smtClean="0">
+              <a:rPr lang="ko-KR" altLang="en-US" sz="2400" b="1" dirty="0">
                 <a:solidFill>
                   <a:schemeClr val="tx1"/>
                 </a:solidFill>
               </a:rPr>
               <a:t>전기 기술의 발전</a:t>
             </a:r>
-            <a:endParaRPr lang="ko-KR" altLang="en-US" sz="2400" b="1" dirty="0">
-              <a:solidFill>
-                <a:schemeClr val="tx1"/>
-              </a:solidFill>
-            </a:endParaRPr>
           </a:p>
         </p:txBody>
       </p:sp>
@@ -5807,18 +10955,13 @@
           <a:p>
             <a:pPr algn="ctr"/>
             <a:r>
-              <a:rPr lang="ko-KR" altLang="en-US" sz="2400" b="1" dirty="0" smtClean="0">
+              <a:rPr lang="ko-KR" altLang="en-US" sz="2400" b="1" dirty="0">
                 <a:solidFill>
                   <a:schemeClr val="tx1"/>
                 </a:solidFill>
               </a:rPr>
               <a:t>디지털 논리회로</a:t>
             </a:r>
-            <a:endParaRPr lang="ko-KR" altLang="en-US" sz="2400" b="1" dirty="0">
-              <a:solidFill>
-                <a:schemeClr val="tx1"/>
-              </a:solidFill>
-            </a:endParaRPr>
           </a:p>
         </p:txBody>
       </p:sp>
@@ -5870,18 +11013,13 @@
           <a:p>
             <a:pPr algn="ctr"/>
             <a:r>
-              <a:rPr lang="ko-KR" altLang="en-US" sz="2400" b="1" dirty="0" smtClean="0">
+              <a:rPr lang="ko-KR" altLang="en-US" sz="2400" b="1" dirty="0">
                 <a:solidFill>
                   <a:schemeClr val="tx1"/>
                 </a:solidFill>
               </a:rPr>
               <a:t>튜링 기계 </a:t>
             </a:r>
-            <a:endParaRPr lang="ko-KR" altLang="en-US" sz="2400" b="1" dirty="0">
-              <a:solidFill>
-                <a:schemeClr val="tx1"/>
-              </a:solidFill>
-            </a:endParaRPr>
           </a:p>
         </p:txBody>
       </p:sp>
@@ -5933,18 +11071,13 @@
           <a:p>
             <a:pPr algn="ctr"/>
             <a:r>
-              <a:rPr lang="ko-KR" altLang="en-US" sz="2400" b="1" dirty="0" smtClean="0">
+              <a:rPr lang="ko-KR" altLang="en-US" sz="2400" b="1" dirty="0">
                 <a:solidFill>
                   <a:schemeClr val="tx1"/>
                 </a:solidFill>
               </a:rPr>
               <a:t>현대 컴퓨터</a:t>
             </a:r>
-            <a:endParaRPr lang="ko-KR" altLang="en-US" sz="2400" b="1" dirty="0">
-              <a:solidFill>
-                <a:schemeClr val="tx1"/>
-              </a:solidFill>
-            </a:endParaRPr>
           </a:p>
         </p:txBody>
       </p:sp>
@@ -5994,10 +11127,9 @@
           <a:lstStyle/>
           <a:p>
             <a:r>
-              <a:rPr lang="ko-KR" altLang="en-US" dirty="0" smtClean="0"/>
+              <a:rPr lang="ko-KR" altLang="en-US" dirty="0"/>
               <a:t>컴퓨터의 작동 원리</a:t>
             </a:r>
-            <a:endParaRPr lang="ko-KR" altLang="en-US" dirty="0"/>
           </a:p>
         </p:txBody>
       </p:sp>
@@ -6024,10 +11156,10 @@
           <a:lstStyle/>
           <a:p>
             <a:r>
-              <a:rPr lang="ko-KR" altLang="en-US" b="1" dirty="0" smtClean="0"/>
+              <a:rPr lang="ko-KR" altLang="en-US" b="1" dirty="0"/>
               <a:t>현대 컴퓨터의 작동 순서</a:t>
             </a:r>
-            <a:endParaRPr lang="en-US" altLang="ko-KR" b="1" dirty="0" smtClean="0"/>
+            <a:endParaRPr lang="en-US" altLang="ko-KR" b="1" dirty="0"/>
           </a:p>
           <a:p>
             <a:pPr marL="514350" indent="-514350">
@@ -6038,10 +11170,10 @@
               <a:buAutoNum type="circleNumDbPlain"/>
             </a:pPr>
             <a:r>
-              <a:rPr lang="ko-KR" altLang="en-US" sz="2400" dirty="0" smtClean="0"/>
+              <a:rPr lang="ko-KR" altLang="en-US" sz="2400" dirty="0"/>
               <a:t>메모리에서 읽고</a:t>
             </a:r>
-            <a:endParaRPr lang="en-US" altLang="ko-KR" sz="2400" dirty="0" smtClean="0"/>
+            <a:endParaRPr lang="en-US" altLang="ko-KR" sz="2400" dirty="0"/>
           </a:p>
           <a:p>
             <a:pPr marL="514350" indent="-514350">
@@ -6052,30 +11184,30 @@
               <a:buAutoNum type="circleNumDbPlain"/>
             </a:pPr>
             <a:r>
-              <a:rPr lang="ko-KR" altLang="en-US" sz="2400" dirty="0" smtClean="0"/>
+              <a:rPr lang="ko-KR" altLang="en-US" sz="2400" dirty="0"/>
               <a:t>상태 기억 회로</a:t>
             </a:r>
             <a:r>
-              <a:rPr lang="en-US" altLang="ko-KR" sz="2400" dirty="0" smtClean="0"/>
+              <a:rPr lang="en-US" altLang="ko-KR" sz="2400" dirty="0"/>
               <a:t>(</a:t>
             </a:r>
             <a:r>
-              <a:rPr lang="ko-KR" altLang="en-US" sz="2400" dirty="0" smtClean="0"/>
+              <a:rPr lang="ko-KR" altLang="en-US" sz="2400" dirty="0"/>
               <a:t>레지스터</a:t>
             </a:r>
             <a:r>
-              <a:rPr lang="en-US" altLang="ko-KR" sz="2400" dirty="0" smtClean="0"/>
+              <a:rPr lang="en-US" altLang="ko-KR" sz="2400" dirty="0"/>
               <a:t>)</a:t>
             </a:r>
             <a:r>
-              <a:rPr lang="ko-KR" altLang="en-US" sz="2400" dirty="0" smtClean="0"/>
+              <a:rPr lang="ko-KR" altLang="en-US" sz="2400" dirty="0"/>
               <a:t>에서 상태를 </a:t>
             </a:r>
             <a:r>
-              <a:rPr lang="ko-KR" altLang="en-US" sz="2400" dirty="0" err="1" smtClean="0"/>
+              <a:rPr lang="ko-KR" altLang="en-US" sz="2400" dirty="0" err="1"/>
               <a:t>입력받고</a:t>
             </a:r>
-            <a:endParaRPr lang="en-US" altLang="ko-KR" sz="2400" dirty="0" smtClean="0"/>
+            <a:endParaRPr lang="en-US" altLang="ko-KR" sz="2400" dirty="0"/>
           </a:p>
           <a:p>
             <a:pPr marL="514350" indent="-514350">
@@ -6086,22 +11218,22 @@
               <a:buAutoNum type="circleNumDbPlain"/>
             </a:pPr>
             <a:r>
-              <a:rPr lang="ko-KR" altLang="en-US" sz="2400" dirty="0" err="1" smtClean="0"/>
+              <a:rPr lang="ko-KR" altLang="en-US" sz="2400" dirty="0" err="1"/>
               <a:t>규칙표</a:t>
             </a:r>
             <a:r>
-              <a:rPr lang="ko-KR" altLang="en-US" sz="2400" dirty="0" smtClean="0"/>
+              <a:rPr lang="ko-KR" altLang="en-US" sz="2400" dirty="0"/>
               <a:t> 논리 회로</a:t>
             </a:r>
             <a:r>
-              <a:rPr lang="en-US" altLang="ko-KR" sz="2400" dirty="0" smtClean="0"/>
+              <a:rPr lang="en-US" altLang="ko-KR" sz="2400" dirty="0"/>
               <a:t>(CPU)</a:t>
             </a:r>
             <a:r>
-              <a:rPr lang="ko-KR" altLang="en-US" sz="2400" dirty="0" smtClean="0"/>
+              <a:rPr lang="ko-KR" altLang="en-US" sz="2400" dirty="0"/>
               <a:t>에서 연산을 한 후에</a:t>
             </a:r>
-            <a:endParaRPr lang="en-US" altLang="ko-KR" sz="2400" dirty="0" smtClean="0"/>
+            <a:endParaRPr lang="en-US" altLang="ko-KR" sz="2400" dirty="0"/>
           </a:p>
           <a:p>
             <a:pPr marL="514350" indent="-514350">
@@ -6112,10 +11244,9 @@
               <a:buAutoNum type="circleNumDbPlain"/>
             </a:pPr>
             <a:r>
-              <a:rPr lang="ko-KR" altLang="en-US" sz="2400" dirty="0" smtClean="0"/>
+              <a:rPr lang="ko-KR" altLang="en-US" sz="2400" dirty="0"/>
               <a:t>메모리를 쓸 내용과 상태 기억 회로에 쓸 내용 출력</a:t>
             </a:r>
-            <a:endParaRPr lang="ko-KR" altLang="en-US" sz="2400" dirty="0"/>
           </a:p>
         </p:txBody>
       </p:sp>
@@ -6306,14 +11437,14 @@
           </a:lstStyle>
           <a:p>
             <a:r>
-              <a:rPr lang="ko-KR" altLang="en-US" b="1" dirty="0" err="1" smtClean="0"/>
+              <a:rPr lang="ko-KR" altLang="en-US" b="1" dirty="0" err="1"/>
               <a:t>튜링기계의</a:t>
             </a:r>
             <a:r>
-              <a:rPr lang="ko-KR" altLang="en-US" b="1" dirty="0" smtClean="0"/>
+              <a:rPr lang="ko-KR" altLang="en-US" b="1" dirty="0"/>
               <a:t> 작동 순서</a:t>
             </a:r>
-            <a:endParaRPr lang="en-US" altLang="ko-KR" b="1" dirty="0" smtClean="0"/>
+            <a:endParaRPr lang="en-US" altLang="ko-KR" b="1" dirty="0"/>
           </a:p>
           <a:p>
             <a:pPr marL="514350" indent="-514350">
@@ -6324,10 +11455,10 @@
               <a:buAutoNum type="circleNumDbPlain"/>
             </a:pPr>
             <a:r>
-              <a:rPr lang="ko-KR" altLang="en-US" sz="2400" dirty="0" smtClean="0"/>
+              <a:rPr lang="ko-KR" altLang="en-US" sz="2400" dirty="0"/>
               <a:t>테이프에서 읽고</a:t>
             </a:r>
-            <a:endParaRPr lang="en-US" altLang="ko-KR" sz="2400" dirty="0" smtClean="0"/>
+            <a:endParaRPr lang="en-US" altLang="ko-KR" sz="2400" dirty="0"/>
           </a:p>
           <a:p>
             <a:pPr marL="514350" indent="-514350">
@@ -6338,10 +11469,10 @@
               <a:buAutoNum type="circleNumDbPlain"/>
             </a:pPr>
             <a:r>
-              <a:rPr lang="ko-KR" altLang="en-US" sz="2400" dirty="0" smtClean="0"/>
+              <a:rPr lang="ko-KR" altLang="en-US" sz="2400" dirty="0"/>
               <a:t>이전 입출력 헤드의 값을 읽은 후</a:t>
             </a:r>
-            <a:endParaRPr lang="en-US" altLang="ko-KR" sz="2400" dirty="0" smtClean="0"/>
+            <a:endParaRPr lang="en-US" altLang="ko-KR" sz="2400" dirty="0"/>
           </a:p>
           <a:p>
             <a:pPr marL="514350" indent="-514350">
@@ -6352,10 +11483,10 @@
               <a:buAutoNum type="circleNumDbPlain"/>
             </a:pPr>
             <a:r>
-              <a:rPr lang="ko-KR" altLang="en-US" sz="2400" dirty="0" smtClean="0"/>
+              <a:rPr lang="ko-KR" altLang="en-US" sz="2400" dirty="0"/>
               <a:t>제어 장치의 규칙에 따라 연산</a:t>
             </a:r>
-            <a:endParaRPr lang="en-US" altLang="ko-KR" sz="2400" dirty="0" smtClean="0"/>
+            <a:endParaRPr lang="en-US" altLang="ko-KR" sz="2400" dirty="0"/>
           </a:p>
           <a:p>
             <a:pPr marL="514350" indent="-514350">
@@ -6366,7 +11497,7 @@
               <a:buAutoNum type="circleNumDbPlain"/>
             </a:pPr>
             <a:r>
-              <a:rPr lang="ko-KR" altLang="en-US" sz="2400" dirty="0" smtClean="0"/>
+              <a:rPr lang="ko-KR" altLang="en-US" sz="2400" dirty="0"/>
               <a:t>연산한 내용이 테이프와 입출력 헤드에 영향을 줌</a:t>
             </a:r>
             <a:endParaRPr lang="ko-KR" altLang="en-US" dirty="0"/>
@@ -6419,10 +11550,9 @@
           <a:lstStyle/>
           <a:p>
             <a:r>
-              <a:rPr lang="ko-KR" altLang="en-US" dirty="0" smtClean="0"/>
+              <a:rPr lang="ko-KR" altLang="en-US" dirty="0"/>
               <a:t>프로그래밍과 알고리즘</a:t>
             </a:r>
-            <a:endParaRPr lang="ko-KR" altLang="en-US" dirty="0"/>
           </a:p>
         </p:txBody>
       </p:sp>
@@ -6444,111 +11574,111 @@
           <a:lstStyle/>
           <a:p>
             <a:r>
-              <a:rPr lang="ko-KR" altLang="en-US" sz="2400" b="1" dirty="0" smtClean="0"/>
+              <a:rPr lang="ko-KR" altLang="en-US" sz="2400" b="1" dirty="0"/>
               <a:t>프로그래밍</a:t>
             </a:r>
             <a:r>
-              <a:rPr lang="ko-KR" altLang="en-US" sz="2400" dirty="0" smtClean="0"/>
+              <a:rPr lang="ko-KR" altLang="en-US" sz="2400" dirty="0"/>
               <a:t>은 프로그램을 기획하거나 작성하는 과정</a:t>
             </a:r>
-            <a:endParaRPr lang="en-US" altLang="ko-KR" sz="2400" dirty="0" smtClean="0"/>
-          </a:p>
-          <a:p>
-            <a:r>
-              <a:rPr lang="ko-KR" altLang="en-US" sz="2400" dirty="0" smtClean="0"/>
+            <a:endParaRPr lang="en-US" altLang="ko-KR" sz="2400" dirty="0"/>
+          </a:p>
+          <a:p>
+            <a:r>
+              <a:rPr lang="ko-KR" altLang="en-US" sz="2400" dirty="0"/>
               <a:t>즉</a:t>
             </a:r>
             <a:r>
-              <a:rPr lang="en-US" altLang="ko-KR" sz="2400" dirty="0" smtClean="0"/>
+              <a:rPr lang="en-US" altLang="ko-KR" sz="2400" dirty="0"/>
               <a:t>,</a:t>
             </a:r>
             <a:r>
-              <a:rPr lang="ko-KR" altLang="en-US" sz="2400" dirty="0" smtClean="0"/>
+              <a:rPr lang="ko-KR" altLang="en-US" sz="2400" dirty="0"/>
               <a:t> 컴퓨터가 수행하는 작업을 단위 작업으로 분류하고 처리 순서를 정하는 과정</a:t>
             </a:r>
-            <a:endParaRPr lang="en-US" altLang="ko-KR" sz="2400" dirty="0" smtClean="0"/>
+            <a:endParaRPr lang="en-US" altLang="ko-KR" sz="2400" dirty="0"/>
           </a:p>
           <a:p>
             <a:pPr lvl="1"/>
             <a:r>
-              <a:rPr lang="ko-KR" altLang="en-US" sz="2000" dirty="0" smtClean="0"/>
+              <a:rPr lang="ko-KR" altLang="en-US" sz="2000" dirty="0"/>
               <a:t>단위 작업의 예</a:t>
             </a:r>
-            <a:endParaRPr lang="en-US" altLang="ko-KR" sz="2000" dirty="0" smtClean="0"/>
+            <a:endParaRPr lang="en-US" altLang="ko-KR" sz="2000" dirty="0"/>
           </a:p>
           <a:p>
             <a:pPr lvl="2"/>
             <a:r>
-              <a:rPr lang="ko-KR" altLang="en-US" sz="1800" dirty="0" smtClean="0"/>
+              <a:rPr lang="ko-KR" altLang="en-US" sz="1800" dirty="0"/>
               <a:t>데이터 타입 선언</a:t>
             </a:r>
-            <a:endParaRPr lang="en-US" altLang="ko-KR" sz="1800" dirty="0" smtClean="0"/>
+            <a:endParaRPr lang="en-US" altLang="ko-KR" sz="1800" dirty="0"/>
           </a:p>
           <a:p>
             <a:pPr lvl="2"/>
             <a:r>
-              <a:rPr lang="ko-KR" altLang="en-US" sz="1800" dirty="0" smtClean="0"/>
+              <a:rPr lang="ko-KR" altLang="en-US" sz="1800" dirty="0"/>
               <a:t>데이터 입</a:t>
             </a:r>
             <a:r>
-              <a:rPr lang="en-US" altLang="ko-KR" sz="1800" dirty="0" smtClean="0"/>
+              <a:rPr lang="en-US" altLang="ko-KR" sz="1800" dirty="0"/>
               <a:t>/</a:t>
             </a:r>
             <a:r>
-              <a:rPr lang="ko-KR" altLang="en-US" sz="1800" dirty="0" smtClean="0"/>
+              <a:rPr lang="ko-KR" altLang="en-US" sz="1800" dirty="0"/>
               <a:t>출력</a:t>
             </a:r>
-            <a:endParaRPr lang="en-US" altLang="ko-KR" sz="1800" dirty="0" smtClean="0"/>
+            <a:endParaRPr lang="en-US" altLang="ko-KR" sz="1800" dirty="0"/>
           </a:p>
           <a:p>
             <a:pPr lvl="2"/>
             <a:r>
-              <a:rPr lang="ko-KR" altLang="en-US" sz="1800" dirty="0" smtClean="0"/>
+              <a:rPr lang="ko-KR" altLang="en-US" sz="1800" dirty="0"/>
               <a:t>데이터 저장</a:t>
             </a:r>
-            <a:endParaRPr lang="en-US" altLang="ko-KR" sz="1800" dirty="0" smtClean="0"/>
+            <a:endParaRPr lang="en-US" altLang="ko-KR" sz="1800" dirty="0"/>
           </a:p>
           <a:p>
             <a:pPr lvl="2"/>
             <a:r>
-              <a:rPr lang="ko-KR" altLang="en-US" sz="1800" dirty="0" smtClean="0"/>
+              <a:rPr lang="ko-KR" altLang="en-US" sz="1800" dirty="0"/>
               <a:t>데이터 조작</a:t>
             </a:r>
-            <a:endParaRPr lang="en-US" altLang="ko-KR" sz="1800" dirty="0" smtClean="0"/>
+            <a:endParaRPr lang="en-US" altLang="ko-KR" sz="1800" dirty="0"/>
           </a:p>
           <a:p>
             <a:pPr lvl="2"/>
             <a:r>
-              <a:rPr lang="ko-KR" altLang="en-US" sz="1800" dirty="0" smtClean="0"/>
+              <a:rPr lang="ko-KR" altLang="en-US" sz="1800" dirty="0"/>
               <a:t>데이터 전달</a:t>
             </a:r>
-            <a:endParaRPr lang="en-US" altLang="ko-KR" sz="1800" dirty="0" smtClean="0"/>
-          </a:p>
-          <a:p>
-            <a:r>
-              <a:rPr lang="ko-KR" altLang="en-US" sz="2400" dirty="0" smtClean="0"/>
+            <a:endParaRPr lang="en-US" altLang="ko-KR" sz="1800" dirty="0"/>
+          </a:p>
+          <a:p>
+            <a:r>
+              <a:rPr lang="ko-KR" altLang="en-US" sz="2400" dirty="0"/>
               <a:t>주어진 과제들을 단위작업으로 나누고 나눈 단위 작업의 처리 절차를 효과적으로 기술하는 것이 중요</a:t>
             </a:r>
             <a:r>
-              <a:rPr lang="en-US" altLang="ko-KR" sz="2400" dirty="0" smtClean="0"/>
+              <a:rPr lang="en-US" altLang="ko-KR" sz="2400" dirty="0"/>
               <a:t>.</a:t>
             </a:r>
           </a:p>
           <a:p>
             <a:r>
-              <a:rPr lang="ko-KR" altLang="en-US" sz="2400" dirty="0" smtClean="0"/>
+              <a:rPr lang="ko-KR" altLang="en-US" sz="2400" dirty="0"/>
               <a:t>이 과정을 </a:t>
             </a:r>
             <a:r>
-              <a:rPr lang="ko-KR" altLang="en-US" sz="2400" b="1" dirty="0" smtClean="0"/>
+              <a:rPr lang="ko-KR" altLang="en-US" sz="2400" b="1" dirty="0"/>
               <a:t>알고리즘</a:t>
             </a:r>
             <a:r>
-              <a:rPr lang="ko-KR" altLang="en-US" sz="2400" dirty="0" smtClean="0"/>
+              <a:rPr lang="ko-KR" altLang="en-US" sz="2400" dirty="0"/>
               <a:t>이라 함</a:t>
             </a:r>
             <a:r>
-              <a:rPr lang="en-US" altLang="ko-KR" sz="2400" dirty="0" smtClean="0"/>
+              <a:rPr lang="en-US" altLang="ko-KR" sz="2400" dirty="0"/>
               <a:t>.</a:t>
             </a:r>
             <a:endParaRPr lang="ko-KR" altLang="en-US" sz="2400" dirty="0"/>

--- a/1st_study.pptx
+++ b/1st_study.pptx
@@ -23,6 +23,8 @@
     <p:sldId id="271" r:id="rId17"/>
     <p:sldId id="272" r:id="rId18"/>
     <p:sldId id="273" r:id="rId19"/>
+    <p:sldId id="274" r:id="rId20"/>
+    <p:sldId id="275" r:id="rId21"/>
   </p:sldIdLst>
   <p:sldSz cx="12192000" cy="6858000"/>
   <p:notesSz cx="6858000" cy="9144000"/>
@@ -123,7 +125,13 @@
   </p:defaultTextStyle>
   <p:extLst>
     <p:ext uri="{EFAFB233-063F-42B5-8137-9DF3F51BA10A}">
-      <p15:sldGuideLst xmlns:p15="http://schemas.microsoft.com/office/powerpoint/2012/main"/>
+      <p15:sldGuideLst xmlns:p15="http://schemas.microsoft.com/office/powerpoint/2012/main">
+        <p15:guide id="1" pos="3069" userDrawn="1">
+          <p15:clr>
+            <a:srgbClr val="A4A3A4"/>
+          </p15:clr>
+        </p15:guide>
+      </p15:sldGuideLst>
     </p:ext>
   </p:extLst>
 </p:presentation>
@@ -258,7 +266,7 @@
           <a:p>
             <a:fld id="{95EEA876-5273-4CAB-BA26-F236DBAE536A}" type="datetimeFigureOut">
               <a:rPr lang="ko-KR" altLang="en-US" smtClean="0"/>
-              <a:t>2019-11-21</a:t>
+              <a:t>2019-11-23</a:t>
             </a:fld>
             <a:endParaRPr lang="ko-KR" altLang="en-US"/>
           </a:p>
@@ -426,7 +434,7 @@
           <a:p>
             <a:fld id="{95EEA876-5273-4CAB-BA26-F236DBAE536A}" type="datetimeFigureOut">
               <a:rPr lang="ko-KR" altLang="en-US" smtClean="0"/>
-              <a:t>2019-11-21</a:t>
+              <a:t>2019-11-23</a:t>
             </a:fld>
             <a:endParaRPr lang="ko-KR" altLang="en-US"/>
           </a:p>
@@ -604,7 +612,7 @@
           <a:p>
             <a:fld id="{95EEA876-5273-4CAB-BA26-F236DBAE536A}" type="datetimeFigureOut">
               <a:rPr lang="ko-KR" altLang="en-US" smtClean="0"/>
-              <a:t>2019-11-21</a:t>
+              <a:t>2019-11-23</a:t>
             </a:fld>
             <a:endParaRPr lang="ko-KR" altLang="en-US"/>
           </a:p>
@@ -772,7 +780,7 @@
           <a:p>
             <a:fld id="{95EEA876-5273-4CAB-BA26-F236DBAE536A}" type="datetimeFigureOut">
               <a:rPr lang="ko-KR" altLang="en-US" smtClean="0"/>
-              <a:t>2019-11-21</a:t>
+              <a:t>2019-11-23</a:t>
             </a:fld>
             <a:endParaRPr lang="ko-KR" altLang="en-US"/>
           </a:p>
@@ -1017,7 +1025,7 @@
           <a:p>
             <a:fld id="{95EEA876-5273-4CAB-BA26-F236DBAE536A}" type="datetimeFigureOut">
               <a:rPr lang="ko-KR" altLang="en-US" smtClean="0"/>
-              <a:t>2019-11-21</a:t>
+              <a:t>2019-11-23</a:t>
             </a:fld>
             <a:endParaRPr lang="ko-KR" altLang="en-US"/>
           </a:p>
@@ -1246,7 +1254,7 @@
           <a:p>
             <a:fld id="{95EEA876-5273-4CAB-BA26-F236DBAE536A}" type="datetimeFigureOut">
               <a:rPr lang="ko-KR" altLang="en-US" smtClean="0"/>
-              <a:t>2019-11-21</a:t>
+              <a:t>2019-11-23</a:t>
             </a:fld>
             <a:endParaRPr lang="ko-KR" altLang="en-US"/>
           </a:p>
@@ -1610,7 +1618,7 @@
           <a:p>
             <a:fld id="{95EEA876-5273-4CAB-BA26-F236DBAE536A}" type="datetimeFigureOut">
               <a:rPr lang="ko-KR" altLang="en-US" smtClean="0"/>
-              <a:t>2019-11-21</a:t>
+              <a:t>2019-11-23</a:t>
             </a:fld>
             <a:endParaRPr lang="ko-KR" altLang="en-US"/>
           </a:p>
@@ -1727,7 +1735,7 @@
           <a:p>
             <a:fld id="{95EEA876-5273-4CAB-BA26-F236DBAE536A}" type="datetimeFigureOut">
               <a:rPr lang="ko-KR" altLang="en-US" smtClean="0"/>
-              <a:t>2019-11-21</a:t>
+              <a:t>2019-11-23</a:t>
             </a:fld>
             <a:endParaRPr lang="ko-KR" altLang="en-US"/>
           </a:p>
@@ -1822,7 +1830,7 @@
           <a:p>
             <a:fld id="{95EEA876-5273-4CAB-BA26-F236DBAE536A}" type="datetimeFigureOut">
               <a:rPr lang="ko-KR" altLang="en-US" smtClean="0"/>
-              <a:t>2019-11-21</a:t>
+              <a:t>2019-11-23</a:t>
             </a:fld>
             <a:endParaRPr lang="ko-KR" altLang="en-US"/>
           </a:p>
@@ -2097,7 +2105,7 @@
           <a:p>
             <a:fld id="{95EEA876-5273-4CAB-BA26-F236DBAE536A}" type="datetimeFigureOut">
               <a:rPr lang="ko-KR" altLang="en-US" smtClean="0"/>
-              <a:t>2019-11-21</a:t>
+              <a:t>2019-11-23</a:t>
             </a:fld>
             <a:endParaRPr lang="ko-KR" altLang="en-US"/>
           </a:p>
@@ -2349,7 +2357,7 @@
           <a:p>
             <a:fld id="{95EEA876-5273-4CAB-BA26-F236DBAE536A}" type="datetimeFigureOut">
               <a:rPr lang="ko-KR" altLang="en-US" smtClean="0"/>
-              <a:t>2019-11-21</a:t>
+              <a:t>2019-11-23</a:t>
             </a:fld>
             <a:endParaRPr lang="ko-KR" altLang="en-US"/>
           </a:p>
@@ -2560,7 +2568,7 @@
           <a:p>
             <a:fld id="{95EEA876-5273-4CAB-BA26-F236DBAE536A}" type="datetimeFigureOut">
               <a:rPr lang="ko-KR" altLang="en-US" smtClean="0"/>
-              <a:t>2019-11-21</a:t>
+              <a:t>2019-11-23</a:t>
             </a:fld>
             <a:endParaRPr lang="ko-KR" altLang="en-US"/>
           </a:p>
@@ -2984,6 +2992,10 @@
               <a:rPr lang="ko-KR" altLang="en-US" sz="4400" dirty="0"/>
               <a:t>그림으로 정리하는 </a:t>
             </a:r>
+            <a:r>
+              <a:rPr lang="en-US" altLang="ko-KR" dirty="0"/>
+              <a:t/>
+            </a:r>
             <a:br>
               <a:rPr lang="en-US" altLang="ko-KR" dirty="0"/>
             </a:br>
@@ -3157,6 +3169,10 @@
             <a:r>
               <a:rPr lang="ko-KR" altLang="en-US" dirty="0"/>
               <a:t>은 주어진 문제를 해결하기 위한 절차</a:t>
+            </a:r>
+            <a:r>
+              <a:rPr lang="en-US" altLang="ko-KR" dirty="0"/>
+              <a:t/>
             </a:r>
             <a:br>
               <a:rPr lang="en-US" altLang="ko-KR" dirty="0"/>
@@ -8389,7 +8405,7 @@
           <p:nvPr>
             <p:extLst>
               <p:ext uri="{D42A27DB-BD31-4B8C-83A1-F6EECF244321}">
-                <p14:modId xmlns:p14="http://schemas.microsoft.com/office/powerpoint/2010/main" val="257025197"/>
+                <p14:modId xmlns:p14="http://schemas.microsoft.com/office/powerpoint/2010/main" val="316304939"/>
               </p:ext>
             </p:extLst>
           </p:nvPr>
@@ -9629,28 +9645,1206 @@
           </a:p>
         </p:txBody>
       </p:sp>
-      <p:sp>
-        <p:nvSpPr>
-          <p:cNvPr id="3" name="내용 개체 틀 2">
+      <p:graphicFrame>
+        <p:nvGraphicFramePr>
+          <p:cNvPr id="4" name="표 5">
             <a:extLst>
               <a:ext uri="{FF2B5EF4-FFF2-40B4-BE49-F238E27FC236}">
-                <a16:creationId xmlns:a16="http://schemas.microsoft.com/office/drawing/2014/main" id="{FB1F7ECD-1C84-4C2B-B2D0-85C92BB63215}"/>
+                <a16:creationId xmlns:a16="http://schemas.microsoft.com/office/drawing/2014/main" id="{3D9414C9-422A-4367-B83D-30BA9896DAE3}"/>
               </a:ext>
             </a:extLst>
           </p:cNvPr>
-          <p:cNvSpPr>
-            <a:spLocks noGrp="1"/>
-          </p:cNvSpPr>
+          <p:cNvGraphicFramePr>
+            <a:graphicFrameLocks noGrp="1"/>
+          </p:cNvGraphicFramePr>
           <p:nvPr>
-            <p:ph idx="1"/>
+            <p:extLst>
+              <p:ext uri="{D42A27DB-BD31-4B8C-83A1-F6EECF244321}">
+                <p14:modId xmlns:p14="http://schemas.microsoft.com/office/powerpoint/2010/main" val="3087114090"/>
+              </p:ext>
+            </p:extLst>
           </p:nvPr>
+        </p:nvGraphicFramePr>
+        <p:xfrm>
+          <a:off x="2032000" y="4565809"/>
+          <a:ext cx="8128000" cy="370840"/>
+        </p:xfrm>
+        <a:graphic>
+          <a:graphicData uri="http://schemas.openxmlformats.org/drawingml/2006/table">
+            <a:tbl>
+              <a:tblPr firstRow="1" bandRow="1">
+                <a:tableStyleId>{5C22544A-7EE6-4342-B048-85BDC9FD1C3A}</a:tableStyleId>
+              </a:tblPr>
+              <a:tblGrid>
+                <a:gridCol w="1016000">
+                  <a:extLst>
+                    <a:ext uri="{9D8B030D-6E8A-4147-A177-3AD203B41FA5}">
+                      <a16:colId xmlns:a16="http://schemas.microsoft.com/office/drawing/2014/main" val="422949941"/>
+                    </a:ext>
+                  </a:extLst>
+                </a:gridCol>
+                <a:gridCol w="1016000">
+                  <a:extLst>
+                    <a:ext uri="{9D8B030D-6E8A-4147-A177-3AD203B41FA5}">
+                      <a16:colId xmlns:a16="http://schemas.microsoft.com/office/drawing/2014/main" val="1888211109"/>
+                    </a:ext>
+                  </a:extLst>
+                </a:gridCol>
+                <a:gridCol w="1016000">
+                  <a:extLst>
+                    <a:ext uri="{9D8B030D-6E8A-4147-A177-3AD203B41FA5}">
+                      <a16:colId xmlns:a16="http://schemas.microsoft.com/office/drawing/2014/main" val="3675358557"/>
+                    </a:ext>
+                  </a:extLst>
+                </a:gridCol>
+                <a:gridCol w="1016000">
+                  <a:extLst>
+                    <a:ext uri="{9D8B030D-6E8A-4147-A177-3AD203B41FA5}">
+                      <a16:colId xmlns:a16="http://schemas.microsoft.com/office/drawing/2014/main" val="2341215234"/>
+                    </a:ext>
+                  </a:extLst>
+                </a:gridCol>
+                <a:gridCol w="1016000">
+                  <a:extLst>
+                    <a:ext uri="{9D8B030D-6E8A-4147-A177-3AD203B41FA5}">
+                      <a16:colId xmlns:a16="http://schemas.microsoft.com/office/drawing/2014/main" val="3718261339"/>
+                    </a:ext>
+                  </a:extLst>
+                </a:gridCol>
+                <a:gridCol w="1016000">
+                  <a:extLst>
+                    <a:ext uri="{9D8B030D-6E8A-4147-A177-3AD203B41FA5}">
+                      <a16:colId xmlns:a16="http://schemas.microsoft.com/office/drawing/2014/main" val="2215473244"/>
+                    </a:ext>
+                  </a:extLst>
+                </a:gridCol>
+                <a:gridCol w="1016000">
+                  <a:extLst>
+                    <a:ext uri="{9D8B030D-6E8A-4147-A177-3AD203B41FA5}">
+                      <a16:colId xmlns:a16="http://schemas.microsoft.com/office/drawing/2014/main" val="4106026957"/>
+                    </a:ext>
+                  </a:extLst>
+                </a:gridCol>
+                <a:gridCol w="1016000">
+                  <a:extLst>
+                    <a:ext uri="{9D8B030D-6E8A-4147-A177-3AD203B41FA5}">
+                      <a16:colId xmlns:a16="http://schemas.microsoft.com/office/drawing/2014/main" val="2810815576"/>
+                    </a:ext>
+                  </a:extLst>
+                </a:gridCol>
+              </a:tblGrid>
+              <a:tr h="370840">
+                <a:tc>
+                  <a:txBody>
+                    <a:bodyPr/>
+                    <a:lstStyle/>
+                    <a:p>
+                      <a:pPr algn="ctr" latinLnBrk="1"/>
+                      <a:r>
+                        <a:rPr lang="en-US" altLang="ko-KR" dirty="0">
+                          <a:solidFill>
+                            <a:sysClr val="windowText" lastClr="000000"/>
+                          </a:solidFill>
+                        </a:rPr>
+                        <a:t>1</a:t>
+                      </a:r>
+                      <a:endParaRPr lang="ko-KR" altLang="en-US" dirty="0">
+                        <a:solidFill>
+                          <a:sysClr val="windowText" lastClr="000000"/>
+                        </a:solidFill>
+                      </a:endParaRPr>
+                    </a:p>
+                  </a:txBody>
+                  <a:tcPr anchor="ctr">
+                    <a:lnL w="12700" cap="flat" cmpd="sng" algn="ctr">
+                      <a:solidFill>
+                        <a:schemeClr val="tx1"/>
+                      </a:solidFill>
+                      <a:prstDash val="solid"/>
+                      <a:round/>
+                      <a:headEnd type="none" w="med" len="med"/>
+                      <a:tailEnd type="none" w="med" len="med"/>
+                    </a:lnL>
+                    <a:lnR w="12700" cap="flat" cmpd="sng" algn="ctr">
+                      <a:solidFill>
+                        <a:schemeClr val="tx1"/>
+                      </a:solidFill>
+                      <a:prstDash val="solid"/>
+                      <a:round/>
+                      <a:headEnd type="none" w="med" len="med"/>
+                      <a:tailEnd type="none" w="med" len="med"/>
+                    </a:lnR>
+                    <a:lnT w="12700" cap="flat" cmpd="sng" algn="ctr">
+                      <a:solidFill>
+                        <a:schemeClr val="tx1"/>
+                      </a:solidFill>
+                      <a:prstDash val="solid"/>
+                      <a:round/>
+                      <a:headEnd type="none" w="med" len="med"/>
+                      <a:tailEnd type="none" w="med" len="med"/>
+                    </a:lnT>
+                    <a:lnB w="12700" cap="flat" cmpd="sng" algn="ctr">
+                      <a:solidFill>
+                        <a:schemeClr val="tx1"/>
+                      </a:solidFill>
+                      <a:prstDash val="solid"/>
+                      <a:round/>
+                      <a:headEnd type="none" w="med" len="med"/>
+                      <a:tailEnd type="none" w="med" len="med"/>
+                    </a:lnB>
+                    <a:solidFill>
+                      <a:schemeClr val="bg1"/>
+                    </a:solidFill>
+                  </a:tcPr>
+                </a:tc>
+                <a:tc>
+                  <a:txBody>
+                    <a:bodyPr/>
+                    <a:lstStyle/>
+                    <a:p>
+                      <a:pPr algn="ctr" latinLnBrk="1"/>
+                      <a:r>
+                        <a:rPr lang="en-US" altLang="ko-KR" dirty="0">
+                          <a:solidFill>
+                            <a:sysClr val="windowText" lastClr="000000"/>
+                          </a:solidFill>
+                        </a:rPr>
+                        <a:t>2</a:t>
+                      </a:r>
+                      <a:endParaRPr lang="ko-KR" altLang="en-US" dirty="0">
+                        <a:solidFill>
+                          <a:sysClr val="windowText" lastClr="000000"/>
+                        </a:solidFill>
+                      </a:endParaRPr>
+                    </a:p>
+                  </a:txBody>
+                  <a:tcPr anchor="ctr">
+                    <a:lnL w="12700" cap="flat" cmpd="sng" algn="ctr">
+                      <a:solidFill>
+                        <a:schemeClr val="tx1"/>
+                      </a:solidFill>
+                      <a:prstDash val="solid"/>
+                      <a:round/>
+                      <a:headEnd type="none" w="med" len="med"/>
+                      <a:tailEnd type="none" w="med" len="med"/>
+                    </a:lnL>
+                    <a:lnR w="12700" cap="flat" cmpd="sng" algn="ctr">
+                      <a:solidFill>
+                        <a:schemeClr val="tx1"/>
+                      </a:solidFill>
+                      <a:prstDash val="solid"/>
+                      <a:round/>
+                      <a:headEnd type="none" w="med" len="med"/>
+                      <a:tailEnd type="none" w="med" len="med"/>
+                    </a:lnR>
+                    <a:lnT w="12700" cap="flat" cmpd="sng" algn="ctr">
+                      <a:solidFill>
+                        <a:schemeClr val="tx1"/>
+                      </a:solidFill>
+                      <a:prstDash val="solid"/>
+                      <a:round/>
+                      <a:headEnd type="none" w="med" len="med"/>
+                      <a:tailEnd type="none" w="med" len="med"/>
+                    </a:lnT>
+                    <a:lnB w="12700" cap="flat" cmpd="sng" algn="ctr">
+                      <a:solidFill>
+                        <a:schemeClr val="tx1"/>
+                      </a:solidFill>
+                      <a:prstDash val="solid"/>
+                      <a:round/>
+                      <a:headEnd type="none" w="med" len="med"/>
+                      <a:tailEnd type="none" w="med" len="med"/>
+                    </a:lnB>
+                    <a:solidFill>
+                      <a:schemeClr val="bg1"/>
+                    </a:solidFill>
+                  </a:tcPr>
+                </a:tc>
+                <a:tc>
+                  <a:txBody>
+                    <a:bodyPr/>
+                    <a:lstStyle/>
+                    <a:p>
+                      <a:pPr algn="ctr" latinLnBrk="1"/>
+                      <a:r>
+                        <a:rPr lang="en-US" altLang="ko-KR" dirty="0">
+                          <a:solidFill>
+                            <a:sysClr val="windowText" lastClr="000000"/>
+                          </a:solidFill>
+                        </a:rPr>
+                        <a:t>3</a:t>
+                      </a:r>
+                      <a:endParaRPr lang="ko-KR" altLang="en-US" dirty="0">
+                        <a:solidFill>
+                          <a:sysClr val="windowText" lastClr="000000"/>
+                        </a:solidFill>
+                      </a:endParaRPr>
+                    </a:p>
+                  </a:txBody>
+                  <a:tcPr anchor="ctr">
+                    <a:lnL w="12700" cap="flat" cmpd="sng" algn="ctr">
+                      <a:solidFill>
+                        <a:schemeClr val="tx1"/>
+                      </a:solidFill>
+                      <a:prstDash val="solid"/>
+                      <a:round/>
+                      <a:headEnd type="none" w="med" len="med"/>
+                      <a:tailEnd type="none" w="med" len="med"/>
+                    </a:lnL>
+                    <a:lnR w="12700" cap="flat" cmpd="sng" algn="ctr">
+                      <a:solidFill>
+                        <a:schemeClr val="tx1"/>
+                      </a:solidFill>
+                      <a:prstDash val="solid"/>
+                      <a:round/>
+                      <a:headEnd type="none" w="med" len="med"/>
+                      <a:tailEnd type="none" w="med" len="med"/>
+                    </a:lnR>
+                    <a:lnT w="12700" cap="flat" cmpd="sng" algn="ctr">
+                      <a:solidFill>
+                        <a:schemeClr val="tx1"/>
+                      </a:solidFill>
+                      <a:prstDash val="solid"/>
+                      <a:round/>
+                      <a:headEnd type="none" w="med" len="med"/>
+                      <a:tailEnd type="none" w="med" len="med"/>
+                    </a:lnT>
+                    <a:lnB w="12700" cap="flat" cmpd="sng" algn="ctr">
+                      <a:solidFill>
+                        <a:schemeClr val="tx1"/>
+                      </a:solidFill>
+                      <a:prstDash val="solid"/>
+                      <a:round/>
+                      <a:headEnd type="none" w="med" len="med"/>
+                      <a:tailEnd type="none" w="med" len="med"/>
+                    </a:lnB>
+                    <a:solidFill>
+                      <a:schemeClr val="bg1"/>
+                    </a:solidFill>
+                  </a:tcPr>
+                </a:tc>
+                <a:tc>
+                  <a:txBody>
+                    <a:bodyPr/>
+                    <a:lstStyle/>
+                    <a:p>
+                      <a:pPr algn="ctr" latinLnBrk="1"/>
+                      <a:r>
+                        <a:rPr lang="en-US" altLang="ko-KR" dirty="0">
+                          <a:solidFill>
+                            <a:sysClr val="windowText" lastClr="000000"/>
+                          </a:solidFill>
+                        </a:rPr>
+                        <a:t>4</a:t>
+                      </a:r>
+                      <a:endParaRPr lang="ko-KR" altLang="en-US" dirty="0">
+                        <a:solidFill>
+                          <a:sysClr val="windowText" lastClr="000000"/>
+                        </a:solidFill>
+                      </a:endParaRPr>
+                    </a:p>
+                  </a:txBody>
+                  <a:tcPr anchor="ctr">
+                    <a:lnL w="12700" cap="flat" cmpd="sng" algn="ctr">
+                      <a:solidFill>
+                        <a:schemeClr val="tx1"/>
+                      </a:solidFill>
+                      <a:prstDash val="solid"/>
+                      <a:round/>
+                      <a:headEnd type="none" w="med" len="med"/>
+                      <a:tailEnd type="none" w="med" len="med"/>
+                    </a:lnL>
+                    <a:lnR w="12700" cap="flat" cmpd="sng" algn="ctr">
+                      <a:solidFill>
+                        <a:schemeClr val="tx1"/>
+                      </a:solidFill>
+                      <a:prstDash val="solid"/>
+                      <a:round/>
+                      <a:headEnd type="none" w="med" len="med"/>
+                      <a:tailEnd type="none" w="med" len="med"/>
+                    </a:lnR>
+                    <a:lnT w="12700" cap="flat" cmpd="sng" algn="ctr">
+                      <a:solidFill>
+                        <a:schemeClr val="tx1"/>
+                      </a:solidFill>
+                      <a:prstDash val="solid"/>
+                      <a:round/>
+                      <a:headEnd type="none" w="med" len="med"/>
+                      <a:tailEnd type="none" w="med" len="med"/>
+                    </a:lnT>
+                    <a:lnB w="12700" cap="flat" cmpd="sng" algn="ctr">
+                      <a:solidFill>
+                        <a:schemeClr val="tx1"/>
+                      </a:solidFill>
+                      <a:prstDash val="solid"/>
+                      <a:round/>
+                      <a:headEnd type="none" w="med" len="med"/>
+                      <a:tailEnd type="none" w="med" len="med"/>
+                    </a:lnB>
+                    <a:solidFill>
+                      <a:schemeClr val="bg1"/>
+                    </a:solidFill>
+                  </a:tcPr>
+                </a:tc>
+                <a:tc>
+                  <a:txBody>
+                    <a:bodyPr/>
+                    <a:lstStyle/>
+                    <a:p>
+                      <a:pPr algn="ctr" latinLnBrk="1"/>
+                      <a:r>
+                        <a:rPr lang="en-US" altLang="ko-KR" dirty="0">
+                          <a:solidFill>
+                            <a:sysClr val="windowText" lastClr="000000"/>
+                          </a:solidFill>
+                        </a:rPr>
+                        <a:t>5</a:t>
+                      </a:r>
+                      <a:endParaRPr lang="ko-KR" altLang="en-US" dirty="0">
+                        <a:solidFill>
+                          <a:sysClr val="windowText" lastClr="000000"/>
+                        </a:solidFill>
+                      </a:endParaRPr>
+                    </a:p>
+                  </a:txBody>
+                  <a:tcPr anchor="ctr">
+                    <a:lnL w="12700" cap="flat" cmpd="sng" algn="ctr">
+                      <a:solidFill>
+                        <a:schemeClr val="tx1"/>
+                      </a:solidFill>
+                      <a:prstDash val="solid"/>
+                      <a:round/>
+                      <a:headEnd type="none" w="med" len="med"/>
+                      <a:tailEnd type="none" w="med" len="med"/>
+                    </a:lnL>
+                    <a:lnR w="12700" cap="flat" cmpd="sng" algn="ctr">
+                      <a:solidFill>
+                        <a:schemeClr val="tx1"/>
+                      </a:solidFill>
+                      <a:prstDash val="solid"/>
+                      <a:round/>
+                      <a:headEnd type="none" w="med" len="med"/>
+                      <a:tailEnd type="none" w="med" len="med"/>
+                    </a:lnR>
+                    <a:lnT w="12700" cap="flat" cmpd="sng" algn="ctr">
+                      <a:solidFill>
+                        <a:schemeClr val="tx1"/>
+                      </a:solidFill>
+                      <a:prstDash val="solid"/>
+                      <a:round/>
+                      <a:headEnd type="none" w="med" len="med"/>
+                      <a:tailEnd type="none" w="med" len="med"/>
+                    </a:lnT>
+                    <a:lnB w="12700" cap="flat" cmpd="sng" algn="ctr">
+                      <a:solidFill>
+                        <a:schemeClr val="tx1"/>
+                      </a:solidFill>
+                      <a:prstDash val="solid"/>
+                      <a:round/>
+                      <a:headEnd type="none" w="med" len="med"/>
+                      <a:tailEnd type="none" w="med" len="med"/>
+                    </a:lnB>
+                    <a:solidFill>
+                      <a:schemeClr val="bg1"/>
+                    </a:solidFill>
+                  </a:tcPr>
+                </a:tc>
+                <a:tc>
+                  <a:txBody>
+                    <a:bodyPr/>
+                    <a:lstStyle/>
+                    <a:p>
+                      <a:pPr algn="ctr" latinLnBrk="1"/>
+                      <a:r>
+                        <a:rPr lang="en-US" altLang="ko-KR" dirty="0" smtClean="0">
+                          <a:solidFill>
+                            <a:schemeClr val="bg1">
+                              <a:lumMod val="95000"/>
+                            </a:schemeClr>
+                          </a:solidFill>
+                        </a:rPr>
+                        <a:t>6</a:t>
+                      </a:r>
+                      <a:endParaRPr lang="ko-KR" altLang="en-US" dirty="0">
+                        <a:solidFill>
+                          <a:schemeClr val="bg1">
+                            <a:lumMod val="95000"/>
+                          </a:schemeClr>
+                        </a:solidFill>
+                      </a:endParaRPr>
+                    </a:p>
+                  </a:txBody>
+                  <a:tcPr anchor="ctr">
+                    <a:lnL w="12700" cap="flat" cmpd="sng" algn="ctr">
+                      <a:solidFill>
+                        <a:schemeClr val="tx1"/>
+                      </a:solidFill>
+                      <a:prstDash val="solid"/>
+                      <a:round/>
+                      <a:headEnd type="none" w="med" len="med"/>
+                      <a:tailEnd type="none" w="med" len="med"/>
+                    </a:lnL>
+                    <a:lnR w="12700" cap="flat" cmpd="sng" algn="ctr">
+                      <a:solidFill>
+                        <a:schemeClr val="tx1"/>
+                      </a:solidFill>
+                      <a:prstDash val="solid"/>
+                      <a:round/>
+                      <a:headEnd type="none" w="med" len="med"/>
+                      <a:tailEnd type="none" w="med" len="med"/>
+                    </a:lnR>
+                    <a:lnT w="12700" cap="flat" cmpd="sng" algn="ctr">
+                      <a:solidFill>
+                        <a:schemeClr val="tx1"/>
+                      </a:solidFill>
+                      <a:prstDash val="solid"/>
+                      <a:round/>
+                      <a:headEnd type="none" w="med" len="med"/>
+                      <a:tailEnd type="none" w="med" len="med"/>
+                    </a:lnT>
+                    <a:lnB w="12700" cap="flat" cmpd="sng" algn="ctr">
+                      <a:solidFill>
+                        <a:schemeClr val="tx1"/>
+                      </a:solidFill>
+                      <a:prstDash val="solid"/>
+                      <a:round/>
+                      <a:headEnd type="none" w="med" len="med"/>
+                      <a:tailEnd type="none" w="med" len="med"/>
+                    </a:lnB>
+                    <a:solidFill>
+                      <a:schemeClr val="bg1">
+                        <a:lumMod val="65000"/>
+                      </a:schemeClr>
+                    </a:solidFill>
+                  </a:tcPr>
+                </a:tc>
+                <a:tc>
+                  <a:txBody>
+                    <a:bodyPr/>
+                    <a:lstStyle/>
+                    <a:p>
+                      <a:pPr algn="ctr" latinLnBrk="1"/>
+                      <a:r>
+                        <a:rPr lang="en-US" altLang="ko-KR" dirty="0">
+                          <a:solidFill>
+                            <a:sysClr val="windowText" lastClr="000000"/>
+                          </a:solidFill>
+                        </a:rPr>
+                        <a:t>7</a:t>
+                      </a:r>
+                      <a:endParaRPr lang="ko-KR" altLang="en-US" dirty="0">
+                        <a:solidFill>
+                          <a:sysClr val="windowText" lastClr="000000"/>
+                        </a:solidFill>
+                      </a:endParaRPr>
+                    </a:p>
+                  </a:txBody>
+                  <a:tcPr anchor="ctr">
+                    <a:lnL w="12700" cap="flat" cmpd="sng" algn="ctr">
+                      <a:solidFill>
+                        <a:schemeClr val="tx1"/>
+                      </a:solidFill>
+                      <a:prstDash val="solid"/>
+                      <a:round/>
+                      <a:headEnd type="none" w="med" len="med"/>
+                      <a:tailEnd type="none" w="med" len="med"/>
+                    </a:lnL>
+                    <a:lnR w="12700" cap="flat" cmpd="sng" algn="ctr">
+                      <a:solidFill>
+                        <a:schemeClr val="tx1"/>
+                      </a:solidFill>
+                      <a:prstDash val="solid"/>
+                      <a:round/>
+                      <a:headEnd type="none" w="med" len="med"/>
+                      <a:tailEnd type="none" w="med" len="med"/>
+                    </a:lnR>
+                    <a:lnT w="12700" cap="flat" cmpd="sng" algn="ctr">
+                      <a:solidFill>
+                        <a:schemeClr val="tx1"/>
+                      </a:solidFill>
+                      <a:prstDash val="solid"/>
+                      <a:round/>
+                      <a:headEnd type="none" w="med" len="med"/>
+                      <a:tailEnd type="none" w="med" len="med"/>
+                    </a:lnT>
+                    <a:lnB w="12700" cap="flat" cmpd="sng" algn="ctr">
+                      <a:solidFill>
+                        <a:schemeClr val="tx1"/>
+                      </a:solidFill>
+                      <a:prstDash val="solid"/>
+                      <a:round/>
+                      <a:headEnd type="none" w="med" len="med"/>
+                      <a:tailEnd type="none" w="med" len="med"/>
+                    </a:lnB>
+                    <a:solidFill>
+                      <a:schemeClr val="bg1"/>
+                    </a:solidFill>
+                  </a:tcPr>
+                </a:tc>
+                <a:tc>
+                  <a:txBody>
+                    <a:bodyPr/>
+                    <a:lstStyle/>
+                    <a:p>
+                      <a:pPr algn="ctr" latinLnBrk="1"/>
+                      <a:r>
+                        <a:rPr lang="en-US" altLang="ko-KR" dirty="0">
+                          <a:solidFill>
+                            <a:sysClr val="windowText" lastClr="000000"/>
+                          </a:solidFill>
+                        </a:rPr>
+                        <a:t>8</a:t>
+                      </a:r>
+                      <a:endParaRPr lang="ko-KR" altLang="en-US" dirty="0">
+                        <a:solidFill>
+                          <a:sysClr val="windowText" lastClr="000000"/>
+                        </a:solidFill>
+                      </a:endParaRPr>
+                    </a:p>
+                  </a:txBody>
+                  <a:tcPr anchor="ctr">
+                    <a:lnL w="12700" cap="flat" cmpd="sng" algn="ctr">
+                      <a:solidFill>
+                        <a:schemeClr val="tx1"/>
+                      </a:solidFill>
+                      <a:prstDash val="solid"/>
+                      <a:round/>
+                      <a:headEnd type="none" w="med" len="med"/>
+                      <a:tailEnd type="none" w="med" len="med"/>
+                    </a:lnL>
+                    <a:lnR w="12700" cap="flat" cmpd="sng" algn="ctr">
+                      <a:solidFill>
+                        <a:schemeClr val="tx1"/>
+                      </a:solidFill>
+                      <a:prstDash val="solid"/>
+                      <a:round/>
+                      <a:headEnd type="none" w="med" len="med"/>
+                      <a:tailEnd type="none" w="med" len="med"/>
+                    </a:lnR>
+                    <a:lnT w="12700" cap="flat" cmpd="sng" algn="ctr">
+                      <a:solidFill>
+                        <a:schemeClr val="tx1"/>
+                      </a:solidFill>
+                      <a:prstDash val="solid"/>
+                      <a:round/>
+                      <a:headEnd type="none" w="med" len="med"/>
+                      <a:tailEnd type="none" w="med" len="med"/>
+                    </a:lnT>
+                    <a:lnB w="12700" cap="flat" cmpd="sng" algn="ctr">
+                      <a:solidFill>
+                        <a:schemeClr val="tx1"/>
+                      </a:solidFill>
+                      <a:prstDash val="solid"/>
+                      <a:round/>
+                      <a:headEnd type="none" w="med" len="med"/>
+                      <a:tailEnd type="none" w="med" len="med"/>
+                    </a:lnB>
+                    <a:solidFill>
+                      <a:schemeClr val="bg1"/>
+                    </a:solidFill>
+                  </a:tcPr>
+                </a:tc>
+                <a:extLst>
+                  <a:ext uri="{0D108BD9-81ED-4DB2-BD59-A6C34878D82A}">
+                    <a16:rowId xmlns:a16="http://schemas.microsoft.com/office/drawing/2014/main" val="2318367764"/>
+                  </a:ext>
+                </a:extLst>
+              </a:tr>
+            </a:tbl>
+          </a:graphicData>
+        </a:graphic>
+      </p:graphicFrame>
+      <p:graphicFrame>
+        <p:nvGraphicFramePr>
+          <p:cNvPr id="5" name="표 5">
+            <a:extLst>
+              <a:ext uri="{FF2B5EF4-FFF2-40B4-BE49-F238E27FC236}">
+                <a16:creationId xmlns:a16="http://schemas.microsoft.com/office/drawing/2014/main" id="{15D5CCAF-CAB6-493C-9A85-2676F48690AF}"/>
+              </a:ext>
+            </a:extLst>
+          </p:cNvPr>
+          <p:cNvGraphicFramePr>
+            <a:graphicFrameLocks noGrp="1"/>
+          </p:cNvGraphicFramePr>
+          <p:nvPr>
+            <p:extLst>
+              <p:ext uri="{D42A27DB-BD31-4B8C-83A1-F6EECF244321}">
+                <p14:modId xmlns:p14="http://schemas.microsoft.com/office/powerpoint/2010/main" val="3167527709"/>
+              </p:ext>
+            </p:extLst>
+          </p:nvPr>
+        </p:nvGraphicFramePr>
+        <p:xfrm>
+          <a:off x="2032000" y="3796505"/>
+          <a:ext cx="7112000" cy="370840"/>
+        </p:xfrm>
+        <a:graphic>
+          <a:graphicData uri="http://schemas.openxmlformats.org/drawingml/2006/table">
+            <a:tbl>
+              <a:tblPr firstRow="1" bandRow="1">
+                <a:tableStyleId>{5C22544A-7EE6-4342-B048-85BDC9FD1C3A}</a:tableStyleId>
+              </a:tblPr>
+              <a:tblGrid>
+                <a:gridCol w="1016000">
+                  <a:extLst>
+                    <a:ext uri="{9D8B030D-6E8A-4147-A177-3AD203B41FA5}">
+                      <a16:colId xmlns:a16="http://schemas.microsoft.com/office/drawing/2014/main" val="422949941"/>
+                    </a:ext>
+                  </a:extLst>
+                </a:gridCol>
+                <a:gridCol w="1016000">
+                  <a:extLst>
+                    <a:ext uri="{9D8B030D-6E8A-4147-A177-3AD203B41FA5}">
+                      <a16:colId xmlns:a16="http://schemas.microsoft.com/office/drawing/2014/main" val="1888211109"/>
+                    </a:ext>
+                  </a:extLst>
+                </a:gridCol>
+                <a:gridCol w="1016000">
+                  <a:extLst>
+                    <a:ext uri="{9D8B030D-6E8A-4147-A177-3AD203B41FA5}">
+                      <a16:colId xmlns:a16="http://schemas.microsoft.com/office/drawing/2014/main" val="3675358557"/>
+                    </a:ext>
+                  </a:extLst>
+                </a:gridCol>
+                <a:gridCol w="1016000">
+                  <a:extLst>
+                    <a:ext uri="{9D8B030D-6E8A-4147-A177-3AD203B41FA5}">
+                      <a16:colId xmlns:a16="http://schemas.microsoft.com/office/drawing/2014/main" val="2341215234"/>
+                    </a:ext>
+                  </a:extLst>
+                </a:gridCol>
+                <a:gridCol w="1016000">
+                  <a:extLst>
+                    <a:ext uri="{9D8B030D-6E8A-4147-A177-3AD203B41FA5}">
+                      <a16:colId xmlns:a16="http://schemas.microsoft.com/office/drawing/2014/main" val="3718261339"/>
+                    </a:ext>
+                  </a:extLst>
+                </a:gridCol>
+                <a:gridCol w="1016000">
+                  <a:extLst>
+                    <a:ext uri="{9D8B030D-6E8A-4147-A177-3AD203B41FA5}">
+                      <a16:colId xmlns:a16="http://schemas.microsoft.com/office/drawing/2014/main" val="4106026957"/>
+                    </a:ext>
+                  </a:extLst>
+                </a:gridCol>
+                <a:gridCol w="1016000">
+                  <a:extLst>
+                    <a:ext uri="{9D8B030D-6E8A-4147-A177-3AD203B41FA5}">
+                      <a16:colId xmlns:a16="http://schemas.microsoft.com/office/drawing/2014/main" val="2810815576"/>
+                    </a:ext>
+                  </a:extLst>
+                </a:gridCol>
+              </a:tblGrid>
+              <a:tr h="370840">
+                <a:tc>
+                  <a:txBody>
+                    <a:bodyPr/>
+                    <a:lstStyle/>
+                    <a:p>
+                      <a:pPr algn="ctr" latinLnBrk="1"/>
+                      <a:r>
+                        <a:rPr lang="en-US" altLang="ko-KR" dirty="0">
+                          <a:solidFill>
+                            <a:sysClr val="windowText" lastClr="000000"/>
+                          </a:solidFill>
+                        </a:rPr>
+                        <a:t>1</a:t>
+                      </a:r>
+                      <a:endParaRPr lang="ko-KR" altLang="en-US" dirty="0">
+                        <a:solidFill>
+                          <a:sysClr val="windowText" lastClr="000000"/>
+                        </a:solidFill>
+                      </a:endParaRPr>
+                    </a:p>
+                  </a:txBody>
+                  <a:tcPr anchor="ctr">
+                    <a:lnL w="12700" cap="flat" cmpd="sng" algn="ctr">
+                      <a:solidFill>
+                        <a:schemeClr val="tx1"/>
+                      </a:solidFill>
+                      <a:prstDash val="solid"/>
+                      <a:round/>
+                      <a:headEnd type="none" w="med" len="med"/>
+                      <a:tailEnd type="none" w="med" len="med"/>
+                    </a:lnL>
+                    <a:lnR w="12700" cap="flat" cmpd="sng" algn="ctr">
+                      <a:solidFill>
+                        <a:schemeClr val="tx1"/>
+                      </a:solidFill>
+                      <a:prstDash val="solid"/>
+                      <a:round/>
+                      <a:headEnd type="none" w="med" len="med"/>
+                      <a:tailEnd type="none" w="med" len="med"/>
+                    </a:lnR>
+                    <a:lnT w="12700" cap="flat" cmpd="sng" algn="ctr">
+                      <a:solidFill>
+                        <a:schemeClr val="tx1"/>
+                      </a:solidFill>
+                      <a:prstDash val="solid"/>
+                      <a:round/>
+                      <a:headEnd type="none" w="med" len="med"/>
+                      <a:tailEnd type="none" w="med" len="med"/>
+                    </a:lnT>
+                    <a:lnB w="12700" cap="flat" cmpd="sng" algn="ctr">
+                      <a:solidFill>
+                        <a:schemeClr val="tx1"/>
+                      </a:solidFill>
+                      <a:prstDash val="solid"/>
+                      <a:round/>
+                      <a:headEnd type="none" w="med" len="med"/>
+                      <a:tailEnd type="none" w="med" len="med"/>
+                    </a:lnB>
+                    <a:solidFill>
+                      <a:schemeClr val="bg1"/>
+                    </a:solidFill>
+                  </a:tcPr>
+                </a:tc>
+                <a:tc>
+                  <a:txBody>
+                    <a:bodyPr/>
+                    <a:lstStyle/>
+                    <a:p>
+                      <a:pPr algn="ctr" latinLnBrk="1"/>
+                      <a:r>
+                        <a:rPr lang="en-US" altLang="ko-KR" dirty="0">
+                          <a:solidFill>
+                            <a:sysClr val="windowText" lastClr="000000"/>
+                          </a:solidFill>
+                        </a:rPr>
+                        <a:t>2</a:t>
+                      </a:r>
+                      <a:endParaRPr lang="ko-KR" altLang="en-US" dirty="0">
+                        <a:solidFill>
+                          <a:sysClr val="windowText" lastClr="000000"/>
+                        </a:solidFill>
+                      </a:endParaRPr>
+                    </a:p>
+                  </a:txBody>
+                  <a:tcPr anchor="ctr">
+                    <a:lnL w="12700" cap="flat" cmpd="sng" algn="ctr">
+                      <a:solidFill>
+                        <a:schemeClr val="tx1"/>
+                      </a:solidFill>
+                      <a:prstDash val="solid"/>
+                      <a:round/>
+                      <a:headEnd type="none" w="med" len="med"/>
+                      <a:tailEnd type="none" w="med" len="med"/>
+                    </a:lnL>
+                    <a:lnR w="12700" cap="flat" cmpd="sng" algn="ctr">
+                      <a:solidFill>
+                        <a:schemeClr val="tx1"/>
+                      </a:solidFill>
+                      <a:prstDash val="solid"/>
+                      <a:round/>
+                      <a:headEnd type="none" w="med" len="med"/>
+                      <a:tailEnd type="none" w="med" len="med"/>
+                    </a:lnR>
+                    <a:lnT w="12700" cap="flat" cmpd="sng" algn="ctr">
+                      <a:solidFill>
+                        <a:schemeClr val="tx1"/>
+                      </a:solidFill>
+                      <a:prstDash val="solid"/>
+                      <a:round/>
+                      <a:headEnd type="none" w="med" len="med"/>
+                      <a:tailEnd type="none" w="med" len="med"/>
+                    </a:lnT>
+                    <a:lnB w="12700" cap="flat" cmpd="sng" algn="ctr">
+                      <a:solidFill>
+                        <a:schemeClr val="tx1"/>
+                      </a:solidFill>
+                      <a:prstDash val="solid"/>
+                      <a:round/>
+                      <a:headEnd type="none" w="med" len="med"/>
+                      <a:tailEnd type="none" w="med" len="med"/>
+                    </a:lnB>
+                    <a:solidFill>
+                      <a:schemeClr val="bg1"/>
+                    </a:solidFill>
+                  </a:tcPr>
+                </a:tc>
+                <a:tc>
+                  <a:txBody>
+                    <a:bodyPr/>
+                    <a:lstStyle/>
+                    <a:p>
+                      <a:pPr algn="ctr" latinLnBrk="1"/>
+                      <a:r>
+                        <a:rPr lang="en-US" altLang="ko-KR" dirty="0">
+                          <a:solidFill>
+                            <a:sysClr val="windowText" lastClr="000000"/>
+                          </a:solidFill>
+                        </a:rPr>
+                        <a:t>3</a:t>
+                      </a:r>
+                      <a:endParaRPr lang="ko-KR" altLang="en-US" dirty="0">
+                        <a:solidFill>
+                          <a:sysClr val="windowText" lastClr="000000"/>
+                        </a:solidFill>
+                      </a:endParaRPr>
+                    </a:p>
+                  </a:txBody>
+                  <a:tcPr anchor="ctr">
+                    <a:lnL w="12700" cap="flat" cmpd="sng" algn="ctr">
+                      <a:solidFill>
+                        <a:schemeClr val="tx1"/>
+                      </a:solidFill>
+                      <a:prstDash val="solid"/>
+                      <a:round/>
+                      <a:headEnd type="none" w="med" len="med"/>
+                      <a:tailEnd type="none" w="med" len="med"/>
+                    </a:lnL>
+                    <a:lnR w="12700" cap="flat" cmpd="sng" algn="ctr">
+                      <a:solidFill>
+                        <a:schemeClr val="tx1"/>
+                      </a:solidFill>
+                      <a:prstDash val="solid"/>
+                      <a:round/>
+                      <a:headEnd type="none" w="med" len="med"/>
+                      <a:tailEnd type="none" w="med" len="med"/>
+                    </a:lnR>
+                    <a:lnT w="12700" cap="flat" cmpd="sng" algn="ctr">
+                      <a:solidFill>
+                        <a:schemeClr val="tx1"/>
+                      </a:solidFill>
+                      <a:prstDash val="solid"/>
+                      <a:round/>
+                      <a:headEnd type="none" w="med" len="med"/>
+                      <a:tailEnd type="none" w="med" len="med"/>
+                    </a:lnT>
+                    <a:lnB w="12700" cap="flat" cmpd="sng" algn="ctr">
+                      <a:solidFill>
+                        <a:schemeClr val="tx1"/>
+                      </a:solidFill>
+                      <a:prstDash val="solid"/>
+                      <a:round/>
+                      <a:headEnd type="none" w="med" len="med"/>
+                      <a:tailEnd type="none" w="med" len="med"/>
+                    </a:lnB>
+                    <a:solidFill>
+                      <a:schemeClr val="bg1"/>
+                    </a:solidFill>
+                  </a:tcPr>
+                </a:tc>
+                <a:tc>
+                  <a:txBody>
+                    <a:bodyPr/>
+                    <a:lstStyle/>
+                    <a:p>
+                      <a:pPr algn="ctr" latinLnBrk="1"/>
+                      <a:r>
+                        <a:rPr lang="en-US" altLang="ko-KR" dirty="0">
+                          <a:solidFill>
+                            <a:sysClr val="windowText" lastClr="000000"/>
+                          </a:solidFill>
+                        </a:rPr>
+                        <a:t>4</a:t>
+                      </a:r>
+                      <a:endParaRPr lang="ko-KR" altLang="en-US" dirty="0">
+                        <a:solidFill>
+                          <a:sysClr val="windowText" lastClr="000000"/>
+                        </a:solidFill>
+                      </a:endParaRPr>
+                    </a:p>
+                  </a:txBody>
+                  <a:tcPr anchor="ctr">
+                    <a:lnL w="12700" cap="flat" cmpd="sng" algn="ctr">
+                      <a:solidFill>
+                        <a:schemeClr val="tx1"/>
+                      </a:solidFill>
+                      <a:prstDash val="solid"/>
+                      <a:round/>
+                      <a:headEnd type="none" w="med" len="med"/>
+                      <a:tailEnd type="none" w="med" len="med"/>
+                    </a:lnL>
+                    <a:lnR w="12700" cap="flat" cmpd="sng" algn="ctr">
+                      <a:solidFill>
+                        <a:schemeClr val="tx1"/>
+                      </a:solidFill>
+                      <a:prstDash val="solid"/>
+                      <a:round/>
+                      <a:headEnd type="none" w="med" len="med"/>
+                      <a:tailEnd type="none" w="med" len="med"/>
+                    </a:lnR>
+                    <a:lnT w="12700" cap="flat" cmpd="sng" algn="ctr">
+                      <a:solidFill>
+                        <a:schemeClr val="tx1"/>
+                      </a:solidFill>
+                      <a:prstDash val="solid"/>
+                      <a:round/>
+                      <a:headEnd type="none" w="med" len="med"/>
+                      <a:tailEnd type="none" w="med" len="med"/>
+                    </a:lnT>
+                    <a:lnB w="12700" cap="flat" cmpd="sng" algn="ctr">
+                      <a:solidFill>
+                        <a:schemeClr val="tx1"/>
+                      </a:solidFill>
+                      <a:prstDash val="solid"/>
+                      <a:round/>
+                      <a:headEnd type="none" w="med" len="med"/>
+                      <a:tailEnd type="none" w="med" len="med"/>
+                    </a:lnB>
+                    <a:solidFill>
+                      <a:schemeClr val="bg1"/>
+                    </a:solidFill>
+                  </a:tcPr>
+                </a:tc>
+                <a:tc>
+                  <a:txBody>
+                    <a:bodyPr/>
+                    <a:lstStyle/>
+                    <a:p>
+                      <a:pPr algn="ctr" latinLnBrk="1"/>
+                      <a:r>
+                        <a:rPr lang="en-US" altLang="ko-KR" dirty="0">
+                          <a:solidFill>
+                            <a:sysClr val="windowText" lastClr="000000"/>
+                          </a:solidFill>
+                        </a:rPr>
+                        <a:t>5</a:t>
+                      </a:r>
+                      <a:endParaRPr lang="ko-KR" altLang="en-US" dirty="0">
+                        <a:solidFill>
+                          <a:sysClr val="windowText" lastClr="000000"/>
+                        </a:solidFill>
+                      </a:endParaRPr>
+                    </a:p>
+                  </a:txBody>
+                  <a:tcPr anchor="ctr">
+                    <a:lnL w="12700" cap="flat" cmpd="sng" algn="ctr">
+                      <a:solidFill>
+                        <a:schemeClr val="tx1"/>
+                      </a:solidFill>
+                      <a:prstDash val="solid"/>
+                      <a:round/>
+                      <a:headEnd type="none" w="med" len="med"/>
+                      <a:tailEnd type="none" w="med" len="med"/>
+                    </a:lnL>
+                    <a:lnR w="12700" cap="flat" cmpd="sng" algn="ctr">
+                      <a:solidFill>
+                        <a:schemeClr val="tx1"/>
+                      </a:solidFill>
+                      <a:prstDash val="solid"/>
+                      <a:round/>
+                      <a:headEnd type="none" w="med" len="med"/>
+                      <a:tailEnd type="none" w="med" len="med"/>
+                    </a:lnR>
+                    <a:lnT w="12700" cap="flat" cmpd="sng" algn="ctr">
+                      <a:solidFill>
+                        <a:schemeClr val="tx1"/>
+                      </a:solidFill>
+                      <a:prstDash val="solid"/>
+                      <a:round/>
+                      <a:headEnd type="none" w="med" len="med"/>
+                      <a:tailEnd type="none" w="med" len="med"/>
+                    </a:lnT>
+                    <a:lnB w="12700" cap="flat" cmpd="sng" algn="ctr">
+                      <a:solidFill>
+                        <a:schemeClr val="tx1"/>
+                      </a:solidFill>
+                      <a:prstDash val="solid"/>
+                      <a:round/>
+                      <a:headEnd type="none" w="med" len="med"/>
+                      <a:tailEnd type="none" w="med" len="med"/>
+                    </a:lnB>
+                    <a:solidFill>
+                      <a:schemeClr val="bg1"/>
+                    </a:solidFill>
+                  </a:tcPr>
+                </a:tc>
+                <a:tc>
+                  <a:txBody>
+                    <a:bodyPr/>
+                    <a:lstStyle/>
+                    <a:p>
+                      <a:pPr algn="ctr" latinLnBrk="1"/>
+                      <a:r>
+                        <a:rPr lang="en-US" altLang="ko-KR" dirty="0">
+                          <a:solidFill>
+                            <a:sysClr val="windowText" lastClr="000000"/>
+                          </a:solidFill>
+                        </a:rPr>
+                        <a:t>7</a:t>
+                      </a:r>
+                      <a:endParaRPr lang="ko-KR" altLang="en-US" dirty="0">
+                        <a:solidFill>
+                          <a:sysClr val="windowText" lastClr="000000"/>
+                        </a:solidFill>
+                      </a:endParaRPr>
+                    </a:p>
+                  </a:txBody>
+                  <a:tcPr anchor="ctr">
+                    <a:lnL w="12700" cap="flat" cmpd="sng" algn="ctr">
+                      <a:solidFill>
+                        <a:schemeClr val="tx1"/>
+                      </a:solidFill>
+                      <a:prstDash val="solid"/>
+                      <a:round/>
+                      <a:headEnd type="none" w="med" len="med"/>
+                      <a:tailEnd type="none" w="med" len="med"/>
+                    </a:lnL>
+                    <a:lnR w="12700" cap="flat" cmpd="sng" algn="ctr">
+                      <a:solidFill>
+                        <a:schemeClr val="tx1"/>
+                      </a:solidFill>
+                      <a:prstDash val="solid"/>
+                      <a:round/>
+                      <a:headEnd type="none" w="med" len="med"/>
+                      <a:tailEnd type="none" w="med" len="med"/>
+                    </a:lnR>
+                    <a:lnT w="12700" cap="flat" cmpd="sng" algn="ctr">
+                      <a:solidFill>
+                        <a:schemeClr val="tx1"/>
+                      </a:solidFill>
+                      <a:prstDash val="solid"/>
+                      <a:round/>
+                      <a:headEnd type="none" w="med" len="med"/>
+                      <a:tailEnd type="none" w="med" len="med"/>
+                    </a:lnT>
+                    <a:lnB w="12700" cap="flat" cmpd="sng" algn="ctr">
+                      <a:solidFill>
+                        <a:schemeClr val="tx1"/>
+                      </a:solidFill>
+                      <a:prstDash val="solid"/>
+                      <a:round/>
+                      <a:headEnd type="none" w="med" len="med"/>
+                      <a:tailEnd type="none" w="med" len="med"/>
+                    </a:lnB>
+                    <a:solidFill>
+                      <a:schemeClr val="bg1"/>
+                    </a:solidFill>
+                  </a:tcPr>
+                </a:tc>
+                <a:tc>
+                  <a:txBody>
+                    <a:bodyPr/>
+                    <a:lstStyle/>
+                    <a:p>
+                      <a:pPr algn="ctr" latinLnBrk="1"/>
+                      <a:r>
+                        <a:rPr lang="en-US" altLang="ko-KR" dirty="0">
+                          <a:solidFill>
+                            <a:sysClr val="windowText" lastClr="000000"/>
+                          </a:solidFill>
+                        </a:rPr>
+                        <a:t>8</a:t>
+                      </a:r>
+                      <a:endParaRPr lang="ko-KR" altLang="en-US" dirty="0">
+                        <a:solidFill>
+                          <a:sysClr val="windowText" lastClr="000000"/>
+                        </a:solidFill>
+                      </a:endParaRPr>
+                    </a:p>
+                  </a:txBody>
+                  <a:tcPr anchor="ctr">
+                    <a:lnL w="12700" cap="flat" cmpd="sng" algn="ctr">
+                      <a:solidFill>
+                        <a:schemeClr val="tx1"/>
+                      </a:solidFill>
+                      <a:prstDash val="solid"/>
+                      <a:round/>
+                      <a:headEnd type="none" w="med" len="med"/>
+                      <a:tailEnd type="none" w="med" len="med"/>
+                    </a:lnL>
+                    <a:lnR w="12700" cap="flat" cmpd="sng" algn="ctr">
+                      <a:solidFill>
+                        <a:schemeClr val="tx1"/>
+                      </a:solidFill>
+                      <a:prstDash val="solid"/>
+                      <a:round/>
+                      <a:headEnd type="none" w="med" len="med"/>
+                      <a:tailEnd type="none" w="med" len="med"/>
+                    </a:lnR>
+                    <a:lnT w="12700" cap="flat" cmpd="sng" algn="ctr">
+                      <a:solidFill>
+                        <a:schemeClr val="tx1"/>
+                      </a:solidFill>
+                      <a:prstDash val="solid"/>
+                      <a:round/>
+                      <a:headEnd type="none" w="med" len="med"/>
+                      <a:tailEnd type="none" w="med" len="med"/>
+                    </a:lnT>
+                    <a:lnB w="12700" cap="flat" cmpd="sng" algn="ctr">
+                      <a:solidFill>
+                        <a:schemeClr val="tx1"/>
+                      </a:solidFill>
+                      <a:prstDash val="solid"/>
+                      <a:round/>
+                      <a:headEnd type="none" w="med" len="med"/>
+                      <a:tailEnd type="none" w="med" len="med"/>
+                    </a:lnB>
+                    <a:solidFill>
+                      <a:schemeClr val="bg1"/>
+                    </a:solidFill>
+                  </a:tcPr>
+                </a:tc>
+                <a:extLst>
+                  <a:ext uri="{0D108BD9-81ED-4DB2-BD59-A6C34878D82A}">
+                    <a16:rowId xmlns:a16="http://schemas.microsoft.com/office/drawing/2014/main" val="2318367764"/>
+                  </a:ext>
+                </a:extLst>
+              </a:tr>
+            </a:tbl>
+          </a:graphicData>
+        </a:graphic>
+      </p:graphicFrame>
+      <p:sp>
+        <p:nvSpPr>
+          <p:cNvPr id="6" name="화살표: 왼쪽으로 구부러짐 9">
+            <a:extLst>
+              <a:ext uri="{FF2B5EF4-FFF2-40B4-BE49-F238E27FC236}">
+                <a16:creationId xmlns:a16="http://schemas.microsoft.com/office/drawing/2014/main" id="{C91D9D3C-A84D-4E18-9C6C-303B390342DD}"/>
+              </a:ext>
+            </a:extLst>
+          </p:cNvPr>
+          <p:cNvSpPr/>
+          <p:nvPr/>
         </p:nvSpPr>
-        <p:spPr/>
+        <p:spPr>
+          <a:xfrm>
+            <a:off x="10296144" y="3943288"/>
+            <a:ext cx="566928" cy="993362"/>
+          </a:xfrm>
+          <a:prstGeom prst="curvedLeftArrow">
+            <a:avLst/>
+          </a:prstGeom>
+          <a:solidFill>
+            <a:schemeClr val="bg1"/>
+          </a:solidFill>
+          <a:ln>
+            <a:solidFill>
+              <a:schemeClr val="tx1">
+                <a:lumMod val="95000"/>
+                <a:lumOff val="5000"/>
+              </a:schemeClr>
+            </a:solidFill>
+          </a:ln>
+        </p:spPr>
+        <p:style>
+          <a:lnRef idx="2">
+            <a:schemeClr val="accent1">
+              <a:shade val="50000"/>
+            </a:schemeClr>
+          </a:lnRef>
+          <a:fillRef idx="1">
+            <a:schemeClr val="accent1"/>
+          </a:fillRef>
+          <a:effectRef idx="0">
+            <a:schemeClr val="accent1"/>
+          </a:effectRef>
+          <a:fontRef idx="minor">
+            <a:schemeClr val="lt1"/>
+          </a:fontRef>
+        </p:style>
         <p:txBody>
-          <a:bodyPr/>
+          <a:bodyPr rtlCol="0" anchor="ctr"/>
           <a:lstStyle/>
           <a:p>
-            <a:endParaRPr lang="ko-KR" altLang="en-US" dirty="0"/>
+            <a:pPr algn="ctr"/>
+            <a:endParaRPr lang="ko-KR" altLang="en-US">
+              <a:solidFill>
+                <a:schemeClr val="tx1"/>
+              </a:solidFill>
+            </a:endParaRPr>
           </a:p>
         </p:txBody>
       </p:sp>
@@ -9658,6 +10852,1420 @@
     <p:extLst>
       <p:ext uri="{BB962C8B-B14F-4D97-AF65-F5344CB8AC3E}">
         <p14:creationId xmlns:p14="http://schemas.microsoft.com/office/powerpoint/2010/main" val="877791264"/>
+      </p:ext>
+    </p:extLst>
+  </p:cSld>
+  <p:clrMapOvr>
+    <a:masterClrMapping/>
+  </p:clrMapOvr>
+</p:sld>
+</file>
+
+<file path=ppt/slides/slide19.xml><?xml version="1.0" encoding="utf-8"?>
+<p:sld xmlns:a="http://schemas.openxmlformats.org/drawingml/2006/main" xmlns:r="http://schemas.openxmlformats.org/officeDocument/2006/relationships" xmlns:p="http://schemas.openxmlformats.org/presentationml/2006/main">
+  <p:cSld>
+    <p:spTree>
+      <p:nvGrpSpPr>
+        <p:cNvPr id="1" name=""/>
+        <p:cNvGrpSpPr/>
+        <p:nvPr/>
+      </p:nvGrpSpPr>
+      <p:grpSpPr>
+        <a:xfrm>
+          <a:off x="0" y="0"/>
+          <a:ext cx="0" cy="0"/>
+          <a:chOff x="0" y="0"/>
+          <a:chExt cx="0" cy="0"/>
+        </a:xfrm>
+      </p:grpSpPr>
+      <p:graphicFrame>
+        <p:nvGraphicFramePr>
+          <p:cNvPr id="4" name="표 3"/>
+          <p:cNvGraphicFramePr>
+            <a:graphicFrameLocks noGrp="1"/>
+          </p:cNvGraphicFramePr>
+          <p:nvPr>
+            <p:extLst>
+              <p:ext uri="{D42A27DB-BD31-4B8C-83A1-F6EECF244321}">
+                <p14:modId xmlns:p14="http://schemas.microsoft.com/office/powerpoint/2010/main" val="2577208304"/>
+              </p:ext>
+            </p:extLst>
+          </p:nvPr>
+        </p:nvGraphicFramePr>
+        <p:xfrm>
+          <a:off x="5929144" y="2137892"/>
+          <a:ext cx="891503" cy="2524260"/>
+        </p:xfrm>
+        <a:graphic>
+          <a:graphicData uri="http://schemas.openxmlformats.org/drawingml/2006/table">
+            <a:tbl>
+              <a:tblPr firstRow="1" bandRow="1">
+                <a:tableStyleId>{5C22544A-7EE6-4342-B048-85BDC9FD1C3A}</a:tableStyleId>
+              </a:tblPr>
+              <a:tblGrid>
+                <a:gridCol w="891503">
+                  <a:extLst>
+                    <a:ext uri="{9D8B030D-6E8A-4147-A177-3AD203B41FA5}">
+                      <a16:colId xmlns:a16="http://schemas.microsoft.com/office/drawing/2014/main" val="1352968969"/>
+                    </a:ext>
+                  </a:extLst>
+                </a:gridCol>
+              </a:tblGrid>
+              <a:tr h="420710">
+                <a:tc>
+                  <a:txBody>
+                    <a:bodyPr/>
+                    <a:lstStyle/>
+                    <a:p>
+                      <a:pPr algn="ctr" latinLnBrk="1"/>
+                      <a:r>
+                        <a:rPr lang="en-US" altLang="ko-KR" b="0" dirty="0" smtClean="0">
+                          <a:solidFill>
+                            <a:schemeClr val="tx1"/>
+                          </a:solidFill>
+                        </a:rPr>
+                        <a:t>0</a:t>
+                      </a:r>
+                      <a:endParaRPr lang="ko-KR" altLang="en-US" b="0" dirty="0">
+                        <a:solidFill>
+                          <a:schemeClr val="tx1"/>
+                        </a:solidFill>
+                      </a:endParaRPr>
+                    </a:p>
+                  </a:txBody>
+                  <a:tcPr anchor="ctr">
+                    <a:lnL w="12700" cap="flat" cmpd="sng" algn="ctr">
+                      <a:solidFill>
+                        <a:schemeClr val="tx1"/>
+                      </a:solidFill>
+                      <a:prstDash val="solid"/>
+                      <a:round/>
+                      <a:headEnd type="none" w="med" len="med"/>
+                      <a:tailEnd type="none" w="med" len="med"/>
+                    </a:lnL>
+                    <a:lnR w="12700" cap="flat" cmpd="sng" algn="ctr">
+                      <a:solidFill>
+                        <a:schemeClr val="tx1"/>
+                      </a:solidFill>
+                      <a:prstDash val="solid"/>
+                      <a:round/>
+                      <a:headEnd type="none" w="med" len="med"/>
+                      <a:tailEnd type="none" w="med" len="med"/>
+                    </a:lnR>
+                    <a:lnT w="12700" cap="flat" cmpd="sng" algn="ctr">
+                      <a:solidFill>
+                        <a:schemeClr val="tx1"/>
+                      </a:solidFill>
+                      <a:prstDash val="solid"/>
+                      <a:round/>
+                      <a:headEnd type="none" w="med" len="med"/>
+                      <a:tailEnd type="none" w="med" len="med"/>
+                    </a:lnT>
+                    <a:lnB w="12700" cap="flat" cmpd="sng" algn="ctr">
+                      <a:solidFill>
+                        <a:schemeClr val="tx1"/>
+                      </a:solidFill>
+                      <a:prstDash val="solid"/>
+                      <a:round/>
+                      <a:headEnd type="none" w="med" len="med"/>
+                      <a:tailEnd type="none" w="med" len="med"/>
+                    </a:lnB>
+                    <a:solidFill>
+                      <a:schemeClr val="bg1"/>
+                    </a:solidFill>
+                  </a:tcPr>
+                </a:tc>
+                <a:extLst>
+                  <a:ext uri="{0D108BD9-81ED-4DB2-BD59-A6C34878D82A}">
+                    <a16:rowId xmlns:a16="http://schemas.microsoft.com/office/drawing/2014/main" val="3010091663"/>
+                  </a:ext>
+                </a:extLst>
+              </a:tr>
+              <a:tr h="420710">
+                <a:tc>
+                  <a:txBody>
+                    <a:bodyPr/>
+                    <a:lstStyle/>
+                    <a:p>
+                      <a:pPr algn="ctr" latinLnBrk="1"/>
+                      <a:r>
+                        <a:rPr lang="en-US" altLang="ko-KR" b="0" dirty="0" smtClean="0">
+                          <a:solidFill>
+                            <a:schemeClr val="tx1"/>
+                          </a:solidFill>
+                        </a:rPr>
+                        <a:t>1</a:t>
+                      </a:r>
+                      <a:endParaRPr lang="ko-KR" altLang="en-US" b="0" dirty="0">
+                        <a:solidFill>
+                          <a:schemeClr val="tx1"/>
+                        </a:solidFill>
+                      </a:endParaRPr>
+                    </a:p>
+                  </a:txBody>
+                  <a:tcPr anchor="ctr">
+                    <a:lnL w="12700" cap="flat" cmpd="sng" algn="ctr">
+                      <a:solidFill>
+                        <a:schemeClr val="tx1"/>
+                      </a:solidFill>
+                      <a:prstDash val="solid"/>
+                      <a:round/>
+                      <a:headEnd type="none" w="med" len="med"/>
+                      <a:tailEnd type="none" w="med" len="med"/>
+                    </a:lnL>
+                    <a:lnR w="12700" cap="flat" cmpd="sng" algn="ctr">
+                      <a:solidFill>
+                        <a:schemeClr val="tx1"/>
+                      </a:solidFill>
+                      <a:prstDash val="solid"/>
+                      <a:round/>
+                      <a:headEnd type="none" w="med" len="med"/>
+                      <a:tailEnd type="none" w="med" len="med"/>
+                    </a:lnR>
+                    <a:lnT w="12700" cap="flat" cmpd="sng" algn="ctr">
+                      <a:solidFill>
+                        <a:schemeClr val="tx1"/>
+                      </a:solidFill>
+                      <a:prstDash val="solid"/>
+                      <a:round/>
+                      <a:headEnd type="none" w="med" len="med"/>
+                      <a:tailEnd type="none" w="med" len="med"/>
+                    </a:lnT>
+                    <a:lnB w="12700" cap="flat" cmpd="sng" algn="ctr">
+                      <a:solidFill>
+                        <a:schemeClr val="tx1"/>
+                      </a:solidFill>
+                      <a:prstDash val="solid"/>
+                      <a:round/>
+                      <a:headEnd type="none" w="med" len="med"/>
+                      <a:tailEnd type="none" w="med" len="med"/>
+                    </a:lnB>
+                    <a:solidFill>
+                      <a:schemeClr val="bg1"/>
+                    </a:solidFill>
+                  </a:tcPr>
+                </a:tc>
+                <a:extLst>
+                  <a:ext uri="{0D108BD9-81ED-4DB2-BD59-A6C34878D82A}">
+                    <a16:rowId xmlns:a16="http://schemas.microsoft.com/office/drawing/2014/main" val="3029555295"/>
+                  </a:ext>
+                </a:extLst>
+              </a:tr>
+              <a:tr h="420710">
+                <a:tc>
+                  <a:txBody>
+                    <a:bodyPr/>
+                    <a:lstStyle/>
+                    <a:p>
+                      <a:pPr algn="ctr" latinLnBrk="1"/>
+                      <a:r>
+                        <a:rPr lang="en-US" altLang="ko-KR" b="0" dirty="0" smtClean="0">
+                          <a:solidFill>
+                            <a:schemeClr val="tx1"/>
+                          </a:solidFill>
+                        </a:rPr>
+                        <a:t>2</a:t>
+                      </a:r>
+                      <a:endParaRPr lang="ko-KR" altLang="en-US" b="0" dirty="0">
+                        <a:solidFill>
+                          <a:schemeClr val="tx1"/>
+                        </a:solidFill>
+                      </a:endParaRPr>
+                    </a:p>
+                  </a:txBody>
+                  <a:tcPr anchor="ctr">
+                    <a:lnL w="12700" cap="flat" cmpd="sng" algn="ctr">
+                      <a:solidFill>
+                        <a:schemeClr val="tx1"/>
+                      </a:solidFill>
+                      <a:prstDash val="solid"/>
+                      <a:round/>
+                      <a:headEnd type="none" w="med" len="med"/>
+                      <a:tailEnd type="none" w="med" len="med"/>
+                    </a:lnL>
+                    <a:lnR w="12700" cap="flat" cmpd="sng" algn="ctr">
+                      <a:solidFill>
+                        <a:schemeClr val="tx1"/>
+                      </a:solidFill>
+                      <a:prstDash val="solid"/>
+                      <a:round/>
+                      <a:headEnd type="none" w="med" len="med"/>
+                      <a:tailEnd type="none" w="med" len="med"/>
+                    </a:lnR>
+                    <a:lnT w="12700" cap="flat" cmpd="sng" algn="ctr">
+                      <a:solidFill>
+                        <a:schemeClr val="tx1"/>
+                      </a:solidFill>
+                      <a:prstDash val="solid"/>
+                      <a:round/>
+                      <a:headEnd type="none" w="med" len="med"/>
+                      <a:tailEnd type="none" w="med" len="med"/>
+                    </a:lnT>
+                    <a:lnB w="12700" cap="flat" cmpd="sng" algn="ctr">
+                      <a:solidFill>
+                        <a:schemeClr val="tx1"/>
+                      </a:solidFill>
+                      <a:prstDash val="solid"/>
+                      <a:round/>
+                      <a:headEnd type="none" w="med" len="med"/>
+                      <a:tailEnd type="none" w="med" len="med"/>
+                    </a:lnB>
+                    <a:solidFill>
+                      <a:schemeClr val="bg1"/>
+                    </a:solidFill>
+                  </a:tcPr>
+                </a:tc>
+                <a:extLst>
+                  <a:ext uri="{0D108BD9-81ED-4DB2-BD59-A6C34878D82A}">
+                    <a16:rowId xmlns:a16="http://schemas.microsoft.com/office/drawing/2014/main" val="2518845613"/>
+                  </a:ext>
+                </a:extLst>
+              </a:tr>
+              <a:tr h="420710">
+                <a:tc>
+                  <a:txBody>
+                    <a:bodyPr/>
+                    <a:lstStyle/>
+                    <a:p>
+                      <a:pPr algn="ctr" latinLnBrk="1"/>
+                      <a:r>
+                        <a:rPr lang="en-US" altLang="ko-KR" b="0" dirty="0" smtClean="0">
+                          <a:solidFill>
+                            <a:schemeClr val="tx1"/>
+                          </a:solidFill>
+                        </a:rPr>
+                        <a:t>3</a:t>
+                      </a:r>
+                      <a:endParaRPr lang="ko-KR" altLang="en-US" b="0" dirty="0">
+                        <a:solidFill>
+                          <a:schemeClr val="tx1"/>
+                        </a:solidFill>
+                      </a:endParaRPr>
+                    </a:p>
+                  </a:txBody>
+                  <a:tcPr anchor="ctr">
+                    <a:lnL w="12700" cap="flat" cmpd="sng" algn="ctr">
+                      <a:solidFill>
+                        <a:schemeClr val="tx1"/>
+                      </a:solidFill>
+                      <a:prstDash val="solid"/>
+                      <a:round/>
+                      <a:headEnd type="none" w="med" len="med"/>
+                      <a:tailEnd type="none" w="med" len="med"/>
+                    </a:lnL>
+                    <a:lnR w="12700" cap="flat" cmpd="sng" algn="ctr">
+                      <a:solidFill>
+                        <a:schemeClr val="tx1"/>
+                      </a:solidFill>
+                      <a:prstDash val="solid"/>
+                      <a:round/>
+                      <a:headEnd type="none" w="med" len="med"/>
+                      <a:tailEnd type="none" w="med" len="med"/>
+                    </a:lnR>
+                    <a:lnT w="12700" cap="flat" cmpd="sng" algn="ctr">
+                      <a:solidFill>
+                        <a:schemeClr val="tx1"/>
+                      </a:solidFill>
+                      <a:prstDash val="solid"/>
+                      <a:round/>
+                      <a:headEnd type="none" w="med" len="med"/>
+                      <a:tailEnd type="none" w="med" len="med"/>
+                    </a:lnT>
+                    <a:lnB w="12700" cap="flat" cmpd="sng" algn="ctr">
+                      <a:solidFill>
+                        <a:schemeClr val="tx1"/>
+                      </a:solidFill>
+                      <a:prstDash val="solid"/>
+                      <a:round/>
+                      <a:headEnd type="none" w="med" len="med"/>
+                      <a:tailEnd type="none" w="med" len="med"/>
+                    </a:lnB>
+                    <a:solidFill>
+                      <a:schemeClr val="bg1"/>
+                    </a:solidFill>
+                  </a:tcPr>
+                </a:tc>
+                <a:extLst>
+                  <a:ext uri="{0D108BD9-81ED-4DB2-BD59-A6C34878D82A}">
+                    <a16:rowId xmlns:a16="http://schemas.microsoft.com/office/drawing/2014/main" val="4038176524"/>
+                  </a:ext>
+                </a:extLst>
+              </a:tr>
+              <a:tr h="420710">
+                <a:tc>
+                  <a:txBody>
+                    <a:bodyPr/>
+                    <a:lstStyle/>
+                    <a:p>
+                      <a:pPr algn="ctr" latinLnBrk="1"/>
+                      <a:r>
+                        <a:rPr lang="en-US" altLang="ko-KR" b="0" dirty="0" smtClean="0">
+                          <a:solidFill>
+                            <a:schemeClr val="tx1"/>
+                          </a:solidFill>
+                        </a:rPr>
+                        <a:t>4</a:t>
+                      </a:r>
+                      <a:endParaRPr lang="ko-KR" altLang="en-US" b="0" dirty="0">
+                        <a:solidFill>
+                          <a:schemeClr val="tx1"/>
+                        </a:solidFill>
+                      </a:endParaRPr>
+                    </a:p>
+                  </a:txBody>
+                  <a:tcPr anchor="ctr">
+                    <a:lnL w="12700" cap="flat" cmpd="sng" algn="ctr">
+                      <a:solidFill>
+                        <a:schemeClr val="tx1"/>
+                      </a:solidFill>
+                      <a:prstDash val="solid"/>
+                      <a:round/>
+                      <a:headEnd type="none" w="med" len="med"/>
+                      <a:tailEnd type="none" w="med" len="med"/>
+                    </a:lnL>
+                    <a:lnR w="12700" cap="flat" cmpd="sng" algn="ctr">
+                      <a:solidFill>
+                        <a:schemeClr val="tx1"/>
+                      </a:solidFill>
+                      <a:prstDash val="solid"/>
+                      <a:round/>
+                      <a:headEnd type="none" w="med" len="med"/>
+                      <a:tailEnd type="none" w="med" len="med"/>
+                    </a:lnR>
+                    <a:lnT w="12700" cap="flat" cmpd="sng" algn="ctr">
+                      <a:solidFill>
+                        <a:schemeClr val="tx1"/>
+                      </a:solidFill>
+                      <a:prstDash val="solid"/>
+                      <a:round/>
+                      <a:headEnd type="none" w="med" len="med"/>
+                      <a:tailEnd type="none" w="med" len="med"/>
+                    </a:lnT>
+                    <a:lnB w="12700" cap="flat" cmpd="sng" algn="ctr">
+                      <a:solidFill>
+                        <a:schemeClr val="tx1"/>
+                      </a:solidFill>
+                      <a:prstDash val="solid"/>
+                      <a:round/>
+                      <a:headEnd type="none" w="med" len="med"/>
+                      <a:tailEnd type="none" w="med" len="med"/>
+                    </a:lnB>
+                    <a:solidFill>
+                      <a:schemeClr val="bg1"/>
+                    </a:solidFill>
+                  </a:tcPr>
+                </a:tc>
+                <a:extLst>
+                  <a:ext uri="{0D108BD9-81ED-4DB2-BD59-A6C34878D82A}">
+                    <a16:rowId xmlns:a16="http://schemas.microsoft.com/office/drawing/2014/main" val="1894260681"/>
+                  </a:ext>
+                </a:extLst>
+              </a:tr>
+              <a:tr h="420710">
+                <a:tc>
+                  <a:txBody>
+                    <a:bodyPr/>
+                    <a:lstStyle/>
+                    <a:p>
+                      <a:pPr algn="ctr" latinLnBrk="1"/>
+                      <a:r>
+                        <a:rPr lang="en-US" altLang="ko-KR" b="0" dirty="0" smtClean="0">
+                          <a:solidFill>
+                            <a:schemeClr val="tx1"/>
+                          </a:solidFill>
+                        </a:rPr>
+                        <a:t>5</a:t>
+                      </a:r>
+                      <a:endParaRPr lang="ko-KR" altLang="en-US" b="0" dirty="0">
+                        <a:solidFill>
+                          <a:schemeClr val="tx1"/>
+                        </a:solidFill>
+                      </a:endParaRPr>
+                    </a:p>
+                  </a:txBody>
+                  <a:tcPr anchor="ctr">
+                    <a:lnL w="12700" cap="flat" cmpd="sng" algn="ctr">
+                      <a:solidFill>
+                        <a:schemeClr val="tx1"/>
+                      </a:solidFill>
+                      <a:prstDash val="solid"/>
+                      <a:round/>
+                      <a:headEnd type="none" w="med" len="med"/>
+                      <a:tailEnd type="none" w="med" len="med"/>
+                    </a:lnL>
+                    <a:lnR w="12700" cap="flat" cmpd="sng" algn="ctr">
+                      <a:solidFill>
+                        <a:schemeClr val="tx1"/>
+                      </a:solidFill>
+                      <a:prstDash val="solid"/>
+                      <a:round/>
+                      <a:headEnd type="none" w="med" len="med"/>
+                      <a:tailEnd type="none" w="med" len="med"/>
+                    </a:lnR>
+                    <a:lnT w="12700" cap="flat" cmpd="sng" algn="ctr">
+                      <a:solidFill>
+                        <a:schemeClr val="tx1"/>
+                      </a:solidFill>
+                      <a:prstDash val="solid"/>
+                      <a:round/>
+                      <a:headEnd type="none" w="med" len="med"/>
+                      <a:tailEnd type="none" w="med" len="med"/>
+                    </a:lnT>
+                    <a:lnB w="12700" cap="flat" cmpd="sng" algn="ctr">
+                      <a:solidFill>
+                        <a:schemeClr val="tx1"/>
+                      </a:solidFill>
+                      <a:prstDash val="solid"/>
+                      <a:round/>
+                      <a:headEnd type="none" w="med" len="med"/>
+                      <a:tailEnd type="none" w="med" len="med"/>
+                    </a:lnB>
+                    <a:solidFill>
+                      <a:schemeClr val="bg1"/>
+                    </a:solidFill>
+                  </a:tcPr>
+                </a:tc>
+                <a:extLst>
+                  <a:ext uri="{0D108BD9-81ED-4DB2-BD59-A6C34878D82A}">
+                    <a16:rowId xmlns:a16="http://schemas.microsoft.com/office/drawing/2014/main" val="181657390"/>
+                  </a:ext>
+                </a:extLst>
+              </a:tr>
+            </a:tbl>
+          </a:graphicData>
+        </a:graphic>
+      </p:graphicFrame>
+      <p:sp>
+        <p:nvSpPr>
+          <p:cNvPr id="5" name="모서리가 둥근 직사각형 4"/>
+          <p:cNvSpPr/>
+          <p:nvPr/>
+        </p:nvSpPr>
+        <p:spPr>
+          <a:xfrm>
+            <a:off x="1797140" y="2137892"/>
+            <a:ext cx="1687133" cy="373488"/>
+          </a:xfrm>
+          <a:prstGeom prst="roundRect">
+            <a:avLst/>
+          </a:prstGeom>
+          <a:solidFill>
+            <a:schemeClr val="bg1"/>
+          </a:solidFill>
+          <a:ln w="28575">
+            <a:solidFill>
+              <a:schemeClr val="tx1">
+                <a:lumMod val="50000"/>
+                <a:lumOff val="50000"/>
+              </a:schemeClr>
+            </a:solidFill>
+          </a:ln>
+        </p:spPr>
+        <p:style>
+          <a:lnRef idx="2">
+            <a:schemeClr val="accent1">
+              <a:shade val="50000"/>
+            </a:schemeClr>
+          </a:lnRef>
+          <a:fillRef idx="1">
+            <a:schemeClr val="accent1"/>
+          </a:fillRef>
+          <a:effectRef idx="0">
+            <a:schemeClr val="accent1"/>
+          </a:effectRef>
+          <a:fontRef idx="minor">
+            <a:schemeClr val="lt1"/>
+          </a:fontRef>
+        </p:style>
+        <p:txBody>
+          <a:bodyPr rtlCol="0" anchor="ctr"/>
+          <a:lstStyle/>
+          <a:p>
+            <a:pPr algn="ctr"/>
+            <a:r>
+              <a:rPr lang="ko-KR" altLang="en-US" b="1" dirty="0" smtClean="0">
+                <a:solidFill>
+                  <a:schemeClr val="tx1"/>
+                </a:solidFill>
+              </a:rPr>
+              <a:t>데이터 </a:t>
+            </a:r>
+            <a:r>
+              <a:rPr lang="en-US" altLang="ko-KR" b="1" dirty="0" smtClean="0">
+                <a:solidFill>
+                  <a:schemeClr val="tx1"/>
+                </a:solidFill>
+              </a:rPr>
+              <a:t>A</a:t>
+            </a:r>
+            <a:endParaRPr lang="ko-KR" altLang="en-US" b="1" dirty="0">
+              <a:solidFill>
+                <a:schemeClr val="tx1"/>
+              </a:solidFill>
+            </a:endParaRPr>
+          </a:p>
+        </p:txBody>
+      </p:sp>
+      <p:sp>
+        <p:nvSpPr>
+          <p:cNvPr id="6" name="모서리가 둥근 직사각형 5"/>
+          <p:cNvSpPr/>
+          <p:nvPr/>
+        </p:nvSpPr>
+        <p:spPr>
+          <a:xfrm>
+            <a:off x="409975" y="3213278"/>
+            <a:ext cx="1687133" cy="373488"/>
+          </a:xfrm>
+          <a:prstGeom prst="roundRect">
+            <a:avLst/>
+          </a:prstGeom>
+          <a:solidFill>
+            <a:schemeClr val="bg1"/>
+          </a:solidFill>
+          <a:ln w="28575">
+            <a:solidFill>
+              <a:schemeClr val="tx1">
+                <a:lumMod val="50000"/>
+                <a:lumOff val="50000"/>
+              </a:schemeClr>
+            </a:solidFill>
+          </a:ln>
+        </p:spPr>
+        <p:style>
+          <a:lnRef idx="2">
+            <a:schemeClr val="accent1">
+              <a:shade val="50000"/>
+            </a:schemeClr>
+          </a:lnRef>
+          <a:fillRef idx="1">
+            <a:schemeClr val="accent1"/>
+          </a:fillRef>
+          <a:effectRef idx="0">
+            <a:schemeClr val="accent1"/>
+          </a:effectRef>
+          <a:fontRef idx="minor">
+            <a:schemeClr val="lt1"/>
+          </a:fontRef>
+        </p:style>
+        <p:txBody>
+          <a:bodyPr rtlCol="0" anchor="ctr"/>
+          <a:lstStyle/>
+          <a:p>
+            <a:pPr algn="ctr"/>
+            <a:r>
+              <a:rPr lang="ko-KR" altLang="en-US" b="1" dirty="0" smtClean="0">
+                <a:solidFill>
+                  <a:schemeClr val="tx1"/>
+                </a:solidFill>
+              </a:rPr>
+              <a:t>데이터 </a:t>
+            </a:r>
+            <a:r>
+              <a:rPr lang="en-US" altLang="ko-KR" b="1" dirty="0">
+                <a:solidFill>
+                  <a:schemeClr val="tx1"/>
+                </a:solidFill>
+              </a:rPr>
+              <a:t>B</a:t>
+            </a:r>
+            <a:endParaRPr lang="ko-KR" altLang="en-US" b="1" dirty="0">
+              <a:solidFill>
+                <a:schemeClr val="tx1"/>
+              </a:solidFill>
+            </a:endParaRPr>
+          </a:p>
+        </p:txBody>
+      </p:sp>
+      <p:sp>
+        <p:nvSpPr>
+          <p:cNvPr id="7" name="모서리가 둥근 직사각형 6"/>
+          <p:cNvSpPr/>
+          <p:nvPr/>
+        </p:nvSpPr>
+        <p:spPr>
+          <a:xfrm>
+            <a:off x="1797139" y="4288664"/>
+            <a:ext cx="1687133" cy="373488"/>
+          </a:xfrm>
+          <a:prstGeom prst="roundRect">
+            <a:avLst/>
+          </a:prstGeom>
+          <a:solidFill>
+            <a:schemeClr val="bg1"/>
+          </a:solidFill>
+          <a:ln w="28575">
+            <a:solidFill>
+              <a:schemeClr val="tx1">
+                <a:lumMod val="50000"/>
+                <a:lumOff val="50000"/>
+              </a:schemeClr>
+            </a:solidFill>
+          </a:ln>
+        </p:spPr>
+        <p:style>
+          <a:lnRef idx="2">
+            <a:schemeClr val="accent1">
+              <a:shade val="50000"/>
+            </a:schemeClr>
+          </a:lnRef>
+          <a:fillRef idx="1">
+            <a:schemeClr val="accent1"/>
+          </a:fillRef>
+          <a:effectRef idx="0">
+            <a:schemeClr val="accent1"/>
+          </a:effectRef>
+          <a:fontRef idx="minor">
+            <a:schemeClr val="lt1"/>
+          </a:fontRef>
+        </p:style>
+        <p:txBody>
+          <a:bodyPr rtlCol="0" anchor="ctr"/>
+          <a:lstStyle/>
+          <a:p>
+            <a:pPr algn="ctr"/>
+            <a:r>
+              <a:rPr lang="ko-KR" altLang="en-US" b="1" dirty="0" smtClean="0">
+                <a:solidFill>
+                  <a:schemeClr val="tx1"/>
+                </a:solidFill>
+              </a:rPr>
+              <a:t>데이터 </a:t>
+            </a:r>
+            <a:r>
+              <a:rPr lang="en-US" altLang="ko-KR" b="1" dirty="0" smtClean="0">
+                <a:solidFill>
+                  <a:schemeClr val="tx1"/>
+                </a:solidFill>
+              </a:rPr>
+              <a:t>C</a:t>
+            </a:r>
+            <a:endParaRPr lang="ko-KR" altLang="en-US" b="1" dirty="0">
+              <a:solidFill>
+                <a:schemeClr val="tx1"/>
+              </a:solidFill>
+            </a:endParaRPr>
+          </a:p>
+        </p:txBody>
+      </p:sp>
+      <p:sp>
+        <p:nvSpPr>
+          <p:cNvPr id="9" name="타원 8"/>
+          <p:cNvSpPr/>
+          <p:nvPr/>
+        </p:nvSpPr>
+        <p:spPr>
+          <a:xfrm>
+            <a:off x="2989775" y="2550553"/>
+            <a:ext cx="1705914" cy="1705914"/>
+          </a:xfrm>
+          <a:prstGeom prst="ellipse">
+            <a:avLst/>
+          </a:prstGeom>
+          <a:solidFill>
+            <a:schemeClr val="bg1">
+              <a:lumMod val="85000"/>
+            </a:schemeClr>
+          </a:solidFill>
+          <a:ln>
+            <a:noFill/>
+          </a:ln>
+        </p:spPr>
+        <p:style>
+          <a:lnRef idx="2">
+            <a:schemeClr val="accent1">
+              <a:shade val="50000"/>
+            </a:schemeClr>
+          </a:lnRef>
+          <a:fillRef idx="1">
+            <a:schemeClr val="accent1"/>
+          </a:fillRef>
+          <a:effectRef idx="0">
+            <a:schemeClr val="accent1"/>
+          </a:effectRef>
+          <a:fontRef idx="minor">
+            <a:schemeClr val="lt1"/>
+          </a:fontRef>
+        </p:style>
+        <p:txBody>
+          <a:bodyPr rtlCol="0" anchor="ctr"/>
+          <a:lstStyle/>
+          <a:p>
+            <a:pPr algn="ctr"/>
+            <a:r>
+              <a:rPr lang="ko-KR" altLang="en-US" b="1" dirty="0" err="1" smtClean="0">
+                <a:solidFill>
+                  <a:schemeClr val="tx1"/>
+                </a:solidFill>
+              </a:rPr>
+              <a:t>해쉬</a:t>
+            </a:r>
+            <a:r>
+              <a:rPr lang="ko-KR" altLang="en-US" b="1" dirty="0" smtClean="0">
+                <a:solidFill>
+                  <a:schemeClr val="tx1"/>
+                </a:solidFill>
+              </a:rPr>
+              <a:t> </a:t>
+            </a:r>
+            <a:endParaRPr lang="en-US" altLang="ko-KR" b="1" dirty="0" smtClean="0">
+              <a:solidFill>
+                <a:schemeClr val="tx1"/>
+              </a:solidFill>
+            </a:endParaRPr>
+          </a:p>
+          <a:p>
+            <a:pPr algn="ctr"/>
+            <a:r>
+              <a:rPr lang="ko-KR" altLang="en-US" b="1" dirty="0" smtClean="0">
+                <a:solidFill>
+                  <a:schemeClr val="tx1"/>
+                </a:solidFill>
+              </a:rPr>
+              <a:t>함수</a:t>
+            </a:r>
+            <a:endParaRPr lang="ko-KR" altLang="en-US" b="1" dirty="0">
+              <a:solidFill>
+                <a:schemeClr val="tx1"/>
+              </a:solidFill>
+            </a:endParaRPr>
+          </a:p>
+        </p:txBody>
+      </p:sp>
+      <p:cxnSp>
+        <p:nvCxnSpPr>
+          <p:cNvPr id="12" name="직선 화살표 연결선 11"/>
+          <p:cNvCxnSpPr>
+            <a:stCxn id="6" idx="3"/>
+          </p:cNvCxnSpPr>
+          <p:nvPr/>
+        </p:nvCxnSpPr>
+        <p:spPr>
+          <a:xfrm flipV="1">
+            <a:off x="2097108" y="3365678"/>
+            <a:ext cx="2758226" cy="34344"/>
+          </a:xfrm>
+          <a:prstGeom prst="straightConnector1">
+            <a:avLst/>
+          </a:prstGeom>
+          <a:ln w="12700">
+            <a:solidFill>
+              <a:schemeClr val="tx1"/>
+            </a:solidFill>
+            <a:tailEnd type="triangle"/>
+          </a:ln>
+        </p:spPr>
+        <p:style>
+          <a:lnRef idx="1">
+            <a:schemeClr val="accent1"/>
+          </a:lnRef>
+          <a:fillRef idx="0">
+            <a:schemeClr val="accent1"/>
+          </a:fillRef>
+          <a:effectRef idx="0">
+            <a:schemeClr val="accent1"/>
+          </a:effectRef>
+          <a:fontRef idx="minor">
+            <a:schemeClr val="tx1"/>
+          </a:fontRef>
+        </p:style>
+      </p:cxnSp>
+      <p:cxnSp>
+        <p:nvCxnSpPr>
+          <p:cNvPr id="17" name="꺾인 연결선 16"/>
+          <p:cNvCxnSpPr>
+            <a:stCxn id="7" idx="0"/>
+          </p:cNvCxnSpPr>
+          <p:nvPr/>
+        </p:nvCxnSpPr>
+        <p:spPr>
+          <a:xfrm rot="5400000" flipH="1" flipV="1">
+            <a:off x="3484004" y="2917334"/>
+            <a:ext cx="528033" cy="2214628"/>
+          </a:xfrm>
+          <a:prstGeom prst="bentConnector2">
+            <a:avLst/>
+          </a:prstGeom>
+          <a:ln w="12700">
+            <a:solidFill>
+              <a:schemeClr val="tx1"/>
+            </a:solidFill>
+            <a:tailEnd type="triangle"/>
+          </a:ln>
+        </p:spPr>
+        <p:style>
+          <a:lnRef idx="1">
+            <a:schemeClr val="accent1"/>
+          </a:lnRef>
+          <a:fillRef idx="0">
+            <a:schemeClr val="accent1"/>
+          </a:fillRef>
+          <a:effectRef idx="0">
+            <a:schemeClr val="accent1"/>
+          </a:effectRef>
+          <a:fontRef idx="minor">
+            <a:schemeClr val="tx1"/>
+          </a:fontRef>
+        </p:style>
+      </p:cxnSp>
+      <p:cxnSp>
+        <p:nvCxnSpPr>
+          <p:cNvPr id="18" name="꺾인 연결선 17"/>
+          <p:cNvCxnSpPr>
+            <a:stCxn id="5" idx="2"/>
+          </p:cNvCxnSpPr>
+          <p:nvPr/>
+        </p:nvCxnSpPr>
+        <p:spPr>
+          <a:xfrm rot="16200000" flipH="1">
+            <a:off x="3509761" y="1642325"/>
+            <a:ext cx="476519" cy="2214627"/>
+          </a:xfrm>
+          <a:prstGeom prst="bentConnector2">
+            <a:avLst/>
+          </a:prstGeom>
+          <a:ln w="12700">
+            <a:solidFill>
+              <a:schemeClr val="tx1"/>
+            </a:solidFill>
+            <a:tailEnd type="triangle"/>
+          </a:ln>
+        </p:spPr>
+        <p:style>
+          <a:lnRef idx="1">
+            <a:schemeClr val="accent1"/>
+          </a:lnRef>
+          <a:fillRef idx="0">
+            <a:schemeClr val="accent1"/>
+          </a:fillRef>
+          <a:effectRef idx="0">
+            <a:schemeClr val="accent1"/>
+          </a:effectRef>
+          <a:fontRef idx="minor">
+            <a:schemeClr val="tx1"/>
+          </a:fontRef>
+        </p:style>
+      </p:cxnSp>
+      <p:sp>
+        <p:nvSpPr>
+          <p:cNvPr id="21" name="TextBox 20"/>
+          <p:cNvSpPr txBox="1"/>
+          <p:nvPr/>
+        </p:nvSpPr>
+        <p:spPr>
+          <a:xfrm>
+            <a:off x="4925932" y="2843946"/>
+            <a:ext cx="772969" cy="369332"/>
+          </a:xfrm>
+          <a:prstGeom prst="rect">
+            <a:avLst/>
+          </a:prstGeom>
+          <a:noFill/>
+        </p:spPr>
+        <p:txBody>
+          <a:bodyPr wrap="none" rtlCol="0">
+            <a:spAutoFit/>
+          </a:bodyPr>
+          <a:lstStyle/>
+          <a:p>
+            <a:r>
+              <a:rPr lang="en-US" altLang="ko-KR" smtClean="0"/>
+              <a:t>0</a:t>
+            </a:r>
+            <a:r>
+              <a:rPr lang="ko-KR" altLang="en-US" dirty="0" smtClean="0"/>
+              <a:t>번지</a:t>
+            </a:r>
+            <a:endParaRPr lang="ko-KR" altLang="en-US" dirty="0"/>
+          </a:p>
+        </p:txBody>
+      </p:sp>
+      <p:sp>
+        <p:nvSpPr>
+          <p:cNvPr id="22" name="TextBox 21"/>
+          <p:cNvSpPr txBox="1"/>
+          <p:nvPr/>
+        </p:nvSpPr>
+        <p:spPr>
+          <a:xfrm>
+            <a:off x="4925932" y="3181012"/>
+            <a:ext cx="772969" cy="369332"/>
+          </a:xfrm>
+          <a:prstGeom prst="rect">
+            <a:avLst/>
+          </a:prstGeom>
+          <a:noFill/>
+        </p:spPr>
+        <p:txBody>
+          <a:bodyPr wrap="none" rtlCol="0">
+            <a:spAutoFit/>
+          </a:bodyPr>
+          <a:lstStyle/>
+          <a:p>
+            <a:r>
+              <a:rPr lang="en-US" altLang="ko-KR" dirty="0" smtClean="0"/>
+              <a:t>3</a:t>
+            </a:r>
+            <a:r>
+              <a:rPr lang="ko-KR" altLang="en-US" dirty="0" smtClean="0"/>
+              <a:t>번지</a:t>
+            </a:r>
+            <a:endParaRPr lang="ko-KR" altLang="en-US" dirty="0"/>
+          </a:p>
+        </p:txBody>
+      </p:sp>
+      <p:sp>
+        <p:nvSpPr>
+          <p:cNvPr id="23" name="TextBox 22"/>
+          <p:cNvSpPr txBox="1"/>
+          <p:nvPr/>
+        </p:nvSpPr>
+        <p:spPr>
+          <a:xfrm>
+            <a:off x="4925932" y="3518078"/>
+            <a:ext cx="772969" cy="369332"/>
+          </a:xfrm>
+          <a:prstGeom prst="rect">
+            <a:avLst/>
+          </a:prstGeom>
+          <a:noFill/>
+        </p:spPr>
+        <p:txBody>
+          <a:bodyPr wrap="none" rtlCol="0">
+            <a:spAutoFit/>
+          </a:bodyPr>
+          <a:lstStyle/>
+          <a:p>
+            <a:r>
+              <a:rPr lang="en-US" altLang="ko-KR" dirty="0"/>
+              <a:t>3</a:t>
+            </a:r>
+            <a:r>
+              <a:rPr lang="ko-KR" altLang="en-US" dirty="0" smtClean="0"/>
+              <a:t>번지</a:t>
+            </a:r>
+            <a:endParaRPr lang="ko-KR" altLang="en-US" dirty="0"/>
+          </a:p>
+        </p:txBody>
+      </p:sp>
+      <p:sp>
+        <p:nvSpPr>
+          <p:cNvPr id="24" name="TextBox 23"/>
+          <p:cNvSpPr txBox="1"/>
+          <p:nvPr/>
+        </p:nvSpPr>
+        <p:spPr>
+          <a:xfrm>
+            <a:off x="5005770" y="1339161"/>
+            <a:ext cx="2738250" cy="646331"/>
+          </a:xfrm>
+          <a:prstGeom prst="rect">
+            <a:avLst/>
+          </a:prstGeom>
+          <a:noFill/>
+        </p:spPr>
+        <p:txBody>
+          <a:bodyPr wrap="none" rtlCol="0">
+            <a:spAutoFit/>
+          </a:bodyPr>
+          <a:lstStyle/>
+          <a:p>
+            <a:pPr algn="ctr"/>
+            <a:r>
+              <a:rPr lang="ko-KR" altLang="en-US" dirty="0" err="1" smtClean="0"/>
+              <a:t>해쉬</a:t>
+            </a:r>
+            <a:r>
+              <a:rPr lang="ko-KR" altLang="en-US" dirty="0" smtClean="0"/>
+              <a:t> 테이블의 루트 배열</a:t>
+            </a:r>
+            <a:endParaRPr lang="en-US" altLang="ko-KR" dirty="0" smtClean="0"/>
+          </a:p>
+          <a:p>
+            <a:pPr algn="ctr"/>
+            <a:r>
+              <a:rPr lang="en-US" altLang="ko-KR" dirty="0" smtClean="0"/>
+              <a:t>= </a:t>
+            </a:r>
+            <a:r>
+              <a:rPr lang="ko-KR" altLang="en-US" b="1" dirty="0" smtClean="0"/>
+              <a:t>리스트 자료구조</a:t>
+            </a:r>
+            <a:endParaRPr lang="ko-KR" altLang="en-US" b="1" dirty="0"/>
+          </a:p>
+        </p:txBody>
+      </p:sp>
+      <p:sp>
+        <p:nvSpPr>
+          <p:cNvPr id="26" name="모서리가 둥근 직사각형 25"/>
+          <p:cNvSpPr/>
+          <p:nvPr/>
+        </p:nvSpPr>
+        <p:spPr>
+          <a:xfrm>
+            <a:off x="7448819" y="2134670"/>
+            <a:ext cx="1687133" cy="373488"/>
+          </a:xfrm>
+          <a:prstGeom prst="roundRect">
+            <a:avLst/>
+          </a:prstGeom>
+          <a:solidFill>
+            <a:schemeClr val="bg1"/>
+          </a:solidFill>
+          <a:ln w="28575">
+            <a:solidFill>
+              <a:schemeClr val="tx1">
+                <a:lumMod val="50000"/>
+                <a:lumOff val="50000"/>
+              </a:schemeClr>
+            </a:solidFill>
+          </a:ln>
+        </p:spPr>
+        <p:style>
+          <a:lnRef idx="2">
+            <a:schemeClr val="accent1">
+              <a:shade val="50000"/>
+            </a:schemeClr>
+          </a:lnRef>
+          <a:fillRef idx="1">
+            <a:schemeClr val="accent1"/>
+          </a:fillRef>
+          <a:effectRef idx="0">
+            <a:schemeClr val="accent1"/>
+          </a:effectRef>
+          <a:fontRef idx="minor">
+            <a:schemeClr val="lt1"/>
+          </a:fontRef>
+        </p:style>
+        <p:txBody>
+          <a:bodyPr rtlCol="0" anchor="ctr"/>
+          <a:lstStyle/>
+          <a:p>
+            <a:pPr algn="ctr"/>
+            <a:r>
+              <a:rPr lang="ko-KR" altLang="en-US" b="1" dirty="0" smtClean="0">
+                <a:solidFill>
+                  <a:schemeClr val="tx1"/>
+                </a:solidFill>
+              </a:rPr>
+              <a:t>데이터 </a:t>
+            </a:r>
+            <a:r>
+              <a:rPr lang="en-US" altLang="ko-KR" b="1" dirty="0" smtClean="0">
+                <a:solidFill>
+                  <a:schemeClr val="tx1"/>
+                </a:solidFill>
+              </a:rPr>
+              <a:t>A</a:t>
+            </a:r>
+            <a:endParaRPr lang="ko-KR" altLang="en-US" b="1" dirty="0">
+              <a:solidFill>
+                <a:schemeClr val="tx1"/>
+              </a:solidFill>
+            </a:endParaRPr>
+          </a:p>
+        </p:txBody>
+      </p:sp>
+      <p:sp>
+        <p:nvSpPr>
+          <p:cNvPr id="27" name="모서리가 둥근 직사각형 26"/>
+          <p:cNvSpPr/>
+          <p:nvPr/>
+        </p:nvSpPr>
+        <p:spPr>
+          <a:xfrm>
+            <a:off x="7448818" y="3452608"/>
+            <a:ext cx="1687133" cy="373488"/>
+          </a:xfrm>
+          <a:prstGeom prst="roundRect">
+            <a:avLst/>
+          </a:prstGeom>
+          <a:solidFill>
+            <a:schemeClr val="bg1"/>
+          </a:solidFill>
+          <a:ln w="28575">
+            <a:solidFill>
+              <a:schemeClr val="tx1">
+                <a:lumMod val="50000"/>
+                <a:lumOff val="50000"/>
+              </a:schemeClr>
+            </a:solidFill>
+          </a:ln>
+        </p:spPr>
+        <p:style>
+          <a:lnRef idx="2">
+            <a:schemeClr val="accent1">
+              <a:shade val="50000"/>
+            </a:schemeClr>
+          </a:lnRef>
+          <a:fillRef idx="1">
+            <a:schemeClr val="accent1"/>
+          </a:fillRef>
+          <a:effectRef idx="0">
+            <a:schemeClr val="accent1"/>
+          </a:effectRef>
+          <a:fontRef idx="minor">
+            <a:schemeClr val="lt1"/>
+          </a:fontRef>
+        </p:style>
+        <p:txBody>
+          <a:bodyPr rtlCol="0" anchor="ctr"/>
+          <a:lstStyle/>
+          <a:p>
+            <a:pPr algn="ctr"/>
+            <a:r>
+              <a:rPr lang="ko-KR" altLang="en-US" b="1" dirty="0" smtClean="0">
+                <a:solidFill>
+                  <a:schemeClr val="tx1"/>
+                </a:solidFill>
+              </a:rPr>
+              <a:t>데이터 </a:t>
+            </a:r>
+            <a:r>
+              <a:rPr lang="en-US" altLang="ko-KR" b="1" dirty="0" smtClean="0">
+                <a:solidFill>
+                  <a:schemeClr val="tx1"/>
+                </a:solidFill>
+              </a:rPr>
+              <a:t>B</a:t>
+            </a:r>
+            <a:endParaRPr lang="ko-KR" altLang="en-US" b="1" dirty="0">
+              <a:solidFill>
+                <a:schemeClr val="tx1"/>
+              </a:solidFill>
+            </a:endParaRPr>
+          </a:p>
+        </p:txBody>
+      </p:sp>
+      <p:sp>
+        <p:nvSpPr>
+          <p:cNvPr id="28" name="모서리가 둥근 직사각형 27"/>
+          <p:cNvSpPr/>
+          <p:nvPr/>
+        </p:nvSpPr>
+        <p:spPr>
+          <a:xfrm>
+            <a:off x="9445043" y="3452608"/>
+            <a:ext cx="1687133" cy="373488"/>
+          </a:xfrm>
+          <a:prstGeom prst="roundRect">
+            <a:avLst/>
+          </a:prstGeom>
+          <a:solidFill>
+            <a:schemeClr val="bg1"/>
+          </a:solidFill>
+          <a:ln w="28575">
+            <a:solidFill>
+              <a:schemeClr val="tx1">
+                <a:lumMod val="50000"/>
+                <a:lumOff val="50000"/>
+              </a:schemeClr>
+            </a:solidFill>
+          </a:ln>
+        </p:spPr>
+        <p:style>
+          <a:lnRef idx="2">
+            <a:schemeClr val="accent1">
+              <a:shade val="50000"/>
+            </a:schemeClr>
+          </a:lnRef>
+          <a:fillRef idx="1">
+            <a:schemeClr val="accent1"/>
+          </a:fillRef>
+          <a:effectRef idx="0">
+            <a:schemeClr val="accent1"/>
+          </a:effectRef>
+          <a:fontRef idx="minor">
+            <a:schemeClr val="lt1"/>
+          </a:fontRef>
+        </p:style>
+        <p:txBody>
+          <a:bodyPr rtlCol="0" anchor="ctr"/>
+          <a:lstStyle/>
+          <a:p>
+            <a:pPr algn="ctr"/>
+            <a:r>
+              <a:rPr lang="ko-KR" altLang="en-US" b="1" dirty="0" smtClean="0">
+                <a:solidFill>
+                  <a:schemeClr val="tx1"/>
+                </a:solidFill>
+              </a:rPr>
+              <a:t>데이터 </a:t>
+            </a:r>
+            <a:r>
+              <a:rPr lang="en-US" altLang="ko-KR" b="1" dirty="0" smtClean="0">
+                <a:solidFill>
+                  <a:schemeClr val="tx1"/>
+                </a:solidFill>
+              </a:rPr>
+              <a:t>C</a:t>
+            </a:r>
+            <a:endParaRPr lang="ko-KR" altLang="en-US" b="1" dirty="0">
+              <a:solidFill>
+                <a:schemeClr val="tx1"/>
+              </a:solidFill>
+            </a:endParaRPr>
+          </a:p>
+        </p:txBody>
+      </p:sp>
+      <p:cxnSp>
+        <p:nvCxnSpPr>
+          <p:cNvPr id="30" name="직선 화살표 연결선 29"/>
+          <p:cNvCxnSpPr>
+            <a:endCxn id="27" idx="1"/>
+          </p:cNvCxnSpPr>
+          <p:nvPr/>
+        </p:nvCxnSpPr>
+        <p:spPr>
+          <a:xfrm>
+            <a:off x="6820647" y="3639352"/>
+            <a:ext cx="628171" cy="0"/>
+          </a:xfrm>
+          <a:prstGeom prst="straightConnector1">
+            <a:avLst/>
+          </a:prstGeom>
+          <a:ln w="12700">
+            <a:solidFill>
+              <a:schemeClr val="tx1"/>
+            </a:solidFill>
+            <a:tailEnd type="triangle"/>
+          </a:ln>
+        </p:spPr>
+        <p:style>
+          <a:lnRef idx="1">
+            <a:schemeClr val="accent1"/>
+          </a:lnRef>
+          <a:fillRef idx="0">
+            <a:schemeClr val="accent1"/>
+          </a:fillRef>
+          <a:effectRef idx="0">
+            <a:schemeClr val="accent1"/>
+          </a:effectRef>
+          <a:fontRef idx="minor">
+            <a:schemeClr val="tx1"/>
+          </a:fontRef>
+        </p:style>
+      </p:cxnSp>
+      <p:cxnSp>
+        <p:nvCxnSpPr>
+          <p:cNvPr id="33" name="직선 화살표 연결선 32"/>
+          <p:cNvCxnSpPr>
+            <a:endCxn id="26" idx="1"/>
+          </p:cNvCxnSpPr>
+          <p:nvPr/>
+        </p:nvCxnSpPr>
+        <p:spPr>
+          <a:xfrm flipV="1">
+            <a:off x="6820646" y="2321414"/>
+            <a:ext cx="628173" cy="5363"/>
+          </a:xfrm>
+          <a:prstGeom prst="straightConnector1">
+            <a:avLst/>
+          </a:prstGeom>
+          <a:ln w="12700">
+            <a:solidFill>
+              <a:schemeClr val="tx1"/>
+            </a:solidFill>
+            <a:tailEnd type="triangle"/>
+          </a:ln>
+        </p:spPr>
+        <p:style>
+          <a:lnRef idx="1">
+            <a:schemeClr val="accent1"/>
+          </a:lnRef>
+          <a:fillRef idx="0">
+            <a:schemeClr val="accent1"/>
+          </a:fillRef>
+          <a:effectRef idx="0">
+            <a:schemeClr val="accent1"/>
+          </a:effectRef>
+          <a:fontRef idx="minor">
+            <a:schemeClr val="tx1"/>
+          </a:fontRef>
+        </p:style>
+      </p:cxnSp>
+      <p:cxnSp>
+        <p:nvCxnSpPr>
+          <p:cNvPr id="35" name="직선 화살표 연결선 34"/>
+          <p:cNvCxnSpPr>
+            <a:stCxn id="27" idx="3"/>
+            <a:endCxn id="28" idx="1"/>
+          </p:cNvCxnSpPr>
+          <p:nvPr/>
+        </p:nvCxnSpPr>
+        <p:spPr>
+          <a:xfrm>
+            <a:off x="9135951" y="3639352"/>
+            <a:ext cx="309092" cy="0"/>
+          </a:xfrm>
+          <a:prstGeom prst="straightConnector1">
+            <a:avLst/>
+          </a:prstGeom>
+          <a:ln w="12700">
+            <a:solidFill>
+              <a:schemeClr val="tx1"/>
+            </a:solidFill>
+            <a:tailEnd type="triangle"/>
+          </a:ln>
+        </p:spPr>
+        <p:style>
+          <a:lnRef idx="1">
+            <a:schemeClr val="accent1"/>
+          </a:lnRef>
+          <a:fillRef idx="0">
+            <a:schemeClr val="accent1"/>
+          </a:fillRef>
+          <a:effectRef idx="0">
+            <a:schemeClr val="accent1"/>
+          </a:effectRef>
+          <a:fontRef idx="minor">
+            <a:schemeClr val="tx1"/>
+          </a:fontRef>
+        </p:style>
+      </p:cxnSp>
+      <p:sp>
+        <p:nvSpPr>
+          <p:cNvPr id="38" name="TextBox 37"/>
+          <p:cNvSpPr txBox="1"/>
+          <p:nvPr/>
+        </p:nvSpPr>
+        <p:spPr>
+          <a:xfrm>
+            <a:off x="8439811" y="3965498"/>
+            <a:ext cx="1651414" cy="646331"/>
+          </a:xfrm>
+          <a:prstGeom prst="rect">
+            <a:avLst/>
+          </a:prstGeom>
+          <a:noFill/>
+        </p:spPr>
+        <p:txBody>
+          <a:bodyPr wrap="none" rtlCol="0">
+            <a:spAutoFit/>
+          </a:bodyPr>
+          <a:lstStyle/>
+          <a:p>
+            <a:pPr algn="ctr"/>
+            <a:r>
+              <a:rPr lang="ko-KR" altLang="en-US" dirty="0" smtClean="0"/>
+              <a:t>연결 리스트</a:t>
+            </a:r>
+            <a:endParaRPr lang="en-US" altLang="ko-KR" dirty="0" smtClean="0"/>
+          </a:p>
+          <a:p>
+            <a:pPr algn="ctr"/>
+            <a:r>
+              <a:rPr lang="ko-KR" altLang="en-US" dirty="0" smtClean="0"/>
+              <a:t>방식으로 연결</a:t>
+            </a:r>
+            <a:endParaRPr lang="ko-KR" altLang="en-US" dirty="0"/>
+          </a:p>
+        </p:txBody>
+      </p:sp>
+    </p:spTree>
+    <p:extLst>
+      <p:ext uri="{BB962C8B-B14F-4D97-AF65-F5344CB8AC3E}">
+        <p14:creationId xmlns:p14="http://schemas.microsoft.com/office/powerpoint/2010/main" val="2334290113"/>
       </p:ext>
     </p:extLst>
   </p:cSld>
@@ -9876,6 +12484,1176 @@
     <p:extLst>
       <p:ext uri="{BB962C8B-B14F-4D97-AF65-F5344CB8AC3E}">
         <p14:creationId xmlns:p14="http://schemas.microsoft.com/office/powerpoint/2010/main" val="3430593507"/>
+      </p:ext>
+    </p:extLst>
+  </p:cSld>
+  <p:clrMapOvr>
+    <a:masterClrMapping/>
+  </p:clrMapOvr>
+</p:sld>
+</file>
+
+<file path=ppt/slides/slide20.xml><?xml version="1.0" encoding="utf-8"?>
+<p:sld xmlns:a="http://schemas.openxmlformats.org/drawingml/2006/main" xmlns:r="http://schemas.openxmlformats.org/officeDocument/2006/relationships" xmlns:p="http://schemas.openxmlformats.org/presentationml/2006/main">
+  <p:cSld>
+    <p:spTree>
+      <p:nvGrpSpPr>
+        <p:cNvPr id="1" name=""/>
+        <p:cNvGrpSpPr/>
+        <p:nvPr/>
+      </p:nvGrpSpPr>
+      <p:grpSpPr>
+        <a:xfrm>
+          <a:off x="0" y="0"/>
+          <a:ext cx="0" cy="0"/>
+          <a:chOff x="0" y="0"/>
+          <a:chExt cx="0" cy="0"/>
+        </a:xfrm>
+      </p:grpSpPr>
+      <p:graphicFrame>
+        <p:nvGraphicFramePr>
+          <p:cNvPr id="4" name="표 4">
+            <a:extLst>
+              <a:ext uri="{FF2B5EF4-FFF2-40B4-BE49-F238E27FC236}">
+                <a16:creationId xmlns:a16="http://schemas.microsoft.com/office/drawing/2014/main" id="{260303AE-5F82-432A-AFE1-96F738EBE501}"/>
+              </a:ext>
+            </a:extLst>
+          </p:cNvPr>
+          <p:cNvGraphicFramePr>
+            <a:graphicFrameLocks noGrp="1"/>
+          </p:cNvGraphicFramePr>
+          <p:nvPr>
+            <p:extLst>
+              <p:ext uri="{D42A27DB-BD31-4B8C-83A1-F6EECF244321}">
+                <p14:modId xmlns:p14="http://schemas.microsoft.com/office/powerpoint/2010/main" val="2396342469"/>
+              </p:ext>
+            </p:extLst>
+          </p:nvPr>
+        </p:nvGraphicFramePr>
+        <p:xfrm>
+          <a:off x="1962407" y="3775028"/>
+          <a:ext cx="1080000" cy="365760"/>
+        </p:xfrm>
+        <a:graphic>
+          <a:graphicData uri="http://schemas.openxmlformats.org/drawingml/2006/table">
+            <a:tbl>
+              <a:tblPr firstRow="1" bandRow="1">
+                <a:tableStyleId>{5C22544A-7EE6-4342-B048-85BDC9FD1C3A}</a:tableStyleId>
+              </a:tblPr>
+              <a:tblGrid>
+                <a:gridCol w="1080000">
+                  <a:extLst>
+                    <a:ext uri="{9D8B030D-6E8A-4147-A177-3AD203B41FA5}">
+                      <a16:colId xmlns:a16="http://schemas.microsoft.com/office/drawing/2014/main" val="2051836303"/>
+                    </a:ext>
+                  </a:extLst>
+                </a:gridCol>
+              </a:tblGrid>
+              <a:tr h="283552">
+                <a:tc>
+                  <a:txBody>
+                    <a:bodyPr/>
+                    <a:lstStyle/>
+                    <a:p>
+                      <a:pPr algn="ctr" latinLnBrk="1"/>
+                      <a:r>
+                        <a:rPr lang="en-US" altLang="ko-KR" b="0" dirty="0" smtClean="0">
+                          <a:solidFill>
+                            <a:schemeClr val="tx1"/>
+                          </a:solidFill>
+                        </a:rPr>
+                        <a:t>1</a:t>
+                      </a:r>
+                      <a:endParaRPr lang="ko-KR" altLang="en-US" b="0" dirty="0">
+                        <a:solidFill>
+                          <a:schemeClr val="tx1"/>
+                        </a:solidFill>
+                      </a:endParaRPr>
+                    </a:p>
+                  </a:txBody>
+                  <a:tcPr anchor="ctr">
+                    <a:lnL w="12700" cap="flat" cmpd="sng" algn="ctr">
+                      <a:solidFill>
+                        <a:schemeClr val="tx1"/>
+                      </a:solidFill>
+                      <a:prstDash val="solid"/>
+                      <a:round/>
+                      <a:headEnd type="none" w="med" len="med"/>
+                      <a:tailEnd type="none" w="med" len="med"/>
+                    </a:lnL>
+                    <a:lnR w="12700" cap="flat" cmpd="sng" algn="ctr">
+                      <a:solidFill>
+                        <a:schemeClr val="tx1"/>
+                      </a:solidFill>
+                      <a:prstDash val="solid"/>
+                      <a:round/>
+                      <a:headEnd type="none" w="med" len="med"/>
+                      <a:tailEnd type="none" w="med" len="med"/>
+                    </a:lnR>
+                    <a:lnT w="12700" cap="flat" cmpd="sng" algn="ctr">
+                      <a:solidFill>
+                        <a:schemeClr val="tx1"/>
+                      </a:solidFill>
+                      <a:prstDash val="solid"/>
+                      <a:round/>
+                      <a:headEnd type="none" w="med" len="med"/>
+                      <a:tailEnd type="none" w="med" len="med"/>
+                    </a:lnT>
+                    <a:lnB w="12700" cap="flat" cmpd="sng" algn="ctr">
+                      <a:solidFill>
+                        <a:schemeClr val="tx1"/>
+                      </a:solidFill>
+                      <a:prstDash val="solid"/>
+                      <a:round/>
+                      <a:headEnd type="none" w="med" len="med"/>
+                      <a:tailEnd type="none" w="med" len="med"/>
+                    </a:lnB>
+                    <a:solidFill>
+                      <a:schemeClr val="bg1"/>
+                    </a:solidFill>
+                  </a:tcPr>
+                </a:tc>
+                <a:extLst>
+                  <a:ext uri="{0D108BD9-81ED-4DB2-BD59-A6C34878D82A}">
+                    <a16:rowId xmlns:a16="http://schemas.microsoft.com/office/drawing/2014/main" val="2075722758"/>
+                  </a:ext>
+                </a:extLst>
+              </a:tr>
+            </a:tbl>
+          </a:graphicData>
+        </a:graphic>
+      </p:graphicFrame>
+      <p:graphicFrame>
+        <p:nvGraphicFramePr>
+          <p:cNvPr id="5" name="표 4">
+            <a:extLst>
+              <a:ext uri="{FF2B5EF4-FFF2-40B4-BE49-F238E27FC236}">
+                <a16:creationId xmlns:a16="http://schemas.microsoft.com/office/drawing/2014/main" id="{260303AE-5F82-432A-AFE1-96F738EBE501}"/>
+              </a:ext>
+            </a:extLst>
+          </p:cNvPr>
+          <p:cNvGraphicFramePr>
+            <a:graphicFrameLocks noGrp="1"/>
+          </p:cNvGraphicFramePr>
+          <p:nvPr>
+            <p:extLst>
+              <p:ext uri="{D42A27DB-BD31-4B8C-83A1-F6EECF244321}">
+                <p14:modId xmlns:p14="http://schemas.microsoft.com/office/powerpoint/2010/main" val="2318516439"/>
+              </p:ext>
+            </p:extLst>
+          </p:nvPr>
+        </p:nvGraphicFramePr>
+        <p:xfrm>
+          <a:off x="3518603" y="3409268"/>
+          <a:ext cx="1080000" cy="731520"/>
+        </p:xfrm>
+        <a:graphic>
+          <a:graphicData uri="http://schemas.openxmlformats.org/drawingml/2006/table">
+            <a:tbl>
+              <a:tblPr firstRow="1" bandRow="1">
+                <a:tableStyleId>{5C22544A-7EE6-4342-B048-85BDC9FD1C3A}</a:tableStyleId>
+              </a:tblPr>
+              <a:tblGrid>
+                <a:gridCol w="1080000">
+                  <a:extLst>
+                    <a:ext uri="{9D8B030D-6E8A-4147-A177-3AD203B41FA5}">
+                      <a16:colId xmlns:a16="http://schemas.microsoft.com/office/drawing/2014/main" val="2051836303"/>
+                    </a:ext>
+                  </a:extLst>
+                </a:gridCol>
+              </a:tblGrid>
+              <a:tr h="283552">
+                <a:tc>
+                  <a:txBody>
+                    <a:bodyPr/>
+                    <a:lstStyle/>
+                    <a:p>
+                      <a:pPr algn="ctr" latinLnBrk="1"/>
+                      <a:r>
+                        <a:rPr lang="en-US" altLang="ko-KR" b="0" dirty="0" smtClean="0">
+                          <a:solidFill>
+                            <a:schemeClr val="tx1"/>
+                          </a:solidFill>
+                        </a:rPr>
+                        <a:t>2</a:t>
+                      </a:r>
+                      <a:endParaRPr lang="ko-KR" altLang="en-US" b="0" dirty="0">
+                        <a:solidFill>
+                          <a:schemeClr val="tx1"/>
+                        </a:solidFill>
+                      </a:endParaRPr>
+                    </a:p>
+                  </a:txBody>
+                  <a:tcPr anchor="ctr">
+                    <a:lnL w="12700" cap="flat" cmpd="sng" algn="ctr">
+                      <a:solidFill>
+                        <a:schemeClr val="tx1"/>
+                      </a:solidFill>
+                      <a:prstDash val="solid"/>
+                      <a:round/>
+                      <a:headEnd type="none" w="med" len="med"/>
+                      <a:tailEnd type="none" w="med" len="med"/>
+                    </a:lnL>
+                    <a:lnR w="12700" cap="flat" cmpd="sng" algn="ctr">
+                      <a:solidFill>
+                        <a:schemeClr val="tx1"/>
+                      </a:solidFill>
+                      <a:prstDash val="solid"/>
+                      <a:round/>
+                      <a:headEnd type="none" w="med" len="med"/>
+                      <a:tailEnd type="none" w="med" len="med"/>
+                    </a:lnR>
+                    <a:lnT w="12700" cap="flat" cmpd="sng" algn="ctr">
+                      <a:solidFill>
+                        <a:schemeClr val="tx1"/>
+                      </a:solidFill>
+                      <a:prstDash val="solid"/>
+                      <a:round/>
+                      <a:headEnd type="none" w="med" len="med"/>
+                      <a:tailEnd type="none" w="med" len="med"/>
+                    </a:lnT>
+                    <a:lnB w="12700" cap="flat" cmpd="sng" algn="ctr">
+                      <a:solidFill>
+                        <a:schemeClr val="tx1"/>
+                      </a:solidFill>
+                      <a:prstDash val="solid"/>
+                      <a:round/>
+                      <a:headEnd type="none" w="med" len="med"/>
+                      <a:tailEnd type="none" w="med" len="med"/>
+                    </a:lnB>
+                    <a:solidFill>
+                      <a:schemeClr val="bg1"/>
+                    </a:solidFill>
+                  </a:tcPr>
+                </a:tc>
+                <a:extLst>
+                  <a:ext uri="{0D108BD9-81ED-4DB2-BD59-A6C34878D82A}">
+                    <a16:rowId xmlns:a16="http://schemas.microsoft.com/office/drawing/2014/main" val="3036785839"/>
+                  </a:ext>
+                </a:extLst>
+              </a:tr>
+              <a:tr h="283552">
+                <a:tc>
+                  <a:txBody>
+                    <a:bodyPr/>
+                    <a:lstStyle/>
+                    <a:p>
+                      <a:pPr algn="ctr" latinLnBrk="1"/>
+                      <a:r>
+                        <a:rPr lang="en-US" altLang="ko-KR" b="0" dirty="0" smtClean="0">
+                          <a:solidFill>
+                            <a:schemeClr val="tx1"/>
+                          </a:solidFill>
+                        </a:rPr>
+                        <a:t>1</a:t>
+                      </a:r>
+                      <a:endParaRPr lang="ko-KR" altLang="en-US" b="0" dirty="0">
+                        <a:solidFill>
+                          <a:schemeClr val="tx1"/>
+                        </a:solidFill>
+                      </a:endParaRPr>
+                    </a:p>
+                  </a:txBody>
+                  <a:tcPr anchor="ctr">
+                    <a:lnL w="12700" cap="flat" cmpd="sng" algn="ctr">
+                      <a:solidFill>
+                        <a:schemeClr val="tx1"/>
+                      </a:solidFill>
+                      <a:prstDash val="solid"/>
+                      <a:round/>
+                      <a:headEnd type="none" w="med" len="med"/>
+                      <a:tailEnd type="none" w="med" len="med"/>
+                    </a:lnL>
+                    <a:lnR w="12700" cap="flat" cmpd="sng" algn="ctr">
+                      <a:solidFill>
+                        <a:schemeClr val="tx1"/>
+                      </a:solidFill>
+                      <a:prstDash val="solid"/>
+                      <a:round/>
+                      <a:headEnd type="none" w="med" len="med"/>
+                      <a:tailEnd type="none" w="med" len="med"/>
+                    </a:lnR>
+                    <a:lnT w="12700" cap="flat" cmpd="sng" algn="ctr">
+                      <a:solidFill>
+                        <a:schemeClr val="tx1"/>
+                      </a:solidFill>
+                      <a:prstDash val="solid"/>
+                      <a:round/>
+                      <a:headEnd type="none" w="med" len="med"/>
+                      <a:tailEnd type="none" w="med" len="med"/>
+                    </a:lnT>
+                    <a:lnB w="12700" cap="flat" cmpd="sng" algn="ctr">
+                      <a:solidFill>
+                        <a:schemeClr val="tx1"/>
+                      </a:solidFill>
+                      <a:prstDash val="solid"/>
+                      <a:round/>
+                      <a:headEnd type="none" w="med" len="med"/>
+                      <a:tailEnd type="none" w="med" len="med"/>
+                    </a:lnB>
+                    <a:solidFill>
+                      <a:schemeClr val="bg1"/>
+                    </a:solidFill>
+                  </a:tcPr>
+                </a:tc>
+                <a:extLst>
+                  <a:ext uri="{0D108BD9-81ED-4DB2-BD59-A6C34878D82A}">
+                    <a16:rowId xmlns:a16="http://schemas.microsoft.com/office/drawing/2014/main" val="2075722758"/>
+                  </a:ext>
+                </a:extLst>
+              </a:tr>
+            </a:tbl>
+          </a:graphicData>
+        </a:graphic>
+      </p:graphicFrame>
+      <p:graphicFrame>
+        <p:nvGraphicFramePr>
+          <p:cNvPr id="6" name="표 5">
+            <a:extLst>
+              <a:ext uri="{FF2B5EF4-FFF2-40B4-BE49-F238E27FC236}">
+                <a16:creationId xmlns:a16="http://schemas.microsoft.com/office/drawing/2014/main" id="{260303AE-5F82-432A-AFE1-96F738EBE501}"/>
+              </a:ext>
+            </a:extLst>
+          </p:cNvPr>
+          <p:cNvGraphicFramePr>
+            <a:graphicFrameLocks noGrp="1"/>
+          </p:cNvGraphicFramePr>
+          <p:nvPr>
+            <p:extLst>
+              <p:ext uri="{D42A27DB-BD31-4B8C-83A1-F6EECF244321}">
+                <p14:modId xmlns:p14="http://schemas.microsoft.com/office/powerpoint/2010/main" val="3583110506"/>
+              </p:ext>
+            </p:extLst>
+          </p:nvPr>
+        </p:nvGraphicFramePr>
+        <p:xfrm>
+          <a:off x="5074799" y="3043508"/>
+          <a:ext cx="1080000" cy="1097280"/>
+        </p:xfrm>
+        <a:graphic>
+          <a:graphicData uri="http://schemas.openxmlformats.org/drawingml/2006/table">
+            <a:tbl>
+              <a:tblPr firstRow="1" bandRow="1">
+                <a:tableStyleId>{5C22544A-7EE6-4342-B048-85BDC9FD1C3A}</a:tableStyleId>
+              </a:tblPr>
+              <a:tblGrid>
+                <a:gridCol w="1080000">
+                  <a:extLst>
+                    <a:ext uri="{9D8B030D-6E8A-4147-A177-3AD203B41FA5}">
+                      <a16:colId xmlns:a16="http://schemas.microsoft.com/office/drawing/2014/main" val="2051836303"/>
+                    </a:ext>
+                  </a:extLst>
+                </a:gridCol>
+              </a:tblGrid>
+              <a:tr h="283552">
+                <a:tc>
+                  <a:txBody>
+                    <a:bodyPr/>
+                    <a:lstStyle/>
+                    <a:p>
+                      <a:pPr algn="ctr" latinLnBrk="1"/>
+                      <a:r>
+                        <a:rPr lang="en-US" altLang="ko-KR" b="0" dirty="0" smtClean="0">
+                          <a:solidFill>
+                            <a:schemeClr val="tx1"/>
+                          </a:solidFill>
+                        </a:rPr>
+                        <a:t>3</a:t>
+                      </a:r>
+                      <a:endParaRPr lang="ko-KR" altLang="en-US" b="0" dirty="0">
+                        <a:solidFill>
+                          <a:schemeClr val="tx1"/>
+                        </a:solidFill>
+                      </a:endParaRPr>
+                    </a:p>
+                  </a:txBody>
+                  <a:tcPr anchor="ctr">
+                    <a:lnL w="12700" cap="flat" cmpd="sng" algn="ctr">
+                      <a:solidFill>
+                        <a:schemeClr val="tx1"/>
+                      </a:solidFill>
+                      <a:prstDash val="solid"/>
+                      <a:round/>
+                      <a:headEnd type="none" w="med" len="med"/>
+                      <a:tailEnd type="none" w="med" len="med"/>
+                    </a:lnL>
+                    <a:lnR w="12700" cap="flat" cmpd="sng" algn="ctr">
+                      <a:solidFill>
+                        <a:schemeClr val="tx1"/>
+                      </a:solidFill>
+                      <a:prstDash val="solid"/>
+                      <a:round/>
+                      <a:headEnd type="none" w="med" len="med"/>
+                      <a:tailEnd type="none" w="med" len="med"/>
+                    </a:lnR>
+                    <a:lnT w="12700" cap="flat" cmpd="sng" algn="ctr">
+                      <a:solidFill>
+                        <a:schemeClr val="tx1"/>
+                      </a:solidFill>
+                      <a:prstDash val="solid"/>
+                      <a:round/>
+                      <a:headEnd type="none" w="med" len="med"/>
+                      <a:tailEnd type="none" w="med" len="med"/>
+                    </a:lnT>
+                    <a:lnB w="12700" cap="flat" cmpd="sng" algn="ctr">
+                      <a:solidFill>
+                        <a:schemeClr val="tx1"/>
+                      </a:solidFill>
+                      <a:prstDash val="solid"/>
+                      <a:round/>
+                      <a:headEnd type="none" w="med" len="med"/>
+                      <a:tailEnd type="none" w="med" len="med"/>
+                    </a:lnB>
+                    <a:solidFill>
+                      <a:schemeClr val="bg1"/>
+                    </a:solidFill>
+                  </a:tcPr>
+                </a:tc>
+                <a:extLst>
+                  <a:ext uri="{0D108BD9-81ED-4DB2-BD59-A6C34878D82A}">
+                    <a16:rowId xmlns:a16="http://schemas.microsoft.com/office/drawing/2014/main" val="3210536480"/>
+                  </a:ext>
+                </a:extLst>
+              </a:tr>
+              <a:tr h="283552">
+                <a:tc>
+                  <a:txBody>
+                    <a:bodyPr/>
+                    <a:lstStyle/>
+                    <a:p>
+                      <a:pPr algn="ctr" latinLnBrk="1"/>
+                      <a:r>
+                        <a:rPr lang="en-US" altLang="ko-KR" b="0" dirty="0" smtClean="0">
+                          <a:solidFill>
+                            <a:schemeClr val="tx1"/>
+                          </a:solidFill>
+                        </a:rPr>
+                        <a:t>2</a:t>
+                      </a:r>
+                      <a:endParaRPr lang="ko-KR" altLang="en-US" b="0" dirty="0">
+                        <a:solidFill>
+                          <a:schemeClr val="tx1"/>
+                        </a:solidFill>
+                      </a:endParaRPr>
+                    </a:p>
+                  </a:txBody>
+                  <a:tcPr anchor="ctr">
+                    <a:lnL w="12700" cap="flat" cmpd="sng" algn="ctr">
+                      <a:solidFill>
+                        <a:schemeClr val="tx1"/>
+                      </a:solidFill>
+                      <a:prstDash val="solid"/>
+                      <a:round/>
+                      <a:headEnd type="none" w="med" len="med"/>
+                      <a:tailEnd type="none" w="med" len="med"/>
+                    </a:lnL>
+                    <a:lnR w="12700" cap="flat" cmpd="sng" algn="ctr">
+                      <a:solidFill>
+                        <a:schemeClr val="tx1"/>
+                      </a:solidFill>
+                      <a:prstDash val="solid"/>
+                      <a:round/>
+                      <a:headEnd type="none" w="med" len="med"/>
+                      <a:tailEnd type="none" w="med" len="med"/>
+                    </a:lnR>
+                    <a:lnT w="12700" cap="flat" cmpd="sng" algn="ctr">
+                      <a:solidFill>
+                        <a:schemeClr val="tx1"/>
+                      </a:solidFill>
+                      <a:prstDash val="solid"/>
+                      <a:round/>
+                      <a:headEnd type="none" w="med" len="med"/>
+                      <a:tailEnd type="none" w="med" len="med"/>
+                    </a:lnT>
+                    <a:lnB w="12700" cap="flat" cmpd="sng" algn="ctr">
+                      <a:solidFill>
+                        <a:schemeClr val="tx1"/>
+                      </a:solidFill>
+                      <a:prstDash val="solid"/>
+                      <a:round/>
+                      <a:headEnd type="none" w="med" len="med"/>
+                      <a:tailEnd type="none" w="med" len="med"/>
+                    </a:lnB>
+                    <a:solidFill>
+                      <a:schemeClr val="bg1"/>
+                    </a:solidFill>
+                  </a:tcPr>
+                </a:tc>
+                <a:extLst>
+                  <a:ext uri="{0D108BD9-81ED-4DB2-BD59-A6C34878D82A}">
+                    <a16:rowId xmlns:a16="http://schemas.microsoft.com/office/drawing/2014/main" val="3036785839"/>
+                  </a:ext>
+                </a:extLst>
+              </a:tr>
+              <a:tr h="283552">
+                <a:tc>
+                  <a:txBody>
+                    <a:bodyPr/>
+                    <a:lstStyle/>
+                    <a:p>
+                      <a:pPr algn="ctr" latinLnBrk="1"/>
+                      <a:r>
+                        <a:rPr lang="en-US" altLang="ko-KR" b="0" dirty="0" smtClean="0">
+                          <a:solidFill>
+                            <a:schemeClr val="tx1"/>
+                          </a:solidFill>
+                        </a:rPr>
+                        <a:t>1</a:t>
+                      </a:r>
+                      <a:endParaRPr lang="ko-KR" altLang="en-US" b="0" dirty="0">
+                        <a:solidFill>
+                          <a:schemeClr val="tx1"/>
+                        </a:solidFill>
+                      </a:endParaRPr>
+                    </a:p>
+                  </a:txBody>
+                  <a:tcPr anchor="ctr">
+                    <a:lnL w="12700" cap="flat" cmpd="sng" algn="ctr">
+                      <a:solidFill>
+                        <a:schemeClr val="tx1"/>
+                      </a:solidFill>
+                      <a:prstDash val="solid"/>
+                      <a:round/>
+                      <a:headEnd type="none" w="med" len="med"/>
+                      <a:tailEnd type="none" w="med" len="med"/>
+                    </a:lnL>
+                    <a:lnR w="12700" cap="flat" cmpd="sng" algn="ctr">
+                      <a:solidFill>
+                        <a:schemeClr val="tx1"/>
+                      </a:solidFill>
+                      <a:prstDash val="solid"/>
+                      <a:round/>
+                      <a:headEnd type="none" w="med" len="med"/>
+                      <a:tailEnd type="none" w="med" len="med"/>
+                    </a:lnR>
+                    <a:lnT w="12700" cap="flat" cmpd="sng" algn="ctr">
+                      <a:solidFill>
+                        <a:schemeClr val="tx1"/>
+                      </a:solidFill>
+                      <a:prstDash val="solid"/>
+                      <a:round/>
+                      <a:headEnd type="none" w="med" len="med"/>
+                      <a:tailEnd type="none" w="med" len="med"/>
+                    </a:lnT>
+                    <a:lnB w="12700" cap="flat" cmpd="sng" algn="ctr">
+                      <a:solidFill>
+                        <a:schemeClr val="tx1"/>
+                      </a:solidFill>
+                      <a:prstDash val="solid"/>
+                      <a:round/>
+                      <a:headEnd type="none" w="med" len="med"/>
+                      <a:tailEnd type="none" w="med" len="med"/>
+                    </a:lnB>
+                    <a:solidFill>
+                      <a:schemeClr val="bg1"/>
+                    </a:solidFill>
+                  </a:tcPr>
+                </a:tc>
+                <a:extLst>
+                  <a:ext uri="{0D108BD9-81ED-4DB2-BD59-A6C34878D82A}">
+                    <a16:rowId xmlns:a16="http://schemas.microsoft.com/office/drawing/2014/main" val="2075722758"/>
+                  </a:ext>
+                </a:extLst>
+              </a:tr>
+            </a:tbl>
+          </a:graphicData>
+        </a:graphic>
+      </p:graphicFrame>
+      <p:graphicFrame>
+        <p:nvGraphicFramePr>
+          <p:cNvPr id="7" name="표 6">
+            <a:extLst>
+              <a:ext uri="{FF2B5EF4-FFF2-40B4-BE49-F238E27FC236}">
+                <a16:creationId xmlns:a16="http://schemas.microsoft.com/office/drawing/2014/main" id="{260303AE-5F82-432A-AFE1-96F738EBE501}"/>
+              </a:ext>
+            </a:extLst>
+          </p:cNvPr>
+          <p:cNvGraphicFramePr>
+            <a:graphicFrameLocks noGrp="1"/>
+          </p:cNvGraphicFramePr>
+          <p:nvPr>
+            <p:extLst>
+              <p:ext uri="{D42A27DB-BD31-4B8C-83A1-F6EECF244321}">
+                <p14:modId xmlns:p14="http://schemas.microsoft.com/office/powerpoint/2010/main" val="3542581943"/>
+              </p:ext>
+            </p:extLst>
+          </p:nvPr>
+        </p:nvGraphicFramePr>
+        <p:xfrm>
+          <a:off x="6630995" y="3043508"/>
+          <a:ext cx="1080000" cy="731520"/>
+        </p:xfrm>
+        <a:graphic>
+          <a:graphicData uri="http://schemas.openxmlformats.org/drawingml/2006/table">
+            <a:tbl>
+              <a:tblPr firstRow="1" bandRow="1">
+                <a:tableStyleId>{5C22544A-7EE6-4342-B048-85BDC9FD1C3A}</a:tableStyleId>
+              </a:tblPr>
+              <a:tblGrid>
+                <a:gridCol w="1080000">
+                  <a:extLst>
+                    <a:ext uri="{9D8B030D-6E8A-4147-A177-3AD203B41FA5}">
+                      <a16:colId xmlns:a16="http://schemas.microsoft.com/office/drawing/2014/main" val="2051836303"/>
+                    </a:ext>
+                  </a:extLst>
+                </a:gridCol>
+              </a:tblGrid>
+              <a:tr h="283552">
+                <a:tc>
+                  <a:txBody>
+                    <a:bodyPr/>
+                    <a:lstStyle/>
+                    <a:p>
+                      <a:pPr algn="ctr" latinLnBrk="1"/>
+                      <a:r>
+                        <a:rPr lang="en-US" altLang="ko-KR" b="0" dirty="0" smtClean="0">
+                          <a:solidFill>
+                            <a:schemeClr val="tx1"/>
+                          </a:solidFill>
+                        </a:rPr>
+                        <a:t>3</a:t>
+                      </a:r>
+                      <a:endParaRPr lang="ko-KR" altLang="en-US" b="0" dirty="0">
+                        <a:solidFill>
+                          <a:schemeClr val="tx1"/>
+                        </a:solidFill>
+                      </a:endParaRPr>
+                    </a:p>
+                  </a:txBody>
+                  <a:tcPr anchor="ctr">
+                    <a:lnL w="12700" cap="flat" cmpd="sng" algn="ctr">
+                      <a:solidFill>
+                        <a:schemeClr val="tx1"/>
+                      </a:solidFill>
+                      <a:prstDash val="solid"/>
+                      <a:round/>
+                      <a:headEnd type="none" w="med" len="med"/>
+                      <a:tailEnd type="none" w="med" len="med"/>
+                    </a:lnL>
+                    <a:lnR w="12700" cap="flat" cmpd="sng" algn="ctr">
+                      <a:solidFill>
+                        <a:schemeClr val="tx1"/>
+                      </a:solidFill>
+                      <a:prstDash val="solid"/>
+                      <a:round/>
+                      <a:headEnd type="none" w="med" len="med"/>
+                      <a:tailEnd type="none" w="med" len="med"/>
+                    </a:lnR>
+                    <a:lnT w="12700" cap="flat" cmpd="sng" algn="ctr">
+                      <a:solidFill>
+                        <a:schemeClr val="tx1"/>
+                      </a:solidFill>
+                      <a:prstDash val="solid"/>
+                      <a:round/>
+                      <a:headEnd type="none" w="med" len="med"/>
+                      <a:tailEnd type="none" w="med" len="med"/>
+                    </a:lnT>
+                    <a:lnB w="12700" cap="flat" cmpd="sng" algn="ctr">
+                      <a:solidFill>
+                        <a:schemeClr val="tx1"/>
+                      </a:solidFill>
+                      <a:prstDash val="solid"/>
+                      <a:round/>
+                      <a:headEnd type="none" w="med" len="med"/>
+                      <a:tailEnd type="none" w="med" len="med"/>
+                    </a:lnB>
+                    <a:solidFill>
+                      <a:schemeClr val="bg1"/>
+                    </a:solidFill>
+                  </a:tcPr>
+                </a:tc>
+                <a:extLst>
+                  <a:ext uri="{0D108BD9-81ED-4DB2-BD59-A6C34878D82A}">
+                    <a16:rowId xmlns:a16="http://schemas.microsoft.com/office/drawing/2014/main" val="3036785839"/>
+                  </a:ext>
+                </a:extLst>
+              </a:tr>
+              <a:tr h="283552">
+                <a:tc>
+                  <a:txBody>
+                    <a:bodyPr/>
+                    <a:lstStyle/>
+                    <a:p>
+                      <a:pPr algn="ctr" latinLnBrk="1"/>
+                      <a:r>
+                        <a:rPr lang="en-US" altLang="ko-KR" b="0" dirty="0" smtClean="0">
+                          <a:solidFill>
+                            <a:schemeClr val="tx1"/>
+                          </a:solidFill>
+                        </a:rPr>
+                        <a:t>2</a:t>
+                      </a:r>
+                      <a:endParaRPr lang="ko-KR" altLang="en-US" b="0" dirty="0">
+                        <a:solidFill>
+                          <a:schemeClr val="tx1"/>
+                        </a:solidFill>
+                      </a:endParaRPr>
+                    </a:p>
+                  </a:txBody>
+                  <a:tcPr anchor="ctr">
+                    <a:lnL w="12700" cap="flat" cmpd="sng" algn="ctr">
+                      <a:solidFill>
+                        <a:schemeClr val="tx1"/>
+                      </a:solidFill>
+                      <a:prstDash val="solid"/>
+                      <a:round/>
+                      <a:headEnd type="none" w="med" len="med"/>
+                      <a:tailEnd type="none" w="med" len="med"/>
+                    </a:lnL>
+                    <a:lnR w="12700" cap="flat" cmpd="sng" algn="ctr">
+                      <a:solidFill>
+                        <a:schemeClr val="tx1"/>
+                      </a:solidFill>
+                      <a:prstDash val="solid"/>
+                      <a:round/>
+                      <a:headEnd type="none" w="med" len="med"/>
+                      <a:tailEnd type="none" w="med" len="med"/>
+                    </a:lnR>
+                    <a:lnT w="12700" cap="flat" cmpd="sng" algn="ctr">
+                      <a:solidFill>
+                        <a:schemeClr val="tx1"/>
+                      </a:solidFill>
+                      <a:prstDash val="solid"/>
+                      <a:round/>
+                      <a:headEnd type="none" w="med" len="med"/>
+                      <a:tailEnd type="none" w="med" len="med"/>
+                    </a:lnT>
+                    <a:lnB w="12700" cap="flat" cmpd="sng" algn="ctr">
+                      <a:solidFill>
+                        <a:schemeClr val="tx1"/>
+                      </a:solidFill>
+                      <a:prstDash val="solid"/>
+                      <a:round/>
+                      <a:headEnd type="none" w="med" len="med"/>
+                      <a:tailEnd type="none" w="med" len="med"/>
+                    </a:lnB>
+                    <a:solidFill>
+                      <a:schemeClr val="bg1"/>
+                    </a:solidFill>
+                  </a:tcPr>
+                </a:tc>
+                <a:extLst>
+                  <a:ext uri="{0D108BD9-81ED-4DB2-BD59-A6C34878D82A}">
+                    <a16:rowId xmlns:a16="http://schemas.microsoft.com/office/drawing/2014/main" val="2075722758"/>
+                  </a:ext>
+                </a:extLst>
+              </a:tr>
+            </a:tbl>
+          </a:graphicData>
+        </a:graphic>
+      </p:graphicFrame>
+      <p:graphicFrame>
+        <p:nvGraphicFramePr>
+          <p:cNvPr id="8" name="표 7">
+            <a:extLst>
+              <a:ext uri="{FF2B5EF4-FFF2-40B4-BE49-F238E27FC236}">
+                <a16:creationId xmlns:a16="http://schemas.microsoft.com/office/drawing/2014/main" id="{260303AE-5F82-432A-AFE1-96F738EBE501}"/>
+              </a:ext>
+            </a:extLst>
+          </p:cNvPr>
+          <p:cNvGraphicFramePr>
+            <a:graphicFrameLocks noGrp="1"/>
+          </p:cNvGraphicFramePr>
+          <p:nvPr>
+            <p:extLst>
+              <p:ext uri="{D42A27DB-BD31-4B8C-83A1-F6EECF244321}">
+                <p14:modId xmlns:p14="http://schemas.microsoft.com/office/powerpoint/2010/main" val="4058776769"/>
+              </p:ext>
+            </p:extLst>
+          </p:nvPr>
+        </p:nvGraphicFramePr>
+        <p:xfrm>
+          <a:off x="8187191" y="3043508"/>
+          <a:ext cx="1080000" cy="1097280"/>
+        </p:xfrm>
+        <a:graphic>
+          <a:graphicData uri="http://schemas.openxmlformats.org/drawingml/2006/table">
+            <a:tbl>
+              <a:tblPr firstRow="1" bandRow="1">
+                <a:tableStyleId>{5C22544A-7EE6-4342-B048-85BDC9FD1C3A}</a:tableStyleId>
+              </a:tblPr>
+              <a:tblGrid>
+                <a:gridCol w="1080000">
+                  <a:extLst>
+                    <a:ext uri="{9D8B030D-6E8A-4147-A177-3AD203B41FA5}">
+                      <a16:colId xmlns:a16="http://schemas.microsoft.com/office/drawing/2014/main" val="2051836303"/>
+                    </a:ext>
+                  </a:extLst>
+                </a:gridCol>
+              </a:tblGrid>
+              <a:tr h="283552">
+                <a:tc>
+                  <a:txBody>
+                    <a:bodyPr/>
+                    <a:lstStyle/>
+                    <a:p>
+                      <a:pPr algn="ctr" latinLnBrk="1"/>
+                      <a:r>
+                        <a:rPr lang="en-US" altLang="ko-KR" b="0" dirty="0" smtClean="0">
+                          <a:solidFill>
+                            <a:schemeClr val="tx1"/>
+                          </a:solidFill>
+                        </a:rPr>
+                        <a:t>4</a:t>
+                      </a:r>
+                      <a:endParaRPr lang="ko-KR" altLang="en-US" b="0" dirty="0">
+                        <a:solidFill>
+                          <a:schemeClr val="tx1"/>
+                        </a:solidFill>
+                      </a:endParaRPr>
+                    </a:p>
+                  </a:txBody>
+                  <a:tcPr anchor="ctr">
+                    <a:lnL w="12700" cap="flat" cmpd="sng" algn="ctr">
+                      <a:solidFill>
+                        <a:schemeClr val="tx1"/>
+                      </a:solidFill>
+                      <a:prstDash val="solid"/>
+                      <a:round/>
+                      <a:headEnd type="none" w="med" len="med"/>
+                      <a:tailEnd type="none" w="med" len="med"/>
+                    </a:lnL>
+                    <a:lnR w="12700" cap="flat" cmpd="sng" algn="ctr">
+                      <a:solidFill>
+                        <a:schemeClr val="tx1"/>
+                      </a:solidFill>
+                      <a:prstDash val="solid"/>
+                      <a:round/>
+                      <a:headEnd type="none" w="med" len="med"/>
+                      <a:tailEnd type="none" w="med" len="med"/>
+                    </a:lnR>
+                    <a:lnT w="12700" cap="flat" cmpd="sng" algn="ctr">
+                      <a:solidFill>
+                        <a:schemeClr val="tx1"/>
+                      </a:solidFill>
+                      <a:prstDash val="solid"/>
+                      <a:round/>
+                      <a:headEnd type="none" w="med" len="med"/>
+                      <a:tailEnd type="none" w="med" len="med"/>
+                    </a:lnT>
+                    <a:lnB w="12700" cap="flat" cmpd="sng" algn="ctr">
+                      <a:solidFill>
+                        <a:schemeClr val="tx1"/>
+                      </a:solidFill>
+                      <a:prstDash val="solid"/>
+                      <a:round/>
+                      <a:headEnd type="none" w="med" len="med"/>
+                      <a:tailEnd type="none" w="med" len="med"/>
+                    </a:lnB>
+                    <a:solidFill>
+                      <a:schemeClr val="bg1"/>
+                    </a:solidFill>
+                  </a:tcPr>
+                </a:tc>
+                <a:extLst>
+                  <a:ext uri="{0D108BD9-81ED-4DB2-BD59-A6C34878D82A}">
+                    <a16:rowId xmlns:a16="http://schemas.microsoft.com/office/drawing/2014/main" val="3210536480"/>
+                  </a:ext>
+                </a:extLst>
+              </a:tr>
+              <a:tr h="283552">
+                <a:tc>
+                  <a:txBody>
+                    <a:bodyPr/>
+                    <a:lstStyle/>
+                    <a:p>
+                      <a:pPr algn="ctr" latinLnBrk="1"/>
+                      <a:r>
+                        <a:rPr lang="en-US" altLang="ko-KR" b="0" dirty="0" smtClean="0">
+                          <a:solidFill>
+                            <a:schemeClr val="tx1"/>
+                          </a:solidFill>
+                        </a:rPr>
+                        <a:t>3</a:t>
+                      </a:r>
+                      <a:endParaRPr lang="ko-KR" altLang="en-US" b="0" dirty="0">
+                        <a:solidFill>
+                          <a:schemeClr val="tx1"/>
+                        </a:solidFill>
+                      </a:endParaRPr>
+                    </a:p>
+                  </a:txBody>
+                  <a:tcPr anchor="ctr">
+                    <a:lnL w="12700" cap="flat" cmpd="sng" algn="ctr">
+                      <a:solidFill>
+                        <a:schemeClr val="tx1"/>
+                      </a:solidFill>
+                      <a:prstDash val="solid"/>
+                      <a:round/>
+                      <a:headEnd type="none" w="med" len="med"/>
+                      <a:tailEnd type="none" w="med" len="med"/>
+                    </a:lnL>
+                    <a:lnR w="12700" cap="flat" cmpd="sng" algn="ctr">
+                      <a:solidFill>
+                        <a:schemeClr val="tx1"/>
+                      </a:solidFill>
+                      <a:prstDash val="solid"/>
+                      <a:round/>
+                      <a:headEnd type="none" w="med" len="med"/>
+                      <a:tailEnd type="none" w="med" len="med"/>
+                    </a:lnR>
+                    <a:lnT w="12700" cap="flat" cmpd="sng" algn="ctr">
+                      <a:solidFill>
+                        <a:schemeClr val="tx1"/>
+                      </a:solidFill>
+                      <a:prstDash val="solid"/>
+                      <a:round/>
+                      <a:headEnd type="none" w="med" len="med"/>
+                      <a:tailEnd type="none" w="med" len="med"/>
+                    </a:lnT>
+                    <a:lnB w="12700" cap="flat" cmpd="sng" algn="ctr">
+                      <a:solidFill>
+                        <a:schemeClr val="tx1"/>
+                      </a:solidFill>
+                      <a:prstDash val="solid"/>
+                      <a:round/>
+                      <a:headEnd type="none" w="med" len="med"/>
+                      <a:tailEnd type="none" w="med" len="med"/>
+                    </a:lnB>
+                    <a:solidFill>
+                      <a:schemeClr val="bg1"/>
+                    </a:solidFill>
+                  </a:tcPr>
+                </a:tc>
+                <a:extLst>
+                  <a:ext uri="{0D108BD9-81ED-4DB2-BD59-A6C34878D82A}">
+                    <a16:rowId xmlns:a16="http://schemas.microsoft.com/office/drawing/2014/main" val="3036785839"/>
+                  </a:ext>
+                </a:extLst>
+              </a:tr>
+              <a:tr h="283552">
+                <a:tc>
+                  <a:txBody>
+                    <a:bodyPr/>
+                    <a:lstStyle/>
+                    <a:p>
+                      <a:pPr algn="ctr" latinLnBrk="1"/>
+                      <a:r>
+                        <a:rPr lang="en-US" altLang="ko-KR" b="0" dirty="0" smtClean="0">
+                          <a:solidFill>
+                            <a:schemeClr val="tx1"/>
+                          </a:solidFill>
+                        </a:rPr>
+                        <a:t>2</a:t>
+                      </a:r>
+                      <a:endParaRPr lang="ko-KR" altLang="en-US" b="0" dirty="0">
+                        <a:solidFill>
+                          <a:schemeClr val="tx1"/>
+                        </a:solidFill>
+                      </a:endParaRPr>
+                    </a:p>
+                  </a:txBody>
+                  <a:tcPr anchor="ctr">
+                    <a:lnL w="12700" cap="flat" cmpd="sng" algn="ctr">
+                      <a:solidFill>
+                        <a:schemeClr val="tx1"/>
+                      </a:solidFill>
+                      <a:prstDash val="solid"/>
+                      <a:round/>
+                      <a:headEnd type="none" w="med" len="med"/>
+                      <a:tailEnd type="none" w="med" len="med"/>
+                    </a:lnL>
+                    <a:lnR w="12700" cap="flat" cmpd="sng" algn="ctr">
+                      <a:solidFill>
+                        <a:schemeClr val="tx1"/>
+                      </a:solidFill>
+                      <a:prstDash val="solid"/>
+                      <a:round/>
+                      <a:headEnd type="none" w="med" len="med"/>
+                      <a:tailEnd type="none" w="med" len="med"/>
+                    </a:lnR>
+                    <a:lnT w="12700" cap="flat" cmpd="sng" algn="ctr">
+                      <a:solidFill>
+                        <a:schemeClr val="tx1"/>
+                      </a:solidFill>
+                      <a:prstDash val="solid"/>
+                      <a:round/>
+                      <a:headEnd type="none" w="med" len="med"/>
+                      <a:tailEnd type="none" w="med" len="med"/>
+                    </a:lnT>
+                    <a:lnB w="12700" cap="flat" cmpd="sng" algn="ctr">
+                      <a:solidFill>
+                        <a:schemeClr val="tx1"/>
+                      </a:solidFill>
+                      <a:prstDash val="solid"/>
+                      <a:round/>
+                      <a:headEnd type="none" w="med" len="med"/>
+                      <a:tailEnd type="none" w="med" len="med"/>
+                    </a:lnB>
+                    <a:solidFill>
+                      <a:schemeClr val="bg1"/>
+                    </a:solidFill>
+                  </a:tcPr>
+                </a:tc>
+                <a:extLst>
+                  <a:ext uri="{0D108BD9-81ED-4DB2-BD59-A6C34878D82A}">
+                    <a16:rowId xmlns:a16="http://schemas.microsoft.com/office/drawing/2014/main" val="2075722758"/>
+                  </a:ext>
+                </a:extLst>
+              </a:tr>
+            </a:tbl>
+          </a:graphicData>
+        </a:graphic>
+      </p:graphicFrame>
+      <p:sp>
+        <p:nvSpPr>
+          <p:cNvPr id="9" name="TextBox 8"/>
+          <p:cNvSpPr txBox="1"/>
+          <p:nvPr/>
+        </p:nvSpPr>
+        <p:spPr>
+          <a:xfrm>
+            <a:off x="2082259" y="4140788"/>
+            <a:ext cx="840295" cy="369332"/>
+          </a:xfrm>
+          <a:prstGeom prst="rect">
+            <a:avLst/>
+          </a:prstGeom>
+          <a:noFill/>
+        </p:spPr>
+        <p:txBody>
+          <a:bodyPr wrap="none" rtlCol="0">
+            <a:spAutoFit/>
+          </a:bodyPr>
+          <a:lstStyle/>
+          <a:p>
+            <a:pPr algn="ctr"/>
+            <a:r>
+              <a:rPr lang="en-US" altLang="ko-KR" dirty="0" smtClean="0"/>
+              <a:t>INPUT</a:t>
+            </a:r>
+            <a:endParaRPr lang="ko-KR" altLang="en-US" dirty="0"/>
+          </a:p>
+        </p:txBody>
+      </p:sp>
+      <p:sp>
+        <p:nvSpPr>
+          <p:cNvPr id="10" name="TextBox 9"/>
+          <p:cNvSpPr txBox="1"/>
+          <p:nvPr/>
+        </p:nvSpPr>
+        <p:spPr>
+          <a:xfrm>
+            <a:off x="3638455" y="4140788"/>
+            <a:ext cx="840295" cy="369332"/>
+          </a:xfrm>
+          <a:prstGeom prst="rect">
+            <a:avLst/>
+          </a:prstGeom>
+          <a:noFill/>
+        </p:spPr>
+        <p:txBody>
+          <a:bodyPr wrap="none" rtlCol="0">
+            <a:spAutoFit/>
+          </a:bodyPr>
+          <a:lstStyle/>
+          <a:p>
+            <a:pPr algn="ctr"/>
+            <a:r>
+              <a:rPr lang="en-US" altLang="ko-KR" dirty="0" smtClean="0"/>
+              <a:t>INPUT</a:t>
+            </a:r>
+            <a:endParaRPr lang="ko-KR" altLang="en-US" dirty="0"/>
+          </a:p>
+        </p:txBody>
+      </p:sp>
+      <p:sp>
+        <p:nvSpPr>
+          <p:cNvPr id="11" name="TextBox 10"/>
+          <p:cNvSpPr txBox="1"/>
+          <p:nvPr/>
+        </p:nvSpPr>
+        <p:spPr>
+          <a:xfrm>
+            <a:off x="5194651" y="4140788"/>
+            <a:ext cx="840295" cy="369332"/>
+          </a:xfrm>
+          <a:prstGeom prst="rect">
+            <a:avLst/>
+          </a:prstGeom>
+          <a:noFill/>
+        </p:spPr>
+        <p:txBody>
+          <a:bodyPr wrap="none" rtlCol="0">
+            <a:spAutoFit/>
+          </a:bodyPr>
+          <a:lstStyle/>
+          <a:p>
+            <a:pPr algn="ctr"/>
+            <a:r>
+              <a:rPr lang="en-US" altLang="ko-KR" dirty="0"/>
+              <a:t>INPUT</a:t>
+            </a:r>
+            <a:endParaRPr lang="ko-KR" altLang="en-US" dirty="0"/>
+          </a:p>
+        </p:txBody>
+      </p:sp>
+      <p:sp>
+        <p:nvSpPr>
+          <p:cNvPr id="12" name="TextBox 11"/>
+          <p:cNvSpPr txBox="1"/>
+          <p:nvPr/>
+        </p:nvSpPr>
+        <p:spPr>
+          <a:xfrm>
+            <a:off x="6638637" y="4140788"/>
+            <a:ext cx="1064715" cy="369332"/>
+          </a:xfrm>
+          <a:prstGeom prst="rect">
+            <a:avLst/>
+          </a:prstGeom>
+          <a:noFill/>
+        </p:spPr>
+        <p:txBody>
+          <a:bodyPr wrap="none" rtlCol="0">
+            <a:spAutoFit/>
+          </a:bodyPr>
+          <a:lstStyle/>
+          <a:p>
+            <a:pPr algn="ctr"/>
+            <a:r>
+              <a:rPr lang="en-US" altLang="ko-KR" dirty="0" smtClean="0"/>
+              <a:t>OUTPUT</a:t>
+            </a:r>
+            <a:endParaRPr lang="ko-KR" altLang="en-US" dirty="0"/>
+          </a:p>
+        </p:txBody>
+      </p:sp>
+      <p:sp>
+        <p:nvSpPr>
+          <p:cNvPr id="13" name="TextBox 12"/>
+          <p:cNvSpPr txBox="1"/>
+          <p:nvPr/>
+        </p:nvSpPr>
+        <p:spPr>
+          <a:xfrm>
+            <a:off x="8307043" y="4140788"/>
+            <a:ext cx="840295" cy="369332"/>
+          </a:xfrm>
+          <a:prstGeom prst="rect">
+            <a:avLst/>
+          </a:prstGeom>
+          <a:noFill/>
+        </p:spPr>
+        <p:txBody>
+          <a:bodyPr wrap="none" rtlCol="0">
+            <a:spAutoFit/>
+          </a:bodyPr>
+          <a:lstStyle/>
+          <a:p>
+            <a:pPr algn="ctr"/>
+            <a:r>
+              <a:rPr lang="en-US" altLang="ko-KR" dirty="0" smtClean="0"/>
+              <a:t>INPUT</a:t>
+            </a:r>
+            <a:endParaRPr lang="ko-KR" altLang="en-US" dirty="0"/>
+          </a:p>
+        </p:txBody>
+      </p:sp>
+    </p:spTree>
+    <p:extLst>
+      <p:ext uri="{BB962C8B-B14F-4D97-AF65-F5344CB8AC3E}">
+        <p14:creationId xmlns:p14="http://schemas.microsoft.com/office/powerpoint/2010/main" val="2676873787"/>
       </p:ext>
     </p:extLst>
   </p:cSld>

--- a/1st_study.pptx
+++ b/1st_study.pptx
@@ -25,6 +25,7 @@
     <p:sldId id="273" r:id="rId19"/>
     <p:sldId id="274" r:id="rId20"/>
     <p:sldId id="275" r:id="rId21"/>
+    <p:sldId id="276" r:id="rId22"/>
   </p:sldIdLst>
   <p:sldSz cx="12192000" cy="6858000"/>
   <p:notesSz cx="6858000" cy="9144000"/>
@@ -126,7 +127,12 @@
   <p:extLst>
     <p:ext uri="{EFAFB233-063F-42B5-8137-9DF3F51BA10A}">
       <p15:sldGuideLst xmlns:p15="http://schemas.microsoft.com/office/powerpoint/2012/main">
-        <p15:guide id="1" pos="3069" userDrawn="1">
+        <p15:guide id="1" pos="3568" userDrawn="1">
+          <p15:clr>
+            <a:srgbClr val="A4A3A4"/>
+          </p15:clr>
+        </p15:guide>
+        <p15:guide id="2" orient="horz" pos="2160">
           <p15:clr>
             <a:srgbClr val="A4A3A4"/>
           </p15:clr>
@@ -266,7 +272,7 @@
           <a:p>
             <a:fld id="{95EEA876-5273-4CAB-BA26-F236DBAE536A}" type="datetimeFigureOut">
               <a:rPr lang="ko-KR" altLang="en-US" smtClean="0"/>
-              <a:t>2019-11-23</a:t>
+              <a:t>2019-11-24</a:t>
             </a:fld>
             <a:endParaRPr lang="ko-KR" altLang="en-US"/>
           </a:p>
@@ -434,7 +440,7 @@
           <a:p>
             <a:fld id="{95EEA876-5273-4CAB-BA26-F236DBAE536A}" type="datetimeFigureOut">
               <a:rPr lang="ko-KR" altLang="en-US" smtClean="0"/>
-              <a:t>2019-11-23</a:t>
+              <a:t>2019-11-24</a:t>
             </a:fld>
             <a:endParaRPr lang="ko-KR" altLang="en-US"/>
           </a:p>
@@ -612,7 +618,7 @@
           <a:p>
             <a:fld id="{95EEA876-5273-4CAB-BA26-F236DBAE536A}" type="datetimeFigureOut">
               <a:rPr lang="ko-KR" altLang="en-US" smtClean="0"/>
-              <a:t>2019-11-23</a:t>
+              <a:t>2019-11-24</a:t>
             </a:fld>
             <a:endParaRPr lang="ko-KR" altLang="en-US"/>
           </a:p>
@@ -780,7 +786,7 @@
           <a:p>
             <a:fld id="{95EEA876-5273-4CAB-BA26-F236DBAE536A}" type="datetimeFigureOut">
               <a:rPr lang="ko-KR" altLang="en-US" smtClean="0"/>
-              <a:t>2019-11-23</a:t>
+              <a:t>2019-11-24</a:t>
             </a:fld>
             <a:endParaRPr lang="ko-KR" altLang="en-US"/>
           </a:p>
@@ -1025,7 +1031,7 @@
           <a:p>
             <a:fld id="{95EEA876-5273-4CAB-BA26-F236DBAE536A}" type="datetimeFigureOut">
               <a:rPr lang="ko-KR" altLang="en-US" smtClean="0"/>
-              <a:t>2019-11-23</a:t>
+              <a:t>2019-11-24</a:t>
             </a:fld>
             <a:endParaRPr lang="ko-KR" altLang="en-US"/>
           </a:p>
@@ -1254,7 +1260,7 @@
           <a:p>
             <a:fld id="{95EEA876-5273-4CAB-BA26-F236DBAE536A}" type="datetimeFigureOut">
               <a:rPr lang="ko-KR" altLang="en-US" smtClean="0"/>
-              <a:t>2019-11-23</a:t>
+              <a:t>2019-11-24</a:t>
             </a:fld>
             <a:endParaRPr lang="ko-KR" altLang="en-US"/>
           </a:p>
@@ -1618,7 +1624,7 @@
           <a:p>
             <a:fld id="{95EEA876-5273-4CAB-BA26-F236DBAE536A}" type="datetimeFigureOut">
               <a:rPr lang="ko-KR" altLang="en-US" smtClean="0"/>
-              <a:t>2019-11-23</a:t>
+              <a:t>2019-11-24</a:t>
             </a:fld>
             <a:endParaRPr lang="ko-KR" altLang="en-US"/>
           </a:p>
@@ -1735,7 +1741,7 @@
           <a:p>
             <a:fld id="{95EEA876-5273-4CAB-BA26-F236DBAE536A}" type="datetimeFigureOut">
               <a:rPr lang="ko-KR" altLang="en-US" smtClean="0"/>
-              <a:t>2019-11-23</a:t>
+              <a:t>2019-11-24</a:t>
             </a:fld>
             <a:endParaRPr lang="ko-KR" altLang="en-US"/>
           </a:p>
@@ -1830,7 +1836,7 @@
           <a:p>
             <a:fld id="{95EEA876-5273-4CAB-BA26-F236DBAE536A}" type="datetimeFigureOut">
               <a:rPr lang="ko-KR" altLang="en-US" smtClean="0"/>
-              <a:t>2019-11-23</a:t>
+              <a:t>2019-11-24</a:t>
             </a:fld>
             <a:endParaRPr lang="ko-KR" altLang="en-US"/>
           </a:p>
@@ -2105,7 +2111,7 @@
           <a:p>
             <a:fld id="{95EEA876-5273-4CAB-BA26-F236DBAE536A}" type="datetimeFigureOut">
               <a:rPr lang="ko-KR" altLang="en-US" smtClean="0"/>
-              <a:t>2019-11-23</a:t>
+              <a:t>2019-11-24</a:t>
             </a:fld>
             <a:endParaRPr lang="ko-KR" altLang="en-US"/>
           </a:p>
@@ -2357,7 +2363,7 @@
           <a:p>
             <a:fld id="{95EEA876-5273-4CAB-BA26-F236DBAE536A}" type="datetimeFigureOut">
               <a:rPr lang="ko-KR" altLang="en-US" smtClean="0"/>
-              <a:t>2019-11-23</a:t>
+              <a:t>2019-11-24</a:t>
             </a:fld>
             <a:endParaRPr lang="ko-KR" altLang="en-US"/>
           </a:p>
@@ -2568,7 +2574,7 @@
           <a:p>
             <a:fld id="{95EEA876-5273-4CAB-BA26-F236DBAE536A}" type="datetimeFigureOut">
               <a:rPr lang="ko-KR" altLang="en-US" smtClean="0"/>
-              <a:t>2019-11-23</a:t>
+              <a:t>2019-11-24</a:t>
             </a:fld>
             <a:endParaRPr lang="ko-KR" altLang="en-US"/>
           </a:p>
@@ -13663,6 +13669,4874 @@
 </p:sld>
 </file>
 
+<file path=ppt/slides/slide21.xml><?xml version="1.0" encoding="utf-8"?>
+<p:sld xmlns:a="http://schemas.openxmlformats.org/drawingml/2006/main" xmlns:r="http://schemas.openxmlformats.org/officeDocument/2006/relationships" xmlns:p="http://schemas.openxmlformats.org/presentationml/2006/main">
+  <p:cSld>
+    <p:spTree>
+      <p:nvGrpSpPr>
+        <p:cNvPr id="1" name=""/>
+        <p:cNvGrpSpPr/>
+        <p:nvPr/>
+      </p:nvGrpSpPr>
+      <p:grpSpPr>
+        <a:xfrm>
+          <a:off x="0" y="0"/>
+          <a:ext cx="0" cy="0"/>
+          <a:chOff x="0" y="0"/>
+          <a:chExt cx="0" cy="0"/>
+        </a:xfrm>
+      </p:grpSpPr>
+      <p:graphicFrame>
+        <p:nvGraphicFramePr>
+          <p:cNvPr id="8" name="표 5">
+            <a:extLst>
+              <a:ext uri="{FF2B5EF4-FFF2-40B4-BE49-F238E27FC236}">
+                <a16:creationId xmlns:a16="http://schemas.microsoft.com/office/drawing/2014/main" id="{15D5CCAF-CAB6-493C-9A85-2676F48690AF}"/>
+              </a:ext>
+            </a:extLst>
+          </p:cNvPr>
+          <p:cNvGraphicFramePr>
+            <a:graphicFrameLocks noGrp="1"/>
+          </p:cNvGraphicFramePr>
+          <p:nvPr>
+            <p:extLst>
+              <p:ext uri="{D42A27DB-BD31-4B8C-83A1-F6EECF244321}">
+                <p14:modId xmlns:p14="http://schemas.microsoft.com/office/powerpoint/2010/main" val="1463614658"/>
+              </p:ext>
+            </p:extLst>
+          </p:nvPr>
+        </p:nvGraphicFramePr>
+        <p:xfrm>
+          <a:off x="1018390" y="1697702"/>
+          <a:ext cx="3853647" cy="376251"/>
+        </p:xfrm>
+        <a:graphic>
+          <a:graphicData uri="http://schemas.openxmlformats.org/drawingml/2006/table">
+            <a:tbl>
+              <a:tblPr firstRow="1" bandRow="1">
+                <a:tableStyleId>{5C22544A-7EE6-4342-B048-85BDC9FD1C3A}</a:tableStyleId>
+              </a:tblPr>
+              <a:tblGrid>
+                <a:gridCol w="550521">
+                  <a:extLst>
+                    <a:ext uri="{9D8B030D-6E8A-4147-A177-3AD203B41FA5}">
+                      <a16:colId xmlns:a16="http://schemas.microsoft.com/office/drawing/2014/main" val="422949941"/>
+                    </a:ext>
+                  </a:extLst>
+                </a:gridCol>
+                <a:gridCol w="550521">
+                  <a:extLst>
+                    <a:ext uri="{9D8B030D-6E8A-4147-A177-3AD203B41FA5}">
+                      <a16:colId xmlns:a16="http://schemas.microsoft.com/office/drawing/2014/main" val="1888211109"/>
+                    </a:ext>
+                  </a:extLst>
+                </a:gridCol>
+                <a:gridCol w="550521">
+                  <a:extLst>
+                    <a:ext uri="{9D8B030D-6E8A-4147-A177-3AD203B41FA5}">
+                      <a16:colId xmlns:a16="http://schemas.microsoft.com/office/drawing/2014/main" val="3675358557"/>
+                    </a:ext>
+                  </a:extLst>
+                </a:gridCol>
+                <a:gridCol w="550521">
+                  <a:extLst>
+                    <a:ext uri="{9D8B030D-6E8A-4147-A177-3AD203B41FA5}">
+                      <a16:colId xmlns:a16="http://schemas.microsoft.com/office/drawing/2014/main" val="2341215234"/>
+                    </a:ext>
+                  </a:extLst>
+                </a:gridCol>
+                <a:gridCol w="550521">
+                  <a:extLst>
+                    <a:ext uri="{9D8B030D-6E8A-4147-A177-3AD203B41FA5}">
+                      <a16:colId xmlns:a16="http://schemas.microsoft.com/office/drawing/2014/main" val="3718261339"/>
+                    </a:ext>
+                  </a:extLst>
+                </a:gridCol>
+                <a:gridCol w="550521">
+                  <a:extLst>
+                    <a:ext uri="{9D8B030D-6E8A-4147-A177-3AD203B41FA5}">
+                      <a16:colId xmlns:a16="http://schemas.microsoft.com/office/drawing/2014/main" val="4106026957"/>
+                    </a:ext>
+                  </a:extLst>
+                </a:gridCol>
+                <a:gridCol w="550521">
+                  <a:extLst>
+                    <a:ext uri="{9D8B030D-6E8A-4147-A177-3AD203B41FA5}">
+                      <a16:colId xmlns:a16="http://schemas.microsoft.com/office/drawing/2014/main" val="2810815576"/>
+                    </a:ext>
+                  </a:extLst>
+                </a:gridCol>
+              </a:tblGrid>
+              <a:tr h="376251">
+                <a:tc>
+                  <a:txBody>
+                    <a:bodyPr/>
+                    <a:lstStyle/>
+                    <a:p>
+                      <a:pPr algn="ctr" latinLnBrk="1"/>
+                      <a:r>
+                        <a:rPr lang="en-US" altLang="ko-KR" sz="1400" dirty="0" smtClean="0">
+                          <a:solidFill>
+                            <a:sysClr val="windowText" lastClr="000000"/>
+                          </a:solidFill>
+                        </a:rPr>
+                        <a:t>0</a:t>
+                      </a:r>
+                      <a:endParaRPr lang="ko-KR" altLang="en-US" sz="1400" dirty="0">
+                        <a:solidFill>
+                          <a:sysClr val="windowText" lastClr="000000"/>
+                        </a:solidFill>
+                      </a:endParaRPr>
+                    </a:p>
+                  </a:txBody>
+                  <a:tcPr marL="61018" marR="61018" marT="30509" marB="30509" anchor="ctr">
+                    <a:lnL w="12700" cap="flat" cmpd="sng" algn="ctr">
+                      <a:noFill/>
+                      <a:prstDash val="solid"/>
+                      <a:round/>
+                      <a:headEnd type="none" w="med" len="med"/>
+                      <a:tailEnd type="none" w="med" len="med"/>
+                    </a:lnL>
+                    <a:lnR w="12700" cap="flat" cmpd="sng" algn="ctr">
+                      <a:noFill/>
+                      <a:prstDash val="solid"/>
+                      <a:round/>
+                      <a:headEnd type="none" w="med" len="med"/>
+                      <a:tailEnd type="none" w="med" len="med"/>
+                    </a:lnR>
+                    <a:lnT w="12700" cap="flat" cmpd="sng" algn="ctr">
+                      <a:noFill/>
+                      <a:prstDash val="solid"/>
+                      <a:round/>
+                      <a:headEnd type="none" w="med" len="med"/>
+                      <a:tailEnd type="none" w="med" len="med"/>
+                    </a:lnT>
+                    <a:lnB w="12700" cap="flat" cmpd="sng" algn="ctr">
+                      <a:noFill/>
+                      <a:prstDash val="solid"/>
+                      <a:round/>
+                      <a:headEnd type="none" w="med" len="med"/>
+                      <a:tailEnd type="none" w="med" len="med"/>
+                    </a:lnB>
+                    <a:lnTlToBr w="12700" cmpd="sng">
+                      <a:noFill/>
+                      <a:prstDash val="solid"/>
+                    </a:lnTlToBr>
+                    <a:lnBlToTr w="12700" cmpd="sng">
+                      <a:noFill/>
+                      <a:prstDash val="solid"/>
+                    </a:lnBlToTr>
+                    <a:solidFill>
+                      <a:schemeClr val="bg1"/>
+                    </a:solidFill>
+                  </a:tcPr>
+                </a:tc>
+                <a:tc>
+                  <a:txBody>
+                    <a:bodyPr/>
+                    <a:lstStyle/>
+                    <a:p>
+                      <a:pPr algn="ctr" latinLnBrk="1"/>
+                      <a:r>
+                        <a:rPr lang="en-US" altLang="ko-KR" sz="1400" dirty="0" smtClean="0">
+                          <a:solidFill>
+                            <a:sysClr val="windowText" lastClr="000000"/>
+                          </a:solidFill>
+                        </a:rPr>
+                        <a:t>1</a:t>
+                      </a:r>
+                      <a:endParaRPr lang="ko-KR" altLang="en-US" sz="1400" dirty="0">
+                        <a:solidFill>
+                          <a:sysClr val="windowText" lastClr="000000"/>
+                        </a:solidFill>
+                      </a:endParaRPr>
+                    </a:p>
+                  </a:txBody>
+                  <a:tcPr marL="61018" marR="61018" marT="30509" marB="30509" anchor="ctr">
+                    <a:lnL w="12700" cap="flat" cmpd="sng" algn="ctr">
+                      <a:noFill/>
+                      <a:prstDash val="solid"/>
+                      <a:round/>
+                      <a:headEnd type="none" w="med" len="med"/>
+                      <a:tailEnd type="none" w="med" len="med"/>
+                    </a:lnL>
+                    <a:lnR w="12700" cap="flat" cmpd="sng" algn="ctr">
+                      <a:noFill/>
+                      <a:prstDash val="solid"/>
+                      <a:round/>
+                      <a:headEnd type="none" w="med" len="med"/>
+                      <a:tailEnd type="none" w="med" len="med"/>
+                    </a:lnR>
+                    <a:lnT w="12700" cap="flat" cmpd="sng" algn="ctr">
+                      <a:noFill/>
+                      <a:prstDash val="solid"/>
+                      <a:round/>
+                      <a:headEnd type="none" w="med" len="med"/>
+                      <a:tailEnd type="none" w="med" len="med"/>
+                    </a:lnT>
+                    <a:lnB w="12700" cap="flat" cmpd="sng" algn="ctr">
+                      <a:noFill/>
+                      <a:prstDash val="solid"/>
+                      <a:round/>
+                      <a:headEnd type="none" w="med" len="med"/>
+                      <a:tailEnd type="none" w="med" len="med"/>
+                    </a:lnB>
+                    <a:lnTlToBr w="12700" cmpd="sng">
+                      <a:noFill/>
+                      <a:prstDash val="solid"/>
+                    </a:lnTlToBr>
+                    <a:lnBlToTr w="12700" cmpd="sng">
+                      <a:noFill/>
+                      <a:prstDash val="solid"/>
+                    </a:lnBlToTr>
+                    <a:solidFill>
+                      <a:schemeClr val="bg1"/>
+                    </a:solidFill>
+                  </a:tcPr>
+                </a:tc>
+                <a:tc>
+                  <a:txBody>
+                    <a:bodyPr/>
+                    <a:lstStyle/>
+                    <a:p>
+                      <a:pPr algn="ctr" latinLnBrk="1"/>
+                      <a:r>
+                        <a:rPr lang="en-US" altLang="ko-KR" sz="1400" dirty="0" smtClean="0">
+                          <a:solidFill>
+                            <a:sysClr val="windowText" lastClr="000000"/>
+                          </a:solidFill>
+                        </a:rPr>
+                        <a:t>2</a:t>
+                      </a:r>
+                      <a:endParaRPr lang="ko-KR" altLang="en-US" sz="1400" dirty="0">
+                        <a:solidFill>
+                          <a:sysClr val="windowText" lastClr="000000"/>
+                        </a:solidFill>
+                      </a:endParaRPr>
+                    </a:p>
+                  </a:txBody>
+                  <a:tcPr marL="61018" marR="61018" marT="30509" marB="30509" anchor="ctr">
+                    <a:lnL w="12700" cap="flat" cmpd="sng" algn="ctr">
+                      <a:noFill/>
+                      <a:prstDash val="solid"/>
+                      <a:round/>
+                      <a:headEnd type="none" w="med" len="med"/>
+                      <a:tailEnd type="none" w="med" len="med"/>
+                    </a:lnL>
+                    <a:lnR w="12700" cap="flat" cmpd="sng" algn="ctr">
+                      <a:noFill/>
+                      <a:prstDash val="solid"/>
+                      <a:round/>
+                      <a:headEnd type="none" w="med" len="med"/>
+                      <a:tailEnd type="none" w="med" len="med"/>
+                    </a:lnR>
+                    <a:lnT w="12700" cap="flat" cmpd="sng" algn="ctr">
+                      <a:noFill/>
+                      <a:prstDash val="solid"/>
+                      <a:round/>
+                      <a:headEnd type="none" w="med" len="med"/>
+                      <a:tailEnd type="none" w="med" len="med"/>
+                    </a:lnT>
+                    <a:lnB w="12700" cap="flat" cmpd="sng" algn="ctr">
+                      <a:noFill/>
+                      <a:prstDash val="solid"/>
+                      <a:round/>
+                      <a:headEnd type="none" w="med" len="med"/>
+                      <a:tailEnd type="none" w="med" len="med"/>
+                    </a:lnB>
+                    <a:lnTlToBr w="12700" cmpd="sng">
+                      <a:noFill/>
+                      <a:prstDash val="solid"/>
+                    </a:lnTlToBr>
+                    <a:lnBlToTr w="12700" cmpd="sng">
+                      <a:noFill/>
+                      <a:prstDash val="solid"/>
+                    </a:lnBlToTr>
+                    <a:solidFill>
+                      <a:schemeClr val="bg1"/>
+                    </a:solidFill>
+                  </a:tcPr>
+                </a:tc>
+                <a:tc>
+                  <a:txBody>
+                    <a:bodyPr/>
+                    <a:lstStyle/>
+                    <a:p>
+                      <a:pPr algn="ctr" latinLnBrk="1"/>
+                      <a:r>
+                        <a:rPr lang="en-US" altLang="ko-KR" sz="1400" dirty="0" smtClean="0">
+                          <a:solidFill>
+                            <a:sysClr val="windowText" lastClr="000000"/>
+                          </a:solidFill>
+                        </a:rPr>
+                        <a:t>3</a:t>
+                      </a:r>
+                      <a:endParaRPr lang="ko-KR" altLang="en-US" sz="1400" dirty="0">
+                        <a:solidFill>
+                          <a:sysClr val="windowText" lastClr="000000"/>
+                        </a:solidFill>
+                      </a:endParaRPr>
+                    </a:p>
+                  </a:txBody>
+                  <a:tcPr marL="61018" marR="61018" marT="30509" marB="30509" anchor="ctr">
+                    <a:lnL w="12700" cap="flat" cmpd="sng" algn="ctr">
+                      <a:noFill/>
+                      <a:prstDash val="solid"/>
+                      <a:round/>
+                      <a:headEnd type="none" w="med" len="med"/>
+                      <a:tailEnd type="none" w="med" len="med"/>
+                    </a:lnL>
+                    <a:lnR w="12700" cap="flat" cmpd="sng" algn="ctr">
+                      <a:noFill/>
+                      <a:prstDash val="solid"/>
+                      <a:round/>
+                      <a:headEnd type="none" w="med" len="med"/>
+                      <a:tailEnd type="none" w="med" len="med"/>
+                    </a:lnR>
+                    <a:lnT w="12700" cap="flat" cmpd="sng" algn="ctr">
+                      <a:noFill/>
+                      <a:prstDash val="solid"/>
+                      <a:round/>
+                      <a:headEnd type="none" w="med" len="med"/>
+                      <a:tailEnd type="none" w="med" len="med"/>
+                    </a:lnT>
+                    <a:lnB w="12700" cap="flat" cmpd="sng" algn="ctr">
+                      <a:noFill/>
+                      <a:prstDash val="solid"/>
+                      <a:round/>
+                      <a:headEnd type="none" w="med" len="med"/>
+                      <a:tailEnd type="none" w="med" len="med"/>
+                    </a:lnB>
+                    <a:lnTlToBr w="12700" cmpd="sng">
+                      <a:noFill/>
+                      <a:prstDash val="solid"/>
+                    </a:lnTlToBr>
+                    <a:lnBlToTr w="12700" cmpd="sng">
+                      <a:noFill/>
+                      <a:prstDash val="solid"/>
+                    </a:lnBlToTr>
+                    <a:solidFill>
+                      <a:schemeClr val="bg1"/>
+                    </a:solidFill>
+                  </a:tcPr>
+                </a:tc>
+                <a:tc>
+                  <a:txBody>
+                    <a:bodyPr/>
+                    <a:lstStyle/>
+                    <a:p>
+                      <a:pPr algn="ctr" latinLnBrk="1"/>
+                      <a:r>
+                        <a:rPr lang="en-US" altLang="ko-KR" sz="1400" dirty="0" smtClean="0">
+                          <a:solidFill>
+                            <a:sysClr val="windowText" lastClr="000000"/>
+                          </a:solidFill>
+                        </a:rPr>
+                        <a:t>4</a:t>
+                      </a:r>
+                      <a:endParaRPr lang="ko-KR" altLang="en-US" sz="1400" dirty="0">
+                        <a:solidFill>
+                          <a:sysClr val="windowText" lastClr="000000"/>
+                        </a:solidFill>
+                      </a:endParaRPr>
+                    </a:p>
+                  </a:txBody>
+                  <a:tcPr marL="61018" marR="61018" marT="30509" marB="30509" anchor="ctr">
+                    <a:lnL w="12700" cap="flat" cmpd="sng" algn="ctr">
+                      <a:noFill/>
+                      <a:prstDash val="solid"/>
+                      <a:round/>
+                      <a:headEnd type="none" w="med" len="med"/>
+                      <a:tailEnd type="none" w="med" len="med"/>
+                    </a:lnL>
+                    <a:lnR w="12700" cap="flat" cmpd="sng" algn="ctr">
+                      <a:noFill/>
+                      <a:prstDash val="solid"/>
+                      <a:round/>
+                      <a:headEnd type="none" w="med" len="med"/>
+                      <a:tailEnd type="none" w="med" len="med"/>
+                    </a:lnR>
+                    <a:lnT w="12700" cap="flat" cmpd="sng" algn="ctr">
+                      <a:noFill/>
+                      <a:prstDash val="solid"/>
+                      <a:round/>
+                      <a:headEnd type="none" w="med" len="med"/>
+                      <a:tailEnd type="none" w="med" len="med"/>
+                    </a:lnT>
+                    <a:lnB w="12700" cap="flat" cmpd="sng" algn="ctr">
+                      <a:noFill/>
+                      <a:prstDash val="solid"/>
+                      <a:round/>
+                      <a:headEnd type="none" w="med" len="med"/>
+                      <a:tailEnd type="none" w="med" len="med"/>
+                    </a:lnB>
+                    <a:lnTlToBr w="12700" cmpd="sng">
+                      <a:noFill/>
+                      <a:prstDash val="solid"/>
+                    </a:lnTlToBr>
+                    <a:lnBlToTr w="12700" cmpd="sng">
+                      <a:noFill/>
+                      <a:prstDash val="solid"/>
+                    </a:lnBlToTr>
+                    <a:solidFill>
+                      <a:schemeClr val="bg1"/>
+                    </a:solidFill>
+                  </a:tcPr>
+                </a:tc>
+                <a:tc>
+                  <a:txBody>
+                    <a:bodyPr/>
+                    <a:lstStyle/>
+                    <a:p>
+                      <a:pPr algn="ctr" latinLnBrk="1"/>
+                      <a:r>
+                        <a:rPr lang="en-US" altLang="ko-KR" sz="1400" dirty="0" smtClean="0">
+                          <a:solidFill>
+                            <a:sysClr val="windowText" lastClr="000000"/>
+                          </a:solidFill>
+                        </a:rPr>
+                        <a:t>5</a:t>
+                      </a:r>
+                      <a:endParaRPr lang="ko-KR" altLang="en-US" sz="1400" dirty="0">
+                        <a:solidFill>
+                          <a:sysClr val="windowText" lastClr="000000"/>
+                        </a:solidFill>
+                      </a:endParaRPr>
+                    </a:p>
+                  </a:txBody>
+                  <a:tcPr marL="61018" marR="61018" marT="30509" marB="30509" anchor="ctr">
+                    <a:lnL w="12700" cap="flat" cmpd="sng" algn="ctr">
+                      <a:noFill/>
+                      <a:prstDash val="solid"/>
+                      <a:round/>
+                      <a:headEnd type="none" w="med" len="med"/>
+                      <a:tailEnd type="none" w="med" len="med"/>
+                    </a:lnL>
+                    <a:lnR w="12700" cap="flat" cmpd="sng" algn="ctr">
+                      <a:noFill/>
+                      <a:prstDash val="solid"/>
+                      <a:round/>
+                      <a:headEnd type="none" w="med" len="med"/>
+                      <a:tailEnd type="none" w="med" len="med"/>
+                    </a:lnR>
+                    <a:lnT w="12700" cap="flat" cmpd="sng" algn="ctr">
+                      <a:noFill/>
+                      <a:prstDash val="solid"/>
+                      <a:round/>
+                      <a:headEnd type="none" w="med" len="med"/>
+                      <a:tailEnd type="none" w="med" len="med"/>
+                    </a:lnT>
+                    <a:lnB w="12700" cap="flat" cmpd="sng" algn="ctr">
+                      <a:noFill/>
+                      <a:prstDash val="solid"/>
+                      <a:round/>
+                      <a:headEnd type="none" w="med" len="med"/>
+                      <a:tailEnd type="none" w="med" len="med"/>
+                    </a:lnB>
+                    <a:lnTlToBr w="12700" cmpd="sng">
+                      <a:noFill/>
+                      <a:prstDash val="solid"/>
+                    </a:lnTlToBr>
+                    <a:lnBlToTr w="12700" cmpd="sng">
+                      <a:noFill/>
+                      <a:prstDash val="solid"/>
+                    </a:lnBlToTr>
+                    <a:solidFill>
+                      <a:schemeClr val="bg1"/>
+                    </a:solidFill>
+                  </a:tcPr>
+                </a:tc>
+                <a:tc>
+                  <a:txBody>
+                    <a:bodyPr/>
+                    <a:lstStyle/>
+                    <a:p>
+                      <a:pPr algn="ctr" latinLnBrk="1"/>
+                      <a:r>
+                        <a:rPr lang="en-US" altLang="ko-KR" sz="1400" dirty="0" smtClean="0">
+                          <a:solidFill>
+                            <a:sysClr val="windowText" lastClr="000000"/>
+                          </a:solidFill>
+                        </a:rPr>
+                        <a:t>6</a:t>
+                      </a:r>
+                      <a:endParaRPr lang="ko-KR" altLang="en-US" sz="1400" dirty="0">
+                        <a:solidFill>
+                          <a:sysClr val="windowText" lastClr="000000"/>
+                        </a:solidFill>
+                      </a:endParaRPr>
+                    </a:p>
+                  </a:txBody>
+                  <a:tcPr marL="61018" marR="61018" marT="30509" marB="30509" anchor="ctr">
+                    <a:lnL w="12700" cap="flat" cmpd="sng" algn="ctr">
+                      <a:noFill/>
+                      <a:prstDash val="solid"/>
+                      <a:round/>
+                      <a:headEnd type="none" w="med" len="med"/>
+                      <a:tailEnd type="none" w="med" len="med"/>
+                    </a:lnL>
+                    <a:lnR w="12700" cap="flat" cmpd="sng" algn="ctr">
+                      <a:noFill/>
+                      <a:prstDash val="solid"/>
+                      <a:round/>
+                      <a:headEnd type="none" w="med" len="med"/>
+                      <a:tailEnd type="none" w="med" len="med"/>
+                    </a:lnR>
+                    <a:lnT w="12700" cap="flat" cmpd="sng" algn="ctr">
+                      <a:noFill/>
+                      <a:prstDash val="solid"/>
+                      <a:round/>
+                      <a:headEnd type="none" w="med" len="med"/>
+                      <a:tailEnd type="none" w="med" len="med"/>
+                    </a:lnT>
+                    <a:lnB w="12700" cap="flat" cmpd="sng" algn="ctr">
+                      <a:noFill/>
+                      <a:prstDash val="solid"/>
+                      <a:round/>
+                      <a:headEnd type="none" w="med" len="med"/>
+                      <a:tailEnd type="none" w="med" len="med"/>
+                    </a:lnB>
+                    <a:lnTlToBr w="12700" cmpd="sng">
+                      <a:noFill/>
+                      <a:prstDash val="solid"/>
+                    </a:lnTlToBr>
+                    <a:lnBlToTr w="12700" cmpd="sng">
+                      <a:noFill/>
+                      <a:prstDash val="solid"/>
+                    </a:lnBlToTr>
+                    <a:solidFill>
+                      <a:schemeClr val="bg1"/>
+                    </a:solidFill>
+                  </a:tcPr>
+                </a:tc>
+                <a:extLst>
+                  <a:ext uri="{0D108BD9-81ED-4DB2-BD59-A6C34878D82A}">
+                    <a16:rowId xmlns:a16="http://schemas.microsoft.com/office/drawing/2014/main" val="2318367764"/>
+                  </a:ext>
+                </a:extLst>
+              </a:tr>
+            </a:tbl>
+          </a:graphicData>
+        </a:graphic>
+      </p:graphicFrame>
+      <p:graphicFrame>
+        <p:nvGraphicFramePr>
+          <p:cNvPr id="9" name="표 5">
+            <a:extLst>
+              <a:ext uri="{FF2B5EF4-FFF2-40B4-BE49-F238E27FC236}">
+                <a16:creationId xmlns:a16="http://schemas.microsoft.com/office/drawing/2014/main" id="{15D5CCAF-CAB6-493C-9A85-2676F48690AF}"/>
+              </a:ext>
+            </a:extLst>
+          </p:cNvPr>
+          <p:cNvGraphicFramePr>
+            <a:graphicFrameLocks noGrp="1"/>
+          </p:cNvGraphicFramePr>
+          <p:nvPr>
+            <p:extLst>
+              <p:ext uri="{D42A27DB-BD31-4B8C-83A1-F6EECF244321}">
+                <p14:modId xmlns:p14="http://schemas.microsoft.com/office/powerpoint/2010/main" val="1797680911"/>
+              </p:ext>
+            </p:extLst>
+          </p:nvPr>
+        </p:nvGraphicFramePr>
+        <p:xfrm>
+          <a:off x="1018389" y="4268419"/>
+          <a:ext cx="3853647" cy="376251"/>
+        </p:xfrm>
+        <a:graphic>
+          <a:graphicData uri="http://schemas.openxmlformats.org/drawingml/2006/table">
+            <a:tbl>
+              <a:tblPr firstRow="1" bandRow="1">
+                <a:tableStyleId>{5C22544A-7EE6-4342-B048-85BDC9FD1C3A}</a:tableStyleId>
+              </a:tblPr>
+              <a:tblGrid>
+                <a:gridCol w="550521">
+                  <a:extLst>
+                    <a:ext uri="{9D8B030D-6E8A-4147-A177-3AD203B41FA5}">
+                      <a16:colId xmlns:a16="http://schemas.microsoft.com/office/drawing/2014/main" val="422949941"/>
+                    </a:ext>
+                  </a:extLst>
+                </a:gridCol>
+                <a:gridCol w="550521">
+                  <a:extLst>
+                    <a:ext uri="{9D8B030D-6E8A-4147-A177-3AD203B41FA5}">
+                      <a16:colId xmlns:a16="http://schemas.microsoft.com/office/drawing/2014/main" val="1888211109"/>
+                    </a:ext>
+                  </a:extLst>
+                </a:gridCol>
+                <a:gridCol w="550521">
+                  <a:extLst>
+                    <a:ext uri="{9D8B030D-6E8A-4147-A177-3AD203B41FA5}">
+                      <a16:colId xmlns:a16="http://schemas.microsoft.com/office/drawing/2014/main" val="3675358557"/>
+                    </a:ext>
+                  </a:extLst>
+                </a:gridCol>
+                <a:gridCol w="550521">
+                  <a:extLst>
+                    <a:ext uri="{9D8B030D-6E8A-4147-A177-3AD203B41FA5}">
+                      <a16:colId xmlns:a16="http://schemas.microsoft.com/office/drawing/2014/main" val="2341215234"/>
+                    </a:ext>
+                  </a:extLst>
+                </a:gridCol>
+                <a:gridCol w="550521">
+                  <a:extLst>
+                    <a:ext uri="{9D8B030D-6E8A-4147-A177-3AD203B41FA5}">
+                      <a16:colId xmlns:a16="http://schemas.microsoft.com/office/drawing/2014/main" val="3718261339"/>
+                    </a:ext>
+                  </a:extLst>
+                </a:gridCol>
+                <a:gridCol w="550521">
+                  <a:extLst>
+                    <a:ext uri="{9D8B030D-6E8A-4147-A177-3AD203B41FA5}">
+                      <a16:colId xmlns:a16="http://schemas.microsoft.com/office/drawing/2014/main" val="4106026957"/>
+                    </a:ext>
+                  </a:extLst>
+                </a:gridCol>
+                <a:gridCol w="550521">
+                  <a:extLst>
+                    <a:ext uri="{9D8B030D-6E8A-4147-A177-3AD203B41FA5}">
+                      <a16:colId xmlns:a16="http://schemas.microsoft.com/office/drawing/2014/main" val="2810815576"/>
+                    </a:ext>
+                  </a:extLst>
+                </a:gridCol>
+              </a:tblGrid>
+              <a:tr h="376251">
+                <a:tc>
+                  <a:txBody>
+                    <a:bodyPr/>
+                    <a:lstStyle/>
+                    <a:p>
+                      <a:pPr algn="ctr" latinLnBrk="1"/>
+                      <a:r>
+                        <a:rPr lang="en-US" altLang="ko-KR" sz="1400" dirty="0" smtClean="0">
+                          <a:solidFill>
+                            <a:sysClr val="windowText" lastClr="000000"/>
+                          </a:solidFill>
+                        </a:rPr>
+                        <a:t>0</a:t>
+                      </a:r>
+                      <a:endParaRPr lang="ko-KR" altLang="en-US" sz="1400" dirty="0">
+                        <a:solidFill>
+                          <a:sysClr val="windowText" lastClr="000000"/>
+                        </a:solidFill>
+                      </a:endParaRPr>
+                    </a:p>
+                  </a:txBody>
+                  <a:tcPr marL="61018" marR="61018" marT="30509" marB="30509" anchor="ctr">
+                    <a:lnL w="12700" cap="flat" cmpd="sng" algn="ctr">
+                      <a:noFill/>
+                      <a:prstDash val="solid"/>
+                      <a:round/>
+                      <a:headEnd type="none" w="med" len="med"/>
+                      <a:tailEnd type="none" w="med" len="med"/>
+                    </a:lnL>
+                    <a:lnR w="12700" cap="flat" cmpd="sng" algn="ctr">
+                      <a:noFill/>
+                      <a:prstDash val="solid"/>
+                      <a:round/>
+                      <a:headEnd type="none" w="med" len="med"/>
+                      <a:tailEnd type="none" w="med" len="med"/>
+                    </a:lnR>
+                    <a:lnT w="12700" cap="flat" cmpd="sng" algn="ctr">
+                      <a:noFill/>
+                      <a:prstDash val="solid"/>
+                      <a:round/>
+                      <a:headEnd type="none" w="med" len="med"/>
+                      <a:tailEnd type="none" w="med" len="med"/>
+                    </a:lnT>
+                    <a:lnB w="12700" cap="flat" cmpd="sng" algn="ctr">
+                      <a:noFill/>
+                      <a:prstDash val="solid"/>
+                      <a:round/>
+                      <a:headEnd type="none" w="med" len="med"/>
+                      <a:tailEnd type="none" w="med" len="med"/>
+                    </a:lnB>
+                    <a:lnTlToBr w="12700" cmpd="sng">
+                      <a:noFill/>
+                      <a:prstDash val="solid"/>
+                    </a:lnTlToBr>
+                    <a:lnBlToTr w="12700" cmpd="sng">
+                      <a:noFill/>
+                      <a:prstDash val="solid"/>
+                    </a:lnBlToTr>
+                    <a:solidFill>
+                      <a:schemeClr val="bg1"/>
+                    </a:solidFill>
+                  </a:tcPr>
+                </a:tc>
+                <a:tc>
+                  <a:txBody>
+                    <a:bodyPr/>
+                    <a:lstStyle/>
+                    <a:p>
+                      <a:pPr algn="ctr" latinLnBrk="1"/>
+                      <a:r>
+                        <a:rPr lang="en-US" altLang="ko-KR" sz="1400" dirty="0" smtClean="0">
+                          <a:solidFill>
+                            <a:sysClr val="windowText" lastClr="000000"/>
+                          </a:solidFill>
+                        </a:rPr>
+                        <a:t>1</a:t>
+                      </a:r>
+                      <a:endParaRPr lang="ko-KR" altLang="en-US" sz="1400" dirty="0">
+                        <a:solidFill>
+                          <a:sysClr val="windowText" lastClr="000000"/>
+                        </a:solidFill>
+                      </a:endParaRPr>
+                    </a:p>
+                  </a:txBody>
+                  <a:tcPr marL="61018" marR="61018" marT="30509" marB="30509" anchor="ctr">
+                    <a:lnL w="12700" cap="flat" cmpd="sng" algn="ctr">
+                      <a:noFill/>
+                      <a:prstDash val="solid"/>
+                      <a:round/>
+                      <a:headEnd type="none" w="med" len="med"/>
+                      <a:tailEnd type="none" w="med" len="med"/>
+                    </a:lnL>
+                    <a:lnR w="12700" cap="flat" cmpd="sng" algn="ctr">
+                      <a:noFill/>
+                      <a:prstDash val="solid"/>
+                      <a:round/>
+                      <a:headEnd type="none" w="med" len="med"/>
+                      <a:tailEnd type="none" w="med" len="med"/>
+                    </a:lnR>
+                    <a:lnT w="12700" cap="flat" cmpd="sng" algn="ctr">
+                      <a:noFill/>
+                      <a:prstDash val="solid"/>
+                      <a:round/>
+                      <a:headEnd type="none" w="med" len="med"/>
+                      <a:tailEnd type="none" w="med" len="med"/>
+                    </a:lnT>
+                    <a:lnB w="12700" cap="flat" cmpd="sng" algn="ctr">
+                      <a:noFill/>
+                      <a:prstDash val="solid"/>
+                      <a:round/>
+                      <a:headEnd type="none" w="med" len="med"/>
+                      <a:tailEnd type="none" w="med" len="med"/>
+                    </a:lnB>
+                    <a:lnTlToBr w="12700" cmpd="sng">
+                      <a:noFill/>
+                      <a:prstDash val="solid"/>
+                    </a:lnTlToBr>
+                    <a:lnBlToTr w="12700" cmpd="sng">
+                      <a:noFill/>
+                      <a:prstDash val="solid"/>
+                    </a:lnBlToTr>
+                    <a:solidFill>
+                      <a:schemeClr val="bg1"/>
+                    </a:solidFill>
+                  </a:tcPr>
+                </a:tc>
+                <a:tc>
+                  <a:txBody>
+                    <a:bodyPr/>
+                    <a:lstStyle/>
+                    <a:p>
+                      <a:pPr algn="ctr" latinLnBrk="1"/>
+                      <a:r>
+                        <a:rPr lang="en-US" altLang="ko-KR" sz="1400" dirty="0" smtClean="0">
+                          <a:solidFill>
+                            <a:sysClr val="windowText" lastClr="000000"/>
+                          </a:solidFill>
+                        </a:rPr>
+                        <a:t>2</a:t>
+                      </a:r>
+                      <a:endParaRPr lang="ko-KR" altLang="en-US" sz="1400" dirty="0">
+                        <a:solidFill>
+                          <a:sysClr val="windowText" lastClr="000000"/>
+                        </a:solidFill>
+                      </a:endParaRPr>
+                    </a:p>
+                  </a:txBody>
+                  <a:tcPr marL="61018" marR="61018" marT="30509" marB="30509" anchor="ctr">
+                    <a:lnL w="12700" cap="flat" cmpd="sng" algn="ctr">
+                      <a:noFill/>
+                      <a:prstDash val="solid"/>
+                      <a:round/>
+                      <a:headEnd type="none" w="med" len="med"/>
+                      <a:tailEnd type="none" w="med" len="med"/>
+                    </a:lnL>
+                    <a:lnR w="12700" cap="flat" cmpd="sng" algn="ctr">
+                      <a:noFill/>
+                      <a:prstDash val="solid"/>
+                      <a:round/>
+                      <a:headEnd type="none" w="med" len="med"/>
+                      <a:tailEnd type="none" w="med" len="med"/>
+                    </a:lnR>
+                    <a:lnT w="12700" cap="flat" cmpd="sng" algn="ctr">
+                      <a:noFill/>
+                      <a:prstDash val="solid"/>
+                      <a:round/>
+                      <a:headEnd type="none" w="med" len="med"/>
+                      <a:tailEnd type="none" w="med" len="med"/>
+                    </a:lnT>
+                    <a:lnB w="12700" cap="flat" cmpd="sng" algn="ctr">
+                      <a:noFill/>
+                      <a:prstDash val="solid"/>
+                      <a:round/>
+                      <a:headEnd type="none" w="med" len="med"/>
+                      <a:tailEnd type="none" w="med" len="med"/>
+                    </a:lnB>
+                    <a:lnTlToBr w="12700" cmpd="sng">
+                      <a:noFill/>
+                      <a:prstDash val="solid"/>
+                    </a:lnTlToBr>
+                    <a:lnBlToTr w="12700" cmpd="sng">
+                      <a:noFill/>
+                      <a:prstDash val="solid"/>
+                    </a:lnBlToTr>
+                    <a:solidFill>
+                      <a:schemeClr val="bg1"/>
+                    </a:solidFill>
+                  </a:tcPr>
+                </a:tc>
+                <a:tc>
+                  <a:txBody>
+                    <a:bodyPr/>
+                    <a:lstStyle/>
+                    <a:p>
+                      <a:pPr algn="ctr" latinLnBrk="1"/>
+                      <a:r>
+                        <a:rPr lang="en-US" altLang="ko-KR" sz="1400" dirty="0" smtClean="0">
+                          <a:solidFill>
+                            <a:sysClr val="windowText" lastClr="000000"/>
+                          </a:solidFill>
+                        </a:rPr>
+                        <a:t>3</a:t>
+                      </a:r>
+                      <a:endParaRPr lang="ko-KR" altLang="en-US" sz="1400" dirty="0">
+                        <a:solidFill>
+                          <a:sysClr val="windowText" lastClr="000000"/>
+                        </a:solidFill>
+                      </a:endParaRPr>
+                    </a:p>
+                  </a:txBody>
+                  <a:tcPr marL="61018" marR="61018" marT="30509" marB="30509" anchor="ctr">
+                    <a:lnL w="12700" cap="flat" cmpd="sng" algn="ctr">
+                      <a:noFill/>
+                      <a:prstDash val="solid"/>
+                      <a:round/>
+                      <a:headEnd type="none" w="med" len="med"/>
+                      <a:tailEnd type="none" w="med" len="med"/>
+                    </a:lnL>
+                    <a:lnR w="12700" cap="flat" cmpd="sng" algn="ctr">
+                      <a:noFill/>
+                      <a:prstDash val="solid"/>
+                      <a:round/>
+                      <a:headEnd type="none" w="med" len="med"/>
+                      <a:tailEnd type="none" w="med" len="med"/>
+                    </a:lnR>
+                    <a:lnT w="12700" cap="flat" cmpd="sng" algn="ctr">
+                      <a:noFill/>
+                      <a:prstDash val="solid"/>
+                      <a:round/>
+                      <a:headEnd type="none" w="med" len="med"/>
+                      <a:tailEnd type="none" w="med" len="med"/>
+                    </a:lnT>
+                    <a:lnB w="12700" cap="flat" cmpd="sng" algn="ctr">
+                      <a:noFill/>
+                      <a:prstDash val="solid"/>
+                      <a:round/>
+                      <a:headEnd type="none" w="med" len="med"/>
+                      <a:tailEnd type="none" w="med" len="med"/>
+                    </a:lnB>
+                    <a:lnTlToBr w="12700" cmpd="sng">
+                      <a:noFill/>
+                      <a:prstDash val="solid"/>
+                    </a:lnTlToBr>
+                    <a:lnBlToTr w="12700" cmpd="sng">
+                      <a:noFill/>
+                      <a:prstDash val="solid"/>
+                    </a:lnBlToTr>
+                    <a:solidFill>
+                      <a:schemeClr val="bg1"/>
+                    </a:solidFill>
+                  </a:tcPr>
+                </a:tc>
+                <a:tc>
+                  <a:txBody>
+                    <a:bodyPr/>
+                    <a:lstStyle/>
+                    <a:p>
+                      <a:pPr algn="ctr" latinLnBrk="1"/>
+                      <a:r>
+                        <a:rPr lang="en-US" altLang="ko-KR" sz="1400" dirty="0" smtClean="0">
+                          <a:solidFill>
+                            <a:sysClr val="windowText" lastClr="000000"/>
+                          </a:solidFill>
+                        </a:rPr>
+                        <a:t>4</a:t>
+                      </a:r>
+                      <a:endParaRPr lang="ko-KR" altLang="en-US" sz="1400" dirty="0">
+                        <a:solidFill>
+                          <a:sysClr val="windowText" lastClr="000000"/>
+                        </a:solidFill>
+                      </a:endParaRPr>
+                    </a:p>
+                  </a:txBody>
+                  <a:tcPr marL="61018" marR="61018" marT="30509" marB="30509" anchor="ctr">
+                    <a:lnL w="12700" cap="flat" cmpd="sng" algn="ctr">
+                      <a:noFill/>
+                      <a:prstDash val="solid"/>
+                      <a:round/>
+                      <a:headEnd type="none" w="med" len="med"/>
+                      <a:tailEnd type="none" w="med" len="med"/>
+                    </a:lnL>
+                    <a:lnR w="12700" cap="flat" cmpd="sng" algn="ctr">
+                      <a:noFill/>
+                      <a:prstDash val="solid"/>
+                      <a:round/>
+                      <a:headEnd type="none" w="med" len="med"/>
+                      <a:tailEnd type="none" w="med" len="med"/>
+                    </a:lnR>
+                    <a:lnT w="12700" cap="flat" cmpd="sng" algn="ctr">
+                      <a:noFill/>
+                      <a:prstDash val="solid"/>
+                      <a:round/>
+                      <a:headEnd type="none" w="med" len="med"/>
+                      <a:tailEnd type="none" w="med" len="med"/>
+                    </a:lnT>
+                    <a:lnB w="12700" cap="flat" cmpd="sng" algn="ctr">
+                      <a:noFill/>
+                      <a:prstDash val="solid"/>
+                      <a:round/>
+                      <a:headEnd type="none" w="med" len="med"/>
+                      <a:tailEnd type="none" w="med" len="med"/>
+                    </a:lnB>
+                    <a:lnTlToBr w="12700" cmpd="sng">
+                      <a:noFill/>
+                      <a:prstDash val="solid"/>
+                    </a:lnTlToBr>
+                    <a:lnBlToTr w="12700" cmpd="sng">
+                      <a:noFill/>
+                      <a:prstDash val="solid"/>
+                    </a:lnBlToTr>
+                    <a:solidFill>
+                      <a:schemeClr val="bg1"/>
+                    </a:solidFill>
+                  </a:tcPr>
+                </a:tc>
+                <a:tc>
+                  <a:txBody>
+                    <a:bodyPr/>
+                    <a:lstStyle/>
+                    <a:p>
+                      <a:pPr algn="ctr" latinLnBrk="1"/>
+                      <a:r>
+                        <a:rPr lang="en-US" altLang="ko-KR" sz="1400" dirty="0" smtClean="0">
+                          <a:solidFill>
+                            <a:sysClr val="windowText" lastClr="000000"/>
+                          </a:solidFill>
+                        </a:rPr>
+                        <a:t>5</a:t>
+                      </a:r>
+                      <a:endParaRPr lang="ko-KR" altLang="en-US" sz="1400" dirty="0">
+                        <a:solidFill>
+                          <a:sysClr val="windowText" lastClr="000000"/>
+                        </a:solidFill>
+                      </a:endParaRPr>
+                    </a:p>
+                  </a:txBody>
+                  <a:tcPr marL="61018" marR="61018" marT="30509" marB="30509" anchor="ctr">
+                    <a:lnL w="12700" cap="flat" cmpd="sng" algn="ctr">
+                      <a:noFill/>
+                      <a:prstDash val="solid"/>
+                      <a:round/>
+                      <a:headEnd type="none" w="med" len="med"/>
+                      <a:tailEnd type="none" w="med" len="med"/>
+                    </a:lnL>
+                    <a:lnR w="12700" cap="flat" cmpd="sng" algn="ctr">
+                      <a:noFill/>
+                      <a:prstDash val="solid"/>
+                      <a:round/>
+                      <a:headEnd type="none" w="med" len="med"/>
+                      <a:tailEnd type="none" w="med" len="med"/>
+                    </a:lnR>
+                    <a:lnT w="12700" cap="flat" cmpd="sng" algn="ctr">
+                      <a:noFill/>
+                      <a:prstDash val="solid"/>
+                      <a:round/>
+                      <a:headEnd type="none" w="med" len="med"/>
+                      <a:tailEnd type="none" w="med" len="med"/>
+                    </a:lnT>
+                    <a:lnB w="12700" cap="flat" cmpd="sng" algn="ctr">
+                      <a:noFill/>
+                      <a:prstDash val="solid"/>
+                      <a:round/>
+                      <a:headEnd type="none" w="med" len="med"/>
+                      <a:tailEnd type="none" w="med" len="med"/>
+                    </a:lnB>
+                    <a:lnTlToBr w="12700" cmpd="sng">
+                      <a:noFill/>
+                      <a:prstDash val="solid"/>
+                    </a:lnTlToBr>
+                    <a:lnBlToTr w="12700" cmpd="sng">
+                      <a:noFill/>
+                      <a:prstDash val="solid"/>
+                    </a:lnBlToTr>
+                    <a:solidFill>
+                      <a:schemeClr val="bg1"/>
+                    </a:solidFill>
+                  </a:tcPr>
+                </a:tc>
+                <a:tc>
+                  <a:txBody>
+                    <a:bodyPr/>
+                    <a:lstStyle/>
+                    <a:p>
+                      <a:pPr algn="ctr" latinLnBrk="1"/>
+                      <a:r>
+                        <a:rPr lang="en-US" altLang="ko-KR" sz="1400" dirty="0" smtClean="0">
+                          <a:solidFill>
+                            <a:sysClr val="windowText" lastClr="000000"/>
+                          </a:solidFill>
+                        </a:rPr>
+                        <a:t>6</a:t>
+                      </a:r>
+                      <a:endParaRPr lang="ko-KR" altLang="en-US" sz="1400" dirty="0">
+                        <a:solidFill>
+                          <a:sysClr val="windowText" lastClr="000000"/>
+                        </a:solidFill>
+                      </a:endParaRPr>
+                    </a:p>
+                  </a:txBody>
+                  <a:tcPr marL="61018" marR="61018" marT="30509" marB="30509" anchor="ctr">
+                    <a:lnL w="12700" cap="flat" cmpd="sng" algn="ctr">
+                      <a:noFill/>
+                      <a:prstDash val="solid"/>
+                      <a:round/>
+                      <a:headEnd type="none" w="med" len="med"/>
+                      <a:tailEnd type="none" w="med" len="med"/>
+                    </a:lnL>
+                    <a:lnR w="12700" cap="flat" cmpd="sng" algn="ctr">
+                      <a:noFill/>
+                      <a:prstDash val="solid"/>
+                      <a:round/>
+                      <a:headEnd type="none" w="med" len="med"/>
+                      <a:tailEnd type="none" w="med" len="med"/>
+                    </a:lnR>
+                    <a:lnT w="12700" cap="flat" cmpd="sng" algn="ctr">
+                      <a:noFill/>
+                      <a:prstDash val="solid"/>
+                      <a:round/>
+                      <a:headEnd type="none" w="med" len="med"/>
+                      <a:tailEnd type="none" w="med" len="med"/>
+                    </a:lnT>
+                    <a:lnB w="12700" cap="flat" cmpd="sng" algn="ctr">
+                      <a:noFill/>
+                      <a:prstDash val="solid"/>
+                      <a:round/>
+                      <a:headEnd type="none" w="med" len="med"/>
+                      <a:tailEnd type="none" w="med" len="med"/>
+                    </a:lnB>
+                    <a:lnTlToBr w="12700" cmpd="sng">
+                      <a:noFill/>
+                      <a:prstDash val="solid"/>
+                    </a:lnTlToBr>
+                    <a:lnBlToTr w="12700" cmpd="sng">
+                      <a:noFill/>
+                      <a:prstDash val="solid"/>
+                    </a:lnBlToTr>
+                    <a:solidFill>
+                      <a:schemeClr val="bg1"/>
+                    </a:solidFill>
+                  </a:tcPr>
+                </a:tc>
+                <a:extLst>
+                  <a:ext uri="{0D108BD9-81ED-4DB2-BD59-A6C34878D82A}">
+                    <a16:rowId xmlns:a16="http://schemas.microsoft.com/office/drawing/2014/main" val="2318367764"/>
+                  </a:ext>
+                </a:extLst>
+              </a:tr>
+            </a:tbl>
+          </a:graphicData>
+        </a:graphic>
+      </p:graphicFrame>
+      <p:graphicFrame>
+        <p:nvGraphicFramePr>
+          <p:cNvPr id="10" name="표 5">
+            <a:extLst>
+              <a:ext uri="{FF2B5EF4-FFF2-40B4-BE49-F238E27FC236}">
+                <a16:creationId xmlns:a16="http://schemas.microsoft.com/office/drawing/2014/main" id="{15D5CCAF-CAB6-493C-9A85-2676F48690AF}"/>
+              </a:ext>
+            </a:extLst>
+          </p:cNvPr>
+          <p:cNvGraphicFramePr>
+            <a:graphicFrameLocks noGrp="1"/>
+          </p:cNvGraphicFramePr>
+          <p:nvPr>
+            <p:extLst>
+              <p:ext uri="{D42A27DB-BD31-4B8C-83A1-F6EECF244321}">
+                <p14:modId xmlns:p14="http://schemas.microsoft.com/office/powerpoint/2010/main" val="333069229"/>
+              </p:ext>
+            </p:extLst>
+          </p:nvPr>
+        </p:nvGraphicFramePr>
+        <p:xfrm>
+          <a:off x="6219309" y="4268418"/>
+          <a:ext cx="3853647" cy="376251"/>
+        </p:xfrm>
+        <a:graphic>
+          <a:graphicData uri="http://schemas.openxmlformats.org/drawingml/2006/table">
+            <a:tbl>
+              <a:tblPr firstRow="1" bandRow="1">
+                <a:tableStyleId>{5C22544A-7EE6-4342-B048-85BDC9FD1C3A}</a:tableStyleId>
+              </a:tblPr>
+              <a:tblGrid>
+                <a:gridCol w="550521">
+                  <a:extLst>
+                    <a:ext uri="{9D8B030D-6E8A-4147-A177-3AD203B41FA5}">
+                      <a16:colId xmlns:a16="http://schemas.microsoft.com/office/drawing/2014/main" val="422949941"/>
+                    </a:ext>
+                  </a:extLst>
+                </a:gridCol>
+                <a:gridCol w="550521">
+                  <a:extLst>
+                    <a:ext uri="{9D8B030D-6E8A-4147-A177-3AD203B41FA5}">
+                      <a16:colId xmlns:a16="http://schemas.microsoft.com/office/drawing/2014/main" val="1888211109"/>
+                    </a:ext>
+                  </a:extLst>
+                </a:gridCol>
+                <a:gridCol w="550521">
+                  <a:extLst>
+                    <a:ext uri="{9D8B030D-6E8A-4147-A177-3AD203B41FA5}">
+                      <a16:colId xmlns:a16="http://schemas.microsoft.com/office/drawing/2014/main" val="3675358557"/>
+                    </a:ext>
+                  </a:extLst>
+                </a:gridCol>
+                <a:gridCol w="550521">
+                  <a:extLst>
+                    <a:ext uri="{9D8B030D-6E8A-4147-A177-3AD203B41FA5}">
+                      <a16:colId xmlns:a16="http://schemas.microsoft.com/office/drawing/2014/main" val="2341215234"/>
+                    </a:ext>
+                  </a:extLst>
+                </a:gridCol>
+                <a:gridCol w="550521">
+                  <a:extLst>
+                    <a:ext uri="{9D8B030D-6E8A-4147-A177-3AD203B41FA5}">
+                      <a16:colId xmlns:a16="http://schemas.microsoft.com/office/drawing/2014/main" val="3718261339"/>
+                    </a:ext>
+                  </a:extLst>
+                </a:gridCol>
+                <a:gridCol w="550521">
+                  <a:extLst>
+                    <a:ext uri="{9D8B030D-6E8A-4147-A177-3AD203B41FA5}">
+                      <a16:colId xmlns:a16="http://schemas.microsoft.com/office/drawing/2014/main" val="4106026957"/>
+                    </a:ext>
+                  </a:extLst>
+                </a:gridCol>
+                <a:gridCol w="550521">
+                  <a:extLst>
+                    <a:ext uri="{9D8B030D-6E8A-4147-A177-3AD203B41FA5}">
+                      <a16:colId xmlns:a16="http://schemas.microsoft.com/office/drawing/2014/main" val="2810815576"/>
+                    </a:ext>
+                  </a:extLst>
+                </a:gridCol>
+              </a:tblGrid>
+              <a:tr h="376251">
+                <a:tc>
+                  <a:txBody>
+                    <a:bodyPr/>
+                    <a:lstStyle/>
+                    <a:p>
+                      <a:pPr algn="ctr" latinLnBrk="1"/>
+                      <a:r>
+                        <a:rPr lang="en-US" altLang="ko-KR" sz="1400" dirty="0" smtClean="0">
+                          <a:solidFill>
+                            <a:sysClr val="windowText" lastClr="000000"/>
+                          </a:solidFill>
+                        </a:rPr>
+                        <a:t>0</a:t>
+                      </a:r>
+                      <a:endParaRPr lang="ko-KR" altLang="en-US" sz="1400" dirty="0">
+                        <a:solidFill>
+                          <a:sysClr val="windowText" lastClr="000000"/>
+                        </a:solidFill>
+                      </a:endParaRPr>
+                    </a:p>
+                  </a:txBody>
+                  <a:tcPr marL="61018" marR="61018" marT="30509" marB="30509" anchor="ctr">
+                    <a:lnL w="12700" cap="flat" cmpd="sng" algn="ctr">
+                      <a:noFill/>
+                      <a:prstDash val="solid"/>
+                      <a:round/>
+                      <a:headEnd type="none" w="med" len="med"/>
+                      <a:tailEnd type="none" w="med" len="med"/>
+                    </a:lnL>
+                    <a:lnR w="12700" cap="flat" cmpd="sng" algn="ctr">
+                      <a:noFill/>
+                      <a:prstDash val="solid"/>
+                      <a:round/>
+                      <a:headEnd type="none" w="med" len="med"/>
+                      <a:tailEnd type="none" w="med" len="med"/>
+                    </a:lnR>
+                    <a:lnT w="12700" cap="flat" cmpd="sng" algn="ctr">
+                      <a:noFill/>
+                      <a:prstDash val="solid"/>
+                      <a:round/>
+                      <a:headEnd type="none" w="med" len="med"/>
+                      <a:tailEnd type="none" w="med" len="med"/>
+                    </a:lnT>
+                    <a:lnB w="12700" cap="flat" cmpd="sng" algn="ctr">
+                      <a:noFill/>
+                      <a:prstDash val="solid"/>
+                      <a:round/>
+                      <a:headEnd type="none" w="med" len="med"/>
+                      <a:tailEnd type="none" w="med" len="med"/>
+                    </a:lnB>
+                    <a:lnTlToBr w="12700" cmpd="sng">
+                      <a:noFill/>
+                      <a:prstDash val="solid"/>
+                    </a:lnTlToBr>
+                    <a:lnBlToTr w="12700" cmpd="sng">
+                      <a:noFill/>
+                      <a:prstDash val="solid"/>
+                    </a:lnBlToTr>
+                    <a:solidFill>
+                      <a:schemeClr val="bg1"/>
+                    </a:solidFill>
+                  </a:tcPr>
+                </a:tc>
+                <a:tc>
+                  <a:txBody>
+                    <a:bodyPr/>
+                    <a:lstStyle/>
+                    <a:p>
+                      <a:pPr algn="ctr" latinLnBrk="1"/>
+                      <a:r>
+                        <a:rPr lang="en-US" altLang="ko-KR" sz="1400" dirty="0" smtClean="0">
+                          <a:solidFill>
+                            <a:sysClr val="windowText" lastClr="000000"/>
+                          </a:solidFill>
+                        </a:rPr>
+                        <a:t>1</a:t>
+                      </a:r>
+                      <a:endParaRPr lang="ko-KR" altLang="en-US" sz="1400" dirty="0">
+                        <a:solidFill>
+                          <a:sysClr val="windowText" lastClr="000000"/>
+                        </a:solidFill>
+                      </a:endParaRPr>
+                    </a:p>
+                  </a:txBody>
+                  <a:tcPr marL="61018" marR="61018" marT="30509" marB="30509" anchor="ctr">
+                    <a:lnL w="12700" cap="flat" cmpd="sng" algn="ctr">
+                      <a:noFill/>
+                      <a:prstDash val="solid"/>
+                      <a:round/>
+                      <a:headEnd type="none" w="med" len="med"/>
+                      <a:tailEnd type="none" w="med" len="med"/>
+                    </a:lnL>
+                    <a:lnR w="12700" cap="flat" cmpd="sng" algn="ctr">
+                      <a:noFill/>
+                      <a:prstDash val="solid"/>
+                      <a:round/>
+                      <a:headEnd type="none" w="med" len="med"/>
+                      <a:tailEnd type="none" w="med" len="med"/>
+                    </a:lnR>
+                    <a:lnT w="12700" cap="flat" cmpd="sng" algn="ctr">
+                      <a:noFill/>
+                      <a:prstDash val="solid"/>
+                      <a:round/>
+                      <a:headEnd type="none" w="med" len="med"/>
+                      <a:tailEnd type="none" w="med" len="med"/>
+                    </a:lnT>
+                    <a:lnB w="12700" cap="flat" cmpd="sng" algn="ctr">
+                      <a:noFill/>
+                      <a:prstDash val="solid"/>
+                      <a:round/>
+                      <a:headEnd type="none" w="med" len="med"/>
+                      <a:tailEnd type="none" w="med" len="med"/>
+                    </a:lnB>
+                    <a:lnTlToBr w="12700" cmpd="sng">
+                      <a:noFill/>
+                      <a:prstDash val="solid"/>
+                    </a:lnTlToBr>
+                    <a:lnBlToTr w="12700" cmpd="sng">
+                      <a:noFill/>
+                      <a:prstDash val="solid"/>
+                    </a:lnBlToTr>
+                    <a:solidFill>
+                      <a:schemeClr val="bg1"/>
+                    </a:solidFill>
+                  </a:tcPr>
+                </a:tc>
+                <a:tc>
+                  <a:txBody>
+                    <a:bodyPr/>
+                    <a:lstStyle/>
+                    <a:p>
+                      <a:pPr algn="ctr" latinLnBrk="1"/>
+                      <a:r>
+                        <a:rPr lang="en-US" altLang="ko-KR" sz="1400" dirty="0" smtClean="0">
+                          <a:solidFill>
+                            <a:sysClr val="windowText" lastClr="000000"/>
+                          </a:solidFill>
+                        </a:rPr>
+                        <a:t>2</a:t>
+                      </a:r>
+                      <a:endParaRPr lang="ko-KR" altLang="en-US" sz="1400" dirty="0">
+                        <a:solidFill>
+                          <a:sysClr val="windowText" lastClr="000000"/>
+                        </a:solidFill>
+                      </a:endParaRPr>
+                    </a:p>
+                  </a:txBody>
+                  <a:tcPr marL="61018" marR="61018" marT="30509" marB="30509" anchor="ctr">
+                    <a:lnL w="12700" cap="flat" cmpd="sng" algn="ctr">
+                      <a:noFill/>
+                      <a:prstDash val="solid"/>
+                      <a:round/>
+                      <a:headEnd type="none" w="med" len="med"/>
+                      <a:tailEnd type="none" w="med" len="med"/>
+                    </a:lnL>
+                    <a:lnR w="12700" cap="flat" cmpd="sng" algn="ctr">
+                      <a:noFill/>
+                      <a:prstDash val="solid"/>
+                      <a:round/>
+                      <a:headEnd type="none" w="med" len="med"/>
+                      <a:tailEnd type="none" w="med" len="med"/>
+                    </a:lnR>
+                    <a:lnT w="12700" cap="flat" cmpd="sng" algn="ctr">
+                      <a:noFill/>
+                      <a:prstDash val="solid"/>
+                      <a:round/>
+                      <a:headEnd type="none" w="med" len="med"/>
+                      <a:tailEnd type="none" w="med" len="med"/>
+                    </a:lnT>
+                    <a:lnB w="12700" cap="flat" cmpd="sng" algn="ctr">
+                      <a:noFill/>
+                      <a:prstDash val="solid"/>
+                      <a:round/>
+                      <a:headEnd type="none" w="med" len="med"/>
+                      <a:tailEnd type="none" w="med" len="med"/>
+                    </a:lnB>
+                    <a:lnTlToBr w="12700" cmpd="sng">
+                      <a:noFill/>
+                      <a:prstDash val="solid"/>
+                    </a:lnTlToBr>
+                    <a:lnBlToTr w="12700" cmpd="sng">
+                      <a:noFill/>
+                      <a:prstDash val="solid"/>
+                    </a:lnBlToTr>
+                    <a:solidFill>
+                      <a:schemeClr val="bg1"/>
+                    </a:solidFill>
+                  </a:tcPr>
+                </a:tc>
+                <a:tc>
+                  <a:txBody>
+                    <a:bodyPr/>
+                    <a:lstStyle/>
+                    <a:p>
+                      <a:pPr algn="ctr" latinLnBrk="1"/>
+                      <a:r>
+                        <a:rPr lang="en-US" altLang="ko-KR" sz="1400" dirty="0" smtClean="0">
+                          <a:solidFill>
+                            <a:sysClr val="windowText" lastClr="000000"/>
+                          </a:solidFill>
+                        </a:rPr>
+                        <a:t>3</a:t>
+                      </a:r>
+                      <a:endParaRPr lang="ko-KR" altLang="en-US" sz="1400" dirty="0">
+                        <a:solidFill>
+                          <a:sysClr val="windowText" lastClr="000000"/>
+                        </a:solidFill>
+                      </a:endParaRPr>
+                    </a:p>
+                  </a:txBody>
+                  <a:tcPr marL="61018" marR="61018" marT="30509" marB="30509" anchor="ctr">
+                    <a:lnL w="12700" cap="flat" cmpd="sng" algn="ctr">
+                      <a:noFill/>
+                      <a:prstDash val="solid"/>
+                      <a:round/>
+                      <a:headEnd type="none" w="med" len="med"/>
+                      <a:tailEnd type="none" w="med" len="med"/>
+                    </a:lnL>
+                    <a:lnR w="12700" cap="flat" cmpd="sng" algn="ctr">
+                      <a:noFill/>
+                      <a:prstDash val="solid"/>
+                      <a:round/>
+                      <a:headEnd type="none" w="med" len="med"/>
+                      <a:tailEnd type="none" w="med" len="med"/>
+                    </a:lnR>
+                    <a:lnT w="12700" cap="flat" cmpd="sng" algn="ctr">
+                      <a:noFill/>
+                      <a:prstDash val="solid"/>
+                      <a:round/>
+                      <a:headEnd type="none" w="med" len="med"/>
+                      <a:tailEnd type="none" w="med" len="med"/>
+                    </a:lnT>
+                    <a:lnB w="12700" cap="flat" cmpd="sng" algn="ctr">
+                      <a:noFill/>
+                      <a:prstDash val="solid"/>
+                      <a:round/>
+                      <a:headEnd type="none" w="med" len="med"/>
+                      <a:tailEnd type="none" w="med" len="med"/>
+                    </a:lnB>
+                    <a:lnTlToBr w="12700" cmpd="sng">
+                      <a:noFill/>
+                      <a:prstDash val="solid"/>
+                    </a:lnTlToBr>
+                    <a:lnBlToTr w="12700" cmpd="sng">
+                      <a:noFill/>
+                      <a:prstDash val="solid"/>
+                    </a:lnBlToTr>
+                    <a:solidFill>
+                      <a:schemeClr val="bg1"/>
+                    </a:solidFill>
+                  </a:tcPr>
+                </a:tc>
+                <a:tc>
+                  <a:txBody>
+                    <a:bodyPr/>
+                    <a:lstStyle/>
+                    <a:p>
+                      <a:pPr algn="ctr" latinLnBrk="1"/>
+                      <a:r>
+                        <a:rPr lang="en-US" altLang="ko-KR" sz="1400" dirty="0" smtClean="0">
+                          <a:solidFill>
+                            <a:sysClr val="windowText" lastClr="000000"/>
+                          </a:solidFill>
+                        </a:rPr>
+                        <a:t>4</a:t>
+                      </a:r>
+                      <a:endParaRPr lang="ko-KR" altLang="en-US" sz="1400" dirty="0">
+                        <a:solidFill>
+                          <a:sysClr val="windowText" lastClr="000000"/>
+                        </a:solidFill>
+                      </a:endParaRPr>
+                    </a:p>
+                  </a:txBody>
+                  <a:tcPr marL="61018" marR="61018" marT="30509" marB="30509" anchor="ctr">
+                    <a:lnL w="12700" cap="flat" cmpd="sng" algn="ctr">
+                      <a:noFill/>
+                      <a:prstDash val="solid"/>
+                      <a:round/>
+                      <a:headEnd type="none" w="med" len="med"/>
+                      <a:tailEnd type="none" w="med" len="med"/>
+                    </a:lnL>
+                    <a:lnR w="12700" cap="flat" cmpd="sng" algn="ctr">
+                      <a:noFill/>
+                      <a:prstDash val="solid"/>
+                      <a:round/>
+                      <a:headEnd type="none" w="med" len="med"/>
+                      <a:tailEnd type="none" w="med" len="med"/>
+                    </a:lnR>
+                    <a:lnT w="12700" cap="flat" cmpd="sng" algn="ctr">
+                      <a:noFill/>
+                      <a:prstDash val="solid"/>
+                      <a:round/>
+                      <a:headEnd type="none" w="med" len="med"/>
+                      <a:tailEnd type="none" w="med" len="med"/>
+                    </a:lnT>
+                    <a:lnB w="12700" cap="flat" cmpd="sng" algn="ctr">
+                      <a:noFill/>
+                      <a:prstDash val="solid"/>
+                      <a:round/>
+                      <a:headEnd type="none" w="med" len="med"/>
+                      <a:tailEnd type="none" w="med" len="med"/>
+                    </a:lnB>
+                    <a:lnTlToBr w="12700" cmpd="sng">
+                      <a:noFill/>
+                      <a:prstDash val="solid"/>
+                    </a:lnTlToBr>
+                    <a:lnBlToTr w="12700" cmpd="sng">
+                      <a:noFill/>
+                      <a:prstDash val="solid"/>
+                    </a:lnBlToTr>
+                    <a:solidFill>
+                      <a:schemeClr val="bg1"/>
+                    </a:solidFill>
+                  </a:tcPr>
+                </a:tc>
+                <a:tc>
+                  <a:txBody>
+                    <a:bodyPr/>
+                    <a:lstStyle/>
+                    <a:p>
+                      <a:pPr algn="ctr" latinLnBrk="1"/>
+                      <a:r>
+                        <a:rPr lang="en-US" altLang="ko-KR" sz="1400" dirty="0" smtClean="0">
+                          <a:solidFill>
+                            <a:sysClr val="windowText" lastClr="000000"/>
+                          </a:solidFill>
+                        </a:rPr>
+                        <a:t>5</a:t>
+                      </a:r>
+                      <a:endParaRPr lang="ko-KR" altLang="en-US" sz="1400" dirty="0">
+                        <a:solidFill>
+                          <a:sysClr val="windowText" lastClr="000000"/>
+                        </a:solidFill>
+                      </a:endParaRPr>
+                    </a:p>
+                  </a:txBody>
+                  <a:tcPr marL="61018" marR="61018" marT="30509" marB="30509" anchor="ctr">
+                    <a:lnL w="12700" cap="flat" cmpd="sng" algn="ctr">
+                      <a:noFill/>
+                      <a:prstDash val="solid"/>
+                      <a:round/>
+                      <a:headEnd type="none" w="med" len="med"/>
+                      <a:tailEnd type="none" w="med" len="med"/>
+                    </a:lnL>
+                    <a:lnR w="12700" cap="flat" cmpd="sng" algn="ctr">
+                      <a:noFill/>
+                      <a:prstDash val="solid"/>
+                      <a:round/>
+                      <a:headEnd type="none" w="med" len="med"/>
+                      <a:tailEnd type="none" w="med" len="med"/>
+                    </a:lnR>
+                    <a:lnT w="12700" cap="flat" cmpd="sng" algn="ctr">
+                      <a:noFill/>
+                      <a:prstDash val="solid"/>
+                      <a:round/>
+                      <a:headEnd type="none" w="med" len="med"/>
+                      <a:tailEnd type="none" w="med" len="med"/>
+                    </a:lnT>
+                    <a:lnB w="12700" cap="flat" cmpd="sng" algn="ctr">
+                      <a:noFill/>
+                      <a:prstDash val="solid"/>
+                      <a:round/>
+                      <a:headEnd type="none" w="med" len="med"/>
+                      <a:tailEnd type="none" w="med" len="med"/>
+                    </a:lnB>
+                    <a:lnTlToBr w="12700" cmpd="sng">
+                      <a:noFill/>
+                      <a:prstDash val="solid"/>
+                    </a:lnTlToBr>
+                    <a:lnBlToTr w="12700" cmpd="sng">
+                      <a:noFill/>
+                      <a:prstDash val="solid"/>
+                    </a:lnBlToTr>
+                    <a:solidFill>
+                      <a:schemeClr val="bg1"/>
+                    </a:solidFill>
+                  </a:tcPr>
+                </a:tc>
+                <a:tc>
+                  <a:txBody>
+                    <a:bodyPr/>
+                    <a:lstStyle/>
+                    <a:p>
+                      <a:pPr algn="ctr" latinLnBrk="1"/>
+                      <a:r>
+                        <a:rPr lang="en-US" altLang="ko-KR" sz="1400" dirty="0" smtClean="0">
+                          <a:solidFill>
+                            <a:sysClr val="windowText" lastClr="000000"/>
+                          </a:solidFill>
+                        </a:rPr>
+                        <a:t>6</a:t>
+                      </a:r>
+                      <a:endParaRPr lang="ko-KR" altLang="en-US" sz="1400" dirty="0">
+                        <a:solidFill>
+                          <a:sysClr val="windowText" lastClr="000000"/>
+                        </a:solidFill>
+                      </a:endParaRPr>
+                    </a:p>
+                  </a:txBody>
+                  <a:tcPr marL="61018" marR="61018" marT="30509" marB="30509" anchor="ctr">
+                    <a:lnL w="12700" cap="flat" cmpd="sng" algn="ctr">
+                      <a:noFill/>
+                      <a:prstDash val="solid"/>
+                      <a:round/>
+                      <a:headEnd type="none" w="med" len="med"/>
+                      <a:tailEnd type="none" w="med" len="med"/>
+                    </a:lnL>
+                    <a:lnR w="12700" cap="flat" cmpd="sng" algn="ctr">
+                      <a:noFill/>
+                      <a:prstDash val="solid"/>
+                      <a:round/>
+                      <a:headEnd type="none" w="med" len="med"/>
+                      <a:tailEnd type="none" w="med" len="med"/>
+                    </a:lnR>
+                    <a:lnT w="12700" cap="flat" cmpd="sng" algn="ctr">
+                      <a:noFill/>
+                      <a:prstDash val="solid"/>
+                      <a:round/>
+                      <a:headEnd type="none" w="med" len="med"/>
+                      <a:tailEnd type="none" w="med" len="med"/>
+                    </a:lnT>
+                    <a:lnB w="12700" cap="flat" cmpd="sng" algn="ctr">
+                      <a:noFill/>
+                      <a:prstDash val="solid"/>
+                      <a:round/>
+                      <a:headEnd type="none" w="med" len="med"/>
+                      <a:tailEnd type="none" w="med" len="med"/>
+                    </a:lnB>
+                    <a:lnTlToBr w="12700" cmpd="sng">
+                      <a:noFill/>
+                      <a:prstDash val="solid"/>
+                    </a:lnTlToBr>
+                    <a:lnBlToTr w="12700" cmpd="sng">
+                      <a:noFill/>
+                      <a:prstDash val="solid"/>
+                    </a:lnBlToTr>
+                    <a:solidFill>
+                      <a:schemeClr val="bg1"/>
+                    </a:solidFill>
+                  </a:tcPr>
+                </a:tc>
+                <a:extLst>
+                  <a:ext uri="{0D108BD9-81ED-4DB2-BD59-A6C34878D82A}">
+                    <a16:rowId xmlns:a16="http://schemas.microsoft.com/office/drawing/2014/main" val="2318367764"/>
+                  </a:ext>
+                </a:extLst>
+              </a:tr>
+            </a:tbl>
+          </a:graphicData>
+        </a:graphic>
+      </p:graphicFrame>
+      <p:graphicFrame>
+        <p:nvGraphicFramePr>
+          <p:cNvPr id="11" name="표 5">
+            <a:extLst>
+              <a:ext uri="{FF2B5EF4-FFF2-40B4-BE49-F238E27FC236}">
+                <a16:creationId xmlns:a16="http://schemas.microsoft.com/office/drawing/2014/main" id="{15D5CCAF-CAB6-493C-9A85-2676F48690AF}"/>
+              </a:ext>
+            </a:extLst>
+          </p:cNvPr>
+          <p:cNvGraphicFramePr>
+            <a:graphicFrameLocks noGrp="1"/>
+          </p:cNvGraphicFramePr>
+          <p:nvPr>
+            <p:extLst>
+              <p:ext uri="{D42A27DB-BD31-4B8C-83A1-F6EECF244321}">
+                <p14:modId xmlns:p14="http://schemas.microsoft.com/office/powerpoint/2010/main" val="1418284894"/>
+              </p:ext>
+            </p:extLst>
+          </p:nvPr>
+        </p:nvGraphicFramePr>
+        <p:xfrm>
+          <a:off x="6219309" y="1697702"/>
+          <a:ext cx="3853647" cy="376251"/>
+        </p:xfrm>
+        <a:graphic>
+          <a:graphicData uri="http://schemas.openxmlformats.org/drawingml/2006/table">
+            <a:tbl>
+              <a:tblPr firstRow="1" bandRow="1">
+                <a:tableStyleId>{5C22544A-7EE6-4342-B048-85BDC9FD1C3A}</a:tableStyleId>
+              </a:tblPr>
+              <a:tblGrid>
+                <a:gridCol w="550521">
+                  <a:extLst>
+                    <a:ext uri="{9D8B030D-6E8A-4147-A177-3AD203B41FA5}">
+                      <a16:colId xmlns:a16="http://schemas.microsoft.com/office/drawing/2014/main" val="422949941"/>
+                    </a:ext>
+                  </a:extLst>
+                </a:gridCol>
+                <a:gridCol w="550521">
+                  <a:extLst>
+                    <a:ext uri="{9D8B030D-6E8A-4147-A177-3AD203B41FA5}">
+                      <a16:colId xmlns:a16="http://schemas.microsoft.com/office/drawing/2014/main" val="1888211109"/>
+                    </a:ext>
+                  </a:extLst>
+                </a:gridCol>
+                <a:gridCol w="550521">
+                  <a:extLst>
+                    <a:ext uri="{9D8B030D-6E8A-4147-A177-3AD203B41FA5}">
+                      <a16:colId xmlns:a16="http://schemas.microsoft.com/office/drawing/2014/main" val="3675358557"/>
+                    </a:ext>
+                  </a:extLst>
+                </a:gridCol>
+                <a:gridCol w="550521">
+                  <a:extLst>
+                    <a:ext uri="{9D8B030D-6E8A-4147-A177-3AD203B41FA5}">
+                      <a16:colId xmlns:a16="http://schemas.microsoft.com/office/drawing/2014/main" val="2341215234"/>
+                    </a:ext>
+                  </a:extLst>
+                </a:gridCol>
+                <a:gridCol w="550521">
+                  <a:extLst>
+                    <a:ext uri="{9D8B030D-6E8A-4147-A177-3AD203B41FA5}">
+                      <a16:colId xmlns:a16="http://schemas.microsoft.com/office/drawing/2014/main" val="3718261339"/>
+                    </a:ext>
+                  </a:extLst>
+                </a:gridCol>
+                <a:gridCol w="550521">
+                  <a:extLst>
+                    <a:ext uri="{9D8B030D-6E8A-4147-A177-3AD203B41FA5}">
+                      <a16:colId xmlns:a16="http://schemas.microsoft.com/office/drawing/2014/main" val="4106026957"/>
+                    </a:ext>
+                  </a:extLst>
+                </a:gridCol>
+                <a:gridCol w="550521">
+                  <a:extLst>
+                    <a:ext uri="{9D8B030D-6E8A-4147-A177-3AD203B41FA5}">
+                      <a16:colId xmlns:a16="http://schemas.microsoft.com/office/drawing/2014/main" val="2810815576"/>
+                    </a:ext>
+                  </a:extLst>
+                </a:gridCol>
+              </a:tblGrid>
+              <a:tr h="376251">
+                <a:tc>
+                  <a:txBody>
+                    <a:bodyPr/>
+                    <a:lstStyle/>
+                    <a:p>
+                      <a:pPr algn="ctr" latinLnBrk="1"/>
+                      <a:r>
+                        <a:rPr lang="en-US" altLang="ko-KR" sz="1400" dirty="0" smtClean="0">
+                          <a:solidFill>
+                            <a:sysClr val="windowText" lastClr="000000"/>
+                          </a:solidFill>
+                        </a:rPr>
+                        <a:t>0</a:t>
+                      </a:r>
+                      <a:endParaRPr lang="ko-KR" altLang="en-US" sz="1400" dirty="0">
+                        <a:solidFill>
+                          <a:sysClr val="windowText" lastClr="000000"/>
+                        </a:solidFill>
+                      </a:endParaRPr>
+                    </a:p>
+                  </a:txBody>
+                  <a:tcPr marL="61018" marR="61018" marT="30509" marB="30509" anchor="ctr">
+                    <a:lnL w="12700" cap="flat" cmpd="sng" algn="ctr">
+                      <a:noFill/>
+                      <a:prstDash val="solid"/>
+                      <a:round/>
+                      <a:headEnd type="none" w="med" len="med"/>
+                      <a:tailEnd type="none" w="med" len="med"/>
+                    </a:lnL>
+                    <a:lnR w="12700" cap="flat" cmpd="sng" algn="ctr">
+                      <a:noFill/>
+                      <a:prstDash val="solid"/>
+                      <a:round/>
+                      <a:headEnd type="none" w="med" len="med"/>
+                      <a:tailEnd type="none" w="med" len="med"/>
+                    </a:lnR>
+                    <a:lnT w="12700" cap="flat" cmpd="sng" algn="ctr">
+                      <a:noFill/>
+                      <a:prstDash val="solid"/>
+                      <a:round/>
+                      <a:headEnd type="none" w="med" len="med"/>
+                      <a:tailEnd type="none" w="med" len="med"/>
+                    </a:lnT>
+                    <a:lnB w="12700" cap="flat" cmpd="sng" algn="ctr">
+                      <a:noFill/>
+                      <a:prstDash val="solid"/>
+                      <a:round/>
+                      <a:headEnd type="none" w="med" len="med"/>
+                      <a:tailEnd type="none" w="med" len="med"/>
+                    </a:lnB>
+                    <a:lnTlToBr w="12700" cmpd="sng">
+                      <a:noFill/>
+                      <a:prstDash val="solid"/>
+                    </a:lnTlToBr>
+                    <a:lnBlToTr w="12700" cmpd="sng">
+                      <a:noFill/>
+                      <a:prstDash val="solid"/>
+                    </a:lnBlToTr>
+                    <a:solidFill>
+                      <a:schemeClr val="bg1"/>
+                    </a:solidFill>
+                  </a:tcPr>
+                </a:tc>
+                <a:tc>
+                  <a:txBody>
+                    <a:bodyPr/>
+                    <a:lstStyle/>
+                    <a:p>
+                      <a:pPr algn="ctr" latinLnBrk="1"/>
+                      <a:r>
+                        <a:rPr lang="en-US" altLang="ko-KR" sz="1400" dirty="0" smtClean="0">
+                          <a:solidFill>
+                            <a:sysClr val="windowText" lastClr="000000"/>
+                          </a:solidFill>
+                        </a:rPr>
+                        <a:t>1</a:t>
+                      </a:r>
+                      <a:endParaRPr lang="ko-KR" altLang="en-US" sz="1400" dirty="0">
+                        <a:solidFill>
+                          <a:sysClr val="windowText" lastClr="000000"/>
+                        </a:solidFill>
+                      </a:endParaRPr>
+                    </a:p>
+                  </a:txBody>
+                  <a:tcPr marL="61018" marR="61018" marT="30509" marB="30509" anchor="ctr">
+                    <a:lnL w="12700" cap="flat" cmpd="sng" algn="ctr">
+                      <a:noFill/>
+                      <a:prstDash val="solid"/>
+                      <a:round/>
+                      <a:headEnd type="none" w="med" len="med"/>
+                      <a:tailEnd type="none" w="med" len="med"/>
+                    </a:lnL>
+                    <a:lnR w="12700" cap="flat" cmpd="sng" algn="ctr">
+                      <a:noFill/>
+                      <a:prstDash val="solid"/>
+                      <a:round/>
+                      <a:headEnd type="none" w="med" len="med"/>
+                      <a:tailEnd type="none" w="med" len="med"/>
+                    </a:lnR>
+                    <a:lnT w="12700" cap="flat" cmpd="sng" algn="ctr">
+                      <a:noFill/>
+                      <a:prstDash val="solid"/>
+                      <a:round/>
+                      <a:headEnd type="none" w="med" len="med"/>
+                      <a:tailEnd type="none" w="med" len="med"/>
+                    </a:lnT>
+                    <a:lnB w="12700" cap="flat" cmpd="sng" algn="ctr">
+                      <a:noFill/>
+                      <a:prstDash val="solid"/>
+                      <a:round/>
+                      <a:headEnd type="none" w="med" len="med"/>
+                      <a:tailEnd type="none" w="med" len="med"/>
+                    </a:lnB>
+                    <a:lnTlToBr w="12700" cmpd="sng">
+                      <a:noFill/>
+                      <a:prstDash val="solid"/>
+                    </a:lnTlToBr>
+                    <a:lnBlToTr w="12700" cmpd="sng">
+                      <a:noFill/>
+                      <a:prstDash val="solid"/>
+                    </a:lnBlToTr>
+                    <a:solidFill>
+                      <a:schemeClr val="bg1"/>
+                    </a:solidFill>
+                  </a:tcPr>
+                </a:tc>
+                <a:tc>
+                  <a:txBody>
+                    <a:bodyPr/>
+                    <a:lstStyle/>
+                    <a:p>
+                      <a:pPr algn="ctr" latinLnBrk="1"/>
+                      <a:r>
+                        <a:rPr lang="en-US" altLang="ko-KR" sz="1400" dirty="0" smtClean="0">
+                          <a:solidFill>
+                            <a:sysClr val="windowText" lastClr="000000"/>
+                          </a:solidFill>
+                        </a:rPr>
+                        <a:t>2</a:t>
+                      </a:r>
+                      <a:endParaRPr lang="ko-KR" altLang="en-US" sz="1400" dirty="0">
+                        <a:solidFill>
+                          <a:sysClr val="windowText" lastClr="000000"/>
+                        </a:solidFill>
+                      </a:endParaRPr>
+                    </a:p>
+                  </a:txBody>
+                  <a:tcPr marL="61018" marR="61018" marT="30509" marB="30509" anchor="ctr">
+                    <a:lnL w="12700" cap="flat" cmpd="sng" algn="ctr">
+                      <a:noFill/>
+                      <a:prstDash val="solid"/>
+                      <a:round/>
+                      <a:headEnd type="none" w="med" len="med"/>
+                      <a:tailEnd type="none" w="med" len="med"/>
+                    </a:lnL>
+                    <a:lnR w="12700" cap="flat" cmpd="sng" algn="ctr">
+                      <a:noFill/>
+                      <a:prstDash val="solid"/>
+                      <a:round/>
+                      <a:headEnd type="none" w="med" len="med"/>
+                      <a:tailEnd type="none" w="med" len="med"/>
+                    </a:lnR>
+                    <a:lnT w="12700" cap="flat" cmpd="sng" algn="ctr">
+                      <a:noFill/>
+                      <a:prstDash val="solid"/>
+                      <a:round/>
+                      <a:headEnd type="none" w="med" len="med"/>
+                      <a:tailEnd type="none" w="med" len="med"/>
+                    </a:lnT>
+                    <a:lnB w="12700" cap="flat" cmpd="sng" algn="ctr">
+                      <a:noFill/>
+                      <a:prstDash val="solid"/>
+                      <a:round/>
+                      <a:headEnd type="none" w="med" len="med"/>
+                      <a:tailEnd type="none" w="med" len="med"/>
+                    </a:lnB>
+                    <a:lnTlToBr w="12700" cmpd="sng">
+                      <a:noFill/>
+                      <a:prstDash val="solid"/>
+                    </a:lnTlToBr>
+                    <a:lnBlToTr w="12700" cmpd="sng">
+                      <a:noFill/>
+                      <a:prstDash val="solid"/>
+                    </a:lnBlToTr>
+                    <a:solidFill>
+                      <a:schemeClr val="bg1"/>
+                    </a:solidFill>
+                  </a:tcPr>
+                </a:tc>
+                <a:tc>
+                  <a:txBody>
+                    <a:bodyPr/>
+                    <a:lstStyle/>
+                    <a:p>
+                      <a:pPr algn="ctr" latinLnBrk="1"/>
+                      <a:r>
+                        <a:rPr lang="en-US" altLang="ko-KR" sz="1400" dirty="0" smtClean="0">
+                          <a:solidFill>
+                            <a:sysClr val="windowText" lastClr="000000"/>
+                          </a:solidFill>
+                        </a:rPr>
+                        <a:t>3</a:t>
+                      </a:r>
+                      <a:endParaRPr lang="ko-KR" altLang="en-US" sz="1400" dirty="0">
+                        <a:solidFill>
+                          <a:sysClr val="windowText" lastClr="000000"/>
+                        </a:solidFill>
+                      </a:endParaRPr>
+                    </a:p>
+                  </a:txBody>
+                  <a:tcPr marL="61018" marR="61018" marT="30509" marB="30509" anchor="ctr">
+                    <a:lnL w="12700" cap="flat" cmpd="sng" algn="ctr">
+                      <a:noFill/>
+                      <a:prstDash val="solid"/>
+                      <a:round/>
+                      <a:headEnd type="none" w="med" len="med"/>
+                      <a:tailEnd type="none" w="med" len="med"/>
+                    </a:lnL>
+                    <a:lnR w="12700" cap="flat" cmpd="sng" algn="ctr">
+                      <a:noFill/>
+                      <a:prstDash val="solid"/>
+                      <a:round/>
+                      <a:headEnd type="none" w="med" len="med"/>
+                      <a:tailEnd type="none" w="med" len="med"/>
+                    </a:lnR>
+                    <a:lnT w="12700" cap="flat" cmpd="sng" algn="ctr">
+                      <a:noFill/>
+                      <a:prstDash val="solid"/>
+                      <a:round/>
+                      <a:headEnd type="none" w="med" len="med"/>
+                      <a:tailEnd type="none" w="med" len="med"/>
+                    </a:lnT>
+                    <a:lnB w="12700" cap="flat" cmpd="sng" algn="ctr">
+                      <a:noFill/>
+                      <a:prstDash val="solid"/>
+                      <a:round/>
+                      <a:headEnd type="none" w="med" len="med"/>
+                      <a:tailEnd type="none" w="med" len="med"/>
+                    </a:lnB>
+                    <a:lnTlToBr w="12700" cmpd="sng">
+                      <a:noFill/>
+                      <a:prstDash val="solid"/>
+                    </a:lnTlToBr>
+                    <a:lnBlToTr w="12700" cmpd="sng">
+                      <a:noFill/>
+                      <a:prstDash val="solid"/>
+                    </a:lnBlToTr>
+                    <a:solidFill>
+                      <a:schemeClr val="bg1"/>
+                    </a:solidFill>
+                  </a:tcPr>
+                </a:tc>
+                <a:tc>
+                  <a:txBody>
+                    <a:bodyPr/>
+                    <a:lstStyle/>
+                    <a:p>
+                      <a:pPr algn="ctr" latinLnBrk="1"/>
+                      <a:r>
+                        <a:rPr lang="en-US" altLang="ko-KR" sz="1400" dirty="0" smtClean="0">
+                          <a:solidFill>
+                            <a:sysClr val="windowText" lastClr="000000"/>
+                          </a:solidFill>
+                        </a:rPr>
+                        <a:t>4</a:t>
+                      </a:r>
+                      <a:endParaRPr lang="ko-KR" altLang="en-US" sz="1400" dirty="0">
+                        <a:solidFill>
+                          <a:sysClr val="windowText" lastClr="000000"/>
+                        </a:solidFill>
+                      </a:endParaRPr>
+                    </a:p>
+                  </a:txBody>
+                  <a:tcPr marL="61018" marR="61018" marT="30509" marB="30509" anchor="ctr">
+                    <a:lnL w="12700" cap="flat" cmpd="sng" algn="ctr">
+                      <a:noFill/>
+                      <a:prstDash val="solid"/>
+                      <a:round/>
+                      <a:headEnd type="none" w="med" len="med"/>
+                      <a:tailEnd type="none" w="med" len="med"/>
+                    </a:lnL>
+                    <a:lnR w="12700" cap="flat" cmpd="sng" algn="ctr">
+                      <a:noFill/>
+                      <a:prstDash val="solid"/>
+                      <a:round/>
+                      <a:headEnd type="none" w="med" len="med"/>
+                      <a:tailEnd type="none" w="med" len="med"/>
+                    </a:lnR>
+                    <a:lnT w="12700" cap="flat" cmpd="sng" algn="ctr">
+                      <a:noFill/>
+                      <a:prstDash val="solid"/>
+                      <a:round/>
+                      <a:headEnd type="none" w="med" len="med"/>
+                      <a:tailEnd type="none" w="med" len="med"/>
+                    </a:lnT>
+                    <a:lnB w="12700" cap="flat" cmpd="sng" algn="ctr">
+                      <a:noFill/>
+                      <a:prstDash val="solid"/>
+                      <a:round/>
+                      <a:headEnd type="none" w="med" len="med"/>
+                      <a:tailEnd type="none" w="med" len="med"/>
+                    </a:lnB>
+                    <a:lnTlToBr w="12700" cmpd="sng">
+                      <a:noFill/>
+                      <a:prstDash val="solid"/>
+                    </a:lnTlToBr>
+                    <a:lnBlToTr w="12700" cmpd="sng">
+                      <a:noFill/>
+                      <a:prstDash val="solid"/>
+                    </a:lnBlToTr>
+                    <a:solidFill>
+                      <a:schemeClr val="bg1"/>
+                    </a:solidFill>
+                  </a:tcPr>
+                </a:tc>
+                <a:tc>
+                  <a:txBody>
+                    <a:bodyPr/>
+                    <a:lstStyle/>
+                    <a:p>
+                      <a:pPr algn="ctr" latinLnBrk="1"/>
+                      <a:r>
+                        <a:rPr lang="en-US" altLang="ko-KR" sz="1400" dirty="0" smtClean="0">
+                          <a:solidFill>
+                            <a:sysClr val="windowText" lastClr="000000"/>
+                          </a:solidFill>
+                        </a:rPr>
+                        <a:t>5</a:t>
+                      </a:r>
+                      <a:endParaRPr lang="ko-KR" altLang="en-US" sz="1400" dirty="0">
+                        <a:solidFill>
+                          <a:sysClr val="windowText" lastClr="000000"/>
+                        </a:solidFill>
+                      </a:endParaRPr>
+                    </a:p>
+                  </a:txBody>
+                  <a:tcPr marL="61018" marR="61018" marT="30509" marB="30509" anchor="ctr">
+                    <a:lnL w="12700" cap="flat" cmpd="sng" algn="ctr">
+                      <a:noFill/>
+                      <a:prstDash val="solid"/>
+                      <a:round/>
+                      <a:headEnd type="none" w="med" len="med"/>
+                      <a:tailEnd type="none" w="med" len="med"/>
+                    </a:lnL>
+                    <a:lnR w="12700" cap="flat" cmpd="sng" algn="ctr">
+                      <a:noFill/>
+                      <a:prstDash val="solid"/>
+                      <a:round/>
+                      <a:headEnd type="none" w="med" len="med"/>
+                      <a:tailEnd type="none" w="med" len="med"/>
+                    </a:lnR>
+                    <a:lnT w="12700" cap="flat" cmpd="sng" algn="ctr">
+                      <a:noFill/>
+                      <a:prstDash val="solid"/>
+                      <a:round/>
+                      <a:headEnd type="none" w="med" len="med"/>
+                      <a:tailEnd type="none" w="med" len="med"/>
+                    </a:lnT>
+                    <a:lnB w="12700" cap="flat" cmpd="sng" algn="ctr">
+                      <a:noFill/>
+                      <a:prstDash val="solid"/>
+                      <a:round/>
+                      <a:headEnd type="none" w="med" len="med"/>
+                      <a:tailEnd type="none" w="med" len="med"/>
+                    </a:lnB>
+                    <a:lnTlToBr w="12700" cmpd="sng">
+                      <a:noFill/>
+                      <a:prstDash val="solid"/>
+                    </a:lnTlToBr>
+                    <a:lnBlToTr w="12700" cmpd="sng">
+                      <a:noFill/>
+                      <a:prstDash val="solid"/>
+                    </a:lnBlToTr>
+                    <a:solidFill>
+                      <a:schemeClr val="bg1"/>
+                    </a:solidFill>
+                  </a:tcPr>
+                </a:tc>
+                <a:tc>
+                  <a:txBody>
+                    <a:bodyPr/>
+                    <a:lstStyle/>
+                    <a:p>
+                      <a:pPr algn="ctr" latinLnBrk="1"/>
+                      <a:r>
+                        <a:rPr lang="en-US" altLang="ko-KR" sz="1400" dirty="0" smtClean="0">
+                          <a:solidFill>
+                            <a:sysClr val="windowText" lastClr="000000"/>
+                          </a:solidFill>
+                        </a:rPr>
+                        <a:t>6</a:t>
+                      </a:r>
+                      <a:endParaRPr lang="ko-KR" altLang="en-US" sz="1400" dirty="0">
+                        <a:solidFill>
+                          <a:sysClr val="windowText" lastClr="000000"/>
+                        </a:solidFill>
+                      </a:endParaRPr>
+                    </a:p>
+                  </a:txBody>
+                  <a:tcPr marL="61018" marR="61018" marT="30509" marB="30509" anchor="ctr">
+                    <a:lnL w="12700" cap="flat" cmpd="sng" algn="ctr">
+                      <a:noFill/>
+                      <a:prstDash val="solid"/>
+                      <a:round/>
+                      <a:headEnd type="none" w="med" len="med"/>
+                      <a:tailEnd type="none" w="med" len="med"/>
+                    </a:lnL>
+                    <a:lnR w="12700" cap="flat" cmpd="sng" algn="ctr">
+                      <a:noFill/>
+                      <a:prstDash val="solid"/>
+                      <a:round/>
+                      <a:headEnd type="none" w="med" len="med"/>
+                      <a:tailEnd type="none" w="med" len="med"/>
+                    </a:lnR>
+                    <a:lnT w="12700" cap="flat" cmpd="sng" algn="ctr">
+                      <a:noFill/>
+                      <a:prstDash val="solid"/>
+                      <a:round/>
+                      <a:headEnd type="none" w="med" len="med"/>
+                      <a:tailEnd type="none" w="med" len="med"/>
+                    </a:lnT>
+                    <a:lnB w="12700" cap="flat" cmpd="sng" algn="ctr">
+                      <a:noFill/>
+                      <a:prstDash val="solid"/>
+                      <a:round/>
+                      <a:headEnd type="none" w="med" len="med"/>
+                      <a:tailEnd type="none" w="med" len="med"/>
+                    </a:lnB>
+                    <a:lnTlToBr w="12700" cmpd="sng">
+                      <a:noFill/>
+                      <a:prstDash val="solid"/>
+                    </a:lnTlToBr>
+                    <a:lnBlToTr w="12700" cmpd="sng">
+                      <a:noFill/>
+                      <a:prstDash val="solid"/>
+                    </a:lnBlToTr>
+                    <a:solidFill>
+                      <a:schemeClr val="bg1"/>
+                    </a:solidFill>
+                  </a:tcPr>
+                </a:tc>
+                <a:extLst>
+                  <a:ext uri="{0D108BD9-81ED-4DB2-BD59-A6C34878D82A}">
+                    <a16:rowId xmlns:a16="http://schemas.microsoft.com/office/drawing/2014/main" val="2318367764"/>
+                  </a:ext>
+                </a:extLst>
+              </a:tr>
+            </a:tbl>
+          </a:graphicData>
+        </a:graphic>
+      </p:graphicFrame>
+      <p:graphicFrame>
+        <p:nvGraphicFramePr>
+          <p:cNvPr id="4" name="표 5">
+            <a:extLst>
+              <a:ext uri="{FF2B5EF4-FFF2-40B4-BE49-F238E27FC236}">
+                <a16:creationId xmlns:a16="http://schemas.microsoft.com/office/drawing/2014/main" id="{15D5CCAF-CAB6-493C-9A85-2676F48690AF}"/>
+              </a:ext>
+            </a:extLst>
+          </p:cNvPr>
+          <p:cNvGraphicFramePr>
+            <a:graphicFrameLocks noGrp="1"/>
+          </p:cNvGraphicFramePr>
+          <p:nvPr>
+            <p:extLst>
+              <p:ext uri="{D42A27DB-BD31-4B8C-83A1-F6EECF244321}">
+                <p14:modId xmlns:p14="http://schemas.microsoft.com/office/powerpoint/2010/main" val="2357280314"/>
+              </p:ext>
+            </p:extLst>
+          </p:nvPr>
+        </p:nvGraphicFramePr>
+        <p:xfrm>
+          <a:off x="1018391" y="2073954"/>
+          <a:ext cx="3853647" cy="376251"/>
+        </p:xfrm>
+        <a:graphic>
+          <a:graphicData uri="http://schemas.openxmlformats.org/drawingml/2006/table">
+            <a:tbl>
+              <a:tblPr firstRow="1" bandRow="1">
+                <a:tableStyleId>{5C22544A-7EE6-4342-B048-85BDC9FD1C3A}</a:tableStyleId>
+              </a:tblPr>
+              <a:tblGrid>
+                <a:gridCol w="550521">
+                  <a:extLst>
+                    <a:ext uri="{9D8B030D-6E8A-4147-A177-3AD203B41FA5}">
+                      <a16:colId xmlns:a16="http://schemas.microsoft.com/office/drawing/2014/main" val="422949941"/>
+                    </a:ext>
+                  </a:extLst>
+                </a:gridCol>
+                <a:gridCol w="550521">
+                  <a:extLst>
+                    <a:ext uri="{9D8B030D-6E8A-4147-A177-3AD203B41FA5}">
+                      <a16:colId xmlns:a16="http://schemas.microsoft.com/office/drawing/2014/main" val="1888211109"/>
+                    </a:ext>
+                  </a:extLst>
+                </a:gridCol>
+                <a:gridCol w="550521">
+                  <a:extLst>
+                    <a:ext uri="{9D8B030D-6E8A-4147-A177-3AD203B41FA5}">
+                      <a16:colId xmlns:a16="http://schemas.microsoft.com/office/drawing/2014/main" val="3675358557"/>
+                    </a:ext>
+                  </a:extLst>
+                </a:gridCol>
+                <a:gridCol w="550521">
+                  <a:extLst>
+                    <a:ext uri="{9D8B030D-6E8A-4147-A177-3AD203B41FA5}">
+                      <a16:colId xmlns:a16="http://schemas.microsoft.com/office/drawing/2014/main" val="2341215234"/>
+                    </a:ext>
+                  </a:extLst>
+                </a:gridCol>
+                <a:gridCol w="550521">
+                  <a:extLst>
+                    <a:ext uri="{9D8B030D-6E8A-4147-A177-3AD203B41FA5}">
+                      <a16:colId xmlns:a16="http://schemas.microsoft.com/office/drawing/2014/main" val="3718261339"/>
+                    </a:ext>
+                  </a:extLst>
+                </a:gridCol>
+                <a:gridCol w="550521">
+                  <a:extLst>
+                    <a:ext uri="{9D8B030D-6E8A-4147-A177-3AD203B41FA5}">
+                      <a16:colId xmlns:a16="http://schemas.microsoft.com/office/drawing/2014/main" val="4106026957"/>
+                    </a:ext>
+                  </a:extLst>
+                </a:gridCol>
+                <a:gridCol w="550521">
+                  <a:extLst>
+                    <a:ext uri="{9D8B030D-6E8A-4147-A177-3AD203B41FA5}">
+                      <a16:colId xmlns:a16="http://schemas.microsoft.com/office/drawing/2014/main" val="2810815576"/>
+                    </a:ext>
+                  </a:extLst>
+                </a:gridCol>
+              </a:tblGrid>
+              <a:tr h="376251">
+                <a:tc>
+                  <a:txBody>
+                    <a:bodyPr/>
+                    <a:lstStyle/>
+                    <a:p>
+                      <a:pPr algn="ctr" latinLnBrk="1"/>
+                      <a:endParaRPr lang="ko-KR" altLang="en-US" sz="1400" dirty="0">
+                        <a:solidFill>
+                          <a:sysClr val="windowText" lastClr="000000"/>
+                        </a:solidFill>
+                      </a:endParaRPr>
+                    </a:p>
+                  </a:txBody>
+                  <a:tcPr marL="61018" marR="61018" marT="30509" marB="30509" anchor="ctr">
+                    <a:lnL w="12700" cap="flat" cmpd="sng" algn="ctr">
+                      <a:solidFill>
+                        <a:schemeClr val="tx1"/>
+                      </a:solidFill>
+                      <a:prstDash val="solid"/>
+                      <a:round/>
+                      <a:headEnd type="none" w="med" len="med"/>
+                      <a:tailEnd type="none" w="med" len="med"/>
+                    </a:lnL>
+                    <a:lnR w="12700" cap="flat" cmpd="sng" algn="ctr">
+                      <a:solidFill>
+                        <a:schemeClr val="tx1"/>
+                      </a:solidFill>
+                      <a:prstDash val="solid"/>
+                      <a:round/>
+                      <a:headEnd type="none" w="med" len="med"/>
+                      <a:tailEnd type="none" w="med" len="med"/>
+                    </a:lnR>
+                    <a:lnT w="12700" cap="flat" cmpd="sng" algn="ctr">
+                      <a:solidFill>
+                        <a:schemeClr val="tx1"/>
+                      </a:solidFill>
+                      <a:prstDash val="solid"/>
+                      <a:round/>
+                      <a:headEnd type="none" w="med" len="med"/>
+                      <a:tailEnd type="none" w="med" len="med"/>
+                    </a:lnT>
+                    <a:lnB w="12700" cap="flat" cmpd="sng" algn="ctr">
+                      <a:solidFill>
+                        <a:schemeClr val="tx1"/>
+                      </a:solidFill>
+                      <a:prstDash val="solid"/>
+                      <a:round/>
+                      <a:headEnd type="none" w="med" len="med"/>
+                      <a:tailEnd type="none" w="med" len="med"/>
+                    </a:lnB>
+                    <a:solidFill>
+                      <a:schemeClr val="bg1"/>
+                    </a:solidFill>
+                  </a:tcPr>
+                </a:tc>
+                <a:tc>
+                  <a:txBody>
+                    <a:bodyPr/>
+                    <a:lstStyle/>
+                    <a:p>
+                      <a:pPr algn="ctr" latinLnBrk="1"/>
+                      <a:endParaRPr lang="ko-KR" altLang="en-US" sz="1400" dirty="0">
+                        <a:solidFill>
+                          <a:sysClr val="windowText" lastClr="000000"/>
+                        </a:solidFill>
+                      </a:endParaRPr>
+                    </a:p>
+                  </a:txBody>
+                  <a:tcPr marL="61018" marR="61018" marT="30509" marB="30509" anchor="ctr">
+                    <a:lnL w="12700" cap="flat" cmpd="sng" algn="ctr">
+                      <a:solidFill>
+                        <a:schemeClr val="tx1"/>
+                      </a:solidFill>
+                      <a:prstDash val="solid"/>
+                      <a:round/>
+                      <a:headEnd type="none" w="med" len="med"/>
+                      <a:tailEnd type="none" w="med" len="med"/>
+                    </a:lnL>
+                    <a:lnR w="12700" cap="flat" cmpd="sng" algn="ctr">
+                      <a:solidFill>
+                        <a:schemeClr val="tx1"/>
+                      </a:solidFill>
+                      <a:prstDash val="solid"/>
+                      <a:round/>
+                      <a:headEnd type="none" w="med" len="med"/>
+                      <a:tailEnd type="none" w="med" len="med"/>
+                    </a:lnR>
+                    <a:lnT w="12700" cap="flat" cmpd="sng" algn="ctr">
+                      <a:solidFill>
+                        <a:schemeClr val="tx1"/>
+                      </a:solidFill>
+                      <a:prstDash val="solid"/>
+                      <a:round/>
+                      <a:headEnd type="none" w="med" len="med"/>
+                      <a:tailEnd type="none" w="med" len="med"/>
+                    </a:lnT>
+                    <a:lnB w="12700" cap="flat" cmpd="sng" algn="ctr">
+                      <a:solidFill>
+                        <a:schemeClr val="tx1"/>
+                      </a:solidFill>
+                      <a:prstDash val="solid"/>
+                      <a:round/>
+                      <a:headEnd type="none" w="med" len="med"/>
+                      <a:tailEnd type="none" w="med" len="med"/>
+                    </a:lnB>
+                    <a:solidFill>
+                      <a:schemeClr val="bg1"/>
+                    </a:solidFill>
+                  </a:tcPr>
+                </a:tc>
+                <a:tc>
+                  <a:txBody>
+                    <a:bodyPr/>
+                    <a:lstStyle/>
+                    <a:p>
+                      <a:pPr algn="ctr" latinLnBrk="1"/>
+                      <a:endParaRPr lang="ko-KR" altLang="en-US" sz="1400" dirty="0">
+                        <a:solidFill>
+                          <a:sysClr val="windowText" lastClr="000000"/>
+                        </a:solidFill>
+                      </a:endParaRPr>
+                    </a:p>
+                  </a:txBody>
+                  <a:tcPr marL="61018" marR="61018" marT="30509" marB="30509" anchor="ctr">
+                    <a:lnL w="12700" cap="flat" cmpd="sng" algn="ctr">
+                      <a:solidFill>
+                        <a:schemeClr val="tx1"/>
+                      </a:solidFill>
+                      <a:prstDash val="solid"/>
+                      <a:round/>
+                      <a:headEnd type="none" w="med" len="med"/>
+                      <a:tailEnd type="none" w="med" len="med"/>
+                    </a:lnL>
+                    <a:lnR w="12700" cap="flat" cmpd="sng" algn="ctr">
+                      <a:solidFill>
+                        <a:schemeClr val="tx1"/>
+                      </a:solidFill>
+                      <a:prstDash val="solid"/>
+                      <a:round/>
+                      <a:headEnd type="none" w="med" len="med"/>
+                      <a:tailEnd type="none" w="med" len="med"/>
+                    </a:lnR>
+                    <a:lnT w="12700" cap="flat" cmpd="sng" algn="ctr">
+                      <a:solidFill>
+                        <a:schemeClr val="tx1"/>
+                      </a:solidFill>
+                      <a:prstDash val="solid"/>
+                      <a:round/>
+                      <a:headEnd type="none" w="med" len="med"/>
+                      <a:tailEnd type="none" w="med" len="med"/>
+                    </a:lnT>
+                    <a:lnB w="12700" cap="flat" cmpd="sng" algn="ctr">
+                      <a:solidFill>
+                        <a:schemeClr val="tx1"/>
+                      </a:solidFill>
+                      <a:prstDash val="solid"/>
+                      <a:round/>
+                      <a:headEnd type="none" w="med" len="med"/>
+                      <a:tailEnd type="none" w="med" len="med"/>
+                    </a:lnB>
+                    <a:solidFill>
+                      <a:schemeClr val="bg1"/>
+                    </a:solidFill>
+                  </a:tcPr>
+                </a:tc>
+                <a:tc>
+                  <a:txBody>
+                    <a:bodyPr/>
+                    <a:lstStyle/>
+                    <a:p>
+                      <a:pPr algn="ctr" latinLnBrk="1"/>
+                      <a:endParaRPr lang="ko-KR" altLang="en-US" sz="1400" dirty="0">
+                        <a:solidFill>
+                          <a:sysClr val="windowText" lastClr="000000"/>
+                        </a:solidFill>
+                      </a:endParaRPr>
+                    </a:p>
+                  </a:txBody>
+                  <a:tcPr marL="61018" marR="61018" marT="30509" marB="30509" anchor="ctr">
+                    <a:lnL w="12700" cap="flat" cmpd="sng" algn="ctr">
+                      <a:solidFill>
+                        <a:schemeClr val="tx1"/>
+                      </a:solidFill>
+                      <a:prstDash val="solid"/>
+                      <a:round/>
+                      <a:headEnd type="none" w="med" len="med"/>
+                      <a:tailEnd type="none" w="med" len="med"/>
+                    </a:lnL>
+                    <a:lnR w="12700" cap="flat" cmpd="sng" algn="ctr">
+                      <a:solidFill>
+                        <a:schemeClr val="tx1"/>
+                      </a:solidFill>
+                      <a:prstDash val="solid"/>
+                      <a:round/>
+                      <a:headEnd type="none" w="med" len="med"/>
+                      <a:tailEnd type="none" w="med" len="med"/>
+                    </a:lnR>
+                    <a:lnT w="12700" cap="flat" cmpd="sng" algn="ctr">
+                      <a:solidFill>
+                        <a:schemeClr val="tx1"/>
+                      </a:solidFill>
+                      <a:prstDash val="solid"/>
+                      <a:round/>
+                      <a:headEnd type="none" w="med" len="med"/>
+                      <a:tailEnd type="none" w="med" len="med"/>
+                    </a:lnT>
+                    <a:lnB w="12700" cap="flat" cmpd="sng" algn="ctr">
+                      <a:solidFill>
+                        <a:schemeClr val="tx1"/>
+                      </a:solidFill>
+                      <a:prstDash val="solid"/>
+                      <a:round/>
+                      <a:headEnd type="none" w="med" len="med"/>
+                      <a:tailEnd type="none" w="med" len="med"/>
+                    </a:lnB>
+                    <a:solidFill>
+                      <a:schemeClr val="bg1"/>
+                    </a:solidFill>
+                  </a:tcPr>
+                </a:tc>
+                <a:tc>
+                  <a:txBody>
+                    <a:bodyPr/>
+                    <a:lstStyle/>
+                    <a:p>
+                      <a:pPr algn="ctr" latinLnBrk="1"/>
+                      <a:endParaRPr lang="ko-KR" altLang="en-US" sz="1400" dirty="0">
+                        <a:solidFill>
+                          <a:sysClr val="windowText" lastClr="000000"/>
+                        </a:solidFill>
+                      </a:endParaRPr>
+                    </a:p>
+                  </a:txBody>
+                  <a:tcPr marL="61018" marR="61018" marT="30509" marB="30509" anchor="ctr">
+                    <a:lnL w="12700" cap="flat" cmpd="sng" algn="ctr">
+                      <a:solidFill>
+                        <a:schemeClr val="tx1"/>
+                      </a:solidFill>
+                      <a:prstDash val="solid"/>
+                      <a:round/>
+                      <a:headEnd type="none" w="med" len="med"/>
+                      <a:tailEnd type="none" w="med" len="med"/>
+                    </a:lnL>
+                    <a:lnR w="12700" cap="flat" cmpd="sng" algn="ctr">
+                      <a:solidFill>
+                        <a:schemeClr val="tx1"/>
+                      </a:solidFill>
+                      <a:prstDash val="solid"/>
+                      <a:round/>
+                      <a:headEnd type="none" w="med" len="med"/>
+                      <a:tailEnd type="none" w="med" len="med"/>
+                    </a:lnR>
+                    <a:lnT w="12700" cap="flat" cmpd="sng" algn="ctr">
+                      <a:solidFill>
+                        <a:schemeClr val="tx1"/>
+                      </a:solidFill>
+                      <a:prstDash val="solid"/>
+                      <a:round/>
+                      <a:headEnd type="none" w="med" len="med"/>
+                      <a:tailEnd type="none" w="med" len="med"/>
+                    </a:lnT>
+                    <a:lnB w="12700" cap="flat" cmpd="sng" algn="ctr">
+                      <a:solidFill>
+                        <a:schemeClr val="tx1"/>
+                      </a:solidFill>
+                      <a:prstDash val="solid"/>
+                      <a:round/>
+                      <a:headEnd type="none" w="med" len="med"/>
+                      <a:tailEnd type="none" w="med" len="med"/>
+                    </a:lnB>
+                    <a:solidFill>
+                      <a:schemeClr val="bg1"/>
+                    </a:solidFill>
+                  </a:tcPr>
+                </a:tc>
+                <a:tc>
+                  <a:txBody>
+                    <a:bodyPr/>
+                    <a:lstStyle/>
+                    <a:p>
+                      <a:pPr algn="ctr" latinLnBrk="1"/>
+                      <a:endParaRPr lang="ko-KR" altLang="en-US" sz="1400" dirty="0">
+                        <a:solidFill>
+                          <a:sysClr val="windowText" lastClr="000000"/>
+                        </a:solidFill>
+                      </a:endParaRPr>
+                    </a:p>
+                  </a:txBody>
+                  <a:tcPr marL="61018" marR="61018" marT="30509" marB="30509" anchor="ctr">
+                    <a:lnL w="12700" cap="flat" cmpd="sng" algn="ctr">
+                      <a:solidFill>
+                        <a:schemeClr val="tx1"/>
+                      </a:solidFill>
+                      <a:prstDash val="solid"/>
+                      <a:round/>
+                      <a:headEnd type="none" w="med" len="med"/>
+                      <a:tailEnd type="none" w="med" len="med"/>
+                    </a:lnL>
+                    <a:lnR w="12700" cap="flat" cmpd="sng" algn="ctr">
+                      <a:solidFill>
+                        <a:schemeClr val="tx1"/>
+                      </a:solidFill>
+                      <a:prstDash val="solid"/>
+                      <a:round/>
+                      <a:headEnd type="none" w="med" len="med"/>
+                      <a:tailEnd type="none" w="med" len="med"/>
+                    </a:lnR>
+                    <a:lnT w="12700" cap="flat" cmpd="sng" algn="ctr">
+                      <a:solidFill>
+                        <a:schemeClr val="tx1"/>
+                      </a:solidFill>
+                      <a:prstDash val="solid"/>
+                      <a:round/>
+                      <a:headEnd type="none" w="med" len="med"/>
+                      <a:tailEnd type="none" w="med" len="med"/>
+                    </a:lnT>
+                    <a:lnB w="12700" cap="flat" cmpd="sng" algn="ctr">
+                      <a:solidFill>
+                        <a:schemeClr val="tx1"/>
+                      </a:solidFill>
+                      <a:prstDash val="solid"/>
+                      <a:round/>
+                      <a:headEnd type="none" w="med" len="med"/>
+                      <a:tailEnd type="none" w="med" len="med"/>
+                    </a:lnB>
+                    <a:solidFill>
+                      <a:schemeClr val="bg1"/>
+                    </a:solidFill>
+                  </a:tcPr>
+                </a:tc>
+                <a:tc>
+                  <a:txBody>
+                    <a:bodyPr/>
+                    <a:lstStyle/>
+                    <a:p>
+                      <a:pPr algn="ctr" latinLnBrk="1"/>
+                      <a:endParaRPr lang="ko-KR" altLang="en-US" sz="1400" dirty="0">
+                        <a:solidFill>
+                          <a:sysClr val="windowText" lastClr="000000"/>
+                        </a:solidFill>
+                      </a:endParaRPr>
+                    </a:p>
+                  </a:txBody>
+                  <a:tcPr marL="61018" marR="61018" marT="30509" marB="30509" anchor="ctr">
+                    <a:lnL w="12700" cap="flat" cmpd="sng" algn="ctr">
+                      <a:solidFill>
+                        <a:schemeClr val="tx1"/>
+                      </a:solidFill>
+                      <a:prstDash val="solid"/>
+                      <a:round/>
+                      <a:headEnd type="none" w="med" len="med"/>
+                      <a:tailEnd type="none" w="med" len="med"/>
+                    </a:lnL>
+                    <a:lnR w="12700" cap="flat" cmpd="sng" algn="ctr">
+                      <a:solidFill>
+                        <a:schemeClr val="tx1"/>
+                      </a:solidFill>
+                      <a:prstDash val="solid"/>
+                      <a:round/>
+                      <a:headEnd type="none" w="med" len="med"/>
+                      <a:tailEnd type="none" w="med" len="med"/>
+                    </a:lnR>
+                    <a:lnT w="12700" cap="flat" cmpd="sng" algn="ctr">
+                      <a:solidFill>
+                        <a:schemeClr val="tx1"/>
+                      </a:solidFill>
+                      <a:prstDash val="solid"/>
+                      <a:round/>
+                      <a:headEnd type="none" w="med" len="med"/>
+                      <a:tailEnd type="none" w="med" len="med"/>
+                    </a:lnT>
+                    <a:lnB w="12700" cap="flat" cmpd="sng" algn="ctr">
+                      <a:solidFill>
+                        <a:schemeClr val="tx1"/>
+                      </a:solidFill>
+                      <a:prstDash val="solid"/>
+                      <a:round/>
+                      <a:headEnd type="none" w="med" len="med"/>
+                      <a:tailEnd type="none" w="med" len="med"/>
+                    </a:lnB>
+                    <a:solidFill>
+                      <a:schemeClr val="bg1"/>
+                    </a:solidFill>
+                  </a:tcPr>
+                </a:tc>
+                <a:extLst>
+                  <a:ext uri="{0D108BD9-81ED-4DB2-BD59-A6C34878D82A}">
+                    <a16:rowId xmlns:a16="http://schemas.microsoft.com/office/drawing/2014/main" val="2318367764"/>
+                  </a:ext>
+                </a:extLst>
+              </a:tr>
+            </a:tbl>
+          </a:graphicData>
+        </a:graphic>
+      </p:graphicFrame>
+      <p:graphicFrame>
+        <p:nvGraphicFramePr>
+          <p:cNvPr id="5" name="표 5">
+            <a:extLst>
+              <a:ext uri="{FF2B5EF4-FFF2-40B4-BE49-F238E27FC236}">
+                <a16:creationId xmlns:a16="http://schemas.microsoft.com/office/drawing/2014/main" id="{15D5CCAF-CAB6-493C-9A85-2676F48690AF}"/>
+              </a:ext>
+            </a:extLst>
+          </p:cNvPr>
+          <p:cNvGraphicFramePr>
+            <a:graphicFrameLocks noGrp="1"/>
+          </p:cNvGraphicFramePr>
+          <p:nvPr>
+            <p:extLst>
+              <p:ext uri="{D42A27DB-BD31-4B8C-83A1-F6EECF244321}">
+                <p14:modId xmlns:p14="http://schemas.microsoft.com/office/powerpoint/2010/main" val="3319080661"/>
+              </p:ext>
+            </p:extLst>
+          </p:nvPr>
+        </p:nvGraphicFramePr>
+        <p:xfrm>
+          <a:off x="6219310" y="2073953"/>
+          <a:ext cx="3853647" cy="376251"/>
+        </p:xfrm>
+        <a:graphic>
+          <a:graphicData uri="http://schemas.openxmlformats.org/drawingml/2006/table">
+            <a:tbl>
+              <a:tblPr firstRow="1" bandRow="1">
+                <a:tableStyleId>{5C22544A-7EE6-4342-B048-85BDC9FD1C3A}</a:tableStyleId>
+              </a:tblPr>
+              <a:tblGrid>
+                <a:gridCol w="550521">
+                  <a:extLst>
+                    <a:ext uri="{9D8B030D-6E8A-4147-A177-3AD203B41FA5}">
+                      <a16:colId xmlns:a16="http://schemas.microsoft.com/office/drawing/2014/main" val="422949941"/>
+                    </a:ext>
+                  </a:extLst>
+                </a:gridCol>
+                <a:gridCol w="550521">
+                  <a:extLst>
+                    <a:ext uri="{9D8B030D-6E8A-4147-A177-3AD203B41FA5}">
+                      <a16:colId xmlns:a16="http://schemas.microsoft.com/office/drawing/2014/main" val="1888211109"/>
+                    </a:ext>
+                  </a:extLst>
+                </a:gridCol>
+                <a:gridCol w="550521">
+                  <a:extLst>
+                    <a:ext uri="{9D8B030D-6E8A-4147-A177-3AD203B41FA5}">
+                      <a16:colId xmlns:a16="http://schemas.microsoft.com/office/drawing/2014/main" val="3675358557"/>
+                    </a:ext>
+                  </a:extLst>
+                </a:gridCol>
+                <a:gridCol w="550521">
+                  <a:extLst>
+                    <a:ext uri="{9D8B030D-6E8A-4147-A177-3AD203B41FA5}">
+                      <a16:colId xmlns:a16="http://schemas.microsoft.com/office/drawing/2014/main" val="2341215234"/>
+                    </a:ext>
+                  </a:extLst>
+                </a:gridCol>
+                <a:gridCol w="550521">
+                  <a:extLst>
+                    <a:ext uri="{9D8B030D-6E8A-4147-A177-3AD203B41FA5}">
+                      <a16:colId xmlns:a16="http://schemas.microsoft.com/office/drawing/2014/main" val="3718261339"/>
+                    </a:ext>
+                  </a:extLst>
+                </a:gridCol>
+                <a:gridCol w="550521">
+                  <a:extLst>
+                    <a:ext uri="{9D8B030D-6E8A-4147-A177-3AD203B41FA5}">
+                      <a16:colId xmlns:a16="http://schemas.microsoft.com/office/drawing/2014/main" val="4106026957"/>
+                    </a:ext>
+                  </a:extLst>
+                </a:gridCol>
+                <a:gridCol w="550521">
+                  <a:extLst>
+                    <a:ext uri="{9D8B030D-6E8A-4147-A177-3AD203B41FA5}">
+                      <a16:colId xmlns:a16="http://schemas.microsoft.com/office/drawing/2014/main" val="2810815576"/>
+                    </a:ext>
+                  </a:extLst>
+                </a:gridCol>
+              </a:tblGrid>
+              <a:tr h="376251">
+                <a:tc>
+                  <a:txBody>
+                    <a:bodyPr/>
+                    <a:lstStyle/>
+                    <a:p>
+                      <a:pPr algn="ctr" latinLnBrk="1"/>
+                      <a:endParaRPr lang="ko-KR" altLang="en-US" sz="1400" dirty="0">
+                        <a:solidFill>
+                          <a:sysClr val="windowText" lastClr="000000"/>
+                        </a:solidFill>
+                      </a:endParaRPr>
+                    </a:p>
+                  </a:txBody>
+                  <a:tcPr marL="61018" marR="61018" marT="30509" marB="30509" anchor="ctr">
+                    <a:lnL w="12700" cap="flat" cmpd="sng" algn="ctr">
+                      <a:solidFill>
+                        <a:schemeClr val="tx1"/>
+                      </a:solidFill>
+                      <a:prstDash val="solid"/>
+                      <a:round/>
+                      <a:headEnd type="none" w="med" len="med"/>
+                      <a:tailEnd type="none" w="med" len="med"/>
+                    </a:lnL>
+                    <a:lnR w="12700" cap="flat" cmpd="sng" algn="ctr">
+                      <a:solidFill>
+                        <a:schemeClr val="tx1"/>
+                      </a:solidFill>
+                      <a:prstDash val="solid"/>
+                      <a:round/>
+                      <a:headEnd type="none" w="med" len="med"/>
+                      <a:tailEnd type="none" w="med" len="med"/>
+                    </a:lnR>
+                    <a:lnT w="12700" cap="flat" cmpd="sng" algn="ctr">
+                      <a:solidFill>
+                        <a:schemeClr val="tx1"/>
+                      </a:solidFill>
+                      <a:prstDash val="solid"/>
+                      <a:round/>
+                      <a:headEnd type="none" w="med" len="med"/>
+                      <a:tailEnd type="none" w="med" len="med"/>
+                    </a:lnT>
+                    <a:lnB w="12700" cap="flat" cmpd="sng" algn="ctr">
+                      <a:solidFill>
+                        <a:schemeClr val="tx1"/>
+                      </a:solidFill>
+                      <a:prstDash val="solid"/>
+                      <a:round/>
+                      <a:headEnd type="none" w="med" len="med"/>
+                      <a:tailEnd type="none" w="med" len="med"/>
+                    </a:lnB>
+                    <a:solidFill>
+                      <a:schemeClr val="bg1"/>
+                    </a:solidFill>
+                  </a:tcPr>
+                </a:tc>
+                <a:tc>
+                  <a:txBody>
+                    <a:bodyPr/>
+                    <a:lstStyle/>
+                    <a:p>
+                      <a:pPr algn="ctr" latinLnBrk="1"/>
+                      <a:r>
+                        <a:rPr lang="en-US" altLang="ko-KR" sz="1400" dirty="0" smtClean="0">
+                          <a:solidFill>
+                            <a:sysClr val="windowText" lastClr="000000"/>
+                          </a:solidFill>
+                        </a:rPr>
+                        <a:t>C</a:t>
+                      </a:r>
+                      <a:endParaRPr lang="ko-KR" altLang="en-US" sz="1400" dirty="0">
+                        <a:solidFill>
+                          <a:sysClr val="windowText" lastClr="000000"/>
+                        </a:solidFill>
+                      </a:endParaRPr>
+                    </a:p>
+                  </a:txBody>
+                  <a:tcPr marL="61018" marR="61018" marT="30509" marB="30509" anchor="ctr">
+                    <a:lnL w="12700" cap="flat" cmpd="sng" algn="ctr">
+                      <a:solidFill>
+                        <a:schemeClr val="tx1"/>
+                      </a:solidFill>
+                      <a:prstDash val="solid"/>
+                      <a:round/>
+                      <a:headEnd type="none" w="med" len="med"/>
+                      <a:tailEnd type="none" w="med" len="med"/>
+                    </a:lnL>
+                    <a:lnR w="12700" cap="flat" cmpd="sng" algn="ctr">
+                      <a:solidFill>
+                        <a:schemeClr val="tx1"/>
+                      </a:solidFill>
+                      <a:prstDash val="solid"/>
+                      <a:round/>
+                      <a:headEnd type="none" w="med" len="med"/>
+                      <a:tailEnd type="none" w="med" len="med"/>
+                    </a:lnR>
+                    <a:lnT w="12700" cap="flat" cmpd="sng" algn="ctr">
+                      <a:solidFill>
+                        <a:schemeClr val="tx1"/>
+                      </a:solidFill>
+                      <a:prstDash val="solid"/>
+                      <a:round/>
+                      <a:headEnd type="none" w="med" len="med"/>
+                      <a:tailEnd type="none" w="med" len="med"/>
+                    </a:lnT>
+                    <a:lnB w="12700" cap="flat" cmpd="sng" algn="ctr">
+                      <a:solidFill>
+                        <a:schemeClr val="tx1"/>
+                      </a:solidFill>
+                      <a:prstDash val="solid"/>
+                      <a:round/>
+                      <a:headEnd type="none" w="med" len="med"/>
+                      <a:tailEnd type="none" w="med" len="med"/>
+                    </a:lnB>
+                    <a:solidFill>
+                      <a:schemeClr val="bg1"/>
+                    </a:solidFill>
+                  </a:tcPr>
+                </a:tc>
+                <a:tc>
+                  <a:txBody>
+                    <a:bodyPr/>
+                    <a:lstStyle/>
+                    <a:p>
+                      <a:pPr algn="ctr" latinLnBrk="1"/>
+                      <a:r>
+                        <a:rPr lang="en-US" altLang="ko-KR" sz="1400" dirty="0" smtClean="0">
+                          <a:solidFill>
+                            <a:sysClr val="windowText" lastClr="000000"/>
+                          </a:solidFill>
+                        </a:rPr>
+                        <a:t>B</a:t>
+                      </a:r>
+                      <a:endParaRPr lang="ko-KR" altLang="en-US" sz="1400" dirty="0">
+                        <a:solidFill>
+                          <a:sysClr val="windowText" lastClr="000000"/>
+                        </a:solidFill>
+                      </a:endParaRPr>
+                    </a:p>
+                  </a:txBody>
+                  <a:tcPr marL="61018" marR="61018" marT="30509" marB="30509" anchor="ctr">
+                    <a:lnL w="12700" cap="flat" cmpd="sng" algn="ctr">
+                      <a:solidFill>
+                        <a:schemeClr val="tx1"/>
+                      </a:solidFill>
+                      <a:prstDash val="solid"/>
+                      <a:round/>
+                      <a:headEnd type="none" w="med" len="med"/>
+                      <a:tailEnd type="none" w="med" len="med"/>
+                    </a:lnL>
+                    <a:lnR w="12700" cap="flat" cmpd="sng" algn="ctr">
+                      <a:solidFill>
+                        <a:schemeClr val="tx1"/>
+                      </a:solidFill>
+                      <a:prstDash val="solid"/>
+                      <a:round/>
+                      <a:headEnd type="none" w="med" len="med"/>
+                      <a:tailEnd type="none" w="med" len="med"/>
+                    </a:lnR>
+                    <a:lnT w="12700" cap="flat" cmpd="sng" algn="ctr">
+                      <a:solidFill>
+                        <a:schemeClr val="tx1"/>
+                      </a:solidFill>
+                      <a:prstDash val="solid"/>
+                      <a:round/>
+                      <a:headEnd type="none" w="med" len="med"/>
+                      <a:tailEnd type="none" w="med" len="med"/>
+                    </a:lnT>
+                    <a:lnB w="12700" cap="flat" cmpd="sng" algn="ctr">
+                      <a:solidFill>
+                        <a:schemeClr val="tx1"/>
+                      </a:solidFill>
+                      <a:prstDash val="solid"/>
+                      <a:round/>
+                      <a:headEnd type="none" w="med" len="med"/>
+                      <a:tailEnd type="none" w="med" len="med"/>
+                    </a:lnB>
+                    <a:solidFill>
+                      <a:schemeClr val="bg1"/>
+                    </a:solidFill>
+                  </a:tcPr>
+                </a:tc>
+                <a:tc>
+                  <a:txBody>
+                    <a:bodyPr/>
+                    <a:lstStyle/>
+                    <a:p>
+                      <a:pPr algn="ctr" latinLnBrk="1"/>
+                      <a:endParaRPr lang="ko-KR" altLang="en-US" sz="1400" dirty="0">
+                        <a:solidFill>
+                          <a:sysClr val="windowText" lastClr="000000"/>
+                        </a:solidFill>
+                      </a:endParaRPr>
+                    </a:p>
+                  </a:txBody>
+                  <a:tcPr marL="61018" marR="61018" marT="30509" marB="30509" anchor="ctr">
+                    <a:lnL w="12700" cap="flat" cmpd="sng" algn="ctr">
+                      <a:solidFill>
+                        <a:schemeClr val="tx1"/>
+                      </a:solidFill>
+                      <a:prstDash val="solid"/>
+                      <a:round/>
+                      <a:headEnd type="none" w="med" len="med"/>
+                      <a:tailEnd type="none" w="med" len="med"/>
+                    </a:lnL>
+                    <a:lnR w="12700" cap="flat" cmpd="sng" algn="ctr">
+                      <a:solidFill>
+                        <a:schemeClr val="tx1"/>
+                      </a:solidFill>
+                      <a:prstDash val="solid"/>
+                      <a:round/>
+                      <a:headEnd type="none" w="med" len="med"/>
+                      <a:tailEnd type="none" w="med" len="med"/>
+                    </a:lnR>
+                    <a:lnT w="12700" cap="flat" cmpd="sng" algn="ctr">
+                      <a:solidFill>
+                        <a:schemeClr val="tx1"/>
+                      </a:solidFill>
+                      <a:prstDash val="solid"/>
+                      <a:round/>
+                      <a:headEnd type="none" w="med" len="med"/>
+                      <a:tailEnd type="none" w="med" len="med"/>
+                    </a:lnT>
+                    <a:lnB w="12700" cap="flat" cmpd="sng" algn="ctr">
+                      <a:solidFill>
+                        <a:schemeClr val="tx1"/>
+                      </a:solidFill>
+                      <a:prstDash val="solid"/>
+                      <a:round/>
+                      <a:headEnd type="none" w="med" len="med"/>
+                      <a:tailEnd type="none" w="med" len="med"/>
+                    </a:lnB>
+                    <a:solidFill>
+                      <a:schemeClr val="bg1"/>
+                    </a:solidFill>
+                  </a:tcPr>
+                </a:tc>
+                <a:tc>
+                  <a:txBody>
+                    <a:bodyPr/>
+                    <a:lstStyle/>
+                    <a:p>
+                      <a:pPr algn="ctr" latinLnBrk="1"/>
+                      <a:endParaRPr lang="ko-KR" altLang="en-US" sz="1400" dirty="0">
+                        <a:solidFill>
+                          <a:sysClr val="windowText" lastClr="000000"/>
+                        </a:solidFill>
+                      </a:endParaRPr>
+                    </a:p>
+                  </a:txBody>
+                  <a:tcPr marL="61018" marR="61018" marT="30509" marB="30509" anchor="ctr">
+                    <a:lnL w="12700" cap="flat" cmpd="sng" algn="ctr">
+                      <a:solidFill>
+                        <a:schemeClr val="tx1"/>
+                      </a:solidFill>
+                      <a:prstDash val="solid"/>
+                      <a:round/>
+                      <a:headEnd type="none" w="med" len="med"/>
+                      <a:tailEnd type="none" w="med" len="med"/>
+                    </a:lnL>
+                    <a:lnR w="12700" cap="flat" cmpd="sng" algn="ctr">
+                      <a:solidFill>
+                        <a:schemeClr val="tx1"/>
+                      </a:solidFill>
+                      <a:prstDash val="solid"/>
+                      <a:round/>
+                      <a:headEnd type="none" w="med" len="med"/>
+                      <a:tailEnd type="none" w="med" len="med"/>
+                    </a:lnR>
+                    <a:lnT w="12700" cap="flat" cmpd="sng" algn="ctr">
+                      <a:solidFill>
+                        <a:schemeClr val="tx1"/>
+                      </a:solidFill>
+                      <a:prstDash val="solid"/>
+                      <a:round/>
+                      <a:headEnd type="none" w="med" len="med"/>
+                      <a:tailEnd type="none" w="med" len="med"/>
+                    </a:lnT>
+                    <a:lnB w="12700" cap="flat" cmpd="sng" algn="ctr">
+                      <a:solidFill>
+                        <a:schemeClr val="tx1"/>
+                      </a:solidFill>
+                      <a:prstDash val="solid"/>
+                      <a:round/>
+                      <a:headEnd type="none" w="med" len="med"/>
+                      <a:tailEnd type="none" w="med" len="med"/>
+                    </a:lnB>
+                    <a:solidFill>
+                      <a:schemeClr val="bg1"/>
+                    </a:solidFill>
+                  </a:tcPr>
+                </a:tc>
+                <a:tc>
+                  <a:txBody>
+                    <a:bodyPr/>
+                    <a:lstStyle/>
+                    <a:p>
+                      <a:pPr algn="ctr" latinLnBrk="1"/>
+                      <a:r>
+                        <a:rPr lang="en-US" altLang="ko-KR" sz="1400" dirty="0" smtClean="0">
+                          <a:solidFill>
+                            <a:sysClr val="windowText" lastClr="000000"/>
+                          </a:solidFill>
+                        </a:rPr>
+                        <a:t>A</a:t>
+                      </a:r>
+                      <a:endParaRPr lang="ko-KR" altLang="en-US" sz="1400" dirty="0">
+                        <a:solidFill>
+                          <a:sysClr val="windowText" lastClr="000000"/>
+                        </a:solidFill>
+                      </a:endParaRPr>
+                    </a:p>
+                  </a:txBody>
+                  <a:tcPr marL="61018" marR="61018" marT="30509" marB="30509" anchor="ctr">
+                    <a:lnL w="12700" cap="flat" cmpd="sng" algn="ctr">
+                      <a:solidFill>
+                        <a:schemeClr val="tx1"/>
+                      </a:solidFill>
+                      <a:prstDash val="solid"/>
+                      <a:round/>
+                      <a:headEnd type="none" w="med" len="med"/>
+                      <a:tailEnd type="none" w="med" len="med"/>
+                    </a:lnL>
+                    <a:lnR w="12700" cap="flat" cmpd="sng" algn="ctr">
+                      <a:solidFill>
+                        <a:schemeClr val="tx1"/>
+                      </a:solidFill>
+                      <a:prstDash val="solid"/>
+                      <a:round/>
+                      <a:headEnd type="none" w="med" len="med"/>
+                      <a:tailEnd type="none" w="med" len="med"/>
+                    </a:lnR>
+                    <a:lnT w="12700" cap="flat" cmpd="sng" algn="ctr">
+                      <a:solidFill>
+                        <a:schemeClr val="tx1"/>
+                      </a:solidFill>
+                      <a:prstDash val="solid"/>
+                      <a:round/>
+                      <a:headEnd type="none" w="med" len="med"/>
+                      <a:tailEnd type="none" w="med" len="med"/>
+                    </a:lnT>
+                    <a:lnB w="12700" cap="flat" cmpd="sng" algn="ctr">
+                      <a:solidFill>
+                        <a:schemeClr val="tx1"/>
+                      </a:solidFill>
+                      <a:prstDash val="solid"/>
+                      <a:round/>
+                      <a:headEnd type="none" w="med" len="med"/>
+                      <a:tailEnd type="none" w="med" len="med"/>
+                    </a:lnB>
+                    <a:solidFill>
+                      <a:schemeClr val="bg1"/>
+                    </a:solidFill>
+                  </a:tcPr>
+                </a:tc>
+                <a:tc>
+                  <a:txBody>
+                    <a:bodyPr/>
+                    <a:lstStyle/>
+                    <a:p>
+                      <a:pPr algn="ctr" latinLnBrk="1"/>
+                      <a:endParaRPr lang="ko-KR" altLang="en-US" sz="1400" dirty="0">
+                        <a:solidFill>
+                          <a:sysClr val="windowText" lastClr="000000"/>
+                        </a:solidFill>
+                      </a:endParaRPr>
+                    </a:p>
+                  </a:txBody>
+                  <a:tcPr marL="61018" marR="61018" marT="30509" marB="30509" anchor="ctr">
+                    <a:lnL w="12700" cap="flat" cmpd="sng" algn="ctr">
+                      <a:solidFill>
+                        <a:schemeClr val="tx1"/>
+                      </a:solidFill>
+                      <a:prstDash val="solid"/>
+                      <a:round/>
+                      <a:headEnd type="none" w="med" len="med"/>
+                      <a:tailEnd type="none" w="med" len="med"/>
+                    </a:lnL>
+                    <a:lnR w="12700" cap="flat" cmpd="sng" algn="ctr">
+                      <a:solidFill>
+                        <a:schemeClr val="tx1"/>
+                      </a:solidFill>
+                      <a:prstDash val="solid"/>
+                      <a:round/>
+                      <a:headEnd type="none" w="med" len="med"/>
+                      <a:tailEnd type="none" w="med" len="med"/>
+                    </a:lnR>
+                    <a:lnT w="12700" cap="flat" cmpd="sng" algn="ctr">
+                      <a:solidFill>
+                        <a:schemeClr val="tx1"/>
+                      </a:solidFill>
+                      <a:prstDash val="solid"/>
+                      <a:round/>
+                      <a:headEnd type="none" w="med" len="med"/>
+                      <a:tailEnd type="none" w="med" len="med"/>
+                    </a:lnT>
+                    <a:lnB w="12700" cap="flat" cmpd="sng" algn="ctr">
+                      <a:solidFill>
+                        <a:schemeClr val="tx1"/>
+                      </a:solidFill>
+                      <a:prstDash val="solid"/>
+                      <a:round/>
+                      <a:headEnd type="none" w="med" len="med"/>
+                      <a:tailEnd type="none" w="med" len="med"/>
+                    </a:lnB>
+                    <a:solidFill>
+                      <a:schemeClr val="bg1"/>
+                    </a:solidFill>
+                  </a:tcPr>
+                </a:tc>
+                <a:extLst>
+                  <a:ext uri="{0D108BD9-81ED-4DB2-BD59-A6C34878D82A}">
+                    <a16:rowId xmlns:a16="http://schemas.microsoft.com/office/drawing/2014/main" val="2318367764"/>
+                  </a:ext>
+                </a:extLst>
+              </a:tr>
+            </a:tbl>
+          </a:graphicData>
+        </a:graphic>
+      </p:graphicFrame>
+      <p:graphicFrame>
+        <p:nvGraphicFramePr>
+          <p:cNvPr id="6" name="표 5">
+            <a:extLst>
+              <a:ext uri="{FF2B5EF4-FFF2-40B4-BE49-F238E27FC236}">
+                <a16:creationId xmlns:a16="http://schemas.microsoft.com/office/drawing/2014/main" id="{15D5CCAF-CAB6-493C-9A85-2676F48690AF}"/>
+              </a:ext>
+            </a:extLst>
+          </p:cNvPr>
+          <p:cNvGraphicFramePr>
+            <a:graphicFrameLocks noGrp="1"/>
+          </p:cNvGraphicFramePr>
+          <p:nvPr>
+            <p:extLst>
+              <p:ext uri="{D42A27DB-BD31-4B8C-83A1-F6EECF244321}">
+                <p14:modId xmlns:p14="http://schemas.microsoft.com/office/powerpoint/2010/main" val="673772644"/>
+              </p:ext>
+            </p:extLst>
+          </p:nvPr>
+        </p:nvGraphicFramePr>
+        <p:xfrm>
+          <a:off x="1018391" y="4644671"/>
+          <a:ext cx="3853647" cy="376251"/>
+        </p:xfrm>
+        <a:graphic>
+          <a:graphicData uri="http://schemas.openxmlformats.org/drawingml/2006/table">
+            <a:tbl>
+              <a:tblPr firstRow="1" bandRow="1">
+                <a:tableStyleId>{5C22544A-7EE6-4342-B048-85BDC9FD1C3A}</a:tableStyleId>
+              </a:tblPr>
+              <a:tblGrid>
+                <a:gridCol w="550521">
+                  <a:extLst>
+                    <a:ext uri="{9D8B030D-6E8A-4147-A177-3AD203B41FA5}">
+                      <a16:colId xmlns:a16="http://schemas.microsoft.com/office/drawing/2014/main" val="422949941"/>
+                    </a:ext>
+                  </a:extLst>
+                </a:gridCol>
+                <a:gridCol w="550521">
+                  <a:extLst>
+                    <a:ext uri="{9D8B030D-6E8A-4147-A177-3AD203B41FA5}">
+                      <a16:colId xmlns:a16="http://schemas.microsoft.com/office/drawing/2014/main" val="1888211109"/>
+                    </a:ext>
+                  </a:extLst>
+                </a:gridCol>
+                <a:gridCol w="550521">
+                  <a:extLst>
+                    <a:ext uri="{9D8B030D-6E8A-4147-A177-3AD203B41FA5}">
+                      <a16:colId xmlns:a16="http://schemas.microsoft.com/office/drawing/2014/main" val="3675358557"/>
+                    </a:ext>
+                  </a:extLst>
+                </a:gridCol>
+                <a:gridCol w="550521">
+                  <a:extLst>
+                    <a:ext uri="{9D8B030D-6E8A-4147-A177-3AD203B41FA5}">
+                      <a16:colId xmlns:a16="http://schemas.microsoft.com/office/drawing/2014/main" val="2341215234"/>
+                    </a:ext>
+                  </a:extLst>
+                </a:gridCol>
+                <a:gridCol w="550521">
+                  <a:extLst>
+                    <a:ext uri="{9D8B030D-6E8A-4147-A177-3AD203B41FA5}">
+                      <a16:colId xmlns:a16="http://schemas.microsoft.com/office/drawing/2014/main" val="3718261339"/>
+                    </a:ext>
+                  </a:extLst>
+                </a:gridCol>
+                <a:gridCol w="550521">
+                  <a:extLst>
+                    <a:ext uri="{9D8B030D-6E8A-4147-A177-3AD203B41FA5}">
+                      <a16:colId xmlns:a16="http://schemas.microsoft.com/office/drawing/2014/main" val="4106026957"/>
+                    </a:ext>
+                  </a:extLst>
+                </a:gridCol>
+                <a:gridCol w="550521">
+                  <a:extLst>
+                    <a:ext uri="{9D8B030D-6E8A-4147-A177-3AD203B41FA5}">
+                      <a16:colId xmlns:a16="http://schemas.microsoft.com/office/drawing/2014/main" val="2810815576"/>
+                    </a:ext>
+                  </a:extLst>
+                </a:gridCol>
+              </a:tblGrid>
+              <a:tr h="376251">
+                <a:tc>
+                  <a:txBody>
+                    <a:bodyPr/>
+                    <a:lstStyle/>
+                    <a:p>
+                      <a:pPr algn="ctr" latinLnBrk="1"/>
+                      <a:endParaRPr lang="ko-KR" altLang="en-US" sz="1400" dirty="0">
+                        <a:solidFill>
+                          <a:sysClr val="windowText" lastClr="000000"/>
+                        </a:solidFill>
+                      </a:endParaRPr>
+                    </a:p>
+                  </a:txBody>
+                  <a:tcPr marL="61018" marR="61018" marT="30509" marB="30509" anchor="ctr">
+                    <a:lnL w="12700" cap="flat" cmpd="sng" algn="ctr">
+                      <a:solidFill>
+                        <a:schemeClr val="tx1"/>
+                      </a:solidFill>
+                      <a:prstDash val="solid"/>
+                      <a:round/>
+                      <a:headEnd type="none" w="med" len="med"/>
+                      <a:tailEnd type="none" w="med" len="med"/>
+                    </a:lnL>
+                    <a:lnR w="12700" cap="flat" cmpd="sng" algn="ctr">
+                      <a:solidFill>
+                        <a:schemeClr val="tx1"/>
+                      </a:solidFill>
+                      <a:prstDash val="solid"/>
+                      <a:round/>
+                      <a:headEnd type="none" w="med" len="med"/>
+                      <a:tailEnd type="none" w="med" len="med"/>
+                    </a:lnR>
+                    <a:lnT w="12700" cap="flat" cmpd="sng" algn="ctr">
+                      <a:solidFill>
+                        <a:schemeClr val="tx1"/>
+                      </a:solidFill>
+                      <a:prstDash val="solid"/>
+                      <a:round/>
+                      <a:headEnd type="none" w="med" len="med"/>
+                      <a:tailEnd type="none" w="med" len="med"/>
+                    </a:lnT>
+                    <a:lnB w="12700" cap="flat" cmpd="sng" algn="ctr">
+                      <a:solidFill>
+                        <a:schemeClr val="tx1"/>
+                      </a:solidFill>
+                      <a:prstDash val="solid"/>
+                      <a:round/>
+                      <a:headEnd type="none" w="med" len="med"/>
+                      <a:tailEnd type="none" w="med" len="med"/>
+                    </a:lnB>
+                    <a:solidFill>
+                      <a:schemeClr val="bg1"/>
+                    </a:solidFill>
+                  </a:tcPr>
+                </a:tc>
+                <a:tc>
+                  <a:txBody>
+                    <a:bodyPr/>
+                    <a:lstStyle/>
+                    <a:p>
+                      <a:pPr algn="ctr" latinLnBrk="1"/>
+                      <a:endParaRPr lang="ko-KR" altLang="en-US" sz="1400" dirty="0">
+                        <a:solidFill>
+                          <a:sysClr val="windowText" lastClr="000000"/>
+                        </a:solidFill>
+                      </a:endParaRPr>
+                    </a:p>
+                  </a:txBody>
+                  <a:tcPr marL="61018" marR="61018" marT="30509" marB="30509" anchor="ctr">
+                    <a:lnL w="12700" cap="flat" cmpd="sng" algn="ctr">
+                      <a:solidFill>
+                        <a:schemeClr val="tx1"/>
+                      </a:solidFill>
+                      <a:prstDash val="solid"/>
+                      <a:round/>
+                      <a:headEnd type="none" w="med" len="med"/>
+                      <a:tailEnd type="none" w="med" len="med"/>
+                    </a:lnL>
+                    <a:lnR w="12700" cap="flat" cmpd="sng" algn="ctr">
+                      <a:solidFill>
+                        <a:schemeClr val="tx1"/>
+                      </a:solidFill>
+                      <a:prstDash val="solid"/>
+                      <a:round/>
+                      <a:headEnd type="none" w="med" len="med"/>
+                      <a:tailEnd type="none" w="med" len="med"/>
+                    </a:lnR>
+                    <a:lnT w="12700" cap="flat" cmpd="sng" algn="ctr">
+                      <a:solidFill>
+                        <a:schemeClr val="tx1"/>
+                      </a:solidFill>
+                      <a:prstDash val="solid"/>
+                      <a:round/>
+                      <a:headEnd type="none" w="med" len="med"/>
+                      <a:tailEnd type="none" w="med" len="med"/>
+                    </a:lnT>
+                    <a:lnB w="12700" cap="flat" cmpd="sng" algn="ctr">
+                      <a:solidFill>
+                        <a:schemeClr val="tx1"/>
+                      </a:solidFill>
+                      <a:prstDash val="solid"/>
+                      <a:round/>
+                      <a:headEnd type="none" w="med" len="med"/>
+                      <a:tailEnd type="none" w="med" len="med"/>
+                    </a:lnB>
+                    <a:solidFill>
+                      <a:schemeClr val="bg1"/>
+                    </a:solidFill>
+                  </a:tcPr>
+                </a:tc>
+                <a:tc>
+                  <a:txBody>
+                    <a:bodyPr/>
+                    <a:lstStyle/>
+                    <a:p>
+                      <a:pPr algn="ctr" latinLnBrk="1"/>
+                      <a:r>
+                        <a:rPr lang="en-US" altLang="ko-KR" sz="1400" dirty="0" smtClean="0">
+                          <a:solidFill>
+                            <a:sysClr val="windowText" lastClr="000000"/>
+                          </a:solidFill>
+                        </a:rPr>
+                        <a:t>B</a:t>
+                      </a:r>
+                      <a:endParaRPr lang="ko-KR" altLang="en-US" sz="1400" dirty="0">
+                        <a:solidFill>
+                          <a:sysClr val="windowText" lastClr="000000"/>
+                        </a:solidFill>
+                      </a:endParaRPr>
+                    </a:p>
+                  </a:txBody>
+                  <a:tcPr marL="61018" marR="61018" marT="30509" marB="30509" anchor="ctr">
+                    <a:lnL w="12700" cap="flat" cmpd="sng" algn="ctr">
+                      <a:solidFill>
+                        <a:schemeClr val="tx1"/>
+                      </a:solidFill>
+                      <a:prstDash val="solid"/>
+                      <a:round/>
+                      <a:headEnd type="none" w="med" len="med"/>
+                      <a:tailEnd type="none" w="med" len="med"/>
+                    </a:lnL>
+                    <a:lnR w="12700" cap="flat" cmpd="sng" algn="ctr">
+                      <a:solidFill>
+                        <a:schemeClr val="tx1"/>
+                      </a:solidFill>
+                      <a:prstDash val="solid"/>
+                      <a:round/>
+                      <a:headEnd type="none" w="med" len="med"/>
+                      <a:tailEnd type="none" w="med" len="med"/>
+                    </a:lnR>
+                    <a:lnT w="12700" cap="flat" cmpd="sng" algn="ctr">
+                      <a:solidFill>
+                        <a:schemeClr val="tx1"/>
+                      </a:solidFill>
+                      <a:prstDash val="solid"/>
+                      <a:round/>
+                      <a:headEnd type="none" w="med" len="med"/>
+                      <a:tailEnd type="none" w="med" len="med"/>
+                    </a:lnT>
+                    <a:lnB w="12700" cap="flat" cmpd="sng" algn="ctr">
+                      <a:solidFill>
+                        <a:schemeClr val="tx1"/>
+                      </a:solidFill>
+                      <a:prstDash val="solid"/>
+                      <a:round/>
+                      <a:headEnd type="none" w="med" len="med"/>
+                      <a:tailEnd type="none" w="med" len="med"/>
+                    </a:lnB>
+                    <a:solidFill>
+                      <a:schemeClr val="bg1"/>
+                    </a:solidFill>
+                  </a:tcPr>
+                </a:tc>
+                <a:tc>
+                  <a:txBody>
+                    <a:bodyPr/>
+                    <a:lstStyle/>
+                    <a:p>
+                      <a:pPr algn="ctr" latinLnBrk="1"/>
+                      <a:endParaRPr lang="ko-KR" altLang="en-US" sz="1400" dirty="0">
+                        <a:solidFill>
+                          <a:sysClr val="windowText" lastClr="000000"/>
+                        </a:solidFill>
+                      </a:endParaRPr>
+                    </a:p>
+                  </a:txBody>
+                  <a:tcPr marL="61018" marR="61018" marT="30509" marB="30509" anchor="ctr">
+                    <a:lnL w="12700" cap="flat" cmpd="sng" algn="ctr">
+                      <a:solidFill>
+                        <a:schemeClr val="tx1"/>
+                      </a:solidFill>
+                      <a:prstDash val="solid"/>
+                      <a:round/>
+                      <a:headEnd type="none" w="med" len="med"/>
+                      <a:tailEnd type="none" w="med" len="med"/>
+                    </a:lnL>
+                    <a:lnR w="12700" cap="flat" cmpd="sng" algn="ctr">
+                      <a:solidFill>
+                        <a:schemeClr val="tx1"/>
+                      </a:solidFill>
+                      <a:prstDash val="solid"/>
+                      <a:round/>
+                      <a:headEnd type="none" w="med" len="med"/>
+                      <a:tailEnd type="none" w="med" len="med"/>
+                    </a:lnR>
+                    <a:lnT w="12700" cap="flat" cmpd="sng" algn="ctr">
+                      <a:solidFill>
+                        <a:schemeClr val="tx1"/>
+                      </a:solidFill>
+                      <a:prstDash val="solid"/>
+                      <a:round/>
+                      <a:headEnd type="none" w="med" len="med"/>
+                      <a:tailEnd type="none" w="med" len="med"/>
+                    </a:lnT>
+                    <a:lnB w="12700" cap="flat" cmpd="sng" algn="ctr">
+                      <a:solidFill>
+                        <a:schemeClr val="tx1"/>
+                      </a:solidFill>
+                      <a:prstDash val="solid"/>
+                      <a:round/>
+                      <a:headEnd type="none" w="med" len="med"/>
+                      <a:tailEnd type="none" w="med" len="med"/>
+                    </a:lnB>
+                    <a:solidFill>
+                      <a:schemeClr val="bg1"/>
+                    </a:solidFill>
+                  </a:tcPr>
+                </a:tc>
+                <a:tc>
+                  <a:txBody>
+                    <a:bodyPr/>
+                    <a:lstStyle/>
+                    <a:p>
+                      <a:pPr algn="ctr" latinLnBrk="1"/>
+                      <a:r>
+                        <a:rPr lang="en-US" altLang="ko-KR" sz="1400" dirty="0" smtClean="0">
+                          <a:solidFill>
+                            <a:sysClr val="windowText" lastClr="000000"/>
+                          </a:solidFill>
+                        </a:rPr>
+                        <a:t>A</a:t>
+                      </a:r>
+                      <a:endParaRPr lang="ko-KR" altLang="en-US" sz="1400" dirty="0">
+                        <a:solidFill>
+                          <a:sysClr val="windowText" lastClr="000000"/>
+                        </a:solidFill>
+                      </a:endParaRPr>
+                    </a:p>
+                  </a:txBody>
+                  <a:tcPr marL="61018" marR="61018" marT="30509" marB="30509" anchor="ctr">
+                    <a:lnL w="12700" cap="flat" cmpd="sng" algn="ctr">
+                      <a:solidFill>
+                        <a:schemeClr val="tx1"/>
+                      </a:solidFill>
+                      <a:prstDash val="solid"/>
+                      <a:round/>
+                      <a:headEnd type="none" w="med" len="med"/>
+                      <a:tailEnd type="none" w="med" len="med"/>
+                    </a:lnL>
+                    <a:lnR w="12700" cap="flat" cmpd="sng" algn="ctr">
+                      <a:solidFill>
+                        <a:schemeClr val="tx1"/>
+                      </a:solidFill>
+                      <a:prstDash val="solid"/>
+                      <a:round/>
+                      <a:headEnd type="none" w="med" len="med"/>
+                      <a:tailEnd type="none" w="med" len="med"/>
+                    </a:lnR>
+                    <a:lnT w="12700" cap="flat" cmpd="sng" algn="ctr">
+                      <a:solidFill>
+                        <a:schemeClr val="tx1"/>
+                      </a:solidFill>
+                      <a:prstDash val="solid"/>
+                      <a:round/>
+                      <a:headEnd type="none" w="med" len="med"/>
+                      <a:tailEnd type="none" w="med" len="med"/>
+                    </a:lnT>
+                    <a:lnB w="12700" cap="flat" cmpd="sng" algn="ctr">
+                      <a:solidFill>
+                        <a:schemeClr val="tx1"/>
+                      </a:solidFill>
+                      <a:prstDash val="solid"/>
+                      <a:round/>
+                      <a:headEnd type="none" w="med" len="med"/>
+                      <a:tailEnd type="none" w="med" len="med"/>
+                    </a:lnB>
+                    <a:solidFill>
+                      <a:schemeClr val="bg1"/>
+                    </a:solidFill>
+                  </a:tcPr>
+                </a:tc>
+                <a:tc>
+                  <a:txBody>
+                    <a:bodyPr/>
+                    <a:lstStyle/>
+                    <a:p>
+                      <a:pPr algn="ctr" latinLnBrk="1"/>
+                      <a:r>
+                        <a:rPr lang="en-US" altLang="ko-KR" sz="1400" dirty="0" smtClean="0">
+                          <a:solidFill>
+                            <a:sysClr val="windowText" lastClr="000000"/>
+                          </a:solidFill>
+                        </a:rPr>
+                        <a:t>D</a:t>
+                      </a:r>
+                      <a:endParaRPr lang="ko-KR" altLang="en-US" sz="1400" dirty="0">
+                        <a:solidFill>
+                          <a:sysClr val="windowText" lastClr="000000"/>
+                        </a:solidFill>
+                      </a:endParaRPr>
+                    </a:p>
+                  </a:txBody>
+                  <a:tcPr marL="61018" marR="61018" marT="30509" marB="30509" anchor="ctr">
+                    <a:lnL w="12700" cap="flat" cmpd="sng" algn="ctr">
+                      <a:solidFill>
+                        <a:schemeClr val="tx1"/>
+                      </a:solidFill>
+                      <a:prstDash val="solid"/>
+                      <a:round/>
+                      <a:headEnd type="none" w="med" len="med"/>
+                      <a:tailEnd type="none" w="med" len="med"/>
+                    </a:lnL>
+                    <a:lnR w="12700" cap="flat" cmpd="sng" algn="ctr">
+                      <a:solidFill>
+                        <a:schemeClr val="tx1"/>
+                      </a:solidFill>
+                      <a:prstDash val="solid"/>
+                      <a:round/>
+                      <a:headEnd type="none" w="med" len="med"/>
+                      <a:tailEnd type="none" w="med" len="med"/>
+                    </a:lnR>
+                    <a:lnT w="12700" cap="flat" cmpd="sng" algn="ctr">
+                      <a:solidFill>
+                        <a:schemeClr val="tx1"/>
+                      </a:solidFill>
+                      <a:prstDash val="solid"/>
+                      <a:round/>
+                      <a:headEnd type="none" w="med" len="med"/>
+                      <a:tailEnd type="none" w="med" len="med"/>
+                    </a:lnT>
+                    <a:lnB w="12700" cap="flat" cmpd="sng" algn="ctr">
+                      <a:solidFill>
+                        <a:schemeClr val="tx1"/>
+                      </a:solidFill>
+                      <a:prstDash val="solid"/>
+                      <a:round/>
+                      <a:headEnd type="none" w="med" len="med"/>
+                      <a:tailEnd type="none" w="med" len="med"/>
+                    </a:lnB>
+                    <a:solidFill>
+                      <a:schemeClr val="bg1"/>
+                    </a:solidFill>
+                  </a:tcPr>
+                </a:tc>
+                <a:tc>
+                  <a:txBody>
+                    <a:bodyPr/>
+                    <a:lstStyle/>
+                    <a:p>
+                      <a:pPr algn="ctr" latinLnBrk="1"/>
+                      <a:endParaRPr lang="ko-KR" altLang="en-US" sz="1400" dirty="0">
+                        <a:solidFill>
+                          <a:sysClr val="windowText" lastClr="000000"/>
+                        </a:solidFill>
+                      </a:endParaRPr>
+                    </a:p>
+                  </a:txBody>
+                  <a:tcPr marL="61018" marR="61018" marT="30509" marB="30509" anchor="ctr">
+                    <a:lnL w="12700" cap="flat" cmpd="sng" algn="ctr">
+                      <a:solidFill>
+                        <a:schemeClr val="tx1"/>
+                      </a:solidFill>
+                      <a:prstDash val="solid"/>
+                      <a:round/>
+                      <a:headEnd type="none" w="med" len="med"/>
+                      <a:tailEnd type="none" w="med" len="med"/>
+                    </a:lnL>
+                    <a:lnR w="12700" cap="flat" cmpd="sng" algn="ctr">
+                      <a:solidFill>
+                        <a:schemeClr val="tx1"/>
+                      </a:solidFill>
+                      <a:prstDash val="solid"/>
+                      <a:round/>
+                      <a:headEnd type="none" w="med" len="med"/>
+                      <a:tailEnd type="none" w="med" len="med"/>
+                    </a:lnR>
+                    <a:lnT w="12700" cap="flat" cmpd="sng" algn="ctr">
+                      <a:solidFill>
+                        <a:schemeClr val="tx1"/>
+                      </a:solidFill>
+                      <a:prstDash val="solid"/>
+                      <a:round/>
+                      <a:headEnd type="none" w="med" len="med"/>
+                      <a:tailEnd type="none" w="med" len="med"/>
+                    </a:lnT>
+                    <a:lnB w="12700" cap="flat" cmpd="sng" algn="ctr">
+                      <a:solidFill>
+                        <a:schemeClr val="tx1"/>
+                      </a:solidFill>
+                      <a:prstDash val="solid"/>
+                      <a:round/>
+                      <a:headEnd type="none" w="med" len="med"/>
+                      <a:tailEnd type="none" w="med" len="med"/>
+                    </a:lnB>
+                    <a:solidFill>
+                      <a:schemeClr val="bg1"/>
+                    </a:solidFill>
+                  </a:tcPr>
+                </a:tc>
+                <a:extLst>
+                  <a:ext uri="{0D108BD9-81ED-4DB2-BD59-A6C34878D82A}">
+                    <a16:rowId xmlns:a16="http://schemas.microsoft.com/office/drawing/2014/main" val="2318367764"/>
+                  </a:ext>
+                </a:extLst>
+              </a:tr>
+            </a:tbl>
+          </a:graphicData>
+        </a:graphic>
+      </p:graphicFrame>
+      <p:graphicFrame>
+        <p:nvGraphicFramePr>
+          <p:cNvPr id="7" name="표 5">
+            <a:extLst>
+              <a:ext uri="{FF2B5EF4-FFF2-40B4-BE49-F238E27FC236}">
+                <a16:creationId xmlns:a16="http://schemas.microsoft.com/office/drawing/2014/main" id="{15D5CCAF-CAB6-493C-9A85-2676F48690AF}"/>
+              </a:ext>
+            </a:extLst>
+          </p:cNvPr>
+          <p:cNvGraphicFramePr>
+            <a:graphicFrameLocks noGrp="1"/>
+          </p:cNvGraphicFramePr>
+          <p:nvPr>
+            <p:extLst>
+              <p:ext uri="{D42A27DB-BD31-4B8C-83A1-F6EECF244321}">
+                <p14:modId xmlns:p14="http://schemas.microsoft.com/office/powerpoint/2010/main" val="3786727602"/>
+              </p:ext>
+            </p:extLst>
+          </p:nvPr>
+        </p:nvGraphicFramePr>
+        <p:xfrm>
+          <a:off x="6219310" y="4644670"/>
+          <a:ext cx="3853647" cy="376251"/>
+        </p:xfrm>
+        <a:graphic>
+          <a:graphicData uri="http://schemas.openxmlformats.org/drawingml/2006/table">
+            <a:tbl>
+              <a:tblPr firstRow="1" bandRow="1">
+                <a:tableStyleId>{5C22544A-7EE6-4342-B048-85BDC9FD1C3A}</a:tableStyleId>
+              </a:tblPr>
+              <a:tblGrid>
+                <a:gridCol w="550521">
+                  <a:extLst>
+                    <a:ext uri="{9D8B030D-6E8A-4147-A177-3AD203B41FA5}">
+                      <a16:colId xmlns:a16="http://schemas.microsoft.com/office/drawing/2014/main" val="422949941"/>
+                    </a:ext>
+                  </a:extLst>
+                </a:gridCol>
+                <a:gridCol w="550521">
+                  <a:extLst>
+                    <a:ext uri="{9D8B030D-6E8A-4147-A177-3AD203B41FA5}">
+                      <a16:colId xmlns:a16="http://schemas.microsoft.com/office/drawing/2014/main" val="1888211109"/>
+                    </a:ext>
+                  </a:extLst>
+                </a:gridCol>
+                <a:gridCol w="550521">
+                  <a:extLst>
+                    <a:ext uri="{9D8B030D-6E8A-4147-A177-3AD203B41FA5}">
+                      <a16:colId xmlns:a16="http://schemas.microsoft.com/office/drawing/2014/main" val="3675358557"/>
+                    </a:ext>
+                  </a:extLst>
+                </a:gridCol>
+                <a:gridCol w="550521">
+                  <a:extLst>
+                    <a:ext uri="{9D8B030D-6E8A-4147-A177-3AD203B41FA5}">
+                      <a16:colId xmlns:a16="http://schemas.microsoft.com/office/drawing/2014/main" val="2341215234"/>
+                    </a:ext>
+                  </a:extLst>
+                </a:gridCol>
+                <a:gridCol w="550521">
+                  <a:extLst>
+                    <a:ext uri="{9D8B030D-6E8A-4147-A177-3AD203B41FA5}">
+                      <a16:colId xmlns:a16="http://schemas.microsoft.com/office/drawing/2014/main" val="3718261339"/>
+                    </a:ext>
+                  </a:extLst>
+                </a:gridCol>
+                <a:gridCol w="550521">
+                  <a:extLst>
+                    <a:ext uri="{9D8B030D-6E8A-4147-A177-3AD203B41FA5}">
+                      <a16:colId xmlns:a16="http://schemas.microsoft.com/office/drawing/2014/main" val="4106026957"/>
+                    </a:ext>
+                  </a:extLst>
+                </a:gridCol>
+                <a:gridCol w="550521">
+                  <a:extLst>
+                    <a:ext uri="{9D8B030D-6E8A-4147-A177-3AD203B41FA5}">
+                      <a16:colId xmlns:a16="http://schemas.microsoft.com/office/drawing/2014/main" val="2810815576"/>
+                    </a:ext>
+                  </a:extLst>
+                </a:gridCol>
+              </a:tblGrid>
+              <a:tr h="376251">
+                <a:tc>
+                  <a:txBody>
+                    <a:bodyPr/>
+                    <a:lstStyle/>
+                    <a:p>
+                      <a:pPr algn="ctr" latinLnBrk="1"/>
+                      <a:endParaRPr lang="ko-KR" altLang="en-US" sz="1400" dirty="0">
+                        <a:solidFill>
+                          <a:sysClr val="windowText" lastClr="000000"/>
+                        </a:solidFill>
+                      </a:endParaRPr>
+                    </a:p>
+                  </a:txBody>
+                  <a:tcPr marL="61018" marR="61018" marT="30509" marB="30509" anchor="ctr">
+                    <a:lnL w="12700" cap="flat" cmpd="sng" algn="ctr">
+                      <a:solidFill>
+                        <a:schemeClr val="tx1"/>
+                      </a:solidFill>
+                      <a:prstDash val="solid"/>
+                      <a:round/>
+                      <a:headEnd type="none" w="med" len="med"/>
+                      <a:tailEnd type="none" w="med" len="med"/>
+                    </a:lnL>
+                    <a:lnR w="12700" cap="flat" cmpd="sng" algn="ctr">
+                      <a:solidFill>
+                        <a:schemeClr val="tx1"/>
+                      </a:solidFill>
+                      <a:prstDash val="solid"/>
+                      <a:round/>
+                      <a:headEnd type="none" w="med" len="med"/>
+                      <a:tailEnd type="none" w="med" len="med"/>
+                    </a:lnR>
+                    <a:lnT w="12700" cap="flat" cmpd="sng" algn="ctr">
+                      <a:solidFill>
+                        <a:schemeClr val="tx1"/>
+                      </a:solidFill>
+                      <a:prstDash val="solid"/>
+                      <a:round/>
+                      <a:headEnd type="none" w="med" len="med"/>
+                      <a:tailEnd type="none" w="med" len="med"/>
+                    </a:lnT>
+                    <a:lnB w="12700" cap="flat" cmpd="sng" algn="ctr">
+                      <a:solidFill>
+                        <a:schemeClr val="tx1"/>
+                      </a:solidFill>
+                      <a:prstDash val="solid"/>
+                      <a:round/>
+                      <a:headEnd type="none" w="med" len="med"/>
+                      <a:tailEnd type="none" w="med" len="med"/>
+                    </a:lnB>
+                    <a:solidFill>
+                      <a:schemeClr val="bg1"/>
+                    </a:solidFill>
+                  </a:tcPr>
+                </a:tc>
+                <a:tc>
+                  <a:txBody>
+                    <a:bodyPr/>
+                    <a:lstStyle/>
+                    <a:p>
+                      <a:pPr algn="ctr" latinLnBrk="1"/>
+                      <a:r>
+                        <a:rPr lang="en-US" altLang="ko-KR" sz="1400" dirty="0" smtClean="0">
+                          <a:solidFill>
+                            <a:sysClr val="windowText" lastClr="000000"/>
+                          </a:solidFill>
+                        </a:rPr>
+                        <a:t>B</a:t>
+                      </a:r>
+                      <a:endParaRPr lang="ko-KR" altLang="en-US" sz="1400" dirty="0">
+                        <a:solidFill>
+                          <a:sysClr val="windowText" lastClr="000000"/>
+                        </a:solidFill>
+                      </a:endParaRPr>
+                    </a:p>
+                  </a:txBody>
+                  <a:tcPr marL="61018" marR="61018" marT="30509" marB="30509" anchor="ctr">
+                    <a:lnL w="12700" cap="flat" cmpd="sng" algn="ctr">
+                      <a:solidFill>
+                        <a:schemeClr val="tx1"/>
+                      </a:solidFill>
+                      <a:prstDash val="solid"/>
+                      <a:round/>
+                      <a:headEnd type="none" w="med" len="med"/>
+                      <a:tailEnd type="none" w="med" len="med"/>
+                    </a:lnL>
+                    <a:lnR w="12700" cap="flat" cmpd="sng" algn="ctr">
+                      <a:solidFill>
+                        <a:schemeClr val="tx1"/>
+                      </a:solidFill>
+                      <a:prstDash val="solid"/>
+                      <a:round/>
+                      <a:headEnd type="none" w="med" len="med"/>
+                      <a:tailEnd type="none" w="med" len="med"/>
+                    </a:lnR>
+                    <a:lnT w="12700" cap="flat" cmpd="sng" algn="ctr">
+                      <a:solidFill>
+                        <a:schemeClr val="tx1"/>
+                      </a:solidFill>
+                      <a:prstDash val="solid"/>
+                      <a:round/>
+                      <a:headEnd type="none" w="med" len="med"/>
+                      <a:tailEnd type="none" w="med" len="med"/>
+                    </a:lnT>
+                    <a:lnB w="12700" cap="flat" cmpd="sng" algn="ctr">
+                      <a:solidFill>
+                        <a:schemeClr val="tx1"/>
+                      </a:solidFill>
+                      <a:prstDash val="solid"/>
+                      <a:round/>
+                      <a:headEnd type="none" w="med" len="med"/>
+                      <a:tailEnd type="none" w="med" len="med"/>
+                    </a:lnB>
+                    <a:solidFill>
+                      <a:schemeClr val="bg1"/>
+                    </a:solidFill>
+                  </a:tcPr>
+                </a:tc>
+                <a:tc>
+                  <a:txBody>
+                    <a:bodyPr/>
+                    <a:lstStyle/>
+                    <a:p>
+                      <a:pPr algn="ctr" latinLnBrk="1"/>
+                      <a:r>
+                        <a:rPr lang="en-US" altLang="ko-KR" sz="1400" dirty="0" smtClean="0">
+                          <a:solidFill>
+                            <a:sysClr val="windowText" lastClr="000000"/>
+                          </a:solidFill>
+                        </a:rPr>
+                        <a:t>A</a:t>
+                      </a:r>
+                      <a:endParaRPr lang="ko-KR" altLang="en-US" sz="1400" dirty="0">
+                        <a:solidFill>
+                          <a:sysClr val="windowText" lastClr="000000"/>
+                        </a:solidFill>
+                      </a:endParaRPr>
+                    </a:p>
+                  </a:txBody>
+                  <a:tcPr marL="61018" marR="61018" marT="30509" marB="30509" anchor="ctr">
+                    <a:lnL w="12700" cap="flat" cmpd="sng" algn="ctr">
+                      <a:solidFill>
+                        <a:schemeClr val="tx1"/>
+                      </a:solidFill>
+                      <a:prstDash val="solid"/>
+                      <a:round/>
+                      <a:headEnd type="none" w="med" len="med"/>
+                      <a:tailEnd type="none" w="med" len="med"/>
+                    </a:lnL>
+                    <a:lnR w="12700" cap="flat" cmpd="sng" algn="ctr">
+                      <a:solidFill>
+                        <a:schemeClr val="tx1"/>
+                      </a:solidFill>
+                      <a:prstDash val="solid"/>
+                      <a:round/>
+                      <a:headEnd type="none" w="med" len="med"/>
+                      <a:tailEnd type="none" w="med" len="med"/>
+                    </a:lnR>
+                    <a:lnT w="12700" cap="flat" cmpd="sng" algn="ctr">
+                      <a:solidFill>
+                        <a:schemeClr val="tx1"/>
+                      </a:solidFill>
+                      <a:prstDash val="solid"/>
+                      <a:round/>
+                      <a:headEnd type="none" w="med" len="med"/>
+                      <a:tailEnd type="none" w="med" len="med"/>
+                    </a:lnT>
+                    <a:lnB w="12700" cap="flat" cmpd="sng" algn="ctr">
+                      <a:solidFill>
+                        <a:schemeClr val="tx1"/>
+                      </a:solidFill>
+                      <a:prstDash val="solid"/>
+                      <a:round/>
+                      <a:headEnd type="none" w="med" len="med"/>
+                      <a:tailEnd type="none" w="med" len="med"/>
+                    </a:lnB>
+                    <a:solidFill>
+                      <a:schemeClr val="bg1"/>
+                    </a:solidFill>
+                  </a:tcPr>
+                </a:tc>
+                <a:tc>
+                  <a:txBody>
+                    <a:bodyPr/>
+                    <a:lstStyle/>
+                    <a:p>
+                      <a:pPr algn="ctr" latinLnBrk="1"/>
+                      <a:r>
+                        <a:rPr lang="en-US" altLang="ko-KR" sz="1400" dirty="0" smtClean="0">
+                          <a:solidFill>
+                            <a:sysClr val="windowText" lastClr="000000"/>
+                          </a:solidFill>
+                        </a:rPr>
+                        <a:t>D</a:t>
+                      </a:r>
+                      <a:endParaRPr lang="ko-KR" altLang="en-US" sz="1400" dirty="0">
+                        <a:solidFill>
+                          <a:sysClr val="windowText" lastClr="000000"/>
+                        </a:solidFill>
+                      </a:endParaRPr>
+                    </a:p>
+                  </a:txBody>
+                  <a:tcPr marL="61018" marR="61018" marT="30509" marB="30509" anchor="ctr">
+                    <a:lnL w="12700" cap="flat" cmpd="sng" algn="ctr">
+                      <a:solidFill>
+                        <a:schemeClr val="tx1"/>
+                      </a:solidFill>
+                      <a:prstDash val="solid"/>
+                      <a:round/>
+                      <a:headEnd type="none" w="med" len="med"/>
+                      <a:tailEnd type="none" w="med" len="med"/>
+                    </a:lnL>
+                    <a:lnR w="12700" cap="flat" cmpd="sng" algn="ctr">
+                      <a:solidFill>
+                        <a:schemeClr val="tx1"/>
+                      </a:solidFill>
+                      <a:prstDash val="solid"/>
+                      <a:round/>
+                      <a:headEnd type="none" w="med" len="med"/>
+                      <a:tailEnd type="none" w="med" len="med"/>
+                    </a:lnR>
+                    <a:lnT w="12700" cap="flat" cmpd="sng" algn="ctr">
+                      <a:solidFill>
+                        <a:schemeClr val="tx1"/>
+                      </a:solidFill>
+                      <a:prstDash val="solid"/>
+                      <a:round/>
+                      <a:headEnd type="none" w="med" len="med"/>
+                      <a:tailEnd type="none" w="med" len="med"/>
+                    </a:lnT>
+                    <a:lnB w="12700" cap="flat" cmpd="sng" algn="ctr">
+                      <a:solidFill>
+                        <a:schemeClr val="tx1"/>
+                      </a:solidFill>
+                      <a:prstDash val="solid"/>
+                      <a:round/>
+                      <a:headEnd type="none" w="med" len="med"/>
+                      <a:tailEnd type="none" w="med" len="med"/>
+                    </a:lnB>
+                    <a:solidFill>
+                      <a:schemeClr val="bg1"/>
+                    </a:solidFill>
+                  </a:tcPr>
+                </a:tc>
+                <a:tc>
+                  <a:txBody>
+                    <a:bodyPr/>
+                    <a:lstStyle/>
+                    <a:p>
+                      <a:pPr algn="ctr" latinLnBrk="1"/>
+                      <a:r>
+                        <a:rPr lang="en-US" altLang="ko-KR" sz="1400" dirty="0" smtClean="0">
+                          <a:solidFill>
+                            <a:sysClr val="windowText" lastClr="000000"/>
+                          </a:solidFill>
+                        </a:rPr>
+                        <a:t>F</a:t>
+                      </a:r>
+                      <a:endParaRPr lang="ko-KR" altLang="en-US" sz="1400" dirty="0">
+                        <a:solidFill>
+                          <a:sysClr val="windowText" lastClr="000000"/>
+                        </a:solidFill>
+                      </a:endParaRPr>
+                    </a:p>
+                  </a:txBody>
+                  <a:tcPr marL="61018" marR="61018" marT="30509" marB="30509" anchor="ctr">
+                    <a:lnL w="12700" cap="flat" cmpd="sng" algn="ctr">
+                      <a:solidFill>
+                        <a:schemeClr val="tx1"/>
+                      </a:solidFill>
+                      <a:prstDash val="solid"/>
+                      <a:round/>
+                      <a:headEnd type="none" w="med" len="med"/>
+                      <a:tailEnd type="none" w="med" len="med"/>
+                    </a:lnL>
+                    <a:lnR w="12700" cap="flat" cmpd="sng" algn="ctr">
+                      <a:solidFill>
+                        <a:schemeClr val="tx1"/>
+                      </a:solidFill>
+                      <a:prstDash val="solid"/>
+                      <a:round/>
+                      <a:headEnd type="none" w="med" len="med"/>
+                      <a:tailEnd type="none" w="med" len="med"/>
+                    </a:lnR>
+                    <a:lnT w="12700" cap="flat" cmpd="sng" algn="ctr">
+                      <a:solidFill>
+                        <a:schemeClr val="tx1"/>
+                      </a:solidFill>
+                      <a:prstDash val="solid"/>
+                      <a:round/>
+                      <a:headEnd type="none" w="med" len="med"/>
+                      <a:tailEnd type="none" w="med" len="med"/>
+                    </a:lnT>
+                    <a:lnB w="12700" cap="flat" cmpd="sng" algn="ctr">
+                      <a:solidFill>
+                        <a:schemeClr val="tx1"/>
+                      </a:solidFill>
+                      <a:prstDash val="solid"/>
+                      <a:round/>
+                      <a:headEnd type="none" w="med" len="med"/>
+                      <a:tailEnd type="none" w="med" len="med"/>
+                    </a:lnB>
+                    <a:solidFill>
+                      <a:schemeClr val="bg1"/>
+                    </a:solidFill>
+                  </a:tcPr>
+                </a:tc>
+                <a:tc>
+                  <a:txBody>
+                    <a:bodyPr/>
+                    <a:lstStyle/>
+                    <a:p>
+                      <a:pPr algn="ctr" latinLnBrk="1"/>
+                      <a:r>
+                        <a:rPr lang="en-US" altLang="ko-KR" sz="1400" dirty="0" smtClean="0">
+                          <a:solidFill>
+                            <a:sysClr val="windowText" lastClr="000000"/>
+                          </a:solidFill>
+                        </a:rPr>
+                        <a:t>G</a:t>
+                      </a:r>
+                      <a:endParaRPr lang="ko-KR" altLang="en-US" sz="1400" dirty="0">
+                        <a:solidFill>
+                          <a:sysClr val="windowText" lastClr="000000"/>
+                        </a:solidFill>
+                      </a:endParaRPr>
+                    </a:p>
+                  </a:txBody>
+                  <a:tcPr marL="61018" marR="61018" marT="30509" marB="30509" anchor="ctr">
+                    <a:lnL w="12700" cap="flat" cmpd="sng" algn="ctr">
+                      <a:solidFill>
+                        <a:schemeClr val="tx1"/>
+                      </a:solidFill>
+                      <a:prstDash val="solid"/>
+                      <a:round/>
+                      <a:headEnd type="none" w="med" len="med"/>
+                      <a:tailEnd type="none" w="med" len="med"/>
+                    </a:lnL>
+                    <a:lnR w="12700" cap="flat" cmpd="sng" algn="ctr">
+                      <a:solidFill>
+                        <a:schemeClr val="tx1"/>
+                      </a:solidFill>
+                      <a:prstDash val="solid"/>
+                      <a:round/>
+                      <a:headEnd type="none" w="med" len="med"/>
+                      <a:tailEnd type="none" w="med" len="med"/>
+                    </a:lnR>
+                    <a:lnT w="12700" cap="flat" cmpd="sng" algn="ctr">
+                      <a:solidFill>
+                        <a:schemeClr val="tx1"/>
+                      </a:solidFill>
+                      <a:prstDash val="solid"/>
+                      <a:round/>
+                      <a:headEnd type="none" w="med" len="med"/>
+                      <a:tailEnd type="none" w="med" len="med"/>
+                    </a:lnT>
+                    <a:lnB w="12700" cap="flat" cmpd="sng" algn="ctr">
+                      <a:solidFill>
+                        <a:schemeClr val="tx1"/>
+                      </a:solidFill>
+                      <a:prstDash val="solid"/>
+                      <a:round/>
+                      <a:headEnd type="none" w="med" len="med"/>
+                      <a:tailEnd type="none" w="med" len="med"/>
+                    </a:lnB>
+                    <a:solidFill>
+                      <a:schemeClr val="bg1"/>
+                    </a:solidFill>
+                  </a:tcPr>
+                </a:tc>
+                <a:tc>
+                  <a:txBody>
+                    <a:bodyPr/>
+                    <a:lstStyle/>
+                    <a:p>
+                      <a:pPr algn="ctr" latinLnBrk="1"/>
+                      <a:endParaRPr lang="ko-KR" altLang="en-US" sz="1400" dirty="0">
+                        <a:solidFill>
+                          <a:sysClr val="windowText" lastClr="000000"/>
+                        </a:solidFill>
+                      </a:endParaRPr>
+                    </a:p>
+                  </a:txBody>
+                  <a:tcPr marL="61018" marR="61018" marT="30509" marB="30509" anchor="ctr">
+                    <a:lnL w="12700" cap="flat" cmpd="sng" algn="ctr">
+                      <a:solidFill>
+                        <a:schemeClr val="tx1"/>
+                      </a:solidFill>
+                      <a:prstDash val="solid"/>
+                      <a:round/>
+                      <a:headEnd type="none" w="med" len="med"/>
+                      <a:tailEnd type="none" w="med" len="med"/>
+                    </a:lnL>
+                    <a:lnR w="12700" cap="flat" cmpd="sng" algn="ctr">
+                      <a:solidFill>
+                        <a:schemeClr val="tx1"/>
+                      </a:solidFill>
+                      <a:prstDash val="solid"/>
+                      <a:round/>
+                      <a:headEnd type="none" w="med" len="med"/>
+                      <a:tailEnd type="none" w="med" len="med"/>
+                    </a:lnR>
+                    <a:lnT w="12700" cap="flat" cmpd="sng" algn="ctr">
+                      <a:solidFill>
+                        <a:schemeClr val="tx1"/>
+                      </a:solidFill>
+                      <a:prstDash val="solid"/>
+                      <a:round/>
+                      <a:headEnd type="none" w="med" len="med"/>
+                      <a:tailEnd type="none" w="med" len="med"/>
+                    </a:lnT>
+                    <a:lnB w="12700" cap="flat" cmpd="sng" algn="ctr">
+                      <a:solidFill>
+                        <a:schemeClr val="tx1"/>
+                      </a:solidFill>
+                      <a:prstDash val="solid"/>
+                      <a:round/>
+                      <a:headEnd type="none" w="med" len="med"/>
+                      <a:tailEnd type="none" w="med" len="med"/>
+                    </a:lnB>
+                    <a:solidFill>
+                      <a:schemeClr val="bg1"/>
+                    </a:solidFill>
+                  </a:tcPr>
+                </a:tc>
+                <a:extLst>
+                  <a:ext uri="{0D108BD9-81ED-4DB2-BD59-A6C34878D82A}">
+                    <a16:rowId xmlns:a16="http://schemas.microsoft.com/office/drawing/2014/main" val="2318367764"/>
+                  </a:ext>
+                </a:extLst>
+              </a:tr>
+            </a:tbl>
+          </a:graphicData>
+        </a:graphic>
+      </p:graphicFrame>
+      <p:sp>
+        <p:nvSpPr>
+          <p:cNvPr id="12" name="모서리가 둥근 직사각형 11"/>
+          <p:cNvSpPr/>
+          <p:nvPr/>
+        </p:nvSpPr>
+        <p:spPr>
+          <a:xfrm>
+            <a:off x="1018389" y="3782240"/>
+            <a:ext cx="3853648" cy="486177"/>
+          </a:xfrm>
+          <a:prstGeom prst="roundRect">
+            <a:avLst/>
+          </a:prstGeom>
+          <a:solidFill>
+            <a:schemeClr val="bg1">
+              <a:lumMod val="95000"/>
+            </a:schemeClr>
+          </a:solidFill>
+          <a:ln>
+            <a:solidFill>
+              <a:schemeClr val="tx1">
+                <a:lumMod val="50000"/>
+                <a:lumOff val="50000"/>
+              </a:schemeClr>
+            </a:solidFill>
+          </a:ln>
+        </p:spPr>
+        <p:style>
+          <a:lnRef idx="2">
+            <a:schemeClr val="accent1">
+              <a:shade val="50000"/>
+            </a:schemeClr>
+          </a:lnRef>
+          <a:fillRef idx="1">
+            <a:schemeClr val="accent1"/>
+          </a:fillRef>
+          <a:effectRef idx="0">
+            <a:schemeClr val="accent1"/>
+          </a:effectRef>
+          <a:fontRef idx="minor">
+            <a:schemeClr val="lt1"/>
+          </a:fontRef>
+        </p:style>
+        <p:txBody>
+          <a:bodyPr rtlCol="0" anchor="ctr"/>
+          <a:lstStyle/>
+          <a:p>
+            <a:pPr algn="ctr"/>
+            <a:r>
+              <a:rPr lang="en-US" altLang="ko-KR" b="1" dirty="0" smtClean="0">
+                <a:solidFill>
+                  <a:schemeClr val="tx1"/>
+                </a:solidFill>
+              </a:rPr>
+              <a:t>end2: D </a:t>
+            </a:r>
+            <a:r>
+              <a:rPr lang="ko-KR" altLang="en-US" b="1" dirty="0" smtClean="0">
+                <a:solidFill>
+                  <a:schemeClr val="tx1"/>
+                </a:solidFill>
+              </a:rPr>
+              <a:t>삽입</a:t>
+            </a:r>
+            <a:r>
+              <a:rPr lang="en-US" altLang="ko-KR" b="1" dirty="0" smtClean="0">
+                <a:solidFill>
+                  <a:schemeClr val="tx1"/>
+                </a:solidFill>
+              </a:rPr>
+              <a:t>, end1: C </a:t>
+            </a:r>
+            <a:r>
+              <a:rPr lang="ko-KR" altLang="en-US" b="1" dirty="0" smtClean="0">
+                <a:solidFill>
+                  <a:schemeClr val="tx1"/>
+                </a:solidFill>
+              </a:rPr>
+              <a:t>삭제</a:t>
+            </a:r>
+            <a:endParaRPr lang="ko-KR" altLang="en-US" b="1" dirty="0">
+              <a:solidFill>
+                <a:schemeClr val="tx1"/>
+              </a:solidFill>
+            </a:endParaRPr>
+          </a:p>
+        </p:txBody>
+      </p:sp>
+      <p:sp>
+        <p:nvSpPr>
+          <p:cNvPr id="13" name="모서리가 둥근 직사각형 12"/>
+          <p:cNvSpPr/>
+          <p:nvPr/>
+        </p:nvSpPr>
+        <p:spPr>
+          <a:xfrm>
+            <a:off x="6219309" y="3782239"/>
+            <a:ext cx="3853648" cy="486177"/>
+          </a:xfrm>
+          <a:prstGeom prst="roundRect">
+            <a:avLst/>
+          </a:prstGeom>
+          <a:solidFill>
+            <a:schemeClr val="bg1">
+              <a:lumMod val="95000"/>
+            </a:schemeClr>
+          </a:solidFill>
+          <a:ln>
+            <a:solidFill>
+              <a:schemeClr val="tx1">
+                <a:lumMod val="50000"/>
+                <a:lumOff val="50000"/>
+              </a:schemeClr>
+            </a:solidFill>
+          </a:ln>
+        </p:spPr>
+        <p:style>
+          <a:lnRef idx="2">
+            <a:schemeClr val="accent1">
+              <a:shade val="50000"/>
+            </a:schemeClr>
+          </a:lnRef>
+          <a:fillRef idx="1">
+            <a:schemeClr val="accent1"/>
+          </a:fillRef>
+          <a:effectRef idx="0">
+            <a:schemeClr val="accent1"/>
+          </a:effectRef>
+          <a:fontRef idx="minor">
+            <a:schemeClr val="lt1"/>
+          </a:fontRef>
+        </p:style>
+        <p:txBody>
+          <a:bodyPr rtlCol="0" anchor="ctr"/>
+          <a:lstStyle/>
+          <a:p>
+            <a:pPr algn="ctr"/>
+            <a:r>
+              <a:rPr lang="en-US" altLang="ko-KR" b="1" dirty="0" smtClean="0">
+                <a:solidFill>
+                  <a:schemeClr val="tx1"/>
+                </a:solidFill>
+              </a:rPr>
+              <a:t>end2: F, G </a:t>
+            </a:r>
+            <a:r>
+              <a:rPr lang="ko-KR" altLang="en-US" b="1" dirty="0" err="1" smtClean="0">
+                <a:solidFill>
+                  <a:schemeClr val="tx1"/>
+                </a:solidFill>
+              </a:rPr>
+              <a:t>삽입시</a:t>
+            </a:r>
+            <a:r>
+              <a:rPr lang="ko-KR" altLang="en-US" b="1" dirty="0" smtClean="0">
+                <a:solidFill>
+                  <a:schemeClr val="tx1"/>
+                </a:solidFill>
+              </a:rPr>
+              <a:t> 자리 이동</a:t>
+            </a:r>
+            <a:endParaRPr lang="ko-KR" altLang="en-US" b="1" dirty="0">
+              <a:solidFill>
+                <a:schemeClr val="tx1"/>
+              </a:solidFill>
+            </a:endParaRPr>
+          </a:p>
+        </p:txBody>
+      </p:sp>
+      <p:sp>
+        <p:nvSpPr>
+          <p:cNvPr id="14" name="모서리가 둥근 직사각형 13"/>
+          <p:cNvSpPr/>
+          <p:nvPr/>
+        </p:nvSpPr>
+        <p:spPr>
+          <a:xfrm>
+            <a:off x="6219308" y="1211524"/>
+            <a:ext cx="3853648" cy="486177"/>
+          </a:xfrm>
+          <a:prstGeom prst="roundRect">
+            <a:avLst/>
+          </a:prstGeom>
+          <a:solidFill>
+            <a:schemeClr val="bg1">
+              <a:lumMod val="95000"/>
+            </a:schemeClr>
+          </a:solidFill>
+          <a:ln>
+            <a:solidFill>
+              <a:schemeClr val="tx1">
+                <a:lumMod val="50000"/>
+                <a:lumOff val="50000"/>
+              </a:schemeClr>
+            </a:solidFill>
+          </a:ln>
+        </p:spPr>
+        <p:style>
+          <a:lnRef idx="2">
+            <a:schemeClr val="accent1">
+              <a:shade val="50000"/>
+            </a:schemeClr>
+          </a:lnRef>
+          <a:fillRef idx="1">
+            <a:schemeClr val="accent1"/>
+          </a:fillRef>
+          <a:effectRef idx="0">
+            <a:schemeClr val="accent1"/>
+          </a:effectRef>
+          <a:fontRef idx="minor">
+            <a:schemeClr val="lt1"/>
+          </a:fontRef>
+        </p:style>
+        <p:txBody>
+          <a:bodyPr rtlCol="0" anchor="ctr"/>
+          <a:lstStyle/>
+          <a:p>
+            <a:pPr algn="ctr"/>
+            <a:r>
+              <a:rPr lang="en-US" altLang="ko-KR" b="1" dirty="0" smtClean="0">
+                <a:solidFill>
+                  <a:schemeClr val="tx1"/>
+                </a:solidFill>
+              </a:rPr>
+              <a:t>end2: A, end1: B, C </a:t>
+            </a:r>
+            <a:r>
+              <a:rPr lang="ko-KR" altLang="en-US" b="1" dirty="0" smtClean="0">
+                <a:solidFill>
+                  <a:schemeClr val="tx1"/>
+                </a:solidFill>
+              </a:rPr>
+              <a:t>삽입</a:t>
+            </a:r>
+            <a:endParaRPr lang="ko-KR" altLang="en-US" b="1" dirty="0">
+              <a:solidFill>
+                <a:schemeClr val="tx1"/>
+              </a:solidFill>
+            </a:endParaRPr>
+          </a:p>
+        </p:txBody>
+      </p:sp>
+      <p:sp>
+        <p:nvSpPr>
+          <p:cNvPr id="15" name="모서리가 둥근 직사각형 14"/>
+          <p:cNvSpPr/>
+          <p:nvPr/>
+        </p:nvSpPr>
+        <p:spPr>
+          <a:xfrm>
+            <a:off x="1018388" y="1211523"/>
+            <a:ext cx="3853648" cy="486177"/>
+          </a:xfrm>
+          <a:prstGeom prst="roundRect">
+            <a:avLst/>
+          </a:prstGeom>
+          <a:solidFill>
+            <a:schemeClr val="bg1">
+              <a:lumMod val="95000"/>
+            </a:schemeClr>
+          </a:solidFill>
+          <a:ln>
+            <a:solidFill>
+              <a:schemeClr val="tx1">
+                <a:lumMod val="50000"/>
+                <a:lumOff val="50000"/>
+              </a:schemeClr>
+            </a:solidFill>
+          </a:ln>
+        </p:spPr>
+        <p:style>
+          <a:lnRef idx="2">
+            <a:schemeClr val="accent1">
+              <a:shade val="50000"/>
+            </a:schemeClr>
+          </a:lnRef>
+          <a:fillRef idx="1">
+            <a:schemeClr val="accent1"/>
+          </a:fillRef>
+          <a:effectRef idx="0">
+            <a:schemeClr val="accent1"/>
+          </a:effectRef>
+          <a:fontRef idx="minor">
+            <a:schemeClr val="lt1"/>
+          </a:fontRef>
+        </p:style>
+        <p:txBody>
+          <a:bodyPr rtlCol="0" anchor="ctr"/>
+          <a:lstStyle/>
+          <a:p>
+            <a:pPr algn="ctr"/>
+            <a:r>
+              <a:rPr lang="ko-KR" altLang="en-US" b="1" dirty="0" smtClean="0">
+                <a:solidFill>
+                  <a:schemeClr val="tx1"/>
+                </a:solidFill>
+              </a:rPr>
+              <a:t>초기 상태</a:t>
+            </a:r>
+            <a:endParaRPr lang="ko-KR" altLang="en-US" b="1" dirty="0">
+              <a:solidFill>
+                <a:schemeClr val="tx1"/>
+              </a:solidFill>
+            </a:endParaRPr>
+          </a:p>
+        </p:txBody>
+      </p:sp>
+      <p:sp>
+        <p:nvSpPr>
+          <p:cNvPr id="16" name="TextBox 15"/>
+          <p:cNvSpPr txBox="1"/>
+          <p:nvPr/>
+        </p:nvSpPr>
+        <p:spPr>
+          <a:xfrm>
+            <a:off x="1018524" y="2448742"/>
+            <a:ext cx="591829" cy="307777"/>
+          </a:xfrm>
+          <a:prstGeom prst="rect">
+            <a:avLst/>
+          </a:prstGeom>
+          <a:noFill/>
+        </p:spPr>
+        <p:txBody>
+          <a:bodyPr wrap="none" rtlCol="0">
+            <a:spAutoFit/>
+          </a:bodyPr>
+          <a:lstStyle/>
+          <a:p>
+            <a:r>
+              <a:rPr lang="en-US" altLang="ko-KR" sz="1400" dirty="0" smtClean="0"/>
+              <a:t>end1</a:t>
+            </a:r>
+            <a:endParaRPr lang="ko-KR" altLang="en-US" sz="1400" dirty="0"/>
+          </a:p>
+        </p:txBody>
+      </p:sp>
+      <p:sp>
+        <p:nvSpPr>
+          <p:cNvPr id="17" name="TextBox 16"/>
+          <p:cNvSpPr txBox="1"/>
+          <p:nvPr/>
+        </p:nvSpPr>
+        <p:spPr>
+          <a:xfrm>
+            <a:off x="1018388" y="2756519"/>
+            <a:ext cx="591829" cy="307777"/>
+          </a:xfrm>
+          <a:prstGeom prst="rect">
+            <a:avLst/>
+          </a:prstGeom>
+          <a:noFill/>
+        </p:spPr>
+        <p:txBody>
+          <a:bodyPr wrap="none" rtlCol="0">
+            <a:spAutoFit/>
+          </a:bodyPr>
+          <a:lstStyle/>
+          <a:p>
+            <a:r>
+              <a:rPr lang="en-US" altLang="ko-KR" sz="1400" dirty="0" smtClean="0"/>
+              <a:t>end2</a:t>
+            </a:r>
+            <a:endParaRPr lang="ko-KR" altLang="en-US" sz="1400" dirty="0"/>
+          </a:p>
+        </p:txBody>
+      </p:sp>
+      <p:sp>
+        <p:nvSpPr>
+          <p:cNvPr id="18" name="TextBox 17"/>
+          <p:cNvSpPr txBox="1"/>
+          <p:nvPr/>
+        </p:nvSpPr>
+        <p:spPr>
+          <a:xfrm>
+            <a:off x="6747476" y="2448742"/>
+            <a:ext cx="591829" cy="307777"/>
+          </a:xfrm>
+          <a:prstGeom prst="rect">
+            <a:avLst/>
+          </a:prstGeom>
+          <a:noFill/>
+        </p:spPr>
+        <p:txBody>
+          <a:bodyPr wrap="none" rtlCol="0">
+            <a:spAutoFit/>
+          </a:bodyPr>
+          <a:lstStyle/>
+          <a:p>
+            <a:r>
+              <a:rPr lang="en-US" altLang="ko-KR" sz="1400" dirty="0" smtClean="0"/>
+              <a:t>end1</a:t>
+            </a:r>
+            <a:endParaRPr lang="ko-KR" altLang="en-US" sz="1400" dirty="0"/>
+          </a:p>
+        </p:txBody>
+      </p:sp>
+      <p:sp>
+        <p:nvSpPr>
+          <p:cNvPr id="19" name="TextBox 18"/>
+          <p:cNvSpPr txBox="1"/>
+          <p:nvPr/>
+        </p:nvSpPr>
+        <p:spPr>
+          <a:xfrm>
+            <a:off x="8918828" y="2447866"/>
+            <a:ext cx="591829" cy="307777"/>
+          </a:xfrm>
+          <a:prstGeom prst="rect">
+            <a:avLst/>
+          </a:prstGeom>
+          <a:noFill/>
+        </p:spPr>
+        <p:txBody>
+          <a:bodyPr wrap="none" rtlCol="0">
+            <a:spAutoFit/>
+          </a:bodyPr>
+          <a:lstStyle/>
+          <a:p>
+            <a:r>
+              <a:rPr lang="en-US" altLang="ko-KR" sz="1400" dirty="0" smtClean="0"/>
+              <a:t>end2</a:t>
+            </a:r>
+            <a:endParaRPr lang="ko-KR" altLang="en-US" sz="1400" dirty="0"/>
+          </a:p>
+        </p:txBody>
+      </p:sp>
+      <p:sp>
+        <p:nvSpPr>
+          <p:cNvPr id="20" name="TextBox 19"/>
+          <p:cNvSpPr txBox="1"/>
+          <p:nvPr/>
+        </p:nvSpPr>
+        <p:spPr>
+          <a:xfrm>
+            <a:off x="2094323" y="5034430"/>
+            <a:ext cx="591829" cy="307777"/>
+          </a:xfrm>
+          <a:prstGeom prst="rect">
+            <a:avLst/>
+          </a:prstGeom>
+          <a:noFill/>
+        </p:spPr>
+        <p:txBody>
+          <a:bodyPr wrap="none" rtlCol="0">
+            <a:spAutoFit/>
+          </a:bodyPr>
+          <a:lstStyle/>
+          <a:p>
+            <a:r>
+              <a:rPr lang="en-US" altLang="ko-KR" sz="1400" dirty="0" smtClean="0"/>
+              <a:t>end1</a:t>
+            </a:r>
+            <a:endParaRPr lang="ko-KR" altLang="en-US" sz="1400" dirty="0"/>
+          </a:p>
+        </p:txBody>
+      </p:sp>
+      <p:sp>
+        <p:nvSpPr>
+          <p:cNvPr id="21" name="TextBox 20"/>
+          <p:cNvSpPr txBox="1"/>
+          <p:nvPr/>
+        </p:nvSpPr>
+        <p:spPr>
+          <a:xfrm>
+            <a:off x="3763399" y="5033554"/>
+            <a:ext cx="591829" cy="307777"/>
+          </a:xfrm>
+          <a:prstGeom prst="rect">
+            <a:avLst/>
+          </a:prstGeom>
+          <a:noFill/>
+        </p:spPr>
+        <p:txBody>
+          <a:bodyPr wrap="none" rtlCol="0">
+            <a:spAutoFit/>
+          </a:bodyPr>
+          <a:lstStyle/>
+          <a:p>
+            <a:r>
+              <a:rPr lang="en-US" altLang="ko-KR" sz="1400" dirty="0" smtClean="0"/>
+              <a:t>end2</a:t>
+            </a:r>
+            <a:endParaRPr lang="ko-KR" altLang="en-US" sz="1400" dirty="0"/>
+          </a:p>
+        </p:txBody>
+      </p:sp>
+      <p:sp>
+        <p:nvSpPr>
+          <p:cNvPr id="25" name="TextBox 24"/>
+          <p:cNvSpPr txBox="1"/>
+          <p:nvPr/>
+        </p:nvSpPr>
+        <p:spPr>
+          <a:xfrm>
+            <a:off x="6749645" y="5034430"/>
+            <a:ext cx="591829" cy="307777"/>
+          </a:xfrm>
+          <a:prstGeom prst="rect">
+            <a:avLst/>
+          </a:prstGeom>
+          <a:noFill/>
+        </p:spPr>
+        <p:txBody>
+          <a:bodyPr wrap="none" rtlCol="0">
+            <a:spAutoFit/>
+          </a:bodyPr>
+          <a:lstStyle/>
+          <a:p>
+            <a:r>
+              <a:rPr lang="en-US" altLang="ko-KR" sz="1400" dirty="0" smtClean="0"/>
+              <a:t>end1</a:t>
+            </a:r>
+            <a:endParaRPr lang="ko-KR" altLang="en-US" sz="1400" dirty="0"/>
+          </a:p>
+        </p:txBody>
+      </p:sp>
+      <p:sp>
+        <p:nvSpPr>
+          <p:cNvPr id="26" name="TextBox 25"/>
+          <p:cNvSpPr txBox="1"/>
+          <p:nvPr/>
+        </p:nvSpPr>
+        <p:spPr>
+          <a:xfrm>
+            <a:off x="8918828" y="5033554"/>
+            <a:ext cx="591829" cy="307777"/>
+          </a:xfrm>
+          <a:prstGeom prst="rect">
+            <a:avLst/>
+          </a:prstGeom>
+          <a:noFill/>
+        </p:spPr>
+        <p:txBody>
+          <a:bodyPr wrap="none" rtlCol="0">
+            <a:spAutoFit/>
+          </a:bodyPr>
+          <a:lstStyle/>
+          <a:p>
+            <a:r>
+              <a:rPr lang="en-US" altLang="ko-KR" sz="1400" dirty="0" smtClean="0"/>
+              <a:t>end2</a:t>
+            </a:r>
+            <a:endParaRPr lang="ko-KR" altLang="en-US" sz="1400" dirty="0"/>
+          </a:p>
+        </p:txBody>
+      </p:sp>
+      <p:sp>
+        <p:nvSpPr>
+          <p:cNvPr id="27" name="오른쪽 화살표 26"/>
+          <p:cNvSpPr/>
+          <p:nvPr/>
+        </p:nvSpPr>
+        <p:spPr>
+          <a:xfrm>
+            <a:off x="5383369" y="1697700"/>
+            <a:ext cx="553792" cy="564378"/>
+          </a:xfrm>
+          <a:prstGeom prst="rightArrow">
+            <a:avLst/>
+          </a:prstGeom>
+          <a:solidFill>
+            <a:schemeClr val="tx1">
+              <a:lumMod val="50000"/>
+              <a:lumOff val="50000"/>
+            </a:schemeClr>
+          </a:solidFill>
+          <a:ln>
+            <a:solidFill>
+              <a:schemeClr val="tx1">
+                <a:lumMod val="50000"/>
+                <a:lumOff val="50000"/>
+              </a:schemeClr>
+            </a:solidFill>
+          </a:ln>
+        </p:spPr>
+        <p:style>
+          <a:lnRef idx="2">
+            <a:schemeClr val="accent1">
+              <a:shade val="50000"/>
+            </a:schemeClr>
+          </a:lnRef>
+          <a:fillRef idx="1">
+            <a:schemeClr val="accent1"/>
+          </a:fillRef>
+          <a:effectRef idx="0">
+            <a:schemeClr val="accent1"/>
+          </a:effectRef>
+          <a:fontRef idx="minor">
+            <a:schemeClr val="lt1"/>
+          </a:fontRef>
+        </p:style>
+        <p:txBody>
+          <a:bodyPr rtlCol="0" anchor="ctr"/>
+          <a:lstStyle/>
+          <a:p>
+            <a:pPr algn="ctr"/>
+            <a:endParaRPr lang="ko-KR" altLang="en-US"/>
+          </a:p>
+        </p:txBody>
+      </p:sp>
+      <p:sp>
+        <p:nvSpPr>
+          <p:cNvPr id="28" name="오른쪽 화살표 27"/>
+          <p:cNvSpPr/>
+          <p:nvPr/>
+        </p:nvSpPr>
+        <p:spPr>
+          <a:xfrm>
+            <a:off x="5376335" y="4080291"/>
+            <a:ext cx="553792" cy="564378"/>
+          </a:xfrm>
+          <a:prstGeom prst="rightArrow">
+            <a:avLst/>
+          </a:prstGeom>
+          <a:solidFill>
+            <a:schemeClr val="tx1">
+              <a:lumMod val="50000"/>
+              <a:lumOff val="50000"/>
+            </a:schemeClr>
+          </a:solidFill>
+          <a:ln>
+            <a:solidFill>
+              <a:schemeClr val="tx1">
+                <a:lumMod val="50000"/>
+                <a:lumOff val="50000"/>
+              </a:schemeClr>
+            </a:solidFill>
+          </a:ln>
+        </p:spPr>
+        <p:style>
+          <a:lnRef idx="2">
+            <a:schemeClr val="accent1">
+              <a:shade val="50000"/>
+            </a:schemeClr>
+          </a:lnRef>
+          <a:fillRef idx="1">
+            <a:schemeClr val="accent1"/>
+          </a:fillRef>
+          <a:effectRef idx="0">
+            <a:schemeClr val="accent1"/>
+          </a:effectRef>
+          <a:fontRef idx="minor">
+            <a:schemeClr val="lt1"/>
+          </a:fontRef>
+        </p:style>
+        <p:txBody>
+          <a:bodyPr rtlCol="0" anchor="ctr"/>
+          <a:lstStyle/>
+          <a:p>
+            <a:pPr algn="ctr"/>
+            <a:endParaRPr lang="ko-KR" altLang="en-US"/>
+          </a:p>
+        </p:txBody>
+      </p:sp>
+      <p:sp>
+        <p:nvSpPr>
+          <p:cNvPr id="29" name="오른쪽 화살표 28"/>
+          <p:cNvSpPr/>
+          <p:nvPr/>
+        </p:nvSpPr>
+        <p:spPr>
+          <a:xfrm rot="8100000">
+            <a:off x="5369301" y="2888996"/>
+            <a:ext cx="553792" cy="564378"/>
+          </a:xfrm>
+          <a:prstGeom prst="rightArrow">
+            <a:avLst/>
+          </a:prstGeom>
+          <a:solidFill>
+            <a:schemeClr val="tx1">
+              <a:lumMod val="50000"/>
+              <a:lumOff val="50000"/>
+            </a:schemeClr>
+          </a:solidFill>
+          <a:ln>
+            <a:solidFill>
+              <a:schemeClr val="tx1">
+                <a:lumMod val="50000"/>
+                <a:lumOff val="50000"/>
+              </a:schemeClr>
+            </a:solidFill>
+          </a:ln>
+        </p:spPr>
+        <p:style>
+          <a:lnRef idx="2">
+            <a:schemeClr val="accent1">
+              <a:shade val="50000"/>
+            </a:schemeClr>
+          </a:lnRef>
+          <a:fillRef idx="1">
+            <a:schemeClr val="accent1"/>
+          </a:fillRef>
+          <a:effectRef idx="0">
+            <a:schemeClr val="accent1"/>
+          </a:effectRef>
+          <a:fontRef idx="minor">
+            <a:schemeClr val="lt1"/>
+          </a:fontRef>
+        </p:style>
+        <p:txBody>
+          <a:bodyPr rtlCol="0" anchor="ctr"/>
+          <a:lstStyle/>
+          <a:p>
+            <a:pPr algn="ctr"/>
+            <a:endParaRPr lang="ko-KR" altLang="en-US"/>
+          </a:p>
+        </p:txBody>
+      </p:sp>
+    </p:spTree>
+    <p:extLst>
+      <p:ext uri="{BB962C8B-B14F-4D97-AF65-F5344CB8AC3E}">
+        <p14:creationId xmlns:p14="http://schemas.microsoft.com/office/powerpoint/2010/main" val="1827577889"/>
+      </p:ext>
+    </p:extLst>
+  </p:cSld>
+  <p:clrMapOvr>
+    <a:masterClrMapping/>
+  </p:clrMapOvr>
+</p:sld>
+</file>
+
 <file path=ppt/slides/slide3.xml><?xml version="1.0" encoding="utf-8"?>
 <p:sld xmlns:a="http://schemas.openxmlformats.org/drawingml/2006/main" xmlns:r="http://schemas.openxmlformats.org/officeDocument/2006/relationships" xmlns:p="http://schemas.openxmlformats.org/presentationml/2006/main">
   <p:cSld>

--- a/1st_study.pptx
+++ b/1st_study.pptx
@@ -26,6 +26,10 @@
     <p:sldId id="274" r:id="rId20"/>
     <p:sldId id="275" r:id="rId21"/>
     <p:sldId id="276" r:id="rId22"/>
+    <p:sldId id="277" r:id="rId23"/>
+    <p:sldId id="278" r:id="rId24"/>
+    <p:sldId id="279" r:id="rId25"/>
+    <p:sldId id="280" r:id="rId26"/>
   </p:sldIdLst>
   <p:sldSz cx="12192000" cy="6858000"/>
   <p:notesSz cx="6858000" cy="9144000"/>
@@ -127,12 +131,12 @@
   <p:extLst>
     <p:ext uri="{EFAFB233-063F-42B5-8137-9DF3F51BA10A}">
       <p15:sldGuideLst xmlns:p15="http://schemas.microsoft.com/office/powerpoint/2012/main">
-        <p15:guide id="1" pos="3568" userDrawn="1">
+        <p15:guide id="1" pos="3545" userDrawn="1">
           <p15:clr>
             <a:srgbClr val="A4A3A4"/>
           </p15:clr>
         </p15:guide>
-        <p15:guide id="2" orient="horz" pos="2160">
+        <p15:guide id="2" orient="horz" pos="300" userDrawn="1">
           <p15:clr>
             <a:srgbClr val="A4A3A4"/>
           </p15:clr>
@@ -272,7 +276,7 @@
           <a:p>
             <a:fld id="{95EEA876-5273-4CAB-BA26-F236DBAE536A}" type="datetimeFigureOut">
               <a:rPr lang="ko-KR" altLang="en-US" smtClean="0"/>
-              <a:t>2019-11-24</a:t>
+              <a:t>2019-11-25</a:t>
             </a:fld>
             <a:endParaRPr lang="ko-KR" altLang="en-US"/>
           </a:p>
@@ -440,7 +444,7 @@
           <a:p>
             <a:fld id="{95EEA876-5273-4CAB-BA26-F236DBAE536A}" type="datetimeFigureOut">
               <a:rPr lang="ko-KR" altLang="en-US" smtClean="0"/>
-              <a:t>2019-11-24</a:t>
+              <a:t>2019-11-25</a:t>
             </a:fld>
             <a:endParaRPr lang="ko-KR" altLang="en-US"/>
           </a:p>
@@ -618,7 +622,7 @@
           <a:p>
             <a:fld id="{95EEA876-5273-4CAB-BA26-F236DBAE536A}" type="datetimeFigureOut">
               <a:rPr lang="ko-KR" altLang="en-US" smtClean="0"/>
-              <a:t>2019-11-24</a:t>
+              <a:t>2019-11-25</a:t>
             </a:fld>
             <a:endParaRPr lang="ko-KR" altLang="en-US"/>
           </a:p>
@@ -786,7 +790,7 @@
           <a:p>
             <a:fld id="{95EEA876-5273-4CAB-BA26-F236DBAE536A}" type="datetimeFigureOut">
               <a:rPr lang="ko-KR" altLang="en-US" smtClean="0"/>
-              <a:t>2019-11-24</a:t>
+              <a:t>2019-11-25</a:t>
             </a:fld>
             <a:endParaRPr lang="ko-KR" altLang="en-US"/>
           </a:p>
@@ -1031,7 +1035,7 @@
           <a:p>
             <a:fld id="{95EEA876-5273-4CAB-BA26-F236DBAE536A}" type="datetimeFigureOut">
               <a:rPr lang="ko-KR" altLang="en-US" smtClean="0"/>
-              <a:t>2019-11-24</a:t>
+              <a:t>2019-11-25</a:t>
             </a:fld>
             <a:endParaRPr lang="ko-KR" altLang="en-US"/>
           </a:p>
@@ -1260,7 +1264,7 @@
           <a:p>
             <a:fld id="{95EEA876-5273-4CAB-BA26-F236DBAE536A}" type="datetimeFigureOut">
               <a:rPr lang="ko-KR" altLang="en-US" smtClean="0"/>
-              <a:t>2019-11-24</a:t>
+              <a:t>2019-11-25</a:t>
             </a:fld>
             <a:endParaRPr lang="ko-KR" altLang="en-US"/>
           </a:p>
@@ -1624,7 +1628,7 @@
           <a:p>
             <a:fld id="{95EEA876-5273-4CAB-BA26-F236DBAE536A}" type="datetimeFigureOut">
               <a:rPr lang="ko-KR" altLang="en-US" smtClean="0"/>
-              <a:t>2019-11-24</a:t>
+              <a:t>2019-11-25</a:t>
             </a:fld>
             <a:endParaRPr lang="ko-KR" altLang="en-US"/>
           </a:p>
@@ -1741,7 +1745,7 @@
           <a:p>
             <a:fld id="{95EEA876-5273-4CAB-BA26-F236DBAE536A}" type="datetimeFigureOut">
               <a:rPr lang="ko-KR" altLang="en-US" smtClean="0"/>
-              <a:t>2019-11-24</a:t>
+              <a:t>2019-11-25</a:t>
             </a:fld>
             <a:endParaRPr lang="ko-KR" altLang="en-US"/>
           </a:p>
@@ -1836,7 +1840,7 @@
           <a:p>
             <a:fld id="{95EEA876-5273-4CAB-BA26-F236DBAE536A}" type="datetimeFigureOut">
               <a:rPr lang="ko-KR" altLang="en-US" smtClean="0"/>
-              <a:t>2019-11-24</a:t>
+              <a:t>2019-11-25</a:t>
             </a:fld>
             <a:endParaRPr lang="ko-KR" altLang="en-US"/>
           </a:p>
@@ -2111,7 +2115,7 @@
           <a:p>
             <a:fld id="{95EEA876-5273-4CAB-BA26-F236DBAE536A}" type="datetimeFigureOut">
               <a:rPr lang="ko-KR" altLang="en-US" smtClean="0"/>
-              <a:t>2019-11-24</a:t>
+              <a:t>2019-11-25</a:t>
             </a:fld>
             <a:endParaRPr lang="ko-KR" altLang="en-US"/>
           </a:p>
@@ -2363,7 +2367,7 @@
           <a:p>
             <a:fld id="{95EEA876-5273-4CAB-BA26-F236DBAE536A}" type="datetimeFigureOut">
               <a:rPr lang="ko-KR" altLang="en-US" smtClean="0"/>
-              <a:t>2019-11-24</a:t>
+              <a:t>2019-11-25</a:t>
             </a:fld>
             <a:endParaRPr lang="ko-KR" altLang="en-US"/>
           </a:p>
@@ -2574,7 +2578,7 @@
           <a:p>
             <a:fld id="{95EEA876-5273-4CAB-BA26-F236DBAE536A}" type="datetimeFigureOut">
               <a:rPr lang="ko-KR" altLang="en-US" smtClean="0"/>
-              <a:t>2019-11-24</a:t>
+              <a:t>2019-11-25</a:t>
             </a:fld>
             <a:endParaRPr lang="ko-KR" altLang="en-US"/>
           </a:p>
@@ -18537,6 +18541,7646 @@
 </p:sld>
 </file>
 
+<file path=ppt/slides/slide22.xml><?xml version="1.0" encoding="utf-8"?>
+<p:sld xmlns:a="http://schemas.openxmlformats.org/drawingml/2006/main" xmlns:r="http://schemas.openxmlformats.org/officeDocument/2006/relationships" xmlns:p="http://schemas.openxmlformats.org/presentationml/2006/main">
+  <p:cSld>
+    <p:spTree>
+      <p:nvGrpSpPr>
+        <p:cNvPr id="1" name=""/>
+        <p:cNvGrpSpPr/>
+        <p:nvPr/>
+      </p:nvGrpSpPr>
+      <p:grpSpPr>
+        <a:xfrm>
+          <a:off x="0" y="0"/>
+          <a:ext cx="0" cy="0"/>
+          <a:chOff x="0" y="0"/>
+          <a:chExt cx="0" cy="0"/>
+        </a:xfrm>
+      </p:grpSpPr>
+      <p:sp>
+        <p:nvSpPr>
+          <p:cNvPr id="4" name="타원 3"/>
+          <p:cNvSpPr/>
+          <p:nvPr/>
+        </p:nvSpPr>
+        <p:spPr>
+          <a:xfrm>
+            <a:off x="5206285" y="1043189"/>
+            <a:ext cx="628561" cy="628561"/>
+          </a:xfrm>
+          <a:prstGeom prst="ellipse">
+            <a:avLst/>
+          </a:prstGeom>
+          <a:solidFill>
+            <a:schemeClr val="bg1"/>
+          </a:solidFill>
+          <a:ln>
+            <a:solidFill>
+              <a:schemeClr val="tx1"/>
+            </a:solidFill>
+          </a:ln>
+        </p:spPr>
+        <p:style>
+          <a:lnRef idx="2">
+            <a:schemeClr val="accent1">
+              <a:shade val="50000"/>
+            </a:schemeClr>
+          </a:lnRef>
+          <a:fillRef idx="1">
+            <a:schemeClr val="accent1"/>
+          </a:fillRef>
+          <a:effectRef idx="0">
+            <a:schemeClr val="accent1"/>
+          </a:effectRef>
+          <a:fontRef idx="minor">
+            <a:schemeClr val="lt1"/>
+          </a:fontRef>
+        </p:style>
+        <p:txBody>
+          <a:bodyPr rtlCol="0" anchor="ctr"/>
+          <a:lstStyle/>
+          <a:p>
+            <a:pPr algn="ctr"/>
+            <a:r>
+              <a:rPr lang="en-US" altLang="ko-KR" dirty="0" smtClean="0">
+                <a:solidFill>
+                  <a:schemeClr val="tx1"/>
+                </a:solidFill>
+              </a:rPr>
+              <a:t>8</a:t>
+            </a:r>
+            <a:endParaRPr lang="ko-KR" altLang="en-US" dirty="0">
+              <a:solidFill>
+                <a:schemeClr val="tx1"/>
+              </a:solidFill>
+            </a:endParaRPr>
+          </a:p>
+        </p:txBody>
+      </p:sp>
+      <p:sp>
+        <p:nvSpPr>
+          <p:cNvPr id="5" name="타원 4"/>
+          <p:cNvSpPr/>
+          <p:nvPr/>
+        </p:nvSpPr>
+        <p:spPr>
+          <a:xfrm>
+            <a:off x="3925910" y="2316051"/>
+            <a:ext cx="628561" cy="628561"/>
+          </a:xfrm>
+          <a:prstGeom prst="ellipse">
+            <a:avLst/>
+          </a:prstGeom>
+          <a:solidFill>
+            <a:schemeClr val="bg1"/>
+          </a:solidFill>
+          <a:ln>
+            <a:solidFill>
+              <a:schemeClr val="tx1"/>
+            </a:solidFill>
+          </a:ln>
+        </p:spPr>
+        <p:style>
+          <a:lnRef idx="2">
+            <a:schemeClr val="accent1">
+              <a:shade val="50000"/>
+            </a:schemeClr>
+          </a:lnRef>
+          <a:fillRef idx="1">
+            <a:schemeClr val="accent1"/>
+          </a:fillRef>
+          <a:effectRef idx="0">
+            <a:schemeClr val="accent1"/>
+          </a:effectRef>
+          <a:fontRef idx="minor">
+            <a:schemeClr val="lt1"/>
+          </a:fontRef>
+        </p:style>
+        <p:txBody>
+          <a:bodyPr rtlCol="0" anchor="ctr"/>
+          <a:lstStyle/>
+          <a:p>
+            <a:pPr algn="ctr"/>
+            <a:r>
+              <a:rPr lang="en-US" altLang="ko-KR" dirty="0" smtClean="0">
+                <a:solidFill>
+                  <a:schemeClr val="tx1"/>
+                </a:solidFill>
+              </a:rPr>
+              <a:t>3</a:t>
+            </a:r>
+            <a:endParaRPr lang="ko-KR" altLang="en-US" dirty="0">
+              <a:solidFill>
+                <a:schemeClr val="tx1"/>
+              </a:solidFill>
+            </a:endParaRPr>
+          </a:p>
+        </p:txBody>
+      </p:sp>
+      <p:sp>
+        <p:nvSpPr>
+          <p:cNvPr id="6" name="타원 5"/>
+          <p:cNvSpPr/>
+          <p:nvPr/>
+        </p:nvSpPr>
+        <p:spPr>
+          <a:xfrm>
+            <a:off x="6486660" y="2316051"/>
+            <a:ext cx="628561" cy="628561"/>
+          </a:xfrm>
+          <a:prstGeom prst="ellipse">
+            <a:avLst/>
+          </a:prstGeom>
+          <a:solidFill>
+            <a:schemeClr val="bg1"/>
+          </a:solidFill>
+          <a:ln>
+            <a:solidFill>
+              <a:schemeClr val="tx1"/>
+            </a:solidFill>
+          </a:ln>
+        </p:spPr>
+        <p:style>
+          <a:lnRef idx="2">
+            <a:schemeClr val="accent1">
+              <a:shade val="50000"/>
+            </a:schemeClr>
+          </a:lnRef>
+          <a:fillRef idx="1">
+            <a:schemeClr val="accent1"/>
+          </a:fillRef>
+          <a:effectRef idx="0">
+            <a:schemeClr val="accent1"/>
+          </a:effectRef>
+          <a:fontRef idx="minor">
+            <a:schemeClr val="lt1"/>
+          </a:fontRef>
+        </p:style>
+        <p:txBody>
+          <a:bodyPr rtlCol="0" anchor="ctr"/>
+          <a:lstStyle/>
+          <a:p>
+            <a:pPr algn="ctr"/>
+            <a:r>
+              <a:rPr lang="en-US" altLang="ko-KR" dirty="0" smtClean="0">
+                <a:solidFill>
+                  <a:schemeClr val="tx1"/>
+                </a:solidFill>
+              </a:rPr>
+              <a:t>10</a:t>
+            </a:r>
+            <a:endParaRPr lang="ko-KR" altLang="en-US" dirty="0">
+              <a:solidFill>
+                <a:schemeClr val="tx1"/>
+              </a:solidFill>
+            </a:endParaRPr>
+          </a:p>
+        </p:txBody>
+      </p:sp>
+      <p:sp>
+        <p:nvSpPr>
+          <p:cNvPr id="7" name="타원 6"/>
+          <p:cNvSpPr/>
+          <p:nvPr/>
+        </p:nvSpPr>
+        <p:spPr>
+          <a:xfrm>
+            <a:off x="2331254" y="3949522"/>
+            <a:ext cx="628561" cy="628561"/>
+          </a:xfrm>
+          <a:prstGeom prst="ellipse">
+            <a:avLst/>
+          </a:prstGeom>
+          <a:solidFill>
+            <a:schemeClr val="bg1"/>
+          </a:solidFill>
+          <a:ln>
+            <a:solidFill>
+              <a:schemeClr val="tx1"/>
+            </a:solidFill>
+          </a:ln>
+        </p:spPr>
+        <p:style>
+          <a:lnRef idx="2">
+            <a:schemeClr val="accent1">
+              <a:shade val="50000"/>
+            </a:schemeClr>
+          </a:lnRef>
+          <a:fillRef idx="1">
+            <a:schemeClr val="accent1"/>
+          </a:fillRef>
+          <a:effectRef idx="0">
+            <a:schemeClr val="accent1"/>
+          </a:effectRef>
+          <a:fontRef idx="minor">
+            <a:schemeClr val="lt1"/>
+          </a:fontRef>
+        </p:style>
+        <p:txBody>
+          <a:bodyPr rtlCol="0" anchor="ctr"/>
+          <a:lstStyle/>
+          <a:p>
+            <a:pPr algn="ctr"/>
+            <a:r>
+              <a:rPr lang="en-US" altLang="ko-KR" dirty="0" smtClean="0">
+                <a:solidFill>
+                  <a:schemeClr val="tx1"/>
+                </a:solidFill>
+              </a:rPr>
+              <a:t>2</a:t>
+            </a:r>
+            <a:endParaRPr lang="ko-KR" altLang="en-US" dirty="0">
+              <a:solidFill>
+                <a:schemeClr val="tx1"/>
+              </a:solidFill>
+            </a:endParaRPr>
+          </a:p>
+        </p:txBody>
+      </p:sp>
+      <p:sp>
+        <p:nvSpPr>
+          <p:cNvPr id="8" name="타원 7"/>
+          <p:cNvSpPr/>
+          <p:nvPr/>
+        </p:nvSpPr>
+        <p:spPr>
+          <a:xfrm>
+            <a:off x="4892004" y="3949522"/>
+            <a:ext cx="628561" cy="628561"/>
+          </a:xfrm>
+          <a:prstGeom prst="ellipse">
+            <a:avLst/>
+          </a:prstGeom>
+          <a:solidFill>
+            <a:schemeClr val="bg1"/>
+          </a:solidFill>
+          <a:ln>
+            <a:solidFill>
+              <a:schemeClr val="tx1"/>
+            </a:solidFill>
+          </a:ln>
+        </p:spPr>
+        <p:style>
+          <a:lnRef idx="2">
+            <a:schemeClr val="accent1">
+              <a:shade val="50000"/>
+            </a:schemeClr>
+          </a:lnRef>
+          <a:fillRef idx="1">
+            <a:schemeClr val="accent1"/>
+          </a:fillRef>
+          <a:effectRef idx="0">
+            <a:schemeClr val="accent1"/>
+          </a:effectRef>
+          <a:fontRef idx="minor">
+            <a:schemeClr val="lt1"/>
+          </a:fontRef>
+        </p:style>
+        <p:txBody>
+          <a:bodyPr rtlCol="0" anchor="ctr"/>
+          <a:lstStyle/>
+          <a:p>
+            <a:pPr algn="ctr"/>
+            <a:r>
+              <a:rPr lang="en-US" altLang="ko-KR" dirty="0" smtClean="0">
+                <a:solidFill>
+                  <a:schemeClr val="tx1"/>
+                </a:solidFill>
+              </a:rPr>
+              <a:t>5</a:t>
+            </a:r>
+            <a:endParaRPr lang="ko-KR" altLang="en-US" dirty="0">
+              <a:solidFill>
+                <a:schemeClr val="tx1"/>
+              </a:solidFill>
+            </a:endParaRPr>
+          </a:p>
+        </p:txBody>
+      </p:sp>
+      <p:sp>
+        <p:nvSpPr>
+          <p:cNvPr id="9" name="타원 8"/>
+          <p:cNvSpPr/>
+          <p:nvPr/>
+        </p:nvSpPr>
+        <p:spPr>
+          <a:xfrm>
+            <a:off x="6172379" y="3949522"/>
+            <a:ext cx="628561" cy="628561"/>
+          </a:xfrm>
+          <a:prstGeom prst="ellipse">
+            <a:avLst/>
+          </a:prstGeom>
+          <a:solidFill>
+            <a:schemeClr val="bg1"/>
+          </a:solidFill>
+          <a:ln>
+            <a:solidFill>
+              <a:schemeClr val="tx1"/>
+            </a:solidFill>
+          </a:ln>
+        </p:spPr>
+        <p:style>
+          <a:lnRef idx="2">
+            <a:schemeClr val="accent1">
+              <a:shade val="50000"/>
+            </a:schemeClr>
+          </a:lnRef>
+          <a:fillRef idx="1">
+            <a:schemeClr val="accent1"/>
+          </a:fillRef>
+          <a:effectRef idx="0">
+            <a:schemeClr val="accent1"/>
+          </a:effectRef>
+          <a:fontRef idx="minor">
+            <a:schemeClr val="lt1"/>
+          </a:fontRef>
+        </p:style>
+        <p:txBody>
+          <a:bodyPr rtlCol="0" anchor="ctr"/>
+          <a:lstStyle/>
+          <a:p>
+            <a:pPr algn="ctr"/>
+            <a:r>
+              <a:rPr lang="en-US" altLang="ko-KR" dirty="0" smtClean="0">
+                <a:solidFill>
+                  <a:schemeClr val="tx1"/>
+                </a:solidFill>
+              </a:rPr>
+              <a:t>9</a:t>
+            </a:r>
+            <a:endParaRPr lang="ko-KR" altLang="en-US" dirty="0">
+              <a:solidFill>
+                <a:schemeClr val="tx1"/>
+              </a:solidFill>
+            </a:endParaRPr>
+          </a:p>
+        </p:txBody>
+      </p:sp>
+      <p:sp>
+        <p:nvSpPr>
+          <p:cNvPr id="10" name="타원 9"/>
+          <p:cNvSpPr/>
+          <p:nvPr/>
+        </p:nvSpPr>
+        <p:spPr>
+          <a:xfrm>
+            <a:off x="8733129" y="3949522"/>
+            <a:ext cx="628561" cy="628561"/>
+          </a:xfrm>
+          <a:prstGeom prst="ellipse">
+            <a:avLst/>
+          </a:prstGeom>
+          <a:solidFill>
+            <a:schemeClr val="bg1"/>
+          </a:solidFill>
+          <a:ln>
+            <a:solidFill>
+              <a:schemeClr val="tx1"/>
+            </a:solidFill>
+          </a:ln>
+        </p:spPr>
+        <p:style>
+          <a:lnRef idx="2">
+            <a:schemeClr val="accent1">
+              <a:shade val="50000"/>
+            </a:schemeClr>
+          </a:lnRef>
+          <a:fillRef idx="1">
+            <a:schemeClr val="accent1"/>
+          </a:fillRef>
+          <a:effectRef idx="0">
+            <a:schemeClr val="accent1"/>
+          </a:effectRef>
+          <a:fontRef idx="minor">
+            <a:schemeClr val="lt1"/>
+          </a:fontRef>
+        </p:style>
+        <p:txBody>
+          <a:bodyPr rtlCol="0" anchor="ctr"/>
+          <a:lstStyle/>
+          <a:p>
+            <a:pPr algn="ctr"/>
+            <a:r>
+              <a:rPr lang="en-US" altLang="ko-KR" dirty="0" smtClean="0">
+                <a:solidFill>
+                  <a:schemeClr val="tx1"/>
+                </a:solidFill>
+              </a:rPr>
+              <a:t>19</a:t>
+            </a:r>
+            <a:endParaRPr lang="ko-KR" altLang="en-US" dirty="0">
+              <a:solidFill>
+                <a:schemeClr val="tx1"/>
+              </a:solidFill>
+            </a:endParaRPr>
+          </a:p>
+        </p:txBody>
+      </p:sp>
+      <p:cxnSp>
+        <p:nvCxnSpPr>
+          <p:cNvPr id="12" name="직선 연결선 11"/>
+          <p:cNvCxnSpPr>
+            <a:stCxn id="4" idx="3"/>
+            <a:endCxn id="5" idx="7"/>
+          </p:cNvCxnSpPr>
+          <p:nvPr/>
+        </p:nvCxnSpPr>
+        <p:spPr>
+          <a:xfrm flipH="1">
+            <a:off x="4462420" y="1579699"/>
+            <a:ext cx="835916" cy="828403"/>
+          </a:xfrm>
+          <a:prstGeom prst="line">
+            <a:avLst/>
+          </a:prstGeom>
+          <a:ln>
+            <a:solidFill>
+              <a:schemeClr val="tx1"/>
+            </a:solidFill>
+          </a:ln>
+        </p:spPr>
+        <p:style>
+          <a:lnRef idx="1">
+            <a:schemeClr val="accent1"/>
+          </a:lnRef>
+          <a:fillRef idx="0">
+            <a:schemeClr val="accent1"/>
+          </a:fillRef>
+          <a:effectRef idx="0">
+            <a:schemeClr val="accent1"/>
+          </a:effectRef>
+          <a:fontRef idx="minor">
+            <a:schemeClr val="tx1"/>
+          </a:fontRef>
+        </p:style>
+      </p:cxnSp>
+      <p:cxnSp>
+        <p:nvCxnSpPr>
+          <p:cNvPr id="13" name="직선 연결선 12"/>
+          <p:cNvCxnSpPr>
+            <a:stCxn id="4" idx="5"/>
+            <a:endCxn id="6" idx="1"/>
+          </p:cNvCxnSpPr>
+          <p:nvPr/>
+        </p:nvCxnSpPr>
+        <p:spPr>
+          <a:xfrm>
+            <a:off x="5742795" y="1579699"/>
+            <a:ext cx="835916" cy="828403"/>
+          </a:xfrm>
+          <a:prstGeom prst="line">
+            <a:avLst/>
+          </a:prstGeom>
+          <a:ln>
+            <a:solidFill>
+              <a:schemeClr val="tx1"/>
+            </a:solidFill>
+          </a:ln>
+        </p:spPr>
+        <p:style>
+          <a:lnRef idx="1">
+            <a:schemeClr val="accent1"/>
+          </a:lnRef>
+          <a:fillRef idx="0">
+            <a:schemeClr val="accent1"/>
+          </a:fillRef>
+          <a:effectRef idx="0">
+            <a:schemeClr val="accent1"/>
+          </a:effectRef>
+          <a:fontRef idx="minor">
+            <a:schemeClr val="tx1"/>
+          </a:fontRef>
+        </p:style>
+      </p:cxnSp>
+      <p:cxnSp>
+        <p:nvCxnSpPr>
+          <p:cNvPr id="16" name="직선 연결선 15"/>
+          <p:cNvCxnSpPr>
+            <a:stCxn id="6" idx="5"/>
+            <a:endCxn id="10" idx="2"/>
+          </p:cNvCxnSpPr>
+          <p:nvPr/>
+        </p:nvCxnSpPr>
+        <p:spPr>
+          <a:xfrm>
+            <a:off x="7023170" y="2852561"/>
+            <a:ext cx="1709959" cy="1411242"/>
+          </a:xfrm>
+          <a:prstGeom prst="line">
+            <a:avLst/>
+          </a:prstGeom>
+          <a:ln>
+            <a:solidFill>
+              <a:schemeClr val="tx1"/>
+            </a:solidFill>
+          </a:ln>
+        </p:spPr>
+        <p:style>
+          <a:lnRef idx="1">
+            <a:schemeClr val="accent1"/>
+          </a:lnRef>
+          <a:fillRef idx="0">
+            <a:schemeClr val="accent1"/>
+          </a:fillRef>
+          <a:effectRef idx="0">
+            <a:schemeClr val="accent1"/>
+          </a:effectRef>
+          <a:fontRef idx="minor">
+            <a:schemeClr val="tx1"/>
+          </a:fontRef>
+        </p:style>
+      </p:cxnSp>
+      <p:cxnSp>
+        <p:nvCxnSpPr>
+          <p:cNvPr id="19" name="직선 연결선 18"/>
+          <p:cNvCxnSpPr>
+            <a:stCxn id="6" idx="4"/>
+            <a:endCxn id="9" idx="0"/>
+          </p:cNvCxnSpPr>
+          <p:nvPr/>
+        </p:nvCxnSpPr>
+        <p:spPr>
+          <a:xfrm flipH="1">
+            <a:off x="6486660" y="2944612"/>
+            <a:ext cx="314281" cy="1004910"/>
+          </a:xfrm>
+          <a:prstGeom prst="line">
+            <a:avLst/>
+          </a:prstGeom>
+          <a:ln>
+            <a:solidFill>
+              <a:schemeClr val="tx1"/>
+            </a:solidFill>
+          </a:ln>
+        </p:spPr>
+        <p:style>
+          <a:lnRef idx="1">
+            <a:schemeClr val="accent1"/>
+          </a:lnRef>
+          <a:fillRef idx="0">
+            <a:schemeClr val="accent1"/>
+          </a:fillRef>
+          <a:effectRef idx="0">
+            <a:schemeClr val="accent1"/>
+          </a:effectRef>
+          <a:fontRef idx="minor">
+            <a:schemeClr val="tx1"/>
+          </a:fontRef>
+        </p:style>
+      </p:cxnSp>
+      <p:cxnSp>
+        <p:nvCxnSpPr>
+          <p:cNvPr id="22" name="직선 연결선 21"/>
+          <p:cNvCxnSpPr>
+            <a:stCxn id="5" idx="5"/>
+            <a:endCxn id="8" idx="0"/>
+          </p:cNvCxnSpPr>
+          <p:nvPr/>
+        </p:nvCxnSpPr>
+        <p:spPr>
+          <a:xfrm>
+            <a:off x="4462420" y="2852561"/>
+            <a:ext cx="743865" cy="1096961"/>
+          </a:xfrm>
+          <a:prstGeom prst="line">
+            <a:avLst/>
+          </a:prstGeom>
+          <a:ln>
+            <a:solidFill>
+              <a:schemeClr val="tx1"/>
+            </a:solidFill>
+          </a:ln>
+        </p:spPr>
+        <p:style>
+          <a:lnRef idx="1">
+            <a:schemeClr val="accent1"/>
+          </a:lnRef>
+          <a:fillRef idx="0">
+            <a:schemeClr val="accent1"/>
+          </a:fillRef>
+          <a:effectRef idx="0">
+            <a:schemeClr val="accent1"/>
+          </a:effectRef>
+          <a:fontRef idx="minor">
+            <a:schemeClr val="tx1"/>
+          </a:fontRef>
+        </p:style>
+      </p:cxnSp>
+      <p:cxnSp>
+        <p:nvCxnSpPr>
+          <p:cNvPr id="26" name="직선 연결선 25"/>
+          <p:cNvCxnSpPr>
+            <a:stCxn id="5" idx="3"/>
+            <a:endCxn id="7" idx="7"/>
+          </p:cNvCxnSpPr>
+          <p:nvPr/>
+        </p:nvCxnSpPr>
+        <p:spPr>
+          <a:xfrm flipH="1">
+            <a:off x="2867764" y="2852561"/>
+            <a:ext cx="1150197" cy="1189012"/>
+          </a:xfrm>
+          <a:prstGeom prst="line">
+            <a:avLst/>
+          </a:prstGeom>
+          <a:ln>
+            <a:solidFill>
+              <a:schemeClr val="tx1"/>
+            </a:solidFill>
+          </a:ln>
+        </p:spPr>
+        <p:style>
+          <a:lnRef idx="1">
+            <a:schemeClr val="accent1"/>
+          </a:lnRef>
+          <a:fillRef idx="0">
+            <a:schemeClr val="accent1"/>
+          </a:fillRef>
+          <a:effectRef idx="0">
+            <a:schemeClr val="accent1"/>
+          </a:effectRef>
+          <a:fontRef idx="minor">
+            <a:schemeClr val="tx1"/>
+          </a:fontRef>
+        </p:style>
+      </p:cxnSp>
+    </p:spTree>
+    <p:extLst>
+      <p:ext uri="{BB962C8B-B14F-4D97-AF65-F5344CB8AC3E}">
+        <p14:creationId xmlns:p14="http://schemas.microsoft.com/office/powerpoint/2010/main" val="1582010439"/>
+      </p:ext>
+    </p:extLst>
+  </p:cSld>
+  <p:clrMapOvr>
+    <a:masterClrMapping/>
+  </p:clrMapOvr>
+  <p:timing>
+    <p:tnLst>
+      <p:par>
+        <p:cTn id="1" dur="indefinite" restart="never" nodeType="tmRoot"/>
+      </p:par>
+    </p:tnLst>
+  </p:timing>
+</p:sld>
+</file>
+
+<file path=ppt/slides/slide23.xml><?xml version="1.0" encoding="utf-8"?>
+<p:sld xmlns:a="http://schemas.openxmlformats.org/drawingml/2006/main" xmlns:r="http://schemas.openxmlformats.org/officeDocument/2006/relationships" xmlns:p="http://schemas.openxmlformats.org/presentationml/2006/main">
+  <p:cSld>
+    <p:spTree>
+      <p:nvGrpSpPr>
+        <p:cNvPr id="1" name=""/>
+        <p:cNvGrpSpPr/>
+        <p:nvPr/>
+      </p:nvGrpSpPr>
+      <p:grpSpPr>
+        <a:xfrm>
+          <a:off x="0" y="0"/>
+          <a:ext cx="0" cy="0"/>
+          <a:chOff x="0" y="0"/>
+          <a:chExt cx="0" cy="0"/>
+        </a:xfrm>
+      </p:grpSpPr>
+      <p:sp>
+        <p:nvSpPr>
+          <p:cNvPr id="4" name="타원 3"/>
+          <p:cNvSpPr/>
+          <p:nvPr/>
+        </p:nvSpPr>
+        <p:spPr>
+          <a:xfrm>
+            <a:off x="5206285" y="1841679"/>
+            <a:ext cx="628561" cy="628561"/>
+          </a:xfrm>
+          <a:prstGeom prst="ellipse">
+            <a:avLst/>
+          </a:prstGeom>
+          <a:solidFill>
+            <a:schemeClr val="bg1"/>
+          </a:solidFill>
+          <a:ln>
+            <a:solidFill>
+              <a:schemeClr val="tx1"/>
+            </a:solidFill>
+          </a:ln>
+        </p:spPr>
+        <p:style>
+          <a:lnRef idx="2">
+            <a:schemeClr val="accent1">
+              <a:shade val="50000"/>
+            </a:schemeClr>
+          </a:lnRef>
+          <a:fillRef idx="1">
+            <a:schemeClr val="accent1"/>
+          </a:fillRef>
+          <a:effectRef idx="0">
+            <a:schemeClr val="accent1"/>
+          </a:effectRef>
+          <a:fontRef idx="minor">
+            <a:schemeClr val="lt1"/>
+          </a:fontRef>
+        </p:style>
+        <p:txBody>
+          <a:bodyPr rtlCol="0" anchor="ctr"/>
+          <a:lstStyle/>
+          <a:p>
+            <a:pPr algn="ctr"/>
+            <a:r>
+              <a:rPr lang="en-US" altLang="ko-KR" dirty="0" smtClean="0">
+                <a:solidFill>
+                  <a:schemeClr val="tx1"/>
+                </a:solidFill>
+              </a:rPr>
+              <a:t>+</a:t>
+            </a:r>
+            <a:endParaRPr lang="ko-KR" altLang="en-US" dirty="0">
+              <a:solidFill>
+                <a:schemeClr val="tx1"/>
+              </a:solidFill>
+            </a:endParaRPr>
+          </a:p>
+        </p:txBody>
+      </p:sp>
+      <p:sp>
+        <p:nvSpPr>
+          <p:cNvPr id="5" name="타원 4"/>
+          <p:cNvSpPr/>
+          <p:nvPr/>
+        </p:nvSpPr>
+        <p:spPr>
+          <a:xfrm>
+            <a:off x="3925910" y="3114541"/>
+            <a:ext cx="628561" cy="628561"/>
+          </a:xfrm>
+          <a:prstGeom prst="ellipse">
+            <a:avLst/>
+          </a:prstGeom>
+          <a:solidFill>
+            <a:schemeClr val="bg1"/>
+          </a:solidFill>
+          <a:ln>
+            <a:solidFill>
+              <a:schemeClr val="tx1"/>
+            </a:solidFill>
+          </a:ln>
+        </p:spPr>
+        <p:style>
+          <a:lnRef idx="2">
+            <a:schemeClr val="accent1">
+              <a:shade val="50000"/>
+            </a:schemeClr>
+          </a:lnRef>
+          <a:fillRef idx="1">
+            <a:schemeClr val="accent1"/>
+          </a:fillRef>
+          <a:effectRef idx="0">
+            <a:schemeClr val="accent1"/>
+          </a:effectRef>
+          <a:fontRef idx="minor">
+            <a:schemeClr val="lt1"/>
+          </a:fontRef>
+        </p:style>
+        <p:txBody>
+          <a:bodyPr rtlCol="0" anchor="ctr"/>
+          <a:lstStyle/>
+          <a:p>
+            <a:pPr algn="ctr"/>
+            <a:r>
+              <a:rPr lang="en-US" altLang="ko-KR" dirty="0">
+                <a:solidFill>
+                  <a:schemeClr val="tx1"/>
+                </a:solidFill>
+              </a:rPr>
+              <a:t>*</a:t>
+            </a:r>
+            <a:endParaRPr lang="ko-KR" altLang="en-US" dirty="0">
+              <a:solidFill>
+                <a:schemeClr val="tx1"/>
+              </a:solidFill>
+            </a:endParaRPr>
+          </a:p>
+        </p:txBody>
+      </p:sp>
+      <p:sp>
+        <p:nvSpPr>
+          <p:cNvPr id="6" name="타원 5"/>
+          <p:cNvSpPr/>
+          <p:nvPr/>
+        </p:nvSpPr>
+        <p:spPr>
+          <a:xfrm>
+            <a:off x="6486660" y="3114541"/>
+            <a:ext cx="628561" cy="628561"/>
+          </a:xfrm>
+          <a:prstGeom prst="ellipse">
+            <a:avLst/>
+          </a:prstGeom>
+          <a:solidFill>
+            <a:schemeClr val="bg1"/>
+          </a:solidFill>
+          <a:ln>
+            <a:solidFill>
+              <a:schemeClr val="tx1"/>
+            </a:solidFill>
+          </a:ln>
+        </p:spPr>
+        <p:style>
+          <a:lnRef idx="2">
+            <a:schemeClr val="accent1">
+              <a:shade val="50000"/>
+            </a:schemeClr>
+          </a:lnRef>
+          <a:fillRef idx="1">
+            <a:schemeClr val="accent1"/>
+          </a:fillRef>
+          <a:effectRef idx="0">
+            <a:schemeClr val="accent1"/>
+          </a:effectRef>
+          <a:fontRef idx="minor">
+            <a:schemeClr val="lt1"/>
+          </a:fontRef>
+        </p:style>
+        <p:txBody>
+          <a:bodyPr rtlCol="0" anchor="ctr"/>
+          <a:lstStyle/>
+          <a:p>
+            <a:pPr algn="ctr"/>
+            <a:r>
+              <a:rPr lang="en-US" altLang="ko-KR" dirty="0" smtClean="0">
+                <a:solidFill>
+                  <a:schemeClr val="tx1"/>
+                </a:solidFill>
+              </a:rPr>
+              <a:t>-</a:t>
+            </a:r>
+            <a:endParaRPr lang="ko-KR" altLang="en-US" dirty="0">
+              <a:solidFill>
+                <a:schemeClr val="tx1"/>
+              </a:solidFill>
+            </a:endParaRPr>
+          </a:p>
+        </p:txBody>
+      </p:sp>
+      <p:sp>
+        <p:nvSpPr>
+          <p:cNvPr id="7" name="타원 6"/>
+          <p:cNvSpPr/>
+          <p:nvPr/>
+        </p:nvSpPr>
+        <p:spPr>
+          <a:xfrm>
+            <a:off x="2331254" y="4748012"/>
+            <a:ext cx="628561" cy="628561"/>
+          </a:xfrm>
+          <a:prstGeom prst="ellipse">
+            <a:avLst/>
+          </a:prstGeom>
+          <a:solidFill>
+            <a:schemeClr val="bg1"/>
+          </a:solidFill>
+          <a:ln>
+            <a:solidFill>
+              <a:schemeClr val="tx1"/>
+            </a:solidFill>
+          </a:ln>
+        </p:spPr>
+        <p:style>
+          <a:lnRef idx="2">
+            <a:schemeClr val="accent1">
+              <a:shade val="50000"/>
+            </a:schemeClr>
+          </a:lnRef>
+          <a:fillRef idx="1">
+            <a:schemeClr val="accent1"/>
+          </a:fillRef>
+          <a:effectRef idx="0">
+            <a:schemeClr val="accent1"/>
+          </a:effectRef>
+          <a:fontRef idx="minor">
+            <a:schemeClr val="lt1"/>
+          </a:fontRef>
+        </p:style>
+        <p:txBody>
+          <a:bodyPr rtlCol="0" anchor="ctr"/>
+          <a:lstStyle/>
+          <a:p>
+            <a:pPr algn="ctr"/>
+            <a:r>
+              <a:rPr lang="en-US" altLang="ko-KR" dirty="0" smtClean="0">
+                <a:solidFill>
+                  <a:schemeClr val="tx1"/>
+                </a:solidFill>
+              </a:rPr>
+              <a:t>1</a:t>
+            </a:r>
+            <a:endParaRPr lang="ko-KR" altLang="en-US" dirty="0">
+              <a:solidFill>
+                <a:schemeClr val="tx1"/>
+              </a:solidFill>
+            </a:endParaRPr>
+          </a:p>
+        </p:txBody>
+      </p:sp>
+      <p:sp>
+        <p:nvSpPr>
+          <p:cNvPr id="8" name="타원 7"/>
+          <p:cNvSpPr/>
+          <p:nvPr/>
+        </p:nvSpPr>
+        <p:spPr>
+          <a:xfrm>
+            <a:off x="4892004" y="4748012"/>
+            <a:ext cx="628561" cy="628561"/>
+          </a:xfrm>
+          <a:prstGeom prst="ellipse">
+            <a:avLst/>
+          </a:prstGeom>
+          <a:solidFill>
+            <a:schemeClr val="bg1"/>
+          </a:solidFill>
+          <a:ln>
+            <a:solidFill>
+              <a:schemeClr val="tx1"/>
+            </a:solidFill>
+          </a:ln>
+        </p:spPr>
+        <p:style>
+          <a:lnRef idx="2">
+            <a:schemeClr val="accent1">
+              <a:shade val="50000"/>
+            </a:schemeClr>
+          </a:lnRef>
+          <a:fillRef idx="1">
+            <a:schemeClr val="accent1"/>
+          </a:fillRef>
+          <a:effectRef idx="0">
+            <a:schemeClr val="accent1"/>
+          </a:effectRef>
+          <a:fontRef idx="minor">
+            <a:schemeClr val="lt1"/>
+          </a:fontRef>
+        </p:style>
+        <p:txBody>
+          <a:bodyPr rtlCol="0" anchor="ctr"/>
+          <a:lstStyle/>
+          <a:p>
+            <a:pPr algn="ctr"/>
+            <a:r>
+              <a:rPr lang="en-US" altLang="ko-KR" dirty="0" smtClean="0">
+                <a:solidFill>
+                  <a:schemeClr val="tx1"/>
+                </a:solidFill>
+              </a:rPr>
+              <a:t>2</a:t>
+            </a:r>
+            <a:endParaRPr lang="ko-KR" altLang="en-US" dirty="0">
+              <a:solidFill>
+                <a:schemeClr val="tx1"/>
+              </a:solidFill>
+            </a:endParaRPr>
+          </a:p>
+        </p:txBody>
+      </p:sp>
+      <p:sp>
+        <p:nvSpPr>
+          <p:cNvPr id="9" name="타원 8"/>
+          <p:cNvSpPr/>
+          <p:nvPr/>
+        </p:nvSpPr>
+        <p:spPr>
+          <a:xfrm>
+            <a:off x="6172379" y="4748012"/>
+            <a:ext cx="628561" cy="628561"/>
+          </a:xfrm>
+          <a:prstGeom prst="ellipse">
+            <a:avLst/>
+          </a:prstGeom>
+          <a:solidFill>
+            <a:schemeClr val="bg1"/>
+          </a:solidFill>
+          <a:ln>
+            <a:solidFill>
+              <a:schemeClr val="tx1"/>
+            </a:solidFill>
+          </a:ln>
+        </p:spPr>
+        <p:style>
+          <a:lnRef idx="2">
+            <a:schemeClr val="accent1">
+              <a:shade val="50000"/>
+            </a:schemeClr>
+          </a:lnRef>
+          <a:fillRef idx="1">
+            <a:schemeClr val="accent1"/>
+          </a:fillRef>
+          <a:effectRef idx="0">
+            <a:schemeClr val="accent1"/>
+          </a:effectRef>
+          <a:fontRef idx="minor">
+            <a:schemeClr val="lt1"/>
+          </a:fontRef>
+        </p:style>
+        <p:txBody>
+          <a:bodyPr rtlCol="0" anchor="ctr"/>
+          <a:lstStyle/>
+          <a:p>
+            <a:pPr algn="ctr"/>
+            <a:r>
+              <a:rPr lang="en-US" altLang="ko-KR" dirty="0" smtClean="0">
+                <a:solidFill>
+                  <a:schemeClr val="tx1"/>
+                </a:solidFill>
+              </a:rPr>
+              <a:t>7</a:t>
+            </a:r>
+            <a:endParaRPr lang="ko-KR" altLang="en-US" dirty="0">
+              <a:solidFill>
+                <a:schemeClr val="tx1"/>
+              </a:solidFill>
+            </a:endParaRPr>
+          </a:p>
+        </p:txBody>
+      </p:sp>
+      <p:sp>
+        <p:nvSpPr>
+          <p:cNvPr id="10" name="타원 9"/>
+          <p:cNvSpPr/>
+          <p:nvPr/>
+        </p:nvSpPr>
+        <p:spPr>
+          <a:xfrm>
+            <a:off x="8733129" y="4748012"/>
+            <a:ext cx="628561" cy="628561"/>
+          </a:xfrm>
+          <a:prstGeom prst="ellipse">
+            <a:avLst/>
+          </a:prstGeom>
+          <a:solidFill>
+            <a:schemeClr val="bg1"/>
+          </a:solidFill>
+          <a:ln>
+            <a:solidFill>
+              <a:schemeClr val="tx1"/>
+            </a:solidFill>
+          </a:ln>
+        </p:spPr>
+        <p:style>
+          <a:lnRef idx="2">
+            <a:schemeClr val="accent1">
+              <a:shade val="50000"/>
+            </a:schemeClr>
+          </a:lnRef>
+          <a:fillRef idx="1">
+            <a:schemeClr val="accent1"/>
+          </a:fillRef>
+          <a:effectRef idx="0">
+            <a:schemeClr val="accent1"/>
+          </a:effectRef>
+          <a:fontRef idx="minor">
+            <a:schemeClr val="lt1"/>
+          </a:fontRef>
+        </p:style>
+        <p:txBody>
+          <a:bodyPr rtlCol="0" anchor="ctr"/>
+          <a:lstStyle/>
+          <a:p>
+            <a:pPr algn="ctr"/>
+            <a:r>
+              <a:rPr lang="en-US" altLang="ko-KR" dirty="0" smtClean="0">
+                <a:solidFill>
+                  <a:schemeClr val="tx1"/>
+                </a:solidFill>
+              </a:rPr>
+              <a:t>8</a:t>
+            </a:r>
+            <a:endParaRPr lang="ko-KR" altLang="en-US" dirty="0">
+              <a:solidFill>
+                <a:schemeClr val="tx1"/>
+              </a:solidFill>
+            </a:endParaRPr>
+          </a:p>
+        </p:txBody>
+      </p:sp>
+      <p:cxnSp>
+        <p:nvCxnSpPr>
+          <p:cNvPr id="11" name="직선 연결선 10"/>
+          <p:cNvCxnSpPr>
+            <a:stCxn id="4" idx="3"/>
+            <a:endCxn id="5" idx="7"/>
+          </p:cNvCxnSpPr>
+          <p:nvPr/>
+        </p:nvCxnSpPr>
+        <p:spPr>
+          <a:xfrm flipH="1">
+            <a:off x="4462420" y="2378189"/>
+            <a:ext cx="835916" cy="828403"/>
+          </a:xfrm>
+          <a:prstGeom prst="line">
+            <a:avLst/>
+          </a:prstGeom>
+          <a:ln>
+            <a:solidFill>
+              <a:schemeClr val="tx1"/>
+            </a:solidFill>
+          </a:ln>
+        </p:spPr>
+        <p:style>
+          <a:lnRef idx="1">
+            <a:schemeClr val="accent1"/>
+          </a:lnRef>
+          <a:fillRef idx="0">
+            <a:schemeClr val="accent1"/>
+          </a:fillRef>
+          <a:effectRef idx="0">
+            <a:schemeClr val="accent1"/>
+          </a:effectRef>
+          <a:fontRef idx="minor">
+            <a:schemeClr val="tx1"/>
+          </a:fontRef>
+        </p:style>
+      </p:cxnSp>
+      <p:cxnSp>
+        <p:nvCxnSpPr>
+          <p:cNvPr id="12" name="직선 연결선 11"/>
+          <p:cNvCxnSpPr>
+            <a:stCxn id="4" idx="5"/>
+            <a:endCxn id="6" idx="1"/>
+          </p:cNvCxnSpPr>
+          <p:nvPr/>
+        </p:nvCxnSpPr>
+        <p:spPr>
+          <a:xfrm>
+            <a:off x="5742795" y="2378189"/>
+            <a:ext cx="835916" cy="828403"/>
+          </a:xfrm>
+          <a:prstGeom prst="line">
+            <a:avLst/>
+          </a:prstGeom>
+          <a:ln>
+            <a:solidFill>
+              <a:schemeClr val="tx1"/>
+            </a:solidFill>
+          </a:ln>
+        </p:spPr>
+        <p:style>
+          <a:lnRef idx="1">
+            <a:schemeClr val="accent1"/>
+          </a:lnRef>
+          <a:fillRef idx="0">
+            <a:schemeClr val="accent1"/>
+          </a:fillRef>
+          <a:effectRef idx="0">
+            <a:schemeClr val="accent1"/>
+          </a:effectRef>
+          <a:fontRef idx="minor">
+            <a:schemeClr val="tx1"/>
+          </a:fontRef>
+        </p:style>
+      </p:cxnSp>
+      <p:cxnSp>
+        <p:nvCxnSpPr>
+          <p:cNvPr id="13" name="직선 연결선 12"/>
+          <p:cNvCxnSpPr>
+            <a:stCxn id="6" idx="5"/>
+            <a:endCxn id="10" idx="2"/>
+          </p:cNvCxnSpPr>
+          <p:nvPr/>
+        </p:nvCxnSpPr>
+        <p:spPr>
+          <a:xfrm>
+            <a:off x="7023170" y="3651051"/>
+            <a:ext cx="1709959" cy="1411242"/>
+          </a:xfrm>
+          <a:prstGeom prst="line">
+            <a:avLst/>
+          </a:prstGeom>
+          <a:ln>
+            <a:solidFill>
+              <a:schemeClr val="tx1"/>
+            </a:solidFill>
+          </a:ln>
+        </p:spPr>
+        <p:style>
+          <a:lnRef idx="1">
+            <a:schemeClr val="accent1"/>
+          </a:lnRef>
+          <a:fillRef idx="0">
+            <a:schemeClr val="accent1"/>
+          </a:fillRef>
+          <a:effectRef idx="0">
+            <a:schemeClr val="accent1"/>
+          </a:effectRef>
+          <a:fontRef idx="minor">
+            <a:schemeClr val="tx1"/>
+          </a:fontRef>
+        </p:style>
+      </p:cxnSp>
+      <p:cxnSp>
+        <p:nvCxnSpPr>
+          <p:cNvPr id="14" name="직선 연결선 13"/>
+          <p:cNvCxnSpPr>
+            <a:stCxn id="6" idx="4"/>
+            <a:endCxn id="9" idx="0"/>
+          </p:cNvCxnSpPr>
+          <p:nvPr/>
+        </p:nvCxnSpPr>
+        <p:spPr>
+          <a:xfrm flipH="1">
+            <a:off x="6486660" y="3743102"/>
+            <a:ext cx="314281" cy="1004910"/>
+          </a:xfrm>
+          <a:prstGeom prst="line">
+            <a:avLst/>
+          </a:prstGeom>
+          <a:ln>
+            <a:solidFill>
+              <a:schemeClr val="tx1"/>
+            </a:solidFill>
+          </a:ln>
+        </p:spPr>
+        <p:style>
+          <a:lnRef idx="1">
+            <a:schemeClr val="accent1"/>
+          </a:lnRef>
+          <a:fillRef idx="0">
+            <a:schemeClr val="accent1"/>
+          </a:fillRef>
+          <a:effectRef idx="0">
+            <a:schemeClr val="accent1"/>
+          </a:effectRef>
+          <a:fontRef idx="minor">
+            <a:schemeClr val="tx1"/>
+          </a:fontRef>
+        </p:style>
+      </p:cxnSp>
+      <p:cxnSp>
+        <p:nvCxnSpPr>
+          <p:cNvPr id="15" name="직선 연결선 14"/>
+          <p:cNvCxnSpPr>
+            <a:stCxn id="5" idx="5"/>
+            <a:endCxn id="8" idx="0"/>
+          </p:cNvCxnSpPr>
+          <p:nvPr/>
+        </p:nvCxnSpPr>
+        <p:spPr>
+          <a:xfrm>
+            <a:off x="4462420" y="3651051"/>
+            <a:ext cx="743865" cy="1096961"/>
+          </a:xfrm>
+          <a:prstGeom prst="line">
+            <a:avLst/>
+          </a:prstGeom>
+          <a:ln>
+            <a:solidFill>
+              <a:schemeClr val="tx1"/>
+            </a:solidFill>
+          </a:ln>
+        </p:spPr>
+        <p:style>
+          <a:lnRef idx="1">
+            <a:schemeClr val="accent1"/>
+          </a:lnRef>
+          <a:fillRef idx="0">
+            <a:schemeClr val="accent1"/>
+          </a:fillRef>
+          <a:effectRef idx="0">
+            <a:schemeClr val="accent1"/>
+          </a:effectRef>
+          <a:fontRef idx="minor">
+            <a:schemeClr val="tx1"/>
+          </a:fontRef>
+        </p:style>
+      </p:cxnSp>
+      <p:cxnSp>
+        <p:nvCxnSpPr>
+          <p:cNvPr id="16" name="직선 연결선 15"/>
+          <p:cNvCxnSpPr>
+            <a:stCxn id="5" idx="3"/>
+            <a:endCxn id="7" idx="7"/>
+          </p:cNvCxnSpPr>
+          <p:nvPr/>
+        </p:nvCxnSpPr>
+        <p:spPr>
+          <a:xfrm flipH="1">
+            <a:off x="2867764" y="3651051"/>
+            <a:ext cx="1150197" cy="1189012"/>
+          </a:xfrm>
+          <a:prstGeom prst="line">
+            <a:avLst/>
+          </a:prstGeom>
+          <a:ln>
+            <a:solidFill>
+              <a:schemeClr val="tx1"/>
+            </a:solidFill>
+          </a:ln>
+        </p:spPr>
+        <p:style>
+          <a:lnRef idx="1">
+            <a:schemeClr val="accent1"/>
+          </a:lnRef>
+          <a:fillRef idx="0">
+            <a:schemeClr val="accent1"/>
+          </a:fillRef>
+          <a:effectRef idx="0">
+            <a:schemeClr val="accent1"/>
+          </a:effectRef>
+          <a:fontRef idx="minor">
+            <a:schemeClr val="tx1"/>
+          </a:fontRef>
+        </p:style>
+      </p:cxnSp>
+    </p:spTree>
+    <p:extLst>
+      <p:ext uri="{BB962C8B-B14F-4D97-AF65-F5344CB8AC3E}">
+        <p14:creationId xmlns:p14="http://schemas.microsoft.com/office/powerpoint/2010/main" val="3767596261"/>
+      </p:ext>
+    </p:extLst>
+  </p:cSld>
+  <p:clrMapOvr>
+    <a:masterClrMapping/>
+  </p:clrMapOvr>
+  <p:timing>
+    <p:tnLst>
+      <p:par>
+        <p:cTn id="1" dur="indefinite" restart="never" nodeType="tmRoot"/>
+      </p:par>
+    </p:tnLst>
+  </p:timing>
+</p:sld>
+</file>
+
+<file path=ppt/slides/slide24.xml><?xml version="1.0" encoding="utf-8"?>
+<p:sld xmlns:a="http://schemas.openxmlformats.org/drawingml/2006/main" xmlns:r="http://schemas.openxmlformats.org/officeDocument/2006/relationships" xmlns:p="http://schemas.openxmlformats.org/presentationml/2006/main">
+  <p:cSld>
+    <p:spTree>
+      <p:nvGrpSpPr>
+        <p:cNvPr id="1" name=""/>
+        <p:cNvGrpSpPr/>
+        <p:nvPr/>
+      </p:nvGrpSpPr>
+      <p:grpSpPr>
+        <a:xfrm>
+          <a:off x="0" y="0"/>
+          <a:ext cx="0" cy="0"/>
+          <a:chOff x="0" y="0"/>
+          <a:chExt cx="0" cy="0"/>
+        </a:xfrm>
+      </p:grpSpPr>
+      <p:sp>
+        <p:nvSpPr>
+          <p:cNvPr id="4" name="타원 3"/>
+          <p:cNvSpPr/>
+          <p:nvPr/>
+        </p:nvSpPr>
+        <p:spPr>
+          <a:xfrm>
+            <a:off x="5206285" y="-2906333"/>
+            <a:ext cx="628561" cy="628561"/>
+          </a:xfrm>
+          <a:prstGeom prst="ellipse">
+            <a:avLst/>
+          </a:prstGeom>
+          <a:solidFill>
+            <a:schemeClr val="bg1"/>
+          </a:solidFill>
+          <a:ln>
+            <a:solidFill>
+              <a:schemeClr val="tx1"/>
+            </a:solidFill>
+          </a:ln>
+        </p:spPr>
+        <p:style>
+          <a:lnRef idx="2">
+            <a:schemeClr val="accent1">
+              <a:shade val="50000"/>
+            </a:schemeClr>
+          </a:lnRef>
+          <a:fillRef idx="1">
+            <a:schemeClr val="accent1"/>
+          </a:fillRef>
+          <a:effectRef idx="0">
+            <a:schemeClr val="accent1"/>
+          </a:effectRef>
+          <a:fontRef idx="minor">
+            <a:schemeClr val="lt1"/>
+          </a:fontRef>
+        </p:style>
+        <p:txBody>
+          <a:bodyPr rtlCol="0" anchor="ctr"/>
+          <a:lstStyle/>
+          <a:p>
+            <a:pPr algn="ctr"/>
+            <a:r>
+              <a:rPr lang="en-US" altLang="ko-KR" dirty="0" smtClean="0">
+                <a:solidFill>
+                  <a:schemeClr val="tx1"/>
+                </a:solidFill>
+              </a:rPr>
+              <a:t>8</a:t>
+            </a:r>
+            <a:endParaRPr lang="ko-KR" altLang="en-US" dirty="0">
+              <a:solidFill>
+                <a:schemeClr val="tx1"/>
+              </a:solidFill>
+            </a:endParaRPr>
+          </a:p>
+        </p:txBody>
+      </p:sp>
+      <p:sp>
+        <p:nvSpPr>
+          <p:cNvPr id="5" name="타원 4"/>
+          <p:cNvSpPr/>
+          <p:nvPr/>
+        </p:nvSpPr>
+        <p:spPr>
+          <a:xfrm>
+            <a:off x="3925910" y="-1633471"/>
+            <a:ext cx="628561" cy="628561"/>
+          </a:xfrm>
+          <a:prstGeom prst="ellipse">
+            <a:avLst/>
+          </a:prstGeom>
+          <a:solidFill>
+            <a:schemeClr val="bg1"/>
+          </a:solidFill>
+          <a:ln>
+            <a:solidFill>
+              <a:schemeClr val="tx1"/>
+            </a:solidFill>
+          </a:ln>
+        </p:spPr>
+        <p:style>
+          <a:lnRef idx="2">
+            <a:schemeClr val="accent1">
+              <a:shade val="50000"/>
+            </a:schemeClr>
+          </a:lnRef>
+          <a:fillRef idx="1">
+            <a:schemeClr val="accent1"/>
+          </a:fillRef>
+          <a:effectRef idx="0">
+            <a:schemeClr val="accent1"/>
+          </a:effectRef>
+          <a:fontRef idx="minor">
+            <a:schemeClr val="lt1"/>
+          </a:fontRef>
+        </p:style>
+        <p:txBody>
+          <a:bodyPr rtlCol="0" anchor="ctr"/>
+          <a:lstStyle/>
+          <a:p>
+            <a:pPr algn="ctr"/>
+            <a:r>
+              <a:rPr lang="en-US" altLang="ko-KR" dirty="0" smtClean="0">
+                <a:solidFill>
+                  <a:schemeClr val="tx1"/>
+                </a:solidFill>
+              </a:rPr>
+              <a:t>3</a:t>
+            </a:r>
+            <a:endParaRPr lang="ko-KR" altLang="en-US" dirty="0">
+              <a:solidFill>
+                <a:schemeClr val="tx1"/>
+              </a:solidFill>
+            </a:endParaRPr>
+          </a:p>
+        </p:txBody>
+      </p:sp>
+      <p:sp>
+        <p:nvSpPr>
+          <p:cNvPr id="6" name="타원 5"/>
+          <p:cNvSpPr/>
+          <p:nvPr/>
+        </p:nvSpPr>
+        <p:spPr>
+          <a:xfrm>
+            <a:off x="6486660" y="-1633471"/>
+            <a:ext cx="628561" cy="628561"/>
+          </a:xfrm>
+          <a:prstGeom prst="ellipse">
+            <a:avLst/>
+          </a:prstGeom>
+          <a:solidFill>
+            <a:schemeClr val="bg1"/>
+          </a:solidFill>
+          <a:ln>
+            <a:solidFill>
+              <a:schemeClr val="tx1"/>
+            </a:solidFill>
+          </a:ln>
+        </p:spPr>
+        <p:style>
+          <a:lnRef idx="2">
+            <a:schemeClr val="accent1">
+              <a:shade val="50000"/>
+            </a:schemeClr>
+          </a:lnRef>
+          <a:fillRef idx="1">
+            <a:schemeClr val="accent1"/>
+          </a:fillRef>
+          <a:effectRef idx="0">
+            <a:schemeClr val="accent1"/>
+          </a:effectRef>
+          <a:fontRef idx="minor">
+            <a:schemeClr val="lt1"/>
+          </a:fontRef>
+        </p:style>
+        <p:txBody>
+          <a:bodyPr rtlCol="0" anchor="ctr"/>
+          <a:lstStyle/>
+          <a:p>
+            <a:pPr algn="ctr"/>
+            <a:r>
+              <a:rPr lang="en-US" altLang="ko-KR" dirty="0" smtClean="0">
+                <a:solidFill>
+                  <a:schemeClr val="tx1"/>
+                </a:solidFill>
+              </a:rPr>
+              <a:t>9</a:t>
+            </a:r>
+            <a:endParaRPr lang="ko-KR" altLang="en-US" dirty="0">
+              <a:solidFill>
+                <a:schemeClr val="tx1"/>
+              </a:solidFill>
+            </a:endParaRPr>
+          </a:p>
+        </p:txBody>
+      </p:sp>
+      <p:sp>
+        <p:nvSpPr>
+          <p:cNvPr id="7" name="타원 6"/>
+          <p:cNvSpPr/>
+          <p:nvPr/>
+        </p:nvSpPr>
+        <p:spPr>
+          <a:xfrm>
+            <a:off x="2331254" y="0"/>
+            <a:ext cx="628561" cy="628561"/>
+          </a:xfrm>
+          <a:prstGeom prst="ellipse">
+            <a:avLst/>
+          </a:prstGeom>
+          <a:solidFill>
+            <a:schemeClr val="bg1"/>
+          </a:solidFill>
+          <a:ln>
+            <a:solidFill>
+              <a:schemeClr val="tx1"/>
+            </a:solidFill>
+          </a:ln>
+        </p:spPr>
+        <p:style>
+          <a:lnRef idx="2">
+            <a:schemeClr val="accent1">
+              <a:shade val="50000"/>
+            </a:schemeClr>
+          </a:lnRef>
+          <a:fillRef idx="1">
+            <a:schemeClr val="accent1"/>
+          </a:fillRef>
+          <a:effectRef idx="0">
+            <a:schemeClr val="accent1"/>
+          </a:effectRef>
+          <a:fontRef idx="minor">
+            <a:schemeClr val="lt1"/>
+          </a:fontRef>
+        </p:style>
+        <p:txBody>
+          <a:bodyPr rtlCol="0" anchor="ctr"/>
+          <a:lstStyle/>
+          <a:p>
+            <a:pPr algn="ctr"/>
+            <a:r>
+              <a:rPr lang="en-US" altLang="ko-KR" dirty="0" smtClean="0">
+                <a:solidFill>
+                  <a:schemeClr val="tx1"/>
+                </a:solidFill>
+              </a:rPr>
+              <a:t>2</a:t>
+            </a:r>
+            <a:endParaRPr lang="ko-KR" altLang="en-US" dirty="0">
+              <a:solidFill>
+                <a:schemeClr val="tx1"/>
+              </a:solidFill>
+            </a:endParaRPr>
+          </a:p>
+        </p:txBody>
+      </p:sp>
+      <p:sp>
+        <p:nvSpPr>
+          <p:cNvPr id="8" name="타원 7"/>
+          <p:cNvSpPr/>
+          <p:nvPr/>
+        </p:nvSpPr>
+        <p:spPr>
+          <a:xfrm>
+            <a:off x="4892004" y="0"/>
+            <a:ext cx="628561" cy="628561"/>
+          </a:xfrm>
+          <a:prstGeom prst="ellipse">
+            <a:avLst/>
+          </a:prstGeom>
+          <a:solidFill>
+            <a:schemeClr val="bg1"/>
+          </a:solidFill>
+          <a:ln>
+            <a:solidFill>
+              <a:schemeClr val="tx1"/>
+            </a:solidFill>
+          </a:ln>
+        </p:spPr>
+        <p:style>
+          <a:lnRef idx="2">
+            <a:schemeClr val="accent1">
+              <a:shade val="50000"/>
+            </a:schemeClr>
+          </a:lnRef>
+          <a:fillRef idx="1">
+            <a:schemeClr val="accent1"/>
+          </a:fillRef>
+          <a:effectRef idx="0">
+            <a:schemeClr val="accent1"/>
+          </a:effectRef>
+          <a:fontRef idx="minor">
+            <a:schemeClr val="lt1"/>
+          </a:fontRef>
+        </p:style>
+        <p:txBody>
+          <a:bodyPr rtlCol="0" anchor="ctr"/>
+          <a:lstStyle/>
+          <a:p>
+            <a:pPr algn="ctr"/>
+            <a:r>
+              <a:rPr lang="en-US" altLang="ko-KR" dirty="0" smtClean="0">
+                <a:solidFill>
+                  <a:schemeClr val="tx1"/>
+                </a:solidFill>
+              </a:rPr>
+              <a:t>5</a:t>
+            </a:r>
+            <a:endParaRPr lang="ko-KR" altLang="en-US" dirty="0">
+              <a:solidFill>
+                <a:schemeClr val="tx1"/>
+              </a:solidFill>
+            </a:endParaRPr>
+          </a:p>
+        </p:txBody>
+      </p:sp>
+      <p:cxnSp>
+        <p:nvCxnSpPr>
+          <p:cNvPr id="11" name="직선 연결선 10"/>
+          <p:cNvCxnSpPr>
+            <a:stCxn id="4" idx="3"/>
+            <a:endCxn id="5" idx="7"/>
+          </p:cNvCxnSpPr>
+          <p:nvPr/>
+        </p:nvCxnSpPr>
+        <p:spPr>
+          <a:xfrm flipH="1">
+            <a:off x="4462420" y="-2369823"/>
+            <a:ext cx="835916" cy="828403"/>
+          </a:xfrm>
+          <a:prstGeom prst="line">
+            <a:avLst/>
+          </a:prstGeom>
+          <a:ln>
+            <a:solidFill>
+              <a:schemeClr val="tx1"/>
+            </a:solidFill>
+          </a:ln>
+        </p:spPr>
+        <p:style>
+          <a:lnRef idx="1">
+            <a:schemeClr val="accent1"/>
+          </a:lnRef>
+          <a:fillRef idx="0">
+            <a:schemeClr val="accent1"/>
+          </a:fillRef>
+          <a:effectRef idx="0">
+            <a:schemeClr val="accent1"/>
+          </a:effectRef>
+          <a:fontRef idx="minor">
+            <a:schemeClr val="tx1"/>
+          </a:fontRef>
+        </p:style>
+      </p:cxnSp>
+      <p:cxnSp>
+        <p:nvCxnSpPr>
+          <p:cNvPr id="12" name="직선 연결선 11"/>
+          <p:cNvCxnSpPr>
+            <a:stCxn id="4" idx="5"/>
+            <a:endCxn id="6" idx="1"/>
+          </p:cNvCxnSpPr>
+          <p:nvPr/>
+        </p:nvCxnSpPr>
+        <p:spPr>
+          <a:xfrm>
+            <a:off x="5742795" y="-2369823"/>
+            <a:ext cx="835916" cy="828403"/>
+          </a:xfrm>
+          <a:prstGeom prst="line">
+            <a:avLst/>
+          </a:prstGeom>
+          <a:ln>
+            <a:solidFill>
+              <a:schemeClr val="tx1"/>
+            </a:solidFill>
+          </a:ln>
+        </p:spPr>
+        <p:style>
+          <a:lnRef idx="1">
+            <a:schemeClr val="accent1"/>
+          </a:lnRef>
+          <a:fillRef idx="0">
+            <a:schemeClr val="accent1"/>
+          </a:fillRef>
+          <a:effectRef idx="0">
+            <a:schemeClr val="accent1"/>
+          </a:effectRef>
+          <a:fontRef idx="minor">
+            <a:schemeClr val="tx1"/>
+          </a:fontRef>
+        </p:style>
+      </p:cxnSp>
+      <p:cxnSp>
+        <p:nvCxnSpPr>
+          <p:cNvPr id="15" name="직선 연결선 14"/>
+          <p:cNvCxnSpPr>
+            <a:stCxn id="5" idx="5"/>
+            <a:endCxn id="8" idx="0"/>
+          </p:cNvCxnSpPr>
+          <p:nvPr/>
+        </p:nvCxnSpPr>
+        <p:spPr>
+          <a:xfrm>
+            <a:off x="4462420" y="-1096961"/>
+            <a:ext cx="743865" cy="1096961"/>
+          </a:xfrm>
+          <a:prstGeom prst="line">
+            <a:avLst/>
+          </a:prstGeom>
+          <a:ln>
+            <a:solidFill>
+              <a:schemeClr val="tx1"/>
+            </a:solidFill>
+          </a:ln>
+        </p:spPr>
+        <p:style>
+          <a:lnRef idx="1">
+            <a:schemeClr val="accent1"/>
+          </a:lnRef>
+          <a:fillRef idx="0">
+            <a:schemeClr val="accent1"/>
+          </a:fillRef>
+          <a:effectRef idx="0">
+            <a:schemeClr val="accent1"/>
+          </a:effectRef>
+          <a:fontRef idx="minor">
+            <a:schemeClr val="tx1"/>
+          </a:fontRef>
+        </p:style>
+      </p:cxnSp>
+      <p:cxnSp>
+        <p:nvCxnSpPr>
+          <p:cNvPr id="16" name="직선 연결선 15"/>
+          <p:cNvCxnSpPr>
+            <a:stCxn id="5" idx="3"/>
+            <a:endCxn id="7" idx="7"/>
+          </p:cNvCxnSpPr>
+          <p:nvPr/>
+        </p:nvCxnSpPr>
+        <p:spPr>
+          <a:xfrm flipH="1">
+            <a:off x="2867764" y="-1096961"/>
+            <a:ext cx="1150197" cy="1189012"/>
+          </a:xfrm>
+          <a:prstGeom prst="line">
+            <a:avLst/>
+          </a:prstGeom>
+          <a:ln>
+            <a:solidFill>
+              <a:schemeClr val="tx1"/>
+            </a:solidFill>
+          </a:ln>
+        </p:spPr>
+        <p:style>
+          <a:lnRef idx="1">
+            <a:schemeClr val="accent1"/>
+          </a:lnRef>
+          <a:fillRef idx="0">
+            <a:schemeClr val="accent1"/>
+          </a:fillRef>
+          <a:effectRef idx="0">
+            <a:schemeClr val="accent1"/>
+          </a:effectRef>
+          <a:fontRef idx="minor">
+            <a:schemeClr val="tx1"/>
+          </a:fontRef>
+        </p:style>
+      </p:cxnSp>
+      <p:cxnSp>
+        <p:nvCxnSpPr>
+          <p:cNvPr id="3" name="꺾인 연결선 2"/>
+          <p:cNvCxnSpPr>
+            <a:stCxn id="19" idx="1"/>
+            <a:endCxn id="18" idx="1"/>
+          </p:cNvCxnSpPr>
+          <p:nvPr/>
+        </p:nvCxnSpPr>
+        <p:spPr>
+          <a:xfrm rot="10800000" flipH="1">
+            <a:off x="8459991" y="2947061"/>
+            <a:ext cx="1428" cy="571074"/>
+          </a:xfrm>
+          <a:prstGeom prst="bentConnector3">
+            <a:avLst>
+              <a:gd name="adj1" fmla="val -16008403"/>
+            </a:avLst>
+          </a:prstGeom>
+          <a:ln>
+            <a:solidFill>
+              <a:schemeClr val="tx1"/>
+            </a:solidFill>
+            <a:tailEnd type="triangle"/>
+          </a:ln>
+        </p:spPr>
+        <p:style>
+          <a:lnRef idx="1">
+            <a:schemeClr val="accent1"/>
+          </a:lnRef>
+          <a:fillRef idx="0">
+            <a:schemeClr val="accent1"/>
+          </a:fillRef>
+          <a:effectRef idx="0">
+            <a:schemeClr val="accent1"/>
+          </a:effectRef>
+          <a:fontRef idx="minor">
+            <a:schemeClr val="tx1"/>
+          </a:fontRef>
+        </p:style>
+      </p:cxnSp>
+      <p:sp>
+        <p:nvSpPr>
+          <p:cNvPr id="18" name="직사각형 17"/>
+          <p:cNvSpPr/>
+          <p:nvPr/>
+        </p:nvSpPr>
+        <p:spPr>
+          <a:xfrm>
+            <a:off x="8461419" y="2661524"/>
+            <a:ext cx="715501" cy="571074"/>
+          </a:xfrm>
+          <a:prstGeom prst="rect">
+            <a:avLst/>
+          </a:prstGeom>
+          <a:solidFill>
+            <a:schemeClr val="bg1"/>
+          </a:solidFill>
+          <a:ln>
+            <a:solidFill>
+              <a:schemeClr val="tx1"/>
+            </a:solidFill>
+          </a:ln>
+        </p:spPr>
+        <p:style>
+          <a:lnRef idx="2">
+            <a:schemeClr val="accent1">
+              <a:shade val="50000"/>
+            </a:schemeClr>
+          </a:lnRef>
+          <a:fillRef idx="1">
+            <a:schemeClr val="accent1"/>
+          </a:fillRef>
+          <a:effectRef idx="0">
+            <a:schemeClr val="accent1"/>
+          </a:effectRef>
+          <a:fontRef idx="minor">
+            <a:schemeClr val="lt1"/>
+          </a:fontRef>
+        </p:style>
+        <p:txBody>
+          <a:bodyPr rtlCol="0" anchor="ctr"/>
+          <a:lstStyle/>
+          <a:p>
+            <a:pPr algn="ctr"/>
+            <a:r>
+              <a:rPr lang="en-US" altLang="ko-KR" dirty="0" smtClean="0">
+                <a:solidFill>
+                  <a:schemeClr val="tx1"/>
+                </a:solidFill>
+              </a:rPr>
+              <a:t>8</a:t>
+            </a:r>
+            <a:endParaRPr lang="ko-KR" altLang="en-US" dirty="0">
+              <a:solidFill>
+                <a:schemeClr val="tx1"/>
+              </a:solidFill>
+            </a:endParaRPr>
+          </a:p>
+        </p:txBody>
+      </p:sp>
+      <p:sp>
+        <p:nvSpPr>
+          <p:cNvPr id="19" name="직사각형 18"/>
+          <p:cNvSpPr/>
+          <p:nvPr/>
+        </p:nvSpPr>
+        <p:spPr>
+          <a:xfrm>
+            <a:off x="8459991" y="3232598"/>
+            <a:ext cx="716930" cy="571074"/>
+          </a:xfrm>
+          <a:prstGeom prst="rect">
+            <a:avLst/>
+          </a:prstGeom>
+          <a:solidFill>
+            <a:schemeClr val="bg1"/>
+          </a:solidFill>
+          <a:ln>
+            <a:solidFill>
+              <a:schemeClr val="tx1"/>
+            </a:solidFill>
+          </a:ln>
+        </p:spPr>
+        <p:style>
+          <a:lnRef idx="2">
+            <a:schemeClr val="accent1">
+              <a:shade val="50000"/>
+            </a:schemeClr>
+          </a:lnRef>
+          <a:fillRef idx="1">
+            <a:schemeClr val="accent1"/>
+          </a:fillRef>
+          <a:effectRef idx="0">
+            <a:schemeClr val="accent1"/>
+          </a:effectRef>
+          <a:fontRef idx="minor">
+            <a:schemeClr val="lt1"/>
+          </a:fontRef>
+        </p:style>
+        <p:txBody>
+          <a:bodyPr rtlCol="0" anchor="ctr"/>
+          <a:lstStyle/>
+          <a:p>
+            <a:pPr algn="ctr"/>
+            <a:r>
+              <a:rPr lang="en-US" altLang="ko-KR" dirty="0">
+                <a:solidFill>
+                  <a:schemeClr val="tx1"/>
+                </a:solidFill>
+              </a:rPr>
+              <a:t>3</a:t>
+            </a:r>
+            <a:endParaRPr lang="ko-KR" altLang="en-US" dirty="0">
+              <a:solidFill>
+                <a:schemeClr val="tx1"/>
+              </a:solidFill>
+            </a:endParaRPr>
+          </a:p>
+        </p:txBody>
+      </p:sp>
+      <p:sp>
+        <p:nvSpPr>
+          <p:cNvPr id="20" name="직사각형 19"/>
+          <p:cNvSpPr/>
+          <p:nvPr/>
+        </p:nvSpPr>
+        <p:spPr>
+          <a:xfrm>
+            <a:off x="8458561" y="3803672"/>
+            <a:ext cx="718359" cy="571074"/>
+          </a:xfrm>
+          <a:prstGeom prst="rect">
+            <a:avLst/>
+          </a:prstGeom>
+          <a:solidFill>
+            <a:schemeClr val="bg1"/>
+          </a:solidFill>
+          <a:ln>
+            <a:solidFill>
+              <a:schemeClr val="tx1"/>
+            </a:solidFill>
+          </a:ln>
+        </p:spPr>
+        <p:style>
+          <a:lnRef idx="2">
+            <a:schemeClr val="accent1">
+              <a:shade val="50000"/>
+            </a:schemeClr>
+          </a:lnRef>
+          <a:fillRef idx="1">
+            <a:schemeClr val="accent1"/>
+          </a:fillRef>
+          <a:effectRef idx="0">
+            <a:schemeClr val="accent1"/>
+          </a:effectRef>
+          <a:fontRef idx="minor">
+            <a:schemeClr val="lt1"/>
+          </a:fontRef>
+        </p:style>
+        <p:txBody>
+          <a:bodyPr rtlCol="0" anchor="ctr"/>
+          <a:lstStyle/>
+          <a:p>
+            <a:pPr algn="ctr"/>
+            <a:r>
+              <a:rPr lang="en-US" altLang="ko-KR" dirty="0" smtClean="0">
+                <a:solidFill>
+                  <a:schemeClr val="tx1"/>
+                </a:solidFill>
+              </a:rPr>
+              <a:t>9</a:t>
+            </a:r>
+            <a:endParaRPr lang="ko-KR" altLang="en-US" dirty="0">
+              <a:solidFill>
+                <a:schemeClr val="tx1"/>
+              </a:solidFill>
+            </a:endParaRPr>
+          </a:p>
+        </p:txBody>
+      </p:sp>
+      <p:sp>
+        <p:nvSpPr>
+          <p:cNvPr id="21" name="직사각형 20"/>
+          <p:cNvSpPr/>
+          <p:nvPr/>
+        </p:nvSpPr>
+        <p:spPr>
+          <a:xfrm>
+            <a:off x="8457132" y="4374746"/>
+            <a:ext cx="721217" cy="571074"/>
+          </a:xfrm>
+          <a:prstGeom prst="rect">
+            <a:avLst/>
+          </a:prstGeom>
+          <a:solidFill>
+            <a:schemeClr val="bg1"/>
+          </a:solidFill>
+          <a:ln>
+            <a:solidFill>
+              <a:schemeClr val="tx1"/>
+            </a:solidFill>
+          </a:ln>
+        </p:spPr>
+        <p:style>
+          <a:lnRef idx="2">
+            <a:schemeClr val="accent1">
+              <a:shade val="50000"/>
+            </a:schemeClr>
+          </a:lnRef>
+          <a:fillRef idx="1">
+            <a:schemeClr val="accent1"/>
+          </a:fillRef>
+          <a:effectRef idx="0">
+            <a:schemeClr val="accent1"/>
+          </a:effectRef>
+          <a:fontRef idx="minor">
+            <a:schemeClr val="lt1"/>
+          </a:fontRef>
+        </p:style>
+        <p:txBody>
+          <a:bodyPr rtlCol="0" anchor="ctr"/>
+          <a:lstStyle/>
+          <a:p>
+            <a:pPr algn="ctr"/>
+            <a:r>
+              <a:rPr lang="en-US" altLang="ko-KR" dirty="0" smtClean="0">
+                <a:solidFill>
+                  <a:schemeClr val="tx1"/>
+                </a:solidFill>
+              </a:rPr>
+              <a:t>2</a:t>
+            </a:r>
+            <a:endParaRPr lang="ko-KR" altLang="en-US" dirty="0">
+              <a:solidFill>
+                <a:schemeClr val="tx1"/>
+              </a:solidFill>
+            </a:endParaRPr>
+          </a:p>
+        </p:txBody>
+      </p:sp>
+      <p:sp>
+        <p:nvSpPr>
+          <p:cNvPr id="22" name="직사각형 21"/>
+          <p:cNvSpPr/>
+          <p:nvPr/>
+        </p:nvSpPr>
+        <p:spPr>
+          <a:xfrm>
+            <a:off x="8455703" y="4945820"/>
+            <a:ext cx="721217" cy="571074"/>
+          </a:xfrm>
+          <a:prstGeom prst="rect">
+            <a:avLst/>
+          </a:prstGeom>
+          <a:solidFill>
+            <a:schemeClr val="bg1"/>
+          </a:solidFill>
+          <a:ln>
+            <a:solidFill>
+              <a:schemeClr val="tx1"/>
+            </a:solidFill>
+          </a:ln>
+        </p:spPr>
+        <p:style>
+          <a:lnRef idx="2">
+            <a:schemeClr val="accent1">
+              <a:shade val="50000"/>
+            </a:schemeClr>
+          </a:lnRef>
+          <a:fillRef idx="1">
+            <a:schemeClr val="accent1"/>
+          </a:fillRef>
+          <a:effectRef idx="0">
+            <a:schemeClr val="accent1"/>
+          </a:effectRef>
+          <a:fontRef idx="minor">
+            <a:schemeClr val="lt1"/>
+          </a:fontRef>
+        </p:style>
+        <p:txBody>
+          <a:bodyPr rtlCol="0" anchor="ctr"/>
+          <a:lstStyle/>
+          <a:p>
+            <a:pPr algn="ctr"/>
+            <a:r>
+              <a:rPr lang="en-US" altLang="ko-KR" dirty="0" smtClean="0">
+                <a:solidFill>
+                  <a:schemeClr val="tx1"/>
+                </a:solidFill>
+              </a:rPr>
+              <a:t>5</a:t>
+            </a:r>
+            <a:endParaRPr lang="ko-KR" altLang="en-US" dirty="0">
+              <a:solidFill>
+                <a:schemeClr val="tx1"/>
+              </a:solidFill>
+            </a:endParaRPr>
+          </a:p>
+        </p:txBody>
+      </p:sp>
+      <p:sp>
+        <p:nvSpPr>
+          <p:cNvPr id="23" name="직사각형 22"/>
+          <p:cNvSpPr/>
+          <p:nvPr/>
+        </p:nvSpPr>
+        <p:spPr>
+          <a:xfrm>
+            <a:off x="8460703" y="5516894"/>
+            <a:ext cx="716217" cy="571074"/>
+          </a:xfrm>
+          <a:prstGeom prst="rect">
+            <a:avLst/>
+          </a:prstGeom>
+          <a:solidFill>
+            <a:schemeClr val="bg1"/>
+          </a:solidFill>
+          <a:ln>
+            <a:solidFill>
+              <a:schemeClr val="tx1"/>
+            </a:solidFill>
+          </a:ln>
+        </p:spPr>
+        <p:style>
+          <a:lnRef idx="2">
+            <a:schemeClr val="accent1">
+              <a:shade val="50000"/>
+            </a:schemeClr>
+          </a:lnRef>
+          <a:fillRef idx="1">
+            <a:schemeClr val="accent1"/>
+          </a:fillRef>
+          <a:effectRef idx="0">
+            <a:schemeClr val="accent1"/>
+          </a:effectRef>
+          <a:fontRef idx="minor">
+            <a:schemeClr val="lt1"/>
+          </a:fontRef>
+        </p:style>
+        <p:txBody>
+          <a:bodyPr rtlCol="0" anchor="ctr"/>
+          <a:lstStyle/>
+          <a:p>
+            <a:pPr algn="ctr"/>
+            <a:endParaRPr lang="ko-KR" altLang="en-US" dirty="0">
+              <a:solidFill>
+                <a:schemeClr val="tx1"/>
+              </a:solidFill>
+            </a:endParaRPr>
+          </a:p>
+        </p:txBody>
+      </p:sp>
+      <p:cxnSp>
+        <p:nvCxnSpPr>
+          <p:cNvPr id="26" name="꺾인 연결선 25"/>
+          <p:cNvCxnSpPr>
+            <a:stCxn id="19" idx="3"/>
+            <a:endCxn id="21" idx="3"/>
+          </p:cNvCxnSpPr>
+          <p:nvPr/>
+        </p:nvCxnSpPr>
+        <p:spPr>
+          <a:xfrm>
+            <a:off x="9176921" y="3518135"/>
+            <a:ext cx="1428" cy="1142148"/>
+          </a:xfrm>
+          <a:prstGeom prst="bentConnector3">
+            <a:avLst>
+              <a:gd name="adj1" fmla="val 16108403"/>
+            </a:avLst>
+          </a:prstGeom>
+          <a:ln>
+            <a:solidFill>
+              <a:schemeClr val="tx1"/>
+            </a:solidFill>
+            <a:tailEnd type="triangle"/>
+          </a:ln>
+        </p:spPr>
+        <p:style>
+          <a:lnRef idx="1">
+            <a:schemeClr val="accent1"/>
+          </a:lnRef>
+          <a:fillRef idx="0">
+            <a:schemeClr val="accent1"/>
+          </a:fillRef>
+          <a:effectRef idx="0">
+            <a:schemeClr val="accent1"/>
+          </a:effectRef>
+          <a:fontRef idx="minor">
+            <a:schemeClr val="tx1"/>
+          </a:fontRef>
+        </p:style>
+      </p:cxnSp>
+      <p:cxnSp>
+        <p:nvCxnSpPr>
+          <p:cNvPr id="32" name="꺾인 연결선 31"/>
+          <p:cNvCxnSpPr>
+            <a:stCxn id="19" idx="3"/>
+            <a:endCxn id="22" idx="3"/>
+          </p:cNvCxnSpPr>
+          <p:nvPr/>
+        </p:nvCxnSpPr>
+        <p:spPr>
+          <a:xfrm flipH="1">
+            <a:off x="9176920" y="3518135"/>
+            <a:ext cx="1" cy="1713222"/>
+          </a:xfrm>
+          <a:prstGeom prst="bentConnector3">
+            <a:avLst>
+              <a:gd name="adj1" fmla="val -22860000000"/>
+            </a:avLst>
+          </a:prstGeom>
+          <a:ln>
+            <a:solidFill>
+              <a:schemeClr val="tx1"/>
+            </a:solidFill>
+            <a:tailEnd type="triangle"/>
+          </a:ln>
+        </p:spPr>
+        <p:style>
+          <a:lnRef idx="1">
+            <a:schemeClr val="accent1"/>
+          </a:lnRef>
+          <a:fillRef idx="0">
+            <a:schemeClr val="accent1"/>
+          </a:fillRef>
+          <a:effectRef idx="0">
+            <a:schemeClr val="accent1"/>
+          </a:effectRef>
+          <a:fontRef idx="minor">
+            <a:schemeClr val="tx1"/>
+          </a:fontRef>
+        </p:style>
+      </p:cxnSp>
+      <p:sp>
+        <p:nvSpPr>
+          <p:cNvPr id="35" name="TextBox 34"/>
+          <p:cNvSpPr txBox="1"/>
+          <p:nvPr/>
+        </p:nvSpPr>
+        <p:spPr>
+          <a:xfrm>
+            <a:off x="7806747" y="2661524"/>
+            <a:ext cx="461665" cy="1155124"/>
+          </a:xfrm>
+          <a:prstGeom prst="rect">
+            <a:avLst/>
+          </a:prstGeom>
+          <a:noFill/>
+        </p:spPr>
+        <p:txBody>
+          <a:bodyPr vert="eaVert" wrap="none" rtlCol="0">
+            <a:spAutoFit/>
+          </a:bodyPr>
+          <a:lstStyle/>
+          <a:p>
+            <a:r>
+              <a:rPr lang="ko-KR" altLang="en-US" smtClean="0"/>
+              <a:t>부모 노드</a:t>
+            </a:r>
+            <a:endParaRPr lang="ko-KR" altLang="en-US"/>
+          </a:p>
+        </p:txBody>
+      </p:sp>
+      <p:sp>
+        <p:nvSpPr>
+          <p:cNvPr id="36" name="TextBox 35"/>
+          <p:cNvSpPr txBox="1"/>
+          <p:nvPr/>
+        </p:nvSpPr>
+        <p:spPr>
+          <a:xfrm>
+            <a:off x="9437901" y="3905305"/>
+            <a:ext cx="461665" cy="1155124"/>
+          </a:xfrm>
+          <a:prstGeom prst="rect">
+            <a:avLst/>
+          </a:prstGeom>
+          <a:noFill/>
+        </p:spPr>
+        <p:txBody>
+          <a:bodyPr vert="eaVert" wrap="none" rtlCol="0">
+            <a:spAutoFit/>
+          </a:bodyPr>
+          <a:lstStyle/>
+          <a:p>
+            <a:r>
+              <a:rPr lang="ko-KR" altLang="en-US" dirty="0" smtClean="0"/>
+              <a:t>자식 노드</a:t>
+            </a:r>
+            <a:endParaRPr lang="ko-KR" altLang="en-US" dirty="0"/>
+          </a:p>
+        </p:txBody>
+      </p:sp>
+      <p:grpSp>
+        <p:nvGrpSpPr>
+          <p:cNvPr id="39" name="그룹 38"/>
+          <p:cNvGrpSpPr/>
+          <p:nvPr/>
+        </p:nvGrpSpPr>
+        <p:grpSpPr>
+          <a:xfrm>
+            <a:off x="4861333" y="3147585"/>
+            <a:ext cx="1077712" cy="424105"/>
+            <a:chOff x="2386705" y="1249251"/>
+            <a:chExt cx="1734534" cy="682580"/>
+          </a:xfrm>
+        </p:grpSpPr>
+        <p:sp>
+          <p:nvSpPr>
+            <p:cNvPr id="38" name="직사각형 37"/>
+            <p:cNvSpPr/>
+            <p:nvPr/>
+          </p:nvSpPr>
+          <p:spPr>
+            <a:xfrm>
+              <a:off x="2386705" y="1249251"/>
+              <a:ext cx="1734534" cy="682580"/>
+            </a:xfrm>
+            <a:prstGeom prst="rect">
+              <a:avLst/>
+            </a:prstGeom>
+            <a:solidFill>
+              <a:schemeClr val="bg1"/>
+            </a:solidFill>
+            <a:ln>
+              <a:solidFill>
+                <a:schemeClr val="tx1"/>
+              </a:solidFill>
+            </a:ln>
+          </p:spPr>
+          <p:style>
+            <a:lnRef idx="2">
+              <a:schemeClr val="accent1">
+                <a:shade val="50000"/>
+              </a:schemeClr>
+            </a:lnRef>
+            <a:fillRef idx="1">
+              <a:schemeClr val="accent1"/>
+            </a:fillRef>
+            <a:effectRef idx="0">
+              <a:schemeClr val="accent1"/>
+            </a:effectRef>
+            <a:fontRef idx="minor">
+              <a:schemeClr val="lt1"/>
+            </a:fontRef>
+          </p:style>
+          <p:txBody>
+            <a:bodyPr rtlCol="0" anchor="ctr"/>
+            <a:lstStyle/>
+            <a:p>
+              <a:pPr algn="ctr"/>
+              <a:endParaRPr lang="ko-KR" altLang="en-US"/>
+            </a:p>
+          </p:txBody>
+        </p:sp>
+        <p:sp>
+          <p:nvSpPr>
+            <p:cNvPr id="37" name="직사각형 36"/>
+            <p:cNvSpPr/>
+            <p:nvPr/>
+          </p:nvSpPr>
+          <p:spPr>
+            <a:xfrm>
+              <a:off x="2680863" y="1249251"/>
+              <a:ext cx="1146219" cy="682580"/>
+            </a:xfrm>
+            <a:prstGeom prst="rect">
+              <a:avLst/>
+            </a:prstGeom>
+            <a:solidFill>
+              <a:schemeClr val="bg1"/>
+            </a:solidFill>
+            <a:ln>
+              <a:solidFill>
+                <a:schemeClr val="tx1"/>
+              </a:solidFill>
+            </a:ln>
+          </p:spPr>
+          <p:style>
+            <a:lnRef idx="2">
+              <a:schemeClr val="accent1">
+                <a:shade val="50000"/>
+              </a:schemeClr>
+            </a:lnRef>
+            <a:fillRef idx="1">
+              <a:schemeClr val="accent1"/>
+            </a:fillRef>
+            <a:effectRef idx="0">
+              <a:schemeClr val="accent1"/>
+            </a:effectRef>
+            <a:fontRef idx="minor">
+              <a:schemeClr val="lt1"/>
+            </a:fontRef>
+          </p:style>
+          <p:txBody>
+            <a:bodyPr rtlCol="0" anchor="ctr"/>
+            <a:lstStyle/>
+            <a:p>
+              <a:pPr algn="ctr"/>
+              <a:r>
+                <a:rPr lang="en-US" altLang="ko-KR" dirty="0" smtClean="0">
+                  <a:solidFill>
+                    <a:schemeClr val="tx1"/>
+                  </a:solidFill>
+                </a:rPr>
+                <a:t>8</a:t>
+              </a:r>
+              <a:endParaRPr lang="ko-KR" altLang="en-US" dirty="0">
+                <a:solidFill>
+                  <a:schemeClr val="tx1"/>
+                </a:solidFill>
+              </a:endParaRPr>
+            </a:p>
+          </p:txBody>
+        </p:sp>
+      </p:grpSp>
+      <p:grpSp>
+        <p:nvGrpSpPr>
+          <p:cNvPr id="40" name="그룹 39"/>
+          <p:cNvGrpSpPr/>
+          <p:nvPr/>
+        </p:nvGrpSpPr>
+        <p:grpSpPr>
+          <a:xfrm>
+            <a:off x="3783621" y="4189471"/>
+            <a:ext cx="1077712" cy="424105"/>
+            <a:chOff x="2386705" y="1249251"/>
+            <a:chExt cx="1734534" cy="682580"/>
+          </a:xfrm>
+        </p:grpSpPr>
+        <p:sp>
+          <p:nvSpPr>
+            <p:cNvPr id="41" name="직사각형 40"/>
+            <p:cNvSpPr/>
+            <p:nvPr/>
+          </p:nvSpPr>
+          <p:spPr>
+            <a:xfrm>
+              <a:off x="2386705" y="1249251"/>
+              <a:ext cx="1734534" cy="682580"/>
+            </a:xfrm>
+            <a:prstGeom prst="rect">
+              <a:avLst/>
+            </a:prstGeom>
+            <a:solidFill>
+              <a:schemeClr val="bg1"/>
+            </a:solidFill>
+            <a:ln>
+              <a:solidFill>
+                <a:schemeClr val="tx1"/>
+              </a:solidFill>
+            </a:ln>
+          </p:spPr>
+          <p:style>
+            <a:lnRef idx="2">
+              <a:schemeClr val="accent1">
+                <a:shade val="50000"/>
+              </a:schemeClr>
+            </a:lnRef>
+            <a:fillRef idx="1">
+              <a:schemeClr val="accent1"/>
+            </a:fillRef>
+            <a:effectRef idx="0">
+              <a:schemeClr val="accent1"/>
+            </a:effectRef>
+            <a:fontRef idx="minor">
+              <a:schemeClr val="lt1"/>
+            </a:fontRef>
+          </p:style>
+          <p:txBody>
+            <a:bodyPr rtlCol="0" anchor="ctr"/>
+            <a:lstStyle/>
+            <a:p>
+              <a:pPr algn="ctr"/>
+              <a:endParaRPr lang="ko-KR" altLang="en-US"/>
+            </a:p>
+          </p:txBody>
+        </p:sp>
+        <p:sp>
+          <p:nvSpPr>
+            <p:cNvPr id="42" name="직사각형 41"/>
+            <p:cNvSpPr/>
+            <p:nvPr/>
+          </p:nvSpPr>
+          <p:spPr>
+            <a:xfrm>
+              <a:off x="2680863" y="1249251"/>
+              <a:ext cx="1146219" cy="682580"/>
+            </a:xfrm>
+            <a:prstGeom prst="rect">
+              <a:avLst/>
+            </a:prstGeom>
+            <a:solidFill>
+              <a:schemeClr val="bg1"/>
+            </a:solidFill>
+            <a:ln>
+              <a:solidFill>
+                <a:schemeClr val="tx1"/>
+              </a:solidFill>
+            </a:ln>
+          </p:spPr>
+          <p:style>
+            <a:lnRef idx="2">
+              <a:schemeClr val="accent1">
+                <a:shade val="50000"/>
+              </a:schemeClr>
+            </a:lnRef>
+            <a:fillRef idx="1">
+              <a:schemeClr val="accent1"/>
+            </a:fillRef>
+            <a:effectRef idx="0">
+              <a:schemeClr val="accent1"/>
+            </a:effectRef>
+            <a:fontRef idx="minor">
+              <a:schemeClr val="lt1"/>
+            </a:fontRef>
+          </p:style>
+          <p:txBody>
+            <a:bodyPr rtlCol="0" anchor="ctr"/>
+            <a:lstStyle/>
+            <a:p>
+              <a:pPr algn="ctr"/>
+              <a:r>
+                <a:rPr lang="en-US" altLang="ko-KR" dirty="0" smtClean="0">
+                  <a:solidFill>
+                    <a:schemeClr val="tx1"/>
+                  </a:solidFill>
+                </a:rPr>
+                <a:t>3</a:t>
+              </a:r>
+              <a:endParaRPr lang="ko-KR" altLang="en-US" dirty="0">
+                <a:solidFill>
+                  <a:schemeClr val="tx1"/>
+                </a:solidFill>
+              </a:endParaRPr>
+            </a:p>
+          </p:txBody>
+        </p:sp>
+      </p:grpSp>
+      <p:grpSp>
+        <p:nvGrpSpPr>
+          <p:cNvPr id="43" name="그룹 42"/>
+          <p:cNvGrpSpPr/>
+          <p:nvPr/>
+        </p:nvGrpSpPr>
+        <p:grpSpPr>
+          <a:xfrm>
+            <a:off x="2705909" y="5231357"/>
+            <a:ext cx="1077712" cy="424105"/>
+            <a:chOff x="2386705" y="1249251"/>
+            <a:chExt cx="1734534" cy="682580"/>
+          </a:xfrm>
+        </p:grpSpPr>
+        <p:sp>
+          <p:nvSpPr>
+            <p:cNvPr id="44" name="직사각형 43"/>
+            <p:cNvSpPr/>
+            <p:nvPr/>
+          </p:nvSpPr>
+          <p:spPr>
+            <a:xfrm>
+              <a:off x="2386705" y="1249251"/>
+              <a:ext cx="1734534" cy="682580"/>
+            </a:xfrm>
+            <a:prstGeom prst="rect">
+              <a:avLst/>
+            </a:prstGeom>
+            <a:solidFill>
+              <a:schemeClr val="bg1"/>
+            </a:solidFill>
+            <a:ln>
+              <a:solidFill>
+                <a:schemeClr val="tx1"/>
+              </a:solidFill>
+            </a:ln>
+          </p:spPr>
+          <p:style>
+            <a:lnRef idx="2">
+              <a:schemeClr val="accent1">
+                <a:shade val="50000"/>
+              </a:schemeClr>
+            </a:lnRef>
+            <a:fillRef idx="1">
+              <a:schemeClr val="accent1"/>
+            </a:fillRef>
+            <a:effectRef idx="0">
+              <a:schemeClr val="accent1"/>
+            </a:effectRef>
+            <a:fontRef idx="minor">
+              <a:schemeClr val="lt1"/>
+            </a:fontRef>
+          </p:style>
+          <p:txBody>
+            <a:bodyPr rtlCol="0" anchor="ctr"/>
+            <a:lstStyle/>
+            <a:p>
+              <a:pPr algn="ctr"/>
+              <a:endParaRPr lang="ko-KR" altLang="en-US"/>
+            </a:p>
+          </p:txBody>
+        </p:sp>
+        <p:sp>
+          <p:nvSpPr>
+            <p:cNvPr id="45" name="직사각형 44"/>
+            <p:cNvSpPr/>
+            <p:nvPr/>
+          </p:nvSpPr>
+          <p:spPr>
+            <a:xfrm>
+              <a:off x="2680863" y="1249251"/>
+              <a:ext cx="1146219" cy="682580"/>
+            </a:xfrm>
+            <a:prstGeom prst="rect">
+              <a:avLst/>
+            </a:prstGeom>
+            <a:solidFill>
+              <a:schemeClr val="bg1"/>
+            </a:solidFill>
+            <a:ln>
+              <a:solidFill>
+                <a:schemeClr val="tx1"/>
+              </a:solidFill>
+            </a:ln>
+          </p:spPr>
+          <p:style>
+            <a:lnRef idx="2">
+              <a:schemeClr val="accent1">
+                <a:shade val="50000"/>
+              </a:schemeClr>
+            </a:lnRef>
+            <a:fillRef idx="1">
+              <a:schemeClr val="accent1"/>
+            </a:fillRef>
+            <a:effectRef idx="0">
+              <a:schemeClr val="accent1"/>
+            </a:effectRef>
+            <a:fontRef idx="minor">
+              <a:schemeClr val="lt1"/>
+            </a:fontRef>
+          </p:style>
+          <p:txBody>
+            <a:bodyPr rtlCol="0" anchor="ctr"/>
+            <a:lstStyle/>
+            <a:p>
+              <a:pPr algn="ctr"/>
+              <a:r>
+                <a:rPr lang="en-US" altLang="ko-KR" dirty="0" smtClean="0">
+                  <a:solidFill>
+                    <a:schemeClr val="tx1"/>
+                  </a:solidFill>
+                </a:rPr>
+                <a:t>2</a:t>
+              </a:r>
+              <a:endParaRPr lang="ko-KR" altLang="en-US" dirty="0">
+                <a:solidFill>
+                  <a:schemeClr val="tx1"/>
+                </a:solidFill>
+              </a:endParaRPr>
+            </a:p>
+          </p:txBody>
+        </p:sp>
+      </p:grpSp>
+      <p:grpSp>
+        <p:nvGrpSpPr>
+          <p:cNvPr id="46" name="그룹 45"/>
+          <p:cNvGrpSpPr/>
+          <p:nvPr/>
+        </p:nvGrpSpPr>
+        <p:grpSpPr>
+          <a:xfrm>
+            <a:off x="4861333" y="5231357"/>
+            <a:ext cx="1077712" cy="424105"/>
+            <a:chOff x="2386705" y="1249251"/>
+            <a:chExt cx="1734534" cy="682580"/>
+          </a:xfrm>
+        </p:grpSpPr>
+        <p:sp>
+          <p:nvSpPr>
+            <p:cNvPr id="47" name="직사각형 46"/>
+            <p:cNvSpPr/>
+            <p:nvPr/>
+          </p:nvSpPr>
+          <p:spPr>
+            <a:xfrm>
+              <a:off x="2386705" y="1249251"/>
+              <a:ext cx="1734534" cy="682580"/>
+            </a:xfrm>
+            <a:prstGeom prst="rect">
+              <a:avLst/>
+            </a:prstGeom>
+            <a:solidFill>
+              <a:schemeClr val="bg1"/>
+            </a:solidFill>
+            <a:ln>
+              <a:solidFill>
+                <a:schemeClr val="tx1"/>
+              </a:solidFill>
+            </a:ln>
+          </p:spPr>
+          <p:style>
+            <a:lnRef idx="2">
+              <a:schemeClr val="accent1">
+                <a:shade val="50000"/>
+              </a:schemeClr>
+            </a:lnRef>
+            <a:fillRef idx="1">
+              <a:schemeClr val="accent1"/>
+            </a:fillRef>
+            <a:effectRef idx="0">
+              <a:schemeClr val="accent1"/>
+            </a:effectRef>
+            <a:fontRef idx="minor">
+              <a:schemeClr val="lt1"/>
+            </a:fontRef>
+          </p:style>
+          <p:txBody>
+            <a:bodyPr rtlCol="0" anchor="ctr"/>
+            <a:lstStyle/>
+            <a:p>
+              <a:pPr algn="ctr"/>
+              <a:endParaRPr lang="ko-KR" altLang="en-US"/>
+            </a:p>
+          </p:txBody>
+        </p:sp>
+        <p:sp>
+          <p:nvSpPr>
+            <p:cNvPr id="48" name="직사각형 47"/>
+            <p:cNvSpPr/>
+            <p:nvPr/>
+          </p:nvSpPr>
+          <p:spPr>
+            <a:xfrm>
+              <a:off x="2680863" y="1249251"/>
+              <a:ext cx="1146219" cy="682580"/>
+            </a:xfrm>
+            <a:prstGeom prst="rect">
+              <a:avLst/>
+            </a:prstGeom>
+            <a:solidFill>
+              <a:schemeClr val="bg1"/>
+            </a:solidFill>
+            <a:ln>
+              <a:solidFill>
+                <a:schemeClr val="tx1"/>
+              </a:solidFill>
+            </a:ln>
+          </p:spPr>
+          <p:style>
+            <a:lnRef idx="2">
+              <a:schemeClr val="accent1">
+                <a:shade val="50000"/>
+              </a:schemeClr>
+            </a:lnRef>
+            <a:fillRef idx="1">
+              <a:schemeClr val="accent1"/>
+            </a:fillRef>
+            <a:effectRef idx="0">
+              <a:schemeClr val="accent1"/>
+            </a:effectRef>
+            <a:fontRef idx="minor">
+              <a:schemeClr val="lt1"/>
+            </a:fontRef>
+          </p:style>
+          <p:txBody>
+            <a:bodyPr rtlCol="0" anchor="ctr"/>
+            <a:lstStyle/>
+            <a:p>
+              <a:pPr algn="ctr"/>
+              <a:r>
+                <a:rPr lang="en-US" altLang="ko-KR" dirty="0" smtClean="0">
+                  <a:solidFill>
+                    <a:schemeClr val="tx1"/>
+                  </a:solidFill>
+                </a:rPr>
+                <a:t>5</a:t>
+              </a:r>
+              <a:endParaRPr lang="ko-KR" altLang="en-US" dirty="0">
+                <a:solidFill>
+                  <a:schemeClr val="tx1"/>
+                </a:solidFill>
+              </a:endParaRPr>
+            </a:p>
+          </p:txBody>
+        </p:sp>
+      </p:grpSp>
+      <p:grpSp>
+        <p:nvGrpSpPr>
+          <p:cNvPr id="49" name="그룹 48"/>
+          <p:cNvGrpSpPr/>
+          <p:nvPr/>
+        </p:nvGrpSpPr>
+        <p:grpSpPr>
+          <a:xfrm>
+            <a:off x="5940297" y="4189470"/>
+            <a:ext cx="1077712" cy="424105"/>
+            <a:chOff x="2386705" y="1249251"/>
+            <a:chExt cx="1734534" cy="682580"/>
+          </a:xfrm>
+        </p:grpSpPr>
+        <p:sp>
+          <p:nvSpPr>
+            <p:cNvPr id="50" name="직사각형 49"/>
+            <p:cNvSpPr/>
+            <p:nvPr/>
+          </p:nvSpPr>
+          <p:spPr>
+            <a:xfrm>
+              <a:off x="2386705" y="1249251"/>
+              <a:ext cx="1734534" cy="682580"/>
+            </a:xfrm>
+            <a:prstGeom prst="rect">
+              <a:avLst/>
+            </a:prstGeom>
+            <a:solidFill>
+              <a:schemeClr val="bg1"/>
+            </a:solidFill>
+            <a:ln>
+              <a:solidFill>
+                <a:schemeClr val="tx1"/>
+              </a:solidFill>
+            </a:ln>
+          </p:spPr>
+          <p:style>
+            <a:lnRef idx="2">
+              <a:schemeClr val="accent1">
+                <a:shade val="50000"/>
+              </a:schemeClr>
+            </a:lnRef>
+            <a:fillRef idx="1">
+              <a:schemeClr val="accent1"/>
+            </a:fillRef>
+            <a:effectRef idx="0">
+              <a:schemeClr val="accent1"/>
+            </a:effectRef>
+            <a:fontRef idx="minor">
+              <a:schemeClr val="lt1"/>
+            </a:fontRef>
+          </p:style>
+          <p:txBody>
+            <a:bodyPr rtlCol="0" anchor="ctr"/>
+            <a:lstStyle/>
+            <a:p>
+              <a:pPr algn="ctr"/>
+              <a:endParaRPr lang="ko-KR" altLang="en-US"/>
+            </a:p>
+          </p:txBody>
+        </p:sp>
+        <p:sp>
+          <p:nvSpPr>
+            <p:cNvPr id="51" name="직사각형 50"/>
+            <p:cNvSpPr/>
+            <p:nvPr/>
+          </p:nvSpPr>
+          <p:spPr>
+            <a:xfrm>
+              <a:off x="2680863" y="1249251"/>
+              <a:ext cx="1146219" cy="682580"/>
+            </a:xfrm>
+            <a:prstGeom prst="rect">
+              <a:avLst/>
+            </a:prstGeom>
+            <a:solidFill>
+              <a:schemeClr val="bg1"/>
+            </a:solidFill>
+            <a:ln>
+              <a:solidFill>
+                <a:schemeClr val="tx1"/>
+              </a:solidFill>
+            </a:ln>
+          </p:spPr>
+          <p:style>
+            <a:lnRef idx="2">
+              <a:schemeClr val="accent1">
+                <a:shade val="50000"/>
+              </a:schemeClr>
+            </a:lnRef>
+            <a:fillRef idx="1">
+              <a:schemeClr val="accent1"/>
+            </a:fillRef>
+            <a:effectRef idx="0">
+              <a:schemeClr val="accent1"/>
+            </a:effectRef>
+            <a:fontRef idx="minor">
+              <a:schemeClr val="lt1"/>
+            </a:fontRef>
+          </p:style>
+          <p:txBody>
+            <a:bodyPr rtlCol="0" anchor="ctr"/>
+            <a:lstStyle/>
+            <a:p>
+              <a:pPr algn="ctr"/>
+              <a:r>
+                <a:rPr lang="en-US" altLang="ko-KR" dirty="0" smtClean="0">
+                  <a:solidFill>
+                    <a:schemeClr val="tx1"/>
+                  </a:solidFill>
+                </a:rPr>
+                <a:t>9</a:t>
+              </a:r>
+              <a:endParaRPr lang="ko-KR" altLang="en-US" dirty="0">
+                <a:solidFill>
+                  <a:schemeClr val="tx1"/>
+                </a:solidFill>
+              </a:endParaRPr>
+            </a:p>
+          </p:txBody>
+        </p:sp>
+      </p:grpSp>
+      <p:cxnSp>
+        <p:nvCxnSpPr>
+          <p:cNvPr id="53" name="직선 화살표 연결선 52"/>
+          <p:cNvCxnSpPr>
+            <a:stCxn id="38" idx="1"/>
+            <a:endCxn id="42" idx="0"/>
+          </p:cNvCxnSpPr>
+          <p:nvPr/>
+        </p:nvCxnSpPr>
+        <p:spPr>
+          <a:xfrm flipH="1">
+            <a:off x="4322477" y="3359638"/>
+            <a:ext cx="538856" cy="829833"/>
+          </a:xfrm>
+          <a:prstGeom prst="straightConnector1">
+            <a:avLst/>
+          </a:prstGeom>
+          <a:ln>
+            <a:solidFill>
+              <a:schemeClr val="tx1"/>
+            </a:solidFill>
+            <a:headEnd type="oval"/>
+            <a:tailEnd type="triangle"/>
+          </a:ln>
+        </p:spPr>
+        <p:style>
+          <a:lnRef idx="1">
+            <a:schemeClr val="accent1"/>
+          </a:lnRef>
+          <a:fillRef idx="0">
+            <a:schemeClr val="accent1"/>
+          </a:fillRef>
+          <a:effectRef idx="0">
+            <a:schemeClr val="accent1"/>
+          </a:effectRef>
+          <a:fontRef idx="minor">
+            <a:schemeClr val="tx1"/>
+          </a:fontRef>
+        </p:style>
+      </p:cxnSp>
+      <p:cxnSp>
+        <p:nvCxnSpPr>
+          <p:cNvPr id="55" name="직선 화살표 연결선 54"/>
+          <p:cNvCxnSpPr>
+            <a:stCxn id="38" idx="3"/>
+            <a:endCxn id="51" idx="0"/>
+          </p:cNvCxnSpPr>
+          <p:nvPr/>
+        </p:nvCxnSpPr>
+        <p:spPr>
+          <a:xfrm>
+            <a:off x="5939045" y="3359638"/>
+            <a:ext cx="540108" cy="829832"/>
+          </a:xfrm>
+          <a:prstGeom prst="straightConnector1">
+            <a:avLst/>
+          </a:prstGeom>
+          <a:ln>
+            <a:solidFill>
+              <a:schemeClr val="tx1"/>
+            </a:solidFill>
+            <a:headEnd type="oval"/>
+            <a:tailEnd type="triangle"/>
+          </a:ln>
+        </p:spPr>
+        <p:style>
+          <a:lnRef idx="1">
+            <a:schemeClr val="accent1"/>
+          </a:lnRef>
+          <a:fillRef idx="0">
+            <a:schemeClr val="accent1"/>
+          </a:fillRef>
+          <a:effectRef idx="0">
+            <a:schemeClr val="accent1"/>
+          </a:effectRef>
+          <a:fontRef idx="minor">
+            <a:schemeClr val="tx1"/>
+          </a:fontRef>
+        </p:style>
+      </p:cxnSp>
+      <p:cxnSp>
+        <p:nvCxnSpPr>
+          <p:cNvPr id="58" name="직선 화살표 연결선 57"/>
+          <p:cNvCxnSpPr>
+            <a:stCxn id="41" idx="3"/>
+            <a:endCxn id="48" idx="0"/>
+          </p:cNvCxnSpPr>
+          <p:nvPr/>
+        </p:nvCxnSpPr>
+        <p:spPr>
+          <a:xfrm>
+            <a:off x="4861333" y="4401524"/>
+            <a:ext cx="538856" cy="829833"/>
+          </a:xfrm>
+          <a:prstGeom prst="straightConnector1">
+            <a:avLst/>
+          </a:prstGeom>
+          <a:ln>
+            <a:solidFill>
+              <a:schemeClr val="tx1"/>
+            </a:solidFill>
+            <a:headEnd type="oval"/>
+            <a:tailEnd type="triangle"/>
+          </a:ln>
+        </p:spPr>
+        <p:style>
+          <a:lnRef idx="1">
+            <a:schemeClr val="accent1"/>
+          </a:lnRef>
+          <a:fillRef idx="0">
+            <a:schemeClr val="accent1"/>
+          </a:fillRef>
+          <a:effectRef idx="0">
+            <a:schemeClr val="accent1"/>
+          </a:effectRef>
+          <a:fontRef idx="minor">
+            <a:schemeClr val="tx1"/>
+          </a:fontRef>
+        </p:style>
+      </p:cxnSp>
+      <p:cxnSp>
+        <p:nvCxnSpPr>
+          <p:cNvPr id="61" name="직선 화살표 연결선 60"/>
+          <p:cNvCxnSpPr>
+            <a:stCxn id="41" idx="1"/>
+            <a:endCxn id="45" idx="0"/>
+          </p:cNvCxnSpPr>
+          <p:nvPr/>
+        </p:nvCxnSpPr>
+        <p:spPr>
+          <a:xfrm flipH="1">
+            <a:off x="3244765" y="4401524"/>
+            <a:ext cx="538856" cy="829833"/>
+          </a:xfrm>
+          <a:prstGeom prst="straightConnector1">
+            <a:avLst/>
+          </a:prstGeom>
+          <a:ln>
+            <a:solidFill>
+              <a:schemeClr val="tx1"/>
+            </a:solidFill>
+            <a:headEnd type="oval"/>
+            <a:tailEnd type="triangle"/>
+          </a:ln>
+        </p:spPr>
+        <p:style>
+          <a:lnRef idx="1">
+            <a:schemeClr val="accent1"/>
+          </a:lnRef>
+          <a:fillRef idx="0">
+            <a:schemeClr val="accent1"/>
+          </a:fillRef>
+          <a:effectRef idx="0">
+            <a:schemeClr val="accent1"/>
+          </a:effectRef>
+          <a:fontRef idx="minor">
+            <a:schemeClr val="tx1"/>
+          </a:fontRef>
+        </p:style>
+      </p:cxnSp>
+      <p:sp>
+        <p:nvSpPr>
+          <p:cNvPr id="65" name="모서리가 둥근 직사각형 64"/>
+          <p:cNvSpPr/>
+          <p:nvPr/>
+        </p:nvSpPr>
+        <p:spPr>
+          <a:xfrm>
+            <a:off x="3593346" y="1908965"/>
+            <a:ext cx="2893314" cy="491543"/>
+          </a:xfrm>
+          <a:prstGeom prst="roundRect">
+            <a:avLst/>
+          </a:prstGeom>
+          <a:solidFill>
+            <a:schemeClr val="bg1"/>
+          </a:solidFill>
+          <a:ln>
+            <a:solidFill>
+              <a:schemeClr val="tx1"/>
+            </a:solidFill>
+          </a:ln>
+        </p:spPr>
+        <p:style>
+          <a:lnRef idx="2">
+            <a:schemeClr val="accent1">
+              <a:shade val="50000"/>
+            </a:schemeClr>
+          </a:lnRef>
+          <a:fillRef idx="1">
+            <a:schemeClr val="accent1"/>
+          </a:fillRef>
+          <a:effectRef idx="0">
+            <a:schemeClr val="accent1"/>
+          </a:effectRef>
+          <a:fontRef idx="minor">
+            <a:schemeClr val="lt1"/>
+          </a:fontRef>
+        </p:style>
+        <p:txBody>
+          <a:bodyPr rtlCol="0" anchor="ctr"/>
+          <a:lstStyle/>
+          <a:p>
+            <a:pPr algn="ctr"/>
+            <a:r>
+              <a:rPr lang="ko-KR" altLang="en-US" dirty="0" smtClean="0">
+                <a:solidFill>
+                  <a:schemeClr val="tx1"/>
+                </a:solidFill>
+              </a:rPr>
+              <a:t>연결 자료구조</a:t>
+            </a:r>
+            <a:endParaRPr lang="ko-KR" altLang="en-US" dirty="0">
+              <a:solidFill>
+                <a:schemeClr val="tx1"/>
+              </a:solidFill>
+            </a:endParaRPr>
+          </a:p>
+        </p:txBody>
+      </p:sp>
+      <p:sp>
+        <p:nvSpPr>
+          <p:cNvPr id="66" name="모서리가 둥근 직사각형 65"/>
+          <p:cNvSpPr/>
+          <p:nvPr/>
+        </p:nvSpPr>
+        <p:spPr>
+          <a:xfrm>
+            <a:off x="7418805" y="1919055"/>
+            <a:ext cx="2885780" cy="491543"/>
+          </a:xfrm>
+          <a:prstGeom prst="roundRect">
+            <a:avLst/>
+          </a:prstGeom>
+          <a:solidFill>
+            <a:schemeClr val="bg1"/>
+          </a:solidFill>
+          <a:ln>
+            <a:solidFill>
+              <a:schemeClr val="tx1"/>
+            </a:solidFill>
+          </a:ln>
+        </p:spPr>
+        <p:style>
+          <a:lnRef idx="2">
+            <a:schemeClr val="accent1">
+              <a:shade val="50000"/>
+            </a:schemeClr>
+          </a:lnRef>
+          <a:fillRef idx="1">
+            <a:schemeClr val="accent1"/>
+          </a:fillRef>
+          <a:effectRef idx="0">
+            <a:schemeClr val="accent1"/>
+          </a:effectRef>
+          <a:fontRef idx="minor">
+            <a:schemeClr val="lt1"/>
+          </a:fontRef>
+        </p:style>
+        <p:txBody>
+          <a:bodyPr rtlCol="0" anchor="ctr"/>
+          <a:lstStyle/>
+          <a:p>
+            <a:pPr algn="ctr"/>
+            <a:r>
+              <a:rPr lang="ko-KR" altLang="en-US" dirty="0" smtClean="0">
+                <a:solidFill>
+                  <a:schemeClr val="tx1"/>
+                </a:solidFill>
+              </a:rPr>
+              <a:t>순차 자료구조</a:t>
+            </a:r>
+            <a:endParaRPr lang="ko-KR" altLang="en-US" dirty="0">
+              <a:solidFill>
+                <a:schemeClr val="tx1"/>
+              </a:solidFill>
+            </a:endParaRPr>
+          </a:p>
+        </p:txBody>
+      </p:sp>
+    </p:spTree>
+    <p:extLst>
+      <p:ext uri="{BB962C8B-B14F-4D97-AF65-F5344CB8AC3E}">
+        <p14:creationId xmlns:p14="http://schemas.microsoft.com/office/powerpoint/2010/main" val="2445193420"/>
+      </p:ext>
+    </p:extLst>
+  </p:cSld>
+  <p:clrMapOvr>
+    <a:masterClrMapping/>
+  </p:clrMapOvr>
+  <p:timing>
+    <p:tnLst>
+      <p:par>
+        <p:cTn id="1" dur="indefinite" restart="never" nodeType="tmRoot"/>
+      </p:par>
+    </p:tnLst>
+  </p:timing>
+</p:sld>
+</file>
+
+<file path=ppt/slides/slide25.xml><?xml version="1.0" encoding="utf-8"?>
+<p:sld xmlns:a="http://schemas.openxmlformats.org/drawingml/2006/main" xmlns:r="http://schemas.openxmlformats.org/officeDocument/2006/relationships" xmlns:p="http://schemas.openxmlformats.org/presentationml/2006/main">
+  <p:cSld>
+    <p:spTree>
+      <p:nvGrpSpPr>
+        <p:cNvPr id="1" name=""/>
+        <p:cNvGrpSpPr/>
+        <p:nvPr/>
+      </p:nvGrpSpPr>
+      <p:grpSpPr>
+        <a:xfrm>
+          <a:off x="0" y="0"/>
+          <a:ext cx="0" cy="0"/>
+          <a:chOff x="0" y="0"/>
+          <a:chExt cx="0" cy="0"/>
+        </a:xfrm>
+      </p:grpSpPr>
+      <p:graphicFrame>
+        <p:nvGraphicFramePr>
+          <p:cNvPr id="33" name="표 32"/>
+          <p:cNvGraphicFramePr>
+            <a:graphicFrameLocks noGrp="1"/>
+          </p:cNvGraphicFramePr>
+          <p:nvPr>
+            <p:extLst>
+              <p:ext uri="{D42A27DB-BD31-4B8C-83A1-F6EECF244321}">
+                <p14:modId xmlns:p14="http://schemas.microsoft.com/office/powerpoint/2010/main" val="1706340251"/>
+              </p:ext>
+            </p:extLst>
+          </p:nvPr>
+        </p:nvGraphicFramePr>
+        <p:xfrm>
+          <a:off x="1234229" y="3707487"/>
+          <a:ext cx="2756892" cy="370840"/>
+        </p:xfrm>
+        <a:graphic>
+          <a:graphicData uri="http://schemas.openxmlformats.org/drawingml/2006/table">
+            <a:tbl>
+              <a:tblPr firstRow="1" bandRow="1">
+                <a:tableStyleId>{5C22544A-7EE6-4342-B048-85BDC9FD1C3A}</a:tableStyleId>
+              </a:tblPr>
+              <a:tblGrid>
+                <a:gridCol w="689223">
+                  <a:extLst>
+                    <a:ext uri="{9D8B030D-6E8A-4147-A177-3AD203B41FA5}">
+                      <a16:colId xmlns:a16="http://schemas.microsoft.com/office/drawing/2014/main" val="1151413589"/>
+                    </a:ext>
+                  </a:extLst>
+                </a:gridCol>
+                <a:gridCol w="689223">
+                  <a:extLst>
+                    <a:ext uri="{9D8B030D-6E8A-4147-A177-3AD203B41FA5}">
+                      <a16:colId xmlns:a16="http://schemas.microsoft.com/office/drawing/2014/main" val="1361081966"/>
+                    </a:ext>
+                  </a:extLst>
+                </a:gridCol>
+                <a:gridCol w="689223">
+                  <a:extLst>
+                    <a:ext uri="{9D8B030D-6E8A-4147-A177-3AD203B41FA5}">
+                      <a16:colId xmlns:a16="http://schemas.microsoft.com/office/drawing/2014/main" val="2051797336"/>
+                    </a:ext>
+                  </a:extLst>
+                </a:gridCol>
+                <a:gridCol w="689223">
+                  <a:extLst>
+                    <a:ext uri="{9D8B030D-6E8A-4147-A177-3AD203B41FA5}">
+                      <a16:colId xmlns:a16="http://schemas.microsoft.com/office/drawing/2014/main" val="1204757378"/>
+                    </a:ext>
+                  </a:extLst>
+                </a:gridCol>
+              </a:tblGrid>
+              <a:tr h="370840">
+                <a:tc>
+                  <a:txBody>
+                    <a:bodyPr/>
+                    <a:lstStyle/>
+                    <a:p>
+                      <a:pPr marL="0" algn="ctr" defTabSz="914400" rtl="0" eaLnBrk="1" latinLnBrk="1" hangingPunct="1"/>
+                      <a:r>
+                        <a:rPr lang="en-US" altLang="ko-KR" sz="1600" b="0" kern="1200" dirty="0" smtClean="0">
+                          <a:solidFill>
+                            <a:schemeClr val="tx1"/>
+                          </a:solidFill>
+                          <a:latin typeface="+mn-lt"/>
+                          <a:ea typeface="+mn-ea"/>
+                          <a:cs typeface="+mn-cs"/>
+                        </a:rPr>
+                        <a:t>A</a:t>
+                      </a:r>
+                      <a:endParaRPr lang="ko-KR" altLang="en-US" sz="1600" b="0" kern="1200" dirty="0">
+                        <a:solidFill>
+                          <a:schemeClr val="tx1"/>
+                        </a:solidFill>
+                        <a:latin typeface="+mn-lt"/>
+                        <a:ea typeface="+mn-ea"/>
+                        <a:cs typeface="+mn-cs"/>
+                      </a:endParaRPr>
+                    </a:p>
+                  </a:txBody>
+                  <a:tcPr>
+                    <a:lnL w="12700" cap="flat" cmpd="sng" algn="ctr">
+                      <a:noFill/>
+                      <a:prstDash val="solid"/>
+                      <a:round/>
+                      <a:headEnd type="none" w="med" len="med"/>
+                      <a:tailEnd type="none" w="med" len="med"/>
+                    </a:lnL>
+                    <a:lnR w="12700" cap="flat" cmpd="sng" algn="ctr">
+                      <a:noFill/>
+                      <a:prstDash val="solid"/>
+                      <a:round/>
+                      <a:headEnd type="none" w="med" len="med"/>
+                      <a:tailEnd type="none" w="med" len="med"/>
+                    </a:lnR>
+                    <a:lnT w="12700" cap="flat" cmpd="sng" algn="ctr">
+                      <a:noFill/>
+                      <a:prstDash val="solid"/>
+                      <a:round/>
+                      <a:headEnd type="none" w="med" len="med"/>
+                      <a:tailEnd type="none" w="med" len="med"/>
+                    </a:lnT>
+                    <a:lnB w="12700" cap="flat" cmpd="sng" algn="ctr">
+                      <a:noFill/>
+                      <a:prstDash val="solid"/>
+                      <a:round/>
+                      <a:headEnd type="none" w="med" len="med"/>
+                      <a:tailEnd type="none" w="med" len="med"/>
+                    </a:lnB>
+                    <a:solidFill>
+                      <a:schemeClr val="bg1"/>
+                    </a:solidFill>
+                  </a:tcPr>
+                </a:tc>
+                <a:tc>
+                  <a:txBody>
+                    <a:bodyPr/>
+                    <a:lstStyle/>
+                    <a:p>
+                      <a:pPr marL="0" algn="ctr" defTabSz="914400" rtl="0" eaLnBrk="1" latinLnBrk="1" hangingPunct="1"/>
+                      <a:r>
+                        <a:rPr lang="en-US" altLang="ko-KR" sz="1600" b="0" kern="1200" dirty="0" smtClean="0">
+                          <a:solidFill>
+                            <a:schemeClr val="tx1"/>
+                          </a:solidFill>
+                          <a:latin typeface="+mn-lt"/>
+                          <a:ea typeface="+mn-ea"/>
+                          <a:cs typeface="+mn-cs"/>
+                        </a:rPr>
+                        <a:t>B</a:t>
+                      </a:r>
+                      <a:endParaRPr lang="ko-KR" altLang="en-US" sz="1600" b="0" kern="1200" dirty="0">
+                        <a:solidFill>
+                          <a:schemeClr val="tx1"/>
+                        </a:solidFill>
+                        <a:latin typeface="+mn-lt"/>
+                        <a:ea typeface="+mn-ea"/>
+                        <a:cs typeface="+mn-cs"/>
+                      </a:endParaRPr>
+                    </a:p>
+                  </a:txBody>
+                  <a:tcPr>
+                    <a:lnL w="12700" cap="flat" cmpd="sng" algn="ctr">
+                      <a:noFill/>
+                      <a:prstDash val="solid"/>
+                      <a:round/>
+                      <a:headEnd type="none" w="med" len="med"/>
+                      <a:tailEnd type="none" w="med" len="med"/>
+                    </a:lnL>
+                    <a:lnR w="12700" cap="flat" cmpd="sng" algn="ctr">
+                      <a:noFill/>
+                      <a:prstDash val="solid"/>
+                      <a:round/>
+                      <a:headEnd type="none" w="med" len="med"/>
+                      <a:tailEnd type="none" w="med" len="med"/>
+                    </a:lnR>
+                    <a:lnT w="12700" cap="flat" cmpd="sng" algn="ctr">
+                      <a:noFill/>
+                      <a:prstDash val="solid"/>
+                      <a:round/>
+                      <a:headEnd type="none" w="med" len="med"/>
+                      <a:tailEnd type="none" w="med" len="med"/>
+                    </a:lnT>
+                    <a:lnB w="12700" cap="flat" cmpd="sng" algn="ctr">
+                      <a:noFill/>
+                      <a:prstDash val="solid"/>
+                      <a:round/>
+                      <a:headEnd type="none" w="med" len="med"/>
+                      <a:tailEnd type="none" w="med" len="med"/>
+                    </a:lnB>
+                    <a:solidFill>
+                      <a:schemeClr val="bg1"/>
+                    </a:solidFill>
+                  </a:tcPr>
+                </a:tc>
+                <a:tc>
+                  <a:txBody>
+                    <a:bodyPr/>
+                    <a:lstStyle/>
+                    <a:p>
+                      <a:pPr marL="0" algn="ctr" defTabSz="914400" rtl="0" eaLnBrk="1" latinLnBrk="1" hangingPunct="1"/>
+                      <a:r>
+                        <a:rPr lang="en-US" altLang="ko-KR" sz="1600" b="0" kern="1200" dirty="0" smtClean="0">
+                          <a:solidFill>
+                            <a:schemeClr val="tx1"/>
+                          </a:solidFill>
+                          <a:latin typeface="+mn-lt"/>
+                          <a:ea typeface="+mn-ea"/>
+                          <a:cs typeface="+mn-cs"/>
+                        </a:rPr>
+                        <a:t>C</a:t>
+                      </a:r>
+                      <a:endParaRPr lang="ko-KR" altLang="en-US" sz="1600" b="0" kern="1200" dirty="0">
+                        <a:solidFill>
+                          <a:schemeClr val="tx1"/>
+                        </a:solidFill>
+                        <a:latin typeface="+mn-lt"/>
+                        <a:ea typeface="+mn-ea"/>
+                        <a:cs typeface="+mn-cs"/>
+                      </a:endParaRPr>
+                    </a:p>
+                  </a:txBody>
+                  <a:tcPr>
+                    <a:lnL w="12700" cap="flat" cmpd="sng" algn="ctr">
+                      <a:noFill/>
+                      <a:prstDash val="solid"/>
+                      <a:round/>
+                      <a:headEnd type="none" w="med" len="med"/>
+                      <a:tailEnd type="none" w="med" len="med"/>
+                    </a:lnL>
+                    <a:lnR w="12700" cap="flat" cmpd="sng" algn="ctr">
+                      <a:noFill/>
+                      <a:prstDash val="solid"/>
+                      <a:round/>
+                      <a:headEnd type="none" w="med" len="med"/>
+                      <a:tailEnd type="none" w="med" len="med"/>
+                    </a:lnR>
+                    <a:lnT w="12700" cap="flat" cmpd="sng" algn="ctr">
+                      <a:noFill/>
+                      <a:prstDash val="solid"/>
+                      <a:round/>
+                      <a:headEnd type="none" w="med" len="med"/>
+                      <a:tailEnd type="none" w="med" len="med"/>
+                    </a:lnT>
+                    <a:lnB w="12700" cap="flat" cmpd="sng" algn="ctr">
+                      <a:noFill/>
+                      <a:prstDash val="solid"/>
+                      <a:round/>
+                      <a:headEnd type="none" w="med" len="med"/>
+                      <a:tailEnd type="none" w="med" len="med"/>
+                    </a:lnB>
+                    <a:solidFill>
+                      <a:schemeClr val="bg1"/>
+                    </a:solidFill>
+                  </a:tcPr>
+                </a:tc>
+                <a:tc>
+                  <a:txBody>
+                    <a:bodyPr/>
+                    <a:lstStyle/>
+                    <a:p>
+                      <a:pPr marL="0" algn="ctr" defTabSz="914400" rtl="0" eaLnBrk="1" latinLnBrk="1" hangingPunct="1"/>
+                      <a:r>
+                        <a:rPr lang="en-US" altLang="ko-KR" sz="1600" b="0" kern="1200" dirty="0" smtClean="0">
+                          <a:solidFill>
+                            <a:schemeClr val="tx1"/>
+                          </a:solidFill>
+                          <a:latin typeface="+mn-lt"/>
+                          <a:ea typeface="+mn-ea"/>
+                          <a:cs typeface="+mn-cs"/>
+                        </a:rPr>
+                        <a:t>D</a:t>
+                      </a:r>
+                      <a:endParaRPr lang="ko-KR" altLang="en-US" sz="1600" b="0" kern="1200" dirty="0">
+                        <a:solidFill>
+                          <a:schemeClr val="tx1"/>
+                        </a:solidFill>
+                        <a:latin typeface="+mn-lt"/>
+                        <a:ea typeface="+mn-ea"/>
+                        <a:cs typeface="+mn-cs"/>
+                      </a:endParaRPr>
+                    </a:p>
+                  </a:txBody>
+                  <a:tcPr>
+                    <a:lnL w="12700" cap="flat" cmpd="sng" algn="ctr">
+                      <a:noFill/>
+                      <a:prstDash val="solid"/>
+                      <a:round/>
+                      <a:headEnd type="none" w="med" len="med"/>
+                      <a:tailEnd type="none" w="med" len="med"/>
+                    </a:lnL>
+                    <a:lnR w="12700" cap="flat" cmpd="sng" algn="ctr">
+                      <a:noFill/>
+                      <a:prstDash val="solid"/>
+                      <a:round/>
+                      <a:headEnd type="none" w="med" len="med"/>
+                      <a:tailEnd type="none" w="med" len="med"/>
+                    </a:lnR>
+                    <a:lnT w="12700" cap="flat" cmpd="sng" algn="ctr">
+                      <a:noFill/>
+                      <a:prstDash val="solid"/>
+                      <a:round/>
+                      <a:headEnd type="none" w="med" len="med"/>
+                      <a:tailEnd type="none" w="med" len="med"/>
+                    </a:lnT>
+                    <a:lnB w="12700" cap="flat" cmpd="sng" algn="ctr">
+                      <a:noFill/>
+                      <a:prstDash val="solid"/>
+                      <a:round/>
+                      <a:headEnd type="none" w="med" len="med"/>
+                      <a:tailEnd type="none" w="med" len="med"/>
+                    </a:lnB>
+                    <a:solidFill>
+                      <a:schemeClr val="bg1"/>
+                    </a:solidFill>
+                  </a:tcPr>
+                </a:tc>
+                <a:extLst>
+                  <a:ext uri="{0D108BD9-81ED-4DB2-BD59-A6C34878D82A}">
+                    <a16:rowId xmlns:a16="http://schemas.microsoft.com/office/drawing/2014/main" val="1233947439"/>
+                  </a:ext>
+                </a:extLst>
+              </a:tr>
+            </a:tbl>
+          </a:graphicData>
+        </a:graphic>
+      </p:graphicFrame>
+      <p:graphicFrame>
+        <p:nvGraphicFramePr>
+          <p:cNvPr id="34" name="표 33"/>
+          <p:cNvGraphicFramePr>
+            <a:graphicFrameLocks noGrp="1"/>
+          </p:cNvGraphicFramePr>
+          <p:nvPr>
+            <p:extLst>
+              <p:ext uri="{D42A27DB-BD31-4B8C-83A1-F6EECF244321}">
+                <p14:modId xmlns:p14="http://schemas.microsoft.com/office/powerpoint/2010/main" val="642231532"/>
+              </p:ext>
+            </p:extLst>
+          </p:nvPr>
+        </p:nvGraphicFramePr>
+        <p:xfrm>
+          <a:off x="690449" y="4078327"/>
+          <a:ext cx="543779" cy="2269720"/>
+        </p:xfrm>
+        <a:graphic>
+          <a:graphicData uri="http://schemas.openxmlformats.org/drawingml/2006/table">
+            <a:tbl>
+              <a:tblPr firstRow="1" bandRow="1">
+                <a:tableStyleId>{5C22544A-7EE6-4342-B048-85BDC9FD1C3A}</a:tableStyleId>
+              </a:tblPr>
+              <a:tblGrid>
+                <a:gridCol w="543779">
+                  <a:extLst>
+                    <a:ext uri="{9D8B030D-6E8A-4147-A177-3AD203B41FA5}">
+                      <a16:colId xmlns:a16="http://schemas.microsoft.com/office/drawing/2014/main" val="1797740742"/>
+                    </a:ext>
+                  </a:extLst>
+                </a:gridCol>
+              </a:tblGrid>
+              <a:tr h="567430">
+                <a:tc>
+                  <a:txBody>
+                    <a:bodyPr/>
+                    <a:lstStyle/>
+                    <a:p>
+                      <a:pPr algn="ctr" latinLnBrk="1"/>
+                      <a:r>
+                        <a:rPr lang="en-US" altLang="ko-KR" sz="1600" b="0" dirty="0" smtClean="0">
+                          <a:solidFill>
+                            <a:schemeClr val="tx1"/>
+                          </a:solidFill>
+                        </a:rPr>
+                        <a:t>A</a:t>
+                      </a:r>
+                      <a:endParaRPr lang="ko-KR" altLang="en-US" sz="1600" b="0" dirty="0">
+                        <a:solidFill>
+                          <a:schemeClr val="tx1"/>
+                        </a:solidFill>
+                      </a:endParaRPr>
+                    </a:p>
+                  </a:txBody>
+                  <a:tcPr anchor="ctr">
+                    <a:lnL w="12700" cap="flat" cmpd="sng" algn="ctr">
+                      <a:noFill/>
+                      <a:prstDash val="solid"/>
+                      <a:round/>
+                      <a:headEnd type="none" w="med" len="med"/>
+                      <a:tailEnd type="none" w="med" len="med"/>
+                    </a:lnL>
+                    <a:lnR w="12700" cap="flat" cmpd="sng" algn="ctr">
+                      <a:noFill/>
+                      <a:prstDash val="solid"/>
+                      <a:round/>
+                      <a:headEnd type="none" w="med" len="med"/>
+                      <a:tailEnd type="none" w="med" len="med"/>
+                    </a:lnR>
+                    <a:lnT w="12700" cap="flat" cmpd="sng" algn="ctr">
+                      <a:noFill/>
+                      <a:prstDash val="solid"/>
+                      <a:round/>
+                      <a:headEnd type="none" w="med" len="med"/>
+                      <a:tailEnd type="none" w="med" len="med"/>
+                    </a:lnT>
+                    <a:lnB w="12700" cap="flat" cmpd="sng" algn="ctr">
+                      <a:noFill/>
+                      <a:prstDash val="solid"/>
+                      <a:round/>
+                      <a:headEnd type="none" w="med" len="med"/>
+                      <a:tailEnd type="none" w="med" len="med"/>
+                    </a:lnB>
+                    <a:solidFill>
+                      <a:schemeClr val="bg1"/>
+                    </a:solidFill>
+                  </a:tcPr>
+                </a:tc>
+                <a:extLst>
+                  <a:ext uri="{0D108BD9-81ED-4DB2-BD59-A6C34878D82A}">
+                    <a16:rowId xmlns:a16="http://schemas.microsoft.com/office/drawing/2014/main" val="815333542"/>
+                  </a:ext>
+                </a:extLst>
+              </a:tr>
+              <a:tr h="567430">
+                <a:tc>
+                  <a:txBody>
+                    <a:bodyPr/>
+                    <a:lstStyle/>
+                    <a:p>
+                      <a:pPr algn="ctr" latinLnBrk="1"/>
+                      <a:r>
+                        <a:rPr lang="en-US" altLang="ko-KR" sz="1600" b="0" dirty="0" smtClean="0">
+                          <a:solidFill>
+                            <a:schemeClr val="tx1"/>
+                          </a:solidFill>
+                        </a:rPr>
+                        <a:t>B</a:t>
+                      </a:r>
+                      <a:endParaRPr lang="ko-KR" altLang="en-US" sz="1600" b="0" dirty="0">
+                        <a:solidFill>
+                          <a:schemeClr val="tx1"/>
+                        </a:solidFill>
+                      </a:endParaRPr>
+                    </a:p>
+                  </a:txBody>
+                  <a:tcPr anchor="ctr">
+                    <a:lnL w="12700" cap="flat" cmpd="sng" algn="ctr">
+                      <a:noFill/>
+                      <a:prstDash val="solid"/>
+                      <a:round/>
+                      <a:headEnd type="none" w="med" len="med"/>
+                      <a:tailEnd type="none" w="med" len="med"/>
+                    </a:lnL>
+                    <a:lnR w="12700" cap="flat" cmpd="sng" algn="ctr">
+                      <a:noFill/>
+                      <a:prstDash val="solid"/>
+                      <a:round/>
+                      <a:headEnd type="none" w="med" len="med"/>
+                      <a:tailEnd type="none" w="med" len="med"/>
+                    </a:lnR>
+                    <a:lnT w="12700" cap="flat" cmpd="sng" algn="ctr">
+                      <a:noFill/>
+                      <a:prstDash val="solid"/>
+                      <a:round/>
+                      <a:headEnd type="none" w="med" len="med"/>
+                      <a:tailEnd type="none" w="med" len="med"/>
+                    </a:lnT>
+                    <a:lnB w="12700" cap="flat" cmpd="sng" algn="ctr">
+                      <a:noFill/>
+                      <a:prstDash val="solid"/>
+                      <a:round/>
+                      <a:headEnd type="none" w="med" len="med"/>
+                      <a:tailEnd type="none" w="med" len="med"/>
+                    </a:lnB>
+                    <a:solidFill>
+                      <a:schemeClr val="bg1"/>
+                    </a:solidFill>
+                  </a:tcPr>
+                </a:tc>
+                <a:extLst>
+                  <a:ext uri="{0D108BD9-81ED-4DB2-BD59-A6C34878D82A}">
+                    <a16:rowId xmlns:a16="http://schemas.microsoft.com/office/drawing/2014/main" val="2622522162"/>
+                  </a:ext>
+                </a:extLst>
+              </a:tr>
+              <a:tr h="567430">
+                <a:tc>
+                  <a:txBody>
+                    <a:bodyPr/>
+                    <a:lstStyle/>
+                    <a:p>
+                      <a:pPr algn="ctr" latinLnBrk="1"/>
+                      <a:r>
+                        <a:rPr lang="en-US" altLang="ko-KR" sz="1600" b="0" dirty="0" smtClean="0">
+                          <a:solidFill>
+                            <a:schemeClr val="tx1"/>
+                          </a:solidFill>
+                        </a:rPr>
+                        <a:t>C</a:t>
+                      </a:r>
+                      <a:endParaRPr lang="ko-KR" altLang="en-US" sz="1600" b="0" dirty="0">
+                        <a:solidFill>
+                          <a:schemeClr val="tx1"/>
+                        </a:solidFill>
+                      </a:endParaRPr>
+                    </a:p>
+                  </a:txBody>
+                  <a:tcPr anchor="ctr">
+                    <a:lnL w="12700" cap="flat" cmpd="sng" algn="ctr">
+                      <a:noFill/>
+                      <a:prstDash val="solid"/>
+                      <a:round/>
+                      <a:headEnd type="none" w="med" len="med"/>
+                      <a:tailEnd type="none" w="med" len="med"/>
+                    </a:lnL>
+                    <a:lnR w="12700" cap="flat" cmpd="sng" algn="ctr">
+                      <a:noFill/>
+                      <a:prstDash val="solid"/>
+                      <a:round/>
+                      <a:headEnd type="none" w="med" len="med"/>
+                      <a:tailEnd type="none" w="med" len="med"/>
+                    </a:lnR>
+                    <a:lnT w="12700" cap="flat" cmpd="sng" algn="ctr">
+                      <a:noFill/>
+                      <a:prstDash val="solid"/>
+                      <a:round/>
+                      <a:headEnd type="none" w="med" len="med"/>
+                      <a:tailEnd type="none" w="med" len="med"/>
+                    </a:lnT>
+                    <a:lnB w="12700" cap="flat" cmpd="sng" algn="ctr">
+                      <a:noFill/>
+                      <a:prstDash val="solid"/>
+                      <a:round/>
+                      <a:headEnd type="none" w="med" len="med"/>
+                      <a:tailEnd type="none" w="med" len="med"/>
+                    </a:lnB>
+                    <a:solidFill>
+                      <a:schemeClr val="bg1"/>
+                    </a:solidFill>
+                  </a:tcPr>
+                </a:tc>
+                <a:extLst>
+                  <a:ext uri="{0D108BD9-81ED-4DB2-BD59-A6C34878D82A}">
+                    <a16:rowId xmlns:a16="http://schemas.microsoft.com/office/drawing/2014/main" val="3848535946"/>
+                  </a:ext>
+                </a:extLst>
+              </a:tr>
+              <a:tr h="567430">
+                <a:tc>
+                  <a:txBody>
+                    <a:bodyPr/>
+                    <a:lstStyle/>
+                    <a:p>
+                      <a:pPr algn="ctr" latinLnBrk="1"/>
+                      <a:r>
+                        <a:rPr lang="en-US" altLang="ko-KR" sz="1600" b="0" dirty="0" smtClean="0">
+                          <a:solidFill>
+                            <a:schemeClr val="tx1"/>
+                          </a:solidFill>
+                        </a:rPr>
+                        <a:t>D</a:t>
+                      </a:r>
+                      <a:endParaRPr lang="ko-KR" altLang="en-US" sz="1600" b="0" dirty="0">
+                        <a:solidFill>
+                          <a:schemeClr val="tx1"/>
+                        </a:solidFill>
+                      </a:endParaRPr>
+                    </a:p>
+                  </a:txBody>
+                  <a:tcPr anchor="ctr">
+                    <a:lnL w="12700" cap="flat" cmpd="sng" algn="ctr">
+                      <a:noFill/>
+                      <a:prstDash val="solid"/>
+                      <a:round/>
+                      <a:headEnd type="none" w="med" len="med"/>
+                      <a:tailEnd type="none" w="med" len="med"/>
+                    </a:lnL>
+                    <a:lnR w="12700" cap="flat" cmpd="sng" algn="ctr">
+                      <a:noFill/>
+                      <a:prstDash val="solid"/>
+                      <a:round/>
+                      <a:headEnd type="none" w="med" len="med"/>
+                      <a:tailEnd type="none" w="med" len="med"/>
+                    </a:lnR>
+                    <a:lnT w="12700" cap="flat" cmpd="sng" algn="ctr">
+                      <a:noFill/>
+                      <a:prstDash val="solid"/>
+                      <a:round/>
+                      <a:headEnd type="none" w="med" len="med"/>
+                      <a:tailEnd type="none" w="med" len="med"/>
+                    </a:lnT>
+                    <a:lnB w="12700" cap="flat" cmpd="sng" algn="ctr">
+                      <a:noFill/>
+                      <a:prstDash val="solid"/>
+                      <a:round/>
+                      <a:headEnd type="none" w="med" len="med"/>
+                      <a:tailEnd type="none" w="med" len="med"/>
+                    </a:lnB>
+                    <a:solidFill>
+                      <a:schemeClr val="bg1"/>
+                    </a:solidFill>
+                  </a:tcPr>
+                </a:tc>
+                <a:extLst>
+                  <a:ext uri="{0D108BD9-81ED-4DB2-BD59-A6C34878D82A}">
+                    <a16:rowId xmlns:a16="http://schemas.microsoft.com/office/drawing/2014/main" val="1797874248"/>
+                  </a:ext>
+                </a:extLst>
+              </a:tr>
+            </a:tbl>
+          </a:graphicData>
+        </a:graphic>
+      </p:graphicFrame>
+      <p:sp>
+        <p:nvSpPr>
+          <p:cNvPr id="4" name="타원 3"/>
+          <p:cNvSpPr/>
+          <p:nvPr/>
+        </p:nvSpPr>
+        <p:spPr>
+          <a:xfrm>
+            <a:off x="3613652" y="-536510"/>
+            <a:ext cx="628561" cy="628561"/>
+          </a:xfrm>
+          <a:prstGeom prst="ellipse">
+            <a:avLst/>
+          </a:prstGeom>
+          <a:solidFill>
+            <a:schemeClr val="bg1"/>
+          </a:solidFill>
+          <a:ln>
+            <a:solidFill>
+              <a:schemeClr val="tx1"/>
+            </a:solidFill>
+          </a:ln>
+        </p:spPr>
+        <p:style>
+          <a:lnRef idx="2">
+            <a:schemeClr val="accent1">
+              <a:shade val="50000"/>
+            </a:schemeClr>
+          </a:lnRef>
+          <a:fillRef idx="1">
+            <a:schemeClr val="accent1"/>
+          </a:fillRef>
+          <a:effectRef idx="0">
+            <a:schemeClr val="accent1"/>
+          </a:effectRef>
+          <a:fontRef idx="minor">
+            <a:schemeClr val="lt1"/>
+          </a:fontRef>
+        </p:style>
+        <p:txBody>
+          <a:bodyPr rtlCol="0" anchor="ctr"/>
+          <a:lstStyle/>
+          <a:p>
+            <a:pPr algn="ctr"/>
+            <a:r>
+              <a:rPr lang="en-US" altLang="ko-KR" dirty="0" smtClean="0">
+                <a:solidFill>
+                  <a:schemeClr val="tx1"/>
+                </a:solidFill>
+              </a:rPr>
+              <a:t>D</a:t>
+            </a:r>
+            <a:endParaRPr lang="ko-KR" altLang="en-US" dirty="0">
+              <a:solidFill>
+                <a:schemeClr val="tx1"/>
+              </a:solidFill>
+            </a:endParaRPr>
+          </a:p>
+        </p:txBody>
+      </p:sp>
+      <p:sp>
+        <p:nvSpPr>
+          <p:cNvPr id="5" name="타원 4"/>
+          <p:cNvSpPr/>
+          <p:nvPr/>
+        </p:nvSpPr>
+        <p:spPr>
+          <a:xfrm>
+            <a:off x="1984116" y="-1359533"/>
+            <a:ext cx="628561" cy="628561"/>
+          </a:xfrm>
+          <a:prstGeom prst="ellipse">
+            <a:avLst/>
+          </a:prstGeom>
+          <a:solidFill>
+            <a:schemeClr val="bg1"/>
+          </a:solidFill>
+          <a:ln>
+            <a:solidFill>
+              <a:schemeClr val="tx1"/>
+            </a:solidFill>
+          </a:ln>
+        </p:spPr>
+        <p:style>
+          <a:lnRef idx="2">
+            <a:schemeClr val="accent1">
+              <a:shade val="50000"/>
+            </a:schemeClr>
+          </a:lnRef>
+          <a:fillRef idx="1">
+            <a:schemeClr val="accent1"/>
+          </a:fillRef>
+          <a:effectRef idx="0">
+            <a:schemeClr val="accent1"/>
+          </a:effectRef>
+          <a:fontRef idx="minor">
+            <a:schemeClr val="lt1"/>
+          </a:fontRef>
+        </p:style>
+        <p:txBody>
+          <a:bodyPr rtlCol="0" anchor="ctr"/>
+          <a:lstStyle/>
+          <a:p>
+            <a:pPr algn="ctr"/>
+            <a:r>
+              <a:rPr lang="en-US" altLang="ko-KR" dirty="0" smtClean="0">
+                <a:solidFill>
+                  <a:schemeClr val="tx1"/>
+                </a:solidFill>
+              </a:rPr>
+              <a:t>A</a:t>
+            </a:r>
+            <a:endParaRPr lang="ko-KR" altLang="en-US" dirty="0">
+              <a:solidFill>
+                <a:schemeClr val="tx1"/>
+              </a:solidFill>
+            </a:endParaRPr>
+          </a:p>
+        </p:txBody>
+      </p:sp>
+      <p:sp>
+        <p:nvSpPr>
+          <p:cNvPr id="6" name="타원 5"/>
+          <p:cNvSpPr/>
+          <p:nvPr/>
+        </p:nvSpPr>
+        <p:spPr>
+          <a:xfrm>
+            <a:off x="213615" y="-536509"/>
+            <a:ext cx="628561" cy="628561"/>
+          </a:xfrm>
+          <a:prstGeom prst="ellipse">
+            <a:avLst/>
+          </a:prstGeom>
+          <a:solidFill>
+            <a:schemeClr val="bg1"/>
+          </a:solidFill>
+          <a:ln>
+            <a:solidFill>
+              <a:schemeClr val="tx1"/>
+            </a:solidFill>
+          </a:ln>
+        </p:spPr>
+        <p:style>
+          <a:lnRef idx="2">
+            <a:schemeClr val="accent1">
+              <a:shade val="50000"/>
+            </a:schemeClr>
+          </a:lnRef>
+          <a:fillRef idx="1">
+            <a:schemeClr val="accent1"/>
+          </a:fillRef>
+          <a:effectRef idx="0">
+            <a:schemeClr val="accent1"/>
+          </a:effectRef>
+          <a:fontRef idx="minor">
+            <a:schemeClr val="lt1"/>
+          </a:fontRef>
+        </p:style>
+        <p:txBody>
+          <a:bodyPr rtlCol="0" anchor="ctr"/>
+          <a:lstStyle/>
+          <a:p>
+            <a:pPr algn="ctr"/>
+            <a:r>
+              <a:rPr lang="en-US" altLang="ko-KR" dirty="0" smtClean="0">
+                <a:solidFill>
+                  <a:schemeClr val="tx1"/>
+                </a:solidFill>
+              </a:rPr>
+              <a:t>B</a:t>
+            </a:r>
+            <a:endParaRPr lang="ko-KR" altLang="en-US" dirty="0">
+              <a:solidFill>
+                <a:schemeClr val="tx1"/>
+              </a:solidFill>
+            </a:endParaRPr>
+          </a:p>
+        </p:txBody>
+      </p:sp>
+      <p:sp>
+        <p:nvSpPr>
+          <p:cNvPr id="7" name="타원 6"/>
+          <p:cNvSpPr/>
+          <p:nvPr/>
+        </p:nvSpPr>
+        <p:spPr>
+          <a:xfrm>
+            <a:off x="1984115" y="286515"/>
+            <a:ext cx="628561" cy="628561"/>
+          </a:xfrm>
+          <a:prstGeom prst="ellipse">
+            <a:avLst/>
+          </a:prstGeom>
+          <a:solidFill>
+            <a:schemeClr val="bg1"/>
+          </a:solidFill>
+          <a:ln>
+            <a:solidFill>
+              <a:schemeClr val="tx1"/>
+            </a:solidFill>
+          </a:ln>
+        </p:spPr>
+        <p:style>
+          <a:lnRef idx="2">
+            <a:schemeClr val="accent1">
+              <a:shade val="50000"/>
+            </a:schemeClr>
+          </a:lnRef>
+          <a:fillRef idx="1">
+            <a:schemeClr val="accent1"/>
+          </a:fillRef>
+          <a:effectRef idx="0">
+            <a:schemeClr val="accent1"/>
+          </a:effectRef>
+          <a:fontRef idx="minor">
+            <a:schemeClr val="lt1"/>
+          </a:fontRef>
+        </p:style>
+        <p:txBody>
+          <a:bodyPr rtlCol="0" anchor="ctr"/>
+          <a:lstStyle/>
+          <a:p>
+            <a:pPr algn="ctr"/>
+            <a:r>
+              <a:rPr lang="en-US" altLang="ko-KR" dirty="0" smtClean="0">
+                <a:solidFill>
+                  <a:schemeClr val="tx1"/>
+                </a:solidFill>
+              </a:rPr>
+              <a:t>C</a:t>
+            </a:r>
+            <a:endParaRPr lang="ko-KR" altLang="en-US" dirty="0">
+              <a:solidFill>
+                <a:schemeClr val="tx1"/>
+              </a:solidFill>
+            </a:endParaRPr>
+          </a:p>
+        </p:txBody>
+      </p:sp>
+      <p:cxnSp>
+        <p:nvCxnSpPr>
+          <p:cNvPr id="8" name="직선 연결선 7"/>
+          <p:cNvCxnSpPr>
+            <a:stCxn id="4" idx="1"/>
+            <a:endCxn id="5" idx="6"/>
+          </p:cNvCxnSpPr>
+          <p:nvPr/>
+        </p:nvCxnSpPr>
+        <p:spPr>
+          <a:xfrm flipH="1" flipV="1">
+            <a:off x="2612677" y="-1045252"/>
+            <a:ext cx="1093026" cy="600793"/>
+          </a:xfrm>
+          <a:prstGeom prst="line">
+            <a:avLst/>
+          </a:prstGeom>
+          <a:ln>
+            <a:solidFill>
+              <a:schemeClr val="tx1"/>
+            </a:solidFill>
+          </a:ln>
+        </p:spPr>
+        <p:style>
+          <a:lnRef idx="1">
+            <a:schemeClr val="accent1"/>
+          </a:lnRef>
+          <a:fillRef idx="0">
+            <a:schemeClr val="accent1"/>
+          </a:fillRef>
+          <a:effectRef idx="0">
+            <a:schemeClr val="accent1"/>
+          </a:effectRef>
+          <a:fontRef idx="minor">
+            <a:schemeClr val="tx1"/>
+          </a:fontRef>
+        </p:style>
+      </p:cxnSp>
+      <p:cxnSp>
+        <p:nvCxnSpPr>
+          <p:cNvPr id="9" name="직선 연결선 8"/>
+          <p:cNvCxnSpPr>
+            <a:stCxn id="6" idx="5"/>
+            <a:endCxn id="7" idx="2"/>
+          </p:cNvCxnSpPr>
+          <p:nvPr/>
+        </p:nvCxnSpPr>
+        <p:spPr>
+          <a:xfrm>
+            <a:off x="750125" y="1"/>
+            <a:ext cx="1233990" cy="600795"/>
+          </a:xfrm>
+          <a:prstGeom prst="line">
+            <a:avLst/>
+          </a:prstGeom>
+          <a:ln>
+            <a:solidFill>
+              <a:schemeClr val="tx1"/>
+            </a:solidFill>
+          </a:ln>
+        </p:spPr>
+        <p:style>
+          <a:lnRef idx="1">
+            <a:schemeClr val="accent1"/>
+          </a:lnRef>
+          <a:fillRef idx="0">
+            <a:schemeClr val="accent1"/>
+          </a:fillRef>
+          <a:effectRef idx="0">
+            <a:schemeClr val="accent1"/>
+          </a:effectRef>
+          <a:fontRef idx="minor">
+            <a:schemeClr val="tx1"/>
+          </a:fontRef>
+        </p:style>
+      </p:cxnSp>
+      <p:cxnSp>
+        <p:nvCxnSpPr>
+          <p:cNvPr id="10" name="직선 연결선 9"/>
+          <p:cNvCxnSpPr>
+            <a:stCxn id="5" idx="2"/>
+            <a:endCxn id="6" idx="7"/>
+          </p:cNvCxnSpPr>
+          <p:nvPr/>
+        </p:nvCxnSpPr>
+        <p:spPr>
+          <a:xfrm flipH="1">
+            <a:off x="750125" y="-1045252"/>
+            <a:ext cx="1233991" cy="600794"/>
+          </a:xfrm>
+          <a:prstGeom prst="line">
+            <a:avLst/>
+          </a:prstGeom>
+          <a:ln>
+            <a:solidFill>
+              <a:schemeClr val="tx1"/>
+            </a:solidFill>
+          </a:ln>
+        </p:spPr>
+        <p:style>
+          <a:lnRef idx="1">
+            <a:schemeClr val="accent1"/>
+          </a:lnRef>
+          <a:fillRef idx="0">
+            <a:schemeClr val="accent1"/>
+          </a:fillRef>
+          <a:effectRef idx="0">
+            <a:schemeClr val="accent1"/>
+          </a:effectRef>
+          <a:fontRef idx="minor">
+            <a:schemeClr val="tx1"/>
+          </a:fontRef>
+        </p:style>
+      </p:cxnSp>
+      <p:cxnSp>
+        <p:nvCxnSpPr>
+          <p:cNvPr id="26" name="직선 연결선 25"/>
+          <p:cNvCxnSpPr>
+            <a:stCxn id="4" idx="2"/>
+            <a:endCxn id="6" idx="6"/>
+          </p:cNvCxnSpPr>
+          <p:nvPr/>
+        </p:nvCxnSpPr>
+        <p:spPr>
+          <a:xfrm flipH="1">
+            <a:off x="842176" y="-222229"/>
+            <a:ext cx="2771476" cy="1"/>
+          </a:xfrm>
+          <a:prstGeom prst="line">
+            <a:avLst/>
+          </a:prstGeom>
+          <a:ln>
+            <a:solidFill>
+              <a:schemeClr val="tx1"/>
+            </a:solidFill>
+          </a:ln>
+        </p:spPr>
+        <p:style>
+          <a:lnRef idx="1">
+            <a:schemeClr val="accent1"/>
+          </a:lnRef>
+          <a:fillRef idx="0">
+            <a:schemeClr val="accent1"/>
+          </a:fillRef>
+          <a:effectRef idx="0">
+            <a:schemeClr val="accent1"/>
+          </a:effectRef>
+          <a:fontRef idx="minor">
+            <a:schemeClr val="tx1"/>
+          </a:fontRef>
+        </p:style>
+      </p:cxnSp>
+      <p:cxnSp>
+        <p:nvCxnSpPr>
+          <p:cNvPr id="29" name="직선 연결선 28"/>
+          <p:cNvCxnSpPr>
+            <a:stCxn id="7" idx="6"/>
+            <a:endCxn id="4" idx="3"/>
+          </p:cNvCxnSpPr>
+          <p:nvPr/>
+        </p:nvCxnSpPr>
+        <p:spPr>
+          <a:xfrm flipV="1">
+            <a:off x="2612676" y="0"/>
+            <a:ext cx="1093027" cy="600796"/>
+          </a:xfrm>
+          <a:prstGeom prst="line">
+            <a:avLst/>
+          </a:prstGeom>
+          <a:ln>
+            <a:solidFill>
+              <a:schemeClr val="tx1"/>
+            </a:solidFill>
+          </a:ln>
+        </p:spPr>
+        <p:style>
+          <a:lnRef idx="1">
+            <a:schemeClr val="accent1"/>
+          </a:lnRef>
+          <a:fillRef idx="0">
+            <a:schemeClr val="accent1"/>
+          </a:fillRef>
+          <a:effectRef idx="0">
+            <a:schemeClr val="accent1"/>
+          </a:effectRef>
+          <a:fontRef idx="minor">
+            <a:schemeClr val="tx1"/>
+          </a:fontRef>
+        </p:style>
+      </p:cxnSp>
+      <p:graphicFrame>
+        <p:nvGraphicFramePr>
+          <p:cNvPr id="32" name="표 31"/>
+          <p:cNvGraphicFramePr>
+            <a:graphicFrameLocks noGrp="1"/>
+          </p:cNvGraphicFramePr>
+          <p:nvPr>
+            <p:extLst>
+              <p:ext uri="{D42A27DB-BD31-4B8C-83A1-F6EECF244321}">
+                <p14:modId xmlns:p14="http://schemas.microsoft.com/office/powerpoint/2010/main" val="1473403025"/>
+              </p:ext>
+            </p:extLst>
+          </p:nvPr>
+        </p:nvGraphicFramePr>
+        <p:xfrm>
+          <a:off x="1234230" y="4078327"/>
+          <a:ext cx="2756892" cy="2269720"/>
+        </p:xfrm>
+        <a:graphic>
+          <a:graphicData uri="http://schemas.openxmlformats.org/drawingml/2006/table">
+            <a:tbl>
+              <a:tblPr firstRow="1" bandRow="1">
+                <a:tableStyleId>{5C22544A-7EE6-4342-B048-85BDC9FD1C3A}</a:tableStyleId>
+              </a:tblPr>
+              <a:tblGrid>
+                <a:gridCol w="689223">
+                  <a:extLst>
+                    <a:ext uri="{9D8B030D-6E8A-4147-A177-3AD203B41FA5}">
+                      <a16:colId xmlns:a16="http://schemas.microsoft.com/office/drawing/2014/main" val="880660824"/>
+                    </a:ext>
+                  </a:extLst>
+                </a:gridCol>
+                <a:gridCol w="689223">
+                  <a:extLst>
+                    <a:ext uri="{9D8B030D-6E8A-4147-A177-3AD203B41FA5}">
+                      <a16:colId xmlns:a16="http://schemas.microsoft.com/office/drawing/2014/main" val="4183728883"/>
+                    </a:ext>
+                  </a:extLst>
+                </a:gridCol>
+                <a:gridCol w="689223">
+                  <a:extLst>
+                    <a:ext uri="{9D8B030D-6E8A-4147-A177-3AD203B41FA5}">
+                      <a16:colId xmlns:a16="http://schemas.microsoft.com/office/drawing/2014/main" val="2492687774"/>
+                    </a:ext>
+                  </a:extLst>
+                </a:gridCol>
+                <a:gridCol w="689223">
+                  <a:extLst>
+                    <a:ext uri="{9D8B030D-6E8A-4147-A177-3AD203B41FA5}">
+                      <a16:colId xmlns:a16="http://schemas.microsoft.com/office/drawing/2014/main" val="3102335657"/>
+                    </a:ext>
+                  </a:extLst>
+                </a:gridCol>
+              </a:tblGrid>
+              <a:tr h="567430">
+                <a:tc>
+                  <a:txBody>
+                    <a:bodyPr/>
+                    <a:lstStyle/>
+                    <a:p>
+                      <a:pPr algn="ctr" latinLnBrk="1"/>
+                      <a:r>
+                        <a:rPr lang="en-US" altLang="ko-KR" sz="1800" b="0" dirty="0" smtClean="0">
+                          <a:solidFill>
+                            <a:schemeClr val="tx1"/>
+                          </a:solidFill>
+                        </a:rPr>
+                        <a:t>0</a:t>
+                      </a:r>
+                      <a:endParaRPr lang="ko-KR" altLang="en-US" sz="1800" b="0" dirty="0">
+                        <a:solidFill>
+                          <a:schemeClr val="tx1"/>
+                        </a:solidFill>
+                      </a:endParaRPr>
+                    </a:p>
+                  </a:txBody>
+                  <a:tcPr marL="72375" marR="72375" marT="36188" marB="36188" anchor="ctr">
+                    <a:lnL w="12700" cap="flat" cmpd="sng" algn="ctr">
+                      <a:solidFill>
+                        <a:schemeClr val="tx1"/>
+                      </a:solidFill>
+                      <a:prstDash val="solid"/>
+                      <a:round/>
+                      <a:headEnd type="none" w="med" len="med"/>
+                      <a:tailEnd type="none" w="med" len="med"/>
+                    </a:lnL>
+                    <a:lnR w="12700" cap="flat" cmpd="sng" algn="ctr">
+                      <a:solidFill>
+                        <a:schemeClr val="tx1"/>
+                      </a:solidFill>
+                      <a:prstDash val="solid"/>
+                      <a:round/>
+                      <a:headEnd type="none" w="med" len="med"/>
+                      <a:tailEnd type="none" w="med" len="med"/>
+                    </a:lnR>
+                    <a:lnT w="12700" cap="flat" cmpd="sng" algn="ctr">
+                      <a:solidFill>
+                        <a:schemeClr val="tx1"/>
+                      </a:solidFill>
+                      <a:prstDash val="solid"/>
+                      <a:round/>
+                      <a:headEnd type="none" w="med" len="med"/>
+                      <a:tailEnd type="none" w="med" len="med"/>
+                    </a:lnT>
+                    <a:lnB w="12700" cap="flat" cmpd="sng" algn="ctr">
+                      <a:solidFill>
+                        <a:schemeClr val="tx1"/>
+                      </a:solidFill>
+                      <a:prstDash val="solid"/>
+                      <a:round/>
+                      <a:headEnd type="none" w="med" len="med"/>
+                      <a:tailEnd type="none" w="med" len="med"/>
+                    </a:lnB>
+                    <a:solidFill>
+                      <a:schemeClr val="bg1"/>
+                    </a:solidFill>
+                  </a:tcPr>
+                </a:tc>
+                <a:tc>
+                  <a:txBody>
+                    <a:bodyPr/>
+                    <a:lstStyle/>
+                    <a:p>
+                      <a:pPr algn="ctr" latinLnBrk="1"/>
+                      <a:r>
+                        <a:rPr lang="en-US" altLang="ko-KR" sz="1800" b="0" dirty="0" smtClean="0">
+                          <a:solidFill>
+                            <a:schemeClr val="tx1"/>
+                          </a:solidFill>
+                        </a:rPr>
+                        <a:t>1</a:t>
+                      </a:r>
+                      <a:endParaRPr lang="ko-KR" altLang="en-US" sz="1800" b="0" dirty="0">
+                        <a:solidFill>
+                          <a:schemeClr val="tx1"/>
+                        </a:solidFill>
+                      </a:endParaRPr>
+                    </a:p>
+                  </a:txBody>
+                  <a:tcPr marL="72375" marR="72375" marT="36188" marB="36188" anchor="ctr">
+                    <a:lnL w="12700" cap="flat" cmpd="sng" algn="ctr">
+                      <a:solidFill>
+                        <a:schemeClr val="tx1"/>
+                      </a:solidFill>
+                      <a:prstDash val="solid"/>
+                      <a:round/>
+                      <a:headEnd type="none" w="med" len="med"/>
+                      <a:tailEnd type="none" w="med" len="med"/>
+                    </a:lnL>
+                    <a:lnR w="12700" cap="flat" cmpd="sng" algn="ctr">
+                      <a:solidFill>
+                        <a:schemeClr val="tx1"/>
+                      </a:solidFill>
+                      <a:prstDash val="solid"/>
+                      <a:round/>
+                      <a:headEnd type="none" w="med" len="med"/>
+                      <a:tailEnd type="none" w="med" len="med"/>
+                    </a:lnR>
+                    <a:lnT w="12700" cap="flat" cmpd="sng" algn="ctr">
+                      <a:solidFill>
+                        <a:schemeClr val="tx1"/>
+                      </a:solidFill>
+                      <a:prstDash val="solid"/>
+                      <a:round/>
+                      <a:headEnd type="none" w="med" len="med"/>
+                      <a:tailEnd type="none" w="med" len="med"/>
+                    </a:lnT>
+                    <a:lnB w="12700" cap="flat" cmpd="sng" algn="ctr">
+                      <a:solidFill>
+                        <a:schemeClr val="tx1"/>
+                      </a:solidFill>
+                      <a:prstDash val="solid"/>
+                      <a:round/>
+                      <a:headEnd type="none" w="med" len="med"/>
+                      <a:tailEnd type="none" w="med" len="med"/>
+                    </a:lnB>
+                    <a:solidFill>
+                      <a:schemeClr val="bg1"/>
+                    </a:solidFill>
+                  </a:tcPr>
+                </a:tc>
+                <a:tc>
+                  <a:txBody>
+                    <a:bodyPr/>
+                    <a:lstStyle/>
+                    <a:p>
+                      <a:pPr algn="ctr" latinLnBrk="1"/>
+                      <a:r>
+                        <a:rPr lang="en-US" altLang="ko-KR" sz="1800" b="0" dirty="0" smtClean="0">
+                          <a:solidFill>
+                            <a:schemeClr val="tx1"/>
+                          </a:solidFill>
+                        </a:rPr>
+                        <a:t>0</a:t>
+                      </a:r>
+                      <a:endParaRPr lang="ko-KR" altLang="en-US" sz="1800" b="0" dirty="0">
+                        <a:solidFill>
+                          <a:schemeClr val="tx1"/>
+                        </a:solidFill>
+                      </a:endParaRPr>
+                    </a:p>
+                  </a:txBody>
+                  <a:tcPr marL="72375" marR="72375" marT="36188" marB="36188" anchor="ctr">
+                    <a:lnL w="12700" cap="flat" cmpd="sng" algn="ctr">
+                      <a:solidFill>
+                        <a:schemeClr val="tx1"/>
+                      </a:solidFill>
+                      <a:prstDash val="solid"/>
+                      <a:round/>
+                      <a:headEnd type="none" w="med" len="med"/>
+                      <a:tailEnd type="none" w="med" len="med"/>
+                    </a:lnL>
+                    <a:lnR w="12700" cap="flat" cmpd="sng" algn="ctr">
+                      <a:solidFill>
+                        <a:schemeClr val="tx1"/>
+                      </a:solidFill>
+                      <a:prstDash val="solid"/>
+                      <a:round/>
+                      <a:headEnd type="none" w="med" len="med"/>
+                      <a:tailEnd type="none" w="med" len="med"/>
+                    </a:lnR>
+                    <a:lnT w="12700" cap="flat" cmpd="sng" algn="ctr">
+                      <a:solidFill>
+                        <a:schemeClr val="tx1"/>
+                      </a:solidFill>
+                      <a:prstDash val="solid"/>
+                      <a:round/>
+                      <a:headEnd type="none" w="med" len="med"/>
+                      <a:tailEnd type="none" w="med" len="med"/>
+                    </a:lnT>
+                    <a:lnB w="12700" cap="flat" cmpd="sng" algn="ctr">
+                      <a:solidFill>
+                        <a:schemeClr val="tx1"/>
+                      </a:solidFill>
+                      <a:prstDash val="solid"/>
+                      <a:round/>
+                      <a:headEnd type="none" w="med" len="med"/>
+                      <a:tailEnd type="none" w="med" len="med"/>
+                    </a:lnB>
+                    <a:solidFill>
+                      <a:schemeClr val="bg1"/>
+                    </a:solidFill>
+                  </a:tcPr>
+                </a:tc>
+                <a:tc>
+                  <a:txBody>
+                    <a:bodyPr/>
+                    <a:lstStyle/>
+                    <a:p>
+                      <a:pPr algn="ctr" latinLnBrk="1"/>
+                      <a:r>
+                        <a:rPr lang="en-US" altLang="ko-KR" sz="1800" b="0" dirty="0" smtClean="0">
+                          <a:solidFill>
+                            <a:schemeClr val="tx1"/>
+                          </a:solidFill>
+                        </a:rPr>
+                        <a:t>1</a:t>
+                      </a:r>
+                      <a:endParaRPr lang="ko-KR" altLang="en-US" sz="1800" b="0" dirty="0">
+                        <a:solidFill>
+                          <a:schemeClr val="tx1"/>
+                        </a:solidFill>
+                      </a:endParaRPr>
+                    </a:p>
+                  </a:txBody>
+                  <a:tcPr marL="72375" marR="72375" marT="36188" marB="36188" anchor="ctr">
+                    <a:lnL w="12700" cap="flat" cmpd="sng" algn="ctr">
+                      <a:solidFill>
+                        <a:schemeClr val="tx1"/>
+                      </a:solidFill>
+                      <a:prstDash val="solid"/>
+                      <a:round/>
+                      <a:headEnd type="none" w="med" len="med"/>
+                      <a:tailEnd type="none" w="med" len="med"/>
+                    </a:lnL>
+                    <a:lnR w="12700" cap="flat" cmpd="sng" algn="ctr">
+                      <a:solidFill>
+                        <a:schemeClr val="tx1"/>
+                      </a:solidFill>
+                      <a:prstDash val="solid"/>
+                      <a:round/>
+                      <a:headEnd type="none" w="med" len="med"/>
+                      <a:tailEnd type="none" w="med" len="med"/>
+                    </a:lnR>
+                    <a:lnT w="12700" cap="flat" cmpd="sng" algn="ctr">
+                      <a:solidFill>
+                        <a:schemeClr val="tx1"/>
+                      </a:solidFill>
+                      <a:prstDash val="solid"/>
+                      <a:round/>
+                      <a:headEnd type="none" w="med" len="med"/>
+                      <a:tailEnd type="none" w="med" len="med"/>
+                    </a:lnT>
+                    <a:lnB w="12700" cap="flat" cmpd="sng" algn="ctr">
+                      <a:solidFill>
+                        <a:schemeClr val="tx1"/>
+                      </a:solidFill>
+                      <a:prstDash val="solid"/>
+                      <a:round/>
+                      <a:headEnd type="none" w="med" len="med"/>
+                      <a:tailEnd type="none" w="med" len="med"/>
+                    </a:lnB>
+                    <a:solidFill>
+                      <a:schemeClr val="bg1"/>
+                    </a:solidFill>
+                  </a:tcPr>
+                </a:tc>
+                <a:extLst>
+                  <a:ext uri="{0D108BD9-81ED-4DB2-BD59-A6C34878D82A}">
+                    <a16:rowId xmlns:a16="http://schemas.microsoft.com/office/drawing/2014/main" val="1551730337"/>
+                  </a:ext>
+                </a:extLst>
+              </a:tr>
+              <a:tr h="567430">
+                <a:tc>
+                  <a:txBody>
+                    <a:bodyPr/>
+                    <a:lstStyle/>
+                    <a:p>
+                      <a:pPr algn="ctr" latinLnBrk="1"/>
+                      <a:r>
+                        <a:rPr lang="en-US" altLang="ko-KR" sz="1800" b="0" dirty="0" smtClean="0">
+                          <a:solidFill>
+                            <a:schemeClr val="tx1"/>
+                          </a:solidFill>
+                        </a:rPr>
+                        <a:t>1</a:t>
+                      </a:r>
+                      <a:endParaRPr lang="ko-KR" altLang="en-US" sz="1800" b="0" dirty="0">
+                        <a:solidFill>
+                          <a:schemeClr val="tx1"/>
+                        </a:solidFill>
+                      </a:endParaRPr>
+                    </a:p>
+                  </a:txBody>
+                  <a:tcPr marL="72375" marR="72375" marT="36188" marB="36188" anchor="ctr">
+                    <a:lnL w="12700" cap="flat" cmpd="sng" algn="ctr">
+                      <a:solidFill>
+                        <a:schemeClr val="tx1"/>
+                      </a:solidFill>
+                      <a:prstDash val="solid"/>
+                      <a:round/>
+                      <a:headEnd type="none" w="med" len="med"/>
+                      <a:tailEnd type="none" w="med" len="med"/>
+                    </a:lnL>
+                    <a:lnR w="12700" cap="flat" cmpd="sng" algn="ctr">
+                      <a:solidFill>
+                        <a:schemeClr val="tx1"/>
+                      </a:solidFill>
+                      <a:prstDash val="solid"/>
+                      <a:round/>
+                      <a:headEnd type="none" w="med" len="med"/>
+                      <a:tailEnd type="none" w="med" len="med"/>
+                    </a:lnR>
+                    <a:lnT w="12700" cap="flat" cmpd="sng" algn="ctr">
+                      <a:solidFill>
+                        <a:schemeClr val="tx1"/>
+                      </a:solidFill>
+                      <a:prstDash val="solid"/>
+                      <a:round/>
+                      <a:headEnd type="none" w="med" len="med"/>
+                      <a:tailEnd type="none" w="med" len="med"/>
+                    </a:lnT>
+                    <a:lnB w="12700" cap="flat" cmpd="sng" algn="ctr">
+                      <a:solidFill>
+                        <a:schemeClr val="tx1"/>
+                      </a:solidFill>
+                      <a:prstDash val="solid"/>
+                      <a:round/>
+                      <a:headEnd type="none" w="med" len="med"/>
+                      <a:tailEnd type="none" w="med" len="med"/>
+                    </a:lnB>
+                    <a:solidFill>
+                      <a:schemeClr val="bg1"/>
+                    </a:solidFill>
+                  </a:tcPr>
+                </a:tc>
+                <a:tc>
+                  <a:txBody>
+                    <a:bodyPr/>
+                    <a:lstStyle/>
+                    <a:p>
+                      <a:pPr algn="ctr" latinLnBrk="1"/>
+                      <a:r>
+                        <a:rPr lang="en-US" altLang="ko-KR" sz="1800" b="0" dirty="0" smtClean="0">
+                          <a:solidFill>
+                            <a:schemeClr val="tx1"/>
+                          </a:solidFill>
+                        </a:rPr>
+                        <a:t>0</a:t>
+                      </a:r>
+                      <a:endParaRPr lang="ko-KR" altLang="en-US" sz="1800" b="0" dirty="0">
+                        <a:solidFill>
+                          <a:schemeClr val="tx1"/>
+                        </a:solidFill>
+                      </a:endParaRPr>
+                    </a:p>
+                  </a:txBody>
+                  <a:tcPr marL="72375" marR="72375" marT="36188" marB="36188" anchor="ctr">
+                    <a:lnL w="12700" cap="flat" cmpd="sng" algn="ctr">
+                      <a:solidFill>
+                        <a:schemeClr val="tx1"/>
+                      </a:solidFill>
+                      <a:prstDash val="solid"/>
+                      <a:round/>
+                      <a:headEnd type="none" w="med" len="med"/>
+                      <a:tailEnd type="none" w="med" len="med"/>
+                    </a:lnL>
+                    <a:lnR w="12700" cap="flat" cmpd="sng" algn="ctr">
+                      <a:solidFill>
+                        <a:schemeClr val="tx1"/>
+                      </a:solidFill>
+                      <a:prstDash val="solid"/>
+                      <a:round/>
+                      <a:headEnd type="none" w="med" len="med"/>
+                      <a:tailEnd type="none" w="med" len="med"/>
+                    </a:lnR>
+                    <a:lnT w="12700" cap="flat" cmpd="sng" algn="ctr">
+                      <a:solidFill>
+                        <a:schemeClr val="tx1"/>
+                      </a:solidFill>
+                      <a:prstDash val="solid"/>
+                      <a:round/>
+                      <a:headEnd type="none" w="med" len="med"/>
+                      <a:tailEnd type="none" w="med" len="med"/>
+                    </a:lnT>
+                    <a:lnB w="12700" cap="flat" cmpd="sng" algn="ctr">
+                      <a:solidFill>
+                        <a:schemeClr val="tx1"/>
+                      </a:solidFill>
+                      <a:prstDash val="solid"/>
+                      <a:round/>
+                      <a:headEnd type="none" w="med" len="med"/>
+                      <a:tailEnd type="none" w="med" len="med"/>
+                    </a:lnB>
+                    <a:solidFill>
+                      <a:schemeClr val="bg1"/>
+                    </a:solidFill>
+                  </a:tcPr>
+                </a:tc>
+                <a:tc>
+                  <a:txBody>
+                    <a:bodyPr/>
+                    <a:lstStyle/>
+                    <a:p>
+                      <a:pPr algn="ctr" latinLnBrk="1"/>
+                      <a:r>
+                        <a:rPr lang="en-US" altLang="ko-KR" sz="1800" b="0" dirty="0" smtClean="0">
+                          <a:solidFill>
+                            <a:schemeClr val="tx1"/>
+                          </a:solidFill>
+                        </a:rPr>
+                        <a:t>1</a:t>
+                      </a:r>
+                      <a:endParaRPr lang="ko-KR" altLang="en-US" sz="1800" b="0" dirty="0">
+                        <a:solidFill>
+                          <a:schemeClr val="tx1"/>
+                        </a:solidFill>
+                      </a:endParaRPr>
+                    </a:p>
+                  </a:txBody>
+                  <a:tcPr marL="72375" marR="72375" marT="36188" marB="36188" anchor="ctr">
+                    <a:lnL w="12700" cap="flat" cmpd="sng" algn="ctr">
+                      <a:solidFill>
+                        <a:schemeClr val="tx1"/>
+                      </a:solidFill>
+                      <a:prstDash val="solid"/>
+                      <a:round/>
+                      <a:headEnd type="none" w="med" len="med"/>
+                      <a:tailEnd type="none" w="med" len="med"/>
+                    </a:lnL>
+                    <a:lnR w="12700" cap="flat" cmpd="sng" algn="ctr">
+                      <a:solidFill>
+                        <a:schemeClr val="tx1"/>
+                      </a:solidFill>
+                      <a:prstDash val="solid"/>
+                      <a:round/>
+                      <a:headEnd type="none" w="med" len="med"/>
+                      <a:tailEnd type="none" w="med" len="med"/>
+                    </a:lnR>
+                    <a:lnT w="12700" cap="flat" cmpd="sng" algn="ctr">
+                      <a:solidFill>
+                        <a:schemeClr val="tx1"/>
+                      </a:solidFill>
+                      <a:prstDash val="solid"/>
+                      <a:round/>
+                      <a:headEnd type="none" w="med" len="med"/>
+                      <a:tailEnd type="none" w="med" len="med"/>
+                    </a:lnT>
+                    <a:lnB w="12700" cap="flat" cmpd="sng" algn="ctr">
+                      <a:solidFill>
+                        <a:schemeClr val="tx1"/>
+                      </a:solidFill>
+                      <a:prstDash val="solid"/>
+                      <a:round/>
+                      <a:headEnd type="none" w="med" len="med"/>
+                      <a:tailEnd type="none" w="med" len="med"/>
+                    </a:lnB>
+                    <a:solidFill>
+                      <a:schemeClr val="bg1"/>
+                    </a:solidFill>
+                  </a:tcPr>
+                </a:tc>
+                <a:tc>
+                  <a:txBody>
+                    <a:bodyPr/>
+                    <a:lstStyle/>
+                    <a:p>
+                      <a:pPr algn="ctr" latinLnBrk="1"/>
+                      <a:r>
+                        <a:rPr lang="en-US" altLang="ko-KR" sz="1800" b="0" dirty="0" smtClean="0">
+                          <a:solidFill>
+                            <a:schemeClr val="tx1"/>
+                          </a:solidFill>
+                        </a:rPr>
+                        <a:t>1</a:t>
+                      </a:r>
+                      <a:endParaRPr lang="ko-KR" altLang="en-US" sz="1800" b="0" dirty="0">
+                        <a:solidFill>
+                          <a:schemeClr val="tx1"/>
+                        </a:solidFill>
+                      </a:endParaRPr>
+                    </a:p>
+                  </a:txBody>
+                  <a:tcPr marL="72375" marR="72375" marT="36188" marB="36188" anchor="ctr">
+                    <a:lnL w="12700" cap="flat" cmpd="sng" algn="ctr">
+                      <a:solidFill>
+                        <a:schemeClr val="tx1"/>
+                      </a:solidFill>
+                      <a:prstDash val="solid"/>
+                      <a:round/>
+                      <a:headEnd type="none" w="med" len="med"/>
+                      <a:tailEnd type="none" w="med" len="med"/>
+                    </a:lnL>
+                    <a:lnR w="12700" cap="flat" cmpd="sng" algn="ctr">
+                      <a:solidFill>
+                        <a:schemeClr val="tx1"/>
+                      </a:solidFill>
+                      <a:prstDash val="solid"/>
+                      <a:round/>
+                      <a:headEnd type="none" w="med" len="med"/>
+                      <a:tailEnd type="none" w="med" len="med"/>
+                    </a:lnR>
+                    <a:lnT w="12700" cap="flat" cmpd="sng" algn="ctr">
+                      <a:solidFill>
+                        <a:schemeClr val="tx1"/>
+                      </a:solidFill>
+                      <a:prstDash val="solid"/>
+                      <a:round/>
+                      <a:headEnd type="none" w="med" len="med"/>
+                      <a:tailEnd type="none" w="med" len="med"/>
+                    </a:lnT>
+                    <a:lnB w="12700" cap="flat" cmpd="sng" algn="ctr">
+                      <a:solidFill>
+                        <a:schemeClr val="tx1"/>
+                      </a:solidFill>
+                      <a:prstDash val="solid"/>
+                      <a:round/>
+                      <a:headEnd type="none" w="med" len="med"/>
+                      <a:tailEnd type="none" w="med" len="med"/>
+                    </a:lnB>
+                    <a:solidFill>
+                      <a:schemeClr val="bg1"/>
+                    </a:solidFill>
+                  </a:tcPr>
+                </a:tc>
+                <a:extLst>
+                  <a:ext uri="{0D108BD9-81ED-4DB2-BD59-A6C34878D82A}">
+                    <a16:rowId xmlns:a16="http://schemas.microsoft.com/office/drawing/2014/main" val="2852612148"/>
+                  </a:ext>
+                </a:extLst>
+              </a:tr>
+              <a:tr h="567430">
+                <a:tc>
+                  <a:txBody>
+                    <a:bodyPr/>
+                    <a:lstStyle/>
+                    <a:p>
+                      <a:pPr algn="ctr" latinLnBrk="1"/>
+                      <a:r>
+                        <a:rPr lang="en-US" altLang="ko-KR" sz="1800" b="0" dirty="0" smtClean="0">
+                          <a:solidFill>
+                            <a:schemeClr val="tx1"/>
+                          </a:solidFill>
+                        </a:rPr>
+                        <a:t>0</a:t>
+                      </a:r>
+                      <a:endParaRPr lang="ko-KR" altLang="en-US" sz="1800" b="0" dirty="0">
+                        <a:solidFill>
+                          <a:schemeClr val="tx1"/>
+                        </a:solidFill>
+                      </a:endParaRPr>
+                    </a:p>
+                  </a:txBody>
+                  <a:tcPr marL="72375" marR="72375" marT="36188" marB="36188" anchor="ctr">
+                    <a:lnL w="12700" cap="flat" cmpd="sng" algn="ctr">
+                      <a:solidFill>
+                        <a:schemeClr val="tx1"/>
+                      </a:solidFill>
+                      <a:prstDash val="solid"/>
+                      <a:round/>
+                      <a:headEnd type="none" w="med" len="med"/>
+                      <a:tailEnd type="none" w="med" len="med"/>
+                    </a:lnL>
+                    <a:lnR w="12700" cap="flat" cmpd="sng" algn="ctr">
+                      <a:solidFill>
+                        <a:schemeClr val="tx1"/>
+                      </a:solidFill>
+                      <a:prstDash val="solid"/>
+                      <a:round/>
+                      <a:headEnd type="none" w="med" len="med"/>
+                      <a:tailEnd type="none" w="med" len="med"/>
+                    </a:lnR>
+                    <a:lnT w="12700" cap="flat" cmpd="sng" algn="ctr">
+                      <a:solidFill>
+                        <a:schemeClr val="tx1"/>
+                      </a:solidFill>
+                      <a:prstDash val="solid"/>
+                      <a:round/>
+                      <a:headEnd type="none" w="med" len="med"/>
+                      <a:tailEnd type="none" w="med" len="med"/>
+                    </a:lnT>
+                    <a:lnB w="12700" cap="flat" cmpd="sng" algn="ctr">
+                      <a:solidFill>
+                        <a:schemeClr val="tx1"/>
+                      </a:solidFill>
+                      <a:prstDash val="solid"/>
+                      <a:round/>
+                      <a:headEnd type="none" w="med" len="med"/>
+                      <a:tailEnd type="none" w="med" len="med"/>
+                    </a:lnB>
+                    <a:solidFill>
+                      <a:schemeClr val="bg1"/>
+                    </a:solidFill>
+                  </a:tcPr>
+                </a:tc>
+                <a:tc>
+                  <a:txBody>
+                    <a:bodyPr/>
+                    <a:lstStyle/>
+                    <a:p>
+                      <a:pPr algn="ctr" latinLnBrk="1"/>
+                      <a:r>
+                        <a:rPr lang="en-US" altLang="ko-KR" sz="1800" b="0" dirty="0" smtClean="0">
+                          <a:solidFill>
+                            <a:schemeClr val="tx1"/>
+                          </a:solidFill>
+                        </a:rPr>
+                        <a:t>1</a:t>
+                      </a:r>
+                      <a:endParaRPr lang="ko-KR" altLang="en-US" sz="1800" b="0" dirty="0">
+                        <a:solidFill>
+                          <a:schemeClr val="tx1"/>
+                        </a:solidFill>
+                      </a:endParaRPr>
+                    </a:p>
+                  </a:txBody>
+                  <a:tcPr marL="72375" marR="72375" marT="36188" marB="36188" anchor="ctr">
+                    <a:lnL w="12700" cap="flat" cmpd="sng" algn="ctr">
+                      <a:solidFill>
+                        <a:schemeClr val="tx1"/>
+                      </a:solidFill>
+                      <a:prstDash val="solid"/>
+                      <a:round/>
+                      <a:headEnd type="none" w="med" len="med"/>
+                      <a:tailEnd type="none" w="med" len="med"/>
+                    </a:lnL>
+                    <a:lnR w="12700" cap="flat" cmpd="sng" algn="ctr">
+                      <a:solidFill>
+                        <a:schemeClr val="tx1"/>
+                      </a:solidFill>
+                      <a:prstDash val="solid"/>
+                      <a:round/>
+                      <a:headEnd type="none" w="med" len="med"/>
+                      <a:tailEnd type="none" w="med" len="med"/>
+                    </a:lnR>
+                    <a:lnT w="12700" cap="flat" cmpd="sng" algn="ctr">
+                      <a:solidFill>
+                        <a:schemeClr val="tx1"/>
+                      </a:solidFill>
+                      <a:prstDash val="solid"/>
+                      <a:round/>
+                      <a:headEnd type="none" w="med" len="med"/>
+                      <a:tailEnd type="none" w="med" len="med"/>
+                    </a:lnT>
+                    <a:lnB w="12700" cap="flat" cmpd="sng" algn="ctr">
+                      <a:solidFill>
+                        <a:schemeClr val="tx1"/>
+                      </a:solidFill>
+                      <a:prstDash val="solid"/>
+                      <a:round/>
+                      <a:headEnd type="none" w="med" len="med"/>
+                      <a:tailEnd type="none" w="med" len="med"/>
+                    </a:lnB>
+                    <a:solidFill>
+                      <a:schemeClr val="bg1"/>
+                    </a:solidFill>
+                  </a:tcPr>
+                </a:tc>
+                <a:tc>
+                  <a:txBody>
+                    <a:bodyPr/>
+                    <a:lstStyle/>
+                    <a:p>
+                      <a:pPr algn="ctr" latinLnBrk="1"/>
+                      <a:r>
+                        <a:rPr lang="en-US" altLang="ko-KR" sz="1800" b="0" dirty="0" smtClean="0">
+                          <a:solidFill>
+                            <a:schemeClr val="tx1"/>
+                          </a:solidFill>
+                        </a:rPr>
+                        <a:t>0</a:t>
+                      </a:r>
+                      <a:endParaRPr lang="ko-KR" altLang="en-US" sz="1800" b="0" dirty="0">
+                        <a:solidFill>
+                          <a:schemeClr val="tx1"/>
+                        </a:solidFill>
+                      </a:endParaRPr>
+                    </a:p>
+                  </a:txBody>
+                  <a:tcPr marL="72375" marR="72375" marT="36188" marB="36188" anchor="ctr">
+                    <a:lnL w="12700" cap="flat" cmpd="sng" algn="ctr">
+                      <a:solidFill>
+                        <a:schemeClr val="tx1"/>
+                      </a:solidFill>
+                      <a:prstDash val="solid"/>
+                      <a:round/>
+                      <a:headEnd type="none" w="med" len="med"/>
+                      <a:tailEnd type="none" w="med" len="med"/>
+                    </a:lnL>
+                    <a:lnR w="12700" cap="flat" cmpd="sng" algn="ctr">
+                      <a:solidFill>
+                        <a:schemeClr val="tx1"/>
+                      </a:solidFill>
+                      <a:prstDash val="solid"/>
+                      <a:round/>
+                      <a:headEnd type="none" w="med" len="med"/>
+                      <a:tailEnd type="none" w="med" len="med"/>
+                    </a:lnR>
+                    <a:lnT w="12700" cap="flat" cmpd="sng" algn="ctr">
+                      <a:solidFill>
+                        <a:schemeClr val="tx1"/>
+                      </a:solidFill>
+                      <a:prstDash val="solid"/>
+                      <a:round/>
+                      <a:headEnd type="none" w="med" len="med"/>
+                      <a:tailEnd type="none" w="med" len="med"/>
+                    </a:lnT>
+                    <a:lnB w="12700" cap="flat" cmpd="sng" algn="ctr">
+                      <a:solidFill>
+                        <a:schemeClr val="tx1"/>
+                      </a:solidFill>
+                      <a:prstDash val="solid"/>
+                      <a:round/>
+                      <a:headEnd type="none" w="med" len="med"/>
+                      <a:tailEnd type="none" w="med" len="med"/>
+                    </a:lnB>
+                    <a:solidFill>
+                      <a:schemeClr val="bg1"/>
+                    </a:solidFill>
+                  </a:tcPr>
+                </a:tc>
+                <a:tc>
+                  <a:txBody>
+                    <a:bodyPr/>
+                    <a:lstStyle/>
+                    <a:p>
+                      <a:pPr algn="ctr" latinLnBrk="1"/>
+                      <a:r>
+                        <a:rPr lang="en-US" altLang="ko-KR" sz="1800" b="0" dirty="0" smtClean="0">
+                          <a:solidFill>
+                            <a:schemeClr val="tx1"/>
+                          </a:solidFill>
+                        </a:rPr>
+                        <a:t>1</a:t>
+                      </a:r>
+                      <a:endParaRPr lang="ko-KR" altLang="en-US" sz="1800" b="0" dirty="0">
+                        <a:solidFill>
+                          <a:schemeClr val="tx1"/>
+                        </a:solidFill>
+                      </a:endParaRPr>
+                    </a:p>
+                  </a:txBody>
+                  <a:tcPr marL="72375" marR="72375" marT="36188" marB="36188" anchor="ctr">
+                    <a:lnL w="12700" cap="flat" cmpd="sng" algn="ctr">
+                      <a:solidFill>
+                        <a:schemeClr val="tx1"/>
+                      </a:solidFill>
+                      <a:prstDash val="solid"/>
+                      <a:round/>
+                      <a:headEnd type="none" w="med" len="med"/>
+                      <a:tailEnd type="none" w="med" len="med"/>
+                    </a:lnL>
+                    <a:lnR w="12700" cap="flat" cmpd="sng" algn="ctr">
+                      <a:solidFill>
+                        <a:schemeClr val="tx1"/>
+                      </a:solidFill>
+                      <a:prstDash val="solid"/>
+                      <a:round/>
+                      <a:headEnd type="none" w="med" len="med"/>
+                      <a:tailEnd type="none" w="med" len="med"/>
+                    </a:lnR>
+                    <a:lnT w="12700" cap="flat" cmpd="sng" algn="ctr">
+                      <a:solidFill>
+                        <a:schemeClr val="tx1"/>
+                      </a:solidFill>
+                      <a:prstDash val="solid"/>
+                      <a:round/>
+                      <a:headEnd type="none" w="med" len="med"/>
+                      <a:tailEnd type="none" w="med" len="med"/>
+                    </a:lnT>
+                    <a:lnB w="12700" cap="flat" cmpd="sng" algn="ctr">
+                      <a:solidFill>
+                        <a:schemeClr val="tx1"/>
+                      </a:solidFill>
+                      <a:prstDash val="solid"/>
+                      <a:round/>
+                      <a:headEnd type="none" w="med" len="med"/>
+                      <a:tailEnd type="none" w="med" len="med"/>
+                    </a:lnB>
+                    <a:solidFill>
+                      <a:schemeClr val="bg1"/>
+                    </a:solidFill>
+                  </a:tcPr>
+                </a:tc>
+                <a:extLst>
+                  <a:ext uri="{0D108BD9-81ED-4DB2-BD59-A6C34878D82A}">
+                    <a16:rowId xmlns:a16="http://schemas.microsoft.com/office/drawing/2014/main" val="1581691548"/>
+                  </a:ext>
+                </a:extLst>
+              </a:tr>
+              <a:tr h="567430">
+                <a:tc>
+                  <a:txBody>
+                    <a:bodyPr/>
+                    <a:lstStyle/>
+                    <a:p>
+                      <a:pPr algn="ctr" latinLnBrk="1"/>
+                      <a:r>
+                        <a:rPr lang="en-US" altLang="ko-KR" sz="1800" b="0" dirty="0" smtClean="0">
+                          <a:solidFill>
+                            <a:schemeClr val="tx1"/>
+                          </a:solidFill>
+                        </a:rPr>
+                        <a:t>1</a:t>
+                      </a:r>
+                      <a:endParaRPr lang="ko-KR" altLang="en-US" sz="1800" b="0" dirty="0">
+                        <a:solidFill>
+                          <a:schemeClr val="tx1"/>
+                        </a:solidFill>
+                      </a:endParaRPr>
+                    </a:p>
+                  </a:txBody>
+                  <a:tcPr marL="72375" marR="72375" marT="36188" marB="36188" anchor="ctr">
+                    <a:lnL w="12700" cap="flat" cmpd="sng" algn="ctr">
+                      <a:solidFill>
+                        <a:schemeClr val="tx1"/>
+                      </a:solidFill>
+                      <a:prstDash val="solid"/>
+                      <a:round/>
+                      <a:headEnd type="none" w="med" len="med"/>
+                      <a:tailEnd type="none" w="med" len="med"/>
+                    </a:lnL>
+                    <a:lnR w="12700" cap="flat" cmpd="sng" algn="ctr">
+                      <a:solidFill>
+                        <a:schemeClr val="tx1"/>
+                      </a:solidFill>
+                      <a:prstDash val="solid"/>
+                      <a:round/>
+                      <a:headEnd type="none" w="med" len="med"/>
+                      <a:tailEnd type="none" w="med" len="med"/>
+                    </a:lnR>
+                    <a:lnT w="12700" cap="flat" cmpd="sng" algn="ctr">
+                      <a:solidFill>
+                        <a:schemeClr val="tx1"/>
+                      </a:solidFill>
+                      <a:prstDash val="solid"/>
+                      <a:round/>
+                      <a:headEnd type="none" w="med" len="med"/>
+                      <a:tailEnd type="none" w="med" len="med"/>
+                    </a:lnT>
+                    <a:lnB w="12700" cap="flat" cmpd="sng" algn="ctr">
+                      <a:solidFill>
+                        <a:schemeClr val="tx1"/>
+                      </a:solidFill>
+                      <a:prstDash val="solid"/>
+                      <a:round/>
+                      <a:headEnd type="none" w="med" len="med"/>
+                      <a:tailEnd type="none" w="med" len="med"/>
+                    </a:lnB>
+                    <a:solidFill>
+                      <a:schemeClr val="bg1"/>
+                    </a:solidFill>
+                  </a:tcPr>
+                </a:tc>
+                <a:tc>
+                  <a:txBody>
+                    <a:bodyPr/>
+                    <a:lstStyle/>
+                    <a:p>
+                      <a:pPr algn="ctr" latinLnBrk="1"/>
+                      <a:r>
+                        <a:rPr lang="en-US" altLang="ko-KR" sz="1800" b="0" dirty="0" smtClean="0">
+                          <a:solidFill>
+                            <a:schemeClr val="tx1"/>
+                          </a:solidFill>
+                        </a:rPr>
+                        <a:t>1</a:t>
+                      </a:r>
+                      <a:endParaRPr lang="ko-KR" altLang="en-US" sz="1800" b="0" dirty="0">
+                        <a:solidFill>
+                          <a:schemeClr val="tx1"/>
+                        </a:solidFill>
+                      </a:endParaRPr>
+                    </a:p>
+                  </a:txBody>
+                  <a:tcPr marL="72375" marR="72375" marT="36188" marB="36188" anchor="ctr">
+                    <a:lnL w="12700" cap="flat" cmpd="sng" algn="ctr">
+                      <a:solidFill>
+                        <a:schemeClr val="tx1"/>
+                      </a:solidFill>
+                      <a:prstDash val="solid"/>
+                      <a:round/>
+                      <a:headEnd type="none" w="med" len="med"/>
+                      <a:tailEnd type="none" w="med" len="med"/>
+                    </a:lnL>
+                    <a:lnR w="12700" cap="flat" cmpd="sng" algn="ctr">
+                      <a:solidFill>
+                        <a:schemeClr val="tx1"/>
+                      </a:solidFill>
+                      <a:prstDash val="solid"/>
+                      <a:round/>
+                      <a:headEnd type="none" w="med" len="med"/>
+                      <a:tailEnd type="none" w="med" len="med"/>
+                    </a:lnR>
+                    <a:lnT w="12700" cap="flat" cmpd="sng" algn="ctr">
+                      <a:solidFill>
+                        <a:schemeClr val="tx1"/>
+                      </a:solidFill>
+                      <a:prstDash val="solid"/>
+                      <a:round/>
+                      <a:headEnd type="none" w="med" len="med"/>
+                      <a:tailEnd type="none" w="med" len="med"/>
+                    </a:lnT>
+                    <a:lnB w="12700" cap="flat" cmpd="sng" algn="ctr">
+                      <a:solidFill>
+                        <a:schemeClr val="tx1"/>
+                      </a:solidFill>
+                      <a:prstDash val="solid"/>
+                      <a:round/>
+                      <a:headEnd type="none" w="med" len="med"/>
+                      <a:tailEnd type="none" w="med" len="med"/>
+                    </a:lnB>
+                    <a:solidFill>
+                      <a:schemeClr val="bg1"/>
+                    </a:solidFill>
+                  </a:tcPr>
+                </a:tc>
+                <a:tc>
+                  <a:txBody>
+                    <a:bodyPr/>
+                    <a:lstStyle/>
+                    <a:p>
+                      <a:pPr algn="ctr" latinLnBrk="1"/>
+                      <a:r>
+                        <a:rPr lang="en-US" altLang="ko-KR" sz="1800" b="0" dirty="0" smtClean="0">
+                          <a:solidFill>
+                            <a:schemeClr val="tx1"/>
+                          </a:solidFill>
+                        </a:rPr>
+                        <a:t>1</a:t>
+                      </a:r>
+                      <a:endParaRPr lang="ko-KR" altLang="en-US" sz="1800" b="0" dirty="0">
+                        <a:solidFill>
+                          <a:schemeClr val="tx1"/>
+                        </a:solidFill>
+                      </a:endParaRPr>
+                    </a:p>
+                  </a:txBody>
+                  <a:tcPr marL="72375" marR="72375" marT="36188" marB="36188" anchor="ctr">
+                    <a:lnL w="12700" cap="flat" cmpd="sng" algn="ctr">
+                      <a:solidFill>
+                        <a:schemeClr val="tx1"/>
+                      </a:solidFill>
+                      <a:prstDash val="solid"/>
+                      <a:round/>
+                      <a:headEnd type="none" w="med" len="med"/>
+                      <a:tailEnd type="none" w="med" len="med"/>
+                    </a:lnL>
+                    <a:lnR w="12700" cap="flat" cmpd="sng" algn="ctr">
+                      <a:solidFill>
+                        <a:schemeClr val="tx1"/>
+                      </a:solidFill>
+                      <a:prstDash val="solid"/>
+                      <a:round/>
+                      <a:headEnd type="none" w="med" len="med"/>
+                      <a:tailEnd type="none" w="med" len="med"/>
+                    </a:lnR>
+                    <a:lnT w="12700" cap="flat" cmpd="sng" algn="ctr">
+                      <a:solidFill>
+                        <a:schemeClr val="tx1"/>
+                      </a:solidFill>
+                      <a:prstDash val="solid"/>
+                      <a:round/>
+                      <a:headEnd type="none" w="med" len="med"/>
+                      <a:tailEnd type="none" w="med" len="med"/>
+                    </a:lnT>
+                    <a:lnB w="12700" cap="flat" cmpd="sng" algn="ctr">
+                      <a:solidFill>
+                        <a:schemeClr val="tx1"/>
+                      </a:solidFill>
+                      <a:prstDash val="solid"/>
+                      <a:round/>
+                      <a:headEnd type="none" w="med" len="med"/>
+                      <a:tailEnd type="none" w="med" len="med"/>
+                    </a:lnB>
+                    <a:solidFill>
+                      <a:schemeClr val="bg1"/>
+                    </a:solidFill>
+                  </a:tcPr>
+                </a:tc>
+                <a:tc>
+                  <a:txBody>
+                    <a:bodyPr/>
+                    <a:lstStyle/>
+                    <a:p>
+                      <a:pPr algn="ctr" latinLnBrk="1"/>
+                      <a:r>
+                        <a:rPr lang="en-US" altLang="ko-KR" sz="1800" b="0" dirty="0" smtClean="0">
+                          <a:solidFill>
+                            <a:schemeClr val="tx1"/>
+                          </a:solidFill>
+                        </a:rPr>
+                        <a:t>0</a:t>
+                      </a:r>
+                      <a:endParaRPr lang="ko-KR" altLang="en-US" sz="1800" b="0" dirty="0">
+                        <a:solidFill>
+                          <a:schemeClr val="tx1"/>
+                        </a:solidFill>
+                      </a:endParaRPr>
+                    </a:p>
+                  </a:txBody>
+                  <a:tcPr marL="72375" marR="72375" marT="36188" marB="36188" anchor="ctr">
+                    <a:lnL w="12700" cap="flat" cmpd="sng" algn="ctr">
+                      <a:solidFill>
+                        <a:schemeClr val="tx1"/>
+                      </a:solidFill>
+                      <a:prstDash val="solid"/>
+                      <a:round/>
+                      <a:headEnd type="none" w="med" len="med"/>
+                      <a:tailEnd type="none" w="med" len="med"/>
+                    </a:lnL>
+                    <a:lnR w="12700" cap="flat" cmpd="sng" algn="ctr">
+                      <a:solidFill>
+                        <a:schemeClr val="tx1"/>
+                      </a:solidFill>
+                      <a:prstDash val="solid"/>
+                      <a:round/>
+                      <a:headEnd type="none" w="med" len="med"/>
+                      <a:tailEnd type="none" w="med" len="med"/>
+                    </a:lnR>
+                    <a:lnT w="12700" cap="flat" cmpd="sng" algn="ctr">
+                      <a:solidFill>
+                        <a:schemeClr val="tx1"/>
+                      </a:solidFill>
+                      <a:prstDash val="solid"/>
+                      <a:round/>
+                      <a:headEnd type="none" w="med" len="med"/>
+                      <a:tailEnd type="none" w="med" len="med"/>
+                    </a:lnT>
+                    <a:lnB w="12700" cap="flat" cmpd="sng" algn="ctr">
+                      <a:solidFill>
+                        <a:schemeClr val="tx1"/>
+                      </a:solidFill>
+                      <a:prstDash val="solid"/>
+                      <a:round/>
+                      <a:headEnd type="none" w="med" len="med"/>
+                      <a:tailEnd type="none" w="med" len="med"/>
+                    </a:lnB>
+                    <a:solidFill>
+                      <a:schemeClr val="bg1"/>
+                    </a:solidFill>
+                  </a:tcPr>
+                </a:tc>
+                <a:extLst>
+                  <a:ext uri="{0D108BD9-81ED-4DB2-BD59-A6C34878D82A}">
+                    <a16:rowId xmlns:a16="http://schemas.microsoft.com/office/drawing/2014/main" val="2786690379"/>
+                  </a:ext>
+                </a:extLst>
+              </a:tr>
+            </a:tbl>
+          </a:graphicData>
+        </a:graphic>
+      </p:graphicFrame>
+      <p:grpSp>
+        <p:nvGrpSpPr>
+          <p:cNvPr id="110" name="그룹 109"/>
+          <p:cNvGrpSpPr/>
+          <p:nvPr/>
+        </p:nvGrpSpPr>
+        <p:grpSpPr>
+          <a:xfrm>
+            <a:off x="4929188" y="4278918"/>
+            <a:ext cx="4909697" cy="404453"/>
+            <a:chOff x="4929188" y="4431318"/>
+            <a:chExt cx="4909697" cy="404453"/>
+          </a:xfrm>
+        </p:grpSpPr>
+        <p:sp>
+          <p:nvSpPr>
+            <p:cNvPr id="35" name="직사각형 34"/>
+            <p:cNvSpPr/>
+            <p:nvPr/>
+          </p:nvSpPr>
+          <p:spPr>
+            <a:xfrm>
+              <a:off x="4929188" y="4431324"/>
+              <a:ext cx="760412" cy="404446"/>
+            </a:xfrm>
+            <a:prstGeom prst="rect">
+              <a:avLst/>
+            </a:prstGeom>
+            <a:solidFill>
+              <a:schemeClr val="bg1"/>
+            </a:solidFill>
+            <a:ln>
+              <a:solidFill>
+                <a:schemeClr val="tx1"/>
+              </a:solidFill>
+            </a:ln>
+          </p:spPr>
+          <p:style>
+            <a:lnRef idx="2">
+              <a:schemeClr val="accent1">
+                <a:shade val="50000"/>
+              </a:schemeClr>
+            </a:lnRef>
+            <a:fillRef idx="1">
+              <a:schemeClr val="accent1"/>
+            </a:fillRef>
+            <a:effectRef idx="0">
+              <a:schemeClr val="accent1"/>
+            </a:effectRef>
+            <a:fontRef idx="minor">
+              <a:schemeClr val="lt1"/>
+            </a:fontRef>
+          </p:style>
+          <p:txBody>
+            <a:bodyPr rtlCol="0" anchor="ctr"/>
+            <a:lstStyle/>
+            <a:p>
+              <a:pPr algn="just"/>
+              <a:r>
+                <a:rPr lang="en-US" altLang="ko-KR" dirty="0" smtClean="0">
+                  <a:solidFill>
+                    <a:schemeClr val="tx1"/>
+                  </a:solidFill>
+                </a:rPr>
+                <a:t>A</a:t>
+              </a:r>
+              <a:endParaRPr lang="ko-KR" altLang="en-US" dirty="0">
+                <a:solidFill>
+                  <a:schemeClr val="tx1"/>
+                </a:solidFill>
+              </a:endParaRPr>
+            </a:p>
+          </p:txBody>
+        </p:sp>
+        <p:sp>
+          <p:nvSpPr>
+            <p:cNvPr id="39" name="직사각형 38"/>
+            <p:cNvSpPr/>
+            <p:nvPr/>
+          </p:nvSpPr>
+          <p:spPr>
+            <a:xfrm>
+              <a:off x="5689600" y="4431325"/>
+              <a:ext cx="241300" cy="404446"/>
+            </a:xfrm>
+            <a:prstGeom prst="rect">
+              <a:avLst/>
+            </a:prstGeom>
+            <a:solidFill>
+              <a:schemeClr val="bg1"/>
+            </a:solidFill>
+            <a:ln>
+              <a:solidFill>
+                <a:schemeClr val="tx1"/>
+              </a:solidFill>
+            </a:ln>
+          </p:spPr>
+          <p:style>
+            <a:lnRef idx="2">
+              <a:schemeClr val="accent1">
+                <a:shade val="50000"/>
+              </a:schemeClr>
+            </a:lnRef>
+            <a:fillRef idx="1">
+              <a:schemeClr val="accent1"/>
+            </a:fillRef>
+            <a:effectRef idx="0">
+              <a:schemeClr val="accent1"/>
+            </a:effectRef>
+            <a:fontRef idx="minor">
+              <a:schemeClr val="lt1"/>
+            </a:fontRef>
+          </p:style>
+          <p:txBody>
+            <a:bodyPr rtlCol="0" anchor="ctr"/>
+            <a:lstStyle/>
+            <a:p>
+              <a:pPr algn="just"/>
+              <a:endParaRPr lang="ko-KR" altLang="en-US">
+                <a:solidFill>
+                  <a:schemeClr val="tx1"/>
+                </a:solidFill>
+              </a:endParaRPr>
+            </a:p>
+          </p:txBody>
+        </p:sp>
+        <p:sp>
+          <p:nvSpPr>
+            <p:cNvPr id="43" name="직사각형 42"/>
+            <p:cNvSpPr/>
+            <p:nvPr/>
+          </p:nvSpPr>
+          <p:spPr>
+            <a:xfrm>
+              <a:off x="6565754" y="4431321"/>
+              <a:ext cx="760412" cy="404446"/>
+            </a:xfrm>
+            <a:prstGeom prst="rect">
+              <a:avLst/>
+            </a:prstGeom>
+            <a:solidFill>
+              <a:schemeClr val="bg1"/>
+            </a:solidFill>
+            <a:ln>
+              <a:solidFill>
+                <a:schemeClr val="tx1"/>
+              </a:solidFill>
+            </a:ln>
+          </p:spPr>
+          <p:style>
+            <a:lnRef idx="2">
+              <a:schemeClr val="accent1">
+                <a:shade val="50000"/>
+              </a:schemeClr>
+            </a:lnRef>
+            <a:fillRef idx="1">
+              <a:schemeClr val="accent1"/>
+            </a:fillRef>
+            <a:effectRef idx="0">
+              <a:schemeClr val="accent1"/>
+            </a:effectRef>
+            <a:fontRef idx="minor">
+              <a:schemeClr val="lt1"/>
+            </a:fontRef>
+          </p:style>
+          <p:txBody>
+            <a:bodyPr rtlCol="0" anchor="ctr"/>
+            <a:lstStyle/>
+            <a:p>
+              <a:pPr algn="just"/>
+              <a:r>
+                <a:rPr lang="en-US" altLang="ko-KR" dirty="0" smtClean="0">
+                  <a:solidFill>
+                    <a:schemeClr val="tx1"/>
+                  </a:solidFill>
+                </a:rPr>
+                <a:t>B</a:t>
+              </a:r>
+              <a:endParaRPr lang="ko-KR" altLang="en-US" dirty="0">
+                <a:solidFill>
+                  <a:schemeClr val="tx1"/>
+                </a:solidFill>
+              </a:endParaRPr>
+            </a:p>
+          </p:txBody>
+        </p:sp>
+        <p:sp>
+          <p:nvSpPr>
+            <p:cNvPr id="47" name="직사각형 46"/>
+            <p:cNvSpPr/>
+            <p:nvPr/>
+          </p:nvSpPr>
+          <p:spPr>
+            <a:xfrm>
+              <a:off x="7326166" y="4431322"/>
+              <a:ext cx="241300" cy="404446"/>
+            </a:xfrm>
+            <a:prstGeom prst="rect">
+              <a:avLst/>
+            </a:prstGeom>
+            <a:solidFill>
+              <a:schemeClr val="bg1"/>
+            </a:solidFill>
+            <a:ln>
+              <a:solidFill>
+                <a:schemeClr val="tx1"/>
+              </a:solidFill>
+            </a:ln>
+          </p:spPr>
+          <p:style>
+            <a:lnRef idx="2">
+              <a:schemeClr val="accent1">
+                <a:shade val="50000"/>
+              </a:schemeClr>
+            </a:lnRef>
+            <a:fillRef idx="1">
+              <a:schemeClr val="accent1"/>
+            </a:fillRef>
+            <a:effectRef idx="0">
+              <a:schemeClr val="accent1"/>
+            </a:effectRef>
+            <a:fontRef idx="minor">
+              <a:schemeClr val="lt1"/>
+            </a:fontRef>
+          </p:style>
+          <p:txBody>
+            <a:bodyPr rtlCol="0" anchor="ctr"/>
+            <a:lstStyle/>
+            <a:p>
+              <a:pPr algn="just"/>
+              <a:endParaRPr lang="ko-KR" altLang="en-US">
+                <a:solidFill>
+                  <a:schemeClr val="tx1"/>
+                </a:solidFill>
+              </a:endParaRPr>
+            </a:p>
+          </p:txBody>
+        </p:sp>
+        <p:sp>
+          <p:nvSpPr>
+            <p:cNvPr id="51" name="직사각형 50"/>
+            <p:cNvSpPr/>
+            <p:nvPr/>
+          </p:nvSpPr>
+          <p:spPr>
+            <a:xfrm>
+              <a:off x="8202320" y="4431318"/>
+              <a:ext cx="760412" cy="404446"/>
+            </a:xfrm>
+            <a:prstGeom prst="rect">
+              <a:avLst/>
+            </a:prstGeom>
+            <a:solidFill>
+              <a:schemeClr val="bg1"/>
+            </a:solidFill>
+            <a:ln>
+              <a:solidFill>
+                <a:schemeClr val="tx1"/>
+              </a:solidFill>
+            </a:ln>
+          </p:spPr>
+          <p:style>
+            <a:lnRef idx="2">
+              <a:schemeClr val="accent1">
+                <a:shade val="50000"/>
+              </a:schemeClr>
+            </a:lnRef>
+            <a:fillRef idx="1">
+              <a:schemeClr val="accent1"/>
+            </a:fillRef>
+            <a:effectRef idx="0">
+              <a:schemeClr val="accent1"/>
+            </a:effectRef>
+            <a:fontRef idx="minor">
+              <a:schemeClr val="lt1"/>
+            </a:fontRef>
+          </p:style>
+          <p:txBody>
+            <a:bodyPr rtlCol="0" anchor="ctr"/>
+            <a:lstStyle/>
+            <a:p>
+              <a:pPr algn="just"/>
+              <a:r>
+                <a:rPr lang="en-US" altLang="ko-KR" dirty="0" smtClean="0">
+                  <a:solidFill>
+                    <a:schemeClr val="tx1"/>
+                  </a:solidFill>
+                </a:rPr>
+                <a:t>D</a:t>
+              </a:r>
+              <a:endParaRPr lang="ko-KR" altLang="en-US" dirty="0">
+                <a:solidFill>
+                  <a:schemeClr val="tx1"/>
+                </a:solidFill>
+              </a:endParaRPr>
+            </a:p>
+          </p:txBody>
+        </p:sp>
+        <p:sp>
+          <p:nvSpPr>
+            <p:cNvPr id="55" name="직사각형 54"/>
+            <p:cNvSpPr/>
+            <p:nvPr/>
+          </p:nvSpPr>
+          <p:spPr>
+            <a:xfrm>
+              <a:off x="9018576" y="4431319"/>
+              <a:ext cx="820309" cy="404446"/>
+            </a:xfrm>
+            <a:prstGeom prst="rect">
+              <a:avLst/>
+            </a:prstGeom>
+            <a:solidFill>
+              <a:schemeClr val="bg1"/>
+            </a:solidFill>
+            <a:ln>
+              <a:solidFill>
+                <a:schemeClr val="tx1"/>
+              </a:solidFill>
+            </a:ln>
+          </p:spPr>
+          <p:style>
+            <a:lnRef idx="2">
+              <a:schemeClr val="accent1">
+                <a:shade val="50000"/>
+              </a:schemeClr>
+            </a:lnRef>
+            <a:fillRef idx="1">
+              <a:schemeClr val="accent1"/>
+            </a:fillRef>
+            <a:effectRef idx="0">
+              <a:schemeClr val="accent1"/>
+            </a:effectRef>
+            <a:fontRef idx="minor">
+              <a:schemeClr val="lt1"/>
+            </a:fontRef>
+          </p:style>
+          <p:txBody>
+            <a:bodyPr rtlCol="0" anchor="ctr"/>
+            <a:lstStyle/>
+            <a:p>
+              <a:pPr algn="just"/>
+              <a:r>
+                <a:rPr lang="en-US" altLang="ko-KR" dirty="0" smtClean="0">
+                  <a:solidFill>
+                    <a:schemeClr val="tx1"/>
+                  </a:solidFill>
+                </a:rPr>
+                <a:t>NULL</a:t>
+              </a:r>
+              <a:endParaRPr lang="ko-KR" altLang="en-US" dirty="0">
+                <a:solidFill>
+                  <a:schemeClr val="tx1"/>
+                </a:solidFill>
+              </a:endParaRPr>
+            </a:p>
+          </p:txBody>
+        </p:sp>
+        <p:cxnSp>
+          <p:nvCxnSpPr>
+            <p:cNvPr id="67" name="직선 화살표 연결선 66"/>
+            <p:cNvCxnSpPr>
+              <a:stCxn id="39" idx="3"/>
+              <a:endCxn id="43" idx="1"/>
+            </p:cNvCxnSpPr>
+            <p:nvPr/>
+          </p:nvCxnSpPr>
+          <p:spPr>
+            <a:xfrm flipV="1">
+              <a:off x="5930900" y="4633544"/>
+              <a:ext cx="634854" cy="4"/>
+            </a:xfrm>
+            <a:prstGeom prst="straightConnector1">
+              <a:avLst/>
+            </a:prstGeom>
+            <a:ln>
+              <a:solidFill>
+                <a:schemeClr val="tx1"/>
+              </a:solidFill>
+              <a:headEnd type="oval"/>
+              <a:tailEnd type="triangle"/>
+            </a:ln>
+          </p:spPr>
+          <p:style>
+            <a:lnRef idx="1">
+              <a:schemeClr val="accent1"/>
+            </a:lnRef>
+            <a:fillRef idx="0">
+              <a:schemeClr val="accent1"/>
+            </a:fillRef>
+            <a:effectRef idx="0">
+              <a:schemeClr val="accent1"/>
+            </a:effectRef>
+            <a:fontRef idx="minor">
+              <a:schemeClr val="tx1"/>
+            </a:fontRef>
+          </p:style>
+        </p:cxnSp>
+        <p:cxnSp>
+          <p:nvCxnSpPr>
+            <p:cNvPr id="87" name="직선 화살표 연결선 86"/>
+            <p:cNvCxnSpPr>
+              <a:stCxn id="47" idx="3"/>
+              <a:endCxn id="51" idx="1"/>
+            </p:cNvCxnSpPr>
+            <p:nvPr/>
+          </p:nvCxnSpPr>
+          <p:spPr>
+            <a:xfrm flipV="1">
+              <a:off x="7567466" y="4633541"/>
+              <a:ext cx="634854" cy="4"/>
+            </a:xfrm>
+            <a:prstGeom prst="straightConnector1">
+              <a:avLst/>
+            </a:prstGeom>
+            <a:ln>
+              <a:solidFill>
+                <a:schemeClr val="tx1"/>
+              </a:solidFill>
+              <a:headEnd type="oval"/>
+              <a:tailEnd type="triangle"/>
+            </a:ln>
+          </p:spPr>
+          <p:style>
+            <a:lnRef idx="1">
+              <a:schemeClr val="accent1"/>
+            </a:lnRef>
+            <a:fillRef idx="0">
+              <a:schemeClr val="accent1"/>
+            </a:fillRef>
+            <a:effectRef idx="0">
+              <a:schemeClr val="accent1"/>
+            </a:effectRef>
+            <a:fontRef idx="minor">
+              <a:schemeClr val="tx1"/>
+            </a:fontRef>
+          </p:style>
+        </p:cxnSp>
+      </p:grpSp>
+      <p:grpSp>
+        <p:nvGrpSpPr>
+          <p:cNvPr id="108" name="그룹 107"/>
+          <p:cNvGrpSpPr/>
+          <p:nvPr/>
+        </p:nvGrpSpPr>
+        <p:grpSpPr>
+          <a:xfrm>
+            <a:off x="4929188" y="5291006"/>
+            <a:ext cx="4909696" cy="404455"/>
+            <a:chOff x="4929188" y="5240207"/>
+            <a:chExt cx="4909696" cy="404455"/>
+          </a:xfrm>
+        </p:grpSpPr>
+        <p:sp>
+          <p:nvSpPr>
+            <p:cNvPr id="37" name="직사각형 36"/>
+            <p:cNvSpPr/>
+            <p:nvPr/>
+          </p:nvSpPr>
+          <p:spPr>
+            <a:xfrm>
+              <a:off x="4929188" y="5240216"/>
+              <a:ext cx="760412" cy="404446"/>
+            </a:xfrm>
+            <a:prstGeom prst="rect">
+              <a:avLst/>
+            </a:prstGeom>
+            <a:solidFill>
+              <a:schemeClr val="bg1"/>
+            </a:solidFill>
+            <a:ln>
+              <a:solidFill>
+                <a:schemeClr val="tx1"/>
+              </a:solidFill>
+            </a:ln>
+          </p:spPr>
+          <p:style>
+            <a:lnRef idx="2">
+              <a:schemeClr val="accent1">
+                <a:shade val="50000"/>
+              </a:schemeClr>
+            </a:lnRef>
+            <a:fillRef idx="1">
+              <a:schemeClr val="accent1"/>
+            </a:fillRef>
+            <a:effectRef idx="0">
+              <a:schemeClr val="accent1"/>
+            </a:effectRef>
+            <a:fontRef idx="minor">
+              <a:schemeClr val="lt1"/>
+            </a:fontRef>
+          </p:style>
+          <p:txBody>
+            <a:bodyPr rtlCol="0" anchor="ctr"/>
+            <a:lstStyle/>
+            <a:p>
+              <a:pPr algn="just"/>
+              <a:r>
+                <a:rPr lang="en-US" altLang="ko-KR" dirty="0" smtClean="0">
+                  <a:solidFill>
+                    <a:schemeClr val="tx1"/>
+                  </a:solidFill>
+                </a:rPr>
+                <a:t>C</a:t>
+              </a:r>
+              <a:endParaRPr lang="ko-KR" altLang="en-US" dirty="0">
+                <a:solidFill>
+                  <a:schemeClr val="tx1"/>
+                </a:solidFill>
+              </a:endParaRPr>
+            </a:p>
+          </p:txBody>
+        </p:sp>
+        <p:sp>
+          <p:nvSpPr>
+            <p:cNvPr id="41" name="직사각형 40"/>
+            <p:cNvSpPr/>
+            <p:nvPr/>
+          </p:nvSpPr>
+          <p:spPr>
+            <a:xfrm>
+              <a:off x="5689600" y="5240213"/>
+              <a:ext cx="241300" cy="404446"/>
+            </a:xfrm>
+            <a:prstGeom prst="rect">
+              <a:avLst/>
+            </a:prstGeom>
+            <a:solidFill>
+              <a:schemeClr val="bg1"/>
+            </a:solidFill>
+            <a:ln>
+              <a:solidFill>
+                <a:schemeClr val="tx1"/>
+              </a:solidFill>
+            </a:ln>
+          </p:spPr>
+          <p:style>
+            <a:lnRef idx="2">
+              <a:schemeClr val="accent1">
+                <a:shade val="50000"/>
+              </a:schemeClr>
+            </a:lnRef>
+            <a:fillRef idx="1">
+              <a:schemeClr val="accent1"/>
+            </a:fillRef>
+            <a:effectRef idx="0">
+              <a:schemeClr val="accent1"/>
+            </a:effectRef>
+            <a:fontRef idx="minor">
+              <a:schemeClr val="lt1"/>
+            </a:fontRef>
+          </p:style>
+          <p:txBody>
+            <a:bodyPr rtlCol="0" anchor="ctr"/>
+            <a:lstStyle/>
+            <a:p>
+              <a:pPr algn="just"/>
+              <a:endParaRPr lang="ko-KR" altLang="en-US">
+                <a:solidFill>
+                  <a:schemeClr val="tx1"/>
+                </a:solidFill>
+              </a:endParaRPr>
+            </a:p>
+          </p:txBody>
+        </p:sp>
+        <p:sp>
+          <p:nvSpPr>
+            <p:cNvPr id="45" name="직사각형 44"/>
+            <p:cNvSpPr/>
+            <p:nvPr/>
+          </p:nvSpPr>
+          <p:spPr>
+            <a:xfrm>
+              <a:off x="6565754" y="5240213"/>
+              <a:ext cx="760412" cy="404446"/>
+            </a:xfrm>
+            <a:prstGeom prst="rect">
+              <a:avLst/>
+            </a:prstGeom>
+            <a:solidFill>
+              <a:schemeClr val="bg1"/>
+            </a:solidFill>
+            <a:ln>
+              <a:solidFill>
+                <a:schemeClr val="tx1"/>
+              </a:solidFill>
+            </a:ln>
+          </p:spPr>
+          <p:style>
+            <a:lnRef idx="2">
+              <a:schemeClr val="accent1">
+                <a:shade val="50000"/>
+              </a:schemeClr>
+            </a:lnRef>
+            <a:fillRef idx="1">
+              <a:schemeClr val="accent1"/>
+            </a:fillRef>
+            <a:effectRef idx="0">
+              <a:schemeClr val="accent1"/>
+            </a:effectRef>
+            <a:fontRef idx="minor">
+              <a:schemeClr val="lt1"/>
+            </a:fontRef>
+          </p:style>
+          <p:txBody>
+            <a:bodyPr rtlCol="0" anchor="ctr"/>
+            <a:lstStyle/>
+            <a:p>
+              <a:pPr algn="just"/>
+              <a:r>
+                <a:rPr lang="en-US" altLang="ko-KR" dirty="0" smtClean="0">
+                  <a:solidFill>
+                    <a:schemeClr val="tx1"/>
+                  </a:solidFill>
+                </a:rPr>
+                <a:t>B</a:t>
+              </a:r>
+              <a:endParaRPr lang="ko-KR" altLang="en-US" dirty="0">
+                <a:solidFill>
+                  <a:schemeClr val="tx1"/>
+                </a:solidFill>
+              </a:endParaRPr>
+            </a:p>
+          </p:txBody>
+        </p:sp>
+        <p:sp>
+          <p:nvSpPr>
+            <p:cNvPr id="49" name="직사각형 48"/>
+            <p:cNvSpPr/>
+            <p:nvPr/>
+          </p:nvSpPr>
+          <p:spPr>
+            <a:xfrm>
+              <a:off x="7326166" y="5240210"/>
+              <a:ext cx="241300" cy="404446"/>
+            </a:xfrm>
+            <a:prstGeom prst="rect">
+              <a:avLst/>
+            </a:prstGeom>
+            <a:solidFill>
+              <a:schemeClr val="bg1"/>
+            </a:solidFill>
+            <a:ln>
+              <a:solidFill>
+                <a:schemeClr val="tx1"/>
+              </a:solidFill>
+            </a:ln>
+          </p:spPr>
+          <p:style>
+            <a:lnRef idx="2">
+              <a:schemeClr val="accent1">
+                <a:shade val="50000"/>
+              </a:schemeClr>
+            </a:lnRef>
+            <a:fillRef idx="1">
+              <a:schemeClr val="accent1"/>
+            </a:fillRef>
+            <a:effectRef idx="0">
+              <a:schemeClr val="accent1"/>
+            </a:effectRef>
+            <a:fontRef idx="minor">
+              <a:schemeClr val="lt1"/>
+            </a:fontRef>
+          </p:style>
+          <p:txBody>
+            <a:bodyPr rtlCol="0" anchor="ctr"/>
+            <a:lstStyle/>
+            <a:p>
+              <a:pPr algn="just"/>
+              <a:endParaRPr lang="ko-KR" altLang="en-US">
+                <a:solidFill>
+                  <a:schemeClr val="tx1"/>
+                </a:solidFill>
+              </a:endParaRPr>
+            </a:p>
+          </p:txBody>
+        </p:sp>
+        <p:sp>
+          <p:nvSpPr>
+            <p:cNvPr id="53" name="직사각형 52"/>
+            <p:cNvSpPr/>
+            <p:nvPr/>
+          </p:nvSpPr>
+          <p:spPr>
+            <a:xfrm>
+              <a:off x="8202320" y="5240210"/>
+              <a:ext cx="760412" cy="404446"/>
+            </a:xfrm>
+            <a:prstGeom prst="rect">
+              <a:avLst/>
+            </a:prstGeom>
+            <a:solidFill>
+              <a:schemeClr val="bg1"/>
+            </a:solidFill>
+            <a:ln>
+              <a:solidFill>
+                <a:schemeClr val="tx1"/>
+              </a:solidFill>
+            </a:ln>
+          </p:spPr>
+          <p:style>
+            <a:lnRef idx="2">
+              <a:schemeClr val="accent1">
+                <a:shade val="50000"/>
+              </a:schemeClr>
+            </a:lnRef>
+            <a:fillRef idx="1">
+              <a:schemeClr val="accent1"/>
+            </a:fillRef>
+            <a:effectRef idx="0">
+              <a:schemeClr val="accent1"/>
+            </a:effectRef>
+            <a:fontRef idx="minor">
+              <a:schemeClr val="lt1"/>
+            </a:fontRef>
+          </p:style>
+          <p:txBody>
+            <a:bodyPr rtlCol="0" anchor="ctr"/>
+            <a:lstStyle/>
+            <a:p>
+              <a:pPr algn="just"/>
+              <a:r>
+                <a:rPr lang="en-US" altLang="ko-KR" dirty="0" smtClean="0">
+                  <a:solidFill>
+                    <a:schemeClr val="tx1"/>
+                  </a:solidFill>
+                </a:rPr>
+                <a:t>D</a:t>
+              </a:r>
+              <a:endParaRPr lang="ko-KR" altLang="en-US" dirty="0">
+                <a:solidFill>
+                  <a:schemeClr val="tx1"/>
+                </a:solidFill>
+              </a:endParaRPr>
+            </a:p>
+          </p:txBody>
+        </p:sp>
+        <p:sp>
+          <p:nvSpPr>
+            <p:cNvPr id="57" name="직사각형 56"/>
+            <p:cNvSpPr/>
+            <p:nvPr/>
+          </p:nvSpPr>
+          <p:spPr>
+            <a:xfrm>
+              <a:off x="9018575" y="5240207"/>
+              <a:ext cx="820309" cy="404446"/>
+            </a:xfrm>
+            <a:prstGeom prst="rect">
+              <a:avLst/>
+            </a:prstGeom>
+            <a:solidFill>
+              <a:schemeClr val="bg1"/>
+            </a:solidFill>
+            <a:ln>
+              <a:solidFill>
+                <a:schemeClr val="tx1"/>
+              </a:solidFill>
+            </a:ln>
+          </p:spPr>
+          <p:style>
+            <a:lnRef idx="2">
+              <a:schemeClr val="accent1">
+                <a:shade val="50000"/>
+              </a:schemeClr>
+            </a:lnRef>
+            <a:fillRef idx="1">
+              <a:schemeClr val="accent1"/>
+            </a:fillRef>
+            <a:effectRef idx="0">
+              <a:schemeClr val="accent1"/>
+            </a:effectRef>
+            <a:fontRef idx="minor">
+              <a:schemeClr val="lt1"/>
+            </a:fontRef>
+          </p:style>
+          <p:txBody>
+            <a:bodyPr rtlCol="0" anchor="ctr"/>
+            <a:lstStyle/>
+            <a:p>
+              <a:pPr algn="just"/>
+              <a:r>
+                <a:rPr lang="en-US" altLang="ko-KR">
+                  <a:solidFill>
+                    <a:schemeClr val="tx1"/>
+                  </a:solidFill>
+                </a:rPr>
+                <a:t>NULL</a:t>
+              </a:r>
+              <a:endParaRPr lang="ko-KR" altLang="en-US" dirty="0">
+                <a:solidFill>
+                  <a:schemeClr val="tx1"/>
+                </a:solidFill>
+              </a:endParaRPr>
+            </a:p>
+          </p:txBody>
+        </p:sp>
+        <p:cxnSp>
+          <p:nvCxnSpPr>
+            <p:cNvPr id="73" name="직선 화살표 연결선 72"/>
+            <p:cNvCxnSpPr>
+              <a:stCxn id="41" idx="3"/>
+              <a:endCxn id="45" idx="1"/>
+            </p:cNvCxnSpPr>
+            <p:nvPr/>
+          </p:nvCxnSpPr>
+          <p:spPr>
+            <a:xfrm>
+              <a:off x="5930900" y="5442436"/>
+              <a:ext cx="634854" cy="0"/>
+            </a:xfrm>
+            <a:prstGeom prst="straightConnector1">
+              <a:avLst/>
+            </a:prstGeom>
+            <a:ln>
+              <a:solidFill>
+                <a:schemeClr val="tx1"/>
+              </a:solidFill>
+              <a:headEnd type="oval"/>
+              <a:tailEnd type="triangle"/>
+            </a:ln>
+          </p:spPr>
+          <p:style>
+            <a:lnRef idx="1">
+              <a:schemeClr val="accent1"/>
+            </a:lnRef>
+            <a:fillRef idx="0">
+              <a:schemeClr val="accent1"/>
+            </a:fillRef>
+            <a:effectRef idx="0">
+              <a:schemeClr val="accent1"/>
+            </a:effectRef>
+            <a:fontRef idx="minor">
+              <a:schemeClr val="tx1"/>
+            </a:fontRef>
+          </p:style>
+        </p:cxnSp>
+        <p:cxnSp>
+          <p:nvCxnSpPr>
+            <p:cNvPr id="89" name="직선 화살표 연결선 88"/>
+            <p:cNvCxnSpPr>
+              <a:stCxn id="49" idx="3"/>
+              <a:endCxn id="53" idx="1"/>
+            </p:cNvCxnSpPr>
+            <p:nvPr/>
+          </p:nvCxnSpPr>
+          <p:spPr>
+            <a:xfrm>
+              <a:off x="7567466" y="5442433"/>
+              <a:ext cx="634854" cy="0"/>
+            </a:xfrm>
+            <a:prstGeom prst="straightConnector1">
+              <a:avLst/>
+            </a:prstGeom>
+            <a:ln>
+              <a:solidFill>
+                <a:schemeClr val="tx1"/>
+              </a:solidFill>
+              <a:headEnd type="oval"/>
+              <a:tailEnd type="triangle"/>
+            </a:ln>
+          </p:spPr>
+          <p:style>
+            <a:lnRef idx="1">
+              <a:schemeClr val="accent1"/>
+            </a:lnRef>
+            <a:fillRef idx="0">
+              <a:schemeClr val="accent1"/>
+            </a:fillRef>
+            <a:effectRef idx="0">
+              <a:schemeClr val="accent1"/>
+            </a:effectRef>
+            <a:fontRef idx="minor">
+              <a:schemeClr val="tx1"/>
+            </a:fontRef>
+          </p:style>
+        </p:cxnSp>
+      </p:grpSp>
+      <p:grpSp>
+        <p:nvGrpSpPr>
+          <p:cNvPr id="109" name="그룹 108"/>
+          <p:cNvGrpSpPr/>
+          <p:nvPr/>
+        </p:nvGrpSpPr>
+        <p:grpSpPr>
+          <a:xfrm>
+            <a:off x="4929188" y="4784961"/>
+            <a:ext cx="6564313" cy="404455"/>
+            <a:chOff x="4929188" y="4835761"/>
+            <a:chExt cx="6564313" cy="404455"/>
+          </a:xfrm>
+        </p:grpSpPr>
+        <p:sp>
+          <p:nvSpPr>
+            <p:cNvPr id="36" name="직사각형 35"/>
+            <p:cNvSpPr/>
+            <p:nvPr/>
+          </p:nvSpPr>
+          <p:spPr>
+            <a:xfrm>
+              <a:off x="4929188" y="4835770"/>
+              <a:ext cx="760412" cy="404446"/>
+            </a:xfrm>
+            <a:prstGeom prst="rect">
+              <a:avLst/>
+            </a:prstGeom>
+            <a:solidFill>
+              <a:schemeClr val="bg1"/>
+            </a:solidFill>
+            <a:ln>
+              <a:solidFill>
+                <a:schemeClr val="tx1"/>
+              </a:solidFill>
+            </a:ln>
+          </p:spPr>
+          <p:style>
+            <a:lnRef idx="2">
+              <a:schemeClr val="accent1">
+                <a:shade val="50000"/>
+              </a:schemeClr>
+            </a:lnRef>
+            <a:fillRef idx="1">
+              <a:schemeClr val="accent1"/>
+            </a:fillRef>
+            <a:effectRef idx="0">
+              <a:schemeClr val="accent1"/>
+            </a:effectRef>
+            <a:fontRef idx="minor">
+              <a:schemeClr val="lt1"/>
+            </a:fontRef>
+          </p:style>
+          <p:txBody>
+            <a:bodyPr rtlCol="0" anchor="ctr"/>
+            <a:lstStyle/>
+            <a:p>
+              <a:pPr algn="just"/>
+              <a:r>
+                <a:rPr lang="en-US" altLang="ko-KR" dirty="0" smtClean="0">
+                  <a:solidFill>
+                    <a:schemeClr val="tx1"/>
+                  </a:solidFill>
+                </a:rPr>
+                <a:t>B</a:t>
+              </a:r>
+              <a:endParaRPr lang="ko-KR" altLang="en-US" dirty="0">
+                <a:solidFill>
+                  <a:schemeClr val="tx1"/>
+                </a:solidFill>
+              </a:endParaRPr>
+            </a:p>
+          </p:txBody>
+        </p:sp>
+        <p:sp>
+          <p:nvSpPr>
+            <p:cNvPr id="40" name="직사각형 39"/>
+            <p:cNvSpPr/>
+            <p:nvPr/>
+          </p:nvSpPr>
+          <p:spPr>
+            <a:xfrm>
+              <a:off x="5689600" y="4835769"/>
+              <a:ext cx="241300" cy="404446"/>
+            </a:xfrm>
+            <a:prstGeom prst="rect">
+              <a:avLst/>
+            </a:prstGeom>
+            <a:solidFill>
+              <a:schemeClr val="bg1"/>
+            </a:solidFill>
+            <a:ln>
+              <a:solidFill>
+                <a:schemeClr val="tx1"/>
+              </a:solidFill>
+            </a:ln>
+          </p:spPr>
+          <p:style>
+            <a:lnRef idx="2">
+              <a:schemeClr val="accent1">
+                <a:shade val="50000"/>
+              </a:schemeClr>
+            </a:lnRef>
+            <a:fillRef idx="1">
+              <a:schemeClr val="accent1"/>
+            </a:fillRef>
+            <a:effectRef idx="0">
+              <a:schemeClr val="accent1"/>
+            </a:effectRef>
+            <a:fontRef idx="minor">
+              <a:schemeClr val="lt1"/>
+            </a:fontRef>
+          </p:style>
+          <p:txBody>
+            <a:bodyPr rtlCol="0" anchor="ctr"/>
+            <a:lstStyle/>
+            <a:p>
+              <a:pPr algn="just"/>
+              <a:endParaRPr lang="ko-KR" altLang="en-US">
+                <a:solidFill>
+                  <a:schemeClr val="tx1"/>
+                </a:solidFill>
+              </a:endParaRPr>
+            </a:p>
+          </p:txBody>
+        </p:sp>
+        <p:sp>
+          <p:nvSpPr>
+            <p:cNvPr id="44" name="직사각형 43"/>
+            <p:cNvSpPr/>
+            <p:nvPr/>
+          </p:nvSpPr>
+          <p:spPr>
+            <a:xfrm>
+              <a:off x="6565754" y="4835767"/>
+              <a:ext cx="760412" cy="404446"/>
+            </a:xfrm>
+            <a:prstGeom prst="rect">
+              <a:avLst/>
+            </a:prstGeom>
+            <a:solidFill>
+              <a:schemeClr val="bg1"/>
+            </a:solidFill>
+            <a:ln>
+              <a:solidFill>
+                <a:schemeClr val="tx1"/>
+              </a:solidFill>
+            </a:ln>
+          </p:spPr>
+          <p:style>
+            <a:lnRef idx="2">
+              <a:schemeClr val="accent1">
+                <a:shade val="50000"/>
+              </a:schemeClr>
+            </a:lnRef>
+            <a:fillRef idx="1">
+              <a:schemeClr val="accent1"/>
+            </a:fillRef>
+            <a:effectRef idx="0">
+              <a:schemeClr val="accent1"/>
+            </a:effectRef>
+            <a:fontRef idx="minor">
+              <a:schemeClr val="lt1"/>
+            </a:fontRef>
+          </p:style>
+          <p:txBody>
+            <a:bodyPr rtlCol="0" anchor="ctr"/>
+            <a:lstStyle/>
+            <a:p>
+              <a:pPr algn="just"/>
+              <a:r>
+                <a:rPr lang="en-US" altLang="ko-KR" dirty="0" smtClean="0">
+                  <a:solidFill>
+                    <a:schemeClr val="tx1"/>
+                  </a:solidFill>
+                </a:rPr>
+                <a:t>A</a:t>
+              </a:r>
+              <a:endParaRPr lang="ko-KR" altLang="en-US" dirty="0">
+                <a:solidFill>
+                  <a:schemeClr val="tx1"/>
+                </a:solidFill>
+              </a:endParaRPr>
+            </a:p>
+          </p:txBody>
+        </p:sp>
+        <p:sp>
+          <p:nvSpPr>
+            <p:cNvPr id="48" name="직사각형 47"/>
+            <p:cNvSpPr/>
+            <p:nvPr/>
+          </p:nvSpPr>
+          <p:spPr>
+            <a:xfrm>
+              <a:off x="7326166" y="4835766"/>
+              <a:ext cx="241300" cy="404446"/>
+            </a:xfrm>
+            <a:prstGeom prst="rect">
+              <a:avLst/>
+            </a:prstGeom>
+            <a:solidFill>
+              <a:schemeClr val="bg1"/>
+            </a:solidFill>
+            <a:ln>
+              <a:solidFill>
+                <a:schemeClr val="tx1"/>
+              </a:solidFill>
+            </a:ln>
+          </p:spPr>
+          <p:style>
+            <a:lnRef idx="2">
+              <a:schemeClr val="accent1">
+                <a:shade val="50000"/>
+              </a:schemeClr>
+            </a:lnRef>
+            <a:fillRef idx="1">
+              <a:schemeClr val="accent1"/>
+            </a:fillRef>
+            <a:effectRef idx="0">
+              <a:schemeClr val="accent1"/>
+            </a:effectRef>
+            <a:fontRef idx="minor">
+              <a:schemeClr val="lt1"/>
+            </a:fontRef>
+          </p:style>
+          <p:txBody>
+            <a:bodyPr rtlCol="0" anchor="ctr"/>
+            <a:lstStyle/>
+            <a:p>
+              <a:pPr algn="just"/>
+              <a:endParaRPr lang="ko-KR" altLang="en-US">
+                <a:solidFill>
+                  <a:schemeClr val="tx1"/>
+                </a:solidFill>
+              </a:endParaRPr>
+            </a:p>
+          </p:txBody>
+        </p:sp>
+        <p:sp>
+          <p:nvSpPr>
+            <p:cNvPr id="52" name="직사각형 51"/>
+            <p:cNvSpPr/>
+            <p:nvPr/>
+          </p:nvSpPr>
+          <p:spPr>
+            <a:xfrm>
+              <a:off x="8202320" y="4835764"/>
+              <a:ext cx="760412" cy="404446"/>
+            </a:xfrm>
+            <a:prstGeom prst="rect">
+              <a:avLst/>
+            </a:prstGeom>
+            <a:solidFill>
+              <a:schemeClr val="bg1"/>
+            </a:solidFill>
+            <a:ln>
+              <a:solidFill>
+                <a:schemeClr val="tx1"/>
+              </a:solidFill>
+            </a:ln>
+          </p:spPr>
+          <p:style>
+            <a:lnRef idx="2">
+              <a:schemeClr val="accent1">
+                <a:shade val="50000"/>
+              </a:schemeClr>
+            </a:lnRef>
+            <a:fillRef idx="1">
+              <a:schemeClr val="accent1"/>
+            </a:fillRef>
+            <a:effectRef idx="0">
+              <a:schemeClr val="accent1"/>
+            </a:effectRef>
+            <a:fontRef idx="minor">
+              <a:schemeClr val="lt1"/>
+            </a:fontRef>
+          </p:style>
+          <p:txBody>
+            <a:bodyPr rtlCol="0" anchor="ctr"/>
+            <a:lstStyle/>
+            <a:p>
+              <a:pPr algn="just"/>
+              <a:r>
+                <a:rPr lang="en-US" altLang="ko-KR" dirty="0" smtClean="0">
+                  <a:solidFill>
+                    <a:schemeClr val="tx1"/>
+                  </a:solidFill>
+                </a:rPr>
+                <a:t>C</a:t>
+              </a:r>
+              <a:endParaRPr lang="ko-KR" altLang="en-US" dirty="0">
+                <a:solidFill>
+                  <a:schemeClr val="tx1"/>
+                </a:solidFill>
+              </a:endParaRPr>
+            </a:p>
+          </p:txBody>
+        </p:sp>
+        <p:sp>
+          <p:nvSpPr>
+            <p:cNvPr id="56" name="직사각형 55"/>
+            <p:cNvSpPr/>
+            <p:nvPr/>
+          </p:nvSpPr>
+          <p:spPr>
+            <a:xfrm>
+              <a:off x="8962732" y="4835763"/>
+              <a:ext cx="241300" cy="404446"/>
+            </a:xfrm>
+            <a:prstGeom prst="rect">
+              <a:avLst/>
+            </a:prstGeom>
+            <a:solidFill>
+              <a:schemeClr val="bg1"/>
+            </a:solidFill>
+            <a:ln>
+              <a:solidFill>
+                <a:schemeClr val="tx1"/>
+              </a:solidFill>
+            </a:ln>
+          </p:spPr>
+          <p:style>
+            <a:lnRef idx="2">
+              <a:schemeClr val="accent1">
+                <a:shade val="50000"/>
+              </a:schemeClr>
+            </a:lnRef>
+            <a:fillRef idx="1">
+              <a:schemeClr val="accent1"/>
+            </a:fillRef>
+            <a:effectRef idx="0">
+              <a:schemeClr val="accent1"/>
+            </a:effectRef>
+            <a:fontRef idx="minor">
+              <a:schemeClr val="lt1"/>
+            </a:fontRef>
+          </p:style>
+          <p:txBody>
+            <a:bodyPr rtlCol="0" anchor="ctr"/>
+            <a:lstStyle/>
+            <a:p>
+              <a:pPr algn="just"/>
+              <a:endParaRPr lang="ko-KR" altLang="en-US">
+                <a:solidFill>
+                  <a:schemeClr val="tx1"/>
+                </a:solidFill>
+              </a:endParaRPr>
+            </a:p>
+          </p:txBody>
+        </p:sp>
+        <p:sp>
+          <p:nvSpPr>
+            <p:cNvPr id="60" name="직사각형 59"/>
+            <p:cNvSpPr/>
+            <p:nvPr/>
+          </p:nvSpPr>
+          <p:spPr>
+            <a:xfrm>
+              <a:off x="9838886" y="4835761"/>
+              <a:ext cx="760412" cy="404446"/>
+            </a:xfrm>
+            <a:prstGeom prst="rect">
+              <a:avLst/>
+            </a:prstGeom>
+            <a:solidFill>
+              <a:schemeClr val="bg1"/>
+            </a:solidFill>
+            <a:ln>
+              <a:solidFill>
+                <a:schemeClr val="tx1"/>
+              </a:solidFill>
+            </a:ln>
+          </p:spPr>
+          <p:style>
+            <a:lnRef idx="2">
+              <a:schemeClr val="accent1">
+                <a:shade val="50000"/>
+              </a:schemeClr>
+            </a:lnRef>
+            <a:fillRef idx="1">
+              <a:schemeClr val="accent1"/>
+            </a:fillRef>
+            <a:effectRef idx="0">
+              <a:schemeClr val="accent1"/>
+            </a:effectRef>
+            <a:fontRef idx="minor">
+              <a:schemeClr val="lt1"/>
+            </a:fontRef>
+          </p:style>
+          <p:txBody>
+            <a:bodyPr rtlCol="0" anchor="ctr"/>
+            <a:lstStyle/>
+            <a:p>
+              <a:pPr algn="just"/>
+              <a:r>
+                <a:rPr lang="en-US" altLang="ko-KR" dirty="0" smtClean="0">
+                  <a:solidFill>
+                    <a:schemeClr val="tx1"/>
+                  </a:solidFill>
+                </a:rPr>
+                <a:t>D</a:t>
+              </a:r>
+              <a:endParaRPr lang="ko-KR" altLang="en-US" dirty="0">
+                <a:solidFill>
+                  <a:schemeClr val="tx1"/>
+                </a:solidFill>
+              </a:endParaRPr>
+            </a:p>
+          </p:txBody>
+        </p:sp>
+        <p:cxnSp>
+          <p:nvCxnSpPr>
+            <p:cNvPr id="70" name="직선 화살표 연결선 69"/>
+            <p:cNvCxnSpPr>
+              <a:stCxn id="40" idx="3"/>
+              <a:endCxn id="44" idx="1"/>
+            </p:cNvCxnSpPr>
+            <p:nvPr/>
+          </p:nvCxnSpPr>
+          <p:spPr>
+            <a:xfrm flipV="1">
+              <a:off x="5930900" y="5037990"/>
+              <a:ext cx="634854" cy="2"/>
+            </a:xfrm>
+            <a:prstGeom prst="straightConnector1">
+              <a:avLst/>
+            </a:prstGeom>
+            <a:ln>
+              <a:solidFill>
+                <a:schemeClr val="tx1"/>
+              </a:solidFill>
+              <a:headEnd type="oval"/>
+              <a:tailEnd type="triangle"/>
+            </a:ln>
+          </p:spPr>
+          <p:style>
+            <a:lnRef idx="1">
+              <a:schemeClr val="accent1"/>
+            </a:lnRef>
+            <a:fillRef idx="0">
+              <a:schemeClr val="accent1"/>
+            </a:fillRef>
+            <a:effectRef idx="0">
+              <a:schemeClr val="accent1"/>
+            </a:effectRef>
+            <a:fontRef idx="minor">
+              <a:schemeClr val="tx1"/>
+            </a:fontRef>
+          </p:style>
+        </p:cxnSp>
+        <p:cxnSp>
+          <p:nvCxnSpPr>
+            <p:cNvPr id="88" name="직선 화살표 연결선 87"/>
+            <p:cNvCxnSpPr>
+              <a:stCxn id="48" idx="3"/>
+              <a:endCxn id="52" idx="1"/>
+            </p:cNvCxnSpPr>
+            <p:nvPr/>
+          </p:nvCxnSpPr>
+          <p:spPr>
+            <a:xfrm flipV="1">
+              <a:off x="7567466" y="5037987"/>
+              <a:ext cx="634854" cy="2"/>
+            </a:xfrm>
+            <a:prstGeom prst="straightConnector1">
+              <a:avLst/>
+            </a:prstGeom>
+            <a:ln>
+              <a:solidFill>
+                <a:schemeClr val="tx1"/>
+              </a:solidFill>
+              <a:headEnd type="oval"/>
+              <a:tailEnd type="triangle"/>
+            </a:ln>
+          </p:spPr>
+          <p:style>
+            <a:lnRef idx="1">
+              <a:schemeClr val="accent1"/>
+            </a:lnRef>
+            <a:fillRef idx="0">
+              <a:schemeClr val="accent1"/>
+            </a:fillRef>
+            <a:effectRef idx="0">
+              <a:schemeClr val="accent1"/>
+            </a:effectRef>
+            <a:fontRef idx="minor">
+              <a:schemeClr val="tx1"/>
+            </a:fontRef>
+          </p:style>
+        </p:cxnSp>
+        <p:cxnSp>
+          <p:nvCxnSpPr>
+            <p:cNvPr id="99" name="직선 화살표 연결선 98"/>
+            <p:cNvCxnSpPr>
+              <a:stCxn id="56" idx="3"/>
+              <a:endCxn id="60" idx="1"/>
+            </p:cNvCxnSpPr>
+            <p:nvPr/>
+          </p:nvCxnSpPr>
+          <p:spPr>
+            <a:xfrm flipV="1">
+              <a:off x="9204032" y="5037984"/>
+              <a:ext cx="634854" cy="2"/>
+            </a:xfrm>
+            <a:prstGeom prst="straightConnector1">
+              <a:avLst/>
+            </a:prstGeom>
+            <a:ln>
+              <a:solidFill>
+                <a:schemeClr val="tx1"/>
+              </a:solidFill>
+              <a:headEnd type="oval"/>
+              <a:tailEnd type="triangle"/>
+            </a:ln>
+          </p:spPr>
+          <p:style>
+            <a:lnRef idx="1">
+              <a:schemeClr val="accent1"/>
+            </a:lnRef>
+            <a:fillRef idx="0">
+              <a:schemeClr val="accent1"/>
+            </a:fillRef>
+            <a:effectRef idx="0">
+              <a:schemeClr val="accent1"/>
+            </a:effectRef>
+            <a:fontRef idx="minor">
+              <a:schemeClr val="tx1"/>
+            </a:fontRef>
+          </p:style>
+        </p:cxnSp>
+        <p:sp>
+          <p:nvSpPr>
+            <p:cNvPr id="105" name="직사각형 104"/>
+            <p:cNvSpPr/>
+            <p:nvPr/>
+          </p:nvSpPr>
+          <p:spPr>
+            <a:xfrm>
+              <a:off x="10673192" y="4835763"/>
+              <a:ext cx="820309" cy="404446"/>
+            </a:xfrm>
+            <a:prstGeom prst="rect">
+              <a:avLst/>
+            </a:prstGeom>
+            <a:solidFill>
+              <a:schemeClr val="bg1"/>
+            </a:solidFill>
+            <a:ln>
+              <a:solidFill>
+                <a:schemeClr val="tx1"/>
+              </a:solidFill>
+            </a:ln>
+          </p:spPr>
+          <p:style>
+            <a:lnRef idx="2">
+              <a:schemeClr val="accent1">
+                <a:shade val="50000"/>
+              </a:schemeClr>
+            </a:lnRef>
+            <a:fillRef idx="1">
+              <a:schemeClr val="accent1"/>
+            </a:fillRef>
+            <a:effectRef idx="0">
+              <a:schemeClr val="accent1"/>
+            </a:effectRef>
+            <a:fontRef idx="minor">
+              <a:schemeClr val="lt1"/>
+            </a:fontRef>
+          </p:style>
+          <p:txBody>
+            <a:bodyPr rtlCol="0" anchor="ctr"/>
+            <a:lstStyle/>
+            <a:p>
+              <a:pPr algn="just"/>
+              <a:r>
+                <a:rPr lang="en-US" altLang="ko-KR" dirty="0" smtClean="0">
+                  <a:solidFill>
+                    <a:schemeClr val="tx1"/>
+                  </a:solidFill>
+                </a:rPr>
+                <a:t>NULL</a:t>
+              </a:r>
+              <a:endParaRPr lang="ko-KR" altLang="en-US" dirty="0">
+                <a:solidFill>
+                  <a:schemeClr val="tx1"/>
+                </a:solidFill>
+              </a:endParaRPr>
+            </a:p>
+          </p:txBody>
+        </p:sp>
+      </p:grpSp>
+      <p:grpSp>
+        <p:nvGrpSpPr>
+          <p:cNvPr id="107" name="그룹 106"/>
+          <p:cNvGrpSpPr/>
+          <p:nvPr/>
+        </p:nvGrpSpPr>
+        <p:grpSpPr>
+          <a:xfrm>
+            <a:off x="4929188" y="5797051"/>
+            <a:ext cx="6564312" cy="404457"/>
+            <a:chOff x="4929188" y="5797051"/>
+            <a:chExt cx="6564312" cy="404457"/>
+          </a:xfrm>
+        </p:grpSpPr>
+        <p:sp>
+          <p:nvSpPr>
+            <p:cNvPr id="38" name="직사각형 37"/>
+            <p:cNvSpPr/>
+            <p:nvPr/>
+          </p:nvSpPr>
+          <p:spPr>
+            <a:xfrm>
+              <a:off x="4929188" y="5797062"/>
+              <a:ext cx="760412" cy="404446"/>
+            </a:xfrm>
+            <a:prstGeom prst="rect">
+              <a:avLst/>
+            </a:prstGeom>
+            <a:solidFill>
+              <a:schemeClr val="bg1"/>
+            </a:solidFill>
+            <a:ln>
+              <a:solidFill>
+                <a:schemeClr val="tx1"/>
+              </a:solidFill>
+            </a:ln>
+          </p:spPr>
+          <p:style>
+            <a:lnRef idx="2">
+              <a:schemeClr val="accent1">
+                <a:shade val="50000"/>
+              </a:schemeClr>
+            </a:lnRef>
+            <a:fillRef idx="1">
+              <a:schemeClr val="accent1"/>
+            </a:fillRef>
+            <a:effectRef idx="0">
+              <a:schemeClr val="accent1"/>
+            </a:effectRef>
+            <a:fontRef idx="minor">
+              <a:schemeClr val="lt1"/>
+            </a:fontRef>
+          </p:style>
+          <p:txBody>
+            <a:bodyPr rtlCol="0" anchor="ctr"/>
+            <a:lstStyle/>
+            <a:p>
+              <a:pPr algn="just"/>
+              <a:r>
+                <a:rPr lang="en-US" altLang="ko-KR" dirty="0" smtClean="0">
+                  <a:solidFill>
+                    <a:schemeClr val="tx1"/>
+                  </a:solidFill>
+                </a:rPr>
+                <a:t>D</a:t>
+              </a:r>
+              <a:endParaRPr lang="ko-KR" altLang="en-US" dirty="0">
+                <a:solidFill>
+                  <a:schemeClr val="tx1"/>
+                </a:solidFill>
+              </a:endParaRPr>
+            </a:p>
+          </p:txBody>
+        </p:sp>
+        <p:sp>
+          <p:nvSpPr>
+            <p:cNvPr id="42" name="직사각형 41"/>
+            <p:cNvSpPr/>
+            <p:nvPr/>
+          </p:nvSpPr>
+          <p:spPr>
+            <a:xfrm>
+              <a:off x="5689600" y="5797057"/>
+              <a:ext cx="241300" cy="404446"/>
+            </a:xfrm>
+            <a:prstGeom prst="rect">
+              <a:avLst/>
+            </a:prstGeom>
+            <a:solidFill>
+              <a:schemeClr val="bg1"/>
+            </a:solidFill>
+            <a:ln>
+              <a:solidFill>
+                <a:schemeClr val="tx1"/>
+              </a:solidFill>
+            </a:ln>
+          </p:spPr>
+          <p:style>
+            <a:lnRef idx="2">
+              <a:schemeClr val="accent1">
+                <a:shade val="50000"/>
+              </a:schemeClr>
+            </a:lnRef>
+            <a:fillRef idx="1">
+              <a:schemeClr val="accent1"/>
+            </a:fillRef>
+            <a:effectRef idx="0">
+              <a:schemeClr val="accent1"/>
+            </a:effectRef>
+            <a:fontRef idx="minor">
+              <a:schemeClr val="lt1"/>
+            </a:fontRef>
+          </p:style>
+          <p:txBody>
+            <a:bodyPr rtlCol="0" anchor="ctr"/>
+            <a:lstStyle/>
+            <a:p>
+              <a:pPr algn="just"/>
+              <a:endParaRPr lang="ko-KR" altLang="en-US">
+                <a:solidFill>
+                  <a:schemeClr val="tx1"/>
+                </a:solidFill>
+              </a:endParaRPr>
+            </a:p>
+          </p:txBody>
+        </p:sp>
+        <p:sp>
+          <p:nvSpPr>
+            <p:cNvPr id="46" name="직사각형 45"/>
+            <p:cNvSpPr/>
+            <p:nvPr/>
+          </p:nvSpPr>
+          <p:spPr>
+            <a:xfrm>
+              <a:off x="6565754" y="5797059"/>
+              <a:ext cx="760412" cy="404446"/>
+            </a:xfrm>
+            <a:prstGeom prst="rect">
+              <a:avLst/>
+            </a:prstGeom>
+            <a:solidFill>
+              <a:schemeClr val="bg1"/>
+            </a:solidFill>
+            <a:ln>
+              <a:solidFill>
+                <a:schemeClr val="tx1"/>
+              </a:solidFill>
+            </a:ln>
+          </p:spPr>
+          <p:style>
+            <a:lnRef idx="2">
+              <a:schemeClr val="accent1">
+                <a:shade val="50000"/>
+              </a:schemeClr>
+            </a:lnRef>
+            <a:fillRef idx="1">
+              <a:schemeClr val="accent1"/>
+            </a:fillRef>
+            <a:effectRef idx="0">
+              <a:schemeClr val="accent1"/>
+            </a:effectRef>
+            <a:fontRef idx="minor">
+              <a:schemeClr val="lt1"/>
+            </a:fontRef>
+          </p:style>
+          <p:txBody>
+            <a:bodyPr rtlCol="0" anchor="ctr"/>
+            <a:lstStyle/>
+            <a:p>
+              <a:pPr algn="just"/>
+              <a:r>
+                <a:rPr lang="en-US" altLang="ko-KR" dirty="0" smtClean="0">
+                  <a:solidFill>
+                    <a:schemeClr val="tx1"/>
+                  </a:solidFill>
+                </a:rPr>
+                <a:t>A</a:t>
+              </a:r>
+              <a:endParaRPr lang="ko-KR" altLang="en-US" dirty="0">
+                <a:solidFill>
+                  <a:schemeClr val="tx1"/>
+                </a:solidFill>
+              </a:endParaRPr>
+            </a:p>
+          </p:txBody>
+        </p:sp>
+        <p:sp>
+          <p:nvSpPr>
+            <p:cNvPr id="50" name="직사각형 49"/>
+            <p:cNvSpPr/>
+            <p:nvPr/>
+          </p:nvSpPr>
+          <p:spPr>
+            <a:xfrm>
+              <a:off x="7326166" y="5797054"/>
+              <a:ext cx="241300" cy="404446"/>
+            </a:xfrm>
+            <a:prstGeom prst="rect">
+              <a:avLst/>
+            </a:prstGeom>
+            <a:solidFill>
+              <a:schemeClr val="bg1"/>
+            </a:solidFill>
+            <a:ln>
+              <a:solidFill>
+                <a:schemeClr val="tx1"/>
+              </a:solidFill>
+            </a:ln>
+          </p:spPr>
+          <p:style>
+            <a:lnRef idx="2">
+              <a:schemeClr val="accent1">
+                <a:shade val="50000"/>
+              </a:schemeClr>
+            </a:lnRef>
+            <a:fillRef idx="1">
+              <a:schemeClr val="accent1"/>
+            </a:fillRef>
+            <a:effectRef idx="0">
+              <a:schemeClr val="accent1"/>
+            </a:effectRef>
+            <a:fontRef idx="minor">
+              <a:schemeClr val="lt1"/>
+            </a:fontRef>
+          </p:style>
+          <p:txBody>
+            <a:bodyPr rtlCol="0" anchor="ctr"/>
+            <a:lstStyle/>
+            <a:p>
+              <a:pPr algn="just"/>
+              <a:endParaRPr lang="ko-KR" altLang="en-US">
+                <a:solidFill>
+                  <a:schemeClr val="tx1"/>
+                </a:solidFill>
+              </a:endParaRPr>
+            </a:p>
+          </p:txBody>
+        </p:sp>
+        <p:sp>
+          <p:nvSpPr>
+            <p:cNvPr id="54" name="직사각형 53"/>
+            <p:cNvSpPr/>
+            <p:nvPr/>
+          </p:nvSpPr>
+          <p:spPr>
+            <a:xfrm>
+              <a:off x="8202320" y="5797056"/>
+              <a:ext cx="760412" cy="404446"/>
+            </a:xfrm>
+            <a:prstGeom prst="rect">
+              <a:avLst/>
+            </a:prstGeom>
+            <a:solidFill>
+              <a:schemeClr val="bg1"/>
+            </a:solidFill>
+            <a:ln>
+              <a:solidFill>
+                <a:schemeClr val="tx1"/>
+              </a:solidFill>
+            </a:ln>
+          </p:spPr>
+          <p:style>
+            <a:lnRef idx="2">
+              <a:schemeClr val="accent1">
+                <a:shade val="50000"/>
+              </a:schemeClr>
+            </a:lnRef>
+            <a:fillRef idx="1">
+              <a:schemeClr val="accent1"/>
+            </a:fillRef>
+            <a:effectRef idx="0">
+              <a:schemeClr val="accent1"/>
+            </a:effectRef>
+            <a:fontRef idx="minor">
+              <a:schemeClr val="lt1"/>
+            </a:fontRef>
+          </p:style>
+          <p:txBody>
+            <a:bodyPr rtlCol="0" anchor="ctr"/>
+            <a:lstStyle/>
+            <a:p>
+              <a:pPr algn="just"/>
+              <a:r>
+                <a:rPr lang="en-US" altLang="ko-KR" dirty="0">
+                  <a:solidFill>
+                    <a:schemeClr val="tx1"/>
+                  </a:solidFill>
+                </a:rPr>
+                <a:t>B</a:t>
+              </a:r>
+              <a:endParaRPr lang="ko-KR" altLang="en-US" dirty="0">
+                <a:solidFill>
+                  <a:schemeClr val="tx1"/>
+                </a:solidFill>
+              </a:endParaRPr>
+            </a:p>
+          </p:txBody>
+        </p:sp>
+        <p:sp>
+          <p:nvSpPr>
+            <p:cNvPr id="58" name="직사각형 57"/>
+            <p:cNvSpPr/>
+            <p:nvPr/>
+          </p:nvSpPr>
+          <p:spPr>
+            <a:xfrm>
+              <a:off x="8962732" y="5797051"/>
+              <a:ext cx="241300" cy="404446"/>
+            </a:xfrm>
+            <a:prstGeom prst="rect">
+              <a:avLst/>
+            </a:prstGeom>
+            <a:solidFill>
+              <a:schemeClr val="bg1"/>
+            </a:solidFill>
+            <a:ln>
+              <a:solidFill>
+                <a:schemeClr val="tx1"/>
+              </a:solidFill>
+            </a:ln>
+          </p:spPr>
+          <p:style>
+            <a:lnRef idx="2">
+              <a:schemeClr val="accent1">
+                <a:shade val="50000"/>
+              </a:schemeClr>
+            </a:lnRef>
+            <a:fillRef idx="1">
+              <a:schemeClr val="accent1"/>
+            </a:fillRef>
+            <a:effectRef idx="0">
+              <a:schemeClr val="accent1"/>
+            </a:effectRef>
+            <a:fontRef idx="minor">
+              <a:schemeClr val="lt1"/>
+            </a:fontRef>
+          </p:style>
+          <p:txBody>
+            <a:bodyPr rtlCol="0" anchor="ctr"/>
+            <a:lstStyle/>
+            <a:p>
+              <a:pPr algn="just"/>
+              <a:endParaRPr lang="ko-KR" altLang="en-US">
+                <a:solidFill>
+                  <a:schemeClr val="tx1"/>
+                </a:solidFill>
+              </a:endParaRPr>
+            </a:p>
+          </p:txBody>
+        </p:sp>
+        <p:sp>
+          <p:nvSpPr>
+            <p:cNvPr id="62" name="직사각형 61"/>
+            <p:cNvSpPr/>
+            <p:nvPr/>
+          </p:nvSpPr>
+          <p:spPr>
+            <a:xfrm>
+              <a:off x="9838886" y="5797053"/>
+              <a:ext cx="760412" cy="404446"/>
+            </a:xfrm>
+            <a:prstGeom prst="rect">
+              <a:avLst/>
+            </a:prstGeom>
+            <a:solidFill>
+              <a:schemeClr val="bg1"/>
+            </a:solidFill>
+            <a:ln>
+              <a:solidFill>
+                <a:schemeClr val="tx1"/>
+              </a:solidFill>
+            </a:ln>
+          </p:spPr>
+          <p:style>
+            <a:lnRef idx="2">
+              <a:schemeClr val="accent1">
+                <a:shade val="50000"/>
+              </a:schemeClr>
+            </a:lnRef>
+            <a:fillRef idx="1">
+              <a:schemeClr val="accent1"/>
+            </a:fillRef>
+            <a:effectRef idx="0">
+              <a:schemeClr val="accent1"/>
+            </a:effectRef>
+            <a:fontRef idx="minor">
+              <a:schemeClr val="lt1"/>
+            </a:fontRef>
+          </p:style>
+          <p:txBody>
+            <a:bodyPr rtlCol="0" anchor="ctr"/>
+            <a:lstStyle/>
+            <a:p>
+              <a:pPr algn="just"/>
+              <a:r>
+                <a:rPr lang="en-US" altLang="ko-KR" dirty="0" smtClean="0">
+                  <a:solidFill>
+                    <a:schemeClr val="tx1"/>
+                  </a:solidFill>
+                </a:rPr>
+                <a:t>C</a:t>
+              </a:r>
+              <a:endParaRPr lang="ko-KR" altLang="en-US" dirty="0">
+                <a:solidFill>
+                  <a:schemeClr val="tx1"/>
+                </a:solidFill>
+              </a:endParaRPr>
+            </a:p>
+          </p:txBody>
+        </p:sp>
+        <p:cxnSp>
+          <p:nvCxnSpPr>
+            <p:cNvPr id="74" name="직선 화살표 연결선 73"/>
+            <p:cNvCxnSpPr>
+              <a:stCxn id="42" idx="3"/>
+              <a:endCxn id="46" idx="1"/>
+            </p:cNvCxnSpPr>
+            <p:nvPr/>
+          </p:nvCxnSpPr>
+          <p:spPr>
+            <a:xfrm>
+              <a:off x="5930900" y="5999280"/>
+              <a:ext cx="634854" cy="2"/>
+            </a:xfrm>
+            <a:prstGeom prst="straightConnector1">
+              <a:avLst/>
+            </a:prstGeom>
+            <a:ln>
+              <a:solidFill>
+                <a:schemeClr val="tx1"/>
+              </a:solidFill>
+              <a:headEnd type="oval"/>
+              <a:tailEnd type="triangle"/>
+            </a:ln>
+          </p:spPr>
+          <p:style>
+            <a:lnRef idx="1">
+              <a:schemeClr val="accent1"/>
+            </a:lnRef>
+            <a:fillRef idx="0">
+              <a:schemeClr val="accent1"/>
+            </a:fillRef>
+            <a:effectRef idx="0">
+              <a:schemeClr val="accent1"/>
+            </a:effectRef>
+            <a:fontRef idx="minor">
+              <a:schemeClr val="tx1"/>
+            </a:fontRef>
+          </p:style>
+        </p:cxnSp>
+        <p:cxnSp>
+          <p:nvCxnSpPr>
+            <p:cNvPr id="90" name="직선 화살표 연결선 89"/>
+            <p:cNvCxnSpPr>
+              <a:stCxn id="50" idx="3"/>
+              <a:endCxn id="54" idx="1"/>
+            </p:cNvCxnSpPr>
+            <p:nvPr/>
+          </p:nvCxnSpPr>
+          <p:spPr>
+            <a:xfrm>
+              <a:off x="7567466" y="5999277"/>
+              <a:ext cx="634854" cy="2"/>
+            </a:xfrm>
+            <a:prstGeom prst="straightConnector1">
+              <a:avLst/>
+            </a:prstGeom>
+            <a:ln>
+              <a:solidFill>
+                <a:schemeClr val="tx1"/>
+              </a:solidFill>
+              <a:headEnd type="oval"/>
+              <a:tailEnd type="triangle"/>
+            </a:ln>
+          </p:spPr>
+          <p:style>
+            <a:lnRef idx="1">
+              <a:schemeClr val="accent1"/>
+            </a:lnRef>
+            <a:fillRef idx="0">
+              <a:schemeClr val="accent1"/>
+            </a:fillRef>
+            <a:effectRef idx="0">
+              <a:schemeClr val="accent1"/>
+            </a:effectRef>
+            <a:fontRef idx="minor">
+              <a:schemeClr val="tx1"/>
+            </a:fontRef>
+          </p:style>
+        </p:cxnSp>
+        <p:cxnSp>
+          <p:nvCxnSpPr>
+            <p:cNvPr id="100" name="직선 화살표 연결선 99"/>
+            <p:cNvCxnSpPr>
+              <a:stCxn id="58" idx="3"/>
+              <a:endCxn id="62" idx="1"/>
+            </p:cNvCxnSpPr>
+            <p:nvPr/>
+          </p:nvCxnSpPr>
+          <p:spPr>
+            <a:xfrm>
+              <a:off x="9204032" y="5999274"/>
+              <a:ext cx="634854" cy="2"/>
+            </a:xfrm>
+            <a:prstGeom prst="straightConnector1">
+              <a:avLst/>
+            </a:prstGeom>
+            <a:ln>
+              <a:solidFill>
+                <a:schemeClr val="tx1"/>
+              </a:solidFill>
+              <a:headEnd type="oval"/>
+              <a:tailEnd type="triangle"/>
+            </a:ln>
+          </p:spPr>
+          <p:style>
+            <a:lnRef idx="1">
+              <a:schemeClr val="accent1"/>
+            </a:lnRef>
+            <a:fillRef idx="0">
+              <a:schemeClr val="accent1"/>
+            </a:fillRef>
+            <a:effectRef idx="0">
+              <a:schemeClr val="accent1"/>
+            </a:effectRef>
+            <a:fontRef idx="minor">
+              <a:schemeClr val="tx1"/>
+            </a:fontRef>
+          </p:style>
+        </p:cxnSp>
+        <p:sp>
+          <p:nvSpPr>
+            <p:cNvPr id="106" name="직사각형 105"/>
+            <p:cNvSpPr/>
+            <p:nvPr/>
+          </p:nvSpPr>
+          <p:spPr>
+            <a:xfrm>
+              <a:off x="10673191" y="5797051"/>
+              <a:ext cx="820309" cy="404446"/>
+            </a:xfrm>
+            <a:prstGeom prst="rect">
+              <a:avLst/>
+            </a:prstGeom>
+            <a:solidFill>
+              <a:schemeClr val="bg1"/>
+            </a:solidFill>
+            <a:ln>
+              <a:solidFill>
+                <a:schemeClr val="tx1"/>
+              </a:solidFill>
+            </a:ln>
+          </p:spPr>
+          <p:style>
+            <a:lnRef idx="2">
+              <a:schemeClr val="accent1">
+                <a:shade val="50000"/>
+              </a:schemeClr>
+            </a:lnRef>
+            <a:fillRef idx="1">
+              <a:schemeClr val="accent1"/>
+            </a:fillRef>
+            <a:effectRef idx="0">
+              <a:schemeClr val="accent1"/>
+            </a:effectRef>
+            <a:fontRef idx="minor">
+              <a:schemeClr val="lt1"/>
+            </a:fontRef>
+          </p:style>
+          <p:txBody>
+            <a:bodyPr rtlCol="0" anchor="ctr"/>
+            <a:lstStyle/>
+            <a:p>
+              <a:pPr algn="just"/>
+              <a:r>
+                <a:rPr lang="en-US" altLang="ko-KR">
+                  <a:solidFill>
+                    <a:schemeClr val="tx1"/>
+                  </a:solidFill>
+                </a:rPr>
+                <a:t>NULL</a:t>
+              </a:r>
+              <a:endParaRPr lang="ko-KR" altLang="en-US" dirty="0">
+                <a:solidFill>
+                  <a:schemeClr val="tx1"/>
+                </a:solidFill>
+              </a:endParaRPr>
+            </a:p>
+          </p:txBody>
+        </p:sp>
+      </p:grpSp>
+      <p:sp>
+        <p:nvSpPr>
+          <p:cNvPr id="111" name="모서리가 둥근 직사각형 110"/>
+          <p:cNvSpPr/>
+          <p:nvPr/>
+        </p:nvSpPr>
+        <p:spPr>
+          <a:xfrm>
+            <a:off x="1244887" y="3080740"/>
+            <a:ext cx="2893314" cy="491543"/>
+          </a:xfrm>
+          <a:prstGeom prst="roundRect">
+            <a:avLst/>
+          </a:prstGeom>
+          <a:solidFill>
+            <a:schemeClr val="bg1"/>
+          </a:solidFill>
+          <a:ln>
+            <a:solidFill>
+              <a:schemeClr val="tx1"/>
+            </a:solidFill>
+          </a:ln>
+        </p:spPr>
+        <p:style>
+          <a:lnRef idx="2">
+            <a:schemeClr val="accent1">
+              <a:shade val="50000"/>
+            </a:schemeClr>
+          </a:lnRef>
+          <a:fillRef idx="1">
+            <a:schemeClr val="accent1"/>
+          </a:fillRef>
+          <a:effectRef idx="0">
+            <a:schemeClr val="accent1"/>
+          </a:effectRef>
+          <a:fontRef idx="minor">
+            <a:schemeClr val="lt1"/>
+          </a:fontRef>
+        </p:style>
+        <p:txBody>
+          <a:bodyPr rtlCol="0" anchor="ctr"/>
+          <a:lstStyle/>
+          <a:p>
+            <a:pPr algn="ctr"/>
+            <a:r>
+              <a:rPr lang="ko-KR" altLang="en-US" dirty="0" smtClean="0">
+                <a:solidFill>
+                  <a:schemeClr val="tx1"/>
+                </a:solidFill>
+              </a:rPr>
+              <a:t>순차</a:t>
+            </a:r>
+            <a:r>
+              <a:rPr lang="en-US" altLang="ko-KR" dirty="0" smtClean="0">
+                <a:solidFill>
+                  <a:schemeClr val="tx1"/>
+                </a:solidFill>
+              </a:rPr>
+              <a:t> </a:t>
+            </a:r>
+            <a:r>
+              <a:rPr lang="ko-KR" altLang="en-US" dirty="0" smtClean="0">
+                <a:solidFill>
+                  <a:schemeClr val="tx1"/>
+                </a:solidFill>
+              </a:rPr>
+              <a:t>자료구조</a:t>
+            </a:r>
+            <a:endParaRPr lang="ko-KR" altLang="en-US" dirty="0">
+              <a:solidFill>
+                <a:schemeClr val="tx1"/>
+              </a:solidFill>
+            </a:endParaRPr>
+          </a:p>
+        </p:txBody>
+      </p:sp>
+      <p:sp>
+        <p:nvSpPr>
+          <p:cNvPr id="112" name="모서리가 둥근 직사각형 111"/>
+          <p:cNvSpPr/>
+          <p:nvPr/>
+        </p:nvSpPr>
+        <p:spPr>
+          <a:xfrm>
+            <a:off x="5070346" y="3090830"/>
+            <a:ext cx="2885780" cy="491543"/>
+          </a:xfrm>
+          <a:prstGeom prst="roundRect">
+            <a:avLst/>
+          </a:prstGeom>
+          <a:solidFill>
+            <a:schemeClr val="bg1"/>
+          </a:solidFill>
+          <a:ln>
+            <a:solidFill>
+              <a:schemeClr val="tx1"/>
+            </a:solidFill>
+          </a:ln>
+        </p:spPr>
+        <p:style>
+          <a:lnRef idx="2">
+            <a:schemeClr val="accent1">
+              <a:shade val="50000"/>
+            </a:schemeClr>
+          </a:lnRef>
+          <a:fillRef idx="1">
+            <a:schemeClr val="accent1"/>
+          </a:fillRef>
+          <a:effectRef idx="0">
+            <a:schemeClr val="accent1"/>
+          </a:effectRef>
+          <a:fontRef idx="minor">
+            <a:schemeClr val="lt1"/>
+          </a:fontRef>
+        </p:style>
+        <p:txBody>
+          <a:bodyPr rtlCol="0" anchor="ctr"/>
+          <a:lstStyle/>
+          <a:p>
+            <a:pPr algn="ctr"/>
+            <a:r>
+              <a:rPr lang="ko-KR" altLang="en-US" dirty="0" smtClean="0">
+                <a:solidFill>
+                  <a:schemeClr val="tx1"/>
+                </a:solidFill>
+              </a:rPr>
+              <a:t>연결 자료구조</a:t>
+            </a:r>
+            <a:endParaRPr lang="ko-KR" altLang="en-US" dirty="0">
+              <a:solidFill>
+                <a:schemeClr val="tx1"/>
+              </a:solidFill>
+            </a:endParaRPr>
+          </a:p>
+        </p:txBody>
+      </p:sp>
+    </p:spTree>
+    <p:extLst>
+      <p:ext uri="{BB962C8B-B14F-4D97-AF65-F5344CB8AC3E}">
+        <p14:creationId xmlns:p14="http://schemas.microsoft.com/office/powerpoint/2010/main" val="466260637"/>
+      </p:ext>
+    </p:extLst>
+  </p:cSld>
+  <p:clrMapOvr>
+    <a:masterClrMapping/>
+  </p:clrMapOvr>
+  <p:timing>
+    <p:tnLst>
+      <p:par>
+        <p:cTn id="1" dur="indefinite" restart="never" nodeType="tmRoot"/>
+      </p:par>
+    </p:tnLst>
+  </p:timing>
+</p:sld>
+</file>
+
 <file path=ppt/slides/slide3.xml><?xml version="1.0" encoding="utf-8"?>
 <p:sld xmlns:a="http://schemas.openxmlformats.org/drawingml/2006/main" xmlns:r="http://schemas.openxmlformats.org/officeDocument/2006/relationships" xmlns:p="http://schemas.openxmlformats.org/presentationml/2006/main">
   <p:cSld>

--- a/1st_study.pptx
+++ b/1st_study.pptx
@@ -258,7 +258,7 @@
           <a:p>
             <a:fld id="{95EEA876-5273-4CAB-BA26-F236DBAE536A}" type="datetimeFigureOut">
               <a:rPr lang="ko-KR" altLang="en-US" smtClean="0"/>
-              <a:t>2019-11-21</a:t>
+              <a:t>2019. 11. 21.</a:t>
             </a:fld>
             <a:endParaRPr lang="ko-KR" altLang="en-US"/>
           </a:p>
@@ -426,7 +426,7 @@
           <a:p>
             <a:fld id="{95EEA876-5273-4CAB-BA26-F236DBAE536A}" type="datetimeFigureOut">
               <a:rPr lang="ko-KR" altLang="en-US" smtClean="0"/>
-              <a:t>2019-11-21</a:t>
+              <a:t>2019. 11. 21.</a:t>
             </a:fld>
             <a:endParaRPr lang="ko-KR" altLang="en-US"/>
           </a:p>
@@ -604,7 +604,7 @@
           <a:p>
             <a:fld id="{95EEA876-5273-4CAB-BA26-F236DBAE536A}" type="datetimeFigureOut">
               <a:rPr lang="ko-KR" altLang="en-US" smtClean="0"/>
-              <a:t>2019-11-21</a:t>
+              <a:t>2019. 11. 21.</a:t>
             </a:fld>
             <a:endParaRPr lang="ko-KR" altLang="en-US"/>
           </a:p>
@@ -772,7 +772,7 @@
           <a:p>
             <a:fld id="{95EEA876-5273-4CAB-BA26-F236DBAE536A}" type="datetimeFigureOut">
               <a:rPr lang="ko-KR" altLang="en-US" smtClean="0"/>
-              <a:t>2019-11-21</a:t>
+              <a:t>2019. 11. 21.</a:t>
             </a:fld>
             <a:endParaRPr lang="ko-KR" altLang="en-US"/>
           </a:p>
@@ -1017,7 +1017,7 @@
           <a:p>
             <a:fld id="{95EEA876-5273-4CAB-BA26-F236DBAE536A}" type="datetimeFigureOut">
               <a:rPr lang="ko-KR" altLang="en-US" smtClean="0"/>
-              <a:t>2019-11-21</a:t>
+              <a:t>2019. 11. 21.</a:t>
             </a:fld>
             <a:endParaRPr lang="ko-KR" altLang="en-US"/>
           </a:p>
@@ -1246,7 +1246,7 @@
           <a:p>
             <a:fld id="{95EEA876-5273-4CAB-BA26-F236DBAE536A}" type="datetimeFigureOut">
               <a:rPr lang="ko-KR" altLang="en-US" smtClean="0"/>
-              <a:t>2019-11-21</a:t>
+              <a:t>2019. 11. 21.</a:t>
             </a:fld>
             <a:endParaRPr lang="ko-KR" altLang="en-US"/>
           </a:p>
@@ -1610,7 +1610,7 @@
           <a:p>
             <a:fld id="{95EEA876-5273-4CAB-BA26-F236DBAE536A}" type="datetimeFigureOut">
               <a:rPr lang="ko-KR" altLang="en-US" smtClean="0"/>
-              <a:t>2019-11-21</a:t>
+              <a:t>2019. 11. 21.</a:t>
             </a:fld>
             <a:endParaRPr lang="ko-KR" altLang="en-US"/>
           </a:p>
@@ -1727,7 +1727,7 @@
           <a:p>
             <a:fld id="{95EEA876-5273-4CAB-BA26-F236DBAE536A}" type="datetimeFigureOut">
               <a:rPr lang="ko-KR" altLang="en-US" smtClean="0"/>
-              <a:t>2019-11-21</a:t>
+              <a:t>2019. 11. 21.</a:t>
             </a:fld>
             <a:endParaRPr lang="ko-KR" altLang="en-US"/>
           </a:p>
@@ -1822,7 +1822,7 @@
           <a:p>
             <a:fld id="{95EEA876-5273-4CAB-BA26-F236DBAE536A}" type="datetimeFigureOut">
               <a:rPr lang="ko-KR" altLang="en-US" smtClean="0"/>
-              <a:t>2019-11-21</a:t>
+              <a:t>2019. 11. 21.</a:t>
             </a:fld>
             <a:endParaRPr lang="ko-KR" altLang="en-US"/>
           </a:p>
@@ -2097,7 +2097,7 @@
           <a:p>
             <a:fld id="{95EEA876-5273-4CAB-BA26-F236DBAE536A}" type="datetimeFigureOut">
               <a:rPr lang="ko-KR" altLang="en-US" smtClean="0"/>
-              <a:t>2019-11-21</a:t>
+              <a:t>2019. 11. 21.</a:t>
             </a:fld>
             <a:endParaRPr lang="ko-KR" altLang="en-US"/>
           </a:p>
@@ -2349,7 +2349,7 @@
           <a:p>
             <a:fld id="{95EEA876-5273-4CAB-BA26-F236DBAE536A}" type="datetimeFigureOut">
               <a:rPr lang="ko-KR" altLang="en-US" smtClean="0"/>
-              <a:t>2019-11-21</a:t>
+              <a:t>2019. 11. 21.</a:t>
             </a:fld>
             <a:endParaRPr lang="ko-KR" altLang="en-US"/>
           </a:p>
@@ -2560,7 +2560,7 @@
           <a:p>
             <a:fld id="{95EEA876-5273-4CAB-BA26-F236DBAE536A}" type="datetimeFigureOut">
               <a:rPr lang="ko-KR" altLang="en-US" smtClean="0"/>
-              <a:t>2019-11-21</a:t>
+              <a:t>2019. 11. 21.</a:t>
             </a:fld>
             <a:endParaRPr lang="ko-KR" altLang="en-US"/>
           </a:p>
@@ -2984,6 +2984,10 @@
               <a:rPr lang="ko-KR" altLang="en-US" sz="4400" dirty="0"/>
               <a:t>그림으로 정리하는 </a:t>
             </a:r>
+            <a:r>
+              <a:rPr lang="en-US" altLang="ko-KR" dirty="0"/>
+              <a:t/>
+            </a:r>
             <a:br>
               <a:rPr lang="en-US" altLang="ko-KR" dirty="0"/>
             </a:br>
@@ -3088,6 +3092,13 @@
   <p:clrMapOvr>
     <a:masterClrMapping/>
   </p:clrMapOvr>
+  <p:timing>
+    <p:tnLst>
+      <p:par>
+        <p:cTn id="1" dur="indefinite" restart="never" nodeType="tmRoot"/>
+      </p:par>
+    </p:tnLst>
+  </p:timing>
 </p:sld>
 </file>
 
@@ -3157,6 +3168,10 @@
             <a:r>
               <a:rPr lang="ko-KR" altLang="en-US" dirty="0"/>
               <a:t>은 주어진 문제를 해결하기 위한 절차</a:t>
+            </a:r>
+            <a:r>
+              <a:rPr lang="en-US" altLang="ko-KR" dirty="0"/>
+              <a:t/>
             </a:r>
             <a:br>
               <a:rPr lang="en-US" altLang="ko-KR" dirty="0"/>
@@ -3351,6 +3366,13 @@
   <p:clrMapOvr>
     <a:masterClrMapping/>
   </p:clrMapOvr>
+  <p:timing>
+    <p:tnLst>
+      <p:par>
+        <p:cTn id="1" dur="indefinite" restart="never" nodeType="tmRoot"/>
+      </p:par>
+    </p:tnLst>
+  </p:timing>
 </p:sld>
 </file>
 
@@ -3422,6 +3444,13 @@
   <p:clrMapOvr>
     <a:masterClrMapping/>
   </p:clrMapOvr>
+  <p:timing>
+    <p:tnLst>
+      <p:par>
+        <p:cTn id="1" dur="indefinite" restart="never" nodeType="tmRoot"/>
+      </p:par>
+    </p:tnLst>
+  </p:timing>
 </p:sld>
 </file>
 
@@ -3579,6 +3608,13 @@
   <p:clrMapOvr>
     <a:masterClrMapping/>
   </p:clrMapOvr>
+  <p:timing>
+    <p:tnLst>
+      <p:par>
+        <p:cTn id="1" dur="indefinite" restart="never" nodeType="tmRoot"/>
+      </p:par>
+    </p:tnLst>
+  </p:timing>
 </p:sld>
 </file>
 
@@ -3778,6 +3814,13 @@
   <p:clrMapOvr>
     <a:masterClrMapping/>
   </p:clrMapOvr>
+  <p:timing>
+    <p:tnLst>
+      <p:par>
+        <p:cTn id="1" dur="indefinite" restart="never" nodeType="tmRoot"/>
+      </p:par>
+    </p:tnLst>
+  </p:timing>
 </p:sld>
 </file>
 
@@ -4380,6 +4423,13 @@
   <p:clrMapOvr>
     <a:masterClrMapping/>
   </p:clrMapOvr>
+  <p:timing>
+    <p:tnLst>
+      <p:par>
+        <p:cTn id="1" dur="indefinite" restart="never" nodeType="tmRoot"/>
+      </p:par>
+    </p:tnLst>
+  </p:timing>
 </p:sld>
 </file>
 
@@ -4626,7 +4676,7 @@
           <p:cNvPr id="4" name="내용 개체 틀 2">
             <a:extLst>
               <a:ext uri="{FF2B5EF4-FFF2-40B4-BE49-F238E27FC236}">
-                <a16:creationId xmlns:a16="http://schemas.microsoft.com/office/drawing/2014/main" id="{9BB9C517-0919-4B94-8C2E-438C0C354CB4}"/>
+                <a16:creationId xmlns:a16="http://schemas.microsoft.com/office/drawing/2014/main" xmlns="" id="{9BB9C517-0919-4B94-8C2E-438C0C354CB4}"/>
               </a:ext>
             </a:extLst>
           </p:cNvPr>
@@ -4960,6 +5010,13 @@
   <p:clrMapOvr>
     <a:masterClrMapping/>
   </p:clrMapOvr>
+  <p:timing>
+    <p:tnLst>
+      <p:par>
+        <p:cTn id="1" dur="indefinite" restart="never" nodeType="tmRoot"/>
+      </p:par>
+    </p:tnLst>
+  </p:timing>
 </p:sld>
 </file>
 
@@ -4985,7 +5042,7 @@
           <p:cNvPr id="2" name="제목 1">
             <a:extLst>
               <a:ext uri="{FF2B5EF4-FFF2-40B4-BE49-F238E27FC236}">
-                <a16:creationId xmlns:a16="http://schemas.microsoft.com/office/drawing/2014/main" id="{7CF744E3-11B8-4827-B82D-8BC6B351B97F}"/>
+                <a16:creationId xmlns:a16="http://schemas.microsoft.com/office/drawing/2014/main" xmlns="" id="{7CF744E3-11B8-4827-B82D-8BC6B351B97F}"/>
               </a:ext>
             </a:extLst>
           </p:cNvPr>
@@ -5013,7 +5070,7 @@
           <p:cNvPr id="4" name="표 4">
             <a:extLst>
               <a:ext uri="{FF2B5EF4-FFF2-40B4-BE49-F238E27FC236}">
-                <a16:creationId xmlns:a16="http://schemas.microsoft.com/office/drawing/2014/main" id="{260303AE-5F82-432A-AFE1-96F738EBE501}"/>
+                <a16:creationId xmlns:a16="http://schemas.microsoft.com/office/drawing/2014/main" xmlns="" id="{260303AE-5F82-432A-AFE1-96F738EBE501}"/>
               </a:ext>
             </a:extLst>
           </p:cNvPr>
@@ -5042,7 +5099,7 @@
                 <a:gridCol w="791882">
                   <a:extLst>
                     <a:ext uri="{9D8B030D-6E8A-4147-A177-3AD203B41FA5}">
-                      <a16:colId xmlns:a16="http://schemas.microsoft.com/office/drawing/2014/main" val="2051836303"/>
+                      <a16:colId xmlns:a16="http://schemas.microsoft.com/office/drawing/2014/main" xmlns="" val="2051836303"/>
                     </a:ext>
                   </a:extLst>
                 </a:gridCol>
@@ -5108,7 +5165,7 @@
                 </a:tc>
                 <a:extLst>
                   <a:ext uri="{0D108BD9-81ED-4DB2-BD59-A6C34878D82A}">
-                    <a16:rowId xmlns:a16="http://schemas.microsoft.com/office/drawing/2014/main" val="3210536480"/>
+                    <a16:rowId xmlns:a16="http://schemas.microsoft.com/office/drawing/2014/main" xmlns="" val="3210536480"/>
                   </a:ext>
                 </a:extLst>
               </a:tr>
@@ -5173,7 +5230,7 @@
                 </a:tc>
                 <a:extLst>
                   <a:ext uri="{0D108BD9-81ED-4DB2-BD59-A6C34878D82A}">
-                    <a16:rowId xmlns:a16="http://schemas.microsoft.com/office/drawing/2014/main" val="3036785839"/>
+                    <a16:rowId xmlns:a16="http://schemas.microsoft.com/office/drawing/2014/main" xmlns="" val="3036785839"/>
                   </a:ext>
                 </a:extLst>
               </a:tr>
@@ -5238,7 +5295,7 @@
                 </a:tc>
                 <a:extLst>
                   <a:ext uri="{0D108BD9-81ED-4DB2-BD59-A6C34878D82A}">
-                    <a16:rowId xmlns:a16="http://schemas.microsoft.com/office/drawing/2014/main" val="2075722758"/>
+                    <a16:rowId xmlns:a16="http://schemas.microsoft.com/office/drawing/2014/main" xmlns="" val="2075722758"/>
                   </a:ext>
                 </a:extLst>
               </a:tr>
@@ -5303,7 +5360,7 @@
                 </a:tc>
                 <a:extLst>
                   <a:ext uri="{0D108BD9-81ED-4DB2-BD59-A6C34878D82A}">
-                    <a16:rowId xmlns:a16="http://schemas.microsoft.com/office/drawing/2014/main" val="2494852938"/>
+                    <a16:rowId xmlns:a16="http://schemas.microsoft.com/office/drawing/2014/main" xmlns="" val="2494852938"/>
                   </a:ext>
                 </a:extLst>
               </a:tr>
@@ -5368,7 +5425,7 @@
                 </a:tc>
                 <a:extLst>
                   <a:ext uri="{0D108BD9-81ED-4DB2-BD59-A6C34878D82A}">
-                    <a16:rowId xmlns:a16="http://schemas.microsoft.com/office/drawing/2014/main" val="1637671158"/>
+                    <a16:rowId xmlns:a16="http://schemas.microsoft.com/office/drawing/2014/main" xmlns="" val="1637671158"/>
                   </a:ext>
                 </a:extLst>
               </a:tr>
@@ -5433,7 +5490,7 @@
                 </a:tc>
                 <a:extLst>
                   <a:ext uri="{0D108BD9-81ED-4DB2-BD59-A6C34878D82A}">
-                    <a16:rowId xmlns:a16="http://schemas.microsoft.com/office/drawing/2014/main" val="3240980806"/>
+                    <a16:rowId xmlns:a16="http://schemas.microsoft.com/office/drawing/2014/main" xmlns="" val="3240980806"/>
                   </a:ext>
                 </a:extLst>
               </a:tr>
@@ -5498,7 +5555,7 @@
                 </a:tc>
                 <a:extLst>
                   <a:ext uri="{0D108BD9-81ED-4DB2-BD59-A6C34878D82A}">
-                    <a16:rowId xmlns:a16="http://schemas.microsoft.com/office/drawing/2014/main" val="3299560784"/>
+                    <a16:rowId xmlns:a16="http://schemas.microsoft.com/office/drawing/2014/main" xmlns="" val="3299560784"/>
                   </a:ext>
                 </a:extLst>
               </a:tr>
@@ -5511,7 +5568,7 @@
           <p:cNvPr id="13" name="그룹 12">
             <a:extLst>
               <a:ext uri="{FF2B5EF4-FFF2-40B4-BE49-F238E27FC236}">
-                <a16:creationId xmlns:a16="http://schemas.microsoft.com/office/drawing/2014/main" id="{525467F8-EDFA-4709-BA70-EA5CFBBE6D38}"/>
+                <a16:creationId xmlns:a16="http://schemas.microsoft.com/office/drawing/2014/main" xmlns="" id="{525467F8-EDFA-4709-BA70-EA5CFBBE6D38}"/>
               </a:ext>
             </a:extLst>
           </p:cNvPr>
@@ -5531,7 +5588,7 @@
             <p:cNvPr id="7" name="직사각형 6">
               <a:extLst>
                 <a:ext uri="{FF2B5EF4-FFF2-40B4-BE49-F238E27FC236}">
-                  <a16:creationId xmlns:a16="http://schemas.microsoft.com/office/drawing/2014/main" id="{BEC31238-B4EB-461B-AD60-A4BD8225E52A}"/>
+                  <a16:creationId xmlns:a16="http://schemas.microsoft.com/office/drawing/2014/main" xmlns="" id="{BEC31238-B4EB-461B-AD60-A4BD8225E52A}"/>
                 </a:ext>
               </a:extLst>
             </p:cNvPr>
@@ -5588,7 +5645,7 @@
             <p:cNvPr id="8" name="직사각형 7">
               <a:extLst>
                 <a:ext uri="{FF2B5EF4-FFF2-40B4-BE49-F238E27FC236}">
-                  <a16:creationId xmlns:a16="http://schemas.microsoft.com/office/drawing/2014/main" id="{1650DFD3-C52A-4714-B10A-DAA8B8B2F5F8}"/>
+                  <a16:creationId xmlns:a16="http://schemas.microsoft.com/office/drawing/2014/main" xmlns="" id="{1650DFD3-C52A-4714-B10A-DAA8B8B2F5F8}"/>
                 </a:ext>
               </a:extLst>
             </p:cNvPr>
@@ -5645,7 +5702,7 @@
             <p:cNvPr id="10" name="TextBox 9">
               <a:extLst>
                 <a:ext uri="{FF2B5EF4-FFF2-40B4-BE49-F238E27FC236}">
-                  <a16:creationId xmlns:a16="http://schemas.microsoft.com/office/drawing/2014/main" id="{B107C881-92D1-4581-BFF7-C829CCA7821E}"/>
+                  <a16:creationId xmlns:a16="http://schemas.microsoft.com/office/drawing/2014/main" xmlns="" id="{B107C881-92D1-4581-BFF7-C829CCA7821E}"/>
                 </a:ext>
               </a:extLst>
             </p:cNvPr>
@@ -5680,7 +5737,7 @@
             <p:cNvPr id="11" name="TextBox 10">
               <a:extLst>
                 <a:ext uri="{FF2B5EF4-FFF2-40B4-BE49-F238E27FC236}">
-                  <a16:creationId xmlns:a16="http://schemas.microsoft.com/office/drawing/2014/main" id="{A0617C4F-B9A4-4590-BD1E-FF55DF2E2641}"/>
+                  <a16:creationId xmlns:a16="http://schemas.microsoft.com/office/drawing/2014/main" xmlns="" id="{A0617C4F-B9A4-4590-BD1E-FF55DF2E2641}"/>
                 </a:ext>
               </a:extLst>
             </p:cNvPr>
@@ -5717,7 +5774,7 @@
             <p:cNvPr id="12" name="TextBox 11">
               <a:extLst>
                 <a:ext uri="{FF2B5EF4-FFF2-40B4-BE49-F238E27FC236}">
-                  <a16:creationId xmlns:a16="http://schemas.microsoft.com/office/drawing/2014/main" id="{CF928A21-2156-48CE-94CB-FDC698A502DA}"/>
+                  <a16:creationId xmlns:a16="http://schemas.microsoft.com/office/drawing/2014/main" xmlns="" id="{CF928A21-2156-48CE-94CB-FDC698A502DA}"/>
                 </a:ext>
               </a:extLst>
             </p:cNvPr>
@@ -5754,7 +5811,7 @@
           <p:cNvPr id="14" name="그룹 13">
             <a:extLst>
               <a:ext uri="{FF2B5EF4-FFF2-40B4-BE49-F238E27FC236}">
-                <a16:creationId xmlns:a16="http://schemas.microsoft.com/office/drawing/2014/main" id="{A035637C-C779-45F7-9342-2244707387F7}"/>
+                <a16:creationId xmlns:a16="http://schemas.microsoft.com/office/drawing/2014/main" xmlns="" id="{A035637C-C779-45F7-9342-2244707387F7}"/>
               </a:ext>
             </a:extLst>
           </p:cNvPr>
@@ -5774,7 +5831,7 @@
             <p:cNvPr id="15" name="직사각형 14">
               <a:extLst>
                 <a:ext uri="{FF2B5EF4-FFF2-40B4-BE49-F238E27FC236}">
-                  <a16:creationId xmlns:a16="http://schemas.microsoft.com/office/drawing/2014/main" id="{C637C700-DC5A-4DF4-B91D-9699F39CC105}"/>
+                  <a16:creationId xmlns:a16="http://schemas.microsoft.com/office/drawing/2014/main" xmlns="" id="{C637C700-DC5A-4DF4-B91D-9699F39CC105}"/>
                 </a:ext>
               </a:extLst>
             </p:cNvPr>
@@ -5831,7 +5888,7 @@
             <p:cNvPr id="16" name="직사각형 15">
               <a:extLst>
                 <a:ext uri="{FF2B5EF4-FFF2-40B4-BE49-F238E27FC236}">
-                  <a16:creationId xmlns:a16="http://schemas.microsoft.com/office/drawing/2014/main" id="{00CDA304-4B71-4DFF-BD7A-3D9693638B16}"/>
+                  <a16:creationId xmlns:a16="http://schemas.microsoft.com/office/drawing/2014/main" xmlns="" id="{00CDA304-4B71-4DFF-BD7A-3D9693638B16}"/>
                 </a:ext>
               </a:extLst>
             </p:cNvPr>
@@ -5888,7 +5945,7 @@
             <p:cNvPr id="17" name="TextBox 16">
               <a:extLst>
                 <a:ext uri="{FF2B5EF4-FFF2-40B4-BE49-F238E27FC236}">
-                  <a16:creationId xmlns:a16="http://schemas.microsoft.com/office/drawing/2014/main" id="{802D4E9A-3F0A-4F12-B7DB-625D23B049FF}"/>
+                  <a16:creationId xmlns:a16="http://schemas.microsoft.com/office/drawing/2014/main" xmlns="" id="{802D4E9A-3F0A-4F12-B7DB-625D23B049FF}"/>
                 </a:ext>
               </a:extLst>
             </p:cNvPr>
@@ -5923,7 +5980,7 @@
             <p:cNvPr id="18" name="TextBox 17">
               <a:extLst>
                 <a:ext uri="{FF2B5EF4-FFF2-40B4-BE49-F238E27FC236}">
-                  <a16:creationId xmlns:a16="http://schemas.microsoft.com/office/drawing/2014/main" id="{B772AF12-B3BD-4BEE-BF9C-C0EE41BA9CC1}"/>
+                  <a16:creationId xmlns:a16="http://schemas.microsoft.com/office/drawing/2014/main" xmlns="" id="{B772AF12-B3BD-4BEE-BF9C-C0EE41BA9CC1}"/>
                 </a:ext>
               </a:extLst>
             </p:cNvPr>
@@ -5960,7 +6017,7 @@
             <p:cNvPr id="19" name="TextBox 18">
               <a:extLst>
                 <a:ext uri="{FF2B5EF4-FFF2-40B4-BE49-F238E27FC236}">
-                  <a16:creationId xmlns:a16="http://schemas.microsoft.com/office/drawing/2014/main" id="{70B060DC-A28C-4016-BBCC-09D778BD40BB}"/>
+                  <a16:creationId xmlns:a16="http://schemas.microsoft.com/office/drawing/2014/main" xmlns="" id="{70B060DC-A28C-4016-BBCC-09D778BD40BB}"/>
                 </a:ext>
               </a:extLst>
             </p:cNvPr>
@@ -5997,7 +6054,7 @@
           <p:cNvPr id="20" name="그룹 19">
             <a:extLst>
               <a:ext uri="{FF2B5EF4-FFF2-40B4-BE49-F238E27FC236}">
-                <a16:creationId xmlns:a16="http://schemas.microsoft.com/office/drawing/2014/main" id="{86DB9A38-3329-48F3-AF62-E4E8840C3C8D}"/>
+                <a16:creationId xmlns:a16="http://schemas.microsoft.com/office/drawing/2014/main" xmlns="" id="{86DB9A38-3329-48F3-AF62-E4E8840C3C8D}"/>
               </a:ext>
             </a:extLst>
           </p:cNvPr>
@@ -6017,7 +6074,7 @@
             <p:cNvPr id="21" name="직사각형 20">
               <a:extLst>
                 <a:ext uri="{FF2B5EF4-FFF2-40B4-BE49-F238E27FC236}">
-                  <a16:creationId xmlns:a16="http://schemas.microsoft.com/office/drawing/2014/main" id="{1A565B51-7BC7-474D-A17F-A4C0076653BE}"/>
+                  <a16:creationId xmlns:a16="http://schemas.microsoft.com/office/drawing/2014/main" xmlns="" id="{1A565B51-7BC7-474D-A17F-A4C0076653BE}"/>
                 </a:ext>
               </a:extLst>
             </p:cNvPr>
@@ -6074,7 +6131,7 @@
             <p:cNvPr id="22" name="직사각형 21">
               <a:extLst>
                 <a:ext uri="{FF2B5EF4-FFF2-40B4-BE49-F238E27FC236}">
-                  <a16:creationId xmlns:a16="http://schemas.microsoft.com/office/drawing/2014/main" id="{94A8614D-D1B2-48CC-9507-A8BDAE72C269}"/>
+                  <a16:creationId xmlns:a16="http://schemas.microsoft.com/office/drawing/2014/main" xmlns="" id="{94A8614D-D1B2-48CC-9507-A8BDAE72C269}"/>
                 </a:ext>
               </a:extLst>
             </p:cNvPr>
@@ -6131,7 +6188,7 @@
             <p:cNvPr id="23" name="TextBox 22">
               <a:extLst>
                 <a:ext uri="{FF2B5EF4-FFF2-40B4-BE49-F238E27FC236}">
-                  <a16:creationId xmlns:a16="http://schemas.microsoft.com/office/drawing/2014/main" id="{F3B8E55B-B7B9-4F8B-AD42-CA1984E0D807}"/>
+                  <a16:creationId xmlns:a16="http://schemas.microsoft.com/office/drawing/2014/main" xmlns="" id="{F3B8E55B-B7B9-4F8B-AD42-CA1984E0D807}"/>
                 </a:ext>
               </a:extLst>
             </p:cNvPr>
@@ -6166,7 +6223,7 @@
             <p:cNvPr id="24" name="TextBox 23">
               <a:extLst>
                 <a:ext uri="{FF2B5EF4-FFF2-40B4-BE49-F238E27FC236}">
-                  <a16:creationId xmlns:a16="http://schemas.microsoft.com/office/drawing/2014/main" id="{82430228-ADE4-40EE-9CD4-0B070DD276C5}"/>
+                  <a16:creationId xmlns:a16="http://schemas.microsoft.com/office/drawing/2014/main" xmlns="" id="{82430228-ADE4-40EE-9CD4-0B070DD276C5}"/>
                 </a:ext>
               </a:extLst>
             </p:cNvPr>
@@ -6203,7 +6260,7 @@
             <p:cNvPr id="25" name="TextBox 24">
               <a:extLst>
                 <a:ext uri="{FF2B5EF4-FFF2-40B4-BE49-F238E27FC236}">
-                  <a16:creationId xmlns:a16="http://schemas.microsoft.com/office/drawing/2014/main" id="{B0DC403B-6380-495A-AFD2-A0A57D0EABDA}"/>
+                  <a16:creationId xmlns:a16="http://schemas.microsoft.com/office/drawing/2014/main" xmlns="" id="{B0DC403B-6380-495A-AFD2-A0A57D0EABDA}"/>
                 </a:ext>
               </a:extLst>
             </p:cNvPr>
@@ -6240,7 +6297,7 @@
           <p:cNvPr id="26" name="그룹 25">
             <a:extLst>
               <a:ext uri="{FF2B5EF4-FFF2-40B4-BE49-F238E27FC236}">
-                <a16:creationId xmlns:a16="http://schemas.microsoft.com/office/drawing/2014/main" id="{DD76409C-D406-4575-8DAC-CE85204EF101}"/>
+                <a16:creationId xmlns:a16="http://schemas.microsoft.com/office/drawing/2014/main" xmlns="" id="{DD76409C-D406-4575-8DAC-CE85204EF101}"/>
               </a:ext>
             </a:extLst>
           </p:cNvPr>
@@ -6260,7 +6317,7 @@
             <p:cNvPr id="27" name="직사각형 26">
               <a:extLst>
                 <a:ext uri="{FF2B5EF4-FFF2-40B4-BE49-F238E27FC236}">
-                  <a16:creationId xmlns:a16="http://schemas.microsoft.com/office/drawing/2014/main" id="{7F4AD81D-CE82-4253-A236-3058885EF413}"/>
+                  <a16:creationId xmlns:a16="http://schemas.microsoft.com/office/drawing/2014/main" xmlns="" id="{7F4AD81D-CE82-4253-A236-3058885EF413}"/>
                 </a:ext>
               </a:extLst>
             </p:cNvPr>
@@ -6317,7 +6374,7 @@
             <p:cNvPr id="28" name="직사각형 27">
               <a:extLst>
                 <a:ext uri="{FF2B5EF4-FFF2-40B4-BE49-F238E27FC236}">
-                  <a16:creationId xmlns:a16="http://schemas.microsoft.com/office/drawing/2014/main" id="{17809C90-8625-4F37-9A61-A31EB8F08E35}"/>
+                  <a16:creationId xmlns:a16="http://schemas.microsoft.com/office/drawing/2014/main" xmlns="" id="{17809C90-8625-4F37-9A61-A31EB8F08E35}"/>
                 </a:ext>
               </a:extLst>
             </p:cNvPr>
@@ -6374,7 +6431,7 @@
             <p:cNvPr id="29" name="TextBox 28">
               <a:extLst>
                 <a:ext uri="{FF2B5EF4-FFF2-40B4-BE49-F238E27FC236}">
-                  <a16:creationId xmlns:a16="http://schemas.microsoft.com/office/drawing/2014/main" id="{23CF47F0-16C2-4A3D-B4B8-1BF854B53D72}"/>
+                  <a16:creationId xmlns:a16="http://schemas.microsoft.com/office/drawing/2014/main" xmlns="" id="{23CF47F0-16C2-4A3D-B4B8-1BF854B53D72}"/>
                 </a:ext>
               </a:extLst>
             </p:cNvPr>
@@ -6409,7 +6466,7 @@
             <p:cNvPr id="30" name="TextBox 29">
               <a:extLst>
                 <a:ext uri="{FF2B5EF4-FFF2-40B4-BE49-F238E27FC236}">
-                  <a16:creationId xmlns:a16="http://schemas.microsoft.com/office/drawing/2014/main" id="{A812A142-367C-4A11-B52D-92E26AB67EEC}"/>
+                  <a16:creationId xmlns:a16="http://schemas.microsoft.com/office/drawing/2014/main" xmlns="" id="{A812A142-367C-4A11-B52D-92E26AB67EEC}"/>
                 </a:ext>
               </a:extLst>
             </p:cNvPr>
@@ -6446,7 +6503,7 @@
             <p:cNvPr id="31" name="TextBox 30">
               <a:extLst>
                 <a:ext uri="{FF2B5EF4-FFF2-40B4-BE49-F238E27FC236}">
-                  <a16:creationId xmlns:a16="http://schemas.microsoft.com/office/drawing/2014/main" id="{317881E1-E5CC-44A5-AE8E-16C19DCFCCCA}"/>
+                  <a16:creationId xmlns:a16="http://schemas.microsoft.com/office/drawing/2014/main" xmlns="" id="{317881E1-E5CC-44A5-AE8E-16C19DCFCCCA}"/>
                 </a:ext>
               </a:extLst>
             </p:cNvPr>
@@ -6483,7 +6540,7 @@
           <p:cNvPr id="32" name="그룹 31">
             <a:extLst>
               <a:ext uri="{FF2B5EF4-FFF2-40B4-BE49-F238E27FC236}">
-                <a16:creationId xmlns:a16="http://schemas.microsoft.com/office/drawing/2014/main" id="{FE77BAC9-FBE8-4B5A-BB3D-57EA4C90D043}"/>
+                <a16:creationId xmlns:a16="http://schemas.microsoft.com/office/drawing/2014/main" xmlns="" id="{FE77BAC9-FBE8-4B5A-BB3D-57EA4C90D043}"/>
               </a:ext>
             </a:extLst>
           </p:cNvPr>
@@ -6503,7 +6560,7 @@
             <p:cNvPr id="33" name="직사각형 32">
               <a:extLst>
                 <a:ext uri="{FF2B5EF4-FFF2-40B4-BE49-F238E27FC236}">
-                  <a16:creationId xmlns:a16="http://schemas.microsoft.com/office/drawing/2014/main" id="{3C8F043C-C450-47D8-A79D-946F1CC0AE3D}"/>
+                  <a16:creationId xmlns:a16="http://schemas.microsoft.com/office/drawing/2014/main" xmlns="" id="{3C8F043C-C450-47D8-A79D-946F1CC0AE3D}"/>
                 </a:ext>
               </a:extLst>
             </p:cNvPr>
@@ -6560,7 +6617,7 @@
             <p:cNvPr id="34" name="직사각형 33">
               <a:extLst>
                 <a:ext uri="{FF2B5EF4-FFF2-40B4-BE49-F238E27FC236}">
-                  <a16:creationId xmlns:a16="http://schemas.microsoft.com/office/drawing/2014/main" id="{A8DA7E6A-6BDE-4449-B043-B973D20C1BAC}"/>
+                  <a16:creationId xmlns:a16="http://schemas.microsoft.com/office/drawing/2014/main" xmlns="" id="{A8DA7E6A-6BDE-4449-B043-B973D20C1BAC}"/>
                 </a:ext>
               </a:extLst>
             </p:cNvPr>
@@ -6617,7 +6674,7 @@
             <p:cNvPr id="35" name="TextBox 34">
               <a:extLst>
                 <a:ext uri="{FF2B5EF4-FFF2-40B4-BE49-F238E27FC236}">
-                  <a16:creationId xmlns:a16="http://schemas.microsoft.com/office/drawing/2014/main" id="{D2BD38CD-DA72-4914-9E7E-47E32790A1B9}"/>
+                  <a16:creationId xmlns:a16="http://schemas.microsoft.com/office/drawing/2014/main" xmlns="" id="{D2BD38CD-DA72-4914-9E7E-47E32790A1B9}"/>
                 </a:ext>
               </a:extLst>
             </p:cNvPr>
@@ -6652,7 +6709,7 @@
             <p:cNvPr id="36" name="TextBox 35">
               <a:extLst>
                 <a:ext uri="{FF2B5EF4-FFF2-40B4-BE49-F238E27FC236}">
-                  <a16:creationId xmlns:a16="http://schemas.microsoft.com/office/drawing/2014/main" id="{4ABB27FB-A4C7-46F4-85F8-A7922ABF1CFE}"/>
+                  <a16:creationId xmlns:a16="http://schemas.microsoft.com/office/drawing/2014/main" xmlns="" id="{4ABB27FB-A4C7-46F4-85F8-A7922ABF1CFE}"/>
                 </a:ext>
               </a:extLst>
             </p:cNvPr>
@@ -6689,7 +6746,7 @@
             <p:cNvPr id="37" name="TextBox 36">
               <a:extLst>
                 <a:ext uri="{FF2B5EF4-FFF2-40B4-BE49-F238E27FC236}">
-                  <a16:creationId xmlns:a16="http://schemas.microsoft.com/office/drawing/2014/main" id="{DAD9C8A4-087B-4108-892F-138779107B96}"/>
+                  <a16:creationId xmlns:a16="http://schemas.microsoft.com/office/drawing/2014/main" xmlns="" id="{DAD9C8A4-087B-4108-892F-138779107B96}"/>
                 </a:ext>
               </a:extLst>
             </p:cNvPr>
@@ -6726,7 +6783,7 @@
           <p:cNvPr id="38" name="그룹 37">
             <a:extLst>
               <a:ext uri="{FF2B5EF4-FFF2-40B4-BE49-F238E27FC236}">
-                <a16:creationId xmlns:a16="http://schemas.microsoft.com/office/drawing/2014/main" id="{E98D60D4-7059-467F-96BC-048503ABC886}"/>
+                <a16:creationId xmlns:a16="http://schemas.microsoft.com/office/drawing/2014/main" xmlns="" id="{E98D60D4-7059-467F-96BC-048503ABC886}"/>
               </a:ext>
             </a:extLst>
           </p:cNvPr>
@@ -6746,7 +6803,7 @@
             <p:cNvPr id="39" name="직사각형 38">
               <a:extLst>
                 <a:ext uri="{FF2B5EF4-FFF2-40B4-BE49-F238E27FC236}">
-                  <a16:creationId xmlns:a16="http://schemas.microsoft.com/office/drawing/2014/main" id="{ED7E0B4F-5601-40C6-ACE3-E7C91CE3CE64}"/>
+                  <a16:creationId xmlns:a16="http://schemas.microsoft.com/office/drawing/2014/main" xmlns="" id="{ED7E0B4F-5601-40C6-ACE3-E7C91CE3CE64}"/>
                 </a:ext>
               </a:extLst>
             </p:cNvPr>
@@ -6803,7 +6860,7 @@
             <p:cNvPr id="40" name="직사각형 39">
               <a:extLst>
                 <a:ext uri="{FF2B5EF4-FFF2-40B4-BE49-F238E27FC236}">
-                  <a16:creationId xmlns:a16="http://schemas.microsoft.com/office/drawing/2014/main" id="{34AA947D-9408-400D-AC5D-5342B39ABE1A}"/>
+                  <a16:creationId xmlns:a16="http://schemas.microsoft.com/office/drawing/2014/main" xmlns="" id="{34AA947D-9408-400D-AC5D-5342B39ABE1A}"/>
                 </a:ext>
               </a:extLst>
             </p:cNvPr>
@@ -6860,7 +6917,7 @@
             <p:cNvPr id="41" name="TextBox 40">
               <a:extLst>
                 <a:ext uri="{FF2B5EF4-FFF2-40B4-BE49-F238E27FC236}">
-                  <a16:creationId xmlns:a16="http://schemas.microsoft.com/office/drawing/2014/main" id="{A9F0B356-93E4-4AEA-85B6-4C79B9643CCF}"/>
+                  <a16:creationId xmlns:a16="http://schemas.microsoft.com/office/drawing/2014/main" xmlns="" id="{A9F0B356-93E4-4AEA-85B6-4C79B9643CCF}"/>
                 </a:ext>
               </a:extLst>
             </p:cNvPr>
@@ -6895,7 +6952,7 @@
             <p:cNvPr id="42" name="TextBox 41">
               <a:extLst>
                 <a:ext uri="{FF2B5EF4-FFF2-40B4-BE49-F238E27FC236}">
-                  <a16:creationId xmlns:a16="http://schemas.microsoft.com/office/drawing/2014/main" id="{28D58E95-8FE9-42E6-846B-ABB2CE8A74E8}"/>
+                  <a16:creationId xmlns:a16="http://schemas.microsoft.com/office/drawing/2014/main" xmlns="" id="{28D58E95-8FE9-42E6-846B-ABB2CE8A74E8}"/>
                 </a:ext>
               </a:extLst>
             </p:cNvPr>
@@ -6932,7 +6989,7 @@
             <p:cNvPr id="43" name="TextBox 42">
               <a:extLst>
                 <a:ext uri="{FF2B5EF4-FFF2-40B4-BE49-F238E27FC236}">
-                  <a16:creationId xmlns:a16="http://schemas.microsoft.com/office/drawing/2014/main" id="{0D6C15E8-68F3-4A5D-8A97-3BAE18E7E58B}"/>
+                  <a16:creationId xmlns:a16="http://schemas.microsoft.com/office/drawing/2014/main" xmlns="" id="{0D6C15E8-68F3-4A5D-8A97-3BAE18E7E58B}"/>
                 </a:ext>
               </a:extLst>
             </p:cNvPr>
@@ -6969,7 +7026,7 @@
           <p:cNvPr id="44" name="그룹 43">
             <a:extLst>
               <a:ext uri="{FF2B5EF4-FFF2-40B4-BE49-F238E27FC236}">
-                <a16:creationId xmlns:a16="http://schemas.microsoft.com/office/drawing/2014/main" id="{18D9B4F6-C1F3-46AC-8B50-B147BC98E069}"/>
+                <a16:creationId xmlns:a16="http://schemas.microsoft.com/office/drawing/2014/main" xmlns="" id="{18D9B4F6-C1F3-46AC-8B50-B147BC98E069}"/>
               </a:ext>
             </a:extLst>
           </p:cNvPr>
@@ -6989,7 +7046,7 @@
             <p:cNvPr id="45" name="직사각형 44">
               <a:extLst>
                 <a:ext uri="{FF2B5EF4-FFF2-40B4-BE49-F238E27FC236}">
-                  <a16:creationId xmlns:a16="http://schemas.microsoft.com/office/drawing/2014/main" id="{099099D9-E519-40F9-A197-14FE1106759B}"/>
+                  <a16:creationId xmlns:a16="http://schemas.microsoft.com/office/drawing/2014/main" xmlns="" id="{099099D9-E519-40F9-A197-14FE1106759B}"/>
                 </a:ext>
               </a:extLst>
             </p:cNvPr>
@@ -7046,7 +7103,7 @@
             <p:cNvPr id="46" name="직사각형 45">
               <a:extLst>
                 <a:ext uri="{FF2B5EF4-FFF2-40B4-BE49-F238E27FC236}">
-                  <a16:creationId xmlns:a16="http://schemas.microsoft.com/office/drawing/2014/main" id="{F0C819CA-EE78-4215-AA5D-D580A6C68AE6}"/>
+                  <a16:creationId xmlns:a16="http://schemas.microsoft.com/office/drawing/2014/main" xmlns="" id="{F0C819CA-EE78-4215-AA5D-D580A6C68AE6}"/>
                 </a:ext>
               </a:extLst>
             </p:cNvPr>
@@ -7103,7 +7160,7 @@
             <p:cNvPr id="47" name="TextBox 46">
               <a:extLst>
                 <a:ext uri="{FF2B5EF4-FFF2-40B4-BE49-F238E27FC236}">
-                  <a16:creationId xmlns:a16="http://schemas.microsoft.com/office/drawing/2014/main" id="{5EF2E083-6F1F-4BCA-A4E0-5534635E6E3C}"/>
+                  <a16:creationId xmlns:a16="http://schemas.microsoft.com/office/drawing/2014/main" xmlns="" id="{5EF2E083-6F1F-4BCA-A4E0-5534635E6E3C}"/>
                 </a:ext>
               </a:extLst>
             </p:cNvPr>
@@ -7138,7 +7195,7 @@
             <p:cNvPr id="48" name="TextBox 47">
               <a:extLst>
                 <a:ext uri="{FF2B5EF4-FFF2-40B4-BE49-F238E27FC236}">
-                  <a16:creationId xmlns:a16="http://schemas.microsoft.com/office/drawing/2014/main" id="{51754BBB-0BE4-4F32-B382-C4E36C374F3C}"/>
+                  <a16:creationId xmlns:a16="http://schemas.microsoft.com/office/drawing/2014/main" xmlns="" id="{51754BBB-0BE4-4F32-B382-C4E36C374F3C}"/>
                 </a:ext>
               </a:extLst>
             </p:cNvPr>
@@ -7175,7 +7232,7 @@
             <p:cNvPr id="49" name="TextBox 48">
               <a:extLst>
                 <a:ext uri="{FF2B5EF4-FFF2-40B4-BE49-F238E27FC236}">
-                  <a16:creationId xmlns:a16="http://schemas.microsoft.com/office/drawing/2014/main" id="{C8A6172E-A9AD-45A3-AC6D-09D4ED9A5353}"/>
+                  <a16:creationId xmlns:a16="http://schemas.microsoft.com/office/drawing/2014/main" xmlns="" id="{C8A6172E-A9AD-45A3-AC6D-09D4ED9A5353}"/>
                 </a:ext>
               </a:extLst>
             </p:cNvPr>
@@ -7212,7 +7269,7 @@
           <p:cNvPr id="53" name="직선 화살표 연결선 52">
             <a:extLst>
               <a:ext uri="{FF2B5EF4-FFF2-40B4-BE49-F238E27FC236}">
-                <a16:creationId xmlns:a16="http://schemas.microsoft.com/office/drawing/2014/main" id="{8D5732DD-7D28-4B90-863B-01354C68E643}"/>
+                <a16:creationId xmlns:a16="http://schemas.microsoft.com/office/drawing/2014/main" xmlns="" id="{8D5732DD-7D28-4B90-863B-01354C68E643}"/>
               </a:ext>
             </a:extLst>
           </p:cNvPr>
@@ -7261,7 +7318,7 @@
           <p:cNvPr id="57" name="직선 화살표 연결선 56">
             <a:extLst>
               <a:ext uri="{FF2B5EF4-FFF2-40B4-BE49-F238E27FC236}">
-                <a16:creationId xmlns:a16="http://schemas.microsoft.com/office/drawing/2014/main" id="{FB5C8413-F5EE-4962-9F7F-7F29444D80F6}"/>
+                <a16:creationId xmlns:a16="http://schemas.microsoft.com/office/drawing/2014/main" xmlns="" id="{FB5C8413-F5EE-4962-9F7F-7F29444D80F6}"/>
               </a:ext>
             </a:extLst>
           </p:cNvPr>
@@ -7310,7 +7367,7 @@
           <p:cNvPr id="60" name="연결선: 꺾임 59">
             <a:extLst>
               <a:ext uri="{FF2B5EF4-FFF2-40B4-BE49-F238E27FC236}">
-                <a16:creationId xmlns:a16="http://schemas.microsoft.com/office/drawing/2014/main" id="{0FEE224C-B1CF-4378-AB78-C465B1E0A2A1}"/>
+                <a16:creationId xmlns:a16="http://schemas.microsoft.com/office/drawing/2014/main" xmlns="" id="{0FEE224C-B1CF-4378-AB78-C465B1E0A2A1}"/>
               </a:ext>
             </a:extLst>
           </p:cNvPr>
@@ -7364,7 +7421,7 @@
           <p:cNvPr id="64" name="연결선: 꺾임 63">
             <a:extLst>
               <a:ext uri="{FF2B5EF4-FFF2-40B4-BE49-F238E27FC236}">
-                <a16:creationId xmlns:a16="http://schemas.microsoft.com/office/drawing/2014/main" id="{4219ED03-E7ED-4D3D-B536-8F5748E122D8}"/>
+                <a16:creationId xmlns:a16="http://schemas.microsoft.com/office/drawing/2014/main" xmlns="" id="{4219ED03-E7ED-4D3D-B536-8F5748E122D8}"/>
               </a:ext>
             </a:extLst>
           </p:cNvPr>
@@ -7418,7 +7475,7 @@
           <p:cNvPr id="68" name="직선 화살표 연결선 67">
             <a:extLst>
               <a:ext uri="{FF2B5EF4-FFF2-40B4-BE49-F238E27FC236}">
-                <a16:creationId xmlns:a16="http://schemas.microsoft.com/office/drawing/2014/main" id="{2F6C66A6-530D-45F3-96DD-12D9045A727A}"/>
+                <a16:creationId xmlns:a16="http://schemas.microsoft.com/office/drawing/2014/main" xmlns="" id="{2F6C66A6-530D-45F3-96DD-12D9045A727A}"/>
               </a:ext>
             </a:extLst>
           </p:cNvPr>
@@ -7467,7 +7524,7 @@
           <p:cNvPr id="70" name="직선 화살표 연결선 69">
             <a:extLst>
               <a:ext uri="{FF2B5EF4-FFF2-40B4-BE49-F238E27FC236}">
-                <a16:creationId xmlns:a16="http://schemas.microsoft.com/office/drawing/2014/main" id="{909BDE2A-6E50-4F7A-A7C8-87D56DD44DDA}"/>
+                <a16:creationId xmlns:a16="http://schemas.microsoft.com/office/drawing/2014/main" xmlns="" id="{909BDE2A-6E50-4F7A-A7C8-87D56DD44DDA}"/>
               </a:ext>
             </a:extLst>
           </p:cNvPr>
@@ -7516,7 +7573,7 @@
           <p:cNvPr id="72" name="TextBox 71">
             <a:extLst>
               <a:ext uri="{FF2B5EF4-FFF2-40B4-BE49-F238E27FC236}">
-                <a16:creationId xmlns:a16="http://schemas.microsoft.com/office/drawing/2014/main" id="{030F567D-3274-40C6-B6BA-E66696B3AAB0}"/>
+                <a16:creationId xmlns:a16="http://schemas.microsoft.com/office/drawing/2014/main" xmlns="" id="{030F567D-3274-40C6-B6BA-E66696B3AAB0}"/>
               </a:ext>
             </a:extLst>
           </p:cNvPr>
@@ -7552,7 +7609,7 @@
           <p:cNvPr id="73" name="TextBox 72">
             <a:extLst>
               <a:ext uri="{FF2B5EF4-FFF2-40B4-BE49-F238E27FC236}">
-                <a16:creationId xmlns:a16="http://schemas.microsoft.com/office/drawing/2014/main" id="{D878DFB9-4DD4-4686-BE7D-75AE4E59A943}"/>
+                <a16:creationId xmlns:a16="http://schemas.microsoft.com/office/drawing/2014/main" xmlns="" id="{D878DFB9-4DD4-4686-BE7D-75AE4E59A943}"/>
               </a:ext>
             </a:extLst>
           </p:cNvPr>
@@ -7593,6 +7650,13 @@
   <p:clrMapOvr>
     <a:masterClrMapping/>
   </p:clrMapOvr>
+  <p:timing>
+    <p:tnLst>
+      <p:par>
+        <p:cTn id="1" dur="indefinite" restart="never" nodeType="tmRoot"/>
+      </p:par>
+    </p:tnLst>
+  </p:timing>
 </p:sld>
 </file>
 
@@ -7618,7 +7682,7 @@
           <p:cNvPr id="2" name="제목 1">
             <a:extLst>
               <a:ext uri="{FF2B5EF4-FFF2-40B4-BE49-F238E27FC236}">
-                <a16:creationId xmlns:a16="http://schemas.microsoft.com/office/drawing/2014/main" id="{6567B30B-F792-4D65-84A7-2BEF21FFFC7F}"/>
+                <a16:creationId xmlns:a16="http://schemas.microsoft.com/office/drawing/2014/main" xmlns="" id="{6567B30B-F792-4D65-84A7-2BEF21FFFC7F}"/>
               </a:ext>
             </a:extLst>
           </p:cNvPr>
@@ -7654,7 +7718,7 @@
           <p:cNvPr id="3" name="내용 개체 틀 2">
             <a:extLst>
               <a:ext uri="{FF2B5EF4-FFF2-40B4-BE49-F238E27FC236}">
-                <a16:creationId xmlns:a16="http://schemas.microsoft.com/office/drawing/2014/main" id="{BA06401D-C033-4DE2-A4A3-F88C70822B40}"/>
+                <a16:creationId xmlns:a16="http://schemas.microsoft.com/office/drawing/2014/main" xmlns="" id="{BA06401D-C033-4DE2-A4A3-F88C70822B40}"/>
               </a:ext>
             </a:extLst>
           </p:cNvPr>
@@ -7784,7 +7848,7 @@
           <p:cNvPr id="5" name="표 5">
             <a:extLst>
               <a:ext uri="{FF2B5EF4-FFF2-40B4-BE49-F238E27FC236}">
-                <a16:creationId xmlns:a16="http://schemas.microsoft.com/office/drawing/2014/main" id="{D589A95D-3B96-44B0-9B9A-C6A85E9CBC43}"/>
+                <a16:creationId xmlns:a16="http://schemas.microsoft.com/office/drawing/2014/main" xmlns="" id="{D589A95D-3B96-44B0-9B9A-C6A85E9CBC43}"/>
               </a:ext>
             </a:extLst>
           </p:cNvPr>
@@ -7813,56 +7877,56 @@
                 <a:gridCol w="1016000">
                   <a:extLst>
                     <a:ext uri="{9D8B030D-6E8A-4147-A177-3AD203B41FA5}">
-                      <a16:colId xmlns:a16="http://schemas.microsoft.com/office/drawing/2014/main" val="422949941"/>
+                      <a16:colId xmlns:a16="http://schemas.microsoft.com/office/drawing/2014/main" xmlns="" val="422949941"/>
                     </a:ext>
                   </a:extLst>
                 </a:gridCol>
                 <a:gridCol w="1016000">
                   <a:extLst>
                     <a:ext uri="{9D8B030D-6E8A-4147-A177-3AD203B41FA5}">
-                      <a16:colId xmlns:a16="http://schemas.microsoft.com/office/drawing/2014/main" val="1888211109"/>
+                      <a16:colId xmlns:a16="http://schemas.microsoft.com/office/drawing/2014/main" xmlns="" val="1888211109"/>
                     </a:ext>
                   </a:extLst>
                 </a:gridCol>
                 <a:gridCol w="1016000">
                   <a:extLst>
                     <a:ext uri="{9D8B030D-6E8A-4147-A177-3AD203B41FA5}">
-                      <a16:colId xmlns:a16="http://schemas.microsoft.com/office/drawing/2014/main" val="3675358557"/>
+                      <a16:colId xmlns:a16="http://schemas.microsoft.com/office/drawing/2014/main" xmlns="" val="3675358557"/>
                     </a:ext>
                   </a:extLst>
                 </a:gridCol>
                 <a:gridCol w="1016000">
                   <a:extLst>
                     <a:ext uri="{9D8B030D-6E8A-4147-A177-3AD203B41FA5}">
-                      <a16:colId xmlns:a16="http://schemas.microsoft.com/office/drawing/2014/main" val="2341215234"/>
+                      <a16:colId xmlns:a16="http://schemas.microsoft.com/office/drawing/2014/main" xmlns="" val="2341215234"/>
                     </a:ext>
                   </a:extLst>
                 </a:gridCol>
                 <a:gridCol w="1016000">
                   <a:extLst>
                     <a:ext uri="{9D8B030D-6E8A-4147-A177-3AD203B41FA5}">
-                      <a16:colId xmlns:a16="http://schemas.microsoft.com/office/drawing/2014/main" val="3718261339"/>
+                      <a16:colId xmlns:a16="http://schemas.microsoft.com/office/drawing/2014/main" xmlns="" val="3718261339"/>
                     </a:ext>
                   </a:extLst>
                 </a:gridCol>
                 <a:gridCol w="1016000">
                   <a:extLst>
                     <a:ext uri="{9D8B030D-6E8A-4147-A177-3AD203B41FA5}">
-                      <a16:colId xmlns:a16="http://schemas.microsoft.com/office/drawing/2014/main" val="2215473244"/>
+                      <a16:colId xmlns:a16="http://schemas.microsoft.com/office/drawing/2014/main" xmlns="" val="2215473244"/>
                     </a:ext>
                   </a:extLst>
                 </a:gridCol>
                 <a:gridCol w="1016000">
                   <a:extLst>
                     <a:ext uri="{9D8B030D-6E8A-4147-A177-3AD203B41FA5}">
-                      <a16:colId xmlns:a16="http://schemas.microsoft.com/office/drawing/2014/main" val="4106026957"/>
+                      <a16:colId xmlns:a16="http://schemas.microsoft.com/office/drawing/2014/main" xmlns="" val="4106026957"/>
                     </a:ext>
                   </a:extLst>
                 </a:gridCol>
                 <a:gridCol w="1016000">
                   <a:extLst>
                     <a:ext uri="{9D8B030D-6E8A-4147-A177-3AD203B41FA5}">
-                      <a16:colId xmlns:a16="http://schemas.microsoft.com/office/drawing/2014/main" val="2810815576"/>
+                      <a16:colId xmlns:a16="http://schemas.microsoft.com/office/drawing/2014/main" xmlns="" val="2810815576"/>
                     </a:ext>
                   </a:extLst>
                 </a:gridCol>
@@ -8366,7 +8430,7 @@
                 </a:tc>
                 <a:extLst>
                   <a:ext uri="{0D108BD9-81ED-4DB2-BD59-A6C34878D82A}">
-                    <a16:rowId xmlns:a16="http://schemas.microsoft.com/office/drawing/2014/main" val="2318367764"/>
+                    <a16:rowId xmlns:a16="http://schemas.microsoft.com/office/drawing/2014/main" xmlns="" val="2318367764"/>
                   </a:ext>
                 </a:extLst>
               </a:tr>
@@ -8379,7 +8443,7 @@
           <p:cNvPr id="8" name="표 5">
             <a:extLst>
               <a:ext uri="{FF2B5EF4-FFF2-40B4-BE49-F238E27FC236}">
-                <a16:creationId xmlns:a16="http://schemas.microsoft.com/office/drawing/2014/main" id="{3D9414C9-422A-4367-B83D-30BA9896DAE3}"/>
+                <a16:creationId xmlns:a16="http://schemas.microsoft.com/office/drawing/2014/main" xmlns="" id="{3D9414C9-422A-4367-B83D-30BA9896DAE3}"/>
               </a:ext>
             </a:extLst>
           </p:cNvPr>
@@ -8408,56 +8472,56 @@
                 <a:gridCol w="1016000">
                   <a:extLst>
                     <a:ext uri="{9D8B030D-6E8A-4147-A177-3AD203B41FA5}">
-                      <a16:colId xmlns:a16="http://schemas.microsoft.com/office/drawing/2014/main" val="422949941"/>
+                      <a16:colId xmlns:a16="http://schemas.microsoft.com/office/drawing/2014/main" xmlns="" val="422949941"/>
                     </a:ext>
                   </a:extLst>
                 </a:gridCol>
                 <a:gridCol w="1016000">
                   <a:extLst>
                     <a:ext uri="{9D8B030D-6E8A-4147-A177-3AD203B41FA5}">
-                      <a16:colId xmlns:a16="http://schemas.microsoft.com/office/drawing/2014/main" val="1888211109"/>
+                      <a16:colId xmlns:a16="http://schemas.microsoft.com/office/drawing/2014/main" xmlns="" val="1888211109"/>
                     </a:ext>
                   </a:extLst>
                 </a:gridCol>
                 <a:gridCol w="1016000">
                   <a:extLst>
                     <a:ext uri="{9D8B030D-6E8A-4147-A177-3AD203B41FA5}">
-                      <a16:colId xmlns:a16="http://schemas.microsoft.com/office/drawing/2014/main" val="3675358557"/>
+                      <a16:colId xmlns:a16="http://schemas.microsoft.com/office/drawing/2014/main" xmlns="" val="3675358557"/>
                     </a:ext>
                   </a:extLst>
                 </a:gridCol>
                 <a:gridCol w="1016000">
                   <a:extLst>
                     <a:ext uri="{9D8B030D-6E8A-4147-A177-3AD203B41FA5}">
-                      <a16:colId xmlns:a16="http://schemas.microsoft.com/office/drawing/2014/main" val="2341215234"/>
+                      <a16:colId xmlns:a16="http://schemas.microsoft.com/office/drawing/2014/main" xmlns="" val="2341215234"/>
                     </a:ext>
                   </a:extLst>
                 </a:gridCol>
                 <a:gridCol w="1016000">
                   <a:extLst>
                     <a:ext uri="{9D8B030D-6E8A-4147-A177-3AD203B41FA5}">
-                      <a16:colId xmlns:a16="http://schemas.microsoft.com/office/drawing/2014/main" val="3718261339"/>
+                      <a16:colId xmlns:a16="http://schemas.microsoft.com/office/drawing/2014/main" xmlns="" val="3718261339"/>
                     </a:ext>
                   </a:extLst>
                 </a:gridCol>
                 <a:gridCol w="1016000">
                   <a:extLst>
                     <a:ext uri="{9D8B030D-6E8A-4147-A177-3AD203B41FA5}">
-                      <a16:colId xmlns:a16="http://schemas.microsoft.com/office/drawing/2014/main" val="2215473244"/>
+                      <a16:colId xmlns:a16="http://schemas.microsoft.com/office/drawing/2014/main" xmlns="" val="2215473244"/>
                     </a:ext>
                   </a:extLst>
                 </a:gridCol>
                 <a:gridCol w="1016000">
                   <a:extLst>
                     <a:ext uri="{9D8B030D-6E8A-4147-A177-3AD203B41FA5}">
-                      <a16:colId xmlns:a16="http://schemas.microsoft.com/office/drawing/2014/main" val="4106026957"/>
+                      <a16:colId xmlns:a16="http://schemas.microsoft.com/office/drawing/2014/main" xmlns="" val="4106026957"/>
                     </a:ext>
                   </a:extLst>
                 </a:gridCol>
                 <a:gridCol w="1016000">
                   <a:extLst>
                     <a:ext uri="{9D8B030D-6E8A-4147-A177-3AD203B41FA5}">
-                      <a16:colId xmlns:a16="http://schemas.microsoft.com/office/drawing/2014/main" val="2810815576"/>
+                      <a16:colId xmlns:a16="http://schemas.microsoft.com/office/drawing/2014/main" xmlns="" val="2810815576"/>
                     </a:ext>
                   </a:extLst>
                 </a:gridCol>
@@ -8961,7 +9025,7 @@
                 </a:tc>
                 <a:extLst>
                   <a:ext uri="{0D108BD9-81ED-4DB2-BD59-A6C34878D82A}">
-                    <a16:rowId xmlns:a16="http://schemas.microsoft.com/office/drawing/2014/main" val="2318367764"/>
+                    <a16:rowId xmlns:a16="http://schemas.microsoft.com/office/drawing/2014/main" xmlns="" val="2318367764"/>
                   </a:ext>
                 </a:extLst>
               </a:tr>
@@ -8974,7 +9038,7 @@
           <p:cNvPr id="9" name="표 5">
             <a:extLst>
               <a:ext uri="{FF2B5EF4-FFF2-40B4-BE49-F238E27FC236}">
-                <a16:creationId xmlns:a16="http://schemas.microsoft.com/office/drawing/2014/main" id="{15D5CCAF-CAB6-493C-9A85-2676F48690AF}"/>
+                <a16:creationId xmlns:a16="http://schemas.microsoft.com/office/drawing/2014/main" xmlns="" id="{15D5CCAF-CAB6-493C-9A85-2676F48690AF}"/>
               </a:ext>
             </a:extLst>
           </p:cNvPr>
@@ -9003,49 +9067,49 @@
                 <a:gridCol w="1016000">
                   <a:extLst>
                     <a:ext uri="{9D8B030D-6E8A-4147-A177-3AD203B41FA5}">
-                      <a16:colId xmlns:a16="http://schemas.microsoft.com/office/drawing/2014/main" val="422949941"/>
+                      <a16:colId xmlns:a16="http://schemas.microsoft.com/office/drawing/2014/main" xmlns="" val="422949941"/>
                     </a:ext>
                   </a:extLst>
                 </a:gridCol>
                 <a:gridCol w="1016000">
                   <a:extLst>
                     <a:ext uri="{9D8B030D-6E8A-4147-A177-3AD203B41FA5}">
-                      <a16:colId xmlns:a16="http://schemas.microsoft.com/office/drawing/2014/main" val="1888211109"/>
+                      <a16:colId xmlns:a16="http://schemas.microsoft.com/office/drawing/2014/main" xmlns="" val="1888211109"/>
                     </a:ext>
                   </a:extLst>
                 </a:gridCol>
                 <a:gridCol w="1016000">
                   <a:extLst>
                     <a:ext uri="{9D8B030D-6E8A-4147-A177-3AD203B41FA5}">
-                      <a16:colId xmlns:a16="http://schemas.microsoft.com/office/drawing/2014/main" val="3675358557"/>
+                      <a16:colId xmlns:a16="http://schemas.microsoft.com/office/drawing/2014/main" xmlns="" val="3675358557"/>
                     </a:ext>
                   </a:extLst>
                 </a:gridCol>
                 <a:gridCol w="1016000">
                   <a:extLst>
                     <a:ext uri="{9D8B030D-6E8A-4147-A177-3AD203B41FA5}">
-                      <a16:colId xmlns:a16="http://schemas.microsoft.com/office/drawing/2014/main" val="2341215234"/>
+                      <a16:colId xmlns:a16="http://schemas.microsoft.com/office/drawing/2014/main" xmlns="" val="2341215234"/>
                     </a:ext>
                   </a:extLst>
                 </a:gridCol>
                 <a:gridCol w="1016000">
                   <a:extLst>
                     <a:ext uri="{9D8B030D-6E8A-4147-A177-3AD203B41FA5}">
-                      <a16:colId xmlns:a16="http://schemas.microsoft.com/office/drawing/2014/main" val="3718261339"/>
+                      <a16:colId xmlns:a16="http://schemas.microsoft.com/office/drawing/2014/main" xmlns="" val="3718261339"/>
                     </a:ext>
                   </a:extLst>
                 </a:gridCol>
                 <a:gridCol w="1016000">
                   <a:extLst>
                     <a:ext uri="{9D8B030D-6E8A-4147-A177-3AD203B41FA5}">
-                      <a16:colId xmlns:a16="http://schemas.microsoft.com/office/drawing/2014/main" val="4106026957"/>
+                      <a16:colId xmlns:a16="http://schemas.microsoft.com/office/drawing/2014/main" xmlns="" val="4106026957"/>
                     </a:ext>
                   </a:extLst>
                 </a:gridCol>
                 <a:gridCol w="1016000">
                   <a:extLst>
                     <a:ext uri="{9D8B030D-6E8A-4147-A177-3AD203B41FA5}">
-                      <a16:colId xmlns:a16="http://schemas.microsoft.com/office/drawing/2014/main" val="2810815576"/>
+                      <a16:colId xmlns:a16="http://schemas.microsoft.com/office/drawing/2014/main" xmlns="" val="2810815576"/>
                     </a:ext>
                   </a:extLst>
                 </a:gridCol>
@@ -9494,7 +9558,7 @@
                 </a:tc>
                 <a:extLst>
                   <a:ext uri="{0D108BD9-81ED-4DB2-BD59-A6C34878D82A}">
-                    <a16:rowId xmlns:a16="http://schemas.microsoft.com/office/drawing/2014/main" val="2318367764"/>
+                    <a16:rowId xmlns:a16="http://schemas.microsoft.com/office/drawing/2014/main" xmlns="" val="2318367764"/>
                   </a:ext>
                 </a:extLst>
               </a:tr>
@@ -9507,7 +9571,7 @@
           <p:cNvPr id="10" name="화살표: 왼쪽으로 구부러짐 9">
             <a:extLst>
               <a:ext uri="{FF2B5EF4-FFF2-40B4-BE49-F238E27FC236}">
-                <a16:creationId xmlns:a16="http://schemas.microsoft.com/office/drawing/2014/main" id="{C91D9D3C-A84D-4E18-9C6C-303B390342DD}"/>
+                <a16:creationId xmlns:a16="http://schemas.microsoft.com/office/drawing/2014/main" xmlns="" id="{C91D9D3C-A84D-4E18-9C6C-303B390342DD}"/>
               </a:ext>
             </a:extLst>
           </p:cNvPr>
@@ -9573,6 +9637,13 @@
   <p:clrMapOvr>
     <a:masterClrMapping/>
   </p:clrMapOvr>
+  <p:timing>
+    <p:tnLst>
+      <p:par>
+        <p:cTn id="1" dur="indefinite" restart="never" nodeType="tmRoot"/>
+      </p:par>
+    </p:tnLst>
+  </p:timing>
 </p:sld>
 </file>
 
@@ -9598,7 +9669,7 @@
           <p:cNvPr id="2" name="제목 1">
             <a:extLst>
               <a:ext uri="{FF2B5EF4-FFF2-40B4-BE49-F238E27FC236}">
-                <a16:creationId xmlns:a16="http://schemas.microsoft.com/office/drawing/2014/main" id="{42C84062-C8B0-4CB3-B461-05F52E791379}"/>
+                <a16:creationId xmlns:a16="http://schemas.microsoft.com/office/drawing/2014/main" xmlns="" id="{42C84062-C8B0-4CB3-B461-05F52E791379}"/>
               </a:ext>
             </a:extLst>
           </p:cNvPr>
@@ -9629,31 +9700,683 @@
           </a:p>
         </p:txBody>
       </p:sp>
-      <p:sp>
-        <p:nvSpPr>
-          <p:cNvPr id="3" name="내용 개체 틀 2">
+      <p:grpSp>
+        <p:nvGrpSpPr>
+          <p:cNvPr id="4" name="그룹 3">
             <a:extLst>
               <a:ext uri="{FF2B5EF4-FFF2-40B4-BE49-F238E27FC236}">
-                <a16:creationId xmlns:a16="http://schemas.microsoft.com/office/drawing/2014/main" id="{FB1F7ECD-1C84-4C2B-B2D0-85C92BB63215}"/>
+                <a16:creationId xmlns:a16="http://schemas.microsoft.com/office/drawing/2014/main" xmlns="" id="{18D9B4F6-C1F3-46AC-8B50-B147BC98E069}"/>
               </a:ext>
             </a:extLst>
           </p:cNvPr>
-          <p:cNvSpPr>
-            <a:spLocks noGrp="1"/>
-          </p:cNvSpPr>
-          <p:nvPr>
-            <p:ph idx="1"/>
-          </p:nvPr>
-        </p:nvSpPr>
-        <p:spPr/>
-        <p:txBody>
-          <a:bodyPr/>
-          <a:lstStyle/>
-          <a:p>
-            <a:endParaRPr lang="ko-KR" altLang="en-US" dirty="0"/>
-          </a:p>
-        </p:txBody>
-      </p:sp>
+          <p:cNvGrpSpPr/>
+          <p:nvPr/>
+        </p:nvGrpSpPr>
+        <p:grpSpPr>
+          <a:xfrm>
+            <a:off x="2625974" y="3362139"/>
+            <a:ext cx="2036358" cy="830367"/>
+            <a:chOff x="5402792" y="2101092"/>
+            <a:chExt cx="2036358" cy="830367"/>
+          </a:xfrm>
+        </p:grpSpPr>
+        <p:sp>
+          <p:nvSpPr>
+            <p:cNvPr id="5" name="직사각형 4">
+              <a:extLst>
+                <a:ext uri="{FF2B5EF4-FFF2-40B4-BE49-F238E27FC236}">
+                  <a16:creationId xmlns:a16="http://schemas.microsoft.com/office/drawing/2014/main" xmlns="" id="{099099D9-E519-40F9-A197-14FE1106759B}"/>
+                </a:ext>
+              </a:extLst>
+            </p:cNvPr>
+            <p:cNvSpPr/>
+            <p:nvPr/>
+          </p:nvSpPr>
+          <p:spPr>
+            <a:xfrm>
+              <a:off x="5943600" y="2393577"/>
+              <a:ext cx="1223682" cy="537882"/>
+            </a:xfrm>
+            <a:prstGeom prst="rect">
+              <a:avLst/>
+            </a:prstGeom>
+            <a:solidFill>
+              <a:schemeClr val="bg2"/>
+            </a:solidFill>
+            <a:ln w="28575">
+              <a:solidFill>
+                <a:schemeClr val="tx1">
+                  <a:lumMod val="95000"/>
+                  <a:lumOff val="5000"/>
+                </a:schemeClr>
+              </a:solidFill>
+            </a:ln>
+          </p:spPr>
+          <p:style>
+            <a:lnRef idx="2">
+              <a:schemeClr val="accent1">
+                <a:shade val="50000"/>
+              </a:schemeClr>
+            </a:lnRef>
+            <a:fillRef idx="1">
+              <a:schemeClr val="accent1"/>
+            </a:fillRef>
+            <a:effectRef idx="0">
+              <a:schemeClr val="accent1"/>
+            </a:effectRef>
+            <a:fontRef idx="minor">
+              <a:schemeClr val="lt1"/>
+            </a:fontRef>
+          </p:style>
+          <p:txBody>
+            <a:bodyPr rtlCol="0" anchor="ctr"/>
+            <a:lstStyle/>
+            <a:p>
+              <a:pPr algn="ctr"/>
+              <a:endParaRPr lang="ko-KR" altLang="en-US"/>
+            </a:p>
+          </p:txBody>
+        </p:sp>
+        <p:sp>
+          <p:nvSpPr>
+            <p:cNvPr id="6" name="직사각형 5">
+              <a:extLst>
+                <a:ext uri="{FF2B5EF4-FFF2-40B4-BE49-F238E27FC236}">
+                  <a16:creationId xmlns:a16="http://schemas.microsoft.com/office/drawing/2014/main" xmlns="" id="{F0C819CA-EE78-4215-AA5D-D580A6C68AE6}"/>
+                </a:ext>
+              </a:extLst>
+            </p:cNvPr>
+            <p:cNvSpPr/>
+            <p:nvPr/>
+          </p:nvSpPr>
+          <p:spPr>
+            <a:xfrm>
+              <a:off x="6898342" y="2393577"/>
+              <a:ext cx="537882" cy="537882"/>
+            </a:xfrm>
+            <a:prstGeom prst="rect">
+              <a:avLst/>
+            </a:prstGeom>
+            <a:solidFill>
+              <a:schemeClr val="bg2"/>
+            </a:solidFill>
+            <a:ln w="28575">
+              <a:solidFill>
+                <a:schemeClr val="tx1">
+                  <a:lumMod val="95000"/>
+                  <a:lumOff val="5000"/>
+                </a:schemeClr>
+              </a:solidFill>
+            </a:ln>
+          </p:spPr>
+          <p:style>
+            <a:lnRef idx="2">
+              <a:schemeClr val="accent1">
+                <a:shade val="50000"/>
+              </a:schemeClr>
+            </a:lnRef>
+            <a:fillRef idx="1">
+              <a:schemeClr val="accent1"/>
+            </a:fillRef>
+            <a:effectRef idx="0">
+              <a:schemeClr val="accent1"/>
+            </a:effectRef>
+            <a:fontRef idx="minor">
+              <a:schemeClr val="lt1"/>
+            </a:fontRef>
+          </p:style>
+          <p:txBody>
+            <a:bodyPr rtlCol="0" anchor="ctr"/>
+            <a:lstStyle/>
+            <a:p>
+              <a:pPr algn="ctr"/>
+              <a:endParaRPr lang="ko-KR" altLang="en-US"/>
+            </a:p>
+          </p:txBody>
+        </p:sp>
+        <p:sp>
+          <p:nvSpPr>
+            <p:cNvPr id="7" name="TextBox 46">
+              <a:extLst>
+                <a:ext uri="{FF2B5EF4-FFF2-40B4-BE49-F238E27FC236}">
+                  <a16:creationId xmlns:a16="http://schemas.microsoft.com/office/drawing/2014/main" xmlns="" id="{5EF2E083-6F1F-4BCA-A4E0-5534635E6E3C}"/>
+                </a:ext>
+              </a:extLst>
+            </p:cNvPr>
+            <p:cNvSpPr txBox="1"/>
+            <p:nvPr/>
+          </p:nvSpPr>
+          <p:spPr>
+            <a:xfrm>
+              <a:off x="6213902" y="2477852"/>
+              <a:ext cx="415498" cy="369332"/>
+            </a:xfrm>
+            <a:prstGeom prst="rect">
+              <a:avLst/>
+            </a:prstGeom>
+            <a:noFill/>
+          </p:spPr>
+          <p:txBody>
+            <a:bodyPr wrap="none" rtlCol="0">
+              <a:spAutoFit/>
+            </a:bodyPr>
+            <a:lstStyle/>
+            <a:p>
+              <a:r>
+                <a:rPr lang="ko-KR" altLang="en-US" dirty="0"/>
+                <a:t>일</a:t>
+              </a:r>
+            </a:p>
+          </p:txBody>
+        </p:sp>
+        <p:sp>
+          <p:nvSpPr>
+            <p:cNvPr id="8" name="TextBox 47">
+              <a:extLst>
+                <a:ext uri="{FF2B5EF4-FFF2-40B4-BE49-F238E27FC236}">
+                  <a16:creationId xmlns:a16="http://schemas.microsoft.com/office/drawing/2014/main" xmlns="" id="{51754BBB-0BE4-4F32-B382-C4E36C374F3C}"/>
+                </a:ext>
+              </a:extLst>
+            </p:cNvPr>
+            <p:cNvSpPr txBox="1"/>
+            <p:nvPr/>
+          </p:nvSpPr>
+          <p:spPr>
+            <a:xfrm>
+              <a:off x="6052611" y="2101092"/>
+              <a:ext cx="723275" cy="307777"/>
+            </a:xfrm>
+            <a:prstGeom prst="rect">
+              <a:avLst/>
+            </a:prstGeom>
+            <a:noFill/>
+          </p:spPr>
+          <p:txBody>
+            <a:bodyPr wrap="none" rtlCol="0">
+              <a:spAutoFit/>
+            </a:bodyPr>
+            <a:lstStyle/>
+            <a:p>
+              <a:pPr algn="ctr"/>
+              <a:r>
+                <a:rPr lang="ko-KR" altLang="en-US" sz="1400"/>
+                <a:t>데이터</a:t>
+              </a:r>
+              <a:endParaRPr lang="ko-KR" altLang="en-US" sz="1400" dirty="0"/>
+            </a:p>
+          </p:txBody>
+        </p:sp>
+        <p:sp>
+          <p:nvSpPr>
+            <p:cNvPr id="9" name="TextBox 48">
+              <a:extLst>
+                <a:ext uri="{FF2B5EF4-FFF2-40B4-BE49-F238E27FC236}">
+                  <a16:creationId xmlns:a16="http://schemas.microsoft.com/office/drawing/2014/main" xmlns="" id="{C8A6172E-A9AD-45A3-AC6D-09D4ED9A5353}"/>
+                </a:ext>
+              </a:extLst>
+            </p:cNvPr>
+            <p:cNvSpPr txBox="1"/>
+            <p:nvPr/>
+          </p:nvSpPr>
+          <p:spPr>
+            <a:xfrm>
+              <a:off x="6895411" y="2101092"/>
+              <a:ext cx="543739" cy="307777"/>
+            </a:xfrm>
+            <a:prstGeom prst="rect">
+              <a:avLst/>
+            </a:prstGeom>
+            <a:noFill/>
+          </p:spPr>
+          <p:txBody>
+            <a:bodyPr wrap="none" rtlCol="0">
+              <a:spAutoFit/>
+            </a:bodyPr>
+            <a:lstStyle/>
+            <a:p>
+              <a:pPr algn="ctr"/>
+              <a:r>
+                <a:rPr lang="ko-KR" altLang="en-US" sz="1400" dirty="0"/>
+                <a:t>링크</a:t>
+              </a:r>
+            </a:p>
+          </p:txBody>
+        </p:sp>
+        <p:sp>
+          <p:nvSpPr>
+            <p:cNvPr id="10" name="직사각형 9">
+              <a:extLst>
+                <a:ext uri="{FF2B5EF4-FFF2-40B4-BE49-F238E27FC236}">
+                  <a16:creationId xmlns:a16="http://schemas.microsoft.com/office/drawing/2014/main" xmlns="" id="{F0C819CA-EE78-4215-AA5D-D580A6C68AE6}"/>
+                </a:ext>
+              </a:extLst>
+            </p:cNvPr>
+            <p:cNvSpPr/>
+            <p:nvPr/>
+          </p:nvSpPr>
+          <p:spPr>
+            <a:xfrm>
+              <a:off x="5402792" y="2393577"/>
+              <a:ext cx="537882" cy="537882"/>
+            </a:xfrm>
+            <a:prstGeom prst="rect">
+              <a:avLst/>
+            </a:prstGeom>
+            <a:solidFill>
+              <a:schemeClr val="bg2"/>
+            </a:solidFill>
+            <a:ln w="28575">
+              <a:solidFill>
+                <a:schemeClr val="tx1">
+                  <a:lumMod val="95000"/>
+                  <a:lumOff val="5000"/>
+                </a:schemeClr>
+              </a:solidFill>
+            </a:ln>
+          </p:spPr>
+          <p:style>
+            <a:lnRef idx="2">
+              <a:schemeClr val="accent1">
+                <a:shade val="50000"/>
+              </a:schemeClr>
+            </a:lnRef>
+            <a:fillRef idx="1">
+              <a:schemeClr val="accent1"/>
+            </a:fillRef>
+            <a:effectRef idx="0">
+              <a:schemeClr val="accent1"/>
+            </a:effectRef>
+            <a:fontRef idx="minor">
+              <a:schemeClr val="lt1"/>
+            </a:fontRef>
+          </p:style>
+          <p:txBody>
+            <a:bodyPr rtlCol="0" anchor="ctr"/>
+            <a:lstStyle/>
+            <a:p>
+              <a:pPr algn="ctr"/>
+              <a:endParaRPr lang="ko-KR" altLang="en-US"/>
+            </a:p>
+          </p:txBody>
+        </p:sp>
+      </p:grpSp>
+      <p:grpSp>
+        <p:nvGrpSpPr>
+          <p:cNvPr id="11" name="그룹 10">
+            <a:extLst>
+              <a:ext uri="{FF2B5EF4-FFF2-40B4-BE49-F238E27FC236}">
+                <a16:creationId xmlns:a16="http://schemas.microsoft.com/office/drawing/2014/main" xmlns="" id="{18D9B4F6-C1F3-46AC-8B50-B147BC98E069}"/>
+              </a:ext>
+            </a:extLst>
+          </p:cNvPr>
+          <p:cNvGrpSpPr/>
+          <p:nvPr/>
+        </p:nvGrpSpPr>
+        <p:grpSpPr>
+          <a:xfrm>
+            <a:off x="5599954" y="3346078"/>
+            <a:ext cx="2036358" cy="830367"/>
+            <a:chOff x="5402792" y="2101092"/>
+            <a:chExt cx="2036358" cy="830367"/>
+          </a:xfrm>
+        </p:grpSpPr>
+        <p:sp>
+          <p:nvSpPr>
+            <p:cNvPr id="12" name="직사각형 11">
+              <a:extLst>
+                <a:ext uri="{FF2B5EF4-FFF2-40B4-BE49-F238E27FC236}">
+                  <a16:creationId xmlns:a16="http://schemas.microsoft.com/office/drawing/2014/main" xmlns="" id="{099099D9-E519-40F9-A197-14FE1106759B}"/>
+                </a:ext>
+              </a:extLst>
+            </p:cNvPr>
+            <p:cNvSpPr/>
+            <p:nvPr/>
+          </p:nvSpPr>
+          <p:spPr>
+            <a:xfrm>
+              <a:off x="5943600" y="2393577"/>
+              <a:ext cx="1223682" cy="537882"/>
+            </a:xfrm>
+            <a:prstGeom prst="rect">
+              <a:avLst/>
+            </a:prstGeom>
+            <a:solidFill>
+              <a:schemeClr val="bg2"/>
+            </a:solidFill>
+            <a:ln w="28575">
+              <a:solidFill>
+                <a:schemeClr val="tx1">
+                  <a:lumMod val="95000"/>
+                  <a:lumOff val="5000"/>
+                </a:schemeClr>
+              </a:solidFill>
+            </a:ln>
+          </p:spPr>
+          <p:style>
+            <a:lnRef idx="2">
+              <a:schemeClr val="accent1">
+                <a:shade val="50000"/>
+              </a:schemeClr>
+            </a:lnRef>
+            <a:fillRef idx="1">
+              <a:schemeClr val="accent1"/>
+            </a:fillRef>
+            <a:effectRef idx="0">
+              <a:schemeClr val="accent1"/>
+            </a:effectRef>
+            <a:fontRef idx="minor">
+              <a:schemeClr val="lt1"/>
+            </a:fontRef>
+          </p:style>
+          <p:txBody>
+            <a:bodyPr rtlCol="0" anchor="ctr"/>
+            <a:lstStyle/>
+            <a:p>
+              <a:pPr algn="ctr"/>
+              <a:endParaRPr lang="ko-KR" altLang="en-US"/>
+            </a:p>
+          </p:txBody>
+        </p:sp>
+        <p:sp>
+          <p:nvSpPr>
+            <p:cNvPr id="13" name="직사각형 12">
+              <a:extLst>
+                <a:ext uri="{FF2B5EF4-FFF2-40B4-BE49-F238E27FC236}">
+                  <a16:creationId xmlns:a16="http://schemas.microsoft.com/office/drawing/2014/main" xmlns="" id="{F0C819CA-EE78-4215-AA5D-D580A6C68AE6}"/>
+                </a:ext>
+              </a:extLst>
+            </p:cNvPr>
+            <p:cNvSpPr/>
+            <p:nvPr/>
+          </p:nvSpPr>
+          <p:spPr>
+            <a:xfrm>
+              <a:off x="6898342" y="2393577"/>
+              <a:ext cx="537882" cy="537882"/>
+            </a:xfrm>
+            <a:prstGeom prst="rect">
+              <a:avLst/>
+            </a:prstGeom>
+            <a:solidFill>
+              <a:schemeClr val="bg2"/>
+            </a:solidFill>
+            <a:ln w="28575">
+              <a:solidFill>
+                <a:schemeClr val="tx1">
+                  <a:lumMod val="95000"/>
+                  <a:lumOff val="5000"/>
+                </a:schemeClr>
+              </a:solidFill>
+            </a:ln>
+          </p:spPr>
+          <p:style>
+            <a:lnRef idx="2">
+              <a:schemeClr val="accent1">
+                <a:shade val="50000"/>
+              </a:schemeClr>
+            </a:lnRef>
+            <a:fillRef idx="1">
+              <a:schemeClr val="accent1"/>
+            </a:fillRef>
+            <a:effectRef idx="0">
+              <a:schemeClr val="accent1"/>
+            </a:effectRef>
+            <a:fontRef idx="minor">
+              <a:schemeClr val="lt1"/>
+            </a:fontRef>
+          </p:style>
+          <p:txBody>
+            <a:bodyPr rtlCol="0" anchor="ctr"/>
+            <a:lstStyle/>
+            <a:p>
+              <a:pPr algn="ctr"/>
+              <a:endParaRPr lang="ko-KR" altLang="en-US"/>
+            </a:p>
+          </p:txBody>
+        </p:sp>
+        <p:sp>
+          <p:nvSpPr>
+            <p:cNvPr id="14" name="TextBox 46">
+              <a:extLst>
+                <a:ext uri="{FF2B5EF4-FFF2-40B4-BE49-F238E27FC236}">
+                  <a16:creationId xmlns:a16="http://schemas.microsoft.com/office/drawing/2014/main" xmlns="" id="{5EF2E083-6F1F-4BCA-A4E0-5534635E6E3C}"/>
+                </a:ext>
+              </a:extLst>
+            </p:cNvPr>
+            <p:cNvSpPr txBox="1"/>
+            <p:nvPr/>
+          </p:nvSpPr>
+          <p:spPr>
+            <a:xfrm>
+              <a:off x="6213902" y="2477852"/>
+              <a:ext cx="415498" cy="369332"/>
+            </a:xfrm>
+            <a:prstGeom prst="rect">
+              <a:avLst/>
+            </a:prstGeom>
+            <a:noFill/>
+          </p:spPr>
+          <p:txBody>
+            <a:bodyPr wrap="none" rtlCol="0">
+              <a:spAutoFit/>
+            </a:bodyPr>
+            <a:lstStyle/>
+            <a:p>
+              <a:r>
+                <a:rPr lang="ko-KR" altLang="en-US" dirty="0"/>
+                <a:t>일</a:t>
+              </a:r>
+            </a:p>
+          </p:txBody>
+        </p:sp>
+        <p:sp>
+          <p:nvSpPr>
+            <p:cNvPr id="15" name="TextBox 47">
+              <a:extLst>
+                <a:ext uri="{FF2B5EF4-FFF2-40B4-BE49-F238E27FC236}">
+                  <a16:creationId xmlns:a16="http://schemas.microsoft.com/office/drawing/2014/main" xmlns="" id="{51754BBB-0BE4-4F32-B382-C4E36C374F3C}"/>
+                </a:ext>
+              </a:extLst>
+            </p:cNvPr>
+            <p:cNvSpPr txBox="1"/>
+            <p:nvPr/>
+          </p:nvSpPr>
+          <p:spPr>
+            <a:xfrm>
+              <a:off x="6052611" y="2101092"/>
+              <a:ext cx="723275" cy="307777"/>
+            </a:xfrm>
+            <a:prstGeom prst="rect">
+              <a:avLst/>
+            </a:prstGeom>
+            <a:noFill/>
+          </p:spPr>
+          <p:txBody>
+            <a:bodyPr wrap="none" rtlCol="0">
+              <a:spAutoFit/>
+            </a:bodyPr>
+            <a:lstStyle/>
+            <a:p>
+              <a:pPr algn="ctr"/>
+              <a:r>
+                <a:rPr lang="ko-KR" altLang="en-US" sz="1400"/>
+                <a:t>데이터</a:t>
+              </a:r>
+              <a:endParaRPr lang="ko-KR" altLang="en-US" sz="1400" dirty="0"/>
+            </a:p>
+          </p:txBody>
+        </p:sp>
+        <p:sp>
+          <p:nvSpPr>
+            <p:cNvPr id="16" name="TextBox 48">
+              <a:extLst>
+                <a:ext uri="{FF2B5EF4-FFF2-40B4-BE49-F238E27FC236}">
+                  <a16:creationId xmlns:a16="http://schemas.microsoft.com/office/drawing/2014/main" xmlns="" id="{C8A6172E-A9AD-45A3-AC6D-09D4ED9A5353}"/>
+                </a:ext>
+              </a:extLst>
+            </p:cNvPr>
+            <p:cNvSpPr txBox="1"/>
+            <p:nvPr/>
+          </p:nvSpPr>
+          <p:spPr>
+            <a:xfrm>
+              <a:off x="6895411" y="2101092"/>
+              <a:ext cx="543739" cy="307777"/>
+            </a:xfrm>
+            <a:prstGeom prst="rect">
+              <a:avLst/>
+            </a:prstGeom>
+            <a:noFill/>
+          </p:spPr>
+          <p:txBody>
+            <a:bodyPr wrap="none" rtlCol="0">
+              <a:spAutoFit/>
+            </a:bodyPr>
+            <a:lstStyle/>
+            <a:p>
+              <a:pPr algn="ctr"/>
+              <a:r>
+                <a:rPr lang="ko-KR" altLang="en-US" sz="1400" dirty="0"/>
+                <a:t>링크</a:t>
+              </a:r>
+            </a:p>
+          </p:txBody>
+        </p:sp>
+        <p:sp>
+          <p:nvSpPr>
+            <p:cNvPr id="17" name="직사각형 16">
+              <a:extLst>
+                <a:ext uri="{FF2B5EF4-FFF2-40B4-BE49-F238E27FC236}">
+                  <a16:creationId xmlns:a16="http://schemas.microsoft.com/office/drawing/2014/main" xmlns="" id="{F0C819CA-EE78-4215-AA5D-D580A6C68AE6}"/>
+                </a:ext>
+              </a:extLst>
+            </p:cNvPr>
+            <p:cNvSpPr/>
+            <p:nvPr/>
+          </p:nvSpPr>
+          <p:spPr>
+            <a:xfrm>
+              <a:off x="5402792" y="2393577"/>
+              <a:ext cx="537882" cy="537882"/>
+            </a:xfrm>
+            <a:prstGeom prst="rect">
+              <a:avLst/>
+            </a:prstGeom>
+            <a:solidFill>
+              <a:schemeClr val="bg2"/>
+            </a:solidFill>
+            <a:ln w="28575">
+              <a:solidFill>
+                <a:schemeClr val="tx1">
+                  <a:lumMod val="95000"/>
+                  <a:lumOff val="5000"/>
+                </a:schemeClr>
+              </a:solidFill>
+            </a:ln>
+          </p:spPr>
+          <p:style>
+            <a:lnRef idx="2">
+              <a:schemeClr val="accent1">
+                <a:shade val="50000"/>
+              </a:schemeClr>
+            </a:lnRef>
+            <a:fillRef idx="1">
+              <a:schemeClr val="accent1"/>
+            </a:fillRef>
+            <a:effectRef idx="0">
+              <a:schemeClr val="accent1"/>
+            </a:effectRef>
+            <a:fontRef idx="minor">
+              <a:schemeClr val="lt1"/>
+            </a:fontRef>
+          </p:style>
+          <p:txBody>
+            <a:bodyPr rtlCol="0" anchor="ctr"/>
+            <a:lstStyle/>
+            <a:p>
+              <a:pPr algn="ctr"/>
+              <a:endParaRPr lang="ko-KR" altLang="en-US"/>
+            </a:p>
+          </p:txBody>
+        </p:sp>
+      </p:grpSp>
+      <p:cxnSp>
+        <p:nvCxnSpPr>
+          <p:cNvPr id="19" name="꺾인 연결선[E] 18"/>
+          <p:cNvCxnSpPr>
+            <a:stCxn id="6" idx="3"/>
+            <a:endCxn id="12" idx="2"/>
+          </p:cNvCxnSpPr>
+          <p:nvPr/>
+        </p:nvCxnSpPr>
+        <p:spPr>
+          <a:xfrm>
+            <a:off x="4659406" y="3923565"/>
+            <a:ext cx="2093197" cy="252880"/>
+          </a:xfrm>
+          <a:prstGeom prst="bentConnector4">
+            <a:avLst>
+              <a:gd name="adj1" fmla="val 35385"/>
+              <a:gd name="adj2" fmla="val 190399"/>
+            </a:avLst>
+          </a:prstGeom>
+          <a:ln>
+            <a:tailEnd type="triangle"/>
+          </a:ln>
+        </p:spPr>
+        <p:style>
+          <a:lnRef idx="1">
+            <a:schemeClr val="accent1"/>
+          </a:lnRef>
+          <a:fillRef idx="0">
+            <a:schemeClr val="accent1"/>
+          </a:fillRef>
+          <a:effectRef idx="0">
+            <a:schemeClr val="accent1"/>
+          </a:effectRef>
+          <a:fontRef idx="minor">
+            <a:schemeClr val="tx1"/>
+          </a:fontRef>
+        </p:style>
+      </p:cxnSp>
+      <p:cxnSp>
+        <p:nvCxnSpPr>
+          <p:cNvPr id="20" name="꺾인 연결선[E] 19"/>
+          <p:cNvCxnSpPr>
+            <a:stCxn id="17" idx="0"/>
+            <a:endCxn id="7" idx="0"/>
+          </p:cNvCxnSpPr>
+          <p:nvPr/>
+        </p:nvCxnSpPr>
+        <p:spPr>
+          <a:xfrm rot="16200000" flipH="1" flipV="1">
+            <a:off x="4706696" y="2576700"/>
+            <a:ext cx="100336" cy="2224062"/>
+          </a:xfrm>
+          <a:prstGeom prst="bentConnector3">
+            <a:avLst>
+              <a:gd name="adj1" fmla="val -227834"/>
+            </a:avLst>
+          </a:prstGeom>
+          <a:ln>
+            <a:tailEnd type="triangle"/>
+          </a:ln>
+        </p:spPr>
+        <p:style>
+          <a:lnRef idx="1">
+            <a:schemeClr val="accent1"/>
+          </a:lnRef>
+          <a:fillRef idx="0">
+            <a:schemeClr val="accent1"/>
+          </a:fillRef>
+          <a:effectRef idx="0">
+            <a:schemeClr val="accent1"/>
+          </a:effectRef>
+          <a:fontRef idx="minor">
+            <a:schemeClr val="tx1"/>
+          </a:fontRef>
+        </p:style>
+      </p:cxnSp>
     </p:spTree>
     <p:extLst>
       <p:ext uri="{BB962C8B-B14F-4D97-AF65-F5344CB8AC3E}">
@@ -9664,6 +10387,13 @@
   <p:clrMapOvr>
     <a:masterClrMapping/>
   </p:clrMapOvr>
+  <p:timing>
+    <p:tnLst>
+      <p:par>
+        <p:cTn id="1" dur="indefinite" restart="never" nodeType="tmRoot"/>
+      </p:par>
+    </p:tnLst>
+  </p:timing>
 </p:sld>
 </file>
 
@@ -9882,6 +10612,13 @@
   <p:clrMapOvr>
     <a:masterClrMapping/>
   </p:clrMapOvr>
+  <p:timing>
+    <p:tnLst>
+      <p:par>
+        <p:cTn id="1" dur="indefinite" restart="never" nodeType="tmRoot"/>
+      </p:par>
+    </p:tnLst>
+  </p:timing>
 </p:sld>
 </file>
 
@@ -10050,6 +10787,13 @@
   <p:clrMapOvr>
     <a:masterClrMapping/>
   </p:clrMapOvr>
+  <p:timing>
+    <p:tnLst>
+      <p:par>
+        <p:cTn id="1" dur="indefinite" restart="never" nodeType="tmRoot"/>
+      </p:par>
+    </p:tnLst>
+  </p:timing>
 </p:sld>
 </file>
 
@@ -10128,12 +10872,12 @@
               <a:buAutoNum type="romanUcPeriod"/>
             </a:pPr>
             <a:r>
-              <a:rPr lang="ko-KR" altLang="en-US" dirty="0" err="1"/>
-              <a:t>알고지즘은</a:t>
+              <a:rPr lang="ko-KR" altLang="en-US" dirty="0" smtClean="0"/>
+              <a:t>알고리즘은 </a:t>
             </a:r>
             <a:r>
               <a:rPr lang="ko-KR" altLang="en-US" dirty="0"/>
-              <a:t> 무엇인가</a:t>
+              <a:t>무엇인가</a:t>
             </a:r>
             <a:r>
               <a:rPr lang="en-US" altLang="ko-KR" dirty="0"/>
@@ -10206,6 +10950,13 @@
   <p:clrMapOvr>
     <a:masterClrMapping/>
   </p:clrMapOvr>
+  <p:timing>
+    <p:tnLst>
+      <p:par>
+        <p:cTn id="1" dur="indefinite" restart="never" nodeType="tmRoot"/>
+      </p:par>
+    </p:tnLst>
+  </p:timing>
 </p:sld>
 </file>
 
@@ -10453,6 +11204,13 @@
   <p:clrMapOvr>
     <a:masterClrMapping/>
   </p:clrMapOvr>
+  <p:timing>
+    <p:tnLst>
+      <p:par>
+        <p:cTn id="1" dur="indefinite" restart="never" nodeType="tmRoot"/>
+      </p:par>
+    </p:tnLst>
+  </p:timing>
 </p:sld>
 </file>
 
@@ -10686,6 +11444,13 @@
   <p:clrMapOvr>
     <a:masterClrMapping/>
   </p:clrMapOvr>
+  <p:timing>
+    <p:tnLst>
+      <p:par>
+        <p:cTn id="1" dur="indefinite" restart="never" nodeType="tmRoot"/>
+      </p:par>
+    </p:tnLst>
+  </p:timing>
 </p:sld>
 </file>
 
@@ -11091,6 +11856,13 @@
   <p:clrMapOvr>
     <a:masterClrMapping/>
   </p:clrMapOvr>
+  <p:timing>
+    <p:tnLst>
+      <p:par>
+        <p:cTn id="1" dur="indefinite" restart="never" nodeType="tmRoot"/>
+      </p:par>
+    </p:tnLst>
+  </p:timing>
 </p:sld>
 </file>
 
@@ -11514,6 +12286,13 @@
   <p:clrMapOvr>
     <a:masterClrMapping/>
   </p:clrMapOvr>
+  <p:timing>
+    <p:tnLst>
+      <p:par>
+        <p:cTn id="1" dur="indefinite" restart="never" nodeType="tmRoot"/>
+      </p:par>
+    </p:tnLst>
+  </p:timing>
 </p:sld>
 </file>
 
@@ -11695,6 +12474,13 @@
   <p:clrMapOvr>
     <a:masterClrMapping/>
   </p:clrMapOvr>
+  <p:timing>
+    <p:tnLst>
+      <p:par>
+        <p:cTn id="1" dur="indefinite" restart="never" nodeType="tmRoot"/>
+      </p:par>
+    </p:tnLst>
+  </p:timing>
 </p:sld>
 </file>
 

--- a/1st_study.pptx
+++ b/1st_study.pptx
@@ -30,6 +30,8 @@
     <p:sldId id="278" r:id="rId24"/>
     <p:sldId id="279" r:id="rId25"/>
     <p:sldId id="280" r:id="rId26"/>
+    <p:sldId id="281" r:id="rId27"/>
+    <p:sldId id="282" r:id="rId28"/>
   </p:sldIdLst>
   <p:sldSz cx="12192000" cy="6858000"/>
   <p:notesSz cx="6858000" cy="9144000"/>
@@ -276,7 +278,7 @@
           <a:p>
             <a:fld id="{95EEA876-5273-4CAB-BA26-F236DBAE536A}" type="datetimeFigureOut">
               <a:rPr lang="ko-KR" altLang="en-US" smtClean="0"/>
-              <a:t>2019-11-25</a:t>
+              <a:t>2019. 11. 27.</a:t>
             </a:fld>
             <a:endParaRPr lang="ko-KR" altLang="en-US"/>
           </a:p>
@@ -444,7 +446,7 @@
           <a:p>
             <a:fld id="{95EEA876-5273-4CAB-BA26-F236DBAE536A}" type="datetimeFigureOut">
               <a:rPr lang="ko-KR" altLang="en-US" smtClean="0"/>
-              <a:t>2019-11-25</a:t>
+              <a:t>2019. 11. 27.</a:t>
             </a:fld>
             <a:endParaRPr lang="ko-KR" altLang="en-US"/>
           </a:p>
@@ -622,7 +624,7 @@
           <a:p>
             <a:fld id="{95EEA876-5273-4CAB-BA26-F236DBAE536A}" type="datetimeFigureOut">
               <a:rPr lang="ko-KR" altLang="en-US" smtClean="0"/>
-              <a:t>2019-11-25</a:t>
+              <a:t>2019. 11. 27.</a:t>
             </a:fld>
             <a:endParaRPr lang="ko-KR" altLang="en-US"/>
           </a:p>
@@ -790,7 +792,7 @@
           <a:p>
             <a:fld id="{95EEA876-5273-4CAB-BA26-F236DBAE536A}" type="datetimeFigureOut">
               <a:rPr lang="ko-KR" altLang="en-US" smtClean="0"/>
-              <a:t>2019-11-25</a:t>
+              <a:t>2019. 11. 27.</a:t>
             </a:fld>
             <a:endParaRPr lang="ko-KR" altLang="en-US"/>
           </a:p>
@@ -1035,7 +1037,7 @@
           <a:p>
             <a:fld id="{95EEA876-5273-4CAB-BA26-F236DBAE536A}" type="datetimeFigureOut">
               <a:rPr lang="ko-KR" altLang="en-US" smtClean="0"/>
-              <a:t>2019-11-25</a:t>
+              <a:t>2019. 11. 27.</a:t>
             </a:fld>
             <a:endParaRPr lang="ko-KR" altLang="en-US"/>
           </a:p>
@@ -1264,7 +1266,7 @@
           <a:p>
             <a:fld id="{95EEA876-5273-4CAB-BA26-F236DBAE536A}" type="datetimeFigureOut">
               <a:rPr lang="ko-KR" altLang="en-US" smtClean="0"/>
-              <a:t>2019-11-25</a:t>
+              <a:t>2019. 11. 27.</a:t>
             </a:fld>
             <a:endParaRPr lang="ko-KR" altLang="en-US"/>
           </a:p>
@@ -1628,7 +1630,7 @@
           <a:p>
             <a:fld id="{95EEA876-5273-4CAB-BA26-F236DBAE536A}" type="datetimeFigureOut">
               <a:rPr lang="ko-KR" altLang="en-US" smtClean="0"/>
-              <a:t>2019-11-25</a:t>
+              <a:t>2019. 11. 27.</a:t>
             </a:fld>
             <a:endParaRPr lang="ko-KR" altLang="en-US"/>
           </a:p>
@@ -1745,7 +1747,7 @@
           <a:p>
             <a:fld id="{95EEA876-5273-4CAB-BA26-F236DBAE536A}" type="datetimeFigureOut">
               <a:rPr lang="ko-KR" altLang="en-US" smtClean="0"/>
-              <a:t>2019-11-25</a:t>
+              <a:t>2019. 11. 27.</a:t>
             </a:fld>
             <a:endParaRPr lang="ko-KR" altLang="en-US"/>
           </a:p>
@@ -1840,7 +1842,7 @@
           <a:p>
             <a:fld id="{95EEA876-5273-4CAB-BA26-F236DBAE536A}" type="datetimeFigureOut">
               <a:rPr lang="ko-KR" altLang="en-US" smtClean="0"/>
-              <a:t>2019-11-25</a:t>
+              <a:t>2019. 11. 27.</a:t>
             </a:fld>
             <a:endParaRPr lang="ko-KR" altLang="en-US"/>
           </a:p>
@@ -2115,7 +2117,7 @@
           <a:p>
             <a:fld id="{95EEA876-5273-4CAB-BA26-F236DBAE536A}" type="datetimeFigureOut">
               <a:rPr lang="ko-KR" altLang="en-US" smtClean="0"/>
-              <a:t>2019-11-25</a:t>
+              <a:t>2019. 11. 27.</a:t>
             </a:fld>
             <a:endParaRPr lang="ko-KR" altLang="en-US"/>
           </a:p>
@@ -2367,7 +2369,7 @@
           <a:p>
             <a:fld id="{95EEA876-5273-4CAB-BA26-F236DBAE536A}" type="datetimeFigureOut">
               <a:rPr lang="ko-KR" altLang="en-US" smtClean="0"/>
-              <a:t>2019-11-25</a:t>
+              <a:t>2019. 11. 27.</a:t>
             </a:fld>
             <a:endParaRPr lang="ko-KR" altLang="en-US"/>
           </a:p>
@@ -2578,7 +2580,7 @@
           <a:p>
             <a:fld id="{95EEA876-5273-4CAB-BA26-F236DBAE536A}" type="datetimeFigureOut">
               <a:rPr lang="ko-KR" altLang="en-US" smtClean="0"/>
-              <a:t>2019-11-25</a:t>
+              <a:t>2019. 11. 27.</a:t>
             </a:fld>
             <a:endParaRPr lang="ko-KR" altLang="en-US"/>
           </a:p>
@@ -4652,7 +4654,7 @@
           <p:cNvPr id="4" name="내용 개체 틀 2">
             <a:extLst>
               <a:ext uri="{FF2B5EF4-FFF2-40B4-BE49-F238E27FC236}">
-                <a16:creationId xmlns:a16="http://schemas.microsoft.com/office/drawing/2014/main" id="{9BB9C517-0919-4B94-8C2E-438C0C354CB4}"/>
+                <a16:creationId xmlns:a16="http://schemas.microsoft.com/office/drawing/2014/main" xmlns="" id="{9BB9C517-0919-4B94-8C2E-438C0C354CB4}"/>
               </a:ext>
             </a:extLst>
           </p:cNvPr>
@@ -5011,7 +5013,7 @@
           <p:cNvPr id="2" name="제목 1">
             <a:extLst>
               <a:ext uri="{FF2B5EF4-FFF2-40B4-BE49-F238E27FC236}">
-                <a16:creationId xmlns:a16="http://schemas.microsoft.com/office/drawing/2014/main" id="{7CF744E3-11B8-4827-B82D-8BC6B351B97F}"/>
+                <a16:creationId xmlns:a16="http://schemas.microsoft.com/office/drawing/2014/main" xmlns="" id="{7CF744E3-11B8-4827-B82D-8BC6B351B97F}"/>
               </a:ext>
             </a:extLst>
           </p:cNvPr>
@@ -5039,7 +5041,7 @@
           <p:cNvPr id="4" name="표 4">
             <a:extLst>
               <a:ext uri="{FF2B5EF4-FFF2-40B4-BE49-F238E27FC236}">
-                <a16:creationId xmlns:a16="http://schemas.microsoft.com/office/drawing/2014/main" id="{260303AE-5F82-432A-AFE1-96F738EBE501}"/>
+                <a16:creationId xmlns:a16="http://schemas.microsoft.com/office/drawing/2014/main" xmlns="" id="{260303AE-5F82-432A-AFE1-96F738EBE501}"/>
               </a:ext>
             </a:extLst>
           </p:cNvPr>
@@ -5068,7 +5070,7 @@
                 <a:gridCol w="791882">
                   <a:extLst>
                     <a:ext uri="{9D8B030D-6E8A-4147-A177-3AD203B41FA5}">
-                      <a16:colId xmlns:a16="http://schemas.microsoft.com/office/drawing/2014/main" val="2051836303"/>
+                      <a16:colId xmlns:a16="http://schemas.microsoft.com/office/drawing/2014/main" xmlns="" val="2051836303"/>
                     </a:ext>
                   </a:extLst>
                 </a:gridCol>
@@ -5134,7 +5136,7 @@
                 </a:tc>
                 <a:extLst>
                   <a:ext uri="{0D108BD9-81ED-4DB2-BD59-A6C34878D82A}">
-                    <a16:rowId xmlns:a16="http://schemas.microsoft.com/office/drawing/2014/main" val="3210536480"/>
+                    <a16:rowId xmlns:a16="http://schemas.microsoft.com/office/drawing/2014/main" xmlns="" val="3210536480"/>
                   </a:ext>
                 </a:extLst>
               </a:tr>
@@ -5199,7 +5201,7 @@
                 </a:tc>
                 <a:extLst>
                   <a:ext uri="{0D108BD9-81ED-4DB2-BD59-A6C34878D82A}">
-                    <a16:rowId xmlns:a16="http://schemas.microsoft.com/office/drawing/2014/main" val="3036785839"/>
+                    <a16:rowId xmlns:a16="http://schemas.microsoft.com/office/drawing/2014/main" xmlns="" val="3036785839"/>
                   </a:ext>
                 </a:extLst>
               </a:tr>
@@ -5264,7 +5266,7 @@
                 </a:tc>
                 <a:extLst>
                   <a:ext uri="{0D108BD9-81ED-4DB2-BD59-A6C34878D82A}">
-                    <a16:rowId xmlns:a16="http://schemas.microsoft.com/office/drawing/2014/main" val="2075722758"/>
+                    <a16:rowId xmlns:a16="http://schemas.microsoft.com/office/drawing/2014/main" xmlns="" val="2075722758"/>
                   </a:ext>
                 </a:extLst>
               </a:tr>
@@ -5329,7 +5331,7 @@
                 </a:tc>
                 <a:extLst>
                   <a:ext uri="{0D108BD9-81ED-4DB2-BD59-A6C34878D82A}">
-                    <a16:rowId xmlns:a16="http://schemas.microsoft.com/office/drawing/2014/main" val="2494852938"/>
+                    <a16:rowId xmlns:a16="http://schemas.microsoft.com/office/drawing/2014/main" xmlns="" val="2494852938"/>
                   </a:ext>
                 </a:extLst>
               </a:tr>
@@ -5394,7 +5396,7 @@
                 </a:tc>
                 <a:extLst>
                   <a:ext uri="{0D108BD9-81ED-4DB2-BD59-A6C34878D82A}">
-                    <a16:rowId xmlns:a16="http://schemas.microsoft.com/office/drawing/2014/main" val="1637671158"/>
+                    <a16:rowId xmlns:a16="http://schemas.microsoft.com/office/drawing/2014/main" xmlns="" val="1637671158"/>
                   </a:ext>
                 </a:extLst>
               </a:tr>
@@ -5459,7 +5461,7 @@
                 </a:tc>
                 <a:extLst>
                   <a:ext uri="{0D108BD9-81ED-4DB2-BD59-A6C34878D82A}">
-                    <a16:rowId xmlns:a16="http://schemas.microsoft.com/office/drawing/2014/main" val="3240980806"/>
+                    <a16:rowId xmlns:a16="http://schemas.microsoft.com/office/drawing/2014/main" xmlns="" val="3240980806"/>
                   </a:ext>
                 </a:extLst>
               </a:tr>
@@ -5524,7 +5526,7 @@
                 </a:tc>
                 <a:extLst>
                   <a:ext uri="{0D108BD9-81ED-4DB2-BD59-A6C34878D82A}">
-                    <a16:rowId xmlns:a16="http://schemas.microsoft.com/office/drawing/2014/main" val="3299560784"/>
+                    <a16:rowId xmlns:a16="http://schemas.microsoft.com/office/drawing/2014/main" xmlns="" val="3299560784"/>
                   </a:ext>
                 </a:extLst>
               </a:tr>
@@ -5537,7 +5539,7 @@
           <p:cNvPr id="13" name="그룹 12">
             <a:extLst>
               <a:ext uri="{FF2B5EF4-FFF2-40B4-BE49-F238E27FC236}">
-                <a16:creationId xmlns:a16="http://schemas.microsoft.com/office/drawing/2014/main" id="{525467F8-EDFA-4709-BA70-EA5CFBBE6D38}"/>
+                <a16:creationId xmlns:a16="http://schemas.microsoft.com/office/drawing/2014/main" xmlns="" id="{525467F8-EDFA-4709-BA70-EA5CFBBE6D38}"/>
               </a:ext>
             </a:extLst>
           </p:cNvPr>
@@ -5557,7 +5559,7 @@
             <p:cNvPr id="7" name="직사각형 6">
               <a:extLst>
                 <a:ext uri="{FF2B5EF4-FFF2-40B4-BE49-F238E27FC236}">
-                  <a16:creationId xmlns:a16="http://schemas.microsoft.com/office/drawing/2014/main" id="{BEC31238-B4EB-461B-AD60-A4BD8225E52A}"/>
+                  <a16:creationId xmlns:a16="http://schemas.microsoft.com/office/drawing/2014/main" xmlns="" id="{BEC31238-B4EB-461B-AD60-A4BD8225E52A}"/>
                 </a:ext>
               </a:extLst>
             </p:cNvPr>
@@ -5614,7 +5616,7 @@
             <p:cNvPr id="8" name="직사각형 7">
               <a:extLst>
                 <a:ext uri="{FF2B5EF4-FFF2-40B4-BE49-F238E27FC236}">
-                  <a16:creationId xmlns:a16="http://schemas.microsoft.com/office/drawing/2014/main" id="{1650DFD3-C52A-4714-B10A-DAA8B8B2F5F8}"/>
+                  <a16:creationId xmlns:a16="http://schemas.microsoft.com/office/drawing/2014/main" xmlns="" id="{1650DFD3-C52A-4714-B10A-DAA8B8B2F5F8}"/>
                 </a:ext>
               </a:extLst>
             </p:cNvPr>
@@ -5671,7 +5673,7 @@
             <p:cNvPr id="10" name="TextBox 9">
               <a:extLst>
                 <a:ext uri="{FF2B5EF4-FFF2-40B4-BE49-F238E27FC236}">
-                  <a16:creationId xmlns:a16="http://schemas.microsoft.com/office/drawing/2014/main" id="{B107C881-92D1-4581-BFF7-C829CCA7821E}"/>
+                  <a16:creationId xmlns:a16="http://schemas.microsoft.com/office/drawing/2014/main" xmlns="" id="{B107C881-92D1-4581-BFF7-C829CCA7821E}"/>
                 </a:ext>
               </a:extLst>
             </p:cNvPr>
@@ -5706,7 +5708,7 @@
             <p:cNvPr id="11" name="TextBox 10">
               <a:extLst>
                 <a:ext uri="{FF2B5EF4-FFF2-40B4-BE49-F238E27FC236}">
-                  <a16:creationId xmlns:a16="http://schemas.microsoft.com/office/drawing/2014/main" id="{A0617C4F-B9A4-4590-BD1E-FF55DF2E2641}"/>
+                  <a16:creationId xmlns:a16="http://schemas.microsoft.com/office/drawing/2014/main" xmlns="" id="{A0617C4F-B9A4-4590-BD1E-FF55DF2E2641}"/>
                 </a:ext>
               </a:extLst>
             </p:cNvPr>
@@ -5743,7 +5745,7 @@
             <p:cNvPr id="12" name="TextBox 11">
               <a:extLst>
                 <a:ext uri="{FF2B5EF4-FFF2-40B4-BE49-F238E27FC236}">
-                  <a16:creationId xmlns:a16="http://schemas.microsoft.com/office/drawing/2014/main" id="{CF928A21-2156-48CE-94CB-FDC698A502DA}"/>
+                  <a16:creationId xmlns:a16="http://schemas.microsoft.com/office/drawing/2014/main" xmlns="" id="{CF928A21-2156-48CE-94CB-FDC698A502DA}"/>
                 </a:ext>
               </a:extLst>
             </p:cNvPr>
@@ -5780,7 +5782,7 @@
           <p:cNvPr id="14" name="그룹 13">
             <a:extLst>
               <a:ext uri="{FF2B5EF4-FFF2-40B4-BE49-F238E27FC236}">
-                <a16:creationId xmlns:a16="http://schemas.microsoft.com/office/drawing/2014/main" id="{A035637C-C779-45F7-9342-2244707387F7}"/>
+                <a16:creationId xmlns:a16="http://schemas.microsoft.com/office/drawing/2014/main" xmlns="" id="{A035637C-C779-45F7-9342-2244707387F7}"/>
               </a:ext>
             </a:extLst>
           </p:cNvPr>
@@ -5800,7 +5802,7 @@
             <p:cNvPr id="15" name="직사각형 14">
               <a:extLst>
                 <a:ext uri="{FF2B5EF4-FFF2-40B4-BE49-F238E27FC236}">
-                  <a16:creationId xmlns:a16="http://schemas.microsoft.com/office/drawing/2014/main" id="{C637C700-DC5A-4DF4-B91D-9699F39CC105}"/>
+                  <a16:creationId xmlns:a16="http://schemas.microsoft.com/office/drawing/2014/main" xmlns="" id="{C637C700-DC5A-4DF4-B91D-9699F39CC105}"/>
                 </a:ext>
               </a:extLst>
             </p:cNvPr>
@@ -5857,7 +5859,7 @@
             <p:cNvPr id="16" name="직사각형 15">
               <a:extLst>
                 <a:ext uri="{FF2B5EF4-FFF2-40B4-BE49-F238E27FC236}">
-                  <a16:creationId xmlns:a16="http://schemas.microsoft.com/office/drawing/2014/main" id="{00CDA304-4B71-4DFF-BD7A-3D9693638B16}"/>
+                  <a16:creationId xmlns:a16="http://schemas.microsoft.com/office/drawing/2014/main" xmlns="" id="{00CDA304-4B71-4DFF-BD7A-3D9693638B16}"/>
                 </a:ext>
               </a:extLst>
             </p:cNvPr>
@@ -5914,7 +5916,7 @@
             <p:cNvPr id="17" name="TextBox 16">
               <a:extLst>
                 <a:ext uri="{FF2B5EF4-FFF2-40B4-BE49-F238E27FC236}">
-                  <a16:creationId xmlns:a16="http://schemas.microsoft.com/office/drawing/2014/main" id="{802D4E9A-3F0A-4F12-B7DB-625D23B049FF}"/>
+                  <a16:creationId xmlns:a16="http://schemas.microsoft.com/office/drawing/2014/main" xmlns="" id="{802D4E9A-3F0A-4F12-B7DB-625D23B049FF}"/>
                 </a:ext>
               </a:extLst>
             </p:cNvPr>
@@ -5949,7 +5951,7 @@
             <p:cNvPr id="18" name="TextBox 17">
               <a:extLst>
                 <a:ext uri="{FF2B5EF4-FFF2-40B4-BE49-F238E27FC236}">
-                  <a16:creationId xmlns:a16="http://schemas.microsoft.com/office/drawing/2014/main" id="{B772AF12-B3BD-4BEE-BF9C-C0EE41BA9CC1}"/>
+                  <a16:creationId xmlns:a16="http://schemas.microsoft.com/office/drawing/2014/main" xmlns="" id="{B772AF12-B3BD-4BEE-BF9C-C0EE41BA9CC1}"/>
                 </a:ext>
               </a:extLst>
             </p:cNvPr>
@@ -5986,7 +5988,7 @@
             <p:cNvPr id="19" name="TextBox 18">
               <a:extLst>
                 <a:ext uri="{FF2B5EF4-FFF2-40B4-BE49-F238E27FC236}">
-                  <a16:creationId xmlns:a16="http://schemas.microsoft.com/office/drawing/2014/main" id="{70B060DC-A28C-4016-BBCC-09D778BD40BB}"/>
+                  <a16:creationId xmlns:a16="http://schemas.microsoft.com/office/drawing/2014/main" xmlns="" id="{70B060DC-A28C-4016-BBCC-09D778BD40BB}"/>
                 </a:ext>
               </a:extLst>
             </p:cNvPr>
@@ -6023,7 +6025,7 @@
           <p:cNvPr id="20" name="그룹 19">
             <a:extLst>
               <a:ext uri="{FF2B5EF4-FFF2-40B4-BE49-F238E27FC236}">
-                <a16:creationId xmlns:a16="http://schemas.microsoft.com/office/drawing/2014/main" id="{86DB9A38-3329-48F3-AF62-E4E8840C3C8D}"/>
+                <a16:creationId xmlns:a16="http://schemas.microsoft.com/office/drawing/2014/main" xmlns="" id="{86DB9A38-3329-48F3-AF62-E4E8840C3C8D}"/>
               </a:ext>
             </a:extLst>
           </p:cNvPr>
@@ -6043,7 +6045,7 @@
             <p:cNvPr id="21" name="직사각형 20">
               <a:extLst>
                 <a:ext uri="{FF2B5EF4-FFF2-40B4-BE49-F238E27FC236}">
-                  <a16:creationId xmlns:a16="http://schemas.microsoft.com/office/drawing/2014/main" id="{1A565B51-7BC7-474D-A17F-A4C0076653BE}"/>
+                  <a16:creationId xmlns:a16="http://schemas.microsoft.com/office/drawing/2014/main" xmlns="" id="{1A565B51-7BC7-474D-A17F-A4C0076653BE}"/>
                 </a:ext>
               </a:extLst>
             </p:cNvPr>
@@ -6100,7 +6102,7 @@
             <p:cNvPr id="22" name="직사각형 21">
               <a:extLst>
                 <a:ext uri="{FF2B5EF4-FFF2-40B4-BE49-F238E27FC236}">
-                  <a16:creationId xmlns:a16="http://schemas.microsoft.com/office/drawing/2014/main" id="{94A8614D-D1B2-48CC-9507-A8BDAE72C269}"/>
+                  <a16:creationId xmlns:a16="http://schemas.microsoft.com/office/drawing/2014/main" xmlns="" id="{94A8614D-D1B2-48CC-9507-A8BDAE72C269}"/>
                 </a:ext>
               </a:extLst>
             </p:cNvPr>
@@ -6157,7 +6159,7 @@
             <p:cNvPr id="23" name="TextBox 22">
               <a:extLst>
                 <a:ext uri="{FF2B5EF4-FFF2-40B4-BE49-F238E27FC236}">
-                  <a16:creationId xmlns:a16="http://schemas.microsoft.com/office/drawing/2014/main" id="{F3B8E55B-B7B9-4F8B-AD42-CA1984E0D807}"/>
+                  <a16:creationId xmlns:a16="http://schemas.microsoft.com/office/drawing/2014/main" xmlns="" id="{F3B8E55B-B7B9-4F8B-AD42-CA1984E0D807}"/>
                 </a:ext>
               </a:extLst>
             </p:cNvPr>
@@ -6192,7 +6194,7 @@
             <p:cNvPr id="24" name="TextBox 23">
               <a:extLst>
                 <a:ext uri="{FF2B5EF4-FFF2-40B4-BE49-F238E27FC236}">
-                  <a16:creationId xmlns:a16="http://schemas.microsoft.com/office/drawing/2014/main" id="{82430228-ADE4-40EE-9CD4-0B070DD276C5}"/>
+                  <a16:creationId xmlns:a16="http://schemas.microsoft.com/office/drawing/2014/main" xmlns="" id="{82430228-ADE4-40EE-9CD4-0B070DD276C5}"/>
                 </a:ext>
               </a:extLst>
             </p:cNvPr>
@@ -6229,7 +6231,7 @@
             <p:cNvPr id="25" name="TextBox 24">
               <a:extLst>
                 <a:ext uri="{FF2B5EF4-FFF2-40B4-BE49-F238E27FC236}">
-                  <a16:creationId xmlns:a16="http://schemas.microsoft.com/office/drawing/2014/main" id="{B0DC403B-6380-495A-AFD2-A0A57D0EABDA}"/>
+                  <a16:creationId xmlns:a16="http://schemas.microsoft.com/office/drawing/2014/main" xmlns="" id="{B0DC403B-6380-495A-AFD2-A0A57D0EABDA}"/>
                 </a:ext>
               </a:extLst>
             </p:cNvPr>
@@ -6266,7 +6268,7 @@
           <p:cNvPr id="26" name="그룹 25">
             <a:extLst>
               <a:ext uri="{FF2B5EF4-FFF2-40B4-BE49-F238E27FC236}">
-                <a16:creationId xmlns:a16="http://schemas.microsoft.com/office/drawing/2014/main" id="{DD76409C-D406-4575-8DAC-CE85204EF101}"/>
+                <a16:creationId xmlns:a16="http://schemas.microsoft.com/office/drawing/2014/main" xmlns="" id="{DD76409C-D406-4575-8DAC-CE85204EF101}"/>
               </a:ext>
             </a:extLst>
           </p:cNvPr>
@@ -6286,7 +6288,7 @@
             <p:cNvPr id="27" name="직사각형 26">
               <a:extLst>
                 <a:ext uri="{FF2B5EF4-FFF2-40B4-BE49-F238E27FC236}">
-                  <a16:creationId xmlns:a16="http://schemas.microsoft.com/office/drawing/2014/main" id="{7F4AD81D-CE82-4253-A236-3058885EF413}"/>
+                  <a16:creationId xmlns:a16="http://schemas.microsoft.com/office/drawing/2014/main" xmlns="" id="{7F4AD81D-CE82-4253-A236-3058885EF413}"/>
                 </a:ext>
               </a:extLst>
             </p:cNvPr>
@@ -6343,7 +6345,7 @@
             <p:cNvPr id="28" name="직사각형 27">
               <a:extLst>
                 <a:ext uri="{FF2B5EF4-FFF2-40B4-BE49-F238E27FC236}">
-                  <a16:creationId xmlns:a16="http://schemas.microsoft.com/office/drawing/2014/main" id="{17809C90-8625-4F37-9A61-A31EB8F08E35}"/>
+                  <a16:creationId xmlns:a16="http://schemas.microsoft.com/office/drawing/2014/main" xmlns="" id="{17809C90-8625-4F37-9A61-A31EB8F08E35}"/>
                 </a:ext>
               </a:extLst>
             </p:cNvPr>
@@ -6400,7 +6402,7 @@
             <p:cNvPr id="29" name="TextBox 28">
               <a:extLst>
                 <a:ext uri="{FF2B5EF4-FFF2-40B4-BE49-F238E27FC236}">
-                  <a16:creationId xmlns:a16="http://schemas.microsoft.com/office/drawing/2014/main" id="{23CF47F0-16C2-4A3D-B4B8-1BF854B53D72}"/>
+                  <a16:creationId xmlns:a16="http://schemas.microsoft.com/office/drawing/2014/main" xmlns="" id="{23CF47F0-16C2-4A3D-B4B8-1BF854B53D72}"/>
                 </a:ext>
               </a:extLst>
             </p:cNvPr>
@@ -6435,7 +6437,7 @@
             <p:cNvPr id="30" name="TextBox 29">
               <a:extLst>
                 <a:ext uri="{FF2B5EF4-FFF2-40B4-BE49-F238E27FC236}">
-                  <a16:creationId xmlns:a16="http://schemas.microsoft.com/office/drawing/2014/main" id="{A812A142-367C-4A11-B52D-92E26AB67EEC}"/>
+                  <a16:creationId xmlns:a16="http://schemas.microsoft.com/office/drawing/2014/main" xmlns="" id="{A812A142-367C-4A11-B52D-92E26AB67EEC}"/>
                 </a:ext>
               </a:extLst>
             </p:cNvPr>
@@ -6472,7 +6474,7 @@
             <p:cNvPr id="31" name="TextBox 30">
               <a:extLst>
                 <a:ext uri="{FF2B5EF4-FFF2-40B4-BE49-F238E27FC236}">
-                  <a16:creationId xmlns:a16="http://schemas.microsoft.com/office/drawing/2014/main" id="{317881E1-E5CC-44A5-AE8E-16C19DCFCCCA}"/>
+                  <a16:creationId xmlns:a16="http://schemas.microsoft.com/office/drawing/2014/main" xmlns="" id="{317881E1-E5CC-44A5-AE8E-16C19DCFCCCA}"/>
                 </a:ext>
               </a:extLst>
             </p:cNvPr>
@@ -6509,7 +6511,7 @@
           <p:cNvPr id="32" name="그룹 31">
             <a:extLst>
               <a:ext uri="{FF2B5EF4-FFF2-40B4-BE49-F238E27FC236}">
-                <a16:creationId xmlns:a16="http://schemas.microsoft.com/office/drawing/2014/main" id="{FE77BAC9-FBE8-4B5A-BB3D-57EA4C90D043}"/>
+                <a16:creationId xmlns:a16="http://schemas.microsoft.com/office/drawing/2014/main" xmlns="" id="{FE77BAC9-FBE8-4B5A-BB3D-57EA4C90D043}"/>
               </a:ext>
             </a:extLst>
           </p:cNvPr>
@@ -6529,7 +6531,7 @@
             <p:cNvPr id="33" name="직사각형 32">
               <a:extLst>
                 <a:ext uri="{FF2B5EF4-FFF2-40B4-BE49-F238E27FC236}">
-                  <a16:creationId xmlns:a16="http://schemas.microsoft.com/office/drawing/2014/main" id="{3C8F043C-C450-47D8-A79D-946F1CC0AE3D}"/>
+                  <a16:creationId xmlns:a16="http://schemas.microsoft.com/office/drawing/2014/main" xmlns="" id="{3C8F043C-C450-47D8-A79D-946F1CC0AE3D}"/>
                 </a:ext>
               </a:extLst>
             </p:cNvPr>
@@ -6586,7 +6588,7 @@
             <p:cNvPr id="34" name="직사각형 33">
               <a:extLst>
                 <a:ext uri="{FF2B5EF4-FFF2-40B4-BE49-F238E27FC236}">
-                  <a16:creationId xmlns:a16="http://schemas.microsoft.com/office/drawing/2014/main" id="{A8DA7E6A-6BDE-4449-B043-B973D20C1BAC}"/>
+                  <a16:creationId xmlns:a16="http://schemas.microsoft.com/office/drawing/2014/main" xmlns="" id="{A8DA7E6A-6BDE-4449-B043-B973D20C1BAC}"/>
                 </a:ext>
               </a:extLst>
             </p:cNvPr>
@@ -6643,7 +6645,7 @@
             <p:cNvPr id="35" name="TextBox 34">
               <a:extLst>
                 <a:ext uri="{FF2B5EF4-FFF2-40B4-BE49-F238E27FC236}">
-                  <a16:creationId xmlns:a16="http://schemas.microsoft.com/office/drawing/2014/main" id="{D2BD38CD-DA72-4914-9E7E-47E32790A1B9}"/>
+                  <a16:creationId xmlns:a16="http://schemas.microsoft.com/office/drawing/2014/main" xmlns="" id="{D2BD38CD-DA72-4914-9E7E-47E32790A1B9}"/>
                 </a:ext>
               </a:extLst>
             </p:cNvPr>
@@ -6678,7 +6680,7 @@
             <p:cNvPr id="36" name="TextBox 35">
               <a:extLst>
                 <a:ext uri="{FF2B5EF4-FFF2-40B4-BE49-F238E27FC236}">
-                  <a16:creationId xmlns:a16="http://schemas.microsoft.com/office/drawing/2014/main" id="{4ABB27FB-A4C7-46F4-85F8-A7922ABF1CFE}"/>
+                  <a16:creationId xmlns:a16="http://schemas.microsoft.com/office/drawing/2014/main" xmlns="" id="{4ABB27FB-A4C7-46F4-85F8-A7922ABF1CFE}"/>
                 </a:ext>
               </a:extLst>
             </p:cNvPr>
@@ -6715,7 +6717,7 @@
             <p:cNvPr id="37" name="TextBox 36">
               <a:extLst>
                 <a:ext uri="{FF2B5EF4-FFF2-40B4-BE49-F238E27FC236}">
-                  <a16:creationId xmlns:a16="http://schemas.microsoft.com/office/drawing/2014/main" id="{DAD9C8A4-087B-4108-892F-138779107B96}"/>
+                  <a16:creationId xmlns:a16="http://schemas.microsoft.com/office/drawing/2014/main" xmlns="" id="{DAD9C8A4-087B-4108-892F-138779107B96}"/>
                 </a:ext>
               </a:extLst>
             </p:cNvPr>
@@ -6752,7 +6754,7 @@
           <p:cNvPr id="38" name="그룹 37">
             <a:extLst>
               <a:ext uri="{FF2B5EF4-FFF2-40B4-BE49-F238E27FC236}">
-                <a16:creationId xmlns:a16="http://schemas.microsoft.com/office/drawing/2014/main" id="{E98D60D4-7059-467F-96BC-048503ABC886}"/>
+                <a16:creationId xmlns:a16="http://schemas.microsoft.com/office/drawing/2014/main" xmlns="" id="{E98D60D4-7059-467F-96BC-048503ABC886}"/>
               </a:ext>
             </a:extLst>
           </p:cNvPr>
@@ -6772,7 +6774,7 @@
             <p:cNvPr id="39" name="직사각형 38">
               <a:extLst>
                 <a:ext uri="{FF2B5EF4-FFF2-40B4-BE49-F238E27FC236}">
-                  <a16:creationId xmlns:a16="http://schemas.microsoft.com/office/drawing/2014/main" id="{ED7E0B4F-5601-40C6-ACE3-E7C91CE3CE64}"/>
+                  <a16:creationId xmlns:a16="http://schemas.microsoft.com/office/drawing/2014/main" xmlns="" id="{ED7E0B4F-5601-40C6-ACE3-E7C91CE3CE64}"/>
                 </a:ext>
               </a:extLst>
             </p:cNvPr>
@@ -6829,7 +6831,7 @@
             <p:cNvPr id="40" name="직사각형 39">
               <a:extLst>
                 <a:ext uri="{FF2B5EF4-FFF2-40B4-BE49-F238E27FC236}">
-                  <a16:creationId xmlns:a16="http://schemas.microsoft.com/office/drawing/2014/main" id="{34AA947D-9408-400D-AC5D-5342B39ABE1A}"/>
+                  <a16:creationId xmlns:a16="http://schemas.microsoft.com/office/drawing/2014/main" xmlns="" id="{34AA947D-9408-400D-AC5D-5342B39ABE1A}"/>
                 </a:ext>
               </a:extLst>
             </p:cNvPr>
@@ -6886,7 +6888,7 @@
             <p:cNvPr id="41" name="TextBox 40">
               <a:extLst>
                 <a:ext uri="{FF2B5EF4-FFF2-40B4-BE49-F238E27FC236}">
-                  <a16:creationId xmlns:a16="http://schemas.microsoft.com/office/drawing/2014/main" id="{A9F0B356-93E4-4AEA-85B6-4C79B9643CCF}"/>
+                  <a16:creationId xmlns:a16="http://schemas.microsoft.com/office/drawing/2014/main" xmlns="" id="{A9F0B356-93E4-4AEA-85B6-4C79B9643CCF}"/>
                 </a:ext>
               </a:extLst>
             </p:cNvPr>
@@ -6921,7 +6923,7 @@
             <p:cNvPr id="42" name="TextBox 41">
               <a:extLst>
                 <a:ext uri="{FF2B5EF4-FFF2-40B4-BE49-F238E27FC236}">
-                  <a16:creationId xmlns:a16="http://schemas.microsoft.com/office/drawing/2014/main" id="{28D58E95-8FE9-42E6-846B-ABB2CE8A74E8}"/>
+                  <a16:creationId xmlns:a16="http://schemas.microsoft.com/office/drawing/2014/main" xmlns="" id="{28D58E95-8FE9-42E6-846B-ABB2CE8A74E8}"/>
                 </a:ext>
               </a:extLst>
             </p:cNvPr>
@@ -6958,7 +6960,7 @@
             <p:cNvPr id="43" name="TextBox 42">
               <a:extLst>
                 <a:ext uri="{FF2B5EF4-FFF2-40B4-BE49-F238E27FC236}">
-                  <a16:creationId xmlns:a16="http://schemas.microsoft.com/office/drawing/2014/main" id="{0D6C15E8-68F3-4A5D-8A97-3BAE18E7E58B}"/>
+                  <a16:creationId xmlns:a16="http://schemas.microsoft.com/office/drawing/2014/main" xmlns="" id="{0D6C15E8-68F3-4A5D-8A97-3BAE18E7E58B}"/>
                 </a:ext>
               </a:extLst>
             </p:cNvPr>
@@ -6995,7 +6997,7 @@
           <p:cNvPr id="44" name="그룹 43">
             <a:extLst>
               <a:ext uri="{FF2B5EF4-FFF2-40B4-BE49-F238E27FC236}">
-                <a16:creationId xmlns:a16="http://schemas.microsoft.com/office/drawing/2014/main" id="{18D9B4F6-C1F3-46AC-8B50-B147BC98E069}"/>
+                <a16:creationId xmlns:a16="http://schemas.microsoft.com/office/drawing/2014/main" xmlns="" id="{18D9B4F6-C1F3-46AC-8B50-B147BC98E069}"/>
               </a:ext>
             </a:extLst>
           </p:cNvPr>
@@ -7015,7 +7017,7 @@
             <p:cNvPr id="45" name="직사각형 44">
               <a:extLst>
                 <a:ext uri="{FF2B5EF4-FFF2-40B4-BE49-F238E27FC236}">
-                  <a16:creationId xmlns:a16="http://schemas.microsoft.com/office/drawing/2014/main" id="{099099D9-E519-40F9-A197-14FE1106759B}"/>
+                  <a16:creationId xmlns:a16="http://schemas.microsoft.com/office/drawing/2014/main" xmlns="" id="{099099D9-E519-40F9-A197-14FE1106759B}"/>
                 </a:ext>
               </a:extLst>
             </p:cNvPr>
@@ -7072,7 +7074,7 @@
             <p:cNvPr id="46" name="직사각형 45">
               <a:extLst>
                 <a:ext uri="{FF2B5EF4-FFF2-40B4-BE49-F238E27FC236}">
-                  <a16:creationId xmlns:a16="http://schemas.microsoft.com/office/drawing/2014/main" id="{F0C819CA-EE78-4215-AA5D-D580A6C68AE6}"/>
+                  <a16:creationId xmlns:a16="http://schemas.microsoft.com/office/drawing/2014/main" xmlns="" id="{F0C819CA-EE78-4215-AA5D-D580A6C68AE6}"/>
                 </a:ext>
               </a:extLst>
             </p:cNvPr>
@@ -7129,7 +7131,7 @@
             <p:cNvPr id="47" name="TextBox 46">
               <a:extLst>
                 <a:ext uri="{FF2B5EF4-FFF2-40B4-BE49-F238E27FC236}">
-                  <a16:creationId xmlns:a16="http://schemas.microsoft.com/office/drawing/2014/main" id="{5EF2E083-6F1F-4BCA-A4E0-5534635E6E3C}"/>
+                  <a16:creationId xmlns:a16="http://schemas.microsoft.com/office/drawing/2014/main" xmlns="" id="{5EF2E083-6F1F-4BCA-A4E0-5534635E6E3C}"/>
                 </a:ext>
               </a:extLst>
             </p:cNvPr>
@@ -7164,7 +7166,7 @@
             <p:cNvPr id="48" name="TextBox 47">
               <a:extLst>
                 <a:ext uri="{FF2B5EF4-FFF2-40B4-BE49-F238E27FC236}">
-                  <a16:creationId xmlns:a16="http://schemas.microsoft.com/office/drawing/2014/main" id="{51754BBB-0BE4-4F32-B382-C4E36C374F3C}"/>
+                  <a16:creationId xmlns:a16="http://schemas.microsoft.com/office/drawing/2014/main" xmlns="" id="{51754BBB-0BE4-4F32-B382-C4E36C374F3C}"/>
                 </a:ext>
               </a:extLst>
             </p:cNvPr>
@@ -7201,7 +7203,7 @@
             <p:cNvPr id="49" name="TextBox 48">
               <a:extLst>
                 <a:ext uri="{FF2B5EF4-FFF2-40B4-BE49-F238E27FC236}">
-                  <a16:creationId xmlns:a16="http://schemas.microsoft.com/office/drawing/2014/main" id="{C8A6172E-A9AD-45A3-AC6D-09D4ED9A5353}"/>
+                  <a16:creationId xmlns:a16="http://schemas.microsoft.com/office/drawing/2014/main" xmlns="" id="{C8A6172E-A9AD-45A3-AC6D-09D4ED9A5353}"/>
                 </a:ext>
               </a:extLst>
             </p:cNvPr>
@@ -7238,7 +7240,7 @@
           <p:cNvPr id="53" name="직선 화살표 연결선 52">
             <a:extLst>
               <a:ext uri="{FF2B5EF4-FFF2-40B4-BE49-F238E27FC236}">
-                <a16:creationId xmlns:a16="http://schemas.microsoft.com/office/drawing/2014/main" id="{8D5732DD-7D28-4B90-863B-01354C68E643}"/>
+                <a16:creationId xmlns:a16="http://schemas.microsoft.com/office/drawing/2014/main" xmlns="" id="{8D5732DD-7D28-4B90-863B-01354C68E643}"/>
               </a:ext>
             </a:extLst>
           </p:cNvPr>
@@ -7287,7 +7289,7 @@
           <p:cNvPr id="57" name="직선 화살표 연결선 56">
             <a:extLst>
               <a:ext uri="{FF2B5EF4-FFF2-40B4-BE49-F238E27FC236}">
-                <a16:creationId xmlns:a16="http://schemas.microsoft.com/office/drawing/2014/main" id="{FB5C8413-F5EE-4962-9F7F-7F29444D80F6}"/>
+                <a16:creationId xmlns:a16="http://schemas.microsoft.com/office/drawing/2014/main" xmlns="" id="{FB5C8413-F5EE-4962-9F7F-7F29444D80F6}"/>
               </a:ext>
             </a:extLst>
           </p:cNvPr>
@@ -7336,7 +7338,7 @@
           <p:cNvPr id="60" name="연결선: 꺾임 59">
             <a:extLst>
               <a:ext uri="{FF2B5EF4-FFF2-40B4-BE49-F238E27FC236}">
-                <a16:creationId xmlns:a16="http://schemas.microsoft.com/office/drawing/2014/main" id="{0FEE224C-B1CF-4378-AB78-C465B1E0A2A1}"/>
+                <a16:creationId xmlns:a16="http://schemas.microsoft.com/office/drawing/2014/main" xmlns="" id="{0FEE224C-B1CF-4378-AB78-C465B1E0A2A1}"/>
               </a:ext>
             </a:extLst>
           </p:cNvPr>
@@ -7390,7 +7392,7 @@
           <p:cNvPr id="64" name="연결선: 꺾임 63">
             <a:extLst>
               <a:ext uri="{FF2B5EF4-FFF2-40B4-BE49-F238E27FC236}">
-                <a16:creationId xmlns:a16="http://schemas.microsoft.com/office/drawing/2014/main" id="{4219ED03-E7ED-4D3D-B536-8F5748E122D8}"/>
+                <a16:creationId xmlns:a16="http://schemas.microsoft.com/office/drawing/2014/main" xmlns="" id="{4219ED03-E7ED-4D3D-B536-8F5748E122D8}"/>
               </a:ext>
             </a:extLst>
           </p:cNvPr>
@@ -7444,7 +7446,7 @@
           <p:cNvPr id="68" name="직선 화살표 연결선 67">
             <a:extLst>
               <a:ext uri="{FF2B5EF4-FFF2-40B4-BE49-F238E27FC236}">
-                <a16:creationId xmlns:a16="http://schemas.microsoft.com/office/drawing/2014/main" id="{2F6C66A6-530D-45F3-96DD-12D9045A727A}"/>
+                <a16:creationId xmlns:a16="http://schemas.microsoft.com/office/drawing/2014/main" xmlns="" id="{2F6C66A6-530D-45F3-96DD-12D9045A727A}"/>
               </a:ext>
             </a:extLst>
           </p:cNvPr>
@@ -7493,7 +7495,7 @@
           <p:cNvPr id="70" name="직선 화살표 연결선 69">
             <a:extLst>
               <a:ext uri="{FF2B5EF4-FFF2-40B4-BE49-F238E27FC236}">
-                <a16:creationId xmlns:a16="http://schemas.microsoft.com/office/drawing/2014/main" id="{909BDE2A-6E50-4F7A-A7C8-87D56DD44DDA}"/>
+                <a16:creationId xmlns:a16="http://schemas.microsoft.com/office/drawing/2014/main" xmlns="" id="{909BDE2A-6E50-4F7A-A7C8-87D56DD44DDA}"/>
               </a:ext>
             </a:extLst>
           </p:cNvPr>
@@ -7542,7 +7544,7 @@
           <p:cNvPr id="72" name="TextBox 71">
             <a:extLst>
               <a:ext uri="{FF2B5EF4-FFF2-40B4-BE49-F238E27FC236}">
-                <a16:creationId xmlns:a16="http://schemas.microsoft.com/office/drawing/2014/main" id="{030F567D-3274-40C6-B6BA-E66696B3AAB0}"/>
+                <a16:creationId xmlns:a16="http://schemas.microsoft.com/office/drawing/2014/main" xmlns="" id="{030F567D-3274-40C6-B6BA-E66696B3AAB0}"/>
               </a:ext>
             </a:extLst>
           </p:cNvPr>
@@ -7578,7 +7580,7 @@
           <p:cNvPr id="73" name="TextBox 72">
             <a:extLst>
               <a:ext uri="{FF2B5EF4-FFF2-40B4-BE49-F238E27FC236}">
-                <a16:creationId xmlns:a16="http://schemas.microsoft.com/office/drawing/2014/main" id="{D878DFB9-4DD4-4686-BE7D-75AE4E59A943}"/>
+                <a16:creationId xmlns:a16="http://schemas.microsoft.com/office/drawing/2014/main" xmlns="" id="{D878DFB9-4DD4-4686-BE7D-75AE4E59A943}"/>
               </a:ext>
             </a:extLst>
           </p:cNvPr>
@@ -7644,7 +7646,7 @@
           <p:cNvPr id="2" name="제목 1">
             <a:extLst>
               <a:ext uri="{FF2B5EF4-FFF2-40B4-BE49-F238E27FC236}">
-                <a16:creationId xmlns:a16="http://schemas.microsoft.com/office/drawing/2014/main" id="{6567B30B-F792-4D65-84A7-2BEF21FFFC7F}"/>
+                <a16:creationId xmlns:a16="http://schemas.microsoft.com/office/drawing/2014/main" xmlns="" id="{6567B30B-F792-4D65-84A7-2BEF21FFFC7F}"/>
               </a:ext>
             </a:extLst>
           </p:cNvPr>
@@ -7680,7 +7682,7 @@
           <p:cNvPr id="3" name="내용 개체 틀 2">
             <a:extLst>
               <a:ext uri="{FF2B5EF4-FFF2-40B4-BE49-F238E27FC236}">
-                <a16:creationId xmlns:a16="http://schemas.microsoft.com/office/drawing/2014/main" id="{BA06401D-C033-4DE2-A4A3-F88C70822B40}"/>
+                <a16:creationId xmlns:a16="http://schemas.microsoft.com/office/drawing/2014/main" xmlns="" id="{BA06401D-C033-4DE2-A4A3-F88C70822B40}"/>
               </a:ext>
             </a:extLst>
           </p:cNvPr>
@@ -7810,7 +7812,7 @@
           <p:cNvPr id="5" name="표 5">
             <a:extLst>
               <a:ext uri="{FF2B5EF4-FFF2-40B4-BE49-F238E27FC236}">
-                <a16:creationId xmlns:a16="http://schemas.microsoft.com/office/drawing/2014/main" id="{D589A95D-3B96-44B0-9B9A-C6A85E9CBC43}"/>
+                <a16:creationId xmlns:a16="http://schemas.microsoft.com/office/drawing/2014/main" xmlns="" id="{D589A95D-3B96-44B0-9B9A-C6A85E9CBC43}"/>
               </a:ext>
             </a:extLst>
           </p:cNvPr>
@@ -7839,56 +7841,56 @@
                 <a:gridCol w="1016000">
                   <a:extLst>
                     <a:ext uri="{9D8B030D-6E8A-4147-A177-3AD203B41FA5}">
-                      <a16:colId xmlns:a16="http://schemas.microsoft.com/office/drawing/2014/main" val="422949941"/>
+                      <a16:colId xmlns:a16="http://schemas.microsoft.com/office/drawing/2014/main" xmlns="" val="422949941"/>
                     </a:ext>
                   </a:extLst>
                 </a:gridCol>
                 <a:gridCol w="1016000">
                   <a:extLst>
                     <a:ext uri="{9D8B030D-6E8A-4147-A177-3AD203B41FA5}">
-                      <a16:colId xmlns:a16="http://schemas.microsoft.com/office/drawing/2014/main" val="1888211109"/>
+                      <a16:colId xmlns:a16="http://schemas.microsoft.com/office/drawing/2014/main" xmlns="" val="1888211109"/>
                     </a:ext>
                   </a:extLst>
                 </a:gridCol>
                 <a:gridCol w="1016000">
                   <a:extLst>
                     <a:ext uri="{9D8B030D-6E8A-4147-A177-3AD203B41FA5}">
-                      <a16:colId xmlns:a16="http://schemas.microsoft.com/office/drawing/2014/main" val="3675358557"/>
+                      <a16:colId xmlns:a16="http://schemas.microsoft.com/office/drawing/2014/main" xmlns="" val="3675358557"/>
                     </a:ext>
                   </a:extLst>
                 </a:gridCol>
                 <a:gridCol w="1016000">
                   <a:extLst>
                     <a:ext uri="{9D8B030D-6E8A-4147-A177-3AD203B41FA5}">
-                      <a16:colId xmlns:a16="http://schemas.microsoft.com/office/drawing/2014/main" val="2341215234"/>
+                      <a16:colId xmlns:a16="http://schemas.microsoft.com/office/drawing/2014/main" xmlns="" val="2341215234"/>
                     </a:ext>
                   </a:extLst>
                 </a:gridCol>
                 <a:gridCol w="1016000">
                   <a:extLst>
                     <a:ext uri="{9D8B030D-6E8A-4147-A177-3AD203B41FA5}">
-                      <a16:colId xmlns:a16="http://schemas.microsoft.com/office/drawing/2014/main" val="3718261339"/>
+                      <a16:colId xmlns:a16="http://schemas.microsoft.com/office/drawing/2014/main" xmlns="" val="3718261339"/>
                     </a:ext>
                   </a:extLst>
                 </a:gridCol>
                 <a:gridCol w="1016000">
                   <a:extLst>
                     <a:ext uri="{9D8B030D-6E8A-4147-A177-3AD203B41FA5}">
-                      <a16:colId xmlns:a16="http://schemas.microsoft.com/office/drawing/2014/main" val="2215473244"/>
+                      <a16:colId xmlns:a16="http://schemas.microsoft.com/office/drawing/2014/main" xmlns="" val="2215473244"/>
                     </a:ext>
                   </a:extLst>
                 </a:gridCol>
                 <a:gridCol w="1016000">
                   <a:extLst>
                     <a:ext uri="{9D8B030D-6E8A-4147-A177-3AD203B41FA5}">
-                      <a16:colId xmlns:a16="http://schemas.microsoft.com/office/drawing/2014/main" val="4106026957"/>
+                      <a16:colId xmlns:a16="http://schemas.microsoft.com/office/drawing/2014/main" xmlns="" val="4106026957"/>
                     </a:ext>
                   </a:extLst>
                 </a:gridCol>
                 <a:gridCol w="1016000">
                   <a:extLst>
                     <a:ext uri="{9D8B030D-6E8A-4147-A177-3AD203B41FA5}">
-                      <a16:colId xmlns:a16="http://schemas.microsoft.com/office/drawing/2014/main" val="2810815576"/>
+                      <a16:colId xmlns:a16="http://schemas.microsoft.com/office/drawing/2014/main" xmlns="" val="2810815576"/>
                     </a:ext>
                   </a:extLst>
                 </a:gridCol>
@@ -8392,7 +8394,7 @@
                 </a:tc>
                 <a:extLst>
                   <a:ext uri="{0D108BD9-81ED-4DB2-BD59-A6C34878D82A}">
-                    <a16:rowId xmlns:a16="http://schemas.microsoft.com/office/drawing/2014/main" val="2318367764"/>
+                    <a16:rowId xmlns:a16="http://schemas.microsoft.com/office/drawing/2014/main" xmlns="" val="2318367764"/>
                   </a:ext>
                 </a:extLst>
               </a:tr>
@@ -8405,7 +8407,7 @@
           <p:cNvPr id="8" name="표 5">
             <a:extLst>
               <a:ext uri="{FF2B5EF4-FFF2-40B4-BE49-F238E27FC236}">
-                <a16:creationId xmlns:a16="http://schemas.microsoft.com/office/drawing/2014/main" id="{3D9414C9-422A-4367-B83D-30BA9896DAE3}"/>
+                <a16:creationId xmlns:a16="http://schemas.microsoft.com/office/drawing/2014/main" xmlns="" id="{3D9414C9-422A-4367-B83D-30BA9896DAE3}"/>
               </a:ext>
             </a:extLst>
           </p:cNvPr>
@@ -8434,56 +8436,56 @@
                 <a:gridCol w="1016000">
                   <a:extLst>
                     <a:ext uri="{9D8B030D-6E8A-4147-A177-3AD203B41FA5}">
-                      <a16:colId xmlns:a16="http://schemas.microsoft.com/office/drawing/2014/main" val="422949941"/>
+                      <a16:colId xmlns:a16="http://schemas.microsoft.com/office/drawing/2014/main" xmlns="" val="422949941"/>
                     </a:ext>
                   </a:extLst>
                 </a:gridCol>
                 <a:gridCol w="1016000">
                   <a:extLst>
                     <a:ext uri="{9D8B030D-6E8A-4147-A177-3AD203B41FA5}">
-                      <a16:colId xmlns:a16="http://schemas.microsoft.com/office/drawing/2014/main" val="1888211109"/>
+                      <a16:colId xmlns:a16="http://schemas.microsoft.com/office/drawing/2014/main" xmlns="" val="1888211109"/>
                     </a:ext>
                   </a:extLst>
                 </a:gridCol>
                 <a:gridCol w="1016000">
                   <a:extLst>
                     <a:ext uri="{9D8B030D-6E8A-4147-A177-3AD203B41FA5}">
-                      <a16:colId xmlns:a16="http://schemas.microsoft.com/office/drawing/2014/main" val="3675358557"/>
+                      <a16:colId xmlns:a16="http://schemas.microsoft.com/office/drawing/2014/main" xmlns="" val="3675358557"/>
                     </a:ext>
                   </a:extLst>
                 </a:gridCol>
                 <a:gridCol w="1016000">
                   <a:extLst>
                     <a:ext uri="{9D8B030D-6E8A-4147-A177-3AD203B41FA5}">
-                      <a16:colId xmlns:a16="http://schemas.microsoft.com/office/drawing/2014/main" val="2341215234"/>
+                      <a16:colId xmlns:a16="http://schemas.microsoft.com/office/drawing/2014/main" xmlns="" val="2341215234"/>
                     </a:ext>
                   </a:extLst>
                 </a:gridCol>
                 <a:gridCol w="1016000">
                   <a:extLst>
                     <a:ext uri="{9D8B030D-6E8A-4147-A177-3AD203B41FA5}">
-                      <a16:colId xmlns:a16="http://schemas.microsoft.com/office/drawing/2014/main" val="3718261339"/>
+                      <a16:colId xmlns:a16="http://schemas.microsoft.com/office/drawing/2014/main" xmlns="" val="3718261339"/>
                     </a:ext>
                   </a:extLst>
                 </a:gridCol>
                 <a:gridCol w="1016000">
                   <a:extLst>
                     <a:ext uri="{9D8B030D-6E8A-4147-A177-3AD203B41FA5}">
-                      <a16:colId xmlns:a16="http://schemas.microsoft.com/office/drawing/2014/main" val="2215473244"/>
+                      <a16:colId xmlns:a16="http://schemas.microsoft.com/office/drawing/2014/main" xmlns="" val="2215473244"/>
                     </a:ext>
                   </a:extLst>
                 </a:gridCol>
                 <a:gridCol w="1016000">
                   <a:extLst>
                     <a:ext uri="{9D8B030D-6E8A-4147-A177-3AD203B41FA5}">
-                      <a16:colId xmlns:a16="http://schemas.microsoft.com/office/drawing/2014/main" val="4106026957"/>
+                      <a16:colId xmlns:a16="http://schemas.microsoft.com/office/drawing/2014/main" xmlns="" val="4106026957"/>
                     </a:ext>
                   </a:extLst>
                 </a:gridCol>
                 <a:gridCol w="1016000">
                   <a:extLst>
                     <a:ext uri="{9D8B030D-6E8A-4147-A177-3AD203B41FA5}">
-                      <a16:colId xmlns:a16="http://schemas.microsoft.com/office/drawing/2014/main" val="2810815576"/>
+                      <a16:colId xmlns:a16="http://schemas.microsoft.com/office/drawing/2014/main" xmlns="" val="2810815576"/>
                     </a:ext>
                   </a:extLst>
                 </a:gridCol>
@@ -8987,7 +8989,7 @@
                 </a:tc>
                 <a:extLst>
                   <a:ext uri="{0D108BD9-81ED-4DB2-BD59-A6C34878D82A}">
-                    <a16:rowId xmlns:a16="http://schemas.microsoft.com/office/drawing/2014/main" val="2318367764"/>
+                    <a16:rowId xmlns:a16="http://schemas.microsoft.com/office/drawing/2014/main" xmlns="" val="2318367764"/>
                   </a:ext>
                 </a:extLst>
               </a:tr>
@@ -9000,7 +9002,7 @@
           <p:cNvPr id="9" name="표 5">
             <a:extLst>
               <a:ext uri="{FF2B5EF4-FFF2-40B4-BE49-F238E27FC236}">
-                <a16:creationId xmlns:a16="http://schemas.microsoft.com/office/drawing/2014/main" id="{15D5CCAF-CAB6-493C-9A85-2676F48690AF}"/>
+                <a16:creationId xmlns:a16="http://schemas.microsoft.com/office/drawing/2014/main" xmlns="" id="{15D5CCAF-CAB6-493C-9A85-2676F48690AF}"/>
               </a:ext>
             </a:extLst>
           </p:cNvPr>
@@ -9029,49 +9031,49 @@
                 <a:gridCol w="1016000">
                   <a:extLst>
                     <a:ext uri="{9D8B030D-6E8A-4147-A177-3AD203B41FA5}">
-                      <a16:colId xmlns:a16="http://schemas.microsoft.com/office/drawing/2014/main" val="422949941"/>
+                      <a16:colId xmlns:a16="http://schemas.microsoft.com/office/drawing/2014/main" xmlns="" val="422949941"/>
                     </a:ext>
                   </a:extLst>
                 </a:gridCol>
                 <a:gridCol w="1016000">
                   <a:extLst>
                     <a:ext uri="{9D8B030D-6E8A-4147-A177-3AD203B41FA5}">
-                      <a16:colId xmlns:a16="http://schemas.microsoft.com/office/drawing/2014/main" val="1888211109"/>
+                      <a16:colId xmlns:a16="http://schemas.microsoft.com/office/drawing/2014/main" xmlns="" val="1888211109"/>
                     </a:ext>
                   </a:extLst>
                 </a:gridCol>
                 <a:gridCol w="1016000">
                   <a:extLst>
                     <a:ext uri="{9D8B030D-6E8A-4147-A177-3AD203B41FA5}">
-                      <a16:colId xmlns:a16="http://schemas.microsoft.com/office/drawing/2014/main" val="3675358557"/>
+                      <a16:colId xmlns:a16="http://schemas.microsoft.com/office/drawing/2014/main" xmlns="" val="3675358557"/>
                     </a:ext>
                   </a:extLst>
                 </a:gridCol>
                 <a:gridCol w="1016000">
                   <a:extLst>
                     <a:ext uri="{9D8B030D-6E8A-4147-A177-3AD203B41FA5}">
-                      <a16:colId xmlns:a16="http://schemas.microsoft.com/office/drawing/2014/main" val="2341215234"/>
+                      <a16:colId xmlns:a16="http://schemas.microsoft.com/office/drawing/2014/main" xmlns="" val="2341215234"/>
                     </a:ext>
                   </a:extLst>
                 </a:gridCol>
                 <a:gridCol w="1016000">
                   <a:extLst>
                     <a:ext uri="{9D8B030D-6E8A-4147-A177-3AD203B41FA5}">
-                      <a16:colId xmlns:a16="http://schemas.microsoft.com/office/drawing/2014/main" val="3718261339"/>
+                      <a16:colId xmlns:a16="http://schemas.microsoft.com/office/drawing/2014/main" xmlns="" val="3718261339"/>
                     </a:ext>
                   </a:extLst>
                 </a:gridCol>
                 <a:gridCol w="1016000">
                   <a:extLst>
                     <a:ext uri="{9D8B030D-6E8A-4147-A177-3AD203B41FA5}">
-                      <a16:colId xmlns:a16="http://schemas.microsoft.com/office/drawing/2014/main" val="4106026957"/>
+                      <a16:colId xmlns:a16="http://schemas.microsoft.com/office/drawing/2014/main" xmlns="" val="4106026957"/>
                     </a:ext>
                   </a:extLst>
                 </a:gridCol>
                 <a:gridCol w="1016000">
                   <a:extLst>
                     <a:ext uri="{9D8B030D-6E8A-4147-A177-3AD203B41FA5}">
-                      <a16:colId xmlns:a16="http://schemas.microsoft.com/office/drawing/2014/main" val="2810815576"/>
+                      <a16:colId xmlns:a16="http://schemas.microsoft.com/office/drawing/2014/main" xmlns="" val="2810815576"/>
                     </a:ext>
                   </a:extLst>
                 </a:gridCol>
@@ -9520,7 +9522,7 @@
                 </a:tc>
                 <a:extLst>
                   <a:ext uri="{0D108BD9-81ED-4DB2-BD59-A6C34878D82A}">
-                    <a16:rowId xmlns:a16="http://schemas.microsoft.com/office/drawing/2014/main" val="2318367764"/>
+                    <a16:rowId xmlns:a16="http://schemas.microsoft.com/office/drawing/2014/main" xmlns="" val="2318367764"/>
                   </a:ext>
                 </a:extLst>
               </a:tr>
@@ -9533,7 +9535,7 @@
           <p:cNvPr id="10" name="화살표: 왼쪽으로 구부러짐 9">
             <a:extLst>
               <a:ext uri="{FF2B5EF4-FFF2-40B4-BE49-F238E27FC236}">
-                <a16:creationId xmlns:a16="http://schemas.microsoft.com/office/drawing/2014/main" id="{C91D9D3C-A84D-4E18-9C6C-303B390342DD}"/>
+                <a16:creationId xmlns:a16="http://schemas.microsoft.com/office/drawing/2014/main" xmlns="" id="{C91D9D3C-A84D-4E18-9C6C-303B390342DD}"/>
               </a:ext>
             </a:extLst>
           </p:cNvPr>
@@ -9624,7 +9626,7 @@
           <p:cNvPr id="2" name="제목 1">
             <a:extLst>
               <a:ext uri="{FF2B5EF4-FFF2-40B4-BE49-F238E27FC236}">
-                <a16:creationId xmlns:a16="http://schemas.microsoft.com/office/drawing/2014/main" id="{42C84062-C8B0-4CB3-B461-05F52E791379}"/>
+                <a16:creationId xmlns:a16="http://schemas.microsoft.com/office/drawing/2014/main" xmlns="" id="{42C84062-C8B0-4CB3-B461-05F52E791379}"/>
               </a:ext>
             </a:extLst>
           </p:cNvPr>
@@ -9660,7 +9662,7 @@
           <p:cNvPr id="4" name="표 5">
             <a:extLst>
               <a:ext uri="{FF2B5EF4-FFF2-40B4-BE49-F238E27FC236}">
-                <a16:creationId xmlns:a16="http://schemas.microsoft.com/office/drawing/2014/main" id="{3D9414C9-422A-4367-B83D-30BA9896DAE3}"/>
+                <a16:creationId xmlns:a16="http://schemas.microsoft.com/office/drawing/2014/main" xmlns="" id="{3D9414C9-422A-4367-B83D-30BA9896DAE3}"/>
               </a:ext>
             </a:extLst>
           </p:cNvPr>
@@ -9689,56 +9691,56 @@
                 <a:gridCol w="1016000">
                   <a:extLst>
                     <a:ext uri="{9D8B030D-6E8A-4147-A177-3AD203B41FA5}">
-                      <a16:colId xmlns:a16="http://schemas.microsoft.com/office/drawing/2014/main" val="422949941"/>
+                      <a16:colId xmlns:a16="http://schemas.microsoft.com/office/drawing/2014/main" xmlns="" val="422949941"/>
                     </a:ext>
                   </a:extLst>
                 </a:gridCol>
                 <a:gridCol w="1016000">
                   <a:extLst>
                     <a:ext uri="{9D8B030D-6E8A-4147-A177-3AD203B41FA5}">
-                      <a16:colId xmlns:a16="http://schemas.microsoft.com/office/drawing/2014/main" val="1888211109"/>
+                      <a16:colId xmlns:a16="http://schemas.microsoft.com/office/drawing/2014/main" xmlns="" val="1888211109"/>
                     </a:ext>
                   </a:extLst>
                 </a:gridCol>
                 <a:gridCol w="1016000">
                   <a:extLst>
                     <a:ext uri="{9D8B030D-6E8A-4147-A177-3AD203B41FA5}">
-                      <a16:colId xmlns:a16="http://schemas.microsoft.com/office/drawing/2014/main" val="3675358557"/>
+                      <a16:colId xmlns:a16="http://schemas.microsoft.com/office/drawing/2014/main" xmlns="" val="3675358557"/>
                     </a:ext>
                   </a:extLst>
                 </a:gridCol>
                 <a:gridCol w="1016000">
                   <a:extLst>
                     <a:ext uri="{9D8B030D-6E8A-4147-A177-3AD203B41FA5}">
-                      <a16:colId xmlns:a16="http://schemas.microsoft.com/office/drawing/2014/main" val="2341215234"/>
+                      <a16:colId xmlns:a16="http://schemas.microsoft.com/office/drawing/2014/main" xmlns="" val="2341215234"/>
                     </a:ext>
                   </a:extLst>
                 </a:gridCol>
                 <a:gridCol w="1016000">
                   <a:extLst>
                     <a:ext uri="{9D8B030D-6E8A-4147-A177-3AD203B41FA5}">
-                      <a16:colId xmlns:a16="http://schemas.microsoft.com/office/drawing/2014/main" val="3718261339"/>
+                      <a16:colId xmlns:a16="http://schemas.microsoft.com/office/drawing/2014/main" xmlns="" val="3718261339"/>
                     </a:ext>
                   </a:extLst>
                 </a:gridCol>
                 <a:gridCol w="1016000">
                   <a:extLst>
                     <a:ext uri="{9D8B030D-6E8A-4147-A177-3AD203B41FA5}">
-                      <a16:colId xmlns:a16="http://schemas.microsoft.com/office/drawing/2014/main" val="2215473244"/>
+                      <a16:colId xmlns:a16="http://schemas.microsoft.com/office/drawing/2014/main" xmlns="" val="2215473244"/>
                     </a:ext>
                   </a:extLst>
                 </a:gridCol>
                 <a:gridCol w="1016000">
                   <a:extLst>
                     <a:ext uri="{9D8B030D-6E8A-4147-A177-3AD203B41FA5}">
-                      <a16:colId xmlns:a16="http://schemas.microsoft.com/office/drawing/2014/main" val="4106026957"/>
+                      <a16:colId xmlns:a16="http://schemas.microsoft.com/office/drawing/2014/main" xmlns="" val="4106026957"/>
                     </a:ext>
                   </a:extLst>
                 </a:gridCol>
                 <a:gridCol w="1016000">
                   <a:extLst>
                     <a:ext uri="{9D8B030D-6E8A-4147-A177-3AD203B41FA5}">
-                      <a16:colId xmlns:a16="http://schemas.microsoft.com/office/drawing/2014/main" val="2810815576"/>
+                      <a16:colId xmlns:a16="http://schemas.microsoft.com/office/drawing/2014/main" xmlns="" val="2810815576"/>
                     </a:ext>
                   </a:extLst>
                 </a:gridCol>
@@ -10256,7 +10258,7 @@
                 </a:tc>
                 <a:extLst>
                   <a:ext uri="{0D108BD9-81ED-4DB2-BD59-A6C34878D82A}">
-                    <a16:rowId xmlns:a16="http://schemas.microsoft.com/office/drawing/2014/main" val="2318367764"/>
+                    <a16:rowId xmlns:a16="http://schemas.microsoft.com/office/drawing/2014/main" xmlns="" val="2318367764"/>
                   </a:ext>
                 </a:extLst>
               </a:tr>
@@ -10269,7 +10271,7 @@
           <p:cNvPr id="5" name="표 5">
             <a:extLst>
               <a:ext uri="{FF2B5EF4-FFF2-40B4-BE49-F238E27FC236}">
-                <a16:creationId xmlns:a16="http://schemas.microsoft.com/office/drawing/2014/main" id="{15D5CCAF-CAB6-493C-9A85-2676F48690AF}"/>
+                <a16:creationId xmlns:a16="http://schemas.microsoft.com/office/drawing/2014/main" xmlns="" id="{15D5CCAF-CAB6-493C-9A85-2676F48690AF}"/>
               </a:ext>
             </a:extLst>
           </p:cNvPr>
@@ -10298,49 +10300,49 @@
                 <a:gridCol w="1016000">
                   <a:extLst>
                     <a:ext uri="{9D8B030D-6E8A-4147-A177-3AD203B41FA5}">
-                      <a16:colId xmlns:a16="http://schemas.microsoft.com/office/drawing/2014/main" val="422949941"/>
+                      <a16:colId xmlns:a16="http://schemas.microsoft.com/office/drawing/2014/main" xmlns="" val="422949941"/>
                     </a:ext>
                   </a:extLst>
                 </a:gridCol>
                 <a:gridCol w="1016000">
                   <a:extLst>
                     <a:ext uri="{9D8B030D-6E8A-4147-A177-3AD203B41FA5}">
-                      <a16:colId xmlns:a16="http://schemas.microsoft.com/office/drawing/2014/main" val="1888211109"/>
+                      <a16:colId xmlns:a16="http://schemas.microsoft.com/office/drawing/2014/main" xmlns="" val="1888211109"/>
                     </a:ext>
                   </a:extLst>
                 </a:gridCol>
                 <a:gridCol w="1016000">
                   <a:extLst>
                     <a:ext uri="{9D8B030D-6E8A-4147-A177-3AD203B41FA5}">
-                      <a16:colId xmlns:a16="http://schemas.microsoft.com/office/drawing/2014/main" val="3675358557"/>
+                      <a16:colId xmlns:a16="http://schemas.microsoft.com/office/drawing/2014/main" xmlns="" val="3675358557"/>
                     </a:ext>
                   </a:extLst>
                 </a:gridCol>
                 <a:gridCol w="1016000">
                   <a:extLst>
                     <a:ext uri="{9D8B030D-6E8A-4147-A177-3AD203B41FA5}">
-                      <a16:colId xmlns:a16="http://schemas.microsoft.com/office/drawing/2014/main" val="2341215234"/>
+                      <a16:colId xmlns:a16="http://schemas.microsoft.com/office/drawing/2014/main" xmlns="" val="2341215234"/>
                     </a:ext>
                   </a:extLst>
                 </a:gridCol>
                 <a:gridCol w="1016000">
                   <a:extLst>
                     <a:ext uri="{9D8B030D-6E8A-4147-A177-3AD203B41FA5}">
-                      <a16:colId xmlns:a16="http://schemas.microsoft.com/office/drawing/2014/main" val="3718261339"/>
+                      <a16:colId xmlns:a16="http://schemas.microsoft.com/office/drawing/2014/main" xmlns="" val="3718261339"/>
                     </a:ext>
                   </a:extLst>
                 </a:gridCol>
                 <a:gridCol w="1016000">
                   <a:extLst>
                     <a:ext uri="{9D8B030D-6E8A-4147-A177-3AD203B41FA5}">
-                      <a16:colId xmlns:a16="http://schemas.microsoft.com/office/drawing/2014/main" val="4106026957"/>
+                      <a16:colId xmlns:a16="http://schemas.microsoft.com/office/drawing/2014/main" xmlns="" val="4106026957"/>
                     </a:ext>
                   </a:extLst>
                 </a:gridCol>
                 <a:gridCol w="1016000">
                   <a:extLst>
                     <a:ext uri="{9D8B030D-6E8A-4147-A177-3AD203B41FA5}">
-                      <a16:colId xmlns:a16="http://schemas.microsoft.com/office/drawing/2014/main" val="2810815576"/>
+                      <a16:colId xmlns:a16="http://schemas.microsoft.com/office/drawing/2014/main" xmlns="" val="2810815576"/>
                     </a:ext>
                   </a:extLst>
                 </a:gridCol>
@@ -10789,7 +10791,7 @@
                 </a:tc>
                 <a:extLst>
                   <a:ext uri="{0D108BD9-81ED-4DB2-BD59-A6C34878D82A}">
-                    <a16:rowId xmlns:a16="http://schemas.microsoft.com/office/drawing/2014/main" val="2318367764"/>
+                    <a16:rowId xmlns:a16="http://schemas.microsoft.com/office/drawing/2014/main" xmlns="" val="2318367764"/>
                   </a:ext>
                 </a:extLst>
               </a:tr>
@@ -10802,7 +10804,7 @@
           <p:cNvPr id="6" name="화살표: 왼쪽으로 구부러짐 9">
             <a:extLst>
               <a:ext uri="{FF2B5EF4-FFF2-40B4-BE49-F238E27FC236}">
-                <a16:creationId xmlns:a16="http://schemas.microsoft.com/office/drawing/2014/main" id="{C91D9D3C-A84D-4E18-9C6C-303B390342DD}"/>
+                <a16:creationId xmlns:a16="http://schemas.microsoft.com/office/drawing/2014/main" xmlns="" id="{C91D9D3C-A84D-4E18-9C6C-303B390342DD}"/>
               </a:ext>
             </a:extLst>
           </p:cNvPr>
@@ -10916,7 +10918,7 @@
                 <a:gridCol w="891503">
                   <a:extLst>
                     <a:ext uri="{9D8B030D-6E8A-4147-A177-3AD203B41FA5}">
-                      <a16:colId xmlns:a16="http://schemas.microsoft.com/office/drawing/2014/main" val="1352968969"/>
+                      <a16:colId xmlns:a16="http://schemas.microsoft.com/office/drawing/2014/main" xmlns="" val="1352968969"/>
                     </a:ext>
                   </a:extLst>
                 </a:gridCol>
@@ -10987,7 +10989,7 @@
                 </a:tc>
                 <a:extLst>
                   <a:ext uri="{0D108BD9-81ED-4DB2-BD59-A6C34878D82A}">
-                    <a16:rowId xmlns:a16="http://schemas.microsoft.com/office/drawing/2014/main" val="3010091663"/>
+                    <a16:rowId xmlns:a16="http://schemas.microsoft.com/office/drawing/2014/main" xmlns="" val="3010091663"/>
                   </a:ext>
                 </a:extLst>
               </a:tr>
@@ -11057,7 +11059,7 @@
                 </a:tc>
                 <a:extLst>
                   <a:ext uri="{0D108BD9-81ED-4DB2-BD59-A6C34878D82A}">
-                    <a16:rowId xmlns:a16="http://schemas.microsoft.com/office/drawing/2014/main" val="3029555295"/>
+                    <a16:rowId xmlns:a16="http://schemas.microsoft.com/office/drawing/2014/main" xmlns="" val="3029555295"/>
                   </a:ext>
                 </a:extLst>
               </a:tr>
@@ -11127,7 +11129,7 @@
                 </a:tc>
                 <a:extLst>
                   <a:ext uri="{0D108BD9-81ED-4DB2-BD59-A6C34878D82A}">
-                    <a16:rowId xmlns:a16="http://schemas.microsoft.com/office/drawing/2014/main" val="2518845613"/>
+                    <a16:rowId xmlns:a16="http://schemas.microsoft.com/office/drawing/2014/main" xmlns="" val="2518845613"/>
                   </a:ext>
                 </a:extLst>
               </a:tr>
@@ -11197,7 +11199,7 @@
                 </a:tc>
                 <a:extLst>
                   <a:ext uri="{0D108BD9-81ED-4DB2-BD59-A6C34878D82A}">
-                    <a16:rowId xmlns:a16="http://schemas.microsoft.com/office/drawing/2014/main" val="4038176524"/>
+                    <a16:rowId xmlns:a16="http://schemas.microsoft.com/office/drawing/2014/main" xmlns="" val="4038176524"/>
                   </a:ext>
                 </a:extLst>
               </a:tr>
@@ -11267,7 +11269,7 @@
                 </a:tc>
                 <a:extLst>
                   <a:ext uri="{0D108BD9-81ED-4DB2-BD59-A6C34878D82A}">
-                    <a16:rowId xmlns:a16="http://schemas.microsoft.com/office/drawing/2014/main" val="1894260681"/>
+                    <a16:rowId xmlns:a16="http://schemas.microsoft.com/office/drawing/2014/main" xmlns="" val="1894260681"/>
                   </a:ext>
                 </a:extLst>
               </a:tr>
@@ -11337,7 +11339,7 @@
                 </a:tc>
                 <a:extLst>
                   <a:ext uri="{0D108BD9-81ED-4DB2-BD59-A6C34878D82A}">
-                    <a16:rowId xmlns:a16="http://schemas.microsoft.com/office/drawing/2014/main" val="181657390"/>
+                    <a16:rowId xmlns:a16="http://schemas.microsoft.com/office/drawing/2014/main" xmlns="" val="181657390"/>
                   </a:ext>
                 </a:extLst>
               </a:tr>
@@ -12525,7 +12527,7 @@
           <p:cNvPr id="4" name="표 4">
             <a:extLst>
               <a:ext uri="{FF2B5EF4-FFF2-40B4-BE49-F238E27FC236}">
-                <a16:creationId xmlns:a16="http://schemas.microsoft.com/office/drawing/2014/main" id="{260303AE-5F82-432A-AFE1-96F738EBE501}"/>
+                <a16:creationId xmlns:a16="http://schemas.microsoft.com/office/drawing/2014/main" xmlns="" id="{260303AE-5F82-432A-AFE1-96F738EBE501}"/>
               </a:ext>
             </a:extLst>
           </p:cNvPr>
@@ -12554,7 +12556,7 @@
                 <a:gridCol w="1080000">
                   <a:extLst>
                     <a:ext uri="{9D8B030D-6E8A-4147-A177-3AD203B41FA5}">
-                      <a16:colId xmlns:a16="http://schemas.microsoft.com/office/drawing/2014/main" val="2051836303"/>
+                      <a16:colId xmlns:a16="http://schemas.microsoft.com/office/drawing/2014/main" xmlns="" val="2051836303"/>
                     </a:ext>
                   </a:extLst>
                 </a:gridCol>
@@ -12625,7 +12627,7 @@
                 </a:tc>
                 <a:extLst>
                   <a:ext uri="{0D108BD9-81ED-4DB2-BD59-A6C34878D82A}">
-                    <a16:rowId xmlns:a16="http://schemas.microsoft.com/office/drawing/2014/main" val="2075722758"/>
+                    <a16:rowId xmlns:a16="http://schemas.microsoft.com/office/drawing/2014/main" xmlns="" val="2075722758"/>
                   </a:ext>
                 </a:extLst>
               </a:tr>
@@ -12638,7 +12640,7 @@
           <p:cNvPr id="5" name="표 4">
             <a:extLst>
               <a:ext uri="{FF2B5EF4-FFF2-40B4-BE49-F238E27FC236}">
-                <a16:creationId xmlns:a16="http://schemas.microsoft.com/office/drawing/2014/main" id="{260303AE-5F82-432A-AFE1-96F738EBE501}"/>
+                <a16:creationId xmlns:a16="http://schemas.microsoft.com/office/drawing/2014/main" xmlns="" id="{260303AE-5F82-432A-AFE1-96F738EBE501}"/>
               </a:ext>
             </a:extLst>
           </p:cNvPr>
@@ -12667,7 +12669,7 @@
                 <a:gridCol w="1080000">
                   <a:extLst>
                     <a:ext uri="{9D8B030D-6E8A-4147-A177-3AD203B41FA5}">
-                      <a16:colId xmlns:a16="http://schemas.microsoft.com/office/drawing/2014/main" val="2051836303"/>
+                      <a16:colId xmlns:a16="http://schemas.microsoft.com/office/drawing/2014/main" xmlns="" val="2051836303"/>
                     </a:ext>
                   </a:extLst>
                 </a:gridCol>
@@ -12738,7 +12740,7 @@
                 </a:tc>
                 <a:extLst>
                   <a:ext uri="{0D108BD9-81ED-4DB2-BD59-A6C34878D82A}">
-                    <a16:rowId xmlns:a16="http://schemas.microsoft.com/office/drawing/2014/main" val="3036785839"/>
+                    <a16:rowId xmlns:a16="http://schemas.microsoft.com/office/drawing/2014/main" xmlns="" val="3036785839"/>
                   </a:ext>
                 </a:extLst>
               </a:tr>
@@ -12808,7 +12810,7 @@
                 </a:tc>
                 <a:extLst>
                   <a:ext uri="{0D108BD9-81ED-4DB2-BD59-A6C34878D82A}">
-                    <a16:rowId xmlns:a16="http://schemas.microsoft.com/office/drawing/2014/main" val="2075722758"/>
+                    <a16:rowId xmlns:a16="http://schemas.microsoft.com/office/drawing/2014/main" xmlns="" val="2075722758"/>
                   </a:ext>
                 </a:extLst>
               </a:tr>
@@ -12821,7 +12823,7 @@
           <p:cNvPr id="6" name="표 5">
             <a:extLst>
               <a:ext uri="{FF2B5EF4-FFF2-40B4-BE49-F238E27FC236}">
-                <a16:creationId xmlns:a16="http://schemas.microsoft.com/office/drawing/2014/main" id="{260303AE-5F82-432A-AFE1-96F738EBE501}"/>
+                <a16:creationId xmlns:a16="http://schemas.microsoft.com/office/drawing/2014/main" xmlns="" id="{260303AE-5F82-432A-AFE1-96F738EBE501}"/>
               </a:ext>
             </a:extLst>
           </p:cNvPr>
@@ -12850,7 +12852,7 @@
                 <a:gridCol w="1080000">
                   <a:extLst>
                     <a:ext uri="{9D8B030D-6E8A-4147-A177-3AD203B41FA5}">
-                      <a16:colId xmlns:a16="http://schemas.microsoft.com/office/drawing/2014/main" val="2051836303"/>
+                      <a16:colId xmlns:a16="http://schemas.microsoft.com/office/drawing/2014/main" xmlns="" val="2051836303"/>
                     </a:ext>
                   </a:extLst>
                 </a:gridCol>
@@ -12921,7 +12923,7 @@
                 </a:tc>
                 <a:extLst>
                   <a:ext uri="{0D108BD9-81ED-4DB2-BD59-A6C34878D82A}">
-                    <a16:rowId xmlns:a16="http://schemas.microsoft.com/office/drawing/2014/main" val="3210536480"/>
+                    <a16:rowId xmlns:a16="http://schemas.microsoft.com/office/drawing/2014/main" xmlns="" val="3210536480"/>
                   </a:ext>
                 </a:extLst>
               </a:tr>
@@ -12991,7 +12993,7 @@
                 </a:tc>
                 <a:extLst>
                   <a:ext uri="{0D108BD9-81ED-4DB2-BD59-A6C34878D82A}">
-                    <a16:rowId xmlns:a16="http://schemas.microsoft.com/office/drawing/2014/main" val="3036785839"/>
+                    <a16:rowId xmlns:a16="http://schemas.microsoft.com/office/drawing/2014/main" xmlns="" val="3036785839"/>
                   </a:ext>
                 </a:extLst>
               </a:tr>
@@ -13061,7 +13063,7 @@
                 </a:tc>
                 <a:extLst>
                   <a:ext uri="{0D108BD9-81ED-4DB2-BD59-A6C34878D82A}">
-                    <a16:rowId xmlns:a16="http://schemas.microsoft.com/office/drawing/2014/main" val="2075722758"/>
+                    <a16:rowId xmlns:a16="http://schemas.microsoft.com/office/drawing/2014/main" xmlns="" val="2075722758"/>
                   </a:ext>
                 </a:extLst>
               </a:tr>
@@ -13074,7 +13076,7 @@
           <p:cNvPr id="7" name="표 6">
             <a:extLst>
               <a:ext uri="{FF2B5EF4-FFF2-40B4-BE49-F238E27FC236}">
-                <a16:creationId xmlns:a16="http://schemas.microsoft.com/office/drawing/2014/main" id="{260303AE-5F82-432A-AFE1-96F738EBE501}"/>
+                <a16:creationId xmlns:a16="http://schemas.microsoft.com/office/drawing/2014/main" xmlns="" id="{260303AE-5F82-432A-AFE1-96F738EBE501}"/>
               </a:ext>
             </a:extLst>
           </p:cNvPr>
@@ -13103,7 +13105,7 @@
                 <a:gridCol w="1080000">
                   <a:extLst>
                     <a:ext uri="{9D8B030D-6E8A-4147-A177-3AD203B41FA5}">
-                      <a16:colId xmlns:a16="http://schemas.microsoft.com/office/drawing/2014/main" val="2051836303"/>
+                      <a16:colId xmlns:a16="http://schemas.microsoft.com/office/drawing/2014/main" xmlns="" val="2051836303"/>
                     </a:ext>
                   </a:extLst>
                 </a:gridCol>
@@ -13174,7 +13176,7 @@
                 </a:tc>
                 <a:extLst>
                   <a:ext uri="{0D108BD9-81ED-4DB2-BD59-A6C34878D82A}">
-                    <a16:rowId xmlns:a16="http://schemas.microsoft.com/office/drawing/2014/main" val="3036785839"/>
+                    <a16:rowId xmlns:a16="http://schemas.microsoft.com/office/drawing/2014/main" xmlns="" val="3036785839"/>
                   </a:ext>
                 </a:extLst>
               </a:tr>
@@ -13244,7 +13246,7 @@
                 </a:tc>
                 <a:extLst>
                   <a:ext uri="{0D108BD9-81ED-4DB2-BD59-A6C34878D82A}">
-                    <a16:rowId xmlns:a16="http://schemas.microsoft.com/office/drawing/2014/main" val="2075722758"/>
+                    <a16:rowId xmlns:a16="http://schemas.microsoft.com/office/drawing/2014/main" xmlns="" val="2075722758"/>
                   </a:ext>
                 </a:extLst>
               </a:tr>
@@ -13257,7 +13259,7 @@
           <p:cNvPr id="8" name="표 7">
             <a:extLst>
               <a:ext uri="{FF2B5EF4-FFF2-40B4-BE49-F238E27FC236}">
-                <a16:creationId xmlns:a16="http://schemas.microsoft.com/office/drawing/2014/main" id="{260303AE-5F82-432A-AFE1-96F738EBE501}"/>
+                <a16:creationId xmlns:a16="http://schemas.microsoft.com/office/drawing/2014/main" xmlns="" id="{260303AE-5F82-432A-AFE1-96F738EBE501}"/>
               </a:ext>
             </a:extLst>
           </p:cNvPr>
@@ -13286,7 +13288,7 @@
                 <a:gridCol w="1080000">
                   <a:extLst>
                     <a:ext uri="{9D8B030D-6E8A-4147-A177-3AD203B41FA5}">
-                      <a16:colId xmlns:a16="http://schemas.microsoft.com/office/drawing/2014/main" val="2051836303"/>
+                      <a16:colId xmlns:a16="http://schemas.microsoft.com/office/drawing/2014/main" xmlns="" val="2051836303"/>
                     </a:ext>
                   </a:extLst>
                 </a:gridCol>
@@ -13357,7 +13359,7 @@
                 </a:tc>
                 <a:extLst>
                   <a:ext uri="{0D108BD9-81ED-4DB2-BD59-A6C34878D82A}">
-                    <a16:rowId xmlns:a16="http://schemas.microsoft.com/office/drawing/2014/main" val="3210536480"/>
+                    <a16:rowId xmlns:a16="http://schemas.microsoft.com/office/drawing/2014/main" xmlns="" val="3210536480"/>
                   </a:ext>
                 </a:extLst>
               </a:tr>
@@ -13427,7 +13429,7 @@
                 </a:tc>
                 <a:extLst>
                   <a:ext uri="{0D108BD9-81ED-4DB2-BD59-A6C34878D82A}">
-                    <a16:rowId xmlns:a16="http://schemas.microsoft.com/office/drawing/2014/main" val="3036785839"/>
+                    <a16:rowId xmlns:a16="http://schemas.microsoft.com/office/drawing/2014/main" xmlns="" val="3036785839"/>
                   </a:ext>
                 </a:extLst>
               </a:tr>
@@ -13497,7 +13499,7 @@
                 </a:tc>
                 <a:extLst>
                   <a:ext uri="{0D108BD9-81ED-4DB2-BD59-A6C34878D82A}">
-                    <a16:rowId xmlns:a16="http://schemas.microsoft.com/office/drawing/2014/main" val="2075722758"/>
+                    <a16:rowId xmlns:a16="http://schemas.microsoft.com/office/drawing/2014/main" xmlns="" val="2075722758"/>
                   </a:ext>
                 </a:extLst>
               </a:tr>
@@ -13695,7 +13697,7 @@
           <p:cNvPr id="8" name="표 5">
             <a:extLst>
               <a:ext uri="{FF2B5EF4-FFF2-40B4-BE49-F238E27FC236}">
-                <a16:creationId xmlns:a16="http://schemas.microsoft.com/office/drawing/2014/main" id="{15D5CCAF-CAB6-493C-9A85-2676F48690AF}"/>
+                <a16:creationId xmlns:a16="http://schemas.microsoft.com/office/drawing/2014/main" xmlns="" id="{15D5CCAF-CAB6-493C-9A85-2676F48690AF}"/>
               </a:ext>
             </a:extLst>
           </p:cNvPr>
@@ -13724,49 +13726,49 @@
                 <a:gridCol w="550521">
                   <a:extLst>
                     <a:ext uri="{9D8B030D-6E8A-4147-A177-3AD203B41FA5}">
-                      <a16:colId xmlns:a16="http://schemas.microsoft.com/office/drawing/2014/main" val="422949941"/>
+                      <a16:colId xmlns:a16="http://schemas.microsoft.com/office/drawing/2014/main" xmlns="" val="422949941"/>
                     </a:ext>
                   </a:extLst>
                 </a:gridCol>
                 <a:gridCol w="550521">
                   <a:extLst>
                     <a:ext uri="{9D8B030D-6E8A-4147-A177-3AD203B41FA5}">
-                      <a16:colId xmlns:a16="http://schemas.microsoft.com/office/drawing/2014/main" val="1888211109"/>
+                      <a16:colId xmlns:a16="http://schemas.microsoft.com/office/drawing/2014/main" xmlns="" val="1888211109"/>
                     </a:ext>
                   </a:extLst>
                 </a:gridCol>
                 <a:gridCol w="550521">
                   <a:extLst>
                     <a:ext uri="{9D8B030D-6E8A-4147-A177-3AD203B41FA5}">
-                      <a16:colId xmlns:a16="http://schemas.microsoft.com/office/drawing/2014/main" val="3675358557"/>
+                      <a16:colId xmlns:a16="http://schemas.microsoft.com/office/drawing/2014/main" xmlns="" val="3675358557"/>
                     </a:ext>
                   </a:extLst>
                 </a:gridCol>
                 <a:gridCol w="550521">
                   <a:extLst>
                     <a:ext uri="{9D8B030D-6E8A-4147-A177-3AD203B41FA5}">
-                      <a16:colId xmlns:a16="http://schemas.microsoft.com/office/drawing/2014/main" val="2341215234"/>
+                      <a16:colId xmlns:a16="http://schemas.microsoft.com/office/drawing/2014/main" xmlns="" val="2341215234"/>
                     </a:ext>
                   </a:extLst>
                 </a:gridCol>
                 <a:gridCol w="550521">
                   <a:extLst>
                     <a:ext uri="{9D8B030D-6E8A-4147-A177-3AD203B41FA5}">
-                      <a16:colId xmlns:a16="http://schemas.microsoft.com/office/drawing/2014/main" val="3718261339"/>
+                      <a16:colId xmlns:a16="http://schemas.microsoft.com/office/drawing/2014/main" xmlns="" val="3718261339"/>
                     </a:ext>
                   </a:extLst>
                 </a:gridCol>
                 <a:gridCol w="550521">
                   <a:extLst>
                     <a:ext uri="{9D8B030D-6E8A-4147-A177-3AD203B41FA5}">
-                      <a16:colId xmlns:a16="http://schemas.microsoft.com/office/drawing/2014/main" val="4106026957"/>
+                      <a16:colId xmlns:a16="http://schemas.microsoft.com/office/drawing/2014/main" xmlns="" val="4106026957"/>
                     </a:ext>
                   </a:extLst>
                 </a:gridCol>
                 <a:gridCol w="550521">
                   <a:extLst>
                     <a:ext uri="{9D8B030D-6E8A-4147-A177-3AD203B41FA5}">
-                      <a16:colId xmlns:a16="http://schemas.microsoft.com/office/drawing/2014/main" val="2810815576"/>
+                      <a16:colId xmlns:a16="http://schemas.microsoft.com/office/drawing/2014/main" xmlns="" val="2810815576"/>
                     </a:ext>
                   </a:extLst>
                 </a:gridCol>
@@ -14215,7 +14217,7 @@
                 </a:tc>
                 <a:extLst>
                   <a:ext uri="{0D108BD9-81ED-4DB2-BD59-A6C34878D82A}">
-                    <a16:rowId xmlns:a16="http://schemas.microsoft.com/office/drawing/2014/main" val="2318367764"/>
+                    <a16:rowId xmlns:a16="http://schemas.microsoft.com/office/drawing/2014/main" xmlns="" val="2318367764"/>
                   </a:ext>
                 </a:extLst>
               </a:tr>
@@ -14228,7 +14230,7 @@
           <p:cNvPr id="9" name="표 5">
             <a:extLst>
               <a:ext uri="{FF2B5EF4-FFF2-40B4-BE49-F238E27FC236}">
-                <a16:creationId xmlns:a16="http://schemas.microsoft.com/office/drawing/2014/main" id="{15D5CCAF-CAB6-493C-9A85-2676F48690AF}"/>
+                <a16:creationId xmlns:a16="http://schemas.microsoft.com/office/drawing/2014/main" xmlns="" id="{15D5CCAF-CAB6-493C-9A85-2676F48690AF}"/>
               </a:ext>
             </a:extLst>
           </p:cNvPr>
@@ -14257,49 +14259,49 @@
                 <a:gridCol w="550521">
                   <a:extLst>
                     <a:ext uri="{9D8B030D-6E8A-4147-A177-3AD203B41FA5}">
-                      <a16:colId xmlns:a16="http://schemas.microsoft.com/office/drawing/2014/main" val="422949941"/>
+                      <a16:colId xmlns:a16="http://schemas.microsoft.com/office/drawing/2014/main" xmlns="" val="422949941"/>
                     </a:ext>
                   </a:extLst>
                 </a:gridCol>
                 <a:gridCol w="550521">
                   <a:extLst>
                     <a:ext uri="{9D8B030D-6E8A-4147-A177-3AD203B41FA5}">
-                      <a16:colId xmlns:a16="http://schemas.microsoft.com/office/drawing/2014/main" val="1888211109"/>
+                      <a16:colId xmlns:a16="http://schemas.microsoft.com/office/drawing/2014/main" xmlns="" val="1888211109"/>
                     </a:ext>
                   </a:extLst>
                 </a:gridCol>
                 <a:gridCol w="550521">
                   <a:extLst>
                     <a:ext uri="{9D8B030D-6E8A-4147-A177-3AD203B41FA5}">
-                      <a16:colId xmlns:a16="http://schemas.microsoft.com/office/drawing/2014/main" val="3675358557"/>
+                      <a16:colId xmlns:a16="http://schemas.microsoft.com/office/drawing/2014/main" xmlns="" val="3675358557"/>
                     </a:ext>
                   </a:extLst>
                 </a:gridCol>
                 <a:gridCol w="550521">
                   <a:extLst>
                     <a:ext uri="{9D8B030D-6E8A-4147-A177-3AD203B41FA5}">
-                      <a16:colId xmlns:a16="http://schemas.microsoft.com/office/drawing/2014/main" val="2341215234"/>
+                      <a16:colId xmlns:a16="http://schemas.microsoft.com/office/drawing/2014/main" xmlns="" val="2341215234"/>
                     </a:ext>
                   </a:extLst>
                 </a:gridCol>
                 <a:gridCol w="550521">
                   <a:extLst>
                     <a:ext uri="{9D8B030D-6E8A-4147-A177-3AD203B41FA5}">
-                      <a16:colId xmlns:a16="http://schemas.microsoft.com/office/drawing/2014/main" val="3718261339"/>
+                      <a16:colId xmlns:a16="http://schemas.microsoft.com/office/drawing/2014/main" xmlns="" val="3718261339"/>
                     </a:ext>
                   </a:extLst>
                 </a:gridCol>
                 <a:gridCol w="550521">
                   <a:extLst>
                     <a:ext uri="{9D8B030D-6E8A-4147-A177-3AD203B41FA5}">
-                      <a16:colId xmlns:a16="http://schemas.microsoft.com/office/drawing/2014/main" val="4106026957"/>
+                      <a16:colId xmlns:a16="http://schemas.microsoft.com/office/drawing/2014/main" xmlns="" val="4106026957"/>
                     </a:ext>
                   </a:extLst>
                 </a:gridCol>
                 <a:gridCol w="550521">
                   <a:extLst>
                     <a:ext uri="{9D8B030D-6E8A-4147-A177-3AD203B41FA5}">
-                      <a16:colId xmlns:a16="http://schemas.microsoft.com/office/drawing/2014/main" val="2810815576"/>
+                      <a16:colId xmlns:a16="http://schemas.microsoft.com/office/drawing/2014/main" xmlns="" val="2810815576"/>
                     </a:ext>
                   </a:extLst>
                 </a:gridCol>
@@ -14748,7 +14750,7 @@
                 </a:tc>
                 <a:extLst>
                   <a:ext uri="{0D108BD9-81ED-4DB2-BD59-A6C34878D82A}">
-                    <a16:rowId xmlns:a16="http://schemas.microsoft.com/office/drawing/2014/main" val="2318367764"/>
+                    <a16:rowId xmlns:a16="http://schemas.microsoft.com/office/drawing/2014/main" xmlns="" val="2318367764"/>
                   </a:ext>
                 </a:extLst>
               </a:tr>
@@ -14761,7 +14763,7 @@
           <p:cNvPr id="10" name="표 5">
             <a:extLst>
               <a:ext uri="{FF2B5EF4-FFF2-40B4-BE49-F238E27FC236}">
-                <a16:creationId xmlns:a16="http://schemas.microsoft.com/office/drawing/2014/main" id="{15D5CCAF-CAB6-493C-9A85-2676F48690AF}"/>
+                <a16:creationId xmlns:a16="http://schemas.microsoft.com/office/drawing/2014/main" xmlns="" id="{15D5CCAF-CAB6-493C-9A85-2676F48690AF}"/>
               </a:ext>
             </a:extLst>
           </p:cNvPr>
@@ -14790,49 +14792,49 @@
                 <a:gridCol w="550521">
                   <a:extLst>
                     <a:ext uri="{9D8B030D-6E8A-4147-A177-3AD203B41FA5}">
-                      <a16:colId xmlns:a16="http://schemas.microsoft.com/office/drawing/2014/main" val="422949941"/>
+                      <a16:colId xmlns:a16="http://schemas.microsoft.com/office/drawing/2014/main" xmlns="" val="422949941"/>
                     </a:ext>
                   </a:extLst>
                 </a:gridCol>
                 <a:gridCol w="550521">
                   <a:extLst>
                     <a:ext uri="{9D8B030D-6E8A-4147-A177-3AD203B41FA5}">
-                      <a16:colId xmlns:a16="http://schemas.microsoft.com/office/drawing/2014/main" val="1888211109"/>
+                      <a16:colId xmlns:a16="http://schemas.microsoft.com/office/drawing/2014/main" xmlns="" val="1888211109"/>
                     </a:ext>
                   </a:extLst>
                 </a:gridCol>
                 <a:gridCol w="550521">
                   <a:extLst>
                     <a:ext uri="{9D8B030D-6E8A-4147-A177-3AD203B41FA5}">
-                      <a16:colId xmlns:a16="http://schemas.microsoft.com/office/drawing/2014/main" val="3675358557"/>
+                      <a16:colId xmlns:a16="http://schemas.microsoft.com/office/drawing/2014/main" xmlns="" val="3675358557"/>
                     </a:ext>
                   </a:extLst>
                 </a:gridCol>
                 <a:gridCol w="550521">
                   <a:extLst>
                     <a:ext uri="{9D8B030D-6E8A-4147-A177-3AD203B41FA5}">
-                      <a16:colId xmlns:a16="http://schemas.microsoft.com/office/drawing/2014/main" val="2341215234"/>
+                      <a16:colId xmlns:a16="http://schemas.microsoft.com/office/drawing/2014/main" xmlns="" val="2341215234"/>
                     </a:ext>
                   </a:extLst>
                 </a:gridCol>
                 <a:gridCol w="550521">
                   <a:extLst>
                     <a:ext uri="{9D8B030D-6E8A-4147-A177-3AD203B41FA5}">
-                      <a16:colId xmlns:a16="http://schemas.microsoft.com/office/drawing/2014/main" val="3718261339"/>
+                      <a16:colId xmlns:a16="http://schemas.microsoft.com/office/drawing/2014/main" xmlns="" val="3718261339"/>
                     </a:ext>
                   </a:extLst>
                 </a:gridCol>
                 <a:gridCol w="550521">
                   <a:extLst>
                     <a:ext uri="{9D8B030D-6E8A-4147-A177-3AD203B41FA5}">
-                      <a16:colId xmlns:a16="http://schemas.microsoft.com/office/drawing/2014/main" val="4106026957"/>
+                      <a16:colId xmlns:a16="http://schemas.microsoft.com/office/drawing/2014/main" xmlns="" val="4106026957"/>
                     </a:ext>
                   </a:extLst>
                 </a:gridCol>
                 <a:gridCol w="550521">
                   <a:extLst>
                     <a:ext uri="{9D8B030D-6E8A-4147-A177-3AD203B41FA5}">
-                      <a16:colId xmlns:a16="http://schemas.microsoft.com/office/drawing/2014/main" val="2810815576"/>
+                      <a16:colId xmlns:a16="http://schemas.microsoft.com/office/drawing/2014/main" xmlns="" val="2810815576"/>
                     </a:ext>
                   </a:extLst>
                 </a:gridCol>
@@ -15281,7 +15283,7 @@
                 </a:tc>
                 <a:extLst>
                   <a:ext uri="{0D108BD9-81ED-4DB2-BD59-A6C34878D82A}">
-                    <a16:rowId xmlns:a16="http://schemas.microsoft.com/office/drawing/2014/main" val="2318367764"/>
+                    <a16:rowId xmlns:a16="http://schemas.microsoft.com/office/drawing/2014/main" xmlns="" val="2318367764"/>
                   </a:ext>
                 </a:extLst>
               </a:tr>
@@ -15294,7 +15296,7 @@
           <p:cNvPr id="11" name="표 5">
             <a:extLst>
               <a:ext uri="{FF2B5EF4-FFF2-40B4-BE49-F238E27FC236}">
-                <a16:creationId xmlns:a16="http://schemas.microsoft.com/office/drawing/2014/main" id="{15D5CCAF-CAB6-493C-9A85-2676F48690AF}"/>
+                <a16:creationId xmlns:a16="http://schemas.microsoft.com/office/drawing/2014/main" xmlns="" id="{15D5CCAF-CAB6-493C-9A85-2676F48690AF}"/>
               </a:ext>
             </a:extLst>
           </p:cNvPr>
@@ -15323,49 +15325,49 @@
                 <a:gridCol w="550521">
                   <a:extLst>
                     <a:ext uri="{9D8B030D-6E8A-4147-A177-3AD203B41FA5}">
-                      <a16:colId xmlns:a16="http://schemas.microsoft.com/office/drawing/2014/main" val="422949941"/>
+                      <a16:colId xmlns:a16="http://schemas.microsoft.com/office/drawing/2014/main" xmlns="" val="422949941"/>
                     </a:ext>
                   </a:extLst>
                 </a:gridCol>
                 <a:gridCol w="550521">
                   <a:extLst>
                     <a:ext uri="{9D8B030D-6E8A-4147-A177-3AD203B41FA5}">
-                      <a16:colId xmlns:a16="http://schemas.microsoft.com/office/drawing/2014/main" val="1888211109"/>
+                      <a16:colId xmlns:a16="http://schemas.microsoft.com/office/drawing/2014/main" xmlns="" val="1888211109"/>
                     </a:ext>
                   </a:extLst>
                 </a:gridCol>
                 <a:gridCol w="550521">
                   <a:extLst>
                     <a:ext uri="{9D8B030D-6E8A-4147-A177-3AD203B41FA5}">
-                      <a16:colId xmlns:a16="http://schemas.microsoft.com/office/drawing/2014/main" val="3675358557"/>
+                      <a16:colId xmlns:a16="http://schemas.microsoft.com/office/drawing/2014/main" xmlns="" val="3675358557"/>
                     </a:ext>
                   </a:extLst>
                 </a:gridCol>
                 <a:gridCol w="550521">
                   <a:extLst>
                     <a:ext uri="{9D8B030D-6E8A-4147-A177-3AD203B41FA5}">
-                      <a16:colId xmlns:a16="http://schemas.microsoft.com/office/drawing/2014/main" val="2341215234"/>
+                      <a16:colId xmlns:a16="http://schemas.microsoft.com/office/drawing/2014/main" xmlns="" val="2341215234"/>
                     </a:ext>
                   </a:extLst>
                 </a:gridCol>
                 <a:gridCol w="550521">
                   <a:extLst>
                     <a:ext uri="{9D8B030D-6E8A-4147-A177-3AD203B41FA5}">
-                      <a16:colId xmlns:a16="http://schemas.microsoft.com/office/drawing/2014/main" val="3718261339"/>
+                      <a16:colId xmlns:a16="http://schemas.microsoft.com/office/drawing/2014/main" xmlns="" val="3718261339"/>
                     </a:ext>
                   </a:extLst>
                 </a:gridCol>
                 <a:gridCol w="550521">
                   <a:extLst>
                     <a:ext uri="{9D8B030D-6E8A-4147-A177-3AD203B41FA5}">
-                      <a16:colId xmlns:a16="http://schemas.microsoft.com/office/drawing/2014/main" val="4106026957"/>
+                      <a16:colId xmlns:a16="http://schemas.microsoft.com/office/drawing/2014/main" xmlns="" val="4106026957"/>
                     </a:ext>
                   </a:extLst>
                 </a:gridCol>
                 <a:gridCol w="550521">
                   <a:extLst>
                     <a:ext uri="{9D8B030D-6E8A-4147-A177-3AD203B41FA5}">
-                      <a16:colId xmlns:a16="http://schemas.microsoft.com/office/drawing/2014/main" val="2810815576"/>
+                      <a16:colId xmlns:a16="http://schemas.microsoft.com/office/drawing/2014/main" xmlns="" val="2810815576"/>
                     </a:ext>
                   </a:extLst>
                 </a:gridCol>
@@ -15814,7 +15816,7 @@
                 </a:tc>
                 <a:extLst>
                   <a:ext uri="{0D108BD9-81ED-4DB2-BD59-A6C34878D82A}">
-                    <a16:rowId xmlns:a16="http://schemas.microsoft.com/office/drawing/2014/main" val="2318367764"/>
+                    <a16:rowId xmlns:a16="http://schemas.microsoft.com/office/drawing/2014/main" xmlns="" val="2318367764"/>
                   </a:ext>
                 </a:extLst>
               </a:tr>
@@ -15827,7 +15829,7 @@
           <p:cNvPr id="4" name="표 5">
             <a:extLst>
               <a:ext uri="{FF2B5EF4-FFF2-40B4-BE49-F238E27FC236}">
-                <a16:creationId xmlns:a16="http://schemas.microsoft.com/office/drawing/2014/main" id="{15D5CCAF-CAB6-493C-9A85-2676F48690AF}"/>
+                <a16:creationId xmlns:a16="http://schemas.microsoft.com/office/drawing/2014/main" xmlns="" id="{15D5CCAF-CAB6-493C-9A85-2676F48690AF}"/>
               </a:ext>
             </a:extLst>
           </p:cNvPr>
@@ -15856,49 +15858,49 @@
                 <a:gridCol w="550521">
                   <a:extLst>
                     <a:ext uri="{9D8B030D-6E8A-4147-A177-3AD203B41FA5}">
-                      <a16:colId xmlns:a16="http://schemas.microsoft.com/office/drawing/2014/main" val="422949941"/>
+                      <a16:colId xmlns:a16="http://schemas.microsoft.com/office/drawing/2014/main" xmlns="" val="422949941"/>
                     </a:ext>
                   </a:extLst>
                 </a:gridCol>
                 <a:gridCol w="550521">
                   <a:extLst>
                     <a:ext uri="{9D8B030D-6E8A-4147-A177-3AD203B41FA5}">
-                      <a16:colId xmlns:a16="http://schemas.microsoft.com/office/drawing/2014/main" val="1888211109"/>
+                      <a16:colId xmlns:a16="http://schemas.microsoft.com/office/drawing/2014/main" xmlns="" val="1888211109"/>
                     </a:ext>
                   </a:extLst>
                 </a:gridCol>
                 <a:gridCol w="550521">
                   <a:extLst>
                     <a:ext uri="{9D8B030D-6E8A-4147-A177-3AD203B41FA5}">
-                      <a16:colId xmlns:a16="http://schemas.microsoft.com/office/drawing/2014/main" val="3675358557"/>
+                      <a16:colId xmlns:a16="http://schemas.microsoft.com/office/drawing/2014/main" xmlns="" val="3675358557"/>
                     </a:ext>
                   </a:extLst>
                 </a:gridCol>
                 <a:gridCol w="550521">
                   <a:extLst>
                     <a:ext uri="{9D8B030D-6E8A-4147-A177-3AD203B41FA5}">
-                      <a16:colId xmlns:a16="http://schemas.microsoft.com/office/drawing/2014/main" val="2341215234"/>
+                      <a16:colId xmlns:a16="http://schemas.microsoft.com/office/drawing/2014/main" xmlns="" val="2341215234"/>
                     </a:ext>
                   </a:extLst>
                 </a:gridCol>
                 <a:gridCol w="550521">
                   <a:extLst>
                     <a:ext uri="{9D8B030D-6E8A-4147-A177-3AD203B41FA5}">
-                      <a16:colId xmlns:a16="http://schemas.microsoft.com/office/drawing/2014/main" val="3718261339"/>
+                      <a16:colId xmlns:a16="http://schemas.microsoft.com/office/drawing/2014/main" xmlns="" val="3718261339"/>
                     </a:ext>
                   </a:extLst>
                 </a:gridCol>
                 <a:gridCol w="550521">
                   <a:extLst>
                     <a:ext uri="{9D8B030D-6E8A-4147-A177-3AD203B41FA5}">
-                      <a16:colId xmlns:a16="http://schemas.microsoft.com/office/drawing/2014/main" val="4106026957"/>
+                      <a16:colId xmlns:a16="http://schemas.microsoft.com/office/drawing/2014/main" xmlns="" val="4106026957"/>
                     </a:ext>
                   </a:extLst>
                 </a:gridCol>
                 <a:gridCol w="550521">
                   <a:extLst>
                     <a:ext uri="{9D8B030D-6E8A-4147-A177-3AD203B41FA5}">
-                      <a16:colId xmlns:a16="http://schemas.microsoft.com/office/drawing/2014/main" val="2810815576"/>
+                      <a16:colId xmlns:a16="http://schemas.microsoft.com/office/drawing/2014/main" xmlns="" val="2810815576"/>
                     </a:ext>
                   </a:extLst>
                 </a:gridCol>
@@ -16291,7 +16293,7 @@
                 </a:tc>
                 <a:extLst>
                   <a:ext uri="{0D108BD9-81ED-4DB2-BD59-A6C34878D82A}">
-                    <a16:rowId xmlns:a16="http://schemas.microsoft.com/office/drawing/2014/main" val="2318367764"/>
+                    <a16:rowId xmlns:a16="http://schemas.microsoft.com/office/drawing/2014/main" xmlns="" val="2318367764"/>
                   </a:ext>
                 </a:extLst>
               </a:tr>
@@ -16304,7 +16306,7 @@
           <p:cNvPr id="5" name="표 5">
             <a:extLst>
               <a:ext uri="{FF2B5EF4-FFF2-40B4-BE49-F238E27FC236}">
-                <a16:creationId xmlns:a16="http://schemas.microsoft.com/office/drawing/2014/main" id="{15D5CCAF-CAB6-493C-9A85-2676F48690AF}"/>
+                <a16:creationId xmlns:a16="http://schemas.microsoft.com/office/drawing/2014/main" xmlns="" id="{15D5CCAF-CAB6-493C-9A85-2676F48690AF}"/>
               </a:ext>
             </a:extLst>
           </p:cNvPr>
@@ -16333,49 +16335,49 @@
                 <a:gridCol w="550521">
                   <a:extLst>
                     <a:ext uri="{9D8B030D-6E8A-4147-A177-3AD203B41FA5}">
-                      <a16:colId xmlns:a16="http://schemas.microsoft.com/office/drawing/2014/main" val="422949941"/>
+                      <a16:colId xmlns:a16="http://schemas.microsoft.com/office/drawing/2014/main" xmlns="" val="422949941"/>
                     </a:ext>
                   </a:extLst>
                 </a:gridCol>
                 <a:gridCol w="550521">
                   <a:extLst>
                     <a:ext uri="{9D8B030D-6E8A-4147-A177-3AD203B41FA5}">
-                      <a16:colId xmlns:a16="http://schemas.microsoft.com/office/drawing/2014/main" val="1888211109"/>
+                      <a16:colId xmlns:a16="http://schemas.microsoft.com/office/drawing/2014/main" xmlns="" val="1888211109"/>
                     </a:ext>
                   </a:extLst>
                 </a:gridCol>
                 <a:gridCol w="550521">
                   <a:extLst>
                     <a:ext uri="{9D8B030D-6E8A-4147-A177-3AD203B41FA5}">
-                      <a16:colId xmlns:a16="http://schemas.microsoft.com/office/drawing/2014/main" val="3675358557"/>
+                      <a16:colId xmlns:a16="http://schemas.microsoft.com/office/drawing/2014/main" xmlns="" val="3675358557"/>
                     </a:ext>
                   </a:extLst>
                 </a:gridCol>
                 <a:gridCol w="550521">
                   <a:extLst>
                     <a:ext uri="{9D8B030D-6E8A-4147-A177-3AD203B41FA5}">
-                      <a16:colId xmlns:a16="http://schemas.microsoft.com/office/drawing/2014/main" val="2341215234"/>
+                      <a16:colId xmlns:a16="http://schemas.microsoft.com/office/drawing/2014/main" xmlns="" val="2341215234"/>
                     </a:ext>
                   </a:extLst>
                 </a:gridCol>
                 <a:gridCol w="550521">
                   <a:extLst>
                     <a:ext uri="{9D8B030D-6E8A-4147-A177-3AD203B41FA5}">
-                      <a16:colId xmlns:a16="http://schemas.microsoft.com/office/drawing/2014/main" val="3718261339"/>
+                      <a16:colId xmlns:a16="http://schemas.microsoft.com/office/drawing/2014/main" xmlns="" val="3718261339"/>
                     </a:ext>
                   </a:extLst>
                 </a:gridCol>
                 <a:gridCol w="550521">
                   <a:extLst>
                     <a:ext uri="{9D8B030D-6E8A-4147-A177-3AD203B41FA5}">
-                      <a16:colId xmlns:a16="http://schemas.microsoft.com/office/drawing/2014/main" val="4106026957"/>
+                      <a16:colId xmlns:a16="http://schemas.microsoft.com/office/drawing/2014/main" xmlns="" val="4106026957"/>
                     </a:ext>
                   </a:extLst>
                 </a:gridCol>
                 <a:gridCol w="550521">
                   <a:extLst>
                     <a:ext uri="{9D8B030D-6E8A-4147-A177-3AD203B41FA5}">
-                      <a16:colId xmlns:a16="http://schemas.microsoft.com/office/drawing/2014/main" val="2810815576"/>
+                      <a16:colId xmlns:a16="http://schemas.microsoft.com/office/drawing/2014/main" xmlns="" val="2810815576"/>
                     </a:ext>
                   </a:extLst>
                 </a:gridCol>
@@ -16792,7 +16794,7 @@
                 </a:tc>
                 <a:extLst>
                   <a:ext uri="{0D108BD9-81ED-4DB2-BD59-A6C34878D82A}">
-                    <a16:rowId xmlns:a16="http://schemas.microsoft.com/office/drawing/2014/main" val="2318367764"/>
+                    <a16:rowId xmlns:a16="http://schemas.microsoft.com/office/drawing/2014/main" xmlns="" val="2318367764"/>
                   </a:ext>
                 </a:extLst>
               </a:tr>
@@ -16805,7 +16807,7 @@
           <p:cNvPr id="6" name="표 5">
             <a:extLst>
               <a:ext uri="{FF2B5EF4-FFF2-40B4-BE49-F238E27FC236}">
-                <a16:creationId xmlns:a16="http://schemas.microsoft.com/office/drawing/2014/main" id="{15D5CCAF-CAB6-493C-9A85-2676F48690AF}"/>
+                <a16:creationId xmlns:a16="http://schemas.microsoft.com/office/drawing/2014/main" xmlns="" id="{15D5CCAF-CAB6-493C-9A85-2676F48690AF}"/>
               </a:ext>
             </a:extLst>
           </p:cNvPr>
@@ -16834,49 +16836,49 @@
                 <a:gridCol w="550521">
                   <a:extLst>
                     <a:ext uri="{9D8B030D-6E8A-4147-A177-3AD203B41FA5}">
-                      <a16:colId xmlns:a16="http://schemas.microsoft.com/office/drawing/2014/main" val="422949941"/>
+                      <a16:colId xmlns:a16="http://schemas.microsoft.com/office/drawing/2014/main" xmlns="" val="422949941"/>
                     </a:ext>
                   </a:extLst>
                 </a:gridCol>
                 <a:gridCol w="550521">
                   <a:extLst>
                     <a:ext uri="{9D8B030D-6E8A-4147-A177-3AD203B41FA5}">
-                      <a16:colId xmlns:a16="http://schemas.microsoft.com/office/drawing/2014/main" val="1888211109"/>
+                      <a16:colId xmlns:a16="http://schemas.microsoft.com/office/drawing/2014/main" xmlns="" val="1888211109"/>
                     </a:ext>
                   </a:extLst>
                 </a:gridCol>
                 <a:gridCol w="550521">
                   <a:extLst>
                     <a:ext uri="{9D8B030D-6E8A-4147-A177-3AD203B41FA5}">
-                      <a16:colId xmlns:a16="http://schemas.microsoft.com/office/drawing/2014/main" val="3675358557"/>
+                      <a16:colId xmlns:a16="http://schemas.microsoft.com/office/drawing/2014/main" xmlns="" val="3675358557"/>
                     </a:ext>
                   </a:extLst>
                 </a:gridCol>
                 <a:gridCol w="550521">
                   <a:extLst>
                     <a:ext uri="{9D8B030D-6E8A-4147-A177-3AD203B41FA5}">
-                      <a16:colId xmlns:a16="http://schemas.microsoft.com/office/drawing/2014/main" val="2341215234"/>
+                      <a16:colId xmlns:a16="http://schemas.microsoft.com/office/drawing/2014/main" xmlns="" val="2341215234"/>
                     </a:ext>
                   </a:extLst>
                 </a:gridCol>
                 <a:gridCol w="550521">
                   <a:extLst>
                     <a:ext uri="{9D8B030D-6E8A-4147-A177-3AD203B41FA5}">
-                      <a16:colId xmlns:a16="http://schemas.microsoft.com/office/drawing/2014/main" val="3718261339"/>
+                      <a16:colId xmlns:a16="http://schemas.microsoft.com/office/drawing/2014/main" xmlns="" val="3718261339"/>
                     </a:ext>
                   </a:extLst>
                 </a:gridCol>
                 <a:gridCol w="550521">
                   <a:extLst>
                     <a:ext uri="{9D8B030D-6E8A-4147-A177-3AD203B41FA5}">
-                      <a16:colId xmlns:a16="http://schemas.microsoft.com/office/drawing/2014/main" val="4106026957"/>
+                      <a16:colId xmlns:a16="http://schemas.microsoft.com/office/drawing/2014/main" xmlns="" val="4106026957"/>
                     </a:ext>
                   </a:extLst>
                 </a:gridCol>
                 <a:gridCol w="550521">
                   <a:extLst>
                     <a:ext uri="{9D8B030D-6E8A-4147-A177-3AD203B41FA5}">
-                      <a16:colId xmlns:a16="http://schemas.microsoft.com/office/drawing/2014/main" val="2810815576"/>
+                      <a16:colId xmlns:a16="http://schemas.microsoft.com/office/drawing/2014/main" xmlns="" val="2810815576"/>
                     </a:ext>
                   </a:extLst>
                 </a:gridCol>
@@ -17293,7 +17295,7 @@
                 </a:tc>
                 <a:extLst>
                   <a:ext uri="{0D108BD9-81ED-4DB2-BD59-A6C34878D82A}">
-                    <a16:rowId xmlns:a16="http://schemas.microsoft.com/office/drawing/2014/main" val="2318367764"/>
+                    <a16:rowId xmlns:a16="http://schemas.microsoft.com/office/drawing/2014/main" xmlns="" val="2318367764"/>
                   </a:ext>
                 </a:extLst>
               </a:tr>
@@ -17306,7 +17308,7 @@
           <p:cNvPr id="7" name="표 5">
             <a:extLst>
               <a:ext uri="{FF2B5EF4-FFF2-40B4-BE49-F238E27FC236}">
-                <a16:creationId xmlns:a16="http://schemas.microsoft.com/office/drawing/2014/main" id="{15D5CCAF-CAB6-493C-9A85-2676F48690AF}"/>
+                <a16:creationId xmlns:a16="http://schemas.microsoft.com/office/drawing/2014/main" xmlns="" id="{15D5CCAF-CAB6-493C-9A85-2676F48690AF}"/>
               </a:ext>
             </a:extLst>
           </p:cNvPr>
@@ -17335,49 +17337,49 @@
                 <a:gridCol w="550521">
                   <a:extLst>
                     <a:ext uri="{9D8B030D-6E8A-4147-A177-3AD203B41FA5}">
-                      <a16:colId xmlns:a16="http://schemas.microsoft.com/office/drawing/2014/main" val="422949941"/>
+                      <a16:colId xmlns:a16="http://schemas.microsoft.com/office/drawing/2014/main" xmlns="" val="422949941"/>
                     </a:ext>
                   </a:extLst>
                 </a:gridCol>
                 <a:gridCol w="550521">
                   <a:extLst>
                     <a:ext uri="{9D8B030D-6E8A-4147-A177-3AD203B41FA5}">
-                      <a16:colId xmlns:a16="http://schemas.microsoft.com/office/drawing/2014/main" val="1888211109"/>
+                      <a16:colId xmlns:a16="http://schemas.microsoft.com/office/drawing/2014/main" xmlns="" val="1888211109"/>
                     </a:ext>
                   </a:extLst>
                 </a:gridCol>
                 <a:gridCol w="550521">
                   <a:extLst>
                     <a:ext uri="{9D8B030D-6E8A-4147-A177-3AD203B41FA5}">
-                      <a16:colId xmlns:a16="http://schemas.microsoft.com/office/drawing/2014/main" val="3675358557"/>
+                      <a16:colId xmlns:a16="http://schemas.microsoft.com/office/drawing/2014/main" xmlns="" val="3675358557"/>
                     </a:ext>
                   </a:extLst>
                 </a:gridCol>
                 <a:gridCol w="550521">
                   <a:extLst>
                     <a:ext uri="{9D8B030D-6E8A-4147-A177-3AD203B41FA5}">
-                      <a16:colId xmlns:a16="http://schemas.microsoft.com/office/drawing/2014/main" val="2341215234"/>
+                      <a16:colId xmlns:a16="http://schemas.microsoft.com/office/drawing/2014/main" xmlns="" val="2341215234"/>
                     </a:ext>
                   </a:extLst>
                 </a:gridCol>
                 <a:gridCol w="550521">
                   <a:extLst>
                     <a:ext uri="{9D8B030D-6E8A-4147-A177-3AD203B41FA5}">
-                      <a16:colId xmlns:a16="http://schemas.microsoft.com/office/drawing/2014/main" val="3718261339"/>
+                      <a16:colId xmlns:a16="http://schemas.microsoft.com/office/drawing/2014/main" xmlns="" val="3718261339"/>
                     </a:ext>
                   </a:extLst>
                 </a:gridCol>
                 <a:gridCol w="550521">
                   <a:extLst>
                     <a:ext uri="{9D8B030D-6E8A-4147-A177-3AD203B41FA5}">
-                      <a16:colId xmlns:a16="http://schemas.microsoft.com/office/drawing/2014/main" val="4106026957"/>
+                      <a16:colId xmlns:a16="http://schemas.microsoft.com/office/drawing/2014/main" xmlns="" val="4106026957"/>
                     </a:ext>
                   </a:extLst>
                 </a:gridCol>
                 <a:gridCol w="550521">
                   <a:extLst>
                     <a:ext uri="{9D8B030D-6E8A-4147-A177-3AD203B41FA5}">
-                      <a16:colId xmlns:a16="http://schemas.microsoft.com/office/drawing/2014/main" val="2810815576"/>
+                      <a16:colId xmlns:a16="http://schemas.microsoft.com/office/drawing/2014/main" xmlns="" val="2810815576"/>
                     </a:ext>
                   </a:extLst>
                 </a:gridCol>
@@ -17810,7 +17812,7 @@
                 </a:tc>
                 <a:extLst>
                   <a:ext uri="{0D108BD9-81ED-4DB2-BD59-A6C34878D82A}">
-                    <a16:rowId xmlns:a16="http://schemas.microsoft.com/office/drawing/2014/main" val="2318367764"/>
+                    <a16:rowId xmlns:a16="http://schemas.microsoft.com/office/drawing/2014/main" xmlns="" val="2318367764"/>
                   </a:ext>
                 </a:extLst>
               </a:tr>
@@ -21875,28 +21877,28 @@
                 <a:gridCol w="689223">
                   <a:extLst>
                     <a:ext uri="{9D8B030D-6E8A-4147-A177-3AD203B41FA5}">
-                      <a16:colId xmlns:a16="http://schemas.microsoft.com/office/drawing/2014/main" val="1151413589"/>
+                      <a16:colId xmlns:a16="http://schemas.microsoft.com/office/drawing/2014/main" xmlns="" val="1151413589"/>
                     </a:ext>
                   </a:extLst>
                 </a:gridCol>
                 <a:gridCol w="689223">
                   <a:extLst>
                     <a:ext uri="{9D8B030D-6E8A-4147-A177-3AD203B41FA5}">
-                      <a16:colId xmlns:a16="http://schemas.microsoft.com/office/drawing/2014/main" val="1361081966"/>
+                      <a16:colId xmlns:a16="http://schemas.microsoft.com/office/drawing/2014/main" xmlns="" val="1361081966"/>
                     </a:ext>
                   </a:extLst>
                 </a:gridCol>
                 <a:gridCol w="689223">
                   <a:extLst>
                     <a:ext uri="{9D8B030D-6E8A-4147-A177-3AD203B41FA5}">
-                      <a16:colId xmlns:a16="http://schemas.microsoft.com/office/drawing/2014/main" val="2051797336"/>
+                      <a16:colId xmlns:a16="http://schemas.microsoft.com/office/drawing/2014/main" xmlns="" val="2051797336"/>
                     </a:ext>
                   </a:extLst>
                 </a:gridCol>
                 <a:gridCol w="689223">
                   <a:extLst>
                     <a:ext uri="{9D8B030D-6E8A-4147-A177-3AD203B41FA5}">
-                      <a16:colId xmlns:a16="http://schemas.microsoft.com/office/drawing/2014/main" val="1204757378"/>
+                      <a16:colId xmlns:a16="http://schemas.microsoft.com/office/drawing/2014/main" xmlns="" val="1204757378"/>
                     </a:ext>
                   </a:extLst>
                 </a:gridCol>
@@ -22148,7 +22150,7 @@
                 </a:tc>
                 <a:extLst>
                   <a:ext uri="{0D108BD9-81ED-4DB2-BD59-A6C34878D82A}">
-                    <a16:rowId xmlns:a16="http://schemas.microsoft.com/office/drawing/2014/main" val="1233947439"/>
+                    <a16:rowId xmlns:a16="http://schemas.microsoft.com/office/drawing/2014/main" xmlns="" val="1233947439"/>
                   </a:ext>
                 </a:extLst>
               </a:tr>
@@ -22184,7 +22186,7 @@
                 <a:gridCol w="543779">
                   <a:extLst>
                     <a:ext uri="{9D8B030D-6E8A-4147-A177-3AD203B41FA5}">
-                      <a16:colId xmlns:a16="http://schemas.microsoft.com/office/drawing/2014/main" val="1797740742"/>
+                      <a16:colId xmlns:a16="http://schemas.microsoft.com/office/drawing/2014/main" xmlns="" val="1797740742"/>
                     </a:ext>
                   </a:extLst>
                 </a:gridCol>
@@ -22247,7 +22249,7 @@
                 </a:tc>
                 <a:extLst>
                   <a:ext uri="{0D108BD9-81ED-4DB2-BD59-A6C34878D82A}">
-                    <a16:rowId xmlns:a16="http://schemas.microsoft.com/office/drawing/2014/main" val="815333542"/>
+                    <a16:rowId xmlns:a16="http://schemas.microsoft.com/office/drawing/2014/main" xmlns="" val="815333542"/>
                   </a:ext>
                 </a:extLst>
               </a:tr>
@@ -22309,7 +22311,7 @@
                 </a:tc>
                 <a:extLst>
                   <a:ext uri="{0D108BD9-81ED-4DB2-BD59-A6C34878D82A}">
-                    <a16:rowId xmlns:a16="http://schemas.microsoft.com/office/drawing/2014/main" val="2622522162"/>
+                    <a16:rowId xmlns:a16="http://schemas.microsoft.com/office/drawing/2014/main" xmlns="" val="2622522162"/>
                   </a:ext>
                 </a:extLst>
               </a:tr>
@@ -22371,7 +22373,7 @@
                 </a:tc>
                 <a:extLst>
                   <a:ext uri="{0D108BD9-81ED-4DB2-BD59-A6C34878D82A}">
-                    <a16:rowId xmlns:a16="http://schemas.microsoft.com/office/drawing/2014/main" val="3848535946"/>
+                    <a16:rowId xmlns:a16="http://schemas.microsoft.com/office/drawing/2014/main" xmlns="" val="3848535946"/>
                   </a:ext>
                 </a:extLst>
               </a:tr>
@@ -22433,7 +22435,7 @@
                 </a:tc>
                 <a:extLst>
                   <a:ext uri="{0D108BD9-81ED-4DB2-BD59-A6C34878D82A}">
-                    <a16:rowId xmlns:a16="http://schemas.microsoft.com/office/drawing/2014/main" val="1797874248"/>
+                    <a16:rowId xmlns:a16="http://schemas.microsoft.com/office/drawing/2014/main" xmlns="" val="1797874248"/>
                   </a:ext>
                 </a:extLst>
               </a:tr>
@@ -22899,28 +22901,28 @@
                 <a:gridCol w="689223">
                   <a:extLst>
                     <a:ext uri="{9D8B030D-6E8A-4147-A177-3AD203B41FA5}">
-                      <a16:colId xmlns:a16="http://schemas.microsoft.com/office/drawing/2014/main" val="880660824"/>
+                      <a16:colId xmlns:a16="http://schemas.microsoft.com/office/drawing/2014/main" xmlns="" val="880660824"/>
                     </a:ext>
                   </a:extLst>
                 </a:gridCol>
                 <a:gridCol w="689223">
                   <a:extLst>
                     <a:ext uri="{9D8B030D-6E8A-4147-A177-3AD203B41FA5}">
-                      <a16:colId xmlns:a16="http://schemas.microsoft.com/office/drawing/2014/main" val="4183728883"/>
+                      <a16:colId xmlns:a16="http://schemas.microsoft.com/office/drawing/2014/main" xmlns="" val="4183728883"/>
                     </a:ext>
                   </a:extLst>
                 </a:gridCol>
                 <a:gridCol w="689223">
                   <a:extLst>
                     <a:ext uri="{9D8B030D-6E8A-4147-A177-3AD203B41FA5}">
-                      <a16:colId xmlns:a16="http://schemas.microsoft.com/office/drawing/2014/main" val="2492687774"/>
+                      <a16:colId xmlns:a16="http://schemas.microsoft.com/office/drawing/2014/main" xmlns="" val="2492687774"/>
                     </a:ext>
                   </a:extLst>
                 </a:gridCol>
                 <a:gridCol w="689223">
                   <a:extLst>
                     <a:ext uri="{9D8B030D-6E8A-4147-A177-3AD203B41FA5}">
-                      <a16:colId xmlns:a16="http://schemas.microsoft.com/office/drawing/2014/main" val="3102335657"/>
+                      <a16:colId xmlns:a16="http://schemas.microsoft.com/office/drawing/2014/main" xmlns="" val="3102335657"/>
                     </a:ext>
                   </a:extLst>
                 </a:gridCol>
@@ -23180,7 +23182,7 @@
                 </a:tc>
                 <a:extLst>
                   <a:ext uri="{0D108BD9-81ED-4DB2-BD59-A6C34878D82A}">
-                    <a16:rowId xmlns:a16="http://schemas.microsoft.com/office/drawing/2014/main" val="1551730337"/>
+                    <a16:rowId xmlns:a16="http://schemas.microsoft.com/office/drawing/2014/main" xmlns="" val="1551730337"/>
                   </a:ext>
                 </a:extLst>
               </a:tr>
@@ -23439,7 +23441,7 @@
                 </a:tc>
                 <a:extLst>
                   <a:ext uri="{0D108BD9-81ED-4DB2-BD59-A6C34878D82A}">
-                    <a16:rowId xmlns:a16="http://schemas.microsoft.com/office/drawing/2014/main" val="2852612148"/>
+                    <a16:rowId xmlns:a16="http://schemas.microsoft.com/office/drawing/2014/main" xmlns="" val="2852612148"/>
                   </a:ext>
                 </a:extLst>
               </a:tr>
@@ -23698,7 +23700,7 @@
                 </a:tc>
                 <a:extLst>
                   <a:ext uri="{0D108BD9-81ED-4DB2-BD59-A6C34878D82A}">
-                    <a16:rowId xmlns:a16="http://schemas.microsoft.com/office/drawing/2014/main" val="1581691548"/>
+                    <a16:rowId xmlns:a16="http://schemas.microsoft.com/office/drawing/2014/main" xmlns="" val="1581691548"/>
                   </a:ext>
                 </a:extLst>
               </a:tr>
@@ -23957,7 +23959,7 @@
                 </a:tc>
                 <a:extLst>
                   <a:ext uri="{0D108BD9-81ED-4DB2-BD59-A6C34878D82A}">
-                    <a16:rowId xmlns:a16="http://schemas.microsoft.com/office/drawing/2014/main" val="2786690379"/>
+                    <a16:rowId xmlns:a16="http://schemas.microsoft.com/office/drawing/2014/main" xmlns="" val="2786690379"/>
                   </a:ext>
                 </a:extLst>
               </a:tr>
@@ -26181,6 +26183,5640 @@
 </p:sld>
 </file>
 
+<file path=ppt/slides/slide26.xml><?xml version="1.0" encoding="utf-8"?>
+<p:sld xmlns:a="http://schemas.openxmlformats.org/drawingml/2006/main" xmlns:r="http://schemas.openxmlformats.org/officeDocument/2006/relationships" xmlns:p="http://schemas.openxmlformats.org/presentationml/2006/main">
+  <p:cSld>
+    <p:spTree>
+      <p:nvGrpSpPr>
+        <p:cNvPr id="1" name=""/>
+        <p:cNvGrpSpPr/>
+        <p:nvPr/>
+      </p:nvGrpSpPr>
+      <p:grpSpPr>
+        <a:xfrm>
+          <a:off x="0" y="0"/>
+          <a:ext cx="0" cy="0"/>
+          <a:chOff x="0" y="0"/>
+          <a:chExt cx="0" cy="0"/>
+        </a:xfrm>
+      </p:grpSpPr>
+      <p:graphicFrame>
+        <p:nvGraphicFramePr>
+          <p:cNvPr id="5" name="표 5">
+            <a:extLst>
+              <a:ext uri="{FF2B5EF4-FFF2-40B4-BE49-F238E27FC236}">
+                <a16:creationId xmlns:a16="http://schemas.microsoft.com/office/drawing/2014/main" xmlns="" id="{15D5CCAF-CAB6-493C-9A85-2676F48690AF}"/>
+              </a:ext>
+            </a:extLst>
+          </p:cNvPr>
+          <p:cNvGraphicFramePr>
+            <a:graphicFrameLocks noGrp="1"/>
+          </p:cNvGraphicFramePr>
+          <p:nvPr>
+            <p:extLst>
+              <p:ext uri="{D42A27DB-BD31-4B8C-83A1-F6EECF244321}">
+                <p14:modId xmlns:p14="http://schemas.microsoft.com/office/powerpoint/2010/main" val="691533382"/>
+              </p:ext>
+            </p:extLst>
+          </p:nvPr>
+        </p:nvGraphicFramePr>
+        <p:xfrm>
+          <a:off x="3063654" y="1597704"/>
+          <a:ext cx="2202084" cy="376251"/>
+        </p:xfrm>
+        <a:graphic>
+          <a:graphicData uri="http://schemas.openxmlformats.org/drawingml/2006/table">
+            <a:tbl>
+              <a:tblPr firstRow="1" bandRow="1">
+                <a:tableStyleId>{5C22544A-7EE6-4342-B048-85BDC9FD1C3A}</a:tableStyleId>
+              </a:tblPr>
+              <a:tblGrid>
+                <a:gridCol w="550521">
+                  <a:extLst>
+                    <a:ext uri="{9D8B030D-6E8A-4147-A177-3AD203B41FA5}">
+                      <a16:colId xmlns:a16="http://schemas.microsoft.com/office/drawing/2014/main" xmlns="" val="422949941"/>
+                    </a:ext>
+                  </a:extLst>
+                </a:gridCol>
+                <a:gridCol w="550521">
+                  <a:extLst>
+                    <a:ext uri="{9D8B030D-6E8A-4147-A177-3AD203B41FA5}">
+                      <a16:colId xmlns:a16="http://schemas.microsoft.com/office/drawing/2014/main" xmlns="" val="1888211109"/>
+                    </a:ext>
+                  </a:extLst>
+                </a:gridCol>
+                <a:gridCol w="550521">
+                  <a:extLst>
+                    <a:ext uri="{9D8B030D-6E8A-4147-A177-3AD203B41FA5}">
+                      <a16:colId xmlns:a16="http://schemas.microsoft.com/office/drawing/2014/main" xmlns="" val="3675358557"/>
+                    </a:ext>
+                  </a:extLst>
+                </a:gridCol>
+                <a:gridCol w="550521">
+                  <a:extLst>
+                    <a:ext uri="{9D8B030D-6E8A-4147-A177-3AD203B41FA5}">
+                      <a16:colId xmlns:a16="http://schemas.microsoft.com/office/drawing/2014/main" xmlns="" val="2341215234"/>
+                    </a:ext>
+                  </a:extLst>
+                </a:gridCol>
+              </a:tblGrid>
+              <a:tr h="376251">
+                <a:tc>
+                  <a:txBody>
+                    <a:bodyPr/>
+                    <a:lstStyle/>
+                    <a:p>
+                      <a:pPr algn="ctr" latinLnBrk="1"/>
+                      <a:r>
+                        <a:rPr lang="en-US" altLang="ko-KR" sz="1400" dirty="0" smtClean="0">
+                          <a:solidFill>
+                            <a:sysClr val="windowText" lastClr="000000"/>
+                          </a:solidFill>
+                        </a:rPr>
+                        <a:t>21</a:t>
+                      </a:r>
+                      <a:endParaRPr lang="ko-KR" altLang="en-US" sz="1400" dirty="0">
+                        <a:solidFill>
+                          <a:sysClr val="windowText" lastClr="000000"/>
+                        </a:solidFill>
+                      </a:endParaRPr>
+                    </a:p>
+                  </a:txBody>
+                  <a:tcPr marL="61018" marR="61018" marT="30509" marB="30509" anchor="ctr">
+                    <a:lnL w="12700" cap="flat" cmpd="sng" algn="ctr">
+                      <a:solidFill>
+                        <a:schemeClr val="tx1"/>
+                      </a:solidFill>
+                      <a:prstDash val="solid"/>
+                      <a:round/>
+                      <a:headEnd type="none" w="med" len="med"/>
+                      <a:tailEnd type="none" w="med" len="med"/>
+                    </a:lnL>
+                    <a:lnR w="12700" cap="flat" cmpd="sng" algn="ctr">
+                      <a:solidFill>
+                        <a:schemeClr val="tx1"/>
+                      </a:solidFill>
+                      <a:prstDash val="solid"/>
+                      <a:round/>
+                      <a:headEnd type="none" w="med" len="med"/>
+                      <a:tailEnd type="none" w="med" len="med"/>
+                    </a:lnR>
+                    <a:lnT w="12700" cap="flat" cmpd="sng" algn="ctr">
+                      <a:solidFill>
+                        <a:schemeClr val="tx1"/>
+                      </a:solidFill>
+                      <a:prstDash val="solid"/>
+                      <a:round/>
+                      <a:headEnd type="none" w="med" len="med"/>
+                      <a:tailEnd type="none" w="med" len="med"/>
+                    </a:lnT>
+                    <a:lnB w="12700" cap="flat" cmpd="sng" algn="ctr">
+                      <a:solidFill>
+                        <a:schemeClr val="tx1"/>
+                      </a:solidFill>
+                      <a:prstDash val="solid"/>
+                      <a:round/>
+                      <a:headEnd type="none" w="med" len="med"/>
+                      <a:tailEnd type="none" w="med" len="med"/>
+                    </a:lnB>
+                    <a:solidFill>
+                      <a:schemeClr val="bg1"/>
+                    </a:solidFill>
+                  </a:tcPr>
+                </a:tc>
+                <a:tc>
+                  <a:txBody>
+                    <a:bodyPr/>
+                    <a:lstStyle/>
+                    <a:p>
+                      <a:pPr algn="ctr" latinLnBrk="1"/>
+                      <a:r>
+                        <a:rPr lang="en-US" altLang="ko-KR" sz="1400" dirty="0" smtClean="0">
+                          <a:solidFill>
+                            <a:sysClr val="windowText" lastClr="000000"/>
+                          </a:solidFill>
+                        </a:rPr>
+                        <a:t>19</a:t>
+                      </a:r>
+                      <a:endParaRPr lang="ko-KR" altLang="en-US" sz="1400" dirty="0">
+                        <a:solidFill>
+                          <a:sysClr val="windowText" lastClr="000000"/>
+                        </a:solidFill>
+                      </a:endParaRPr>
+                    </a:p>
+                  </a:txBody>
+                  <a:tcPr marL="61018" marR="61018" marT="30509" marB="30509" anchor="ctr">
+                    <a:lnL w="12700" cap="flat" cmpd="sng" algn="ctr">
+                      <a:solidFill>
+                        <a:schemeClr val="tx1"/>
+                      </a:solidFill>
+                      <a:prstDash val="solid"/>
+                      <a:round/>
+                      <a:headEnd type="none" w="med" len="med"/>
+                      <a:tailEnd type="none" w="med" len="med"/>
+                    </a:lnL>
+                    <a:lnR w="12700" cap="flat" cmpd="sng" algn="ctr">
+                      <a:solidFill>
+                        <a:schemeClr val="tx1"/>
+                      </a:solidFill>
+                      <a:prstDash val="solid"/>
+                      <a:round/>
+                      <a:headEnd type="none" w="med" len="med"/>
+                      <a:tailEnd type="none" w="med" len="med"/>
+                    </a:lnR>
+                    <a:lnT w="12700" cap="flat" cmpd="sng" algn="ctr">
+                      <a:solidFill>
+                        <a:schemeClr val="tx1"/>
+                      </a:solidFill>
+                      <a:prstDash val="solid"/>
+                      <a:round/>
+                      <a:headEnd type="none" w="med" len="med"/>
+                      <a:tailEnd type="none" w="med" len="med"/>
+                    </a:lnT>
+                    <a:lnB w="12700" cap="flat" cmpd="sng" algn="ctr">
+                      <a:solidFill>
+                        <a:schemeClr val="tx1"/>
+                      </a:solidFill>
+                      <a:prstDash val="solid"/>
+                      <a:round/>
+                      <a:headEnd type="none" w="med" len="med"/>
+                      <a:tailEnd type="none" w="med" len="med"/>
+                    </a:lnB>
+                    <a:solidFill>
+                      <a:schemeClr val="bg1"/>
+                    </a:solidFill>
+                  </a:tcPr>
+                </a:tc>
+                <a:tc>
+                  <a:txBody>
+                    <a:bodyPr/>
+                    <a:lstStyle/>
+                    <a:p>
+                      <a:pPr algn="ctr" latinLnBrk="1"/>
+                      <a:r>
+                        <a:rPr lang="en-US" altLang="ko-KR" sz="1400" dirty="0" smtClean="0">
+                          <a:solidFill>
+                            <a:sysClr val="windowText" lastClr="000000"/>
+                          </a:solidFill>
+                        </a:rPr>
+                        <a:t>20</a:t>
+                      </a:r>
+                      <a:endParaRPr lang="ko-KR" altLang="en-US" sz="1400" dirty="0">
+                        <a:solidFill>
+                          <a:sysClr val="windowText" lastClr="000000"/>
+                        </a:solidFill>
+                      </a:endParaRPr>
+                    </a:p>
+                  </a:txBody>
+                  <a:tcPr marL="61018" marR="61018" marT="30509" marB="30509" anchor="ctr">
+                    <a:lnL w="12700" cap="flat" cmpd="sng" algn="ctr">
+                      <a:solidFill>
+                        <a:schemeClr val="tx1"/>
+                      </a:solidFill>
+                      <a:prstDash val="solid"/>
+                      <a:round/>
+                      <a:headEnd type="none" w="med" len="med"/>
+                      <a:tailEnd type="none" w="med" len="med"/>
+                    </a:lnL>
+                    <a:lnR w="12700" cap="flat" cmpd="sng" algn="ctr">
+                      <a:solidFill>
+                        <a:schemeClr val="tx1"/>
+                      </a:solidFill>
+                      <a:prstDash val="solid"/>
+                      <a:round/>
+                      <a:headEnd type="none" w="med" len="med"/>
+                      <a:tailEnd type="none" w="med" len="med"/>
+                    </a:lnR>
+                    <a:lnT w="12700" cap="flat" cmpd="sng" algn="ctr">
+                      <a:solidFill>
+                        <a:schemeClr val="tx1"/>
+                      </a:solidFill>
+                      <a:prstDash val="solid"/>
+                      <a:round/>
+                      <a:headEnd type="none" w="med" len="med"/>
+                      <a:tailEnd type="none" w="med" len="med"/>
+                    </a:lnT>
+                    <a:lnB w="12700" cap="flat" cmpd="sng" algn="ctr">
+                      <a:solidFill>
+                        <a:schemeClr val="tx1"/>
+                      </a:solidFill>
+                      <a:prstDash val="solid"/>
+                      <a:round/>
+                      <a:headEnd type="none" w="med" len="med"/>
+                      <a:tailEnd type="none" w="med" len="med"/>
+                    </a:lnB>
+                    <a:solidFill>
+                      <a:schemeClr val="bg1"/>
+                    </a:solidFill>
+                  </a:tcPr>
+                </a:tc>
+                <a:tc>
+                  <a:txBody>
+                    <a:bodyPr/>
+                    <a:lstStyle/>
+                    <a:p>
+                      <a:pPr algn="ctr" latinLnBrk="1"/>
+                      <a:r>
+                        <a:rPr lang="en-US" altLang="ko-KR" sz="1400" dirty="0" smtClean="0">
+                          <a:solidFill>
+                            <a:sysClr val="windowText" lastClr="000000"/>
+                          </a:solidFill>
+                        </a:rPr>
+                        <a:t>25</a:t>
+                      </a:r>
+                      <a:endParaRPr lang="ko-KR" altLang="en-US" sz="1400" dirty="0">
+                        <a:solidFill>
+                          <a:sysClr val="windowText" lastClr="000000"/>
+                        </a:solidFill>
+                      </a:endParaRPr>
+                    </a:p>
+                  </a:txBody>
+                  <a:tcPr marL="61018" marR="61018" marT="30509" marB="30509" anchor="ctr">
+                    <a:lnL w="12700" cap="flat" cmpd="sng" algn="ctr">
+                      <a:solidFill>
+                        <a:schemeClr val="tx1"/>
+                      </a:solidFill>
+                      <a:prstDash val="solid"/>
+                      <a:round/>
+                      <a:headEnd type="none" w="med" len="med"/>
+                      <a:tailEnd type="none" w="med" len="med"/>
+                    </a:lnL>
+                    <a:lnR w="12700" cap="flat" cmpd="sng" algn="ctr">
+                      <a:solidFill>
+                        <a:schemeClr val="tx1"/>
+                      </a:solidFill>
+                      <a:prstDash val="solid"/>
+                      <a:round/>
+                      <a:headEnd type="none" w="med" len="med"/>
+                      <a:tailEnd type="none" w="med" len="med"/>
+                    </a:lnR>
+                    <a:lnT w="12700" cap="flat" cmpd="sng" algn="ctr">
+                      <a:solidFill>
+                        <a:schemeClr val="tx1"/>
+                      </a:solidFill>
+                      <a:prstDash val="solid"/>
+                      <a:round/>
+                      <a:headEnd type="none" w="med" len="med"/>
+                      <a:tailEnd type="none" w="med" len="med"/>
+                    </a:lnT>
+                    <a:lnB w="12700" cap="flat" cmpd="sng" algn="ctr">
+                      <a:solidFill>
+                        <a:schemeClr val="tx1"/>
+                      </a:solidFill>
+                      <a:prstDash val="solid"/>
+                      <a:round/>
+                      <a:headEnd type="none" w="med" len="med"/>
+                      <a:tailEnd type="none" w="med" len="med"/>
+                    </a:lnB>
+                    <a:solidFill>
+                      <a:schemeClr val="bg1"/>
+                    </a:solidFill>
+                  </a:tcPr>
+                </a:tc>
+                <a:extLst>
+                  <a:ext uri="{0D108BD9-81ED-4DB2-BD59-A6C34878D82A}">
+                    <a16:rowId xmlns:a16="http://schemas.microsoft.com/office/drawing/2014/main" xmlns="" val="2318367764"/>
+                  </a:ext>
+                </a:extLst>
+              </a:tr>
+            </a:tbl>
+          </a:graphicData>
+        </a:graphic>
+      </p:graphicFrame>
+      <p:graphicFrame>
+        <p:nvGraphicFramePr>
+          <p:cNvPr id="6" name="표 5">
+            <a:extLst>
+              <a:ext uri="{FF2B5EF4-FFF2-40B4-BE49-F238E27FC236}">
+                <a16:creationId xmlns:a16="http://schemas.microsoft.com/office/drawing/2014/main" xmlns="" id="{15D5CCAF-CAB6-493C-9A85-2676F48690AF}"/>
+              </a:ext>
+            </a:extLst>
+          </p:cNvPr>
+          <p:cNvGraphicFramePr>
+            <a:graphicFrameLocks noGrp="1"/>
+          </p:cNvGraphicFramePr>
+          <p:nvPr>
+            <p:extLst>
+              <p:ext uri="{D42A27DB-BD31-4B8C-83A1-F6EECF244321}">
+                <p14:modId xmlns:p14="http://schemas.microsoft.com/office/powerpoint/2010/main" val="420053710"/>
+              </p:ext>
+            </p:extLst>
+          </p:nvPr>
+        </p:nvGraphicFramePr>
+        <p:xfrm>
+          <a:off x="3063654" y="2683554"/>
+          <a:ext cx="3830400" cy="376251"/>
+        </p:xfrm>
+        <a:graphic>
+          <a:graphicData uri="http://schemas.openxmlformats.org/drawingml/2006/table">
+            <a:tbl>
+              <a:tblPr firstRow="1" bandRow="1">
+                <a:tableStyleId>{5C22544A-7EE6-4342-B048-85BDC9FD1C3A}</a:tableStyleId>
+              </a:tblPr>
+              <a:tblGrid>
+                <a:gridCol w="547200">
+                  <a:extLst>
+                    <a:ext uri="{9D8B030D-6E8A-4147-A177-3AD203B41FA5}">
+                      <a16:colId xmlns:a16="http://schemas.microsoft.com/office/drawing/2014/main" xmlns="" val="422949941"/>
+                    </a:ext>
+                  </a:extLst>
+                </a:gridCol>
+                <a:gridCol w="547200">
+                  <a:extLst>
+                    <a:ext uri="{9D8B030D-6E8A-4147-A177-3AD203B41FA5}">
+                      <a16:colId xmlns:a16="http://schemas.microsoft.com/office/drawing/2014/main" xmlns="" val="1888211109"/>
+                    </a:ext>
+                  </a:extLst>
+                </a:gridCol>
+                <a:gridCol w="547200">
+                  <a:extLst>
+                    <a:ext uri="{9D8B030D-6E8A-4147-A177-3AD203B41FA5}">
+                      <a16:colId xmlns:a16="http://schemas.microsoft.com/office/drawing/2014/main" xmlns="" val="3675358557"/>
+                    </a:ext>
+                  </a:extLst>
+                </a:gridCol>
+                <a:gridCol w="547200">
+                  <a:extLst>
+                    <a:ext uri="{9D8B030D-6E8A-4147-A177-3AD203B41FA5}">
+                      <a16:colId xmlns:a16="http://schemas.microsoft.com/office/drawing/2014/main" xmlns="" val="2341215234"/>
+                    </a:ext>
+                  </a:extLst>
+                </a:gridCol>
+                <a:gridCol w="547200"/>
+                <a:gridCol w="547200"/>
+                <a:gridCol w="547200"/>
+              </a:tblGrid>
+              <a:tr h="376251">
+                <a:tc>
+                  <a:txBody>
+                    <a:bodyPr/>
+                    <a:lstStyle/>
+                    <a:p>
+                      <a:pPr algn="ctr" latinLnBrk="1"/>
+                      <a:r>
+                        <a:rPr lang="en-US" altLang="ko-KR" sz="1400" dirty="0" smtClean="0">
+                          <a:solidFill>
+                            <a:sysClr val="windowText" lastClr="000000"/>
+                          </a:solidFill>
+                        </a:rPr>
+                        <a:t>19</a:t>
+                      </a:r>
+                      <a:endParaRPr lang="ko-KR" altLang="en-US" sz="1400" dirty="0">
+                        <a:solidFill>
+                          <a:sysClr val="windowText" lastClr="000000"/>
+                        </a:solidFill>
+                      </a:endParaRPr>
+                    </a:p>
+                  </a:txBody>
+                  <a:tcPr marL="61018" marR="61018" marT="30509" marB="30509" anchor="ctr">
+                    <a:lnL w="12700" cap="flat" cmpd="sng" algn="ctr">
+                      <a:solidFill>
+                        <a:schemeClr val="tx1"/>
+                      </a:solidFill>
+                      <a:prstDash val="solid"/>
+                      <a:round/>
+                      <a:headEnd type="none" w="med" len="med"/>
+                      <a:tailEnd type="none" w="med" len="med"/>
+                    </a:lnL>
+                    <a:lnR w="12700" cap="flat" cmpd="sng" algn="ctr">
+                      <a:solidFill>
+                        <a:schemeClr val="tx1"/>
+                      </a:solidFill>
+                      <a:prstDash val="solid"/>
+                      <a:round/>
+                      <a:headEnd type="none" w="med" len="med"/>
+                      <a:tailEnd type="none" w="med" len="med"/>
+                    </a:lnR>
+                    <a:lnT w="12700" cap="flat" cmpd="sng" algn="ctr">
+                      <a:solidFill>
+                        <a:schemeClr val="tx1"/>
+                      </a:solidFill>
+                      <a:prstDash val="solid"/>
+                      <a:round/>
+                      <a:headEnd type="none" w="med" len="med"/>
+                      <a:tailEnd type="none" w="med" len="med"/>
+                    </a:lnT>
+                    <a:lnB w="12700" cap="flat" cmpd="sng" algn="ctr">
+                      <a:solidFill>
+                        <a:schemeClr val="tx1"/>
+                      </a:solidFill>
+                      <a:prstDash val="solid"/>
+                      <a:round/>
+                      <a:headEnd type="none" w="med" len="med"/>
+                      <a:tailEnd type="none" w="med" len="med"/>
+                    </a:lnB>
+                    <a:solidFill>
+                      <a:schemeClr val="bg1"/>
+                    </a:solidFill>
+                  </a:tcPr>
+                </a:tc>
+                <a:tc>
+                  <a:txBody>
+                    <a:bodyPr/>
+                    <a:lstStyle/>
+                    <a:p>
+                      <a:pPr algn="ctr" latinLnBrk="1"/>
+                      <a:r>
+                        <a:rPr lang="en-US" altLang="ko-KR" sz="1400" dirty="0" smtClean="0">
+                          <a:solidFill>
+                            <a:sysClr val="windowText" lastClr="000000"/>
+                          </a:solidFill>
+                        </a:rPr>
+                        <a:t>20</a:t>
+                      </a:r>
+                      <a:endParaRPr lang="ko-KR" altLang="en-US" sz="1400" dirty="0">
+                        <a:solidFill>
+                          <a:sysClr val="windowText" lastClr="000000"/>
+                        </a:solidFill>
+                      </a:endParaRPr>
+                    </a:p>
+                  </a:txBody>
+                  <a:tcPr marL="61018" marR="61018" marT="30509" marB="30509" anchor="ctr">
+                    <a:lnL w="12700" cap="flat" cmpd="sng" algn="ctr">
+                      <a:solidFill>
+                        <a:schemeClr val="tx1"/>
+                      </a:solidFill>
+                      <a:prstDash val="solid"/>
+                      <a:round/>
+                      <a:headEnd type="none" w="med" len="med"/>
+                      <a:tailEnd type="none" w="med" len="med"/>
+                    </a:lnL>
+                    <a:lnR w="12700" cap="flat" cmpd="sng" algn="ctr">
+                      <a:solidFill>
+                        <a:schemeClr val="tx1"/>
+                      </a:solidFill>
+                      <a:prstDash val="solid"/>
+                      <a:round/>
+                      <a:headEnd type="none" w="med" len="med"/>
+                      <a:tailEnd type="none" w="med" len="med"/>
+                    </a:lnR>
+                    <a:lnT w="12700" cap="flat" cmpd="sng" algn="ctr">
+                      <a:solidFill>
+                        <a:schemeClr val="tx1"/>
+                      </a:solidFill>
+                      <a:prstDash val="solid"/>
+                      <a:round/>
+                      <a:headEnd type="none" w="med" len="med"/>
+                      <a:tailEnd type="none" w="med" len="med"/>
+                    </a:lnT>
+                    <a:lnB w="12700" cap="flat" cmpd="sng" algn="ctr">
+                      <a:solidFill>
+                        <a:schemeClr val="tx1"/>
+                      </a:solidFill>
+                      <a:prstDash val="solid"/>
+                      <a:round/>
+                      <a:headEnd type="none" w="med" len="med"/>
+                      <a:tailEnd type="none" w="med" len="med"/>
+                    </a:lnB>
+                    <a:solidFill>
+                      <a:schemeClr val="bg1"/>
+                    </a:solidFill>
+                  </a:tcPr>
+                </a:tc>
+                <a:tc>
+                  <a:txBody>
+                    <a:bodyPr/>
+                    <a:lstStyle/>
+                    <a:p>
+                      <a:pPr algn="ctr" latinLnBrk="1"/>
+                      <a:r>
+                        <a:rPr lang="en-US" altLang="ko-KR" sz="1400" dirty="0" smtClean="0">
+                          <a:solidFill>
+                            <a:sysClr val="windowText" lastClr="000000"/>
+                          </a:solidFill>
+                        </a:rPr>
+                        <a:t>21</a:t>
+                      </a:r>
+                      <a:endParaRPr lang="ko-KR" altLang="en-US" sz="1400" dirty="0">
+                        <a:solidFill>
+                          <a:sysClr val="windowText" lastClr="000000"/>
+                        </a:solidFill>
+                      </a:endParaRPr>
+                    </a:p>
+                  </a:txBody>
+                  <a:tcPr marL="61018" marR="61018" marT="30509" marB="30509" anchor="ctr">
+                    <a:lnL w="12700" cap="flat" cmpd="sng" algn="ctr">
+                      <a:solidFill>
+                        <a:schemeClr val="tx1"/>
+                      </a:solidFill>
+                      <a:prstDash val="solid"/>
+                      <a:round/>
+                      <a:headEnd type="none" w="med" len="med"/>
+                      <a:tailEnd type="none" w="med" len="med"/>
+                    </a:lnL>
+                    <a:lnR w="12700" cap="flat" cmpd="sng" algn="ctr">
+                      <a:solidFill>
+                        <a:schemeClr val="tx1"/>
+                      </a:solidFill>
+                      <a:prstDash val="solid"/>
+                      <a:round/>
+                      <a:headEnd type="none" w="med" len="med"/>
+                      <a:tailEnd type="none" w="med" len="med"/>
+                    </a:lnR>
+                    <a:lnT w="12700" cap="flat" cmpd="sng" algn="ctr">
+                      <a:solidFill>
+                        <a:schemeClr val="tx1"/>
+                      </a:solidFill>
+                      <a:prstDash val="solid"/>
+                      <a:round/>
+                      <a:headEnd type="none" w="med" len="med"/>
+                      <a:tailEnd type="none" w="med" len="med"/>
+                    </a:lnT>
+                    <a:lnB w="12700" cap="flat" cmpd="sng" algn="ctr">
+                      <a:solidFill>
+                        <a:schemeClr val="tx1"/>
+                      </a:solidFill>
+                      <a:prstDash val="solid"/>
+                      <a:round/>
+                      <a:headEnd type="none" w="med" len="med"/>
+                      <a:tailEnd type="none" w="med" len="med"/>
+                    </a:lnB>
+                    <a:solidFill>
+                      <a:schemeClr val="bg1"/>
+                    </a:solidFill>
+                  </a:tcPr>
+                </a:tc>
+                <a:tc>
+                  <a:txBody>
+                    <a:bodyPr/>
+                    <a:lstStyle/>
+                    <a:p>
+                      <a:pPr algn="ctr" latinLnBrk="1"/>
+                      <a:endParaRPr lang="ko-KR" altLang="en-US" sz="1400" dirty="0">
+                        <a:solidFill>
+                          <a:sysClr val="windowText" lastClr="000000"/>
+                        </a:solidFill>
+                      </a:endParaRPr>
+                    </a:p>
+                  </a:txBody>
+                  <a:tcPr marL="61018" marR="61018" marT="30509" marB="30509" anchor="ctr">
+                    <a:lnL w="12700" cap="flat" cmpd="sng" algn="ctr">
+                      <a:solidFill>
+                        <a:schemeClr val="tx1"/>
+                      </a:solidFill>
+                      <a:prstDash val="solid"/>
+                      <a:round/>
+                      <a:headEnd type="none" w="med" len="med"/>
+                      <a:tailEnd type="none" w="med" len="med"/>
+                    </a:lnL>
+                    <a:lnR w="12700" cap="flat" cmpd="sng" algn="ctr">
+                      <a:solidFill>
+                        <a:schemeClr val="tx1"/>
+                      </a:solidFill>
+                      <a:prstDash val="solid"/>
+                      <a:round/>
+                      <a:headEnd type="none" w="med" len="med"/>
+                      <a:tailEnd type="none" w="med" len="med"/>
+                    </a:lnR>
+                    <a:lnT w="12700" cap="flat" cmpd="sng" algn="ctr">
+                      <a:solidFill>
+                        <a:schemeClr val="tx1"/>
+                      </a:solidFill>
+                      <a:prstDash val="solid"/>
+                      <a:round/>
+                      <a:headEnd type="none" w="med" len="med"/>
+                      <a:tailEnd type="none" w="med" len="med"/>
+                    </a:lnT>
+                    <a:lnB w="12700" cap="flat" cmpd="sng" algn="ctr">
+                      <a:solidFill>
+                        <a:schemeClr val="tx1"/>
+                      </a:solidFill>
+                      <a:prstDash val="solid"/>
+                      <a:round/>
+                      <a:headEnd type="none" w="med" len="med"/>
+                      <a:tailEnd type="none" w="med" len="med"/>
+                    </a:lnB>
+                    <a:solidFill>
+                      <a:schemeClr val="bg1"/>
+                    </a:solidFill>
+                  </a:tcPr>
+                </a:tc>
+                <a:tc>
+                  <a:txBody>
+                    <a:bodyPr/>
+                    <a:lstStyle/>
+                    <a:p>
+                      <a:pPr algn="ctr" latinLnBrk="1"/>
+                      <a:endParaRPr lang="ko-KR" altLang="en-US" sz="1400" dirty="0">
+                        <a:solidFill>
+                          <a:sysClr val="windowText" lastClr="000000"/>
+                        </a:solidFill>
+                      </a:endParaRPr>
+                    </a:p>
+                  </a:txBody>
+                  <a:tcPr marL="61018" marR="61018" marT="30509" marB="30509" anchor="ctr">
+                    <a:lnL w="12700" cap="flat" cmpd="sng" algn="ctr">
+                      <a:solidFill>
+                        <a:schemeClr val="tx1"/>
+                      </a:solidFill>
+                      <a:prstDash val="solid"/>
+                      <a:round/>
+                      <a:headEnd type="none" w="med" len="med"/>
+                      <a:tailEnd type="none" w="med" len="med"/>
+                    </a:lnL>
+                    <a:lnR w="12700" cap="flat" cmpd="sng" algn="ctr">
+                      <a:solidFill>
+                        <a:schemeClr val="tx1"/>
+                      </a:solidFill>
+                      <a:prstDash val="solid"/>
+                      <a:round/>
+                      <a:headEnd type="none" w="med" len="med"/>
+                      <a:tailEnd type="none" w="med" len="med"/>
+                    </a:lnR>
+                    <a:lnT w="12700" cap="flat" cmpd="sng" algn="ctr">
+                      <a:solidFill>
+                        <a:schemeClr val="tx1"/>
+                      </a:solidFill>
+                      <a:prstDash val="solid"/>
+                      <a:round/>
+                      <a:headEnd type="none" w="med" len="med"/>
+                      <a:tailEnd type="none" w="med" len="med"/>
+                    </a:lnT>
+                    <a:lnB w="12700" cap="flat" cmpd="sng" algn="ctr">
+                      <a:solidFill>
+                        <a:schemeClr val="tx1"/>
+                      </a:solidFill>
+                      <a:prstDash val="solid"/>
+                      <a:round/>
+                      <a:headEnd type="none" w="med" len="med"/>
+                      <a:tailEnd type="none" w="med" len="med"/>
+                    </a:lnB>
+                    <a:solidFill>
+                      <a:schemeClr val="bg1"/>
+                    </a:solidFill>
+                  </a:tcPr>
+                </a:tc>
+                <a:tc>
+                  <a:txBody>
+                    <a:bodyPr/>
+                    <a:lstStyle/>
+                    <a:p>
+                      <a:pPr algn="ctr" latinLnBrk="1"/>
+                      <a:endParaRPr lang="ko-KR" altLang="en-US" sz="1400" dirty="0">
+                        <a:solidFill>
+                          <a:sysClr val="windowText" lastClr="000000"/>
+                        </a:solidFill>
+                      </a:endParaRPr>
+                    </a:p>
+                  </a:txBody>
+                  <a:tcPr marL="61018" marR="61018" marT="30509" marB="30509" anchor="ctr">
+                    <a:lnL w="12700" cap="flat" cmpd="sng" algn="ctr">
+                      <a:solidFill>
+                        <a:schemeClr val="tx1"/>
+                      </a:solidFill>
+                      <a:prstDash val="solid"/>
+                      <a:round/>
+                      <a:headEnd type="none" w="med" len="med"/>
+                      <a:tailEnd type="none" w="med" len="med"/>
+                    </a:lnL>
+                    <a:lnR w="12700" cap="flat" cmpd="sng" algn="ctr">
+                      <a:solidFill>
+                        <a:schemeClr val="tx1"/>
+                      </a:solidFill>
+                      <a:prstDash val="solid"/>
+                      <a:round/>
+                      <a:headEnd type="none" w="med" len="med"/>
+                      <a:tailEnd type="none" w="med" len="med"/>
+                    </a:lnR>
+                    <a:lnT w="12700" cap="flat" cmpd="sng" algn="ctr">
+                      <a:solidFill>
+                        <a:schemeClr val="tx1"/>
+                      </a:solidFill>
+                      <a:prstDash val="solid"/>
+                      <a:round/>
+                      <a:headEnd type="none" w="med" len="med"/>
+                      <a:tailEnd type="none" w="med" len="med"/>
+                    </a:lnT>
+                    <a:lnB w="12700" cap="flat" cmpd="sng" algn="ctr">
+                      <a:solidFill>
+                        <a:schemeClr val="tx1"/>
+                      </a:solidFill>
+                      <a:prstDash val="solid"/>
+                      <a:round/>
+                      <a:headEnd type="none" w="med" len="med"/>
+                      <a:tailEnd type="none" w="med" len="med"/>
+                    </a:lnB>
+                    <a:solidFill>
+                      <a:schemeClr val="bg1"/>
+                    </a:solidFill>
+                  </a:tcPr>
+                </a:tc>
+                <a:tc>
+                  <a:txBody>
+                    <a:bodyPr/>
+                    <a:lstStyle/>
+                    <a:p>
+                      <a:pPr algn="ctr" latinLnBrk="1"/>
+                      <a:r>
+                        <a:rPr lang="en-US" altLang="ko-KR" sz="1400" dirty="0" smtClean="0">
+                          <a:solidFill>
+                            <a:sysClr val="windowText" lastClr="000000"/>
+                          </a:solidFill>
+                        </a:rPr>
+                        <a:t>25</a:t>
+                      </a:r>
+                      <a:endParaRPr lang="ko-KR" altLang="en-US" sz="1400" dirty="0">
+                        <a:solidFill>
+                          <a:sysClr val="windowText" lastClr="000000"/>
+                        </a:solidFill>
+                      </a:endParaRPr>
+                    </a:p>
+                  </a:txBody>
+                  <a:tcPr marL="61018" marR="61018" marT="30509" marB="30509" anchor="ctr">
+                    <a:lnL w="12700" cap="flat" cmpd="sng" algn="ctr">
+                      <a:solidFill>
+                        <a:schemeClr val="tx1"/>
+                      </a:solidFill>
+                      <a:prstDash val="solid"/>
+                      <a:round/>
+                      <a:headEnd type="none" w="med" len="med"/>
+                      <a:tailEnd type="none" w="med" len="med"/>
+                    </a:lnL>
+                    <a:lnR w="12700" cap="flat" cmpd="sng" algn="ctr">
+                      <a:solidFill>
+                        <a:schemeClr val="tx1"/>
+                      </a:solidFill>
+                      <a:prstDash val="solid"/>
+                      <a:round/>
+                      <a:headEnd type="none" w="med" len="med"/>
+                      <a:tailEnd type="none" w="med" len="med"/>
+                    </a:lnR>
+                    <a:lnT w="12700" cap="flat" cmpd="sng" algn="ctr">
+                      <a:solidFill>
+                        <a:schemeClr val="tx1"/>
+                      </a:solidFill>
+                      <a:prstDash val="solid"/>
+                      <a:round/>
+                      <a:headEnd type="none" w="med" len="med"/>
+                      <a:tailEnd type="none" w="med" len="med"/>
+                    </a:lnT>
+                    <a:lnB w="12700" cap="flat" cmpd="sng" algn="ctr">
+                      <a:solidFill>
+                        <a:schemeClr val="tx1"/>
+                      </a:solidFill>
+                      <a:prstDash val="solid"/>
+                      <a:round/>
+                      <a:headEnd type="none" w="med" len="med"/>
+                      <a:tailEnd type="none" w="med" len="med"/>
+                    </a:lnB>
+                    <a:solidFill>
+                      <a:schemeClr val="bg1"/>
+                    </a:solidFill>
+                  </a:tcPr>
+                </a:tc>
+                <a:extLst>
+                  <a:ext uri="{0D108BD9-81ED-4DB2-BD59-A6C34878D82A}">
+                    <a16:rowId xmlns:a16="http://schemas.microsoft.com/office/drawing/2014/main" xmlns="" val="2318367764"/>
+                  </a:ext>
+                </a:extLst>
+              </a:tr>
+            </a:tbl>
+          </a:graphicData>
+        </a:graphic>
+      </p:graphicFrame>
+      <p:graphicFrame>
+        <p:nvGraphicFramePr>
+          <p:cNvPr id="7" name="표 5">
+            <a:extLst>
+              <a:ext uri="{FF2B5EF4-FFF2-40B4-BE49-F238E27FC236}">
+                <a16:creationId xmlns:a16="http://schemas.microsoft.com/office/drawing/2014/main" xmlns="" id="{15D5CCAF-CAB6-493C-9A85-2676F48690AF}"/>
+              </a:ext>
+            </a:extLst>
+          </p:cNvPr>
+          <p:cNvGraphicFramePr>
+            <a:graphicFrameLocks noGrp="1"/>
+          </p:cNvGraphicFramePr>
+          <p:nvPr>
+            <p:extLst>
+              <p:ext uri="{D42A27DB-BD31-4B8C-83A1-F6EECF244321}">
+                <p14:modId xmlns:p14="http://schemas.microsoft.com/office/powerpoint/2010/main" val="1063956281"/>
+              </p:ext>
+            </p:extLst>
+          </p:nvPr>
+        </p:nvGraphicFramePr>
+        <p:xfrm>
+          <a:off x="3063654" y="3693601"/>
+          <a:ext cx="2202084" cy="376251"/>
+        </p:xfrm>
+        <a:graphic>
+          <a:graphicData uri="http://schemas.openxmlformats.org/drawingml/2006/table">
+            <a:tbl>
+              <a:tblPr firstRow="1" bandRow="1">
+                <a:tableStyleId>{5C22544A-7EE6-4342-B048-85BDC9FD1C3A}</a:tableStyleId>
+              </a:tblPr>
+              <a:tblGrid>
+                <a:gridCol w="550521">
+                  <a:extLst>
+                    <a:ext uri="{9D8B030D-6E8A-4147-A177-3AD203B41FA5}">
+                      <a16:colId xmlns:a16="http://schemas.microsoft.com/office/drawing/2014/main" xmlns="" val="422949941"/>
+                    </a:ext>
+                  </a:extLst>
+                </a:gridCol>
+                <a:gridCol w="550521">
+                  <a:extLst>
+                    <a:ext uri="{9D8B030D-6E8A-4147-A177-3AD203B41FA5}">
+                      <a16:colId xmlns:a16="http://schemas.microsoft.com/office/drawing/2014/main" xmlns="" val="1888211109"/>
+                    </a:ext>
+                  </a:extLst>
+                </a:gridCol>
+                <a:gridCol w="550521">
+                  <a:extLst>
+                    <a:ext uri="{9D8B030D-6E8A-4147-A177-3AD203B41FA5}">
+                      <a16:colId xmlns:a16="http://schemas.microsoft.com/office/drawing/2014/main" xmlns="" val="3675358557"/>
+                    </a:ext>
+                  </a:extLst>
+                </a:gridCol>
+                <a:gridCol w="550521">
+                  <a:extLst>
+                    <a:ext uri="{9D8B030D-6E8A-4147-A177-3AD203B41FA5}">
+                      <a16:colId xmlns:a16="http://schemas.microsoft.com/office/drawing/2014/main" xmlns="" val="2341215234"/>
+                    </a:ext>
+                  </a:extLst>
+                </a:gridCol>
+              </a:tblGrid>
+              <a:tr h="376251">
+                <a:tc>
+                  <a:txBody>
+                    <a:bodyPr/>
+                    <a:lstStyle/>
+                    <a:p>
+                      <a:pPr algn="ctr" latinLnBrk="1"/>
+                      <a:r>
+                        <a:rPr lang="en-US" altLang="ko-KR" sz="1400" dirty="0" smtClean="0">
+                          <a:solidFill>
+                            <a:sysClr val="windowText" lastClr="000000"/>
+                          </a:solidFill>
+                        </a:rPr>
+                        <a:t>19</a:t>
+                      </a:r>
+                      <a:endParaRPr lang="ko-KR" altLang="en-US" sz="1400" dirty="0">
+                        <a:solidFill>
+                          <a:sysClr val="windowText" lastClr="000000"/>
+                        </a:solidFill>
+                      </a:endParaRPr>
+                    </a:p>
+                  </a:txBody>
+                  <a:tcPr marL="61018" marR="61018" marT="30509" marB="30509" anchor="ctr">
+                    <a:lnL w="12700" cap="flat" cmpd="sng" algn="ctr">
+                      <a:solidFill>
+                        <a:schemeClr val="tx1"/>
+                      </a:solidFill>
+                      <a:prstDash val="solid"/>
+                      <a:round/>
+                      <a:headEnd type="none" w="med" len="med"/>
+                      <a:tailEnd type="none" w="med" len="med"/>
+                    </a:lnL>
+                    <a:lnR w="12700" cap="flat" cmpd="sng" algn="ctr">
+                      <a:solidFill>
+                        <a:schemeClr val="tx1"/>
+                      </a:solidFill>
+                      <a:prstDash val="solid"/>
+                      <a:round/>
+                      <a:headEnd type="none" w="med" len="med"/>
+                      <a:tailEnd type="none" w="med" len="med"/>
+                    </a:lnR>
+                    <a:lnT w="12700" cap="flat" cmpd="sng" algn="ctr">
+                      <a:solidFill>
+                        <a:schemeClr val="tx1"/>
+                      </a:solidFill>
+                      <a:prstDash val="solid"/>
+                      <a:round/>
+                      <a:headEnd type="none" w="med" len="med"/>
+                      <a:tailEnd type="none" w="med" len="med"/>
+                    </a:lnT>
+                    <a:lnB w="12700" cap="flat" cmpd="sng" algn="ctr">
+                      <a:solidFill>
+                        <a:schemeClr val="tx1"/>
+                      </a:solidFill>
+                      <a:prstDash val="solid"/>
+                      <a:round/>
+                      <a:headEnd type="none" w="med" len="med"/>
+                      <a:tailEnd type="none" w="med" len="med"/>
+                    </a:lnB>
+                    <a:solidFill>
+                      <a:schemeClr val="bg1"/>
+                    </a:solidFill>
+                  </a:tcPr>
+                </a:tc>
+                <a:tc>
+                  <a:txBody>
+                    <a:bodyPr/>
+                    <a:lstStyle/>
+                    <a:p>
+                      <a:pPr algn="ctr" latinLnBrk="1"/>
+                      <a:r>
+                        <a:rPr lang="en-US" altLang="ko-KR" sz="1400" dirty="0" smtClean="0">
+                          <a:solidFill>
+                            <a:sysClr val="windowText" lastClr="000000"/>
+                          </a:solidFill>
+                        </a:rPr>
+                        <a:t>20</a:t>
+                      </a:r>
+                      <a:endParaRPr lang="ko-KR" altLang="en-US" sz="1400" dirty="0">
+                        <a:solidFill>
+                          <a:sysClr val="windowText" lastClr="000000"/>
+                        </a:solidFill>
+                      </a:endParaRPr>
+                    </a:p>
+                  </a:txBody>
+                  <a:tcPr marL="61018" marR="61018" marT="30509" marB="30509" anchor="ctr">
+                    <a:lnL w="12700" cap="flat" cmpd="sng" algn="ctr">
+                      <a:solidFill>
+                        <a:schemeClr val="tx1"/>
+                      </a:solidFill>
+                      <a:prstDash val="solid"/>
+                      <a:round/>
+                      <a:headEnd type="none" w="med" len="med"/>
+                      <a:tailEnd type="none" w="med" len="med"/>
+                    </a:lnL>
+                    <a:lnR w="12700" cap="flat" cmpd="sng" algn="ctr">
+                      <a:solidFill>
+                        <a:schemeClr val="tx1"/>
+                      </a:solidFill>
+                      <a:prstDash val="solid"/>
+                      <a:round/>
+                      <a:headEnd type="none" w="med" len="med"/>
+                      <a:tailEnd type="none" w="med" len="med"/>
+                    </a:lnR>
+                    <a:lnT w="12700" cap="flat" cmpd="sng" algn="ctr">
+                      <a:solidFill>
+                        <a:schemeClr val="tx1"/>
+                      </a:solidFill>
+                      <a:prstDash val="solid"/>
+                      <a:round/>
+                      <a:headEnd type="none" w="med" len="med"/>
+                      <a:tailEnd type="none" w="med" len="med"/>
+                    </a:lnT>
+                    <a:lnB w="12700" cap="flat" cmpd="sng" algn="ctr">
+                      <a:solidFill>
+                        <a:schemeClr val="tx1"/>
+                      </a:solidFill>
+                      <a:prstDash val="solid"/>
+                      <a:round/>
+                      <a:headEnd type="none" w="med" len="med"/>
+                      <a:tailEnd type="none" w="med" len="med"/>
+                    </a:lnB>
+                    <a:solidFill>
+                      <a:schemeClr val="bg1"/>
+                    </a:solidFill>
+                  </a:tcPr>
+                </a:tc>
+                <a:tc>
+                  <a:txBody>
+                    <a:bodyPr/>
+                    <a:lstStyle/>
+                    <a:p>
+                      <a:pPr algn="ctr" latinLnBrk="1"/>
+                      <a:r>
+                        <a:rPr lang="en-US" altLang="ko-KR" sz="1400" dirty="0" smtClean="0">
+                          <a:solidFill>
+                            <a:sysClr val="windowText" lastClr="000000"/>
+                          </a:solidFill>
+                        </a:rPr>
+                        <a:t>21</a:t>
+                      </a:r>
+                      <a:endParaRPr lang="ko-KR" altLang="en-US" sz="1400" dirty="0">
+                        <a:solidFill>
+                          <a:sysClr val="windowText" lastClr="000000"/>
+                        </a:solidFill>
+                      </a:endParaRPr>
+                    </a:p>
+                  </a:txBody>
+                  <a:tcPr marL="61018" marR="61018" marT="30509" marB="30509" anchor="ctr">
+                    <a:lnL w="12700" cap="flat" cmpd="sng" algn="ctr">
+                      <a:solidFill>
+                        <a:schemeClr val="tx1"/>
+                      </a:solidFill>
+                      <a:prstDash val="solid"/>
+                      <a:round/>
+                      <a:headEnd type="none" w="med" len="med"/>
+                      <a:tailEnd type="none" w="med" len="med"/>
+                    </a:lnL>
+                    <a:lnR w="12700" cap="flat" cmpd="sng" algn="ctr">
+                      <a:solidFill>
+                        <a:schemeClr val="tx1"/>
+                      </a:solidFill>
+                      <a:prstDash val="solid"/>
+                      <a:round/>
+                      <a:headEnd type="none" w="med" len="med"/>
+                      <a:tailEnd type="none" w="med" len="med"/>
+                    </a:lnR>
+                    <a:lnT w="12700" cap="flat" cmpd="sng" algn="ctr">
+                      <a:solidFill>
+                        <a:schemeClr val="tx1"/>
+                      </a:solidFill>
+                      <a:prstDash val="solid"/>
+                      <a:round/>
+                      <a:headEnd type="none" w="med" len="med"/>
+                      <a:tailEnd type="none" w="med" len="med"/>
+                    </a:lnT>
+                    <a:lnB w="12700" cap="flat" cmpd="sng" algn="ctr">
+                      <a:solidFill>
+                        <a:schemeClr val="tx1"/>
+                      </a:solidFill>
+                      <a:prstDash val="solid"/>
+                      <a:round/>
+                      <a:headEnd type="none" w="med" len="med"/>
+                      <a:tailEnd type="none" w="med" len="med"/>
+                    </a:lnB>
+                    <a:solidFill>
+                      <a:schemeClr val="bg1"/>
+                    </a:solidFill>
+                  </a:tcPr>
+                </a:tc>
+                <a:tc>
+                  <a:txBody>
+                    <a:bodyPr/>
+                    <a:lstStyle/>
+                    <a:p>
+                      <a:pPr algn="ctr" latinLnBrk="1"/>
+                      <a:r>
+                        <a:rPr lang="en-US" altLang="ko-KR" sz="1400" dirty="0" smtClean="0">
+                          <a:solidFill>
+                            <a:sysClr val="windowText" lastClr="000000"/>
+                          </a:solidFill>
+                        </a:rPr>
+                        <a:t>25</a:t>
+                      </a:r>
+                      <a:endParaRPr lang="ko-KR" altLang="en-US" sz="1400" dirty="0">
+                        <a:solidFill>
+                          <a:sysClr val="windowText" lastClr="000000"/>
+                        </a:solidFill>
+                      </a:endParaRPr>
+                    </a:p>
+                  </a:txBody>
+                  <a:tcPr marL="61018" marR="61018" marT="30509" marB="30509" anchor="ctr">
+                    <a:lnL w="12700" cap="flat" cmpd="sng" algn="ctr">
+                      <a:solidFill>
+                        <a:schemeClr val="tx1"/>
+                      </a:solidFill>
+                      <a:prstDash val="solid"/>
+                      <a:round/>
+                      <a:headEnd type="none" w="med" len="med"/>
+                      <a:tailEnd type="none" w="med" len="med"/>
+                    </a:lnL>
+                    <a:lnR w="12700" cap="flat" cmpd="sng" algn="ctr">
+                      <a:solidFill>
+                        <a:schemeClr val="tx1"/>
+                      </a:solidFill>
+                      <a:prstDash val="solid"/>
+                      <a:round/>
+                      <a:headEnd type="none" w="med" len="med"/>
+                      <a:tailEnd type="none" w="med" len="med"/>
+                    </a:lnR>
+                    <a:lnT w="12700" cap="flat" cmpd="sng" algn="ctr">
+                      <a:solidFill>
+                        <a:schemeClr val="tx1"/>
+                      </a:solidFill>
+                      <a:prstDash val="solid"/>
+                      <a:round/>
+                      <a:headEnd type="none" w="med" len="med"/>
+                      <a:tailEnd type="none" w="med" len="med"/>
+                    </a:lnT>
+                    <a:lnB w="12700" cap="flat" cmpd="sng" algn="ctr">
+                      <a:solidFill>
+                        <a:schemeClr val="tx1"/>
+                      </a:solidFill>
+                      <a:prstDash val="solid"/>
+                      <a:round/>
+                      <a:headEnd type="none" w="med" len="med"/>
+                      <a:tailEnd type="none" w="med" len="med"/>
+                    </a:lnB>
+                    <a:solidFill>
+                      <a:schemeClr val="bg1"/>
+                    </a:solidFill>
+                  </a:tcPr>
+                </a:tc>
+                <a:extLst>
+                  <a:ext uri="{0D108BD9-81ED-4DB2-BD59-A6C34878D82A}">
+                    <a16:rowId xmlns:a16="http://schemas.microsoft.com/office/drawing/2014/main" xmlns="" val="2318367764"/>
+                  </a:ext>
+                </a:extLst>
+              </a:tr>
+            </a:tbl>
+          </a:graphicData>
+        </a:graphic>
+      </p:graphicFrame>
+      <p:cxnSp>
+        <p:nvCxnSpPr>
+          <p:cNvPr id="9" name="직선 화살표 연결선 8"/>
+          <p:cNvCxnSpPr/>
+          <p:nvPr/>
+        </p:nvCxnSpPr>
+        <p:spPr>
+          <a:xfrm>
+            <a:off x="3352800" y="1973955"/>
+            <a:ext cx="990600" cy="684000"/>
+          </a:xfrm>
+          <a:prstGeom prst="straightConnector1">
+            <a:avLst/>
+          </a:prstGeom>
+          <a:ln>
+            <a:solidFill>
+              <a:schemeClr val="tx1"/>
+            </a:solidFill>
+            <a:tailEnd type="triangle"/>
+          </a:ln>
+        </p:spPr>
+        <p:style>
+          <a:lnRef idx="1">
+            <a:schemeClr val="accent1"/>
+          </a:lnRef>
+          <a:fillRef idx="0">
+            <a:schemeClr val="accent1"/>
+          </a:fillRef>
+          <a:effectRef idx="0">
+            <a:schemeClr val="accent1"/>
+          </a:effectRef>
+          <a:fontRef idx="minor">
+            <a:schemeClr val="tx1"/>
+          </a:fontRef>
+        </p:style>
+      </p:cxnSp>
+      <p:cxnSp>
+        <p:nvCxnSpPr>
+          <p:cNvPr id="10" name="직선 화살표 연결선 9"/>
+          <p:cNvCxnSpPr/>
+          <p:nvPr/>
+        </p:nvCxnSpPr>
+        <p:spPr>
+          <a:xfrm flipH="1">
+            <a:off x="3352800" y="1973955"/>
+            <a:ext cx="495300" cy="684000"/>
+          </a:xfrm>
+          <a:prstGeom prst="straightConnector1">
+            <a:avLst/>
+          </a:prstGeom>
+          <a:ln>
+            <a:solidFill>
+              <a:schemeClr val="tx1"/>
+            </a:solidFill>
+            <a:tailEnd type="triangle"/>
+          </a:ln>
+        </p:spPr>
+        <p:style>
+          <a:lnRef idx="1">
+            <a:schemeClr val="accent1"/>
+          </a:lnRef>
+          <a:fillRef idx="0">
+            <a:schemeClr val="accent1"/>
+          </a:fillRef>
+          <a:effectRef idx="0">
+            <a:schemeClr val="accent1"/>
+          </a:effectRef>
+          <a:fontRef idx="minor">
+            <a:schemeClr val="tx1"/>
+          </a:fontRef>
+        </p:style>
+      </p:cxnSp>
+      <p:cxnSp>
+        <p:nvCxnSpPr>
+          <p:cNvPr id="13" name="직선 화살표 연결선 12"/>
+          <p:cNvCxnSpPr/>
+          <p:nvPr/>
+        </p:nvCxnSpPr>
+        <p:spPr>
+          <a:xfrm>
+            <a:off x="4978854" y="1973955"/>
+            <a:ext cx="1656838" cy="684000"/>
+          </a:xfrm>
+          <a:prstGeom prst="straightConnector1">
+            <a:avLst/>
+          </a:prstGeom>
+          <a:ln>
+            <a:solidFill>
+              <a:schemeClr val="tx1"/>
+            </a:solidFill>
+            <a:tailEnd type="triangle"/>
+          </a:ln>
+        </p:spPr>
+        <p:style>
+          <a:lnRef idx="1">
+            <a:schemeClr val="accent1"/>
+          </a:lnRef>
+          <a:fillRef idx="0">
+            <a:schemeClr val="accent1"/>
+          </a:fillRef>
+          <a:effectRef idx="0">
+            <a:schemeClr val="accent1"/>
+          </a:effectRef>
+          <a:fontRef idx="minor">
+            <a:schemeClr val="tx1"/>
+          </a:fontRef>
+        </p:style>
+      </p:cxnSp>
+      <p:cxnSp>
+        <p:nvCxnSpPr>
+          <p:cNvPr id="14" name="직선 화살표 연결선 13"/>
+          <p:cNvCxnSpPr/>
+          <p:nvPr/>
+        </p:nvCxnSpPr>
+        <p:spPr>
+          <a:xfrm flipH="1">
+            <a:off x="3848100" y="1973955"/>
+            <a:ext cx="606454" cy="684000"/>
+          </a:xfrm>
+          <a:prstGeom prst="straightConnector1">
+            <a:avLst/>
+          </a:prstGeom>
+          <a:ln>
+            <a:solidFill>
+              <a:schemeClr val="tx1"/>
+            </a:solidFill>
+            <a:tailEnd type="triangle"/>
+          </a:ln>
+        </p:spPr>
+        <p:style>
+          <a:lnRef idx="1">
+            <a:schemeClr val="accent1"/>
+          </a:lnRef>
+          <a:fillRef idx="0">
+            <a:schemeClr val="accent1"/>
+          </a:fillRef>
+          <a:effectRef idx="0">
+            <a:schemeClr val="accent1"/>
+          </a:effectRef>
+          <a:fontRef idx="minor">
+            <a:schemeClr val="tx1"/>
+          </a:fontRef>
+        </p:style>
+      </p:cxnSp>
+      <p:sp>
+        <p:nvSpPr>
+          <p:cNvPr id="19" name="텍스트 상자 18"/>
+          <p:cNvSpPr txBox="1"/>
+          <p:nvPr/>
+        </p:nvSpPr>
+        <p:spPr>
+          <a:xfrm>
+            <a:off x="307558" y="1597704"/>
+            <a:ext cx="1798890" cy="338554"/>
+          </a:xfrm>
+          <a:prstGeom prst="rect">
+            <a:avLst/>
+          </a:prstGeom>
+          <a:noFill/>
+        </p:spPr>
+        <p:txBody>
+          <a:bodyPr wrap="none" rtlCol="0">
+            <a:spAutoFit/>
+          </a:bodyPr>
+          <a:lstStyle/>
+          <a:p>
+            <a:r>
+              <a:rPr kumimoji="1" lang="en-US" altLang="ko-KR" sz="1600" dirty="0" smtClean="0"/>
+              <a:t>(1)</a:t>
+            </a:r>
+            <a:r>
+              <a:rPr kumimoji="1" lang="ko-KR" altLang="en-US" sz="1600" dirty="0" smtClean="0"/>
+              <a:t> 정렬할 데이터</a:t>
+            </a:r>
+            <a:endParaRPr kumimoji="1" lang="ko-KR" altLang="en-US" sz="1600" dirty="0"/>
+          </a:p>
+        </p:txBody>
+      </p:sp>
+      <p:sp>
+        <p:nvSpPr>
+          <p:cNvPr id="20" name="텍스트 상자 19"/>
+          <p:cNvSpPr txBox="1"/>
+          <p:nvPr/>
+        </p:nvSpPr>
+        <p:spPr>
+          <a:xfrm>
+            <a:off x="307558" y="2131289"/>
+            <a:ext cx="2486578" cy="338554"/>
+          </a:xfrm>
+          <a:prstGeom prst="rect">
+            <a:avLst/>
+          </a:prstGeom>
+          <a:noFill/>
+        </p:spPr>
+        <p:txBody>
+          <a:bodyPr wrap="none" rtlCol="0">
+            <a:spAutoFit/>
+          </a:bodyPr>
+          <a:lstStyle/>
+          <a:p>
+            <a:r>
+              <a:rPr kumimoji="1" lang="en-US" altLang="ko-KR" sz="1600" dirty="0" smtClean="0"/>
+              <a:t>(2)</a:t>
+            </a:r>
+            <a:r>
+              <a:rPr kumimoji="1" lang="ko-KR" altLang="en-US" sz="1600" dirty="0" smtClean="0"/>
+              <a:t> 데이터를 배열에 할당</a:t>
+            </a:r>
+            <a:endParaRPr kumimoji="1" lang="ko-KR" altLang="en-US" sz="1600" dirty="0"/>
+          </a:p>
+        </p:txBody>
+      </p:sp>
+      <p:sp>
+        <p:nvSpPr>
+          <p:cNvPr id="21" name="텍스트 상자 20"/>
+          <p:cNvSpPr txBox="1"/>
+          <p:nvPr/>
+        </p:nvSpPr>
+        <p:spPr>
+          <a:xfrm>
+            <a:off x="307252" y="2657955"/>
+            <a:ext cx="2294218" cy="584775"/>
+          </a:xfrm>
+          <a:prstGeom prst="rect">
+            <a:avLst/>
+          </a:prstGeom>
+          <a:noFill/>
+        </p:spPr>
+        <p:txBody>
+          <a:bodyPr wrap="none" rtlCol="0">
+            <a:spAutoFit/>
+          </a:bodyPr>
+          <a:lstStyle/>
+          <a:p>
+            <a:pPr marL="358775" indent="-346075"/>
+            <a:r>
+              <a:rPr kumimoji="1" lang="en-US" altLang="ko-KR" sz="1600" dirty="0" smtClean="0"/>
+              <a:t>(3)</a:t>
+            </a:r>
+            <a:r>
+              <a:rPr kumimoji="1" lang="ko-KR" altLang="en-US" sz="1600" dirty="0" smtClean="0"/>
+              <a:t> 데이터 정렬을 위한</a:t>
+            </a:r>
+            <a:r>
+              <a:rPr kumimoji="1" lang="en-US" altLang="ko-KR" sz="1600" dirty="0" smtClean="0"/>
+              <a:t/>
+            </a:r>
+            <a:br>
+              <a:rPr kumimoji="1" lang="en-US" altLang="ko-KR" sz="1600" dirty="0" smtClean="0"/>
+            </a:br>
+            <a:r>
+              <a:rPr kumimoji="1" lang="ko-KR" altLang="en-US" sz="1600" dirty="0" smtClean="0"/>
+              <a:t>할당한 메모리</a:t>
+            </a:r>
+            <a:endParaRPr kumimoji="1" lang="ko-KR" altLang="en-US" sz="1600" dirty="0"/>
+          </a:p>
+        </p:txBody>
+      </p:sp>
+      <p:sp>
+        <p:nvSpPr>
+          <p:cNvPr id="22" name="텍스트 상자 21"/>
+          <p:cNvSpPr txBox="1"/>
+          <p:nvPr/>
+        </p:nvSpPr>
+        <p:spPr>
+          <a:xfrm>
+            <a:off x="307557" y="3301489"/>
+            <a:ext cx="4146997" cy="338554"/>
+          </a:xfrm>
+          <a:prstGeom prst="rect">
+            <a:avLst/>
+          </a:prstGeom>
+          <a:noFill/>
+        </p:spPr>
+        <p:txBody>
+          <a:bodyPr wrap="square" rtlCol="0">
+            <a:spAutoFit/>
+          </a:bodyPr>
+          <a:lstStyle/>
+          <a:p>
+            <a:pPr marL="358775" indent="-346075"/>
+            <a:r>
+              <a:rPr kumimoji="1" lang="en-US" altLang="ko-KR" sz="1600" dirty="0" smtClean="0"/>
+              <a:t>(</a:t>
+            </a:r>
+            <a:r>
+              <a:rPr kumimoji="1" lang="en-US" altLang="ko-KR" sz="1600" dirty="0"/>
+              <a:t>4</a:t>
+            </a:r>
+            <a:r>
+              <a:rPr kumimoji="1" lang="en-US" altLang="ko-KR" sz="1600" dirty="0" smtClean="0"/>
+              <a:t>)</a:t>
+            </a:r>
+            <a:r>
+              <a:rPr kumimoji="1" lang="ko-KR" altLang="en-US" sz="1600" dirty="0" smtClean="0"/>
+              <a:t> 배열의 데이터를 순서대로 출력</a:t>
+            </a:r>
+            <a:endParaRPr kumimoji="1" lang="ko-KR" altLang="en-US" sz="1600" dirty="0"/>
+          </a:p>
+        </p:txBody>
+      </p:sp>
+    </p:spTree>
+    <p:extLst>
+      <p:ext uri="{BB962C8B-B14F-4D97-AF65-F5344CB8AC3E}">
+        <p14:creationId xmlns:p14="http://schemas.microsoft.com/office/powerpoint/2010/main" val="890253334"/>
+      </p:ext>
+    </p:extLst>
+  </p:cSld>
+  <p:clrMapOvr>
+    <a:masterClrMapping/>
+  </p:clrMapOvr>
+</p:sld>
+</file>
+
+<file path=ppt/slides/slide27.xml><?xml version="1.0" encoding="utf-8"?>
+<p:sld xmlns:a="http://schemas.openxmlformats.org/drawingml/2006/main" xmlns:r="http://schemas.openxmlformats.org/officeDocument/2006/relationships" xmlns:p="http://schemas.openxmlformats.org/presentationml/2006/main">
+  <p:cSld>
+    <p:spTree>
+      <p:nvGrpSpPr>
+        <p:cNvPr id="1" name=""/>
+        <p:cNvGrpSpPr/>
+        <p:nvPr/>
+      </p:nvGrpSpPr>
+      <p:grpSpPr>
+        <a:xfrm>
+          <a:off x="0" y="0"/>
+          <a:ext cx="0" cy="0"/>
+          <a:chOff x="0" y="0"/>
+          <a:chExt cx="0" cy="0"/>
+        </a:xfrm>
+      </p:grpSpPr>
+      <p:graphicFrame>
+        <p:nvGraphicFramePr>
+          <p:cNvPr id="4" name="표 3">
+            <a:extLst>
+              <a:ext uri="{FF2B5EF4-FFF2-40B4-BE49-F238E27FC236}">
+                <a16:creationId xmlns:a16="http://schemas.microsoft.com/office/drawing/2014/main" xmlns="" id="{15D5CCAF-CAB6-493C-9A85-2676F48690AF}"/>
+              </a:ext>
+            </a:extLst>
+          </p:cNvPr>
+          <p:cNvGraphicFramePr>
+            <a:graphicFrameLocks noGrp="1"/>
+          </p:cNvGraphicFramePr>
+          <p:nvPr>
+            <p:extLst>
+              <p:ext uri="{D42A27DB-BD31-4B8C-83A1-F6EECF244321}">
+                <p14:modId xmlns:p14="http://schemas.microsoft.com/office/powerpoint/2010/main" val="1615926852"/>
+              </p:ext>
+            </p:extLst>
+          </p:nvPr>
+        </p:nvGraphicFramePr>
+        <p:xfrm>
+          <a:off x="3757921" y="2615820"/>
+          <a:ext cx="5472000" cy="547200"/>
+        </p:xfrm>
+        <a:graphic>
+          <a:graphicData uri="http://schemas.openxmlformats.org/drawingml/2006/table">
+            <a:tbl>
+              <a:tblPr firstRow="1" bandRow="1">
+                <a:tableStyleId>{5C22544A-7EE6-4342-B048-85BDC9FD1C3A}</a:tableStyleId>
+              </a:tblPr>
+              <a:tblGrid>
+                <a:gridCol w="547200">
+                  <a:extLst>
+                    <a:ext uri="{9D8B030D-6E8A-4147-A177-3AD203B41FA5}">
+                      <a16:colId xmlns:a16="http://schemas.microsoft.com/office/drawing/2014/main" xmlns="" val="422949941"/>
+                    </a:ext>
+                  </a:extLst>
+                </a:gridCol>
+                <a:gridCol w="547200"/>
+                <a:gridCol w="547200"/>
+                <a:gridCol w="547200"/>
+                <a:gridCol w="547200">
+                  <a:extLst>
+                    <a:ext uri="{9D8B030D-6E8A-4147-A177-3AD203B41FA5}">
+                      <a16:colId xmlns:a16="http://schemas.microsoft.com/office/drawing/2014/main" xmlns="" val="1888211109"/>
+                    </a:ext>
+                  </a:extLst>
+                </a:gridCol>
+                <a:gridCol w="547200">
+                  <a:extLst>
+                    <a:ext uri="{9D8B030D-6E8A-4147-A177-3AD203B41FA5}">
+                      <a16:colId xmlns:a16="http://schemas.microsoft.com/office/drawing/2014/main" xmlns="" val="3675358557"/>
+                    </a:ext>
+                  </a:extLst>
+                </a:gridCol>
+                <a:gridCol w="547200">
+                  <a:extLst>
+                    <a:ext uri="{9D8B030D-6E8A-4147-A177-3AD203B41FA5}">
+                      <a16:colId xmlns:a16="http://schemas.microsoft.com/office/drawing/2014/main" xmlns="" val="2341215234"/>
+                    </a:ext>
+                  </a:extLst>
+                </a:gridCol>
+                <a:gridCol w="547200"/>
+                <a:gridCol w="547200"/>
+                <a:gridCol w="547200"/>
+              </a:tblGrid>
+              <a:tr h="547200">
+                <a:tc>
+                  <a:txBody>
+                    <a:bodyPr/>
+                    <a:lstStyle/>
+                    <a:p>
+                      <a:pPr algn="ctr" latinLnBrk="1"/>
+                      <a:r>
+                        <a:rPr lang="en-US" altLang="ko-KR" sz="1400" dirty="0" smtClean="0">
+                          <a:solidFill>
+                            <a:sysClr val="windowText" lastClr="000000"/>
+                          </a:solidFill>
+                        </a:rPr>
+                        <a:t>0</a:t>
+                      </a:r>
+                      <a:br>
+                        <a:rPr lang="en-US" altLang="ko-KR" sz="1400" dirty="0" smtClean="0">
+                          <a:solidFill>
+                            <a:sysClr val="windowText" lastClr="000000"/>
+                          </a:solidFill>
+                        </a:rPr>
+                      </a:br>
+                      <a:r>
+                        <a:rPr lang="ko-KR" altLang="en-US" sz="1400" dirty="0" smtClean="0">
+                          <a:solidFill>
+                            <a:sysClr val="windowText" lastClr="000000"/>
+                          </a:solidFill>
+                        </a:rPr>
+                        <a:t>자리</a:t>
+                      </a:r>
+                      <a:endParaRPr lang="ko-KR" altLang="en-US" sz="1400" dirty="0">
+                        <a:solidFill>
+                          <a:sysClr val="windowText" lastClr="000000"/>
+                        </a:solidFill>
+                      </a:endParaRPr>
+                    </a:p>
+                  </a:txBody>
+                  <a:tcPr marL="61018" marR="61018" marT="30509" marB="30509" anchor="ctr">
+                    <a:lnL w="12700" cap="flat" cmpd="sng" algn="ctr">
+                      <a:solidFill>
+                        <a:schemeClr val="tx1"/>
+                      </a:solidFill>
+                      <a:prstDash val="solid"/>
+                      <a:round/>
+                      <a:headEnd type="none" w="med" len="med"/>
+                      <a:tailEnd type="none" w="med" len="med"/>
+                    </a:lnL>
+                    <a:lnR w="12700" cap="flat" cmpd="sng" algn="ctr">
+                      <a:solidFill>
+                        <a:schemeClr val="tx1"/>
+                      </a:solidFill>
+                      <a:prstDash val="solid"/>
+                      <a:round/>
+                      <a:headEnd type="none" w="med" len="med"/>
+                      <a:tailEnd type="none" w="med" len="med"/>
+                    </a:lnR>
+                    <a:lnT w="12700" cap="flat" cmpd="sng" algn="ctr">
+                      <a:solidFill>
+                        <a:schemeClr val="tx1"/>
+                      </a:solidFill>
+                      <a:prstDash val="solid"/>
+                      <a:round/>
+                      <a:headEnd type="none" w="med" len="med"/>
+                      <a:tailEnd type="none" w="med" len="med"/>
+                    </a:lnT>
+                    <a:lnB w="12700" cap="flat" cmpd="sng" algn="ctr">
+                      <a:solidFill>
+                        <a:schemeClr val="tx1"/>
+                      </a:solidFill>
+                      <a:prstDash val="solid"/>
+                      <a:round/>
+                      <a:headEnd type="none" w="med" len="med"/>
+                      <a:tailEnd type="none" w="med" len="med"/>
+                    </a:lnB>
+                    <a:solidFill>
+                      <a:schemeClr val="bg1"/>
+                    </a:solidFill>
+                  </a:tcPr>
+                </a:tc>
+                <a:tc>
+                  <a:txBody>
+                    <a:bodyPr/>
+                    <a:lstStyle/>
+                    <a:p>
+                      <a:pPr marL="0" marR="0" indent="0" algn="ctr" defTabSz="914400" rtl="0" eaLnBrk="1" fontAlgn="auto" latinLnBrk="1" hangingPunct="1">
+                        <a:lnSpc>
+                          <a:spcPct val="100000"/>
+                        </a:lnSpc>
+                        <a:spcBef>
+                          <a:spcPts val="0"/>
+                        </a:spcBef>
+                        <a:spcAft>
+                          <a:spcPts val="0"/>
+                        </a:spcAft>
+                        <a:buClrTx/>
+                        <a:buSzTx/>
+                        <a:buFontTx/>
+                        <a:buNone/>
+                        <a:tabLst/>
+                        <a:defRPr/>
+                      </a:pPr>
+                      <a:r>
+                        <a:rPr lang="en-US" altLang="ko-KR" sz="1400" dirty="0" smtClean="0">
+                          <a:solidFill>
+                            <a:sysClr val="windowText" lastClr="000000"/>
+                          </a:solidFill>
+                        </a:rPr>
+                        <a:t>1</a:t>
+                      </a:r>
+                      <a:br>
+                        <a:rPr lang="en-US" altLang="ko-KR" sz="1400" dirty="0" smtClean="0">
+                          <a:solidFill>
+                            <a:sysClr val="windowText" lastClr="000000"/>
+                          </a:solidFill>
+                        </a:rPr>
+                      </a:br>
+                      <a:r>
+                        <a:rPr lang="ko-KR" altLang="en-US" sz="1400" dirty="0" smtClean="0">
+                          <a:solidFill>
+                            <a:sysClr val="windowText" lastClr="000000"/>
+                          </a:solidFill>
+                        </a:rPr>
+                        <a:t>자리</a:t>
+                      </a:r>
+                    </a:p>
+                  </a:txBody>
+                  <a:tcPr marL="61018" marR="61018" marT="30509" marB="30509" anchor="ctr">
+                    <a:lnL w="12700" cap="flat" cmpd="sng" algn="ctr">
+                      <a:solidFill>
+                        <a:schemeClr val="tx1"/>
+                      </a:solidFill>
+                      <a:prstDash val="solid"/>
+                      <a:round/>
+                      <a:headEnd type="none" w="med" len="med"/>
+                      <a:tailEnd type="none" w="med" len="med"/>
+                    </a:lnL>
+                    <a:lnR w="12700" cap="flat" cmpd="sng" algn="ctr">
+                      <a:solidFill>
+                        <a:schemeClr val="tx1"/>
+                      </a:solidFill>
+                      <a:prstDash val="solid"/>
+                      <a:round/>
+                      <a:headEnd type="none" w="med" len="med"/>
+                      <a:tailEnd type="none" w="med" len="med"/>
+                    </a:lnR>
+                    <a:lnT w="12700" cap="flat" cmpd="sng" algn="ctr">
+                      <a:solidFill>
+                        <a:schemeClr val="tx1"/>
+                      </a:solidFill>
+                      <a:prstDash val="solid"/>
+                      <a:round/>
+                      <a:headEnd type="none" w="med" len="med"/>
+                      <a:tailEnd type="none" w="med" len="med"/>
+                    </a:lnT>
+                    <a:lnB w="12700" cap="flat" cmpd="sng" algn="ctr">
+                      <a:solidFill>
+                        <a:schemeClr val="tx1"/>
+                      </a:solidFill>
+                      <a:prstDash val="solid"/>
+                      <a:round/>
+                      <a:headEnd type="none" w="med" len="med"/>
+                      <a:tailEnd type="none" w="med" len="med"/>
+                    </a:lnB>
+                    <a:solidFill>
+                      <a:schemeClr val="bg1"/>
+                    </a:solidFill>
+                  </a:tcPr>
+                </a:tc>
+                <a:tc>
+                  <a:txBody>
+                    <a:bodyPr/>
+                    <a:lstStyle/>
+                    <a:p>
+                      <a:pPr marL="0" marR="0" indent="0" algn="ctr" defTabSz="914400" rtl="0" eaLnBrk="1" fontAlgn="auto" latinLnBrk="1" hangingPunct="1">
+                        <a:lnSpc>
+                          <a:spcPct val="100000"/>
+                        </a:lnSpc>
+                        <a:spcBef>
+                          <a:spcPts val="0"/>
+                        </a:spcBef>
+                        <a:spcAft>
+                          <a:spcPts val="0"/>
+                        </a:spcAft>
+                        <a:buClrTx/>
+                        <a:buSzTx/>
+                        <a:buFontTx/>
+                        <a:buNone/>
+                        <a:tabLst/>
+                        <a:defRPr/>
+                      </a:pPr>
+                      <a:r>
+                        <a:rPr lang="en-US" altLang="ko-KR" sz="1400" dirty="0" smtClean="0">
+                          <a:solidFill>
+                            <a:sysClr val="windowText" lastClr="000000"/>
+                          </a:solidFill>
+                        </a:rPr>
+                        <a:t>2</a:t>
+                      </a:r>
+                      <a:br>
+                        <a:rPr lang="en-US" altLang="ko-KR" sz="1400" dirty="0" smtClean="0">
+                          <a:solidFill>
+                            <a:sysClr val="windowText" lastClr="000000"/>
+                          </a:solidFill>
+                        </a:rPr>
+                      </a:br>
+                      <a:r>
+                        <a:rPr lang="ko-KR" altLang="en-US" sz="1400" dirty="0" smtClean="0">
+                          <a:solidFill>
+                            <a:sysClr val="windowText" lastClr="000000"/>
+                          </a:solidFill>
+                        </a:rPr>
+                        <a:t>자리</a:t>
+                      </a:r>
+                    </a:p>
+                  </a:txBody>
+                  <a:tcPr marL="61018" marR="61018" marT="30509" marB="30509" anchor="ctr">
+                    <a:lnL w="12700" cap="flat" cmpd="sng" algn="ctr">
+                      <a:solidFill>
+                        <a:schemeClr val="tx1"/>
+                      </a:solidFill>
+                      <a:prstDash val="solid"/>
+                      <a:round/>
+                      <a:headEnd type="none" w="med" len="med"/>
+                      <a:tailEnd type="none" w="med" len="med"/>
+                    </a:lnL>
+                    <a:lnR w="12700" cap="flat" cmpd="sng" algn="ctr">
+                      <a:solidFill>
+                        <a:schemeClr val="tx1"/>
+                      </a:solidFill>
+                      <a:prstDash val="solid"/>
+                      <a:round/>
+                      <a:headEnd type="none" w="med" len="med"/>
+                      <a:tailEnd type="none" w="med" len="med"/>
+                    </a:lnR>
+                    <a:lnT w="12700" cap="flat" cmpd="sng" algn="ctr">
+                      <a:solidFill>
+                        <a:schemeClr val="tx1"/>
+                      </a:solidFill>
+                      <a:prstDash val="solid"/>
+                      <a:round/>
+                      <a:headEnd type="none" w="med" len="med"/>
+                      <a:tailEnd type="none" w="med" len="med"/>
+                    </a:lnT>
+                    <a:lnB w="12700" cap="flat" cmpd="sng" algn="ctr">
+                      <a:solidFill>
+                        <a:schemeClr val="tx1"/>
+                      </a:solidFill>
+                      <a:prstDash val="solid"/>
+                      <a:round/>
+                      <a:headEnd type="none" w="med" len="med"/>
+                      <a:tailEnd type="none" w="med" len="med"/>
+                    </a:lnB>
+                    <a:solidFill>
+                      <a:schemeClr val="bg1"/>
+                    </a:solidFill>
+                  </a:tcPr>
+                </a:tc>
+                <a:tc>
+                  <a:txBody>
+                    <a:bodyPr/>
+                    <a:lstStyle/>
+                    <a:p>
+                      <a:pPr marL="0" marR="0" indent="0" algn="ctr" defTabSz="914400" rtl="0" eaLnBrk="1" fontAlgn="auto" latinLnBrk="1" hangingPunct="1">
+                        <a:lnSpc>
+                          <a:spcPct val="100000"/>
+                        </a:lnSpc>
+                        <a:spcBef>
+                          <a:spcPts val="0"/>
+                        </a:spcBef>
+                        <a:spcAft>
+                          <a:spcPts val="0"/>
+                        </a:spcAft>
+                        <a:buClrTx/>
+                        <a:buSzTx/>
+                        <a:buFontTx/>
+                        <a:buNone/>
+                        <a:tabLst/>
+                        <a:defRPr/>
+                      </a:pPr>
+                      <a:r>
+                        <a:rPr lang="en-US" altLang="ko-KR" sz="1400" dirty="0" smtClean="0">
+                          <a:solidFill>
+                            <a:sysClr val="windowText" lastClr="000000"/>
+                          </a:solidFill>
+                        </a:rPr>
+                        <a:t>3</a:t>
+                      </a:r>
+                      <a:br>
+                        <a:rPr lang="en-US" altLang="ko-KR" sz="1400" dirty="0" smtClean="0">
+                          <a:solidFill>
+                            <a:sysClr val="windowText" lastClr="000000"/>
+                          </a:solidFill>
+                        </a:rPr>
+                      </a:br>
+                      <a:r>
+                        <a:rPr lang="ko-KR" altLang="en-US" sz="1400" dirty="0" smtClean="0">
+                          <a:solidFill>
+                            <a:sysClr val="windowText" lastClr="000000"/>
+                          </a:solidFill>
+                        </a:rPr>
+                        <a:t>자리</a:t>
+                      </a:r>
+                    </a:p>
+                  </a:txBody>
+                  <a:tcPr marL="61018" marR="61018" marT="30509" marB="30509" anchor="ctr">
+                    <a:lnL w="12700" cap="flat" cmpd="sng" algn="ctr">
+                      <a:solidFill>
+                        <a:schemeClr val="tx1"/>
+                      </a:solidFill>
+                      <a:prstDash val="solid"/>
+                      <a:round/>
+                      <a:headEnd type="none" w="med" len="med"/>
+                      <a:tailEnd type="none" w="med" len="med"/>
+                    </a:lnL>
+                    <a:lnR w="12700" cap="flat" cmpd="sng" algn="ctr">
+                      <a:solidFill>
+                        <a:schemeClr val="tx1"/>
+                      </a:solidFill>
+                      <a:prstDash val="solid"/>
+                      <a:round/>
+                      <a:headEnd type="none" w="med" len="med"/>
+                      <a:tailEnd type="none" w="med" len="med"/>
+                    </a:lnR>
+                    <a:lnT w="12700" cap="flat" cmpd="sng" algn="ctr">
+                      <a:solidFill>
+                        <a:schemeClr val="tx1"/>
+                      </a:solidFill>
+                      <a:prstDash val="solid"/>
+                      <a:round/>
+                      <a:headEnd type="none" w="med" len="med"/>
+                      <a:tailEnd type="none" w="med" len="med"/>
+                    </a:lnT>
+                    <a:lnB w="12700" cap="flat" cmpd="sng" algn="ctr">
+                      <a:solidFill>
+                        <a:schemeClr val="tx1"/>
+                      </a:solidFill>
+                      <a:prstDash val="solid"/>
+                      <a:round/>
+                      <a:headEnd type="none" w="med" len="med"/>
+                      <a:tailEnd type="none" w="med" len="med"/>
+                    </a:lnB>
+                    <a:solidFill>
+                      <a:schemeClr val="bg1"/>
+                    </a:solidFill>
+                  </a:tcPr>
+                </a:tc>
+                <a:tc>
+                  <a:txBody>
+                    <a:bodyPr/>
+                    <a:lstStyle/>
+                    <a:p>
+                      <a:pPr algn="ctr" latinLnBrk="1"/>
+                      <a:r>
+                        <a:rPr lang="en-US" altLang="ko-KR" sz="1400" dirty="0" smtClean="0">
+                          <a:solidFill>
+                            <a:sysClr val="windowText" lastClr="000000"/>
+                          </a:solidFill>
+                        </a:rPr>
+                        <a:t>4</a:t>
+                      </a:r>
+                      <a:br>
+                        <a:rPr lang="en-US" altLang="ko-KR" sz="1400" dirty="0" smtClean="0">
+                          <a:solidFill>
+                            <a:sysClr val="windowText" lastClr="000000"/>
+                          </a:solidFill>
+                        </a:rPr>
+                      </a:br>
+                      <a:r>
+                        <a:rPr lang="ko-KR" altLang="en-US" sz="1400" dirty="0" smtClean="0">
+                          <a:solidFill>
+                            <a:sysClr val="windowText" lastClr="000000"/>
+                          </a:solidFill>
+                        </a:rPr>
+                        <a:t>자리</a:t>
+                      </a:r>
+                      <a:endParaRPr lang="ko-KR" altLang="en-US" sz="1400" dirty="0">
+                        <a:solidFill>
+                          <a:sysClr val="windowText" lastClr="000000"/>
+                        </a:solidFill>
+                      </a:endParaRPr>
+                    </a:p>
+                  </a:txBody>
+                  <a:tcPr marL="61018" marR="61018" marT="30509" marB="30509" anchor="ctr">
+                    <a:lnL w="12700" cap="flat" cmpd="sng" algn="ctr">
+                      <a:solidFill>
+                        <a:schemeClr val="tx1"/>
+                      </a:solidFill>
+                      <a:prstDash val="solid"/>
+                      <a:round/>
+                      <a:headEnd type="none" w="med" len="med"/>
+                      <a:tailEnd type="none" w="med" len="med"/>
+                    </a:lnL>
+                    <a:lnR w="12700" cap="flat" cmpd="sng" algn="ctr">
+                      <a:solidFill>
+                        <a:schemeClr val="tx1"/>
+                      </a:solidFill>
+                      <a:prstDash val="solid"/>
+                      <a:round/>
+                      <a:headEnd type="none" w="med" len="med"/>
+                      <a:tailEnd type="none" w="med" len="med"/>
+                    </a:lnR>
+                    <a:lnT w="12700" cap="flat" cmpd="sng" algn="ctr">
+                      <a:solidFill>
+                        <a:schemeClr val="tx1"/>
+                      </a:solidFill>
+                      <a:prstDash val="solid"/>
+                      <a:round/>
+                      <a:headEnd type="none" w="med" len="med"/>
+                      <a:tailEnd type="none" w="med" len="med"/>
+                    </a:lnT>
+                    <a:lnB w="12700" cap="flat" cmpd="sng" algn="ctr">
+                      <a:solidFill>
+                        <a:schemeClr val="tx1"/>
+                      </a:solidFill>
+                      <a:prstDash val="solid"/>
+                      <a:round/>
+                      <a:headEnd type="none" w="med" len="med"/>
+                      <a:tailEnd type="none" w="med" len="med"/>
+                    </a:lnB>
+                    <a:solidFill>
+                      <a:schemeClr val="bg1"/>
+                    </a:solidFill>
+                  </a:tcPr>
+                </a:tc>
+                <a:tc>
+                  <a:txBody>
+                    <a:bodyPr/>
+                    <a:lstStyle/>
+                    <a:p>
+                      <a:pPr algn="ctr" latinLnBrk="1"/>
+                      <a:r>
+                        <a:rPr lang="en-US" altLang="ko-KR" sz="1400" dirty="0" smtClean="0">
+                          <a:solidFill>
+                            <a:sysClr val="windowText" lastClr="000000"/>
+                          </a:solidFill>
+                        </a:rPr>
+                        <a:t>5</a:t>
+                      </a:r>
+                      <a:br>
+                        <a:rPr lang="en-US" altLang="ko-KR" sz="1400" dirty="0" smtClean="0">
+                          <a:solidFill>
+                            <a:sysClr val="windowText" lastClr="000000"/>
+                          </a:solidFill>
+                        </a:rPr>
+                      </a:br>
+                      <a:r>
+                        <a:rPr lang="ko-KR" altLang="en-US" sz="1400" dirty="0" smtClean="0">
+                          <a:solidFill>
+                            <a:sysClr val="windowText" lastClr="000000"/>
+                          </a:solidFill>
+                        </a:rPr>
+                        <a:t>자리</a:t>
+                      </a:r>
+                      <a:endParaRPr lang="ko-KR" altLang="en-US" sz="1400" dirty="0">
+                        <a:solidFill>
+                          <a:sysClr val="windowText" lastClr="000000"/>
+                        </a:solidFill>
+                      </a:endParaRPr>
+                    </a:p>
+                  </a:txBody>
+                  <a:tcPr marL="61018" marR="61018" marT="30509" marB="30509" anchor="ctr">
+                    <a:lnL w="12700" cap="flat" cmpd="sng" algn="ctr">
+                      <a:solidFill>
+                        <a:schemeClr val="tx1"/>
+                      </a:solidFill>
+                      <a:prstDash val="solid"/>
+                      <a:round/>
+                      <a:headEnd type="none" w="med" len="med"/>
+                      <a:tailEnd type="none" w="med" len="med"/>
+                    </a:lnL>
+                    <a:lnR w="12700" cap="flat" cmpd="sng" algn="ctr">
+                      <a:solidFill>
+                        <a:schemeClr val="tx1"/>
+                      </a:solidFill>
+                      <a:prstDash val="solid"/>
+                      <a:round/>
+                      <a:headEnd type="none" w="med" len="med"/>
+                      <a:tailEnd type="none" w="med" len="med"/>
+                    </a:lnR>
+                    <a:lnT w="12700" cap="flat" cmpd="sng" algn="ctr">
+                      <a:solidFill>
+                        <a:schemeClr val="tx1"/>
+                      </a:solidFill>
+                      <a:prstDash val="solid"/>
+                      <a:round/>
+                      <a:headEnd type="none" w="med" len="med"/>
+                      <a:tailEnd type="none" w="med" len="med"/>
+                    </a:lnT>
+                    <a:lnB w="12700" cap="flat" cmpd="sng" algn="ctr">
+                      <a:solidFill>
+                        <a:schemeClr val="tx1"/>
+                      </a:solidFill>
+                      <a:prstDash val="solid"/>
+                      <a:round/>
+                      <a:headEnd type="none" w="med" len="med"/>
+                      <a:tailEnd type="none" w="med" len="med"/>
+                    </a:lnB>
+                    <a:solidFill>
+                      <a:schemeClr val="bg1"/>
+                    </a:solidFill>
+                  </a:tcPr>
+                </a:tc>
+                <a:tc>
+                  <a:txBody>
+                    <a:bodyPr/>
+                    <a:lstStyle/>
+                    <a:p>
+                      <a:pPr algn="ctr" latinLnBrk="1"/>
+                      <a:r>
+                        <a:rPr lang="en-US" altLang="ko-KR" sz="1400" dirty="0" smtClean="0">
+                          <a:solidFill>
+                            <a:sysClr val="windowText" lastClr="000000"/>
+                          </a:solidFill>
+                        </a:rPr>
+                        <a:t>6</a:t>
+                      </a:r>
+                      <a:br>
+                        <a:rPr lang="en-US" altLang="ko-KR" sz="1400" dirty="0" smtClean="0">
+                          <a:solidFill>
+                            <a:sysClr val="windowText" lastClr="000000"/>
+                          </a:solidFill>
+                        </a:rPr>
+                      </a:br>
+                      <a:r>
+                        <a:rPr lang="ko-KR" altLang="en-US" sz="1400" dirty="0" smtClean="0">
+                          <a:solidFill>
+                            <a:sysClr val="windowText" lastClr="000000"/>
+                          </a:solidFill>
+                        </a:rPr>
+                        <a:t>자리</a:t>
+                      </a:r>
+                      <a:endParaRPr lang="ko-KR" altLang="en-US" sz="1400" dirty="0">
+                        <a:solidFill>
+                          <a:sysClr val="windowText" lastClr="000000"/>
+                        </a:solidFill>
+                      </a:endParaRPr>
+                    </a:p>
+                  </a:txBody>
+                  <a:tcPr marL="61018" marR="61018" marT="30509" marB="30509" anchor="ctr">
+                    <a:lnL w="12700" cap="flat" cmpd="sng" algn="ctr">
+                      <a:solidFill>
+                        <a:schemeClr val="tx1"/>
+                      </a:solidFill>
+                      <a:prstDash val="solid"/>
+                      <a:round/>
+                      <a:headEnd type="none" w="med" len="med"/>
+                      <a:tailEnd type="none" w="med" len="med"/>
+                    </a:lnL>
+                    <a:lnR w="12700" cap="flat" cmpd="sng" algn="ctr">
+                      <a:solidFill>
+                        <a:schemeClr val="tx1"/>
+                      </a:solidFill>
+                      <a:prstDash val="solid"/>
+                      <a:round/>
+                      <a:headEnd type="none" w="med" len="med"/>
+                      <a:tailEnd type="none" w="med" len="med"/>
+                    </a:lnR>
+                    <a:lnT w="12700" cap="flat" cmpd="sng" algn="ctr">
+                      <a:solidFill>
+                        <a:schemeClr val="tx1"/>
+                      </a:solidFill>
+                      <a:prstDash val="solid"/>
+                      <a:round/>
+                      <a:headEnd type="none" w="med" len="med"/>
+                      <a:tailEnd type="none" w="med" len="med"/>
+                    </a:lnT>
+                    <a:lnB w="12700" cap="flat" cmpd="sng" algn="ctr">
+                      <a:solidFill>
+                        <a:schemeClr val="tx1"/>
+                      </a:solidFill>
+                      <a:prstDash val="solid"/>
+                      <a:round/>
+                      <a:headEnd type="none" w="med" len="med"/>
+                      <a:tailEnd type="none" w="med" len="med"/>
+                    </a:lnB>
+                    <a:solidFill>
+                      <a:schemeClr val="bg1"/>
+                    </a:solidFill>
+                  </a:tcPr>
+                </a:tc>
+                <a:tc>
+                  <a:txBody>
+                    <a:bodyPr/>
+                    <a:lstStyle/>
+                    <a:p>
+                      <a:pPr algn="ctr" latinLnBrk="1"/>
+                      <a:r>
+                        <a:rPr lang="en-US" altLang="ko-KR" sz="1400" dirty="0" smtClean="0">
+                          <a:solidFill>
+                            <a:sysClr val="windowText" lastClr="000000"/>
+                          </a:solidFill>
+                        </a:rPr>
+                        <a:t>7</a:t>
+                      </a:r>
+                      <a:br>
+                        <a:rPr lang="en-US" altLang="ko-KR" sz="1400" dirty="0" smtClean="0">
+                          <a:solidFill>
+                            <a:sysClr val="windowText" lastClr="000000"/>
+                          </a:solidFill>
+                        </a:rPr>
+                      </a:br>
+                      <a:r>
+                        <a:rPr lang="ko-KR" altLang="en-US" sz="1400" dirty="0" smtClean="0">
+                          <a:solidFill>
+                            <a:sysClr val="windowText" lastClr="000000"/>
+                          </a:solidFill>
+                        </a:rPr>
+                        <a:t>자리</a:t>
+                      </a:r>
+                      <a:endParaRPr lang="ko-KR" altLang="en-US" sz="1400" dirty="0">
+                        <a:solidFill>
+                          <a:sysClr val="windowText" lastClr="000000"/>
+                        </a:solidFill>
+                      </a:endParaRPr>
+                    </a:p>
+                  </a:txBody>
+                  <a:tcPr marL="61018" marR="61018" marT="30509" marB="30509" anchor="ctr">
+                    <a:lnL w="12700" cap="flat" cmpd="sng" algn="ctr">
+                      <a:solidFill>
+                        <a:schemeClr val="tx1"/>
+                      </a:solidFill>
+                      <a:prstDash val="solid"/>
+                      <a:round/>
+                      <a:headEnd type="none" w="med" len="med"/>
+                      <a:tailEnd type="none" w="med" len="med"/>
+                    </a:lnL>
+                    <a:lnR w="12700" cap="flat" cmpd="sng" algn="ctr">
+                      <a:solidFill>
+                        <a:schemeClr val="tx1"/>
+                      </a:solidFill>
+                      <a:prstDash val="solid"/>
+                      <a:round/>
+                      <a:headEnd type="none" w="med" len="med"/>
+                      <a:tailEnd type="none" w="med" len="med"/>
+                    </a:lnR>
+                    <a:lnT w="12700" cap="flat" cmpd="sng" algn="ctr">
+                      <a:solidFill>
+                        <a:schemeClr val="tx1"/>
+                      </a:solidFill>
+                      <a:prstDash val="solid"/>
+                      <a:round/>
+                      <a:headEnd type="none" w="med" len="med"/>
+                      <a:tailEnd type="none" w="med" len="med"/>
+                    </a:lnT>
+                    <a:lnB w="12700" cap="flat" cmpd="sng" algn="ctr">
+                      <a:solidFill>
+                        <a:schemeClr val="tx1"/>
+                      </a:solidFill>
+                      <a:prstDash val="solid"/>
+                      <a:round/>
+                      <a:headEnd type="none" w="med" len="med"/>
+                      <a:tailEnd type="none" w="med" len="med"/>
+                    </a:lnB>
+                    <a:solidFill>
+                      <a:schemeClr val="bg1"/>
+                    </a:solidFill>
+                  </a:tcPr>
+                </a:tc>
+                <a:tc>
+                  <a:txBody>
+                    <a:bodyPr/>
+                    <a:lstStyle/>
+                    <a:p>
+                      <a:pPr algn="ctr" latinLnBrk="1"/>
+                      <a:r>
+                        <a:rPr lang="en-US" altLang="ko-KR" sz="1400" dirty="0" smtClean="0">
+                          <a:solidFill>
+                            <a:sysClr val="windowText" lastClr="000000"/>
+                          </a:solidFill>
+                        </a:rPr>
+                        <a:t>8</a:t>
+                      </a:r>
+                      <a:br>
+                        <a:rPr lang="en-US" altLang="ko-KR" sz="1400" dirty="0" smtClean="0">
+                          <a:solidFill>
+                            <a:sysClr val="windowText" lastClr="000000"/>
+                          </a:solidFill>
+                        </a:rPr>
+                      </a:br>
+                      <a:r>
+                        <a:rPr lang="ko-KR" altLang="en-US" sz="1400" dirty="0" smtClean="0">
+                          <a:solidFill>
+                            <a:sysClr val="windowText" lastClr="000000"/>
+                          </a:solidFill>
+                        </a:rPr>
+                        <a:t>자리</a:t>
+                      </a:r>
+                      <a:endParaRPr lang="ko-KR" altLang="en-US" sz="1400" dirty="0">
+                        <a:solidFill>
+                          <a:sysClr val="windowText" lastClr="000000"/>
+                        </a:solidFill>
+                      </a:endParaRPr>
+                    </a:p>
+                  </a:txBody>
+                  <a:tcPr marL="61018" marR="61018" marT="30509" marB="30509" anchor="ctr">
+                    <a:lnL w="12700" cap="flat" cmpd="sng" algn="ctr">
+                      <a:solidFill>
+                        <a:schemeClr val="tx1"/>
+                      </a:solidFill>
+                      <a:prstDash val="solid"/>
+                      <a:round/>
+                      <a:headEnd type="none" w="med" len="med"/>
+                      <a:tailEnd type="none" w="med" len="med"/>
+                    </a:lnL>
+                    <a:lnR w="12700" cap="flat" cmpd="sng" algn="ctr">
+                      <a:solidFill>
+                        <a:schemeClr val="tx1"/>
+                      </a:solidFill>
+                      <a:prstDash val="solid"/>
+                      <a:round/>
+                      <a:headEnd type="none" w="med" len="med"/>
+                      <a:tailEnd type="none" w="med" len="med"/>
+                    </a:lnR>
+                    <a:lnT w="12700" cap="flat" cmpd="sng" algn="ctr">
+                      <a:solidFill>
+                        <a:schemeClr val="tx1"/>
+                      </a:solidFill>
+                      <a:prstDash val="solid"/>
+                      <a:round/>
+                      <a:headEnd type="none" w="med" len="med"/>
+                      <a:tailEnd type="none" w="med" len="med"/>
+                    </a:lnT>
+                    <a:lnB w="12700" cap="flat" cmpd="sng" algn="ctr">
+                      <a:solidFill>
+                        <a:schemeClr val="tx1"/>
+                      </a:solidFill>
+                      <a:prstDash val="solid"/>
+                      <a:round/>
+                      <a:headEnd type="none" w="med" len="med"/>
+                      <a:tailEnd type="none" w="med" len="med"/>
+                    </a:lnB>
+                    <a:solidFill>
+                      <a:schemeClr val="bg1"/>
+                    </a:solidFill>
+                  </a:tcPr>
+                </a:tc>
+                <a:tc>
+                  <a:txBody>
+                    <a:bodyPr/>
+                    <a:lstStyle/>
+                    <a:p>
+                      <a:pPr algn="ctr" latinLnBrk="1"/>
+                      <a:r>
+                        <a:rPr lang="en-US" altLang="ko-KR" sz="1400" dirty="0" smtClean="0">
+                          <a:solidFill>
+                            <a:sysClr val="windowText" lastClr="000000"/>
+                          </a:solidFill>
+                        </a:rPr>
+                        <a:t>9</a:t>
+                      </a:r>
+                      <a:br>
+                        <a:rPr lang="en-US" altLang="ko-KR" sz="1400" dirty="0" smtClean="0">
+                          <a:solidFill>
+                            <a:sysClr val="windowText" lastClr="000000"/>
+                          </a:solidFill>
+                        </a:rPr>
+                      </a:br>
+                      <a:r>
+                        <a:rPr lang="ko-KR" altLang="en-US" sz="1400" dirty="0" smtClean="0">
+                          <a:solidFill>
+                            <a:sysClr val="windowText" lastClr="000000"/>
+                          </a:solidFill>
+                        </a:rPr>
+                        <a:t>자리</a:t>
+                      </a:r>
+                      <a:endParaRPr lang="ko-KR" altLang="en-US" sz="1400" dirty="0">
+                        <a:solidFill>
+                          <a:sysClr val="windowText" lastClr="000000"/>
+                        </a:solidFill>
+                      </a:endParaRPr>
+                    </a:p>
+                  </a:txBody>
+                  <a:tcPr marL="61018" marR="61018" marT="30509" marB="30509" anchor="ctr">
+                    <a:lnL w="12700" cap="flat" cmpd="sng" algn="ctr">
+                      <a:solidFill>
+                        <a:schemeClr val="tx1"/>
+                      </a:solidFill>
+                      <a:prstDash val="solid"/>
+                      <a:round/>
+                      <a:headEnd type="none" w="med" len="med"/>
+                      <a:tailEnd type="none" w="med" len="med"/>
+                    </a:lnL>
+                    <a:lnR w="12700" cap="flat" cmpd="sng" algn="ctr">
+                      <a:solidFill>
+                        <a:schemeClr val="tx1"/>
+                      </a:solidFill>
+                      <a:prstDash val="solid"/>
+                      <a:round/>
+                      <a:headEnd type="none" w="med" len="med"/>
+                      <a:tailEnd type="none" w="med" len="med"/>
+                    </a:lnR>
+                    <a:lnT w="12700" cap="flat" cmpd="sng" algn="ctr">
+                      <a:solidFill>
+                        <a:schemeClr val="tx1"/>
+                      </a:solidFill>
+                      <a:prstDash val="solid"/>
+                      <a:round/>
+                      <a:headEnd type="none" w="med" len="med"/>
+                      <a:tailEnd type="none" w="med" len="med"/>
+                    </a:lnT>
+                    <a:lnB w="12700" cap="flat" cmpd="sng" algn="ctr">
+                      <a:solidFill>
+                        <a:schemeClr val="tx1"/>
+                      </a:solidFill>
+                      <a:prstDash val="solid"/>
+                      <a:round/>
+                      <a:headEnd type="none" w="med" len="med"/>
+                      <a:tailEnd type="none" w="med" len="med"/>
+                    </a:lnB>
+                    <a:solidFill>
+                      <a:schemeClr val="bg1"/>
+                    </a:solidFill>
+                  </a:tcPr>
+                </a:tc>
+                <a:extLst>
+                  <a:ext uri="{0D108BD9-81ED-4DB2-BD59-A6C34878D82A}">
+                    <a16:rowId xmlns:a16="http://schemas.microsoft.com/office/drawing/2014/main" xmlns="" val="2318367764"/>
+                  </a:ext>
+                </a:extLst>
+              </a:tr>
+            </a:tbl>
+          </a:graphicData>
+        </a:graphic>
+      </p:graphicFrame>
+      <p:graphicFrame>
+        <p:nvGraphicFramePr>
+          <p:cNvPr id="5" name="표 4">
+            <a:extLst>
+              <a:ext uri="{FF2B5EF4-FFF2-40B4-BE49-F238E27FC236}">
+                <a16:creationId xmlns:a16="http://schemas.microsoft.com/office/drawing/2014/main" xmlns="" id="{15D5CCAF-CAB6-493C-9A85-2676F48690AF}"/>
+              </a:ext>
+            </a:extLst>
+          </p:cNvPr>
+          <p:cNvGraphicFramePr>
+            <a:graphicFrameLocks noGrp="1"/>
+          </p:cNvGraphicFramePr>
+          <p:nvPr>
+            <p:extLst>
+              <p:ext uri="{D42A27DB-BD31-4B8C-83A1-F6EECF244321}">
+                <p14:modId xmlns:p14="http://schemas.microsoft.com/office/powerpoint/2010/main" val="1804401602"/>
+              </p:ext>
+            </p:extLst>
+          </p:nvPr>
+        </p:nvGraphicFramePr>
+        <p:xfrm>
+          <a:off x="3757921" y="3275373"/>
+          <a:ext cx="5472000" cy="547200"/>
+        </p:xfrm>
+        <a:graphic>
+          <a:graphicData uri="http://schemas.openxmlformats.org/drawingml/2006/table">
+            <a:tbl>
+              <a:tblPr firstRow="1" bandRow="1">
+                <a:tableStyleId>{5C22544A-7EE6-4342-B048-85BDC9FD1C3A}</a:tableStyleId>
+              </a:tblPr>
+              <a:tblGrid>
+                <a:gridCol w="547200">
+                  <a:extLst>
+                    <a:ext uri="{9D8B030D-6E8A-4147-A177-3AD203B41FA5}">
+                      <a16:colId xmlns:a16="http://schemas.microsoft.com/office/drawing/2014/main" xmlns="" val="422949941"/>
+                    </a:ext>
+                  </a:extLst>
+                </a:gridCol>
+                <a:gridCol w="547200"/>
+                <a:gridCol w="547200"/>
+                <a:gridCol w="547200"/>
+                <a:gridCol w="547200">
+                  <a:extLst>
+                    <a:ext uri="{9D8B030D-6E8A-4147-A177-3AD203B41FA5}">
+                      <a16:colId xmlns:a16="http://schemas.microsoft.com/office/drawing/2014/main" xmlns="" val="1888211109"/>
+                    </a:ext>
+                  </a:extLst>
+                </a:gridCol>
+                <a:gridCol w="547200">
+                  <a:extLst>
+                    <a:ext uri="{9D8B030D-6E8A-4147-A177-3AD203B41FA5}">
+                      <a16:colId xmlns:a16="http://schemas.microsoft.com/office/drawing/2014/main" xmlns="" val="3675358557"/>
+                    </a:ext>
+                  </a:extLst>
+                </a:gridCol>
+                <a:gridCol w="547200">
+                  <a:extLst>
+                    <a:ext uri="{9D8B030D-6E8A-4147-A177-3AD203B41FA5}">
+                      <a16:colId xmlns:a16="http://schemas.microsoft.com/office/drawing/2014/main" xmlns="" val="2341215234"/>
+                    </a:ext>
+                  </a:extLst>
+                </a:gridCol>
+                <a:gridCol w="547200"/>
+                <a:gridCol w="547200"/>
+                <a:gridCol w="547200"/>
+              </a:tblGrid>
+              <a:tr h="547200">
+                <a:tc>
+                  <a:txBody>
+                    <a:bodyPr/>
+                    <a:lstStyle/>
+                    <a:p>
+                      <a:pPr algn="ctr" latinLnBrk="1"/>
+                      <a:r>
+                        <a:rPr lang="en-US" altLang="ko-KR" sz="1400" dirty="0" smtClean="0">
+                          <a:solidFill>
+                            <a:sysClr val="windowText" lastClr="000000"/>
+                          </a:solidFill>
+                        </a:rPr>
+                        <a:t>110</a:t>
+                      </a:r>
+                      <a:endParaRPr lang="ko-KR" altLang="en-US" sz="1400" dirty="0">
+                        <a:solidFill>
+                          <a:sysClr val="windowText" lastClr="000000"/>
+                        </a:solidFill>
+                      </a:endParaRPr>
+                    </a:p>
+                  </a:txBody>
+                  <a:tcPr marL="61018" marR="61018" marT="30509" marB="30509" anchor="ctr">
+                    <a:lnL w="12700" cap="flat" cmpd="sng" algn="ctr">
+                      <a:solidFill>
+                        <a:schemeClr val="tx1"/>
+                      </a:solidFill>
+                      <a:prstDash val="solid"/>
+                      <a:round/>
+                      <a:headEnd type="none" w="med" len="med"/>
+                      <a:tailEnd type="none" w="med" len="med"/>
+                    </a:lnL>
+                    <a:lnR w="12700" cap="flat" cmpd="sng" algn="ctr">
+                      <a:solidFill>
+                        <a:schemeClr val="tx1"/>
+                      </a:solidFill>
+                      <a:prstDash val="solid"/>
+                      <a:round/>
+                      <a:headEnd type="none" w="med" len="med"/>
+                      <a:tailEnd type="none" w="med" len="med"/>
+                    </a:lnR>
+                    <a:lnT w="12700" cap="flat" cmpd="sng" algn="ctr">
+                      <a:solidFill>
+                        <a:schemeClr val="tx1"/>
+                      </a:solidFill>
+                      <a:prstDash val="solid"/>
+                      <a:round/>
+                      <a:headEnd type="none" w="med" len="med"/>
+                      <a:tailEnd type="none" w="med" len="med"/>
+                    </a:lnT>
+                    <a:lnB w="12700" cap="flat" cmpd="sng" algn="ctr">
+                      <a:solidFill>
+                        <a:schemeClr val="tx1"/>
+                      </a:solidFill>
+                      <a:prstDash val="solid"/>
+                      <a:round/>
+                      <a:headEnd type="none" w="med" len="med"/>
+                      <a:tailEnd type="none" w="med" len="med"/>
+                    </a:lnB>
+                    <a:solidFill>
+                      <a:schemeClr val="bg1"/>
+                    </a:solidFill>
+                  </a:tcPr>
+                </a:tc>
+                <a:tc>
+                  <a:txBody>
+                    <a:bodyPr/>
+                    <a:lstStyle/>
+                    <a:p>
+                      <a:pPr marL="0" marR="0" indent="0" algn="ctr" defTabSz="914400" rtl="0" eaLnBrk="1" fontAlgn="auto" latinLnBrk="1" hangingPunct="1">
+                        <a:lnSpc>
+                          <a:spcPct val="100000"/>
+                        </a:lnSpc>
+                        <a:spcBef>
+                          <a:spcPts val="0"/>
+                        </a:spcBef>
+                        <a:spcAft>
+                          <a:spcPts val="0"/>
+                        </a:spcAft>
+                        <a:buClrTx/>
+                        <a:buSzTx/>
+                        <a:buFontTx/>
+                        <a:buNone/>
+                        <a:tabLst/>
+                        <a:defRPr/>
+                      </a:pPr>
+                      <a:endParaRPr lang="ko-KR" altLang="en-US" sz="1400" dirty="0" smtClean="0">
+                        <a:solidFill>
+                          <a:sysClr val="windowText" lastClr="000000"/>
+                        </a:solidFill>
+                      </a:endParaRPr>
+                    </a:p>
+                  </a:txBody>
+                  <a:tcPr marL="61018" marR="61018" marT="30509" marB="30509" anchor="ctr">
+                    <a:lnL w="12700" cap="flat" cmpd="sng" algn="ctr">
+                      <a:solidFill>
+                        <a:schemeClr val="tx1"/>
+                      </a:solidFill>
+                      <a:prstDash val="solid"/>
+                      <a:round/>
+                      <a:headEnd type="none" w="med" len="med"/>
+                      <a:tailEnd type="none" w="med" len="med"/>
+                    </a:lnL>
+                    <a:lnR w="12700" cap="flat" cmpd="sng" algn="ctr">
+                      <a:solidFill>
+                        <a:schemeClr val="tx1"/>
+                      </a:solidFill>
+                      <a:prstDash val="solid"/>
+                      <a:round/>
+                      <a:headEnd type="none" w="med" len="med"/>
+                      <a:tailEnd type="none" w="med" len="med"/>
+                    </a:lnR>
+                    <a:lnT w="12700" cap="flat" cmpd="sng" algn="ctr">
+                      <a:solidFill>
+                        <a:schemeClr val="tx1"/>
+                      </a:solidFill>
+                      <a:prstDash val="solid"/>
+                      <a:round/>
+                      <a:headEnd type="none" w="med" len="med"/>
+                      <a:tailEnd type="none" w="med" len="med"/>
+                    </a:lnT>
+                    <a:lnB w="12700" cap="flat" cmpd="sng" algn="ctr">
+                      <a:solidFill>
+                        <a:schemeClr val="tx1"/>
+                      </a:solidFill>
+                      <a:prstDash val="solid"/>
+                      <a:round/>
+                      <a:headEnd type="none" w="med" len="med"/>
+                      <a:tailEnd type="none" w="med" len="med"/>
+                    </a:lnB>
+                    <a:solidFill>
+                      <a:schemeClr val="bg1"/>
+                    </a:solidFill>
+                  </a:tcPr>
+                </a:tc>
+                <a:tc>
+                  <a:txBody>
+                    <a:bodyPr/>
+                    <a:lstStyle/>
+                    <a:p>
+                      <a:pPr marL="0" marR="0" indent="0" algn="ctr" defTabSz="914400" rtl="0" eaLnBrk="1" fontAlgn="auto" latinLnBrk="1" hangingPunct="1">
+                        <a:lnSpc>
+                          <a:spcPct val="100000"/>
+                        </a:lnSpc>
+                        <a:spcBef>
+                          <a:spcPts val="0"/>
+                        </a:spcBef>
+                        <a:spcAft>
+                          <a:spcPts val="0"/>
+                        </a:spcAft>
+                        <a:buClrTx/>
+                        <a:buSzTx/>
+                        <a:buFontTx/>
+                        <a:buNone/>
+                        <a:tabLst/>
+                        <a:defRPr/>
+                      </a:pPr>
+                      <a:r>
+                        <a:rPr lang="en-US" altLang="ko-KR" sz="1400" dirty="0" smtClean="0">
+                          <a:solidFill>
+                            <a:sysClr val="windowText" lastClr="000000"/>
+                          </a:solidFill>
+                        </a:rPr>
+                        <a:t>012</a:t>
+                      </a:r>
+                      <a:endParaRPr lang="ko-KR" altLang="en-US" sz="1400" dirty="0" smtClean="0">
+                        <a:solidFill>
+                          <a:sysClr val="windowText" lastClr="000000"/>
+                        </a:solidFill>
+                      </a:endParaRPr>
+                    </a:p>
+                  </a:txBody>
+                  <a:tcPr marL="61018" marR="61018" marT="30509" marB="30509" anchor="ctr">
+                    <a:lnL w="12700" cap="flat" cmpd="sng" algn="ctr">
+                      <a:solidFill>
+                        <a:schemeClr val="tx1"/>
+                      </a:solidFill>
+                      <a:prstDash val="solid"/>
+                      <a:round/>
+                      <a:headEnd type="none" w="med" len="med"/>
+                      <a:tailEnd type="none" w="med" len="med"/>
+                    </a:lnL>
+                    <a:lnR w="12700" cap="flat" cmpd="sng" algn="ctr">
+                      <a:solidFill>
+                        <a:schemeClr val="tx1"/>
+                      </a:solidFill>
+                      <a:prstDash val="solid"/>
+                      <a:round/>
+                      <a:headEnd type="none" w="med" len="med"/>
+                      <a:tailEnd type="none" w="med" len="med"/>
+                    </a:lnR>
+                    <a:lnT w="12700" cap="flat" cmpd="sng" algn="ctr">
+                      <a:solidFill>
+                        <a:schemeClr val="tx1"/>
+                      </a:solidFill>
+                      <a:prstDash val="solid"/>
+                      <a:round/>
+                      <a:headEnd type="none" w="med" len="med"/>
+                      <a:tailEnd type="none" w="med" len="med"/>
+                    </a:lnT>
+                    <a:lnB w="12700" cap="flat" cmpd="sng" algn="ctr">
+                      <a:solidFill>
+                        <a:schemeClr val="tx1"/>
+                      </a:solidFill>
+                      <a:prstDash val="solid"/>
+                      <a:round/>
+                      <a:headEnd type="none" w="med" len="med"/>
+                      <a:tailEnd type="none" w="med" len="med"/>
+                    </a:lnB>
+                    <a:solidFill>
+                      <a:schemeClr val="bg1"/>
+                    </a:solidFill>
+                  </a:tcPr>
+                </a:tc>
+                <a:tc>
+                  <a:txBody>
+                    <a:bodyPr/>
+                    <a:lstStyle/>
+                    <a:p>
+                      <a:pPr marL="0" marR="0" indent="0" algn="ctr" defTabSz="914400" rtl="0" eaLnBrk="1" fontAlgn="auto" latinLnBrk="1" hangingPunct="1">
+                        <a:lnSpc>
+                          <a:spcPct val="100000"/>
+                        </a:lnSpc>
+                        <a:spcBef>
+                          <a:spcPts val="0"/>
+                        </a:spcBef>
+                        <a:spcAft>
+                          <a:spcPts val="0"/>
+                        </a:spcAft>
+                        <a:buClrTx/>
+                        <a:buSzTx/>
+                        <a:buFontTx/>
+                        <a:buNone/>
+                        <a:tabLst/>
+                        <a:defRPr/>
+                      </a:pPr>
+                      <a:endParaRPr lang="ko-KR" altLang="en-US" sz="1400" dirty="0" smtClean="0">
+                        <a:solidFill>
+                          <a:sysClr val="windowText" lastClr="000000"/>
+                        </a:solidFill>
+                      </a:endParaRPr>
+                    </a:p>
+                  </a:txBody>
+                  <a:tcPr marL="61018" marR="61018" marT="30509" marB="30509" anchor="ctr">
+                    <a:lnL w="12700" cap="flat" cmpd="sng" algn="ctr">
+                      <a:solidFill>
+                        <a:schemeClr val="tx1"/>
+                      </a:solidFill>
+                      <a:prstDash val="solid"/>
+                      <a:round/>
+                      <a:headEnd type="none" w="med" len="med"/>
+                      <a:tailEnd type="none" w="med" len="med"/>
+                    </a:lnL>
+                    <a:lnR w="12700" cap="flat" cmpd="sng" algn="ctr">
+                      <a:solidFill>
+                        <a:schemeClr val="tx1"/>
+                      </a:solidFill>
+                      <a:prstDash val="solid"/>
+                      <a:round/>
+                      <a:headEnd type="none" w="med" len="med"/>
+                      <a:tailEnd type="none" w="med" len="med"/>
+                    </a:lnR>
+                    <a:lnT w="12700" cap="flat" cmpd="sng" algn="ctr">
+                      <a:solidFill>
+                        <a:schemeClr val="tx1"/>
+                      </a:solidFill>
+                      <a:prstDash val="solid"/>
+                      <a:round/>
+                      <a:headEnd type="none" w="med" len="med"/>
+                      <a:tailEnd type="none" w="med" len="med"/>
+                    </a:lnT>
+                    <a:lnB w="12700" cap="flat" cmpd="sng" algn="ctr">
+                      <a:solidFill>
+                        <a:schemeClr val="tx1"/>
+                      </a:solidFill>
+                      <a:prstDash val="solid"/>
+                      <a:round/>
+                      <a:headEnd type="none" w="med" len="med"/>
+                      <a:tailEnd type="none" w="med" len="med"/>
+                    </a:lnB>
+                    <a:solidFill>
+                      <a:schemeClr val="bg1"/>
+                    </a:solidFill>
+                  </a:tcPr>
+                </a:tc>
+                <a:tc>
+                  <a:txBody>
+                    <a:bodyPr/>
+                    <a:lstStyle/>
+                    <a:p>
+                      <a:pPr algn="ctr" latinLnBrk="1"/>
+                      <a:endParaRPr lang="ko-KR" altLang="en-US" sz="1400" dirty="0">
+                        <a:solidFill>
+                          <a:sysClr val="windowText" lastClr="000000"/>
+                        </a:solidFill>
+                      </a:endParaRPr>
+                    </a:p>
+                  </a:txBody>
+                  <a:tcPr marL="61018" marR="61018" marT="30509" marB="30509" anchor="ctr">
+                    <a:lnL w="12700" cap="flat" cmpd="sng" algn="ctr">
+                      <a:solidFill>
+                        <a:schemeClr val="tx1"/>
+                      </a:solidFill>
+                      <a:prstDash val="solid"/>
+                      <a:round/>
+                      <a:headEnd type="none" w="med" len="med"/>
+                      <a:tailEnd type="none" w="med" len="med"/>
+                    </a:lnL>
+                    <a:lnR w="12700" cap="flat" cmpd="sng" algn="ctr">
+                      <a:solidFill>
+                        <a:schemeClr val="tx1"/>
+                      </a:solidFill>
+                      <a:prstDash val="solid"/>
+                      <a:round/>
+                      <a:headEnd type="none" w="med" len="med"/>
+                      <a:tailEnd type="none" w="med" len="med"/>
+                    </a:lnR>
+                    <a:lnT w="12700" cap="flat" cmpd="sng" algn="ctr">
+                      <a:solidFill>
+                        <a:schemeClr val="tx1"/>
+                      </a:solidFill>
+                      <a:prstDash val="solid"/>
+                      <a:round/>
+                      <a:headEnd type="none" w="med" len="med"/>
+                      <a:tailEnd type="none" w="med" len="med"/>
+                    </a:lnT>
+                    <a:lnB w="12700" cap="flat" cmpd="sng" algn="ctr">
+                      <a:solidFill>
+                        <a:schemeClr val="tx1"/>
+                      </a:solidFill>
+                      <a:prstDash val="solid"/>
+                      <a:round/>
+                      <a:headEnd type="none" w="med" len="med"/>
+                      <a:tailEnd type="none" w="med" len="med"/>
+                    </a:lnB>
+                    <a:solidFill>
+                      <a:schemeClr val="bg1"/>
+                    </a:solidFill>
+                  </a:tcPr>
+                </a:tc>
+                <a:tc>
+                  <a:txBody>
+                    <a:bodyPr/>
+                    <a:lstStyle/>
+                    <a:p>
+                      <a:pPr algn="ctr" latinLnBrk="1"/>
+                      <a:endParaRPr lang="ko-KR" altLang="en-US" sz="1400" dirty="0">
+                        <a:solidFill>
+                          <a:sysClr val="windowText" lastClr="000000"/>
+                        </a:solidFill>
+                      </a:endParaRPr>
+                    </a:p>
+                  </a:txBody>
+                  <a:tcPr marL="61018" marR="61018" marT="30509" marB="30509" anchor="ctr">
+                    <a:lnL w="12700" cap="flat" cmpd="sng" algn="ctr">
+                      <a:solidFill>
+                        <a:schemeClr val="tx1"/>
+                      </a:solidFill>
+                      <a:prstDash val="solid"/>
+                      <a:round/>
+                      <a:headEnd type="none" w="med" len="med"/>
+                      <a:tailEnd type="none" w="med" len="med"/>
+                    </a:lnL>
+                    <a:lnR w="12700" cap="flat" cmpd="sng" algn="ctr">
+                      <a:solidFill>
+                        <a:schemeClr val="tx1"/>
+                      </a:solidFill>
+                      <a:prstDash val="solid"/>
+                      <a:round/>
+                      <a:headEnd type="none" w="med" len="med"/>
+                      <a:tailEnd type="none" w="med" len="med"/>
+                    </a:lnR>
+                    <a:lnT w="12700" cap="flat" cmpd="sng" algn="ctr">
+                      <a:solidFill>
+                        <a:schemeClr val="tx1"/>
+                      </a:solidFill>
+                      <a:prstDash val="solid"/>
+                      <a:round/>
+                      <a:headEnd type="none" w="med" len="med"/>
+                      <a:tailEnd type="none" w="med" len="med"/>
+                    </a:lnT>
+                    <a:lnB w="12700" cap="flat" cmpd="sng" algn="ctr">
+                      <a:solidFill>
+                        <a:schemeClr val="tx1"/>
+                      </a:solidFill>
+                      <a:prstDash val="solid"/>
+                      <a:round/>
+                      <a:headEnd type="none" w="med" len="med"/>
+                      <a:tailEnd type="none" w="med" len="med"/>
+                    </a:lnB>
+                    <a:solidFill>
+                      <a:schemeClr val="bg1"/>
+                    </a:solidFill>
+                  </a:tcPr>
+                </a:tc>
+                <a:tc>
+                  <a:txBody>
+                    <a:bodyPr/>
+                    <a:lstStyle/>
+                    <a:p>
+                      <a:pPr algn="ctr" latinLnBrk="1"/>
+                      <a:r>
+                        <a:rPr lang="en-US" altLang="ko-KR" sz="1400" dirty="0" smtClean="0">
+                          <a:solidFill>
+                            <a:sysClr val="windowText" lastClr="000000"/>
+                          </a:solidFill>
+                        </a:rPr>
+                        <a:t>326</a:t>
+                      </a:r>
+                      <a:endParaRPr lang="ko-KR" altLang="en-US" sz="1400" dirty="0">
+                        <a:solidFill>
+                          <a:sysClr val="windowText" lastClr="000000"/>
+                        </a:solidFill>
+                      </a:endParaRPr>
+                    </a:p>
+                  </a:txBody>
+                  <a:tcPr marL="61018" marR="61018" marT="30509" marB="30509" anchor="ctr">
+                    <a:lnL w="12700" cap="flat" cmpd="sng" algn="ctr">
+                      <a:solidFill>
+                        <a:schemeClr val="tx1"/>
+                      </a:solidFill>
+                      <a:prstDash val="solid"/>
+                      <a:round/>
+                      <a:headEnd type="none" w="med" len="med"/>
+                      <a:tailEnd type="none" w="med" len="med"/>
+                    </a:lnL>
+                    <a:lnR w="12700" cap="flat" cmpd="sng" algn="ctr">
+                      <a:solidFill>
+                        <a:schemeClr val="tx1"/>
+                      </a:solidFill>
+                      <a:prstDash val="solid"/>
+                      <a:round/>
+                      <a:headEnd type="none" w="med" len="med"/>
+                      <a:tailEnd type="none" w="med" len="med"/>
+                    </a:lnR>
+                    <a:lnT w="12700" cap="flat" cmpd="sng" algn="ctr">
+                      <a:solidFill>
+                        <a:schemeClr val="tx1"/>
+                      </a:solidFill>
+                      <a:prstDash val="solid"/>
+                      <a:round/>
+                      <a:headEnd type="none" w="med" len="med"/>
+                      <a:tailEnd type="none" w="med" len="med"/>
+                    </a:lnT>
+                    <a:lnB w="12700" cap="flat" cmpd="sng" algn="ctr">
+                      <a:solidFill>
+                        <a:schemeClr val="tx1"/>
+                      </a:solidFill>
+                      <a:prstDash val="solid"/>
+                      <a:round/>
+                      <a:headEnd type="none" w="med" len="med"/>
+                      <a:tailEnd type="none" w="med" len="med"/>
+                    </a:lnB>
+                    <a:solidFill>
+                      <a:schemeClr val="bg1"/>
+                    </a:solidFill>
+                  </a:tcPr>
+                </a:tc>
+                <a:tc>
+                  <a:txBody>
+                    <a:bodyPr/>
+                    <a:lstStyle/>
+                    <a:p>
+                      <a:pPr algn="ctr" latinLnBrk="1"/>
+                      <a:r>
+                        <a:rPr lang="en-US" altLang="ko-KR" sz="1400" dirty="0" smtClean="0">
+                          <a:solidFill>
+                            <a:sysClr val="windowText" lastClr="000000"/>
+                          </a:solidFill>
+                        </a:rPr>
+                        <a:t>127</a:t>
+                      </a:r>
+                    </a:p>
+                    <a:p>
+                      <a:pPr algn="ctr" latinLnBrk="1"/>
+                      <a:r>
+                        <a:rPr lang="en-US" altLang="ko-KR" sz="1400" dirty="0" smtClean="0">
+                          <a:solidFill>
+                            <a:sysClr val="windowText" lastClr="000000"/>
+                          </a:solidFill>
+                        </a:rPr>
+                        <a:t>467</a:t>
+                      </a:r>
+                      <a:endParaRPr lang="ko-KR" altLang="en-US" sz="1400" dirty="0">
+                        <a:solidFill>
+                          <a:sysClr val="windowText" lastClr="000000"/>
+                        </a:solidFill>
+                      </a:endParaRPr>
+                    </a:p>
+                  </a:txBody>
+                  <a:tcPr marL="61018" marR="61018" marT="30509" marB="30509" anchor="ctr">
+                    <a:lnL w="12700" cap="flat" cmpd="sng" algn="ctr">
+                      <a:solidFill>
+                        <a:schemeClr val="tx1"/>
+                      </a:solidFill>
+                      <a:prstDash val="solid"/>
+                      <a:round/>
+                      <a:headEnd type="none" w="med" len="med"/>
+                      <a:tailEnd type="none" w="med" len="med"/>
+                    </a:lnL>
+                    <a:lnR w="12700" cap="flat" cmpd="sng" algn="ctr">
+                      <a:solidFill>
+                        <a:schemeClr val="tx1"/>
+                      </a:solidFill>
+                      <a:prstDash val="solid"/>
+                      <a:round/>
+                      <a:headEnd type="none" w="med" len="med"/>
+                      <a:tailEnd type="none" w="med" len="med"/>
+                    </a:lnR>
+                    <a:lnT w="12700" cap="flat" cmpd="sng" algn="ctr">
+                      <a:solidFill>
+                        <a:schemeClr val="tx1"/>
+                      </a:solidFill>
+                      <a:prstDash val="solid"/>
+                      <a:round/>
+                      <a:headEnd type="none" w="med" len="med"/>
+                      <a:tailEnd type="none" w="med" len="med"/>
+                    </a:lnT>
+                    <a:lnB w="12700" cap="flat" cmpd="sng" algn="ctr">
+                      <a:solidFill>
+                        <a:schemeClr val="tx1"/>
+                      </a:solidFill>
+                      <a:prstDash val="solid"/>
+                      <a:round/>
+                      <a:headEnd type="none" w="med" len="med"/>
+                      <a:tailEnd type="none" w="med" len="med"/>
+                    </a:lnB>
+                    <a:solidFill>
+                      <a:schemeClr val="bg1"/>
+                    </a:solidFill>
+                  </a:tcPr>
+                </a:tc>
+                <a:tc>
+                  <a:txBody>
+                    <a:bodyPr/>
+                    <a:lstStyle/>
+                    <a:p>
+                      <a:pPr algn="ctr" latinLnBrk="1"/>
+                      <a:r>
+                        <a:rPr lang="en-US" altLang="ko-KR" sz="1400" dirty="0" smtClean="0">
+                          <a:solidFill>
+                            <a:sysClr val="windowText" lastClr="000000"/>
+                          </a:solidFill>
+                        </a:rPr>
+                        <a:t>058</a:t>
+                      </a:r>
+                      <a:endParaRPr lang="ko-KR" altLang="en-US" sz="1400" dirty="0">
+                        <a:solidFill>
+                          <a:sysClr val="windowText" lastClr="000000"/>
+                        </a:solidFill>
+                      </a:endParaRPr>
+                    </a:p>
+                  </a:txBody>
+                  <a:tcPr marL="61018" marR="61018" marT="30509" marB="30509" anchor="ctr">
+                    <a:lnL w="12700" cap="flat" cmpd="sng" algn="ctr">
+                      <a:solidFill>
+                        <a:schemeClr val="tx1"/>
+                      </a:solidFill>
+                      <a:prstDash val="solid"/>
+                      <a:round/>
+                      <a:headEnd type="none" w="med" len="med"/>
+                      <a:tailEnd type="none" w="med" len="med"/>
+                    </a:lnL>
+                    <a:lnR w="12700" cap="flat" cmpd="sng" algn="ctr">
+                      <a:solidFill>
+                        <a:schemeClr val="tx1"/>
+                      </a:solidFill>
+                      <a:prstDash val="solid"/>
+                      <a:round/>
+                      <a:headEnd type="none" w="med" len="med"/>
+                      <a:tailEnd type="none" w="med" len="med"/>
+                    </a:lnR>
+                    <a:lnT w="12700" cap="flat" cmpd="sng" algn="ctr">
+                      <a:solidFill>
+                        <a:schemeClr val="tx1"/>
+                      </a:solidFill>
+                      <a:prstDash val="solid"/>
+                      <a:round/>
+                      <a:headEnd type="none" w="med" len="med"/>
+                      <a:tailEnd type="none" w="med" len="med"/>
+                    </a:lnT>
+                    <a:lnB w="12700" cap="flat" cmpd="sng" algn="ctr">
+                      <a:solidFill>
+                        <a:schemeClr val="tx1"/>
+                      </a:solidFill>
+                      <a:prstDash val="solid"/>
+                      <a:round/>
+                      <a:headEnd type="none" w="med" len="med"/>
+                      <a:tailEnd type="none" w="med" len="med"/>
+                    </a:lnB>
+                    <a:solidFill>
+                      <a:schemeClr val="bg1"/>
+                    </a:solidFill>
+                  </a:tcPr>
+                </a:tc>
+                <a:tc>
+                  <a:txBody>
+                    <a:bodyPr/>
+                    <a:lstStyle/>
+                    <a:p>
+                      <a:pPr algn="ctr" latinLnBrk="1"/>
+                      <a:endParaRPr lang="ko-KR" altLang="en-US" sz="1400" dirty="0">
+                        <a:solidFill>
+                          <a:sysClr val="windowText" lastClr="000000"/>
+                        </a:solidFill>
+                      </a:endParaRPr>
+                    </a:p>
+                  </a:txBody>
+                  <a:tcPr marL="61018" marR="61018" marT="30509" marB="30509" anchor="ctr">
+                    <a:lnL w="12700" cap="flat" cmpd="sng" algn="ctr">
+                      <a:solidFill>
+                        <a:schemeClr val="tx1"/>
+                      </a:solidFill>
+                      <a:prstDash val="solid"/>
+                      <a:round/>
+                      <a:headEnd type="none" w="med" len="med"/>
+                      <a:tailEnd type="none" w="med" len="med"/>
+                    </a:lnL>
+                    <a:lnR w="12700" cap="flat" cmpd="sng" algn="ctr">
+                      <a:solidFill>
+                        <a:schemeClr val="tx1"/>
+                      </a:solidFill>
+                      <a:prstDash val="solid"/>
+                      <a:round/>
+                      <a:headEnd type="none" w="med" len="med"/>
+                      <a:tailEnd type="none" w="med" len="med"/>
+                    </a:lnR>
+                    <a:lnT w="12700" cap="flat" cmpd="sng" algn="ctr">
+                      <a:solidFill>
+                        <a:schemeClr val="tx1"/>
+                      </a:solidFill>
+                      <a:prstDash val="solid"/>
+                      <a:round/>
+                      <a:headEnd type="none" w="med" len="med"/>
+                      <a:tailEnd type="none" w="med" len="med"/>
+                    </a:lnT>
+                    <a:lnB w="12700" cap="flat" cmpd="sng" algn="ctr">
+                      <a:solidFill>
+                        <a:schemeClr val="tx1"/>
+                      </a:solidFill>
+                      <a:prstDash val="solid"/>
+                      <a:round/>
+                      <a:headEnd type="none" w="med" len="med"/>
+                      <a:tailEnd type="none" w="med" len="med"/>
+                    </a:lnB>
+                    <a:solidFill>
+                      <a:schemeClr val="bg1"/>
+                    </a:solidFill>
+                  </a:tcPr>
+                </a:tc>
+                <a:extLst>
+                  <a:ext uri="{0D108BD9-81ED-4DB2-BD59-A6C34878D82A}">
+                    <a16:rowId xmlns:a16="http://schemas.microsoft.com/office/drawing/2014/main" xmlns="" val="2318367764"/>
+                  </a:ext>
+                </a:extLst>
+              </a:tr>
+            </a:tbl>
+          </a:graphicData>
+        </a:graphic>
+      </p:graphicFrame>
+      <p:graphicFrame>
+        <p:nvGraphicFramePr>
+          <p:cNvPr id="6" name="표 5">
+            <a:extLst>
+              <a:ext uri="{FF2B5EF4-FFF2-40B4-BE49-F238E27FC236}">
+                <a16:creationId xmlns:a16="http://schemas.microsoft.com/office/drawing/2014/main" xmlns="" id="{15D5CCAF-CAB6-493C-9A85-2676F48690AF}"/>
+              </a:ext>
+            </a:extLst>
+          </p:cNvPr>
+          <p:cNvGraphicFramePr>
+            <a:graphicFrameLocks noGrp="1"/>
+          </p:cNvGraphicFramePr>
+          <p:nvPr>
+            <p:extLst>
+              <p:ext uri="{D42A27DB-BD31-4B8C-83A1-F6EECF244321}">
+                <p14:modId xmlns:p14="http://schemas.microsoft.com/office/powerpoint/2010/main" val="1961145527"/>
+              </p:ext>
+            </p:extLst>
+          </p:nvPr>
+        </p:nvGraphicFramePr>
+        <p:xfrm>
+          <a:off x="3757921" y="3934926"/>
+          <a:ext cx="5472000" cy="547200"/>
+        </p:xfrm>
+        <a:graphic>
+          <a:graphicData uri="http://schemas.openxmlformats.org/drawingml/2006/table">
+            <a:tbl>
+              <a:tblPr firstRow="1" bandRow="1">
+                <a:tableStyleId>{5C22544A-7EE6-4342-B048-85BDC9FD1C3A}</a:tableStyleId>
+              </a:tblPr>
+              <a:tblGrid>
+                <a:gridCol w="547200">
+                  <a:extLst>
+                    <a:ext uri="{9D8B030D-6E8A-4147-A177-3AD203B41FA5}">
+                      <a16:colId xmlns:a16="http://schemas.microsoft.com/office/drawing/2014/main" xmlns="" val="422949941"/>
+                    </a:ext>
+                  </a:extLst>
+                </a:gridCol>
+                <a:gridCol w="547200"/>
+                <a:gridCol w="547200"/>
+                <a:gridCol w="547200"/>
+                <a:gridCol w="547200">
+                  <a:extLst>
+                    <a:ext uri="{9D8B030D-6E8A-4147-A177-3AD203B41FA5}">
+                      <a16:colId xmlns:a16="http://schemas.microsoft.com/office/drawing/2014/main" xmlns="" val="1888211109"/>
+                    </a:ext>
+                  </a:extLst>
+                </a:gridCol>
+                <a:gridCol w="547200">
+                  <a:extLst>
+                    <a:ext uri="{9D8B030D-6E8A-4147-A177-3AD203B41FA5}">
+                      <a16:colId xmlns:a16="http://schemas.microsoft.com/office/drawing/2014/main" xmlns="" val="3675358557"/>
+                    </a:ext>
+                  </a:extLst>
+                </a:gridCol>
+                <a:gridCol w="547200">
+                  <a:extLst>
+                    <a:ext uri="{9D8B030D-6E8A-4147-A177-3AD203B41FA5}">
+                      <a16:colId xmlns:a16="http://schemas.microsoft.com/office/drawing/2014/main" xmlns="" val="2341215234"/>
+                    </a:ext>
+                  </a:extLst>
+                </a:gridCol>
+                <a:gridCol w="547200"/>
+                <a:gridCol w="547200"/>
+                <a:gridCol w="547200"/>
+              </a:tblGrid>
+              <a:tr h="547200">
+                <a:tc>
+                  <a:txBody>
+                    <a:bodyPr/>
+                    <a:lstStyle/>
+                    <a:p>
+                      <a:pPr algn="ctr" latinLnBrk="1"/>
+                      <a:endParaRPr lang="ko-KR" altLang="en-US" sz="1400" dirty="0">
+                        <a:solidFill>
+                          <a:sysClr val="windowText" lastClr="000000"/>
+                        </a:solidFill>
+                      </a:endParaRPr>
+                    </a:p>
+                  </a:txBody>
+                  <a:tcPr marL="61018" marR="61018" marT="30509" marB="30509" anchor="ctr">
+                    <a:lnL w="12700" cap="flat" cmpd="sng" algn="ctr">
+                      <a:solidFill>
+                        <a:schemeClr val="tx1"/>
+                      </a:solidFill>
+                      <a:prstDash val="solid"/>
+                      <a:round/>
+                      <a:headEnd type="none" w="med" len="med"/>
+                      <a:tailEnd type="none" w="med" len="med"/>
+                    </a:lnL>
+                    <a:lnR w="12700" cap="flat" cmpd="sng" algn="ctr">
+                      <a:solidFill>
+                        <a:schemeClr val="tx1"/>
+                      </a:solidFill>
+                      <a:prstDash val="solid"/>
+                      <a:round/>
+                      <a:headEnd type="none" w="med" len="med"/>
+                      <a:tailEnd type="none" w="med" len="med"/>
+                    </a:lnR>
+                    <a:lnT w="12700" cap="flat" cmpd="sng" algn="ctr">
+                      <a:solidFill>
+                        <a:schemeClr val="tx1"/>
+                      </a:solidFill>
+                      <a:prstDash val="solid"/>
+                      <a:round/>
+                      <a:headEnd type="none" w="med" len="med"/>
+                      <a:tailEnd type="none" w="med" len="med"/>
+                    </a:lnT>
+                    <a:lnB w="12700" cap="flat" cmpd="sng" algn="ctr">
+                      <a:solidFill>
+                        <a:schemeClr val="tx1"/>
+                      </a:solidFill>
+                      <a:prstDash val="solid"/>
+                      <a:round/>
+                      <a:headEnd type="none" w="med" len="med"/>
+                      <a:tailEnd type="none" w="med" len="med"/>
+                    </a:lnB>
+                    <a:solidFill>
+                      <a:schemeClr val="bg1"/>
+                    </a:solidFill>
+                  </a:tcPr>
+                </a:tc>
+                <a:tc>
+                  <a:txBody>
+                    <a:bodyPr/>
+                    <a:lstStyle/>
+                    <a:p>
+                      <a:pPr marL="0" marR="0" indent="0" algn="ctr" defTabSz="914400" rtl="0" eaLnBrk="1" fontAlgn="auto" latinLnBrk="1" hangingPunct="1">
+                        <a:lnSpc>
+                          <a:spcPct val="100000"/>
+                        </a:lnSpc>
+                        <a:spcBef>
+                          <a:spcPts val="0"/>
+                        </a:spcBef>
+                        <a:spcAft>
+                          <a:spcPts val="0"/>
+                        </a:spcAft>
+                        <a:buClrTx/>
+                        <a:buSzTx/>
+                        <a:buFontTx/>
+                        <a:buNone/>
+                        <a:tabLst/>
+                        <a:defRPr/>
+                      </a:pPr>
+                      <a:r>
+                        <a:rPr lang="en-US" altLang="ko-KR" sz="1400" dirty="0" smtClean="0">
+                          <a:solidFill>
+                            <a:sysClr val="windowText" lastClr="000000"/>
+                          </a:solidFill>
+                        </a:rPr>
+                        <a:t>110</a:t>
+                      </a:r>
+                    </a:p>
+                    <a:p>
+                      <a:pPr marL="0" marR="0" indent="0" algn="ctr" defTabSz="914400" rtl="0" eaLnBrk="1" fontAlgn="auto" latinLnBrk="1" hangingPunct="1">
+                        <a:lnSpc>
+                          <a:spcPct val="100000"/>
+                        </a:lnSpc>
+                        <a:spcBef>
+                          <a:spcPts val="0"/>
+                        </a:spcBef>
+                        <a:spcAft>
+                          <a:spcPts val="0"/>
+                        </a:spcAft>
+                        <a:buClrTx/>
+                        <a:buSzTx/>
+                        <a:buFontTx/>
+                        <a:buNone/>
+                        <a:tabLst/>
+                        <a:defRPr/>
+                      </a:pPr>
+                      <a:r>
+                        <a:rPr lang="en-US" altLang="ko-KR" sz="1400" dirty="0" smtClean="0">
+                          <a:solidFill>
+                            <a:sysClr val="windowText" lastClr="000000"/>
+                          </a:solidFill>
+                        </a:rPr>
+                        <a:t>012</a:t>
+                      </a:r>
+                      <a:endParaRPr lang="ko-KR" altLang="en-US" sz="1400" dirty="0" smtClean="0">
+                        <a:solidFill>
+                          <a:sysClr val="windowText" lastClr="000000"/>
+                        </a:solidFill>
+                      </a:endParaRPr>
+                    </a:p>
+                  </a:txBody>
+                  <a:tcPr marL="61018" marR="61018" marT="30509" marB="30509" anchor="ctr">
+                    <a:lnL w="12700" cap="flat" cmpd="sng" algn="ctr">
+                      <a:solidFill>
+                        <a:schemeClr val="tx1"/>
+                      </a:solidFill>
+                      <a:prstDash val="solid"/>
+                      <a:round/>
+                      <a:headEnd type="none" w="med" len="med"/>
+                      <a:tailEnd type="none" w="med" len="med"/>
+                    </a:lnL>
+                    <a:lnR w="12700" cap="flat" cmpd="sng" algn="ctr">
+                      <a:solidFill>
+                        <a:schemeClr val="tx1"/>
+                      </a:solidFill>
+                      <a:prstDash val="solid"/>
+                      <a:round/>
+                      <a:headEnd type="none" w="med" len="med"/>
+                      <a:tailEnd type="none" w="med" len="med"/>
+                    </a:lnR>
+                    <a:lnT w="12700" cap="flat" cmpd="sng" algn="ctr">
+                      <a:solidFill>
+                        <a:schemeClr val="tx1"/>
+                      </a:solidFill>
+                      <a:prstDash val="solid"/>
+                      <a:round/>
+                      <a:headEnd type="none" w="med" len="med"/>
+                      <a:tailEnd type="none" w="med" len="med"/>
+                    </a:lnT>
+                    <a:lnB w="12700" cap="flat" cmpd="sng" algn="ctr">
+                      <a:solidFill>
+                        <a:schemeClr val="tx1"/>
+                      </a:solidFill>
+                      <a:prstDash val="solid"/>
+                      <a:round/>
+                      <a:headEnd type="none" w="med" len="med"/>
+                      <a:tailEnd type="none" w="med" len="med"/>
+                    </a:lnB>
+                    <a:solidFill>
+                      <a:schemeClr val="bg1"/>
+                    </a:solidFill>
+                  </a:tcPr>
+                </a:tc>
+                <a:tc>
+                  <a:txBody>
+                    <a:bodyPr/>
+                    <a:lstStyle/>
+                    <a:p>
+                      <a:pPr marL="0" marR="0" indent="0" algn="ctr" defTabSz="914400" rtl="0" eaLnBrk="1" fontAlgn="auto" latinLnBrk="1" hangingPunct="1">
+                        <a:lnSpc>
+                          <a:spcPct val="100000"/>
+                        </a:lnSpc>
+                        <a:spcBef>
+                          <a:spcPts val="0"/>
+                        </a:spcBef>
+                        <a:spcAft>
+                          <a:spcPts val="0"/>
+                        </a:spcAft>
+                        <a:buClrTx/>
+                        <a:buSzTx/>
+                        <a:buFontTx/>
+                        <a:buNone/>
+                        <a:tabLst/>
+                        <a:defRPr/>
+                      </a:pPr>
+                      <a:r>
+                        <a:rPr lang="en-US" altLang="ko-KR" sz="1400" dirty="0" smtClean="0">
+                          <a:solidFill>
+                            <a:sysClr val="windowText" lastClr="000000"/>
+                          </a:solidFill>
+                        </a:rPr>
+                        <a:t>326</a:t>
+                      </a:r>
+                    </a:p>
+                    <a:p>
+                      <a:pPr marL="0" marR="0" indent="0" algn="ctr" defTabSz="914400" rtl="0" eaLnBrk="1" fontAlgn="auto" latinLnBrk="1" hangingPunct="1">
+                        <a:lnSpc>
+                          <a:spcPct val="100000"/>
+                        </a:lnSpc>
+                        <a:spcBef>
+                          <a:spcPts val="0"/>
+                        </a:spcBef>
+                        <a:spcAft>
+                          <a:spcPts val="0"/>
+                        </a:spcAft>
+                        <a:buClrTx/>
+                        <a:buSzTx/>
+                        <a:buFontTx/>
+                        <a:buNone/>
+                        <a:tabLst/>
+                        <a:defRPr/>
+                      </a:pPr>
+                      <a:r>
+                        <a:rPr lang="en-US" altLang="ko-KR" sz="1400" dirty="0" smtClean="0">
+                          <a:solidFill>
+                            <a:sysClr val="windowText" lastClr="000000"/>
+                          </a:solidFill>
+                        </a:rPr>
+                        <a:t>127</a:t>
+                      </a:r>
+                      <a:endParaRPr lang="ko-KR" altLang="en-US" sz="1400" dirty="0" smtClean="0">
+                        <a:solidFill>
+                          <a:sysClr val="windowText" lastClr="000000"/>
+                        </a:solidFill>
+                      </a:endParaRPr>
+                    </a:p>
+                  </a:txBody>
+                  <a:tcPr marL="61018" marR="61018" marT="30509" marB="30509" anchor="ctr">
+                    <a:lnL w="12700" cap="flat" cmpd="sng" algn="ctr">
+                      <a:solidFill>
+                        <a:schemeClr val="tx1"/>
+                      </a:solidFill>
+                      <a:prstDash val="solid"/>
+                      <a:round/>
+                      <a:headEnd type="none" w="med" len="med"/>
+                      <a:tailEnd type="none" w="med" len="med"/>
+                    </a:lnL>
+                    <a:lnR w="12700" cap="flat" cmpd="sng" algn="ctr">
+                      <a:solidFill>
+                        <a:schemeClr val="tx1"/>
+                      </a:solidFill>
+                      <a:prstDash val="solid"/>
+                      <a:round/>
+                      <a:headEnd type="none" w="med" len="med"/>
+                      <a:tailEnd type="none" w="med" len="med"/>
+                    </a:lnR>
+                    <a:lnT w="12700" cap="flat" cmpd="sng" algn="ctr">
+                      <a:solidFill>
+                        <a:schemeClr val="tx1"/>
+                      </a:solidFill>
+                      <a:prstDash val="solid"/>
+                      <a:round/>
+                      <a:headEnd type="none" w="med" len="med"/>
+                      <a:tailEnd type="none" w="med" len="med"/>
+                    </a:lnT>
+                    <a:lnB w="12700" cap="flat" cmpd="sng" algn="ctr">
+                      <a:solidFill>
+                        <a:schemeClr val="tx1"/>
+                      </a:solidFill>
+                      <a:prstDash val="solid"/>
+                      <a:round/>
+                      <a:headEnd type="none" w="med" len="med"/>
+                      <a:tailEnd type="none" w="med" len="med"/>
+                    </a:lnB>
+                    <a:solidFill>
+                      <a:schemeClr val="bg1"/>
+                    </a:solidFill>
+                  </a:tcPr>
+                </a:tc>
+                <a:tc>
+                  <a:txBody>
+                    <a:bodyPr/>
+                    <a:lstStyle/>
+                    <a:p>
+                      <a:pPr marL="0" marR="0" indent="0" algn="ctr" defTabSz="914400" rtl="0" eaLnBrk="1" fontAlgn="auto" latinLnBrk="1" hangingPunct="1">
+                        <a:lnSpc>
+                          <a:spcPct val="100000"/>
+                        </a:lnSpc>
+                        <a:spcBef>
+                          <a:spcPts val="0"/>
+                        </a:spcBef>
+                        <a:spcAft>
+                          <a:spcPts val="0"/>
+                        </a:spcAft>
+                        <a:buClrTx/>
+                        <a:buSzTx/>
+                        <a:buFontTx/>
+                        <a:buNone/>
+                        <a:tabLst/>
+                        <a:defRPr/>
+                      </a:pPr>
+                      <a:endParaRPr lang="ko-KR" altLang="en-US" sz="1400" dirty="0" smtClean="0">
+                        <a:solidFill>
+                          <a:sysClr val="windowText" lastClr="000000"/>
+                        </a:solidFill>
+                      </a:endParaRPr>
+                    </a:p>
+                  </a:txBody>
+                  <a:tcPr marL="61018" marR="61018" marT="30509" marB="30509" anchor="ctr">
+                    <a:lnL w="12700" cap="flat" cmpd="sng" algn="ctr">
+                      <a:solidFill>
+                        <a:schemeClr val="tx1"/>
+                      </a:solidFill>
+                      <a:prstDash val="solid"/>
+                      <a:round/>
+                      <a:headEnd type="none" w="med" len="med"/>
+                      <a:tailEnd type="none" w="med" len="med"/>
+                    </a:lnL>
+                    <a:lnR w="12700" cap="flat" cmpd="sng" algn="ctr">
+                      <a:solidFill>
+                        <a:schemeClr val="tx1"/>
+                      </a:solidFill>
+                      <a:prstDash val="solid"/>
+                      <a:round/>
+                      <a:headEnd type="none" w="med" len="med"/>
+                      <a:tailEnd type="none" w="med" len="med"/>
+                    </a:lnR>
+                    <a:lnT w="12700" cap="flat" cmpd="sng" algn="ctr">
+                      <a:solidFill>
+                        <a:schemeClr val="tx1"/>
+                      </a:solidFill>
+                      <a:prstDash val="solid"/>
+                      <a:round/>
+                      <a:headEnd type="none" w="med" len="med"/>
+                      <a:tailEnd type="none" w="med" len="med"/>
+                    </a:lnT>
+                    <a:lnB w="12700" cap="flat" cmpd="sng" algn="ctr">
+                      <a:solidFill>
+                        <a:schemeClr val="tx1"/>
+                      </a:solidFill>
+                      <a:prstDash val="solid"/>
+                      <a:round/>
+                      <a:headEnd type="none" w="med" len="med"/>
+                      <a:tailEnd type="none" w="med" len="med"/>
+                    </a:lnB>
+                    <a:solidFill>
+                      <a:schemeClr val="bg1"/>
+                    </a:solidFill>
+                  </a:tcPr>
+                </a:tc>
+                <a:tc>
+                  <a:txBody>
+                    <a:bodyPr/>
+                    <a:lstStyle/>
+                    <a:p>
+                      <a:pPr algn="ctr" latinLnBrk="1"/>
+                      <a:endParaRPr lang="ko-KR" altLang="en-US" sz="1400" dirty="0">
+                        <a:solidFill>
+                          <a:sysClr val="windowText" lastClr="000000"/>
+                        </a:solidFill>
+                      </a:endParaRPr>
+                    </a:p>
+                  </a:txBody>
+                  <a:tcPr marL="61018" marR="61018" marT="30509" marB="30509" anchor="ctr">
+                    <a:lnL w="12700" cap="flat" cmpd="sng" algn="ctr">
+                      <a:solidFill>
+                        <a:schemeClr val="tx1"/>
+                      </a:solidFill>
+                      <a:prstDash val="solid"/>
+                      <a:round/>
+                      <a:headEnd type="none" w="med" len="med"/>
+                      <a:tailEnd type="none" w="med" len="med"/>
+                    </a:lnL>
+                    <a:lnR w="12700" cap="flat" cmpd="sng" algn="ctr">
+                      <a:solidFill>
+                        <a:schemeClr val="tx1"/>
+                      </a:solidFill>
+                      <a:prstDash val="solid"/>
+                      <a:round/>
+                      <a:headEnd type="none" w="med" len="med"/>
+                      <a:tailEnd type="none" w="med" len="med"/>
+                    </a:lnR>
+                    <a:lnT w="12700" cap="flat" cmpd="sng" algn="ctr">
+                      <a:solidFill>
+                        <a:schemeClr val="tx1"/>
+                      </a:solidFill>
+                      <a:prstDash val="solid"/>
+                      <a:round/>
+                      <a:headEnd type="none" w="med" len="med"/>
+                      <a:tailEnd type="none" w="med" len="med"/>
+                    </a:lnT>
+                    <a:lnB w="12700" cap="flat" cmpd="sng" algn="ctr">
+                      <a:solidFill>
+                        <a:schemeClr val="tx1"/>
+                      </a:solidFill>
+                      <a:prstDash val="solid"/>
+                      <a:round/>
+                      <a:headEnd type="none" w="med" len="med"/>
+                      <a:tailEnd type="none" w="med" len="med"/>
+                    </a:lnB>
+                    <a:solidFill>
+                      <a:schemeClr val="bg1"/>
+                    </a:solidFill>
+                  </a:tcPr>
+                </a:tc>
+                <a:tc>
+                  <a:txBody>
+                    <a:bodyPr/>
+                    <a:lstStyle/>
+                    <a:p>
+                      <a:pPr algn="ctr" latinLnBrk="1"/>
+                      <a:r>
+                        <a:rPr lang="en-US" altLang="ko-KR" sz="1400" dirty="0" smtClean="0">
+                          <a:solidFill>
+                            <a:sysClr val="windowText" lastClr="000000"/>
+                          </a:solidFill>
+                        </a:rPr>
+                        <a:t>058</a:t>
+                      </a:r>
+                      <a:endParaRPr lang="ko-KR" altLang="en-US" sz="1400" dirty="0">
+                        <a:solidFill>
+                          <a:sysClr val="windowText" lastClr="000000"/>
+                        </a:solidFill>
+                      </a:endParaRPr>
+                    </a:p>
+                  </a:txBody>
+                  <a:tcPr marL="61018" marR="61018" marT="30509" marB="30509" anchor="ctr">
+                    <a:lnL w="12700" cap="flat" cmpd="sng" algn="ctr">
+                      <a:solidFill>
+                        <a:schemeClr val="tx1"/>
+                      </a:solidFill>
+                      <a:prstDash val="solid"/>
+                      <a:round/>
+                      <a:headEnd type="none" w="med" len="med"/>
+                      <a:tailEnd type="none" w="med" len="med"/>
+                    </a:lnL>
+                    <a:lnR w="12700" cap="flat" cmpd="sng" algn="ctr">
+                      <a:solidFill>
+                        <a:schemeClr val="tx1"/>
+                      </a:solidFill>
+                      <a:prstDash val="solid"/>
+                      <a:round/>
+                      <a:headEnd type="none" w="med" len="med"/>
+                      <a:tailEnd type="none" w="med" len="med"/>
+                    </a:lnR>
+                    <a:lnT w="12700" cap="flat" cmpd="sng" algn="ctr">
+                      <a:solidFill>
+                        <a:schemeClr val="tx1"/>
+                      </a:solidFill>
+                      <a:prstDash val="solid"/>
+                      <a:round/>
+                      <a:headEnd type="none" w="med" len="med"/>
+                      <a:tailEnd type="none" w="med" len="med"/>
+                    </a:lnT>
+                    <a:lnB w="12700" cap="flat" cmpd="sng" algn="ctr">
+                      <a:solidFill>
+                        <a:schemeClr val="tx1"/>
+                      </a:solidFill>
+                      <a:prstDash val="solid"/>
+                      <a:round/>
+                      <a:headEnd type="none" w="med" len="med"/>
+                      <a:tailEnd type="none" w="med" len="med"/>
+                    </a:lnB>
+                    <a:solidFill>
+                      <a:schemeClr val="bg1"/>
+                    </a:solidFill>
+                  </a:tcPr>
+                </a:tc>
+                <a:tc>
+                  <a:txBody>
+                    <a:bodyPr/>
+                    <a:lstStyle/>
+                    <a:p>
+                      <a:pPr algn="ctr" latinLnBrk="1"/>
+                      <a:r>
+                        <a:rPr lang="en-US" altLang="ko-KR" sz="1400" dirty="0" smtClean="0">
+                          <a:solidFill>
+                            <a:sysClr val="windowText" lastClr="000000"/>
+                          </a:solidFill>
+                        </a:rPr>
+                        <a:t>467</a:t>
+                      </a:r>
+                      <a:endParaRPr lang="ko-KR" altLang="en-US" sz="1400" dirty="0">
+                        <a:solidFill>
+                          <a:sysClr val="windowText" lastClr="000000"/>
+                        </a:solidFill>
+                      </a:endParaRPr>
+                    </a:p>
+                  </a:txBody>
+                  <a:tcPr marL="61018" marR="61018" marT="30509" marB="30509" anchor="ctr">
+                    <a:lnL w="12700" cap="flat" cmpd="sng" algn="ctr">
+                      <a:solidFill>
+                        <a:schemeClr val="tx1"/>
+                      </a:solidFill>
+                      <a:prstDash val="solid"/>
+                      <a:round/>
+                      <a:headEnd type="none" w="med" len="med"/>
+                      <a:tailEnd type="none" w="med" len="med"/>
+                    </a:lnL>
+                    <a:lnR w="12700" cap="flat" cmpd="sng" algn="ctr">
+                      <a:solidFill>
+                        <a:schemeClr val="tx1"/>
+                      </a:solidFill>
+                      <a:prstDash val="solid"/>
+                      <a:round/>
+                      <a:headEnd type="none" w="med" len="med"/>
+                      <a:tailEnd type="none" w="med" len="med"/>
+                    </a:lnR>
+                    <a:lnT w="12700" cap="flat" cmpd="sng" algn="ctr">
+                      <a:solidFill>
+                        <a:schemeClr val="tx1"/>
+                      </a:solidFill>
+                      <a:prstDash val="solid"/>
+                      <a:round/>
+                      <a:headEnd type="none" w="med" len="med"/>
+                      <a:tailEnd type="none" w="med" len="med"/>
+                    </a:lnT>
+                    <a:lnB w="12700" cap="flat" cmpd="sng" algn="ctr">
+                      <a:solidFill>
+                        <a:schemeClr val="tx1"/>
+                      </a:solidFill>
+                      <a:prstDash val="solid"/>
+                      <a:round/>
+                      <a:headEnd type="none" w="med" len="med"/>
+                      <a:tailEnd type="none" w="med" len="med"/>
+                    </a:lnB>
+                    <a:solidFill>
+                      <a:schemeClr val="bg1"/>
+                    </a:solidFill>
+                  </a:tcPr>
+                </a:tc>
+                <a:tc>
+                  <a:txBody>
+                    <a:bodyPr/>
+                    <a:lstStyle/>
+                    <a:p>
+                      <a:pPr algn="ctr" latinLnBrk="1"/>
+                      <a:endParaRPr lang="ko-KR" altLang="en-US" sz="1400" dirty="0">
+                        <a:solidFill>
+                          <a:sysClr val="windowText" lastClr="000000"/>
+                        </a:solidFill>
+                      </a:endParaRPr>
+                    </a:p>
+                  </a:txBody>
+                  <a:tcPr marL="61018" marR="61018" marT="30509" marB="30509" anchor="ctr">
+                    <a:lnL w="12700" cap="flat" cmpd="sng" algn="ctr">
+                      <a:solidFill>
+                        <a:schemeClr val="tx1"/>
+                      </a:solidFill>
+                      <a:prstDash val="solid"/>
+                      <a:round/>
+                      <a:headEnd type="none" w="med" len="med"/>
+                      <a:tailEnd type="none" w="med" len="med"/>
+                    </a:lnL>
+                    <a:lnR w="12700" cap="flat" cmpd="sng" algn="ctr">
+                      <a:solidFill>
+                        <a:schemeClr val="tx1"/>
+                      </a:solidFill>
+                      <a:prstDash val="solid"/>
+                      <a:round/>
+                      <a:headEnd type="none" w="med" len="med"/>
+                      <a:tailEnd type="none" w="med" len="med"/>
+                    </a:lnR>
+                    <a:lnT w="12700" cap="flat" cmpd="sng" algn="ctr">
+                      <a:solidFill>
+                        <a:schemeClr val="tx1"/>
+                      </a:solidFill>
+                      <a:prstDash val="solid"/>
+                      <a:round/>
+                      <a:headEnd type="none" w="med" len="med"/>
+                      <a:tailEnd type="none" w="med" len="med"/>
+                    </a:lnT>
+                    <a:lnB w="12700" cap="flat" cmpd="sng" algn="ctr">
+                      <a:solidFill>
+                        <a:schemeClr val="tx1"/>
+                      </a:solidFill>
+                      <a:prstDash val="solid"/>
+                      <a:round/>
+                      <a:headEnd type="none" w="med" len="med"/>
+                      <a:tailEnd type="none" w="med" len="med"/>
+                    </a:lnB>
+                    <a:solidFill>
+                      <a:schemeClr val="bg1"/>
+                    </a:solidFill>
+                  </a:tcPr>
+                </a:tc>
+                <a:tc>
+                  <a:txBody>
+                    <a:bodyPr/>
+                    <a:lstStyle/>
+                    <a:p>
+                      <a:pPr algn="ctr" latinLnBrk="1"/>
+                      <a:endParaRPr lang="ko-KR" altLang="en-US" sz="1400" dirty="0">
+                        <a:solidFill>
+                          <a:sysClr val="windowText" lastClr="000000"/>
+                        </a:solidFill>
+                      </a:endParaRPr>
+                    </a:p>
+                  </a:txBody>
+                  <a:tcPr marL="61018" marR="61018" marT="30509" marB="30509" anchor="ctr">
+                    <a:lnL w="12700" cap="flat" cmpd="sng" algn="ctr">
+                      <a:solidFill>
+                        <a:schemeClr val="tx1"/>
+                      </a:solidFill>
+                      <a:prstDash val="solid"/>
+                      <a:round/>
+                      <a:headEnd type="none" w="med" len="med"/>
+                      <a:tailEnd type="none" w="med" len="med"/>
+                    </a:lnL>
+                    <a:lnR w="12700" cap="flat" cmpd="sng" algn="ctr">
+                      <a:solidFill>
+                        <a:schemeClr val="tx1"/>
+                      </a:solidFill>
+                      <a:prstDash val="solid"/>
+                      <a:round/>
+                      <a:headEnd type="none" w="med" len="med"/>
+                      <a:tailEnd type="none" w="med" len="med"/>
+                    </a:lnR>
+                    <a:lnT w="12700" cap="flat" cmpd="sng" algn="ctr">
+                      <a:solidFill>
+                        <a:schemeClr val="tx1"/>
+                      </a:solidFill>
+                      <a:prstDash val="solid"/>
+                      <a:round/>
+                      <a:headEnd type="none" w="med" len="med"/>
+                      <a:tailEnd type="none" w="med" len="med"/>
+                    </a:lnT>
+                    <a:lnB w="12700" cap="flat" cmpd="sng" algn="ctr">
+                      <a:solidFill>
+                        <a:schemeClr val="tx1"/>
+                      </a:solidFill>
+                      <a:prstDash val="solid"/>
+                      <a:round/>
+                      <a:headEnd type="none" w="med" len="med"/>
+                      <a:tailEnd type="none" w="med" len="med"/>
+                    </a:lnB>
+                    <a:solidFill>
+                      <a:schemeClr val="bg1"/>
+                    </a:solidFill>
+                  </a:tcPr>
+                </a:tc>
+                <a:tc>
+                  <a:txBody>
+                    <a:bodyPr/>
+                    <a:lstStyle/>
+                    <a:p>
+                      <a:pPr algn="ctr" latinLnBrk="1"/>
+                      <a:endParaRPr lang="ko-KR" altLang="en-US" sz="1400" dirty="0">
+                        <a:solidFill>
+                          <a:sysClr val="windowText" lastClr="000000"/>
+                        </a:solidFill>
+                      </a:endParaRPr>
+                    </a:p>
+                  </a:txBody>
+                  <a:tcPr marL="61018" marR="61018" marT="30509" marB="30509" anchor="ctr">
+                    <a:lnL w="12700" cap="flat" cmpd="sng" algn="ctr">
+                      <a:solidFill>
+                        <a:schemeClr val="tx1"/>
+                      </a:solidFill>
+                      <a:prstDash val="solid"/>
+                      <a:round/>
+                      <a:headEnd type="none" w="med" len="med"/>
+                      <a:tailEnd type="none" w="med" len="med"/>
+                    </a:lnL>
+                    <a:lnR w="12700" cap="flat" cmpd="sng" algn="ctr">
+                      <a:solidFill>
+                        <a:schemeClr val="tx1"/>
+                      </a:solidFill>
+                      <a:prstDash val="solid"/>
+                      <a:round/>
+                      <a:headEnd type="none" w="med" len="med"/>
+                      <a:tailEnd type="none" w="med" len="med"/>
+                    </a:lnR>
+                    <a:lnT w="12700" cap="flat" cmpd="sng" algn="ctr">
+                      <a:solidFill>
+                        <a:schemeClr val="tx1"/>
+                      </a:solidFill>
+                      <a:prstDash val="solid"/>
+                      <a:round/>
+                      <a:headEnd type="none" w="med" len="med"/>
+                      <a:tailEnd type="none" w="med" len="med"/>
+                    </a:lnT>
+                    <a:lnB w="12700" cap="flat" cmpd="sng" algn="ctr">
+                      <a:solidFill>
+                        <a:schemeClr val="tx1"/>
+                      </a:solidFill>
+                      <a:prstDash val="solid"/>
+                      <a:round/>
+                      <a:headEnd type="none" w="med" len="med"/>
+                      <a:tailEnd type="none" w="med" len="med"/>
+                    </a:lnB>
+                    <a:solidFill>
+                      <a:schemeClr val="bg1"/>
+                    </a:solidFill>
+                  </a:tcPr>
+                </a:tc>
+                <a:extLst>
+                  <a:ext uri="{0D108BD9-81ED-4DB2-BD59-A6C34878D82A}">
+                    <a16:rowId xmlns:a16="http://schemas.microsoft.com/office/drawing/2014/main" xmlns="" val="2318367764"/>
+                  </a:ext>
+                </a:extLst>
+              </a:tr>
+            </a:tbl>
+          </a:graphicData>
+        </a:graphic>
+      </p:graphicFrame>
+      <p:graphicFrame>
+        <p:nvGraphicFramePr>
+          <p:cNvPr id="7" name="표 6">
+            <a:extLst>
+              <a:ext uri="{FF2B5EF4-FFF2-40B4-BE49-F238E27FC236}">
+                <a16:creationId xmlns:a16="http://schemas.microsoft.com/office/drawing/2014/main" xmlns="" id="{15D5CCAF-CAB6-493C-9A85-2676F48690AF}"/>
+              </a:ext>
+            </a:extLst>
+          </p:cNvPr>
+          <p:cNvGraphicFramePr>
+            <a:graphicFrameLocks noGrp="1"/>
+          </p:cNvGraphicFramePr>
+          <p:nvPr>
+            <p:extLst>
+              <p:ext uri="{D42A27DB-BD31-4B8C-83A1-F6EECF244321}">
+                <p14:modId xmlns:p14="http://schemas.microsoft.com/office/powerpoint/2010/main" val="1393858133"/>
+              </p:ext>
+            </p:extLst>
+          </p:nvPr>
+        </p:nvGraphicFramePr>
+        <p:xfrm>
+          <a:off x="3757921" y="4594479"/>
+          <a:ext cx="5472000" cy="547200"/>
+        </p:xfrm>
+        <a:graphic>
+          <a:graphicData uri="http://schemas.openxmlformats.org/drawingml/2006/table">
+            <a:tbl>
+              <a:tblPr firstRow="1" bandRow="1">
+                <a:tableStyleId>{5C22544A-7EE6-4342-B048-85BDC9FD1C3A}</a:tableStyleId>
+              </a:tblPr>
+              <a:tblGrid>
+                <a:gridCol w="547200">
+                  <a:extLst>
+                    <a:ext uri="{9D8B030D-6E8A-4147-A177-3AD203B41FA5}">
+                      <a16:colId xmlns:a16="http://schemas.microsoft.com/office/drawing/2014/main" xmlns="" val="422949941"/>
+                    </a:ext>
+                  </a:extLst>
+                </a:gridCol>
+                <a:gridCol w="547200"/>
+                <a:gridCol w="547200"/>
+                <a:gridCol w="547200"/>
+                <a:gridCol w="547200">
+                  <a:extLst>
+                    <a:ext uri="{9D8B030D-6E8A-4147-A177-3AD203B41FA5}">
+                      <a16:colId xmlns:a16="http://schemas.microsoft.com/office/drawing/2014/main" xmlns="" val="1888211109"/>
+                    </a:ext>
+                  </a:extLst>
+                </a:gridCol>
+                <a:gridCol w="547200">
+                  <a:extLst>
+                    <a:ext uri="{9D8B030D-6E8A-4147-A177-3AD203B41FA5}">
+                      <a16:colId xmlns:a16="http://schemas.microsoft.com/office/drawing/2014/main" xmlns="" val="3675358557"/>
+                    </a:ext>
+                  </a:extLst>
+                </a:gridCol>
+                <a:gridCol w="547200">
+                  <a:extLst>
+                    <a:ext uri="{9D8B030D-6E8A-4147-A177-3AD203B41FA5}">
+                      <a16:colId xmlns:a16="http://schemas.microsoft.com/office/drawing/2014/main" xmlns="" val="2341215234"/>
+                    </a:ext>
+                  </a:extLst>
+                </a:gridCol>
+                <a:gridCol w="547200"/>
+                <a:gridCol w="547200"/>
+                <a:gridCol w="547200"/>
+              </a:tblGrid>
+              <a:tr h="547200">
+                <a:tc>
+                  <a:txBody>
+                    <a:bodyPr/>
+                    <a:lstStyle/>
+                    <a:p>
+                      <a:pPr algn="ctr" latinLnBrk="1"/>
+                      <a:r>
+                        <a:rPr lang="en-US" altLang="ko-KR" sz="1400" dirty="0" smtClean="0">
+                          <a:solidFill>
+                            <a:sysClr val="windowText" lastClr="000000"/>
+                          </a:solidFill>
+                        </a:rPr>
+                        <a:t>012</a:t>
+                      </a:r>
+                    </a:p>
+                    <a:p>
+                      <a:pPr algn="ctr" latinLnBrk="1"/>
+                      <a:r>
+                        <a:rPr lang="en-US" altLang="ko-KR" sz="1400" dirty="0" smtClean="0">
+                          <a:solidFill>
+                            <a:sysClr val="windowText" lastClr="000000"/>
+                          </a:solidFill>
+                        </a:rPr>
+                        <a:t>058</a:t>
+                      </a:r>
+                      <a:endParaRPr lang="ko-KR" altLang="en-US" sz="1400" dirty="0">
+                        <a:solidFill>
+                          <a:sysClr val="windowText" lastClr="000000"/>
+                        </a:solidFill>
+                      </a:endParaRPr>
+                    </a:p>
+                  </a:txBody>
+                  <a:tcPr marL="61018" marR="61018" marT="30509" marB="30509" anchor="ctr">
+                    <a:lnL w="12700" cap="flat" cmpd="sng" algn="ctr">
+                      <a:solidFill>
+                        <a:schemeClr val="tx1"/>
+                      </a:solidFill>
+                      <a:prstDash val="solid"/>
+                      <a:round/>
+                      <a:headEnd type="none" w="med" len="med"/>
+                      <a:tailEnd type="none" w="med" len="med"/>
+                    </a:lnL>
+                    <a:lnR w="12700" cap="flat" cmpd="sng" algn="ctr">
+                      <a:solidFill>
+                        <a:schemeClr val="tx1"/>
+                      </a:solidFill>
+                      <a:prstDash val="solid"/>
+                      <a:round/>
+                      <a:headEnd type="none" w="med" len="med"/>
+                      <a:tailEnd type="none" w="med" len="med"/>
+                    </a:lnR>
+                    <a:lnT w="12700" cap="flat" cmpd="sng" algn="ctr">
+                      <a:solidFill>
+                        <a:schemeClr val="tx1"/>
+                      </a:solidFill>
+                      <a:prstDash val="solid"/>
+                      <a:round/>
+                      <a:headEnd type="none" w="med" len="med"/>
+                      <a:tailEnd type="none" w="med" len="med"/>
+                    </a:lnT>
+                    <a:lnB w="12700" cap="flat" cmpd="sng" algn="ctr">
+                      <a:solidFill>
+                        <a:schemeClr val="tx1"/>
+                      </a:solidFill>
+                      <a:prstDash val="solid"/>
+                      <a:round/>
+                      <a:headEnd type="none" w="med" len="med"/>
+                      <a:tailEnd type="none" w="med" len="med"/>
+                    </a:lnB>
+                    <a:solidFill>
+                      <a:schemeClr val="bg1"/>
+                    </a:solidFill>
+                  </a:tcPr>
+                </a:tc>
+                <a:tc>
+                  <a:txBody>
+                    <a:bodyPr/>
+                    <a:lstStyle/>
+                    <a:p>
+                      <a:pPr marL="0" marR="0" indent="0" algn="ctr" defTabSz="914400" rtl="0" eaLnBrk="1" fontAlgn="auto" latinLnBrk="1" hangingPunct="1">
+                        <a:lnSpc>
+                          <a:spcPct val="100000"/>
+                        </a:lnSpc>
+                        <a:spcBef>
+                          <a:spcPts val="0"/>
+                        </a:spcBef>
+                        <a:spcAft>
+                          <a:spcPts val="0"/>
+                        </a:spcAft>
+                        <a:buClrTx/>
+                        <a:buSzTx/>
+                        <a:buFontTx/>
+                        <a:buNone/>
+                        <a:tabLst/>
+                        <a:defRPr/>
+                      </a:pPr>
+                      <a:r>
+                        <a:rPr lang="en-US" altLang="ko-KR" sz="1400" dirty="0" smtClean="0">
+                          <a:solidFill>
+                            <a:sysClr val="windowText" lastClr="000000"/>
+                          </a:solidFill>
+                        </a:rPr>
+                        <a:t>110</a:t>
+                      </a:r>
+                    </a:p>
+                    <a:p>
+                      <a:pPr marL="0" marR="0" indent="0" algn="ctr" defTabSz="914400" rtl="0" eaLnBrk="1" fontAlgn="auto" latinLnBrk="1" hangingPunct="1">
+                        <a:lnSpc>
+                          <a:spcPct val="100000"/>
+                        </a:lnSpc>
+                        <a:spcBef>
+                          <a:spcPts val="0"/>
+                        </a:spcBef>
+                        <a:spcAft>
+                          <a:spcPts val="0"/>
+                        </a:spcAft>
+                        <a:buClrTx/>
+                        <a:buSzTx/>
+                        <a:buFontTx/>
+                        <a:buNone/>
+                        <a:tabLst/>
+                        <a:defRPr/>
+                      </a:pPr>
+                      <a:r>
+                        <a:rPr lang="en-US" altLang="ko-KR" sz="1400" dirty="0" smtClean="0">
+                          <a:solidFill>
+                            <a:sysClr val="windowText" lastClr="000000"/>
+                          </a:solidFill>
+                        </a:rPr>
+                        <a:t>127</a:t>
+                      </a:r>
+                      <a:endParaRPr lang="ko-KR" altLang="en-US" sz="1400" dirty="0" smtClean="0">
+                        <a:solidFill>
+                          <a:sysClr val="windowText" lastClr="000000"/>
+                        </a:solidFill>
+                      </a:endParaRPr>
+                    </a:p>
+                  </a:txBody>
+                  <a:tcPr marL="61018" marR="61018" marT="30509" marB="30509" anchor="ctr">
+                    <a:lnL w="12700" cap="flat" cmpd="sng" algn="ctr">
+                      <a:solidFill>
+                        <a:schemeClr val="tx1"/>
+                      </a:solidFill>
+                      <a:prstDash val="solid"/>
+                      <a:round/>
+                      <a:headEnd type="none" w="med" len="med"/>
+                      <a:tailEnd type="none" w="med" len="med"/>
+                    </a:lnL>
+                    <a:lnR w="12700" cap="flat" cmpd="sng" algn="ctr">
+                      <a:solidFill>
+                        <a:schemeClr val="tx1"/>
+                      </a:solidFill>
+                      <a:prstDash val="solid"/>
+                      <a:round/>
+                      <a:headEnd type="none" w="med" len="med"/>
+                      <a:tailEnd type="none" w="med" len="med"/>
+                    </a:lnR>
+                    <a:lnT w="12700" cap="flat" cmpd="sng" algn="ctr">
+                      <a:solidFill>
+                        <a:schemeClr val="tx1"/>
+                      </a:solidFill>
+                      <a:prstDash val="solid"/>
+                      <a:round/>
+                      <a:headEnd type="none" w="med" len="med"/>
+                      <a:tailEnd type="none" w="med" len="med"/>
+                    </a:lnT>
+                    <a:lnB w="12700" cap="flat" cmpd="sng" algn="ctr">
+                      <a:solidFill>
+                        <a:schemeClr val="tx1"/>
+                      </a:solidFill>
+                      <a:prstDash val="solid"/>
+                      <a:round/>
+                      <a:headEnd type="none" w="med" len="med"/>
+                      <a:tailEnd type="none" w="med" len="med"/>
+                    </a:lnB>
+                    <a:solidFill>
+                      <a:schemeClr val="bg1"/>
+                    </a:solidFill>
+                  </a:tcPr>
+                </a:tc>
+                <a:tc>
+                  <a:txBody>
+                    <a:bodyPr/>
+                    <a:lstStyle/>
+                    <a:p>
+                      <a:pPr marL="0" marR="0" indent="0" algn="ctr" defTabSz="914400" rtl="0" eaLnBrk="1" fontAlgn="auto" latinLnBrk="1" hangingPunct="1">
+                        <a:lnSpc>
+                          <a:spcPct val="100000"/>
+                        </a:lnSpc>
+                        <a:spcBef>
+                          <a:spcPts val="0"/>
+                        </a:spcBef>
+                        <a:spcAft>
+                          <a:spcPts val="0"/>
+                        </a:spcAft>
+                        <a:buClrTx/>
+                        <a:buSzTx/>
+                        <a:buFontTx/>
+                        <a:buNone/>
+                        <a:tabLst/>
+                        <a:defRPr/>
+                      </a:pPr>
+                      <a:endParaRPr lang="ko-KR" altLang="en-US" sz="1400" dirty="0" smtClean="0">
+                        <a:solidFill>
+                          <a:sysClr val="windowText" lastClr="000000"/>
+                        </a:solidFill>
+                      </a:endParaRPr>
+                    </a:p>
+                  </a:txBody>
+                  <a:tcPr marL="61018" marR="61018" marT="30509" marB="30509" anchor="ctr">
+                    <a:lnL w="12700" cap="flat" cmpd="sng" algn="ctr">
+                      <a:solidFill>
+                        <a:schemeClr val="tx1"/>
+                      </a:solidFill>
+                      <a:prstDash val="solid"/>
+                      <a:round/>
+                      <a:headEnd type="none" w="med" len="med"/>
+                      <a:tailEnd type="none" w="med" len="med"/>
+                    </a:lnL>
+                    <a:lnR w="12700" cap="flat" cmpd="sng" algn="ctr">
+                      <a:solidFill>
+                        <a:schemeClr val="tx1"/>
+                      </a:solidFill>
+                      <a:prstDash val="solid"/>
+                      <a:round/>
+                      <a:headEnd type="none" w="med" len="med"/>
+                      <a:tailEnd type="none" w="med" len="med"/>
+                    </a:lnR>
+                    <a:lnT w="12700" cap="flat" cmpd="sng" algn="ctr">
+                      <a:solidFill>
+                        <a:schemeClr val="tx1"/>
+                      </a:solidFill>
+                      <a:prstDash val="solid"/>
+                      <a:round/>
+                      <a:headEnd type="none" w="med" len="med"/>
+                      <a:tailEnd type="none" w="med" len="med"/>
+                    </a:lnT>
+                    <a:lnB w="12700" cap="flat" cmpd="sng" algn="ctr">
+                      <a:solidFill>
+                        <a:schemeClr val="tx1"/>
+                      </a:solidFill>
+                      <a:prstDash val="solid"/>
+                      <a:round/>
+                      <a:headEnd type="none" w="med" len="med"/>
+                      <a:tailEnd type="none" w="med" len="med"/>
+                    </a:lnB>
+                    <a:solidFill>
+                      <a:schemeClr val="bg1"/>
+                    </a:solidFill>
+                  </a:tcPr>
+                </a:tc>
+                <a:tc>
+                  <a:txBody>
+                    <a:bodyPr/>
+                    <a:lstStyle/>
+                    <a:p>
+                      <a:pPr marL="0" marR="0" indent="0" algn="ctr" defTabSz="914400" rtl="0" eaLnBrk="1" fontAlgn="auto" latinLnBrk="1" hangingPunct="1">
+                        <a:lnSpc>
+                          <a:spcPct val="100000"/>
+                        </a:lnSpc>
+                        <a:spcBef>
+                          <a:spcPts val="0"/>
+                        </a:spcBef>
+                        <a:spcAft>
+                          <a:spcPts val="0"/>
+                        </a:spcAft>
+                        <a:buClrTx/>
+                        <a:buSzTx/>
+                        <a:buFontTx/>
+                        <a:buNone/>
+                        <a:tabLst/>
+                        <a:defRPr/>
+                      </a:pPr>
+                      <a:r>
+                        <a:rPr lang="en-US" altLang="ko-KR" sz="1400" dirty="0" smtClean="0">
+                          <a:solidFill>
+                            <a:sysClr val="windowText" lastClr="000000"/>
+                          </a:solidFill>
+                        </a:rPr>
+                        <a:t>326</a:t>
+                      </a:r>
+                      <a:endParaRPr lang="ko-KR" altLang="en-US" sz="1400" dirty="0" smtClean="0">
+                        <a:solidFill>
+                          <a:sysClr val="windowText" lastClr="000000"/>
+                        </a:solidFill>
+                      </a:endParaRPr>
+                    </a:p>
+                  </a:txBody>
+                  <a:tcPr marL="61018" marR="61018" marT="30509" marB="30509" anchor="ctr">
+                    <a:lnL w="12700" cap="flat" cmpd="sng" algn="ctr">
+                      <a:solidFill>
+                        <a:schemeClr val="tx1"/>
+                      </a:solidFill>
+                      <a:prstDash val="solid"/>
+                      <a:round/>
+                      <a:headEnd type="none" w="med" len="med"/>
+                      <a:tailEnd type="none" w="med" len="med"/>
+                    </a:lnL>
+                    <a:lnR w="12700" cap="flat" cmpd="sng" algn="ctr">
+                      <a:solidFill>
+                        <a:schemeClr val="tx1"/>
+                      </a:solidFill>
+                      <a:prstDash val="solid"/>
+                      <a:round/>
+                      <a:headEnd type="none" w="med" len="med"/>
+                      <a:tailEnd type="none" w="med" len="med"/>
+                    </a:lnR>
+                    <a:lnT w="12700" cap="flat" cmpd="sng" algn="ctr">
+                      <a:solidFill>
+                        <a:schemeClr val="tx1"/>
+                      </a:solidFill>
+                      <a:prstDash val="solid"/>
+                      <a:round/>
+                      <a:headEnd type="none" w="med" len="med"/>
+                      <a:tailEnd type="none" w="med" len="med"/>
+                    </a:lnT>
+                    <a:lnB w="12700" cap="flat" cmpd="sng" algn="ctr">
+                      <a:solidFill>
+                        <a:schemeClr val="tx1"/>
+                      </a:solidFill>
+                      <a:prstDash val="solid"/>
+                      <a:round/>
+                      <a:headEnd type="none" w="med" len="med"/>
+                      <a:tailEnd type="none" w="med" len="med"/>
+                    </a:lnB>
+                    <a:solidFill>
+                      <a:schemeClr val="bg1"/>
+                    </a:solidFill>
+                  </a:tcPr>
+                </a:tc>
+                <a:tc>
+                  <a:txBody>
+                    <a:bodyPr/>
+                    <a:lstStyle/>
+                    <a:p>
+                      <a:pPr algn="ctr" latinLnBrk="1"/>
+                      <a:r>
+                        <a:rPr lang="en-US" altLang="ko-KR" sz="1400" dirty="0" smtClean="0">
+                          <a:solidFill>
+                            <a:sysClr val="windowText" lastClr="000000"/>
+                          </a:solidFill>
+                        </a:rPr>
+                        <a:t>467</a:t>
+                      </a:r>
+                      <a:endParaRPr lang="ko-KR" altLang="en-US" sz="1400" dirty="0">
+                        <a:solidFill>
+                          <a:sysClr val="windowText" lastClr="000000"/>
+                        </a:solidFill>
+                      </a:endParaRPr>
+                    </a:p>
+                  </a:txBody>
+                  <a:tcPr marL="61018" marR="61018" marT="30509" marB="30509" anchor="ctr">
+                    <a:lnL w="12700" cap="flat" cmpd="sng" algn="ctr">
+                      <a:solidFill>
+                        <a:schemeClr val="tx1"/>
+                      </a:solidFill>
+                      <a:prstDash val="solid"/>
+                      <a:round/>
+                      <a:headEnd type="none" w="med" len="med"/>
+                      <a:tailEnd type="none" w="med" len="med"/>
+                    </a:lnL>
+                    <a:lnR w="12700" cap="flat" cmpd="sng" algn="ctr">
+                      <a:solidFill>
+                        <a:schemeClr val="tx1"/>
+                      </a:solidFill>
+                      <a:prstDash val="solid"/>
+                      <a:round/>
+                      <a:headEnd type="none" w="med" len="med"/>
+                      <a:tailEnd type="none" w="med" len="med"/>
+                    </a:lnR>
+                    <a:lnT w="12700" cap="flat" cmpd="sng" algn="ctr">
+                      <a:solidFill>
+                        <a:schemeClr val="tx1"/>
+                      </a:solidFill>
+                      <a:prstDash val="solid"/>
+                      <a:round/>
+                      <a:headEnd type="none" w="med" len="med"/>
+                      <a:tailEnd type="none" w="med" len="med"/>
+                    </a:lnT>
+                    <a:lnB w="12700" cap="flat" cmpd="sng" algn="ctr">
+                      <a:solidFill>
+                        <a:schemeClr val="tx1"/>
+                      </a:solidFill>
+                      <a:prstDash val="solid"/>
+                      <a:round/>
+                      <a:headEnd type="none" w="med" len="med"/>
+                      <a:tailEnd type="none" w="med" len="med"/>
+                    </a:lnB>
+                    <a:solidFill>
+                      <a:schemeClr val="bg1"/>
+                    </a:solidFill>
+                  </a:tcPr>
+                </a:tc>
+                <a:tc>
+                  <a:txBody>
+                    <a:bodyPr/>
+                    <a:lstStyle/>
+                    <a:p>
+                      <a:pPr algn="ctr" latinLnBrk="1"/>
+                      <a:endParaRPr lang="ko-KR" altLang="en-US" sz="1400" dirty="0">
+                        <a:solidFill>
+                          <a:sysClr val="windowText" lastClr="000000"/>
+                        </a:solidFill>
+                      </a:endParaRPr>
+                    </a:p>
+                  </a:txBody>
+                  <a:tcPr marL="61018" marR="61018" marT="30509" marB="30509" anchor="ctr">
+                    <a:lnL w="12700" cap="flat" cmpd="sng" algn="ctr">
+                      <a:solidFill>
+                        <a:schemeClr val="tx1"/>
+                      </a:solidFill>
+                      <a:prstDash val="solid"/>
+                      <a:round/>
+                      <a:headEnd type="none" w="med" len="med"/>
+                      <a:tailEnd type="none" w="med" len="med"/>
+                    </a:lnL>
+                    <a:lnR w="12700" cap="flat" cmpd="sng" algn="ctr">
+                      <a:solidFill>
+                        <a:schemeClr val="tx1"/>
+                      </a:solidFill>
+                      <a:prstDash val="solid"/>
+                      <a:round/>
+                      <a:headEnd type="none" w="med" len="med"/>
+                      <a:tailEnd type="none" w="med" len="med"/>
+                    </a:lnR>
+                    <a:lnT w="12700" cap="flat" cmpd="sng" algn="ctr">
+                      <a:solidFill>
+                        <a:schemeClr val="tx1"/>
+                      </a:solidFill>
+                      <a:prstDash val="solid"/>
+                      <a:round/>
+                      <a:headEnd type="none" w="med" len="med"/>
+                      <a:tailEnd type="none" w="med" len="med"/>
+                    </a:lnT>
+                    <a:lnB w="12700" cap="flat" cmpd="sng" algn="ctr">
+                      <a:solidFill>
+                        <a:schemeClr val="tx1"/>
+                      </a:solidFill>
+                      <a:prstDash val="solid"/>
+                      <a:round/>
+                      <a:headEnd type="none" w="med" len="med"/>
+                      <a:tailEnd type="none" w="med" len="med"/>
+                    </a:lnB>
+                    <a:solidFill>
+                      <a:schemeClr val="bg1"/>
+                    </a:solidFill>
+                  </a:tcPr>
+                </a:tc>
+                <a:tc>
+                  <a:txBody>
+                    <a:bodyPr/>
+                    <a:lstStyle/>
+                    <a:p>
+                      <a:pPr algn="ctr" latinLnBrk="1"/>
+                      <a:endParaRPr lang="ko-KR" altLang="en-US" sz="1400" dirty="0">
+                        <a:solidFill>
+                          <a:sysClr val="windowText" lastClr="000000"/>
+                        </a:solidFill>
+                      </a:endParaRPr>
+                    </a:p>
+                  </a:txBody>
+                  <a:tcPr marL="61018" marR="61018" marT="30509" marB="30509" anchor="ctr">
+                    <a:lnL w="12700" cap="flat" cmpd="sng" algn="ctr">
+                      <a:solidFill>
+                        <a:schemeClr val="tx1"/>
+                      </a:solidFill>
+                      <a:prstDash val="solid"/>
+                      <a:round/>
+                      <a:headEnd type="none" w="med" len="med"/>
+                      <a:tailEnd type="none" w="med" len="med"/>
+                    </a:lnL>
+                    <a:lnR w="12700" cap="flat" cmpd="sng" algn="ctr">
+                      <a:solidFill>
+                        <a:schemeClr val="tx1"/>
+                      </a:solidFill>
+                      <a:prstDash val="solid"/>
+                      <a:round/>
+                      <a:headEnd type="none" w="med" len="med"/>
+                      <a:tailEnd type="none" w="med" len="med"/>
+                    </a:lnR>
+                    <a:lnT w="12700" cap="flat" cmpd="sng" algn="ctr">
+                      <a:solidFill>
+                        <a:schemeClr val="tx1"/>
+                      </a:solidFill>
+                      <a:prstDash val="solid"/>
+                      <a:round/>
+                      <a:headEnd type="none" w="med" len="med"/>
+                      <a:tailEnd type="none" w="med" len="med"/>
+                    </a:lnT>
+                    <a:lnB w="12700" cap="flat" cmpd="sng" algn="ctr">
+                      <a:solidFill>
+                        <a:schemeClr val="tx1"/>
+                      </a:solidFill>
+                      <a:prstDash val="solid"/>
+                      <a:round/>
+                      <a:headEnd type="none" w="med" len="med"/>
+                      <a:tailEnd type="none" w="med" len="med"/>
+                    </a:lnB>
+                    <a:solidFill>
+                      <a:schemeClr val="bg1"/>
+                    </a:solidFill>
+                  </a:tcPr>
+                </a:tc>
+                <a:tc>
+                  <a:txBody>
+                    <a:bodyPr/>
+                    <a:lstStyle/>
+                    <a:p>
+                      <a:pPr algn="ctr" latinLnBrk="1"/>
+                      <a:endParaRPr lang="ko-KR" altLang="en-US" sz="1400" dirty="0">
+                        <a:solidFill>
+                          <a:sysClr val="windowText" lastClr="000000"/>
+                        </a:solidFill>
+                      </a:endParaRPr>
+                    </a:p>
+                  </a:txBody>
+                  <a:tcPr marL="61018" marR="61018" marT="30509" marB="30509" anchor="ctr">
+                    <a:lnL w="12700" cap="flat" cmpd="sng" algn="ctr">
+                      <a:solidFill>
+                        <a:schemeClr val="tx1"/>
+                      </a:solidFill>
+                      <a:prstDash val="solid"/>
+                      <a:round/>
+                      <a:headEnd type="none" w="med" len="med"/>
+                      <a:tailEnd type="none" w="med" len="med"/>
+                    </a:lnL>
+                    <a:lnR w="12700" cap="flat" cmpd="sng" algn="ctr">
+                      <a:solidFill>
+                        <a:schemeClr val="tx1"/>
+                      </a:solidFill>
+                      <a:prstDash val="solid"/>
+                      <a:round/>
+                      <a:headEnd type="none" w="med" len="med"/>
+                      <a:tailEnd type="none" w="med" len="med"/>
+                    </a:lnR>
+                    <a:lnT w="12700" cap="flat" cmpd="sng" algn="ctr">
+                      <a:solidFill>
+                        <a:schemeClr val="tx1"/>
+                      </a:solidFill>
+                      <a:prstDash val="solid"/>
+                      <a:round/>
+                      <a:headEnd type="none" w="med" len="med"/>
+                      <a:tailEnd type="none" w="med" len="med"/>
+                    </a:lnT>
+                    <a:lnB w="12700" cap="flat" cmpd="sng" algn="ctr">
+                      <a:solidFill>
+                        <a:schemeClr val="tx1"/>
+                      </a:solidFill>
+                      <a:prstDash val="solid"/>
+                      <a:round/>
+                      <a:headEnd type="none" w="med" len="med"/>
+                      <a:tailEnd type="none" w="med" len="med"/>
+                    </a:lnB>
+                    <a:solidFill>
+                      <a:schemeClr val="bg1"/>
+                    </a:solidFill>
+                  </a:tcPr>
+                </a:tc>
+                <a:tc>
+                  <a:txBody>
+                    <a:bodyPr/>
+                    <a:lstStyle/>
+                    <a:p>
+                      <a:pPr algn="ctr" latinLnBrk="1"/>
+                      <a:endParaRPr lang="ko-KR" altLang="en-US" sz="1400" dirty="0">
+                        <a:solidFill>
+                          <a:sysClr val="windowText" lastClr="000000"/>
+                        </a:solidFill>
+                      </a:endParaRPr>
+                    </a:p>
+                  </a:txBody>
+                  <a:tcPr marL="61018" marR="61018" marT="30509" marB="30509" anchor="ctr">
+                    <a:lnL w="12700" cap="flat" cmpd="sng" algn="ctr">
+                      <a:solidFill>
+                        <a:schemeClr val="tx1"/>
+                      </a:solidFill>
+                      <a:prstDash val="solid"/>
+                      <a:round/>
+                      <a:headEnd type="none" w="med" len="med"/>
+                      <a:tailEnd type="none" w="med" len="med"/>
+                    </a:lnL>
+                    <a:lnR w="12700" cap="flat" cmpd="sng" algn="ctr">
+                      <a:solidFill>
+                        <a:schemeClr val="tx1"/>
+                      </a:solidFill>
+                      <a:prstDash val="solid"/>
+                      <a:round/>
+                      <a:headEnd type="none" w="med" len="med"/>
+                      <a:tailEnd type="none" w="med" len="med"/>
+                    </a:lnR>
+                    <a:lnT w="12700" cap="flat" cmpd="sng" algn="ctr">
+                      <a:solidFill>
+                        <a:schemeClr val="tx1"/>
+                      </a:solidFill>
+                      <a:prstDash val="solid"/>
+                      <a:round/>
+                      <a:headEnd type="none" w="med" len="med"/>
+                      <a:tailEnd type="none" w="med" len="med"/>
+                    </a:lnT>
+                    <a:lnB w="12700" cap="flat" cmpd="sng" algn="ctr">
+                      <a:solidFill>
+                        <a:schemeClr val="tx1"/>
+                      </a:solidFill>
+                      <a:prstDash val="solid"/>
+                      <a:round/>
+                      <a:headEnd type="none" w="med" len="med"/>
+                      <a:tailEnd type="none" w="med" len="med"/>
+                    </a:lnB>
+                    <a:solidFill>
+                      <a:schemeClr val="bg1"/>
+                    </a:solidFill>
+                  </a:tcPr>
+                </a:tc>
+                <a:tc>
+                  <a:txBody>
+                    <a:bodyPr/>
+                    <a:lstStyle/>
+                    <a:p>
+                      <a:pPr algn="ctr" latinLnBrk="1"/>
+                      <a:endParaRPr lang="ko-KR" altLang="en-US" sz="1400" dirty="0">
+                        <a:solidFill>
+                          <a:sysClr val="windowText" lastClr="000000"/>
+                        </a:solidFill>
+                      </a:endParaRPr>
+                    </a:p>
+                  </a:txBody>
+                  <a:tcPr marL="61018" marR="61018" marT="30509" marB="30509" anchor="ctr">
+                    <a:lnL w="12700" cap="flat" cmpd="sng" algn="ctr">
+                      <a:solidFill>
+                        <a:schemeClr val="tx1"/>
+                      </a:solidFill>
+                      <a:prstDash val="solid"/>
+                      <a:round/>
+                      <a:headEnd type="none" w="med" len="med"/>
+                      <a:tailEnd type="none" w="med" len="med"/>
+                    </a:lnL>
+                    <a:lnR w="12700" cap="flat" cmpd="sng" algn="ctr">
+                      <a:solidFill>
+                        <a:schemeClr val="tx1"/>
+                      </a:solidFill>
+                      <a:prstDash val="solid"/>
+                      <a:round/>
+                      <a:headEnd type="none" w="med" len="med"/>
+                      <a:tailEnd type="none" w="med" len="med"/>
+                    </a:lnR>
+                    <a:lnT w="12700" cap="flat" cmpd="sng" algn="ctr">
+                      <a:solidFill>
+                        <a:schemeClr val="tx1"/>
+                      </a:solidFill>
+                      <a:prstDash val="solid"/>
+                      <a:round/>
+                      <a:headEnd type="none" w="med" len="med"/>
+                      <a:tailEnd type="none" w="med" len="med"/>
+                    </a:lnT>
+                    <a:lnB w="12700" cap="flat" cmpd="sng" algn="ctr">
+                      <a:solidFill>
+                        <a:schemeClr val="tx1"/>
+                      </a:solidFill>
+                      <a:prstDash val="solid"/>
+                      <a:round/>
+                      <a:headEnd type="none" w="med" len="med"/>
+                      <a:tailEnd type="none" w="med" len="med"/>
+                    </a:lnB>
+                    <a:solidFill>
+                      <a:schemeClr val="bg1"/>
+                    </a:solidFill>
+                  </a:tcPr>
+                </a:tc>
+                <a:extLst>
+                  <a:ext uri="{0D108BD9-81ED-4DB2-BD59-A6C34878D82A}">
+                    <a16:rowId xmlns:a16="http://schemas.microsoft.com/office/drawing/2014/main" xmlns="" val="2318367764"/>
+                  </a:ext>
+                </a:extLst>
+              </a:tr>
+            </a:tbl>
+          </a:graphicData>
+        </a:graphic>
+      </p:graphicFrame>
+      <p:sp>
+        <p:nvSpPr>
+          <p:cNvPr id="8" name="직사각형 7"/>
+          <p:cNvSpPr/>
+          <p:nvPr/>
+        </p:nvSpPr>
+        <p:spPr>
+          <a:xfrm>
+            <a:off x="3757921" y="1942497"/>
+            <a:ext cx="547200" cy="547200"/>
+          </a:xfrm>
+          <a:prstGeom prst="rect">
+            <a:avLst/>
+          </a:prstGeom>
+          <a:solidFill>
+            <a:schemeClr val="bg1"/>
+          </a:solidFill>
+          <a:ln>
+            <a:solidFill>
+              <a:schemeClr val="tx1"/>
+            </a:solidFill>
+          </a:ln>
+        </p:spPr>
+        <p:style>
+          <a:lnRef idx="2">
+            <a:schemeClr val="accent1">
+              <a:shade val="50000"/>
+            </a:schemeClr>
+          </a:lnRef>
+          <a:fillRef idx="1">
+            <a:schemeClr val="accent1"/>
+          </a:fillRef>
+          <a:effectRef idx="0">
+            <a:schemeClr val="accent1"/>
+          </a:effectRef>
+          <a:fontRef idx="minor">
+            <a:schemeClr val="lt1"/>
+          </a:fontRef>
+        </p:style>
+        <p:txBody>
+          <a:bodyPr rtlCol="0" anchor="ctr"/>
+          <a:lstStyle/>
+          <a:p>
+            <a:pPr algn="ctr"/>
+            <a:r>
+              <a:rPr kumimoji="1" lang="en-US" altLang="ko-KR" sz="1600" dirty="0" smtClean="0">
+                <a:solidFill>
+                  <a:schemeClr val="tx1"/>
+                </a:solidFill>
+              </a:rPr>
+              <a:t>012</a:t>
+            </a:r>
+            <a:endParaRPr kumimoji="1" lang="ko-KR" altLang="en-US" sz="1600" dirty="0">
+              <a:solidFill>
+                <a:schemeClr val="tx1"/>
+              </a:solidFill>
+            </a:endParaRPr>
+          </a:p>
+        </p:txBody>
+      </p:sp>
+      <p:sp>
+        <p:nvSpPr>
+          <p:cNvPr id="9" name="직사각형 8"/>
+          <p:cNvSpPr/>
+          <p:nvPr/>
+        </p:nvSpPr>
+        <p:spPr>
+          <a:xfrm>
+            <a:off x="4435254" y="1945251"/>
+            <a:ext cx="547200" cy="547200"/>
+          </a:xfrm>
+          <a:prstGeom prst="rect">
+            <a:avLst/>
+          </a:prstGeom>
+          <a:solidFill>
+            <a:schemeClr val="bg1"/>
+          </a:solidFill>
+          <a:ln>
+            <a:solidFill>
+              <a:schemeClr val="tx1"/>
+            </a:solidFill>
+          </a:ln>
+        </p:spPr>
+        <p:style>
+          <a:lnRef idx="2">
+            <a:schemeClr val="accent1">
+              <a:shade val="50000"/>
+            </a:schemeClr>
+          </a:lnRef>
+          <a:fillRef idx="1">
+            <a:schemeClr val="accent1"/>
+          </a:fillRef>
+          <a:effectRef idx="0">
+            <a:schemeClr val="accent1"/>
+          </a:effectRef>
+          <a:fontRef idx="minor">
+            <a:schemeClr val="lt1"/>
+          </a:fontRef>
+        </p:style>
+        <p:txBody>
+          <a:bodyPr rtlCol="0" anchor="ctr"/>
+          <a:lstStyle/>
+          <a:p>
+            <a:pPr algn="ctr"/>
+            <a:r>
+              <a:rPr kumimoji="1" lang="en-US" altLang="ko-KR" sz="1600" dirty="0" smtClean="0">
+                <a:solidFill>
+                  <a:schemeClr val="tx1"/>
+                </a:solidFill>
+              </a:rPr>
+              <a:t>326</a:t>
+            </a:r>
+            <a:endParaRPr kumimoji="1" lang="ko-KR" altLang="en-US" sz="1600" dirty="0">
+              <a:solidFill>
+                <a:schemeClr val="tx1"/>
+              </a:solidFill>
+            </a:endParaRPr>
+          </a:p>
+        </p:txBody>
+      </p:sp>
+      <p:sp>
+        <p:nvSpPr>
+          <p:cNvPr id="10" name="직사각형 9"/>
+          <p:cNvSpPr/>
+          <p:nvPr/>
+        </p:nvSpPr>
+        <p:spPr>
+          <a:xfrm>
+            <a:off x="5112587" y="1948005"/>
+            <a:ext cx="547200" cy="547200"/>
+          </a:xfrm>
+          <a:prstGeom prst="rect">
+            <a:avLst/>
+          </a:prstGeom>
+          <a:solidFill>
+            <a:schemeClr val="bg1"/>
+          </a:solidFill>
+          <a:ln>
+            <a:solidFill>
+              <a:schemeClr val="tx1"/>
+            </a:solidFill>
+          </a:ln>
+        </p:spPr>
+        <p:style>
+          <a:lnRef idx="2">
+            <a:schemeClr val="accent1">
+              <a:shade val="50000"/>
+            </a:schemeClr>
+          </a:lnRef>
+          <a:fillRef idx="1">
+            <a:schemeClr val="accent1"/>
+          </a:fillRef>
+          <a:effectRef idx="0">
+            <a:schemeClr val="accent1"/>
+          </a:effectRef>
+          <a:fontRef idx="minor">
+            <a:schemeClr val="lt1"/>
+          </a:fontRef>
+        </p:style>
+        <p:txBody>
+          <a:bodyPr rtlCol="0" anchor="ctr"/>
+          <a:lstStyle/>
+          <a:p>
+            <a:pPr algn="ctr"/>
+            <a:r>
+              <a:rPr kumimoji="1" lang="en-US" altLang="ko-KR" sz="1600" dirty="0" smtClean="0">
+                <a:solidFill>
+                  <a:schemeClr val="tx1"/>
+                </a:solidFill>
+              </a:rPr>
+              <a:t>127</a:t>
+            </a:r>
+            <a:endParaRPr kumimoji="1" lang="ko-KR" altLang="en-US" sz="1600" dirty="0">
+              <a:solidFill>
+                <a:schemeClr val="tx1"/>
+              </a:solidFill>
+            </a:endParaRPr>
+          </a:p>
+        </p:txBody>
+      </p:sp>
+      <p:sp>
+        <p:nvSpPr>
+          <p:cNvPr id="11" name="직사각형 10"/>
+          <p:cNvSpPr/>
+          <p:nvPr/>
+        </p:nvSpPr>
+        <p:spPr>
+          <a:xfrm>
+            <a:off x="5789920" y="1950759"/>
+            <a:ext cx="547200" cy="547200"/>
+          </a:xfrm>
+          <a:prstGeom prst="rect">
+            <a:avLst/>
+          </a:prstGeom>
+          <a:solidFill>
+            <a:schemeClr val="bg1"/>
+          </a:solidFill>
+          <a:ln>
+            <a:solidFill>
+              <a:schemeClr val="tx1"/>
+            </a:solidFill>
+          </a:ln>
+        </p:spPr>
+        <p:style>
+          <a:lnRef idx="2">
+            <a:schemeClr val="accent1">
+              <a:shade val="50000"/>
+            </a:schemeClr>
+          </a:lnRef>
+          <a:fillRef idx="1">
+            <a:schemeClr val="accent1"/>
+          </a:fillRef>
+          <a:effectRef idx="0">
+            <a:schemeClr val="accent1"/>
+          </a:effectRef>
+          <a:fontRef idx="minor">
+            <a:schemeClr val="lt1"/>
+          </a:fontRef>
+        </p:style>
+        <p:txBody>
+          <a:bodyPr rtlCol="0" anchor="ctr"/>
+          <a:lstStyle/>
+          <a:p>
+            <a:pPr algn="ctr"/>
+            <a:r>
+              <a:rPr kumimoji="1" lang="en-US" altLang="ko-KR" sz="1600" dirty="0" smtClean="0">
+                <a:solidFill>
+                  <a:schemeClr val="tx1"/>
+                </a:solidFill>
+              </a:rPr>
+              <a:t>467</a:t>
+            </a:r>
+            <a:endParaRPr kumimoji="1" lang="ko-KR" altLang="en-US" sz="1600" dirty="0">
+              <a:solidFill>
+                <a:schemeClr val="tx1"/>
+              </a:solidFill>
+            </a:endParaRPr>
+          </a:p>
+        </p:txBody>
+      </p:sp>
+      <p:sp>
+        <p:nvSpPr>
+          <p:cNvPr id="12" name="직사각형 11"/>
+          <p:cNvSpPr/>
+          <p:nvPr/>
+        </p:nvSpPr>
+        <p:spPr>
+          <a:xfrm>
+            <a:off x="6467253" y="1953513"/>
+            <a:ext cx="547200" cy="547200"/>
+          </a:xfrm>
+          <a:prstGeom prst="rect">
+            <a:avLst/>
+          </a:prstGeom>
+          <a:solidFill>
+            <a:schemeClr val="bg1"/>
+          </a:solidFill>
+          <a:ln>
+            <a:solidFill>
+              <a:schemeClr val="tx1"/>
+            </a:solidFill>
+          </a:ln>
+        </p:spPr>
+        <p:style>
+          <a:lnRef idx="2">
+            <a:schemeClr val="accent1">
+              <a:shade val="50000"/>
+            </a:schemeClr>
+          </a:lnRef>
+          <a:fillRef idx="1">
+            <a:schemeClr val="accent1"/>
+          </a:fillRef>
+          <a:effectRef idx="0">
+            <a:schemeClr val="accent1"/>
+          </a:effectRef>
+          <a:fontRef idx="minor">
+            <a:schemeClr val="lt1"/>
+          </a:fontRef>
+        </p:style>
+        <p:txBody>
+          <a:bodyPr rtlCol="0" anchor="ctr"/>
+          <a:lstStyle/>
+          <a:p>
+            <a:pPr algn="ctr"/>
+            <a:r>
+              <a:rPr kumimoji="1" lang="en-US" altLang="ko-KR" sz="1600" dirty="0" smtClean="0">
+                <a:solidFill>
+                  <a:schemeClr val="tx1"/>
+                </a:solidFill>
+              </a:rPr>
+              <a:t>110</a:t>
+            </a:r>
+            <a:endParaRPr kumimoji="1" lang="ko-KR" altLang="en-US" sz="1600" dirty="0">
+              <a:solidFill>
+                <a:schemeClr val="tx1"/>
+              </a:solidFill>
+            </a:endParaRPr>
+          </a:p>
+        </p:txBody>
+      </p:sp>
+      <p:sp>
+        <p:nvSpPr>
+          <p:cNvPr id="13" name="직사각형 12"/>
+          <p:cNvSpPr/>
+          <p:nvPr/>
+        </p:nvSpPr>
+        <p:spPr>
+          <a:xfrm>
+            <a:off x="7144586" y="1956267"/>
+            <a:ext cx="547200" cy="547200"/>
+          </a:xfrm>
+          <a:prstGeom prst="rect">
+            <a:avLst/>
+          </a:prstGeom>
+          <a:solidFill>
+            <a:schemeClr val="bg1"/>
+          </a:solidFill>
+          <a:ln>
+            <a:solidFill>
+              <a:schemeClr val="tx1"/>
+            </a:solidFill>
+          </a:ln>
+        </p:spPr>
+        <p:style>
+          <a:lnRef idx="2">
+            <a:schemeClr val="accent1">
+              <a:shade val="50000"/>
+            </a:schemeClr>
+          </a:lnRef>
+          <a:fillRef idx="1">
+            <a:schemeClr val="accent1"/>
+          </a:fillRef>
+          <a:effectRef idx="0">
+            <a:schemeClr val="accent1"/>
+          </a:effectRef>
+          <a:fontRef idx="minor">
+            <a:schemeClr val="lt1"/>
+          </a:fontRef>
+        </p:style>
+        <p:txBody>
+          <a:bodyPr rtlCol="0" anchor="ctr"/>
+          <a:lstStyle/>
+          <a:p>
+            <a:pPr algn="ctr"/>
+            <a:r>
+              <a:rPr kumimoji="1" lang="en-US" altLang="ko-KR" sz="1600" dirty="0" smtClean="0">
+                <a:solidFill>
+                  <a:schemeClr val="tx1"/>
+                </a:solidFill>
+              </a:rPr>
+              <a:t>058</a:t>
+            </a:r>
+            <a:endParaRPr kumimoji="1" lang="ko-KR" altLang="en-US" sz="1600" dirty="0">
+              <a:solidFill>
+                <a:schemeClr val="tx1"/>
+              </a:solidFill>
+            </a:endParaRPr>
+          </a:p>
+        </p:txBody>
+      </p:sp>
+      <p:sp>
+        <p:nvSpPr>
+          <p:cNvPr id="14" name="직사각형 13"/>
+          <p:cNvSpPr/>
+          <p:nvPr/>
+        </p:nvSpPr>
+        <p:spPr>
+          <a:xfrm>
+            <a:off x="4982454" y="5256201"/>
+            <a:ext cx="547200" cy="547200"/>
+          </a:xfrm>
+          <a:prstGeom prst="rect">
+            <a:avLst/>
+          </a:prstGeom>
+          <a:solidFill>
+            <a:schemeClr val="bg1"/>
+          </a:solidFill>
+          <a:ln>
+            <a:solidFill>
+              <a:schemeClr val="tx1"/>
+            </a:solidFill>
+          </a:ln>
+        </p:spPr>
+        <p:style>
+          <a:lnRef idx="2">
+            <a:schemeClr val="accent1">
+              <a:shade val="50000"/>
+            </a:schemeClr>
+          </a:lnRef>
+          <a:fillRef idx="1">
+            <a:schemeClr val="accent1"/>
+          </a:fillRef>
+          <a:effectRef idx="0">
+            <a:schemeClr val="accent1"/>
+          </a:effectRef>
+          <a:fontRef idx="minor">
+            <a:schemeClr val="lt1"/>
+          </a:fontRef>
+        </p:style>
+        <p:txBody>
+          <a:bodyPr rtlCol="0" anchor="ctr"/>
+          <a:lstStyle/>
+          <a:p>
+            <a:pPr algn="ctr"/>
+            <a:r>
+              <a:rPr kumimoji="1" lang="en-US" altLang="ko-KR" sz="1600" dirty="0" smtClean="0">
+                <a:solidFill>
+                  <a:schemeClr val="tx1"/>
+                </a:solidFill>
+              </a:rPr>
+              <a:t>012</a:t>
+            </a:r>
+            <a:endParaRPr kumimoji="1" lang="ko-KR" altLang="en-US" sz="1600" dirty="0">
+              <a:solidFill>
+                <a:schemeClr val="tx1"/>
+              </a:solidFill>
+            </a:endParaRPr>
+          </a:p>
+        </p:txBody>
+      </p:sp>
+      <p:sp>
+        <p:nvSpPr>
+          <p:cNvPr id="15" name="직사각형 14"/>
+          <p:cNvSpPr/>
+          <p:nvPr/>
+        </p:nvSpPr>
+        <p:spPr>
+          <a:xfrm>
+            <a:off x="5659787" y="5258955"/>
+            <a:ext cx="547200" cy="547200"/>
+          </a:xfrm>
+          <a:prstGeom prst="rect">
+            <a:avLst/>
+          </a:prstGeom>
+          <a:solidFill>
+            <a:schemeClr val="bg1"/>
+          </a:solidFill>
+          <a:ln>
+            <a:solidFill>
+              <a:schemeClr val="tx1"/>
+            </a:solidFill>
+          </a:ln>
+        </p:spPr>
+        <p:style>
+          <a:lnRef idx="2">
+            <a:schemeClr val="accent1">
+              <a:shade val="50000"/>
+            </a:schemeClr>
+          </a:lnRef>
+          <a:fillRef idx="1">
+            <a:schemeClr val="accent1"/>
+          </a:fillRef>
+          <a:effectRef idx="0">
+            <a:schemeClr val="accent1"/>
+          </a:effectRef>
+          <a:fontRef idx="minor">
+            <a:schemeClr val="lt1"/>
+          </a:fontRef>
+        </p:style>
+        <p:txBody>
+          <a:bodyPr rtlCol="0" anchor="ctr"/>
+          <a:lstStyle/>
+          <a:p>
+            <a:pPr algn="ctr"/>
+            <a:r>
+              <a:rPr kumimoji="1" lang="en-US" altLang="ko-KR" sz="1600" dirty="0" smtClean="0">
+                <a:solidFill>
+                  <a:schemeClr val="tx1"/>
+                </a:solidFill>
+              </a:rPr>
+              <a:t>058</a:t>
+            </a:r>
+            <a:endParaRPr kumimoji="1" lang="ko-KR" altLang="en-US" sz="1600" dirty="0">
+              <a:solidFill>
+                <a:schemeClr val="tx1"/>
+              </a:solidFill>
+            </a:endParaRPr>
+          </a:p>
+        </p:txBody>
+      </p:sp>
+      <p:sp>
+        <p:nvSpPr>
+          <p:cNvPr id="16" name="직사각형 15"/>
+          <p:cNvSpPr/>
+          <p:nvPr/>
+        </p:nvSpPr>
+        <p:spPr>
+          <a:xfrm>
+            <a:off x="6337120" y="5261709"/>
+            <a:ext cx="547200" cy="547200"/>
+          </a:xfrm>
+          <a:prstGeom prst="rect">
+            <a:avLst/>
+          </a:prstGeom>
+          <a:solidFill>
+            <a:schemeClr val="bg1"/>
+          </a:solidFill>
+          <a:ln>
+            <a:solidFill>
+              <a:schemeClr val="tx1"/>
+            </a:solidFill>
+          </a:ln>
+        </p:spPr>
+        <p:style>
+          <a:lnRef idx="2">
+            <a:schemeClr val="accent1">
+              <a:shade val="50000"/>
+            </a:schemeClr>
+          </a:lnRef>
+          <a:fillRef idx="1">
+            <a:schemeClr val="accent1"/>
+          </a:fillRef>
+          <a:effectRef idx="0">
+            <a:schemeClr val="accent1"/>
+          </a:effectRef>
+          <a:fontRef idx="minor">
+            <a:schemeClr val="lt1"/>
+          </a:fontRef>
+        </p:style>
+        <p:txBody>
+          <a:bodyPr rtlCol="0" anchor="ctr"/>
+          <a:lstStyle/>
+          <a:p>
+            <a:pPr algn="ctr"/>
+            <a:r>
+              <a:rPr kumimoji="1" lang="en-US" altLang="ko-KR" sz="1600" dirty="0" smtClean="0">
+                <a:solidFill>
+                  <a:schemeClr val="tx1"/>
+                </a:solidFill>
+              </a:rPr>
+              <a:t>110</a:t>
+            </a:r>
+            <a:endParaRPr kumimoji="1" lang="ko-KR" altLang="en-US" sz="1600" dirty="0">
+              <a:solidFill>
+                <a:schemeClr val="tx1"/>
+              </a:solidFill>
+            </a:endParaRPr>
+          </a:p>
+        </p:txBody>
+      </p:sp>
+      <p:sp>
+        <p:nvSpPr>
+          <p:cNvPr id="17" name="직사각형 16"/>
+          <p:cNvSpPr/>
+          <p:nvPr/>
+        </p:nvSpPr>
+        <p:spPr>
+          <a:xfrm>
+            <a:off x="7014453" y="5264463"/>
+            <a:ext cx="547200" cy="547200"/>
+          </a:xfrm>
+          <a:prstGeom prst="rect">
+            <a:avLst/>
+          </a:prstGeom>
+          <a:solidFill>
+            <a:schemeClr val="bg1"/>
+          </a:solidFill>
+          <a:ln>
+            <a:solidFill>
+              <a:schemeClr val="tx1"/>
+            </a:solidFill>
+          </a:ln>
+        </p:spPr>
+        <p:style>
+          <a:lnRef idx="2">
+            <a:schemeClr val="accent1">
+              <a:shade val="50000"/>
+            </a:schemeClr>
+          </a:lnRef>
+          <a:fillRef idx="1">
+            <a:schemeClr val="accent1"/>
+          </a:fillRef>
+          <a:effectRef idx="0">
+            <a:schemeClr val="accent1"/>
+          </a:effectRef>
+          <a:fontRef idx="minor">
+            <a:schemeClr val="lt1"/>
+          </a:fontRef>
+        </p:style>
+        <p:txBody>
+          <a:bodyPr rtlCol="0" anchor="ctr"/>
+          <a:lstStyle/>
+          <a:p>
+            <a:pPr algn="ctr"/>
+            <a:r>
+              <a:rPr kumimoji="1" lang="en-US" altLang="ko-KR" sz="1600" dirty="0" smtClean="0">
+                <a:solidFill>
+                  <a:schemeClr val="tx1"/>
+                </a:solidFill>
+              </a:rPr>
+              <a:t>127</a:t>
+            </a:r>
+            <a:endParaRPr kumimoji="1" lang="ko-KR" altLang="en-US" sz="1600" dirty="0">
+              <a:solidFill>
+                <a:schemeClr val="tx1"/>
+              </a:solidFill>
+            </a:endParaRPr>
+          </a:p>
+        </p:txBody>
+      </p:sp>
+      <p:sp>
+        <p:nvSpPr>
+          <p:cNvPr id="18" name="직사각형 17"/>
+          <p:cNvSpPr/>
+          <p:nvPr/>
+        </p:nvSpPr>
+        <p:spPr>
+          <a:xfrm>
+            <a:off x="7691786" y="5267217"/>
+            <a:ext cx="547200" cy="547200"/>
+          </a:xfrm>
+          <a:prstGeom prst="rect">
+            <a:avLst/>
+          </a:prstGeom>
+          <a:solidFill>
+            <a:schemeClr val="bg1"/>
+          </a:solidFill>
+          <a:ln>
+            <a:solidFill>
+              <a:schemeClr val="tx1"/>
+            </a:solidFill>
+          </a:ln>
+        </p:spPr>
+        <p:style>
+          <a:lnRef idx="2">
+            <a:schemeClr val="accent1">
+              <a:shade val="50000"/>
+            </a:schemeClr>
+          </a:lnRef>
+          <a:fillRef idx="1">
+            <a:schemeClr val="accent1"/>
+          </a:fillRef>
+          <a:effectRef idx="0">
+            <a:schemeClr val="accent1"/>
+          </a:effectRef>
+          <a:fontRef idx="minor">
+            <a:schemeClr val="lt1"/>
+          </a:fontRef>
+        </p:style>
+        <p:txBody>
+          <a:bodyPr rtlCol="0" anchor="ctr"/>
+          <a:lstStyle/>
+          <a:p>
+            <a:pPr algn="ctr"/>
+            <a:r>
+              <a:rPr kumimoji="1" lang="en-US" altLang="ko-KR" sz="1600" dirty="0" smtClean="0">
+                <a:solidFill>
+                  <a:schemeClr val="tx1"/>
+                </a:solidFill>
+              </a:rPr>
+              <a:t>326</a:t>
+            </a:r>
+            <a:endParaRPr kumimoji="1" lang="ko-KR" altLang="en-US" sz="1600" dirty="0">
+              <a:solidFill>
+                <a:schemeClr val="tx1"/>
+              </a:solidFill>
+            </a:endParaRPr>
+          </a:p>
+        </p:txBody>
+      </p:sp>
+      <p:sp>
+        <p:nvSpPr>
+          <p:cNvPr id="19" name="직사각형 18"/>
+          <p:cNvSpPr/>
+          <p:nvPr/>
+        </p:nvSpPr>
+        <p:spPr>
+          <a:xfrm>
+            <a:off x="8369119" y="5269971"/>
+            <a:ext cx="547200" cy="547200"/>
+          </a:xfrm>
+          <a:prstGeom prst="rect">
+            <a:avLst/>
+          </a:prstGeom>
+          <a:solidFill>
+            <a:schemeClr val="bg1"/>
+          </a:solidFill>
+          <a:ln>
+            <a:solidFill>
+              <a:schemeClr val="tx1"/>
+            </a:solidFill>
+          </a:ln>
+        </p:spPr>
+        <p:style>
+          <a:lnRef idx="2">
+            <a:schemeClr val="accent1">
+              <a:shade val="50000"/>
+            </a:schemeClr>
+          </a:lnRef>
+          <a:fillRef idx="1">
+            <a:schemeClr val="accent1"/>
+          </a:fillRef>
+          <a:effectRef idx="0">
+            <a:schemeClr val="accent1"/>
+          </a:effectRef>
+          <a:fontRef idx="minor">
+            <a:schemeClr val="lt1"/>
+          </a:fontRef>
+        </p:style>
+        <p:txBody>
+          <a:bodyPr rtlCol="0" anchor="ctr"/>
+          <a:lstStyle/>
+          <a:p>
+            <a:pPr algn="ctr"/>
+            <a:r>
+              <a:rPr kumimoji="1" lang="en-US" altLang="ko-KR" sz="1600" dirty="0" smtClean="0">
+                <a:solidFill>
+                  <a:schemeClr val="tx1"/>
+                </a:solidFill>
+              </a:rPr>
+              <a:t>467</a:t>
+            </a:r>
+            <a:endParaRPr kumimoji="1" lang="ko-KR" altLang="en-US" sz="1600" dirty="0">
+              <a:solidFill>
+                <a:schemeClr val="tx1"/>
+              </a:solidFill>
+            </a:endParaRPr>
+          </a:p>
+        </p:txBody>
+      </p:sp>
+      <p:sp>
+        <p:nvSpPr>
+          <p:cNvPr id="20" name="위로 굽은 화살표[B] 19"/>
+          <p:cNvSpPr/>
+          <p:nvPr/>
+        </p:nvSpPr>
+        <p:spPr>
+          <a:xfrm rot="5400000">
+            <a:off x="4126728" y="4930143"/>
+            <a:ext cx="428477" cy="1022710"/>
+          </a:xfrm>
+          <a:prstGeom prst="bentUpArrow">
+            <a:avLst/>
+          </a:prstGeom>
+          <a:solidFill>
+            <a:schemeClr val="bg1"/>
+          </a:solidFill>
+          <a:ln>
+            <a:solidFill>
+              <a:schemeClr val="tx1"/>
+            </a:solidFill>
+          </a:ln>
+        </p:spPr>
+        <p:style>
+          <a:lnRef idx="2">
+            <a:schemeClr val="accent1">
+              <a:shade val="50000"/>
+            </a:schemeClr>
+          </a:lnRef>
+          <a:fillRef idx="1">
+            <a:schemeClr val="accent1"/>
+          </a:fillRef>
+          <a:effectRef idx="0">
+            <a:schemeClr val="accent1"/>
+          </a:effectRef>
+          <a:fontRef idx="minor">
+            <a:schemeClr val="lt1"/>
+          </a:fontRef>
+        </p:style>
+        <p:txBody>
+          <a:bodyPr rtlCol="0" anchor="ctr"/>
+          <a:lstStyle/>
+          <a:p>
+            <a:pPr algn="ctr"/>
+            <a:endParaRPr kumimoji="1" lang="ko-KR" altLang="en-US"/>
+          </a:p>
+        </p:txBody>
+      </p:sp>
+      <p:sp>
+        <p:nvSpPr>
+          <p:cNvPr id="21" name="텍스트 상자 20"/>
+          <p:cNvSpPr txBox="1"/>
+          <p:nvPr/>
+        </p:nvSpPr>
+        <p:spPr>
+          <a:xfrm>
+            <a:off x="595354" y="2031431"/>
+            <a:ext cx="2000869" cy="369332"/>
+          </a:xfrm>
+          <a:prstGeom prst="rect">
+            <a:avLst/>
+          </a:prstGeom>
+          <a:noFill/>
+        </p:spPr>
+        <p:txBody>
+          <a:bodyPr wrap="none" rtlCol="0">
+            <a:spAutoFit/>
+          </a:bodyPr>
+          <a:lstStyle/>
+          <a:p>
+            <a:r>
+              <a:rPr kumimoji="1" lang="en-US" altLang="ko-KR" dirty="0" smtClean="0"/>
+              <a:t>(1)</a:t>
+            </a:r>
+            <a:r>
+              <a:rPr kumimoji="1" lang="ko-KR" altLang="en-US" dirty="0" smtClean="0"/>
+              <a:t> 정렬할 데이터</a:t>
+            </a:r>
+            <a:endParaRPr kumimoji="1" lang="ko-KR" altLang="en-US" dirty="0"/>
+          </a:p>
+        </p:txBody>
+      </p:sp>
+      <p:sp>
+        <p:nvSpPr>
+          <p:cNvPr id="22" name="텍스트 상자 21"/>
+          <p:cNvSpPr txBox="1"/>
+          <p:nvPr/>
+        </p:nvSpPr>
+        <p:spPr>
+          <a:xfrm>
+            <a:off x="595354" y="2566254"/>
+            <a:ext cx="2241319" cy="646331"/>
+          </a:xfrm>
+          <a:prstGeom prst="rect">
+            <a:avLst/>
+          </a:prstGeom>
+          <a:noFill/>
+        </p:spPr>
+        <p:txBody>
+          <a:bodyPr wrap="none" rtlCol="0">
+            <a:spAutoFit/>
+          </a:bodyPr>
+          <a:lstStyle/>
+          <a:p>
+            <a:pPr marL="320675" indent="-320675"/>
+            <a:r>
+              <a:rPr kumimoji="1" lang="en-US" altLang="ko-KR" dirty="0" smtClean="0"/>
+              <a:t>(2)</a:t>
+            </a:r>
+            <a:r>
+              <a:rPr kumimoji="1" lang="ko-KR" altLang="en-US" dirty="0" smtClean="0"/>
+              <a:t> 각 자릿수는</a:t>
+            </a:r>
+            <a:r>
+              <a:rPr kumimoji="1" lang="en-US" altLang="ko-KR" dirty="0"/>
+              <a:t/>
+            </a:r>
+            <a:br>
+              <a:rPr kumimoji="1" lang="en-US" altLang="ko-KR" dirty="0"/>
+            </a:br>
+            <a:r>
+              <a:rPr kumimoji="1" lang="en-US" altLang="ko-KR" dirty="0" smtClean="0"/>
+              <a:t>0~9</a:t>
+            </a:r>
+            <a:r>
+              <a:rPr kumimoji="1" lang="ko-KR" altLang="en-US" dirty="0" smtClean="0"/>
+              <a:t>의 값을 가짐</a:t>
+            </a:r>
+            <a:endParaRPr kumimoji="1" lang="en-US" altLang="ko-KR" dirty="0" smtClean="0"/>
+          </a:p>
+        </p:txBody>
+      </p:sp>
+      <p:sp>
+        <p:nvSpPr>
+          <p:cNvPr id="23" name="텍스트 상자 22"/>
+          <p:cNvSpPr txBox="1"/>
+          <p:nvPr/>
+        </p:nvSpPr>
+        <p:spPr>
+          <a:xfrm>
+            <a:off x="595354" y="3275373"/>
+            <a:ext cx="2670924" cy="646331"/>
+          </a:xfrm>
+          <a:prstGeom prst="rect">
+            <a:avLst/>
+          </a:prstGeom>
+          <a:noFill/>
+        </p:spPr>
+        <p:txBody>
+          <a:bodyPr wrap="none" rtlCol="0">
+            <a:spAutoFit/>
+          </a:bodyPr>
+          <a:lstStyle/>
+          <a:p>
+            <a:pPr marL="320675" indent="-320675"/>
+            <a:r>
+              <a:rPr kumimoji="1" lang="en-US" altLang="ko-KR" dirty="0" smtClean="0"/>
+              <a:t>(2)</a:t>
+            </a:r>
+            <a:r>
+              <a:rPr kumimoji="1" lang="ko-KR" altLang="en-US" dirty="0" smtClean="0"/>
+              <a:t> 데이터 </a:t>
+            </a:r>
+            <a:r>
+              <a:rPr kumimoji="1" lang="en-US" altLang="ko-KR" dirty="0" smtClean="0"/>
+              <a:t>1</a:t>
+            </a:r>
+            <a:r>
+              <a:rPr kumimoji="1" lang="ko-KR" altLang="en-US" dirty="0" smtClean="0"/>
+              <a:t>의 자릿수를</a:t>
+            </a:r>
+            <a:r>
+              <a:rPr kumimoji="1" lang="en-US" altLang="ko-KR" dirty="0"/>
+              <a:t/>
+            </a:r>
+            <a:br>
+              <a:rPr kumimoji="1" lang="en-US" altLang="ko-KR" dirty="0"/>
+            </a:br>
+            <a:r>
+              <a:rPr kumimoji="1" lang="ko-KR" altLang="en-US" dirty="0" smtClean="0"/>
+              <a:t>기준으로 버킷 정렬</a:t>
+            </a:r>
+            <a:endParaRPr kumimoji="1" lang="en-US" altLang="ko-KR" dirty="0" smtClean="0"/>
+          </a:p>
+        </p:txBody>
+      </p:sp>
+      <p:sp>
+        <p:nvSpPr>
+          <p:cNvPr id="24" name="텍스트 상자 23"/>
+          <p:cNvSpPr txBox="1"/>
+          <p:nvPr/>
+        </p:nvSpPr>
+        <p:spPr>
+          <a:xfrm>
+            <a:off x="595354" y="3934926"/>
+            <a:ext cx="2797561" cy="646331"/>
+          </a:xfrm>
+          <a:prstGeom prst="rect">
+            <a:avLst/>
+          </a:prstGeom>
+          <a:noFill/>
+        </p:spPr>
+        <p:txBody>
+          <a:bodyPr wrap="none" rtlCol="0">
+            <a:spAutoFit/>
+          </a:bodyPr>
+          <a:lstStyle/>
+          <a:p>
+            <a:pPr marL="320675" indent="-320675"/>
+            <a:r>
+              <a:rPr kumimoji="1" lang="en-US" altLang="ko-KR" dirty="0" smtClean="0"/>
+              <a:t>(3)</a:t>
+            </a:r>
+            <a:r>
+              <a:rPr kumimoji="1" lang="ko-KR" altLang="en-US" dirty="0" smtClean="0"/>
+              <a:t> 데이터 </a:t>
+            </a:r>
+            <a:r>
+              <a:rPr kumimoji="1" lang="en-US" altLang="ko-KR" dirty="0" smtClean="0"/>
+              <a:t>10</a:t>
+            </a:r>
+            <a:r>
+              <a:rPr kumimoji="1" lang="ko-KR" altLang="en-US" dirty="0" smtClean="0"/>
+              <a:t>의 자릿수를</a:t>
+            </a:r>
+            <a:r>
+              <a:rPr kumimoji="1" lang="en-US" altLang="ko-KR" dirty="0"/>
+              <a:t/>
+            </a:r>
+            <a:br>
+              <a:rPr kumimoji="1" lang="en-US" altLang="ko-KR" dirty="0"/>
+            </a:br>
+            <a:r>
+              <a:rPr kumimoji="1" lang="ko-KR" altLang="en-US" dirty="0" smtClean="0"/>
+              <a:t>기준으로 버킷 정렬</a:t>
+            </a:r>
+            <a:endParaRPr kumimoji="1" lang="en-US" altLang="ko-KR" dirty="0" smtClean="0"/>
+          </a:p>
+        </p:txBody>
+      </p:sp>
+      <p:sp>
+        <p:nvSpPr>
+          <p:cNvPr id="25" name="텍스트 상자 24"/>
+          <p:cNvSpPr txBox="1"/>
+          <p:nvPr/>
+        </p:nvSpPr>
+        <p:spPr>
+          <a:xfrm>
+            <a:off x="595354" y="4594479"/>
+            <a:ext cx="2924198" cy="646331"/>
+          </a:xfrm>
+          <a:prstGeom prst="rect">
+            <a:avLst/>
+          </a:prstGeom>
+          <a:noFill/>
+        </p:spPr>
+        <p:txBody>
+          <a:bodyPr wrap="none" rtlCol="0">
+            <a:spAutoFit/>
+          </a:bodyPr>
+          <a:lstStyle/>
+          <a:p>
+            <a:pPr marL="320675" indent="-320675"/>
+            <a:r>
+              <a:rPr kumimoji="1" lang="en-US" altLang="ko-KR" dirty="0" smtClean="0"/>
+              <a:t>(4)</a:t>
+            </a:r>
+            <a:r>
+              <a:rPr kumimoji="1" lang="ko-KR" altLang="en-US" dirty="0" smtClean="0"/>
+              <a:t> 데이터 </a:t>
+            </a:r>
+            <a:r>
+              <a:rPr kumimoji="1" lang="en-US" altLang="ko-KR" dirty="0" smtClean="0"/>
+              <a:t>100</a:t>
+            </a:r>
+            <a:r>
+              <a:rPr kumimoji="1" lang="ko-KR" altLang="en-US" dirty="0" smtClean="0"/>
+              <a:t>의 자릿수를</a:t>
+            </a:r>
+            <a:r>
+              <a:rPr kumimoji="1" lang="en-US" altLang="ko-KR" dirty="0"/>
+              <a:t/>
+            </a:r>
+            <a:br>
+              <a:rPr kumimoji="1" lang="en-US" altLang="ko-KR" dirty="0"/>
+            </a:br>
+            <a:r>
+              <a:rPr kumimoji="1" lang="ko-KR" altLang="en-US" dirty="0" smtClean="0"/>
+              <a:t>기준으로 버킷 정렬</a:t>
+            </a:r>
+            <a:endParaRPr kumimoji="1" lang="en-US" altLang="ko-KR" dirty="0" smtClean="0"/>
+          </a:p>
+        </p:txBody>
+      </p:sp>
+    </p:spTree>
+    <p:extLst>
+      <p:ext uri="{BB962C8B-B14F-4D97-AF65-F5344CB8AC3E}">
+        <p14:creationId xmlns:p14="http://schemas.microsoft.com/office/powerpoint/2010/main" val="1193347274"/>
+      </p:ext>
+    </p:extLst>
+  </p:cSld>
+  <p:clrMapOvr>
+    <a:masterClrMapping/>
+  </p:clrMapOvr>
+</p:sld>
+</file>
+
 <file path=ppt/slides/slide3.xml><?xml version="1.0" encoding="utf-8"?>
 <p:sld xmlns:a="http://schemas.openxmlformats.org/drawingml/2006/main" xmlns:r="http://schemas.openxmlformats.org/officeDocument/2006/relationships" xmlns:p="http://schemas.openxmlformats.org/presentationml/2006/main">
   <p:cSld>

--- a/1st_study.pptx
+++ b/1st_study.pptx
@@ -32,6 +32,7 @@
     <p:sldId id="280" r:id="rId26"/>
     <p:sldId id="281" r:id="rId27"/>
     <p:sldId id="282" r:id="rId28"/>
+    <p:sldId id="283" r:id="rId29"/>
   </p:sldIdLst>
   <p:sldSz cx="12192000" cy="6858000"/>
   <p:notesSz cx="6858000" cy="9144000"/>
@@ -278,7 +279,7 @@
           <a:p>
             <a:fld id="{95EEA876-5273-4CAB-BA26-F236DBAE536A}" type="datetimeFigureOut">
               <a:rPr lang="ko-KR" altLang="en-US" smtClean="0"/>
-              <a:t>2019. 11. 27.</a:t>
+              <a:t>2019. 11. 30.</a:t>
             </a:fld>
             <a:endParaRPr lang="ko-KR" altLang="en-US"/>
           </a:p>
@@ -446,7 +447,7 @@
           <a:p>
             <a:fld id="{95EEA876-5273-4CAB-BA26-F236DBAE536A}" type="datetimeFigureOut">
               <a:rPr lang="ko-KR" altLang="en-US" smtClean="0"/>
-              <a:t>2019. 11. 27.</a:t>
+              <a:t>2019. 11. 30.</a:t>
             </a:fld>
             <a:endParaRPr lang="ko-KR" altLang="en-US"/>
           </a:p>
@@ -624,7 +625,7 @@
           <a:p>
             <a:fld id="{95EEA876-5273-4CAB-BA26-F236DBAE536A}" type="datetimeFigureOut">
               <a:rPr lang="ko-KR" altLang="en-US" smtClean="0"/>
-              <a:t>2019. 11. 27.</a:t>
+              <a:t>2019. 11. 30.</a:t>
             </a:fld>
             <a:endParaRPr lang="ko-KR" altLang="en-US"/>
           </a:p>
@@ -792,7 +793,7 @@
           <a:p>
             <a:fld id="{95EEA876-5273-4CAB-BA26-F236DBAE536A}" type="datetimeFigureOut">
               <a:rPr lang="ko-KR" altLang="en-US" smtClean="0"/>
-              <a:t>2019. 11. 27.</a:t>
+              <a:t>2019. 11. 30.</a:t>
             </a:fld>
             <a:endParaRPr lang="ko-KR" altLang="en-US"/>
           </a:p>
@@ -1037,7 +1038,7 @@
           <a:p>
             <a:fld id="{95EEA876-5273-4CAB-BA26-F236DBAE536A}" type="datetimeFigureOut">
               <a:rPr lang="ko-KR" altLang="en-US" smtClean="0"/>
-              <a:t>2019. 11. 27.</a:t>
+              <a:t>2019. 11. 30.</a:t>
             </a:fld>
             <a:endParaRPr lang="ko-KR" altLang="en-US"/>
           </a:p>
@@ -1266,7 +1267,7 @@
           <a:p>
             <a:fld id="{95EEA876-5273-4CAB-BA26-F236DBAE536A}" type="datetimeFigureOut">
               <a:rPr lang="ko-KR" altLang="en-US" smtClean="0"/>
-              <a:t>2019. 11. 27.</a:t>
+              <a:t>2019. 11. 30.</a:t>
             </a:fld>
             <a:endParaRPr lang="ko-KR" altLang="en-US"/>
           </a:p>
@@ -1630,7 +1631,7 @@
           <a:p>
             <a:fld id="{95EEA876-5273-4CAB-BA26-F236DBAE536A}" type="datetimeFigureOut">
               <a:rPr lang="ko-KR" altLang="en-US" smtClean="0"/>
-              <a:t>2019. 11. 27.</a:t>
+              <a:t>2019. 11. 30.</a:t>
             </a:fld>
             <a:endParaRPr lang="ko-KR" altLang="en-US"/>
           </a:p>
@@ -1747,7 +1748,7 @@
           <a:p>
             <a:fld id="{95EEA876-5273-4CAB-BA26-F236DBAE536A}" type="datetimeFigureOut">
               <a:rPr lang="ko-KR" altLang="en-US" smtClean="0"/>
-              <a:t>2019. 11. 27.</a:t>
+              <a:t>2019. 11. 30.</a:t>
             </a:fld>
             <a:endParaRPr lang="ko-KR" altLang="en-US"/>
           </a:p>
@@ -1842,7 +1843,7 @@
           <a:p>
             <a:fld id="{95EEA876-5273-4CAB-BA26-F236DBAE536A}" type="datetimeFigureOut">
               <a:rPr lang="ko-KR" altLang="en-US" smtClean="0"/>
-              <a:t>2019. 11. 27.</a:t>
+              <a:t>2019. 11. 30.</a:t>
             </a:fld>
             <a:endParaRPr lang="ko-KR" altLang="en-US"/>
           </a:p>
@@ -2117,7 +2118,7 @@
           <a:p>
             <a:fld id="{95EEA876-5273-4CAB-BA26-F236DBAE536A}" type="datetimeFigureOut">
               <a:rPr lang="ko-KR" altLang="en-US" smtClean="0"/>
-              <a:t>2019. 11. 27.</a:t>
+              <a:t>2019. 11. 30.</a:t>
             </a:fld>
             <a:endParaRPr lang="ko-KR" altLang="en-US"/>
           </a:p>
@@ -2369,7 +2370,7 @@
           <a:p>
             <a:fld id="{95EEA876-5273-4CAB-BA26-F236DBAE536A}" type="datetimeFigureOut">
               <a:rPr lang="ko-KR" altLang="en-US" smtClean="0"/>
-              <a:t>2019. 11. 27.</a:t>
+              <a:t>2019. 11. 30.</a:t>
             </a:fld>
             <a:endParaRPr lang="ko-KR" altLang="en-US"/>
           </a:p>
@@ -2580,7 +2581,7 @@
           <a:p>
             <a:fld id="{95EEA876-5273-4CAB-BA26-F236DBAE536A}" type="datetimeFigureOut">
               <a:rPr lang="ko-KR" altLang="en-US" smtClean="0"/>
-              <a:t>2019. 11. 27.</a:t>
+              <a:t>2019. 11. 30.</a:t>
             </a:fld>
             <a:endParaRPr lang="ko-KR" altLang="en-US"/>
           </a:p>
@@ -4654,7 +4655,7 @@
           <p:cNvPr id="4" name="내용 개체 틀 2">
             <a:extLst>
               <a:ext uri="{FF2B5EF4-FFF2-40B4-BE49-F238E27FC236}">
-                <a16:creationId xmlns:a16="http://schemas.microsoft.com/office/drawing/2014/main" xmlns="" id="{9BB9C517-0919-4B94-8C2E-438C0C354CB4}"/>
+                <a16:creationId xmlns="" xmlns:a16="http://schemas.microsoft.com/office/drawing/2014/main" id="{9BB9C517-0919-4B94-8C2E-438C0C354CB4}"/>
               </a:ext>
             </a:extLst>
           </p:cNvPr>
@@ -5013,7 +5014,7 @@
           <p:cNvPr id="2" name="제목 1">
             <a:extLst>
               <a:ext uri="{FF2B5EF4-FFF2-40B4-BE49-F238E27FC236}">
-                <a16:creationId xmlns:a16="http://schemas.microsoft.com/office/drawing/2014/main" xmlns="" id="{7CF744E3-11B8-4827-B82D-8BC6B351B97F}"/>
+                <a16:creationId xmlns="" xmlns:a16="http://schemas.microsoft.com/office/drawing/2014/main" id="{7CF744E3-11B8-4827-B82D-8BC6B351B97F}"/>
               </a:ext>
             </a:extLst>
           </p:cNvPr>
@@ -5041,7 +5042,7 @@
           <p:cNvPr id="4" name="표 4">
             <a:extLst>
               <a:ext uri="{FF2B5EF4-FFF2-40B4-BE49-F238E27FC236}">
-                <a16:creationId xmlns:a16="http://schemas.microsoft.com/office/drawing/2014/main" xmlns="" id="{260303AE-5F82-432A-AFE1-96F738EBE501}"/>
+                <a16:creationId xmlns="" xmlns:a16="http://schemas.microsoft.com/office/drawing/2014/main" id="{260303AE-5F82-432A-AFE1-96F738EBE501}"/>
               </a:ext>
             </a:extLst>
           </p:cNvPr>
@@ -5070,7 +5071,7 @@
                 <a:gridCol w="791882">
                   <a:extLst>
                     <a:ext uri="{9D8B030D-6E8A-4147-A177-3AD203B41FA5}">
-                      <a16:colId xmlns:a16="http://schemas.microsoft.com/office/drawing/2014/main" xmlns="" val="2051836303"/>
+                      <a16:colId xmlns="" xmlns:a16="http://schemas.microsoft.com/office/drawing/2014/main" val="2051836303"/>
                     </a:ext>
                   </a:extLst>
                 </a:gridCol>
@@ -5136,7 +5137,7 @@
                 </a:tc>
                 <a:extLst>
                   <a:ext uri="{0D108BD9-81ED-4DB2-BD59-A6C34878D82A}">
-                    <a16:rowId xmlns:a16="http://schemas.microsoft.com/office/drawing/2014/main" xmlns="" val="3210536480"/>
+                    <a16:rowId xmlns="" xmlns:a16="http://schemas.microsoft.com/office/drawing/2014/main" val="3210536480"/>
                   </a:ext>
                 </a:extLst>
               </a:tr>
@@ -5201,7 +5202,7 @@
                 </a:tc>
                 <a:extLst>
                   <a:ext uri="{0D108BD9-81ED-4DB2-BD59-A6C34878D82A}">
-                    <a16:rowId xmlns:a16="http://schemas.microsoft.com/office/drawing/2014/main" xmlns="" val="3036785839"/>
+                    <a16:rowId xmlns="" xmlns:a16="http://schemas.microsoft.com/office/drawing/2014/main" val="3036785839"/>
                   </a:ext>
                 </a:extLst>
               </a:tr>
@@ -5266,7 +5267,7 @@
                 </a:tc>
                 <a:extLst>
                   <a:ext uri="{0D108BD9-81ED-4DB2-BD59-A6C34878D82A}">
-                    <a16:rowId xmlns:a16="http://schemas.microsoft.com/office/drawing/2014/main" xmlns="" val="2075722758"/>
+                    <a16:rowId xmlns="" xmlns:a16="http://schemas.microsoft.com/office/drawing/2014/main" val="2075722758"/>
                   </a:ext>
                 </a:extLst>
               </a:tr>
@@ -5331,7 +5332,7 @@
                 </a:tc>
                 <a:extLst>
                   <a:ext uri="{0D108BD9-81ED-4DB2-BD59-A6C34878D82A}">
-                    <a16:rowId xmlns:a16="http://schemas.microsoft.com/office/drawing/2014/main" xmlns="" val="2494852938"/>
+                    <a16:rowId xmlns="" xmlns:a16="http://schemas.microsoft.com/office/drawing/2014/main" val="2494852938"/>
                   </a:ext>
                 </a:extLst>
               </a:tr>
@@ -5396,7 +5397,7 @@
                 </a:tc>
                 <a:extLst>
                   <a:ext uri="{0D108BD9-81ED-4DB2-BD59-A6C34878D82A}">
-                    <a16:rowId xmlns:a16="http://schemas.microsoft.com/office/drawing/2014/main" xmlns="" val="1637671158"/>
+                    <a16:rowId xmlns="" xmlns:a16="http://schemas.microsoft.com/office/drawing/2014/main" val="1637671158"/>
                   </a:ext>
                 </a:extLst>
               </a:tr>
@@ -5461,7 +5462,7 @@
                 </a:tc>
                 <a:extLst>
                   <a:ext uri="{0D108BD9-81ED-4DB2-BD59-A6C34878D82A}">
-                    <a16:rowId xmlns:a16="http://schemas.microsoft.com/office/drawing/2014/main" xmlns="" val="3240980806"/>
+                    <a16:rowId xmlns="" xmlns:a16="http://schemas.microsoft.com/office/drawing/2014/main" val="3240980806"/>
                   </a:ext>
                 </a:extLst>
               </a:tr>
@@ -5526,7 +5527,7 @@
                 </a:tc>
                 <a:extLst>
                   <a:ext uri="{0D108BD9-81ED-4DB2-BD59-A6C34878D82A}">
-                    <a16:rowId xmlns:a16="http://schemas.microsoft.com/office/drawing/2014/main" xmlns="" val="3299560784"/>
+                    <a16:rowId xmlns="" xmlns:a16="http://schemas.microsoft.com/office/drawing/2014/main" val="3299560784"/>
                   </a:ext>
                 </a:extLst>
               </a:tr>
@@ -5539,7 +5540,7 @@
           <p:cNvPr id="13" name="그룹 12">
             <a:extLst>
               <a:ext uri="{FF2B5EF4-FFF2-40B4-BE49-F238E27FC236}">
-                <a16:creationId xmlns:a16="http://schemas.microsoft.com/office/drawing/2014/main" xmlns="" id="{525467F8-EDFA-4709-BA70-EA5CFBBE6D38}"/>
+                <a16:creationId xmlns="" xmlns:a16="http://schemas.microsoft.com/office/drawing/2014/main" id="{525467F8-EDFA-4709-BA70-EA5CFBBE6D38}"/>
               </a:ext>
             </a:extLst>
           </p:cNvPr>
@@ -5559,7 +5560,7 @@
             <p:cNvPr id="7" name="직사각형 6">
               <a:extLst>
                 <a:ext uri="{FF2B5EF4-FFF2-40B4-BE49-F238E27FC236}">
-                  <a16:creationId xmlns:a16="http://schemas.microsoft.com/office/drawing/2014/main" xmlns="" id="{BEC31238-B4EB-461B-AD60-A4BD8225E52A}"/>
+                  <a16:creationId xmlns="" xmlns:a16="http://schemas.microsoft.com/office/drawing/2014/main" id="{BEC31238-B4EB-461B-AD60-A4BD8225E52A}"/>
                 </a:ext>
               </a:extLst>
             </p:cNvPr>
@@ -5616,7 +5617,7 @@
             <p:cNvPr id="8" name="직사각형 7">
               <a:extLst>
                 <a:ext uri="{FF2B5EF4-FFF2-40B4-BE49-F238E27FC236}">
-                  <a16:creationId xmlns:a16="http://schemas.microsoft.com/office/drawing/2014/main" xmlns="" id="{1650DFD3-C52A-4714-B10A-DAA8B8B2F5F8}"/>
+                  <a16:creationId xmlns="" xmlns:a16="http://schemas.microsoft.com/office/drawing/2014/main" id="{1650DFD3-C52A-4714-B10A-DAA8B8B2F5F8}"/>
                 </a:ext>
               </a:extLst>
             </p:cNvPr>
@@ -5673,7 +5674,7 @@
             <p:cNvPr id="10" name="TextBox 9">
               <a:extLst>
                 <a:ext uri="{FF2B5EF4-FFF2-40B4-BE49-F238E27FC236}">
-                  <a16:creationId xmlns:a16="http://schemas.microsoft.com/office/drawing/2014/main" xmlns="" id="{B107C881-92D1-4581-BFF7-C829CCA7821E}"/>
+                  <a16:creationId xmlns="" xmlns:a16="http://schemas.microsoft.com/office/drawing/2014/main" id="{B107C881-92D1-4581-BFF7-C829CCA7821E}"/>
                 </a:ext>
               </a:extLst>
             </p:cNvPr>
@@ -5708,7 +5709,7 @@
             <p:cNvPr id="11" name="TextBox 10">
               <a:extLst>
                 <a:ext uri="{FF2B5EF4-FFF2-40B4-BE49-F238E27FC236}">
-                  <a16:creationId xmlns:a16="http://schemas.microsoft.com/office/drawing/2014/main" xmlns="" id="{A0617C4F-B9A4-4590-BD1E-FF55DF2E2641}"/>
+                  <a16:creationId xmlns="" xmlns:a16="http://schemas.microsoft.com/office/drawing/2014/main" id="{A0617C4F-B9A4-4590-BD1E-FF55DF2E2641}"/>
                 </a:ext>
               </a:extLst>
             </p:cNvPr>
@@ -5745,7 +5746,7 @@
             <p:cNvPr id="12" name="TextBox 11">
               <a:extLst>
                 <a:ext uri="{FF2B5EF4-FFF2-40B4-BE49-F238E27FC236}">
-                  <a16:creationId xmlns:a16="http://schemas.microsoft.com/office/drawing/2014/main" xmlns="" id="{CF928A21-2156-48CE-94CB-FDC698A502DA}"/>
+                  <a16:creationId xmlns="" xmlns:a16="http://schemas.microsoft.com/office/drawing/2014/main" id="{CF928A21-2156-48CE-94CB-FDC698A502DA}"/>
                 </a:ext>
               </a:extLst>
             </p:cNvPr>
@@ -5782,7 +5783,7 @@
           <p:cNvPr id="14" name="그룹 13">
             <a:extLst>
               <a:ext uri="{FF2B5EF4-FFF2-40B4-BE49-F238E27FC236}">
-                <a16:creationId xmlns:a16="http://schemas.microsoft.com/office/drawing/2014/main" xmlns="" id="{A035637C-C779-45F7-9342-2244707387F7}"/>
+                <a16:creationId xmlns="" xmlns:a16="http://schemas.microsoft.com/office/drawing/2014/main" id="{A035637C-C779-45F7-9342-2244707387F7}"/>
               </a:ext>
             </a:extLst>
           </p:cNvPr>
@@ -5802,7 +5803,7 @@
             <p:cNvPr id="15" name="직사각형 14">
               <a:extLst>
                 <a:ext uri="{FF2B5EF4-FFF2-40B4-BE49-F238E27FC236}">
-                  <a16:creationId xmlns:a16="http://schemas.microsoft.com/office/drawing/2014/main" xmlns="" id="{C637C700-DC5A-4DF4-B91D-9699F39CC105}"/>
+                  <a16:creationId xmlns="" xmlns:a16="http://schemas.microsoft.com/office/drawing/2014/main" id="{C637C700-DC5A-4DF4-B91D-9699F39CC105}"/>
                 </a:ext>
               </a:extLst>
             </p:cNvPr>
@@ -5859,7 +5860,7 @@
             <p:cNvPr id="16" name="직사각형 15">
               <a:extLst>
                 <a:ext uri="{FF2B5EF4-FFF2-40B4-BE49-F238E27FC236}">
-                  <a16:creationId xmlns:a16="http://schemas.microsoft.com/office/drawing/2014/main" xmlns="" id="{00CDA304-4B71-4DFF-BD7A-3D9693638B16}"/>
+                  <a16:creationId xmlns="" xmlns:a16="http://schemas.microsoft.com/office/drawing/2014/main" id="{00CDA304-4B71-4DFF-BD7A-3D9693638B16}"/>
                 </a:ext>
               </a:extLst>
             </p:cNvPr>
@@ -5916,7 +5917,7 @@
             <p:cNvPr id="17" name="TextBox 16">
               <a:extLst>
                 <a:ext uri="{FF2B5EF4-FFF2-40B4-BE49-F238E27FC236}">
-                  <a16:creationId xmlns:a16="http://schemas.microsoft.com/office/drawing/2014/main" xmlns="" id="{802D4E9A-3F0A-4F12-B7DB-625D23B049FF}"/>
+                  <a16:creationId xmlns="" xmlns:a16="http://schemas.microsoft.com/office/drawing/2014/main" id="{802D4E9A-3F0A-4F12-B7DB-625D23B049FF}"/>
                 </a:ext>
               </a:extLst>
             </p:cNvPr>
@@ -5951,7 +5952,7 @@
             <p:cNvPr id="18" name="TextBox 17">
               <a:extLst>
                 <a:ext uri="{FF2B5EF4-FFF2-40B4-BE49-F238E27FC236}">
-                  <a16:creationId xmlns:a16="http://schemas.microsoft.com/office/drawing/2014/main" xmlns="" id="{B772AF12-B3BD-4BEE-BF9C-C0EE41BA9CC1}"/>
+                  <a16:creationId xmlns="" xmlns:a16="http://schemas.microsoft.com/office/drawing/2014/main" id="{B772AF12-B3BD-4BEE-BF9C-C0EE41BA9CC1}"/>
                 </a:ext>
               </a:extLst>
             </p:cNvPr>
@@ -5988,7 +5989,7 @@
             <p:cNvPr id="19" name="TextBox 18">
               <a:extLst>
                 <a:ext uri="{FF2B5EF4-FFF2-40B4-BE49-F238E27FC236}">
-                  <a16:creationId xmlns:a16="http://schemas.microsoft.com/office/drawing/2014/main" xmlns="" id="{70B060DC-A28C-4016-BBCC-09D778BD40BB}"/>
+                  <a16:creationId xmlns="" xmlns:a16="http://schemas.microsoft.com/office/drawing/2014/main" id="{70B060DC-A28C-4016-BBCC-09D778BD40BB}"/>
                 </a:ext>
               </a:extLst>
             </p:cNvPr>
@@ -6025,7 +6026,7 @@
           <p:cNvPr id="20" name="그룹 19">
             <a:extLst>
               <a:ext uri="{FF2B5EF4-FFF2-40B4-BE49-F238E27FC236}">
-                <a16:creationId xmlns:a16="http://schemas.microsoft.com/office/drawing/2014/main" xmlns="" id="{86DB9A38-3329-48F3-AF62-E4E8840C3C8D}"/>
+                <a16:creationId xmlns="" xmlns:a16="http://schemas.microsoft.com/office/drawing/2014/main" id="{86DB9A38-3329-48F3-AF62-E4E8840C3C8D}"/>
               </a:ext>
             </a:extLst>
           </p:cNvPr>
@@ -6045,7 +6046,7 @@
             <p:cNvPr id="21" name="직사각형 20">
               <a:extLst>
                 <a:ext uri="{FF2B5EF4-FFF2-40B4-BE49-F238E27FC236}">
-                  <a16:creationId xmlns:a16="http://schemas.microsoft.com/office/drawing/2014/main" xmlns="" id="{1A565B51-7BC7-474D-A17F-A4C0076653BE}"/>
+                  <a16:creationId xmlns="" xmlns:a16="http://schemas.microsoft.com/office/drawing/2014/main" id="{1A565B51-7BC7-474D-A17F-A4C0076653BE}"/>
                 </a:ext>
               </a:extLst>
             </p:cNvPr>
@@ -6102,7 +6103,7 @@
             <p:cNvPr id="22" name="직사각형 21">
               <a:extLst>
                 <a:ext uri="{FF2B5EF4-FFF2-40B4-BE49-F238E27FC236}">
-                  <a16:creationId xmlns:a16="http://schemas.microsoft.com/office/drawing/2014/main" xmlns="" id="{94A8614D-D1B2-48CC-9507-A8BDAE72C269}"/>
+                  <a16:creationId xmlns="" xmlns:a16="http://schemas.microsoft.com/office/drawing/2014/main" id="{94A8614D-D1B2-48CC-9507-A8BDAE72C269}"/>
                 </a:ext>
               </a:extLst>
             </p:cNvPr>
@@ -6159,7 +6160,7 @@
             <p:cNvPr id="23" name="TextBox 22">
               <a:extLst>
                 <a:ext uri="{FF2B5EF4-FFF2-40B4-BE49-F238E27FC236}">
-                  <a16:creationId xmlns:a16="http://schemas.microsoft.com/office/drawing/2014/main" xmlns="" id="{F3B8E55B-B7B9-4F8B-AD42-CA1984E0D807}"/>
+                  <a16:creationId xmlns="" xmlns:a16="http://schemas.microsoft.com/office/drawing/2014/main" id="{F3B8E55B-B7B9-4F8B-AD42-CA1984E0D807}"/>
                 </a:ext>
               </a:extLst>
             </p:cNvPr>
@@ -6194,7 +6195,7 @@
             <p:cNvPr id="24" name="TextBox 23">
               <a:extLst>
                 <a:ext uri="{FF2B5EF4-FFF2-40B4-BE49-F238E27FC236}">
-                  <a16:creationId xmlns:a16="http://schemas.microsoft.com/office/drawing/2014/main" xmlns="" id="{82430228-ADE4-40EE-9CD4-0B070DD276C5}"/>
+                  <a16:creationId xmlns="" xmlns:a16="http://schemas.microsoft.com/office/drawing/2014/main" id="{82430228-ADE4-40EE-9CD4-0B070DD276C5}"/>
                 </a:ext>
               </a:extLst>
             </p:cNvPr>
@@ -6231,7 +6232,7 @@
             <p:cNvPr id="25" name="TextBox 24">
               <a:extLst>
                 <a:ext uri="{FF2B5EF4-FFF2-40B4-BE49-F238E27FC236}">
-                  <a16:creationId xmlns:a16="http://schemas.microsoft.com/office/drawing/2014/main" xmlns="" id="{B0DC403B-6380-495A-AFD2-A0A57D0EABDA}"/>
+                  <a16:creationId xmlns="" xmlns:a16="http://schemas.microsoft.com/office/drawing/2014/main" id="{B0DC403B-6380-495A-AFD2-A0A57D0EABDA}"/>
                 </a:ext>
               </a:extLst>
             </p:cNvPr>
@@ -6268,7 +6269,7 @@
           <p:cNvPr id="26" name="그룹 25">
             <a:extLst>
               <a:ext uri="{FF2B5EF4-FFF2-40B4-BE49-F238E27FC236}">
-                <a16:creationId xmlns:a16="http://schemas.microsoft.com/office/drawing/2014/main" xmlns="" id="{DD76409C-D406-4575-8DAC-CE85204EF101}"/>
+                <a16:creationId xmlns="" xmlns:a16="http://schemas.microsoft.com/office/drawing/2014/main" id="{DD76409C-D406-4575-8DAC-CE85204EF101}"/>
               </a:ext>
             </a:extLst>
           </p:cNvPr>
@@ -6288,7 +6289,7 @@
             <p:cNvPr id="27" name="직사각형 26">
               <a:extLst>
                 <a:ext uri="{FF2B5EF4-FFF2-40B4-BE49-F238E27FC236}">
-                  <a16:creationId xmlns:a16="http://schemas.microsoft.com/office/drawing/2014/main" xmlns="" id="{7F4AD81D-CE82-4253-A236-3058885EF413}"/>
+                  <a16:creationId xmlns="" xmlns:a16="http://schemas.microsoft.com/office/drawing/2014/main" id="{7F4AD81D-CE82-4253-A236-3058885EF413}"/>
                 </a:ext>
               </a:extLst>
             </p:cNvPr>
@@ -6345,7 +6346,7 @@
             <p:cNvPr id="28" name="직사각형 27">
               <a:extLst>
                 <a:ext uri="{FF2B5EF4-FFF2-40B4-BE49-F238E27FC236}">
-                  <a16:creationId xmlns:a16="http://schemas.microsoft.com/office/drawing/2014/main" xmlns="" id="{17809C90-8625-4F37-9A61-A31EB8F08E35}"/>
+                  <a16:creationId xmlns="" xmlns:a16="http://schemas.microsoft.com/office/drawing/2014/main" id="{17809C90-8625-4F37-9A61-A31EB8F08E35}"/>
                 </a:ext>
               </a:extLst>
             </p:cNvPr>
@@ -6402,7 +6403,7 @@
             <p:cNvPr id="29" name="TextBox 28">
               <a:extLst>
                 <a:ext uri="{FF2B5EF4-FFF2-40B4-BE49-F238E27FC236}">
-                  <a16:creationId xmlns:a16="http://schemas.microsoft.com/office/drawing/2014/main" xmlns="" id="{23CF47F0-16C2-4A3D-B4B8-1BF854B53D72}"/>
+                  <a16:creationId xmlns="" xmlns:a16="http://schemas.microsoft.com/office/drawing/2014/main" id="{23CF47F0-16C2-4A3D-B4B8-1BF854B53D72}"/>
                 </a:ext>
               </a:extLst>
             </p:cNvPr>
@@ -6437,7 +6438,7 @@
             <p:cNvPr id="30" name="TextBox 29">
               <a:extLst>
                 <a:ext uri="{FF2B5EF4-FFF2-40B4-BE49-F238E27FC236}">
-                  <a16:creationId xmlns:a16="http://schemas.microsoft.com/office/drawing/2014/main" xmlns="" id="{A812A142-367C-4A11-B52D-92E26AB67EEC}"/>
+                  <a16:creationId xmlns="" xmlns:a16="http://schemas.microsoft.com/office/drawing/2014/main" id="{A812A142-367C-4A11-B52D-92E26AB67EEC}"/>
                 </a:ext>
               </a:extLst>
             </p:cNvPr>
@@ -6474,7 +6475,7 @@
             <p:cNvPr id="31" name="TextBox 30">
               <a:extLst>
                 <a:ext uri="{FF2B5EF4-FFF2-40B4-BE49-F238E27FC236}">
-                  <a16:creationId xmlns:a16="http://schemas.microsoft.com/office/drawing/2014/main" xmlns="" id="{317881E1-E5CC-44A5-AE8E-16C19DCFCCCA}"/>
+                  <a16:creationId xmlns="" xmlns:a16="http://schemas.microsoft.com/office/drawing/2014/main" id="{317881E1-E5CC-44A5-AE8E-16C19DCFCCCA}"/>
                 </a:ext>
               </a:extLst>
             </p:cNvPr>
@@ -6511,7 +6512,7 @@
           <p:cNvPr id="32" name="그룹 31">
             <a:extLst>
               <a:ext uri="{FF2B5EF4-FFF2-40B4-BE49-F238E27FC236}">
-                <a16:creationId xmlns:a16="http://schemas.microsoft.com/office/drawing/2014/main" xmlns="" id="{FE77BAC9-FBE8-4B5A-BB3D-57EA4C90D043}"/>
+                <a16:creationId xmlns="" xmlns:a16="http://schemas.microsoft.com/office/drawing/2014/main" id="{FE77BAC9-FBE8-4B5A-BB3D-57EA4C90D043}"/>
               </a:ext>
             </a:extLst>
           </p:cNvPr>
@@ -6531,7 +6532,7 @@
             <p:cNvPr id="33" name="직사각형 32">
               <a:extLst>
                 <a:ext uri="{FF2B5EF4-FFF2-40B4-BE49-F238E27FC236}">
-                  <a16:creationId xmlns:a16="http://schemas.microsoft.com/office/drawing/2014/main" xmlns="" id="{3C8F043C-C450-47D8-A79D-946F1CC0AE3D}"/>
+                  <a16:creationId xmlns="" xmlns:a16="http://schemas.microsoft.com/office/drawing/2014/main" id="{3C8F043C-C450-47D8-A79D-946F1CC0AE3D}"/>
                 </a:ext>
               </a:extLst>
             </p:cNvPr>
@@ -6588,7 +6589,7 @@
             <p:cNvPr id="34" name="직사각형 33">
               <a:extLst>
                 <a:ext uri="{FF2B5EF4-FFF2-40B4-BE49-F238E27FC236}">
-                  <a16:creationId xmlns:a16="http://schemas.microsoft.com/office/drawing/2014/main" xmlns="" id="{A8DA7E6A-6BDE-4449-B043-B973D20C1BAC}"/>
+                  <a16:creationId xmlns="" xmlns:a16="http://schemas.microsoft.com/office/drawing/2014/main" id="{A8DA7E6A-6BDE-4449-B043-B973D20C1BAC}"/>
                 </a:ext>
               </a:extLst>
             </p:cNvPr>
@@ -6645,7 +6646,7 @@
             <p:cNvPr id="35" name="TextBox 34">
               <a:extLst>
                 <a:ext uri="{FF2B5EF4-FFF2-40B4-BE49-F238E27FC236}">
-                  <a16:creationId xmlns:a16="http://schemas.microsoft.com/office/drawing/2014/main" xmlns="" id="{D2BD38CD-DA72-4914-9E7E-47E32790A1B9}"/>
+                  <a16:creationId xmlns="" xmlns:a16="http://schemas.microsoft.com/office/drawing/2014/main" id="{D2BD38CD-DA72-4914-9E7E-47E32790A1B9}"/>
                 </a:ext>
               </a:extLst>
             </p:cNvPr>
@@ -6680,7 +6681,7 @@
             <p:cNvPr id="36" name="TextBox 35">
               <a:extLst>
                 <a:ext uri="{FF2B5EF4-FFF2-40B4-BE49-F238E27FC236}">
-                  <a16:creationId xmlns:a16="http://schemas.microsoft.com/office/drawing/2014/main" xmlns="" id="{4ABB27FB-A4C7-46F4-85F8-A7922ABF1CFE}"/>
+                  <a16:creationId xmlns="" xmlns:a16="http://schemas.microsoft.com/office/drawing/2014/main" id="{4ABB27FB-A4C7-46F4-85F8-A7922ABF1CFE}"/>
                 </a:ext>
               </a:extLst>
             </p:cNvPr>
@@ -6717,7 +6718,7 @@
             <p:cNvPr id="37" name="TextBox 36">
               <a:extLst>
                 <a:ext uri="{FF2B5EF4-FFF2-40B4-BE49-F238E27FC236}">
-                  <a16:creationId xmlns:a16="http://schemas.microsoft.com/office/drawing/2014/main" xmlns="" id="{DAD9C8A4-087B-4108-892F-138779107B96}"/>
+                  <a16:creationId xmlns="" xmlns:a16="http://schemas.microsoft.com/office/drawing/2014/main" id="{DAD9C8A4-087B-4108-892F-138779107B96}"/>
                 </a:ext>
               </a:extLst>
             </p:cNvPr>
@@ -6754,7 +6755,7 @@
           <p:cNvPr id="38" name="그룹 37">
             <a:extLst>
               <a:ext uri="{FF2B5EF4-FFF2-40B4-BE49-F238E27FC236}">
-                <a16:creationId xmlns:a16="http://schemas.microsoft.com/office/drawing/2014/main" xmlns="" id="{E98D60D4-7059-467F-96BC-048503ABC886}"/>
+                <a16:creationId xmlns="" xmlns:a16="http://schemas.microsoft.com/office/drawing/2014/main" id="{E98D60D4-7059-467F-96BC-048503ABC886}"/>
               </a:ext>
             </a:extLst>
           </p:cNvPr>
@@ -6774,7 +6775,7 @@
             <p:cNvPr id="39" name="직사각형 38">
               <a:extLst>
                 <a:ext uri="{FF2B5EF4-FFF2-40B4-BE49-F238E27FC236}">
-                  <a16:creationId xmlns:a16="http://schemas.microsoft.com/office/drawing/2014/main" xmlns="" id="{ED7E0B4F-5601-40C6-ACE3-E7C91CE3CE64}"/>
+                  <a16:creationId xmlns="" xmlns:a16="http://schemas.microsoft.com/office/drawing/2014/main" id="{ED7E0B4F-5601-40C6-ACE3-E7C91CE3CE64}"/>
                 </a:ext>
               </a:extLst>
             </p:cNvPr>
@@ -6831,7 +6832,7 @@
             <p:cNvPr id="40" name="직사각형 39">
               <a:extLst>
                 <a:ext uri="{FF2B5EF4-FFF2-40B4-BE49-F238E27FC236}">
-                  <a16:creationId xmlns:a16="http://schemas.microsoft.com/office/drawing/2014/main" xmlns="" id="{34AA947D-9408-400D-AC5D-5342B39ABE1A}"/>
+                  <a16:creationId xmlns="" xmlns:a16="http://schemas.microsoft.com/office/drawing/2014/main" id="{34AA947D-9408-400D-AC5D-5342B39ABE1A}"/>
                 </a:ext>
               </a:extLst>
             </p:cNvPr>
@@ -6888,7 +6889,7 @@
             <p:cNvPr id="41" name="TextBox 40">
               <a:extLst>
                 <a:ext uri="{FF2B5EF4-FFF2-40B4-BE49-F238E27FC236}">
-                  <a16:creationId xmlns:a16="http://schemas.microsoft.com/office/drawing/2014/main" xmlns="" id="{A9F0B356-93E4-4AEA-85B6-4C79B9643CCF}"/>
+                  <a16:creationId xmlns="" xmlns:a16="http://schemas.microsoft.com/office/drawing/2014/main" id="{A9F0B356-93E4-4AEA-85B6-4C79B9643CCF}"/>
                 </a:ext>
               </a:extLst>
             </p:cNvPr>
@@ -6923,7 +6924,7 @@
             <p:cNvPr id="42" name="TextBox 41">
               <a:extLst>
                 <a:ext uri="{FF2B5EF4-FFF2-40B4-BE49-F238E27FC236}">
-                  <a16:creationId xmlns:a16="http://schemas.microsoft.com/office/drawing/2014/main" xmlns="" id="{28D58E95-8FE9-42E6-846B-ABB2CE8A74E8}"/>
+                  <a16:creationId xmlns="" xmlns:a16="http://schemas.microsoft.com/office/drawing/2014/main" id="{28D58E95-8FE9-42E6-846B-ABB2CE8A74E8}"/>
                 </a:ext>
               </a:extLst>
             </p:cNvPr>
@@ -6960,7 +6961,7 @@
             <p:cNvPr id="43" name="TextBox 42">
               <a:extLst>
                 <a:ext uri="{FF2B5EF4-FFF2-40B4-BE49-F238E27FC236}">
-                  <a16:creationId xmlns:a16="http://schemas.microsoft.com/office/drawing/2014/main" xmlns="" id="{0D6C15E8-68F3-4A5D-8A97-3BAE18E7E58B}"/>
+                  <a16:creationId xmlns="" xmlns:a16="http://schemas.microsoft.com/office/drawing/2014/main" id="{0D6C15E8-68F3-4A5D-8A97-3BAE18E7E58B}"/>
                 </a:ext>
               </a:extLst>
             </p:cNvPr>
@@ -6997,7 +6998,7 @@
           <p:cNvPr id="44" name="그룹 43">
             <a:extLst>
               <a:ext uri="{FF2B5EF4-FFF2-40B4-BE49-F238E27FC236}">
-                <a16:creationId xmlns:a16="http://schemas.microsoft.com/office/drawing/2014/main" xmlns="" id="{18D9B4F6-C1F3-46AC-8B50-B147BC98E069}"/>
+                <a16:creationId xmlns="" xmlns:a16="http://schemas.microsoft.com/office/drawing/2014/main" id="{18D9B4F6-C1F3-46AC-8B50-B147BC98E069}"/>
               </a:ext>
             </a:extLst>
           </p:cNvPr>
@@ -7017,7 +7018,7 @@
             <p:cNvPr id="45" name="직사각형 44">
               <a:extLst>
                 <a:ext uri="{FF2B5EF4-FFF2-40B4-BE49-F238E27FC236}">
-                  <a16:creationId xmlns:a16="http://schemas.microsoft.com/office/drawing/2014/main" xmlns="" id="{099099D9-E519-40F9-A197-14FE1106759B}"/>
+                  <a16:creationId xmlns="" xmlns:a16="http://schemas.microsoft.com/office/drawing/2014/main" id="{099099D9-E519-40F9-A197-14FE1106759B}"/>
                 </a:ext>
               </a:extLst>
             </p:cNvPr>
@@ -7074,7 +7075,7 @@
             <p:cNvPr id="46" name="직사각형 45">
               <a:extLst>
                 <a:ext uri="{FF2B5EF4-FFF2-40B4-BE49-F238E27FC236}">
-                  <a16:creationId xmlns:a16="http://schemas.microsoft.com/office/drawing/2014/main" xmlns="" id="{F0C819CA-EE78-4215-AA5D-D580A6C68AE6}"/>
+                  <a16:creationId xmlns="" xmlns:a16="http://schemas.microsoft.com/office/drawing/2014/main" id="{F0C819CA-EE78-4215-AA5D-D580A6C68AE6}"/>
                 </a:ext>
               </a:extLst>
             </p:cNvPr>
@@ -7131,7 +7132,7 @@
             <p:cNvPr id="47" name="TextBox 46">
               <a:extLst>
                 <a:ext uri="{FF2B5EF4-FFF2-40B4-BE49-F238E27FC236}">
-                  <a16:creationId xmlns:a16="http://schemas.microsoft.com/office/drawing/2014/main" xmlns="" id="{5EF2E083-6F1F-4BCA-A4E0-5534635E6E3C}"/>
+                  <a16:creationId xmlns="" xmlns:a16="http://schemas.microsoft.com/office/drawing/2014/main" id="{5EF2E083-6F1F-4BCA-A4E0-5534635E6E3C}"/>
                 </a:ext>
               </a:extLst>
             </p:cNvPr>
@@ -7166,7 +7167,7 @@
             <p:cNvPr id="48" name="TextBox 47">
               <a:extLst>
                 <a:ext uri="{FF2B5EF4-FFF2-40B4-BE49-F238E27FC236}">
-                  <a16:creationId xmlns:a16="http://schemas.microsoft.com/office/drawing/2014/main" xmlns="" id="{51754BBB-0BE4-4F32-B382-C4E36C374F3C}"/>
+                  <a16:creationId xmlns="" xmlns:a16="http://schemas.microsoft.com/office/drawing/2014/main" id="{51754BBB-0BE4-4F32-B382-C4E36C374F3C}"/>
                 </a:ext>
               </a:extLst>
             </p:cNvPr>
@@ -7203,7 +7204,7 @@
             <p:cNvPr id="49" name="TextBox 48">
               <a:extLst>
                 <a:ext uri="{FF2B5EF4-FFF2-40B4-BE49-F238E27FC236}">
-                  <a16:creationId xmlns:a16="http://schemas.microsoft.com/office/drawing/2014/main" xmlns="" id="{C8A6172E-A9AD-45A3-AC6D-09D4ED9A5353}"/>
+                  <a16:creationId xmlns="" xmlns:a16="http://schemas.microsoft.com/office/drawing/2014/main" id="{C8A6172E-A9AD-45A3-AC6D-09D4ED9A5353}"/>
                 </a:ext>
               </a:extLst>
             </p:cNvPr>
@@ -7240,7 +7241,7 @@
           <p:cNvPr id="53" name="직선 화살표 연결선 52">
             <a:extLst>
               <a:ext uri="{FF2B5EF4-FFF2-40B4-BE49-F238E27FC236}">
-                <a16:creationId xmlns:a16="http://schemas.microsoft.com/office/drawing/2014/main" xmlns="" id="{8D5732DD-7D28-4B90-863B-01354C68E643}"/>
+                <a16:creationId xmlns="" xmlns:a16="http://schemas.microsoft.com/office/drawing/2014/main" id="{8D5732DD-7D28-4B90-863B-01354C68E643}"/>
               </a:ext>
             </a:extLst>
           </p:cNvPr>
@@ -7289,7 +7290,7 @@
           <p:cNvPr id="57" name="직선 화살표 연결선 56">
             <a:extLst>
               <a:ext uri="{FF2B5EF4-FFF2-40B4-BE49-F238E27FC236}">
-                <a16:creationId xmlns:a16="http://schemas.microsoft.com/office/drawing/2014/main" xmlns="" id="{FB5C8413-F5EE-4962-9F7F-7F29444D80F6}"/>
+                <a16:creationId xmlns="" xmlns:a16="http://schemas.microsoft.com/office/drawing/2014/main" id="{FB5C8413-F5EE-4962-9F7F-7F29444D80F6}"/>
               </a:ext>
             </a:extLst>
           </p:cNvPr>
@@ -7338,7 +7339,7 @@
           <p:cNvPr id="60" name="연결선: 꺾임 59">
             <a:extLst>
               <a:ext uri="{FF2B5EF4-FFF2-40B4-BE49-F238E27FC236}">
-                <a16:creationId xmlns:a16="http://schemas.microsoft.com/office/drawing/2014/main" xmlns="" id="{0FEE224C-B1CF-4378-AB78-C465B1E0A2A1}"/>
+                <a16:creationId xmlns="" xmlns:a16="http://schemas.microsoft.com/office/drawing/2014/main" id="{0FEE224C-B1CF-4378-AB78-C465B1E0A2A1}"/>
               </a:ext>
             </a:extLst>
           </p:cNvPr>
@@ -7392,7 +7393,7 @@
           <p:cNvPr id="64" name="연결선: 꺾임 63">
             <a:extLst>
               <a:ext uri="{FF2B5EF4-FFF2-40B4-BE49-F238E27FC236}">
-                <a16:creationId xmlns:a16="http://schemas.microsoft.com/office/drawing/2014/main" xmlns="" id="{4219ED03-E7ED-4D3D-B536-8F5748E122D8}"/>
+                <a16:creationId xmlns="" xmlns:a16="http://schemas.microsoft.com/office/drawing/2014/main" id="{4219ED03-E7ED-4D3D-B536-8F5748E122D8}"/>
               </a:ext>
             </a:extLst>
           </p:cNvPr>
@@ -7446,7 +7447,7 @@
           <p:cNvPr id="68" name="직선 화살표 연결선 67">
             <a:extLst>
               <a:ext uri="{FF2B5EF4-FFF2-40B4-BE49-F238E27FC236}">
-                <a16:creationId xmlns:a16="http://schemas.microsoft.com/office/drawing/2014/main" xmlns="" id="{2F6C66A6-530D-45F3-96DD-12D9045A727A}"/>
+                <a16:creationId xmlns="" xmlns:a16="http://schemas.microsoft.com/office/drawing/2014/main" id="{2F6C66A6-530D-45F3-96DD-12D9045A727A}"/>
               </a:ext>
             </a:extLst>
           </p:cNvPr>
@@ -7495,7 +7496,7 @@
           <p:cNvPr id="70" name="직선 화살표 연결선 69">
             <a:extLst>
               <a:ext uri="{FF2B5EF4-FFF2-40B4-BE49-F238E27FC236}">
-                <a16:creationId xmlns:a16="http://schemas.microsoft.com/office/drawing/2014/main" xmlns="" id="{909BDE2A-6E50-4F7A-A7C8-87D56DD44DDA}"/>
+                <a16:creationId xmlns="" xmlns:a16="http://schemas.microsoft.com/office/drawing/2014/main" id="{909BDE2A-6E50-4F7A-A7C8-87D56DD44DDA}"/>
               </a:ext>
             </a:extLst>
           </p:cNvPr>
@@ -7544,7 +7545,7 @@
           <p:cNvPr id="72" name="TextBox 71">
             <a:extLst>
               <a:ext uri="{FF2B5EF4-FFF2-40B4-BE49-F238E27FC236}">
-                <a16:creationId xmlns:a16="http://schemas.microsoft.com/office/drawing/2014/main" xmlns="" id="{030F567D-3274-40C6-B6BA-E66696B3AAB0}"/>
+                <a16:creationId xmlns="" xmlns:a16="http://schemas.microsoft.com/office/drawing/2014/main" id="{030F567D-3274-40C6-B6BA-E66696B3AAB0}"/>
               </a:ext>
             </a:extLst>
           </p:cNvPr>
@@ -7580,7 +7581,7 @@
           <p:cNvPr id="73" name="TextBox 72">
             <a:extLst>
               <a:ext uri="{FF2B5EF4-FFF2-40B4-BE49-F238E27FC236}">
-                <a16:creationId xmlns:a16="http://schemas.microsoft.com/office/drawing/2014/main" xmlns="" id="{D878DFB9-4DD4-4686-BE7D-75AE4E59A943}"/>
+                <a16:creationId xmlns="" xmlns:a16="http://schemas.microsoft.com/office/drawing/2014/main" id="{D878DFB9-4DD4-4686-BE7D-75AE4E59A943}"/>
               </a:ext>
             </a:extLst>
           </p:cNvPr>
@@ -7646,7 +7647,7 @@
           <p:cNvPr id="2" name="제목 1">
             <a:extLst>
               <a:ext uri="{FF2B5EF4-FFF2-40B4-BE49-F238E27FC236}">
-                <a16:creationId xmlns:a16="http://schemas.microsoft.com/office/drawing/2014/main" xmlns="" id="{6567B30B-F792-4D65-84A7-2BEF21FFFC7F}"/>
+                <a16:creationId xmlns="" xmlns:a16="http://schemas.microsoft.com/office/drawing/2014/main" id="{6567B30B-F792-4D65-84A7-2BEF21FFFC7F}"/>
               </a:ext>
             </a:extLst>
           </p:cNvPr>
@@ -7682,7 +7683,7 @@
           <p:cNvPr id="3" name="내용 개체 틀 2">
             <a:extLst>
               <a:ext uri="{FF2B5EF4-FFF2-40B4-BE49-F238E27FC236}">
-                <a16:creationId xmlns:a16="http://schemas.microsoft.com/office/drawing/2014/main" xmlns="" id="{BA06401D-C033-4DE2-A4A3-F88C70822B40}"/>
+                <a16:creationId xmlns="" xmlns:a16="http://schemas.microsoft.com/office/drawing/2014/main" id="{BA06401D-C033-4DE2-A4A3-F88C70822B40}"/>
               </a:ext>
             </a:extLst>
           </p:cNvPr>
@@ -7812,7 +7813,7 @@
           <p:cNvPr id="5" name="표 5">
             <a:extLst>
               <a:ext uri="{FF2B5EF4-FFF2-40B4-BE49-F238E27FC236}">
-                <a16:creationId xmlns:a16="http://schemas.microsoft.com/office/drawing/2014/main" xmlns="" id="{D589A95D-3B96-44B0-9B9A-C6A85E9CBC43}"/>
+                <a16:creationId xmlns="" xmlns:a16="http://schemas.microsoft.com/office/drawing/2014/main" id="{D589A95D-3B96-44B0-9B9A-C6A85E9CBC43}"/>
               </a:ext>
             </a:extLst>
           </p:cNvPr>
@@ -7841,56 +7842,56 @@
                 <a:gridCol w="1016000">
                   <a:extLst>
                     <a:ext uri="{9D8B030D-6E8A-4147-A177-3AD203B41FA5}">
-                      <a16:colId xmlns:a16="http://schemas.microsoft.com/office/drawing/2014/main" xmlns="" val="422949941"/>
+                      <a16:colId xmlns="" xmlns:a16="http://schemas.microsoft.com/office/drawing/2014/main" val="422949941"/>
                     </a:ext>
                   </a:extLst>
                 </a:gridCol>
                 <a:gridCol w="1016000">
                   <a:extLst>
                     <a:ext uri="{9D8B030D-6E8A-4147-A177-3AD203B41FA5}">
-                      <a16:colId xmlns:a16="http://schemas.microsoft.com/office/drawing/2014/main" xmlns="" val="1888211109"/>
+                      <a16:colId xmlns="" xmlns:a16="http://schemas.microsoft.com/office/drawing/2014/main" val="1888211109"/>
                     </a:ext>
                   </a:extLst>
                 </a:gridCol>
                 <a:gridCol w="1016000">
                   <a:extLst>
                     <a:ext uri="{9D8B030D-6E8A-4147-A177-3AD203B41FA5}">
-                      <a16:colId xmlns:a16="http://schemas.microsoft.com/office/drawing/2014/main" xmlns="" val="3675358557"/>
+                      <a16:colId xmlns="" xmlns:a16="http://schemas.microsoft.com/office/drawing/2014/main" val="3675358557"/>
                     </a:ext>
                   </a:extLst>
                 </a:gridCol>
                 <a:gridCol w="1016000">
                   <a:extLst>
                     <a:ext uri="{9D8B030D-6E8A-4147-A177-3AD203B41FA5}">
-                      <a16:colId xmlns:a16="http://schemas.microsoft.com/office/drawing/2014/main" xmlns="" val="2341215234"/>
+                      <a16:colId xmlns="" xmlns:a16="http://schemas.microsoft.com/office/drawing/2014/main" val="2341215234"/>
                     </a:ext>
                   </a:extLst>
                 </a:gridCol>
                 <a:gridCol w="1016000">
                   <a:extLst>
                     <a:ext uri="{9D8B030D-6E8A-4147-A177-3AD203B41FA5}">
-                      <a16:colId xmlns:a16="http://schemas.microsoft.com/office/drawing/2014/main" xmlns="" val="3718261339"/>
+                      <a16:colId xmlns="" xmlns:a16="http://schemas.microsoft.com/office/drawing/2014/main" val="3718261339"/>
                     </a:ext>
                   </a:extLst>
                 </a:gridCol>
                 <a:gridCol w="1016000">
                   <a:extLst>
                     <a:ext uri="{9D8B030D-6E8A-4147-A177-3AD203B41FA5}">
-                      <a16:colId xmlns:a16="http://schemas.microsoft.com/office/drawing/2014/main" xmlns="" val="2215473244"/>
+                      <a16:colId xmlns="" xmlns:a16="http://schemas.microsoft.com/office/drawing/2014/main" val="2215473244"/>
                     </a:ext>
                   </a:extLst>
                 </a:gridCol>
                 <a:gridCol w="1016000">
                   <a:extLst>
                     <a:ext uri="{9D8B030D-6E8A-4147-A177-3AD203B41FA5}">
-                      <a16:colId xmlns:a16="http://schemas.microsoft.com/office/drawing/2014/main" xmlns="" val="4106026957"/>
+                      <a16:colId xmlns="" xmlns:a16="http://schemas.microsoft.com/office/drawing/2014/main" val="4106026957"/>
                     </a:ext>
                   </a:extLst>
                 </a:gridCol>
                 <a:gridCol w="1016000">
                   <a:extLst>
                     <a:ext uri="{9D8B030D-6E8A-4147-A177-3AD203B41FA5}">
-                      <a16:colId xmlns:a16="http://schemas.microsoft.com/office/drawing/2014/main" xmlns="" val="2810815576"/>
+                      <a16:colId xmlns="" xmlns:a16="http://schemas.microsoft.com/office/drawing/2014/main" val="2810815576"/>
                     </a:ext>
                   </a:extLst>
                 </a:gridCol>
@@ -8394,7 +8395,7 @@
                 </a:tc>
                 <a:extLst>
                   <a:ext uri="{0D108BD9-81ED-4DB2-BD59-A6C34878D82A}">
-                    <a16:rowId xmlns:a16="http://schemas.microsoft.com/office/drawing/2014/main" xmlns="" val="2318367764"/>
+                    <a16:rowId xmlns="" xmlns:a16="http://schemas.microsoft.com/office/drawing/2014/main" val="2318367764"/>
                   </a:ext>
                 </a:extLst>
               </a:tr>
@@ -8407,7 +8408,7 @@
           <p:cNvPr id="8" name="표 5">
             <a:extLst>
               <a:ext uri="{FF2B5EF4-FFF2-40B4-BE49-F238E27FC236}">
-                <a16:creationId xmlns:a16="http://schemas.microsoft.com/office/drawing/2014/main" xmlns="" id="{3D9414C9-422A-4367-B83D-30BA9896DAE3}"/>
+                <a16:creationId xmlns="" xmlns:a16="http://schemas.microsoft.com/office/drawing/2014/main" id="{3D9414C9-422A-4367-B83D-30BA9896DAE3}"/>
               </a:ext>
             </a:extLst>
           </p:cNvPr>
@@ -8436,56 +8437,56 @@
                 <a:gridCol w="1016000">
                   <a:extLst>
                     <a:ext uri="{9D8B030D-6E8A-4147-A177-3AD203B41FA5}">
-                      <a16:colId xmlns:a16="http://schemas.microsoft.com/office/drawing/2014/main" xmlns="" val="422949941"/>
+                      <a16:colId xmlns="" xmlns:a16="http://schemas.microsoft.com/office/drawing/2014/main" val="422949941"/>
                     </a:ext>
                   </a:extLst>
                 </a:gridCol>
                 <a:gridCol w="1016000">
                   <a:extLst>
                     <a:ext uri="{9D8B030D-6E8A-4147-A177-3AD203B41FA5}">
-                      <a16:colId xmlns:a16="http://schemas.microsoft.com/office/drawing/2014/main" xmlns="" val="1888211109"/>
+                      <a16:colId xmlns="" xmlns:a16="http://schemas.microsoft.com/office/drawing/2014/main" val="1888211109"/>
                     </a:ext>
                   </a:extLst>
                 </a:gridCol>
                 <a:gridCol w="1016000">
                   <a:extLst>
                     <a:ext uri="{9D8B030D-6E8A-4147-A177-3AD203B41FA5}">
-                      <a16:colId xmlns:a16="http://schemas.microsoft.com/office/drawing/2014/main" xmlns="" val="3675358557"/>
+                      <a16:colId xmlns="" xmlns:a16="http://schemas.microsoft.com/office/drawing/2014/main" val="3675358557"/>
                     </a:ext>
                   </a:extLst>
                 </a:gridCol>
                 <a:gridCol w="1016000">
                   <a:extLst>
                     <a:ext uri="{9D8B030D-6E8A-4147-A177-3AD203B41FA5}">
-                      <a16:colId xmlns:a16="http://schemas.microsoft.com/office/drawing/2014/main" xmlns="" val="2341215234"/>
+                      <a16:colId xmlns="" xmlns:a16="http://schemas.microsoft.com/office/drawing/2014/main" val="2341215234"/>
                     </a:ext>
                   </a:extLst>
                 </a:gridCol>
                 <a:gridCol w="1016000">
                   <a:extLst>
                     <a:ext uri="{9D8B030D-6E8A-4147-A177-3AD203B41FA5}">
-                      <a16:colId xmlns:a16="http://schemas.microsoft.com/office/drawing/2014/main" xmlns="" val="3718261339"/>
+                      <a16:colId xmlns="" xmlns:a16="http://schemas.microsoft.com/office/drawing/2014/main" val="3718261339"/>
                     </a:ext>
                   </a:extLst>
                 </a:gridCol>
                 <a:gridCol w="1016000">
                   <a:extLst>
                     <a:ext uri="{9D8B030D-6E8A-4147-A177-3AD203B41FA5}">
-                      <a16:colId xmlns:a16="http://schemas.microsoft.com/office/drawing/2014/main" xmlns="" val="2215473244"/>
+                      <a16:colId xmlns="" xmlns:a16="http://schemas.microsoft.com/office/drawing/2014/main" val="2215473244"/>
                     </a:ext>
                   </a:extLst>
                 </a:gridCol>
                 <a:gridCol w="1016000">
                   <a:extLst>
                     <a:ext uri="{9D8B030D-6E8A-4147-A177-3AD203B41FA5}">
-                      <a16:colId xmlns:a16="http://schemas.microsoft.com/office/drawing/2014/main" xmlns="" val="4106026957"/>
+                      <a16:colId xmlns="" xmlns:a16="http://schemas.microsoft.com/office/drawing/2014/main" val="4106026957"/>
                     </a:ext>
                   </a:extLst>
                 </a:gridCol>
                 <a:gridCol w="1016000">
                   <a:extLst>
                     <a:ext uri="{9D8B030D-6E8A-4147-A177-3AD203B41FA5}">
-                      <a16:colId xmlns:a16="http://schemas.microsoft.com/office/drawing/2014/main" xmlns="" val="2810815576"/>
+                      <a16:colId xmlns="" xmlns:a16="http://schemas.microsoft.com/office/drawing/2014/main" val="2810815576"/>
                     </a:ext>
                   </a:extLst>
                 </a:gridCol>
@@ -8989,7 +8990,7 @@
                 </a:tc>
                 <a:extLst>
                   <a:ext uri="{0D108BD9-81ED-4DB2-BD59-A6C34878D82A}">
-                    <a16:rowId xmlns:a16="http://schemas.microsoft.com/office/drawing/2014/main" xmlns="" val="2318367764"/>
+                    <a16:rowId xmlns="" xmlns:a16="http://schemas.microsoft.com/office/drawing/2014/main" val="2318367764"/>
                   </a:ext>
                 </a:extLst>
               </a:tr>
@@ -9002,7 +9003,7 @@
           <p:cNvPr id="9" name="표 5">
             <a:extLst>
               <a:ext uri="{FF2B5EF4-FFF2-40B4-BE49-F238E27FC236}">
-                <a16:creationId xmlns:a16="http://schemas.microsoft.com/office/drawing/2014/main" xmlns="" id="{15D5CCAF-CAB6-493C-9A85-2676F48690AF}"/>
+                <a16:creationId xmlns="" xmlns:a16="http://schemas.microsoft.com/office/drawing/2014/main" id="{15D5CCAF-CAB6-493C-9A85-2676F48690AF}"/>
               </a:ext>
             </a:extLst>
           </p:cNvPr>
@@ -9031,49 +9032,49 @@
                 <a:gridCol w="1016000">
                   <a:extLst>
                     <a:ext uri="{9D8B030D-6E8A-4147-A177-3AD203B41FA5}">
-                      <a16:colId xmlns:a16="http://schemas.microsoft.com/office/drawing/2014/main" xmlns="" val="422949941"/>
+                      <a16:colId xmlns="" xmlns:a16="http://schemas.microsoft.com/office/drawing/2014/main" val="422949941"/>
                     </a:ext>
                   </a:extLst>
                 </a:gridCol>
                 <a:gridCol w="1016000">
                   <a:extLst>
                     <a:ext uri="{9D8B030D-6E8A-4147-A177-3AD203B41FA5}">
-                      <a16:colId xmlns:a16="http://schemas.microsoft.com/office/drawing/2014/main" xmlns="" val="1888211109"/>
+                      <a16:colId xmlns="" xmlns:a16="http://schemas.microsoft.com/office/drawing/2014/main" val="1888211109"/>
                     </a:ext>
                   </a:extLst>
                 </a:gridCol>
                 <a:gridCol w="1016000">
                   <a:extLst>
                     <a:ext uri="{9D8B030D-6E8A-4147-A177-3AD203B41FA5}">
-                      <a16:colId xmlns:a16="http://schemas.microsoft.com/office/drawing/2014/main" xmlns="" val="3675358557"/>
+                      <a16:colId xmlns="" xmlns:a16="http://schemas.microsoft.com/office/drawing/2014/main" val="3675358557"/>
                     </a:ext>
                   </a:extLst>
                 </a:gridCol>
                 <a:gridCol w="1016000">
                   <a:extLst>
                     <a:ext uri="{9D8B030D-6E8A-4147-A177-3AD203B41FA5}">
-                      <a16:colId xmlns:a16="http://schemas.microsoft.com/office/drawing/2014/main" xmlns="" val="2341215234"/>
+                      <a16:colId xmlns="" xmlns:a16="http://schemas.microsoft.com/office/drawing/2014/main" val="2341215234"/>
                     </a:ext>
                   </a:extLst>
                 </a:gridCol>
                 <a:gridCol w="1016000">
                   <a:extLst>
                     <a:ext uri="{9D8B030D-6E8A-4147-A177-3AD203B41FA5}">
-                      <a16:colId xmlns:a16="http://schemas.microsoft.com/office/drawing/2014/main" xmlns="" val="3718261339"/>
+                      <a16:colId xmlns="" xmlns:a16="http://schemas.microsoft.com/office/drawing/2014/main" val="3718261339"/>
                     </a:ext>
                   </a:extLst>
                 </a:gridCol>
                 <a:gridCol w="1016000">
                   <a:extLst>
                     <a:ext uri="{9D8B030D-6E8A-4147-A177-3AD203B41FA5}">
-                      <a16:colId xmlns:a16="http://schemas.microsoft.com/office/drawing/2014/main" xmlns="" val="4106026957"/>
+                      <a16:colId xmlns="" xmlns:a16="http://schemas.microsoft.com/office/drawing/2014/main" val="4106026957"/>
                     </a:ext>
                   </a:extLst>
                 </a:gridCol>
                 <a:gridCol w="1016000">
                   <a:extLst>
                     <a:ext uri="{9D8B030D-6E8A-4147-A177-3AD203B41FA5}">
-                      <a16:colId xmlns:a16="http://schemas.microsoft.com/office/drawing/2014/main" xmlns="" val="2810815576"/>
+                      <a16:colId xmlns="" xmlns:a16="http://schemas.microsoft.com/office/drawing/2014/main" val="2810815576"/>
                     </a:ext>
                   </a:extLst>
                 </a:gridCol>
@@ -9522,7 +9523,7 @@
                 </a:tc>
                 <a:extLst>
                   <a:ext uri="{0D108BD9-81ED-4DB2-BD59-A6C34878D82A}">
-                    <a16:rowId xmlns:a16="http://schemas.microsoft.com/office/drawing/2014/main" xmlns="" val="2318367764"/>
+                    <a16:rowId xmlns="" xmlns:a16="http://schemas.microsoft.com/office/drawing/2014/main" val="2318367764"/>
                   </a:ext>
                 </a:extLst>
               </a:tr>
@@ -9535,7 +9536,7 @@
           <p:cNvPr id="10" name="화살표: 왼쪽으로 구부러짐 9">
             <a:extLst>
               <a:ext uri="{FF2B5EF4-FFF2-40B4-BE49-F238E27FC236}">
-                <a16:creationId xmlns:a16="http://schemas.microsoft.com/office/drawing/2014/main" xmlns="" id="{C91D9D3C-A84D-4E18-9C6C-303B390342DD}"/>
+                <a16:creationId xmlns="" xmlns:a16="http://schemas.microsoft.com/office/drawing/2014/main" id="{C91D9D3C-A84D-4E18-9C6C-303B390342DD}"/>
               </a:ext>
             </a:extLst>
           </p:cNvPr>
@@ -9626,7 +9627,7 @@
           <p:cNvPr id="2" name="제목 1">
             <a:extLst>
               <a:ext uri="{FF2B5EF4-FFF2-40B4-BE49-F238E27FC236}">
-                <a16:creationId xmlns:a16="http://schemas.microsoft.com/office/drawing/2014/main" xmlns="" id="{42C84062-C8B0-4CB3-B461-05F52E791379}"/>
+                <a16:creationId xmlns="" xmlns:a16="http://schemas.microsoft.com/office/drawing/2014/main" id="{42C84062-C8B0-4CB3-B461-05F52E791379}"/>
               </a:ext>
             </a:extLst>
           </p:cNvPr>
@@ -9662,7 +9663,7 @@
           <p:cNvPr id="4" name="표 5">
             <a:extLst>
               <a:ext uri="{FF2B5EF4-FFF2-40B4-BE49-F238E27FC236}">
-                <a16:creationId xmlns:a16="http://schemas.microsoft.com/office/drawing/2014/main" xmlns="" id="{3D9414C9-422A-4367-B83D-30BA9896DAE3}"/>
+                <a16:creationId xmlns="" xmlns:a16="http://schemas.microsoft.com/office/drawing/2014/main" id="{3D9414C9-422A-4367-B83D-30BA9896DAE3}"/>
               </a:ext>
             </a:extLst>
           </p:cNvPr>
@@ -9691,56 +9692,56 @@
                 <a:gridCol w="1016000">
                   <a:extLst>
                     <a:ext uri="{9D8B030D-6E8A-4147-A177-3AD203B41FA5}">
-                      <a16:colId xmlns:a16="http://schemas.microsoft.com/office/drawing/2014/main" xmlns="" val="422949941"/>
+                      <a16:colId xmlns="" xmlns:a16="http://schemas.microsoft.com/office/drawing/2014/main" val="422949941"/>
                     </a:ext>
                   </a:extLst>
                 </a:gridCol>
                 <a:gridCol w="1016000">
                   <a:extLst>
                     <a:ext uri="{9D8B030D-6E8A-4147-A177-3AD203B41FA5}">
-                      <a16:colId xmlns:a16="http://schemas.microsoft.com/office/drawing/2014/main" xmlns="" val="1888211109"/>
+                      <a16:colId xmlns="" xmlns:a16="http://schemas.microsoft.com/office/drawing/2014/main" val="1888211109"/>
                     </a:ext>
                   </a:extLst>
                 </a:gridCol>
                 <a:gridCol w="1016000">
                   <a:extLst>
                     <a:ext uri="{9D8B030D-6E8A-4147-A177-3AD203B41FA5}">
-                      <a16:colId xmlns:a16="http://schemas.microsoft.com/office/drawing/2014/main" xmlns="" val="3675358557"/>
+                      <a16:colId xmlns="" xmlns:a16="http://schemas.microsoft.com/office/drawing/2014/main" val="3675358557"/>
                     </a:ext>
                   </a:extLst>
                 </a:gridCol>
                 <a:gridCol w="1016000">
                   <a:extLst>
                     <a:ext uri="{9D8B030D-6E8A-4147-A177-3AD203B41FA5}">
-                      <a16:colId xmlns:a16="http://schemas.microsoft.com/office/drawing/2014/main" xmlns="" val="2341215234"/>
+                      <a16:colId xmlns="" xmlns:a16="http://schemas.microsoft.com/office/drawing/2014/main" val="2341215234"/>
                     </a:ext>
                   </a:extLst>
                 </a:gridCol>
                 <a:gridCol w="1016000">
                   <a:extLst>
                     <a:ext uri="{9D8B030D-6E8A-4147-A177-3AD203B41FA5}">
-                      <a16:colId xmlns:a16="http://schemas.microsoft.com/office/drawing/2014/main" xmlns="" val="3718261339"/>
+                      <a16:colId xmlns="" xmlns:a16="http://schemas.microsoft.com/office/drawing/2014/main" val="3718261339"/>
                     </a:ext>
                   </a:extLst>
                 </a:gridCol>
                 <a:gridCol w="1016000">
                   <a:extLst>
                     <a:ext uri="{9D8B030D-6E8A-4147-A177-3AD203B41FA5}">
-                      <a16:colId xmlns:a16="http://schemas.microsoft.com/office/drawing/2014/main" xmlns="" val="2215473244"/>
+                      <a16:colId xmlns="" xmlns:a16="http://schemas.microsoft.com/office/drawing/2014/main" val="2215473244"/>
                     </a:ext>
                   </a:extLst>
                 </a:gridCol>
                 <a:gridCol w="1016000">
                   <a:extLst>
                     <a:ext uri="{9D8B030D-6E8A-4147-A177-3AD203B41FA5}">
-                      <a16:colId xmlns:a16="http://schemas.microsoft.com/office/drawing/2014/main" xmlns="" val="4106026957"/>
+                      <a16:colId xmlns="" xmlns:a16="http://schemas.microsoft.com/office/drawing/2014/main" val="4106026957"/>
                     </a:ext>
                   </a:extLst>
                 </a:gridCol>
                 <a:gridCol w="1016000">
                   <a:extLst>
                     <a:ext uri="{9D8B030D-6E8A-4147-A177-3AD203B41FA5}">
-                      <a16:colId xmlns:a16="http://schemas.microsoft.com/office/drawing/2014/main" xmlns="" val="2810815576"/>
+                      <a16:colId xmlns="" xmlns:a16="http://schemas.microsoft.com/office/drawing/2014/main" val="2810815576"/>
                     </a:ext>
                   </a:extLst>
                 </a:gridCol>
@@ -10258,7 +10259,7 @@
                 </a:tc>
                 <a:extLst>
                   <a:ext uri="{0D108BD9-81ED-4DB2-BD59-A6C34878D82A}">
-                    <a16:rowId xmlns:a16="http://schemas.microsoft.com/office/drawing/2014/main" xmlns="" val="2318367764"/>
+                    <a16:rowId xmlns="" xmlns:a16="http://schemas.microsoft.com/office/drawing/2014/main" val="2318367764"/>
                   </a:ext>
                 </a:extLst>
               </a:tr>
@@ -10271,7 +10272,7 @@
           <p:cNvPr id="5" name="표 5">
             <a:extLst>
               <a:ext uri="{FF2B5EF4-FFF2-40B4-BE49-F238E27FC236}">
-                <a16:creationId xmlns:a16="http://schemas.microsoft.com/office/drawing/2014/main" xmlns="" id="{15D5CCAF-CAB6-493C-9A85-2676F48690AF}"/>
+                <a16:creationId xmlns="" xmlns:a16="http://schemas.microsoft.com/office/drawing/2014/main" id="{15D5CCAF-CAB6-493C-9A85-2676F48690AF}"/>
               </a:ext>
             </a:extLst>
           </p:cNvPr>
@@ -10300,49 +10301,49 @@
                 <a:gridCol w="1016000">
                   <a:extLst>
                     <a:ext uri="{9D8B030D-6E8A-4147-A177-3AD203B41FA5}">
-                      <a16:colId xmlns:a16="http://schemas.microsoft.com/office/drawing/2014/main" xmlns="" val="422949941"/>
+                      <a16:colId xmlns="" xmlns:a16="http://schemas.microsoft.com/office/drawing/2014/main" val="422949941"/>
                     </a:ext>
                   </a:extLst>
                 </a:gridCol>
                 <a:gridCol w="1016000">
                   <a:extLst>
                     <a:ext uri="{9D8B030D-6E8A-4147-A177-3AD203B41FA5}">
-                      <a16:colId xmlns:a16="http://schemas.microsoft.com/office/drawing/2014/main" xmlns="" val="1888211109"/>
+                      <a16:colId xmlns="" xmlns:a16="http://schemas.microsoft.com/office/drawing/2014/main" val="1888211109"/>
                     </a:ext>
                   </a:extLst>
                 </a:gridCol>
                 <a:gridCol w="1016000">
                   <a:extLst>
                     <a:ext uri="{9D8B030D-6E8A-4147-A177-3AD203B41FA5}">
-                      <a16:colId xmlns:a16="http://schemas.microsoft.com/office/drawing/2014/main" xmlns="" val="3675358557"/>
+                      <a16:colId xmlns="" xmlns:a16="http://schemas.microsoft.com/office/drawing/2014/main" val="3675358557"/>
                     </a:ext>
                   </a:extLst>
                 </a:gridCol>
                 <a:gridCol w="1016000">
                   <a:extLst>
                     <a:ext uri="{9D8B030D-6E8A-4147-A177-3AD203B41FA5}">
-                      <a16:colId xmlns:a16="http://schemas.microsoft.com/office/drawing/2014/main" xmlns="" val="2341215234"/>
+                      <a16:colId xmlns="" xmlns:a16="http://schemas.microsoft.com/office/drawing/2014/main" val="2341215234"/>
                     </a:ext>
                   </a:extLst>
                 </a:gridCol>
                 <a:gridCol w="1016000">
                   <a:extLst>
                     <a:ext uri="{9D8B030D-6E8A-4147-A177-3AD203B41FA5}">
-                      <a16:colId xmlns:a16="http://schemas.microsoft.com/office/drawing/2014/main" xmlns="" val="3718261339"/>
+                      <a16:colId xmlns="" xmlns:a16="http://schemas.microsoft.com/office/drawing/2014/main" val="3718261339"/>
                     </a:ext>
                   </a:extLst>
                 </a:gridCol>
                 <a:gridCol w="1016000">
                   <a:extLst>
                     <a:ext uri="{9D8B030D-6E8A-4147-A177-3AD203B41FA5}">
-                      <a16:colId xmlns:a16="http://schemas.microsoft.com/office/drawing/2014/main" xmlns="" val="4106026957"/>
+                      <a16:colId xmlns="" xmlns:a16="http://schemas.microsoft.com/office/drawing/2014/main" val="4106026957"/>
                     </a:ext>
                   </a:extLst>
                 </a:gridCol>
                 <a:gridCol w="1016000">
                   <a:extLst>
                     <a:ext uri="{9D8B030D-6E8A-4147-A177-3AD203B41FA5}">
-                      <a16:colId xmlns:a16="http://schemas.microsoft.com/office/drawing/2014/main" xmlns="" val="2810815576"/>
+                      <a16:colId xmlns="" xmlns:a16="http://schemas.microsoft.com/office/drawing/2014/main" val="2810815576"/>
                     </a:ext>
                   </a:extLst>
                 </a:gridCol>
@@ -10791,7 +10792,7 @@
                 </a:tc>
                 <a:extLst>
                   <a:ext uri="{0D108BD9-81ED-4DB2-BD59-A6C34878D82A}">
-                    <a16:rowId xmlns:a16="http://schemas.microsoft.com/office/drawing/2014/main" xmlns="" val="2318367764"/>
+                    <a16:rowId xmlns="" xmlns:a16="http://schemas.microsoft.com/office/drawing/2014/main" val="2318367764"/>
                   </a:ext>
                 </a:extLst>
               </a:tr>
@@ -10804,7 +10805,7 @@
           <p:cNvPr id="6" name="화살표: 왼쪽으로 구부러짐 9">
             <a:extLst>
               <a:ext uri="{FF2B5EF4-FFF2-40B4-BE49-F238E27FC236}">
-                <a16:creationId xmlns:a16="http://schemas.microsoft.com/office/drawing/2014/main" xmlns="" id="{C91D9D3C-A84D-4E18-9C6C-303B390342DD}"/>
+                <a16:creationId xmlns="" xmlns:a16="http://schemas.microsoft.com/office/drawing/2014/main" id="{C91D9D3C-A84D-4E18-9C6C-303B390342DD}"/>
               </a:ext>
             </a:extLst>
           </p:cNvPr>
@@ -10918,7 +10919,7 @@
                 <a:gridCol w="891503">
                   <a:extLst>
                     <a:ext uri="{9D8B030D-6E8A-4147-A177-3AD203B41FA5}">
-                      <a16:colId xmlns:a16="http://schemas.microsoft.com/office/drawing/2014/main" xmlns="" val="1352968969"/>
+                      <a16:colId xmlns="" xmlns:a16="http://schemas.microsoft.com/office/drawing/2014/main" val="1352968969"/>
                     </a:ext>
                   </a:extLst>
                 </a:gridCol>
@@ -10989,7 +10990,7 @@
                 </a:tc>
                 <a:extLst>
                   <a:ext uri="{0D108BD9-81ED-4DB2-BD59-A6C34878D82A}">
-                    <a16:rowId xmlns:a16="http://schemas.microsoft.com/office/drawing/2014/main" xmlns="" val="3010091663"/>
+                    <a16:rowId xmlns="" xmlns:a16="http://schemas.microsoft.com/office/drawing/2014/main" val="3010091663"/>
                   </a:ext>
                 </a:extLst>
               </a:tr>
@@ -11059,7 +11060,7 @@
                 </a:tc>
                 <a:extLst>
                   <a:ext uri="{0D108BD9-81ED-4DB2-BD59-A6C34878D82A}">
-                    <a16:rowId xmlns:a16="http://schemas.microsoft.com/office/drawing/2014/main" xmlns="" val="3029555295"/>
+                    <a16:rowId xmlns="" xmlns:a16="http://schemas.microsoft.com/office/drawing/2014/main" val="3029555295"/>
                   </a:ext>
                 </a:extLst>
               </a:tr>
@@ -11129,7 +11130,7 @@
                 </a:tc>
                 <a:extLst>
                   <a:ext uri="{0D108BD9-81ED-4DB2-BD59-A6C34878D82A}">
-                    <a16:rowId xmlns:a16="http://schemas.microsoft.com/office/drawing/2014/main" xmlns="" val="2518845613"/>
+                    <a16:rowId xmlns="" xmlns:a16="http://schemas.microsoft.com/office/drawing/2014/main" val="2518845613"/>
                   </a:ext>
                 </a:extLst>
               </a:tr>
@@ -11199,7 +11200,7 @@
                 </a:tc>
                 <a:extLst>
                   <a:ext uri="{0D108BD9-81ED-4DB2-BD59-A6C34878D82A}">
-                    <a16:rowId xmlns:a16="http://schemas.microsoft.com/office/drawing/2014/main" xmlns="" val="4038176524"/>
+                    <a16:rowId xmlns="" xmlns:a16="http://schemas.microsoft.com/office/drawing/2014/main" val="4038176524"/>
                   </a:ext>
                 </a:extLst>
               </a:tr>
@@ -11269,7 +11270,7 @@
                 </a:tc>
                 <a:extLst>
                   <a:ext uri="{0D108BD9-81ED-4DB2-BD59-A6C34878D82A}">
-                    <a16:rowId xmlns:a16="http://schemas.microsoft.com/office/drawing/2014/main" xmlns="" val="1894260681"/>
+                    <a16:rowId xmlns="" xmlns:a16="http://schemas.microsoft.com/office/drawing/2014/main" val="1894260681"/>
                   </a:ext>
                 </a:extLst>
               </a:tr>
@@ -11339,7 +11340,7 @@
                 </a:tc>
                 <a:extLst>
                   <a:ext uri="{0D108BD9-81ED-4DB2-BD59-A6C34878D82A}">
-                    <a16:rowId xmlns:a16="http://schemas.microsoft.com/office/drawing/2014/main" xmlns="" val="181657390"/>
+                    <a16:rowId xmlns="" xmlns:a16="http://schemas.microsoft.com/office/drawing/2014/main" val="181657390"/>
                   </a:ext>
                 </a:extLst>
               </a:tr>
@@ -12527,7 +12528,7 @@
           <p:cNvPr id="4" name="표 4">
             <a:extLst>
               <a:ext uri="{FF2B5EF4-FFF2-40B4-BE49-F238E27FC236}">
-                <a16:creationId xmlns:a16="http://schemas.microsoft.com/office/drawing/2014/main" xmlns="" id="{260303AE-5F82-432A-AFE1-96F738EBE501}"/>
+                <a16:creationId xmlns="" xmlns:a16="http://schemas.microsoft.com/office/drawing/2014/main" id="{260303AE-5F82-432A-AFE1-96F738EBE501}"/>
               </a:ext>
             </a:extLst>
           </p:cNvPr>
@@ -12556,7 +12557,7 @@
                 <a:gridCol w="1080000">
                   <a:extLst>
                     <a:ext uri="{9D8B030D-6E8A-4147-A177-3AD203B41FA5}">
-                      <a16:colId xmlns:a16="http://schemas.microsoft.com/office/drawing/2014/main" xmlns="" val="2051836303"/>
+                      <a16:colId xmlns="" xmlns:a16="http://schemas.microsoft.com/office/drawing/2014/main" val="2051836303"/>
                     </a:ext>
                   </a:extLst>
                 </a:gridCol>
@@ -12627,7 +12628,7 @@
                 </a:tc>
                 <a:extLst>
                   <a:ext uri="{0D108BD9-81ED-4DB2-BD59-A6C34878D82A}">
-                    <a16:rowId xmlns:a16="http://schemas.microsoft.com/office/drawing/2014/main" xmlns="" val="2075722758"/>
+                    <a16:rowId xmlns="" xmlns:a16="http://schemas.microsoft.com/office/drawing/2014/main" val="2075722758"/>
                   </a:ext>
                 </a:extLst>
               </a:tr>
@@ -12640,7 +12641,7 @@
           <p:cNvPr id="5" name="표 4">
             <a:extLst>
               <a:ext uri="{FF2B5EF4-FFF2-40B4-BE49-F238E27FC236}">
-                <a16:creationId xmlns:a16="http://schemas.microsoft.com/office/drawing/2014/main" xmlns="" id="{260303AE-5F82-432A-AFE1-96F738EBE501}"/>
+                <a16:creationId xmlns="" xmlns:a16="http://schemas.microsoft.com/office/drawing/2014/main" id="{260303AE-5F82-432A-AFE1-96F738EBE501}"/>
               </a:ext>
             </a:extLst>
           </p:cNvPr>
@@ -12669,7 +12670,7 @@
                 <a:gridCol w="1080000">
                   <a:extLst>
                     <a:ext uri="{9D8B030D-6E8A-4147-A177-3AD203B41FA5}">
-                      <a16:colId xmlns:a16="http://schemas.microsoft.com/office/drawing/2014/main" xmlns="" val="2051836303"/>
+                      <a16:colId xmlns="" xmlns:a16="http://schemas.microsoft.com/office/drawing/2014/main" val="2051836303"/>
                     </a:ext>
                   </a:extLst>
                 </a:gridCol>
@@ -12740,7 +12741,7 @@
                 </a:tc>
                 <a:extLst>
                   <a:ext uri="{0D108BD9-81ED-4DB2-BD59-A6C34878D82A}">
-                    <a16:rowId xmlns:a16="http://schemas.microsoft.com/office/drawing/2014/main" xmlns="" val="3036785839"/>
+                    <a16:rowId xmlns="" xmlns:a16="http://schemas.microsoft.com/office/drawing/2014/main" val="3036785839"/>
                   </a:ext>
                 </a:extLst>
               </a:tr>
@@ -12810,7 +12811,7 @@
                 </a:tc>
                 <a:extLst>
                   <a:ext uri="{0D108BD9-81ED-4DB2-BD59-A6C34878D82A}">
-                    <a16:rowId xmlns:a16="http://schemas.microsoft.com/office/drawing/2014/main" xmlns="" val="2075722758"/>
+                    <a16:rowId xmlns="" xmlns:a16="http://schemas.microsoft.com/office/drawing/2014/main" val="2075722758"/>
                   </a:ext>
                 </a:extLst>
               </a:tr>
@@ -12823,7 +12824,7 @@
           <p:cNvPr id="6" name="표 5">
             <a:extLst>
               <a:ext uri="{FF2B5EF4-FFF2-40B4-BE49-F238E27FC236}">
-                <a16:creationId xmlns:a16="http://schemas.microsoft.com/office/drawing/2014/main" xmlns="" id="{260303AE-5F82-432A-AFE1-96F738EBE501}"/>
+                <a16:creationId xmlns="" xmlns:a16="http://schemas.microsoft.com/office/drawing/2014/main" id="{260303AE-5F82-432A-AFE1-96F738EBE501}"/>
               </a:ext>
             </a:extLst>
           </p:cNvPr>
@@ -12852,7 +12853,7 @@
                 <a:gridCol w="1080000">
                   <a:extLst>
                     <a:ext uri="{9D8B030D-6E8A-4147-A177-3AD203B41FA5}">
-                      <a16:colId xmlns:a16="http://schemas.microsoft.com/office/drawing/2014/main" xmlns="" val="2051836303"/>
+                      <a16:colId xmlns="" xmlns:a16="http://schemas.microsoft.com/office/drawing/2014/main" val="2051836303"/>
                     </a:ext>
                   </a:extLst>
                 </a:gridCol>
@@ -12923,7 +12924,7 @@
                 </a:tc>
                 <a:extLst>
                   <a:ext uri="{0D108BD9-81ED-4DB2-BD59-A6C34878D82A}">
-                    <a16:rowId xmlns:a16="http://schemas.microsoft.com/office/drawing/2014/main" xmlns="" val="3210536480"/>
+                    <a16:rowId xmlns="" xmlns:a16="http://schemas.microsoft.com/office/drawing/2014/main" val="3210536480"/>
                   </a:ext>
                 </a:extLst>
               </a:tr>
@@ -12993,7 +12994,7 @@
                 </a:tc>
                 <a:extLst>
                   <a:ext uri="{0D108BD9-81ED-4DB2-BD59-A6C34878D82A}">
-                    <a16:rowId xmlns:a16="http://schemas.microsoft.com/office/drawing/2014/main" xmlns="" val="3036785839"/>
+                    <a16:rowId xmlns="" xmlns:a16="http://schemas.microsoft.com/office/drawing/2014/main" val="3036785839"/>
                   </a:ext>
                 </a:extLst>
               </a:tr>
@@ -13063,7 +13064,7 @@
                 </a:tc>
                 <a:extLst>
                   <a:ext uri="{0D108BD9-81ED-4DB2-BD59-A6C34878D82A}">
-                    <a16:rowId xmlns:a16="http://schemas.microsoft.com/office/drawing/2014/main" xmlns="" val="2075722758"/>
+                    <a16:rowId xmlns="" xmlns:a16="http://schemas.microsoft.com/office/drawing/2014/main" val="2075722758"/>
                   </a:ext>
                 </a:extLst>
               </a:tr>
@@ -13076,7 +13077,7 @@
           <p:cNvPr id="7" name="표 6">
             <a:extLst>
               <a:ext uri="{FF2B5EF4-FFF2-40B4-BE49-F238E27FC236}">
-                <a16:creationId xmlns:a16="http://schemas.microsoft.com/office/drawing/2014/main" xmlns="" id="{260303AE-5F82-432A-AFE1-96F738EBE501}"/>
+                <a16:creationId xmlns="" xmlns:a16="http://schemas.microsoft.com/office/drawing/2014/main" id="{260303AE-5F82-432A-AFE1-96F738EBE501}"/>
               </a:ext>
             </a:extLst>
           </p:cNvPr>
@@ -13105,7 +13106,7 @@
                 <a:gridCol w="1080000">
                   <a:extLst>
                     <a:ext uri="{9D8B030D-6E8A-4147-A177-3AD203B41FA5}">
-                      <a16:colId xmlns:a16="http://schemas.microsoft.com/office/drawing/2014/main" xmlns="" val="2051836303"/>
+                      <a16:colId xmlns="" xmlns:a16="http://schemas.microsoft.com/office/drawing/2014/main" val="2051836303"/>
                     </a:ext>
                   </a:extLst>
                 </a:gridCol>
@@ -13176,7 +13177,7 @@
                 </a:tc>
                 <a:extLst>
                   <a:ext uri="{0D108BD9-81ED-4DB2-BD59-A6C34878D82A}">
-                    <a16:rowId xmlns:a16="http://schemas.microsoft.com/office/drawing/2014/main" xmlns="" val="3036785839"/>
+                    <a16:rowId xmlns="" xmlns:a16="http://schemas.microsoft.com/office/drawing/2014/main" val="3036785839"/>
                   </a:ext>
                 </a:extLst>
               </a:tr>
@@ -13246,7 +13247,7 @@
                 </a:tc>
                 <a:extLst>
                   <a:ext uri="{0D108BD9-81ED-4DB2-BD59-A6C34878D82A}">
-                    <a16:rowId xmlns:a16="http://schemas.microsoft.com/office/drawing/2014/main" xmlns="" val="2075722758"/>
+                    <a16:rowId xmlns="" xmlns:a16="http://schemas.microsoft.com/office/drawing/2014/main" val="2075722758"/>
                   </a:ext>
                 </a:extLst>
               </a:tr>
@@ -13259,7 +13260,7 @@
           <p:cNvPr id="8" name="표 7">
             <a:extLst>
               <a:ext uri="{FF2B5EF4-FFF2-40B4-BE49-F238E27FC236}">
-                <a16:creationId xmlns:a16="http://schemas.microsoft.com/office/drawing/2014/main" xmlns="" id="{260303AE-5F82-432A-AFE1-96F738EBE501}"/>
+                <a16:creationId xmlns="" xmlns:a16="http://schemas.microsoft.com/office/drawing/2014/main" id="{260303AE-5F82-432A-AFE1-96F738EBE501}"/>
               </a:ext>
             </a:extLst>
           </p:cNvPr>
@@ -13288,7 +13289,7 @@
                 <a:gridCol w="1080000">
                   <a:extLst>
                     <a:ext uri="{9D8B030D-6E8A-4147-A177-3AD203B41FA5}">
-                      <a16:colId xmlns:a16="http://schemas.microsoft.com/office/drawing/2014/main" xmlns="" val="2051836303"/>
+                      <a16:colId xmlns="" xmlns:a16="http://schemas.microsoft.com/office/drawing/2014/main" val="2051836303"/>
                     </a:ext>
                   </a:extLst>
                 </a:gridCol>
@@ -13359,7 +13360,7 @@
                 </a:tc>
                 <a:extLst>
                   <a:ext uri="{0D108BD9-81ED-4DB2-BD59-A6C34878D82A}">
-                    <a16:rowId xmlns:a16="http://schemas.microsoft.com/office/drawing/2014/main" xmlns="" val="3210536480"/>
+                    <a16:rowId xmlns="" xmlns:a16="http://schemas.microsoft.com/office/drawing/2014/main" val="3210536480"/>
                   </a:ext>
                 </a:extLst>
               </a:tr>
@@ -13429,7 +13430,7 @@
                 </a:tc>
                 <a:extLst>
                   <a:ext uri="{0D108BD9-81ED-4DB2-BD59-A6C34878D82A}">
-                    <a16:rowId xmlns:a16="http://schemas.microsoft.com/office/drawing/2014/main" xmlns="" val="3036785839"/>
+                    <a16:rowId xmlns="" xmlns:a16="http://schemas.microsoft.com/office/drawing/2014/main" val="3036785839"/>
                   </a:ext>
                 </a:extLst>
               </a:tr>
@@ -13499,7 +13500,7 @@
                 </a:tc>
                 <a:extLst>
                   <a:ext uri="{0D108BD9-81ED-4DB2-BD59-A6C34878D82A}">
-                    <a16:rowId xmlns:a16="http://schemas.microsoft.com/office/drawing/2014/main" xmlns="" val="2075722758"/>
+                    <a16:rowId xmlns="" xmlns:a16="http://schemas.microsoft.com/office/drawing/2014/main" val="2075722758"/>
                   </a:ext>
                 </a:extLst>
               </a:tr>
@@ -13697,7 +13698,7 @@
           <p:cNvPr id="8" name="표 5">
             <a:extLst>
               <a:ext uri="{FF2B5EF4-FFF2-40B4-BE49-F238E27FC236}">
-                <a16:creationId xmlns:a16="http://schemas.microsoft.com/office/drawing/2014/main" xmlns="" id="{15D5CCAF-CAB6-493C-9A85-2676F48690AF}"/>
+                <a16:creationId xmlns="" xmlns:a16="http://schemas.microsoft.com/office/drawing/2014/main" id="{15D5CCAF-CAB6-493C-9A85-2676F48690AF}"/>
               </a:ext>
             </a:extLst>
           </p:cNvPr>
@@ -13726,49 +13727,49 @@
                 <a:gridCol w="550521">
                   <a:extLst>
                     <a:ext uri="{9D8B030D-6E8A-4147-A177-3AD203B41FA5}">
-                      <a16:colId xmlns:a16="http://schemas.microsoft.com/office/drawing/2014/main" xmlns="" val="422949941"/>
+                      <a16:colId xmlns="" xmlns:a16="http://schemas.microsoft.com/office/drawing/2014/main" val="422949941"/>
                     </a:ext>
                   </a:extLst>
                 </a:gridCol>
                 <a:gridCol w="550521">
                   <a:extLst>
                     <a:ext uri="{9D8B030D-6E8A-4147-A177-3AD203B41FA5}">
-                      <a16:colId xmlns:a16="http://schemas.microsoft.com/office/drawing/2014/main" xmlns="" val="1888211109"/>
+                      <a16:colId xmlns="" xmlns:a16="http://schemas.microsoft.com/office/drawing/2014/main" val="1888211109"/>
                     </a:ext>
                   </a:extLst>
                 </a:gridCol>
                 <a:gridCol w="550521">
                   <a:extLst>
                     <a:ext uri="{9D8B030D-6E8A-4147-A177-3AD203B41FA5}">
-                      <a16:colId xmlns:a16="http://schemas.microsoft.com/office/drawing/2014/main" xmlns="" val="3675358557"/>
+                      <a16:colId xmlns="" xmlns:a16="http://schemas.microsoft.com/office/drawing/2014/main" val="3675358557"/>
                     </a:ext>
                   </a:extLst>
                 </a:gridCol>
                 <a:gridCol w="550521">
                   <a:extLst>
                     <a:ext uri="{9D8B030D-6E8A-4147-A177-3AD203B41FA5}">
-                      <a16:colId xmlns:a16="http://schemas.microsoft.com/office/drawing/2014/main" xmlns="" val="2341215234"/>
+                      <a16:colId xmlns="" xmlns:a16="http://schemas.microsoft.com/office/drawing/2014/main" val="2341215234"/>
                     </a:ext>
                   </a:extLst>
                 </a:gridCol>
                 <a:gridCol w="550521">
                   <a:extLst>
                     <a:ext uri="{9D8B030D-6E8A-4147-A177-3AD203B41FA5}">
-                      <a16:colId xmlns:a16="http://schemas.microsoft.com/office/drawing/2014/main" xmlns="" val="3718261339"/>
+                      <a16:colId xmlns="" xmlns:a16="http://schemas.microsoft.com/office/drawing/2014/main" val="3718261339"/>
                     </a:ext>
                   </a:extLst>
                 </a:gridCol>
                 <a:gridCol w="550521">
                   <a:extLst>
                     <a:ext uri="{9D8B030D-6E8A-4147-A177-3AD203B41FA5}">
-                      <a16:colId xmlns:a16="http://schemas.microsoft.com/office/drawing/2014/main" xmlns="" val="4106026957"/>
+                      <a16:colId xmlns="" xmlns:a16="http://schemas.microsoft.com/office/drawing/2014/main" val="4106026957"/>
                     </a:ext>
                   </a:extLst>
                 </a:gridCol>
                 <a:gridCol w="550521">
                   <a:extLst>
                     <a:ext uri="{9D8B030D-6E8A-4147-A177-3AD203B41FA5}">
-                      <a16:colId xmlns:a16="http://schemas.microsoft.com/office/drawing/2014/main" xmlns="" val="2810815576"/>
+                      <a16:colId xmlns="" xmlns:a16="http://schemas.microsoft.com/office/drawing/2014/main" val="2810815576"/>
                     </a:ext>
                   </a:extLst>
                 </a:gridCol>
@@ -14217,7 +14218,7 @@
                 </a:tc>
                 <a:extLst>
                   <a:ext uri="{0D108BD9-81ED-4DB2-BD59-A6C34878D82A}">
-                    <a16:rowId xmlns:a16="http://schemas.microsoft.com/office/drawing/2014/main" xmlns="" val="2318367764"/>
+                    <a16:rowId xmlns="" xmlns:a16="http://schemas.microsoft.com/office/drawing/2014/main" val="2318367764"/>
                   </a:ext>
                 </a:extLst>
               </a:tr>
@@ -14230,7 +14231,7 @@
           <p:cNvPr id="9" name="표 5">
             <a:extLst>
               <a:ext uri="{FF2B5EF4-FFF2-40B4-BE49-F238E27FC236}">
-                <a16:creationId xmlns:a16="http://schemas.microsoft.com/office/drawing/2014/main" xmlns="" id="{15D5CCAF-CAB6-493C-9A85-2676F48690AF}"/>
+                <a16:creationId xmlns="" xmlns:a16="http://schemas.microsoft.com/office/drawing/2014/main" id="{15D5CCAF-CAB6-493C-9A85-2676F48690AF}"/>
               </a:ext>
             </a:extLst>
           </p:cNvPr>
@@ -14259,49 +14260,49 @@
                 <a:gridCol w="550521">
                   <a:extLst>
                     <a:ext uri="{9D8B030D-6E8A-4147-A177-3AD203B41FA5}">
-                      <a16:colId xmlns:a16="http://schemas.microsoft.com/office/drawing/2014/main" xmlns="" val="422949941"/>
+                      <a16:colId xmlns="" xmlns:a16="http://schemas.microsoft.com/office/drawing/2014/main" val="422949941"/>
                     </a:ext>
                   </a:extLst>
                 </a:gridCol>
                 <a:gridCol w="550521">
                   <a:extLst>
                     <a:ext uri="{9D8B030D-6E8A-4147-A177-3AD203B41FA5}">
-                      <a16:colId xmlns:a16="http://schemas.microsoft.com/office/drawing/2014/main" xmlns="" val="1888211109"/>
+                      <a16:colId xmlns="" xmlns:a16="http://schemas.microsoft.com/office/drawing/2014/main" val="1888211109"/>
                     </a:ext>
                   </a:extLst>
                 </a:gridCol>
                 <a:gridCol w="550521">
                   <a:extLst>
                     <a:ext uri="{9D8B030D-6E8A-4147-A177-3AD203B41FA5}">
-                      <a16:colId xmlns:a16="http://schemas.microsoft.com/office/drawing/2014/main" xmlns="" val="3675358557"/>
+                      <a16:colId xmlns="" xmlns:a16="http://schemas.microsoft.com/office/drawing/2014/main" val="3675358557"/>
                     </a:ext>
                   </a:extLst>
                 </a:gridCol>
                 <a:gridCol w="550521">
                   <a:extLst>
                     <a:ext uri="{9D8B030D-6E8A-4147-A177-3AD203B41FA5}">
-                      <a16:colId xmlns:a16="http://schemas.microsoft.com/office/drawing/2014/main" xmlns="" val="2341215234"/>
+                      <a16:colId xmlns="" xmlns:a16="http://schemas.microsoft.com/office/drawing/2014/main" val="2341215234"/>
                     </a:ext>
                   </a:extLst>
                 </a:gridCol>
                 <a:gridCol w="550521">
                   <a:extLst>
                     <a:ext uri="{9D8B030D-6E8A-4147-A177-3AD203B41FA5}">
-                      <a16:colId xmlns:a16="http://schemas.microsoft.com/office/drawing/2014/main" xmlns="" val="3718261339"/>
+                      <a16:colId xmlns="" xmlns:a16="http://schemas.microsoft.com/office/drawing/2014/main" val="3718261339"/>
                     </a:ext>
                   </a:extLst>
                 </a:gridCol>
                 <a:gridCol w="550521">
                   <a:extLst>
                     <a:ext uri="{9D8B030D-6E8A-4147-A177-3AD203B41FA5}">
-                      <a16:colId xmlns:a16="http://schemas.microsoft.com/office/drawing/2014/main" xmlns="" val="4106026957"/>
+                      <a16:colId xmlns="" xmlns:a16="http://schemas.microsoft.com/office/drawing/2014/main" val="4106026957"/>
                     </a:ext>
                   </a:extLst>
                 </a:gridCol>
                 <a:gridCol w="550521">
                   <a:extLst>
                     <a:ext uri="{9D8B030D-6E8A-4147-A177-3AD203B41FA5}">
-                      <a16:colId xmlns:a16="http://schemas.microsoft.com/office/drawing/2014/main" xmlns="" val="2810815576"/>
+                      <a16:colId xmlns="" xmlns:a16="http://schemas.microsoft.com/office/drawing/2014/main" val="2810815576"/>
                     </a:ext>
                   </a:extLst>
                 </a:gridCol>
@@ -14750,7 +14751,7 @@
                 </a:tc>
                 <a:extLst>
                   <a:ext uri="{0D108BD9-81ED-4DB2-BD59-A6C34878D82A}">
-                    <a16:rowId xmlns:a16="http://schemas.microsoft.com/office/drawing/2014/main" xmlns="" val="2318367764"/>
+                    <a16:rowId xmlns="" xmlns:a16="http://schemas.microsoft.com/office/drawing/2014/main" val="2318367764"/>
                   </a:ext>
                 </a:extLst>
               </a:tr>
@@ -14763,7 +14764,7 @@
           <p:cNvPr id="10" name="표 5">
             <a:extLst>
               <a:ext uri="{FF2B5EF4-FFF2-40B4-BE49-F238E27FC236}">
-                <a16:creationId xmlns:a16="http://schemas.microsoft.com/office/drawing/2014/main" xmlns="" id="{15D5CCAF-CAB6-493C-9A85-2676F48690AF}"/>
+                <a16:creationId xmlns="" xmlns:a16="http://schemas.microsoft.com/office/drawing/2014/main" id="{15D5CCAF-CAB6-493C-9A85-2676F48690AF}"/>
               </a:ext>
             </a:extLst>
           </p:cNvPr>
@@ -14792,49 +14793,49 @@
                 <a:gridCol w="550521">
                   <a:extLst>
                     <a:ext uri="{9D8B030D-6E8A-4147-A177-3AD203B41FA5}">
-                      <a16:colId xmlns:a16="http://schemas.microsoft.com/office/drawing/2014/main" xmlns="" val="422949941"/>
+                      <a16:colId xmlns="" xmlns:a16="http://schemas.microsoft.com/office/drawing/2014/main" val="422949941"/>
                     </a:ext>
                   </a:extLst>
                 </a:gridCol>
                 <a:gridCol w="550521">
                   <a:extLst>
                     <a:ext uri="{9D8B030D-6E8A-4147-A177-3AD203B41FA5}">
-                      <a16:colId xmlns:a16="http://schemas.microsoft.com/office/drawing/2014/main" xmlns="" val="1888211109"/>
+                      <a16:colId xmlns="" xmlns:a16="http://schemas.microsoft.com/office/drawing/2014/main" val="1888211109"/>
                     </a:ext>
                   </a:extLst>
                 </a:gridCol>
                 <a:gridCol w="550521">
                   <a:extLst>
                     <a:ext uri="{9D8B030D-6E8A-4147-A177-3AD203B41FA5}">
-                      <a16:colId xmlns:a16="http://schemas.microsoft.com/office/drawing/2014/main" xmlns="" val="3675358557"/>
+                      <a16:colId xmlns="" xmlns:a16="http://schemas.microsoft.com/office/drawing/2014/main" val="3675358557"/>
                     </a:ext>
                   </a:extLst>
                 </a:gridCol>
                 <a:gridCol w="550521">
                   <a:extLst>
                     <a:ext uri="{9D8B030D-6E8A-4147-A177-3AD203B41FA5}">
-                      <a16:colId xmlns:a16="http://schemas.microsoft.com/office/drawing/2014/main" xmlns="" val="2341215234"/>
+                      <a16:colId xmlns="" xmlns:a16="http://schemas.microsoft.com/office/drawing/2014/main" val="2341215234"/>
                     </a:ext>
                   </a:extLst>
                 </a:gridCol>
                 <a:gridCol w="550521">
                   <a:extLst>
                     <a:ext uri="{9D8B030D-6E8A-4147-A177-3AD203B41FA5}">
-                      <a16:colId xmlns:a16="http://schemas.microsoft.com/office/drawing/2014/main" xmlns="" val="3718261339"/>
+                      <a16:colId xmlns="" xmlns:a16="http://schemas.microsoft.com/office/drawing/2014/main" val="3718261339"/>
                     </a:ext>
                   </a:extLst>
                 </a:gridCol>
                 <a:gridCol w="550521">
                   <a:extLst>
                     <a:ext uri="{9D8B030D-6E8A-4147-A177-3AD203B41FA5}">
-                      <a16:colId xmlns:a16="http://schemas.microsoft.com/office/drawing/2014/main" xmlns="" val="4106026957"/>
+                      <a16:colId xmlns="" xmlns:a16="http://schemas.microsoft.com/office/drawing/2014/main" val="4106026957"/>
                     </a:ext>
                   </a:extLst>
                 </a:gridCol>
                 <a:gridCol w="550521">
                   <a:extLst>
                     <a:ext uri="{9D8B030D-6E8A-4147-A177-3AD203B41FA5}">
-                      <a16:colId xmlns:a16="http://schemas.microsoft.com/office/drawing/2014/main" xmlns="" val="2810815576"/>
+                      <a16:colId xmlns="" xmlns:a16="http://schemas.microsoft.com/office/drawing/2014/main" val="2810815576"/>
                     </a:ext>
                   </a:extLst>
                 </a:gridCol>
@@ -15283,7 +15284,7 @@
                 </a:tc>
                 <a:extLst>
                   <a:ext uri="{0D108BD9-81ED-4DB2-BD59-A6C34878D82A}">
-                    <a16:rowId xmlns:a16="http://schemas.microsoft.com/office/drawing/2014/main" xmlns="" val="2318367764"/>
+                    <a16:rowId xmlns="" xmlns:a16="http://schemas.microsoft.com/office/drawing/2014/main" val="2318367764"/>
                   </a:ext>
                 </a:extLst>
               </a:tr>
@@ -15296,7 +15297,7 @@
           <p:cNvPr id="11" name="표 5">
             <a:extLst>
               <a:ext uri="{FF2B5EF4-FFF2-40B4-BE49-F238E27FC236}">
-                <a16:creationId xmlns:a16="http://schemas.microsoft.com/office/drawing/2014/main" xmlns="" id="{15D5CCAF-CAB6-493C-9A85-2676F48690AF}"/>
+                <a16:creationId xmlns="" xmlns:a16="http://schemas.microsoft.com/office/drawing/2014/main" id="{15D5CCAF-CAB6-493C-9A85-2676F48690AF}"/>
               </a:ext>
             </a:extLst>
           </p:cNvPr>
@@ -15325,49 +15326,49 @@
                 <a:gridCol w="550521">
                   <a:extLst>
                     <a:ext uri="{9D8B030D-6E8A-4147-A177-3AD203B41FA5}">
-                      <a16:colId xmlns:a16="http://schemas.microsoft.com/office/drawing/2014/main" xmlns="" val="422949941"/>
+                      <a16:colId xmlns="" xmlns:a16="http://schemas.microsoft.com/office/drawing/2014/main" val="422949941"/>
                     </a:ext>
                   </a:extLst>
                 </a:gridCol>
                 <a:gridCol w="550521">
                   <a:extLst>
                     <a:ext uri="{9D8B030D-6E8A-4147-A177-3AD203B41FA5}">
-                      <a16:colId xmlns:a16="http://schemas.microsoft.com/office/drawing/2014/main" xmlns="" val="1888211109"/>
+                      <a16:colId xmlns="" xmlns:a16="http://schemas.microsoft.com/office/drawing/2014/main" val="1888211109"/>
                     </a:ext>
                   </a:extLst>
                 </a:gridCol>
                 <a:gridCol w="550521">
                   <a:extLst>
                     <a:ext uri="{9D8B030D-6E8A-4147-A177-3AD203B41FA5}">
-                      <a16:colId xmlns:a16="http://schemas.microsoft.com/office/drawing/2014/main" xmlns="" val="3675358557"/>
+                      <a16:colId xmlns="" xmlns:a16="http://schemas.microsoft.com/office/drawing/2014/main" val="3675358557"/>
                     </a:ext>
                   </a:extLst>
                 </a:gridCol>
                 <a:gridCol w="550521">
                   <a:extLst>
                     <a:ext uri="{9D8B030D-6E8A-4147-A177-3AD203B41FA5}">
-                      <a16:colId xmlns:a16="http://schemas.microsoft.com/office/drawing/2014/main" xmlns="" val="2341215234"/>
+                      <a16:colId xmlns="" xmlns:a16="http://schemas.microsoft.com/office/drawing/2014/main" val="2341215234"/>
                     </a:ext>
                   </a:extLst>
                 </a:gridCol>
                 <a:gridCol w="550521">
                   <a:extLst>
                     <a:ext uri="{9D8B030D-6E8A-4147-A177-3AD203B41FA5}">
-                      <a16:colId xmlns:a16="http://schemas.microsoft.com/office/drawing/2014/main" xmlns="" val="3718261339"/>
+                      <a16:colId xmlns="" xmlns:a16="http://schemas.microsoft.com/office/drawing/2014/main" val="3718261339"/>
                     </a:ext>
                   </a:extLst>
                 </a:gridCol>
                 <a:gridCol w="550521">
                   <a:extLst>
                     <a:ext uri="{9D8B030D-6E8A-4147-A177-3AD203B41FA5}">
-                      <a16:colId xmlns:a16="http://schemas.microsoft.com/office/drawing/2014/main" xmlns="" val="4106026957"/>
+                      <a16:colId xmlns="" xmlns:a16="http://schemas.microsoft.com/office/drawing/2014/main" val="4106026957"/>
                     </a:ext>
                   </a:extLst>
                 </a:gridCol>
                 <a:gridCol w="550521">
                   <a:extLst>
                     <a:ext uri="{9D8B030D-6E8A-4147-A177-3AD203B41FA5}">
-                      <a16:colId xmlns:a16="http://schemas.microsoft.com/office/drawing/2014/main" xmlns="" val="2810815576"/>
+                      <a16:colId xmlns="" xmlns:a16="http://schemas.microsoft.com/office/drawing/2014/main" val="2810815576"/>
                     </a:ext>
                   </a:extLst>
                 </a:gridCol>
@@ -15816,7 +15817,7 @@
                 </a:tc>
                 <a:extLst>
                   <a:ext uri="{0D108BD9-81ED-4DB2-BD59-A6C34878D82A}">
-                    <a16:rowId xmlns:a16="http://schemas.microsoft.com/office/drawing/2014/main" xmlns="" val="2318367764"/>
+                    <a16:rowId xmlns="" xmlns:a16="http://schemas.microsoft.com/office/drawing/2014/main" val="2318367764"/>
                   </a:ext>
                 </a:extLst>
               </a:tr>
@@ -15829,7 +15830,7 @@
           <p:cNvPr id="4" name="표 5">
             <a:extLst>
               <a:ext uri="{FF2B5EF4-FFF2-40B4-BE49-F238E27FC236}">
-                <a16:creationId xmlns:a16="http://schemas.microsoft.com/office/drawing/2014/main" xmlns="" id="{15D5CCAF-CAB6-493C-9A85-2676F48690AF}"/>
+                <a16:creationId xmlns="" xmlns:a16="http://schemas.microsoft.com/office/drawing/2014/main" id="{15D5CCAF-CAB6-493C-9A85-2676F48690AF}"/>
               </a:ext>
             </a:extLst>
           </p:cNvPr>
@@ -15858,49 +15859,49 @@
                 <a:gridCol w="550521">
                   <a:extLst>
                     <a:ext uri="{9D8B030D-6E8A-4147-A177-3AD203B41FA5}">
-                      <a16:colId xmlns:a16="http://schemas.microsoft.com/office/drawing/2014/main" xmlns="" val="422949941"/>
+                      <a16:colId xmlns="" xmlns:a16="http://schemas.microsoft.com/office/drawing/2014/main" val="422949941"/>
                     </a:ext>
                   </a:extLst>
                 </a:gridCol>
                 <a:gridCol w="550521">
                   <a:extLst>
                     <a:ext uri="{9D8B030D-6E8A-4147-A177-3AD203B41FA5}">
-                      <a16:colId xmlns:a16="http://schemas.microsoft.com/office/drawing/2014/main" xmlns="" val="1888211109"/>
+                      <a16:colId xmlns="" xmlns:a16="http://schemas.microsoft.com/office/drawing/2014/main" val="1888211109"/>
                     </a:ext>
                   </a:extLst>
                 </a:gridCol>
                 <a:gridCol w="550521">
                   <a:extLst>
                     <a:ext uri="{9D8B030D-6E8A-4147-A177-3AD203B41FA5}">
-                      <a16:colId xmlns:a16="http://schemas.microsoft.com/office/drawing/2014/main" xmlns="" val="3675358557"/>
+                      <a16:colId xmlns="" xmlns:a16="http://schemas.microsoft.com/office/drawing/2014/main" val="3675358557"/>
                     </a:ext>
                   </a:extLst>
                 </a:gridCol>
                 <a:gridCol w="550521">
                   <a:extLst>
                     <a:ext uri="{9D8B030D-6E8A-4147-A177-3AD203B41FA5}">
-                      <a16:colId xmlns:a16="http://schemas.microsoft.com/office/drawing/2014/main" xmlns="" val="2341215234"/>
+                      <a16:colId xmlns="" xmlns:a16="http://schemas.microsoft.com/office/drawing/2014/main" val="2341215234"/>
                     </a:ext>
                   </a:extLst>
                 </a:gridCol>
                 <a:gridCol w="550521">
                   <a:extLst>
                     <a:ext uri="{9D8B030D-6E8A-4147-A177-3AD203B41FA5}">
-                      <a16:colId xmlns:a16="http://schemas.microsoft.com/office/drawing/2014/main" xmlns="" val="3718261339"/>
+                      <a16:colId xmlns="" xmlns:a16="http://schemas.microsoft.com/office/drawing/2014/main" val="3718261339"/>
                     </a:ext>
                   </a:extLst>
                 </a:gridCol>
                 <a:gridCol w="550521">
                   <a:extLst>
                     <a:ext uri="{9D8B030D-6E8A-4147-A177-3AD203B41FA5}">
-                      <a16:colId xmlns:a16="http://schemas.microsoft.com/office/drawing/2014/main" xmlns="" val="4106026957"/>
+                      <a16:colId xmlns="" xmlns:a16="http://schemas.microsoft.com/office/drawing/2014/main" val="4106026957"/>
                     </a:ext>
                   </a:extLst>
                 </a:gridCol>
                 <a:gridCol w="550521">
                   <a:extLst>
                     <a:ext uri="{9D8B030D-6E8A-4147-A177-3AD203B41FA5}">
-                      <a16:colId xmlns:a16="http://schemas.microsoft.com/office/drawing/2014/main" xmlns="" val="2810815576"/>
+                      <a16:colId xmlns="" xmlns:a16="http://schemas.microsoft.com/office/drawing/2014/main" val="2810815576"/>
                     </a:ext>
                   </a:extLst>
                 </a:gridCol>
@@ -16293,7 +16294,7 @@
                 </a:tc>
                 <a:extLst>
                   <a:ext uri="{0D108BD9-81ED-4DB2-BD59-A6C34878D82A}">
-                    <a16:rowId xmlns:a16="http://schemas.microsoft.com/office/drawing/2014/main" xmlns="" val="2318367764"/>
+                    <a16:rowId xmlns="" xmlns:a16="http://schemas.microsoft.com/office/drawing/2014/main" val="2318367764"/>
                   </a:ext>
                 </a:extLst>
               </a:tr>
@@ -16306,7 +16307,7 @@
           <p:cNvPr id="5" name="표 5">
             <a:extLst>
               <a:ext uri="{FF2B5EF4-FFF2-40B4-BE49-F238E27FC236}">
-                <a16:creationId xmlns:a16="http://schemas.microsoft.com/office/drawing/2014/main" xmlns="" id="{15D5CCAF-CAB6-493C-9A85-2676F48690AF}"/>
+                <a16:creationId xmlns="" xmlns:a16="http://schemas.microsoft.com/office/drawing/2014/main" id="{15D5CCAF-CAB6-493C-9A85-2676F48690AF}"/>
               </a:ext>
             </a:extLst>
           </p:cNvPr>
@@ -16335,49 +16336,49 @@
                 <a:gridCol w="550521">
                   <a:extLst>
                     <a:ext uri="{9D8B030D-6E8A-4147-A177-3AD203B41FA5}">
-                      <a16:colId xmlns:a16="http://schemas.microsoft.com/office/drawing/2014/main" xmlns="" val="422949941"/>
+                      <a16:colId xmlns="" xmlns:a16="http://schemas.microsoft.com/office/drawing/2014/main" val="422949941"/>
                     </a:ext>
                   </a:extLst>
                 </a:gridCol>
                 <a:gridCol w="550521">
                   <a:extLst>
                     <a:ext uri="{9D8B030D-6E8A-4147-A177-3AD203B41FA5}">
-                      <a16:colId xmlns:a16="http://schemas.microsoft.com/office/drawing/2014/main" xmlns="" val="1888211109"/>
+                      <a16:colId xmlns="" xmlns:a16="http://schemas.microsoft.com/office/drawing/2014/main" val="1888211109"/>
                     </a:ext>
                   </a:extLst>
                 </a:gridCol>
                 <a:gridCol w="550521">
                   <a:extLst>
                     <a:ext uri="{9D8B030D-6E8A-4147-A177-3AD203B41FA5}">
-                      <a16:colId xmlns:a16="http://schemas.microsoft.com/office/drawing/2014/main" xmlns="" val="3675358557"/>
+                      <a16:colId xmlns="" xmlns:a16="http://schemas.microsoft.com/office/drawing/2014/main" val="3675358557"/>
                     </a:ext>
                   </a:extLst>
                 </a:gridCol>
                 <a:gridCol w="550521">
                   <a:extLst>
                     <a:ext uri="{9D8B030D-6E8A-4147-A177-3AD203B41FA5}">
-                      <a16:colId xmlns:a16="http://schemas.microsoft.com/office/drawing/2014/main" xmlns="" val="2341215234"/>
+                      <a16:colId xmlns="" xmlns:a16="http://schemas.microsoft.com/office/drawing/2014/main" val="2341215234"/>
                     </a:ext>
                   </a:extLst>
                 </a:gridCol>
                 <a:gridCol w="550521">
                   <a:extLst>
                     <a:ext uri="{9D8B030D-6E8A-4147-A177-3AD203B41FA5}">
-                      <a16:colId xmlns:a16="http://schemas.microsoft.com/office/drawing/2014/main" xmlns="" val="3718261339"/>
+                      <a16:colId xmlns="" xmlns:a16="http://schemas.microsoft.com/office/drawing/2014/main" val="3718261339"/>
                     </a:ext>
                   </a:extLst>
                 </a:gridCol>
                 <a:gridCol w="550521">
                   <a:extLst>
                     <a:ext uri="{9D8B030D-6E8A-4147-A177-3AD203B41FA5}">
-                      <a16:colId xmlns:a16="http://schemas.microsoft.com/office/drawing/2014/main" xmlns="" val="4106026957"/>
+                      <a16:colId xmlns="" xmlns:a16="http://schemas.microsoft.com/office/drawing/2014/main" val="4106026957"/>
                     </a:ext>
                   </a:extLst>
                 </a:gridCol>
                 <a:gridCol w="550521">
                   <a:extLst>
                     <a:ext uri="{9D8B030D-6E8A-4147-A177-3AD203B41FA5}">
-                      <a16:colId xmlns:a16="http://schemas.microsoft.com/office/drawing/2014/main" xmlns="" val="2810815576"/>
+                      <a16:colId xmlns="" xmlns:a16="http://schemas.microsoft.com/office/drawing/2014/main" val="2810815576"/>
                     </a:ext>
                   </a:extLst>
                 </a:gridCol>
@@ -16794,7 +16795,7 @@
                 </a:tc>
                 <a:extLst>
                   <a:ext uri="{0D108BD9-81ED-4DB2-BD59-A6C34878D82A}">
-                    <a16:rowId xmlns:a16="http://schemas.microsoft.com/office/drawing/2014/main" xmlns="" val="2318367764"/>
+                    <a16:rowId xmlns="" xmlns:a16="http://schemas.microsoft.com/office/drawing/2014/main" val="2318367764"/>
                   </a:ext>
                 </a:extLst>
               </a:tr>
@@ -16807,7 +16808,7 @@
           <p:cNvPr id="6" name="표 5">
             <a:extLst>
               <a:ext uri="{FF2B5EF4-FFF2-40B4-BE49-F238E27FC236}">
-                <a16:creationId xmlns:a16="http://schemas.microsoft.com/office/drawing/2014/main" xmlns="" id="{15D5CCAF-CAB6-493C-9A85-2676F48690AF}"/>
+                <a16:creationId xmlns="" xmlns:a16="http://schemas.microsoft.com/office/drawing/2014/main" id="{15D5CCAF-CAB6-493C-9A85-2676F48690AF}"/>
               </a:ext>
             </a:extLst>
           </p:cNvPr>
@@ -16836,49 +16837,49 @@
                 <a:gridCol w="550521">
                   <a:extLst>
                     <a:ext uri="{9D8B030D-6E8A-4147-A177-3AD203B41FA5}">
-                      <a16:colId xmlns:a16="http://schemas.microsoft.com/office/drawing/2014/main" xmlns="" val="422949941"/>
+                      <a16:colId xmlns="" xmlns:a16="http://schemas.microsoft.com/office/drawing/2014/main" val="422949941"/>
                     </a:ext>
                   </a:extLst>
                 </a:gridCol>
                 <a:gridCol w="550521">
                   <a:extLst>
                     <a:ext uri="{9D8B030D-6E8A-4147-A177-3AD203B41FA5}">
-                      <a16:colId xmlns:a16="http://schemas.microsoft.com/office/drawing/2014/main" xmlns="" val="1888211109"/>
+                      <a16:colId xmlns="" xmlns:a16="http://schemas.microsoft.com/office/drawing/2014/main" val="1888211109"/>
                     </a:ext>
                   </a:extLst>
                 </a:gridCol>
                 <a:gridCol w="550521">
                   <a:extLst>
                     <a:ext uri="{9D8B030D-6E8A-4147-A177-3AD203B41FA5}">
-                      <a16:colId xmlns:a16="http://schemas.microsoft.com/office/drawing/2014/main" xmlns="" val="3675358557"/>
+                      <a16:colId xmlns="" xmlns:a16="http://schemas.microsoft.com/office/drawing/2014/main" val="3675358557"/>
                     </a:ext>
                   </a:extLst>
                 </a:gridCol>
                 <a:gridCol w="550521">
                   <a:extLst>
                     <a:ext uri="{9D8B030D-6E8A-4147-A177-3AD203B41FA5}">
-                      <a16:colId xmlns:a16="http://schemas.microsoft.com/office/drawing/2014/main" xmlns="" val="2341215234"/>
+                      <a16:colId xmlns="" xmlns:a16="http://schemas.microsoft.com/office/drawing/2014/main" val="2341215234"/>
                     </a:ext>
                   </a:extLst>
                 </a:gridCol>
                 <a:gridCol w="550521">
                   <a:extLst>
                     <a:ext uri="{9D8B030D-6E8A-4147-A177-3AD203B41FA5}">
-                      <a16:colId xmlns:a16="http://schemas.microsoft.com/office/drawing/2014/main" xmlns="" val="3718261339"/>
+                      <a16:colId xmlns="" xmlns:a16="http://schemas.microsoft.com/office/drawing/2014/main" val="3718261339"/>
                     </a:ext>
                   </a:extLst>
                 </a:gridCol>
                 <a:gridCol w="550521">
                   <a:extLst>
                     <a:ext uri="{9D8B030D-6E8A-4147-A177-3AD203B41FA5}">
-                      <a16:colId xmlns:a16="http://schemas.microsoft.com/office/drawing/2014/main" xmlns="" val="4106026957"/>
+                      <a16:colId xmlns="" xmlns:a16="http://schemas.microsoft.com/office/drawing/2014/main" val="4106026957"/>
                     </a:ext>
                   </a:extLst>
                 </a:gridCol>
                 <a:gridCol w="550521">
                   <a:extLst>
                     <a:ext uri="{9D8B030D-6E8A-4147-A177-3AD203B41FA5}">
-                      <a16:colId xmlns:a16="http://schemas.microsoft.com/office/drawing/2014/main" xmlns="" val="2810815576"/>
+                      <a16:colId xmlns="" xmlns:a16="http://schemas.microsoft.com/office/drawing/2014/main" val="2810815576"/>
                     </a:ext>
                   </a:extLst>
                 </a:gridCol>
@@ -17295,7 +17296,7 @@
                 </a:tc>
                 <a:extLst>
                   <a:ext uri="{0D108BD9-81ED-4DB2-BD59-A6C34878D82A}">
-                    <a16:rowId xmlns:a16="http://schemas.microsoft.com/office/drawing/2014/main" xmlns="" val="2318367764"/>
+                    <a16:rowId xmlns="" xmlns:a16="http://schemas.microsoft.com/office/drawing/2014/main" val="2318367764"/>
                   </a:ext>
                 </a:extLst>
               </a:tr>
@@ -17308,7 +17309,7 @@
           <p:cNvPr id="7" name="표 5">
             <a:extLst>
               <a:ext uri="{FF2B5EF4-FFF2-40B4-BE49-F238E27FC236}">
-                <a16:creationId xmlns:a16="http://schemas.microsoft.com/office/drawing/2014/main" xmlns="" id="{15D5CCAF-CAB6-493C-9A85-2676F48690AF}"/>
+                <a16:creationId xmlns="" xmlns:a16="http://schemas.microsoft.com/office/drawing/2014/main" id="{15D5CCAF-CAB6-493C-9A85-2676F48690AF}"/>
               </a:ext>
             </a:extLst>
           </p:cNvPr>
@@ -17337,49 +17338,49 @@
                 <a:gridCol w="550521">
                   <a:extLst>
                     <a:ext uri="{9D8B030D-6E8A-4147-A177-3AD203B41FA5}">
-                      <a16:colId xmlns:a16="http://schemas.microsoft.com/office/drawing/2014/main" xmlns="" val="422949941"/>
+                      <a16:colId xmlns="" xmlns:a16="http://schemas.microsoft.com/office/drawing/2014/main" val="422949941"/>
                     </a:ext>
                   </a:extLst>
                 </a:gridCol>
                 <a:gridCol w="550521">
                   <a:extLst>
                     <a:ext uri="{9D8B030D-6E8A-4147-A177-3AD203B41FA5}">
-                      <a16:colId xmlns:a16="http://schemas.microsoft.com/office/drawing/2014/main" xmlns="" val="1888211109"/>
+                      <a16:colId xmlns="" xmlns:a16="http://schemas.microsoft.com/office/drawing/2014/main" val="1888211109"/>
                     </a:ext>
                   </a:extLst>
                 </a:gridCol>
                 <a:gridCol w="550521">
                   <a:extLst>
                     <a:ext uri="{9D8B030D-6E8A-4147-A177-3AD203B41FA5}">
-                      <a16:colId xmlns:a16="http://schemas.microsoft.com/office/drawing/2014/main" xmlns="" val="3675358557"/>
+                      <a16:colId xmlns="" xmlns:a16="http://schemas.microsoft.com/office/drawing/2014/main" val="3675358557"/>
                     </a:ext>
                   </a:extLst>
                 </a:gridCol>
                 <a:gridCol w="550521">
                   <a:extLst>
                     <a:ext uri="{9D8B030D-6E8A-4147-A177-3AD203B41FA5}">
-                      <a16:colId xmlns:a16="http://schemas.microsoft.com/office/drawing/2014/main" xmlns="" val="2341215234"/>
+                      <a16:colId xmlns="" xmlns:a16="http://schemas.microsoft.com/office/drawing/2014/main" val="2341215234"/>
                     </a:ext>
                   </a:extLst>
                 </a:gridCol>
                 <a:gridCol w="550521">
                   <a:extLst>
                     <a:ext uri="{9D8B030D-6E8A-4147-A177-3AD203B41FA5}">
-                      <a16:colId xmlns:a16="http://schemas.microsoft.com/office/drawing/2014/main" xmlns="" val="3718261339"/>
+                      <a16:colId xmlns="" xmlns:a16="http://schemas.microsoft.com/office/drawing/2014/main" val="3718261339"/>
                     </a:ext>
                   </a:extLst>
                 </a:gridCol>
                 <a:gridCol w="550521">
                   <a:extLst>
                     <a:ext uri="{9D8B030D-6E8A-4147-A177-3AD203B41FA5}">
-                      <a16:colId xmlns:a16="http://schemas.microsoft.com/office/drawing/2014/main" xmlns="" val="4106026957"/>
+                      <a16:colId xmlns="" xmlns:a16="http://schemas.microsoft.com/office/drawing/2014/main" val="4106026957"/>
                     </a:ext>
                   </a:extLst>
                 </a:gridCol>
                 <a:gridCol w="550521">
                   <a:extLst>
                     <a:ext uri="{9D8B030D-6E8A-4147-A177-3AD203B41FA5}">
-                      <a16:colId xmlns:a16="http://schemas.microsoft.com/office/drawing/2014/main" xmlns="" val="2810815576"/>
+                      <a16:colId xmlns="" xmlns:a16="http://schemas.microsoft.com/office/drawing/2014/main" val="2810815576"/>
                     </a:ext>
                   </a:extLst>
                 </a:gridCol>
@@ -17812,7 +17813,7 @@
                 </a:tc>
                 <a:extLst>
                   <a:ext uri="{0D108BD9-81ED-4DB2-BD59-A6C34878D82A}">
-                    <a16:rowId xmlns:a16="http://schemas.microsoft.com/office/drawing/2014/main" xmlns="" val="2318367764"/>
+                    <a16:rowId xmlns="" xmlns:a16="http://schemas.microsoft.com/office/drawing/2014/main" val="2318367764"/>
                   </a:ext>
                 </a:extLst>
               </a:tr>
@@ -21877,28 +21878,28 @@
                 <a:gridCol w="689223">
                   <a:extLst>
                     <a:ext uri="{9D8B030D-6E8A-4147-A177-3AD203B41FA5}">
-                      <a16:colId xmlns:a16="http://schemas.microsoft.com/office/drawing/2014/main" xmlns="" val="1151413589"/>
+                      <a16:colId xmlns="" xmlns:a16="http://schemas.microsoft.com/office/drawing/2014/main" val="1151413589"/>
                     </a:ext>
                   </a:extLst>
                 </a:gridCol>
                 <a:gridCol w="689223">
                   <a:extLst>
                     <a:ext uri="{9D8B030D-6E8A-4147-A177-3AD203B41FA5}">
-                      <a16:colId xmlns:a16="http://schemas.microsoft.com/office/drawing/2014/main" xmlns="" val="1361081966"/>
+                      <a16:colId xmlns="" xmlns:a16="http://schemas.microsoft.com/office/drawing/2014/main" val="1361081966"/>
                     </a:ext>
                   </a:extLst>
                 </a:gridCol>
                 <a:gridCol w="689223">
                   <a:extLst>
                     <a:ext uri="{9D8B030D-6E8A-4147-A177-3AD203B41FA5}">
-                      <a16:colId xmlns:a16="http://schemas.microsoft.com/office/drawing/2014/main" xmlns="" val="2051797336"/>
+                      <a16:colId xmlns="" xmlns:a16="http://schemas.microsoft.com/office/drawing/2014/main" val="2051797336"/>
                     </a:ext>
                   </a:extLst>
                 </a:gridCol>
                 <a:gridCol w="689223">
                   <a:extLst>
                     <a:ext uri="{9D8B030D-6E8A-4147-A177-3AD203B41FA5}">
-                      <a16:colId xmlns:a16="http://schemas.microsoft.com/office/drawing/2014/main" xmlns="" val="1204757378"/>
+                      <a16:colId xmlns="" xmlns:a16="http://schemas.microsoft.com/office/drawing/2014/main" val="1204757378"/>
                     </a:ext>
                   </a:extLst>
                 </a:gridCol>
@@ -22150,7 +22151,7 @@
                 </a:tc>
                 <a:extLst>
                   <a:ext uri="{0D108BD9-81ED-4DB2-BD59-A6C34878D82A}">
-                    <a16:rowId xmlns:a16="http://schemas.microsoft.com/office/drawing/2014/main" xmlns="" val="1233947439"/>
+                    <a16:rowId xmlns="" xmlns:a16="http://schemas.microsoft.com/office/drawing/2014/main" val="1233947439"/>
                   </a:ext>
                 </a:extLst>
               </a:tr>
@@ -22186,7 +22187,7 @@
                 <a:gridCol w="543779">
                   <a:extLst>
                     <a:ext uri="{9D8B030D-6E8A-4147-A177-3AD203B41FA5}">
-                      <a16:colId xmlns:a16="http://schemas.microsoft.com/office/drawing/2014/main" xmlns="" val="1797740742"/>
+                      <a16:colId xmlns="" xmlns:a16="http://schemas.microsoft.com/office/drawing/2014/main" val="1797740742"/>
                     </a:ext>
                   </a:extLst>
                 </a:gridCol>
@@ -22249,7 +22250,7 @@
                 </a:tc>
                 <a:extLst>
                   <a:ext uri="{0D108BD9-81ED-4DB2-BD59-A6C34878D82A}">
-                    <a16:rowId xmlns:a16="http://schemas.microsoft.com/office/drawing/2014/main" xmlns="" val="815333542"/>
+                    <a16:rowId xmlns="" xmlns:a16="http://schemas.microsoft.com/office/drawing/2014/main" val="815333542"/>
                   </a:ext>
                 </a:extLst>
               </a:tr>
@@ -22311,7 +22312,7 @@
                 </a:tc>
                 <a:extLst>
                   <a:ext uri="{0D108BD9-81ED-4DB2-BD59-A6C34878D82A}">
-                    <a16:rowId xmlns:a16="http://schemas.microsoft.com/office/drawing/2014/main" xmlns="" val="2622522162"/>
+                    <a16:rowId xmlns="" xmlns:a16="http://schemas.microsoft.com/office/drawing/2014/main" val="2622522162"/>
                   </a:ext>
                 </a:extLst>
               </a:tr>
@@ -22373,7 +22374,7 @@
                 </a:tc>
                 <a:extLst>
                   <a:ext uri="{0D108BD9-81ED-4DB2-BD59-A6C34878D82A}">
-                    <a16:rowId xmlns:a16="http://schemas.microsoft.com/office/drawing/2014/main" xmlns="" val="3848535946"/>
+                    <a16:rowId xmlns="" xmlns:a16="http://schemas.microsoft.com/office/drawing/2014/main" val="3848535946"/>
                   </a:ext>
                 </a:extLst>
               </a:tr>
@@ -22435,7 +22436,7 @@
                 </a:tc>
                 <a:extLst>
                   <a:ext uri="{0D108BD9-81ED-4DB2-BD59-A6C34878D82A}">
-                    <a16:rowId xmlns:a16="http://schemas.microsoft.com/office/drawing/2014/main" xmlns="" val="1797874248"/>
+                    <a16:rowId xmlns="" xmlns:a16="http://schemas.microsoft.com/office/drawing/2014/main" val="1797874248"/>
                   </a:ext>
                 </a:extLst>
               </a:tr>
@@ -22901,28 +22902,28 @@
                 <a:gridCol w="689223">
                   <a:extLst>
                     <a:ext uri="{9D8B030D-6E8A-4147-A177-3AD203B41FA5}">
-                      <a16:colId xmlns:a16="http://schemas.microsoft.com/office/drawing/2014/main" xmlns="" val="880660824"/>
+                      <a16:colId xmlns="" xmlns:a16="http://schemas.microsoft.com/office/drawing/2014/main" val="880660824"/>
                     </a:ext>
                   </a:extLst>
                 </a:gridCol>
                 <a:gridCol w="689223">
                   <a:extLst>
                     <a:ext uri="{9D8B030D-6E8A-4147-A177-3AD203B41FA5}">
-                      <a16:colId xmlns:a16="http://schemas.microsoft.com/office/drawing/2014/main" xmlns="" val="4183728883"/>
+                      <a16:colId xmlns="" xmlns:a16="http://schemas.microsoft.com/office/drawing/2014/main" val="4183728883"/>
                     </a:ext>
                   </a:extLst>
                 </a:gridCol>
                 <a:gridCol w="689223">
                   <a:extLst>
                     <a:ext uri="{9D8B030D-6E8A-4147-A177-3AD203B41FA5}">
-                      <a16:colId xmlns:a16="http://schemas.microsoft.com/office/drawing/2014/main" xmlns="" val="2492687774"/>
+                      <a16:colId xmlns="" xmlns:a16="http://schemas.microsoft.com/office/drawing/2014/main" val="2492687774"/>
                     </a:ext>
                   </a:extLst>
                 </a:gridCol>
                 <a:gridCol w="689223">
                   <a:extLst>
                     <a:ext uri="{9D8B030D-6E8A-4147-A177-3AD203B41FA5}">
-                      <a16:colId xmlns:a16="http://schemas.microsoft.com/office/drawing/2014/main" xmlns="" val="3102335657"/>
+                      <a16:colId xmlns="" xmlns:a16="http://schemas.microsoft.com/office/drawing/2014/main" val="3102335657"/>
                     </a:ext>
                   </a:extLst>
                 </a:gridCol>
@@ -23182,7 +23183,7 @@
                 </a:tc>
                 <a:extLst>
                   <a:ext uri="{0D108BD9-81ED-4DB2-BD59-A6C34878D82A}">
-                    <a16:rowId xmlns:a16="http://schemas.microsoft.com/office/drawing/2014/main" xmlns="" val="1551730337"/>
+                    <a16:rowId xmlns="" xmlns:a16="http://schemas.microsoft.com/office/drawing/2014/main" val="1551730337"/>
                   </a:ext>
                 </a:extLst>
               </a:tr>
@@ -23441,7 +23442,7 @@
                 </a:tc>
                 <a:extLst>
                   <a:ext uri="{0D108BD9-81ED-4DB2-BD59-A6C34878D82A}">
-                    <a16:rowId xmlns:a16="http://schemas.microsoft.com/office/drawing/2014/main" xmlns="" val="2852612148"/>
+                    <a16:rowId xmlns="" xmlns:a16="http://schemas.microsoft.com/office/drawing/2014/main" val="2852612148"/>
                   </a:ext>
                 </a:extLst>
               </a:tr>
@@ -23700,7 +23701,7 @@
                 </a:tc>
                 <a:extLst>
                   <a:ext uri="{0D108BD9-81ED-4DB2-BD59-A6C34878D82A}">
-                    <a16:rowId xmlns:a16="http://schemas.microsoft.com/office/drawing/2014/main" xmlns="" val="1581691548"/>
+                    <a16:rowId xmlns="" xmlns:a16="http://schemas.microsoft.com/office/drawing/2014/main" val="1581691548"/>
                   </a:ext>
                 </a:extLst>
               </a:tr>
@@ -23959,7 +23960,7 @@
                 </a:tc>
                 <a:extLst>
                   <a:ext uri="{0D108BD9-81ED-4DB2-BD59-A6C34878D82A}">
-                    <a16:rowId xmlns:a16="http://schemas.microsoft.com/office/drawing/2014/main" xmlns="" val="2786690379"/>
+                    <a16:rowId xmlns="" xmlns:a16="http://schemas.microsoft.com/office/drawing/2014/main" val="2786690379"/>
                   </a:ext>
                 </a:extLst>
               </a:tr>
@@ -26205,7 +26206,7 @@
           <p:cNvPr id="5" name="표 5">
             <a:extLst>
               <a:ext uri="{FF2B5EF4-FFF2-40B4-BE49-F238E27FC236}">
-                <a16:creationId xmlns:a16="http://schemas.microsoft.com/office/drawing/2014/main" xmlns="" id="{15D5CCAF-CAB6-493C-9A85-2676F48690AF}"/>
+                <a16:creationId xmlns="" xmlns:a16="http://schemas.microsoft.com/office/drawing/2014/main" id="{15D5CCAF-CAB6-493C-9A85-2676F48690AF}"/>
               </a:ext>
             </a:extLst>
           </p:cNvPr>
@@ -26234,28 +26235,28 @@
                 <a:gridCol w="550521">
                   <a:extLst>
                     <a:ext uri="{9D8B030D-6E8A-4147-A177-3AD203B41FA5}">
-                      <a16:colId xmlns:a16="http://schemas.microsoft.com/office/drawing/2014/main" xmlns="" val="422949941"/>
+                      <a16:colId xmlns="" xmlns:a16="http://schemas.microsoft.com/office/drawing/2014/main" val="422949941"/>
                     </a:ext>
                   </a:extLst>
                 </a:gridCol>
                 <a:gridCol w="550521">
                   <a:extLst>
                     <a:ext uri="{9D8B030D-6E8A-4147-A177-3AD203B41FA5}">
-                      <a16:colId xmlns:a16="http://schemas.microsoft.com/office/drawing/2014/main" xmlns="" val="1888211109"/>
+                      <a16:colId xmlns="" xmlns:a16="http://schemas.microsoft.com/office/drawing/2014/main" val="1888211109"/>
                     </a:ext>
                   </a:extLst>
                 </a:gridCol>
                 <a:gridCol w="550521">
                   <a:extLst>
                     <a:ext uri="{9D8B030D-6E8A-4147-A177-3AD203B41FA5}">
-                      <a16:colId xmlns:a16="http://schemas.microsoft.com/office/drawing/2014/main" xmlns="" val="3675358557"/>
+                      <a16:colId xmlns="" xmlns:a16="http://schemas.microsoft.com/office/drawing/2014/main" val="3675358557"/>
                     </a:ext>
                   </a:extLst>
                 </a:gridCol>
                 <a:gridCol w="550521">
                   <a:extLst>
                     <a:ext uri="{9D8B030D-6E8A-4147-A177-3AD203B41FA5}">
-                      <a16:colId xmlns:a16="http://schemas.microsoft.com/office/drawing/2014/main" xmlns="" val="2341215234"/>
+                      <a16:colId xmlns="" xmlns:a16="http://schemas.microsoft.com/office/drawing/2014/main" val="2341215234"/>
                     </a:ext>
                   </a:extLst>
                 </a:gridCol>
@@ -26515,7 +26516,7 @@
                 </a:tc>
                 <a:extLst>
                   <a:ext uri="{0D108BD9-81ED-4DB2-BD59-A6C34878D82A}">
-                    <a16:rowId xmlns:a16="http://schemas.microsoft.com/office/drawing/2014/main" xmlns="" val="2318367764"/>
+                    <a16:rowId xmlns="" xmlns:a16="http://schemas.microsoft.com/office/drawing/2014/main" val="2318367764"/>
                   </a:ext>
                 </a:extLst>
               </a:tr>
@@ -26528,7 +26529,7 @@
           <p:cNvPr id="6" name="표 5">
             <a:extLst>
               <a:ext uri="{FF2B5EF4-FFF2-40B4-BE49-F238E27FC236}">
-                <a16:creationId xmlns:a16="http://schemas.microsoft.com/office/drawing/2014/main" xmlns="" id="{15D5CCAF-CAB6-493C-9A85-2676F48690AF}"/>
+                <a16:creationId xmlns="" xmlns:a16="http://schemas.microsoft.com/office/drawing/2014/main" id="{15D5CCAF-CAB6-493C-9A85-2676F48690AF}"/>
               </a:ext>
             </a:extLst>
           </p:cNvPr>
@@ -26557,28 +26558,28 @@
                 <a:gridCol w="547200">
                   <a:extLst>
                     <a:ext uri="{9D8B030D-6E8A-4147-A177-3AD203B41FA5}">
-                      <a16:colId xmlns:a16="http://schemas.microsoft.com/office/drawing/2014/main" xmlns="" val="422949941"/>
+                      <a16:colId xmlns="" xmlns:a16="http://schemas.microsoft.com/office/drawing/2014/main" val="422949941"/>
                     </a:ext>
                   </a:extLst>
                 </a:gridCol>
                 <a:gridCol w="547200">
                   <a:extLst>
                     <a:ext uri="{9D8B030D-6E8A-4147-A177-3AD203B41FA5}">
-                      <a16:colId xmlns:a16="http://schemas.microsoft.com/office/drawing/2014/main" xmlns="" val="1888211109"/>
+                      <a16:colId xmlns="" xmlns:a16="http://schemas.microsoft.com/office/drawing/2014/main" val="1888211109"/>
                     </a:ext>
                   </a:extLst>
                 </a:gridCol>
                 <a:gridCol w="547200">
                   <a:extLst>
                     <a:ext uri="{9D8B030D-6E8A-4147-A177-3AD203B41FA5}">
-                      <a16:colId xmlns:a16="http://schemas.microsoft.com/office/drawing/2014/main" xmlns="" val="3675358557"/>
+                      <a16:colId xmlns="" xmlns:a16="http://schemas.microsoft.com/office/drawing/2014/main" val="3675358557"/>
                     </a:ext>
                   </a:extLst>
                 </a:gridCol>
                 <a:gridCol w="547200">
                   <a:extLst>
                     <a:ext uri="{9D8B030D-6E8A-4147-A177-3AD203B41FA5}">
-                      <a16:colId xmlns:a16="http://schemas.microsoft.com/office/drawing/2014/main" xmlns="" val="2341215234"/>
+                      <a16:colId xmlns="" xmlns:a16="http://schemas.microsoft.com/office/drawing/2014/main" val="2341215234"/>
                     </a:ext>
                   </a:extLst>
                 </a:gridCol>
@@ -27006,7 +27007,7 @@
                 </a:tc>
                 <a:extLst>
                   <a:ext uri="{0D108BD9-81ED-4DB2-BD59-A6C34878D82A}">
-                    <a16:rowId xmlns:a16="http://schemas.microsoft.com/office/drawing/2014/main" xmlns="" val="2318367764"/>
+                    <a16:rowId xmlns="" xmlns:a16="http://schemas.microsoft.com/office/drawing/2014/main" val="2318367764"/>
                   </a:ext>
                 </a:extLst>
               </a:tr>
@@ -27019,7 +27020,7 @@
           <p:cNvPr id="7" name="표 5">
             <a:extLst>
               <a:ext uri="{FF2B5EF4-FFF2-40B4-BE49-F238E27FC236}">
-                <a16:creationId xmlns:a16="http://schemas.microsoft.com/office/drawing/2014/main" xmlns="" id="{15D5CCAF-CAB6-493C-9A85-2676F48690AF}"/>
+                <a16:creationId xmlns="" xmlns:a16="http://schemas.microsoft.com/office/drawing/2014/main" id="{15D5CCAF-CAB6-493C-9A85-2676F48690AF}"/>
               </a:ext>
             </a:extLst>
           </p:cNvPr>
@@ -27048,28 +27049,28 @@
                 <a:gridCol w="550521">
                   <a:extLst>
                     <a:ext uri="{9D8B030D-6E8A-4147-A177-3AD203B41FA5}">
-                      <a16:colId xmlns:a16="http://schemas.microsoft.com/office/drawing/2014/main" xmlns="" val="422949941"/>
+                      <a16:colId xmlns="" xmlns:a16="http://schemas.microsoft.com/office/drawing/2014/main" val="422949941"/>
                     </a:ext>
                   </a:extLst>
                 </a:gridCol>
                 <a:gridCol w="550521">
                   <a:extLst>
                     <a:ext uri="{9D8B030D-6E8A-4147-A177-3AD203B41FA5}">
-                      <a16:colId xmlns:a16="http://schemas.microsoft.com/office/drawing/2014/main" xmlns="" val="1888211109"/>
+                      <a16:colId xmlns="" xmlns:a16="http://schemas.microsoft.com/office/drawing/2014/main" val="1888211109"/>
                     </a:ext>
                   </a:extLst>
                 </a:gridCol>
                 <a:gridCol w="550521">
                   <a:extLst>
                     <a:ext uri="{9D8B030D-6E8A-4147-A177-3AD203B41FA5}">
-                      <a16:colId xmlns:a16="http://schemas.microsoft.com/office/drawing/2014/main" xmlns="" val="3675358557"/>
+                      <a16:colId xmlns="" xmlns:a16="http://schemas.microsoft.com/office/drawing/2014/main" val="3675358557"/>
                     </a:ext>
                   </a:extLst>
                 </a:gridCol>
                 <a:gridCol w="550521">
                   <a:extLst>
                     <a:ext uri="{9D8B030D-6E8A-4147-A177-3AD203B41FA5}">
-                      <a16:colId xmlns:a16="http://schemas.microsoft.com/office/drawing/2014/main" xmlns="" val="2341215234"/>
+                      <a16:colId xmlns="" xmlns:a16="http://schemas.microsoft.com/office/drawing/2014/main" val="2341215234"/>
                     </a:ext>
                   </a:extLst>
                 </a:gridCol>
@@ -27329,7 +27330,7 @@
                 </a:tc>
                 <a:extLst>
                   <a:ext uri="{0D108BD9-81ED-4DB2-BD59-A6C34878D82A}">
-                    <a16:rowId xmlns:a16="http://schemas.microsoft.com/office/drawing/2014/main" xmlns="" val="2318367764"/>
+                    <a16:rowId xmlns="" xmlns:a16="http://schemas.microsoft.com/office/drawing/2014/main" val="2318367764"/>
                   </a:ext>
                 </a:extLst>
               </a:tr>
@@ -27673,7 +27674,7 @@
           <p:cNvPr id="4" name="표 3">
             <a:extLst>
               <a:ext uri="{FF2B5EF4-FFF2-40B4-BE49-F238E27FC236}">
-                <a16:creationId xmlns:a16="http://schemas.microsoft.com/office/drawing/2014/main" xmlns="" id="{15D5CCAF-CAB6-493C-9A85-2676F48690AF}"/>
+                <a16:creationId xmlns="" xmlns:a16="http://schemas.microsoft.com/office/drawing/2014/main" id="{15D5CCAF-CAB6-493C-9A85-2676F48690AF}"/>
               </a:ext>
             </a:extLst>
           </p:cNvPr>
@@ -27702,7 +27703,7 @@
                 <a:gridCol w="547200">
                   <a:extLst>
                     <a:ext uri="{9D8B030D-6E8A-4147-A177-3AD203B41FA5}">
-                      <a16:colId xmlns:a16="http://schemas.microsoft.com/office/drawing/2014/main" xmlns="" val="422949941"/>
+                      <a16:colId xmlns="" xmlns:a16="http://schemas.microsoft.com/office/drawing/2014/main" val="422949941"/>
                     </a:ext>
                   </a:extLst>
                 </a:gridCol>
@@ -27712,21 +27713,21 @@
                 <a:gridCol w="547200">
                   <a:extLst>
                     <a:ext uri="{9D8B030D-6E8A-4147-A177-3AD203B41FA5}">
-                      <a16:colId xmlns:a16="http://schemas.microsoft.com/office/drawing/2014/main" xmlns="" val="1888211109"/>
+                      <a16:colId xmlns="" xmlns:a16="http://schemas.microsoft.com/office/drawing/2014/main" val="1888211109"/>
                     </a:ext>
                   </a:extLst>
                 </a:gridCol>
                 <a:gridCol w="547200">
                   <a:extLst>
                     <a:ext uri="{9D8B030D-6E8A-4147-A177-3AD203B41FA5}">
-                      <a16:colId xmlns:a16="http://schemas.microsoft.com/office/drawing/2014/main" xmlns="" val="3675358557"/>
+                      <a16:colId xmlns="" xmlns:a16="http://schemas.microsoft.com/office/drawing/2014/main" val="3675358557"/>
                     </a:ext>
                   </a:extLst>
                 </a:gridCol>
                 <a:gridCol w="547200">
                   <a:extLst>
                     <a:ext uri="{9D8B030D-6E8A-4147-A177-3AD203B41FA5}">
-                      <a16:colId xmlns:a16="http://schemas.microsoft.com/office/drawing/2014/main" xmlns="" val="2341215234"/>
+                      <a16:colId xmlns="" xmlns:a16="http://schemas.microsoft.com/office/drawing/2014/main" val="2341215234"/>
                     </a:ext>
                   </a:extLst>
                 </a:gridCol>
@@ -28550,7 +28551,7 @@
                 </a:tc>
                 <a:extLst>
                   <a:ext uri="{0D108BD9-81ED-4DB2-BD59-A6C34878D82A}">
-                    <a16:rowId xmlns:a16="http://schemas.microsoft.com/office/drawing/2014/main" xmlns="" val="2318367764"/>
+                    <a16:rowId xmlns="" xmlns:a16="http://schemas.microsoft.com/office/drawing/2014/main" val="2318367764"/>
                   </a:ext>
                 </a:extLst>
               </a:tr>
@@ -28563,7 +28564,7 @@
           <p:cNvPr id="5" name="표 4">
             <a:extLst>
               <a:ext uri="{FF2B5EF4-FFF2-40B4-BE49-F238E27FC236}">
-                <a16:creationId xmlns:a16="http://schemas.microsoft.com/office/drawing/2014/main" xmlns="" id="{15D5CCAF-CAB6-493C-9A85-2676F48690AF}"/>
+                <a16:creationId xmlns="" xmlns:a16="http://schemas.microsoft.com/office/drawing/2014/main" id="{15D5CCAF-CAB6-493C-9A85-2676F48690AF}"/>
               </a:ext>
             </a:extLst>
           </p:cNvPr>
@@ -28592,7 +28593,7 @@
                 <a:gridCol w="547200">
                   <a:extLst>
                     <a:ext uri="{9D8B030D-6E8A-4147-A177-3AD203B41FA5}">
-                      <a16:colId xmlns:a16="http://schemas.microsoft.com/office/drawing/2014/main" xmlns="" val="422949941"/>
+                      <a16:colId xmlns="" xmlns:a16="http://schemas.microsoft.com/office/drawing/2014/main" val="422949941"/>
                     </a:ext>
                   </a:extLst>
                 </a:gridCol>
@@ -28602,21 +28603,21 @@
                 <a:gridCol w="547200">
                   <a:extLst>
                     <a:ext uri="{9D8B030D-6E8A-4147-A177-3AD203B41FA5}">
-                      <a16:colId xmlns:a16="http://schemas.microsoft.com/office/drawing/2014/main" xmlns="" val="1888211109"/>
+                      <a16:colId xmlns="" xmlns:a16="http://schemas.microsoft.com/office/drawing/2014/main" val="1888211109"/>
                     </a:ext>
                   </a:extLst>
                 </a:gridCol>
                 <a:gridCol w="547200">
                   <a:extLst>
                     <a:ext uri="{9D8B030D-6E8A-4147-A177-3AD203B41FA5}">
-                      <a16:colId xmlns:a16="http://schemas.microsoft.com/office/drawing/2014/main" xmlns="" val="3675358557"/>
+                      <a16:colId xmlns="" xmlns:a16="http://schemas.microsoft.com/office/drawing/2014/main" val="3675358557"/>
                     </a:ext>
                   </a:extLst>
                 </a:gridCol>
                 <a:gridCol w="547200">
                   <a:extLst>
                     <a:ext uri="{9D8B030D-6E8A-4147-A177-3AD203B41FA5}">
-                      <a16:colId xmlns:a16="http://schemas.microsoft.com/office/drawing/2014/main" xmlns="" val="2341215234"/>
+                      <a16:colId xmlns="" xmlns:a16="http://schemas.microsoft.com/office/drawing/2014/main" val="2341215234"/>
                     </a:ext>
                   </a:extLst>
                 </a:gridCol>
@@ -29276,7 +29277,7 @@
                 </a:tc>
                 <a:extLst>
                   <a:ext uri="{0D108BD9-81ED-4DB2-BD59-A6C34878D82A}">
-                    <a16:rowId xmlns:a16="http://schemas.microsoft.com/office/drawing/2014/main" xmlns="" val="2318367764"/>
+                    <a16:rowId xmlns="" xmlns:a16="http://schemas.microsoft.com/office/drawing/2014/main" val="2318367764"/>
                   </a:ext>
                 </a:extLst>
               </a:tr>
@@ -29289,7 +29290,7 @@
           <p:cNvPr id="6" name="표 5">
             <a:extLst>
               <a:ext uri="{FF2B5EF4-FFF2-40B4-BE49-F238E27FC236}">
-                <a16:creationId xmlns:a16="http://schemas.microsoft.com/office/drawing/2014/main" xmlns="" id="{15D5CCAF-CAB6-493C-9A85-2676F48690AF}"/>
+                <a16:creationId xmlns="" xmlns:a16="http://schemas.microsoft.com/office/drawing/2014/main" id="{15D5CCAF-CAB6-493C-9A85-2676F48690AF}"/>
               </a:ext>
             </a:extLst>
           </p:cNvPr>
@@ -29318,7 +29319,7 @@
                 <a:gridCol w="547200">
                   <a:extLst>
                     <a:ext uri="{9D8B030D-6E8A-4147-A177-3AD203B41FA5}">
-                      <a16:colId xmlns:a16="http://schemas.microsoft.com/office/drawing/2014/main" xmlns="" val="422949941"/>
+                      <a16:colId xmlns="" xmlns:a16="http://schemas.microsoft.com/office/drawing/2014/main" val="422949941"/>
                     </a:ext>
                   </a:extLst>
                 </a:gridCol>
@@ -29328,21 +29329,21 @@
                 <a:gridCol w="547200">
                   <a:extLst>
                     <a:ext uri="{9D8B030D-6E8A-4147-A177-3AD203B41FA5}">
-                      <a16:colId xmlns:a16="http://schemas.microsoft.com/office/drawing/2014/main" xmlns="" val="1888211109"/>
+                      <a16:colId xmlns="" xmlns:a16="http://schemas.microsoft.com/office/drawing/2014/main" val="1888211109"/>
                     </a:ext>
                   </a:extLst>
                 </a:gridCol>
                 <a:gridCol w="547200">
                   <a:extLst>
                     <a:ext uri="{9D8B030D-6E8A-4147-A177-3AD203B41FA5}">
-                      <a16:colId xmlns:a16="http://schemas.microsoft.com/office/drawing/2014/main" xmlns="" val="3675358557"/>
+                      <a16:colId xmlns="" xmlns:a16="http://schemas.microsoft.com/office/drawing/2014/main" val="3675358557"/>
                     </a:ext>
                   </a:extLst>
                 </a:gridCol>
                 <a:gridCol w="547200">
                   <a:extLst>
                     <a:ext uri="{9D8B030D-6E8A-4147-A177-3AD203B41FA5}">
-                      <a16:colId xmlns:a16="http://schemas.microsoft.com/office/drawing/2014/main" xmlns="" val="2341215234"/>
+                      <a16:colId xmlns="" xmlns:a16="http://schemas.microsoft.com/office/drawing/2014/main" val="2341215234"/>
                     </a:ext>
                   </a:extLst>
                 </a:gridCol>
@@ -30037,7 +30038,7 @@
                 </a:tc>
                 <a:extLst>
                   <a:ext uri="{0D108BD9-81ED-4DB2-BD59-A6C34878D82A}">
-                    <a16:rowId xmlns:a16="http://schemas.microsoft.com/office/drawing/2014/main" xmlns="" val="2318367764"/>
+                    <a16:rowId xmlns="" xmlns:a16="http://schemas.microsoft.com/office/drawing/2014/main" val="2318367764"/>
                   </a:ext>
                 </a:extLst>
               </a:tr>
@@ -30050,7 +30051,7 @@
           <p:cNvPr id="7" name="표 6">
             <a:extLst>
               <a:ext uri="{FF2B5EF4-FFF2-40B4-BE49-F238E27FC236}">
-                <a16:creationId xmlns:a16="http://schemas.microsoft.com/office/drawing/2014/main" xmlns="" id="{15D5CCAF-CAB6-493C-9A85-2676F48690AF}"/>
+                <a16:creationId xmlns="" xmlns:a16="http://schemas.microsoft.com/office/drawing/2014/main" id="{15D5CCAF-CAB6-493C-9A85-2676F48690AF}"/>
               </a:ext>
             </a:extLst>
           </p:cNvPr>
@@ -30079,7 +30080,7 @@
                 <a:gridCol w="547200">
                   <a:extLst>
                     <a:ext uri="{9D8B030D-6E8A-4147-A177-3AD203B41FA5}">
-                      <a16:colId xmlns:a16="http://schemas.microsoft.com/office/drawing/2014/main" xmlns="" val="422949941"/>
+                      <a16:colId xmlns="" xmlns:a16="http://schemas.microsoft.com/office/drawing/2014/main" val="422949941"/>
                     </a:ext>
                   </a:extLst>
                 </a:gridCol>
@@ -30089,21 +30090,21 @@
                 <a:gridCol w="547200">
                   <a:extLst>
                     <a:ext uri="{9D8B030D-6E8A-4147-A177-3AD203B41FA5}">
-                      <a16:colId xmlns:a16="http://schemas.microsoft.com/office/drawing/2014/main" xmlns="" val="1888211109"/>
+                      <a16:colId xmlns="" xmlns:a16="http://schemas.microsoft.com/office/drawing/2014/main" val="1888211109"/>
                     </a:ext>
                   </a:extLst>
                 </a:gridCol>
                 <a:gridCol w="547200">
                   <a:extLst>
                     <a:ext uri="{9D8B030D-6E8A-4147-A177-3AD203B41FA5}">
-                      <a16:colId xmlns:a16="http://schemas.microsoft.com/office/drawing/2014/main" xmlns="" val="3675358557"/>
+                      <a16:colId xmlns="" xmlns:a16="http://schemas.microsoft.com/office/drawing/2014/main" val="3675358557"/>
                     </a:ext>
                   </a:extLst>
                 </a:gridCol>
                 <a:gridCol w="547200">
                   <a:extLst>
                     <a:ext uri="{9D8B030D-6E8A-4147-A177-3AD203B41FA5}">
-                      <a16:colId xmlns:a16="http://schemas.microsoft.com/office/drawing/2014/main" xmlns="" val="2341215234"/>
+                      <a16:colId xmlns="" xmlns:a16="http://schemas.microsoft.com/office/drawing/2014/main" val="2341215234"/>
                     </a:ext>
                   </a:extLst>
                 </a:gridCol>
@@ -30782,7 +30783,7 @@
                 </a:tc>
                 <a:extLst>
                   <a:ext uri="{0D108BD9-81ED-4DB2-BD59-A6C34878D82A}">
-                    <a16:rowId xmlns:a16="http://schemas.microsoft.com/office/drawing/2014/main" xmlns="" val="2318367764"/>
+                    <a16:rowId xmlns="" xmlns:a16="http://schemas.microsoft.com/office/drawing/2014/main" val="2318367764"/>
                   </a:ext>
                 </a:extLst>
               </a:tr>
@@ -31808,6 +31809,2236 @@
     <p:extLst>
       <p:ext uri="{BB962C8B-B14F-4D97-AF65-F5344CB8AC3E}">
         <p14:creationId xmlns:p14="http://schemas.microsoft.com/office/powerpoint/2010/main" val="1193347274"/>
+      </p:ext>
+    </p:extLst>
+  </p:cSld>
+  <p:clrMapOvr>
+    <a:masterClrMapping/>
+  </p:clrMapOvr>
+</p:sld>
+</file>
+
+<file path=ppt/slides/slide28.xml><?xml version="1.0" encoding="utf-8"?>
+<p:sld xmlns:a="http://schemas.openxmlformats.org/drawingml/2006/main" xmlns:r="http://schemas.openxmlformats.org/officeDocument/2006/relationships" xmlns:p="http://schemas.openxmlformats.org/presentationml/2006/main">
+  <p:cSld>
+    <p:spTree>
+      <p:nvGrpSpPr>
+        <p:cNvPr id="1" name=""/>
+        <p:cNvGrpSpPr/>
+        <p:nvPr/>
+      </p:nvGrpSpPr>
+      <p:grpSpPr>
+        <a:xfrm>
+          <a:off x="0" y="0"/>
+          <a:ext cx="0" cy="0"/>
+          <a:chOff x="0" y="0"/>
+          <a:chExt cx="0" cy="0"/>
+        </a:xfrm>
+      </p:grpSpPr>
+      <p:graphicFrame>
+        <p:nvGraphicFramePr>
+          <p:cNvPr id="5" name="표 4">
+            <a:extLst>
+              <a:ext uri="{FF2B5EF4-FFF2-40B4-BE49-F238E27FC236}">
+                <a16:creationId xmlns="" xmlns:a16="http://schemas.microsoft.com/office/drawing/2014/main" id="{15D5CCAF-CAB6-493C-9A85-2676F48690AF}"/>
+              </a:ext>
+            </a:extLst>
+          </p:cNvPr>
+          <p:cNvGraphicFramePr>
+            <a:graphicFrameLocks noGrp="1"/>
+          </p:cNvGraphicFramePr>
+          <p:nvPr>
+            <p:extLst>
+              <p:ext uri="{D42A27DB-BD31-4B8C-83A1-F6EECF244321}">
+                <p14:modId xmlns:p14="http://schemas.microsoft.com/office/powerpoint/2010/main" val="1848015799"/>
+              </p:ext>
+            </p:extLst>
+          </p:nvPr>
+        </p:nvGraphicFramePr>
+        <p:xfrm>
+          <a:off x="3757921" y="2639269"/>
+          <a:ext cx="3283200" cy="547200"/>
+        </p:xfrm>
+        <a:graphic>
+          <a:graphicData uri="http://schemas.openxmlformats.org/drawingml/2006/table">
+            <a:tbl>
+              <a:tblPr firstRow="1" bandRow="1">
+                <a:tableStyleId>{5C22544A-7EE6-4342-B048-85BDC9FD1C3A}</a:tableStyleId>
+              </a:tblPr>
+              <a:tblGrid>
+                <a:gridCol w="547200">
+                  <a:extLst>
+                    <a:ext uri="{9D8B030D-6E8A-4147-A177-3AD203B41FA5}">
+                      <a16:colId xmlns="" xmlns:a16="http://schemas.microsoft.com/office/drawing/2014/main" val="422949941"/>
+                    </a:ext>
+                  </a:extLst>
+                </a:gridCol>
+                <a:gridCol w="547200"/>
+                <a:gridCol w="547200"/>
+                <a:gridCol w="547200"/>
+                <a:gridCol w="547200">
+                  <a:extLst>
+                    <a:ext uri="{9D8B030D-6E8A-4147-A177-3AD203B41FA5}">
+                      <a16:colId xmlns="" xmlns:a16="http://schemas.microsoft.com/office/drawing/2014/main" val="1888211109"/>
+                    </a:ext>
+                  </a:extLst>
+                </a:gridCol>
+                <a:gridCol w="547200">
+                  <a:extLst>
+                    <a:ext uri="{9D8B030D-6E8A-4147-A177-3AD203B41FA5}">
+                      <a16:colId xmlns="" xmlns:a16="http://schemas.microsoft.com/office/drawing/2014/main" val="3675358557"/>
+                    </a:ext>
+                  </a:extLst>
+                </a:gridCol>
+              </a:tblGrid>
+              <a:tr h="547200">
+                <a:tc>
+                  <a:txBody>
+                    <a:bodyPr/>
+                    <a:lstStyle/>
+                    <a:p>
+                      <a:pPr algn="ctr" latinLnBrk="1"/>
+                      <a:r>
+                        <a:rPr lang="en-US" altLang="ko-KR" sz="1400" dirty="0" smtClean="0">
+                          <a:solidFill>
+                            <a:sysClr val="windowText" lastClr="000000"/>
+                          </a:solidFill>
+                        </a:rPr>
+                        <a:t>012</a:t>
+                      </a:r>
+                      <a:endParaRPr lang="ko-KR" altLang="en-US" sz="1400" dirty="0">
+                        <a:solidFill>
+                          <a:sysClr val="windowText" lastClr="000000"/>
+                        </a:solidFill>
+                      </a:endParaRPr>
+                    </a:p>
+                  </a:txBody>
+                  <a:tcPr marL="61018" marR="61018" marT="30509" marB="30509" anchor="ctr">
+                    <a:lnL w="12700" cap="flat" cmpd="sng" algn="ctr">
+                      <a:solidFill>
+                        <a:schemeClr val="tx1"/>
+                      </a:solidFill>
+                      <a:prstDash val="solid"/>
+                      <a:round/>
+                      <a:headEnd type="none" w="med" len="med"/>
+                      <a:tailEnd type="none" w="med" len="med"/>
+                    </a:lnL>
+                    <a:lnR w="12700" cap="flat" cmpd="sng" algn="ctr">
+                      <a:solidFill>
+                        <a:schemeClr val="tx1"/>
+                      </a:solidFill>
+                      <a:prstDash val="solid"/>
+                      <a:round/>
+                      <a:headEnd type="none" w="med" len="med"/>
+                      <a:tailEnd type="none" w="med" len="med"/>
+                    </a:lnR>
+                    <a:lnT w="12700" cap="flat" cmpd="sng" algn="ctr">
+                      <a:solidFill>
+                        <a:schemeClr val="tx1"/>
+                      </a:solidFill>
+                      <a:prstDash val="solid"/>
+                      <a:round/>
+                      <a:headEnd type="none" w="med" len="med"/>
+                      <a:tailEnd type="none" w="med" len="med"/>
+                    </a:lnT>
+                    <a:lnB w="12700" cap="flat" cmpd="sng" algn="ctr">
+                      <a:solidFill>
+                        <a:schemeClr val="tx1"/>
+                      </a:solidFill>
+                      <a:prstDash val="solid"/>
+                      <a:round/>
+                      <a:headEnd type="none" w="med" len="med"/>
+                      <a:tailEnd type="none" w="med" len="med"/>
+                    </a:lnB>
+                    <a:solidFill>
+                      <a:schemeClr val="bg1"/>
+                    </a:solidFill>
+                  </a:tcPr>
+                </a:tc>
+                <a:tc>
+                  <a:txBody>
+                    <a:bodyPr/>
+                    <a:lstStyle/>
+                    <a:p>
+                      <a:pPr marL="0" marR="0" indent="0" algn="ctr" defTabSz="914400" rtl="0" eaLnBrk="1" fontAlgn="auto" latinLnBrk="1" hangingPunct="1">
+                        <a:lnSpc>
+                          <a:spcPct val="100000"/>
+                        </a:lnSpc>
+                        <a:spcBef>
+                          <a:spcPts val="0"/>
+                        </a:spcBef>
+                        <a:spcAft>
+                          <a:spcPts val="0"/>
+                        </a:spcAft>
+                        <a:buClrTx/>
+                        <a:buSzTx/>
+                        <a:buFontTx/>
+                        <a:buNone/>
+                        <a:tabLst/>
+                        <a:defRPr/>
+                      </a:pPr>
+                      <a:r>
+                        <a:rPr lang="en-US" altLang="ko-KR" sz="1400" dirty="0" smtClean="0">
+                          <a:solidFill>
+                            <a:sysClr val="windowText" lastClr="000000"/>
+                          </a:solidFill>
+                        </a:rPr>
+                        <a:t>058</a:t>
+                      </a:r>
+                      <a:endParaRPr lang="ko-KR" altLang="en-US" sz="1400" dirty="0" smtClean="0">
+                        <a:solidFill>
+                          <a:sysClr val="windowText" lastClr="000000"/>
+                        </a:solidFill>
+                      </a:endParaRPr>
+                    </a:p>
+                  </a:txBody>
+                  <a:tcPr marL="61018" marR="61018" marT="30509" marB="30509" anchor="ctr">
+                    <a:lnL w="12700" cap="flat" cmpd="sng" algn="ctr">
+                      <a:solidFill>
+                        <a:schemeClr val="tx1"/>
+                      </a:solidFill>
+                      <a:prstDash val="solid"/>
+                      <a:round/>
+                      <a:headEnd type="none" w="med" len="med"/>
+                      <a:tailEnd type="none" w="med" len="med"/>
+                    </a:lnL>
+                    <a:lnR w="12700" cap="flat" cmpd="sng" algn="ctr">
+                      <a:solidFill>
+                        <a:schemeClr val="tx1"/>
+                      </a:solidFill>
+                      <a:prstDash val="solid"/>
+                      <a:round/>
+                      <a:headEnd type="none" w="med" len="med"/>
+                      <a:tailEnd type="none" w="med" len="med"/>
+                    </a:lnR>
+                    <a:lnT w="12700" cap="flat" cmpd="sng" algn="ctr">
+                      <a:solidFill>
+                        <a:schemeClr val="tx1"/>
+                      </a:solidFill>
+                      <a:prstDash val="solid"/>
+                      <a:round/>
+                      <a:headEnd type="none" w="med" len="med"/>
+                      <a:tailEnd type="none" w="med" len="med"/>
+                    </a:lnT>
+                    <a:lnB w="12700" cap="flat" cmpd="sng" algn="ctr">
+                      <a:solidFill>
+                        <a:schemeClr val="tx1"/>
+                      </a:solidFill>
+                      <a:prstDash val="solid"/>
+                      <a:round/>
+                      <a:headEnd type="none" w="med" len="med"/>
+                      <a:tailEnd type="none" w="med" len="med"/>
+                    </a:lnB>
+                    <a:solidFill>
+                      <a:schemeClr val="bg1"/>
+                    </a:solidFill>
+                  </a:tcPr>
+                </a:tc>
+                <a:tc>
+                  <a:txBody>
+                    <a:bodyPr/>
+                    <a:lstStyle/>
+                    <a:p>
+                      <a:pPr marL="0" marR="0" indent="0" algn="ctr" defTabSz="914400" rtl="0" eaLnBrk="1" fontAlgn="auto" latinLnBrk="1" hangingPunct="1">
+                        <a:lnSpc>
+                          <a:spcPct val="100000"/>
+                        </a:lnSpc>
+                        <a:spcBef>
+                          <a:spcPts val="0"/>
+                        </a:spcBef>
+                        <a:spcAft>
+                          <a:spcPts val="0"/>
+                        </a:spcAft>
+                        <a:buClrTx/>
+                        <a:buSzTx/>
+                        <a:buFontTx/>
+                        <a:buNone/>
+                        <a:tabLst/>
+                        <a:defRPr/>
+                      </a:pPr>
+                      <a:r>
+                        <a:rPr lang="en-US" altLang="ko-KR" sz="1400" dirty="0" smtClean="0">
+                          <a:solidFill>
+                            <a:sysClr val="windowText" lastClr="000000"/>
+                          </a:solidFill>
+                        </a:rPr>
+                        <a:t>127</a:t>
+                      </a:r>
+                      <a:endParaRPr lang="ko-KR" altLang="en-US" sz="1400" dirty="0" smtClean="0">
+                        <a:solidFill>
+                          <a:sysClr val="windowText" lastClr="000000"/>
+                        </a:solidFill>
+                      </a:endParaRPr>
+                    </a:p>
+                  </a:txBody>
+                  <a:tcPr marL="61018" marR="61018" marT="30509" marB="30509" anchor="ctr">
+                    <a:lnL w="12700" cap="flat" cmpd="sng" algn="ctr">
+                      <a:solidFill>
+                        <a:schemeClr val="tx1"/>
+                      </a:solidFill>
+                      <a:prstDash val="solid"/>
+                      <a:round/>
+                      <a:headEnd type="none" w="med" len="med"/>
+                      <a:tailEnd type="none" w="med" len="med"/>
+                    </a:lnL>
+                    <a:lnR w="12700" cap="flat" cmpd="sng" algn="ctr">
+                      <a:solidFill>
+                        <a:schemeClr val="tx1"/>
+                      </a:solidFill>
+                      <a:prstDash val="solid"/>
+                      <a:round/>
+                      <a:headEnd type="none" w="med" len="med"/>
+                      <a:tailEnd type="none" w="med" len="med"/>
+                    </a:lnR>
+                    <a:lnT w="12700" cap="flat" cmpd="sng" algn="ctr">
+                      <a:solidFill>
+                        <a:schemeClr val="tx1"/>
+                      </a:solidFill>
+                      <a:prstDash val="solid"/>
+                      <a:round/>
+                      <a:headEnd type="none" w="med" len="med"/>
+                      <a:tailEnd type="none" w="med" len="med"/>
+                    </a:lnT>
+                    <a:lnB w="12700" cap="flat" cmpd="sng" algn="ctr">
+                      <a:solidFill>
+                        <a:schemeClr val="tx1"/>
+                      </a:solidFill>
+                      <a:prstDash val="solid"/>
+                      <a:round/>
+                      <a:headEnd type="none" w="med" len="med"/>
+                      <a:tailEnd type="none" w="med" len="med"/>
+                    </a:lnB>
+                    <a:solidFill>
+                      <a:schemeClr val="bg1"/>
+                    </a:solidFill>
+                  </a:tcPr>
+                </a:tc>
+                <a:tc>
+                  <a:txBody>
+                    <a:bodyPr/>
+                    <a:lstStyle/>
+                    <a:p>
+                      <a:pPr marL="0" marR="0" indent="0" algn="ctr" defTabSz="914400" rtl="0" eaLnBrk="1" fontAlgn="auto" latinLnBrk="1" hangingPunct="1">
+                        <a:lnSpc>
+                          <a:spcPct val="100000"/>
+                        </a:lnSpc>
+                        <a:spcBef>
+                          <a:spcPts val="0"/>
+                        </a:spcBef>
+                        <a:spcAft>
+                          <a:spcPts val="0"/>
+                        </a:spcAft>
+                        <a:buClrTx/>
+                        <a:buSzTx/>
+                        <a:buFontTx/>
+                        <a:buNone/>
+                        <a:tabLst/>
+                        <a:defRPr/>
+                      </a:pPr>
+                      <a:r>
+                        <a:rPr lang="en-US" altLang="ko-KR" sz="1400" dirty="0" smtClean="0">
+                          <a:solidFill>
+                            <a:sysClr val="windowText" lastClr="000000"/>
+                          </a:solidFill>
+                        </a:rPr>
+                        <a:t>322</a:t>
+                      </a:r>
+                      <a:endParaRPr lang="ko-KR" altLang="en-US" sz="1400" dirty="0" smtClean="0">
+                        <a:solidFill>
+                          <a:sysClr val="windowText" lastClr="000000"/>
+                        </a:solidFill>
+                      </a:endParaRPr>
+                    </a:p>
+                  </a:txBody>
+                  <a:tcPr marL="61018" marR="61018" marT="30509" marB="30509" anchor="ctr">
+                    <a:lnL w="12700" cap="flat" cmpd="sng" algn="ctr">
+                      <a:solidFill>
+                        <a:schemeClr val="tx1"/>
+                      </a:solidFill>
+                      <a:prstDash val="solid"/>
+                      <a:round/>
+                      <a:headEnd type="none" w="med" len="med"/>
+                      <a:tailEnd type="none" w="med" len="med"/>
+                    </a:lnL>
+                    <a:lnR w="12700" cap="flat" cmpd="sng" algn="ctr">
+                      <a:solidFill>
+                        <a:schemeClr val="tx1"/>
+                      </a:solidFill>
+                      <a:prstDash val="solid"/>
+                      <a:round/>
+                      <a:headEnd type="none" w="med" len="med"/>
+                      <a:tailEnd type="none" w="med" len="med"/>
+                    </a:lnR>
+                    <a:lnT w="12700" cap="flat" cmpd="sng" algn="ctr">
+                      <a:solidFill>
+                        <a:schemeClr val="tx1"/>
+                      </a:solidFill>
+                      <a:prstDash val="solid"/>
+                      <a:round/>
+                      <a:headEnd type="none" w="med" len="med"/>
+                      <a:tailEnd type="none" w="med" len="med"/>
+                    </a:lnT>
+                    <a:lnB w="12700" cap="flat" cmpd="sng" algn="ctr">
+                      <a:solidFill>
+                        <a:schemeClr val="tx1"/>
+                      </a:solidFill>
+                      <a:prstDash val="solid"/>
+                      <a:round/>
+                      <a:headEnd type="none" w="med" len="med"/>
+                      <a:tailEnd type="none" w="med" len="med"/>
+                    </a:lnB>
+                    <a:solidFill>
+                      <a:schemeClr val="bg1">
+                        <a:lumMod val="95000"/>
+                      </a:schemeClr>
+                    </a:solidFill>
+                  </a:tcPr>
+                </a:tc>
+                <a:tc>
+                  <a:txBody>
+                    <a:bodyPr/>
+                    <a:lstStyle/>
+                    <a:p>
+                      <a:pPr algn="ctr" latinLnBrk="1"/>
+                      <a:r>
+                        <a:rPr lang="en-US" altLang="ko-KR" sz="1400" dirty="0" smtClean="0">
+                          <a:solidFill>
+                            <a:sysClr val="windowText" lastClr="000000"/>
+                          </a:solidFill>
+                        </a:rPr>
+                        <a:t>110</a:t>
+                      </a:r>
+                      <a:endParaRPr lang="ko-KR" altLang="en-US" sz="1400" dirty="0">
+                        <a:solidFill>
+                          <a:sysClr val="windowText" lastClr="000000"/>
+                        </a:solidFill>
+                      </a:endParaRPr>
+                    </a:p>
+                  </a:txBody>
+                  <a:tcPr marL="61018" marR="61018" marT="30509" marB="30509" anchor="ctr">
+                    <a:lnL w="12700" cap="flat" cmpd="sng" algn="ctr">
+                      <a:solidFill>
+                        <a:schemeClr val="tx1"/>
+                      </a:solidFill>
+                      <a:prstDash val="solid"/>
+                      <a:round/>
+                      <a:headEnd type="none" w="med" len="med"/>
+                      <a:tailEnd type="none" w="med" len="med"/>
+                    </a:lnL>
+                    <a:lnR w="12700" cap="flat" cmpd="sng" algn="ctr">
+                      <a:solidFill>
+                        <a:schemeClr val="tx1"/>
+                      </a:solidFill>
+                      <a:prstDash val="solid"/>
+                      <a:round/>
+                      <a:headEnd type="none" w="med" len="med"/>
+                      <a:tailEnd type="none" w="med" len="med"/>
+                    </a:lnR>
+                    <a:lnT w="12700" cap="flat" cmpd="sng" algn="ctr">
+                      <a:solidFill>
+                        <a:schemeClr val="tx1"/>
+                      </a:solidFill>
+                      <a:prstDash val="solid"/>
+                      <a:round/>
+                      <a:headEnd type="none" w="med" len="med"/>
+                      <a:tailEnd type="none" w="med" len="med"/>
+                    </a:lnT>
+                    <a:lnB w="12700" cap="flat" cmpd="sng" algn="ctr">
+                      <a:solidFill>
+                        <a:schemeClr val="tx1"/>
+                      </a:solidFill>
+                      <a:prstDash val="solid"/>
+                      <a:round/>
+                      <a:headEnd type="none" w="med" len="med"/>
+                      <a:tailEnd type="none" w="med" len="med"/>
+                    </a:lnB>
+                    <a:solidFill>
+                      <a:schemeClr val="bg1">
+                        <a:lumMod val="95000"/>
+                      </a:schemeClr>
+                    </a:solidFill>
+                  </a:tcPr>
+                </a:tc>
+                <a:tc>
+                  <a:txBody>
+                    <a:bodyPr/>
+                    <a:lstStyle/>
+                    <a:p>
+                      <a:pPr algn="ctr" latinLnBrk="1"/>
+                      <a:r>
+                        <a:rPr lang="en-US" altLang="ko-KR" sz="1400" dirty="0" smtClean="0">
+                          <a:solidFill>
+                            <a:sysClr val="windowText" lastClr="000000"/>
+                          </a:solidFill>
+                        </a:rPr>
+                        <a:t>467</a:t>
+                      </a:r>
+                      <a:endParaRPr lang="ko-KR" altLang="en-US" sz="1400" dirty="0">
+                        <a:solidFill>
+                          <a:sysClr val="windowText" lastClr="000000"/>
+                        </a:solidFill>
+                      </a:endParaRPr>
+                    </a:p>
+                  </a:txBody>
+                  <a:tcPr marL="61018" marR="61018" marT="30509" marB="30509" anchor="ctr">
+                    <a:lnL w="12700" cap="flat" cmpd="sng" algn="ctr">
+                      <a:solidFill>
+                        <a:schemeClr val="tx1"/>
+                      </a:solidFill>
+                      <a:prstDash val="solid"/>
+                      <a:round/>
+                      <a:headEnd type="none" w="med" len="med"/>
+                      <a:tailEnd type="none" w="med" len="med"/>
+                    </a:lnL>
+                    <a:lnR w="12700" cap="flat" cmpd="sng" algn="ctr">
+                      <a:solidFill>
+                        <a:schemeClr val="tx1"/>
+                      </a:solidFill>
+                      <a:prstDash val="solid"/>
+                      <a:round/>
+                      <a:headEnd type="none" w="med" len="med"/>
+                      <a:tailEnd type="none" w="med" len="med"/>
+                    </a:lnR>
+                    <a:lnT w="12700" cap="flat" cmpd="sng" algn="ctr">
+                      <a:solidFill>
+                        <a:schemeClr val="tx1"/>
+                      </a:solidFill>
+                      <a:prstDash val="solid"/>
+                      <a:round/>
+                      <a:headEnd type="none" w="med" len="med"/>
+                      <a:tailEnd type="none" w="med" len="med"/>
+                    </a:lnT>
+                    <a:lnB w="12700" cap="flat" cmpd="sng" algn="ctr">
+                      <a:solidFill>
+                        <a:schemeClr val="tx1"/>
+                      </a:solidFill>
+                      <a:prstDash val="solid"/>
+                      <a:round/>
+                      <a:headEnd type="none" w="med" len="med"/>
+                      <a:tailEnd type="none" w="med" len="med"/>
+                    </a:lnB>
+                    <a:solidFill>
+                      <a:schemeClr val="bg1"/>
+                    </a:solidFill>
+                  </a:tcPr>
+                </a:tc>
+                <a:extLst>
+                  <a:ext uri="{0D108BD9-81ED-4DB2-BD59-A6C34878D82A}">
+                    <a16:rowId xmlns="" xmlns:a16="http://schemas.microsoft.com/office/drawing/2014/main" val="2318367764"/>
+                  </a:ext>
+                </a:extLst>
+              </a:tr>
+            </a:tbl>
+          </a:graphicData>
+        </a:graphic>
+      </p:graphicFrame>
+      <p:graphicFrame>
+        <p:nvGraphicFramePr>
+          <p:cNvPr id="6" name="표 5">
+            <a:extLst>
+              <a:ext uri="{FF2B5EF4-FFF2-40B4-BE49-F238E27FC236}">
+                <a16:creationId xmlns="" xmlns:a16="http://schemas.microsoft.com/office/drawing/2014/main" id="{15D5CCAF-CAB6-493C-9A85-2676F48690AF}"/>
+              </a:ext>
+            </a:extLst>
+          </p:cNvPr>
+          <p:cNvGraphicFramePr>
+            <a:graphicFrameLocks noGrp="1"/>
+          </p:cNvGraphicFramePr>
+          <p:nvPr>
+            <p:extLst>
+              <p:ext uri="{D42A27DB-BD31-4B8C-83A1-F6EECF244321}">
+                <p14:modId xmlns:p14="http://schemas.microsoft.com/office/powerpoint/2010/main" val="545547232"/>
+              </p:ext>
+            </p:extLst>
+          </p:nvPr>
+        </p:nvGraphicFramePr>
+        <p:xfrm>
+          <a:off x="3757921" y="3298822"/>
+          <a:ext cx="3283200" cy="547200"/>
+        </p:xfrm>
+        <a:graphic>
+          <a:graphicData uri="http://schemas.openxmlformats.org/drawingml/2006/table">
+            <a:tbl>
+              <a:tblPr firstRow="1" bandRow="1">
+                <a:tableStyleId>{5C22544A-7EE6-4342-B048-85BDC9FD1C3A}</a:tableStyleId>
+              </a:tblPr>
+              <a:tblGrid>
+                <a:gridCol w="547200">
+                  <a:extLst>
+                    <a:ext uri="{9D8B030D-6E8A-4147-A177-3AD203B41FA5}">
+                      <a16:colId xmlns="" xmlns:a16="http://schemas.microsoft.com/office/drawing/2014/main" val="422949941"/>
+                    </a:ext>
+                  </a:extLst>
+                </a:gridCol>
+                <a:gridCol w="547200"/>
+                <a:gridCol w="547200"/>
+                <a:gridCol w="547200"/>
+                <a:gridCol w="547200">
+                  <a:extLst>
+                    <a:ext uri="{9D8B030D-6E8A-4147-A177-3AD203B41FA5}">
+                      <a16:colId xmlns="" xmlns:a16="http://schemas.microsoft.com/office/drawing/2014/main" val="1888211109"/>
+                    </a:ext>
+                  </a:extLst>
+                </a:gridCol>
+                <a:gridCol w="547200">
+                  <a:extLst>
+                    <a:ext uri="{9D8B030D-6E8A-4147-A177-3AD203B41FA5}">
+                      <a16:colId xmlns="" xmlns:a16="http://schemas.microsoft.com/office/drawing/2014/main" val="3675358557"/>
+                    </a:ext>
+                  </a:extLst>
+                </a:gridCol>
+              </a:tblGrid>
+              <a:tr h="547200">
+                <a:tc>
+                  <a:txBody>
+                    <a:bodyPr/>
+                    <a:lstStyle/>
+                    <a:p>
+                      <a:pPr algn="ctr" latinLnBrk="1"/>
+                      <a:r>
+                        <a:rPr lang="en-US" altLang="ko-KR" sz="1400" dirty="0" smtClean="0">
+                          <a:solidFill>
+                            <a:sysClr val="windowText" lastClr="000000"/>
+                          </a:solidFill>
+                        </a:rPr>
+                        <a:t>012</a:t>
+                      </a:r>
+                      <a:endParaRPr lang="ko-KR" altLang="en-US" sz="1400" dirty="0">
+                        <a:solidFill>
+                          <a:sysClr val="windowText" lastClr="000000"/>
+                        </a:solidFill>
+                      </a:endParaRPr>
+                    </a:p>
+                  </a:txBody>
+                  <a:tcPr marL="61018" marR="61018" marT="30509" marB="30509" anchor="ctr">
+                    <a:lnL w="12700" cap="flat" cmpd="sng" algn="ctr">
+                      <a:solidFill>
+                        <a:schemeClr val="tx1"/>
+                      </a:solidFill>
+                      <a:prstDash val="solid"/>
+                      <a:round/>
+                      <a:headEnd type="none" w="med" len="med"/>
+                      <a:tailEnd type="none" w="med" len="med"/>
+                    </a:lnL>
+                    <a:lnR w="12700" cap="flat" cmpd="sng" algn="ctr">
+                      <a:solidFill>
+                        <a:schemeClr val="tx1"/>
+                      </a:solidFill>
+                      <a:prstDash val="solid"/>
+                      <a:round/>
+                      <a:headEnd type="none" w="med" len="med"/>
+                      <a:tailEnd type="none" w="med" len="med"/>
+                    </a:lnR>
+                    <a:lnT w="12700" cap="flat" cmpd="sng" algn="ctr">
+                      <a:solidFill>
+                        <a:schemeClr val="tx1"/>
+                      </a:solidFill>
+                      <a:prstDash val="solid"/>
+                      <a:round/>
+                      <a:headEnd type="none" w="med" len="med"/>
+                      <a:tailEnd type="none" w="med" len="med"/>
+                    </a:lnT>
+                    <a:lnB w="12700" cap="flat" cmpd="sng" algn="ctr">
+                      <a:solidFill>
+                        <a:schemeClr val="tx1"/>
+                      </a:solidFill>
+                      <a:prstDash val="solid"/>
+                      <a:round/>
+                      <a:headEnd type="none" w="med" len="med"/>
+                      <a:tailEnd type="none" w="med" len="med"/>
+                    </a:lnB>
+                    <a:solidFill>
+                      <a:schemeClr val="bg1"/>
+                    </a:solidFill>
+                  </a:tcPr>
+                </a:tc>
+                <a:tc>
+                  <a:txBody>
+                    <a:bodyPr/>
+                    <a:lstStyle/>
+                    <a:p>
+                      <a:pPr marL="0" marR="0" indent="0" algn="ctr" defTabSz="914400" rtl="0" eaLnBrk="1" fontAlgn="auto" latinLnBrk="1" hangingPunct="1">
+                        <a:lnSpc>
+                          <a:spcPct val="100000"/>
+                        </a:lnSpc>
+                        <a:spcBef>
+                          <a:spcPts val="0"/>
+                        </a:spcBef>
+                        <a:spcAft>
+                          <a:spcPts val="0"/>
+                        </a:spcAft>
+                        <a:buClrTx/>
+                        <a:buSzTx/>
+                        <a:buFontTx/>
+                        <a:buNone/>
+                        <a:tabLst/>
+                        <a:defRPr/>
+                      </a:pPr>
+                      <a:r>
+                        <a:rPr lang="en-US" altLang="ko-KR" sz="1400" dirty="0" smtClean="0">
+                          <a:solidFill>
+                            <a:sysClr val="windowText" lastClr="000000"/>
+                          </a:solidFill>
+                        </a:rPr>
+                        <a:t>058</a:t>
+                      </a:r>
+                      <a:endParaRPr lang="ko-KR" altLang="en-US" sz="1400" dirty="0" smtClean="0">
+                        <a:solidFill>
+                          <a:sysClr val="windowText" lastClr="000000"/>
+                        </a:solidFill>
+                      </a:endParaRPr>
+                    </a:p>
+                  </a:txBody>
+                  <a:tcPr marL="61018" marR="61018" marT="30509" marB="30509" anchor="ctr">
+                    <a:lnL w="12700" cap="flat" cmpd="sng" algn="ctr">
+                      <a:solidFill>
+                        <a:schemeClr val="tx1"/>
+                      </a:solidFill>
+                      <a:prstDash val="solid"/>
+                      <a:round/>
+                      <a:headEnd type="none" w="med" len="med"/>
+                      <a:tailEnd type="none" w="med" len="med"/>
+                    </a:lnL>
+                    <a:lnR w="12700" cap="flat" cmpd="sng" algn="ctr">
+                      <a:solidFill>
+                        <a:schemeClr val="tx1"/>
+                      </a:solidFill>
+                      <a:prstDash val="solid"/>
+                      <a:round/>
+                      <a:headEnd type="none" w="med" len="med"/>
+                      <a:tailEnd type="none" w="med" len="med"/>
+                    </a:lnR>
+                    <a:lnT w="12700" cap="flat" cmpd="sng" algn="ctr">
+                      <a:solidFill>
+                        <a:schemeClr val="tx1"/>
+                      </a:solidFill>
+                      <a:prstDash val="solid"/>
+                      <a:round/>
+                      <a:headEnd type="none" w="med" len="med"/>
+                      <a:tailEnd type="none" w="med" len="med"/>
+                    </a:lnT>
+                    <a:lnB w="12700" cap="flat" cmpd="sng" algn="ctr">
+                      <a:solidFill>
+                        <a:schemeClr val="tx1"/>
+                      </a:solidFill>
+                      <a:prstDash val="solid"/>
+                      <a:round/>
+                      <a:headEnd type="none" w="med" len="med"/>
+                      <a:tailEnd type="none" w="med" len="med"/>
+                    </a:lnB>
+                    <a:solidFill>
+                      <a:schemeClr val="bg1"/>
+                    </a:solidFill>
+                  </a:tcPr>
+                </a:tc>
+                <a:tc>
+                  <a:txBody>
+                    <a:bodyPr/>
+                    <a:lstStyle/>
+                    <a:p>
+                      <a:pPr marL="0" marR="0" indent="0" algn="ctr" defTabSz="914400" rtl="0" eaLnBrk="1" fontAlgn="auto" latinLnBrk="1" hangingPunct="1">
+                        <a:lnSpc>
+                          <a:spcPct val="100000"/>
+                        </a:lnSpc>
+                        <a:spcBef>
+                          <a:spcPts val="0"/>
+                        </a:spcBef>
+                        <a:spcAft>
+                          <a:spcPts val="0"/>
+                        </a:spcAft>
+                        <a:buClrTx/>
+                        <a:buSzTx/>
+                        <a:buFontTx/>
+                        <a:buNone/>
+                        <a:tabLst/>
+                        <a:defRPr/>
+                      </a:pPr>
+                      <a:r>
+                        <a:rPr lang="en-US" altLang="ko-KR" sz="1400" dirty="0" smtClean="0">
+                          <a:solidFill>
+                            <a:sysClr val="windowText" lastClr="000000"/>
+                          </a:solidFill>
+                        </a:rPr>
+                        <a:t>127</a:t>
+                      </a:r>
+                      <a:endParaRPr lang="ko-KR" altLang="en-US" sz="1400" dirty="0" smtClean="0">
+                        <a:solidFill>
+                          <a:sysClr val="windowText" lastClr="000000"/>
+                        </a:solidFill>
+                      </a:endParaRPr>
+                    </a:p>
+                  </a:txBody>
+                  <a:tcPr marL="61018" marR="61018" marT="30509" marB="30509" anchor="ctr">
+                    <a:lnL w="12700" cap="flat" cmpd="sng" algn="ctr">
+                      <a:solidFill>
+                        <a:schemeClr val="tx1"/>
+                      </a:solidFill>
+                      <a:prstDash val="solid"/>
+                      <a:round/>
+                      <a:headEnd type="none" w="med" len="med"/>
+                      <a:tailEnd type="none" w="med" len="med"/>
+                    </a:lnL>
+                    <a:lnR w="12700" cap="flat" cmpd="sng" algn="ctr">
+                      <a:solidFill>
+                        <a:schemeClr val="tx1"/>
+                      </a:solidFill>
+                      <a:prstDash val="solid"/>
+                      <a:round/>
+                      <a:headEnd type="none" w="med" len="med"/>
+                      <a:tailEnd type="none" w="med" len="med"/>
+                    </a:lnR>
+                    <a:lnT w="12700" cap="flat" cmpd="sng" algn="ctr">
+                      <a:solidFill>
+                        <a:schemeClr val="tx1"/>
+                      </a:solidFill>
+                      <a:prstDash val="solid"/>
+                      <a:round/>
+                      <a:headEnd type="none" w="med" len="med"/>
+                      <a:tailEnd type="none" w="med" len="med"/>
+                    </a:lnT>
+                    <a:lnB w="12700" cap="flat" cmpd="sng" algn="ctr">
+                      <a:solidFill>
+                        <a:schemeClr val="tx1"/>
+                      </a:solidFill>
+                      <a:prstDash val="solid"/>
+                      <a:round/>
+                      <a:headEnd type="none" w="med" len="med"/>
+                      <a:tailEnd type="none" w="med" len="med"/>
+                    </a:lnB>
+                    <a:solidFill>
+                      <a:schemeClr val="bg1">
+                        <a:lumMod val="95000"/>
+                      </a:schemeClr>
+                    </a:solidFill>
+                  </a:tcPr>
+                </a:tc>
+                <a:tc>
+                  <a:txBody>
+                    <a:bodyPr/>
+                    <a:lstStyle/>
+                    <a:p>
+                      <a:pPr marL="0" marR="0" indent="0" algn="ctr" defTabSz="914400" rtl="0" eaLnBrk="1" fontAlgn="auto" latinLnBrk="1" hangingPunct="1">
+                        <a:lnSpc>
+                          <a:spcPct val="100000"/>
+                        </a:lnSpc>
+                        <a:spcBef>
+                          <a:spcPts val="0"/>
+                        </a:spcBef>
+                        <a:spcAft>
+                          <a:spcPts val="0"/>
+                        </a:spcAft>
+                        <a:buClrTx/>
+                        <a:buSzTx/>
+                        <a:buFontTx/>
+                        <a:buNone/>
+                        <a:tabLst/>
+                        <a:defRPr/>
+                      </a:pPr>
+                      <a:r>
+                        <a:rPr lang="en-US" altLang="ko-KR" sz="1400" dirty="0" smtClean="0">
+                          <a:solidFill>
+                            <a:sysClr val="windowText" lastClr="000000"/>
+                          </a:solidFill>
+                        </a:rPr>
+                        <a:t>110</a:t>
+                      </a:r>
+                      <a:endParaRPr lang="ko-KR" altLang="en-US" sz="1400" dirty="0" smtClean="0">
+                        <a:solidFill>
+                          <a:sysClr val="windowText" lastClr="000000"/>
+                        </a:solidFill>
+                      </a:endParaRPr>
+                    </a:p>
+                  </a:txBody>
+                  <a:tcPr marL="61018" marR="61018" marT="30509" marB="30509" anchor="ctr">
+                    <a:lnL w="12700" cap="flat" cmpd="sng" algn="ctr">
+                      <a:solidFill>
+                        <a:schemeClr val="tx1"/>
+                      </a:solidFill>
+                      <a:prstDash val="solid"/>
+                      <a:round/>
+                      <a:headEnd type="none" w="med" len="med"/>
+                      <a:tailEnd type="none" w="med" len="med"/>
+                    </a:lnL>
+                    <a:lnR w="12700" cap="flat" cmpd="sng" algn="ctr">
+                      <a:solidFill>
+                        <a:schemeClr val="tx1"/>
+                      </a:solidFill>
+                      <a:prstDash val="solid"/>
+                      <a:round/>
+                      <a:headEnd type="none" w="med" len="med"/>
+                      <a:tailEnd type="none" w="med" len="med"/>
+                    </a:lnR>
+                    <a:lnT w="12700" cap="flat" cmpd="sng" algn="ctr">
+                      <a:solidFill>
+                        <a:schemeClr val="tx1"/>
+                      </a:solidFill>
+                      <a:prstDash val="solid"/>
+                      <a:round/>
+                      <a:headEnd type="none" w="med" len="med"/>
+                      <a:tailEnd type="none" w="med" len="med"/>
+                    </a:lnT>
+                    <a:lnB w="12700" cap="flat" cmpd="sng" algn="ctr">
+                      <a:solidFill>
+                        <a:schemeClr val="tx1"/>
+                      </a:solidFill>
+                      <a:prstDash val="solid"/>
+                      <a:round/>
+                      <a:headEnd type="none" w="med" len="med"/>
+                      <a:tailEnd type="none" w="med" len="med"/>
+                    </a:lnB>
+                    <a:solidFill>
+                      <a:schemeClr val="bg1">
+                        <a:lumMod val="95000"/>
+                      </a:schemeClr>
+                    </a:solidFill>
+                  </a:tcPr>
+                </a:tc>
+                <a:tc>
+                  <a:txBody>
+                    <a:bodyPr/>
+                    <a:lstStyle/>
+                    <a:p>
+                      <a:pPr algn="ctr" latinLnBrk="1"/>
+                      <a:r>
+                        <a:rPr lang="en-US" altLang="ko-KR" sz="1400" dirty="0" smtClean="0">
+                          <a:solidFill>
+                            <a:sysClr val="windowText" lastClr="000000"/>
+                          </a:solidFill>
+                        </a:rPr>
+                        <a:t>322</a:t>
+                      </a:r>
+                      <a:endParaRPr lang="ko-KR" altLang="en-US" sz="1400" dirty="0">
+                        <a:solidFill>
+                          <a:sysClr val="windowText" lastClr="000000"/>
+                        </a:solidFill>
+                      </a:endParaRPr>
+                    </a:p>
+                  </a:txBody>
+                  <a:tcPr marL="61018" marR="61018" marT="30509" marB="30509" anchor="ctr">
+                    <a:lnL w="12700" cap="flat" cmpd="sng" algn="ctr">
+                      <a:solidFill>
+                        <a:schemeClr val="tx1"/>
+                      </a:solidFill>
+                      <a:prstDash val="solid"/>
+                      <a:round/>
+                      <a:headEnd type="none" w="med" len="med"/>
+                      <a:tailEnd type="none" w="med" len="med"/>
+                    </a:lnL>
+                    <a:lnR w="12700" cap="flat" cmpd="sng" algn="ctr">
+                      <a:solidFill>
+                        <a:schemeClr val="tx1"/>
+                      </a:solidFill>
+                      <a:prstDash val="solid"/>
+                      <a:round/>
+                      <a:headEnd type="none" w="med" len="med"/>
+                      <a:tailEnd type="none" w="med" len="med"/>
+                    </a:lnR>
+                    <a:lnT w="12700" cap="flat" cmpd="sng" algn="ctr">
+                      <a:solidFill>
+                        <a:schemeClr val="tx1"/>
+                      </a:solidFill>
+                      <a:prstDash val="solid"/>
+                      <a:round/>
+                      <a:headEnd type="none" w="med" len="med"/>
+                      <a:tailEnd type="none" w="med" len="med"/>
+                    </a:lnT>
+                    <a:lnB w="12700" cap="flat" cmpd="sng" algn="ctr">
+                      <a:solidFill>
+                        <a:schemeClr val="tx1"/>
+                      </a:solidFill>
+                      <a:prstDash val="solid"/>
+                      <a:round/>
+                      <a:headEnd type="none" w="med" len="med"/>
+                      <a:tailEnd type="none" w="med" len="med"/>
+                    </a:lnB>
+                    <a:solidFill>
+                      <a:schemeClr val="bg1"/>
+                    </a:solidFill>
+                  </a:tcPr>
+                </a:tc>
+                <a:tc>
+                  <a:txBody>
+                    <a:bodyPr/>
+                    <a:lstStyle/>
+                    <a:p>
+                      <a:pPr algn="ctr" latinLnBrk="1"/>
+                      <a:r>
+                        <a:rPr lang="en-US" altLang="ko-KR" sz="1400" dirty="0" smtClean="0">
+                          <a:solidFill>
+                            <a:sysClr val="windowText" lastClr="000000"/>
+                          </a:solidFill>
+                        </a:rPr>
+                        <a:t>467</a:t>
+                      </a:r>
+                      <a:endParaRPr lang="ko-KR" altLang="en-US" sz="1400" dirty="0">
+                        <a:solidFill>
+                          <a:sysClr val="windowText" lastClr="000000"/>
+                        </a:solidFill>
+                      </a:endParaRPr>
+                    </a:p>
+                  </a:txBody>
+                  <a:tcPr marL="61018" marR="61018" marT="30509" marB="30509" anchor="ctr">
+                    <a:lnL w="12700" cap="flat" cmpd="sng" algn="ctr">
+                      <a:solidFill>
+                        <a:schemeClr val="tx1"/>
+                      </a:solidFill>
+                      <a:prstDash val="solid"/>
+                      <a:round/>
+                      <a:headEnd type="none" w="med" len="med"/>
+                      <a:tailEnd type="none" w="med" len="med"/>
+                    </a:lnL>
+                    <a:lnR w="12700" cap="flat" cmpd="sng" algn="ctr">
+                      <a:solidFill>
+                        <a:schemeClr val="tx1"/>
+                      </a:solidFill>
+                      <a:prstDash val="solid"/>
+                      <a:round/>
+                      <a:headEnd type="none" w="med" len="med"/>
+                      <a:tailEnd type="none" w="med" len="med"/>
+                    </a:lnR>
+                    <a:lnT w="12700" cap="flat" cmpd="sng" algn="ctr">
+                      <a:solidFill>
+                        <a:schemeClr val="tx1"/>
+                      </a:solidFill>
+                      <a:prstDash val="solid"/>
+                      <a:round/>
+                      <a:headEnd type="none" w="med" len="med"/>
+                      <a:tailEnd type="none" w="med" len="med"/>
+                    </a:lnT>
+                    <a:lnB w="12700" cap="flat" cmpd="sng" algn="ctr">
+                      <a:solidFill>
+                        <a:schemeClr val="tx1"/>
+                      </a:solidFill>
+                      <a:prstDash val="solid"/>
+                      <a:round/>
+                      <a:headEnd type="none" w="med" len="med"/>
+                      <a:tailEnd type="none" w="med" len="med"/>
+                    </a:lnB>
+                    <a:solidFill>
+                      <a:schemeClr val="bg1"/>
+                    </a:solidFill>
+                  </a:tcPr>
+                </a:tc>
+                <a:extLst>
+                  <a:ext uri="{0D108BD9-81ED-4DB2-BD59-A6C34878D82A}">
+                    <a16:rowId xmlns="" xmlns:a16="http://schemas.microsoft.com/office/drawing/2014/main" val="2318367764"/>
+                  </a:ext>
+                </a:extLst>
+              </a:tr>
+            </a:tbl>
+          </a:graphicData>
+        </a:graphic>
+      </p:graphicFrame>
+      <p:graphicFrame>
+        <p:nvGraphicFramePr>
+          <p:cNvPr id="7" name="표 6">
+            <a:extLst>
+              <a:ext uri="{FF2B5EF4-FFF2-40B4-BE49-F238E27FC236}">
+                <a16:creationId xmlns="" xmlns:a16="http://schemas.microsoft.com/office/drawing/2014/main" id="{15D5CCAF-CAB6-493C-9A85-2676F48690AF}"/>
+              </a:ext>
+            </a:extLst>
+          </p:cNvPr>
+          <p:cNvGraphicFramePr>
+            <a:graphicFrameLocks noGrp="1"/>
+          </p:cNvGraphicFramePr>
+          <p:nvPr>
+            <p:extLst>
+              <p:ext uri="{D42A27DB-BD31-4B8C-83A1-F6EECF244321}">
+                <p14:modId xmlns:p14="http://schemas.microsoft.com/office/powerpoint/2010/main" val="1404639181"/>
+              </p:ext>
+            </p:extLst>
+          </p:nvPr>
+        </p:nvGraphicFramePr>
+        <p:xfrm>
+          <a:off x="3757921" y="3958375"/>
+          <a:ext cx="3283200" cy="547200"/>
+        </p:xfrm>
+        <a:graphic>
+          <a:graphicData uri="http://schemas.openxmlformats.org/drawingml/2006/table">
+            <a:tbl>
+              <a:tblPr firstRow="1" bandRow="1">
+                <a:tableStyleId>{5C22544A-7EE6-4342-B048-85BDC9FD1C3A}</a:tableStyleId>
+              </a:tblPr>
+              <a:tblGrid>
+                <a:gridCol w="547200">
+                  <a:extLst>
+                    <a:ext uri="{9D8B030D-6E8A-4147-A177-3AD203B41FA5}">
+                      <a16:colId xmlns="" xmlns:a16="http://schemas.microsoft.com/office/drawing/2014/main" val="422949941"/>
+                    </a:ext>
+                  </a:extLst>
+                </a:gridCol>
+                <a:gridCol w="547200"/>
+                <a:gridCol w="547200"/>
+                <a:gridCol w="547200"/>
+                <a:gridCol w="547200">
+                  <a:extLst>
+                    <a:ext uri="{9D8B030D-6E8A-4147-A177-3AD203B41FA5}">
+                      <a16:colId xmlns="" xmlns:a16="http://schemas.microsoft.com/office/drawing/2014/main" val="1888211109"/>
+                    </a:ext>
+                  </a:extLst>
+                </a:gridCol>
+                <a:gridCol w="547200">
+                  <a:extLst>
+                    <a:ext uri="{9D8B030D-6E8A-4147-A177-3AD203B41FA5}">
+                      <a16:colId xmlns="" xmlns:a16="http://schemas.microsoft.com/office/drawing/2014/main" val="3675358557"/>
+                    </a:ext>
+                  </a:extLst>
+                </a:gridCol>
+              </a:tblGrid>
+              <a:tr h="547200">
+                <a:tc>
+                  <a:txBody>
+                    <a:bodyPr/>
+                    <a:lstStyle/>
+                    <a:p>
+                      <a:pPr algn="ctr" latinLnBrk="1"/>
+                      <a:r>
+                        <a:rPr lang="en-US" altLang="ko-KR" sz="1400" dirty="0" smtClean="0">
+                          <a:solidFill>
+                            <a:sysClr val="windowText" lastClr="000000"/>
+                          </a:solidFill>
+                        </a:rPr>
+                        <a:t>012</a:t>
+                      </a:r>
+                      <a:endParaRPr lang="ko-KR" altLang="en-US" sz="1400" dirty="0">
+                        <a:solidFill>
+                          <a:sysClr val="windowText" lastClr="000000"/>
+                        </a:solidFill>
+                      </a:endParaRPr>
+                    </a:p>
+                  </a:txBody>
+                  <a:tcPr marL="61018" marR="61018" marT="30509" marB="30509" anchor="ctr">
+                    <a:lnL w="12700" cap="flat" cmpd="sng" algn="ctr">
+                      <a:solidFill>
+                        <a:schemeClr val="tx1"/>
+                      </a:solidFill>
+                      <a:prstDash val="solid"/>
+                      <a:round/>
+                      <a:headEnd type="none" w="med" len="med"/>
+                      <a:tailEnd type="none" w="med" len="med"/>
+                    </a:lnL>
+                    <a:lnR w="12700" cap="flat" cmpd="sng" algn="ctr">
+                      <a:solidFill>
+                        <a:schemeClr val="tx1"/>
+                      </a:solidFill>
+                      <a:prstDash val="solid"/>
+                      <a:round/>
+                      <a:headEnd type="none" w="med" len="med"/>
+                      <a:tailEnd type="none" w="med" len="med"/>
+                    </a:lnR>
+                    <a:lnT w="12700" cap="flat" cmpd="sng" algn="ctr">
+                      <a:solidFill>
+                        <a:schemeClr val="tx1"/>
+                      </a:solidFill>
+                      <a:prstDash val="solid"/>
+                      <a:round/>
+                      <a:headEnd type="none" w="med" len="med"/>
+                      <a:tailEnd type="none" w="med" len="med"/>
+                    </a:lnT>
+                    <a:lnB w="12700" cap="flat" cmpd="sng" algn="ctr">
+                      <a:solidFill>
+                        <a:schemeClr val="tx1"/>
+                      </a:solidFill>
+                      <a:prstDash val="solid"/>
+                      <a:round/>
+                      <a:headEnd type="none" w="med" len="med"/>
+                      <a:tailEnd type="none" w="med" len="med"/>
+                    </a:lnB>
+                    <a:solidFill>
+                      <a:schemeClr val="bg1"/>
+                    </a:solidFill>
+                  </a:tcPr>
+                </a:tc>
+                <a:tc>
+                  <a:txBody>
+                    <a:bodyPr/>
+                    <a:lstStyle/>
+                    <a:p>
+                      <a:pPr marL="0" marR="0" indent="0" algn="ctr" defTabSz="914400" rtl="0" eaLnBrk="1" fontAlgn="auto" latinLnBrk="1" hangingPunct="1">
+                        <a:lnSpc>
+                          <a:spcPct val="100000"/>
+                        </a:lnSpc>
+                        <a:spcBef>
+                          <a:spcPts val="0"/>
+                        </a:spcBef>
+                        <a:spcAft>
+                          <a:spcPts val="0"/>
+                        </a:spcAft>
+                        <a:buClrTx/>
+                        <a:buSzTx/>
+                        <a:buFontTx/>
+                        <a:buNone/>
+                        <a:tabLst/>
+                        <a:defRPr/>
+                      </a:pPr>
+                      <a:r>
+                        <a:rPr lang="en-US" altLang="ko-KR" sz="1400" dirty="0" smtClean="0">
+                          <a:solidFill>
+                            <a:sysClr val="windowText" lastClr="000000"/>
+                          </a:solidFill>
+                        </a:rPr>
+                        <a:t>058</a:t>
+                      </a:r>
+                      <a:endParaRPr lang="ko-KR" altLang="en-US" sz="1400" dirty="0" smtClean="0">
+                        <a:solidFill>
+                          <a:sysClr val="windowText" lastClr="000000"/>
+                        </a:solidFill>
+                      </a:endParaRPr>
+                    </a:p>
+                  </a:txBody>
+                  <a:tcPr marL="61018" marR="61018" marT="30509" marB="30509" anchor="ctr">
+                    <a:lnL w="12700" cap="flat" cmpd="sng" algn="ctr">
+                      <a:solidFill>
+                        <a:schemeClr val="tx1"/>
+                      </a:solidFill>
+                      <a:prstDash val="solid"/>
+                      <a:round/>
+                      <a:headEnd type="none" w="med" len="med"/>
+                      <a:tailEnd type="none" w="med" len="med"/>
+                    </a:lnL>
+                    <a:lnR w="12700" cap="flat" cmpd="sng" algn="ctr">
+                      <a:solidFill>
+                        <a:schemeClr val="tx1"/>
+                      </a:solidFill>
+                      <a:prstDash val="solid"/>
+                      <a:round/>
+                      <a:headEnd type="none" w="med" len="med"/>
+                      <a:tailEnd type="none" w="med" len="med"/>
+                    </a:lnR>
+                    <a:lnT w="12700" cap="flat" cmpd="sng" algn="ctr">
+                      <a:solidFill>
+                        <a:schemeClr val="tx1"/>
+                      </a:solidFill>
+                      <a:prstDash val="solid"/>
+                      <a:round/>
+                      <a:headEnd type="none" w="med" len="med"/>
+                      <a:tailEnd type="none" w="med" len="med"/>
+                    </a:lnT>
+                    <a:lnB w="12700" cap="flat" cmpd="sng" algn="ctr">
+                      <a:solidFill>
+                        <a:schemeClr val="tx1"/>
+                      </a:solidFill>
+                      <a:prstDash val="solid"/>
+                      <a:round/>
+                      <a:headEnd type="none" w="med" len="med"/>
+                      <a:tailEnd type="none" w="med" len="med"/>
+                    </a:lnB>
+                    <a:solidFill>
+                      <a:schemeClr val="bg1"/>
+                    </a:solidFill>
+                  </a:tcPr>
+                </a:tc>
+                <a:tc>
+                  <a:txBody>
+                    <a:bodyPr/>
+                    <a:lstStyle/>
+                    <a:p>
+                      <a:pPr marL="0" marR="0" indent="0" algn="ctr" defTabSz="914400" rtl="0" eaLnBrk="1" fontAlgn="auto" latinLnBrk="1" hangingPunct="1">
+                        <a:lnSpc>
+                          <a:spcPct val="100000"/>
+                        </a:lnSpc>
+                        <a:spcBef>
+                          <a:spcPts val="0"/>
+                        </a:spcBef>
+                        <a:spcAft>
+                          <a:spcPts val="0"/>
+                        </a:spcAft>
+                        <a:buClrTx/>
+                        <a:buSzTx/>
+                        <a:buFontTx/>
+                        <a:buNone/>
+                        <a:tabLst/>
+                        <a:defRPr/>
+                      </a:pPr>
+                      <a:r>
+                        <a:rPr lang="en-US" altLang="ko-KR" sz="1400" dirty="0" smtClean="0">
+                          <a:solidFill>
+                            <a:sysClr val="windowText" lastClr="000000"/>
+                          </a:solidFill>
+                        </a:rPr>
+                        <a:t>110</a:t>
+                      </a:r>
+                      <a:endParaRPr lang="ko-KR" altLang="en-US" sz="1400" dirty="0" smtClean="0">
+                        <a:solidFill>
+                          <a:sysClr val="windowText" lastClr="000000"/>
+                        </a:solidFill>
+                      </a:endParaRPr>
+                    </a:p>
+                  </a:txBody>
+                  <a:tcPr marL="61018" marR="61018" marT="30509" marB="30509" anchor="ctr">
+                    <a:lnL w="12700" cap="flat" cmpd="sng" algn="ctr">
+                      <a:solidFill>
+                        <a:schemeClr val="tx1"/>
+                      </a:solidFill>
+                      <a:prstDash val="solid"/>
+                      <a:round/>
+                      <a:headEnd type="none" w="med" len="med"/>
+                      <a:tailEnd type="none" w="med" len="med"/>
+                    </a:lnL>
+                    <a:lnR w="12700" cap="flat" cmpd="sng" algn="ctr">
+                      <a:solidFill>
+                        <a:schemeClr val="tx1"/>
+                      </a:solidFill>
+                      <a:prstDash val="solid"/>
+                      <a:round/>
+                      <a:headEnd type="none" w="med" len="med"/>
+                      <a:tailEnd type="none" w="med" len="med"/>
+                    </a:lnR>
+                    <a:lnT w="12700" cap="flat" cmpd="sng" algn="ctr">
+                      <a:solidFill>
+                        <a:schemeClr val="tx1"/>
+                      </a:solidFill>
+                      <a:prstDash val="solid"/>
+                      <a:round/>
+                      <a:headEnd type="none" w="med" len="med"/>
+                      <a:tailEnd type="none" w="med" len="med"/>
+                    </a:lnT>
+                    <a:lnB w="12700" cap="flat" cmpd="sng" algn="ctr">
+                      <a:solidFill>
+                        <a:schemeClr val="tx1"/>
+                      </a:solidFill>
+                      <a:prstDash val="solid"/>
+                      <a:round/>
+                      <a:headEnd type="none" w="med" len="med"/>
+                      <a:tailEnd type="none" w="med" len="med"/>
+                    </a:lnB>
+                    <a:solidFill>
+                      <a:schemeClr val="bg1"/>
+                    </a:solidFill>
+                  </a:tcPr>
+                </a:tc>
+                <a:tc>
+                  <a:txBody>
+                    <a:bodyPr/>
+                    <a:lstStyle/>
+                    <a:p>
+                      <a:pPr marL="0" marR="0" indent="0" algn="ctr" defTabSz="914400" rtl="0" eaLnBrk="1" fontAlgn="auto" latinLnBrk="1" hangingPunct="1">
+                        <a:lnSpc>
+                          <a:spcPct val="100000"/>
+                        </a:lnSpc>
+                        <a:spcBef>
+                          <a:spcPts val="0"/>
+                        </a:spcBef>
+                        <a:spcAft>
+                          <a:spcPts val="0"/>
+                        </a:spcAft>
+                        <a:buClrTx/>
+                        <a:buSzTx/>
+                        <a:buFontTx/>
+                        <a:buNone/>
+                        <a:tabLst/>
+                        <a:defRPr/>
+                      </a:pPr>
+                      <a:r>
+                        <a:rPr lang="en-US" altLang="ko-KR" sz="1400" dirty="0" smtClean="0">
+                          <a:solidFill>
+                            <a:sysClr val="windowText" lastClr="000000"/>
+                          </a:solidFill>
+                        </a:rPr>
+                        <a:t>127</a:t>
+                      </a:r>
+                      <a:endParaRPr lang="ko-KR" altLang="en-US" sz="1400" dirty="0" smtClean="0">
+                        <a:solidFill>
+                          <a:sysClr val="windowText" lastClr="000000"/>
+                        </a:solidFill>
+                      </a:endParaRPr>
+                    </a:p>
+                  </a:txBody>
+                  <a:tcPr marL="61018" marR="61018" marT="30509" marB="30509" anchor="ctr">
+                    <a:lnL w="12700" cap="flat" cmpd="sng" algn="ctr">
+                      <a:solidFill>
+                        <a:schemeClr val="tx1"/>
+                      </a:solidFill>
+                      <a:prstDash val="solid"/>
+                      <a:round/>
+                      <a:headEnd type="none" w="med" len="med"/>
+                      <a:tailEnd type="none" w="med" len="med"/>
+                    </a:lnL>
+                    <a:lnR w="12700" cap="flat" cmpd="sng" algn="ctr">
+                      <a:solidFill>
+                        <a:schemeClr val="tx1"/>
+                      </a:solidFill>
+                      <a:prstDash val="solid"/>
+                      <a:round/>
+                      <a:headEnd type="none" w="med" len="med"/>
+                      <a:tailEnd type="none" w="med" len="med"/>
+                    </a:lnR>
+                    <a:lnT w="12700" cap="flat" cmpd="sng" algn="ctr">
+                      <a:solidFill>
+                        <a:schemeClr val="tx1"/>
+                      </a:solidFill>
+                      <a:prstDash val="solid"/>
+                      <a:round/>
+                      <a:headEnd type="none" w="med" len="med"/>
+                      <a:tailEnd type="none" w="med" len="med"/>
+                    </a:lnT>
+                    <a:lnB w="12700" cap="flat" cmpd="sng" algn="ctr">
+                      <a:solidFill>
+                        <a:schemeClr val="tx1"/>
+                      </a:solidFill>
+                      <a:prstDash val="solid"/>
+                      <a:round/>
+                      <a:headEnd type="none" w="med" len="med"/>
+                      <a:tailEnd type="none" w="med" len="med"/>
+                    </a:lnB>
+                    <a:solidFill>
+                      <a:schemeClr val="bg1"/>
+                    </a:solidFill>
+                  </a:tcPr>
+                </a:tc>
+                <a:tc>
+                  <a:txBody>
+                    <a:bodyPr/>
+                    <a:lstStyle/>
+                    <a:p>
+                      <a:pPr algn="ctr" latinLnBrk="1"/>
+                      <a:r>
+                        <a:rPr lang="en-US" altLang="ko-KR" sz="1400" dirty="0" smtClean="0">
+                          <a:solidFill>
+                            <a:sysClr val="windowText" lastClr="000000"/>
+                          </a:solidFill>
+                        </a:rPr>
+                        <a:t>322</a:t>
+                      </a:r>
+                      <a:endParaRPr lang="ko-KR" altLang="en-US" sz="1400" dirty="0">
+                        <a:solidFill>
+                          <a:sysClr val="windowText" lastClr="000000"/>
+                        </a:solidFill>
+                      </a:endParaRPr>
+                    </a:p>
+                  </a:txBody>
+                  <a:tcPr marL="61018" marR="61018" marT="30509" marB="30509" anchor="ctr">
+                    <a:lnL w="12700" cap="flat" cmpd="sng" algn="ctr">
+                      <a:solidFill>
+                        <a:schemeClr val="tx1"/>
+                      </a:solidFill>
+                      <a:prstDash val="solid"/>
+                      <a:round/>
+                      <a:headEnd type="none" w="med" len="med"/>
+                      <a:tailEnd type="none" w="med" len="med"/>
+                    </a:lnL>
+                    <a:lnR w="12700" cap="flat" cmpd="sng" algn="ctr">
+                      <a:solidFill>
+                        <a:schemeClr val="tx1"/>
+                      </a:solidFill>
+                      <a:prstDash val="solid"/>
+                      <a:round/>
+                      <a:headEnd type="none" w="med" len="med"/>
+                      <a:tailEnd type="none" w="med" len="med"/>
+                    </a:lnR>
+                    <a:lnT w="12700" cap="flat" cmpd="sng" algn="ctr">
+                      <a:solidFill>
+                        <a:schemeClr val="tx1"/>
+                      </a:solidFill>
+                      <a:prstDash val="solid"/>
+                      <a:round/>
+                      <a:headEnd type="none" w="med" len="med"/>
+                      <a:tailEnd type="none" w="med" len="med"/>
+                    </a:lnT>
+                    <a:lnB w="12700" cap="flat" cmpd="sng" algn="ctr">
+                      <a:solidFill>
+                        <a:schemeClr val="tx1"/>
+                      </a:solidFill>
+                      <a:prstDash val="solid"/>
+                      <a:round/>
+                      <a:headEnd type="none" w="med" len="med"/>
+                      <a:tailEnd type="none" w="med" len="med"/>
+                    </a:lnB>
+                    <a:solidFill>
+                      <a:schemeClr val="bg1"/>
+                    </a:solidFill>
+                  </a:tcPr>
+                </a:tc>
+                <a:tc>
+                  <a:txBody>
+                    <a:bodyPr/>
+                    <a:lstStyle/>
+                    <a:p>
+                      <a:pPr algn="ctr" latinLnBrk="1"/>
+                      <a:r>
+                        <a:rPr lang="en-US" altLang="ko-KR" sz="1400" dirty="0" smtClean="0">
+                          <a:solidFill>
+                            <a:sysClr val="windowText" lastClr="000000"/>
+                          </a:solidFill>
+                        </a:rPr>
+                        <a:t>467</a:t>
+                      </a:r>
+                      <a:endParaRPr lang="ko-KR" altLang="en-US" sz="1400" dirty="0">
+                        <a:solidFill>
+                          <a:sysClr val="windowText" lastClr="000000"/>
+                        </a:solidFill>
+                      </a:endParaRPr>
+                    </a:p>
+                  </a:txBody>
+                  <a:tcPr marL="61018" marR="61018" marT="30509" marB="30509" anchor="ctr">
+                    <a:lnL w="12700" cap="flat" cmpd="sng" algn="ctr">
+                      <a:solidFill>
+                        <a:schemeClr val="tx1"/>
+                      </a:solidFill>
+                      <a:prstDash val="solid"/>
+                      <a:round/>
+                      <a:headEnd type="none" w="med" len="med"/>
+                      <a:tailEnd type="none" w="med" len="med"/>
+                    </a:lnL>
+                    <a:lnR w="12700" cap="flat" cmpd="sng" algn="ctr">
+                      <a:solidFill>
+                        <a:schemeClr val="tx1"/>
+                      </a:solidFill>
+                      <a:prstDash val="solid"/>
+                      <a:round/>
+                      <a:headEnd type="none" w="med" len="med"/>
+                      <a:tailEnd type="none" w="med" len="med"/>
+                    </a:lnR>
+                    <a:lnT w="12700" cap="flat" cmpd="sng" algn="ctr">
+                      <a:solidFill>
+                        <a:schemeClr val="tx1"/>
+                      </a:solidFill>
+                      <a:prstDash val="solid"/>
+                      <a:round/>
+                      <a:headEnd type="none" w="med" len="med"/>
+                      <a:tailEnd type="none" w="med" len="med"/>
+                    </a:lnT>
+                    <a:lnB w="12700" cap="flat" cmpd="sng" algn="ctr">
+                      <a:solidFill>
+                        <a:schemeClr val="tx1"/>
+                      </a:solidFill>
+                      <a:prstDash val="solid"/>
+                      <a:round/>
+                      <a:headEnd type="none" w="med" len="med"/>
+                      <a:tailEnd type="none" w="med" len="med"/>
+                    </a:lnB>
+                    <a:solidFill>
+                      <a:schemeClr val="bg1"/>
+                    </a:solidFill>
+                  </a:tcPr>
+                </a:tc>
+                <a:extLst>
+                  <a:ext uri="{0D108BD9-81ED-4DB2-BD59-A6C34878D82A}">
+                    <a16:rowId xmlns="" xmlns:a16="http://schemas.microsoft.com/office/drawing/2014/main" val="2318367764"/>
+                  </a:ext>
+                </a:extLst>
+              </a:tr>
+            </a:tbl>
+          </a:graphicData>
+        </a:graphic>
+      </p:graphicFrame>
+      <p:sp>
+        <p:nvSpPr>
+          <p:cNvPr id="21" name="텍스트 상자 20"/>
+          <p:cNvSpPr txBox="1"/>
+          <p:nvPr/>
+        </p:nvSpPr>
+        <p:spPr>
+          <a:xfrm>
+            <a:off x="595354" y="2031431"/>
+            <a:ext cx="1997663" cy="646331"/>
+          </a:xfrm>
+          <a:prstGeom prst="rect">
+            <a:avLst/>
+          </a:prstGeom>
+          <a:noFill/>
+        </p:spPr>
+        <p:txBody>
+          <a:bodyPr wrap="none" rtlCol="0">
+            <a:spAutoFit/>
+          </a:bodyPr>
+          <a:lstStyle/>
+          <a:p>
+            <a:pPr marL="342900" indent="-342900">
+              <a:buAutoNum type="arabicParenBoth"/>
+            </a:pPr>
+            <a:r>
+              <a:rPr kumimoji="1" lang="ko-KR" altLang="en-US" dirty="0" smtClean="0"/>
+              <a:t>정렬할 데이</a:t>
+            </a:r>
+            <a:r>
+              <a:rPr kumimoji="1" lang="ko-KR" altLang="en-US" dirty="0" smtClean="0"/>
+              <a:t>터</a:t>
+            </a:r>
+            <a:r>
+              <a:rPr kumimoji="1" lang="en-US" altLang="ko-KR" dirty="0" smtClean="0"/>
+              <a:t/>
+            </a:r>
+            <a:br>
+              <a:rPr kumimoji="1" lang="en-US" altLang="ko-KR" dirty="0" smtClean="0"/>
+            </a:br>
+            <a:r>
+              <a:rPr kumimoji="1" lang="en-US" altLang="ko-KR" dirty="0" smtClean="0"/>
+              <a:t>058,</a:t>
+            </a:r>
+            <a:r>
+              <a:rPr kumimoji="1" lang="ko-KR" altLang="en-US" dirty="0" smtClean="0"/>
+              <a:t> </a:t>
+            </a:r>
+            <a:r>
+              <a:rPr kumimoji="1" lang="en-US" altLang="ko-KR" dirty="0" smtClean="0"/>
+              <a:t>012</a:t>
+            </a:r>
+            <a:r>
+              <a:rPr kumimoji="1" lang="ko-KR" altLang="en-US" dirty="0" smtClean="0"/>
+              <a:t> 교환</a:t>
+            </a:r>
+            <a:endParaRPr kumimoji="1" lang="en-US" altLang="ko-KR" dirty="0" smtClean="0"/>
+          </a:p>
+        </p:txBody>
+      </p:sp>
+      <p:sp>
+        <p:nvSpPr>
+          <p:cNvPr id="23" name="텍스트 상자 22"/>
+          <p:cNvSpPr txBox="1"/>
+          <p:nvPr/>
+        </p:nvSpPr>
+        <p:spPr>
+          <a:xfrm>
+            <a:off x="595354" y="2639269"/>
+            <a:ext cx="1970411" cy="369332"/>
+          </a:xfrm>
+          <a:prstGeom prst="rect">
+            <a:avLst/>
+          </a:prstGeom>
+          <a:noFill/>
+        </p:spPr>
+        <p:txBody>
+          <a:bodyPr wrap="none" rtlCol="0">
+            <a:spAutoFit/>
+          </a:bodyPr>
+          <a:lstStyle/>
+          <a:p>
+            <a:pPr marL="320675" indent="-320675"/>
+            <a:r>
+              <a:rPr kumimoji="1" lang="en-US" altLang="ko-KR" dirty="0" smtClean="0"/>
+              <a:t>(2)</a:t>
+            </a:r>
+            <a:r>
+              <a:rPr kumimoji="1" lang="ko-KR" altLang="en-US" dirty="0" smtClean="0"/>
+              <a:t> </a:t>
+            </a:r>
+            <a:r>
+              <a:rPr kumimoji="1" lang="en-US" altLang="ko-KR" dirty="0" smtClean="0"/>
+              <a:t>322,</a:t>
+            </a:r>
+            <a:r>
+              <a:rPr kumimoji="1" lang="ko-KR" altLang="en-US" dirty="0" smtClean="0"/>
+              <a:t> </a:t>
+            </a:r>
+            <a:r>
+              <a:rPr kumimoji="1" lang="en-US" altLang="ko-KR" dirty="0" smtClean="0"/>
+              <a:t>110</a:t>
+            </a:r>
+            <a:r>
+              <a:rPr kumimoji="1" lang="ko-KR" altLang="en-US" dirty="0" smtClean="0"/>
+              <a:t> 교환</a:t>
+            </a:r>
+            <a:endParaRPr kumimoji="1" lang="en-US" altLang="ko-KR" dirty="0" smtClean="0"/>
+          </a:p>
+        </p:txBody>
+      </p:sp>
+      <p:sp>
+        <p:nvSpPr>
+          <p:cNvPr id="24" name="텍스트 상자 23"/>
+          <p:cNvSpPr txBox="1"/>
+          <p:nvPr/>
+        </p:nvSpPr>
+        <p:spPr>
+          <a:xfrm>
+            <a:off x="595354" y="3298822"/>
+            <a:ext cx="2313454" cy="646331"/>
+          </a:xfrm>
+          <a:prstGeom prst="rect">
+            <a:avLst/>
+          </a:prstGeom>
+          <a:noFill/>
+        </p:spPr>
+        <p:txBody>
+          <a:bodyPr wrap="none" rtlCol="0">
+            <a:spAutoFit/>
+          </a:bodyPr>
+          <a:lstStyle/>
+          <a:p>
+            <a:pPr marL="320675" indent="-320675"/>
+            <a:r>
+              <a:rPr kumimoji="1" lang="en-US" altLang="ko-KR" dirty="0" smtClean="0"/>
+              <a:t>(3)</a:t>
+            </a:r>
+            <a:r>
+              <a:rPr kumimoji="1" lang="ko-KR" altLang="en-US" dirty="0" smtClean="0"/>
+              <a:t> </a:t>
+            </a:r>
+            <a:r>
+              <a:rPr kumimoji="1" lang="en-US" altLang="ko-KR" dirty="0" smtClean="0"/>
+              <a:t>110</a:t>
+            </a:r>
+            <a:r>
+              <a:rPr kumimoji="1" lang="ko-KR" altLang="en-US" dirty="0" smtClean="0"/>
+              <a:t> 주변 탐색 및</a:t>
+            </a:r>
+            <a:r>
+              <a:rPr kumimoji="1" lang="en-US" altLang="ko-KR" dirty="0" smtClean="0"/>
+              <a:t/>
+            </a:r>
+            <a:br>
+              <a:rPr kumimoji="1" lang="en-US" altLang="ko-KR" dirty="0" smtClean="0"/>
+            </a:br>
+            <a:r>
+              <a:rPr kumimoji="1" lang="en-US" altLang="ko-KR" dirty="0" smtClean="0"/>
+              <a:t>127,</a:t>
+            </a:r>
+            <a:r>
+              <a:rPr kumimoji="1" lang="ko-KR" altLang="en-US" dirty="0" smtClean="0"/>
+              <a:t> </a:t>
+            </a:r>
+            <a:r>
+              <a:rPr kumimoji="1" lang="en-US" altLang="ko-KR" dirty="0" smtClean="0"/>
+              <a:t>110</a:t>
+            </a:r>
+            <a:r>
+              <a:rPr kumimoji="1" lang="ko-KR" altLang="en-US" dirty="0" smtClean="0"/>
+              <a:t> 교환</a:t>
+            </a:r>
+            <a:endParaRPr kumimoji="1" lang="en-US" altLang="ko-KR" dirty="0" smtClean="0"/>
+          </a:p>
+        </p:txBody>
+      </p:sp>
+      <p:sp>
+        <p:nvSpPr>
+          <p:cNvPr id="25" name="텍스트 상자 24"/>
+          <p:cNvSpPr txBox="1"/>
+          <p:nvPr/>
+        </p:nvSpPr>
+        <p:spPr>
+          <a:xfrm>
+            <a:off x="595354" y="3958375"/>
+            <a:ext cx="995785" cy="369332"/>
+          </a:xfrm>
+          <a:prstGeom prst="rect">
+            <a:avLst/>
+          </a:prstGeom>
+          <a:noFill/>
+        </p:spPr>
+        <p:txBody>
+          <a:bodyPr wrap="none" rtlCol="0">
+            <a:spAutoFit/>
+          </a:bodyPr>
+          <a:lstStyle/>
+          <a:p>
+            <a:pPr marL="320675" indent="-320675"/>
+            <a:r>
+              <a:rPr kumimoji="1" lang="en-US" altLang="ko-KR" dirty="0" smtClean="0"/>
+              <a:t>(4)</a:t>
+            </a:r>
+            <a:r>
+              <a:rPr kumimoji="1" lang="ko-KR" altLang="en-US" dirty="0" smtClean="0"/>
+              <a:t> </a:t>
+            </a:r>
+            <a:r>
+              <a:rPr kumimoji="1" lang="ko-KR" altLang="en-US" dirty="0" smtClean="0"/>
+              <a:t>완성</a:t>
+            </a:r>
+            <a:endParaRPr kumimoji="1" lang="en-US" altLang="ko-KR" dirty="0" smtClean="0"/>
+          </a:p>
+        </p:txBody>
+      </p:sp>
+      <p:graphicFrame>
+        <p:nvGraphicFramePr>
+          <p:cNvPr id="26" name="표 25">
+            <a:extLst>
+              <a:ext uri="{FF2B5EF4-FFF2-40B4-BE49-F238E27FC236}">
+                <a16:creationId xmlns="" xmlns:a16="http://schemas.microsoft.com/office/drawing/2014/main" id="{15D5CCAF-CAB6-493C-9A85-2676F48690AF}"/>
+              </a:ext>
+            </a:extLst>
+          </p:cNvPr>
+          <p:cNvGraphicFramePr>
+            <a:graphicFrameLocks noGrp="1"/>
+          </p:cNvGraphicFramePr>
+          <p:nvPr>
+            <p:extLst>
+              <p:ext uri="{D42A27DB-BD31-4B8C-83A1-F6EECF244321}">
+                <p14:modId xmlns:p14="http://schemas.microsoft.com/office/powerpoint/2010/main" val="482983596"/>
+              </p:ext>
+            </p:extLst>
+          </p:nvPr>
+        </p:nvGraphicFramePr>
+        <p:xfrm>
+          <a:off x="3757921" y="2030677"/>
+          <a:ext cx="3283200" cy="547200"/>
+        </p:xfrm>
+        <a:graphic>
+          <a:graphicData uri="http://schemas.openxmlformats.org/drawingml/2006/table">
+            <a:tbl>
+              <a:tblPr firstRow="1" bandRow="1">
+                <a:tableStyleId>{5C22544A-7EE6-4342-B048-85BDC9FD1C3A}</a:tableStyleId>
+              </a:tblPr>
+              <a:tblGrid>
+                <a:gridCol w="547200">
+                  <a:extLst>
+                    <a:ext uri="{9D8B030D-6E8A-4147-A177-3AD203B41FA5}">
+                      <a16:colId xmlns="" xmlns:a16="http://schemas.microsoft.com/office/drawing/2014/main" val="422949941"/>
+                    </a:ext>
+                  </a:extLst>
+                </a:gridCol>
+                <a:gridCol w="547200"/>
+                <a:gridCol w="547200"/>
+                <a:gridCol w="547200"/>
+                <a:gridCol w="547200">
+                  <a:extLst>
+                    <a:ext uri="{9D8B030D-6E8A-4147-A177-3AD203B41FA5}">
+                      <a16:colId xmlns="" xmlns:a16="http://schemas.microsoft.com/office/drawing/2014/main" val="1888211109"/>
+                    </a:ext>
+                  </a:extLst>
+                </a:gridCol>
+                <a:gridCol w="547200">
+                  <a:extLst>
+                    <a:ext uri="{9D8B030D-6E8A-4147-A177-3AD203B41FA5}">
+                      <a16:colId xmlns="" xmlns:a16="http://schemas.microsoft.com/office/drawing/2014/main" val="3675358557"/>
+                    </a:ext>
+                  </a:extLst>
+                </a:gridCol>
+              </a:tblGrid>
+              <a:tr h="547200">
+                <a:tc>
+                  <a:txBody>
+                    <a:bodyPr/>
+                    <a:lstStyle/>
+                    <a:p>
+                      <a:pPr algn="ctr" latinLnBrk="1"/>
+                      <a:r>
+                        <a:rPr lang="en-US" altLang="ko-KR" sz="1400" dirty="0" smtClean="0">
+                          <a:solidFill>
+                            <a:sysClr val="windowText" lastClr="000000"/>
+                          </a:solidFill>
+                        </a:rPr>
+                        <a:t>058</a:t>
+                      </a:r>
+                      <a:endParaRPr lang="ko-KR" altLang="en-US" sz="1400" dirty="0">
+                        <a:solidFill>
+                          <a:sysClr val="windowText" lastClr="000000"/>
+                        </a:solidFill>
+                      </a:endParaRPr>
+                    </a:p>
+                  </a:txBody>
+                  <a:tcPr marL="61018" marR="61018" marT="30509" marB="30509" anchor="ctr">
+                    <a:lnL w="12700" cap="flat" cmpd="sng" algn="ctr">
+                      <a:solidFill>
+                        <a:schemeClr val="tx1"/>
+                      </a:solidFill>
+                      <a:prstDash val="solid"/>
+                      <a:round/>
+                      <a:headEnd type="none" w="med" len="med"/>
+                      <a:tailEnd type="none" w="med" len="med"/>
+                    </a:lnL>
+                    <a:lnR w="12700" cap="flat" cmpd="sng" algn="ctr">
+                      <a:solidFill>
+                        <a:schemeClr val="tx1"/>
+                      </a:solidFill>
+                      <a:prstDash val="solid"/>
+                      <a:round/>
+                      <a:headEnd type="none" w="med" len="med"/>
+                      <a:tailEnd type="none" w="med" len="med"/>
+                    </a:lnR>
+                    <a:lnT w="12700" cap="flat" cmpd="sng" algn="ctr">
+                      <a:solidFill>
+                        <a:schemeClr val="tx1"/>
+                      </a:solidFill>
+                      <a:prstDash val="solid"/>
+                      <a:round/>
+                      <a:headEnd type="none" w="med" len="med"/>
+                      <a:tailEnd type="none" w="med" len="med"/>
+                    </a:lnT>
+                    <a:lnB w="12700" cap="flat" cmpd="sng" algn="ctr">
+                      <a:solidFill>
+                        <a:schemeClr val="tx1"/>
+                      </a:solidFill>
+                      <a:prstDash val="solid"/>
+                      <a:round/>
+                      <a:headEnd type="none" w="med" len="med"/>
+                      <a:tailEnd type="none" w="med" len="med"/>
+                    </a:lnB>
+                    <a:solidFill>
+                      <a:schemeClr val="bg1">
+                        <a:lumMod val="95000"/>
+                      </a:schemeClr>
+                    </a:solidFill>
+                  </a:tcPr>
+                </a:tc>
+                <a:tc>
+                  <a:txBody>
+                    <a:bodyPr/>
+                    <a:lstStyle/>
+                    <a:p>
+                      <a:pPr marL="0" marR="0" indent="0" algn="ctr" defTabSz="914400" rtl="0" eaLnBrk="1" fontAlgn="auto" latinLnBrk="1" hangingPunct="1">
+                        <a:lnSpc>
+                          <a:spcPct val="100000"/>
+                        </a:lnSpc>
+                        <a:spcBef>
+                          <a:spcPts val="0"/>
+                        </a:spcBef>
+                        <a:spcAft>
+                          <a:spcPts val="0"/>
+                        </a:spcAft>
+                        <a:buClrTx/>
+                        <a:buSzTx/>
+                        <a:buFontTx/>
+                        <a:buNone/>
+                        <a:tabLst/>
+                        <a:defRPr/>
+                      </a:pPr>
+                      <a:r>
+                        <a:rPr lang="en-US" altLang="ko-KR" sz="1400" dirty="0" smtClean="0">
+                          <a:solidFill>
+                            <a:sysClr val="windowText" lastClr="000000"/>
+                          </a:solidFill>
+                        </a:rPr>
+                        <a:t>012</a:t>
+                      </a:r>
+                      <a:endParaRPr lang="ko-KR" altLang="en-US" sz="1400" dirty="0" smtClean="0">
+                        <a:solidFill>
+                          <a:sysClr val="windowText" lastClr="000000"/>
+                        </a:solidFill>
+                      </a:endParaRPr>
+                    </a:p>
+                  </a:txBody>
+                  <a:tcPr marL="61018" marR="61018" marT="30509" marB="30509" anchor="ctr">
+                    <a:lnL w="12700" cap="flat" cmpd="sng" algn="ctr">
+                      <a:solidFill>
+                        <a:schemeClr val="tx1"/>
+                      </a:solidFill>
+                      <a:prstDash val="solid"/>
+                      <a:round/>
+                      <a:headEnd type="none" w="med" len="med"/>
+                      <a:tailEnd type="none" w="med" len="med"/>
+                    </a:lnL>
+                    <a:lnR w="12700" cap="flat" cmpd="sng" algn="ctr">
+                      <a:solidFill>
+                        <a:schemeClr val="tx1"/>
+                      </a:solidFill>
+                      <a:prstDash val="solid"/>
+                      <a:round/>
+                      <a:headEnd type="none" w="med" len="med"/>
+                      <a:tailEnd type="none" w="med" len="med"/>
+                    </a:lnR>
+                    <a:lnT w="12700" cap="flat" cmpd="sng" algn="ctr">
+                      <a:solidFill>
+                        <a:schemeClr val="tx1"/>
+                      </a:solidFill>
+                      <a:prstDash val="solid"/>
+                      <a:round/>
+                      <a:headEnd type="none" w="med" len="med"/>
+                      <a:tailEnd type="none" w="med" len="med"/>
+                    </a:lnT>
+                    <a:lnB w="12700" cap="flat" cmpd="sng" algn="ctr">
+                      <a:solidFill>
+                        <a:schemeClr val="tx1"/>
+                      </a:solidFill>
+                      <a:prstDash val="solid"/>
+                      <a:round/>
+                      <a:headEnd type="none" w="med" len="med"/>
+                      <a:tailEnd type="none" w="med" len="med"/>
+                    </a:lnB>
+                    <a:solidFill>
+                      <a:schemeClr val="bg1">
+                        <a:lumMod val="95000"/>
+                      </a:schemeClr>
+                    </a:solidFill>
+                  </a:tcPr>
+                </a:tc>
+                <a:tc>
+                  <a:txBody>
+                    <a:bodyPr/>
+                    <a:lstStyle/>
+                    <a:p>
+                      <a:pPr marL="0" marR="0" indent="0" algn="ctr" defTabSz="914400" rtl="0" eaLnBrk="1" fontAlgn="auto" latinLnBrk="1" hangingPunct="1">
+                        <a:lnSpc>
+                          <a:spcPct val="100000"/>
+                        </a:lnSpc>
+                        <a:spcBef>
+                          <a:spcPts val="0"/>
+                        </a:spcBef>
+                        <a:spcAft>
+                          <a:spcPts val="0"/>
+                        </a:spcAft>
+                        <a:buClrTx/>
+                        <a:buSzTx/>
+                        <a:buFontTx/>
+                        <a:buNone/>
+                        <a:tabLst/>
+                        <a:defRPr/>
+                      </a:pPr>
+                      <a:r>
+                        <a:rPr lang="en-US" altLang="ko-KR" sz="1400" dirty="0" smtClean="0">
+                          <a:solidFill>
+                            <a:sysClr val="windowText" lastClr="000000"/>
+                          </a:solidFill>
+                        </a:rPr>
+                        <a:t>127</a:t>
+                      </a:r>
+                      <a:endParaRPr lang="ko-KR" altLang="en-US" sz="1400" dirty="0" smtClean="0">
+                        <a:solidFill>
+                          <a:sysClr val="windowText" lastClr="000000"/>
+                        </a:solidFill>
+                      </a:endParaRPr>
+                    </a:p>
+                  </a:txBody>
+                  <a:tcPr marL="61018" marR="61018" marT="30509" marB="30509" anchor="ctr">
+                    <a:lnL w="12700" cap="flat" cmpd="sng" algn="ctr">
+                      <a:solidFill>
+                        <a:schemeClr val="tx1"/>
+                      </a:solidFill>
+                      <a:prstDash val="solid"/>
+                      <a:round/>
+                      <a:headEnd type="none" w="med" len="med"/>
+                      <a:tailEnd type="none" w="med" len="med"/>
+                    </a:lnL>
+                    <a:lnR w="12700" cap="flat" cmpd="sng" algn="ctr">
+                      <a:solidFill>
+                        <a:schemeClr val="tx1"/>
+                      </a:solidFill>
+                      <a:prstDash val="solid"/>
+                      <a:round/>
+                      <a:headEnd type="none" w="med" len="med"/>
+                      <a:tailEnd type="none" w="med" len="med"/>
+                    </a:lnR>
+                    <a:lnT w="12700" cap="flat" cmpd="sng" algn="ctr">
+                      <a:solidFill>
+                        <a:schemeClr val="tx1"/>
+                      </a:solidFill>
+                      <a:prstDash val="solid"/>
+                      <a:round/>
+                      <a:headEnd type="none" w="med" len="med"/>
+                      <a:tailEnd type="none" w="med" len="med"/>
+                    </a:lnT>
+                    <a:lnB w="12700" cap="flat" cmpd="sng" algn="ctr">
+                      <a:solidFill>
+                        <a:schemeClr val="tx1"/>
+                      </a:solidFill>
+                      <a:prstDash val="solid"/>
+                      <a:round/>
+                      <a:headEnd type="none" w="med" len="med"/>
+                      <a:tailEnd type="none" w="med" len="med"/>
+                    </a:lnB>
+                    <a:solidFill>
+                      <a:schemeClr val="bg1"/>
+                    </a:solidFill>
+                  </a:tcPr>
+                </a:tc>
+                <a:tc>
+                  <a:txBody>
+                    <a:bodyPr/>
+                    <a:lstStyle/>
+                    <a:p>
+                      <a:pPr marL="0" marR="0" indent="0" algn="ctr" defTabSz="914400" rtl="0" eaLnBrk="1" fontAlgn="auto" latinLnBrk="1" hangingPunct="1">
+                        <a:lnSpc>
+                          <a:spcPct val="100000"/>
+                        </a:lnSpc>
+                        <a:spcBef>
+                          <a:spcPts val="0"/>
+                        </a:spcBef>
+                        <a:spcAft>
+                          <a:spcPts val="0"/>
+                        </a:spcAft>
+                        <a:buClrTx/>
+                        <a:buSzTx/>
+                        <a:buFontTx/>
+                        <a:buNone/>
+                        <a:tabLst/>
+                        <a:defRPr/>
+                      </a:pPr>
+                      <a:r>
+                        <a:rPr lang="en-US" altLang="ko-KR" sz="1400" dirty="0" smtClean="0">
+                          <a:solidFill>
+                            <a:sysClr val="windowText" lastClr="000000"/>
+                          </a:solidFill>
+                        </a:rPr>
+                        <a:t>322</a:t>
+                      </a:r>
+                      <a:endParaRPr lang="ko-KR" altLang="en-US" sz="1400" dirty="0" smtClean="0">
+                        <a:solidFill>
+                          <a:sysClr val="windowText" lastClr="000000"/>
+                        </a:solidFill>
+                      </a:endParaRPr>
+                    </a:p>
+                  </a:txBody>
+                  <a:tcPr marL="61018" marR="61018" marT="30509" marB="30509" anchor="ctr">
+                    <a:lnL w="12700" cap="flat" cmpd="sng" algn="ctr">
+                      <a:solidFill>
+                        <a:schemeClr val="tx1"/>
+                      </a:solidFill>
+                      <a:prstDash val="solid"/>
+                      <a:round/>
+                      <a:headEnd type="none" w="med" len="med"/>
+                      <a:tailEnd type="none" w="med" len="med"/>
+                    </a:lnL>
+                    <a:lnR w="12700" cap="flat" cmpd="sng" algn="ctr">
+                      <a:solidFill>
+                        <a:schemeClr val="tx1"/>
+                      </a:solidFill>
+                      <a:prstDash val="solid"/>
+                      <a:round/>
+                      <a:headEnd type="none" w="med" len="med"/>
+                      <a:tailEnd type="none" w="med" len="med"/>
+                    </a:lnR>
+                    <a:lnT w="12700" cap="flat" cmpd="sng" algn="ctr">
+                      <a:solidFill>
+                        <a:schemeClr val="tx1"/>
+                      </a:solidFill>
+                      <a:prstDash val="solid"/>
+                      <a:round/>
+                      <a:headEnd type="none" w="med" len="med"/>
+                      <a:tailEnd type="none" w="med" len="med"/>
+                    </a:lnT>
+                    <a:lnB w="12700" cap="flat" cmpd="sng" algn="ctr">
+                      <a:solidFill>
+                        <a:schemeClr val="tx1"/>
+                      </a:solidFill>
+                      <a:prstDash val="solid"/>
+                      <a:round/>
+                      <a:headEnd type="none" w="med" len="med"/>
+                      <a:tailEnd type="none" w="med" len="med"/>
+                    </a:lnB>
+                    <a:solidFill>
+                      <a:schemeClr val="bg1"/>
+                    </a:solidFill>
+                  </a:tcPr>
+                </a:tc>
+                <a:tc>
+                  <a:txBody>
+                    <a:bodyPr/>
+                    <a:lstStyle/>
+                    <a:p>
+                      <a:pPr algn="ctr" latinLnBrk="1"/>
+                      <a:r>
+                        <a:rPr lang="en-US" altLang="ko-KR" sz="1400" dirty="0" smtClean="0">
+                          <a:solidFill>
+                            <a:sysClr val="windowText" lastClr="000000"/>
+                          </a:solidFill>
+                        </a:rPr>
+                        <a:t>110</a:t>
+                      </a:r>
+                      <a:endParaRPr lang="ko-KR" altLang="en-US" sz="1400" dirty="0">
+                        <a:solidFill>
+                          <a:sysClr val="windowText" lastClr="000000"/>
+                        </a:solidFill>
+                      </a:endParaRPr>
+                    </a:p>
+                  </a:txBody>
+                  <a:tcPr marL="61018" marR="61018" marT="30509" marB="30509" anchor="ctr">
+                    <a:lnL w="12700" cap="flat" cmpd="sng" algn="ctr">
+                      <a:solidFill>
+                        <a:schemeClr val="tx1"/>
+                      </a:solidFill>
+                      <a:prstDash val="solid"/>
+                      <a:round/>
+                      <a:headEnd type="none" w="med" len="med"/>
+                      <a:tailEnd type="none" w="med" len="med"/>
+                    </a:lnL>
+                    <a:lnR w="12700" cap="flat" cmpd="sng" algn="ctr">
+                      <a:solidFill>
+                        <a:schemeClr val="tx1"/>
+                      </a:solidFill>
+                      <a:prstDash val="solid"/>
+                      <a:round/>
+                      <a:headEnd type="none" w="med" len="med"/>
+                      <a:tailEnd type="none" w="med" len="med"/>
+                    </a:lnR>
+                    <a:lnT w="12700" cap="flat" cmpd="sng" algn="ctr">
+                      <a:solidFill>
+                        <a:schemeClr val="tx1"/>
+                      </a:solidFill>
+                      <a:prstDash val="solid"/>
+                      <a:round/>
+                      <a:headEnd type="none" w="med" len="med"/>
+                      <a:tailEnd type="none" w="med" len="med"/>
+                    </a:lnT>
+                    <a:lnB w="12700" cap="flat" cmpd="sng" algn="ctr">
+                      <a:solidFill>
+                        <a:schemeClr val="tx1"/>
+                      </a:solidFill>
+                      <a:prstDash val="solid"/>
+                      <a:round/>
+                      <a:headEnd type="none" w="med" len="med"/>
+                      <a:tailEnd type="none" w="med" len="med"/>
+                    </a:lnB>
+                    <a:solidFill>
+                      <a:schemeClr val="bg1"/>
+                    </a:solidFill>
+                  </a:tcPr>
+                </a:tc>
+                <a:tc>
+                  <a:txBody>
+                    <a:bodyPr/>
+                    <a:lstStyle/>
+                    <a:p>
+                      <a:pPr algn="ctr" latinLnBrk="1"/>
+                      <a:r>
+                        <a:rPr lang="en-US" altLang="ko-KR" sz="1400" dirty="0" smtClean="0">
+                          <a:solidFill>
+                            <a:sysClr val="windowText" lastClr="000000"/>
+                          </a:solidFill>
+                        </a:rPr>
+                        <a:t>467</a:t>
+                      </a:r>
+                      <a:endParaRPr lang="ko-KR" altLang="en-US" sz="1400" dirty="0">
+                        <a:solidFill>
+                          <a:sysClr val="windowText" lastClr="000000"/>
+                        </a:solidFill>
+                      </a:endParaRPr>
+                    </a:p>
+                  </a:txBody>
+                  <a:tcPr marL="61018" marR="61018" marT="30509" marB="30509" anchor="ctr">
+                    <a:lnL w="12700" cap="flat" cmpd="sng" algn="ctr">
+                      <a:solidFill>
+                        <a:schemeClr val="tx1"/>
+                      </a:solidFill>
+                      <a:prstDash val="solid"/>
+                      <a:round/>
+                      <a:headEnd type="none" w="med" len="med"/>
+                      <a:tailEnd type="none" w="med" len="med"/>
+                    </a:lnL>
+                    <a:lnR w="12700" cap="flat" cmpd="sng" algn="ctr">
+                      <a:solidFill>
+                        <a:schemeClr val="tx1"/>
+                      </a:solidFill>
+                      <a:prstDash val="solid"/>
+                      <a:round/>
+                      <a:headEnd type="none" w="med" len="med"/>
+                      <a:tailEnd type="none" w="med" len="med"/>
+                    </a:lnR>
+                    <a:lnT w="12700" cap="flat" cmpd="sng" algn="ctr">
+                      <a:solidFill>
+                        <a:schemeClr val="tx1"/>
+                      </a:solidFill>
+                      <a:prstDash val="solid"/>
+                      <a:round/>
+                      <a:headEnd type="none" w="med" len="med"/>
+                      <a:tailEnd type="none" w="med" len="med"/>
+                    </a:lnT>
+                    <a:lnB w="12700" cap="flat" cmpd="sng" algn="ctr">
+                      <a:solidFill>
+                        <a:schemeClr val="tx1"/>
+                      </a:solidFill>
+                      <a:prstDash val="solid"/>
+                      <a:round/>
+                      <a:headEnd type="none" w="med" len="med"/>
+                      <a:tailEnd type="none" w="med" len="med"/>
+                    </a:lnB>
+                    <a:solidFill>
+                      <a:schemeClr val="bg1"/>
+                    </a:solidFill>
+                  </a:tcPr>
+                </a:tc>
+                <a:extLst>
+                  <a:ext uri="{0D108BD9-81ED-4DB2-BD59-A6C34878D82A}">
+                    <a16:rowId xmlns="" xmlns:a16="http://schemas.microsoft.com/office/drawing/2014/main" val="2318367764"/>
+                  </a:ext>
+                </a:extLst>
+              </a:tr>
+            </a:tbl>
+          </a:graphicData>
+        </a:graphic>
+      </p:graphicFrame>
+    </p:spTree>
+    <p:extLst>
+      <p:ext uri="{BB962C8B-B14F-4D97-AF65-F5344CB8AC3E}">
+        <p14:creationId xmlns:p14="http://schemas.microsoft.com/office/powerpoint/2010/main" val="1746442689"/>
       </p:ext>
     </p:extLst>
   </p:cSld>

--- a/1st_study.pptx
+++ b/1st_study.pptx
@@ -33,6 +33,7 @@
     <p:sldId id="281" r:id="rId27"/>
     <p:sldId id="282" r:id="rId28"/>
     <p:sldId id="283" r:id="rId29"/>
+    <p:sldId id="284" r:id="rId30"/>
   </p:sldIdLst>
   <p:sldSz cx="12192000" cy="6858000"/>
   <p:notesSz cx="6858000" cy="9144000"/>
@@ -279,7 +280,7 @@
           <a:p>
             <a:fld id="{95EEA876-5273-4CAB-BA26-F236DBAE536A}" type="datetimeFigureOut">
               <a:rPr lang="ko-KR" altLang="en-US" smtClean="0"/>
-              <a:t>2019. 11. 30.</a:t>
+              <a:t>2019. 12. 4.</a:t>
             </a:fld>
             <a:endParaRPr lang="ko-KR" altLang="en-US"/>
           </a:p>
@@ -447,7 +448,7 @@
           <a:p>
             <a:fld id="{95EEA876-5273-4CAB-BA26-F236DBAE536A}" type="datetimeFigureOut">
               <a:rPr lang="ko-KR" altLang="en-US" smtClean="0"/>
-              <a:t>2019. 11. 30.</a:t>
+              <a:t>2019. 12. 4.</a:t>
             </a:fld>
             <a:endParaRPr lang="ko-KR" altLang="en-US"/>
           </a:p>
@@ -625,7 +626,7 @@
           <a:p>
             <a:fld id="{95EEA876-5273-4CAB-BA26-F236DBAE536A}" type="datetimeFigureOut">
               <a:rPr lang="ko-KR" altLang="en-US" smtClean="0"/>
-              <a:t>2019. 11. 30.</a:t>
+              <a:t>2019. 12. 4.</a:t>
             </a:fld>
             <a:endParaRPr lang="ko-KR" altLang="en-US"/>
           </a:p>
@@ -793,7 +794,7 @@
           <a:p>
             <a:fld id="{95EEA876-5273-4CAB-BA26-F236DBAE536A}" type="datetimeFigureOut">
               <a:rPr lang="ko-KR" altLang="en-US" smtClean="0"/>
-              <a:t>2019. 11. 30.</a:t>
+              <a:t>2019. 12. 4.</a:t>
             </a:fld>
             <a:endParaRPr lang="ko-KR" altLang="en-US"/>
           </a:p>
@@ -1038,7 +1039,7 @@
           <a:p>
             <a:fld id="{95EEA876-5273-4CAB-BA26-F236DBAE536A}" type="datetimeFigureOut">
               <a:rPr lang="ko-KR" altLang="en-US" smtClean="0"/>
-              <a:t>2019. 11. 30.</a:t>
+              <a:t>2019. 12. 4.</a:t>
             </a:fld>
             <a:endParaRPr lang="ko-KR" altLang="en-US"/>
           </a:p>
@@ -1267,7 +1268,7 @@
           <a:p>
             <a:fld id="{95EEA876-5273-4CAB-BA26-F236DBAE536A}" type="datetimeFigureOut">
               <a:rPr lang="ko-KR" altLang="en-US" smtClean="0"/>
-              <a:t>2019. 11. 30.</a:t>
+              <a:t>2019. 12. 4.</a:t>
             </a:fld>
             <a:endParaRPr lang="ko-KR" altLang="en-US"/>
           </a:p>
@@ -1631,7 +1632,7 @@
           <a:p>
             <a:fld id="{95EEA876-5273-4CAB-BA26-F236DBAE536A}" type="datetimeFigureOut">
               <a:rPr lang="ko-KR" altLang="en-US" smtClean="0"/>
-              <a:t>2019. 11. 30.</a:t>
+              <a:t>2019. 12. 4.</a:t>
             </a:fld>
             <a:endParaRPr lang="ko-KR" altLang="en-US"/>
           </a:p>
@@ -1748,7 +1749,7 @@
           <a:p>
             <a:fld id="{95EEA876-5273-4CAB-BA26-F236DBAE536A}" type="datetimeFigureOut">
               <a:rPr lang="ko-KR" altLang="en-US" smtClean="0"/>
-              <a:t>2019. 11. 30.</a:t>
+              <a:t>2019. 12. 4.</a:t>
             </a:fld>
             <a:endParaRPr lang="ko-KR" altLang="en-US"/>
           </a:p>
@@ -1843,7 +1844,7 @@
           <a:p>
             <a:fld id="{95EEA876-5273-4CAB-BA26-F236DBAE536A}" type="datetimeFigureOut">
               <a:rPr lang="ko-KR" altLang="en-US" smtClean="0"/>
-              <a:t>2019. 11. 30.</a:t>
+              <a:t>2019. 12. 4.</a:t>
             </a:fld>
             <a:endParaRPr lang="ko-KR" altLang="en-US"/>
           </a:p>
@@ -2118,7 +2119,7 @@
           <a:p>
             <a:fld id="{95EEA876-5273-4CAB-BA26-F236DBAE536A}" type="datetimeFigureOut">
               <a:rPr lang="ko-KR" altLang="en-US" smtClean="0"/>
-              <a:t>2019. 11. 30.</a:t>
+              <a:t>2019. 12. 4.</a:t>
             </a:fld>
             <a:endParaRPr lang="ko-KR" altLang="en-US"/>
           </a:p>
@@ -2370,7 +2371,7 @@
           <a:p>
             <a:fld id="{95EEA876-5273-4CAB-BA26-F236DBAE536A}" type="datetimeFigureOut">
               <a:rPr lang="ko-KR" altLang="en-US" smtClean="0"/>
-              <a:t>2019. 11. 30.</a:t>
+              <a:t>2019. 12. 4.</a:t>
             </a:fld>
             <a:endParaRPr lang="ko-KR" altLang="en-US"/>
           </a:p>
@@ -2581,7 +2582,7 @@
           <a:p>
             <a:fld id="{95EEA876-5273-4CAB-BA26-F236DBAE536A}" type="datetimeFigureOut">
               <a:rPr lang="ko-KR" altLang="en-US" smtClean="0"/>
-              <a:t>2019. 11. 30.</a:t>
+              <a:t>2019. 12. 4.</a:t>
             </a:fld>
             <a:endParaRPr lang="ko-KR" altLang="en-US"/>
           </a:p>
@@ -4655,7 +4656,7 @@
           <p:cNvPr id="4" name="내용 개체 틀 2">
             <a:extLst>
               <a:ext uri="{FF2B5EF4-FFF2-40B4-BE49-F238E27FC236}">
-                <a16:creationId xmlns="" xmlns:a16="http://schemas.microsoft.com/office/drawing/2014/main" id="{9BB9C517-0919-4B94-8C2E-438C0C354CB4}"/>
+                <a16:creationId xmlns:a16="http://schemas.microsoft.com/office/drawing/2014/main" xmlns="" id="{9BB9C517-0919-4B94-8C2E-438C0C354CB4}"/>
               </a:ext>
             </a:extLst>
           </p:cNvPr>
@@ -5014,7 +5015,7 @@
           <p:cNvPr id="2" name="제목 1">
             <a:extLst>
               <a:ext uri="{FF2B5EF4-FFF2-40B4-BE49-F238E27FC236}">
-                <a16:creationId xmlns="" xmlns:a16="http://schemas.microsoft.com/office/drawing/2014/main" id="{7CF744E3-11B8-4827-B82D-8BC6B351B97F}"/>
+                <a16:creationId xmlns:a16="http://schemas.microsoft.com/office/drawing/2014/main" xmlns="" id="{7CF744E3-11B8-4827-B82D-8BC6B351B97F}"/>
               </a:ext>
             </a:extLst>
           </p:cNvPr>
@@ -5042,7 +5043,7 @@
           <p:cNvPr id="4" name="표 4">
             <a:extLst>
               <a:ext uri="{FF2B5EF4-FFF2-40B4-BE49-F238E27FC236}">
-                <a16:creationId xmlns="" xmlns:a16="http://schemas.microsoft.com/office/drawing/2014/main" id="{260303AE-5F82-432A-AFE1-96F738EBE501}"/>
+                <a16:creationId xmlns:a16="http://schemas.microsoft.com/office/drawing/2014/main" xmlns="" id="{260303AE-5F82-432A-AFE1-96F738EBE501}"/>
               </a:ext>
             </a:extLst>
           </p:cNvPr>
@@ -5071,7 +5072,7 @@
                 <a:gridCol w="791882">
                   <a:extLst>
                     <a:ext uri="{9D8B030D-6E8A-4147-A177-3AD203B41FA5}">
-                      <a16:colId xmlns="" xmlns:a16="http://schemas.microsoft.com/office/drawing/2014/main" val="2051836303"/>
+                      <a16:colId xmlns:a16="http://schemas.microsoft.com/office/drawing/2014/main" xmlns="" val="2051836303"/>
                     </a:ext>
                   </a:extLst>
                 </a:gridCol>
@@ -5137,7 +5138,7 @@
                 </a:tc>
                 <a:extLst>
                   <a:ext uri="{0D108BD9-81ED-4DB2-BD59-A6C34878D82A}">
-                    <a16:rowId xmlns="" xmlns:a16="http://schemas.microsoft.com/office/drawing/2014/main" val="3210536480"/>
+                    <a16:rowId xmlns:a16="http://schemas.microsoft.com/office/drawing/2014/main" xmlns="" val="3210536480"/>
                   </a:ext>
                 </a:extLst>
               </a:tr>
@@ -5202,7 +5203,7 @@
                 </a:tc>
                 <a:extLst>
                   <a:ext uri="{0D108BD9-81ED-4DB2-BD59-A6C34878D82A}">
-                    <a16:rowId xmlns="" xmlns:a16="http://schemas.microsoft.com/office/drawing/2014/main" val="3036785839"/>
+                    <a16:rowId xmlns:a16="http://schemas.microsoft.com/office/drawing/2014/main" xmlns="" val="3036785839"/>
                   </a:ext>
                 </a:extLst>
               </a:tr>
@@ -5267,7 +5268,7 @@
                 </a:tc>
                 <a:extLst>
                   <a:ext uri="{0D108BD9-81ED-4DB2-BD59-A6C34878D82A}">
-                    <a16:rowId xmlns="" xmlns:a16="http://schemas.microsoft.com/office/drawing/2014/main" val="2075722758"/>
+                    <a16:rowId xmlns:a16="http://schemas.microsoft.com/office/drawing/2014/main" xmlns="" val="2075722758"/>
                   </a:ext>
                 </a:extLst>
               </a:tr>
@@ -5332,7 +5333,7 @@
                 </a:tc>
                 <a:extLst>
                   <a:ext uri="{0D108BD9-81ED-4DB2-BD59-A6C34878D82A}">
-                    <a16:rowId xmlns="" xmlns:a16="http://schemas.microsoft.com/office/drawing/2014/main" val="2494852938"/>
+                    <a16:rowId xmlns:a16="http://schemas.microsoft.com/office/drawing/2014/main" xmlns="" val="2494852938"/>
                   </a:ext>
                 </a:extLst>
               </a:tr>
@@ -5397,7 +5398,7 @@
                 </a:tc>
                 <a:extLst>
                   <a:ext uri="{0D108BD9-81ED-4DB2-BD59-A6C34878D82A}">
-                    <a16:rowId xmlns="" xmlns:a16="http://schemas.microsoft.com/office/drawing/2014/main" val="1637671158"/>
+                    <a16:rowId xmlns:a16="http://schemas.microsoft.com/office/drawing/2014/main" xmlns="" val="1637671158"/>
                   </a:ext>
                 </a:extLst>
               </a:tr>
@@ -5462,7 +5463,7 @@
                 </a:tc>
                 <a:extLst>
                   <a:ext uri="{0D108BD9-81ED-4DB2-BD59-A6C34878D82A}">
-                    <a16:rowId xmlns="" xmlns:a16="http://schemas.microsoft.com/office/drawing/2014/main" val="3240980806"/>
+                    <a16:rowId xmlns:a16="http://schemas.microsoft.com/office/drawing/2014/main" xmlns="" val="3240980806"/>
                   </a:ext>
                 </a:extLst>
               </a:tr>
@@ -5527,7 +5528,7 @@
                 </a:tc>
                 <a:extLst>
                   <a:ext uri="{0D108BD9-81ED-4DB2-BD59-A6C34878D82A}">
-                    <a16:rowId xmlns="" xmlns:a16="http://schemas.microsoft.com/office/drawing/2014/main" val="3299560784"/>
+                    <a16:rowId xmlns:a16="http://schemas.microsoft.com/office/drawing/2014/main" xmlns="" val="3299560784"/>
                   </a:ext>
                 </a:extLst>
               </a:tr>
@@ -5540,7 +5541,7 @@
           <p:cNvPr id="13" name="그룹 12">
             <a:extLst>
               <a:ext uri="{FF2B5EF4-FFF2-40B4-BE49-F238E27FC236}">
-                <a16:creationId xmlns="" xmlns:a16="http://schemas.microsoft.com/office/drawing/2014/main" id="{525467F8-EDFA-4709-BA70-EA5CFBBE6D38}"/>
+                <a16:creationId xmlns:a16="http://schemas.microsoft.com/office/drawing/2014/main" xmlns="" id="{525467F8-EDFA-4709-BA70-EA5CFBBE6D38}"/>
               </a:ext>
             </a:extLst>
           </p:cNvPr>
@@ -5560,7 +5561,7 @@
             <p:cNvPr id="7" name="직사각형 6">
               <a:extLst>
                 <a:ext uri="{FF2B5EF4-FFF2-40B4-BE49-F238E27FC236}">
-                  <a16:creationId xmlns="" xmlns:a16="http://schemas.microsoft.com/office/drawing/2014/main" id="{BEC31238-B4EB-461B-AD60-A4BD8225E52A}"/>
+                  <a16:creationId xmlns:a16="http://schemas.microsoft.com/office/drawing/2014/main" xmlns="" id="{BEC31238-B4EB-461B-AD60-A4BD8225E52A}"/>
                 </a:ext>
               </a:extLst>
             </p:cNvPr>
@@ -5617,7 +5618,7 @@
             <p:cNvPr id="8" name="직사각형 7">
               <a:extLst>
                 <a:ext uri="{FF2B5EF4-FFF2-40B4-BE49-F238E27FC236}">
-                  <a16:creationId xmlns="" xmlns:a16="http://schemas.microsoft.com/office/drawing/2014/main" id="{1650DFD3-C52A-4714-B10A-DAA8B8B2F5F8}"/>
+                  <a16:creationId xmlns:a16="http://schemas.microsoft.com/office/drawing/2014/main" xmlns="" id="{1650DFD3-C52A-4714-B10A-DAA8B8B2F5F8}"/>
                 </a:ext>
               </a:extLst>
             </p:cNvPr>
@@ -5674,7 +5675,7 @@
             <p:cNvPr id="10" name="TextBox 9">
               <a:extLst>
                 <a:ext uri="{FF2B5EF4-FFF2-40B4-BE49-F238E27FC236}">
-                  <a16:creationId xmlns="" xmlns:a16="http://schemas.microsoft.com/office/drawing/2014/main" id="{B107C881-92D1-4581-BFF7-C829CCA7821E}"/>
+                  <a16:creationId xmlns:a16="http://schemas.microsoft.com/office/drawing/2014/main" xmlns="" id="{B107C881-92D1-4581-BFF7-C829CCA7821E}"/>
                 </a:ext>
               </a:extLst>
             </p:cNvPr>
@@ -5709,7 +5710,7 @@
             <p:cNvPr id="11" name="TextBox 10">
               <a:extLst>
                 <a:ext uri="{FF2B5EF4-FFF2-40B4-BE49-F238E27FC236}">
-                  <a16:creationId xmlns="" xmlns:a16="http://schemas.microsoft.com/office/drawing/2014/main" id="{A0617C4F-B9A4-4590-BD1E-FF55DF2E2641}"/>
+                  <a16:creationId xmlns:a16="http://schemas.microsoft.com/office/drawing/2014/main" xmlns="" id="{A0617C4F-B9A4-4590-BD1E-FF55DF2E2641}"/>
                 </a:ext>
               </a:extLst>
             </p:cNvPr>
@@ -5746,7 +5747,7 @@
             <p:cNvPr id="12" name="TextBox 11">
               <a:extLst>
                 <a:ext uri="{FF2B5EF4-FFF2-40B4-BE49-F238E27FC236}">
-                  <a16:creationId xmlns="" xmlns:a16="http://schemas.microsoft.com/office/drawing/2014/main" id="{CF928A21-2156-48CE-94CB-FDC698A502DA}"/>
+                  <a16:creationId xmlns:a16="http://schemas.microsoft.com/office/drawing/2014/main" xmlns="" id="{CF928A21-2156-48CE-94CB-FDC698A502DA}"/>
                 </a:ext>
               </a:extLst>
             </p:cNvPr>
@@ -5783,7 +5784,7 @@
           <p:cNvPr id="14" name="그룹 13">
             <a:extLst>
               <a:ext uri="{FF2B5EF4-FFF2-40B4-BE49-F238E27FC236}">
-                <a16:creationId xmlns="" xmlns:a16="http://schemas.microsoft.com/office/drawing/2014/main" id="{A035637C-C779-45F7-9342-2244707387F7}"/>
+                <a16:creationId xmlns:a16="http://schemas.microsoft.com/office/drawing/2014/main" xmlns="" id="{A035637C-C779-45F7-9342-2244707387F7}"/>
               </a:ext>
             </a:extLst>
           </p:cNvPr>
@@ -5803,7 +5804,7 @@
             <p:cNvPr id="15" name="직사각형 14">
               <a:extLst>
                 <a:ext uri="{FF2B5EF4-FFF2-40B4-BE49-F238E27FC236}">
-                  <a16:creationId xmlns="" xmlns:a16="http://schemas.microsoft.com/office/drawing/2014/main" id="{C637C700-DC5A-4DF4-B91D-9699F39CC105}"/>
+                  <a16:creationId xmlns:a16="http://schemas.microsoft.com/office/drawing/2014/main" xmlns="" id="{C637C700-DC5A-4DF4-B91D-9699F39CC105}"/>
                 </a:ext>
               </a:extLst>
             </p:cNvPr>
@@ -5860,7 +5861,7 @@
             <p:cNvPr id="16" name="직사각형 15">
               <a:extLst>
                 <a:ext uri="{FF2B5EF4-FFF2-40B4-BE49-F238E27FC236}">
-                  <a16:creationId xmlns="" xmlns:a16="http://schemas.microsoft.com/office/drawing/2014/main" id="{00CDA304-4B71-4DFF-BD7A-3D9693638B16}"/>
+                  <a16:creationId xmlns:a16="http://schemas.microsoft.com/office/drawing/2014/main" xmlns="" id="{00CDA304-4B71-4DFF-BD7A-3D9693638B16}"/>
                 </a:ext>
               </a:extLst>
             </p:cNvPr>
@@ -5917,7 +5918,7 @@
             <p:cNvPr id="17" name="TextBox 16">
               <a:extLst>
                 <a:ext uri="{FF2B5EF4-FFF2-40B4-BE49-F238E27FC236}">
-                  <a16:creationId xmlns="" xmlns:a16="http://schemas.microsoft.com/office/drawing/2014/main" id="{802D4E9A-3F0A-4F12-B7DB-625D23B049FF}"/>
+                  <a16:creationId xmlns:a16="http://schemas.microsoft.com/office/drawing/2014/main" xmlns="" id="{802D4E9A-3F0A-4F12-B7DB-625D23B049FF}"/>
                 </a:ext>
               </a:extLst>
             </p:cNvPr>
@@ -5952,7 +5953,7 @@
             <p:cNvPr id="18" name="TextBox 17">
               <a:extLst>
                 <a:ext uri="{FF2B5EF4-FFF2-40B4-BE49-F238E27FC236}">
-                  <a16:creationId xmlns="" xmlns:a16="http://schemas.microsoft.com/office/drawing/2014/main" id="{B772AF12-B3BD-4BEE-BF9C-C0EE41BA9CC1}"/>
+                  <a16:creationId xmlns:a16="http://schemas.microsoft.com/office/drawing/2014/main" xmlns="" id="{B772AF12-B3BD-4BEE-BF9C-C0EE41BA9CC1}"/>
                 </a:ext>
               </a:extLst>
             </p:cNvPr>
@@ -5989,7 +5990,7 @@
             <p:cNvPr id="19" name="TextBox 18">
               <a:extLst>
                 <a:ext uri="{FF2B5EF4-FFF2-40B4-BE49-F238E27FC236}">
-                  <a16:creationId xmlns="" xmlns:a16="http://schemas.microsoft.com/office/drawing/2014/main" id="{70B060DC-A28C-4016-BBCC-09D778BD40BB}"/>
+                  <a16:creationId xmlns:a16="http://schemas.microsoft.com/office/drawing/2014/main" xmlns="" id="{70B060DC-A28C-4016-BBCC-09D778BD40BB}"/>
                 </a:ext>
               </a:extLst>
             </p:cNvPr>
@@ -6026,7 +6027,7 @@
           <p:cNvPr id="20" name="그룹 19">
             <a:extLst>
               <a:ext uri="{FF2B5EF4-FFF2-40B4-BE49-F238E27FC236}">
-                <a16:creationId xmlns="" xmlns:a16="http://schemas.microsoft.com/office/drawing/2014/main" id="{86DB9A38-3329-48F3-AF62-E4E8840C3C8D}"/>
+                <a16:creationId xmlns:a16="http://schemas.microsoft.com/office/drawing/2014/main" xmlns="" id="{86DB9A38-3329-48F3-AF62-E4E8840C3C8D}"/>
               </a:ext>
             </a:extLst>
           </p:cNvPr>
@@ -6046,7 +6047,7 @@
             <p:cNvPr id="21" name="직사각형 20">
               <a:extLst>
                 <a:ext uri="{FF2B5EF4-FFF2-40B4-BE49-F238E27FC236}">
-                  <a16:creationId xmlns="" xmlns:a16="http://schemas.microsoft.com/office/drawing/2014/main" id="{1A565B51-7BC7-474D-A17F-A4C0076653BE}"/>
+                  <a16:creationId xmlns:a16="http://schemas.microsoft.com/office/drawing/2014/main" xmlns="" id="{1A565B51-7BC7-474D-A17F-A4C0076653BE}"/>
                 </a:ext>
               </a:extLst>
             </p:cNvPr>
@@ -6103,7 +6104,7 @@
             <p:cNvPr id="22" name="직사각형 21">
               <a:extLst>
                 <a:ext uri="{FF2B5EF4-FFF2-40B4-BE49-F238E27FC236}">
-                  <a16:creationId xmlns="" xmlns:a16="http://schemas.microsoft.com/office/drawing/2014/main" id="{94A8614D-D1B2-48CC-9507-A8BDAE72C269}"/>
+                  <a16:creationId xmlns:a16="http://schemas.microsoft.com/office/drawing/2014/main" xmlns="" id="{94A8614D-D1B2-48CC-9507-A8BDAE72C269}"/>
                 </a:ext>
               </a:extLst>
             </p:cNvPr>
@@ -6160,7 +6161,7 @@
             <p:cNvPr id="23" name="TextBox 22">
               <a:extLst>
                 <a:ext uri="{FF2B5EF4-FFF2-40B4-BE49-F238E27FC236}">
-                  <a16:creationId xmlns="" xmlns:a16="http://schemas.microsoft.com/office/drawing/2014/main" id="{F3B8E55B-B7B9-4F8B-AD42-CA1984E0D807}"/>
+                  <a16:creationId xmlns:a16="http://schemas.microsoft.com/office/drawing/2014/main" xmlns="" id="{F3B8E55B-B7B9-4F8B-AD42-CA1984E0D807}"/>
                 </a:ext>
               </a:extLst>
             </p:cNvPr>
@@ -6195,7 +6196,7 @@
             <p:cNvPr id="24" name="TextBox 23">
               <a:extLst>
                 <a:ext uri="{FF2B5EF4-FFF2-40B4-BE49-F238E27FC236}">
-                  <a16:creationId xmlns="" xmlns:a16="http://schemas.microsoft.com/office/drawing/2014/main" id="{82430228-ADE4-40EE-9CD4-0B070DD276C5}"/>
+                  <a16:creationId xmlns:a16="http://schemas.microsoft.com/office/drawing/2014/main" xmlns="" id="{82430228-ADE4-40EE-9CD4-0B070DD276C5}"/>
                 </a:ext>
               </a:extLst>
             </p:cNvPr>
@@ -6232,7 +6233,7 @@
             <p:cNvPr id="25" name="TextBox 24">
               <a:extLst>
                 <a:ext uri="{FF2B5EF4-FFF2-40B4-BE49-F238E27FC236}">
-                  <a16:creationId xmlns="" xmlns:a16="http://schemas.microsoft.com/office/drawing/2014/main" id="{B0DC403B-6380-495A-AFD2-A0A57D0EABDA}"/>
+                  <a16:creationId xmlns:a16="http://schemas.microsoft.com/office/drawing/2014/main" xmlns="" id="{B0DC403B-6380-495A-AFD2-A0A57D0EABDA}"/>
                 </a:ext>
               </a:extLst>
             </p:cNvPr>
@@ -6269,7 +6270,7 @@
           <p:cNvPr id="26" name="그룹 25">
             <a:extLst>
               <a:ext uri="{FF2B5EF4-FFF2-40B4-BE49-F238E27FC236}">
-                <a16:creationId xmlns="" xmlns:a16="http://schemas.microsoft.com/office/drawing/2014/main" id="{DD76409C-D406-4575-8DAC-CE85204EF101}"/>
+                <a16:creationId xmlns:a16="http://schemas.microsoft.com/office/drawing/2014/main" xmlns="" id="{DD76409C-D406-4575-8DAC-CE85204EF101}"/>
               </a:ext>
             </a:extLst>
           </p:cNvPr>
@@ -6289,7 +6290,7 @@
             <p:cNvPr id="27" name="직사각형 26">
               <a:extLst>
                 <a:ext uri="{FF2B5EF4-FFF2-40B4-BE49-F238E27FC236}">
-                  <a16:creationId xmlns="" xmlns:a16="http://schemas.microsoft.com/office/drawing/2014/main" id="{7F4AD81D-CE82-4253-A236-3058885EF413}"/>
+                  <a16:creationId xmlns:a16="http://schemas.microsoft.com/office/drawing/2014/main" xmlns="" id="{7F4AD81D-CE82-4253-A236-3058885EF413}"/>
                 </a:ext>
               </a:extLst>
             </p:cNvPr>
@@ -6346,7 +6347,7 @@
             <p:cNvPr id="28" name="직사각형 27">
               <a:extLst>
                 <a:ext uri="{FF2B5EF4-FFF2-40B4-BE49-F238E27FC236}">
-                  <a16:creationId xmlns="" xmlns:a16="http://schemas.microsoft.com/office/drawing/2014/main" id="{17809C90-8625-4F37-9A61-A31EB8F08E35}"/>
+                  <a16:creationId xmlns:a16="http://schemas.microsoft.com/office/drawing/2014/main" xmlns="" id="{17809C90-8625-4F37-9A61-A31EB8F08E35}"/>
                 </a:ext>
               </a:extLst>
             </p:cNvPr>
@@ -6403,7 +6404,7 @@
             <p:cNvPr id="29" name="TextBox 28">
               <a:extLst>
                 <a:ext uri="{FF2B5EF4-FFF2-40B4-BE49-F238E27FC236}">
-                  <a16:creationId xmlns="" xmlns:a16="http://schemas.microsoft.com/office/drawing/2014/main" id="{23CF47F0-16C2-4A3D-B4B8-1BF854B53D72}"/>
+                  <a16:creationId xmlns:a16="http://schemas.microsoft.com/office/drawing/2014/main" xmlns="" id="{23CF47F0-16C2-4A3D-B4B8-1BF854B53D72}"/>
                 </a:ext>
               </a:extLst>
             </p:cNvPr>
@@ -6438,7 +6439,7 @@
             <p:cNvPr id="30" name="TextBox 29">
               <a:extLst>
                 <a:ext uri="{FF2B5EF4-FFF2-40B4-BE49-F238E27FC236}">
-                  <a16:creationId xmlns="" xmlns:a16="http://schemas.microsoft.com/office/drawing/2014/main" id="{A812A142-367C-4A11-B52D-92E26AB67EEC}"/>
+                  <a16:creationId xmlns:a16="http://schemas.microsoft.com/office/drawing/2014/main" xmlns="" id="{A812A142-367C-4A11-B52D-92E26AB67EEC}"/>
                 </a:ext>
               </a:extLst>
             </p:cNvPr>
@@ -6475,7 +6476,7 @@
             <p:cNvPr id="31" name="TextBox 30">
               <a:extLst>
                 <a:ext uri="{FF2B5EF4-FFF2-40B4-BE49-F238E27FC236}">
-                  <a16:creationId xmlns="" xmlns:a16="http://schemas.microsoft.com/office/drawing/2014/main" id="{317881E1-E5CC-44A5-AE8E-16C19DCFCCCA}"/>
+                  <a16:creationId xmlns:a16="http://schemas.microsoft.com/office/drawing/2014/main" xmlns="" id="{317881E1-E5CC-44A5-AE8E-16C19DCFCCCA}"/>
                 </a:ext>
               </a:extLst>
             </p:cNvPr>
@@ -6512,7 +6513,7 @@
           <p:cNvPr id="32" name="그룹 31">
             <a:extLst>
               <a:ext uri="{FF2B5EF4-FFF2-40B4-BE49-F238E27FC236}">
-                <a16:creationId xmlns="" xmlns:a16="http://schemas.microsoft.com/office/drawing/2014/main" id="{FE77BAC9-FBE8-4B5A-BB3D-57EA4C90D043}"/>
+                <a16:creationId xmlns:a16="http://schemas.microsoft.com/office/drawing/2014/main" xmlns="" id="{FE77BAC9-FBE8-4B5A-BB3D-57EA4C90D043}"/>
               </a:ext>
             </a:extLst>
           </p:cNvPr>
@@ -6532,7 +6533,7 @@
             <p:cNvPr id="33" name="직사각형 32">
               <a:extLst>
                 <a:ext uri="{FF2B5EF4-FFF2-40B4-BE49-F238E27FC236}">
-                  <a16:creationId xmlns="" xmlns:a16="http://schemas.microsoft.com/office/drawing/2014/main" id="{3C8F043C-C450-47D8-A79D-946F1CC0AE3D}"/>
+                  <a16:creationId xmlns:a16="http://schemas.microsoft.com/office/drawing/2014/main" xmlns="" id="{3C8F043C-C450-47D8-A79D-946F1CC0AE3D}"/>
                 </a:ext>
               </a:extLst>
             </p:cNvPr>
@@ -6589,7 +6590,7 @@
             <p:cNvPr id="34" name="직사각형 33">
               <a:extLst>
                 <a:ext uri="{FF2B5EF4-FFF2-40B4-BE49-F238E27FC236}">
-                  <a16:creationId xmlns="" xmlns:a16="http://schemas.microsoft.com/office/drawing/2014/main" id="{A8DA7E6A-6BDE-4449-B043-B973D20C1BAC}"/>
+                  <a16:creationId xmlns:a16="http://schemas.microsoft.com/office/drawing/2014/main" xmlns="" id="{A8DA7E6A-6BDE-4449-B043-B973D20C1BAC}"/>
                 </a:ext>
               </a:extLst>
             </p:cNvPr>
@@ -6646,7 +6647,7 @@
             <p:cNvPr id="35" name="TextBox 34">
               <a:extLst>
                 <a:ext uri="{FF2B5EF4-FFF2-40B4-BE49-F238E27FC236}">
-                  <a16:creationId xmlns="" xmlns:a16="http://schemas.microsoft.com/office/drawing/2014/main" id="{D2BD38CD-DA72-4914-9E7E-47E32790A1B9}"/>
+                  <a16:creationId xmlns:a16="http://schemas.microsoft.com/office/drawing/2014/main" xmlns="" id="{D2BD38CD-DA72-4914-9E7E-47E32790A1B9}"/>
                 </a:ext>
               </a:extLst>
             </p:cNvPr>
@@ -6681,7 +6682,7 @@
             <p:cNvPr id="36" name="TextBox 35">
               <a:extLst>
                 <a:ext uri="{FF2B5EF4-FFF2-40B4-BE49-F238E27FC236}">
-                  <a16:creationId xmlns="" xmlns:a16="http://schemas.microsoft.com/office/drawing/2014/main" id="{4ABB27FB-A4C7-46F4-85F8-A7922ABF1CFE}"/>
+                  <a16:creationId xmlns:a16="http://schemas.microsoft.com/office/drawing/2014/main" xmlns="" id="{4ABB27FB-A4C7-46F4-85F8-A7922ABF1CFE}"/>
                 </a:ext>
               </a:extLst>
             </p:cNvPr>
@@ -6718,7 +6719,7 @@
             <p:cNvPr id="37" name="TextBox 36">
               <a:extLst>
                 <a:ext uri="{FF2B5EF4-FFF2-40B4-BE49-F238E27FC236}">
-                  <a16:creationId xmlns="" xmlns:a16="http://schemas.microsoft.com/office/drawing/2014/main" id="{DAD9C8A4-087B-4108-892F-138779107B96}"/>
+                  <a16:creationId xmlns:a16="http://schemas.microsoft.com/office/drawing/2014/main" xmlns="" id="{DAD9C8A4-087B-4108-892F-138779107B96}"/>
                 </a:ext>
               </a:extLst>
             </p:cNvPr>
@@ -6755,7 +6756,7 @@
           <p:cNvPr id="38" name="그룹 37">
             <a:extLst>
               <a:ext uri="{FF2B5EF4-FFF2-40B4-BE49-F238E27FC236}">
-                <a16:creationId xmlns="" xmlns:a16="http://schemas.microsoft.com/office/drawing/2014/main" id="{E98D60D4-7059-467F-96BC-048503ABC886}"/>
+                <a16:creationId xmlns:a16="http://schemas.microsoft.com/office/drawing/2014/main" xmlns="" id="{E98D60D4-7059-467F-96BC-048503ABC886}"/>
               </a:ext>
             </a:extLst>
           </p:cNvPr>
@@ -6775,7 +6776,7 @@
             <p:cNvPr id="39" name="직사각형 38">
               <a:extLst>
                 <a:ext uri="{FF2B5EF4-FFF2-40B4-BE49-F238E27FC236}">
-                  <a16:creationId xmlns="" xmlns:a16="http://schemas.microsoft.com/office/drawing/2014/main" id="{ED7E0B4F-5601-40C6-ACE3-E7C91CE3CE64}"/>
+                  <a16:creationId xmlns:a16="http://schemas.microsoft.com/office/drawing/2014/main" xmlns="" id="{ED7E0B4F-5601-40C6-ACE3-E7C91CE3CE64}"/>
                 </a:ext>
               </a:extLst>
             </p:cNvPr>
@@ -6832,7 +6833,7 @@
             <p:cNvPr id="40" name="직사각형 39">
               <a:extLst>
                 <a:ext uri="{FF2B5EF4-FFF2-40B4-BE49-F238E27FC236}">
-                  <a16:creationId xmlns="" xmlns:a16="http://schemas.microsoft.com/office/drawing/2014/main" id="{34AA947D-9408-400D-AC5D-5342B39ABE1A}"/>
+                  <a16:creationId xmlns:a16="http://schemas.microsoft.com/office/drawing/2014/main" xmlns="" id="{34AA947D-9408-400D-AC5D-5342B39ABE1A}"/>
                 </a:ext>
               </a:extLst>
             </p:cNvPr>
@@ -6889,7 +6890,7 @@
             <p:cNvPr id="41" name="TextBox 40">
               <a:extLst>
                 <a:ext uri="{FF2B5EF4-FFF2-40B4-BE49-F238E27FC236}">
-                  <a16:creationId xmlns="" xmlns:a16="http://schemas.microsoft.com/office/drawing/2014/main" id="{A9F0B356-93E4-4AEA-85B6-4C79B9643CCF}"/>
+                  <a16:creationId xmlns:a16="http://schemas.microsoft.com/office/drawing/2014/main" xmlns="" id="{A9F0B356-93E4-4AEA-85B6-4C79B9643CCF}"/>
                 </a:ext>
               </a:extLst>
             </p:cNvPr>
@@ -6924,7 +6925,7 @@
             <p:cNvPr id="42" name="TextBox 41">
               <a:extLst>
                 <a:ext uri="{FF2B5EF4-FFF2-40B4-BE49-F238E27FC236}">
-                  <a16:creationId xmlns="" xmlns:a16="http://schemas.microsoft.com/office/drawing/2014/main" id="{28D58E95-8FE9-42E6-846B-ABB2CE8A74E8}"/>
+                  <a16:creationId xmlns:a16="http://schemas.microsoft.com/office/drawing/2014/main" xmlns="" id="{28D58E95-8FE9-42E6-846B-ABB2CE8A74E8}"/>
                 </a:ext>
               </a:extLst>
             </p:cNvPr>
@@ -6961,7 +6962,7 @@
             <p:cNvPr id="43" name="TextBox 42">
               <a:extLst>
                 <a:ext uri="{FF2B5EF4-FFF2-40B4-BE49-F238E27FC236}">
-                  <a16:creationId xmlns="" xmlns:a16="http://schemas.microsoft.com/office/drawing/2014/main" id="{0D6C15E8-68F3-4A5D-8A97-3BAE18E7E58B}"/>
+                  <a16:creationId xmlns:a16="http://schemas.microsoft.com/office/drawing/2014/main" xmlns="" id="{0D6C15E8-68F3-4A5D-8A97-3BAE18E7E58B}"/>
                 </a:ext>
               </a:extLst>
             </p:cNvPr>
@@ -6998,7 +6999,7 @@
           <p:cNvPr id="44" name="그룹 43">
             <a:extLst>
               <a:ext uri="{FF2B5EF4-FFF2-40B4-BE49-F238E27FC236}">
-                <a16:creationId xmlns="" xmlns:a16="http://schemas.microsoft.com/office/drawing/2014/main" id="{18D9B4F6-C1F3-46AC-8B50-B147BC98E069}"/>
+                <a16:creationId xmlns:a16="http://schemas.microsoft.com/office/drawing/2014/main" xmlns="" id="{18D9B4F6-C1F3-46AC-8B50-B147BC98E069}"/>
               </a:ext>
             </a:extLst>
           </p:cNvPr>
@@ -7018,7 +7019,7 @@
             <p:cNvPr id="45" name="직사각형 44">
               <a:extLst>
                 <a:ext uri="{FF2B5EF4-FFF2-40B4-BE49-F238E27FC236}">
-                  <a16:creationId xmlns="" xmlns:a16="http://schemas.microsoft.com/office/drawing/2014/main" id="{099099D9-E519-40F9-A197-14FE1106759B}"/>
+                  <a16:creationId xmlns:a16="http://schemas.microsoft.com/office/drawing/2014/main" xmlns="" id="{099099D9-E519-40F9-A197-14FE1106759B}"/>
                 </a:ext>
               </a:extLst>
             </p:cNvPr>
@@ -7075,7 +7076,7 @@
             <p:cNvPr id="46" name="직사각형 45">
               <a:extLst>
                 <a:ext uri="{FF2B5EF4-FFF2-40B4-BE49-F238E27FC236}">
-                  <a16:creationId xmlns="" xmlns:a16="http://schemas.microsoft.com/office/drawing/2014/main" id="{F0C819CA-EE78-4215-AA5D-D580A6C68AE6}"/>
+                  <a16:creationId xmlns:a16="http://schemas.microsoft.com/office/drawing/2014/main" xmlns="" id="{F0C819CA-EE78-4215-AA5D-D580A6C68AE6}"/>
                 </a:ext>
               </a:extLst>
             </p:cNvPr>
@@ -7132,7 +7133,7 @@
             <p:cNvPr id="47" name="TextBox 46">
               <a:extLst>
                 <a:ext uri="{FF2B5EF4-FFF2-40B4-BE49-F238E27FC236}">
-                  <a16:creationId xmlns="" xmlns:a16="http://schemas.microsoft.com/office/drawing/2014/main" id="{5EF2E083-6F1F-4BCA-A4E0-5534635E6E3C}"/>
+                  <a16:creationId xmlns:a16="http://schemas.microsoft.com/office/drawing/2014/main" xmlns="" id="{5EF2E083-6F1F-4BCA-A4E0-5534635E6E3C}"/>
                 </a:ext>
               </a:extLst>
             </p:cNvPr>
@@ -7167,7 +7168,7 @@
             <p:cNvPr id="48" name="TextBox 47">
               <a:extLst>
                 <a:ext uri="{FF2B5EF4-FFF2-40B4-BE49-F238E27FC236}">
-                  <a16:creationId xmlns="" xmlns:a16="http://schemas.microsoft.com/office/drawing/2014/main" id="{51754BBB-0BE4-4F32-B382-C4E36C374F3C}"/>
+                  <a16:creationId xmlns:a16="http://schemas.microsoft.com/office/drawing/2014/main" xmlns="" id="{51754BBB-0BE4-4F32-B382-C4E36C374F3C}"/>
                 </a:ext>
               </a:extLst>
             </p:cNvPr>
@@ -7204,7 +7205,7 @@
             <p:cNvPr id="49" name="TextBox 48">
               <a:extLst>
                 <a:ext uri="{FF2B5EF4-FFF2-40B4-BE49-F238E27FC236}">
-                  <a16:creationId xmlns="" xmlns:a16="http://schemas.microsoft.com/office/drawing/2014/main" id="{C8A6172E-A9AD-45A3-AC6D-09D4ED9A5353}"/>
+                  <a16:creationId xmlns:a16="http://schemas.microsoft.com/office/drawing/2014/main" xmlns="" id="{C8A6172E-A9AD-45A3-AC6D-09D4ED9A5353}"/>
                 </a:ext>
               </a:extLst>
             </p:cNvPr>
@@ -7241,7 +7242,7 @@
           <p:cNvPr id="53" name="직선 화살표 연결선 52">
             <a:extLst>
               <a:ext uri="{FF2B5EF4-FFF2-40B4-BE49-F238E27FC236}">
-                <a16:creationId xmlns="" xmlns:a16="http://schemas.microsoft.com/office/drawing/2014/main" id="{8D5732DD-7D28-4B90-863B-01354C68E643}"/>
+                <a16:creationId xmlns:a16="http://schemas.microsoft.com/office/drawing/2014/main" xmlns="" id="{8D5732DD-7D28-4B90-863B-01354C68E643}"/>
               </a:ext>
             </a:extLst>
           </p:cNvPr>
@@ -7290,7 +7291,7 @@
           <p:cNvPr id="57" name="직선 화살표 연결선 56">
             <a:extLst>
               <a:ext uri="{FF2B5EF4-FFF2-40B4-BE49-F238E27FC236}">
-                <a16:creationId xmlns="" xmlns:a16="http://schemas.microsoft.com/office/drawing/2014/main" id="{FB5C8413-F5EE-4962-9F7F-7F29444D80F6}"/>
+                <a16:creationId xmlns:a16="http://schemas.microsoft.com/office/drawing/2014/main" xmlns="" id="{FB5C8413-F5EE-4962-9F7F-7F29444D80F6}"/>
               </a:ext>
             </a:extLst>
           </p:cNvPr>
@@ -7339,7 +7340,7 @@
           <p:cNvPr id="60" name="연결선: 꺾임 59">
             <a:extLst>
               <a:ext uri="{FF2B5EF4-FFF2-40B4-BE49-F238E27FC236}">
-                <a16:creationId xmlns="" xmlns:a16="http://schemas.microsoft.com/office/drawing/2014/main" id="{0FEE224C-B1CF-4378-AB78-C465B1E0A2A1}"/>
+                <a16:creationId xmlns:a16="http://schemas.microsoft.com/office/drawing/2014/main" xmlns="" id="{0FEE224C-B1CF-4378-AB78-C465B1E0A2A1}"/>
               </a:ext>
             </a:extLst>
           </p:cNvPr>
@@ -7393,7 +7394,7 @@
           <p:cNvPr id="64" name="연결선: 꺾임 63">
             <a:extLst>
               <a:ext uri="{FF2B5EF4-FFF2-40B4-BE49-F238E27FC236}">
-                <a16:creationId xmlns="" xmlns:a16="http://schemas.microsoft.com/office/drawing/2014/main" id="{4219ED03-E7ED-4D3D-B536-8F5748E122D8}"/>
+                <a16:creationId xmlns:a16="http://schemas.microsoft.com/office/drawing/2014/main" xmlns="" id="{4219ED03-E7ED-4D3D-B536-8F5748E122D8}"/>
               </a:ext>
             </a:extLst>
           </p:cNvPr>
@@ -7447,7 +7448,7 @@
           <p:cNvPr id="68" name="직선 화살표 연결선 67">
             <a:extLst>
               <a:ext uri="{FF2B5EF4-FFF2-40B4-BE49-F238E27FC236}">
-                <a16:creationId xmlns="" xmlns:a16="http://schemas.microsoft.com/office/drawing/2014/main" id="{2F6C66A6-530D-45F3-96DD-12D9045A727A}"/>
+                <a16:creationId xmlns:a16="http://schemas.microsoft.com/office/drawing/2014/main" xmlns="" id="{2F6C66A6-530D-45F3-96DD-12D9045A727A}"/>
               </a:ext>
             </a:extLst>
           </p:cNvPr>
@@ -7496,7 +7497,7 @@
           <p:cNvPr id="70" name="직선 화살표 연결선 69">
             <a:extLst>
               <a:ext uri="{FF2B5EF4-FFF2-40B4-BE49-F238E27FC236}">
-                <a16:creationId xmlns="" xmlns:a16="http://schemas.microsoft.com/office/drawing/2014/main" id="{909BDE2A-6E50-4F7A-A7C8-87D56DD44DDA}"/>
+                <a16:creationId xmlns:a16="http://schemas.microsoft.com/office/drawing/2014/main" xmlns="" id="{909BDE2A-6E50-4F7A-A7C8-87D56DD44DDA}"/>
               </a:ext>
             </a:extLst>
           </p:cNvPr>
@@ -7545,7 +7546,7 @@
           <p:cNvPr id="72" name="TextBox 71">
             <a:extLst>
               <a:ext uri="{FF2B5EF4-FFF2-40B4-BE49-F238E27FC236}">
-                <a16:creationId xmlns="" xmlns:a16="http://schemas.microsoft.com/office/drawing/2014/main" id="{030F567D-3274-40C6-B6BA-E66696B3AAB0}"/>
+                <a16:creationId xmlns:a16="http://schemas.microsoft.com/office/drawing/2014/main" xmlns="" id="{030F567D-3274-40C6-B6BA-E66696B3AAB0}"/>
               </a:ext>
             </a:extLst>
           </p:cNvPr>
@@ -7581,7 +7582,7 @@
           <p:cNvPr id="73" name="TextBox 72">
             <a:extLst>
               <a:ext uri="{FF2B5EF4-FFF2-40B4-BE49-F238E27FC236}">
-                <a16:creationId xmlns="" xmlns:a16="http://schemas.microsoft.com/office/drawing/2014/main" id="{D878DFB9-4DD4-4686-BE7D-75AE4E59A943}"/>
+                <a16:creationId xmlns:a16="http://schemas.microsoft.com/office/drawing/2014/main" xmlns="" id="{D878DFB9-4DD4-4686-BE7D-75AE4E59A943}"/>
               </a:ext>
             </a:extLst>
           </p:cNvPr>
@@ -7647,7 +7648,7 @@
           <p:cNvPr id="2" name="제목 1">
             <a:extLst>
               <a:ext uri="{FF2B5EF4-FFF2-40B4-BE49-F238E27FC236}">
-                <a16:creationId xmlns="" xmlns:a16="http://schemas.microsoft.com/office/drawing/2014/main" id="{6567B30B-F792-4D65-84A7-2BEF21FFFC7F}"/>
+                <a16:creationId xmlns:a16="http://schemas.microsoft.com/office/drawing/2014/main" xmlns="" id="{6567B30B-F792-4D65-84A7-2BEF21FFFC7F}"/>
               </a:ext>
             </a:extLst>
           </p:cNvPr>
@@ -7683,7 +7684,7 @@
           <p:cNvPr id="3" name="내용 개체 틀 2">
             <a:extLst>
               <a:ext uri="{FF2B5EF4-FFF2-40B4-BE49-F238E27FC236}">
-                <a16:creationId xmlns="" xmlns:a16="http://schemas.microsoft.com/office/drawing/2014/main" id="{BA06401D-C033-4DE2-A4A3-F88C70822B40}"/>
+                <a16:creationId xmlns:a16="http://schemas.microsoft.com/office/drawing/2014/main" xmlns="" id="{BA06401D-C033-4DE2-A4A3-F88C70822B40}"/>
               </a:ext>
             </a:extLst>
           </p:cNvPr>
@@ -7813,7 +7814,7 @@
           <p:cNvPr id="5" name="표 5">
             <a:extLst>
               <a:ext uri="{FF2B5EF4-FFF2-40B4-BE49-F238E27FC236}">
-                <a16:creationId xmlns="" xmlns:a16="http://schemas.microsoft.com/office/drawing/2014/main" id="{D589A95D-3B96-44B0-9B9A-C6A85E9CBC43}"/>
+                <a16:creationId xmlns:a16="http://schemas.microsoft.com/office/drawing/2014/main" xmlns="" id="{D589A95D-3B96-44B0-9B9A-C6A85E9CBC43}"/>
               </a:ext>
             </a:extLst>
           </p:cNvPr>
@@ -7842,56 +7843,56 @@
                 <a:gridCol w="1016000">
                   <a:extLst>
                     <a:ext uri="{9D8B030D-6E8A-4147-A177-3AD203B41FA5}">
-                      <a16:colId xmlns="" xmlns:a16="http://schemas.microsoft.com/office/drawing/2014/main" val="422949941"/>
+                      <a16:colId xmlns:a16="http://schemas.microsoft.com/office/drawing/2014/main" xmlns="" val="422949941"/>
                     </a:ext>
                   </a:extLst>
                 </a:gridCol>
                 <a:gridCol w="1016000">
                   <a:extLst>
                     <a:ext uri="{9D8B030D-6E8A-4147-A177-3AD203B41FA5}">
-                      <a16:colId xmlns="" xmlns:a16="http://schemas.microsoft.com/office/drawing/2014/main" val="1888211109"/>
+                      <a16:colId xmlns:a16="http://schemas.microsoft.com/office/drawing/2014/main" xmlns="" val="1888211109"/>
                     </a:ext>
                   </a:extLst>
                 </a:gridCol>
                 <a:gridCol w="1016000">
                   <a:extLst>
                     <a:ext uri="{9D8B030D-6E8A-4147-A177-3AD203B41FA5}">
-                      <a16:colId xmlns="" xmlns:a16="http://schemas.microsoft.com/office/drawing/2014/main" val="3675358557"/>
+                      <a16:colId xmlns:a16="http://schemas.microsoft.com/office/drawing/2014/main" xmlns="" val="3675358557"/>
                     </a:ext>
                   </a:extLst>
                 </a:gridCol>
                 <a:gridCol w="1016000">
                   <a:extLst>
                     <a:ext uri="{9D8B030D-6E8A-4147-A177-3AD203B41FA5}">
-                      <a16:colId xmlns="" xmlns:a16="http://schemas.microsoft.com/office/drawing/2014/main" val="2341215234"/>
+                      <a16:colId xmlns:a16="http://schemas.microsoft.com/office/drawing/2014/main" xmlns="" val="2341215234"/>
                     </a:ext>
                   </a:extLst>
                 </a:gridCol>
                 <a:gridCol w="1016000">
                   <a:extLst>
                     <a:ext uri="{9D8B030D-6E8A-4147-A177-3AD203B41FA5}">
-                      <a16:colId xmlns="" xmlns:a16="http://schemas.microsoft.com/office/drawing/2014/main" val="3718261339"/>
+                      <a16:colId xmlns:a16="http://schemas.microsoft.com/office/drawing/2014/main" xmlns="" val="3718261339"/>
                     </a:ext>
                   </a:extLst>
                 </a:gridCol>
                 <a:gridCol w="1016000">
                   <a:extLst>
                     <a:ext uri="{9D8B030D-6E8A-4147-A177-3AD203B41FA5}">
-                      <a16:colId xmlns="" xmlns:a16="http://schemas.microsoft.com/office/drawing/2014/main" val="2215473244"/>
+                      <a16:colId xmlns:a16="http://schemas.microsoft.com/office/drawing/2014/main" xmlns="" val="2215473244"/>
                     </a:ext>
                   </a:extLst>
                 </a:gridCol>
                 <a:gridCol w="1016000">
                   <a:extLst>
                     <a:ext uri="{9D8B030D-6E8A-4147-A177-3AD203B41FA5}">
-                      <a16:colId xmlns="" xmlns:a16="http://schemas.microsoft.com/office/drawing/2014/main" val="4106026957"/>
+                      <a16:colId xmlns:a16="http://schemas.microsoft.com/office/drawing/2014/main" xmlns="" val="4106026957"/>
                     </a:ext>
                   </a:extLst>
                 </a:gridCol>
                 <a:gridCol w="1016000">
                   <a:extLst>
                     <a:ext uri="{9D8B030D-6E8A-4147-A177-3AD203B41FA5}">
-                      <a16:colId xmlns="" xmlns:a16="http://schemas.microsoft.com/office/drawing/2014/main" val="2810815576"/>
+                      <a16:colId xmlns:a16="http://schemas.microsoft.com/office/drawing/2014/main" xmlns="" val="2810815576"/>
                     </a:ext>
                   </a:extLst>
                 </a:gridCol>
@@ -8395,7 +8396,7 @@
                 </a:tc>
                 <a:extLst>
                   <a:ext uri="{0D108BD9-81ED-4DB2-BD59-A6C34878D82A}">
-                    <a16:rowId xmlns="" xmlns:a16="http://schemas.microsoft.com/office/drawing/2014/main" val="2318367764"/>
+                    <a16:rowId xmlns:a16="http://schemas.microsoft.com/office/drawing/2014/main" xmlns="" val="2318367764"/>
                   </a:ext>
                 </a:extLst>
               </a:tr>
@@ -8408,7 +8409,7 @@
           <p:cNvPr id="8" name="표 5">
             <a:extLst>
               <a:ext uri="{FF2B5EF4-FFF2-40B4-BE49-F238E27FC236}">
-                <a16:creationId xmlns="" xmlns:a16="http://schemas.microsoft.com/office/drawing/2014/main" id="{3D9414C9-422A-4367-B83D-30BA9896DAE3}"/>
+                <a16:creationId xmlns:a16="http://schemas.microsoft.com/office/drawing/2014/main" xmlns="" id="{3D9414C9-422A-4367-B83D-30BA9896DAE3}"/>
               </a:ext>
             </a:extLst>
           </p:cNvPr>
@@ -8437,56 +8438,56 @@
                 <a:gridCol w="1016000">
                   <a:extLst>
                     <a:ext uri="{9D8B030D-6E8A-4147-A177-3AD203B41FA5}">
-                      <a16:colId xmlns="" xmlns:a16="http://schemas.microsoft.com/office/drawing/2014/main" val="422949941"/>
+                      <a16:colId xmlns:a16="http://schemas.microsoft.com/office/drawing/2014/main" xmlns="" val="422949941"/>
                     </a:ext>
                   </a:extLst>
                 </a:gridCol>
                 <a:gridCol w="1016000">
                   <a:extLst>
                     <a:ext uri="{9D8B030D-6E8A-4147-A177-3AD203B41FA5}">
-                      <a16:colId xmlns="" xmlns:a16="http://schemas.microsoft.com/office/drawing/2014/main" val="1888211109"/>
+                      <a16:colId xmlns:a16="http://schemas.microsoft.com/office/drawing/2014/main" xmlns="" val="1888211109"/>
                     </a:ext>
                   </a:extLst>
                 </a:gridCol>
                 <a:gridCol w="1016000">
                   <a:extLst>
                     <a:ext uri="{9D8B030D-6E8A-4147-A177-3AD203B41FA5}">
-                      <a16:colId xmlns="" xmlns:a16="http://schemas.microsoft.com/office/drawing/2014/main" val="3675358557"/>
+                      <a16:colId xmlns:a16="http://schemas.microsoft.com/office/drawing/2014/main" xmlns="" val="3675358557"/>
                     </a:ext>
                   </a:extLst>
                 </a:gridCol>
                 <a:gridCol w="1016000">
                   <a:extLst>
                     <a:ext uri="{9D8B030D-6E8A-4147-A177-3AD203B41FA5}">
-                      <a16:colId xmlns="" xmlns:a16="http://schemas.microsoft.com/office/drawing/2014/main" val="2341215234"/>
+                      <a16:colId xmlns:a16="http://schemas.microsoft.com/office/drawing/2014/main" xmlns="" val="2341215234"/>
                     </a:ext>
                   </a:extLst>
                 </a:gridCol>
                 <a:gridCol w="1016000">
                   <a:extLst>
                     <a:ext uri="{9D8B030D-6E8A-4147-A177-3AD203B41FA5}">
-                      <a16:colId xmlns="" xmlns:a16="http://schemas.microsoft.com/office/drawing/2014/main" val="3718261339"/>
+                      <a16:colId xmlns:a16="http://schemas.microsoft.com/office/drawing/2014/main" xmlns="" val="3718261339"/>
                     </a:ext>
                   </a:extLst>
                 </a:gridCol>
                 <a:gridCol w="1016000">
                   <a:extLst>
                     <a:ext uri="{9D8B030D-6E8A-4147-A177-3AD203B41FA5}">
-                      <a16:colId xmlns="" xmlns:a16="http://schemas.microsoft.com/office/drawing/2014/main" val="2215473244"/>
+                      <a16:colId xmlns:a16="http://schemas.microsoft.com/office/drawing/2014/main" xmlns="" val="2215473244"/>
                     </a:ext>
                   </a:extLst>
                 </a:gridCol>
                 <a:gridCol w="1016000">
                   <a:extLst>
                     <a:ext uri="{9D8B030D-6E8A-4147-A177-3AD203B41FA5}">
-                      <a16:colId xmlns="" xmlns:a16="http://schemas.microsoft.com/office/drawing/2014/main" val="4106026957"/>
+                      <a16:colId xmlns:a16="http://schemas.microsoft.com/office/drawing/2014/main" xmlns="" val="4106026957"/>
                     </a:ext>
                   </a:extLst>
                 </a:gridCol>
                 <a:gridCol w="1016000">
                   <a:extLst>
                     <a:ext uri="{9D8B030D-6E8A-4147-A177-3AD203B41FA5}">
-                      <a16:colId xmlns="" xmlns:a16="http://schemas.microsoft.com/office/drawing/2014/main" val="2810815576"/>
+                      <a16:colId xmlns:a16="http://schemas.microsoft.com/office/drawing/2014/main" xmlns="" val="2810815576"/>
                     </a:ext>
                   </a:extLst>
                 </a:gridCol>
@@ -8990,7 +8991,7 @@
                 </a:tc>
                 <a:extLst>
                   <a:ext uri="{0D108BD9-81ED-4DB2-BD59-A6C34878D82A}">
-                    <a16:rowId xmlns="" xmlns:a16="http://schemas.microsoft.com/office/drawing/2014/main" val="2318367764"/>
+                    <a16:rowId xmlns:a16="http://schemas.microsoft.com/office/drawing/2014/main" xmlns="" val="2318367764"/>
                   </a:ext>
                 </a:extLst>
               </a:tr>
@@ -9003,7 +9004,7 @@
           <p:cNvPr id="9" name="표 5">
             <a:extLst>
               <a:ext uri="{FF2B5EF4-FFF2-40B4-BE49-F238E27FC236}">
-                <a16:creationId xmlns="" xmlns:a16="http://schemas.microsoft.com/office/drawing/2014/main" id="{15D5CCAF-CAB6-493C-9A85-2676F48690AF}"/>
+                <a16:creationId xmlns:a16="http://schemas.microsoft.com/office/drawing/2014/main" xmlns="" id="{15D5CCAF-CAB6-493C-9A85-2676F48690AF}"/>
               </a:ext>
             </a:extLst>
           </p:cNvPr>
@@ -9032,49 +9033,49 @@
                 <a:gridCol w="1016000">
                   <a:extLst>
                     <a:ext uri="{9D8B030D-6E8A-4147-A177-3AD203B41FA5}">
-                      <a16:colId xmlns="" xmlns:a16="http://schemas.microsoft.com/office/drawing/2014/main" val="422949941"/>
+                      <a16:colId xmlns:a16="http://schemas.microsoft.com/office/drawing/2014/main" xmlns="" val="422949941"/>
                     </a:ext>
                   </a:extLst>
                 </a:gridCol>
                 <a:gridCol w="1016000">
                   <a:extLst>
                     <a:ext uri="{9D8B030D-6E8A-4147-A177-3AD203B41FA5}">
-                      <a16:colId xmlns="" xmlns:a16="http://schemas.microsoft.com/office/drawing/2014/main" val="1888211109"/>
+                      <a16:colId xmlns:a16="http://schemas.microsoft.com/office/drawing/2014/main" xmlns="" val="1888211109"/>
                     </a:ext>
                   </a:extLst>
                 </a:gridCol>
                 <a:gridCol w="1016000">
                   <a:extLst>
                     <a:ext uri="{9D8B030D-6E8A-4147-A177-3AD203B41FA5}">
-                      <a16:colId xmlns="" xmlns:a16="http://schemas.microsoft.com/office/drawing/2014/main" val="3675358557"/>
+                      <a16:colId xmlns:a16="http://schemas.microsoft.com/office/drawing/2014/main" xmlns="" val="3675358557"/>
                     </a:ext>
                   </a:extLst>
                 </a:gridCol>
                 <a:gridCol w="1016000">
                   <a:extLst>
                     <a:ext uri="{9D8B030D-6E8A-4147-A177-3AD203B41FA5}">
-                      <a16:colId xmlns="" xmlns:a16="http://schemas.microsoft.com/office/drawing/2014/main" val="2341215234"/>
+                      <a16:colId xmlns:a16="http://schemas.microsoft.com/office/drawing/2014/main" xmlns="" val="2341215234"/>
                     </a:ext>
                   </a:extLst>
                 </a:gridCol>
                 <a:gridCol w="1016000">
                   <a:extLst>
                     <a:ext uri="{9D8B030D-6E8A-4147-A177-3AD203B41FA5}">
-                      <a16:colId xmlns="" xmlns:a16="http://schemas.microsoft.com/office/drawing/2014/main" val="3718261339"/>
+                      <a16:colId xmlns:a16="http://schemas.microsoft.com/office/drawing/2014/main" xmlns="" val="3718261339"/>
                     </a:ext>
                   </a:extLst>
                 </a:gridCol>
                 <a:gridCol w="1016000">
                   <a:extLst>
                     <a:ext uri="{9D8B030D-6E8A-4147-A177-3AD203B41FA5}">
-                      <a16:colId xmlns="" xmlns:a16="http://schemas.microsoft.com/office/drawing/2014/main" val="4106026957"/>
+                      <a16:colId xmlns:a16="http://schemas.microsoft.com/office/drawing/2014/main" xmlns="" val="4106026957"/>
                     </a:ext>
                   </a:extLst>
                 </a:gridCol>
                 <a:gridCol w="1016000">
                   <a:extLst>
                     <a:ext uri="{9D8B030D-6E8A-4147-A177-3AD203B41FA5}">
-                      <a16:colId xmlns="" xmlns:a16="http://schemas.microsoft.com/office/drawing/2014/main" val="2810815576"/>
+                      <a16:colId xmlns:a16="http://schemas.microsoft.com/office/drawing/2014/main" xmlns="" val="2810815576"/>
                     </a:ext>
                   </a:extLst>
                 </a:gridCol>
@@ -9523,7 +9524,7 @@
                 </a:tc>
                 <a:extLst>
                   <a:ext uri="{0D108BD9-81ED-4DB2-BD59-A6C34878D82A}">
-                    <a16:rowId xmlns="" xmlns:a16="http://schemas.microsoft.com/office/drawing/2014/main" val="2318367764"/>
+                    <a16:rowId xmlns:a16="http://schemas.microsoft.com/office/drawing/2014/main" xmlns="" val="2318367764"/>
                   </a:ext>
                 </a:extLst>
               </a:tr>
@@ -9536,7 +9537,7 @@
           <p:cNvPr id="10" name="화살표: 왼쪽으로 구부러짐 9">
             <a:extLst>
               <a:ext uri="{FF2B5EF4-FFF2-40B4-BE49-F238E27FC236}">
-                <a16:creationId xmlns="" xmlns:a16="http://schemas.microsoft.com/office/drawing/2014/main" id="{C91D9D3C-A84D-4E18-9C6C-303B390342DD}"/>
+                <a16:creationId xmlns:a16="http://schemas.microsoft.com/office/drawing/2014/main" xmlns="" id="{C91D9D3C-A84D-4E18-9C6C-303B390342DD}"/>
               </a:ext>
             </a:extLst>
           </p:cNvPr>
@@ -9627,7 +9628,7 @@
           <p:cNvPr id="2" name="제목 1">
             <a:extLst>
               <a:ext uri="{FF2B5EF4-FFF2-40B4-BE49-F238E27FC236}">
-                <a16:creationId xmlns="" xmlns:a16="http://schemas.microsoft.com/office/drawing/2014/main" id="{42C84062-C8B0-4CB3-B461-05F52E791379}"/>
+                <a16:creationId xmlns:a16="http://schemas.microsoft.com/office/drawing/2014/main" xmlns="" id="{42C84062-C8B0-4CB3-B461-05F52E791379}"/>
               </a:ext>
             </a:extLst>
           </p:cNvPr>
@@ -9663,7 +9664,7 @@
           <p:cNvPr id="4" name="표 5">
             <a:extLst>
               <a:ext uri="{FF2B5EF4-FFF2-40B4-BE49-F238E27FC236}">
-                <a16:creationId xmlns="" xmlns:a16="http://schemas.microsoft.com/office/drawing/2014/main" id="{3D9414C9-422A-4367-B83D-30BA9896DAE3}"/>
+                <a16:creationId xmlns:a16="http://schemas.microsoft.com/office/drawing/2014/main" xmlns="" id="{3D9414C9-422A-4367-B83D-30BA9896DAE3}"/>
               </a:ext>
             </a:extLst>
           </p:cNvPr>
@@ -9692,56 +9693,56 @@
                 <a:gridCol w="1016000">
                   <a:extLst>
                     <a:ext uri="{9D8B030D-6E8A-4147-A177-3AD203B41FA5}">
-                      <a16:colId xmlns="" xmlns:a16="http://schemas.microsoft.com/office/drawing/2014/main" val="422949941"/>
+                      <a16:colId xmlns:a16="http://schemas.microsoft.com/office/drawing/2014/main" xmlns="" val="422949941"/>
                     </a:ext>
                   </a:extLst>
                 </a:gridCol>
                 <a:gridCol w="1016000">
                   <a:extLst>
                     <a:ext uri="{9D8B030D-6E8A-4147-A177-3AD203B41FA5}">
-                      <a16:colId xmlns="" xmlns:a16="http://schemas.microsoft.com/office/drawing/2014/main" val="1888211109"/>
+                      <a16:colId xmlns:a16="http://schemas.microsoft.com/office/drawing/2014/main" xmlns="" val="1888211109"/>
                     </a:ext>
                   </a:extLst>
                 </a:gridCol>
                 <a:gridCol w="1016000">
                   <a:extLst>
                     <a:ext uri="{9D8B030D-6E8A-4147-A177-3AD203B41FA5}">
-                      <a16:colId xmlns="" xmlns:a16="http://schemas.microsoft.com/office/drawing/2014/main" val="3675358557"/>
+                      <a16:colId xmlns:a16="http://schemas.microsoft.com/office/drawing/2014/main" xmlns="" val="3675358557"/>
                     </a:ext>
                   </a:extLst>
                 </a:gridCol>
                 <a:gridCol w="1016000">
                   <a:extLst>
                     <a:ext uri="{9D8B030D-6E8A-4147-A177-3AD203B41FA5}">
-                      <a16:colId xmlns="" xmlns:a16="http://schemas.microsoft.com/office/drawing/2014/main" val="2341215234"/>
+                      <a16:colId xmlns:a16="http://schemas.microsoft.com/office/drawing/2014/main" xmlns="" val="2341215234"/>
                     </a:ext>
                   </a:extLst>
                 </a:gridCol>
                 <a:gridCol w="1016000">
                   <a:extLst>
                     <a:ext uri="{9D8B030D-6E8A-4147-A177-3AD203B41FA5}">
-                      <a16:colId xmlns="" xmlns:a16="http://schemas.microsoft.com/office/drawing/2014/main" val="3718261339"/>
+                      <a16:colId xmlns:a16="http://schemas.microsoft.com/office/drawing/2014/main" xmlns="" val="3718261339"/>
                     </a:ext>
                   </a:extLst>
                 </a:gridCol>
                 <a:gridCol w="1016000">
                   <a:extLst>
                     <a:ext uri="{9D8B030D-6E8A-4147-A177-3AD203B41FA5}">
-                      <a16:colId xmlns="" xmlns:a16="http://schemas.microsoft.com/office/drawing/2014/main" val="2215473244"/>
+                      <a16:colId xmlns:a16="http://schemas.microsoft.com/office/drawing/2014/main" xmlns="" val="2215473244"/>
                     </a:ext>
                   </a:extLst>
                 </a:gridCol>
                 <a:gridCol w="1016000">
                   <a:extLst>
                     <a:ext uri="{9D8B030D-6E8A-4147-A177-3AD203B41FA5}">
-                      <a16:colId xmlns="" xmlns:a16="http://schemas.microsoft.com/office/drawing/2014/main" val="4106026957"/>
+                      <a16:colId xmlns:a16="http://schemas.microsoft.com/office/drawing/2014/main" xmlns="" val="4106026957"/>
                     </a:ext>
                   </a:extLst>
                 </a:gridCol>
                 <a:gridCol w="1016000">
                   <a:extLst>
                     <a:ext uri="{9D8B030D-6E8A-4147-A177-3AD203B41FA5}">
-                      <a16:colId xmlns="" xmlns:a16="http://schemas.microsoft.com/office/drawing/2014/main" val="2810815576"/>
+                      <a16:colId xmlns:a16="http://schemas.microsoft.com/office/drawing/2014/main" xmlns="" val="2810815576"/>
                     </a:ext>
                   </a:extLst>
                 </a:gridCol>
@@ -10259,7 +10260,7 @@
                 </a:tc>
                 <a:extLst>
                   <a:ext uri="{0D108BD9-81ED-4DB2-BD59-A6C34878D82A}">
-                    <a16:rowId xmlns="" xmlns:a16="http://schemas.microsoft.com/office/drawing/2014/main" val="2318367764"/>
+                    <a16:rowId xmlns:a16="http://schemas.microsoft.com/office/drawing/2014/main" xmlns="" val="2318367764"/>
                   </a:ext>
                 </a:extLst>
               </a:tr>
@@ -10272,7 +10273,7 @@
           <p:cNvPr id="5" name="표 5">
             <a:extLst>
               <a:ext uri="{FF2B5EF4-FFF2-40B4-BE49-F238E27FC236}">
-                <a16:creationId xmlns="" xmlns:a16="http://schemas.microsoft.com/office/drawing/2014/main" id="{15D5CCAF-CAB6-493C-9A85-2676F48690AF}"/>
+                <a16:creationId xmlns:a16="http://schemas.microsoft.com/office/drawing/2014/main" xmlns="" id="{15D5CCAF-CAB6-493C-9A85-2676F48690AF}"/>
               </a:ext>
             </a:extLst>
           </p:cNvPr>
@@ -10301,49 +10302,49 @@
                 <a:gridCol w="1016000">
                   <a:extLst>
                     <a:ext uri="{9D8B030D-6E8A-4147-A177-3AD203B41FA5}">
-                      <a16:colId xmlns="" xmlns:a16="http://schemas.microsoft.com/office/drawing/2014/main" val="422949941"/>
+                      <a16:colId xmlns:a16="http://schemas.microsoft.com/office/drawing/2014/main" xmlns="" val="422949941"/>
                     </a:ext>
                   </a:extLst>
                 </a:gridCol>
                 <a:gridCol w="1016000">
                   <a:extLst>
                     <a:ext uri="{9D8B030D-6E8A-4147-A177-3AD203B41FA5}">
-                      <a16:colId xmlns="" xmlns:a16="http://schemas.microsoft.com/office/drawing/2014/main" val="1888211109"/>
+                      <a16:colId xmlns:a16="http://schemas.microsoft.com/office/drawing/2014/main" xmlns="" val="1888211109"/>
                     </a:ext>
                   </a:extLst>
                 </a:gridCol>
                 <a:gridCol w="1016000">
                   <a:extLst>
                     <a:ext uri="{9D8B030D-6E8A-4147-A177-3AD203B41FA5}">
-                      <a16:colId xmlns="" xmlns:a16="http://schemas.microsoft.com/office/drawing/2014/main" val="3675358557"/>
+                      <a16:colId xmlns:a16="http://schemas.microsoft.com/office/drawing/2014/main" xmlns="" val="3675358557"/>
                     </a:ext>
                   </a:extLst>
                 </a:gridCol>
                 <a:gridCol w="1016000">
                   <a:extLst>
                     <a:ext uri="{9D8B030D-6E8A-4147-A177-3AD203B41FA5}">
-                      <a16:colId xmlns="" xmlns:a16="http://schemas.microsoft.com/office/drawing/2014/main" val="2341215234"/>
+                      <a16:colId xmlns:a16="http://schemas.microsoft.com/office/drawing/2014/main" xmlns="" val="2341215234"/>
                     </a:ext>
                   </a:extLst>
                 </a:gridCol>
                 <a:gridCol w="1016000">
                   <a:extLst>
                     <a:ext uri="{9D8B030D-6E8A-4147-A177-3AD203B41FA5}">
-                      <a16:colId xmlns="" xmlns:a16="http://schemas.microsoft.com/office/drawing/2014/main" val="3718261339"/>
+                      <a16:colId xmlns:a16="http://schemas.microsoft.com/office/drawing/2014/main" xmlns="" val="3718261339"/>
                     </a:ext>
                   </a:extLst>
                 </a:gridCol>
                 <a:gridCol w="1016000">
                   <a:extLst>
                     <a:ext uri="{9D8B030D-6E8A-4147-A177-3AD203B41FA5}">
-                      <a16:colId xmlns="" xmlns:a16="http://schemas.microsoft.com/office/drawing/2014/main" val="4106026957"/>
+                      <a16:colId xmlns:a16="http://schemas.microsoft.com/office/drawing/2014/main" xmlns="" val="4106026957"/>
                     </a:ext>
                   </a:extLst>
                 </a:gridCol>
                 <a:gridCol w="1016000">
                   <a:extLst>
                     <a:ext uri="{9D8B030D-6E8A-4147-A177-3AD203B41FA5}">
-                      <a16:colId xmlns="" xmlns:a16="http://schemas.microsoft.com/office/drawing/2014/main" val="2810815576"/>
+                      <a16:colId xmlns:a16="http://schemas.microsoft.com/office/drawing/2014/main" xmlns="" val="2810815576"/>
                     </a:ext>
                   </a:extLst>
                 </a:gridCol>
@@ -10792,7 +10793,7 @@
                 </a:tc>
                 <a:extLst>
                   <a:ext uri="{0D108BD9-81ED-4DB2-BD59-A6C34878D82A}">
-                    <a16:rowId xmlns="" xmlns:a16="http://schemas.microsoft.com/office/drawing/2014/main" val="2318367764"/>
+                    <a16:rowId xmlns:a16="http://schemas.microsoft.com/office/drawing/2014/main" xmlns="" val="2318367764"/>
                   </a:ext>
                 </a:extLst>
               </a:tr>
@@ -10805,7 +10806,7 @@
           <p:cNvPr id="6" name="화살표: 왼쪽으로 구부러짐 9">
             <a:extLst>
               <a:ext uri="{FF2B5EF4-FFF2-40B4-BE49-F238E27FC236}">
-                <a16:creationId xmlns="" xmlns:a16="http://schemas.microsoft.com/office/drawing/2014/main" id="{C91D9D3C-A84D-4E18-9C6C-303B390342DD}"/>
+                <a16:creationId xmlns:a16="http://schemas.microsoft.com/office/drawing/2014/main" xmlns="" id="{C91D9D3C-A84D-4E18-9C6C-303B390342DD}"/>
               </a:ext>
             </a:extLst>
           </p:cNvPr>
@@ -10919,7 +10920,7 @@
                 <a:gridCol w="891503">
                   <a:extLst>
                     <a:ext uri="{9D8B030D-6E8A-4147-A177-3AD203B41FA5}">
-                      <a16:colId xmlns="" xmlns:a16="http://schemas.microsoft.com/office/drawing/2014/main" val="1352968969"/>
+                      <a16:colId xmlns:a16="http://schemas.microsoft.com/office/drawing/2014/main" xmlns="" val="1352968969"/>
                     </a:ext>
                   </a:extLst>
                 </a:gridCol>
@@ -10990,7 +10991,7 @@
                 </a:tc>
                 <a:extLst>
                   <a:ext uri="{0D108BD9-81ED-4DB2-BD59-A6C34878D82A}">
-                    <a16:rowId xmlns="" xmlns:a16="http://schemas.microsoft.com/office/drawing/2014/main" val="3010091663"/>
+                    <a16:rowId xmlns:a16="http://schemas.microsoft.com/office/drawing/2014/main" xmlns="" val="3010091663"/>
                   </a:ext>
                 </a:extLst>
               </a:tr>
@@ -11060,7 +11061,7 @@
                 </a:tc>
                 <a:extLst>
                   <a:ext uri="{0D108BD9-81ED-4DB2-BD59-A6C34878D82A}">
-                    <a16:rowId xmlns="" xmlns:a16="http://schemas.microsoft.com/office/drawing/2014/main" val="3029555295"/>
+                    <a16:rowId xmlns:a16="http://schemas.microsoft.com/office/drawing/2014/main" xmlns="" val="3029555295"/>
                   </a:ext>
                 </a:extLst>
               </a:tr>
@@ -11130,7 +11131,7 @@
                 </a:tc>
                 <a:extLst>
                   <a:ext uri="{0D108BD9-81ED-4DB2-BD59-A6C34878D82A}">
-                    <a16:rowId xmlns="" xmlns:a16="http://schemas.microsoft.com/office/drawing/2014/main" val="2518845613"/>
+                    <a16:rowId xmlns:a16="http://schemas.microsoft.com/office/drawing/2014/main" xmlns="" val="2518845613"/>
                   </a:ext>
                 </a:extLst>
               </a:tr>
@@ -11200,7 +11201,7 @@
                 </a:tc>
                 <a:extLst>
                   <a:ext uri="{0D108BD9-81ED-4DB2-BD59-A6C34878D82A}">
-                    <a16:rowId xmlns="" xmlns:a16="http://schemas.microsoft.com/office/drawing/2014/main" val="4038176524"/>
+                    <a16:rowId xmlns:a16="http://schemas.microsoft.com/office/drawing/2014/main" xmlns="" val="4038176524"/>
                   </a:ext>
                 </a:extLst>
               </a:tr>
@@ -11270,7 +11271,7 @@
                 </a:tc>
                 <a:extLst>
                   <a:ext uri="{0D108BD9-81ED-4DB2-BD59-A6C34878D82A}">
-                    <a16:rowId xmlns="" xmlns:a16="http://schemas.microsoft.com/office/drawing/2014/main" val="1894260681"/>
+                    <a16:rowId xmlns:a16="http://schemas.microsoft.com/office/drawing/2014/main" xmlns="" val="1894260681"/>
                   </a:ext>
                 </a:extLst>
               </a:tr>
@@ -11340,7 +11341,7 @@
                 </a:tc>
                 <a:extLst>
                   <a:ext uri="{0D108BD9-81ED-4DB2-BD59-A6C34878D82A}">
-                    <a16:rowId xmlns="" xmlns:a16="http://schemas.microsoft.com/office/drawing/2014/main" val="181657390"/>
+                    <a16:rowId xmlns:a16="http://schemas.microsoft.com/office/drawing/2014/main" xmlns="" val="181657390"/>
                   </a:ext>
                 </a:extLst>
               </a:tr>
@@ -12528,7 +12529,7 @@
           <p:cNvPr id="4" name="표 4">
             <a:extLst>
               <a:ext uri="{FF2B5EF4-FFF2-40B4-BE49-F238E27FC236}">
-                <a16:creationId xmlns="" xmlns:a16="http://schemas.microsoft.com/office/drawing/2014/main" id="{260303AE-5F82-432A-AFE1-96F738EBE501}"/>
+                <a16:creationId xmlns:a16="http://schemas.microsoft.com/office/drawing/2014/main" xmlns="" id="{260303AE-5F82-432A-AFE1-96F738EBE501}"/>
               </a:ext>
             </a:extLst>
           </p:cNvPr>
@@ -12557,7 +12558,7 @@
                 <a:gridCol w="1080000">
                   <a:extLst>
                     <a:ext uri="{9D8B030D-6E8A-4147-A177-3AD203B41FA5}">
-                      <a16:colId xmlns="" xmlns:a16="http://schemas.microsoft.com/office/drawing/2014/main" val="2051836303"/>
+                      <a16:colId xmlns:a16="http://schemas.microsoft.com/office/drawing/2014/main" xmlns="" val="2051836303"/>
                     </a:ext>
                   </a:extLst>
                 </a:gridCol>
@@ -12628,7 +12629,7 @@
                 </a:tc>
                 <a:extLst>
                   <a:ext uri="{0D108BD9-81ED-4DB2-BD59-A6C34878D82A}">
-                    <a16:rowId xmlns="" xmlns:a16="http://schemas.microsoft.com/office/drawing/2014/main" val="2075722758"/>
+                    <a16:rowId xmlns:a16="http://schemas.microsoft.com/office/drawing/2014/main" xmlns="" val="2075722758"/>
                   </a:ext>
                 </a:extLst>
               </a:tr>
@@ -12641,7 +12642,7 @@
           <p:cNvPr id="5" name="표 4">
             <a:extLst>
               <a:ext uri="{FF2B5EF4-FFF2-40B4-BE49-F238E27FC236}">
-                <a16:creationId xmlns="" xmlns:a16="http://schemas.microsoft.com/office/drawing/2014/main" id="{260303AE-5F82-432A-AFE1-96F738EBE501}"/>
+                <a16:creationId xmlns:a16="http://schemas.microsoft.com/office/drawing/2014/main" xmlns="" id="{260303AE-5F82-432A-AFE1-96F738EBE501}"/>
               </a:ext>
             </a:extLst>
           </p:cNvPr>
@@ -12670,7 +12671,7 @@
                 <a:gridCol w="1080000">
                   <a:extLst>
                     <a:ext uri="{9D8B030D-6E8A-4147-A177-3AD203B41FA5}">
-                      <a16:colId xmlns="" xmlns:a16="http://schemas.microsoft.com/office/drawing/2014/main" val="2051836303"/>
+                      <a16:colId xmlns:a16="http://schemas.microsoft.com/office/drawing/2014/main" xmlns="" val="2051836303"/>
                     </a:ext>
                   </a:extLst>
                 </a:gridCol>
@@ -12741,7 +12742,7 @@
                 </a:tc>
                 <a:extLst>
                   <a:ext uri="{0D108BD9-81ED-4DB2-BD59-A6C34878D82A}">
-                    <a16:rowId xmlns="" xmlns:a16="http://schemas.microsoft.com/office/drawing/2014/main" val="3036785839"/>
+                    <a16:rowId xmlns:a16="http://schemas.microsoft.com/office/drawing/2014/main" xmlns="" val="3036785839"/>
                   </a:ext>
                 </a:extLst>
               </a:tr>
@@ -12811,7 +12812,7 @@
                 </a:tc>
                 <a:extLst>
                   <a:ext uri="{0D108BD9-81ED-4DB2-BD59-A6C34878D82A}">
-                    <a16:rowId xmlns="" xmlns:a16="http://schemas.microsoft.com/office/drawing/2014/main" val="2075722758"/>
+                    <a16:rowId xmlns:a16="http://schemas.microsoft.com/office/drawing/2014/main" xmlns="" val="2075722758"/>
                   </a:ext>
                 </a:extLst>
               </a:tr>
@@ -12824,7 +12825,7 @@
           <p:cNvPr id="6" name="표 5">
             <a:extLst>
               <a:ext uri="{FF2B5EF4-FFF2-40B4-BE49-F238E27FC236}">
-                <a16:creationId xmlns="" xmlns:a16="http://schemas.microsoft.com/office/drawing/2014/main" id="{260303AE-5F82-432A-AFE1-96F738EBE501}"/>
+                <a16:creationId xmlns:a16="http://schemas.microsoft.com/office/drawing/2014/main" xmlns="" id="{260303AE-5F82-432A-AFE1-96F738EBE501}"/>
               </a:ext>
             </a:extLst>
           </p:cNvPr>
@@ -12853,7 +12854,7 @@
                 <a:gridCol w="1080000">
                   <a:extLst>
                     <a:ext uri="{9D8B030D-6E8A-4147-A177-3AD203B41FA5}">
-                      <a16:colId xmlns="" xmlns:a16="http://schemas.microsoft.com/office/drawing/2014/main" val="2051836303"/>
+                      <a16:colId xmlns:a16="http://schemas.microsoft.com/office/drawing/2014/main" xmlns="" val="2051836303"/>
                     </a:ext>
                   </a:extLst>
                 </a:gridCol>
@@ -12924,7 +12925,7 @@
                 </a:tc>
                 <a:extLst>
                   <a:ext uri="{0D108BD9-81ED-4DB2-BD59-A6C34878D82A}">
-                    <a16:rowId xmlns="" xmlns:a16="http://schemas.microsoft.com/office/drawing/2014/main" val="3210536480"/>
+                    <a16:rowId xmlns:a16="http://schemas.microsoft.com/office/drawing/2014/main" xmlns="" val="3210536480"/>
                   </a:ext>
                 </a:extLst>
               </a:tr>
@@ -12994,7 +12995,7 @@
                 </a:tc>
                 <a:extLst>
                   <a:ext uri="{0D108BD9-81ED-4DB2-BD59-A6C34878D82A}">
-                    <a16:rowId xmlns="" xmlns:a16="http://schemas.microsoft.com/office/drawing/2014/main" val="3036785839"/>
+                    <a16:rowId xmlns:a16="http://schemas.microsoft.com/office/drawing/2014/main" xmlns="" val="3036785839"/>
                   </a:ext>
                 </a:extLst>
               </a:tr>
@@ -13064,7 +13065,7 @@
                 </a:tc>
                 <a:extLst>
                   <a:ext uri="{0D108BD9-81ED-4DB2-BD59-A6C34878D82A}">
-                    <a16:rowId xmlns="" xmlns:a16="http://schemas.microsoft.com/office/drawing/2014/main" val="2075722758"/>
+                    <a16:rowId xmlns:a16="http://schemas.microsoft.com/office/drawing/2014/main" xmlns="" val="2075722758"/>
                   </a:ext>
                 </a:extLst>
               </a:tr>
@@ -13077,7 +13078,7 @@
           <p:cNvPr id="7" name="표 6">
             <a:extLst>
               <a:ext uri="{FF2B5EF4-FFF2-40B4-BE49-F238E27FC236}">
-                <a16:creationId xmlns="" xmlns:a16="http://schemas.microsoft.com/office/drawing/2014/main" id="{260303AE-5F82-432A-AFE1-96F738EBE501}"/>
+                <a16:creationId xmlns:a16="http://schemas.microsoft.com/office/drawing/2014/main" xmlns="" id="{260303AE-5F82-432A-AFE1-96F738EBE501}"/>
               </a:ext>
             </a:extLst>
           </p:cNvPr>
@@ -13106,7 +13107,7 @@
                 <a:gridCol w="1080000">
                   <a:extLst>
                     <a:ext uri="{9D8B030D-6E8A-4147-A177-3AD203B41FA5}">
-                      <a16:colId xmlns="" xmlns:a16="http://schemas.microsoft.com/office/drawing/2014/main" val="2051836303"/>
+                      <a16:colId xmlns:a16="http://schemas.microsoft.com/office/drawing/2014/main" xmlns="" val="2051836303"/>
                     </a:ext>
                   </a:extLst>
                 </a:gridCol>
@@ -13177,7 +13178,7 @@
                 </a:tc>
                 <a:extLst>
                   <a:ext uri="{0D108BD9-81ED-4DB2-BD59-A6C34878D82A}">
-                    <a16:rowId xmlns="" xmlns:a16="http://schemas.microsoft.com/office/drawing/2014/main" val="3036785839"/>
+                    <a16:rowId xmlns:a16="http://schemas.microsoft.com/office/drawing/2014/main" xmlns="" val="3036785839"/>
                   </a:ext>
                 </a:extLst>
               </a:tr>
@@ -13247,7 +13248,7 @@
                 </a:tc>
                 <a:extLst>
                   <a:ext uri="{0D108BD9-81ED-4DB2-BD59-A6C34878D82A}">
-                    <a16:rowId xmlns="" xmlns:a16="http://schemas.microsoft.com/office/drawing/2014/main" val="2075722758"/>
+                    <a16:rowId xmlns:a16="http://schemas.microsoft.com/office/drawing/2014/main" xmlns="" val="2075722758"/>
                   </a:ext>
                 </a:extLst>
               </a:tr>
@@ -13260,7 +13261,7 @@
           <p:cNvPr id="8" name="표 7">
             <a:extLst>
               <a:ext uri="{FF2B5EF4-FFF2-40B4-BE49-F238E27FC236}">
-                <a16:creationId xmlns="" xmlns:a16="http://schemas.microsoft.com/office/drawing/2014/main" id="{260303AE-5F82-432A-AFE1-96F738EBE501}"/>
+                <a16:creationId xmlns:a16="http://schemas.microsoft.com/office/drawing/2014/main" xmlns="" id="{260303AE-5F82-432A-AFE1-96F738EBE501}"/>
               </a:ext>
             </a:extLst>
           </p:cNvPr>
@@ -13289,7 +13290,7 @@
                 <a:gridCol w="1080000">
                   <a:extLst>
                     <a:ext uri="{9D8B030D-6E8A-4147-A177-3AD203B41FA5}">
-                      <a16:colId xmlns="" xmlns:a16="http://schemas.microsoft.com/office/drawing/2014/main" val="2051836303"/>
+                      <a16:colId xmlns:a16="http://schemas.microsoft.com/office/drawing/2014/main" xmlns="" val="2051836303"/>
                     </a:ext>
                   </a:extLst>
                 </a:gridCol>
@@ -13360,7 +13361,7 @@
                 </a:tc>
                 <a:extLst>
                   <a:ext uri="{0D108BD9-81ED-4DB2-BD59-A6C34878D82A}">
-                    <a16:rowId xmlns="" xmlns:a16="http://schemas.microsoft.com/office/drawing/2014/main" val="3210536480"/>
+                    <a16:rowId xmlns:a16="http://schemas.microsoft.com/office/drawing/2014/main" xmlns="" val="3210536480"/>
                   </a:ext>
                 </a:extLst>
               </a:tr>
@@ -13430,7 +13431,7 @@
                 </a:tc>
                 <a:extLst>
                   <a:ext uri="{0D108BD9-81ED-4DB2-BD59-A6C34878D82A}">
-                    <a16:rowId xmlns="" xmlns:a16="http://schemas.microsoft.com/office/drawing/2014/main" val="3036785839"/>
+                    <a16:rowId xmlns:a16="http://schemas.microsoft.com/office/drawing/2014/main" xmlns="" val="3036785839"/>
                   </a:ext>
                 </a:extLst>
               </a:tr>
@@ -13500,7 +13501,7 @@
                 </a:tc>
                 <a:extLst>
                   <a:ext uri="{0D108BD9-81ED-4DB2-BD59-A6C34878D82A}">
-                    <a16:rowId xmlns="" xmlns:a16="http://schemas.microsoft.com/office/drawing/2014/main" val="2075722758"/>
+                    <a16:rowId xmlns:a16="http://schemas.microsoft.com/office/drawing/2014/main" xmlns="" val="2075722758"/>
                   </a:ext>
                 </a:extLst>
               </a:tr>
@@ -13698,7 +13699,7 @@
           <p:cNvPr id="8" name="표 5">
             <a:extLst>
               <a:ext uri="{FF2B5EF4-FFF2-40B4-BE49-F238E27FC236}">
-                <a16:creationId xmlns="" xmlns:a16="http://schemas.microsoft.com/office/drawing/2014/main" id="{15D5CCAF-CAB6-493C-9A85-2676F48690AF}"/>
+                <a16:creationId xmlns:a16="http://schemas.microsoft.com/office/drawing/2014/main" xmlns="" id="{15D5CCAF-CAB6-493C-9A85-2676F48690AF}"/>
               </a:ext>
             </a:extLst>
           </p:cNvPr>
@@ -13727,49 +13728,49 @@
                 <a:gridCol w="550521">
                   <a:extLst>
                     <a:ext uri="{9D8B030D-6E8A-4147-A177-3AD203B41FA5}">
-                      <a16:colId xmlns="" xmlns:a16="http://schemas.microsoft.com/office/drawing/2014/main" val="422949941"/>
+                      <a16:colId xmlns:a16="http://schemas.microsoft.com/office/drawing/2014/main" xmlns="" val="422949941"/>
                     </a:ext>
                   </a:extLst>
                 </a:gridCol>
                 <a:gridCol w="550521">
                   <a:extLst>
                     <a:ext uri="{9D8B030D-6E8A-4147-A177-3AD203B41FA5}">
-                      <a16:colId xmlns="" xmlns:a16="http://schemas.microsoft.com/office/drawing/2014/main" val="1888211109"/>
+                      <a16:colId xmlns:a16="http://schemas.microsoft.com/office/drawing/2014/main" xmlns="" val="1888211109"/>
                     </a:ext>
                   </a:extLst>
                 </a:gridCol>
                 <a:gridCol w="550521">
                   <a:extLst>
                     <a:ext uri="{9D8B030D-6E8A-4147-A177-3AD203B41FA5}">
-                      <a16:colId xmlns="" xmlns:a16="http://schemas.microsoft.com/office/drawing/2014/main" val="3675358557"/>
+                      <a16:colId xmlns:a16="http://schemas.microsoft.com/office/drawing/2014/main" xmlns="" val="3675358557"/>
                     </a:ext>
                   </a:extLst>
                 </a:gridCol>
                 <a:gridCol w="550521">
                   <a:extLst>
                     <a:ext uri="{9D8B030D-6E8A-4147-A177-3AD203B41FA5}">
-                      <a16:colId xmlns="" xmlns:a16="http://schemas.microsoft.com/office/drawing/2014/main" val="2341215234"/>
+                      <a16:colId xmlns:a16="http://schemas.microsoft.com/office/drawing/2014/main" xmlns="" val="2341215234"/>
                     </a:ext>
                   </a:extLst>
                 </a:gridCol>
                 <a:gridCol w="550521">
                   <a:extLst>
                     <a:ext uri="{9D8B030D-6E8A-4147-A177-3AD203B41FA5}">
-                      <a16:colId xmlns="" xmlns:a16="http://schemas.microsoft.com/office/drawing/2014/main" val="3718261339"/>
+                      <a16:colId xmlns:a16="http://schemas.microsoft.com/office/drawing/2014/main" xmlns="" val="3718261339"/>
                     </a:ext>
                   </a:extLst>
                 </a:gridCol>
                 <a:gridCol w="550521">
                   <a:extLst>
                     <a:ext uri="{9D8B030D-6E8A-4147-A177-3AD203B41FA5}">
-                      <a16:colId xmlns="" xmlns:a16="http://schemas.microsoft.com/office/drawing/2014/main" val="4106026957"/>
+                      <a16:colId xmlns:a16="http://schemas.microsoft.com/office/drawing/2014/main" xmlns="" val="4106026957"/>
                     </a:ext>
                   </a:extLst>
                 </a:gridCol>
                 <a:gridCol w="550521">
                   <a:extLst>
                     <a:ext uri="{9D8B030D-6E8A-4147-A177-3AD203B41FA5}">
-                      <a16:colId xmlns="" xmlns:a16="http://schemas.microsoft.com/office/drawing/2014/main" val="2810815576"/>
+                      <a16:colId xmlns:a16="http://schemas.microsoft.com/office/drawing/2014/main" xmlns="" val="2810815576"/>
                     </a:ext>
                   </a:extLst>
                 </a:gridCol>
@@ -14218,7 +14219,7 @@
                 </a:tc>
                 <a:extLst>
                   <a:ext uri="{0D108BD9-81ED-4DB2-BD59-A6C34878D82A}">
-                    <a16:rowId xmlns="" xmlns:a16="http://schemas.microsoft.com/office/drawing/2014/main" val="2318367764"/>
+                    <a16:rowId xmlns:a16="http://schemas.microsoft.com/office/drawing/2014/main" xmlns="" val="2318367764"/>
                   </a:ext>
                 </a:extLst>
               </a:tr>
@@ -14231,7 +14232,7 @@
           <p:cNvPr id="9" name="표 5">
             <a:extLst>
               <a:ext uri="{FF2B5EF4-FFF2-40B4-BE49-F238E27FC236}">
-                <a16:creationId xmlns="" xmlns:a16="http://schemas.microsoft.com/office/drawing/2014/main" id="{15D5CCAF-CAB6-493C-9A85-2676F48690AF}"/>
+                <a16:creationId xmlns:a16="http://schemas.microsoft.com/office/drawing/2014/main" xmlns="" id="{15D5CCAF-CAB6-493C-9A85-2676F48690AF}"/>
               </a:ext>
             </a:extLst>
           </p:cNvPr>
@@ -14260,49 +14261,49 @@
                 <a:gridCol w="550521">
                   <a:extLst>
                     <a:ext uri="{9D8B030D-6E8A-4147-A177-3AD203B41FA5}">
-                      <a16:colId xmlns="" xmlns:a16="http://schemas.microsoft.com/office/drawing/2014/main" val="422949941"/>
+                      <a16:colId xmlns:a16="http://schemas.microsoft.com/office/drawing/2014/main" xmlns="" val="422949941"/>
                     </a:ext>
                   </a:extLst>
                 </a:gridCol>
                 <a:gridCol w="550521">
                   <a:extLst>
                     <a:ext uri="{9D8B030D-6E8A-4147-A177-3AD203B41FA5}">
-                      <a16:colId xmlns="" xmlns:a16="http://schemas.microsoft.com/office/drawing/2014/main" val="1888211109"/>
+                      <a16:colId xmlns:a16="http://schemas.microsoft.com/office/drawing/2014/main" xmlns="" val="1888211109"/>
                     </a:ext>
                   </a:extLst>
                 </a:gridCol>
                 <a:gridCol w="550521">
                   <a:extLst>
                     <a:ext uri="{9D8B030D-6E8A-4147-A177-3AD203B41FA5}">
-                      <a16:colId xmlns="" xmlns:a16="http://schemas.microsoft.com/office/drawing/2014/main" val="3675358557"/>
+                      <a16:colId xmlns:a16="http://schemas.microsoft.com/office/drawing/2014/main" xmlns="" val="3675358557"/>
                     </a:ext>
                   </a:extLst>
                 </a:gridCol>
                 <a:gridCol w="550521">
                   <a:extLst>
                     <a:ext uri="{9D8B030D-6E8A-4147-A177-3AD203B41FA5}">
-                      <a16:colId xmlns="" xmlns:a16="http://schemas.microsoft.com/office/drawing/2014/main" val="2341215234"/>
+                      <a16:colId xmlns:a16="http://schemas.microsoft.com/office/drawing/2014/main" xmlns="" val="2341215234"/>
                     </a:ext>
                   </a:extLst>
                 </a:gridCol>
                 <a:gridCol w="550521">
                   <a:extLst>
                     <a:ext uri="{9D8B030D-6E8A-4147-A177-3AD203B41FA5}">
-                      <a16:colId xmlns="" xmlns:a16="http://schemas.microsoft.com/office/drawing/2014/main" val="3718261339"/>
+                      <a16:colId xmlns:a16="http://schemas.microsoft.com/office/drawing/2014/main" xmlns="" val="3718261339"/>
                     </a:ext>
                   </a:extLst>
                 </a:gridCol>
                 <a:gridCol w="550521">
                   <a:extLst>
                     <a:ext uri="{9D8B030D-6E8A-4147-A177-3AD203B41FA5}">
-                      <a16:colId xmlns="" xmlns:a16="http://schemas.microsoft.com/office/drawing/2014/main" val="4106026957"/>
+                      <a16:colId xmlns:a16="http://schemas.microsoft.com/office/drawing/2014/main" xmlns="" val="4106026957"/>
                     </a:ext>
                   </a:extLst>
                 </a:gridCol>
                 <a:gridCol w="550521">
                   <a:extLst>
                     <a:ext uri="{9D8B030D-6E8A-4147-A177-3AD203B41FA5}">
-                      <a16:colId xmlns="" xmlns:a16="http://schemas.microsoft.com/office/drawing/2014/main" val="2810815576"/>
+                      <a16:colId xmlns:a16="http://schemas.microsoft.com/office/drawing/2014/main" xmlns="" val="2810815576"/>
                     </a:ext>
                   </a:extLst>
                 </a:gridCol>
@@ -14751,7 +14752,7 @@
                 </a:tc>
                 <a:extLst>
                   <a:ext uri="{0D108BD9-81ED-4DB2-BD59-A6C34878D82A}">
-                    <a16:rowId xmlns="" xmlns:a16="http://schemas.microsoft.com/office/drawing/2014/main" val="2318367764"/>
+                    <a16:rowId xmlns:a16="http://schemas.microsoft.com/office/drawing/2014/main" xmlns="" val="2318367764"/>
                   </a:ext>
                 </a:extLst>
               </a:tr>
@@ -14764,7 +14765,7 @@
           <p:cNvPr id="10" name="표 5">
             <a:extLst>
               <a:ext uri="{FF2B5EF4-FFF2-40B4-BE49-F238E27FC236}">
-                <a16:creationId xmlns="" xmlns:a16="http://schemas.microsoft.com/office/drawing/2014/main" id="{15D5CCAF-CAB6-493C-9A85-2676F48690AF}"/>
+                <a16:creationId xmlns:a16="http://schemas.microsoft.com/office/drawing/2014/main" xmlns="" id="{15D5CCAF-CAB6-493C-9A85-2676F48690AF}"/>
               </a:ext>
             </a:extLst>
           </p:cNvPr>
@@ -14793,49 +14794,49 @@
                 <a:gridCol w="550521">
                   <a:extLst>
                     <a:ext uri="{9D8B030D-6E8A-4147-A177-3AD203B41FA5}">
-                      <a16:colId xmlns="" xmlns:a16="http://schemas.microsoft.com/office/drawing/2014/main" val="422949941"/>
+                      <a16:colId xmlns:a16="http://schemas.microsoft.com/office/drawing/2014/main" xmlns="" val="422949941"/>
                     </a:ext>
                   </a:extLst>
                 </a:gridCol>
                 <a:gridCol w="550521">
                   <a:extLst>
                     <a:ext uri="{9D8B030D-6E8A-4147-A177-3AD203B41FA5}">
-                      <a16:colId xmlns="" xmlns:a16="http://schemas.microsoft.com/office/drawing/2014/main" val="1888211109"/>
+                      <a16:colId xmlns:a16="http://schemas.microsoft.com/office/drawing/2014/main" xmlns="" val="1888211109"/>
                     </a:ext>
                   </a:extLst>
                 </a:gridCol>
                 <a:gridCol w="550521">
                   <a:extLst>
                     <a:ext uri="{9D8B030D-6E8A-4147-A177-3AD203B41FA5}">
-                      <a16:colId xmlns="" xmlns:a16="http://schemas.microsoft.com/office/drawing/2014/main" val="3675358557"/>
+                      <a16:colId xmlns:a16="http://schemas.microsoft.com/office/drawing/2014/main" xmlns="" val="3675358557"/>
                     </a:ext>
                   </a:extLst>
                 </a:gridCol>
                 <a:gridCol w="550521">
                   <a:extLst>
                     <a:ext uri="{9D8B030D-6E8A-4147-A177-3AD203B41FA5}">
-                      <a16:colId xmlns="" xmlns:a16="http://schemas.microsoft.com/office/drawing/2014/main" val="2341215234"/>
+                      <a16:colId xmlns:a16="http://schemas.microsoft.com/office/drawing/2014/main" xmlns="" val="2341215234"/>
                     </a:ext>
                   </a:extLst>
                 </a:gridCol>
                 <a:gridCol w="550521">
                   <a:extLst>
                     <a:ext uri="{9D8B030D-6E8A-4147-A177-3AD203B41FA5}">
-                      <a16:colId xmlns="" xmlns:a16="http://schemas.microsoft.com/office/drawing/2014/main" val="3718261339"/>
+                      <a16:colId xmlns:a16="http://schemas.microsoft.com/office/drawing/2014/main" xmlns="" val="3718261339"/>
                     </a:ext>
                   </a:extLst>
                 </a:gridCol>
                 <a:gridCol w="550521">
                   <a:extLst>
                     <a:ext uri="{9D8B030D-6E8A-4147-A177-3AD203B41FA5}">
-                      <a16:colId xmlns="" xmlns:a16="http://schemas.microsoft.com/office/drawing/2014/main" val="4106026957"/>
+                      <a16:colId xmlns:a16="http://schemas.microsoft.com/office/drawing/2014/main" xmlns="" val="4106026957"/>
                     </a:ext>
                   </a:extLst>
                 </a:gridCol>
                 <a:gridCol w="550521">
                   <a:extLst>
                     <a:ext uri="{9D8B030D-6E8A-4147-A177-3AD203B41FA5}">
-                      <a16:colId xmlns="" xmlns:a16="http://schemas.microsoft.com/office/drawing/2014/main" val="2810815576"/>
+                      <a16:colId xmlns:a16="http://schemas.microsoft.com/office/drawing/2014/main" xmlns="" val="2810815576"/>
                     </a:ext>
                   </a:extLst>
                 </a:gridCol>
@@ -15284,7 +15285,7 @@
                 </a:tc>
                 <a:extLst>
                   <a:ext uri="{0D108BD9-81ED-4DB2-BD59-A6C34878D82A}">
-                    <a16:rowId xmlns="" xmlns:a16="http://schemas.microsoft.com/office/drawing/2014/main" val="2318367764"/>
+                    <a16:rowId xmlns:a16="http://schemas.microsoft.com/office/drawing/2014/main" xmlns="" val="2318367764"/>
                   </a:ext>
                 </a:extLst>
               </a:tr>
@@ -15297,7 +15298,7 @@
           <p:cNvPr id="11" name="표 5">
             <a:extLst>
               <a:ext uri="{FF2B5EF4-FFF2-40B4-BE49-F238E27FC236}">
-                <a16:creationId xmlns="" xmlns:a16="http://schemas.microsoft.com/office/drawing/2014/main" id="{15D5CCAF-CAB6-493C-9A85-2676F48690AF}"/>
+                <a16:creationId xmlns:a16="http://schemas.microsoft.com/office/drawing/2014/main" xmlns="" id="{15D5CCAF-CAB6-493C-9A85-2676F48690AF}"/>
               </a:ext>
             </a:extLst>
           </p:cNvPr>
@@ -15326,49 +15327,49 @@
                 <a:gridCol w="550521">
                   <a:extLst>
                     <a:ext uri="{9D8B030D-6E8A-4147-A177-3AD203B41FA5}">
-                      <a16:colId xmlns="" xmlns:a16="http://schemas.microsoft.com/office/drawing/2014/main" val="422949941"/>
+                      <a16:colId xmlns:a16="http://schemas.microsoft.com/office/drawing/2014/main" xmlns="" val="422949941"/>
                     </a:ext>
                   </a:extLst>
                 </a:gridCol>
                 <a:gridCol w="550521">
                   <a:extLst>
                     <a:ext uri="{9D8B030D-6E8A-4147-A177-3AD203B41FA5}">
-                      <a16:colId xmlns="" xmlns:a16="http://schemas.microsoft.com/office/drawing/2014/main" val="1888211109"/>
+                      <a16:colId xmlns:a16="http://schemas.microsoft.com/office/drawing/2014/main" xmlns="" val="1888211109"/>
                     </a:ext>
                   </a:extLst>
                 </a:gridCol>
                 <a:gridCol w="550521">
                   <a:extLst>
                     <a:ext uri="{9D8B030D-6E8A-4147-A177-3AD203B41FA5}">
-                      <a16:colId xmlns="" xmlns:a16="http://schemas.microsoft.com/office/drawing/2014/main" val="3675358557"/>
+                      <a16:colId xmlns:a16="http://schemas.microsoft.com/office/drawing/2014/main" xmlns="" val="3675358557"/>
                     </a:ext>
                   </a:extLst>
                 </a:gridCol>
                 <a:gridCol w="550521">
                   <a:extLst>
                     <a:ext uri="{9D8B030D-6E8A-4147-A177-3AD203B41FA5}">
-                      <a16:colId xmlns="" xmlns:a16="http://schemas.microsoft.com/office/drawing/2014/main" val="2341215234"/>
+                      <a16:colId xmlns:a16="http://schemas.microsoft.com/office/drawing/2014/main" xmlns="" val="2341215234"/>
                     </a:ext>
                   </a:extLst>
                 </a:gridCol>
                 <a:gridCol w="550521">
                   <a:extLst>
                     <a:ext uri="{9D8B030D-6E8A-4147-A177-3AD203B41FA5}">
-                      <a16:colId xmlns="" xmlns:a16="http://schemas.microsoft.com/office/drawing/2014/main" val="3718261339"/>
+                      <a16:colId xmlns:a16="http://schemas.microsoft.com/office/drawing/2014/main" xmlns="" val="3718261339"/>
                     </a:ext>
                   </a:extLst>
                 </a:gridCol>
                 <a:gridCol w="550521">
                   <a:extLst>
                     <a:ext uri="{9D8B030D-6E8A-4147-A177-3AD203B41FA5}">
-                      <a16:colId xmlns="" xmlns:a16="http://schemas.microsoft.com/office/drawing/2014/main" val="4106026957"/>
+                      <a16:colId xmlns:a16="http://schemas.microsoft.com/office/drawing/2014/main" xmlns="" val="4106026957"/>
                     </a:ext>
                   </a:extLst>
                 </a:gridCol>
                 <a:gridCol w="550521">
                   <a:extLst>
                     <a:ext uri="{9D8B030D-6E8A-4147-A177-3AD203B41FA5}">
-                      <a16:colId xmlns="" xmlns:a16="http://schemas.microsoft.com/office/drawing/2014/main" val="2810815576"/>
+                      <a16:colId xmlns:a16="http://schemas.microsoft.com/office/drawing/2014/main" xmlns="" val="2810815576"/>
                     </a:ext>
                   </a:extLst>
                 </a:gridCol>
@@ -15817,7 +15818,7 @@
                 </a:tc>
                 <a:extLst>
                   <a:ext uri="{0D108BD9-81ED-4DB2-BD59-A6C34878D82A}">
-                    <a16:rowId xmlns="" xmlns:a16="http://schemas.microsoft.com/office/drawing/2014/main" val="2318367764"/>
+                    <a16:rowId xmlns:a16="http://schemas.microsoft.com/office/drawing/2014/main" xmlns="" val="2318367764"/>
                   </a:ext>
                 </a:extLst>
               </a:tr>
@@ -15830,7 +15831,7 @@
           <p:cNvPr id="4" name="표 5">
             <a:extLst>
               <a:ext uri="{FF2B5EF4-FFF2-40B4-BE49-F238E27FC236}">
-                <a16:creationId xmlns="" xmlns:a16="http://schemas.microsoft.com/office/drawing/2014/main" id="{15D5CCAF-CAB6-493C-9A85-2676F48690AF}"/>
+                <a16:creationId xmlns:a16="http://schemas.microsoft.com/office/drawing/2014/main" xmlns="" id="{15D5CCAF-CAB6-493C-9A85-2676F48690AF}"/>
               </a:ext>
             </a:extLst>
           </p:cNvPr>
@@ -15859,49 +15860,49 @@
                 <a:gridCol w="550521">
                   <a:extLst>
                     <a:ext uri="{9D8B030D-6E8A-4147-A177-3AD203B41FA5}">
-                      <a16:colId xmlns="" xmlns:a16="http://schemas.microsoft.com/office/drawing/2014/main" val="422949941"/>
+                      <a16:colId xmlns:a16="http://schemas.microsoft.com/office/drawing/2014/main" xmlns="" val="422949941"/>
                     </a:ext>
                   </a:extLst>
                 </a:gridCol>
                 <a:gridCol w="550521">
                   <a:extLst>
                     <a:ext uri="{9D8B030D-6E8A-4147-A177-3AD203B41FA5}">
-                      <a16:colId xmlns="" xmlns:a16="http://schemas.microsoft.com/office/drawing/2014/main" val="1888211109"/>
+                      <a16:colId xmlns:a16="http://schemas.microsoft.com/office/drawing/2014/main" xmlns="" val="1888211109"/>
                     </a:ext>
                   </a:extLst>
                 </a:gridCol>
                 <a:gridCol w="550521">
                   <a:extLst>
                     <a:ext uri="{9D8B030D-6E8A-4147-A177-3AD203B41FA5}">
-                      <a16:colId xmlns="" xmlns:a16="http://schemas.microsoft.com/office/drawing/2014/main" val="3675358557"/>
+                      <a16:colId xmlns:a16="http://schemas.microsoft.com/office/drawing/2014/main" xmlns="" val="3675358557"/>
                     </a:ext>
                   </a:extLst>
                 </a:gridCol>
                 <a:gridCol w="550521">
                   <a:extLst>
                     <a:ext uri="{9D8B030D-6E8A-4147-A177-3AD203B41FA5}">
-                      <a16:colId xmlns="" xmlns:a16="http://schemas.microsoft.com/office/drawing/2014/main" val="2341215234"/>
+                      <a16:colId xmlns:a16="http://schemas.microsoft.com/office/drawing/2014/main" xmlns="" val="2341215234"/>
                     </a:ext>
                   </a:extLst>
                 </a:gridCol>
                 <a:gridCol w="550521">
                   <a:extLst>
                     <a:ext uri="{9D8B030D-6E8A-4147-A177-3AD203B41FA5}">
-                      <a16:colId xmlns="" xmlns:a16="http://schemas.microsoft.com/office/drawing/2014/main" val="3718261339"/>
+                      <a16:colId xmlns:a16="http://schemas.microsoft.com/office/drawing/2014/main" xmlns="" val="3718261339"/>
                     </a:ext>
                   </a:extLst>
                 </a:gridCol>
                 <a:gridCol w="550521">
                   <a:extLst>
                     <a:ext uri="{9D8B030D-6E8A-4147-A177-3AD203B41FA5}">
-                      <a16:colId xmlns="" xmlns:a16="http://schemas.microsoft.com/office/drawing/2014/main" val="4106026957"/>
+                      <a16:colId xmlns:a16="http://schemas.microsoft.com/office/drawing/2014/main" xmlns="" val="4106026957"/>
                     </a:ext>
                   </a:extLst>
                 </a:gridCol>
                 <a:gridCol w="550521">
                   <a:extLst>
                     <a:ext uri="{9D8B030D-6E8A-4147-A177-3AD203B41FA5}">
-                      <a16:colId xmlns="" xmlns:a16="http://schemas.microsoft.com/office/drawing/2014/main" val="2810815576"/>
+                      <a16:colId xmlns:a16="http://schemas.microsoft.com/office/drawing/2014/main" xmlns="" val="2810815576"/>
                     </a:ext>
                   </a:extLst>
                 </a:gridCol>
@@ -16294,7 +16295,7 @@
                 </a:tc>
                 <a:extLst>
                   <a:ext uri="{0D108BD9-81ED-4DB2-BD59-A6C34878D82A}">
-                    <a16:rowId xmlns="" xmlns:a16="http://schemas.microsoft.com/office/drawing/2014/main" val="2318367764"/>
+                    <a16:rowId xmlns:a16="http://schemas.microsoft.com/office/drawing/2014/main" xmlns="" val="2318367764"/>
                   </a:ext>
                 </a:extLst>
               </a:tr>
@@ -16307,7 +16308,7 @@
           <p:cNvPr id="5" name="표 5">
             <a:extLst>
               <a:ext uri="{FF2B5EF4-FFF2-40B4-BE49-F238E27FC236}">
-                <a16:creationId xmlns="" xmlns:a16="http://schemas.microsoft.com/office/drawing/2014/main" id="{15D5CCAF-CAB6-493C-9A85-2676F48690AF}"/>
+                <a16:creationId xmlns:a16="http://schemas.microsoft.com/office/drawing/2014/main" xmlns="" id="{15D5CCAF-CAB6-493C-9A85-2676F48690AF}"/>
               </a:ext>
             </a:extLst>
           </p:cNvPr>
@@ -16336,49 +16337,49 @@
                 <a:gridCol w="550521">
                   <a:extLst>
                     <a:ext uri="{9D8B030D-6E8A-4147-A177-3AD203B41FA5}">
-                      <a16:colId xmlns="" xmlns:a16="http://schemas.microsoft.com/office/drawing/2014/main" val="422949941"/>
+                      <a16:colId xmlns:a16="http://schemas.microsoft.com/office/drawing/2014/main" xmlns="" val="422949941"/>
                     </a:ext>
                   </a:extLst>
                 </a:gridCol>
                 <a:gridCol w="550521">
                   <a:extLst>
                     <a:ext uri="{9D8B030D-6E8A-4147-A177-3AD203B41FA5}">
-                      <a16:colId xmlns="" xmlns:a16="http://schemas.microsoft.com/office/drawing/2014/main" val="1888211109"/>
+                      <a16:colId xmlns:a16="http://schemas.microsoft.com/office/drawing/2014/main" xmlns="" val="1888211109"/>
                     </a:ext>
                   </a:extLst>
                 </a:gridCol>
                 <a:gridCol w="550521">
                   <a:extLst>
                     <a:ext uri="{9D8B030D-6E8A-4147-A177-3AD203B41FA5}">
-                      <a16:colId xmlns="" xmlns:a16="http://schemas.microsoft.com/office/drawing/2014/main" val="3675358557"/>
+                      <a16:colId xmlns:a16="http://schemas.microsoft.com/office/drawing/2014/main" xmlns="" val="3675358557"/>
                     </a:ext>
                   </a:extLst>
                 </a:gridCol>
                 <a:gridCol w="550521">
                   <a:extLst>
                     <a:ext uri="{9D8B030D-6E8A-4147-A177-3AD203B41FA5}">
-                      <a16:colId xmlns="" xmlns:a16="http://schemas.microsoft.com/office/drawing/2014/main" val="2341215234"/>
+                      <a16:colId xmlns:a16="http://schemas.microsoft.com/office/drawing/2014/main" xmlns="" val="2341215234"/>
                     </a:ext>
                   </a:extLst>
                 </a:gridCol>
                 <a:gridCol w="550521">
                   <a:extLst>
                     <a:ext uri="{9D8B030D-6E8A-4147-A177-3AD203B41FA5}">
-                      <a16:colId xmlns="" xmlns:a16="http://schemas.microsoft.com/office/drawing/2014/main" val="3718261339"/>
+                      <a16:colId xmlns:a16="http://schemas.microsoft.com/office/drawing/2014/main" xmlns="" val="3718261339"/>
                     </a:ext>
                   </a:extLst>
                 </a:gridCol>
                 <a:gridCol w="550521">
                   <a:extLst>
                     <a:ext uri="{9D8B030D-6E8A-4147-A177-3AD203B41FA5}">
-                      <a16:colId xmlns="" xmlns:a16="http://schemas.microsoft.com/office/drawing/2014/main" val="4106026957"/>
+                      <a16:colId xmlns:a16="http://schemas.microsoft.com/office/drawing/2014/main" xmlns="" val="4106026957"/>
                     </a:ext>
                   </a:extLst>
                 </a:gridCol>
                 <a:gridCol w="550521">
                   <a:extLst>
                     <a:ext uri="{9D8B030D-6E8A-4147-A177-3AD203B41FA5}">
-                      <a16:colId xmlns="" xmlns:a16="http://schemas.microsoft.com/office/drawing/2014/main" val="2810815576"/>
+                      <a16:colId xmlns:a16="http://schemas.microsoft.com/office/drawing/2014/main" xmlns="" val="2810815576"/>
                     </a:ext>
                   </a:extLst>
                 </a:gridCol>
@@ -16795,7 +16796,7 @@
                 </a:tc>
                 <a:extLst>
                   <a:ext uri="{0D108BD9-81ED-4DB2-BD59-A6C34878D82A}">
-                    <a16:rowId xmlns="" xmlns:a16="http://schemas.microsoft.com/office/drawing/2014/main" val="2318367764"/>
+                    <a16:rowId xmlns:a16="http://schemas.microsoft.com/office/drawing/2014/main" xmlns="" val="2318367764"/>
                   </a:ext>
                 </a:extLst>
               </a:tr>
@@ -16808,7 +16809,7 @@
           <p:cNvPr id="6" name="표 5">
             <a:extLst>
               <a:ext uri="{FF2B5EF4-FFF2-40B4-BE49-F238E27FC236}">
-                <a16:creationId xmlns="" xmlns:a16="http://schemas.microsoft.com/office/drawing/2014/main" id="{15D5CCAF-CAB6-493C-9A85-2676F48690AF}"/>
+                <a16:creationId xmlns:a16="http://schemas.microsoft.com/office/drawing/2014/main" xmlns="" id="{15D5CCAF-CAB6-493C-9A85-2676F48690AF}"/>
               </a:ext>
             </a:extLst>
           </p:cNvPr>
@@ -16837,49 +16838,49 @@
                 <a:gridCol w="550521">
                   <a:extLst>
                     <a:ext uri="{9D8B030D-6E8A-4147-A177-3AD203B41FA5}">
-                      <a16:colId xmlns="" xmlns:a16="http://schemas.microsoft.com/office/drawing/2014/main" val="422949941"/>
+                      <a16:colId xmlns:a16="http://schemas.microsoft.com/office/drawing/2014/main" xmlns="" val="422949941"/>
                     </a:ext>
                   </a:extLst>
                 </a:gridCol>
                 <a:gridCol w="550521">
                   <a:extLst>
                     <a:ext uri="{9D8B030D-6E8A-4147-A177-3AD203B41FA5}">
-                      <a16:colId xmlns="" xmlns:a16="http://schemas.microsoft.com/office/drawing/2014/main" val="1888211109"/>
+                      <a16:colId xmlns:a16="http://schemas.microsoft.com/office/drawing/2014/main" xmlns="" val="1888211109"/>
                     </a:ext>
                   </a:extLst>
                 </a:gridCol>
                 <a:gridCol w="550521">
                   <a:extLst>
                     <a:ext uri="{9D8B030D-6E8A-4147-A177-3AD203B41FA5}">
-                      <a16:colId xmlns="" xmlns:a16="http://schemas.microsoft.com/office/drawing/2014/main" val="3675358557"/>
+                      <a16:colId xmlns:a16="http://schemas.microsoft.com/office/drawing/2014/main" xmlns="" val="3675358557"/>
                     </a:ext>
                   </a:extLst>
                 </a:gridCol>
                 <a:gridCol w="550521">
                   <a:extLst>
                     <a:ext uri="{9D8B030D-6E8A-4147-A177-3AD203B41FA5}">
-                      <a16:colId xmlns="" xmlns:a16="http://schemas.microsoft.com/office/drawing/2014/main" val="2341215234"/>
+                      <a16:colId xmlns:a16="http://schemas.microsoft.com/office/drawing/2014/main" xmlns="" val="2341215234"/>
                     </a:ext>
                   </a:extLst>
                 </a:gridCol>
                 <a:gridCol w="550521">
                   <a:extLst>
                     <a:ext uri="{9D8B030D-6E8A-4147-A177-3AD203B41FA5}">
-                      <a16:colId xmlns="" xmlns:a16="http://schemas.microsoft.com/office/drawing/2014/main" val="3718261339"/>
+                      <a16:colId xmlns:a16="http://schemas.microsoft.com/office/drawing/2014/main" xmlns="" val="3718261339"/>
                     </a:ext>
                   </a:extLst>
                 </a:gridCol>
                 <a:gridCol w="550521">
                   <a:extLst>
                     <a:ext uri="{9D8B030D-6E8A-4147-A177-3AD203B41FA5}">
-                      <a16:colId xmlns="" xmlns:a16="http://schemas.microsoft.com/office/drawing/2014/main" val="4106026957"/>
+                      <a16:colId xmlns:a16="http://schemas.microsoft.com/office/drawing/2014/main" xmlns="" val="4106026957"/>
                     </a:ext>
                   </a:extLst>
                 </a:gridCol>
                 <a:gridCol w="550521">
                   <a:extLst>
                     <a:ext uri="{9D8B030D-6E8A-4147-A177-3AD203B41FA5}">
-                      <a16:colId xmlns="" xmlns:a16="http://schemas.microsoft.com/office/drawing/2014/main" val="2810815576"/>
+                      <a16:colId xmlns:a16="http://schemas.microsoft.com/office/drawing/2014/main" xmlns="" val="2810815576"/>
                     </a:ext>
                   </a:extLst>
                 </a:gridCol>
@@ -17296,7 +17297,7 @@
                 </a:tc>
                 <a:extLst>
                   <a:ext uri="{0D108BD9-81ED-4DB2-BD59-A6C34878D82A}">
-                    <a16:rowId xmlns="" xmlns:a16="http://schemas.microsoft.com/office/drawing/2014/main" val="2318367764"/>
+                    <a16:rowId xmlns:a16="http://schemas.microsoft.com/office/drawing/2014/main" xmlns="" val="2318367764"/>
                   </a:ext>
                 </a:extLst>
               </a:tr>
@@ -17309,7 +17310,7 @@
           <p:cNvPr id="7" name="표 5">
             <a:extLst>
               <a:ext uri="{FF2B5EF4-FFF2-40B4-BE49-F238E27FC236}">
-                <a16:creationId xmlns="" xmlns:a16="http://schemas.microsoft.com/office/drawing/2014/main" id="{15D5CCAF-CAB6-493C-9A85-2676F48690AF}"/>
+                <a16:creationId xmlns:a16="http://schemas.microsoft.com/office/drawing/2014/main" xmlns="" id="{15D5CCAF-CAB6-493C-9A85-2676F48690AF}"/>
               </a:ext>
             </a:extLst>
           </p:cNvPr>
@@ -17338,49 +17339,49 @@
                 <a:gridCol w="550521">
                   <a:extLst>
                     <a:ext uri="{9D8B030D-6E8A-4147-A177-3AD203B41FA5}">
-                      <a16:colId xmlns="" xmlns:a16="http://schemas.microsoft.com/office/drawing/2014/main" val="422949941"/>
+                      <a16:colId xmlns:a16="http://schemas.microsoft.com/office/drawing/2014/main" xmlns="" val="422949941"/>
                     </a:ext>
                   </a:extLst>
                 </a:gridCol>
                 <a:gridCol w="550521">
                   <a:extLst>
                     <a:ext uri="{9D8B030D-6E8A-4147-A177-3AD203B41FA5}">
-                      <a16:colId xmlns="" xmlns:a16="http://schemas.microsoft.com/office/drawing/2014/main" val="1888211109"/>
+                      <a16:colId xmlns:a16="http://schemas.microsoft.com/office/drawing/2014/main" xmlns="" val="1888211109"/>
                     </a:ext>
                   </a:extLst>
                 </a:gridCol>
                 <a:gridCol w="550521">
                   <a:extLst>
                     <a:ext uri="{9D8B030D-6E8A-4147-A177-3AD203B41FA5}">
-                      <a16:colId xmlns="" xmlns:a16="http://schemas.microsoft.com/office/drawing/2014/main" val="3675358557"/>
+                      <a16:colId xmlns:a16="http://schemas.microsoft.com/office/drawing/2014/main" xmlns="" val="3675358557"/>
                     </a:ext>
                   </a:extLst>
                 </a:gridCol>
                 <a:gridCol w="550521">
                   <a:extLst>
                     <a:ext uri="{9D8B030D-6E8A-4147-A177-3AD203B41FA5}">
-                      <a16:colId xmlns="" xmlns:a16="http://schemas.microsoft.com/office/drawing/2014/main" val="2341215234"/>
+                      <a16:colId xmlns:a16="http://schemas.microsoft.com/office/drawing/2014/main" xmlns="" val="2341215234"/>
                     </a:ext>
                   </a:extLst>
                 </a:gridCol>
                 <a:gridCol w="550521">
                   <a:extLst>
                     <a:ext uri="{9D8B030D-6E8A-4147-A177-3AD203B41FA5}">
-                      <a16:colId xmlns="" xmlns:a16="http://schemas.microsoft.com/office/drawing/2014/main" val="3718261339"/>
+                      <a16:colId xmlns:a16="http://schemas.microsoft.com/office/drawing/2014/main" xmlns="" val="3718261339"/>
                     </a:ext>
                   </a:extLst>
                 </a:gridCol>
                 <a:gridCol w="550521">
                   <a:extLst>
                     <a:ext uri="{9D8B030D-6E8A-4147-A177-3AD203B41FA5}">
-                      <a16:colId xmlns="" xmlns:a16="http://schemas.microsoft.com/office/drawing/2014/main" val="4106026957"/>
+                      <a16:colId xmlns:a16="http://schemas.microsoft.com/office/drawing/2014/main" xmlns="" val="4106026957"/>
                     </a:ext>
                   </a:extLst>
                 </a:gridCol>
                 <a:gridCol w="550521">
                   <a:extLst>
                     <a:ext uri="{9D8B030D-6E8A-4147-A177-3AD203B41FA5}">
-                      <a16:colId xmlns="" xmlns:a16="http://schemas.microsoft.com/office/drawing/2014/main" val="2810815576"/>
+                      <a16:colId xmlns:a16="http://schemas.microsoft.com/office/drawing/2014/main" xmlns="" val="2810815576"/>
                     </a:ext>
                   </a:extLst>
                 </a:gridCol>
@@ -17813,7 +17814,7 @@
                 </a:tc>
                 <a:extLst>
                   <a:ext uri="{0D108BD9-81ED-4DB2-BD59-A6C34878D82A}">
-                    <a16:rowId xmlns="" xmlns:a16="http://schemas.microsoft.com/office/drawing/2014/main" val="2318367764"/>
+                    <a16:rowId xmlns:a16="http://schemas.microsoft.com/office/drawing/2014/main" xmlns="" val="2318367764"/>
                   </a:ext>
                 </a:extLst>
               </a:tr>
@@ -21878,28 +21879,28 @@
                 <a:gridCol w="689223">
                   <a:extLst>
                     <a:ext uri="{9D8B030D-6E8A-4147-A177-3AD203B41FA5}">
-                      <a16:colId xmlns="" xmlns:a16="http://schemas.microsoft.com/office/drawing/2014/main" val="1151413589"/>
+                      <a16:colId xmlns:a16="http://schemas.microsoft.com/office/drawing/2014/main" xmlns="" val="1151413589"/>
                     </a:ext>
                   </a:extLst>
                 </a:gridCol>
                 <a:gridCol w="689223">
                   <a:extLst>
                     <a:ext uri="{9D8B030D-6E8A-4147-A177-3AD203B41FA5}">
-                      <a16:colId xmlns="" xmlns:a16="http://schemas.microsoft.com/office/drawing/2014/main" val="1361081966"/>
+                      <a16:colId xmlns:a16="http://schemas.microsoft.com/office/drawing/2014/main" xmlns="" val="1361081966"/>
                     </a:ext>
                   </a:extLst>
                 </a:gridCol>
                 <a:gridCol w="689223">
                   <a:extLst>
                     <a:ext uri="{9D8B030D-6E8A-4147-A177-3AD203B41FA5}">
-                      <a16:colId xmlns="" xmlns:a16="http://schemas.microsoft.com/office/drawing/2014/main" val="2051797336"/>
+                      <a16:colId xmlns:a16="http://schemas.microsoft.com/office/drawing/2014/main" xmlns="" val="2051797336"/>
                     </a:ext>
                   </a:extLst>
                 </a:gridCol>
                 <a:gridCol w="689223">
                   <a:extLst>
                     <a:ext uri="{9D8B030D-6E8A-4147-A177-3AD203B41FA5}">
-                      <a16:colId xmlns="" xmlns:a16="http://schemas.microsoft.com/office/drawing/2014/main" val="1204757378"/>
+                      <a16:colId xmlns:a16="http://schemas.microsoft.com/office/drawing/2014/main" xmlns="" val="1204757378"/>
                     </a:ext>
                   </a:extLst>
                 </a:gridCol>
@@ -22151,7 +22152,7 @@
                 </a:tc>
                 <a:extLst>
                   <a:ext uri="{0D108BD9-81ED-4DB2-BD59-A6C34878D82A}">
-                    <a16:rowId xmlns="" xmlns:a16="http://schemas.microsoft.com/office/drawing/2014/main" val="1233947439"/>
+                    <a16:rowId xmlns:a16="http://schemas.microsoft.com/office/drawing/2014/main" xmlns="" val="1233947439"/>
                   </a:ext>
                 </a:extLst>
               </a:tr>
@@ -22187,7 +22188,7 @@
                 <a:gridCol w="543779">
                   <a:extLst>
                     <a:ext uri="{9D8B030D-6E8A-4147-A177-3AD203B41FA5}">
-                      <a16:colId xmlns="" xmlns:a16="http://schemas.microsoft.com/office/drawing/2014/main" val="1797740742"/>
+                      <a16:colId xmlns:a16="http://schemas.microsoft.com/office/drawing/2014/main" xmlns="" val="1797740742"/>
                     </a:ext>
                   </a:extLst>
                 </a:gridCol>
@@ -22250,7 +22251,7 @@
                 </a:tc>
                 <a:extLst>
                   <a:ext uri="{0D108BD9-81ED-4DB2-BD59-A6C34878D82A}">
-                    <a16:rowId xmlns="" xmlns:a16="http://schemas.microsoft.com/office/drawing/2014/main" val="815333542"/>
+                    <a16:rowId xmlns:a16="http://schemas.microsoft.com/office/drawing/2014/main" xmlns="" val="815333542"/>
                   </a:ext>
                 </a:extLst>
               </a:tr>
@@ -22312,7 +22313,7 @@
                 </a:tc>
                 <a:extLst>
                   <a:ext uri="{0D108BD9-81ED-4DB2-BD59-A6C34878D82A}">
-                    <a16:rowId xmlns="" xmlns:a16="http://schemas.microsoft.com/office/drawing/2014/main" val="2622522162"/>
+                    <a16:rowId xmlns:a16="http://schemas.microsoft.com/office/drawing/2014/main" xmlns="" val="2622522162"/>
                   </a:ext>
                 </a:extLst>
               </a:tr>
@@ -22374,7 +22375,7 @@
                 </a:tc>
                 <a:extLst>
                   <a:ext uri="{0D108BD9-81ED-4DB2-BD59-A6C34878D82A}">
-                    <a16:rowId xmlns="" xmlns:a16="http://schemas.microsoft.com/office/drawing/2014/main" val="3848535946"/>
+                    <a16:rowId xmlns:a16="http://schemas.microsoft.com/office/drawing/2014/main" xmlns="" val="3848535946"/>
                   </a:ext>
                 </a:extLst>
               </a:tr>
@@ -22436,7 +22437,7 @@
                 </a:tc>
                 <a:extLst>
                   <a:ext uri="{0D108BD9-81ED-4DB2-BD59-A6C34878D82A}">
-                    <a16:rowId xmlns="" xmlns:a16="http://schemas.microsoft.com/office/drawing/2014/main" val="1797874248"/>
+                    <a16:rowId xmlns:a16="http://schemas.microsoft.com/office/drawing/2014/main" xmlns="" val="1797874248"/>
                   </a:ext>
                 </a:extLst>
               </a:tr>
@@ -22902,28 +22903,28 @@
                 <a:gridCol w="689223">
                   <a:extLst>
                     <a:ext uri="{9D8B030D-6E8A-4147-A177-3AD203B41FA5}">
-                      <a16:colId xmlns="" xmlns:a16="http://schemas.microsoft.com/office/drawing/2014/main" val="880660824"/>
+                      <a16:colId xmlns:a16="http://schemas.microsoft.com/office/drawing/2014/main" xmlns="" val="880660824"/>
                     </a:ext>
                   </a:extLst>
                 </a:gridCol>
                 <a:gridCol w="689223">
                   <a:extLst>
                     <a:ext uri="{9D8B030D-6E8A-4147-A177-3AD203B41FA5}">
-                      <a16:colId xmlns="" xmlns:a16="http://schemas.microsoft.com/office/drawing/2014/main" val="4183728883"/>
+                      <a16:colId xmlns:a16="http://schemas.microsoft.com/office/drawing/2014/main" xmlns="" val="4183728883"/>
                     </a:ext>
                   </a:extLst>
                 </a:gridCol>
                 <a:gridCol w="689223">
                   <a:extLst>
                     <a:ext uri="{9D8B030D-6E8A-4147-A177-3AD203B41FA5}">
-                      <a16:colId xmlns="" xmlns:a16="http://schemas.microsoft.com/office/drawing/2014/main" val="2492687774"/>
+                      <a16:colId xmlns:a16="http://schemas.microsoft.com/office/drawing/2014/main" xmlns="" val="2492687774"/>
                     </a:ext>
                   </a:extLst>
                 </a:gridCol>
                 <a:gridCol w="689223">
                   <a:extLst>
                     <a:ext uri="{9D8B030D-6E8A-4147-A177-3AD203B41FA5}">
-                      <a16:colId xmlns="" xmlns:a16="http://schemas.microsoft.com/office/drawing/2014/main" val="3102335657"/>
+                      <a16:colId xmlns:a16="http://schemas.microsoft.com/office/drawing/2014/main" xmlns="" val="3102335657"/>
                     </a:ext>
                   </a:extLst>
                 </a:gridCol>
@@ -23183,7 +23184,7 @@
                 </a:tc>
                 <a:extLst>
                   <a:ext uri="{0D108BD9-81ED-4DB2-BD59-A6C34878D82A}">
-                    <a16:rowId xmlns="" xmlns:a16="http://schemas.microsoft.com/office/drawing/2014/main" val="1551730337"/>
+                    <a16:rowId xmlns:a16="http://schemas.microsoft.com/office/drawing/2014/main" xmlns="" val="1551730337"/>
                   </a:ext>
                 </a:extLst>
               </a:tr>
@@ -23442,7 +23443,7 @@
                 </a:tc>
                 <a:extLst>
                   <a:ext uri="{0D108BD9-81ED-4DB2-BD59-A6C34878D82A}">
-                    <a16:rowId xmlns="" xmlns:a16="http://schemas.microsoft.com/office/drawing/2014/main" val="2852612148"/>
+                    <a16:rowId xmlns:a16="http://schemas.microsoft.com/office/drawing/2014/main" xmlns="" val="2852612148"/>
                   </a:ext>
                 </a:extLst>
               </a:tr>
@@ -23701,7 +23702,7 @@
                 </a:tc>
                 <a:extLst>
                   <a:ext uri="{0D108BD9-81ED-4DB2-BD59-A6C34878D82A}">
-                    <a16:rowId xmlns="" xmlns:a16="http://schemas.microsoft.com/office/drawing/2014/main" val="1581691548"/>
+                    <a16:rowId xmlns:a16="http://schemas.microsoft.com/office/drawing/2014/main" xmlns="" val="1581691548"/>
                   </a:ext>
                 </a:extLst>
               </a:tr>
@@ -23960,7 +23961,7 @@
                 </a:tc>
                 <a:extLst>
                   <a:ext uri="{0D108BD9-81ED-4DB2-BD59-A6C34878D82A}">
-                    <a16:rowId xmlns="" xmlns:a16="http://schemas.microsoft.com/office/drawing/2014/main" val="2786690379"/>
+                    <a16:rowId xmlns:a16="http://schemas.microsoft.com/office/drawing/2014/main" xmlns="" val="2786690379"/>
                   </a:ext>
                 </a:extLst>
               </a:tr>
@@ -26206,7 +26207,7 @@
           <p:cNvPr id="5" name="표 5">
             <a:extLst>
               <a:ext uri="{FF2B5EF4-FFF2-40B4-BE49-F238E27FC236}">
-                <a16:creationId xmlns="" xmlns:a16="http://schemas.microsoft.com/office/drawing/2014/main" id="{15D5CCAF-CAB6-493C-9A85-2676F48690AF}"/>
+                <a16:creationId xmlns:a16="http://schemas.microsoft.com/office/drawing/2014/main" xmlns="" id="{15D5CCAF-CAB6-493C-9A85-2676F48690AF}"/>
               </a:ext>
             </a:extLst>
           </p:cNvPr>
@@ -26235,28 +26236,28 @@
                 <a:gridCol w="550521">
                   <a:extLst>
                     <a:ext uri="{9D8B030D-6E8A-4147-A177-3AD203B41FA5}">
-                      <a16:colId xmlns="" xmlns:a16="http://schemas.microsoft.com/office/drawing/2014/main" val="422949941"/>
+                      <a16:colId xmlns:a16="http://schemas.microsoft.com/office/drawing/2014/main" xmlns="" val="422949941"/>
                     </a:ext>
                   </a:extLst>
                 </a:gridCol>
                 <a:gridCol w="550521">
                   <a:extLst>
                     <a:ext uri="{9D8B030D-6E8A-4147-A177-3AD203B41FA5}">
-                      <a16:colId xmlns="" xmlns:a16="http://schemas.microsoft.com/office/drawing/2014/main" val="1888211109"/>
+                      <a16:colId xmlns:a16="http://schemas.microsoft.com/office/drawing/2014/main" xmlns="" val="1888211109"/>
                     </a:ext>
                   </a:extLst>
                 </a:gridCol>
                 <a:gridCol w="550521">
                   <a:extLst>
                     <a:ext uri="{9D8B030D-6E8A-4147-A177-3AD203B41FA5}">
-                      <a16:colId xmlns="" xmlns:a16="http://schemas.microsoft.com/office/drawing/2014/main" val="3675358557"/>
+                      <a16:colId xmlns:a16="http://schemas.microsoft.com/office/drawing/2014/main" xmlns="" val="3675358557"/>
                     </a:ext>
                   </a:extLst>
                 </a:gridCol>
                 <a:gridCol w="550521">
                   <a:extLst>
                     <a:ext uri="{9D8B030D-6E8A-4147-A177-3AD203B41FA5}">
-                      <a16:colId xmlns="" xmlns:a16="http://schemas.microsoft.com/office/drawing/2014/main" val="2341215234"/>
+                      <a16:colId xmlns:a16="http://schemas.microsoft.com/office/drawing/2014/main" xmlns="" val="2341215234"/>
                     </a:ext>
                   </a:extLst>
                 </a:gridCol>
@@ -26516,7 +26517,7 @@
                 </a:tc>
                 <a:extLst>
                   <a:ext uri="{0D108BD9-81ED-4DB2-BD59-A6C34878D82A}">
-                    <a16:rowId xmlns="" xmlns:a16="http://schemas.microsoft.com/office/drawing/2014/main" val="2318367764"/>
+                    <a16:rowId xmlns:a16="http://schemas.microsoft.com/office/drawing/2014/main" xmlns="" val="2318367764"/>
                   </a:ext>
                 </a:extLst>
               </a:tr>
@@ -26529,7 +26530,7 @@
           <p:cNvPr id="6" name="표 5">
             <a:extLst>
               <a:ext uri="{FF2B5EF4-FFF2-40B4-BE49-F238E27FC236}">
-                <a16:creationId xmlns="" xmlns:a16="http://schemas.microsoft.com/office/drawing/2014/main" id="{15D5CCAF-CAB6-493C-9A85-2676F48690AF}"/>
+                <a16:creationId xmlns:a16="http://schemas.microsoft.com/office/drawing/2014/main" xmlns="" id="{15D5CCAF-CAB6-493C-9A85-2676F48690AF}"/>
               </a:ext>
             </a:extLst>
           </p:cNvPr>
@@ -26558,28 +26559,28 @@
                 <a:gridCol w="547200">
                   <a:extLst>
                     <a:ext uri="{9D8B030D-6E8A-4147-A177-3AD203B41FA5}">
-                      <a16:colId xmlns="" xmlns:a16="http://schemas.microsoft.com/office/drawing/2014/main" val="422949941"/>
+                      <a16:colId xmlns:a16="http://schemas.microsoft.com/office/drawing/2014/main" xmlns="" val="422949941"/>
                     </a:ext>
                   </a:extLst>
                 </a:gridCol>
                 <a:gridCol w="547200">
                   <a:extLst>
                     <a:ext uri="{9D8B030D-6E8A-4147-A177-3AD203B41FA5}">
-                      <a16:colId xmlns="" xmlns:a16="http://schemas.microsoft.com/office/drawing/2014/main" val="1888211109"/>
+                      <a16:colId xmlns:a16="http://schemas.microsoft.com/office/drawing/2014/main" xmlns="" val="1888211109"/>
                     </a:ext>
                   </a:extLst>
                 </a:gridCol>
                 <a:gridCol w="547200">
                   <a:extLst>
                     <a:ext uri="{9D8B030D-6E8A-4147-A177-3AD203B41FA5}">
-                      <a16:colId xmlns="" xmlns:a16="http://schemas.microsoft.com/office/drawing/2014/main" val="3675358557"/>
+                      <a16:colId xmlns:a16="http://schemas.microsoft.com/office/drawing/2014/main" xmlns="" val="3675358557"/>
                     </a:ext>
                   </a:extLst>
                 </a:gridCol>
                 <a:gridCol w="547200">
                   <a:extLst>
                     <a:ext uri="{9D8B030D-6E8A-4147-A177-3AD203B41FA5}">
-                      <a16:colId xmlns="" xmlns:a16="http://schemas.microsoft.com/office/drawing/2014/main" val="2341215234"/>
+                      <a16:colId xmlns:a16="http://schemas.microsoft.com/office/drawing/2014/main" xmlns="" val="2341215234"/>
                     </a:ext>
                   </a:extLst>
                 </a:gridCol>
@@ -27007,7 +27008,7 @@
                 </a:tc>
                 <a:extLst>
                   <a:ext uri="{0D108BD9-81ED-4DB2-BD59-A6C34878D82A}">
-                    <a16:rowId xmlns="" xmlns:a16="http://schemas.microsoft.com/office/drawing/2014/main" val="2318367764"/>
+                    <a16:rowId xmlns:a16="http://schemas.microsoft.com/office/drawing/2014/main" xmlns="" val="2318367764"/>
                   </a:ext>
                 </a:extLst>
               </a:tr>
@@ -27020,7 +27021,7 @@
           <p:cNvPr id="7" name="표 5">
             <a:extLst>
               <a:ext uri="{FF2B5EF4-FFF2-40B4-BE49-F238E27FC236}">
-                <a16:creationId xmlns="" xmlns:a16="http://schemas.microsoft.com/office/drawing/2014/main" id="{15D5CCAF-CAB6-493C-9A85-2676F48690AF}"/>
+                <a16:creationId xmlns:a16="http://schemas.microsoft.com/office/drawing/2014/main" xmlns="" id="{15D5CCAF-CAB6-493C-9A85-2676F48690AF}"/>
               </a:ext>
             </a:extLst>
           </p:cNvPr>
@@ -27049,28 +27050,28 @@
                 <a:gridCol w="550521">
                   <a:extLst>
                     <a:ext uri="{9D8B030D-6E8A-4147-A177-3AD203B41FA5}">
-                      <a16:colId xmlns="" xmlns:a16="http://schemas.microsoft.com/office/drawing/2014/main" val="422949941"/>
+                      <a16:colId xmlns:a16="http://schemas.microsoft.com/office/drawing/2014/main" xmlns="" val="422949941"/>
                     </a:ext>
                   </a:extLst>
                 </a:gridCol>
                 <a:gridCol w="550521">
                   <a:extLst>
                     <a:ext uri="{9D8B030D-6E8A-4147-A177-3AD203B41FA5}">
-                      <a16:colId xmlns="" xmlns:a16="http://schemas.microsoft.com/office/drawing/2014/main" val="1888211109"/>
+                      <a16:colId xmlns:a16="http://schemas.microsoft.com/office/drawing/2014/main" xmlns="" val="1888211109"/>
                     </a:ext>
                   </a:extLst>
                 </a:gridCol>
                 <a:gridCol w="550521">
                   <a:extLst>
                     <a:ext uri="{9D8B030D-6E8A-4147-A177-3AD203B41FA5}">
-                      <a16:colId xmlns="" xmlns:a16="http://schemas.microsoft.com/office/drawing/2014/main" val="3675358557"/>
+                      <a16:colId xmlns:a16="http://schemas.microsoft.com/office/drawing/2014/main" xmlns="" val="3675358557"/>
                     </a:ext>
                   </a:extLst>
                 </a:gridCol>
                 <a:gridCol w="550521">
                   <a:extLst>
                     <a:ext uri="{9D8B030D-6E8A-4147-A177-3AD203B41FA5}">
-                      <a16:colId xmlns="" xmlns:a16="http://schemas.microsoft.com/office/drawing/2014/main" val="2341215234"/>
+                      <a16:colId xmlns:a16="http://schemas.microsoft.com/office/drawing/2014/main" xmlns="" val="2341215234"/>
                     </a:ext>
                   </a:extLst>
                 </a:gridCol>
@@ -27330,7 +27331,7 @@
                 </a:tc>
                 <a:extLst>
                   <a:ext uri="{0D108BD9-81ED-4DB2-BD59-A6C34878D82A}">
-                    <a16:rowId xmlns="" xmlns:a16="http://schemas.microsoft.com/office/drawing/2014/main" val="2318367764"/>
+                    <a16:rowId xmlns:a16="http://schemas.microsoft.com/office/drawing/2014/main" xmlns="" val="2318367764"/>
                   </a:ext>
                 </a:extLst>
               </a:tr>
@@ -27674,7 +27675,7 @@
           <p:cNvPr id="4" name="표 3">
             <a:extLst>
               <a:ext uri="{FF2B5EF4-FFF2-40B4-BE49-F238E27FC236}">
-                <a16:creationId xmlns="" xmlns:a16="http://schemas.microsoft.com/office/drawing/2014/main" id="{15D5CCAF-CAB6-493C-9A85-2676F48690AF}"/>
+                <a16:creationId xmlns:a16="http://schemas.microsoft.com/office/drawing/2014/main" xmlns="" id="{15D5CCAF-CAB6-493C-9A85-2676F48690AF}"/>
               </a:ext>
             </a:extLst>
           </p:cNvPr>
@@ -27703,7 +27704,7 @@
                 <a:gridCol w="547200">
                   <a:extLst>
                     <a:ext uri="{9D8B030D-6E8A-4147-A177-3AD203B41FA5}">
-                      <a16:colId xmlns="" xmlns:a16="http://schemas.microsoft.com/office/drawing/2014/main" val="422949941"/>
+                      <a16:colId xmlns:a16="http://schemas.microsoft.com/office/drawing/2014/main" xmlns="" val="422949941"/>
                     </a:ext>
                   </a:extLst>
                 </a:gridCol>
@@ -27713,21 +27714,21 @@
                 <a:gridCol w="547200">
                   <a:extLst>
                     <a:ext uri="{9D8B030D-6E8A-4147-A177-3AD203B41FA5}">
-                      <a16:colId xmlns="" xmlns:a16="http://schemas.microsoft.com/office/drawing/2014/main" val="1888211109"/>
+                      <a16:colId xmlns:a16="http://schemas.microsoft.com/office/drawing/2014/main" xmlns="" val="1888211109"/>
                     </a:ext>
                   </a:extLst>
                 </a:gridCol>
                 <a:gridCol w="547200">
                   <a:extLst>
                     <a:ext uri="{9D8B030D-6E8A-4147-A177-3AD203B41FA5}">
-                      <a16:colId xmlns="" xmlns:a16="http://schemas.microsoft.com/office/drawing/2014/main" val="3675358557"/>
+                      <a16:colId xmlns:a16="http://schemas.microsoft.com/office/drawing/2014/main" xmlns="" val="3675358557"/>
                     </a:ext>
                   </a:extLst>
                 </a:gridCol>
                 <a:gridCol w="547200">
                   <a:extLst>
                     <a:ext uri="{9D8B030D-6E8A-4147-A177-3AD203B41FA5}">
-                      <a16:colId xmlns="" xmlns:a16="http://schemas.microsoft.com/office/drawing/2014/main" val="2341215234"/>
+                      <a16:colId xmlns:a16="http://schemas.microsoft.com/office/drawing/2014/main" xmlns="" val="2341215234"/>
                     </a:ext>
                   </a:extLst>
                 </a:gridCol>
@@ -28551,7 +28552,7 @@
                 </a:tc>
                 <a:extLst>
                   <a:ext uri="{0D108BD9-81ED-4DB2-BD59-A6C34878D82A}">
-                    <a16:rowId xmlns="" xmlns:a16="http://schemas.microsoft.com/office/drawing/2014/main" val="2318367764"/>
+                    <a16:rowId xmlns:a16="http://schemas.microsoft.com/office/drawing/2014/main" xmlns="" val="2318367764"/>
                   </a:ext>
                 </a:extLst>
               </a:tr>
@@ -28564,7 +28565,7 @@
           <p:cNvPr id="5" name="표 4">
             <a:extLst>
               <a:ext uri="{FF2B5EF4-FFF2-40B4-BE49-F238E27FC236}">
-                <a16:creationId xmlns="" xmlns:a16="http://schemas.microsoft.com/office/drawing/2014/main" id="{15D5CCAF-CAB6-493C-9A85-2676F48690AF}"/>
+                <a16:creationId xmlns:a16="http://schemas.microsoft.com/office/drawing/2014/main" xmlns="" id="{15D5CCAF-CAB6-493C-9A85-2676F48690AF}"/>
               </a:ext>
             </a:extLst>
           </p:cNvPr>
@@ -28593,7 +28594,7 @@
                 <a:gridCol w="547200">
                   <a:extLst>
                     <a:ext uri="{9D8B030D-6E8A-4147-A177-3AD203B41FA5}">
-                      <a16:colId xmlns="" xmlns:a16="http://schemas.microsoft.com/office/drawing/2014/main" val="422949941"/>
+                      <a16:colId xmlns:a16="http://schemas.microsoft.com/office/drawing/2014/main" xmlns="" val="422949941"/>
                     </a:ext>
                   </a:extLst>
                 </a:gridCol>
@@ -28603,21 +28604,21 @@
                 <a:gridCol w="547200">
                   <a:extLst>
                     <a:ext uri="{9D8B030D-6E8A-4147-A177-3AD203B41FA5}">
-                      <a16:colId xmlns="" xmlns:a16="http://schemas.microsoft.com/office/drawing/2014/main" val="1888211109"/>
+                      <a16:colId xmlns:a16="http://schemas.microsoft.com/office/drawing/2014/main" xmlns="" val="1888211109"/>
                     </a:ext>
                   </a:extLst>
                 </a:gridCol>
                 <a:gridCol w="547200">
                   <a:extLst>
                     <a:ext uri="{9D8B030D-6E8A-4147-A177-3AD203B41FA5}">
-                      <a16:colId xmlns="" xmlns:a16="http://schemas.microsoft.com/office/drawing/2014/main" val="3675358557"/>
+                      <a16:colId xmlns:a16="http://schemas.microsoft.com/office/drawing/2014/main" xmlns="" val="3675358557"/>
                     </a:ext>
                   </a:extLst>
                 </a:gridCol>
                 <a:gridCol w="547200">
                   <a:extLst>
                     <a:ext uri="{9D8B030D-6E8A-4147-A177-3AD203B41FA5}">
-                      <a16:colId xmlns="" xmlns:a16="http://schemas.microsoft.com/office/drawing/2014/main" val="2341215234"/>
+                      <a16:colId xmlns:a16="http://schemas.microsoft.com/office/drawing/2014/main" xmlns="" val="2341215234"/>
                     </a:ext>
                   </a:extLst>
                 </a:gridCol>
@@ -29277,7 +29278,7 @@
                 </a:tc>
                 <a:extLst>
                   <a:ext uri="{0D108BD9-81ED-4DB2-BD59-A6C34878D82A}">
-                    <a16:rowId xmlns="" xmlns:a16="http://schemas.microsoft.com/office/drawing/2014/main" val="2318367764"/>
+                    <a16:rowId xmlns:a16="http://schemas.microsoft.com/office/drawing/2014/main" xmlns="" val="2318367764"/>
                   </a:ext>
                 </a:extLst>
               </a:tr>
@@ -29290,7 +29291,7 @@
           <p:cNvPr id="6" name="표 5">
             <a:extLst>
               <a:ext uri="{FF2B5EF4-FFF2-40B4-BE49-F238E27FC236}">
-                <a16:creationId xmlns="" xmlns:a16="http://schemas.microsoft.com/office/drawing/2014/main" id="{15D5CCAF-CAB6-493C-9A85-2676F48690AF}"/>
+                <a16:creationId xmlns:a16="http://schemas.microsoft.com/office/drawing/2014/main" xmlns="" id="{15D5CCAF-CAB6-493C-9A85-2676F48690AF}"/>
               </a:ext>
             </a:extLst>
           </p:cNvPr>
@@ -29319,7 +29320,7 @@
                 <a:gridCol w="547200">
                   <a:extLst>
                     <a:ext uri="{9D8B030D-6E8A-4147-A177-3AD203B41FA5}">
-                      <a16:colId xmlns="" xmlns:a16="http://schemas.microsoft.com/office/drawing/2014/main" val="422949941"/>
+                      <a16:colId xmlns:a16="http://schemas.microsoft.com/office/drawing/2014/main" xmlns="" val="422949941"/>
                     </a:ext>
                   </a:extLst>
                 </a:gridCol>
@@ -29329,21 +29330,21 @@
                 <a:gridCol w="547200">
                   <a:extLst>
                     <a:ext uri="{9D8B030D-6E8A-4147-A177-3AD203B41FA5}">
-                      <a16:colId xmlns="" xmlns:a16="http://schemas.microsoft.com/office/drawing/2014/main" val="1888211109"/>
+                      <a16:colId xmlns:a16="http://schemas.microsoft.com/office/drawing/2014/main" xmlns="" val="1888211109"/>
                     </a:ext>
                   </a:extLst>
                 </a:gridCol>
                 <a:gridCol w="547200">
                   <a:extLst>
                     <a:ext uri="{9D8B030D-6E8A-4147-A177-3AD203B41FA5}">
-                      <a16:colId xmlns="" xmlns:a16="http://schemas.microsoft.com/office/drawing/2014/main" val="3675358557"/>
+                      <a16:colId xmlns:a16="http://schemas.microsoft.com/office/drawing/2014/main" xmlns="" val="3675358557"/>
                     </a:ext>
                   </a:extLst>
                 </a:gridCol>
                 <a:gridCol w="547200">
                   <a:extLst>
                     <a:ext uri="{9D8B030D-6E8A-4147-A177-3AD203B41FA5}">
-                      <a16:colId xmlns="" xmlns:a16="http://schemas.microsoft.com/office/drawing/2014/main" val="2341215234"/>
+                      <a16:colId xmlns:a16="http://schemas.microsoft.com/office/drawing/2014/main" xmlns="" val="2341215234"/>
                     </a:ext>
                   </a:extLst>
                 </a:gridCol>
@@ -30038,7 +30039,7 @@
                 </a:tc>
                 <a:extLst>
                   <a:ext uri="{0D108BD9-81ED-4DB2-BD59-A6C34878D82A}">
-                    <a16:rowId xmlns="" xmlns:a16="http://schemas.microsoft.com/office/drawing/2014/main" val="2318367764"/>
+                    <a16:rowId xmlns:a16="http://schemas.microsoft.com/office/drawing/2014/main" xmlns="" val="2318367764"/>
                   </a:ext>
                 </a:extLst>
               </a:tr>
@@ -30051,7 +30052,7 @@
           <p:cNvPr id="7" name="표 6">
             <a:extLst>
               <a:ext uri="{FF2B5EF4-FFF2-40B4-BE49-F238E27FC236}">
-                <a16:creationId xmlns="" xmlns:a16="http://schemas.microsoft.com/office/drawing/2014/main" id="{15D5CCAF-CAB6-493C-9A85-2676F48690AF}"/>
+                <a16:creationId xmlns:a16="http://schemas.microsoft.com/office/drawing/2014/main" xmlns="" id="{15D5CCAF-CAB6-493C-9A85-2676F48690AF}"/>
               </a:ext>
             </a:extLst>
           </p:cNvPr>
@@ -30080,7 +30081,7 @@
                 <a:gridCol w="547200">
                   <a:extLst>
                     <a:ext uri="{9D8B030D-6E8A-4147-A177-3AD203B41FA5}">
-                      <a16:colId xmlns="" xmlns:a16="http://schemas.microsoft.com/office/drawing/2014/main" val="422949941"/>
+                      <a16:colId xmlns:a16="http://schemas.microsoft.com/office/drawing/2014/main" xmlns="" val="422949941"/>
                     </a:ext>
                   </a:extLst>
                 </a:gridCol>
@@ -30090,21 +30091,21 @@
                 <a:gridCol w="547200">
                   <a:extLst>
                     <a:ext uri="{9D8B030D-6E8A-4147-A177-3AD203B41FA5}">
-                      <a16:colId xmlns="" xmlns:a16="http://schemas.microsoft.com/office/drawing/2014/main" val="1888211109"/>
+                      <a16:colId xmlns:a16="http://schemas.microsoft.com/office/drawing/2014/main" xmlns="" val="1888211109"/>
                     </a:ext>
                   </a:extLst>
                 </a:gridCol>
                 <a:gridCol w="547200">
                   <a:extLst>
                     <a:ext uri="{9D8B030D-6E8A-4147-A177-3AD203B41FA5}">
-                      <a16:colId xmlns="" xmlns:a16="http://schemas.microsoft.com/office/drawing/2014/main" val="3675358557"/>
+                      <a16:colId xmlns:a16="http://schemas.microsoft.com/office/drawing/2014/main" xmlns="" val="3675358557"/>
                     </a:ext>
                   </a:extLst>
                 </a:gridCol>
                 <a:gridCol w="547200">
                   <a:extLst>
                     <a:ext uri="{9D8B030D-6E8A-4147-A177-3AD203B41FA5}">
-                      <a16:colId xmlns="" xmlns:a16="http://schemas.microsoft.com/office/drawing/2014/main" val="2341215234"/>
+                      <a16:colId xmlns:a16="http://schemas.microsoft.com/office/drawing/2014/main" xmlns="" val="2341215234"/>
                     </a:ext>
                   </a:extLst>
                 </a:gridCol>
@@ -30783,7 +30784,7 @@
                 </a:tc>
                 <a:extLst>
                   <a:ext uri="{0D108BD9-81ED-4DB2-BD59-A6C34878D82A}">
-                    <a16:rowId xmlns="" xmlns:a16="http://schemas.microsoft.com/office/drawing/2014/main" val="2318367764"/>
+                    <a16:rowId xmlns:a16="http://schemas.microsoft.com/office/drawing/2014/main" xmlns="" val="2318367764"/>
                   </a:ext>
                 </a:extLst>
               </a:tr>
@@ -31840,7 +31841,7 @@
           <p:cNvPr id="5" name="표 4">
             <a:extLst>
               <a:ext uri="{FF2B5EF4-FFF2-40B4-BE49-F238E27FC236}">
-                <a16:creationId xmlns="" xmlns:a16="http://schemas.microsoft.com/office/drawing/2014/main" id="{15D5CCAF-CAB6-493C-9A85-2676F48690AF}"/>
+                <a16:creationId xmlns:a16="http://schemas.microsoft.com/office/drawing/2014/main" xmlns="" id="{15D5CCAF-CAB6-493C-9A85-2676F48690AF}"/>
               </a:ext>
             </a:extLst>
           </p:cNvPr>
@@ -31869,7 +31870,7 @@
                 <a:gridCol w="547200">
                   <a:extLst>
                     <a:ext uri="{9D8B030D-6E8A-4147-A177-3AD203B41FA5}">
-                      <a16:colId xmlns="" xmlns:a16="http://schemas.microsoft.com/office/drawing/2014/main" val="422949941"/>
+                      <a16:colId xmlns:a16="http://schemas.microsoft.com/office/drawing/2014/main" xmlns="" val="422949941"/>
                     </a:ext>
                   </a:extLst>
                 </a:gridCol>
@@ -31879,14 +31880,14 @@
                 <a:gridCol w="547200">
                   <a:extLst>
                     <a:ext uri="{9D8B030D-6E8A-4147-A177-3AD203B41FA5}">
-                      <a16:colId xmlns="" xmlns:a16="http://schemas.microsoft.com/office/drawing/2014/main" val="1888211109"/>
+                      <a16:colId xmlns:a16="http://schemas.microsoft.com/office/drawing/2014/main" xmlns="" val="1888211109"/>
                     </a:ext>
                   </a:extLst>
                 </a:gridCol>
                 <a:gridCol w="547200">
                   <a:extLst>
                     <a:ext uri="{9D8B030D-6E8A-4147-A177-3AD203B41FA5}">
-                      <a16:colId xmlns="" xmlns:a16="http://schemas.microsoft.com/office/drawing/2014/main" val="3675358557"/>
+                      <a16:colId xmlns:a16="http://schemas.microsoft.com/office/drawing/2014/main" xmlns="" val="3675358557"/>
                     </a:ext>
                   </a:extLst>
                 </a:gridCol>
@@ -32324,7 +32325,7 @@
                 </a:tc>
                 <a:extLst>
                   <a:ext uri="{0D108BD9-81ED-4DB2-BD59-A6C34878D82A}">
-                    <a16:rowId xmlns="" xmlns:a16="http://schemas.microsoft.com/office/drawing/2014/main" val="2318367764"/>
+                    <a16:rowId xmlns:a16="http://schemas.microsoft.com/office/drawing/2014/main" xmlns="" val="2318367764"/>
                   </a:ext>
                 </a:extLst>
               </a:tr>
@@ -32337,7 +32338,7 @@
           <p:cNvPr id="6" name="표 5">
             <a:extLst>
               <a:ext uri="{FF2B5EF4-FFF2-40B4-BE49-F238E27FC236}">
-                <a16:creationId xmlns="" xmlns:a16="http://schemas.microsoft.com/office/drawing/2014/main" id="{15D5CCAF-CAB6-493C-9A85-2676F48690AF}"/>
+                <a16:creationId xmlns:a16="http://schemas.microsoft.com/office/drawing/2014/main" xmlns="" id="{15D5CCAF-CAB6-493C-9A85-2676F48690AF}"/>
               </a:ext>
             </a:extLst>
           </p:cNvPr>
@@ -32366,7 +32367,7 @@
                 <a:gridCol w="547200">
                   <a:extLst>
                     <a:ext uri="{9D8B030D-6E8A-4147-A177-3AD203B41FA5}">
-                      <a16:colId xmlns="" xmlns:a16="http://schemas.microsoft.com/office/drawing/2014/main" val="422949941"/>
+                      <a16:colId xmlns:a16="http://schemas.microsoft.com/office/drawing/2014/main" xmlns="" val="422949941"/>
                     </a:ext>
                   </a:extLst>
                 </a:gridCol>
@@ -32376,14 +32377,14 @@
                 <a:gridCol w="547200">
                   <a:extLst>
                     <a:ext uri="{9D8B030D-6E8A-4147-A177-3AD203B41FA5}">
-                      <a16:colId xmlns="" xmlns:a16="http://schemas.microsoft.com/office/drawing/2014/main" val="1888211109"/>
+                      <a16:colId xmlns:a16="http://schemas.microsoft.com/office/drawing/2014/main" xmlns="" val="1888211109"/>
                     </a:ext>
                   </a:extLst>
                 </a:gridCol>
                 <a:gridCol w="547200">
                   <a:extLst>
                     <a:ext uri="{9D8B030D-6E8A-4147-A177-3AD203B41FA5}">
-                      <a16:colId xmlns="" xmlns:a16="http://schemas.microsoft.com/office/drawing/2014/main" val="3675358557"/>
+                      <a16:colId xmlns:a16="http://schemas.microsoft.com/office/drawing/2014/main" xmlns="" val="3675358557"/>
                     </a:ext>
                   </a:extLst>
                 </a:gridCol>
@@ -32821,7 +32822,7 @@
                 </a:tc>
                 <a:extLst>
                   <a:ext uri="{0D108BD9-81ED-4DB2-BD59-A6C34878D82A}">
-                    <a16:rowId xmlns="" xmlns:a16="http://schemas.microsoft.com/office/drawing/2014/main" val="2318367764"/>
+                    <a16:rowId xmlns:a16="http://schemas.microsoft.com/office/drawing/2014/main" xmlns="" val="2318367764"/>
                   </a:ext>
                 </a:extLst>
               </a:tr>
@@ -32834,7 +32835,7 @@
           <p:cNvPr id="7" name="표 6">
             <a:extLst>
               <a:ext uri="{FF2B5EF4-FFF2-40B4-BE49-F238E27FC236}">
-                <a16:creationId xmlns="" xmlns:a16="http://schemas.microsoft.com/office/drawing/2014/main" id="{15D5CCAF-CAB6-493C-9A85-2676F48690AF}"/>
+                <a16:creationId xmlns:a16="http://schemas.microsoft.com/office/drawing/2014/main" xmlns="" id="{15D5CCAF-CAB6-493C-9A85-2676F48690AF}"/>
               </a:ext>
             </a:extLst>
           </p:cNvPr>
@@ -32863,7 +32864,7 @@
                 <a:gridCol w="547200">
                   <a:extLst>
                     <a:ext uri="{9D8B030D-6E8A-4147-A177-3AD203B41FA5}">
-                      <a16:colId xmlns="" xmlns:a16="http://schemas.microsoft.com/office/drawing/2014/main" val="422949941"/>
+                      <a16:colId xmlns:a16="http://schemas.microsoft.com/office/drawing/2014/main" xmlns="" val="422949941"/>
                     </a:ext>
                   </a:extLst>
                 </a:gridCol>
@@ -32873,14 +32874,14 @@
                 <a:gridCol w="547200">
                   <a:extLst>
                     <a:ext uri="{9D8B030D-6E8A-4147-A177-3AD203B41FA5}">
-                      <a16:colId xmlns="" xmlns:a16="http://schemas.microsoft.com/office/drawing/2014/main" val="1888211109"/>
+                      <a16:colId xmlns:a16="http://schemas.microsoft.com/office/drawing/2014/main" xmlns="" val="1888211109"/>
                     </a:ext>
                   </a:extLst>
                 </a:gridCol>
                 <a:gridCol w="547200">
                   <a:extLst>
                     <a:ext uri="{9D8B030D-6E8A-4147-A177-3AD203B41FA5}">
-                      <a16:colId xmlns="" xmlns:a16="http://schemas.microsoft.com/office/drawing/2014/main" val="3675358557"/>
+                      <a16:colId xmlns:a16="http://schemas.microsoft.com/office/drawing/2014/main" xmlns="" val="3675358557"/>
                     </a:ext>
                   </a:extLst>
                 </a:gridCol>
@@ -33314,7 +33315,7 @@
                 </a:tc>
                 <a:extLst>
                   <a:ext uri="{0D108BD9-81ED-4DB2-BD59-A6C34878D82A}">
-                    <a16:rowId xmlns="" xmlns:a16="http://schemas.microsoft.com/office/drawing/2014/main" val="2318367764"/>
+                    <a16:rowId xmlns:a16="http://schemas.microsoft.com/office/drawing/2014/main" xmlns="" val="2318367764"/>
                   </a:ext>
                 </a:extLst>
               </a:tr>
@@ -33349,11 +33350,7 @@
             </a:pPr>
             <a:r>
               <a:rPr kumimoji="1" lang="ko-KR" altLang="en-US" dirty="0" smtClean="0"/>
-              <a:t>정렬할 데이</a:t>
-            </a:r>
-            <a:r>
-              <a:rPr kumimoji="1" lang="ko-KR" altLang="en-US" dirty="0" smtClean="0"/>
-              <a:t>터</a:t>
+              <a:t>정렬할 데이터</a:t>
             </a:r>
             <a:r>
               <a:rPr kumimoji="1" lang="en-US" altLang="ko-KR" dirty="0" smtClean="0"/>
@@ -33528,11 +33525,7 @@
             </a:r>
             <a:r>
               <a:rPr kumimoji="1" lang="ko-KR" altLang="en-US" dirty="0" smtClean="0"/>
-              <a:t> </a:t>
-            </a:r>
-            <a:r>
-              <a:rPr kumimoji="1" lang="ko-KR" altLang="en-US" dirty="0" smtClean="0"/>
-              <a:t>완성</a:t>
+              <a:t> 완성</a:t>
             </a:r>
             <a:endParaRPr kumimoji="1" lang="en-US" altLang="ko-KR" dirty="0" smtClean="0"/>
           </a:p>
@@ -33543,7 +33536,7 @@
           <p:cNvPr id="26" name="표 25">
             <a:extLst>
               <a:ext uri="{FF2B5EF4-FFF2-40B4-BE49-F238E27FC236}">
-                <a16:creationId xmlns="" xmlns:a16="http://schemas.microsoft.com/office/drawing/2014/main" id="{15D5CCAF-CAB6-493C-9A85-2676F48690AF}"/>
+                <a16:creationId xmlns:a16="http://schemas.microsoft.com/office/drawing/2014/main" xmlns="" id="{15D5CCAF-CAB6-493C-9A85-2676F48690AF}"/>
               </a:ext>
             </a:extLst>
           </p:cNvPr>
@@ -33572,7 +33565,7 @@
                 <a:gridCol w="547200">
                   <a:extLst>
                     <a:ext uri="{9D8B030D-6E8A-4147-A177-3AD203B41FA5}">
-                      <a16:colId xmlns="" xmlns:a16="http://schemas.microsoft.com/office/drawing/2014/main" val="422949941"/>
+                      <a16:colId xmlns:a16="http://schemas.microsoft.com/office/drawing/2014/main" xmlns="" val="422949941"/>
                     </a:ext>
                   </a:extLst>
                 </a:gridCol>
@@ -33582,14 +33575,14 @@
                 <a:gridCol w="547200">
                   <a:extLst>
                     <a:ext uri="{9D8B030D-6E8A-4147-A177-3AD203B41FA5}">
-                      <a16:colId xmlns="" xmlns:a16="http://schemas.microsoft.com/office/drawing/2014/main" val="1888211109"/>
+                      <a16:colId xmlns:a16="http://schemas.microsoft.com/office/drawing/2014/main" xmlns="" val="1888211109"/>
                     </a:ext>
                   </a:extLst>
                 </a:gridCol>
                 <a:gridCol w="547200">
                   <a:extLst>
                     <a:ext uri="{9D8B030D-6E8A-4147-A177-3AD203B41FA5}">
-                      <a16:colId xmlns="" xmlns:a16="http://schemas.microsoft.com/office/drawing/2014/main" val="3675358557"/>
+                      <a16:colId xmlns:a16="http://schemas.microsoft.com/office/drawing/2014/main" xmlns="" val="3675358557"/>
                     </a:ext>
                   </a:extLst>
                 </a:gridCol>
@@ -34027,7 +34020,7 @@
                 </a:tc>
                 <a:extLst>
                   <a:ext uri="{0D108BD9-81ED-4DB2-BD59-A6C34878D82A}">
-                    <a16:rowId xmlns="" xmlns:a16="http://schemas.microsoft.com/office/drawing/2014/main" val="2318367764"/>
+                    <a16:rowId xmlns:a16="http://schemas.microsoft.com/office/drawing/2014/main" xmlns="" val="2318367764"/>
                   </a:ext>
                 </a:extLst>
               </a:tr>
@@ -34039,6 +34032,388 @@
     <p:extLst>
       <p:ext uri="{BB962C8B-B14F-4D97-AF65-F5344CB8AC3E}">
         <p14:creationId xmlns:p14="http://schemas.microsoft.com/office/powerpoint/2010/main" val="1746442689"/>
+      </p:ext>
+    </p:extLst>
+  </p:cSld>
+  <p:clrMapOvr>
+    <a:masterClrMapping/>
+  </p:clrMapOvr>
+</p:sld>
+</file>
+
+<file path=ppt/slides/slide29.xml><?xml version="1.0" encoding="utf-8"?>
+<p:sld xmlns:a="http://schemas.openxmlformats.org/drawingml/2006/main" xmlns:r="http://schemas.openxmlformats.org/officeDocument/2006/relationships" xmlns:p="http://schemas.openxmlformats.org/presentationml/2006/main">
+  <p:cSld>
+    <p:spTree>
+      <p:nvGrpSpPr>
+        <p:cNvPr id="1" name=""/>
+        <p:cNvGrpSpPr/>
+        <p:nvPr/>
+      </p:nvGrpSpPr>
+      <p:grpSpPr>
+        <a:xfrm>
+          <a:off x="0" y="0"/>
+          <a:ext cx="0" cy="0"/>
+          <a:chOff x="0" y="0"/>
+          <a:chExt cx="0" cy="0"/>
+        </a:xfrm>
+      </p:grpSpPr>
+      <p:graphicFrame>
+        <p:nvGraphicFramePr>
+          <p:cNvPr id="7" name="표 6"/>
+          <p:cNvGraphicFramePr>
+            <a:graphicFrameLocks noGrp="1"/>
+          </p:cNvGraphicFramePr>
+          <p:nvPr>
+            <p:extLst>
+              <p:ext uri="{D42A27DB-BD31-4B8C-83A1-F6EECF244321}">
+                <p14:modId xmlns:p14="http://schemas.microsoft.com/office/powerpoint/2010/main" val="1065517036"/>
+              </p:ext>
+            </p:extLst>
+          </p:nvPr>
+        </p:nvGraphicFramePr>
+        <p:xfrm>
+          <a:off x="2032000" y="719666"/>
+          <a:ext cx="8128000" cy="370840"/>
+        </p:xfrm>
+        <a:graphic>
+          <a:graphicData uri="http://schemas.openxmlformats.org/drawingml/2006/table">
+            <a:tbl>
+              <a:tblPr firstRow="1" bandRow="1">
+                <a:tableStyleId>{5C22544A-7EE6-4342-B048-85BDC9FD1C3A}</a:tableStyleId>
+              </a:tblPr>
+              <a:tblGrid>
+                <a:gridCol w="1016000"/>
+                <a:gridCol w="1016000"/>
+                <a:gridCol w="1016000"/>
+                <a:gridCol w="1016000"/>
+                <a:gridCol w="1016000"/>
+                <a:gridCol w="1016000"/>
+                <a:gridCol w="1016000"/>
+                <a:gridCol w="1016000"/>
+              </a:tblGrid>
+              <a:tr h="370840">
+                <a:tc>
+                  <a:txBody>
+                    <a:bodyPr/>
+                    <a:lstStyle/>
+                    <a:p>
+                      <a:pPr latinLnBrk="1"/>
+                      <a:r>
+                        <a:rPr lang="en-US" altLang="ko-KR" dirty="0" smtClean="0"/>
+                        <a:t>1</a:t>
+                      </a:r>
+                      <a:endParaRPr lang="ko-KR" altLang="en-US" dirty="0"/>
+                    </a:p>
+                  </a:txBody>
+                  <a:tcPr/>
+                </a:tc>
+                <a:tc>
+                  <a:txBody>
+                    <a:bodyPr/>
+                    <a:lstStyle/>
+                    <a:p>
+                      <a:pPr latinLnBrk="1"/>
+                      <a:r>
+                        <a:rPr lang="en-US" altLang="ko-KR" dirty="0" smtClean="0"/>
+                        <a:t>2</a:t>
+                      </a:r>
+                      <a:endParaRPr lang="ko-KR" altLang="en-US" dirty="0"/>
+                    </a:p>
+                  </a:txBody>
+                  <a:tcPr/>
+                </a:tc>
+                <a:tc>
+                  <a:txBody>
+                    <a:bodyPr/>
+                    <a:lstStyle/>
+                    <a:p>
+                      <a:pPr latinLnBrk="1"/>
+                      <a:r>
+                        <a:rPr lang="en-US" altLang="ko-KR" dirty="0" smtClean="0"/>
+                        <a:t>3</a:t>
+                      </a:r>
+                      <a:endParaRPr lang="ko-KR" altLang="en-US" dirty="0"/>
+                    </a:p>
+                  </a:txBody>
+                  <a:tcPr/>
+                </a:tc>
+                <a:tc>
+                  <a:txBody>
+                    <a:bodyPr/>
+                    <a:lstStyle/>
+                    <a:p>
+                      <a:pPr latinLnBrk="1"/>
+                      <a:r>
+                        <a:rPr lang="en-US" altLang="ko-KR" dirty="0" smtClean="0"/>
+                        <a:t>4</a:t>
+                      </a:r>
+                      <a:endParaRPr lang="ko-KR" altLang="en-US" dirty="0"/>
+                    </a:p>
+                  </a:txBody>
+                  <a:tcPr/>
+                </a:tc>
+                <a:tc>
+                  <a:txBody>
+                    <a:bodyPr/>
+                    <a:lstStyle/>
+                    <a:p>
+                      <a:pPr latinLnBrk="1"/>
+                      <a:r>
+                        <a:rPr lang="en-US" altLang="ko-KR" dirty="0" smtClean="0"/>
+                        <a:t>5</a:t>
+                      </a:r>
+                      <a:endParaRPr lang="ko-KR" altLang="en-US" dirty="0"/>
+                    </a:p>
+                  </a:txBody>
+                  <a:tcPr/>
+                </a:tc>
+                <a:tc>
+                  <a:txBody>
+                    <a:bodyPr/>
+                    <a:lstStyle/>
+                    <a:p>
+                      <a:pPr latinLnBrk="1"/>
+                      <a:r>
+                        <a:rPr lang="en-US" altLang="ko-KR" dirty="0" smtClean="0"/>
+                        <a:t>6</a:t>
+                      </a:r>
+                      <a:endParaRPr lang="ko-KR" altLang="en-US" dirty="0"/>
+                    </a:p>
+                  </a:txBody>
+                  <a:tcPr/>
+                </a:tc>
+                <a:tc>
+                  <a:txBody>
+                    <a:bodyPr/>
+                    <a:lstStyle/>
+                    <a:p>
+                      <a:pPr latinLnBrk="1"/>
+                      <a:r>
+                        <a:rPr lang="en-US" altLang="ko-KR" dirty="0" smtClean="0"/>
+                        <a:t>7</a:t>
+                      </a:r>
+                      <a:endParaRPr lang="ko-KR" altLang="en-US" dirty="0"/>
+                    </a:p>
+                  </a:txBody>
+                  <a:tcPr/>
+                </a:tc>
+                <a:tc>
+                  <a:txBody>
+                    <a:bodyPr/>
+                    <a:lstStyle/>
+                    <a:p>
+                      <a:pPr latinLnBrk="1"/>
+                      <a:r>
+                        <a:rPr lang="en-US" altLang="ko-KR" dirty="0" smtClean="0"/>
+                        <a:t>8</a:t>
+                      </a:r>
+                      <a:endParaRPr lang="ko-KR" altLang="en-US" dirty="0"/>
+                    </a:p>
+                  </a:txBody>
+                  <a:tcPr/>
+                </a:tc>
+              </a:tr>
+            </a:tbl>
+          </a:graphicData>
+        </a:graphic>
+      </p:graphicFrame>
+      <p:graphicFrame>
+        <p:nvGraphicFramePr>
+          <p:cNvPr id="8" name="표 7"/>
+          <p:cNvGraphicFramePr>
+            <a:graphicFrameLocks noGrp="1"/>
+          </p:cNvGraphicFramePr>
+          <p:nvPr>
+            <p:extLst>
+              <p:ext uri="{D42A27DB-BD31-4B8C-83A1-F6EECF244321}">
+                <p14:modId xmlns:p14="http://schemas.microsoft.com/office/powerpoint/2010/main" val="1106614207"/>
+              </p:ext>
+            </p:extLst>
+          </p:nvPr>
+        </p:nvGraphicFramePr>
+        <p:xfrm>
+          <a:off x="1563688" y="1437970"/>
+          <a:ext cx="4064000" cy="370840"/>
+        </p:xfrm>
+        <a:graphic>
+          <a:graphicData uri="http://schemas.openxmlformats.org/drawingml/2006/table">
+            <a:tbl>
+              <a:tblPr firstRow="1" bandRow="1">
+                <a:tableStyleId>{5C22544A-7EE6-4342-B048-85BDC9FD1C3A}</a:tableStyleId>
+              </a:tblPr>
+              <a:tblGrid>
+                <a:gridCol w="1016000"/>
+                <a:gridCol w="1016000"/>
+                <a:gridCol w="1016000"/>
+                <a:gridCol w="1016000"/>
+              </a:tblGrid>
+              <a:tr h="370840">
+                <a:tc>
+                  <a:txBody>
+                    <a:bodyPr/>
+                    <a:lstStyle/>
+                    <a:p>
+                      <a:pPr latinLnBrk="1"/>
+                      <a:r>
+                        <a:rPr lang="en-US" altLang="ko-KR" dirty="0" smtClean="0"/>
+                        <a:t>1</a:t>
+                      </a:r>
+                      <a:endParaRPr lang="ko-KR" altLang="en-US" dirty="0"/>
+                    </a:p>
+                  </a:txBody>
+                  <a:tcPr/>
+                </a:tc>
+                <a:tc>
+                  <a:txBody>
+                    <a:bodyPr/>
+                    <a:lstStyle/>
+                    <a:p>
+                      <a:pPr latinLnBrk="1"/>
+                      <a:r>
+                        <a:rPr lang="en-US" altLang="ko-KR" dirty="0" smtClean="0"/>
+                        <a:t>2</a:t>
+                      </a:r>
+                      <a:endParaRPr lang="ko-KR" altLang="en-US" dirty="0"/>
+                    </a:p>
+                  </a:txBody>
+                  <a:tcPr/>
+                </a:tc>
+                <a:tc>
+                  <a:txBody>
+                    <a:bodyPr/>
+                    <a:lstStyle/>
+                    <a:p>
+                      <a:pPr latinLnBrk="1"/>
+                      <a:r>
+                        <a:rPr lang="en-US" altLang="ko-KR" dirty="0" smtClean="0"/>
+                        <a:t>3</a:t>
+                      </a:r>
+                      <a:endParaRPr lang="ko-KR" altLang="en-US" dirty="0"/>
+                    </a:p>
+                  </a:txBody>
+                  <a:tcPr/>
+                </a:tc>
+                <a:tc>
+                  <a:txBody>
+                    <a:bodyPr/>
+                    <a:lstStyle/>
+                    <a:p>
+                      <a:pPr latinLnBrk="1"/>
+                      <a:r>
+                        <a:rPr lang="en-US" altLang="ko-KR" dirty="0" smtClean="0"/>
+                        <a:t>4</a:t>
+                      </a:r>
+                      <a:endParaRPr lang="ko-KR" altLang="en-US" dirty="0"/>
+                    </a:p>
+                  </a:txBody>
+                  <a:tcPr/>
+                </a:tc>
+              </a:tr>
+            </a:tbl>
+          </a:graphicData>
+        </a:graphic>
+      </p:graphicFrame>
+      <p:graphicFrame>
+        <p:nvGraphicFramePr>
+          <p:cNvPr id="9" name="표 8"/>
+          <p:cNvGraphicFramePr>
+            <a:graphicFrameLocks noGrp="1"/>
+          </p:cNvGraphicFramePr>
+          <p:nvPr>
+            <p:extLst>
+              <p:ext uri="{D42A27DB-BD31-4B8C-83A1-F6EECF244321}">
+                <p14:modId xmlns:p14="http://schemas.microsoft.com/office/powerpoint/2010/main" val="1656594029"/>
+              </p:ext>
+            </p:extLst>
+          </p:nvPr>
+        </p:nvGraphicFramePr>
+        <p:xfrm>
+          <a:off x="6570869" y="1425345"/>
+          <a:ext cx="4064000" cy="370840"/>
+        </p:xfrm>
+        <a:graphic>
+          <a:graphicData uri="http://schemas.openxmlformats.org/drawingml/2006/table">
+            <a:tbl>
+              <a:tblPr firstRow="1" bandRow="1">
+                <a:tableStyleId>{5C22544A-7EE6-4342-B048-85BDC9FD1C3A}</a:tableStyleId>
+              </a:tblPr>
+              <a:tblGrid>
+                <a:gridCol w="1016000"/>
+                <a:gridCol w="1016000"/>
+                <a:gridCol w="1016000"/>
+                <a:gridCol w="1016000"/>
+              </a:tblGrid>
+              <a:tr h="370840">
+                <a:tc>
+                  <a:txBody>
+                    <a:bodyPr/>
+                    <a:lstStyle/>
+                    <a:p>
+                      <a:pPr latinLnBrk="1"/>
+                      <a:r>
+                        <a:rPr lang="en-US" altLang="ko-KR" dirty="0" smtClean="0"/>
+                        <a:t>5</a:t>
+                      </a:r>
+                      <a:endParaRPr lang="ko-KR" altLang="en-US" dirty="0"/>
+                    </a:p>
+                  </a:txBody>
+                  <a:tcPr/>
+                </a:tc>
+                <a:tc>
+                  <a:txBody>
+                    <a:bodyPr/>
+                    <a:lstStyle/>
+                    <a:p>
+                      <a:pPr latinLnBrk="1"/>
+                      <a:r>
+                        <a:rPr lang="en-US" altLang="ko-KR" dirty="0" smtClean="0"/>
+                        <a:t>6</a:t>
+                      </a:r>
+                      <a:endParaRPr lang="ko-KR" altLang="en-US" dirty="0"/>
+                    </a:p>
+                  </a:txBody>
+                  <a:tcPr/>
+                </a:tc>
+                <a:tc>
+                  <a:txBody>
+                    <a:bodyPr/>
+                    <a:lstStyle/>
+                    <a:p>
+                      <a:pPr latinLnBrk="1"/>
+                      <a:r>
+                        <a:rPr lang="en-US" altLang="ko-KR" dirty="0" smtClean="0"/>
+                        <a:t>7</a:t>
+                      </a:r>
+                      <a:endParaRPr lang="ko-KR" altLang="en-US" dirty="0"/>
+                    </a:p>
+                  </a:txBody>
+                  <a:tcPr/>
+                </a:tc>
+                <a:tc>
+                  <a:txBody>
+                    <a:bodyPr/>
+                    <a:lstStyle/>
+                    <a:p>
+                      <a:pPr latinLnBrk="1"/>
+                      <a:r>
+                        <a:rPr lang="en-US" altLang="ko-KR" dirty="0" smtClean="0"/>
+                        <a:t>8</a:t>
+                      </a:r>
+                      <a:endParaRPr lang="ko-KR" altLang="en-US" dirty="0"/>
+                    </a:p>
+                  </a:txBody>
+                  <a:tcPr/>
+                </a:tc>
+              </a:tr>
+            </a:tbl>
+          </a:graphicData>
+        </a:graphic>
+      </p:graphicFrame>
+    </p:spTree>
+    <p:extLst>
+      <p:ext uri="{BB962C8B-B14F-4D97-AF65-F5344CB8AC3E}">
+        <p14:creationId xmlns:p14="http://schemas.microsoft.com/office/powerpoint/2010/main" val="83588957"/>
       </p:ext>
     </p:extLst>
   </p:cSld>

--- a/1st_study.pptx
+++ b/1st_study.pptx
@@ -34,6 +34,8 @@
     <p:sldId id="282" r:id="rId28"/>
     <p:sldId id="283" r:id="rId29"/>
     <p:sldId id="284" r:id="rId30"/>
+    <p:sldId id="285" r:id="rId31"/>
+    <p:sldId id="286" r:id="rId32"/>
   </p:sldIdLst>
   <p:sldSz cx="12192000" cy="6858000"/>
   <p:notesSz cx="6858000" cy="9144000"/>
@@ -280,7 +282,7 @@
           <a:p>
             <a:fld id="{95EEA876-5273-4CAB-BA26-F236DBAE536A}" type="datetimeFigureOut">
               <a:rPr lang="ko-KR" altLang="en-US" smtClean="0"/>
-              <a:t>2019. 12. 4.</a:t>
+              <a:t>2019. 12. 8.</a:t>
             </a:fld>
             <a:endParaRPr lang="ko-KR" altLang="en-US"/>
           </a:p>
@@ -448,7 +450,7 @@
           <a:p>
             <a:fld id="{95EEA876-5273-4CAB-BA26-F236DBAE536A}" type="datetimeFigureOut">
               <a:rPr lang="ko-KR" altLang="en-US" smtClean="0"/>
-              <a:t>2019. 12. 4.</a:t>
+              <a:t>2019. 12. 8.</a:t>
             </a:fld>
             <a:endParaRPr lang="ko-KR" altLang="en-US"/>
           </a:p>
@@ -626,7 +628,7 @@
           <a:p>
             <a:fld id="{95EEA876-5273-4CAB-BA26-F236DBAE536A}" type="datetimeFigureOut">
               <a:rPr lang="ko-KR" altLang="en-US" smtClean="0"/>
-              <a:t>2019. 12. 4.</a:t>
+              <a:t>2019. 12. 8.</a:t>
             </a:fld>
             <a:endParaRPr lang="ko-KR" altLang="en-US"/>
           </a:p>
@@ -794,7 +796,7 @@
           <a:p>
             <a:fld id="{95EEA876-5273-4CAB-BA26-F236DBAE536A}" type="datetimeFigureOut">
               <a:rPr lang="ko-KR" altLang="en-US" smtClean="0"/>
-              <a:t>2019. 12. 4.</a:t>
+              <a:t>2019. 12. 8.</a:t>
             </a:fld>
             <a:endParaRPr lang="ko-KR" altLang="en-US"/>
           </a:p>
@@ -1039,7 +1041,7 @@
           <a:p>
             <a:fld id="{95EEA876-5273-4CAB-BA26-F236DBAE536A}" type="datetimeFigureOut">
               <a:rPr lang="ko-KR" altLang="en-US" smtClean="0"/>
-              <a:t>2019. 12. 4.</a:t>
+              <a:t>2019. 12. 8.</a:t>
             </a:fld>
             <a:endParaRPr lang="ko-KR" altLang="en-US"/>
           </a:p>
@@ -1268,7 +1270,7 @@
           <a:p>
             <a:fld id="{95EEA876-5273-4CAB-BA26-F236DBAE536A}" type="datetimeFigureOut">
               <a:rPr lang="ko-KR" altLang="en-US" smtClean="0"/>
-              <a:t>2019. 12. 4.</a:t>
+              <a:t>2019. 12. 8.</a:t>
             </a:fld>
             <a:endParaRPr lang="ko-KR" altLang="en-US"/>
           </a:p>
@@ -1632,7 +1634,7 @@
           <a:p>
             <a:fld id="{95EEA876-5273-4CAB-BA26-F236DBAE536A}" type="datetimeFigureOut">
               <a:rPr lang="ko-KR" altLang="en-US" smtClean="0"/>
-              <a:t>2019. 12. 4.</a:t>
+              <a:t>2019. 12. 8.</a:t>
             </a:fld>
             <a:endParaRPr lang="ko-KR" altLang="en-US"/>
           </a:p>
@@ -1749,7 +1751,7 @@
           <a:p>
             <a:fld id="{95EEA876-5273-4CAB-BA26-F236DBAE536A}" type="datetimeFigureOut">
               <a:rPr lang="ko-KR" altLang="en-US" smtClean="0"/>
-              <a:t>2019. 12. 4.</a:t>
+              <a:t>2019. 12. 8.</a:t>
             </a:fld>
             <a:endParaRPr lang="ko-KR" altLang="en-US"/>
           </a:p>
@@ -1844,7 +1846,7 @@
           <a:p>
             <a:fld id="{95EEA876-5273-4CAB-BA26-F236DBAE536A}" type="datetimeFigureOut">
               <a:rPr lang="ko-KR" altLang="en-US" smtClean="0"/>
-              <a:t>2019. 12. 4.</a:t>
+              <a:t>2019. 12. 8.</a:t>
             </a:fld>
             <a:endParaRPr lang="ko-KR" altLang="en-US"/>
           </a:p>
@@ -2119,7 +2121,7 @@
           <a:p>
             <a:fld id="{95EEA876-5273-4CAB-BA26-F236DBAE536A}" type="datetimeFigureOut">
               <a:rPr lang="ko-KR" altLang="en-US" smtClean="0"/>
-              <a:t>2019. 12. 4.</a:t>
+              <a:t>2019. 12. 8.</a:t>
             </a:fld>
             <a:endParaRPr lang="ko-KR" altLang="en-US"/>
           </a:p>
@@ -2371,7 +2373,7 @@
           <a:p>
             <a:fld id="{95EEA876-5273-4CAB-BA26-F236DBAE536A}" type="datetimeFigureOut">
               <a:rPr lang="ko-KR" altLang="en-US" smtClean="0"/>
-              <a:t>2019. 12. 4.</a:t>
+              <a:t>2019. 12. 8.</a:t>
             </a:fld>
             <a:endParaRPr lang="ko-KR" altLang="en-US"/>
           </a:p>
@@ -2582,7 +2584,7 @@
           <a:p>
             <a:fld id="{95EEA876-5273-4CAB-BA26-F236DBAE536A}" type="datetimeFigureOut">
               <a:rPr lang="ko-KR" altLang="en-US" smtClean="0"/>
-              <a:t>2019. 12. 4.</a:t>
+              <a:t>2019. 12. 8.</a:t>
             </a:fld>
             <a:endParaRPr lang="ko-KR" altLang="en-US"/>
           </a:p>
@@ -4656,7 +4658,7 @@
           <p:cNvPr id="4" name="내용 개체 틀 2">
             <a:extLst>
               <a:ext uri="{FF2B5EF4-FFF2-40B4-BE49-F238E27FC236}">
-                <a16:creationId xmlns:a16="http://schemas.microsoft.com/office/drawing/2014/main" xmlns="" id="{9BB9C517-0919-4B94-8C2E-438C0C354CB4}"/>
+                <a16:creationId xmlns="" xmlns:a16="http://schemas.microsoft.com/office/drawing/2014/main" id="{9BB9C517-0919-4B94-8C2E-438C0C354CB4}"/>
               </a:ext>
             </a:extLst>
           </p:cNvPr>
@@ -5015,7 +5017,7 @@
           <p:cNvPr id="2" name="제목 1">
             <a:extLst>
               <a:ext uri="{FF2B5EF4-FFF2-40B4-BE49-F238E27FC236}">
-                <a16:creationId xmlns:a16="http://schemas.microsoft.com/office/drawing/2014/main" xmlns="" id="{7CF744E3-11B8-4827-B82D-8BC6B351B97F}"/>
+                <a16:creationId xmlns="" xmlns:a16="http://schemas.microsoft.com/office/drawing/2014/main" id="{7CF744E3-11B8-4827-B82D-8BC6B351B97F}"/>
               </a:ext>
             </a:extLst>
           </p:cNvPr>
@@ -5043,7 +5045,7 @@
           <p:cNvPr id="4" name="표 4">
             <a:extLst>
               <a:ext uri="{FF2B5EF4-FFF2-40B4-BE49-F238E27FC236}">
-                <a16:creationId xmlns:a16="http://schemas.microsoft.com/office/drawing/2014/main" xmlns="" id="{260303AE-5F82-432A-AFE1-96F738EBE501}"/>
+                <a16:creationId xmlns="" xmlns:a16="http://schemas.microsoft.com/office/drawing/2014/main" id="{260303AE-5F82-432A-AFE1-96F738EBE501}"/>
               </a:ext>
             </a:extLst>
           </p:cNvPr>
@@ -5072,7 +5074,7 @@
                 <a:gridCol w="791882">
                   <a:extLst>
                     <a:ext uri="{9D8B030D-6E8A-4147-A177-3AD203B41FA5}">
-                      <a16:colId xmlns:a16="http://schemas.microsoft.com/office/drawing/2014/main" xmlns="" val="2051836303"/>
+                      <a16:colId xmlns="" xmlns:a16="http://schemas.microsoft.com/office/drawing/2014/main" val="2051836303"/>
                     </a:ext>
                   </a:extLst>
                 </a:gridCol>
@@ -5138,7 +5140,7 @@
                 </a:tc>
                 <a:extLst>
                   <a:ext uri="{0D108BD9-81ED-4DB2-BD59-A6C34878D82A}">
-                    <a16:rowId xmlns:a16="http://schemas.microsoft.com/office/drawing/2014/main" xmlns="" val="3210536480"/>
+                    <a16:rowId xmlns="" xmlns:a16="http://schemas.microsoft.com/office/drawing/2014/main" val="3210536480"/>
                   </a:ext>
                 </a:extLst>
               </a:tr>
@@ -5203,7 +5205,7 @@
                 </a:tc>
                 <a:extLst>
                   <a:ext uri="{0D108BD9-81ED-4DB2-BD59-A6C34878D82A}">
-                    <a16:rowId xmlns:a16="http://schemas.microsoft.com/office/drawing/2014/main" xmlns="" val="3036785839"/>
+                    <a16:rowId xmlns="" xmlns:a16="http://schemas.microsoft.com/office/drawing/2014/main" val="3036785839"/>
                   </a:ext>
                 </a:extLst>
               </a:tr>
@@ -5268,7 +5270,7 @@
                 </a:tc>
                 <a:extLst>
                   <a:ext uri="{0D108BD9-81ED-4DB2-BD59-A6C34878D82A}">
-                    <a16:rowId xmlns:a16="http://schemas.microsoft.com/office/drawing/2014/main" xmlns="" val="2075722758"/>
+                    <a16:rowId xmlns="" xmlns:a16="http://schemas.microsoft.com/office/drawing/2014/main" val="2075722758"/>
                   </a:ext>
                 </a:extLst>
               </a:tr>
@@ -5333,7 +5335,7 @@
                 </a:tc>
                 <a:extLst>
                   <a:ext uri="{0D108BD9-81ED-4DB2-BD59-A6C34878D82A}">
-                    <a16:rowId xmlns:a16="http://schemas.microsoft.com/office/drawing/2014/main" xmlns="" val="2494852938"/>
+                    <a16:rowId xmlns="" xmlns:a16="http://schemas.microsoft.com/office/drawing/2014/main" val="2494852938"/>
                   </a:ext>
                 </a:extLst>
               </a:tr>
@@ -5398,7 +5400,7 @@
                 </a:tc>
                 <a:extLst>
                   <a:ext uri="{0D108BD9-81ED-4DB2-BD59-A6C34878D82A}">
-                    <a16:rowId xmlns:a16="http://schemas.microsoft.com/office/drawing/2014/main" xmlns="" val="1637671158"/>
+                    <a16:rowId xmlns="" xmlns:a16="http://schemas.microsoft.com/office/drawing/2014/main" val="1637671158"/>
                   </a:ext>
                 </a:extLst>
               </a:tr>
@@ -5463,7 +5465,7 @@
                 </a:tc>
                 <a:extLst>
                   <a:ext uri="{0D108BD9-81ED-4DB2-BD59-A6C34878D82A}">
-                    <a16:rowId xmlns:a16="http://schemas.microsoft.com/office/drawing/2014/main" xmlns="" val="3240980806"/>
+                    <a16:rowId xmlns="" xmlns:a16="http://schemas.microsoft.com/office/drawing/2014/main" val="3240980806"/>
                   </a:ext>
                 </a:extLst>
               </a:tr>
@@ -5528,7 +5530,7 @@
                 </a:tc>
                 <a:extLst>
                   <a:ext uri="{0D108BD9-81ED-4DB2-BD59-A6C34878D82A}">
-                    <a16:rowId xmlns:a16="http://schemas.microsoft.com/office/drawing/2014/main" xmlns="" val="3299560784"/>
+                    <a16:rowId xmlns="" xmlns:a16="http://schemas.microsoft.com/office/drawing/2014/main" val="3299560784"/>
                   </a:ext>
                 </a:extLst>
               </a:tr>
@@ -5541,7 +5543,7 @@
           <p:cNvPr id="13" name="그룹 12">
             <a:extLst>
               <a:ext uri="{FF2B5EF4-FFF2-40B4-BE49-F238E27FC236}">
-                <a16:creationId xmlns:a16="http://schemas.microsoft.com/office/drawing/2014/main" xmlns="" id="{525467F8-EDFA-4709-BA70-EA5CFBBE6D38}"/>
+                <a16:creationId xmlns="" xmlns:a16="http://schemas.microsoft.com/office/drawing/2014/main" id="{525467F8-EDFA-4709-BA70-EA5CFBBE6D38}"/>
               </a:ext>
             </a:extLst>
           </p:cNvPr>
@@ -5561,7 +5563,7 @@
             <p:cNvPr id="7" name="직사각형 6">
               <a:extLst>
                 <a:ext uri="{FF2B5EF4-FFF2-40B4-BE49-F238E27FC236}">
-                  <a16:creationId xmlns:a16="http://schemas.microsoft.com/office/drawing/2014/main" xmlns="" id="{BEC31238-B4EB-461B-AD60-A4BD8225E52A}"/>
+                  <a16:creationId xmlns="" xmlns:a16="http://schemas.microsoft.com/office/drawing/2014/main" id="{BEC31238-B4EB-461B-AD60-A4BD8225E52A}"/>
                 </a:ext>
               </a:extLst>
             </p:cNvPr>
@@ -5618,7 +5620,7 @@
             <p:cNvPr id="8" name="직사각형 7">
               <a:extLst>
                 <a:ext uri="{FF2B5EF4-FFF2-40B4-BE49-F238E27FC236}">
-                  <a16:creationId xmlns:a16="http://schemas.microsoft.com/office/drawing/2014/main" xmlns="" id="{1650DFD3-C52A-4714-B10A-DAA8B8B2F5F8}"/>
+                  <a16:creationId xmlns="" xmlns:a16="http://schemas.microsoft.com/office/drawing/2014/main" id="{1650DFD3-C52A-4714-B10A-DAA8B8B2F5F8}"/>
                 </a:ext>
               </a:extLst>
             </p:cNvPr>
@@ -5675,7 +5677,7 @@
             <p:cNvPr id="10" name="TextBox 9">
               <a:extLst>
                 <a:ext uri="{FF2B5EF4-FFF2-40B4-BE49-F238E27FC236}">
-                  <a16:creationId xmlns:a16="http://schemas.microsoft.com/office/drawing/2014/main" xmlns="" id="{B107C881-92D1-4581-BFF7-C829CCA7821E}"/>
+                  <a16:creationId xmlns="" xmlns:a16="http://schemas.microsoft.com/office/drawing/2014/main" id="{B107C881-92D1-4581-BFF7-C829CCA7821E}"/>
                 </a:ext>
               </a:extLst>
             </p:cNvPr>
@@ -5710,7 +5712,7 @@
             <p:cNvPr id="11" name="TextBox 10">
               <a:extLst>
                 <a:ext uri="{FF2B5EF4-FFF2-40B4-BE49-F238E27FC236}">
-                  <a16:creationId xmlns:a16="http://schemas.microsoft.com/office/drawing/2014/main" xmlns="" id="{A0617C4F-B9A4-4590-BD1E-FF55DF2E2641}"/>
+                  <a16:creationId xmlns="" xmlns:a16="http://schemas.microsoft.com/office/drawing/2014/main" id="{A0617C4F-B9A4-4590-BD1E-FF55DF2E2641}"/>
                 </a:ext>
               </a:extLst>
             </p:cNvPr>
@@ -5747,7 +5749,7 @@
             <p:cNvPr id="12" name="TextBox 11">
               <a:extLst>
                 <a:ext uri="{FF2B5EF4-FFF2-40B4-BE49-F238E27FC236}">
-                  <a16:creationId xmlns:a16="http://schemas.microsoft.com/office/drawing/2014/main" xmlns="" id="{CF928A21-2156-48CE-94CB-FDC698A502DA}"/>
+                  <a16:creationId xmlns="" xmlns:a16="http://schemas.microsoft.com/office/drawing/2014/main" id="{CF928A21-2156-48CE-94CB-FDC698A502DA}"/>
                 </a:ext>
               </a:extLst>
             </p:cNvPr>
@@ -5784,7 +5786,7 @@
           <p:cNvPr id="14" name="그룹 13">
             <a:extLst>
               <a:ext uri="{FF2B5EF4-FFF2-40B4-BE49-F238E27FC236}">
-                <a16:creationId xmlns:a16="http://schemas.microsoft.com/office/drawing/2014/main" xmlns="" id="{A035637C-C779-45F7-9342-2244707387F7}"/>
+                <a16:creationId xmlns="" xmlns:a16="http://schemas.microsoft.com/office/drawing/2014/main" id="{A035637C-C779-45F7-9342-2244707387F7}"/>
               </a:ext>
             </a:extLst>
           </p:cNvPr>
@@ -5804,7 +5806,7 @@
             <p:cNvPr id="15" name="직사각형 14">
               <a:extLst>
                 <a:ext uri="{FF2B5EF4-FFF2-40B4-BE49-F238E27FC236}">
-                  <a16:creationId xmlns:a16="http://schemas.microsoft.com/office/drawing/2014/main" xmlns="" id="{C637C700-DC5A-4DF4-B91D-9699F39CC105}"/>
+                  <a16:creationId xmlns="" xmlns:a16="http://schemas.microsoft.com/office/drawing/2014/main" id="{C637C700-DC5A-4DF4-B91D-9699F39CC105}"/>
                 </a:ext>
               </a:extLst>
             </p:cNvPr>
@@ -5861,7 +5863,7 @@
             <p:cNvPr id="16" name="직사각형 15">
               <a:extLst>
                 <a:ext uri="{FF2B5EF4-FFF2-40B4-BE49-F238E27FC236}">
-                  <a16:creationId xmlns:a16="http://schemas.microsoft.com/office/drawing/2014/main" xmlns="" id="{00CDA304-4B71-4DFF-BD7A-3D9693638B16}"/>
+                  <a16:creationId xmlns="" xmlns:a16="http://schemas.microsoft.com/office/drawing/2014/main" id="{00CDA304-4B71-4DFF-BD7A-3D9693638B16}"/>
                 </a:ext>
               </a:extLst>
             </p:cNvPr>
@@ -5918,7 +5920,7 @@
             <p:cNvPr id="17" name="TextBox 16">
               <a:extLst>
                 <a:ext uri="{FF2B5EF4-FFF2-40B4-BE49-F238E27FC236}">
-                  <a16:creationId xmlns:a16="http://schemas.microsoft.com/office/drawing/2014/main" xmlns="" id="{802D4E9A-3F0A-4F12-B7DB-625D23B049FF}"/>
+                  <a16:creationId xmlns="" xmlns:a16="http://schemas.microsoft.com/office/drawing/2014/main" id="{802D4E9A-3F0A-4F12-B7DB-625D23B049FF}"/>
                 </a:ext>
               </a:extLst>
             </p:cNvPr>
@@ -5953,7 +5955,7 @@
             <p:cNvPr id="18" name="TextBox 17">
               <a:extLst>
                 <a:ext uri="{FF2B5EF4-FFF2-40B4-BE49-F238E27FC236}">
-                  <a16:creationId xmlns:a16="http://schemas.microsoft.com/office/drawing/2014/main" xmlns="" id="{B772AF12-B3BD-4BEE-BF9C-C0EE41BA9CC1}"/>
+                  <a16:creationId xmlns="" xmlns:a16="http://schemas.microsoft.com/office/drawing/2014/main" id="{B772AF12-B3BD-4BEE-BF9C-C0EE41BA9CC1}"/>
                 </a:ext>
               </a:extLst>
             </p:cNvPr>
@@ -5990,7 +5992,7 @@
             <p:cNvPr id="19" name="TextBox 18">
               <a:extLst>
                 <a:ext uri="{FF2B5EF4-FFF2-40B4-BE49-F238E27FC236}">
-                  <a16:creationId xmlns:a16="http://schemas.microsoft.com/office/drawing/2014/main" xmlns="" id="{70B060DC-A28C-4016-BBCC-09D778BD40BB}"/>
+                  <a16:creationId xmlns="" xmlns:a16="http://schemas.microsoft.com/office/drawing/2014/main" id="{70B060DC-A28C-4016-BBCC-09D778BD40BB}"/>
                 </a:ext>
               </a:extLst>
             </p:cNvPr>
@@ -6027,7 +6029,7 @@
           <p:cNvPr id="20" name="그룹 19">
             <a:extLst>
               <a:ext uri="{FF2B5EF4-FFF2-40B4-BE49-F238E27FC236}">
-                <a16:creationId xmlns:a16="http://schemas.microsoft.com/office/drawing/2014/main" xmlns="" id="{86DB9A38-3329-48F3-AF62-E4E8840C3C8D}"/>
+                <a16:creationId xmlns="" xmlns:a16="http://schemas.microsoft.com/office/drawing/2014/main" id="{86DB9A38-3329-48F3-AF62-E4E8840C3C8D}"/>
               </a:ext>
             </a:extLst>
           </p:cNvPr>
@@ -6047,7 +6049,7 @@
             <p:cNvPr id="21" name="직사각형 20">
               <a:extLst>
                 <a:ext uri="{FF2B5EF4-FFF2-40B4-BE49-F238E27FC236}">
-                  <a16:creationId xmlns:a16="http://schemas.microsoft.com/office/drawing/2014/main" xmlns="" id="{1A565B51-7BC7-474D-A17F-A4C0076653BE}"/>
+                  <a16:creationId xmlns="" xmlns:a16="http://schemas.microsoft.com/office/drawing/2014/main" id="{1A565B51-7BC7-474D-A17F-A4C0076653BE}"/>
                 </a:ext>
               </a:extLst>
             </p:cNvPr>
@@ -6104,7 +6106,7 @@
             <p:cNvPr id="22" name="직사각형 21">
               <a:extLst>
                 <a:ext uri="{FF2B5EF4-FFF2-40B4-BE49-F238E27FC236}">
-                  <a16:creationId xmlns:a16="http://schemas.microsoft.com/office/drawing/2014/main" xmlns="" id="{94A8614D-D1B2-48CC-9507-A8BDAE72C269}"/>
+                  <a16:creationId xmlns="" xmlns:a16="http://schemas.microsoft.com/office/drawing/2014/main" id="{94A8614D-D1B2-48CC-9507-A8BDAE72C269}"/>
                 </a:ext>
               </a:extLst>
             </p:cNvPr>
@@ -6161,7 +6163,7 @@
             <p:cNvPr id="23" name="TextBox 22">
               <a:extLst>
                 <a:ext uri="{FF2B5EF4-FFF2-40B4-BE49-F238E27FC236}">
-                  <a16:creationId xmlns:a16="http://schemas.microsoft.com/office/drawing/2014/main" xmlns="" id="{F3B8E55B-B7B9-4F8B-AD42-CA1984E0D807}"/>
+                  <a16:creationId xmlns="" xmlns:a16="http://schemas.microsoft.com/office/drawing/2014/main" id="{F3B8E55B-B7B9-4F8B-AD42-CA1984E0D807}"/>
                 </a:ext>
               </a:extLst>
             </p:cNvPr>
@@ -6196,7 +6198,7 @@
             <p:cNvPr id="24" name="TextBox 23">
               <a:extLst>
                 <a:ext uri="{FF2B5EF4-FFF2-40B4-BE49-F238E27FC236}">
-                  <a16:creationId xmlns:a16="http://schemas.microsoft.com/office/drawing/2014/main" xmlns="" id="{82430228-ADE4-40EE-9CD4-0B070DD276C5}"/>
+                  <a16:creationId xmlns="" xmlns:a16="http://schemas.microsoft.com/office/drawing/2014/main" id="{82430228-ADE4-40EE-9CD4-0B070DD276C5}"/>
                 </a:ext>
               </a:extLst>
             </p:cNvPr>
@@ -6233,7 +6235,7 @@
             <p:cNvPr id="25" name="TextBox 24">
               <a:extLst>
                 <a:ext uri="{FF2B5EF4-FFF2-40B4-BE49-F238E27FC236}">
-                  <a16:creationId xmlns:a16="http://schemas.microsoft.com/office/drawing/2014/main" xmlns="" id="{B0DC403B-6380-495A-AFD2-A0A57D0EABDA}"/>
+                  <a16:creationId xmlns="" xmlns:a16="http://schemas.microsoft.com/office/drawing/2014/main" id="{B0DC403B-6380-495A-AFD2-A0A57D0EABDA}"/>
                 </a:ext>
               </a:extLst>
             </p:cNvPr>
@@ -6270,7 +6272,7 @@
           <p:cNvPr id="26" name="그룹 25">
             <a:extLst>
               <a:ext uri="{FF2B5EF4-FFF2-40B4-BE49-F238E27FC236}">
-                <a16:creationId xmlns:a16="http://schemas.microsoft.com/office/drawing/2014/main" xmlns="" id="{DD76409C-D406-4575-8DAC-CE85204EF101}"/>
+                <a16:creationId xmlns="" xmlns:a16="http://schemas.microsoft.com/office/drawing/2014/main" id="{DD76409C-D406-4575-8DAC-CE85204EF101}"/>
               </a:ext>
             </a:extLst>
           </p:cNvPr>
@@ -6290,7 +6292,7 @@
             <p:cNvPr id="27" name="직사각형 26">
               <a:extLst>
                 <a:ext uri="{FF2B5EF4-FFF2-40B4-BE49-F238E27FC236}">
-                  <a16:creationId xmlns:a16="http://schemas.microsoft.com/office/drawing/2014/main" xmlns="" id="{7F4AD81D-CE82-4253-A236-3058885EF413}"/>
+                  <a16:creationId xmlns="" xmlns:a16="http://schemas.microsoft.com/office/drawing/2014/main" id="{7F4AD81D-CE82-4253-A236-3058885EF413}"/>
                 </a:ext>
               </a:extLst>
             </p:cNvPr>
@@ -6347,7 +6349,7 @@
             <p:cNvPr id="28" name="직사각형 27">
               <a:extLst>
                 <a:ext uri="{FF2B5EF4-FFF2-40B4-BE49-F238E27FC236}">
-                  <a16:creationId xmlns:a16="http://schemas.microsoft.com/office/drawing/2014/main" xmlns="" id="{17809C90-8625-4F37-9A61-A31EB8F08E35}"/>
+                  <a16:creationId xmlns="" xmlns:a16="http://schemas.microsoft.com/office/drawing/2014/main" id="{17809C90-8625-4F37-9A61-A31EB8F08E35}"/>
                 </a:ext>
               </a:extLst>
             </p:cNvPr>
@@ -6404,7 +6406,7 @@
             <p:cNvPr id="29" name="TextBox 28">
               <a:extLst>
                 <a:ext uri="{FF2B5EF4-FFF2-40B4-BE49-F238E27FC236}">
-                  <a16:creationId xmlns:a16="http://schemas.microsoft.com/office/drawing/2014/main" xmlns="" id="{23CF47F0-16C2-4A3D-B4B8-1BF854B53D72}"/>
+                  <a16:creationId xmlns="" xmlns:a16="http://schemas.microsoft.com/office/drawing/2014/main" id="{23CF47F0-16C2-4A3D-B4B8-1BF854B53D72}"/>
                 </a:ext>
               </a:extLst>
             </p:cNvPr>
@@ -6439,7 +6441,7 @@
             <p:cNvPr id="30" name="TextBox 29">
               <a:extLst>
                 <a:ext uri="{FF2B5EF4-FFF2-40B4-BE49-F238E27FC236}">
-                  <a16:creationId xmlns:a16="http://schemas.microsoft.com/office/drawing/2014/main" xmlns="" id="{A812A142-367C-4A11-B52D-92E26AB67EEC}"/>
+                  <a16:creationId xmlns="" xmlns:a16="http://schemas.microsoft.com/office/drawing/2014/main" id="{A812A142-367C-4A11-B52D-92E26AB67EEC}"/>
                 </a:ext>
               </a:extLst>
             </p:cNvPr>
@@ -6476,7 +6478,7 @@
             <p:cNvPr id="31" name="TextBox 30">
               <a:extLst>
                 <a:ext uri="{FF2B5EF4-FFF2-40B4-BE49-F238E27FC236}">
-                  <a16:creationId xmlns:a16="http://schemas.microsoft.com/office/drawing/2014/main" xmlns="" id="{317881E1-E5CC-44A5-AE8E-16C19DCFCCCA}"/>
+                  <a16:creationId xmlns="" xmlns:a16="http://schemas.microsoft.com/office/drawing/2014/main" id="{317881E1-E5CC-44A5-AE8E-16C19DCFCCCA}"/>
                 </a:ext>
               </a:extLst>
             </p:cNvPr>
@@ -6513,7 +6515,7 @@
           <p:cNvPr id="32" name="그룹 31">
             <a:extLst>
               <a:ext uri="{FF2B5EF4-FFF2-40B4-BE49-F238E27FC236}">
-                <a16:creationId xmlns:a16="http://schemas.microsoft.com/office/drawing/2014/main" xmlns="" id="{FE77BAC9-FBE8-4B5A-BB3D-57EA4C90D043}"/>
+                <a16:creationId xmlns="" xmlns:a16="http://schemas.microsoft.com/office/drawing/2014/main" id="{FE77BAC9-FBE8-4B5A-BB3D-57EA4C90D043}"/>
               </a:ext>
             </a:extLst>
           </p:cNvPr>
@@ -6533,7 +6535,7 @@
             <p:cNvPr id="33" name="직사각형 32">
               <a:extLst>
                 <a:ext uri="{FF2B5EF4-FFF2-40B4-BE49-F238E27FC236}">
-                  <a16:creationId xmlns:a16="http://schemas.microsoft.com/office/drawing/2014/main" xmlns="" id="{3C8F043C-C450-47D8-A79D-946F1CC0AE3D}"/>
+                  <a16:creationId xmlns="" xmlns:a16="http://schemas.microsoft.com/office/drawing/2014/main" id="{3C8F043C-C450-47D8-A79D-946F1CC0AE3D}"/>
                 </a:ext>
               </a:extLst>
             </p:cNvPr>
@@ -6590,7 +6592,7 @@
             <p:cNvPr id="34" name="직사각형 33">
               <a:extLst>
                 <a:ext uri="{FF2B5EF4-FFF2-40B4-BE49-F238E27FC236}">
-                  <a16:creationId xmlns:a16="http://schemas.microsoft.com/office/drawing/2014/main" xmlns="" id="{A8DA7E6A-6BDE-4449-B043-B973D20C1BAC}"/>
+                  <a16:creationId xmlns="" xmlns:a16="http://schemas.microsoft.com/office/drawing/2014/main" id="{A8DA7E6A-6BDE-4449-B043-B973D20C1BAC}"/>
                 </a:ext>
               </a:extLst>
             </p:cNvPr>
@@ -6647,7 +6649,7 @@
             <p:cNvPr id="35" name="TextBox 34">
               <a:extLst>
                 <a:ext uri="{FF2B5EF4-FFF2-40B4-BE49-F238E27FC236}">
-                  <a16:creationId xmlns:a16="http://schemas.microsoft.com/office/drawing/2014/main" xmlns="" id="{D2BD38CD-DA72-4914-9E7E-47E32790A1B9}"/>
+                  <a16:creationId xmlns="" xmlns:a16="http://schemas.microsoft.com/office/drawing/2014/main" id="{D2BD38CD-DA72-4914-9E7E-47E32790A1B9}"/>
                 </a:ext>
               </a:extLst>
             </p:cNvPr>
@@ -6682,7 +6684,7 @@
             <p:cNvPr id="36" name="TextBox 35">
               <a:extLst>
                 <a:ext uri="{FF2B5EF4-FFF2-40B4-BE49-F238E27FC236}">
-                  <a16:creationId xmlns:a16="http://schemas.microsoft.com/office/drawing/2014/main" xmlns="" id="{4ABB27FB-A4C7-46F4-85F8-A7922ABF1CFE}"/>
+                  <a16:creationId xmlns="" xmlns:a16="http://schemas.microsoft.com/office/drawing/2014/main" id="{4ABB27FB-A4C7-46F4-85F8-A7922ABF1CFE}"/>
                 </a:ext>
               </a:extLst>
             </p:cNvPr>
@@ -6719,7 +6721,7 @@
             <p:cNvPr id="37" name="TextBox 36">
               <a:extLst>
                 <a:ext uri="{FF2B5EF4-FFF2-40B4-BE49-F238E27FC236}">
-                  <a16:creationId xmlns:a16="http://schemas.microsoft.com/office/drawing/2014/main" xmlns="" id="{DAD9C8A4-087B-4108-892F-138779107B96}"/>
+                  <a16:creationId xmlns="" xmlns:a16="http://schemas.microsoft.com/office/drawing/2014/main" id="{DAD9C8A4-087B-4108-892F-138779107B96}"/>
                 </a:ext>
               </a:extLst>
             </p:cNvPr>
@@ -6756,7 +6758,7 @@
           <p:cNvPr id="38" name="그룹 37">
             <a:extLst>
               <a:ext uri="{FF2B5EF4-FFF2-40B4-BE49-F238E27FC236}">
-                <a16:creationId xmlns:a16="http://schemas.microsoft.com/office/drawing/2014/main" xmlns="" id="{E98D60D4-7059-467F-96BC-048503ABC886}"/>
+                <a16:creationId xmlns="" xmlns:a16="http://schemas.microsoft.com/office/drawing/2014/main" id="{E98D60D4-7059-467F-96BC-048503ABC886}"/>
               </a:ext>
             </a:extLst>
           </p:cNvPr>
@@ -6776,7 +6778,7 @@
             <p:cNvPr id="39" name="직사각형 38">
               <a:extLst>
                 <a:ext uri="{FF2B5EF4-FFF2-40B4-BE49-F238E27FC236}">
-                  <a16:creationId xmlns:a16="http://schemas.microsoft.com/office/drawing/2014/main" xmlns="" id="{ED7E0B4F-5601-40C6-ACE3-E7C91CE3CE64}"/>
+                  <a16:creationId xmlns="" xmlns:a16="http://schemas.microsoft.com/office/drawing/2014/main" id="{ED7E0B4F-5601-40C6-ACE3-E7C91CE3CE64}"/>
                 </a:ext>
               </a:extLst>
             </p:cNvPr>
@@ -6833,7 +6835,7 @@
             <p:cNvPr id="40" name="직사각형 39">
               <a:extLst>
                 <a:ext uri="{FF2B5EF4-FFF2-40B4-BE49-F238E27FC236}">
-                  <a16:creationId xmlns:a16="http://schemas.microsoft.com/office/drawing/2014/main" xmlns="" id="{34AA947D-9408-400D-AC5D-5342B39ABE1A}"/>
+                  <a16:creationId xmlns="" xmlns:a16="http://schemas.microsoft.com/office/drawing/2014/main" id="{34AA947D-9408-400D-AC5D-5342B39ABE1A}"/>
                 </a:ext>
               </a:extLst>
             </p:cNvPr>
@@ -6890,7 +6892,7 @@
             <p:cNvPr id="41" name="TextBox 40">
               <a:extLst>
                 <a:ext uri="{FF2B5EF4-FFF2-40B4-BE49-F238E27FC236}">
-                  <a16:creationId xmlns:a16="http://schemas.microsoft.com/office/drawing/2014/main" xmlns="" id="{A9F0B356-93E4-4AEA-85B6-4C79B9643CCF}"/>
+                  <a16:creationId xmlns="" xmlns:a16="http://schemas.microsoft.com/office/drawing/2014/main" id="{A9F0B356-93E4-4AEA-85B6-4C79B9643CCF}"/>
                 </a:ext>
               </a:extLst>
             </p:cNvPr>
@@ -6925,7 +6927,7 @@
             <p:cNvPr id="42" name="TextBox 41">
               <a:extLst>
                 <a:ext uri="{FF2B5EF4-FFF2-40B4-BE49-F238E27FC236}">
-                  <a16:creationId xmlns:a16="http://schemas.microsoft.com/office/drawing/2014/main" xmlns="" id="{28D58E95-8FE9-42E6-846B-ABB2CE8A74E8}"/>
+                  <a16:creationId xmlns="" xmlns:a16="http://schemas.microsoft.com/office/drawing/2014/main" id="{28D58E95-8FE9-42E6-846B-ABB2CE8A74E8}"/>
                 </a:ext>
               </a:extLst>
             </p:cNvPr>
@@ -6962,7 +6964,7 @@
             <p:cNvPr id="43" name="TextBox 42">
               <a:extLst>
                 <a:ext uri="{FF2B5EF4-FFF2-40B4-BE49-F238E27FC236}">
-                  <a16:creationId xmlns:a16="http://schemas.microsoft.com/office/drawing/2014/main" xmlns="" id="{0D6C15E8-68F3-4A5D-8A97-3BAE18E7E58B}"/>
+                  <a16:creationId xmlns="" xmlns:a16="http://schemas.microsoft.com/office/drawing/2014/main" id="{0D6C15E8-68F3-4A5D-8A97-3BAE18E7E58B}"/>
                 </a:ext>
               </a:extLst>
             </p:cNvPr>
@@ -6999,7 +7001,7 @@
           <p:cNvPr id="44" name="그룹 43">
             <a:extLst>
               <a:ext uri="{FF2B5EF4-FFF2-40B4-BE49-F238E27FC236}">
-                <a16:creationId xmlns:a16="http://schemas.microsoft.com/office/drawing/2014/main" xmlns="" id="{18D9B4F6-C1F3-46AC-8B50-B147BC98E069}"/>
+                <a16:creationId xmlns="" xmlns:a16="http://schemas.microsoft.com/office/drawing/2014/main" id="{18D9B4F6-C1F3-46AC-8B50-B147BC98E069}"/>
               </a:ext>
             </a:extLst>
           </p:cNvPr>
@@ -7019,7 +7021,7 @@
             <p:cNvPr id="45" name="직사각형 44">
               <a:extLst>
                 <a:ext uri="{FF2B5EF4-FFF2-40B4-BE49-F238E27FC236}">
-                  <a16:creationId xmlns:a16="http://schemas.microsoft.com/office/drawing/2014/main" xmlns="" id="{099099D9-E519-40F9-A197-14FE1106759B}"/>
+                  <a16:creationId xmlns="" xmlns:a16="http://schemas.microsoft.com/office/drawing/2014/main" id="{099099D9-E519-40F9-A197-14FE1106759B}"/>
                 </a:ext>
               </a:extLst>
             </p:cNvPr>
@@ -7076,7 +7078,7 @@
             <p:cNvPr id="46" name="직사각형 45">
               <a:extLst>
                 <a:ext uri="{FF2B5EF4-FFF2-40B4-BE49-F238E27FC236}">
-                  <a16:creationId xmlns:a16="http://schemas.microsoft.com/office/drawing/2014/main" xmlns="" id="{F0C819CA-EE78-4215-AA5D-D580A6C68AE6}"/>
+                  <a16:creationId xmlns="" xmlns:a16="http://schemas.microsoft.com/office/drawing/2014/main" id="{F0C819CA-EE78-4215-AA5D-D580A6C68AE6}"/>
                 </a:ext>
               </a:extLst>
             </p:cNvPr>
@@ -7133,7 +7135,7 @@
             <p:cNvPr id="47" name="TextBox 46">
               <a:extLst>
                 <a:ext uri="{FF2B5EF4-FFF2-40B4-BE49-F238E27FC236}">
-                  <a16:creationId xmlns:a16="http://schemas.microsoft.com/office/drawing/2014/main" xmlns="" id="{5EF2E083-6F1F-4BCA-A4E0-5534635E6E3C}"/>
+                  <a16:creationId xmlns="" xmlns:a16="http://schemas.microsoft.com/office/drawing/2014/main" id="{5EF2E083-6F1F-4BCA-A4E0-5534635E6E3C}"/>
                 </a:ext>
               </a:extLst>
             </p:cNvPr>
@@ -7168,7 +7170,7 @@
             <p:cNvPr id="48" name="TextBox 47">
               <a:extLst>
                 <a:ext uri="{FF2B5EF4-FFF2-40B4-BE49-F238E27FC236}">
-                  <a16:creationId xmlns:a16="http://schemas.microsoft.com/office/drawing/2014/main" xmlns="" id="{51754BBB-0BE4-4F32-B382-C4E36C374F3C}"/>
+                  <a16:creationId xmlns="" xmlns:a16="http://schemas.microsoft.com/office/drawing/2014/main" id="{51754BBB-0BE4-4F32-B382-C4E36C374F3C}"/>
                 </a:ext>
               </a:extLst>
             </p:cNvPr>
@@ -7205,7 +7207,7 @@
             <p:cNvPr id="49" name="TextBox 48">
               <a:extLst>
                 <a:ext uri="{FF2B5EF4-FFF2-40B4-BE49-F238E27FC236}">
-                  <a16:creationId xmlns:a16="http://schemas.microsoft.com/office/drawing/2014/main" xmlns="" id="{C8A6172E-A9AD-45A3-AC6D-09D4ED9A5353}"/>
+                  <a16:creationId xmlns="" xmlns:a16="http://schemas.microsoft.com/office/drawing/2014/main" id="{C8A6172E-A9AD-45A3-AC6D-09D4ED9A5353}"/>
                 </a:ext>
               </a:extLst>
             </p:cNvPr>
@@ -7242,7 +7244,7 @@
           <p:cNvPr id="53" name="직선 화살표 연결선 52">
             <a:extLst>
               <a:ext uri="{FF2B5EF4-FFF2-40B4-BE49-F238E27FC236}">
-                <a16:creationId xmlns:a16="http://schemas.microsoft.com/office/drawing/2014/main" xmlns="" id="{8D5732DD-7D28-4B90-863B-01354C68E643}"/>
+                <a16:creationId xmlns="" xmlns:a16="http://schemas.microsoft.com/office/drawing/2014/main" id="{8D5732DD-7D28-4B90-863B-01354C68E643}"/>
               </a:ext>
             </a:extLst>
           </p:cNvPr>
@@ -7291,7 +7293,7 @@
           <p:cNvPr id="57" name="직선 화살표 연결선 56">
             <a:extLst>
               <a:ext uri="{FF2B5EF4-FFF2-40B4-BE49-F238E27FC236}">
-                <a16:creationId xmlns:a16="http://schemas.microsoft.com/office/drawing/2014/main" xmlns="" id="{FB5C8413-F5EE-4962-9F7F-7F29444D80F6}"/>
+                <a16:creationId xmlns="" xmlns:a16="http://schemas.microsoft.com/office/drawing/2014/main" id="{FB5C8413-F5EE-4962-9F7F-7F29444D80F6}"/>
               </a:ext>
             </a:extLst>
           </p:cNvPr>
@@ -7340,7 +7342,7 @@
           <p:cNvPr id="60" name="연결선: 꺾임 59">
             <a:extLst>
               <a:ext uri="{FF2B5EF4-FFF2-40B4-BE49-F238E27FC236}">
-                <a16:creationId xmlns:a16="http://schemas.microsoft.com/office/drawing/2014/main" xmlns="" id="{0FEE224C-B1CF-4378-AB78-C465B1E0A2A1}"/>
+                <a16:creationId xmlns="" xmlns:a16="http://schemas.microsoft.com/office/drawing/2014/main" id="{0FEE224C-B1CF-4378-AB78-C465B1E0A2A1}"/>
               </a:ext>
             </a:extLst>
           </p:cNvPr>
@@ -7394,7 +7396,7 @@
           <p:cNvPr id="64" name="연결선: 꺾임 63">
             <a:extLst>
               <a:ext uri="{FF2B5EF4-FFF2-40B4-BE49-F238E27FC236}">
-                <a16:creationId xmlns:a16="http://schemas.microsoft.com/office/drawing/2014/main" xmlns="" id="{4219ED03-E7ED-4D3D-B536-8F5748E122D8}"/>
+                <a16:creationId xmlns="" xmlns:a16="http://schemas.microsoft.com/office/drawing/2014/main" id="{4219ED03-E7ED-4D3D-B536-8F5748E122D8}"/>
               </a:ext>
             </a:extLst>
           </p:cNvPr>
@@ -7448,7 +7450,7 @@
           <p:cNvPr id="68" name="직선 화살표 연결선 67">
             <a:extLst>
               <a:ext uri="{FF2B5EF4-FFF2-40B4-BE49-F238E27FC236}">
-                <a16:creationId xmlns:a16="http://schemas.microsoft.com/office/drawing/2014/main" xmlns="" id="{2F6C66A6-530D-45F3-96DD-12D9045A727A}"/>
+                <a16:creationId xmlns="" xmlns:a16="http://schemas.microsoft.com/office/drawing/2014/main" id="{2F6C66A6-530D-45F3-96DD-12D9045A727A}"/>
               </a:ext>
             </a:extLst>
           </p:cNvPr>
@@ -7497,7 +7499,7 @@
           <p:cNvPr id="70" name="직선 화살표 연결선 69">
             <a:extLst>
               <a:ext uri="{FF2B5EF4-FFF2-40B4-BE49-F238E27FC236}">
-                <a16:creationId xmlns:a16="http://schemas.microsoft.com/office/drawing/2014/main" xmlns="" id="{909BDE2A-6E50-4F7A-A7C8-87D56DD44DDA}"/>
+                <a16:creationId xmlns="" xmlns:a16="http://schemas.microsoft.com/office/drawing/2014/main" id="{909BDE2A-6E50-4F7A-A7C8-87D56DD44DDA}"/>
               </a:ext>
             </a:extLst>
           </p:cNvPr>
@@ -7546,7 +7548,7 @@
           <p:cNvPr id="72" name="TextBox 71">
             <a:extLst>
               <a:ext uri="{FF2B5EF4-FFF2-40B4-BE49-F238E27FC236}">
-                <a16:creationId xmlns:a16="http://schemas.microsoft.com/office/drawing/2014/main" xmlns="" id="{030F567D-3274-40C6-B6BA-E66696B3AAB0}"/>
+                <a16:creationId xmlns="" xmlns:a16="http://schemas.microsoft.com/office/drawing/2014/main" id="{030F567D-3274-40C6-B6BA-E66696B3AAB0}"/>
               </a:ext>
             </a:extLst>
           </p:cNvPr>
@@ -7582,7 +7584,7 @@
           <p:cNvPr id="73" name="TextBox 72">
             <a:extLst>
               <a:ext uri="{FF2B5EF4-FFF2-40B4-BE49-F238E27FC236}">
-                <a16:creationId xmlns:a16="http://schemas.microsoft.com/office/drawing/2014/main" xmlns="" id="{D878DFB9-4DD4-4686-BE7D-75AE4E59A943}"/>
+                <a16:creationId xmlns="" xmlns:a16="http://schemas.microsoft.com/office/drawing/2014/main" id="{D878DFB9-4DD4-4686-BE7D-75AE4E59A943}"/>
               </a:ext>
             </a:extLst>
           </p:cNvPr>
@@ -7648,7 +7650,7 @@
           <p:cNvPr id="2" name="제목 1">
             <a:extLst>
               <a:ext uri="{FF2B5EF4-FFF2-40B4-BE49-F238E27FC236}">
-                <a16:creationId xmlns:a16="http://schemas.microsoft.com/office/drawing/2014/main" xmlns="" id="{6567B30B-F792-4D65-84A7-2BEF21FFFC7F}"/>
+                <a16:creationId xmlns="" xmlns:a16="http://schemas.microsoft.com/office/drawing/2014/main" id="{6567B30B-F792-4D65-84A7-2BEF21FFFC7F}"/>
               </a:ext>
             </a:extLst>
           </p:cNvPr>
@@ -7684,7 +7686,7 @@
           <p:cNvPr id="3" name="내용 개체 틀 2">
             <a:extLst>
               <a:ext uri="{FF2B5EF4-FFF2-40B4-BE49-F238E27FC236}">
-                <a16:creationId xmlns:a16="http://schemas.microsoft.com/office/drawing/2014/main" xmlns="" id="{BA06401D-C033-4DE2-A4A3-F88C70822B40}"/>
+                <a16:creationId xmlns="" xmlns:a16="http://schemas.microsoft.com/office/drawing/2014/main" id="{BA06401D-C033-4DE2-A4A3-F88C70822B40}"/>
               </a:ext>
             </a:extLst>
           </p:cNvPr>
@@ -7814,7 +7816,7 @@
           <p:cNvPr id="5" name="표 5">
             <a:extLst>
               <a:ext uri="{FF2B5EF4-FFF2-40B4-BE49-F238E27FC236}">
-                <a16:creationId xmlns:a16="http://schemas.microsoft.com/office/drawing/2014/main" xmlns="" id="{D589A95D-3B96-44B0-9B9A-C6A85E9CBC43}"/>
+                <a16:creationId xmlns="" xmlns:a16="http://schemas.microsoft.com/office/drawing/2014/main" id="{D589A95D-3B96-44B0-9B9A-C6A85E9CBC43}"/>
               </a:ext>
             </a:extLst>
           </p:cNvPr>
@@ -7843,56 +7845,56 @@
                 <a:gridCol w="1016000">
                   <a:extLst>
                     <a:ext uri="{9D8B030D-6E8A-4147-A177-3AD203B41FA5}">
-                      <a16:colId xmlns:a16="http://schemas.microsoft.com/office/drawing/2014/main" xmlns="" val="422949941"/>
+                      <a16:colId xmlns="" xmlns:a16="http://schemas.microsoft.com/office/drawing/2014/main" val="422949941"/>
                     </a:ext>
                   </a:extLst>
                 </a:gridCol>
                 <a:gridCol w="1016000">
                   <a:extLst>
                     <a:ext uri="{9D8B030D-6E8A-4147-A177-3AD203B41FA5}">
-                      <a16:colId xmlns:a16="http://schemas.microsoft.com/office/drawing/2014/main" xmlns="" val="1888211109"/>
+                      <a16:colId xmlns="" xmlns:a16="http://schemas.microsoft.com/office/drawing/2014/main" val="1888211109"/>
                     </a:ext>
                   </a:extLst>
                 </a:gridCol>
                 <a:gridCol w="1016000">
                   <a:extLst>
                     <a:ext uri="{9D8B030D-6E8A-4147-A177-3AD203B41FA5}">
-                      <a16:colId xmlns:a16="http://schemas.microsoft.com/office/drawing/2014/main" xmlns="" val="3675358557"/>
+                      <a16:colId xmlns="" xmlns:a16="http://schemas.microsoft.com/office/drawing/2014/main" val="3675358557"/>
                     </a:ext>
                   </a:extLst>
                 </a:gridCol>
                 <a:gridCol w="1016000">
                   <a:extLst>
                     <a:ext uri="{9D8B030D-6E8A-4147-A177-3AD203B41FA5}">
-                      <a16:colId xmlns:a16="http://schemas.microsoft.com/office/drawing/2014/main" xmlns="" val="2341215234"/>
+                      <a16:colId xmlns="" xmlns:a16="http://schemas.microsoft.com/office/drawing/2014/main" val="2341215234"/>
                     </a:ext>
                   </a:extLst>
                 </a:gridCol>
                 <a:gridCol w="1016000">
                   <a:extLst>
                     <a:ext uri="{9D8B030D-6E8A-4147-A177-3AD203B41FA5}">
-                      <a16:colId xmlns:a16="http://schemas.microsoft.com/office/drawing/2014/main" xmlns="" val="3718261339"/>
+                      <a16:colId xmlns="" xmlns:a16="http://schemas.microsoft.com/office/drawing/2014/main" val="3718261339"/>
                     </a:ext>
                   </a:extLst>
                 </a:gridCol>
                 <a:gridCol w="1016000">
                   <a:extLst>
                     <a:ext uri="{9D8B030D-6E8A-4147-A177-3AD203B41FA5}">
-                      <a16:colId xmlns:a16="http://schemas.microsoft.com/office/drawing/2014/main" xmlns="" val="2215473244"/>
+                      <a16:colId xmlns="" xmlns:a16="http://schemas.microsoft.com/office/drawing/2014/main" val="2215473244"/>
                     </a:ext>
                   </a:extLst>
                 </a:gridCol>
                 <a:gridCol w="1016000">
                   <a:extLst>
                     <a:ext uri="{9D8B030D-6E8A-4147-A177-3AD203B41FA5}">
-                      <a16:colId xmlns:a16="http://schemas.microsoft.com/office/drawing/2014/main" xmlns="" val="4106026957"/>
+                      <a16:colId xmlns="" xmlns:a16="http://schemas.microsoft.com/office/drawing/2014/main" val="4106026957"/>
                     </a:ext>
                   </a:extLst>
                 </a:gridCol>
                 <a:gridCol w="1016000">
                   <a:extLst>
                     <a:ext uri="{9D8B030D-6E8A-4147-A177-3AD203B41FA5}">
-                      <a16:colId xmlns:a16="http://schemas.microsoft.com/office/drawing/2014/main" xmlns="" val="2810815576"/>
+                      <a16:colId xmlns="" xmlns:a16="http://schemas.microsoft.com/office/drawing/2014/main" val="2810815576"/>
                     </a:ext>
                   </a:extLst>
                 </a:gridCol>
@@ -8396,7 +8398,7 @@
                 </a:tc>
                 <a:extLst>
                   <a:ext uri="{0D108BD9-81ED-4DB2-BD59-A6C34878D82A}">
-                    <a16:rowId xmlns:a16="http://schemas.microsoft.com/office/drawing/2014/main" xmlns="" val="2318367764"/>
+                    <a16:rowId xmlns="" xmlns:a16="http://schemas.microsoft.com/office/drawing/2014/main" val="2318367764"/>
                   </a:ext>
                 </a:extLst>
               </a:tr>
@@ -8409,7 +8411,7 @@
           <p:cNvPr id="8" name="표 5">
             <a:extLst>
               <a:ext uri="{FF2B5EF4-FFF2-40B4-BE49-F238E27FC236}">
-                <a16:creationId xmlns:a16="http://schemas.microsoft.com/office/drawing/2014/main" xmlns="" id="{3D9414C9-422A-4367-B83D-30BA9896DAE3}"/>
+                <a16:creationId xmlns="" xmlns:a16="http://schemas.microsoft.com/office/drawing/2014/main" id="{3D9414C9-422A-4367-B83D-30BA9896DAE3}"/>
               </a:ext>
             </a:extLst>
           </p:cNvPr>
@@ -8438,56 +8440,56 @@
                 <a:gridCol w="1016000">
                   <a:extLst>
                     <a:ext uri="{9D8B030D-6E8A-4147-A177-3AD203B41FA5}">
-                      <a16:colId xmlns:a16="http://schemas.microsoft.com/office/drawing/2014/main" xmlns="" val="422949941"/>
+                      <a16:colId xmlns="" xmlns:a16="http://schemas.microsoft.com/office/drawing/2014/main" val="422949941"/>
                     </a:ext>
                   </a:extLst>
                 </a:gridCol>
                 <a:gridCol w="1016000">
                   <a:extLst>
                     <a:ext uri="{9D8B030D-6E8A-4147-A177-3AD203B41FA5}">
-                      <a16:colId xmlns:a16="http://schemas.microsoft.com/office/drawing/2014/main" xmlns="" val="1888211109"/>
+                      <a16:colId xmlns="" xmlns:a16="http://schemas.microsoft.com/office/drawing/2014/main" val="1888211109"/>
                     </a:ext>
                   </a:extLst>
                 </a:gridCol>
                 <a:gridCol w="1016000">
                   <a:extLst>
                     <a:ext uri="{9D8B030D-6E8A-4147-A177-3AD203B41FA5}">
-                      <a16:colId xmlns:a16="http://schemas.microsoft.com/office/drawing/2014/main" xmlns="" val="3675358557"/>
+                      <a16:colId xmlns="" xmlns:a16="http://schemas.microsoft.com/office/drawing/2014/main" val="3675358557"/>
                     </a:ext>
                   </a:extLst>
                 </a:gridCol>
                 <a:gridCol w="1016000">
                   <a:extLst>
                     <a:ext uri="{9D8B030D-6E8A-4147-A177-3AD203B41FA5}">
-                      <a16:colId xmlns:a16="http://schemas.microsoft.com/office/drawing/2014/main" xmlns="" val="2341215234"/>
+                      <a16:colId xmlns="" xmlns:a16="http://schemas.microsoft.com/office/drawing/2014/main" val="2341215234"/>
                     </a:ext>
                   </a:extLst>
                 </a:gridCol>
                 <a:gridCol w="1016000">
                   <a:extLst>
                     <a:ext uri="{9D8B030D-6E8A-4147-A177-3AD203B41FA5}">
-                      <a16:colId xmlns:a16="http://schemas.microsoft.com/office/drawing/2014/main" xmlns="" val="3718261339"/>
+                      <a16:colId xmlns="" xmlns:a16="http://schemas.microsoft.com/office/drawing/2014/main" val="3718261339"/>
                     </a:ext>
                   </a:extLst>
                 </a:gridCol>
                 <a:gridCol w="1016000">
                   <a:extLst>
                     <a:ext uri="{9D8B030D-6E8A-4147-A177-3AD203B41FA5}">
-                      <a16:colId xmlns:a16="http://schemas.microsoft.com/office/drawing/2014/main" xmlns="" val="2215473244"/>
+                      <a16:colId xmlns="" xmlns:a16="http://schemas.microsoft.com/office/drawing/2014/main" val="2215473244"/>
                     </a:ext>
                   </a:extLst>
                 </a:gridCol>
                 <a:gridCol w="1016000">
                   <a:extLst>
                     <a:ext uri="{9D8B030D-6E8A-4147-A177-3AD203B41FA5}">
-                      <a16:colId xmlns:a16="http://schemas.microsoft.com/office/drawing/2014/main" xmlns="" val="4106026957"/>
+                      <a16:colId xmlns="" xmlns:a16="http://schemas.microsoft.com/office/drawing/2014/main" val="4106026957"/>
                     </a:ext>
                   </a:extLst>
                 </a:gridCol>
                 <a:gridCol w="1016000">
                   <a:extLst>
                     <a:ext uri="{9D8B030D-6E8A-4147-A177-3AD203B41FA5}">
-                      <a16:colId xmlns:a16="http://schemas.microsoft.com/office/drawing/2014/main" xmlns="" val="2810815576"/>
+                      <a16:colId xmlns="" xmlns:a16="http://schemas.microsoft.com/office/drawing/2014/main" val="2810815576"/>
                     </a:ext>
                   </a:extLst>
                 </a:gridCol>
@@ -8991,7 +8993,7 @@
                 </a:tc>
                 <a:extLst>
                   <a:ext uri="{0D108BD9-81ED-4DB2-BD59-A6C34878D82A}">
-                    <a16:rowId xmlns:a16="http://schemas.microsoft.com/office/drawing/2014/main" xmlns="" val="2318367764"/>
+                    <a16:rowId xmlns="" xmlns:a16="http://schemas.microsoft.com/office/drawing/2014/main" val="2318367764"/>
                   </a:ext>
                 </a:extLst>
               </a:tr>
@@ -9004,7 +9006,7 @@
           <p:cNvPr id="9" name="표 5">
             <a:extLst>
               <a:ext uri="{FF2B5EF4-FFF2-40B4-BE49-F238E27FC236}">
-                <a16:creationId xmlns:a16="http://schemas.microsoft.com/office/drawing/2014/main" xmlns="" id="{15D5CCAF-CAB6-493C-9A85-2676F48690AF}"/>
+                <a16:creationId xmlns="" xmlns:a16="http://schemas.microsoft.com/office/drawing/2014/main" id="{15D5CCAF-CAB6-493C-9A85-2676F48690AF}"/>
               </a:ext>
             </a:extLst>
           </p:cNvPr>
@@ -9033,49 +9035,49 @@
                 <a:gridCol w="1016000">
                   <a:extLst>
                     <a:ext uri="{9D8B030D-6E8A-4147-A177-3AD203B41FA5}">
-                      <a16:colId xmlns:a16="http://schemas.microsoft.com/office/drawing/2014/main" xmlns="" val="422949941"/>
+                      <a16:colId xmlns="" xmlns:a16="http://schemas.microsoft.com/office/drawing/2014/main" val="422949941"/>
                     </a:ext>
                   </a:extLst>
                 </a:gridCol>
                 <a:gridCol w="1016000">
                   <a:extLst>
                     <a:ext uri="{9D8B030D-6E8A-4147-A177-3AD203B41FA5}">
-                      <a16:colId xmlns:a16="http://schemas.microsoft.com/office/drawing/2014/main" xmlns="" val="1888211109"/>
+                      <a16:colId xmlns="" xmlns:a16="http://schemas.microsoft.com/office/drawing/2014/main" val="1888211109"/>
                     </a:ext>
                   </a:extLst>
                 </a:gridCol>
                 <a:gridCol w="1016000">
                   <a:extLst>
                     <a:ext uri="{9D8B030D-6E8A-4147-A177-3AD203B41FA5}">
-                      <a16:colId xmlns:a16="http://schemas.microsoft.com/office/drawing/2014/main" xmlns="" val="3675358557"/>
+                      <a16:colId xmlns="" xmlns:a16="http://schemas.microsoft.com/office/drawing/2014/main" val="3675358557"/>
                     </a:ext>
                   </a:extLst>
                 </a:gridCol>
                 <a:gridCol w="1016000">
                   <a:extLst>
                     <a:ext uri="{9D8B030D-6E8A-4147-A177-3AD203B41FA5}">
-                      <a16:colId xmlns:a16="http://schemas.microsoft.com/office/drawing/2014/main" xmlns="" val="2341215234"/>
+                      <a16:colId xmlns="" xmlns:a16="http://schemas.microsoft.com/office/drawing/2014/main" val="2341215234"/>
                     </a:ext>
                   </a:extLst>
                 </a:gridCol>
                 <a:gridCol w="1016000">
                   <a:extLst>
                     <a:ext uri="{9D8B030D-6E8A-4147-A177-3AD203B41FA5}">
-                      <a16:colId xmlns:a16="http://schemas.microsoft.com/office/drawing/2014/main" xmlns="" val="3718261339"/>
+                      <a16:colId xmlns="" xmlns:a16="http://schemas.microsoft.com/office/drawing/2014/main" val="3718261339"/>
                     </a:ext>
                   </a:extLst>
                 </a:gridCol>
                 <a:gridCol w="1016000">
                   <a:extLst>
                     <a:ext uri="{9D8B030D-6E8A-4147-A177-3AD203B41FA5}">
-                      <a16:colId xmlns:a16="http://schemas.microsoft.com/office/drawing/2014/main" xmlns="" val="4106026957"/>
+                      <a16:colId xmlns="" xmlns:a16="http://schemas.microsoft.com/office/drawing/2014/main" val="4106026957"/>
                     </a:ext>
                   </a:extLst>
                 </a:gridCol>
                 <a:gridCol w="1016000">
                   <a:extLst>
                     <a:ext uri="{9D8B030D-6E8A-4147-A177-3AD203B41FA5}">
-                      <a16:colId xmlns:a16="http://schemas.microsoft.com/office/drawing/2014/main" xmlns="" val="2810815576"/>
+                      <a16:colId xmlns="" xmlns:a16="http://schemas.microsoft.com/office/drawing/2014/main" val="2810815576"/>
                     </a:ext>
                   </a:extLst>
                 </a:gridCol>
@@ -9524,7 +9526,7 @@
                 </a:tc>
                 <a:extLst>
                   <a:ext uri="{0D108BD9-81ED-4DB2-BD59-A6C34878D82A}">
-                    <a16:rowId xmlns:a16="http://schemas.microsoft.com/office/drawing/2014/main" xmlns="" val="2318367764"/>
+                    <a16:rowId xmlns="" xmlns:a16="http://schemas.microsoft.com/office/drawing/2014/main" val="2318367764"/>
                   </a:ext>
                 </a:extLst>
               </a:tr>
@@ -9537,7 +9539,7 @@
           <p:cNvPr id="10" name="화살표: 왼쪽으로 구부러짐 9">
             <a:extLst>
               <a:ext uri="{FF2B5EF4-FFF2-40B4-BE49-F238E27FC236}">
-                <a16:creationId xmlns:a16="http://schemas.microsoft.com/office/drawing/2014/main" xmlns="" id="{C91D9D3C-A84D-4E18-9C6C-303B390342DD}"/>
+                <a16:creationId xmlns="" xmlns:a16="http://schemas.microsoft.com/office/drawing/2014/main" id="{C91D9D3C-A84D-4E18-9C6C-303B390342DD}"/>
               </a:ext>
             </a:extLst>
           </p:cNvPr>
@@ -9628,7 +9630,7 @@
           <p:cNvPr id="2" name="제목 1">
             <a:extLst>
               <a:ext uri="{FF2B5EF4-FFF2-40B4-BE49-F238E27FC236}">
-                <a16:creationId xmlns:a16="http://schemas.microsoft.com/office/drawing/2014/main" xmlns="" id="{42C84062-C8B0-4CB3-B461-05F52E791379}"/>
+                <a16:creationId xmlns="" xmlns:a16="http://schemas.microsoft.com/office/drawing/2014/main" id="{42C84062-C8B0-4CB3-B461-05F52E791379}"/>
               </a:ext>
             </a:extLst>
           </p:cNvPr>
@@ -9664,7 +9666,7 @@
           <p:cNvPr id="4" name="표 5">
             <a:extLst>
               <a:ext uri="{FF2B5EF4-FFF2-40B4-BE49-F238E27FC236}">
-                <a16:creationId xmlns:a16="http://schemas.microsoft.com/office/drawing/2014/main" xmlns="" id="{3D9414C9-422A-4367-B83D-30BA9896DAE3}"/>
+                <a16:creationId xmlns="" xmlns:a16="http://schemas.microsoft.com/office/drawing/2014/main" id="{3D9414C9-422A-4367-B83D-30BA9896DAE3}"/>
               </a:ext>
             </a:extLst>
           </p:cNvPr>
@@ -9693,56 +9695,56 @@
                 <a:gridCol w="1016000">
                   <a:extLst>
                     <a:ext uri="{9D8B030D-6E8A-4147-A177-3AD203B41FA5}">
-                      <a16:colId xmlns:a16="http://schemas.microsoft.com/office/drawing/2014/main" xmlns="" val="422949941"/>
+                      <a16:colId xmlns="" xmlns:a16="http://schemas.microsoft.com/office/drawing/2014/main" val="422949941"/>
                     </a:ext>
                   </a:extLst>
                 </a:gridCol>
                 <a:gridCol w="1016000">
                   <a:extLst>
                     <a:ext uri="{9D8B030D-6E8A-4147-A177-3AD203B41FA5}">
-                      <a16:colId xmlns:a16="http://schemas.microsoft.com/office/drawing/2014/main" xmlns="" val="1888211109"/>
+                      <a16:colId xmlns="" xmlns:a16="http://schemas.microsoft.com/office/drawing/2014/main" val="1888211109"/>
                     </a:ext>
                   </a:extLst>
                 </a:gridCol>
                 <a:gridCol w="1016000">
                   <a:extLst>
                     <a:ext uri="{9D8B030D-6E8A-4147-A177-3AD203B41FA5}">
-                      <a16:colId xmlns:a16="http://schemas.microsoft.com/office/drawing/2014/main" xmlns="" val="3675358557"/>
+                      <a16:colId xmlns="" xmlns:a16="http://schemas.microsoft.com/office/drawing/2014/main" val="3675358557"/>
                     </a:ext>
                   </a:extLst>
                 </a:gridCol>
                 <a:gridCol w="1016000">
                   <a:extLst>
                     <a:ext uri="{9D8B030D-6E8A-4147-A177-3AD203B41FA5}">
-                      <a16:colId xmlns:a16="http://schemas.microsoft.com/office/drawing/2014/main" xmlns="" val="2341215234"/>
+                      <a16:colId xmlns="" xmlns:a16="http://schemas.microsoft.com/office/drawing/2014/main" val="2341215234"/>
                     </a:ext>
                   </a:extLst>
                 </a:gridCol>
                 <a:gridCol w="1016000">
                   <a:extLst>
                     <a:ext uri="{9D8B030D-6E8A-4147-A177-3AD203B41FA5}">
-                      <a16:colId xmlns:a16="http://schemas.microsoft.com/office/drawing/2014/main" xmlns="" val="3718261339"/>
+                      <a16:colId xmlns="" xmlns:a16="http://schemas.microsoft.com/office/drawing/2014/main" val="3718261339"/>
                     </a:ext>
                   </a:extLst>
                 </a:gridCol>
                 <a:gridCol w="1016000">
                   <a:extLst>
                     <a:ext uri="{9D8B030D-6E8A-4147-A177-3AD203B41FA5}">
-                      <a16:colId xmlns:a16="http://schemas.microsoft.com/office/drawing/2014/main" xmlns="" val="2215473244"/>
+                      <a16:colId xmlns="" xmlns:a16="http://schemas.microsoft.com/office/drawing/2014/main" val="2215473244"/>
                     </a:ext>
                   </a:extLst>
                 </a:gridCol>
                 <a:gridCol w="1016000">
                   <a:extLst>
                     <a:ext uri="{9D8B030D-6E8A-4147-A177-3AD203B41FA5}">
-                      <a16:colId xmlns:a16="http://schemas.microsoft.com/office/drawing/2014/main" xmlns="" val="4106026957"/>
+                      <a16:colId xmlns="" xmlns:a16="http://schemas.microsoft.com/office/drawing/2014/main" val="4106026957"/>
                     </a:ext>
                   </a:extLst>
                 </a:gridCol>
                 <a:gridCol w="1016000">
                   <a:extLst>
                     <a:ext uri="{9D8B030D-6E8A-4147-A177-3AD203B41FA5}">
-                      <a16:colId xmlns:a16="http://schemas.microsoft.com/office/drawing/2014/main" xmlns="" val="2810815576"/>
+                      <a16:colId xmlns="" xmlns:a16="http://schemas.microsoft.com/office/drawing/2014/main" val="2810815576"/>
                     </a:ext>
                   </a:extLst>
                 </a:gridCol>
@@ -10260,7 +10262,7 @@
                 </a:tc>
                 <a:extLst>
                   <a:ext uri="{0D108BD9-81ED-4DB2-BD59-A6C34878D82A}">
-                    <a16:rowId xmlns:a16="http://schemas.microsoft.com/office/drawing/2014/main" xmlns="" val="2318367764"/>
+                    <a16:rowId xmlns="" xmlns:a16="http://schemas.microsoft.com/office/drawing/2014/main" val="2318367764"/>
                   </a:ext>
                 </a:extLst>
               </a:tr>
@@ -10273,7 +10275,7 @@
           <p:cNvPr id="5" name="표 5">
             <a:extLst>
               <a:ext uri="{FF2B5EF4-FFF2-40B4-BE49-F238E27FC236}">
-                <a16:creationId xmlns:a16="http://schemas.microsoft.com/office/drawing/2014/main" xmlns="" id="{15D5CCAF-CAB6-493C-9A85-2676F48690AF}"/>
+                <a16:creationId xmlns="" xmlns:a16="http://schemas.microsoft.com/office/drawing/2014/main" id="{15D5CCAF-CAB6-493C-9A85-2676F48690AF}"/>
               </a:ext>
             </a:extLst>
           </p:cNvPr>
@@ -10302,49 +10304,49 @@
                 <a:gridCol w="1016000">
                   <a:extLst>
                     <a:ext uri="{9D8B030D-6E8A-4147-A177-3AD203B41FA5}">
-                      <a16:colId xmlns:a16="http://schemas.microsoft.com/office/drawing/2014/main" xmlns="" val="422949941"/>
+                      <a16:colId xmlns="" xmlns:a16="http://schemas.microsoft.com/office/drawing/2014/main" val="422949941"/>
                     </a:ext>
                   </a:extLst>
                 </a:gridCol>
                 <a:gridCol w="1016000">
                   <a:extLst>
                     <a:ext uri="{9D8B030D-6E8A-4147-A177-3AD203B41FA5}">
-                      <a16:colId xmlns:a16="http://schemas.microsoft.com/office/drawing/2014/main" xmlns="" val="1888211109"/>
+                      <a16:colId xmlns="" xmlns:a16="http://schemas.microsoft.com/office/drawing/2014/main" val="1888211109"/>
                     </a:ext>
                   </a:extLst>
                 </a:gridCol>
                 <a:gridCol w="1016000">
                   <a:extLst>
                     <a:ext uri="{9D8B030D-6E8A-4147-A177-3AD203B41FA5}">
-                      <a16:colId xmlns:a16="http://schemas.microsoft.com/office/drawing/2014/main" xmlns="" val="3675358557"/>
+                      <a16:colId xmlns="" xmlns:a16="http://schemas.microsoft.com/office/drawing/2014/main" val="3675358557"/>
                     </a:ext>
                   </a:extLst>
                 </a:gridCol>
                 <a:gridCol w="1016000">
                   <a:extLst>
                     <a:ext uri="{9D8B030D-6E8A-4147-A177-3AD203B41FA5}">
-                      <a16:colId xmlns:a16="http://schemas.microsoft.com/office/drawing/2014/main" xmlns="" val="2341215234"/>
+                      <a16:colId xmlns="" xmlns:a16="http://schemas.microsoft.com/office/drawing/2014/main" val="2341215234"/>
                     </a:ext>
                   </a:extLst>
                 </a:gridCol>
                 <a:gridCol w="1016000">
                   <a:extLst>
                     <a:ext uri="{9D8B030D-6E8A-4147-A177-3AD203B41FA5}">
-                      <a16:colId xmlns:a16="http://schemas.microsoft.com/office/drawing/2014/main" xmlns="" val="3718261339"/>
+                      <a16:colId xmlns="" xmlns:a16="http://schemas.microsoft.com/office/drawing/2014/main" val="3718261339"/>
                     </a:ext>
                   </a:extLst>
                 </a:gridCol>
                 <a:gridCol w="1016000">
                   <a:extLst>
                     <a:ext uri="{9D8B030D-6E8A-4147-A177-3AD203B41FA5}">
-                      <a16:colId xmlns:a16="http://schemas.microsoft.com/office/drawing/2014/main" xmlns="" val="4106026957"/>
+                      <a16:colId xmlns="" xmlns:a16="http://schemas.microsoft.com/office/drawing/2014/main" val="4106026957"/>
                     </a:ext>
                   </a:extLst>
                 </a:gridCol>
                 <a:gridCol w="1016000">
                   <a:extLst>
                     <a:ext uri="{9D8B030D-6E8A-4147-A177-3AD203B41FA5}">
-                      <a16:colId xmlns:a16="http://schemas.microsoft.com/office/drawing/2014/main" xmlns="" val="2810815576"/>
+                      <a16:colId xmlns="" xmlns:a16="http://schemas.microsoft.com/office/drawing/2014/main" val="2810815576"/>
                     </a:ext>
                   </a:extLst>
                 </a:gridCol>
@@ -10793,7 +10795,7 @@
                 </a:tc>
                 <a:extLst>
                   <a:ext uri="{0D108BD9-81ED-4DB2-BD59-A6C34878D82A}">
-                    <a16:rowId xmlns:a16="http://schemas.microsoft.com/office/drawing/2014/main" xmlns="" val="2318367764"/>
+                    <a16:rowId xmlns="" xmlns:a16="http://schemas.microsoft.com/office/drawing/2014/main" val="2318367764"/>
                   </a:ext>
                 </a:extLst>
               </a:tr>
@@ -10806,7 +10808,7 @@
           <p:cNvPr id="6" name="화살표: 왼쪽으로 구부러짐 9">
             <a:extLst>
               <a:ext uri="{FF2B5EF4-FFF2-40B4-BE49-F238E27FC236}">
-                <a16:creationId xmlns:a16="http://schemas.microsoft.com/office/drawing/2014/main" xmlns="" id="{C91D9D3C-A84D-4E18-9C6C-303B390342DD}"/>
+                <a16:creationId xmlns="" xmlns:a16="http://schemas.microsoft.com/office/drawing/2014/main" id="{C91D9D3C-A84D-4E18-9C6C-303B390342DD}"/>
               </a:ext>
             </a:extLst>
           </p:cNvPr>
@@ -10920,7 +10922,7 @@
                 <a:gridCol w="891503">
                   <a:extLst>
                     <a:ext uri="{9D8B030D-6E8A-4147-A177-3AD203B41FA5}">
-                      <a16:colId xmlns:a16="http://schemas.microsoft.com/office/drawing/2014/main" xmlns="" val="1352968969"/>
+                      <a16:colId xmlns="" xmlns:a16="http://schemas.microsoft.com/office/drawing/2014/main" val="1352968969"/>
                     </a:ext>
                   </a:extLst>
                 </a:gridCol>
@@ -10991,7 +10993,7 @@
                 </a:tc>
                 <a:extLst>
                   <a:ext uri="{0D108BD9-81ED-4DB2-BD59-A6C34878D82A}">
-                    <a16:rowId xmlns:a16="http://schemas.microsoft.com/office/drawing/2014/main" xmlns="" val="3010091663"/>
+                    <a16:rowId xmlns="" xmlns:a16="http://schemas.microsoft.com/office/drawing/2014/main" val="3010091663"/>
                   </a:ext>
                 </a:extLst>
               </a:tr>
@@ -11061,7 +11063,7 @@
                 </a:tc>
                 <a:extLst>
                   <a:ext uri="{0D108BD9-81ED-4DB2-BD59-A6C34878D82A}">
-                    <a16:rowId xmlns:a16="http://schemas.microsoft.com/office/drawing/2014/main" xmlns="" val="3029555295"/>
+                    <a16:rowId xmlns="" xmlns:a16="http://schemas.microsoft.com/office/drawing/2014/main" val="3029555295"/>
                   </a:ext>
                 </a:extLst>
               </a:tr>
@@ -11131,7 +11133,7 @@
                 </a:tc>
                 <a:extLst>
                   <a:ext uri="{0D108BD9-81ED-4DB2-BD59-A6C34878D82A}">
-                    <a16:rowId xmlns:a16="http://schemas.microsoft.com/office/drawing/2014/main" xmlns="" val="2518845613"/>
+                    <a16:rowId xmlns="" xmlns:a16="http://schemas.microsoft.com/office/drawing/2014/main" val="2518845613"/>
                   </a:ext>
                 </a:extLst>
               </a:tr>
@@ -11201,7 +11203,7 @@
                 </a:tc>
                 <a:extLst>
                   <a:ext uri="{0D108BD9-81ED-4DB2-BD59-A6C34878D82A}">
-                    <a16:rowId xmlns:a16="http://schemas.microsoft.com/office/drawing/2014/main" xmlns="" val="4038176524"/>
+                    <a16:rowId xmlns="" xmlns:a16="http://schemas.microsoft.com/office/drawing/2014/main" val="4038176524"/>
                   </a:ext>
                 </a:extLst>
               </a:tr>
@@ -11271,7 +11273,7 @@
                 </a:tc>
                 <a:extLst>
                   <a:ext uri="{0D108BD9-81ED-4DB2-BD59-A6C34878D82A}">
-                    <a16:rowId xmlns:a16="http://schemas.microsoft.com/office/drawing/2014/main" xmlns="" val="1894260681"/>
+                    <a16:rowId xmlns="" xmlns:a16="http://schemas.microsoft.com/office/drawing/2014/main" val="1894260681"/>
                   </a:ext>
                 </a:extLst>
               </a:tr>
@@ -11341,7 +11343,7 @@
                 </a:tc>
                 <a:extLst>
                   <a:ext uri="{0D108BD9-81ED-4DB2-BD59-A6C34878D82A}">
-                    <a16:rowId xmlns:a16="http://schemas.microsoft.com/office/drawing/2014/main" xmlns="" val="181657390"/>
+                    <a16:rowId xmlns="" xmlns:a16="http://schemas.microsoft.com/office/drawing/2014/main" val="181657390"/>
                   </a:ext>
                 </a:extLst>
               </a:tr>
@@ -12529,7 +12531,7 @@
           <p:cNvPr id="4" name="표 4">
             <a:extLst>
               <a:ext uri="{FF2B5EF4-FFF2-40B4-BE49-F238E27FC236}">
-                <a16:creationId xmlns:a16="http://schemas.microsoft.com/office/drawing/2014/main" xmlns="" id="{260303AE-5F82-432A-AFE1-96F738EBE501}"/>
+                <a16:creationId xmlns="" xmlns:a16="http://schemas.microsoft.com/office/drawing/2014/main" id="{260303AE-5F82-432A-AFE1-96F738EBE501}"/>
               </a:ext>
             </a:extLst>
           </p:cNvPr>
@@ -12558,7 +12560,7 @@
                 <a:gridCol w="1080000">
                   <a:extLst>
                     <a:ext uri="{9D8B030D-6E8A-4147-A177-3AD203B41FA5}">
-                      <a16:colId xmlns:a16="http://schemas.microsoft.com/office/drawing/2014/main" xmlns="" val="2051836303"/>
+                      <a16:colId xmlns="" xmlns:a16="http://schemas.microsoft.com/office/drawing/2014/main" val="2051836303"/>
                     </a:ext>
                   </a:extLst>
                 </a:gridCol>
@@ -12629,7 +12631,7 @@
                 </a:tc>
                 <a:extLst>
                   <a:ext uri="{0D108BD9-81ED-4DB2-BD59-A6C34878D82A}">
-                    <a16:rowId xmlns:a16="http://schemas.microsoft.com/office/drawing/2014/main" xmlns="" val="2075722758"/>
+                    <a16:rowId xmlns="" xmlns:a16="http://schemas.microsoft.com/office/drawing/2014/main" val="2075722758"/>
                   </a:ext>
                 </a:extLst>
               </a:tr>
@@ -12642,7 +12644,7 @@
           <p:cNvPr id="5" name="표 4">
             <a:extLst>
               <a:ext uri="{FF2B5EF4-FFF2-40B4-BE49-F238E27FC236}">
-                <a16:creationId xmlns:a16="http://schemas.microsoft.com/office/drawing/2014/main" xmlns="" id="{260303AE-5F82-432A-AFE1-96F738EBE501}"/>
+                <a16:creationId xmlns="" xmlns:a16="http://schemas.microsoft.com/office/drawing/2014/main" id="{260303AE-5F82-432A-AFE1-96F738EBE501}"/>
               </a:ext>
             </a:extLst>
           </p:cNvPr>
@@ -12671,7 +12673,7 @@
                 <a:gridCol w="1080000">
                   <a:extLst>
                     <a:ext uri="{9D8B030D-6E8A-4147-A177-3AD203B41FA5}">
-                      <a16:colId xmlns:a16="http://schemas.microsoft.com/office/drawing/2014/main" xmlns="" val="2051836303"/>
+                      <a16:colId xmlns="" xmlns:a16="http://schemas.microsoft.com/office/drawing/2014/main" val="2051836303"/>
                     </a:ext>
                   </a:extLst>
                 </a:gridCol>
@@ -12742,7 +12744,7 @@
                 </a:tc>
                 <a:extLst>
                   <a:ext uri="{0D108BD9-81ED-4DB2-BD59-A6C34878D82A}">
-                    <a16:rowId xmlns:a16="http://schemas.microsoft.com/office/drawing/2014/main" xmlns="" val="3036785839"/>
+                    <a16:rowId xmlns="" xmlns:a16="http://schemas.microsoft.com/office/drawing/2014/main" val="3036785839"/>
                   </a:ext>
                 </a:extLst>
               </a:tr>
@@ -12812,7 +12814,7 @@
                 </a:tc>
                 <a:extLst>
                   <a:ext uri="{0D108BD9-81ED-4DB2-BD59-A6C34878D82A}">
-                    <a16:rowId xmlns:a16="http://schemas.microsoft.com/office/drawing/2014/main" xmlns="" val="2075722758"/>
+                    <a16:rowId xmlns="" xmlns:a16="http://schemas.microsoft.com/office/drawing/2014/main" val="2075722758"/>
                   </a:ext>
                 </a:extLst>
               </a:tr>
@@ -12825,7 +12827,7 @@
           <p:cNvPr id="6" name="표 5">
             <a:extLst>
               <a:ext uri="{FF2B5EF4-FFF2-40B4-BE49-F238E27FC236}">
-                <a16:creationId xmlns:a16="http://schemas.microsoft.com/office/drawing/2014/main" xmlns="" id="{260303AE-5F82-432A-AFE1-96F738EBE501}"/>
+                <a16:creationId xmlns="" xmlns:a16="http://schemas.microsoft.com/office/drawing/2014/main" id="{260303AE-5F82-432A-AFE1-96F738EBE501}"/>
               </a:ext>
             </a:extLst>
           </p:cNvPr>
@@ -12854,7 +12856,7 @@
                 <a:gridCol w="1080000">
                   <a:extLst>
                     <a:ext uri="{9D8B030D-6E8A-4147-A177-3AD203B41FA5}">
-                      <a16:colId xmlns:a16="http://schemas.microsoft.com/office/drawing/2014/main" xmlns="" val="2051836303"/>
+                      <a16:colId xmlns="" xmlns:a16="http://schemas.microsoft.com/office/drawing/2014/main" val="2051836303"/>
                     </a:ext>
                   </a:extLst>
                 </a:gridCol>
@@ -12925,7 +12927,7 @@
                 </a:tc>
                 <a:extLst>
                   <a:ext uri="{0D108BD9-81ED-4DB2-BD59-A6C34878D82A}">
-                    <a16:rowId xmlns:a16="http://schemas.microsoft.com/office/drawing/2014/main" xmlns="" val="3210536480"/>
+                    <a16:rowId xmlns="" xmlns:a16="http://schemas.microsoft.com/office/drawing/2014/main" val="3210536480"/>
                   </a:ext>
                 </a:extLst>
               </a:tr>
@@ -12995,7 +12997,7 @@
                 </a:tc>
                 <a:extLst>
                   <a:ext uri="{0D108BD9-81ED-4DB2-BD59-A6C34878D82A}">
-                    <a16:rowId xmlns:a16="http://schemas.microsoft.com/office/drawing/2014/main" xmlns="" val="3036785839"/>
+                    <a16:rowId xmlns="" xmlns:a16="http://schemas.microsoft.com/office/drawing/2014/main" val="3036785839"/>
                   </a:ext>
                 </a:extLst>
               </a:tr>
@@ -13065,7 +13067,7 @@
                 </a:tc>
                 <a:extLst>
                   <a:ext uri="{0D108BD9-81ED-4DB2-BD59-A6C34878D82A}">
-                    <a16:rowId xmlns:a16="http://schemas.microsoft.com/office/drawing/2014/main" xmlns="" val="2075722758"/>
+                    <a16:rowId xmlns="" xmlns:a16="http://schemas.microsoft.com/office/drawing/2014/main" val="2075722758"/>
                   </a:ext>
                 </a:extLst>
               </a:tr>
@@ -13078,7 +13080,7 @@
           <p:cNvPr id="7" name="표 6">
             <a:extLst>
               <a:ext uri="{FF2B5EF4-FFF2-40B4-BE49-F238E27FC236}">
-                <a16:creationId xmlns:a16="http://schemas.microsoft.com/office/drawing/2014/main" xmlns="" id="{260303AE-5F82-432A-AFE1-96F738EBE501}"/>
+                <a16:creationId xmlns="" xmlns:a16="http://schemas.microsoft.com/office/drawing/2014/main" id="{260303AE-5F82-432A-AFE1-96F738EBE501}"/>
               </a:ext>
             </a:extLst>
           </p:cNvPr>
@@ -13107,7 +13109,7 @@
                 <a:gridCol w="1080000">
                   <a:extLst>
                     <a:ext uri="{9D8B030D-6E8A-4147-A177-3AD203B41FA5}">
-                      <a16:colId xmlns:a16="http://schemas.microsoft.com/office/drawing/2014/main" xmlns="" val="2051836303"/>
+                      <a16:colId xmlns="" xmlns:a16="http://schemas.microsoft.com/office/drawing/2014/main" val="2051836303"/>
                     </a:ext>
                   </a:extLst>
                 </a:gridCol>
@@ -13178,7 +13180,7 @@
                 </a:tc>
                 <a:extLst>
                   <a:ext uri="{0D108BD9-81ED-4DB2-BD59-A6C34878D82A}">
-                    <a16:rowId xmlns:a16="http://schemas.microsoft.com/office/drawing/2014/main" xmlns="" val="3036785839"/>
+                    <a16:rowId xmlns="" xmlns:a16="http://schemas.microsoft.com/office/drawing/2014/main" val="3036785839"/>
                   </a:ext>
                 </a:extLst>
               </a:tr>
@@ -13248,7 +13250,7 @@
                 </a:tc>
                 <a:extLst>
                   <a:ext uri="{0D108BD9-81ED-4DB2-BD59-A6C34878D82A}">
-                    <a16:rowId xmlns:a16="http://schemas.microsoft.com/office/drawing/2014/main" xmlns="" val="2075722758"/>
+                    <a16:rowId xmlns="" xmlns:a16="http://schemas.microsoft.com/office/drawing/2014/main" val="2075722758"/>
                   </a:ext>
                 </a:extLst>
               </a:tr>
@@ -13261,7 +13263,7 @@
           <p:cNvPr id="8" name="표 7">
             <a:extLst>
               <a:ext uri="{FF2B5EF4-FFF2-40B4-BE49-F238E27FC236}">
-                <a16:creationId xmlns:a16="http://schemas.microsoft.com/office/drawing/2014/main" xmlns="" id="{260303AE-5F82-432A-AFE1-96F738EBE501}"/>
+                <a16:creationId xmlns="" xmlns:a16="http://schemas.microsoft.com/office/drawing/2014/main" id="{260303AE-5F82-432A-AFE1-96F738EBE501}"/>
               </a:ext>
             </a:extLst>
           </p:cNvPr>
@@ -13290,7 +13292,7 @@
                 <a:gridCol w="1080000">
                   <a:extLst>
                     <a:ext uri="{9D8B030D-6E8A-4147-A177-3AD203B41FA5}">
-                      <a16:colId xmlns:a16="http://schemas.microsoft.com/office/drawing/2014/main" xmlns="" val="2051836303"/>
+                      <a16:colId xmlns="" xmlns:a16="http://schemas.microsoft.com/office/drawing/2014/main" val="2051836303"/>
                     </a:ext>
                   </a:extLst>
                 </a:gridCol>
@@ -13361,7 +13363,7 @@
                 </a:tc>
                 <a:extLst>
                   <a:ext uri="{0D108BD9-81ED-4DB2-BD59-A6C34878D82A}">
-                    <a16:rowId xmlns:a16="http://schemas.microsoft.com/office/drawing/2014/main" xmlns="" val="3210536480"/>
+                    <a16:rowId xmlns="" xmlns:a16="http://schemas.microsoft.com/office/drawing/2014/main" val="3210536480"/>
                   </a:ext>
                 </a:extLst>
               </a:tr>
@@ -13431,7 +13433,7 @@
                 </a:tc>
                 <a:extLst>
                   <a:ext uri="{0D108BD9-81ED-4DB2-BD59-A6C34878D82A}">
-                    <a16:rowId xmlns:a16="http://schemas.microsoft.com/office/drawing/2014/main" xmlns="" val="3036785839"/>
+                    <a16:rowId xmlns="" xmlns:a16="http://schemas.microsoft.com/office/drawing/2014/main" val="3036785839"/>
                   </a:ext>
                 </a:extLst>
               </a:tr>
@@ -13501,7 +13503,7 @@
                 </a:tc>
                 <a:extLst>
                   <a:ext uri="{0D108BD9-81ED-4DB2-BD59-A6C34878D82A}">
-                    <a16:rowId xmlns:a16="http://schemas.microsoft.com/office/drawing/2014/main" xmlns="" val="2075722758"/>
+                    <a16:rowId xmlns="" xmlns:a16="http://schemas.microsoft.com/office/drawing/2014/main" val="2075722758"/>
                   </a:ext>
                 </a:extLst>
               </a:tr>
@@ -13699,7 +13701,7 @@
           <p:cNvPr id="8" name="표 5">
             <a:extLst>
               <a:ext uri="{FF2B5EF4-FFF2-40B4-BE49-F238E27FC236}">
-                <a16:creationId xmlns:a16="http://schemas.microsoft.com/office/drawing/2014/main" xmlns="" id="{15D5CCAF-CAB6-493C-9A85-2676F48690AF}"/>
+                <a16:creationId xmlns="" xmlns:a16="http://schemas.microsoft.com/office/drawing/2014/main" id="{15D5CCAF-CAB6-493C-9A85-2676F48690AF}"/>
               </a:ext>
             </a:extLst>
           </p:cNvPr>
@@ -13728,49 +13730,49 @@
                 <a:gridCol w="550521">
                   <a:extLst>
                     <a:ext uri="{9D8B030D-6E8A-4147-A177-3AD203B41FA5}">
-                      <a16:colId xmlns:a16="http://schemas.microsoft.com/office/drawing/2014/main" xmlns="" val="422949941"/>
+                      <a16:colId xmlns="" xmlns:a16="http://schemas.microsoft.com/office/drawing/2014/main" val="422949941"/>
                     </a:ext>
                   </a:extLst>
                 </a:gridCol>
                 <a:gridCol w="550521">
                   <a:extLst>
                     <a:ext uri="{9D8B030D-6E8A-4147-A177-3AD203B41FA5}">
-                      <a16:colId xmlns:a16="http://schemas.microsoft.com/office/drawing/2014/main" xmlns="" val="1888211109"/>
+                      <a16:colId xmlns="" xmlns:a16="http://schemas.microsoft.com/office/drawing/2014/main" val="1888211109"/>
                     </a:ext>
                   </a:extLst>
                 </a:gridCol>
                 <a:gridCol w="550521">
                   <a:extLst>
                     <a:ext uri="{9D8B030D-6E8A-4147-A177-3AD203B41FA5}">
-                      <a16:colId xmlns:a16="http://schemas.microsoft.com/office/drawing/2014/main" xmlns="" val="3675358557"/>
+                      <a16:colId xmlns="" xmlns:a16="http://schemas.microsoft.com/office/drawing/2014/main" val="3675358557"/>
                     </a:ext>
                   </a:extLst>
                 </a:gridCol>
                 <a:gridCol w="550521">
                   <a:extLst>
                     <a:ext uri="{9D8B030D-6E8A-4147-A177-3AD203B41FA5}">
-                      <a16:colId xmlns:a16="http://schemas.microsoft.com/office/drawing/2014/main" xmlns="" val="2341215234"/>
+                      <a16:colId xmlns="" xmlns:a16="http://schemas.microsoft.com/office/drawing/2014/main" val="2341215234"/>
                     </a:ext>
                   </a:extLst>
                 </a:gridCol>
                 <a:gridCol w="550521">
                   <a:extLst>
                     <a:ext uri="{9D8B030D-6E8A-4147-A177-3AD203B41FA5}">
-                      <a16:colId xmlns:a16="http://schemas.microsoft.com/office/drawing/2014/main" xmlns="" val="3718261339"/>
+                      <a16:colId xmlns="" xmlns:a16="http://schemas.microsoft.com/office/drawing/2014/main" val="3718261339"/>
                     </a:ext>
                   </a:extLst>
                 </a:gridCol>
                 <a:gridCol w="550521">
                   <a:extLst>
                     <a:ext uri="{9D8B030D-6E8A-4147-A177-3AD203B41FA5}">
-                      <a16:colId xmlns:a16="http://schemas.microsoft.com/office/drawing/2014/main" xmlns="" val="4106026957"/>
+                      <a16:colId xmlns="" xmlns:a16="http://schemas.microsoft.com/office/drawing/2014/main" val="4106026957"/>
                     </a:ext>
                   </a:extLst>
                 </a:gridCol>
                 <a:gridCol w="550521">
                   <a:extLst>
                     <a:ext uri="{9D8B030D-6E8A-4147-A177-3AD203B41FA5}">
-                      <a16:colId xmlns:a16="http://schemas.microsoft.com/office/drawing/2014/main" xmlns="" val="2810815576"/>
+                      <a16:colId xmlns="" xmlns:a16="http://schemas.microsoft.com/office/drawing/2014/main" val="2810815576"/>
                     </a:ext>
                   </a:extLst>
                 </a:gridCol>
@@ -14219,7 +14221,7 @@
                 </a:tc>
                 <a:extLst>
                   <a:ext uri="{0D108BD9-81ED-4DB2-BD59-A6C34878D82A}">
-                    <a16:rowId xmlns:a16="http://schemas.microsoft.com/office/drawing/2014/main" xmlns="" val="2318367764"/>
+                    <a16:rowId xmlns="" xmlns:a16="http://schemas.microsoft.com/office/drawing/2014/main" val="2318367764"/>
                   </a:ext>
                 </a:extLst>
               </a:tr>
@@ -14232,7 +14234,7 @@
           <p:cNvPr id="9" name="표 5">
             <a:extLst>
               <a:ext uri="{FF2B5EF4-FFF2-40B4-BE49-F238E27FC236}">
-                <a16:creationId xmlns:a16="http://schemas.microsoft.com/office/drawing/2014/main" xmlns="" id="{15D5CCAF-CAB6-493C-9A85-2676F48690AF}"/>
+                <a16:creationId xmlns="" xmlns:a16="http://schemas.microsoft.com/office/drawing/2014/main" id="{15D5CCAF-CAB6-493C-9A85-2676F48690AF}"/>
               </a:ext>
             </a:extLst>
           </p:cNvPr>
@@ -14261,49 +14263,49 @@
                 <a:gridCol w="550521">
                   <a:extLst>
                     <a:ext uri="{9D8B030D-6E8A-4147-A177-3AD203B41FA5}">
-                      <a16:colId xmlns:a16="http://schemas.microsoft.com/office/drawing/2014/main" xmlns="" val="422949941"/>
+                      <a16:colId xmlns="" xmlns:a16="http://schemas.microsoft.com/office/drawing/2014/main" val="422949941"/>
                     </a:ext>
                   </a:extLst>
                 </a:gridCol>
                 <a:gridCol w="550521">
                   <a:extLst>
                     <a:ext uri="{9D8B030D-6E8A-4147-A177-3AD203B41FA5}">
-                      <a16:colId xmlns:a16="http://schemas.microsoft.com/office/drawing/2014/main" xmlns="" val="1888211109"/>
+                      <a16:colId xmlns="" xmlns:a16="http://schemas.microsoft.com/office/drawing/2014/main" val="1888211109"/>
                     </a:ext>
                   </a:extLst>
                 </a:gridCol>
                 <a:gridCol w="550521">
                   <a:extLst>
                     <a:ext uri="{9D8B030D-6E8A-4147-A177-3AD203B41FA5}">
-                      <a16:colId xmlns:a16="http://schemas.microsoft.com/office/drawing/2014/main" xmlns="" val="3675358557"/>
+                      <a16:colId xmlns="" xmlns:a16="http://schemas.microsoft.com/office/drawing/2014/main" val="3675358557"/>
                     </a:ext>
                   </a:extLst>
                 </a:gridCol>
                 <a:gridCol w="550521">
                   <a:extLst>
                     <a:ext uri="{9D8B030D-6E8A-4147-A177-3AD203B41FA5}">
-                      <a16:colId xmlns:a16="http://schemas.microsoft.com/office/drawing/2014/main" xmlns="" val="2341215234"/>
+                      <a16:colId xmlns="" xmlns:a16="http://schemas.microsoft.com/office/drawing/2014/main" val="2341215234"/>
                     </a:ext>
                   </a:extLst>
                 </a:gridCol>
                 <a:gridCol w="550521">
                   <a:extLst>
                     <a:ext uri="{9D8B030D-6E8A-4147-A177-3AD203B41FA5}">
-                      <a16:colId xmlns:a16="http://schemas.microsoft.com/office/drawing/2014/main" xmlns="" val="3718261339"/>
+                      <a16:colId xmlns="" xmlns:a16="http://schemas.microsoft.com/office/drawing/2014/main" val="3718261339"/>
                     </a:ext>
                   </a:extLst>
                 </a:gridCol>
                 <a:gridCol w="550521">
                   <a:extLst>
                     <a:ext uri="{9D8B030D-6E8A-4147-A177-3AD203B41FA5}">
-                      <a16:colId xmlns:a16="http://schemas.microsoft.com/office/drawing/2014/main" xmlns="" val="4106026957"/>
+                      <a16:colId xmlns="" xmlns:a16="http://schemas.microsoft.com/office/drawing/2014/main" val="4106026957"/>
                     </a:ext>
                   </a:extLst>
                 </a:gridCol>
                 <a:gridCol w="550521">
                   <a:extLst>
                     <a:ext uri="{9D8B030D-6E8A-4147-A177-3AD203B41FA5}">
-                      <a16:colId xmlns:a16="http://schemas.microsoft.com/office/drawing/2014/main" xmlns="" val="2810815576"/>
+                      <a16:colId xmlns="" xmlns:a16="http://schemas.microsoft.com/office/drawing/2014/main" val="2810815576"/>
                     </a:ext>
                   </a:extLst>
                 </a:gridCol>
@@ -14752,7 +14754,7 @@
                 </a:tc>
                 <a:extLst>
                   <a:ext uri="{0D108BD9-81ED-4DB2-BD59-A6C34878D82A}">
-                    <a16:rowId xmlns:a16="http://schemas.microsoft.com/office/drawing/2014/main" xmlns="" val="2318367764"/>
+                    <a16:rowId xmlns="" xmlns:a16="http://schemas.microsoft.com/office/drawing/2014/main" val="2318367764"/>
                   </a:ext>
                 </a:extLst>
               </a:tr>
@@ -14765,7 +14767,7 @@
           <p:cNvPr id="10" name="표 5">
             <a:extLst>
               <a:ext uri="{FF2B5EF4-FFF2-40B4-BE49-F238E27FC236}">
-                <a16:creationId xmlns:a16="http://schemas.microsoft.com/office/drawing/2014/main" xmlns="" id="{15D5CCAF-CAB6-493C-9A85-2676F48690AF}"/>
+                <a16:creationId xmlns="" xmlns:a16="http://schemas.microsoft.com/office/drawing/2014/main" id="{15D5CCAF-CAB6-493C-9A85-2676F48690AF}"/>
               </a:ext>
             </a:extLst>
           </p:cNvPr>
@@ -14794,49 +14796,49 @@
                 <a:gridCol w="550521">
                   <a:extLst>
                     <a:ext uri="{9D8B030D-6E8A-4147-A177-3AD203B41FA5}">
-                      <a16:colId xmlns:a16="http://schemas.microsoft.com/office/drawing/2014/main" xmlns="" val="422949941"/>
+                      <a16:colId xmlns="" xmlns:a16="http://schemas.microsoft.com/office/drawing/2014/main" val="422949941"/>
                     </a:ext>
                   </a:extLst>
                 </a:gridCol>
                 <a:gridCol w="550521">
                   <a:extLst>
                     <a:ext uri="{9D8B030D-6E8A-4147-A177-3AD203B41FA5}">
-                      <a16:colId xmlns:a16="http://schemas.microsoft.com/office/drawing/2014/main" xmlns="" val="1888211109"/>
+                      <a16:colId xmlns="" xmlns:a16="http://schemas.microsoft.com/office/drawing/2014/main" val="1888211109"/>
                     </a:ext>
                   </a:extLst>
                 </a:gridCol>
                 <a:gridCol w="550521">
                   <a:extLst>
                     <a:ext uri="{9D8B030D-6E8A-4147-A177-3AD203B41FA5}">
-                      <a16:colId xmlns:a16="http://schemas.microsoft.com/office/drawing/2014/main" xmlns="" val="3675358557"/>
+                      <a16:colId xmlns="" xmlns:a16="http://schemas.microsoft.com/office/drawing/2014/main" val="3675358557"/>
                     </a:ext>
                   </a:extLst>
                 </a:gridCol>
                 <a:gridCol w="550521">
                   <a:extLst>
                     <a:ext uri="{9D8B030D-6E8A-4147-A177-3AD203B41FA5}">
-                      <a16:colId xmlns:a16="http://schemas.microsoft.com/office/drawing/2014/main" xmlns="" val="2341215234"/>
+                      <a16:colId xmlns="" xmlns:a16="http://schemas.microsoft.com/office/drawing/2014/main" val="2341215234"/>
                     </a:ext>
                   </a:extLst>
                 </a:gridCol>
                 <a:gridCol w="550521">
                   <a:extLst>
                     <a:ext uri="{9D8B030D-6E8A-4147-A177-3AD203B41FA5}">
-                      <a16:colId xmlns:a16="http://schemas.microsoft.com/office/drawing/2014/main" xmlns="" val="3718261339"/>
+                      <a16:colId xmlns="" xmlns:a16="http://schemas.microsoft.com/office/drawing/2014/main" val="3718261339"/>
                     </a:ext>
                   </a:extLst>
                 </a:gridCol>
                 <a:gridCol w="550521">
                   <a:extLst>
                     <a:ext uri="{9D8B030D-6E8A-4147-A177-3AD203B41FA5}">
-                      <a16:colId xmlns:a16="http://schemas.microsoft.com/office/drawing/2014/main" xmlns="" val="4106026957"/>
+                      <a16:colId xmlns="" xmlns:a16="http://schemas.microsoft.com/office/drawing/2014/main" val="4106026957"/>
                     </a:ext>
                   </a:extLst>
                 </a:gridCol>
                 <a:gridCol w="550521">
                   <a:extLst>
                     <a:ext uri="{9D8B030D-6E8A-4147-A177-3AD203B41FA5}">
-                      <a16:colId xmlns:a16="http://schemas.microsoft.com/office/drawing/2014/main" xmlns="" val="2810815576"/>
+                      <a16:colId xmlns="" xmlns:a16="http://schemas.microsoft.com/office/drawing/2014/main" val="2810815576"/>
                     </a:ext>
                   </a:extLst>
                 </a:gridCol>
@@ -15285,7 +15287,7 @@
                 </a:tc>
                 <a:extLst>
                   <a:ext uri="{0D108BD9-81ED-4DB2-BD59-A6C34878D82A}">
-                    <a16:rowId xmlns:a16="http://schemas.microsoft.com/office/drawing/2014/main" xmlns="" val="2318367764"/>
+                    <a16:rowId xmlns="" xmlns:a16="http://schemas.microsoft.com/office/drawing/2014/main" val="2318367764"/>
                   </a:ext>
                 </a:extLst>
               </a:tr>
@@ -15298,7 +15300,7 @@
           <p:cNvPr id="11" name="표 5">
             <a:extLst>
               <a:ext uri="{FF2B5EF4-FFF2-40B4-BE49-F238E27FC236}">
-                <a16:creationId xmlns:a16="http://schemas.microsoft.com/office/drawing/2014/main" xmlns="" id="{15D5CCAF-CAB6-493C-9A85-2676F48690AF}"/>
+                <a16:creationId xmlns="" xmlns:a16="http://schemas.microsoft.com/office/drawing/2014/main" id="{15D5CCAF-CAB6-493C-9A85-2676F48690AF}"/>
               </a:ext>
             </a:extLst>
           </p:cNvPr>
@@ -15327,49 +15329,49 @@
                 <a:gridCol w="550521">
                   <a:extLst>
                     <a:ext uri="{9D8B030D-6E8A-4147-A177-3AD203B41FA5}">
-                      <a16:colId xmlns:a16="http://schemas.microsoft.com/office/drawing/2014/main" xmlns="" val="422949941"/>
+                      <a16:colId xmlns="" xmlns:a16="http://schemas.microsoft.com/office/drawing/2014/main" val="422949941"/>
                     </a:ext>
                   </a:extLst>
                 </a:gridCol>
                 <a:gridCol w="550521">
                   <a:extLst>
                     <a:ext uri="{9D8B030D-6E8A-4147-A177-3AD203B41FA5}">
-                      <a16:colId xmlns:a16="http://schemas.microsoft.com/office/drawing/2014/main" xmlns="" val="1888211109"/>
+                      <a16:colId xmlns="" xmlns:a16="http://schemas.microsoft.com/office/drawing/2014/main" val="1888211109"/>
                     </a:ext>
                   </a:extLst>
                 </a:gridCol>
                 <a:gridCol w="550521">
                   <a:extLst>
                     <a:ext uri="{9D8B030D-6E8A-4147-A177-3AD203B41FA5}">
-                      <a16:colId xmlns:a16="http://schemas.microsoft.com/office/drawing/2014/main" xmlns="" val="3675358557"/>
+                      <a16:colId xmlns="" xmlns:a16="http://schemas.microsoft.com/office/drawing/2014/main" val="3675358557"/>
                     </a:ext>
                   </a:extLst>
                 </a:gridCol>
                 <a:gridCol w="550521">
                   <a:extLst>
                     <a:ext uri="{9D8B030D-6E8A-4147-A177-3AD203B41FA5}">
-                      <a16:colId xmlns:a16="http://schemas.microsoft.com/office/drawing/2014/main" xmlns="" val="2341215234"/>
+                      <a16:colId xmlns="" xmlns:a16="http://schemas.microsoft.com/office/drawing/2014/main" val="2341215234"/>
                     </a:ext>
                   </a:extLst>
                 </a:gridCol>
                 <a:gridCol w="550521">
                   <a:extLst>
                     <a:ext uri="{9D8B030D-6E8A-4147-A177-3AD203B41FA5}">
-                      <a16:colId xmlns:a16="http://schemas.microsoft.com/office/drawing/2014/main" xmlns="" val="3718261339"/>
+                      <a16:colId xmlns="" xmlns:a16="http://schemas.microsoft.com/office/drawing/2014/main" val="3718261339"/>
                     </a:ext>
                   </a:extLst>
                 </a:gridCol>
                 <a:gridCol w="550521">
                   <a:extLst>
                     <a:ext uri="{9D8B030D-6E8A-4147-A177-3AD203B41FA5}">
-                      <a16:colId xmlns:a16="http://schemas.microsoft.com/office/drawing/2014/main" xmlns="" val="4106026957"/>
+                      <a16:colId xmlns="" xmlns:a16="http://schemas.microsoft.com/office/drawing/2014/main" val="4106026957"/>
                     </a:ext>
                   </a:extLst>
                 </a:gridCol>
                 <a:gridCol w="550521">
                   <a:extLst>
                     <a:ext uri="{9D8B030D-6E8A-4147-A177-3AD203B41FA5}">
-                      <a16:colId xmlns:a16="http://schemas.microsoft.com/office/drawing/2014/main" xmlns="" val="2810815576"/>
+                      <a16:colId xmlns="" xmlns:a16="http://schemas.microsoft.com/office/drawing/2014/main" val="2810815576"/>
                     </a:ext>
                   </a:extLst>
                 </a:gridCol>
@@ -15818,7 +15820,7 @@
                 </a:tc>
                 <a:extLst>
                   <a:ext uri="{0D108BD9-81ED-4DB2-BD59-A6C34878D82A}">
-                    <a16:rowId xmlns:a16="http://schemas.microsoft.com/office/drawing/2014/main" xmlns="" val="2318367764"/>
+                    <a16:rowId xmlns="" xmlns:a16="http://schemas.microsoft.com/office/drawing/2014/main" val="2318367764"/>
                   </a:ext>
                 </a:extLst>
               </a:tr>
@@ -15831,7 +15833,7 @@
           <p:cNvPr id="4" name="표 5">
             <a:extLst>
               <a:ext uri="{FF2B5EF4-FFF2-40B4-BE49-F238E27FC236}">
-                <a16:creationId xmlns:a16="http://schemas.microsoft.com/office/drawing/2014/main" xmlns="" id="{15D5CCAF-CAB6-493C-9A85-2676F48690AF}"/>
+                <a16:creationId xmlns="" xmlns:a16="http://schemas.microsoft.com/office/drawing/2014/main" id="{15D5CCAF-CAB6-493C-9A85-2676F48690AF}"/>
               </a:ext>
             </a:extLst>
           </p:cNvPr>
@@ -15860,49 +15862,49 @@
                 <a:gridCol w="550521">
                   <a:extLst>
                     <a:ext uri="{9D8B030D-6E8A-4147-A177-3AD203B41FA5}">
-                      <a16:colId xmlns:a16="http://schemas.microsoft.com/office/drawing/2014/main" xmlns="" val="422949941"/>
+                      <a16:colId xmlns="" xmlns:a16="http://schemas.microsoft.com/office/drawing/2014/main" val="422949941"/>
                     </a:ext>
                   </a:extLst>
                 </a:gridCol>
                 <a:gridCol w="550521">
                   <a:extLst>
                     <a:ext uri="{9D8B030D-6E8A-4147-A177-3AD203B41FA5}">
-                      <a16:colId xmlns:a16="http://schemas.microsoft.com/office/drawing/2014/main" xmlns="" val="1888211109"/>
+                      <a16:colId xmlns="" xmlns:a16="http://schemas.microsoft.com/office/drawing/2014/main" val="1888211109"/>
                     </a:ext>
                   </a:extLst>
                 </a:gridCol>
                 <a:gridCol w="550521">
                   <a:extLst>
                     <a:ext uri="{9D8B030D-6E8A-4147-A177-3AD203B41FA5}">
-                      <a16:colId xmlns:a16="http://schemas.microsoft.com/office/drawing/2014/main" xmlns="" val="3675358557"/>
+                      <a16:colId xmlns="" xmlns:a16="http://schemas.microsoft.com/office/drawing/2014/main" val="3675358557"/>
                     </a:ext>
                   </a:extLst>
                 </a:gridCol>
                 <a:gridCol w="550521">
                   <a:extLst>
                     <a:ext uri="{9D8B030D-6E8A-4147-A177-3AD203B41FA5}">
-                      <a16:colId xmlns:a16="http://schemas.microsoft.com/office/drawing/2014/main" xmlns="" val="2341215234"/>
+                      <a16:colId xmlns="" xmlns:a16="http://schemas.microsoft.com/office/drawing/2014/main" val="2341215234"/>
                     </a:ext>
                   </a:extLst>
                 </a:gridCol>
                 <a:gridCol w="550521">
                   <a:extLst>
                     <a:ext uri="{9D8B030D-6E8A-4147-A177-3AD203B41FA5}">
-                      <a16:colId xmlns:a16="http://schemas.microsoft.com/office/drawing/2014/main" xmlns="" val="3718261339"/>
+                      <a16:colId xmlns="" xmlns:a16="http://schemas.microsoft.com/office/drawing/2014/main" val="3718261339"/>
                     </a:ext>
                   </a:extLst>
                 </a:gridCol>
                 <a:gridCol w="550521">
                   <a:extLst>
                     <a:ext uri="{9D8B030D-6E8A-4147-A177-3AD203B41FA5}">
-                      <a16:colId xmlns:a16="http://schemas.microsoft.com/office/drawing/2014/main" xmlns="" val="4106026957"/>
+                      <a16:colId xmlns="" xmlns:a16="http://schemas.microsoft.com/office/drawing/2014/main" val="4106026957"/>
                     </a:ext>
                   </a:extLst>
                 </a:gridCol>
                 <a:gridCol w="550521">
                   <a:extLst>
                     <a:ext uri="{9D8B030D-6E8A-4147-A177-3AD203B41FA5}">
-                      <a16:colId xmlns:a16="http://schemas.microsoft.com/office/drawing/2014/main" xmlns="" val="2810815576"/>
+                      <a16:colId xmlns="" xmlns:a16="http://schemas.microsoft.com/office/drawing/2014/main" val="2810815576"/>
                     </a:ext>
                   </a:extLst>
                 </a:gridCol>
@@ -16295,7 +16297,7 @@
                 </a:tc>
                 <a:extLst>
                   <a:ext uri="{0D108BD9-81ED-4DB2-BD59-A6C34878D82A}">
-                    <a16:rowId xmlns:a16="http://schemas.microsoft.com/office/drawing/2014/main" xmlns="" val="2318367764"/>
+                    <a16:rowId xmlns="" xmlns:a16="http://schemas.microsoft.com/office/drawing/2014/main" val="2318367764"/>
                   </a:ext>
                 </a:extLst>
               </a:tr>
@@ -16308,7 +16310,7 @@
           <p:cNvPr id="5" name="표 5">
             <a:extLst>
               <a:ext uri="{FF2B5EF4-FFF2-40B4-BE49-F238E27FC236}">
-                <a16:creationId xmlns:a16="http://schemas.microsoft.com/office/drawing/2014/main" xmlns="" id="{15D5CCAF-CAB6-493C-9A85-2676F48690AF}"/>
+                <a16:creationId xmlns="" xmlns:a16="http://schemas.microsoft.com/office/drawing/2014/main" id="{15D5CCAF-CAB6-493C-9A85-2676F48690AF}"/>
               </a:ext>
             </a:extLst>
           </p:cNvPr>
@@ -16337,49 +16339,49 @@
                 <a:gridCol w="550521">
                   <a:extLst>
                     <a:ext uri="{9D8B030D-6E8A-4147-A177-3AD203B41FA5}">
-                      <a16:colId xmlns:a16="http://schemas.microsoft.com/office/drawing/2014/main" xmlns="" val="422949941"/>
+                      <a16:colId xmlns="" xmlns:a16="http://schemas.microsoft.com/office/drawing/2014/main" val="422949941"/>
                     </a:ext>
                   </a:extLst>
                 </a:gridCol>
                 <a:gridCol w="550521">
                   <a:extLst>
                     <a:ext uri="{9D8B030D-6E8A-4147-A177-3AD203B41FA5}">
-                      <a16:colId xmlns:a16="http://schemas.microsoft.com/office/drawing/2014/main" xmlns="" val="1888211109"/>
+                      <a16:colId xmlns="" xmlns:a16="http://schemas.microsoft.com/office/drawing/2014/main" val="1888211109"/>
                     </a:ext>
                   </a:extLst>
                 </a:gridCol>
                 <a:gridCol w="550521">
                   <a:extLst>
                     <a:ext uri="{9D8B030D-6E8A-4147-A177-3AD203B41FA5}">
-                      <a16:colId xmlns:a16="http://schemas.microsoft.com/office/drawing/2014/main" xmlns="" val="3675358557"/>
+                      <a16:colId xmlns="" xmlns:a16="http://schemas.microsoft.com/office/drawing/2014/main" val="3675358557"/>
                     </a:ext>
                   </a:extLst>
                 </a:gridCol>
                 <a:gridCol w="550521">
                   <a:extLst>
                     <a:ext uri="{9D8B030D-6E8A-4147-A177-3AD203B41FA5}">
-                      <a16:colId xmlns:a16="http://schemas.microsoft.com/office/drawing/2014/main" xmlns="" val="2341215234"/>
+                      <a16:colId xmlns="" xmlns:a16="http://schemas.microsoft.com/office/drawing/2014/main" val="2341215234"/>
                     </a:ext>
                   </a:extLst>
                 </a:gridCol>
                 <a:gridCol w="550521">
                   <a:extLst>
                     <a:ext uri="{9D8B030D-6E8A-4147-A177-3AD203B41FA5}">
-                      <a16:colId xmlns:a16="http://schemas.microsoft.com/office/drawing/2014/main" xmlns="" val="3718261339"/>
+                      <a16:colId xmlns="" xmlns:a16="http://schemas.microsoft.com/office/drawing/2014/main" val="3718261339"/>
                     </a:ext>
                   </a:extLst>
                 </a:gridCol>
                 <a:gridCol w="550521">
                   <a:extLst>
                     <a:ext uri="{9D8B030D-6E8A-4147-A177-3AD203B41FA5}">
-                      <a16:colId xmlns:a16="http://schemas.microsoft.com/office/drawing/2014/main" xmlns="" val="4106026957"/>
+                      <a16:colId xmlns="" xmlns:a16="http://schemas.microsoft.com/office/drawing/2014/main" val="4106026957"/>
                     </a:ext>
                   </a:extLst>
                 </a:gridCol>
                 <a:gridCol w="550521">
                   <a:extLst>
                     <a:ext uri="{9D8B030D-6E8A-4147-A177-3AD203B41FA5}">
-                      <a16:colId xmlns:a16="http://schemas.microsoft.com/office/drawing/2014/main" xmlns="" val="2810815576"/>
+                      <a16:colId xmlns="" xmlns:a16="http://schemas.microsoft.com/office/drawing/2014/main" val="2810815576"/>
                     </a:ext>
                   </a:extLst>
                 </a:gridCol>
@@ -16796,7 +16798,7 @@
                 </a:tc>
                 <a:extLst>
                   <a:ext uri="{0D108BD9-81ED-4DB2-BD59-A6C34878D82A}">
-                    <a16:rowId xmlns:a16="http://schemas.microsoft.com/office/drawing/2014/main" xmlns="" val="2318367764"/>
+                    <a16:rowId xmlns="" xmlns:a16="http://schemas.microsoft.com/office/drawing/2014/main" val="2318367764"/>
                   </a:ext>
                 </a:extLst>
               </a:tr>
@@ -16809,7 +16811,7 @@
           <p:cNvPr id="6" name="표 5">
             <a:extLst>
               <a:ext uri="{FF2B5EF4-FFF2-40B4-BE49-F238E27FC236}">
-                <a16:creationId xmlns:a16="http://schemas.microsoft.com/office/drawing/2014/main" xmlns="" id="{15D5CCAF-CAB6-493C-9A85-2676F48690AF}"/>
+                <a16:creationId xmlns="" xmlns:a16="http://schemas.microsoft.com/office/drawing/2014/main" id="{15D5CCAF-CAB6-493C-9A85-2676F48690AF}"/>
               </a:ext>
             </a:extLst>
           </p:cNvPr>
@@ -16838,49 +16840,49 @@
                 <a:gridCol w="550521">
                   <a:extLst>
                     <a:ext uri="{9D8B030D-6E8A-4147-A177-3AD203B41FA5}">
-                      <a16:colId xmlns:a16="http://schemas.microsoft.com/office/drawing/2014/main" xmlns="" val="422949941"/>
+                      <a16:colId xmlns="" xmlns:a16="http://schemas.microsoft.com/office/drawing/2014/main" val="422949941"/>
                     </a:ext>
                   </a:extLst>
                 </a:gridCol>
                 <a:gridCol w="550521">
                   <a:extLst>
                     <a:ext uri="{9D8B030D-6E8A-4147-A177-3AD203B41FA5}">
-                      <a16:colId xmlns:a16="http://schemas.microsoft.com/office/drawing/2014/main" xmlns="" val="1888211109"/>
+                      <a16:colId xmlns="" xmlns:a16="http://schemas.microsoft.com/office/drawing/2014/main" val="1888211109"/>
                     </a:ext>
                   </a:extLst>
                 </a:gridCol>
                 <a:gridCol w="550521">
                   <a:extLst>
                     <a:ext uri="{9D8B030D-6E8A-4147-A177-3AD203B41FA5}">
-                      <a16:colId xmlns:a16="http://schemas.microsoft.com/office/drawing/2014/main" xmlns="" val="3675358557"/>
+                      <a16:colId xmlns="" xmlns:a16="http://schemas.microsoft.com/office/drawing/2014/main" val="3675358557"/>
                     </a:ext>
                   </a:extLst>
                 </a:gridCol>
                 <a:gridCol w="550521">
                   <a:extLst>
                     <a:ext uri="{9D8B030D-6E8A-4147-A177-3AD203B41FA5}">
-                      <a16:colId xmlns:a16="http://schemas.microsoft.com/office/drawing/2014/main" xmlns="" val="2341215234"/>
+                      <a16:colId xmlns="" xmlns:a16="http://schemas.microsoft.com/office/drawing/2014/main" val="2341215234"/>
                     </a:ext>
                   </a:extLst>
                 </a:gridCol>
                 <a:gridCol w="550521">
                   <a:extLst>
                     <a:ext uri="{9D8B030D-6E8A-4147-A177-3AD203B41FA5}">
-                      <a16:colId xmlns:a16="http://schemas.microsoft.com/office/drawing/2014/main" xmlns="" val="3718261339"/>
+                      <a16:colId xmlns="" xmlns:a16="http://schemas.microsoft.com/office/drawing/2014/main" val="3718261339"/>
                     </a:ext>
                   </a:extLst>
                 </a:gridCol>
                 <a:gridCol w="550521">
                   <a:extLst>
                     <a:ext uri="{9D8B030D-6E8A-4147-A177-3AD203B41FA5}">
-                      <a16:colId xmlns:a16="http://schemas.microsoft.com/office/drawing/2014/main" xmlns="" val="4106026957"/>
+                      <a16:colId xmlns="" xmlns:a16="http://schemas.microsoft.com/office/drawing/2014/main" val="4106026957"/>
                     </a:ext>
                   </a:extLst>
                 </a:gridCol>
                 <a:gridCol w="550521">
                   <a:extLst>
                     <a:ext uri="{9D8B030D-6E8A-4147-A177-3AD203B41FA5}">
-                      <a16:colId xmlns:a16="http://schemas.microsoft.com/office/drawing/2014/main" xmlns="" val="2810815576"/>
+                      <a16:colId xmlns="" xmlns:a16="http://schemas.microsoft.com/office/drawing/2014/main" val="2810815576"/>
                     </a:ext>
                   </a:extLst>
                 </a:gridCol>
@@ -17297,7 +17299,7 @@
                 </a:tc>
                 <a:extLst>
                   <a:ext uri="{0D108BD9-81ED-4DB2-BD59-A6C34878D82A}">
-                    <a16:rowId xmlns:a16="http://schemas.microsoft.com/office/drawing/2014/main" xmlns="" val="2318367764"/>
+                    <a16:rowId xmlns="" xmlns:a16="http://schemas.microsoft.com/office/drawing/2014/main" val="2318367764"/>
                   </a:ext>
                 </a:extLst>
               </a:tr>
@@ -17310,7 +17312,7 @@
           <p:cNvPr id="7" name="표 5">
             <a:extLst>
               <a:ext uri="{FF2B5EF4-FFF2-40B4-BE49-F238E27FC236}">
-                <a16:creationId xmlns:a16="http://schemas.microsoft.com/office/drawing/2014/main" xmlns="" id="{15D5CCAF-CAB6-493C-9A85-2676F48690AF}"/>
+                <a16:creationId xmlns="" xmlns:a16="http://schemas.microsoft.com/office/drawing/2014/main" id="{15D5CCAF-CAB6-493C-9A85-2676F48690AF}"/>
               </a:ext>
             </a:extLst>
           </p:cNvPr>
@@ -17339,49 +17341,49 @@
                 <a:gridCol w="550521">
                   <a:extLst>
                     <a:ext uri="{9D8B030D-6E8A-4147-A177-3AD203B41FA5}">
-                      <a16:colId xmlns:a16="http://schemas.microsoft.com/office/drawing/2014/main" xmlns="" val="422949941"/>
+                      <a16:colId xmlns="" xmlns:a16="http://schemas.microsoft.com/office/drawing/2014/main" val="422949941"/>
                     </a:ext>
                   </a:extLst>
                 </a:gridCol>
                 <a:gridCol w="550521">
                   <a:extLst>
                     <a:ext uri="{9D8B030D-6E8A-4147-A177-3AD203B41FA5}">
-                      <a16:colId xmlns:a16="http://schemas.microsoft.com/office/drawing/2014/main" xmlns="" val="1888211109"/>
+                      <a16:colId xmlns="" xmlns:a16="http://schemas.microsoft.com/office/drawing/2014/main" val="1888211109"/>
                     </a:ext>
                   </a:extLst>
                 </a:gridCol>
                 <a:gridCol w="550521">
                   <a:extLst>
                     <a:ext uri="{9D8B030D-6E8A-4147-A177-3AD203B41FA5}">
-                      <a16:colId xmlns:a16="http://schemas.microsoft.com/office/drawing/2014/main" xmlns="" val="3675358557"/>
+                      <a16:colId xmlns="" xmlns:a16="http://schemas.microsoft.com/office/drawing/2014/main" val="3675358557"/>
                     </a:ext>
                   </a:extLst>
                 </a:gridCol>
                 <a:gridCol w="550521">
                   <a:extLst>
                     <a:ext uri="{9D8B030D-6E8A-4147-A177-3AD203B41FA5}">
-                      <a16:colId xmlns:a16="http://schemas.microsoft.com/office/drawing/2014/main" xmlns="" val="2341215234"/>
+                      <a16:colId xmlns="" xmlns:a16="http://schemas.microsoft.com/office/drawing/2014/main" val="2341215234"/>
                     </a:ext>
                   </a:extLst>
                 </a:gridCol>
                 <a:gridCol w="550521">
                   <a:extLst>
                     <a:ext uri="{9D8B030D-6E8A-4147-A177-3AD203B41FA5}">
-                      <a16:colId xmlns:a16="http://schemas.microsoft.com/office/drawing/2014/main" xmlns="" val="3718261339"/>
+                      <a16:colId xmlns="" xmlns:a16="http://schemas.microsoft.com/office/drawing/2014/main" val="3718261339"/>
                     </a:ext>
                   </a:extLst>
                 </a:gridCol>
                 <a:gridCol w="550521">
                   <a:extLst>
                     <a:ext uri="{9D8B030D-6E8A-4147-A177-3AD203B41FA5}">
-                      <a16:colId xmlns:a16="http://schemas.microsoft.com/office/drawing/2014/main" xmlns="" val="4106026957"/>
+                      <a16:colId xmlns="" xmlns:a16="http://schemas.microsoft.com/office/drawing/2014/main" val="4106026957"/>
                     </a:ext>
                   </a:extLst>
                 </a:gridCol>
                 <a:gridCol w="550521">
                   <a:extLst>
                     <a:ext uri="{9D8B030D-6E8A-4147-A177-3AD203B41FA5}">
-                      <a16:colId xmlns:a16="http://schemas.microsoft.com/office/drawing/2014/main" xmlns="" val="2810815576"/>
+                      <a16:colId xmlns="" xmlns:a16="http://schemas.microsoft.com/office/drawing/2014/main" val="2810815576"/>
                     </a:ext>
                   </a:extLst>
                 </a:gridCol>
@@ -17814,7 +17816,7 @@
                 </a:tc>
                 <a:extLst>
                   <a:ext uri="{0D108BD9-81ED-4DB2-BD59-A6C34878D82A}">
-                    <a16:rowId xmlns:a16="http://schemas.microsoft.com/office/drawing/2014/main" xmlns="" val="2318367764"/>
+                    <a16:rowId xmlns="" xmlns:a16="http://schemas.microsoft.com/office/drawing/2014/main" val="2318367764"/>
                   </a:ext>
                 </a:extLst>
               </a:tr>
@@ -21879,28 +21881,28 @@
                 <a:gridCol w="689223">
                   <a:extLst>
                     <a:ext uri="{9D8B030D-6E8A-4147-A177-3AD203B41FA5}">
-                      <a16:colId xmlns:a16="http://schemas.microsoft.com/office/drawing/2014/main" xmlns="" val="1151413589"/>
+                      <a16:colId xmlns="" xmlns:a16="http://schemas.microsoft.com/office/drawing/2014/main" val="1151413589"/>
                     </a:ext>
                   </a:extLst>
                 </a:gridCol>
                 <a:gridCol w="689223">
                   <a:extLst>
                     <a:ext uri="{9D8B030D-6E8A-4147-A177-3AD203B41FA5}">
-                      <a16:colId xmlns:a16="http://schemas.microsoft.com/office/drawing/2014/main" xmlns="" val="1361081966"/>
+                      <a16:colId xmlns="" xmlns:a16="http://schemas.microsoft.com/office/drawing/2014/main" val="1361081966"/>
                     </a:ext>
                   </a:extLst>
                 </a:gridCol>
                 <a:gridCol w="689223">
                   <a:extLst>
                     <a:ext uri="{9D8B030D-6E8A-4147-A177-3AD203B41FA5}">
-                      <a16:colId xmlns:a16="http://schemas.microsoft.com/office/drawing/2014/main" xmlns="" val="2051797336"/>
+                      <a16:colId xmlns="" xmlns:a16="http://schemas.microsoft.com/office/drawing/2014/main" val="2051797336"/>
                     </a:ext>
                   </a:extLst>
                 </a:gridCol>
                 <a:gridCol w="689223">
                   <a:extLst>
                     <a:ext uri="{9D8B030D-6E8A-4147-A177-3AD203B41FA5}">
-                      <a16:colId xmlns:a16="http://schemas.microsoft.com/office/drawing/2014/main" xmlns="" val="1204757378"/>
+                      <a16:colId xmlns="" xmlns:a16="http://schemas.microsoft.com/office/drawing/2014/main" val="1204757378"/>
                     </a:ext>
                   </a:extLst>
                 </a:gridCol>
@@ -22152,7 +22154,7 @@
                 </a:tc>
                 <a:extLst>
                   <a:ext uri="{0D108BD9-81ED-4DB2-BD59-A6C34878D82A}">
-                    <a16:rowId xmlns:a16="http://schemas.microsoft.com/office/drawing/2014/main" xmlns="" val="1233947439"/>
+                    <a16:rowId xmlns="" xmlns:a16="http://schemas.microsoft.com/office/drawing/2014/main" val="1233947439"/>
                   </a:ext>
                 </a:extLst>
               </a:tr>
@@ -22188,7 +22190,7 @@
                 <a:gridCol w="543779">
                   <a:extLst>
                     <a:ext uri="{9D8B030D-6E8A-4147-A177-3AD203B41FA5}">
-                      <a16:colId xmlns:a16="http://schemas.microsoft.com/office/drawing/2014/main" xmlns="" val="1797740742"/>
+                      <a16:colId xmlns="" xmlns:a16="http://schemas.microsoft.com/office/drawing/2014/main" val="1797740742"/>
                     </a:ext>
                   </a:extLst>
                 </a:gridCol>
@@ -22251,7 +22253,7 @@
                 </a:tc>
                 <a:extLst>
                   <a:ext uri="{0D108BD9-81ED-4DB2-BD59-A6C34878D82A}">
-                    <a16:rowId xmlns:a16="http://schemas.microsoft.com/office/drawing/2014/main" xmlns="" val="815333542"/>
+                    <a16:rowId xmlns="" xmlns:a16="http://schemas.microsoft.com/office/drawing/2014/main" val="815333542"/>
                   </a:ext>
                 </a:extLst>
               </a:tr>
@@ -22313,7 +22315,7 @@
                 </a:tc>
                 <a:extLst>
                   <a:ext uri="{0D108BD9-81ED-4DB2-BD59-A6C34878D82A}">
-                    <a16:rowId xmlns:a16="http://schemas.microsoft.com/office/drawing/2014/main" xmlns="" val="2622522162"/>
+                    <a16:rowId xmlns="" xmlns:a16="http://schemas.microsoft.com/office/drawing/2014/main" val="2622522162"/>
                   </a:ext>
                 </a:extLst>
               </a:tr>
@@ -22375,7 +22377,7 @@
                 </a:tc>
                 <a:extLst>
                   <a:ext uri="{0D108BD9-81ED-4DB2-BD59-A6C34878D82A}">
-                    <a16:rowId xmlns:a16="http://schemas.microsoft.com/office/drawing/2014/main" xmlns="" val="3848535946"/>
+                    <a16:rowId xmlns="" xmlns:a16="http://schemas.microsoft.com/office/drawing/2014/main" val="3848535946"/>
                   </a:ext>
                 </a:extLst>
               </a:tr>
@@ -22437,7 +22439,7 @@
                 </a:tc>
                 <a:extLst>
                   <a:ext uri="{0D108BD9-81ED-4DB2-BD59-A6C34878D82A}">
-                    <a16:rowId xmlns:a16="http://schemas.microsoft.com/office/drawing/2014/main" xmlns="" val="1797874248"/>
+                    <a16:rowId xmlns="" xmlns:a16="http://schemas.microsoft.com/office/drawing/2014/main" val="1797874248"/>
                   </a:ext>
                 </a:extLst>
               </a:tr>
@@ -22903,28 +22905,28 @@
                 <a:gridCol w="689223">
                   <a:extLst>
                     <a:ext uri="{9D8B030D-6E8A-4147-A177-3AD203B41FA5}">
-                      <a16:colId xmlns:a16="http://schemas.microsoft.com/office/drawing/2014/main" xmlns="" val="880660824"/>
+                      <a16:colId xmlns="" xmlns:a16="http://schemas.microsoft.com/office/drawing/2014/main" val="880660824"/>
                     </a:ext>
                   </a:extLst>
                 </a:gridCol>
                 <a:gridCol w="689223">
                   <a:extLst>
                     <a:ext uri="{9D8B030D-6E8A-4147-A177-3AD203B41FA5}">
-                      <a16:colId xmlns:a16="http://schemas.microsoft.com/office/drawing/2014/main" xmlns="" val="4183728883"/>
+                      <a16:colId xmlns="" xmlns:a16="http://schemas.microsoft.com/office/drawing/2014/main" val="4183728883"/>
                     </a:ext>
                   </a:extLst>
                 </a:gridCol>
                 <a:gridCol w="689223">
                   <a:extLst>
                     <a:ext uri="{9D8B030D-6E8A-4147-A177-3AD203B41FA5}">
-                      <a16:colId xmlns:a16="http://schemas.microsoft.com/office/drawing/2014/main" xmlns="" val="2492687774"/>
+                      <a16:colId xmlns="" xmlns:a16="http://schemas.microsoft.com/office/drawing/2014/main" val="2492687774"/>
                     </a:ext>
                   </a:extLst>
                 </a:gridCol>
                 <a:gridCol w="689223">
                   <a:extLst>
                     <a:ext uri="{9D8B030D-6E8A-4147-A177-3AD203B41FA5}">
-                      <a16:colId xmlns:a16="http://schemas.microsoft.com/office/drawing/2014/main" xmlns="" val="3102335657"/>
+                      <a16:colId xmlns="" xmlns:a16="http://schemas.microsoft.com/office/drawing/2014/main" val="3102335657"/>
                     </a:ext>
                   </a:extLst>
                 </a:gridCol>
@@ -23184,7 +23186,7 @@
                 </a:tc>
                 <a:extLst>
                   <a:ext uri="{0D108BD9-81ED-4DB2-BD59-A6C34878D82A}">
-                    <a16:rowId xmlns:a16="http://schemas.microsoft.com/office/drawing/2014/main" xmlns="" val="1551730337"/>
+                    <a16:rowId xmlns="" xmlns:a16="http://schemas.microsoft.com/office/drawing/2014/main" val="1551730337"/>
                   </a:ext>
                 </a:extLst>
               </a:tr>
@@ -23443,7 +23445,7 @@
                 </a:tc>
                 <a:extLst>
                   <a:ext uri="{0D108BD9-81ED-4DB2-BD59-A6C34878D82A}">
-                    <a16:rowId xmlns:a16="http://schemas.microsoft.com/office/drawing/2014/main" xmlns="" val="2852612148"/>
+                    <a16:rowId xmlns="" xmlns:a16="http://schemas.microsoft.com/office/drawing/2014/main" val="2852612148"/>
                   </a:ext>
                 </a:extLst>
               </a:tr>
@@ -23702,7 +23704,7 @@
                 </a:tc>
                 <a:extLst>
                   <a:ext uri="{0D108BD9-81ED-4DB2-BD59-A6C34878D82A}">
-                    <a16:rowId xmlns:a16="http://schemas.microsoft.com/office/drawing/2014/main" xmlns="" val="1581691548"/>
+                    <a16:rowId xmlns="" xmlns:a16="http://schemas.microsoft.com/office/drawing/2014/main" val="1581691548"/>
                   </a:ext>
                 </a:extLst>
               </a:tr>
@@ -23961,7 +23963,7 @@
                 </a:tc>
                 <a:extLst>
                   <a:ext uri="{0D108BD9-81ED-4DB2-BD59-A6C34878D82A}">
-                    <a16:rowId xmlns:a16="http://schemas.microsoft.com/office/drawing/2014/main" xmlns="" val="2786690379"/>
+                    <a16:rowId xmlns="" xmlns:a16="http://schemas.microsoft.com/office/drawing/2014/main" val="2786690379"/>
                   </a:ext>
                 </a:extLst>
               </a:tr>
@@ -26207,7 +26209,7 @@
           <p:cNvPr id="5" name="표 5">
             <a:extLst>
               <a:ext uri="{FF2B5EF4-FFF2-40B4-BE49-F238E27FC236}">
-                <a16:creationId xmlns:a16="http://schemas.microsoft.com/office/drawing/2014/main" xmlns="" id="{15D5CCAF-CAB6-493C-9A85-2676F48690AF}"/>
+                <a16:creationId xmlns="" xmlns:a16="http://schemas.microsoft.com/office/drawing/2014/main" id="{15D5CCAF-CAB6-493C-9A85-2676F48690AF}"/>
               </a:ext>
             </a:extLst>
           </p:cNvPr>
@@ -26236,28 +26238,28 @@
                 <a:gridCol w="550521">
                   <a:extLst>
                     <a:ext uri="{9D8B030D-6E8A-4147-A177-3AD203B41FA5}">
-                      <a16:colId xmlns:a16="http://schemas.microsoft.com/office/drawing/2014/main" xmlns="" val="422949941"/>
+                      <a16:colId xmlns="" xmlns:a16="http://schemas.microsoft.com/office/drawing/2014/main" val="422949941"/>
                     </a:ext>
                   </a:extLst>
                 </a:gridCol>
                 <a:gridCol w="550521">
                   <a:extLst>
                     <a:ext uri="{9D8B030D-6E8A-4147-A177-3AD203B41FA5}">
-                      <a16:colId xmlns:a16="http://schemas.microsoft.com/office/drawing/2014/main" xmlns="" val="1888211109"/>
+                      <a16:colId xmlns="" xmlns:a16="http://schemas.microsoft.com/office/drawing/2014/main" val="1888211109"/>
                     </a:ext>
                   </a:extLst>
                 </a:gridCol>
                 <a:gridCol w="550521">
                   <a:extLst>
                     <a:ext uri="{9D8B030D-6E8A-4147-A177-3AD203B41FA5}">
-                      <a16:colId xmlns:a16="http://schemas.microsoft.com/office/drawing/2014/main" xmlns="" val="3675358557"/>
+                      <a16:colId xmlns="" xmlns:a16="http://schemas.microsoft.com/office/drawing/2014/main" val="3675358557"/>
                     </a:ext>
                   </a:extLst>
                 </a:gridCol>
                 <a:gridCol w="550521">
                   <a:extLst>
                     <a:ext uri="{9D8B030D-6E8A-4147-A177-3AD203B41FA5}">
-                      <a16:colId xmlns:a16="http://schemas.microsoft.com/office/drawing/2014/main" xmlns="" val="2341215234"/>
+                      <a16:colId xmlns="" xmlns:a16="http://schemas.microsoft.com/office/drawing/2014/main" val="2341215234"/>
                     </a:ext>
                   </a:extLst>
                 </a:gridCol>
@@ -26517,7 +26519,7 @@
                 </a:tc>
                 <a:extLst>
                   <a:ext uri="{0D108BD9-81ED-4DB2-BD59-A6C34878D82A}">
-                    <a16:rowId xmlns:a16="http://schemas.microsoft.com/office/drawing/2014/main" xmlns="" val="2318367764"/>
+                    <a16:rowId xmlns="" xmlns:a16="http://schemas.microsoft.com/office/drawing/2014/main" val="2318367764"/>
                   </a:ext>
                 </a:extLst>
               </a:tr>
@@ -26530,7 +26532,7 @@
           <p:cNvPr id="6" name="표 5">
             <a:extLst>
               <a:ext uri="{FF2B5EF4-FFF2-40B4-BE49-F238E27FC236}">
-                <a16:creationId xmlns:a16="http://schemas.microsoft.com/office/drawing/2014/main" xmlns="" id="{15D5CCAF-CAB6-493C-9A85-2676F48690AF}"/>
+                <a16:creationId xmlns="" xmlns:a16="http://schemas.microsoft.com/office/drawing/2014/main" id="{15D5CCAF-CAB6-493C-9A85-2676F48690AF}"/>
               </a:ext>
             </a:extLst>
           </p:cNvPr>
@@ -26559,28 +26561,28 @@
                 <a:gridCol w="547200">
                   <a:extLst>
                     <a:ext uri="{9D8B030D-6E8A-4147-A177-3AD203B41FA5}">
-                      <a16:colId xmlns:a16="http://schemas.microsoft.com/office/drawing/2014/main" xmlns="" val="422949941"/>
+                      <a16:colId xmlns="" xmlns:a16="http://schemas.microsoft.com/office/drawing/2014/main" val="422949941"/>
                     </a:ext>
                   </a:extLst>
                 </a:gridCol>
                 <a:gridCol w="547200">
                   <a:extLst>
                     <a:ext uri="{9D8B030D-6E8A-4147-A177-3AD203B41FA5}">
-                      <a16:colId xmlns:a16="http://schemas.microsoft.com/office/drawing/2014/main" xmlns="" val="1888211109"/>
+                      <a16:colId xmlns="" xmlns:a16="http://schemas.microsoft.com/office/drawing/2014/main" val="1888211109"/>
                     </a:ext>
                   </a:extLst>
                 </a:gridCol>
                 <a:gridCol w="547200">
                   <a:extLst>
                     <a:ext uri="{9D8B030D-6E8A-4147-A177-3AD203B41FA5}">
-                      <a16:colId xmlns:a16="http://schemas.microsoft.com/office/drawing/2014/main" xmlns="" val="3675358557"/>
+                      <a16:colId xmlns="" xmlns:a16="http://schemas.microsoft.com/office/drawing/2014/main" val="3675358557"/>
                     </a:ext>
                   </a:extLst>
                 </a:gridCol>
                 <a:gridCol w="547200">
                   <a:extLst>
                     <a:ext uri="{9D8B030D-6E8A-4147-A177-3AD203B41FA5}">
-                      <a16:colId xmlns:a16="http://schemas.microsoft.com/office/drawing/2014/main" xmlns="" val="2341215234"/>
+                      <a16:colId xmlns="" xmlns:a16="http://schemas.microsoft.com/office/drawing/2014/main" val="2341215234"/>
                     </a:ext>
                   </a:extLst>
                 </a:gridCol>
@@ -27008,7 +27010,7 @@
                 </a:tc>
                 <a:extLst>
                   <a:ext uri="{0D108BD9-81ED-4DB2-BD59-A6C34878D82A}">
-                    <a16:rowId xmlns:a16="http://schemas.microsoft.com/office/drawing/2014/main" xmlns="" val="2318367764"/>
+                    <a16:rowId xmlns="" xmlns:a16="http://schemas.microsoft.com/office/drawing/2014/main" val="2318367764"/>
                   </a:ext>
                 </a:extLst>
               </a:tr>
@@ -27021,7 +27023,7 @@
           <p:cNvPr id="7" name="표 5">
             <a:extLst>
               <a:ext uri="{FF2B5EF4-FFF2-40B4-BE49-F238E27FC236}">
-                <a16:creationId xmlns:a16="http://schemas.microsoft.com/office/drawing/2014/main" xmlns="" id="{15D5CCAF-CAB6-493C-9A85-2676F48690AF}"/>
+                <a16:creationId xmlns="" xmlns:a16="http://schemas.microsoft.com/office/drawing/2014/main" id="{15D5CCAF-CAB6-493C-9A85-2676F48690AF}"/>
               </a:ext>
             </a:extLst>
           </p:cNvPr>
@@ -27050,28 +27052,28 @@
                 <a:gridCol w="550521">
                   <a:extLst>
                     <a:ext uri="{9D8B030D-6E8A-4147-A177-3AD203B41FA5}">
-                      <a16:colId xmlns:a16="http://schemas.microsoft.com/office/drawing/2014/main" xmlns="" val="422949941"/>
+                      <a16:colId xmlns="" xmlns:a16="http://schemas.microsoft.com/office/drawing/2014/main" val="422949941"/>
                     </a:ext>
                   </a:extLst>
                 </a:gridCol>
                 <a:gridCol w="550521">
                   <a:extLst>
                     <a:ext uri="{9D8B030D-6E8A-4147-A177-3AD203B41FA5}">
-                      <a16:colId xmlns:a16="http://schemas.microsoft.com/office/drawing/2014/main" xmlns="" val="1888211109"/>
+                      <a16:colId xmlns="" xmlns:a16="http://schemas.microsoft.com/office/drawing/2014/main" val="1888211109"/>
                     </a:ext>
                   </a:extLst>
                 </a:gridCol>
                 <a:gridCol w="550521">
                   <a:extLst>
                     <a:ext uri="{9D8B030D-6E8A-4147-A177-3AD203B41FA5}">
-                      <a16:colId xmlns:a16="http://schemas.microsoft.com/office/drawing/2014/main" xmlns="" val="3675358557"/>
+                      <a16:colId xmlns="" xmlns:a16="http://schemas.microsoft.com/office/drawing/2014/main" val="3675358557"/>
                     </a:ext>
                   </a:extLst>
                 </a:gridCol>
                 <a:gridCol w="550521">
                   <a:extLst>
                     <a:ext uri="{9D8B030D-6E8A-4147-A177-3AD203B41FA5}">
-                      <a16:colId xmlns:a16="http://schemas.microsoft.com/office/drawing/2014/main" xmlns="" val="2341215234"/>
+                      <a16:colId xmlns="" xmlns:a16="http://schemas.microsoft.com/office/drawing/2014/main" val="2341215234"/>
                     </a:ext>
                   </a:extLst>
                 </a:gridCol>
@@ -27331,7 +27333,7 @@
                 </a:tc>
                 <a:extLst>
                   <a:ext uri="{0D108BD9-81ED-4DB2-BD59-A6C34878D82A}">
-                    <a16:rowId xmlns:a16="http://schemas.microsoft.com/office/drawing/2014/main" xmlns="" val="2318367764"/>
+                    <a16:rowId xmlns="" xmlns:a16="http://schemas.microsoft.com/office/drawing/2014/main" val="2318367764"/>
                   </a:ext>
                 </a:extLst>
               </a:tr>
@@ -27675,7 +27677,7 @@
           <p:cNvPr id="4" name="표 3">
             <a:extLst>
               <a:ext uri="{FF2B5EF4-FFF2-40B4-BE49-F238E27FC236}">
-                <a16:creationId xmlns:a16="http://schemas.microsoft.com/office/drawing/2014/main" xmlns="" id="{15D5CCAF-CAB6-493C-9A85-2676F48690AF}"/>
+                <a16:creationId xmlns="" xmlns:a16="http://schemas.microsoft.com/office/drawing/2014/main" id="{15D5CCAF-CAB6-493C-9A85-2676F48690AF}"/>
               </a:ext>
             </a:extLst>
           </p:cNvPr>
@@ -27704,7 +27706,7 @@
                 <a:gridCol w="547200">
                   <a:extLst>
                     <a:ext uri="{9D8B030D-6E8A-4147-A177-3AD203B41FA5}">
-                      <a16:colId xmlns:a16="http://schemas.microsoft.com/office/drawing/2014/main" xmlns="" val="422949941"/>
+                      <a16:colId xmlns="" xmlns:a16="http://schemas.microsoft.com/office/drawing/2014/main" val="422949941"/>
                     </a:ext>
                   </a:extLst>
                 </a:gridCol>
@@ -27714,21 +27716,21 @@
                 <a:gridCol w="547200">
                   <a:extLst>
                     <a:ext uri="{9D8B030D-6E8A-4147-A177-3AD203B41FA5}">
-                      <a16:colId xmlns:a16="http://schemas.microsoft.com/office/drawing/2014/main" xmlns="" val="1888211109"/>
+                      <a16:colId xmlns="" xmlns:a16="http://schemas.microsoft.com/office/drawing/2014/main" val="1888211109"/>
                     </a:ext>
                   </a:extLst>
                 </a:gridCol>
                 <a:gridCol w="547200">
                   <a:extLst>
                     <a:ext uri="{9D8B030D-6E8A-4147-A177-3AD203B41FA5}">
-                      <a16:colId xmlns:a16="http://schemas.microsoft.com/office/drawing/2014/main" xmlns="" val="3675358557"/>
+                      <a16:colId xmlns="" xmlns:a16="http://schemas.microsoft.com/office/drawing/2014/main" val="3675358557"/>
                     </a:ext>
                   </a:extLst>
                 </a:gridCol>
                 <a:gridCol w="547200">
                   <a:extLst>
                     <a:ext uri="{9D8B030D-6E8A-4147-A177-3AD203B41FA5}">
-                      <a16:colId xmlns:a16="http://schemas.microsoft.com/office/drawing/2014/main" xmlns="" val="2341215234"/>
+                      <a16:colId xmlns="" xmlns:a16="http://schemas.microsoft.com/office/drawing/2014/main" val="2341215234"/>
                     </a:ext>
                   </a:extLst>
                 </a:gridCol>
@@ -28552,7 +28554,7 @@
                 </a:tc>
                 <a:extLst>
                   <a:ext uri="{0D108BD9-81ED-4DB2-BD59-A6C34878D82A}">
-                    <a16:rowId xmlns:a16="http://schemas.microsoft.com/office/drawing/2014/main" xmlns="" val="2318367764"/>
+                    <a16:rowId xmlns="" xmlns:a16="http://schemas.microsoft.com/office/drawing/2014/main" val="2318367764"/>
                   </a:ext>
                 </a:extLst>
               </a:tr>
@@ -28565,7 +28567,7 @@
           <p:cNvPr id="5" name="표 4">
             <a:extLst>
               <a:ext uri="{FF2B5EF4-FFF2-40B4-BE49-F238E27FC236}">
-                <a16:creationId xmlns:a16="http://schemas.microsoft.com/office/drawing/2014/main" xmlns="" id="{15D5CCAF-CAB6-493C-9A85-2676F48690AF}"/>
+                <a16:creationId xmlns="" xmlns:a16="http://schemas.microsoft.com/office/drawing/2014/main" id="{15D5CCAF-CAB6-493C-9A85-2676F48690AF}"/>
               </a:ext>
             </a:extLst>
           </p:cNvPr>
@@ -28594,7 +28596,7 @@
                 <a:gridCol w="547200">
                   <a:extLst>
                     <a:ext uri="{9D8B030D-6E8A-4147-A177-3AD203B41FA5}">
-                      <a16:colId xmlns:a16="http://schemas.microsoft.com/office/drawing/2014/main" xmlns="" val="422949941"/>
+                      <a16:colId xmlns="" xmlns:a16="http://schemas.microsoft.com/office/drawing/2014/main" val="422949941"/>
                     </a:ext>
                   </a:extLst>
                 </a:gridCol>
@@ -28604,21 +28606,21 @@
                 <a:gridCol w="547200">
                   <a:extLst>
                     <a:ext uri="{9D8B030D-6E8A-4147-A177-3AD203B41FA5}">
-                      <a16:colId xmlns:a16="http://schemas.microsoft.com/office/drawing/2014/main" xmlns="" val="1888211109"/>
+                      <a16:colId xmlns="" xmlns:a16="http://schemas.microsoft.com/office/drawing/2014/main" val="1888211109"/>
                     </a:ext>
                   </a:extLst>
                 </a:gridCol>
                 <a:gridCol w="547200">
                   <a:extLst>
                     <a:ext uri="{9D8B030D-6E8A-4147-A177-3AD203B41FA5}">
-                      <a16:colId xmlns:a16="http://schemas.microsoft.com/office/drawing/2014/main" xmlns="" val="3675358557"/>
+                      <a16:colId xmlns="" xmlns:a16="http://schemas.microsoft.com/office/drawing/2014/main" val="3675358557"/>
                     </a:ext>
                   </a:extLst>
                 </a:gridCol>
                 <a:gridCol w="547200">
                   <a:extLst>
                     <a:ext uri="{9D8B030D-6E8A-4147-A177-3AD203B41FA5}">
-                      <a16:colId xmlns:a16="http://schemas.microsoft.com/office/drawing/2014/main" xmlns="" val="2341215234"/>
+                      <a16:colId xmlns="" xmlns:a16="http://schemas.microsoft.com/office/drawing/2014/main" val="2341215234"/>
                     </a:ext>
                   </a:extLst>
                 </a:gridCol>
@@ -29278,7 +29280,7 @@
                 </a:tc>
                 <a:extLst>
                   <a:ext uri="{0D108BD9-81ED-4DB2-BD59-A6C34878D82A}">
-                    <a16:rowId xmlns:a16="http://schemas.microsoft.com/office/drawing/2014/main" xmlns="" val="2318367764"/>
+                    <a16:rowId xmlns="" xmlns:a16="http://schemas.microsoft.com/office/drawing/2014/main" val="2318367764"/>
                   </a:ext>
                 </a:extLst>
               </a:tr>
@@ -29291,7 +29293,7 @@
           <p:cNvPr id="6" name="표 5">
             <a:extLst>
               <a:ext uri="{FF2B5EF4-FFF2-40B4-BE49-F238E27FC236}">
-                <a16:creationId xmlns:a16="http://schemas.microsoft.com/office/drawing/2014/main" xmlns="" id="{15D5CCAF-CAB6-493C-9A85-2676F48690AF}"/>
+                <a16:creationId xmlns="" xmlns:a16="http://schemas.microsoft.com/office/drawing/2014/main" id="{15D5CCAF-CAB6-493C-9A85-2676F48690AF}"/>
               </a:ext>
             </a:extLst>
           </p:cNvPr>
@@ -29320,7 +29322,7 @@
                 <a:gridCol w="547200">
                   <a:extLst>
                     <a:ext uri="{9D8B030D-6E8A-4147-A177-3AD203B41FA5}">
-                      <a16:colId xmlns:a16="http://schemas.microsoft.com/office/drawing/2014/main" xmlns="" val="422949941"/>
+                      <a16:colId xmlns="" xmlns:a16="http://schemas.microsoft.com/office/drawing/2014/main" val="422949941"/>
                     </a:ext>
                   </a:extLst>
                 </a:gridCol>
@@ -29330,21 +29332,21 @@
                 <a:gridCol w="547200">
                   <a:extLst>
                     <a:ext uri="{9D8B030D-6E8A-4147-A177-3AD203B41FA5}">
-                      <a16:colId xmlns:a16="http://schemas.microsoft.com/office/drawing/2014/main" xmlns="" val="1888211109"/>
+                      <a16:colId xmlns="" xmlns:a16="http://schemas.microsoft.com/office/drawing/2014/main" val="1888211109"/>
                     </a:ext>
                   </a:extLst>
                 </a:gridCol>
                 <a:gridCol w="547200">
                   <a:extLst>
                     <a:ext uri="{9D8B030D-6E8A-4147-A177-3AD203B41FA5}">
-                      <a16:colId xmlns:a16="http://schemas.microsoft.com/office/drawing/2014/main" xmlns="" val="3675358557"/>
+                      <a16:colId xmlns="" xmlns:a16="http://schemas.microsoft.com/office/drawing/2014/main" val="3675358557"/>
                     </a:ext>
                   </a:extLst>
                 </a:gridCol>
                 <a:gridCol w="547200">
                   <a:extLst>
                     <a:ext uri="{9D8B030D-6E8A-4147-A177-3AD203B41FA5}">
-                      <a16:colId xmlns:a16="http://schemas.microsoft.com/office/drawing/2014/main" xmlns="" val="2341215234"/>
+                      <a16:colId xmlns="" xmlns:a16="http://schemas.microsoft.com/office/drawing/2014/main" val="2341215234"/>
                     </a:ext>
                   </a:extLst>
                 </a:gridCol>
@@ -30039,7 +30041,7 @@
                 </a:tc>
                 <a:extLst>
                   <a:ext uri="{0D108BD9-81ED-4DB2-BD59-A6C34878D82A}">
-                    <a16:rowId xmlns:a16="http://schemas.microsoft.com/office/drawing/2014/main" xmlns="" val="2318367764"/>
+                    <a16:rowId xmlns="" xmlns:a16="http://schemas.microsoft.com/office/drawing/2014/main" val="2318367764"/>
                   </a:ext>
                 </a:extLst>
               </a:tr>
@@ -30052,7 +30054,7 @@
           <p:cNvPr id="7" name="표 6">
             <a:extLst>
               <a:ext uri="{FF2B5EF4-FFF2-40B4-BE49-F238E27FC236}">
-                <a16:creationId xmlns:a16="http://schemas.microsoft.com/office/drawing/2014/main" xmlns="" id="{15D5CCAF-CAB6-493C-9A85-2676F48690AF}"/>
+                <a16:creationId xmlns="" xmlns:a16="http://schemas.microsoft.com/office/drawing/2014/main" id="{15D5CCAF-CAB6-493C-9A85-2676F48690AF}"/>
               </a:ext>
             </a:extLst>
           </p:cNvPr>
@@ -30081,7 +30083,7 @@
                 <a:gridCol w="547200">
                   <a:extLst>
                     <a:ext uri="{9D8B030D-6E8A-4147-A177-3AD203B41FA5}">
-                      <a16:colId xmlns:a16="http://schemas.microsoft.com/office/drawing/2014/main" xmlns="" val="422949941"/>
+                      <a16:colId xmlns="" xmlns:a16="http://schemas.microsoft.com/office/drawing/2014/main" val="422949941"/>
                     </a:ext>
                   </a:extLst>
                 </a:gridCol>
@@ -30091,21 +30093,21 @@
                 <a:gridCol w="547200">
                   <a:extLst>
                     <a:ext uri="{9D8B030D-6E8A-4147-A177-3AD203B41FA5}">
-                      <a16:colId xmlns:a16="http://schemas.microsoft.com/office/drawing/2014/main" xmlns="" val="1888211109"/>
+                      <a16:colId xmlns="" xmlns:a16="http://schemas.microsoft.com/office/drawing/2014/main" val="1888211109"/>
                     </a:ext>
                   </a:extLst>
                 </a:gridCol>
                 <a:gridCol w="547200">
                   <a:extLst>
                     <a:ext uri="{9D8B030D-6E8A-4147-A177-3AD203B41FA5}">
-                      <a16:colId xmlns:a16="http://schemas.microsoft.com/office/drawing/2014/main" xmlns="" val="3675358557"/>
+                      <a16:colId xmlns="" xmlns:a16="http://schemas.microsoft.com/office/drawing/2014/main" val="3675358557"/>
                     </a:ext>
                   </a:extLst>
                 </a:gridCol>
                 <a:gridCol w="547200">
                   <a:extLst>
                     <a:ext uri="{9D8B030D-6E8A-4147-A177-3AD203B41FA5}">
-                      <a16:colId xmlns:a16="http://schemas.microsoft.com/office/drawing/2014/main" xmlns="" val="2341215234"/>
+                      <a16:colId xmlns="" xmlns:a16="http://schemas.microsoft.com/office/drawing/2014/main" val="2341215234"/>
                     </a:ext>
                   </a:extLst>
                 </a:gridCol>
@@ -30784,7 +30786,7 @@
                 </a:tc>
                 <a:extLst>
                   <a:ext uri="{0D108BD9-81ED-4DB2-BD59-A6C34878D82A}">
-                    <a16:rowId xmlns:a16="http://schemas.microsoft.com/office/drawing/2014/main" xmlns="" val="2318367764"/>
+                    <a16:rowId xmlns="" xmlns:a16="http://schemas.microsoft.com/office/drawing/2014/main" val="2318367764"/>
                   </a:ext>
                 </a:extLst>
               </a:tr>
@@ -31841,7 +31843,7 @@
           <p:cNvPr id="5" name="표 4">
             <a:extLst>
               <a:ext uri="{FF2B5EF4-FFF2-40B4-BE49-F238E27FC236}">
-                <a16:creationId xmlns:a16="http://schemas.microsoft.com/office/drawing/2014/main" xmlns="" id="{15D5CCAF-CAB6-493C-9A85-2676F48690AF}"/>
+                <a16:creationId xmlns="" xmlns:a16="http://schemas.microsoft.com/office/drawing/2014/main" id="{15D5CCAF-CAB6-493C-9A85-2676F48690AF}"/>
               </a:ext>
             </a:extLst>
           </p:cNvPr>
@@ -31870,7 +31872,7 @@
                 <a:gridCol w="547200">
                   <a:extLst>
                     <a:ext uri="{9D8B030D-6E8A-4147-A177-3AD203B41FA5}">
-                      <a16:colId xmlns:a16="http://schemas.microsoft.com/office/drawing/2014/main" xmlns="" val="422949941"/>
+                      <a16:colId xmlns="" xmlns:a16="http://schemas.microsoft.com/office/drawing/2014/main" val="422949941"/>
                     </a:ext>
                   </a:extLst>
                 </a:gridCol>
@@ -31880,14 +31882,14 @@
                 <a:gridCol w="547200">
                   <a:extLst>
                     <a:ext uri="{9D8B030D-6E8A-4147-A177-3AD203B41FA5}">
-                      <a16:colId xmlns:a16="http://schemas.microsoft.com/office/drawing/2014/main" xmlns="" val="1888211109"/>
+                      <a16:colId xmlns="" xmlns:a16="http://schemas.microsoft.com/office/drawing/2014/main" val="1888211109"/>
                     </a:ext>
                   </a:extLst>
                 </a:gridCol>
                 <a:gridCol w="547200">
                   <a:extLst>
                     <a:ext uri="{9D8B030D-6E8A-4147-A177-3AD203B41FA5}">
-                      <a16:colId xmlns:a16="http://schemas.microsoft.com/office/drawing/2014/main" xmlns="" val="3675358557"/>
+                      <a16:colId xmlns="" xmlns:a16="http://schemas.microsoft.com/office/drawing/2014/main" val="3675358557"/>
                     </a:ext>
                   </a:extLst>
                 </a:gridCol>
@@ -32325,7 +32327,7 @@
                 </a:tc>
                 <a:extLst>
                   <a:ext uri="{0D108BD9-81ED-4DB2-BD59-A6C34878D82A}">
-                    <a16:rowId xmlns:a16="http://schemas.microsoft.com/office/drawing/2014/main" xmlns="" val="2318367764"/>
+                    <a16:rowId xmlns="" xmlns:a16="http://schemas.microsoft.com/office/drawing/2014/main" val="2318367764"/>
                   </a:ext>
                 </a:extLst>
               </a:tr>
@@ -32338,7 +32340,7 @@
           <p:cNvPr id="6" name="표 5">
             <a:extLst>
               <a:ext uri="{FF2B5EF4-FFF2-40B4-BE49-F238E27FC236}">
-                <a16:creationId xmlns:a16="http://schemas.microsoft.com/office/drawing/2014/main" xmlns="" id="{15D5CCAF-CAB6-493C-9A85-2676F48690AF}"/>
+                <a16:creationId xmlns="" xmlns:a16="http://schemas.microsoft.com/office/drawing/2014/main" id="{15D5CCAF-CAB6-493C-9A85-2676F48690AF}"/>
               </a:ext>
             </a:extLst>
           </p:cNvPr>
@@ -32367,7 +32369,7 @@
                 <a:gridCol w="547200">
                   <a:extLst>
                     <a:ext uri="{9D8B030D-6E8A-4147-A177-3AD203B41FA5}">
-                      <a16:colId xmlns:a16="http://schemas.microsoft.com/office/drawing/2014/main" xmlns="" val="422949941"/>
+                      <a16:colId xmlns="" xmlns:a16="http://schemas.microsoft.com/office/drawing/2014/main" val="422949941"/>
                     </a:ext>
                   </a:extLst>
                 </a:gridCol>
@@ -32377,14 +32379,14 @@
                 <a:gridCol w="547200">
                   <a:extLst>
                     <a:ext uri="{9D8B030D-6E8A-4147-A177-3AD203B41FA5}">
-                      <a16:colId xmlns:a16="http://schemas.microsoft.com/office/drawing/2014/main" xmlns="" val="1888211109"/>
+                      <a16:colId xmlns="" xmlns:a16="http://schemas.microsoft.com/office/drawing/2014/main" val="1888211109"/>
                     </a:ext>
                   </a:extLst>
                 </a:gridCol>
                 <a:gridCol w="547200">
                   <a:extLst>
                     <a:ext uri="{9D8B030D-6E8A-4147-A177-3AD203B41FA5}">
-                      <a16:colId xmlns:a16="http://schemas.microsoft.com/office/drawing/2014/main" xmlns="" val="3675358557"/>
+                      <a16:colId xmlns="" xmlns:a16="http://schemas.microsoft.com/office/drawing/2014/main" val="3675358557"/>
                     </a:ext>
                   </a:extLst>
                 </a:gridCol>
@@ -32822,7 +32824,7 @@
                 </a:tc>
                 <a:extLst>
                   <a:ext uri="{0D108BD9-81ED-4DB2-BD59-A6C34878D82A}">
-                    <a16:rowId xmlns:a16="http://schemas.microsoft.com/office/drawing/2014/main" xmlns="" val="2318367764"/>
+                    <a16:rowId xmlns="" xmlns:a16="http://schemas.microsoft.com/office/drawing/2014/main" val="2318367764"/>
                   </a:ext>
                 </a:extLst>
               </a:tr>
@@ -32835,7 +32837,7 @@
           <p:cNvPr id="7" name="표 6">
             <a:extLst>
               <a:ext uri="{FF2B5EF4-FFF2-40B4-BE49-F238E27FC236}">
-                <a16:creationId xmlns:a16="http://schemas.microsoft.com/office/drawing/2014/main" xmlns="" id="{15D5CCAF-CAB6-493C-9A85-2676F48690AF}"/>
+                <a16:creationId xmlns="" xmlns:a16="http://schemas.microsoft.com/office/drawing/2014/main" id="{15D5CCAF-CAB6-493C-9A85-2676F48690AF}"/>
               </a:ext>
             </a:extLst>
           </p:cNvPr>
@@ -32864,7 +32866,7 @@
                 <a:gridCol w="547200">
                   <a:extLst>
                     <a:ext uri="{9D8B030D-6E8A-4147-A177-3AD203B41FA5}">
-                      <a16:colId xmlns:a16="http://schemas.microsoft.com/office/drawing/2014/main" xmlns="" val="422949941"/>
+                      <a16:colId xmlns="" xmlns:a16="http://schemas.microsoft.com/office/drawing/2014/main" val="422949941"/>
                     </a:ext>
                   </a:extLst>
                 </a:gridCol>
@@ -32874,14 +32876,14 @@
                 <a:gridCol w="547200">
                   <a:extLst>
                     <a:ext uri="{9D8B030D-6E8A-4147-A177-3AD203B41FA5}">
-                      <a16:colId xmlns:a16="http://schemas.microsoft.com/office/drawing/2014/main" xmlns="" val="1888211109"/>
+                      <a16:colId xmlns="" xmlns:a16="http://schemas.microsoft.com/office/drawing/2014/main" val="1888211109"/>
                     </a:ext>
                   </a:extLst>
                 </a:gridCol>
                 <a:gridCol w="547200">
                   <a:extLst>
                     <a:ext uri="{9D8B030D-6E8A-4147-A177-3AD203B41FA5}">
-                      <a16:colId xmlns:a16="http://schemas.microsoft.com/office/drawing/2014/main" xmlns="" val="3675358557"/>
+                      <a16:colId xmlns="" xmlns:a16="http://schemas.microsoft.com/office/drawing/2014/main" val="3675358557"/>
                     </a:ext>
                   </a:extLst>
                 </a:gridCol>
@@ -33315,7 +33317,7 @@
                 </a:tc>
                 <a:extLst>
                   <a:ext uri="{0D108BD9-81ED-4DB2-BD59-A6C34878D82A}">
-                    <a16:rowId xmlns:a16="http://schemas.microsoft.com/office/drawing/2014/main" xmlns="" val="2318367764"/>
+                    <a16:rowId xmlns="" xmlns:a16="http://schemas.microsoft.com/office/drawing/2014/main" val="2318367764"/>
                   </a:ext>
                 </a:extLst>
               </a:tr>
@@ -33536,7 +33538,7 @@
           <p:cNvPr id="26" name="표 25">
             <a:extLst>
               <a:ext uri="{FF2B5EF4-FFF2-40B4-BE49-F238E27FC236}">
-                <a16:creationId xmlns:a16="http://schemas.microsoft.com/office/drawing/2014/main" xmlns="" id="{15D5CCAF-CAB6-493C-9A85-2676F48690AF}"/>
+                <a16:creationId xmlns="" xmlns:a16="http://schemas.microsoft.com/office/drawing/2014/main" id="{15D5CCAF-CAB6-493C-9A85-2676F48690AF}"/>
               </a:ext>
             </a:extLst>
           </p:cNvPr>
@@ -33565,7 +33567,7 @@
                 <a:gridCol w="547200">
                   <a:extLst>
                     <a:ext uri="{9D8B030D-6E8A-4147-A177-3AD203B41FA5}">
-                      <a16:colId xmlns:a16="http://schemas.microsoft.com/office/drawing/2014/main" xmlns="" val="422949941"/>
+                      <a16:colId xmlns="" xmlns:a16="http://schemas.microsoft.com/office/drawing/2014/main" val="422949941"/>
                     </a:ext>
                   </a:extLst>
                 </a:gridCol>
@@ -33575,14 +33577,14 @@
                 <a:gridCol w="547200">
                   <a:extLst>
                     <a:ext uri="{9D8B030D-6E8A-4147-A177-3AD203B41FA5}">
-                      <a16:colId xmlns:a16="http://schemas.microsoft.com/office/drawing/2014/main" xmlns="" val="1888211109"/>
+                      <a16:colId xmlns="" xmlns:a16="http://schemas.microsoft.com/office/drawing/2014/main" val="1888211109"/>
                     </a:ext>
                   </a:extLst>
                 </a:gridCol>
                 <a:gridCol w="547200">
                   <a:extLst>
                     <a:ext uri="{9D8B030D-6E8A-4147-A177-3AD203B41FA5}">
-                      <a16:colId xmlns:a16="http://schemas.microsoft.com/office/drawing/2014/main" xmlns="" val="3675358557"/>
+                      <a16:colId xmlns="" xmlns:a16="http://schemas.microsoft.com/office/drawing/2014/main" val="3675358557"/>
                     </a:ext>
                   </a:extLst>
                 </a:gridCol>
@@ -34020,7 +34022,7 @@
                 </a:tc>
                 <a:extLst>
                   <a:ext uri="{0D108BD9-81ED-4DB2-BD59-A6C34878D82A}">
-                    <a16:rowId xmlns:a16="http://schemas.microsoft.com/office/drawing/2014/main" xmlns="" val="2318367764"/>
+                    <a16:rowId xmlns="" xmlns:a16="http://schemas.microsoft.com/office/drawing/2014/main" val="2318367764"/>
                   </a:ext>
                 </a:extLst>
               </a:tr>
@@ -34591,6 +34593,292 @@
 </p:sld>
 </file>
 
+<file path=ppt/slides/slide30.xml><?xml version="1.0" encoding="utf-8"?>
+<p:sld xmlns:a="http://schemas.openxmlformats.org/drawingml/2006/main" xmlns:r="http://schemas.openxmlformats.org/officeDocument/2006/relationships" xmlns:p="http://schemas.openxmlformats.org/presentationml/2006/main">
+  <p:cSld>
+    <p:spTree>
+      <p:nvGrpSpPr>
+        <p:cNvPr id="1" name=""/>
+        <p:cNvGrpSpPr/>
+        <p:nvPr/>
+      </p:nvGrpSpPr>
+      <p:grpSpPr>
+        <a:xfrm>
+          <a:off x="0" y="0"/>
+          <a:ext cx="0" cy="0"/>
+          <a:chOff x="0" y="0"/>
+          <a:chExt cx="0" cy="0"/>
+        </a:xfrm>
+      </p:grpSpPr>
+      <p:sp>
+        <p:nvSpPr>
+          <p:cNvPr id="2" name="제목 1"/>
+          <p:cNvSpPr>
+            <a:spLocks noGrp="1"/>
+          </p:cNvSpPr>
+          <p:nvPr>
+            <p:ph type="title"/>
+          </p:nvPr>
+        </p:nvSpPr>
+        <p:spPr/>
+        <p:txBody>
+          <a:bodyPr/>
+          <a:lstStyle/>
+          <a:p>
+            <a:endParaRPr kumimoji="1" lang="ko-KR" altLang="en-US" dirty="0"/>
+          </a:p>
+        </p:txBody>
+      </p:sp>
+      <p:sp>
+        <p:nvSpPr>
+          <p:cNvPr id="3" name="내용 개체 틀 2"/>
+          <p:cNvSpPr>
+            <a:spLocks noGrp="1"/>
+          </p:cNvSpPr>
+          <p:nvPr>
+            <p:ph idx="1"/>
+          </p:nvPr>
+        </p:nvSpPr>
+        <p:spPr/>
+        <p:txBody>
+          <a:bodyPr/>
+          <a:lstStyle/>
+          <a:p>
+            <a:pPr marL="0" marR="0" lvl="0" indent="0" defTabSz="914400" eaLnBrk="1" fontAlgn="auto" latinLnBrk="0" hangingPunct="1">
+              <a:lnSpc>
+                <a:spcPct val="100000"/>
+              </a:lnSpc>
+              <a:spcBef>
+                <a:spcPts val="0"/>
+              </a:spcBef>
+              <a:spcAft>
+                <a:spcPts val="0"/>
+              </a:spcAft>
+              <a:buClrTx/>
+              <a:buSzTx/>
+              <a:buFontTx/>
+              <a:buNone/>
+              <a:tabLst/>
+              <a:defRPr/>
+            </a:pPr>
+            <a:r>
+              <a:rPr kumimoji="1" lang="en-US" altLang="ko-KR" dirty="0" smtClean="0"/>
+              <a:t>M Y B B A G E L</a:t>
+            </a:r>
+          </a:p>
+          <a:p>
+            <a:pPr marL="0" marR="0" lvl="0" indent="0" defTabSz="914400" eaLnBrk="1" fontAlgn="auto" latinLnBrk="0" hangingPunct="1">
+              <a:lnSpc>
+                <a:spcPct val="100000"/>
+              </a:lnSpc>
+              <a:spcBef>
+                <a:spcPts val="0"/>
+              </a:spcBef>
+              <a:spcAft>
+                <a:spcPts val="0"/>
+              </a:spcAft>
+              <a:buClrTx/>
+              <a:buSzTx/>
+              <a:buFontTx/>
+              <a:buNone/>
+              <a:tabLst/>
+              <a:defRPr/>
+            </a:pPr>
+            <a:endParaRPr kumimoji="1" lang="en-US" altLang="ko-KR" dirty="0"/>
+          </a:p>
+          <a:p>
+            <a:pPr marL="0" marR="0" lvl="0" indent="0" defTabSz="914400" eaLnBrk="1" fontAlgn="auto" latinLnBrk="0" hangingPunct="1">
+              <a:lnSpc>
+                <a:spcPct val="100000"/>
+              </a:lnSpc>
+              <a:spcBef>
+                <a:spcPts val="0"/>
+              </a:spcBef>
+              <a:spcAft>
+                <a:spcPts val="0"/>
+              </a:spcAft>
+              <a:buClrTx/>
+              <a:buSzTx/>
+              <a:buFontTx/>
+              <a:buNone/>
+              <a:tabLst/>
+              <a:defRPr/>
+            </a:pPr>
+            <a:r>
+              <a:rPr kumimoji="1" lang="en-US" altLang="ko-KR" dirty="0" smtClean="0"/>
+              <a:t>MYBK</a:t>
+            </a:r>
+          </a:p>
+          <a:p>
+            <a:pPr marL="0" marR="0" lvl="0" indent="0" defTabSz="914400" eaLnBrk="1" fontAlgn="auto" latinLnBrk="0" hangingPunct="1">
+              <a:lnSpc>
+                <a:spcPct val="100000"/>
+              </a:lnSpc>
+              <a:spcBef>
+                <a:spcPts val="0"/>
+              </a:spcBef>
+              <a:spcAft>
+                <a:spcPts val="0"/>
+              </a:spcAft>
+              <a:buClrTx/>
+              <a:buSzTx/>
+              <a:buFontTx/>
+              <a:buNone/>
+              <a:tabLst/>
+              <a:defRPr/>
+            </a:pPr>
+            <a:endParaRPr kumimoji="1" lang="en-US" altLang="ko-KR" dirty="0"/>
+          </a:p>
+          <a:p>
+            <a:pPr marL="0" marR="0" lvl="0" indent="0" defTabSz="914400" eaLnBrk="1" fontAlgn="auto" latinLnBrk="0" hangingPunct="1">
+              <a:lnSpc>
+                <a:spcPct val="100000"/>
+              </a:lnSpc>
+              <a:spcBef>
+                <a:spcPts val="0"/>
+              </a:spcBef>
+              <a:spcAft>
+                <a:spcPts val="0"/>
+              </a:spcAft>
+              <a:buClrTx/>
+              <a:buSzTx/>
+              <a:buFontTx/>
+              <a:buNone/>
+              <a:tabLst/>
+              <a:defRPr/>
+            </a:pPr>
+            <a:r>
+              <a:rPr kumimoji="1" lang="en-US" altLang="ko-KR" dirty="0" smtClean="0"/>
+              <a:t>M B M B A G E L</a:t>
+            </a:r>
+          </a:p>
+          <a:p>
+            <a:pPr marL="0" marR="0" lvl="0" indent="0" defTabSz="914400" eaLnBrk="1" fontAlgn="auto" latinLnBrk="0" hangingPunct="1">
+              <a:lnSpc>
+                <a:spcPct val="100000"/>
+              </a:lnSpc>
+              <a:spcBef>
+                <a:spcPts val="0"/>
+              </a:spcBef>
+              <a:spcAft>
+                <a:spcPts val="0"/>
+              </a:spcAft>
+              <a:buClrTx/>
+              <a:buSzTx/>
+              <a:buFontTx/>
+              <a:buNone/>
+              <a:tabLst/>
+              <a:defRPr/>
+            </a:pPr>
+            <a:endParaRPr kumimoji="1" lang="en-US" altLang="ko-KR" dirty="0"/>
+          </a:p>
+          <a:p>
+            <a:pPr marL="0" marR="0" lvl="0" indent="0" defTabSz="914400" eaLnBrk="1" fontAlgn="auto" latinLnBrk="0" hangingPunct="1">
+              <a:lnSpc>
+                <a:spcPct val="100000"/>
+              </a:lnSpc>
+              <a:spcBef>
+                <a:spcPts val="0"/>
+              </a:spcBef>
+              <a:spcAft>
+                <a:spcPts val="0"/>
+              </a:spcAft>
+              <a:buClrTx/>
+              <a:buSzTx/>
+              <a:buFontTx/>
+              <a:buNone/>
+              <a:tabLst/>
+              <a:defRPr/>
+            </a:pPr>
+            <a:r>
+              <a:rPr kumimoji="1" lang="en-US" altLang="ko-KR" dirty="0" smtClean="0"/>
+              <a:t>MBMBC</a:t>
+            </a:r>
+            <a:endParaRPr kumimoji="1" lang="ko-KR" altLang="en-US" dirty="0"/>
+          </a:p>
+        </p:txBody>
+      </p:sp>
+    </p:spTree>
+    <p:extLst>
+      <p:ext uri="{BB962C8B-B14F-4D97-AF65-F5344CB8AC3E}">
+        <p14:creationId xmlns:p14="http://schemas.microsoft.com/office/powerpoint/2010/main" val="705296064"/>
+      </p:ext>
+    </p:extLst>
+  </p:cSld>
+  <p:clrMapOvr>
+    <a:masterClrMapping/>
+  </p:clrMapOvr>
+</p:sld>
+</file>
+
+<file path=ppt/slides/slide31.xml><?xml version="1.0" encoding="utf-8"?>
+<p:sld xmlns:a="http://schemas.openxmlformats.org/drawingml/2006/main" xmlns:r="http://schemas.openxmlformats.org/officeDocument/2006/relationships" xmlns:p="http://schemas.openxmlformats.org/presentationml/2006/main">
+  <p:cSld>
+    <p:spTree>
+      <p:nvGrpSpPr>
+        <p:cNvPr id="1" name=""/>
+        <p:cNvGrpSpPr/>
+        <p:nvPr/>
+      </p:nvGrpSpPr>
+      <p:grpSpPr>
+        <a:xfrm>
+          <a:off x="0" y="0"/>
+          <a:ext cx="0" cy="0"/>
+          <a:chOff x="0" y="0"/>
+          <a:chExt cx="0" cy="0"/>
+        </a:xfrm>
+      </p:grpSpPr>
+      <p:sp>
+        <p:nvSpPr>
+          <p:cNvPr id="2" name="제목 1"/>
+          <p:cNvSpPr>
+            <a:spLocks noGrp="1"/>
+          </p:cNvSpPr>
+          <p:nvPr>
+            <p:ph type="title"/>
+          </p:nvPr>
+        </p:nvSpPr>
+        <p:spPr/>
+        <p:txBody>
+          <a:bodyPr/>
+          <a:lstStyle/>
+          <a:p>
+            <a:endParaRPr kumimoji="1" lang="ko-KR" altLang="en-US"/>
+          </a:p>
+        </p:txBody>
+      </p:sp>
+      <p:sp>
+        <p:nvSpPr>
+          <p:cNvPr id="3" name="내용 개체 틀 2"/>
+          <p:cNvSpPr>
+            <a:spLocks noGrp="1"/>
+          </p:cNvSpPr>
+          <p:nvPr>
+            <p:ph idx="1"/>
+          </p:nvPr>
+        </p:nvSpPr>
+        <p:spPr/>
+        <p:txBody>
+          <a:bodyPr/>
+          <a:lstStyle/>
+          <a:p>
+            <a:endParaRPr kumimoji="1" lang="ko-KR" altLang="en-US"/>
+          </a:p>
+        </p:txBody>
+      </p:sp>
+    </p:spTree>
+    <p:extLst>
+      <p:ext uri="{BB962C8B-B14F-4D97-AF65-F5344CB8AC3E}">
+        <p14:creationId xmlns:p14="http://schemas.microsoft.com/office/powerpoint/2010/main" val="1808494536"/>
+      </p:ext>
+    </p:extLst>
+  </p:cSld>
+  <p:clrMapOvr>
+    <a:masterClrMapping/>
+  </p:clrMapOvr>
+</p:sld>
+</file>
+
 <file path=ppt/slides/slide4.xml><?xml version="1.0" encoding="utf-8"?>
 <p:sld xmlns:a="http://schemas.openxmlformats.org/drawingml/2006/main" xmlns:r="http://schemas.openxmlformats.org/officeDocument/2006/relationships" xmlns:p="http://schemas.openxmlformats.org/presentationml/2006/main">
   <p:cSld>
